--- a/slides.pptx
+++ b/slides.pptx
@@ -6,13 +6,14 @@
   </p:sldMasterIdLst>
   <p:sldIdLst>
     <p:sldId id="256" r:id="rId2"/>
-    <p:sldId id="259" r:id="rId3"/>
-    <p:sldId id="260" r:id="rId4"/>
-    <p:sldId id="262" r:id="rId5"/>
-    <p:sldId id="261" r:id="rId6"/>
-    <p:sldId id="263" r:id="rId7"/>
-    <p:sldId id="258" r:id="rId8"/>
-    <p:sldId id="257" r:id="rId9"/>
+    <p:sldId id="264" r:id="rId3"/>
+    <p:sldId id="259" r:id="rId4"/>
+    <p:sldId id="260" r:id="rId5"/>
+    <p:sldId id="262" r:id="rId6"/>
+    <p:sldId id="261" r:id="rId7"/>
+    <p:sldId id="263" r:id="rId8"/>
+    <p:sldId id="258" r:id="rId9"/>
+    <p:sldId id="257" r:id="rId10"/>
   </p:sldIdLst>
   <p:sldSz cx="9144000" cy="6858000" type="screen4x3"/>
   <p:notesSz cx="6858000" cy="9144000"/>
@@ -3136,10 +3137,301 @@
         </p:nvSpPr>
         <p:spPr/>
         <p:txBody>
-          <a:bodyPr/>
-          <a:lstStyle/>
-          <a:p>
-            <a:endParaRPr lang="ru-RU"/>
+          <a:bodyPr>
+            <a:noAutofit/>
+          </a:bodyPr>
+          <a:lstStyle/>
+          <a:p>
+            <a:r>
+              <a:rPr lang="ru-RU" sz="1800" b="1" dirty="0" smtClean="0"/>
+              <a:t>Эксперимент</a:t>
+            </a:r>
+            <a:br>
+              <a:rPr lang="ru-RU" sz="1800" b="1" dirty="0" smtClean="0"/>
+            </a:br>
+            <a:r>
+              <a:rPr lang="ru-RU" sz="1800" dirty="0" smtClean="0"/>
+              <a:t>по использованию инновационных технологий в области компьютерного зрения для анализа медицинских изображений и дальнейшего применения в системе здравоохранения города Москвы.</a:t>
+            </a:r>
+            <a:endParaRPr lang="ru-RU" sz="1800" dirty="0"/>
+          </a:p>
+        </p:txBody>
+      </p:sp>
+      <p:sp>
+        <p:nvSpPr>
+          <p:cNvPr id="3" name="Содержимое 2"/>
+          <p:cNvSpPr>
+            <a:spLocks noGrp="1"/>
+          </p:cNvSpPr>
+          <p:nvPr>
+            <p:ph idx="1"/>
+          </p:nvPr>
+        </p:nvSpPr>
+        <p:spPr/>
+        <p:txBody>
+          <a:bodyPr>
+            <a:normAutofit fontScale="32500" lnSpcReduction="20000"/>
+          </a:bodyPr>
+          <a:lstStyle/>
+          <a:p>
+            <a:r>
+              <a:rPr lang="ru-RU" b="1" dirty="0"/>
+              <a:t>Цель</a:t>
+            </a:r>
+            <a:endParaRPr lang="ru-RU" dirty="0"/>
+          </a:p>
+          <a:p>
+            <a:r>
+              <a:rPr lang="ru-RU" dirty="0"/>
+              <a:t>Научное исследование возможности использования в системе здравоохранения города Москвы методов поддержки принятия решений на основе результатов анализа данных с применением передовых инновационных технологий.</a:t>
+            </a:r>
+          </a:p>
+          <a:p>
+            <a:r>
+              <a:rPr lang="ru-RU" dirty="0"/>
+              <a:t> </a:t>
+            </a:r>
+          </a:p>
+          <a:p>
+            <a:r>
+              <a:rPr lang="ru-RU" b="1" dirty="0"/>
+              <a:t>Платформа</a:t>
+            </a:r>
+            <a:endParaRPr lang="ru-RU" dirty="0"/>
+          </a:p>
+          <a:p>
+            <a:r>
+              <a:rPr lang="ru-RU" dirty="0"/>
+              <a:t>Единый радиологический информационный сервис (</a:t>
+            </a:r>
+            <a:r>
+              <a:rPr lang="ru-RU" dirty="0" err="1"/>
+              <a:t>ЕРИС</a:t>
+            </a:r>
+            <a:r>
+              <a:rPr lang="ru-RU" dirty="0"/>
+              <a:t>)</a:t>
+            </a:r>
+          </a:p>
+          <a:p>
+            <a:r>
+              <a:rPr lang="ru-RU" dirty="0"/>
+              <a:t> </a:t>
+            </a:r>
+          </a:p>
+          <a:p>
+            <a:r>
+              <a:rPr lang="ru-RU" b="1" dirty="0"/>
+              <a:t>В цифрах</a:t>
+            </a:r>
+            <a:endParaRPr lang="ru-RU" dirty="0"/>
+          </a:p>
+          <a:p>
+            <a:r>
+              <a:rPr lang="ru-RU" b="1" dirty="0"/>
+              <a:t>550  </a:t>
+            </a:r>
+            <a:r>
+              <a:rPr lang="ru-RU" dirty="0"/>
+              <a:t>единиц оборудования (</a:t>
+            </a:r>
+            <a:r>
+              <a:rPr lang="ru-RU" dirty="0" err="1"/>
+              <a:t>МРТ</a:t>
+            </a:r>
+            <a:r>
+              <a:rPr lang="ru-RU" dirty="0"/>
+              <a:t>/</a:t>
+            </a:r>
+            <a:r>
+              <a:rPr lang="ru-RU" dirty="0" err="1"/>
+              <a:t>ММГ</a:t>
+            </a:r>
+            <a:r>
+              <a:rPr lang="ru-RU" dirty="0"/>
+              <a:t>/КТ/</a:t>
+            </a:r>
+            <a:r>
+              <a:rPr lang="ru-RU" dirty="0" err="1"/>
+              <a:t>РГ</a:t>
+            </a:r>
+            <a:r>
+              <a:rPr lang="ru-RU" dirty="0"/>
+              <a:t>) в отделениях лучевой диагностики амбулаторных и стационарных медицинских организаций Департамента здравоохранения города Москвы.</a:t>
+            </a:r>
+          </a:p>
+          <a:p>
+            <a:r>
+              <a:rPr lang="ru-RU" b="1" dirty="0"/>
+              <a:t>365</a:t>
+            </a:r>
+            <a:r>
+              <a:rPr lang="ru-RU" dirty="0"/>
+              <a:t> врачей-рентгенологов в системе. </a:t>
+            </a:r>
+          </a:p>
+          <a:p>
+            <a:r>
+              <a:rPr lang="ru-RU" b="1" dirty="0"/>
+              <a:t>160 тысяч </a:t>
+            </a:r>
+            <a:r>
+              <a:rPr lang="ru-RU" dirty="0"/>
+              <a:t>лучевых исследований в месяц.</a:t>
+            </a:r>
+          </a:p>
+          <a:p>
+            <a:r>
+              <a:rPr lang="ru-RU" b="1" dirty="0"/>
+              <a:t>44 тысячи</a:t>
+            </a:r>
+            <a:r>
+              <a:rPr lang="ru-RU" dirty="0"/>
+              <a:t> </a:t>
+            </a:r>
+            <a:r>
+              <a:rPr lang="ru-RU" dirty="0" err="1"/>
+              <a:t>скрининговых</a:t>
+            </a:r>
+            <a:r>
+              <a:rPr lang="ru-RU" dirty="0"/>
+              <a:t> исследований с целью выявления рака молочной железы и рака легкого в год.</a:t>
+            </a:r>
+          </a:p>
+          <a:p>
+            <a:r>
+              <a:rPr lang="ru-RU" dirty="0"/>
+              <a:t> </a:t>
+            </a:r>
+          </a:p>
+          <a:p>
+            <a:r>
+              <a:rPr lang="ru-RU" b="1" dirty="0"/>
+              <a:t>Области применения:</a:t>
+            </a:r>
+            <a:endParaRPr lang="ru-RU" dirty="0"/>
+          </a:p>
+          <a:p>
+            <a:r>
+              <a:rPr lang="ru-RU" dirty="0"/>
+              <a:t>онкология;</a:t>
+            </a:r>
+          </a:p>
+          <a:p>
+            <a:r>
+              <a:rPr lang="ru-RU" dirty="0"/>
+              <a:t>кардиология;</a:t>
+            </a:r>
+          </a:p>
+          <a:p>
+            <a:r>
+              <a:rPr lang="ru-RU" dirty="0"/>
+              <a:t>хронические заболевания;</a:t>
+            </a:r>
+          </a:p>
+          <a:p>
+            <a:r>
+              <a:rPr lang="ru-RU" dirty="0"/>
+              <a:t>пульмонология;</a:t>
+            </a:r>
+          </a:p>
+          <a:p>
+            <a:r>
+              <a:rPr lang="ru-RU" dirty="0"/>
+              <a:t>неврология;</a:t>
+            </a:r>
+          </a:p>
+          <a:p>
+            <a:r>
+              <a:rPr lang="ru-RU" dirty="0"/>
+              <a:t>неотложные состояния.</a:t>
+            </a:r>
+          </a:p>
+          <a:p>
+            <a:r>
+              <a:rPr lang="ru-RU" dirty="0"/>
+              <a:t> </a:t>
+            </a:r>
+          </a:p>
+          <a:p>
+            <a:r>
+              <a:rPr lang="ru-RU" dirty="0"/>
+              <a:t>Результаты эксперимента станут основой для национальных стандартов, регламентирующих применение искусственного интеллекта в клинической медицине. Разработка документов ведется в Подкомитете 01 технического комитета по стандартизации «Искусственный интеллект» (</a:t>
+            </a:r>
+            <a:r>
+              <a:rPr lang="ru-RU" dirty="0" err="1"/>
+              <a:t>ТК</a:t>
+            </a:r>
+            <a:r>
+              <a:rPr lang="ru-RU" dirty="0"/>
+              <a:t> 164). </a:t>
+            </a:r>
+            <a:br>
+              <a:rPr lang="ru-RU" dirty="0"/>
+            </a:br>
+            <a:r>
+              <a:rPr lang="ru-RU" u="sng" dirty="0">
+                <a:hlinkClick r:id="rId2"/>
+              </a:rPr>
+              <a:t>Подробнее о деятельности ПК 01</a:t>
+            </a:r>
+            <a:endParaRPr lang="ru-RU" dirty="0"/>
+          </a:p>
+          <a:p>
+            <a:endParaRPr lang="ru-RU" dirty="0"/>
+          </a:p>
+        </p:txBody>
+      </p:sp>
+    </p:spTree>
+  </p:cSld>
+  <p:clrMapOvr>
+    <a:masterClrMapping/>
+  </p:clrMapOvr>
+</p:sld>
+</file>
+
+<file path=ppt/slides/slide3.xml><?xml version="1.0" encoding="utf-8"?>
+<p:sld xmlns:a="http://schemas.openxmlformats.org/drawingml/2006/main" xmlns:r="http://schemas.openxmlformats.org/officeDocument/2006/relationships" xmlns:p="http://schemas.openxmlformats.org/presentationml/2006/main">
+  <p:cSld>
+    <p:spTree>
+      <p:nvGrpSpPr>
+        <p:cNvPr id="1" name=""/>
+        <p:cNvGrpSpPr/>
+        <p:nvPr/>
+      </p:nvGrpSpPr>
+      <p:grpSpPr>
+        <a:xfrm>
+          <a:off x="0" y="0"/>
+          <a:ext cx="0" cy="0"/>
+          <a:chOff x="0" y="0"/>
+          <a:chExt cx="0" cy="0"/>
+        </a:xfrm>
+      </p:grpSpPr>
+      <p:sp>
+        <p:nvSpPr>
+          <p:cNvPr id="2" name="Заголовок 1"/>
+          <p:cNvSpPr>
+            <a:spLocks noGrp="1"/>
+          </p:cNvSpPr>
+          <p:nvPr>
+            <p:ph type="title"/>
+          </p:nvPr>
+        </p:nvSpPr>
+        <p:spPr/>
+        <p:txBody>
+          <a:bodyPr>
+            <a:noAutofit/>
+          </a:bodyPr>
+          <a:lstStyle/>
+          <a:p>
+            <a:r>
+              <a:rPr lang="ru-RU" sz="1800" dirty="0"/>
+              <a:t/>
+            </a:r>
+            <a:br>
+              <a:rPr lang="ru-RU" sz="1800" dirty="0"/>
+            </a:br>
+            <a:endParaRPr lang="ru-RU" sz="1800" dirty="0"/>
           </a:p>
         </p:txBody>
       </p:sp>
@@ -3185,414 +3477,6 @@
 </p:sld>
 </file>
 
-<file path=ppt/slides/slide3.xml><?xml version="1.0" encoding="utf-8"?>
-<p:sld xmlns:a="http://schemas.openxmlformats.org/drawingml/2006/main" xmlns:r="http://schemas.openxmlformats.org/officeDocument/2006/relationships" xmlns:p="http://schemas.openxmlformats.org/presentationml/2006/main">
-  <p:cSld>
-    <p:spTree>
-      <p:nvGrpSpPr>
-        <p:cNvPr id="1" name=""/>
-        <p:cNvGrpSpPr/>
-        <p:nvPr/>
-      </p:nvGrpSpPr>
-      <p:grpSpPr>
-        <a:xfrm>
-          <a:off x="0" y="0"/>
-          <a:ext cx="0" cy="0"/>
-          <a:chOff x="0" y="0"/>
-          <a:chExt cx="0" cy="0"/>
-        </a:xfrm>
-      </p:grpSpPr>
-      <p:sp>
-        <p:nvSpPr>
-          <p:cNvPr id="2" name="Заголовок 1"/>
-          <p:cNvSpPr>
-            <a:spLocks noGrp="1"/>
-          </p:cNvSpPr>
-          <p:nvPr>
-            <p:ph type="title"/>
-          </p:nvPr>
-        </p:nvSpPr>
-        <p:spPr/>
-        <p:txBody>
-          <a:bodyPr>
-            <a:normAutofit/>
-          </a:bodyPr>
-          <a:lstStyle/>
-          <a:p>
-            <a:r>
-              <a:rPr lang="ru-RU" dirty="0" smtClean="0">
-                <a:hlinkClick r:id="rId2"/>
-              </a:rPr>
-              <a:t>Клинические параметры</a:t>
-            </a:r>
-            <a:endParaRPr lang="ru-RU" dirty="0"/>
-          </a:p>
-        </p:txBody>
-      </p:sp>
-      <p:sp>
-        <p:nvSpPr>
-          <p:cNvPr id="3" name="Содержимое 2"/>
-          <p:cNvSpPr>
-            <a:spLocks noGrp="1"/>
-          </p:cNvSpPr>
-          <p:nvPr>
-            <p:ph idx="1"/>
-          </p:nvPr>
-        </p:nvSpPr>
-        <p:spPr/>
-        <p:txBody>
-          <a:bodyPr>
-            <a:normAutofit fontScale="47500" lnSpcReduction="20000"/>
-          </a:bodyPr>
-          <a:lstStyle/>
-          <a:p>
-            <a:r>
-              <a:rPr lang="ru-RU" b="1" dirty="0" smtClean="0"/>
-              <a:t>Целевые нозологии</a:t>
-            </a:r>
-          </a:p>
-          <a:p>
-            <a:pPr>
-              <a:buNone/>
-            </a:pPr>
-            <a:r>
-              <a:rPr lang="ru-RU" b="1" dirty="0"/>
-              <a:t>	</a:t>
-            </a:r>
-            <a:r>
-              <a:rPr lang="ru-RU" b="1" dirty="0" smtClean="0"/>
-              <a:t>Целевые </a:t>
-            </a:r>
-            <a:r>
-              <a:rPr lang="ru-RU" b="1" dirty="0" err="1"/>
-              <a:t>патологии\признаки</a:t>
-            </a:r>
-            <a:r>
-              <a:rPr lang="ru-RU" b="1" dirty="0"/>
-              <a:t>:</a:t>
-            </a:r>
-            <a:r>
-              <a:rPr lang="ru-RU" dirty="0"/>
-              <a:t> </a:t>
-            </a:r>
-            <a:r>
-              <a:rPr lang="ru-RU" dirty="0" err="1" smtClean="0"/>
-              <a:t>COVID-19</a:t>
-            </a:r>
-            <a:endParaRPr lang="ru-RU" dirty="0" smtClean="0"/>
-          </a:p>
-          <a:p>
-            <a:pPr>
-              <a:buNone/>
-            </a:pPr>
-            <a:r>
-              <a:rPr lang="ru-RU" b="1" dirty="0"/>
-              <a:t>	</a:t>
-            </a:r>
-            <a:r>
-              <a:rPr lang="ru-RU" b="1" dirty="0" smtClean="0"/>
-              <a:t>Код </a:t>
-            </a:r>
-            <a:r>
-              <a:rPr lang="ru-RU" b="1" dirty="0" err="1"/>
-              <a:t>МКБ-10</a:t>
-            </a:r>
-            <a:r>
-              <a:rPr lang="ru-RU" b="1" dirty="0"/>
-              <a:t> целевой патологии:</a:t>
-            </a:r>
-            <a:r>
-              <a:rPr lang="ru-RU" dirty="0"/>
-              <a:t> </a:t>
-            </a:r>
-            <a:r>
-              <a:rPr lang="ru-RU" dirty="0" err="1" smtClean="0"/>
-              <a:t>U07.1</a:t>
-            </a:r>
-            <a:endParaRPr lang="ru-RU" dirty="0" smtClean="0"/>
-          </a:p>
-          <a:p>
-            <a:r>
-              <a:rPr lang="ru-RU" b="1" dirty="0" smtClean="0"/>
-              <a:t>Параметры популяции</a:t>
-            </a:r>
-          </a:p>
-          <a:p>
-            <a:pPr>
-              <a:buNone/>
-            </a:pPr>
-            <a:r>
-              <a:rPr lang="ru-RU" b="1" dirty="0"/>
-              <a:t>	</a:t>
-            </a:r>
-            <a:r>
-              <a:rPr lang="ru-RU" b="1" dirty="0" smtClean="0"/>
-              <a:t>Критерии </a:t>
-            </a:r>
-            <a:r>
-              <a:rPr lang="ru-RU" b="1" dirty="0"/>
-              <a:t>включения/</a:t>
-            </a:r>
-            <a:r>
-              <a:rPr lang="ru-RU" b="1" dirty="0" err="1"/>
-              <a:t>невключения</a:t>
-            </a:r>
-            <a:r>
-              <a:rPr lang="ru-RU" b="1" dirty="0"/>
-              <a:t> пациента</a:t>
-            </a:r>
-            <a:r>
-              <a:rPr lang="ru-RU" b="1" dirty="0" smtClean="0"/>
-              <a:t>:</a:t>
-            </a:r>
-          </a:p>
-          <a:p>
-            <a:pPr>
-              <a:buNone/>
-            </a:pPr>
-            <a:r>
-              <a:rPr lang="ru-RU" b="1" dirty="0"/>
-              <a:t>	</a:t>
-            </a:r>
-            <a:r>
-              <a:rPr lang="ru-RU" dirty="0" smtClean="0"/>
-              <a:t>Критерии </a:t>
-            </a:r>
-            <a:r>
-              <a:rPr lang="ru-RU" dirty="0"/>
-              <a:t>включения пациента: Возраст ≥18 лет</a:t>
-            </a:r>
-            <a:br>
-              <a:rPr lang="ru-RU" dirty="0"/>
-            </a:br>
-            <a:r>
-              <a:rPr lang="ru-RU" dirty="0"/>
-              <a:t>Критерии </a:t>
-            </a:r>
-            <a:r>
-              <a:rPr lang="ru-RU" dirty="0" err="1"/>
-              <a:t>невключения</a:t>
-            </a:r>
-            <a:r>
-              <a:rPr lang="ru-RU" dirty="0"/>
-              <a:t> пациента: Наличие оперативных вмешательств, лучевой терапии в анамнезе для лечения заболеваний в области грудной клетки</a:t>
-            </a:r>
-          </a:p>
-          <a:p>
-            <a:pPr>
-              <a:buNone/>
-            </a:pPr>
-            <a:r>
-              <a:rPr lang="ru-RU" dirty="0" smtClean="0"/>
-              <a:t>	Возраст </a:t>
-            </a:r>
-            <a:r>
-              <a:rPr lang="ru-RU" dirty="0"/>
-              <a:t>(мин., лет): </a:t>
-            </a:r>
-            <a:r>
-              <a:rPr lang="ru-RU" dirty="0" smtClean="0"/>
-              <a:t>18</a:t>
-            </a:r>
-          </a:p>
-          <a:p>
-            <a:pPr>
-              <a:buNone/>
-            </a:pPr>
-            <a:r>
-              <a:rPr lang="ru-RU" dirty="0"/>
-              <a:t>	</a:t>
-            </a:r>
-            <a:r>
-              <a:rPr lang="ru-RU" dirty="0" smtClean="0"/>
-              <a:t>Возраст </a:t>
-            </a:r>
-            <a:r>
-              <a:rPr lang="ru-RU" dirty="0"/>
-              <a:t>(макс., лет): </a:t>
-            </a:r>
-            <a:r>
-              <a:rPr lang="ru-RU" dirty="0" smtClean="0"/>
-              <a:t>97</a:t>
-            </a:r>
-          </a:p>
-          <a:p>
-            <a:pPr>
-              <a:buNone/>
-            </a:pPr>
-            <a:r>
-              <a:rPr lang="ru-RU" dirty="0"/>
-              <a:t>	</a:t>
-            </a:r>
-            <a:r>
-              <a:rPr lang="ru-RU" dirty="0" smtClean="0"/>
-              <a:t>Возраст </a:t>
-            </a:r>
-            <a:r>
-              <a:rPr lang="ru-RU" dirty="0"/>
-              <a:t>(медиана, лет): </a:t>
-            </a:r>
-            <a:r>
-              <a:rPr lang="ru-RU" dirty="0" smtClean="0"/>
-              <a:t>47,0</a:t>
-            </a:r>
-          </a:p>
-          <a:p>
-            <a:pPr>
-              <a:buNone/>
-            </a:pPr>
-            <a:r>
-              <a:rPr lang="ru-RU" dirty="0"/>
-              <a:t>	</a:t>
-            </a:r>
-            <a:r>
-              <a:rPr lang="ru-RU" dirty="0" smtClean="0"/>
-              <a:t>Пол </a:t>
-            </a:r>
-            <a:r>
-              <a:rPr lang="ru-RU" dirty="0"/>
-              <a:t>(М): </a:t>
-            </a:r>
-            <a:r>
-              <a:rPr lang="ru-RU" dirty="0" smtClean="0"/>
-              <a:t>42</a:t>
-            </a:r>
-          </a:p>
-          <a:p>
-            <a:pPr>
-              <a:buNone/>
-            </a:pPr>
-            <a:r>
-              <a:rPr lang="ru-RU" dirty="0"/>
-              <a:t>	</a:t>
-            </a:r>
-            <a:r>
-              <a:rPr lang="ru-RU" dirty="0" smtClean="0"/>
-              <a:t>Пол </a:t>
-            </a:r>
-            <a:r>
-              <a:rPr lang="ru-RU" dirty="0"/>
-              <a:t>(Ж): </a:t>
-            </a:r>
-            <a:r>
-              <a:rPr lang="ru-RU" dirty="0" smtClean="0"/>
-              <a:t>56</a:t>
-            </a:r>
-          </a:p>
-          <a:p>
-            <a:pPr>
-              <a:buNone/>
-            </a:pPr>
-            <a:r>
-              <a:rPr lang="ru-RU" dirty="0"/>
-              <a:t>	</a:t>
-            </a:r>
-            <a:r>
-              <a:rPr lang="ru-RU" dirty="0" smtClean="0"/>
-              <a:t>Пол </a:t>
-            </a:r>
-            <a:r>
-              <a:rPr lang="ru-RU" dirty="0"/>
-              <a:t>(</a:t>
-            </a:r>
-            <a:r>
-              <a:rPr lang="ru-RU" dirty="0" err="1"/>
-              <a:t>неопределено</a:t>
-            </a:r>
-            <a:r>
-              <a:rPr lang="ru-RU" dirty="0"/>
-              <a:t>): </a:t>
-            </a:r>
-            <a:r>
-              <a:rPr lang="ru-RU" dirty="0" smtClean="0"/>
-              <a:t>2</a:t>
-            </a:r>
-          </a:p>
-          <a:p>
-            <a:pPr>
-              <a:buNone/>
-            </a:pPr>
-            <a:r>
-              <a:rPr lang="ru-RU" dirty="0"/>
-              <a:t>	</a:t>
-            </a:r>
-            <a:r>
-              <a:rPr lang="ru-RU" dirty="0" smtClean="0"/>
-              <a:t>Период </a:t>
-            </a:r>
-            <a:r>
-              <a:rPr lang="ru-RU" dirty="0"/>
-              <a:t>сбора (начало): </a:t>
-            </a:r>
-            <a:r>
-              <a:rPr lang="ru-RU" dirty="0" smtClean="0"/>
-              <a:t>01.03.2020</a:t>
-            </a:r>
-          </a:p>
-          <a:p>
-            <a:pPr>
-              <a:buNone/>
-            </a:pPr>
-            <a:r>
-              <a:rPr lang="ru-RU" dirty="0"/>
-              <a:t>	</a:t>
-            </a:r>
-            <a:r>
-              <a:rPr lang="ru-RU" dirty="0" smtClean="0"/>
-              <a:t>Период </a:t>
-            </a:r>
-            <a:r>
-              <a:rPr lang="ru-RU" dirty="0"/>
-              <a:t>сбора (конец): </a:t>
-            </a:r>
-            <a:r>
-              <a:rPr lang="ru-RU" dirty="0" smtClean="0"/>
-              <a:t>25.04.2020</a:t>
-            </a:r>
-          </a:p>
-          <a:p>
-            <a:pPr>
-              <a:buNone/>
-            </a:pPr>
-            <a:r>
-              <a:rPr lang="ru-RU" dirty="0"/>
-              <a:t>	</a:t>
-            </a:r>
-            <a:r>
-              <a:rPr lang="ru-RU" dirty="0" smtClean="0"/>
-              <a:t>Эпидемиологическая </a:t>
-            </a:r>
-            <a:r>
-              <a:rPr lang="ru-RU" dirty="0"/>
-              <a:t>обстановка: В условиях пандемии </a:t>
-            </a:r>
-            <a:r>
-              <a:rPr lang="ru-RU" dirty="0" err="1"/>
-              <a:t>коронавирусной</a:t>
-            </a:r>
-            <a:r>
-              <a:rPr lang="ru-RU" dirty="0"/>
-              <a:t> инфекции (</a:t>
-            </a:r>
-            <a:r>
-              <a:rPr lang="ru-RU" dirty="0" err="1"/>
-              <a:t>COVID-19</a:t>
-            </a:r>
-            <a:r>
-              <a:rPr lang="ru-RU" dirty="0"/>
-              <a:t>)</a:t>
-            </a:r>
-          </a:p>
-        </p:txBody>
-      </p:sp>
-    </p:spTree>
-  </p:cSld>
-  <p:clrMapOvr>
-    <a:masterClrMapping/>
-  </p:clrMapOvr>
-</p:sld>
-</file>
-
 <file path=ppt/slides/slide4.xml><?xml version="1.0" encoding="utf-8"?>
 <p:sld xmlns:a="http://schemas.openxmlformats.org/drawingml/2006/main" xmlns:r="http://schemas.openxmlformats.org/officeDocument/2006/relationships" xmlns:p="http://schemas.openxmlformats.org/presentationml/2006/main">
   <p:cSld>
@@ -3631,7 +3515,7 @@
               <a:rPr lang="ru-RU" dirty="0" smtClean="0">
                 <a:hlinkClick r:id="rId2"/>
               </a:rPr>
-              <a:t>Назначение</a:t>
+              <a:t>Клинические параметры</a:t>
             </a:r>
             <a:endParaRPr lang="ru-RU" dirty="0"/>
           </a:p>
@@ -3650,21 +3534,38 @@
         <p:spPr/>
         <p:txBody>
           <a:bodyPr>
-            <a:normAutofit/>
+            <a:normAutofit fontScale="47500" lnSpcReduction="20000"/>
           </a:bodyPr>
           <a:lstStyle/>
           <a:p>
             <a:r>
               <a:rPr lang="ru-RU" b="1" dirty="0" smtClean="0"/>
-              <a:t>Клиническая/практическая/научная </a:t>
-            </a:r>
+              <a:t>Целевые нозологии</a:t>
+            </a:r>
+          </a:p>
+          <a:p>
+            <a:pPr>
+              <a:buNone/>
+            </a:pPr>
             <a:r>
               <a:rPr lang="ru-RU" b="1" dirty="0"/>
-              <a:t>задача создания набора данных:</a:t>
-            </a:r>
-            <a:r>
-              <a:rPr lang="ru-RU" dirty="0"/>
-              <a:t> Определение степени поражения паренхимы легкого при </a:t>
+              <a:t>	</a:t>
+            </a:r>
+            <a:r>
+              <a:rPr lang="ru-RU" b="1" dirty="0" smtClean="0"/>
+              <a:t>Целевые </a:t>
+            </a:r>
+            <a:r>
+              <a:rPr lang="ru-RU" b="1" dirty="0" err="1"/>
+              <a:t>патологии\признаки</a:t>
+            </a:r>
+            <a:r>
+              <a:rPr lang="ru-RU" b="1" dirty="0"/>
+              <a:t>:</a:t>
+            </a:r>
+            <a:r>
+              <a:rPr lang="ru-RU" dirty="0"/>
+              <a:t> </a:t>
             </a:r>
             <a:r>
               <a:rPr lang="ru-RU" dirty="0" err="1" smtClean="0"/>
@@ -3673,61 +3574,306 @@
             <a:endParaRPr lang="ru-RU" dirty="0" smtClean="0"/>
           </a:p>
           <a:p>
+            <a:pPr>
+              <a:buNone/>
+            </a:pPr>
+            <a:r>
+              <a:rPr lang="ru-RU" b="1" dirty="0"/>
+              <a:t>	</a:t>
+            </a:r>
             <a:r>
               <a:rPr lang="ru-RU" b="1" dirty="0" smtClean="0"/>
-              <a:t>Назначение </a:t>
+              <a:t>Код </a:t>
             </a:r>
             <a:r>
               <a:rPr lang="ru-RU" b="1" dirty="0" err="1"/>
-              <a:t>датасета</a:t>
+              <a:t>МКБ-10</a:t>
             </a:r>
             <a:r>
               <a:rPr lang="ru-RU" b="1" dirty="0"/>
+              <a:t> целевой патологии:</a:t>
+            </a:r>
+            <a:r>
+              <a:rPr lang="ru-RU" dirty="0"/>
+              <a:t> </a:t>
+            </a:r>
+            <a:r>
+              <a:rPr lang="ru-RU" dirty="0" err="1" smtClean="0"/>
+              <a:t>U07.1</a:t>
+            </a:r>
+            <a:endParaRPr lang="ru-RU" dirty="0" smtClean="0"/>
+          </a:p>
+          <a:p>
+            <a:r>
+              <a:rPr lang="ru-RU" b="1" dirty="0" smtClean="0"/>
+              <a:t>Параметры популяции</a:t>
+            </a:r>
+          </a:p>
+          <a:p>
+            <a:pPr>
+              <a:buNone/>
+            </a:pPr>
+            <a:r>
+              <a:rPr lang="ru-RU" b="1" dirty="0"/>
+              <a:t>	</a:t>
+            </a:r>
+            <a:r>
+              <a:rPr lang="ru-RU" b="1" dirty="0" smtClean="0"/>
+              <a:t>Критерии </a:t>
+            </a:r>
+            <a:r>
+              <a:rPr lang="ru-RU" b="1" dirty="0"/>
+              <a:t>включения/</a:t>
+            </a:r>
+            <a:r>
+              <a:rPr lang="ru-RU" b="1" dirty="0" err="1"/>
+              <a:t>невключения</a:t>
+            </a:r>
+            <a:r>
+              <a:rPr lang="ru-RU" b="1" dirty="0"/>
+              <a:t> пациента</a:t>
+            </a:r>
+            <a:r>
+              <a:rPr lang="ru-RU" b="1" dirty="0" smtClean="0"/>
               <a:t>:</a:t>
             </a:r>
-            <a:r>
-              <a:rPr lang="ru-RU" dirty="0"/>
-              <a:t> Обучение ИИ </a:t>
+          </a:p>
+          <a:p>
+            <a:pPr>
+              <a:buNone/>
+            </a:pPr>
+            <a:r>
+              <a:rPr lang="ru-RU" b="1" dirty="0"/>
+              <a:t>	</a:t>
             </a:r>
             <a:r>
               <a:rPr lang="ru-RU" dirty="0" smtClean="0"/>
-              <a:t>алгоритма</a:t>
-            </a:r>
-          </a:p>
-          <a:p>
-            <a:r>
-              <a:rPr lang="ru-RU" b="1" dirty="0" smtClean="0"/>
-              <a:t>Вариант</a:t>
-            </a:r>
-            <a:r>
-              <a:rPr lang="ru-RU" b="1" dirty="0"/>
-              <a:t>:</a:t>
-            </a:r>
-            <a:r>
-              <a:rPr lang="ru-RU" dirty="0"/>
-              <a:t> </a:t>
+              <a:t>Критерии </a:t>
+            </a:r>
+            <a:r>
+              <a:rPr lang="ru-RU" dirty="0"/>
+              <a:t>включения пациента: Возраст ≥18 лет</a:t>
+            </a:r>
+            <a:br>
+              <a:rPr lang="ru-RU" dirty="0"/>
+            </a:br>
+            <a:r>
+              <a:rPr lang="ru-RU" dirty="0"/>
+              <a:t>Критерии </a:t>
             </a:r>
             <a:r>
               <a:rPr lang="ru-RU" dirty="0" err="1"/>
-              <a:t>SC</a:t>
-            </a:r>
-            <a:r>
-              <a:rPr lang="ru-RU" dirty="0"/>
-              <a:t> - </a:t>
+              <a:t>невключения</a:t>
+            </a:r>
+            <a:r>
+              <a:rPr lang="ru-RU" dirty="0"/>
+              <a:t> пациента: Наличие оперативных вмешательств, лучевой терапии в анамнезе для лечения заболеваний в области грудной клетки</a:t>
+            </a:r>
+          </a:p>
+          <a:p>
+            <a:pPr>
+              <a:buNone/>
+            </a:pPr>
+            <a:r>
+              <a:rPr lang="ru-RU" dirty="0" smtClean="0"/>
+              <a:t>	Возраст </a:t>
+            </a:r>
+            <a:r>
+              <a:rPr lang="ru-RU" dirty="0"/>
+              <a:t>(мин., лет): </a:t>
+            </a:r>
+            <a:r>
+              <a:rPr lang="ru-RU" dirty="0" smtClean="0"/>
+              <a:t>18</a:t>
+            </a:r>
+          </a:p>
+          <a:p>
+            <a:pPr>
+              <a:buNone/>
+            </a:pPr>
+            <a:r>
+              <a:rPr lang="ru-RU" dirty="0"/>
+              <a:t>	</a:t>
+            </a:r>
+            <a:r>
+              <a:rPr lang="ru-RU" dirty="0" smtClean="0"/>
+              <a:t>Возраст </a:t>
+            </a:r>
+            <a:r>
+              <a:rPr lang="ru-RU" dirty="0"/>
+              <a:t>(макс., лет): </a:t>
+            </a:r>
+            <a:r>
+              <a:rPr lang="ru-RU" dirty="0" smtClean="0"/>
+              <a:t>97</a:t>
+            </a:r>
+          </a:p>
+          <a:p>
+            <a:pPr>
+              <a:buNone/>
+            </a:pPr>
+            <a:r>
+              <a:rPr lang="ru-RU" dirty="0"/>
+              <a:t>	</a:t>
+            </a:r>
+            <a:r>
+              <a:rPr lang="ru-RU" dirty="0" smtClean="0"/>
+              <a:t>Возраст </a:t>
+            </a:r>
+            <a:r>
+              <a:rPr lang="ru-RU" dirty="0"/>
+              <a:t>(медиана, лет): </a:t>
+            </a:r>
+            <a:r>
+              <a:rPr lang="ru-RU" dirty="0" smtClean="0"/>
+              <a:t>47,0</a:t>
+            </a:r>
+          </a:p>
+          <a:p>
+            <a:pPr>
+              <a:buNone/>
+            </a:pPr>
+            <a:r>
+              <a:rPr lang="ru-RU" dirty="0"/>
+              <a:t>	</a:t>
+            </a:r>
+            <a:r>
+              <a:rPr lang="ru-RU" dirty="0" smtClean="0"/>
+              <a:t>Пол </a:t>
+            </a:r>
+            <a:r>
+              <a:rPr lang="ru-RU" dirty="0"/>
+              <a:t>(М): </a:t>
+            </a:r>
+            <a:r>
+              <a:rPr lang="ru-RU" dirty="0" smtClean="0"/>
+              <a:t>42</a:t>
+            </a:r>
+          </a:p>
+          <a:p>
+            <a:pPr>
+              <a:buNone/>
+            </a:pPr>
+            <a:r>
+              <a:rPr lang="ru-RU" dirty="0"/>
+              <a:t>	</a:t>
+            </a:r>
+            <a:r>
+              <a:rPr lang="ru-RU" dirty="0" smtClean="0"/>
+              <a:t>Пол </a:t>
+            </a:r>
+            <a:r>
+              <a:rPr lang="ru-RU" dirty="0"/>
+              <a:t>(Ж): </a:t>
+            </a:r>
+            <a:r>
+              <a:rPr lang="ru-RU" dirty="0" smtClean="0"/>
+              <a:t>56</a:t>
+            </a:r>
+          </a:p>
+          <a:p>
+            <a:pPr>
+              <a:buNone/>
+            </a:pPr>
+            <a:r>
+              <a:rPr lang="ru-RU" dirty="0"/>
+              <a:t>	</a:t>
+            </a:r>
+            <a:r>
+              <a:rPr lang="ru-RU" dirty="0" smtClean="0"/>
+              <a:t>Пол </a:t>
+            </a:r>
+            <a:r>
+              <a:rPr lang="ru-RU" dirty="0"/>
+              <a:t>(</a:t>
             </a:r>
             <a:r>
               <a:rPr lang="ru-RU" dirty="0" err="1"/>
-              <a:t>special</a:t>
-            </a:r>
-            <a:r>
-              <a:rPr lang="ru-RU" dirty="0"/>
-              <a:t> </a:t>
+              <a:t>неопределено</a:t>
+            </a:r>
+            <a:r>
+              <a:rPr lang="ru-RU" dirty="0"/>
+              <a:t>): </a:t>
+            </a:r>
+            <a:r>
+              <a:rPr lang="ru-RU" dirty="0" smtClean="0"/>
+              <a:t>2</a:t>
+            </a:r>
+          </a:p>
+          <a:p>
+            <a:pPr>
+              <a:buNone/>
+            </a:pPr>
+            <a:r>
+              <a:rPr lang="ru-RU" dirty="0"/>
+              <a:t>	</a:t>
+            </a:r>
+            <a:r>
+              <a:rPr lang="ru-RU" dirty="0" smtClean="0"/>
+              <a:t>Период </a:t>
+            </a:r>
+            <a:r>
+              <a:rPr lang="ru-RU" dirty="0"/>
+              <a:t>сбора (начало): </a:t>
+            </a:r>
+            <a:r>
+              <a:rPr lang="ru-RU" dirty="0" smtClean="0"/>
+              <a:t>01.03.2020</a:t>
+            </a:r>
+          </a:p>
+          <a:p>
+            <a:pPr>
+              <a:buNone/>
+            </a:pPr>
+            <a:r>
+              <a:rPr lang="ru-RU" dirty="0"/>
+              <a:t>	</a:t>
+            </a:r>
+            <a:r>
+              <a:rPr lang="ru-RU" dirty="0" smtClean="0"/>
+              <a:t>Период </a:t>
+            </a:r>
+            <a:r>
+              <a:rPr lang="ru-RU" dirty="0"/>
+              <a:t>сбора (конец): </a:t>
+            </a:r>
+            <a:r>
+              <a:rPr lang="ru-RU" dirty="0" smtClean="0"/>
+              <a:t>25.04.2020</a:t>
+            </a:r>
+          </a:p>
+          <a:p>
+            <a:pPr>
+              <a:buNone/>
+            </a:pPr>
+            <a:r>
+              <a:rPr lang="ru-RU" dirty="0"/>
+              <a:t>	</a:t>
+            </a:r>
+            <a:r>
+              <a:rPr lang="ru-RU" dirty="0" smtClean="0"/>
+              <a:t>Эпидемиологическая </a:t>
+            </a:r>
+            <a:r>
+              <a:rPr lang="ru-RU" dirty="0"/>
+              <a:t>обстановка: В условиях пандемии </a:t>
             </a:r>
             <a:r>
               <a:rPr lang="ru-RU" dirty="0" err="1"/>
-              <a:t>case</a:t>
-            </a:r>
-            <a:endParaRPr lang="ru-RU" dirty="0"/>
+              <a:t>коронавирусной</a:t>
+            </a:r>
+            <a:r>
+              <a:rPr lang="ru-RU" dirty="0"/>
+              <a:t> инфекции (</a:t>
+            </a:r>
+            <a:r>
+              <a:rPr lang="ru-RU" dirty="0" err="1"/>
+              <a:t>COVID-19</a:t>
+            </a:r>
+            <a:r>
+              <a:rPr lang="ru-RU" dirty="0"/>
+              <a:t>)</a:t>
+            </a:r>
           </a:p>
         </p:txBody>
       </p:sp>
@@ -3777,7 +3923,7 @@
               <a:rPr lang="ru-RU" dirty="0" smtClean="0">
                 <a:hlinkClick r:id="rId2"/>
               </a:rPr>
-              <a:t>Разметка и верификация</a:t>
+              <a:t>Назначение</a:t>
             </a:r>
             <a:endParaRPr lang="ru-RU" dirty="0"/>
           </a:p>
@@ -3796,39 +3942,36 @@
         <p:spPr/>
         <p:txBody>
           <a:bodyPr>
-            <a:normAutofit fontScale="40000" lnSpcReduction="20000"/>
+            <a:normAutofit/>
           </a:bodyPr>
           <a:lstStyle/>
           <a:p>
             <a:r>
-              <a:rPr lang="ru-RU" b="1" dirty="0" err="1" smtClean="0"/>
-              <a:t>РазметкаУровень</a:t>
-            </a:r>
-            <a:r>
               <a:rPr lang="ru-RU" b="1" dirty="0" smtClean="0"/>
-              <a:t> </a:t>
+              <a:t>Клиническая/практическая/научная </a:t>
             </a:r>
             <a:r>
               <a:rPr lang="ru-RU" b="1" dirty="0"/>
-              <a:t>разметки:</a:t>
-            </a:r>
-            <a:r>
-              <a:rPr lang="ru-RU" dirty="0"/>
-              <a:t> Изображение, </a:t>
-            </a:r>
-            <a:r>
-              <a:rPr lang="ru-RU" dirty="0" smtClean="0"/>
-              <a:t>Исследование</a:t>
-            </a:r>
+              <a:t>задача создания набора данных:</a:t>
+            </a:r>
+            <a:r>
+              <a:rPr lang="ru-RU" dirty="0"/>
+              <a:t> Определение степени поражения паренхимы легкого при </a:t>
+            </a:r>
+            <a:r>
+              <a:rPr lang="ru-RU" dirty="0" err="1" smtClean="0"/>
+              <a:t>COVID-19</a:t>
+            </a:r>
+            <a:endParaRPr lang="ru-RU" dirty="0" smtClean="0"/>
           </a:p>
           <a:p>
             <a:r>
               <a:rPr lang="ru-RU" b="1" dirty="0" smtClean="0"/>
-              <a:t>Способы </a:t>
+              <a:t>Назначение </a:t>
             </a:r>
             <a:r>
               <a:rPr lang="ru-RU" b="1" dirty="0" err="1"/>
-              <a:t>предразметки</a:t>
+              <a:t>датасета</a:t>
             </a:r>
             <a:r>
               <a:rPr lang="ru-RU" b="1" dirty="0"/>
@@ -3836,277 +3979,46 @@
             </a:r>
             <a:r>
               <a:rPr lang="ru-RU" dirty="0"/>
+              <a:t> Обучение ИИ </a:t>
+            </a:r>
+            <a:r>
+              <a:rPr lang="ru-RU" dirty="0" smtClean="0"/>
+              <a:t>алгоритма</a:t>
+            </a:r>
+          </a:p>
+          <a:p>
+            <a:r>
+              <a:rPr lang="ru-RU" b="1" dirty="0" smtClean="0"/>
+              <a:t>Вариант</a:t>
+            </a:r>
+            <a:r>
+              <a:rPr lang="ru-RU" b="1" dirty="0"/>
+              <a:t>:</a:t>
+            </a:r>
+            <a:r>
+              <a:rPr lang="ru-RU" dirty="0"/>
               <a:t> </a:t>
             </a:r>
             <a:r>
-              <a:rPr lang="ru-RU" dirty="0" smtClean="0"/>
-              <a:t>Нет</a:t>
-            </a:r>
-          </a:p>
-          <a:p>
-            <a:r>
-              <a:rPr lang="ru-RU" b="1" dirty="0" smtClean="0"/>
-              <a:t>Характер </a:t>
-            </a:r>
-            <a:r>
-              <a:rPr lang="ru-RU" b="1" dirty="0"/>
-              <a:t>разметки:</a:t>
-            </a:r>
-            <a:r>
-              <a:rPr lang="ru-RU" dirty="0"/>
-              <a:t> </a:t>
-            </a:r>
-            <a:r>
-              <a:rPr lang="ru-RU" dirty="0" smtClean="0"/>
-              <a:t>Бинарная</a:t>
-            </a:r>
-          </a:p>
-          <a:p>
-            <a:r>
-              <a:rPr lang="ru-RU" b="1" dirty="0" smtClean="0"/>
-              <a:t>Количество </a:t>
-            </a:r>
-            <a:r>
-              <a:rPr lang="ru-RU" b="1" dirty="0"/>
-              <a:t>лейблов:</a:t>
-            </a:r>
-            <a:r>
-              <a:rPr lang="ru-RU" dirty="0"/>
-              <a:t> </a:t>
-            </a:r>
-            <a:r>
-              <a:rPr lang="ru-RU" dirty="0" smtClean="0"/>
-              <a:t>1</a:t>
-            </a:r>
-          </a:p>
-          <a:p>
-            <a:r>
-              <a:rPr lang="ru-RU" b="1" dirty="0" smtClean="0"/>
-              <a:t>Характер </a:t>
-            </a:r>
-            <a:r>
-              <a:rPr lang="ru-RU" b="1" dirty="0"/>
-              <a:t>лейблов:</a:t>
-            </a:r>
-            <a:r>
-              <a:rPr lang="ru-RU" dirty="0"/>
-              <a:t> </a:t>
-            </a:r>
-            <a:r>
               <a:rPr lang="ru-RU" dirty="0" err="1"/>
-              <a:t>Мультикласс</a:t>
-            </a:r>
-            <a:r>
-              <a:rPr lang="ru-RU" dirty="0"/>
-              <a:t> (1 лейбл, </a:t>
+              <a:t>SC</a:t>
+            </a:r>
+            <a:r>
+              <a:rPr lang="ru-RU" dirty="0"/>
+              <a:t> - </a:t>
             </a:r>
             <a:r>
               <a:rPr lang="ru-RU" dirty="0" err="1"/>
-              <a:t>M</a:t>
-            </a:r>
-            <a:r>
-              <a:rPr lang="ru-RU" dirty="0"/>
-              <a:t> классов, </a:t>
+              <a:t>special</a:t>
+            </a:r>
+            <a:r>
+              <a:rPr lang="ru-RU" dirty="0"/>
+              <a:t> </a:t>
             </a:r>
             <a:r>
               <a:rPr lang="ru-RU" dirty="0" err="1"/>
-              <a:t>M</a:t>
-            </a:r>
-            <a:r>
-              <a:rPr lang="ru-RU" dirty="0"/>
-              <a:t>&gt;2</a:t>
-            </a:r>
-            <a:r>
-              <a:rPr lang="ru-RU" dirty="0" smtClean="0"/>
-              <a:t>)</a:t>
-            </a:r>
-          </a:p>
-          <a:p>
-            <a:r>
-              <a:rPr lang="ru-RU" b="1" dirty="0" smtClean="0"/>
-              <a:t>Уровень </a:t>
-            </a:r>
-            <a:r>
-              <a:rPr lang="ru-RU" b="1" dirty="0"/>
-              <a:t>детализации лейблов:</a:t>
-            </a:r>
-            <a:r>
-              <a:rPr lang="ru-RU" dirty="0"/>
-              <a:t> </a:t>
-            </a:r>
-            <a:r>
-              <a:rPr lang="ru-RU" dirty="0" smtClean="0"/>
-              <a:t>Исследование/серия/изображение</a:t>
-            </a:r>
-          </a:p>
-          <a:p>
-            <a:r>
-              <a:rPr lang="ru-RU" b="1" dirty="0" smtClean="0"/>
-              <a:t>Названия </a:t>
-            </a:r>
-            <a:r>
-              <a:rPr lang="ru-RU" b="1" dirty="0"/>
-              <a:t>лейблов:</a:t>
-            </a:r>
-            <a:r>
-              <a:rPr lang="ru-RU" dirty="0"/>
-              <a:t> Признаки поражения паренхимы легкого при </a:t>
-            </a:r>
-            <a:r>
-              <a:rPr lang="ru-RU" dirty="0" err="1"/>
-              <a:t>COVID-19</a:t>
-            </a:r>
-            <a:r>
-              <a:rPr lang="ru-RU" dirty="0"/>
-              <a:t> согласно -Базовые диагностические требования от августа </a:t>
-            </a:r>
-            <a:r>
-              <a:rPr lang="ru-RU" dirty="0" err="1" smtClean="0"/>
-              <a:t>2021г</a:t>
-            </a:r>
-            <a:endParaRPr lang="ru-RU" dirty="0" smtClean="0"/>
-          </a:p>
-          <a:p>
-            <a:r>
-              <a:rPr lang="ru-RU" b="1" dirty="0" smtClean="0"/>
-              <a:t>Количество </a:t>
-            </a:r>
-            <a:r>
-              <a:rPr lang="ru-RU" b="1" dirty="0"/>
-              <a:t>классов:</a:t>
-            </a:r>
-            <a:r>
-              <a:rPr lang="ru-RU" dirty="0"/>
-              <a:t> </a:t>
-            </a:r>
-            <a:r>
-              <a:rPr lang="ru-RU" dirty="0" smtClean="0"/>
-              <a:t>2</a:t>
-            </a:r>
-          </a:p>
-          <a:p>
-            <a:r>
-              <a:rPr lang="ru-RU" b="1" dirty="0" smtClean="0"/>
-              <a:t>Названия </a:t>
-            </a:r>
-            <a:r>
-              <a:rPr lang="ru-RU" b="1" dirty="0"/>
-              <a:t>классов:</a:t>
-            </a:r>
-            <a:r>
-              <a:rPr lang="ru-RU" dirty="0"/>
-              <a:t> Без целевой патологии - 0; С целевой патологией </a:t>
-            </a:r>
-            <a:r>
-              <a:rPr lang="ru-RU" dirty="0" smtClean="0"/>
-              <a:t>– 1</a:t>
-            </a:r>
-          </a:p>
-          <a:p>
-            <a:r>
-              <a:rPr lang="ru-RU" b="1" dirty="0" smtClean="0"/>
-              <a:t>Количество </a:t>
-            </a:r>
-            <a:r>
-              <a:rPr lang="ru-RU" b="1" dirty="0"/>
-              <a:t>по классам:</a:t>
-            </a:r>
-            <a:r>
-              <a:rPr lang="ru-RU" dirty="0"/>
-              <a:t> КТ-0 ― 254 (22,8%), КТ-1 ― 684 (61,6%), КТ-2 ― 125 (11,3%), КТ-3 ― 45 (4,1%), КТ-4 ― 2 (0,2</a:t>
-            </a:r>
-            <a:r>
-              <a:rPr lang="ru-RU" dirty="0" smtClean="0"/>
-              <a:t>%).</a:t>
-            </a:r>
-          </a:p>
-          <a:p>
-            <a:r>
-              <a:rPr lang="ru-RU" b="1" dirty="0" smtClean="0"/>
-              <a:t>Критерии </a:t>
-            </a:r>
-            <a:r>
-              <a:rPr lang="ru-RU" b="1" dirty="0"/>
-              <a:t>отнесения к </a:t>
-            </a:r>
-            <a:r>
-              <a:rPr lang="ru-RU" b="1" dirty="0" err="1"/>
-              <a:t>классам:</a:t>
-            </a:r>
-            <a:r>
-              <a:rPr lang="ru-RU" dirty="0" err="1"/>
-              <a:t>С</a:t>
-            </a:r>
-            <a:r>
-              <a:rPr lang="ru-RU" dirty="0"/>
-              <a:t> патологией:</a:t>
-            </a:r>
-          </a:p>
-          <a:p>
-            <a:r>
-              <a:rPr lang="ru-RU" dirty="0"/>
-              <a:t>Инфильтрация легочной паренхимы по типу матовых стекол с обеих сторон, преимущественно периферической локализации с или без инфильтрацией легочной паренхимы по типу консолидации с положительным признаком воздушной </a:t>
-            </a:r>
-            <a:r>
-              <a:rPr lang="ru-RU" dirty="0" err="1"/>
-              <a:t>бронхограммы</a:t>
-            </a:r>
-            <a:r>
-              <a:rPr lang="ru-RU" dirty="0"/>
-              <a:t>;</a:t>
-            </a:r>
-          </a:p>
-          <a:p>
-            <a:r>
-              <a:rPr lang="ru-RU" dirty="0"/>
-              <a:t>Инфильтрация легочной паренхимы по типу булыжной мостовой (утолщение </a:t>
-            </a:r>
-            <a:r>
-              <a:rPr lang="ru-RU" dirty="0" err="1"/>
-              <a:t>междолькового</a:t>
-            </a:r>
-            <a:r>
-              <a:rPr lang="ru-RU" dirty="0"/>
-              <a:t> </a:t>
-            </a:r>
-            <a:r>
-              <a:rPr lang="ru-RU" dirty="0" err="1"/>
-              <a:t>интерстиция</a:t>
-            </a:r>
-            <a:r>
-              <a:rPr lang="ru-RU" dirty="0"/>
-              <a:t> на фоне матового стекла) с обеих сторон, преимущественно периферической локализации, с или или без инфильтрацией легочной паренхимы по типу консолидации с положительным признаком воздушной </a:t>
-            </a:r>
-            <a:r>
-              <a:rPr lang="ru-RU" dirty="0" err="1"/>
-              <a:t>бронхограммы</a:t>
-            </a:r>
-            <a:r>
-              <a:rPr lang="ru-RU" dirty="0"/>
-              <a:t>.</a:t>
-            </a:r>
-          </a:p>
-          <a:p>
-            <a:r>
-              <a:rPr lang="ru-RU" dirty="0"/>
-              <a:t>Без патологии: отсутствие вышеперечисленных признаков</a:t>
-            </a:r>
-          </a:p>
-          <a:p>
-            <a:r>
-              <a:rPr lang="ru-RU" b="1" dirty="0" err="1"/>
-              <a:t>ВерификацияМетод</a:t>
-            </a:r>
-            <a:r>
-              <a:rPr lang="ru-RU" b="1" dirty="0"/>
-              <a:t> верификации:</a:t>
-            </a:r>
-            <a:r>
-              <a:rPr lang="ru-RU" dirty="0"/>
-              <a:t> Экспертная оценка разметки (1 эксперт либо консенсус)</a:t>
-            </a:r>
-          </a:p>
-          <a:p>
+              <a:t>case</a:t>
+            </a:r>
             <a:endParaRPr lang="ru-RU" dirty="0"/>
           </a:p>
         </p:txBody>
@@ -4157,7 +4069,7 @@
               <a:rPr lang="ru-RU" dirty="0" smtClean="0">
                 <a:hlinkClick r:id="rId2"/>
               </a:rPr>
-              <a:t>Технические параметры</a:t>
+              <a:t>Разметка и верификация</a:t>
             </a:r>
             <a:endParaRPr lang="ru-RU" dirty="0"/>
           </a:p>
@@ -4176,236 +4088,184 @@
         <p:spPr/>
         <p:txBody>
           <a:bodyPr>
-            <a:normAutofit fontScale="47500" lnSpcReduction="20000"/>
+            <a:normAutofit fontScale="40000" lnSpcReduction="20000"/>
           </a:bodyPr>
           <a:lstStyle/>
           <a:p>
             <a:r>
+              <a:rPr lang="ru-RU" b="1" dirty="0" err="1" smtClean="0"/>
+              <a:t>РазметкаУровень</a:t>
+            </a:r>
+            <a:r>
               <a:rPr lang="ru-RU" b="1" dirty="0" smtClean="0"/>
-              <a:t>Условия </a:t>
+              <a:t> </a:t>
             </a:r>
             <a:r>
               <a:rPr lang="ru-RU" b="1" dirty="0"/>
-              <a:t>сбора </a:t>
-            </a:r>
+              <a:t>разметки:</a:t>
+            </a:r>
+            <a:r>
+              <a:rPr lang="ru-RU" dirty="0"/>
+              <a:t> Изображение, </a:t>
+            </a:r>
+            <a:r>
+              <a:rPr lang="ru-RU" dirty="0" smtClean="0"/>
+              <a:t>Исследование</a:t>
+            </a:r>
+          </a:p>
+          <a:p>
             <a:r>
               <a:rPr lang="ru-RU" b="1" dirty="0" smtClean="0"/>
-              <a:t>данных</a:t>
-            </a:r>
-          </a:p>
-          <a:p>
-            <a:pPr>
-              <a:buNone/>
-            </a:pPr>
+              <a:t>Способы </a:t>
+            </a:r>
+            <a:r>
+              <a:rPr lang="ru-RU" b="1" dirty="0" err="1"/>
+              <a:t>предразметки</a:t>
+            </a:r>
+            <a:r>
+              <a:rPr lang="ru-RU" b="1" dirty="0"/>
+              <a:t>:</a:t>
+            </a:r>
+            <a:r>
+              <a:rPr lang="ru-RU" dirty="0"/>
+              <a:t> </a:t>
+            </a:r>
+            <a:r>
+              <a:rPr lang="ru-RU" dirty="0" smtClean="0"/>
+              <a:t>Нет</a:t>
+            </a:r>
+          </a:p>
+          <a:p>
             <a:r>
               <a:rPr lang="ru-RU" b="1" dirty="0" smtClean="0"/>
-              <a:t>	Критерии </a:t>
+              <a:t>Характер </a:t>
             </a:r>
             <a:r>
               <a:rPr lang="ru-RU" b="1" dirty="0"/>
-              <a:t>включения/</a:t>
-            </a:r>
-            <a:r>
-              <a:rPr lang="ru-RU" b="1" dirty="0" err="1"/>
-              <a:t>невключения</a:t>
+              <a:t>разметки:</a:t>
+            </a:r>
+            <a:r>
+              <a:rPr lang="ru-RU" dirty="0"/>
+              <a:t> </a:t>
+            </a:r>
+            <a:r>
+              <a:rPr lang="ru-RU" dirty="0" smtClean="0"/>
+              <a:t>Бинарная</a:t>
+            </a:r>
+          </a:p>
+          <a:p>
+            <a:r>
+              <a:rPr lang="ru-RU" b="1" dirty="0" smtClean="0"/>
+              <a:t>Количество </a:t>
             </a:r>
             <a:r>
               <a:rPr lang="ru-RU" b="1" dirty="0"/>
-              <a:t> исследования в </a:t>
-            </a:r>
-            <a:r>
-              <a:rPr lang="ru-RU" b="1" dirty="0" err="1"/>
-              <a:t>датасет:</a:t>
+              <a:t>лейблов:</a:t>
+            </a:r>
+            <a:r>
+              <a:rPr lang="ru-RU" dirty="0"/>
+              <a:t> </a:t>
+            </a:r>
+            <a:r>
+              <a:rPr lang="ru-RU" dirty="0" smtClean="0"/>
+              <a:t>1</a:t>
+            </a:r>
+          </a:p>
+          <a:p>
+            <a:r>
+              <a:rPr lang="ru-RU" b="1" dirty="0" smtClean="0"/>
+              <a:t>Характер </a:t>
+            </a:r>
+            <a:r>
+              <a:rPr lang="ru-RU" b="1" dirty="0"/>
+              <a:t>лейблов:</a:t>
+            </a:r>
+            <a:r>
+              <a:rPr lang="ru-RU" dirty="0"/>
+              <a:t> </a:t>
             </a:r>
             <a:r>
               <a:rPr lang="ru-RU" dirty="0" err="1"/>
-              <a:t>Сбор</a:t>
-            </a:r>
-            <a:r>
-              <a:rPr lang="ru-RU" dirty="0"/>
-              <a:t> данных осуществлялся в 48 медицинских организаций в период с 1 марта по 25 апреля 2020 г у пациентов с подозрением на изменения в легких при </a:t>
+              <a:t>Мультикласс</a:t>
+            </a:r>
+            <a:r>
+              <a:rPr lang="ru-RU" dirty="0"/>
+              <a:t> (1 лейбл, </a:t>
+            </a:r>
+            <a:r>
+              <a:rPr lang="ru-RU" dirty="0" err="1"/>
+              <a:t>M</a:t>
+            </a:r>
+            <a:r>
+              <a:rPr lang="ru-RU" dirty="0"/>
+              <a:t> классов, </a:t>
+            </a:r>
+            <a:r>
+              <a:rPr lang="ru-RU" dirty="0" err="1"/>
+              <a:t>M</a:t>
+            </a:r>
+            <a:r>
+              <a:rPr lang="ru-RU" dirty="0"/>
+              <a:t>&gt;2</a:t>
+            </a:r>
+            <a:r>
+              <a:rPr lang="ru-RU" dirty="0" smtClean="0"/>
+              <a:t>)</a:t>
+            </a:r>
+          </a:p>
+          <a:p>
+            <a:r>
+              <a:rPr lang="ru-RU" b="1" dirty="0" smtClean="0"/>
+              <a:t>Уровень </a:t>
+            </a:r>
+            <a:r>
+              <a:rPr lang="ru-RU" b="1" dirty="0"/>
+              <a:t>детализации лейблов:</a:t>
+            </a:r>
+            <a:r>
+              <a:rPr lang="ru-RU" dirty="0"/>
+              <a:t> </a:t>
+            </a:r>
+            <a:r>
+              <a:rPr lang="ru-RU" dirty="0" smtClean="0"/>
+              <a:t>Исследование/серия/изображение</a:t>
+            </a:r>
+          </a:p>
+          <a:p>
+            <a:r>
+              <a:rPr lang="ru-RU" b="1" dirty="0" smtClean="0"/>
+              <a:t>Названия </a:t>
+            </a:r>
+            <a:r>
+              <a:rPr lang="ru-RU" b="1" dirty="0"/>
+              <a:t>лейблов:</a:t>
+            </a:r>
+            <a:r>
+              <a:rPr lang="ru-RU" dirty="0"/>
+              <a:t> Признаки поражения паренхимы легкого при </a:t>
             </a:r>
             <a:r>
               <a:rPr lang="ru-RU" dirty="0" err="1"/>
               <a:t>COVID-19</a:t>
             </a:r>
-            <a:endParaRPr lang="ru-RU" dirty="0"/>
-          </a:p>
-          <a:p>
-            <a:pPr>
-              <a:buNone/>
-            </a:pPr>
-            <a:r>
-              <a:rPr lang="ru-RU" b="1" dirty="0" smtClean="0"/>
-              <a:t>	Протоколы </a:t>
-            </a:r>
-            <a:r>
-              <a:rPr lang="ru-RU" b="1" dirty="0"/>
-              <a:t>и условия сбора </a:t>
-            </a:r>
-            <a:r>
-              <a:rPr lang="ru-RU" b="1" dirty="0" err="1"/>
-              <a:t>данных:</a:t>
-            </a:r>
-            <a:r>
-              <a:rPr lang="ru-RU" dirty="0" err="1"/>
-              <a:t>КТ-протокол</a:t>
-            </a:r>
-            <a:r>
-              <a:rPr lang="ru-RU" dirty="0"/>
-              <a:t> сканирования </a:t>
-            </a:r>
-            <a:r>
-              <a:rPr lang="ru-RU" dirty="0" err="1"/>
-              <a:t>Chest</a:t>
-            </a:r>
-            <a:r>
-              <a:rPr lang="ru-RU" dirty="0"/>
-              <a:t> (рутинные КТ грудной клетки), сканирование выполнено в положении пациента на спине, при задержке дыхания на глубине вдоха, руки убраны за голову</a:t>
-            </a:r>
-          </a:p>
-          <a:p>
-            <a:r>
-              <a:rPr lang="ru-RU" b="1" dirty="0"/>
-              <a:t>Единичная запись набора </a:t>
-            </a:r>
-            <a:r>
-              <a:rPr lang="ru-RU" b="1" dirty="0" smtClean="0"/>
-              <a:t>данных</a:t>
-            </a:r>
-          </a:p>
-          <a:p>
-            <a:pPr>
-              <a:buNone/>
-            </a:pPr>
-            <a:r>
-              <a:rPr lang="ru-RU" b="1" dirty="0"/>
-              <a:t>	</a:t>
-            </a:r>
-            <a:r>
-              <a:rPr lang="ru-RU" b="1" dirty="0" smtClean="0"/>
-              <a:t>Объект </a:t>
-            </a:r>
-            <a:r>
-              <a:rPr lang="ru-RU" b="1" dirty="0"/>
-              <a:t>разметки:</a:t>
-            </a:r>
-            <a:r>
-              <a:rPr lang="ru-RU" dirty="0"/>
-              <a:t> </a:t>
-            </a:r>
-            <a:r>
-              <a:rPr lang="ru-RU" dirty="0" smtClean="0"/>
-              <a:t>Исследование</a:t>
-            </a:r>
-          </a:p>
-          <a:p>
-            <a:pPr>
-              <a:buNone/>
-            </a:pPr>
-            <a:r>
-              <a:rPr lang="ru-RU" b="1" dirty="0" smtClean="0"/>
-              <a:t>	Результат </a:t>
-            </a:r>
-            <a:r>
-              <a:rPr lang="ru-RU" b="1" dirty="0"/>
-              <a:t>разметки:</a:t>
-            </a:r>
-            <a:r>
-              <a:rPr lang="ru-RU" dirty="0"/>
-              <a:t> Целевая патология / отсутствие целевой патологии; бинарные маски </a:t>
-            </a:r>
-            <a:r>
-              <a:rPr lang="ru-RU" dirty="0" smtClean="0"/>
-              <a:t>изображений</a:t>
-            </a:r>
-          </a:p>
-          <a:p>
-            <a:r>
-              <a:rPr lang="ru-RU" b="1" dirty="0" smtClean="0"/>
-              <a:t>Форматы </a:t>
-            </a:r>
-            <a:r>
-              <a:rPr lang="ru-RU" b="1" dirty="0"/>
-              <a:t>записи набора </a:t>
-            </a:r>
-            <a:r>
-              <a:rPr lang="ru-RU" b="1" dirty="0" smtClean="0"/>
-              <a:t>данных</a:t>
-            </a:r>
-          </a:p>
-          <a:p>
-            <a:pPr>
-              <a:buNone/>
-            </a:pPr>
-            <a:r>
-              <a:rPr lang="ru-RU" b="1" dirty="0"/>
-              <a:t>	</a:t>
-            </a:r>
-            <a:r>
-              <a:rPr lang="ru-RU" b="1" dirty="0" smtClean="0"/>
-              <a:t>Объект </a:t>
-            </a:r>
-            <a:r>
-              <a:rPr lang="ru-RU" b="1" dirty="0"/>
-              <a:t>разметки:</a:t>
-            </a:r>
-            <a:r>
-              <a:rPr lang="ru-RU" dirty="0"/>
-              <a:t> </a:t>
+            <a:r>
+              <a:rPr lang="ru-RU" dirty="0"/>
+              <a:t> согласно -Базовые диагностические требования от августа </a:t>
             </a:r>
             <a:r>
               <a:rPr lang="ru-RU" dirty="0" err="1" smtClean="0"/>
-              <a:t>NIFTI</a:t>
+              <a:t>2021г</a:t>
             </a:r>
             <a:endParaRPr lang="ru-RU" dirty="0" smtClean="0"/>
           </a:p>
           <a:p>
-            <a:pPr>
-              <a:buNone/>
-            </a:pPr>
-            <a:r>
-              <a:rPr lang="ru-RU" b="1" dirty="0"/>
-              <a:t>	</a:t>
-            </a:r>
-            <a:r>
-              <a:rPr lang="ru-RU" b="1" dirty="0" smtClean="0"/>
-              <a:t>Результат </a:t>
-            </a:r>
-            <a:r>
-              <a:rPr lang="ru-RU" b="1" dirty="0"/>
-              <a:t>разметки:</a:t>
-            </a:r>
-            <a:r>
-              <a:rPr lang="ru-RU" dirty="0"/>
-              <a:t> </a:t>
-            </a:r>
-            <a:r>
-              <a:rPr lang="ru-RU" dirty="0" smtClean="0"/>
-              <a:t>Табличный</a:t>
-            </a:r>
-          </a:p>
-          <a:p>
-            <a:r>
-              <a:rPr lang="ru-RU" b="1" dirty="0" smtClean="0"/>
-              <a:t>Объем данных</a:t>
-            </a:r>
-          </a:p>
-          <a:p>
-            <a:pPr>
-              <a:buNone/>
-            </a:pPr>
-            <a:r>
-              <a:rPr lang="ru-RU" b="1" dirty="0"/>
-              <a:t>	</a:t>
-            </a:r>
             <a:r>
               <a:rPr lang="ru-RU" b="1" dirty="0" smtClean="0"/>
               <a:t>Количество </a:t>
             </a:r>
             <a:r>
               <a:rPr lang="ru-RU" b="1" dirty="0"/>
-              <a:t>исследований набора данных:</a:t>
+              <a:t>классов:</a:t>
             </a:r>
             <a:r>
               <a:rPr lang="ru-RU" dirty="0"/>
@@ -4413,36 +4273,129 @@
             </a:r>
             <a:r>
               <a:rPr lang="ru-RU" dirty="0" smtClean="0"/>
-              <a:t>1110</a:t>
-            </a:r>
-          </a:p>
-          <a:p>
-            <a:pPr>
-              <a:buNone/>
-            </a:pPr>
+              <a:t>2</a:t>
+            </a:r>
+          </a:p>
+          <a:p>
+            <a:r>
+              <a:rPr lang="ru-RU" b="1" dirty="0" smtClean="0"/>
+              <a:t>Названия </a:t>
+            </a:r>
             <a:r>
               <a:rPr lang="ru-RU" b="1" dirty="0"/>
-              <a:t>	</a:t>
-            </a:r>
+              <a:t>классов:</a:t>
+            </a:r>
+            <a:r>
+              <a:rPr lang="ru-RU" dirty="0"/>
+              <a:t> Без целевой патологии - 0; С целевой патологией </a:t>
+            </a:r>
+            <a:r>
+              <a:rPr lang="ru-RU" dirty="0" smtClean="0"/>
+              <a:t>– 1</a:t>
+            </a:r>
+          </a:p>
+          <a:p>
             <a:r>
               <a:rPr lang="ru-RU" b="1" dirty="0" smtClean="0"/>
               <a:t>Количество </a:t>
             </a:r>
             <a:r>
               <a:rPr lang="ru-RU" b="1" dirty="0"/>
-              <a:t>уникальных источников (</a:t>
+              <a:t>по классам:</a:t>
+            </a:r>
+            <a:r>
+              <a:rPr lang="ru-RU" dirty="0"/>
+              <a:t> КТ-0 ― 254 (22,8%), КТ-1 ― 684 (61,6%), КТ-2 ― 125 (11,3%), КТ-3 ― 45 (4,1%), КТ-4 ― 2 (0,2</a:t>
+            </a:r>
+            <a:r>
+              <a:rPr lang="ru-RU" dirty="0" smtClean="0"/>
+              <a:t>%).</a:t>
+            </a:r>
+          </a:p>
+          <a:p>
+            <a:r>
+              <a:rPr lang="ru-RU" b="1" dirty="0" smtClean="0"/>
+              <a:t>Критерии </a:t>
+            </a:r>
+            <a:r>
+              <a:rPr lang="ru-RU" b="1" dirty="0"/>
+              <a:t>отнесения к </a:t>
             </a:r>
             <a:r>
               <a:rPr lang="ru-RU" b="1" dirty="0" err="1"/>
-              <a:t>ДУ</a:t>
+              <a:t>классам:</a:t>
+            </a:r>
+            <a:r>
+              <a:rPr lang="ru-RU" dirty="0" err="1"/>
+              <a:t>С</a:t>
+            </a:r>
+            <a:r>
+              <a:rPr lang="ru-RU" dirty="0"/>
+              <a:t> патологией:</a:t>
+            </a:r>
+          </a:p>
+          <a:p>
+            <a:r>
+              <a:rPr lang="ru-RU" dirty="0"/>
+              <a:t>Инфильтрация легочной паренхимы по типу матовых стекол с обеих сторон, преимущественно периферической локализации с или без инфильтрацией легочной паренхимы по типу консолидации с положительным признаком воздушной </a:t>
+            </a:r>
+            <a:r>
+              <a:rPr lang="ru-RU" dirty="0" err="1"/>
+              <a:t>бронхограммы</a:t>
+            </a:r>
+            <a:r>
+              <a:rPr lang="ru-RU" dirty="0"/>
+              <a:t>;</a:t>
+            </a:r>
+          </a:p>
+          <a:p>
+            <a:r>
+              <a:rPr lang="ru-RU" dirty="0"/>
+              <a:t>Инфильтрация легочной паренхимы по типу булыжной мостовой (утолщение </a:t>
+            </a:r>
+            <a:r>
+              <a:rPr lang="ru-RU" dirty="0" err="1"/>
+              <a:t>междолькового</a:t>
+            </a:r>
+            <a:r>
+              <a:rPr lang="ru-RU" dirty="0"/>
+              <a:t> </a:t>
+            </a:r>
+            <a:r>
+              <a:rPr lang="ru-RU" dirty="0" err="1"/>
+              <a:t>интерстиция</a:t>
+            </a:r>
+            <a:r>
+              <a:rPr lang="ru-RU" dirty="0"/>
+              <a:t> на фоне матового стекла) с обеих сторон, преимущественно периферической локализации, с или или без инфильтрацией легочной паренхимы по типу консолидации с положительным признаком воздушной </a:t>
+            </a:r>
+            <a:r>
+              <a:rPr lang="ru-RU" dirty="0" err="1"/>
+              <a:t>бронхограммы</a:t>
+            </a:r>
+            <a:r>
+              <a:rPr lang="ru-RU" dirty="0"/>
+              <a:t>.</a:t>
+            </a:r>
+          </a:p>
+          <a:p>
+            <a:r>
+              <a:rPr lang="ru-RU" dirty="0"/>
+              <a:t>Без патологии: отсутствие вышеперечисленных признаков</a:t>
+            </a:r>
+          </a:p>
+          <a:p>
+            <a:r>
+              <a:rPr lang="ru-RU" b="1" dirty="0" err="1"/>
+              <a:t>ВерификацияМетод</a:t>
             </a:r>
             <a:r>
               <a:rPr lang="ru-RU" b="1" dirty="0"/>
-              <a:t>):</a:t>
-            </a:r>
-            <a:r>
-              <a:rPr lang="ru-RU" dirty="0"/>
-              <a:t> 48</a:t>
+              <a:t> верификации:</a:t>
+            </a:r>
+            <a:r>
+              <a:rPr lang="ru-RU" dirty="0"/>
+              <a:t> Экспертная оценка разметки (1 эксперт либо консенсус)</a:t>
             </a:r>
           </a:p>
           <a:p>
@@ -4459,6 +4412,345 @@
 </file>
 
 <file path=ppt/slides/slide7.xml><?xml version="1.0" encoding="utf-8"?>
+<p:sld xmlns:a="http://schemas.openxmlformats.org/drawingml/2006/main" xmlns:r="http://schemas.openxmlformats.org/officeDocument/2006/relationships" xmlns:p="http://schemas.openxmlformats.org/presentationml/2006/main">
+  <p:cSld>
+    <p:spTree>
+      <p:nvGrpSpPr>
+        <p:cNvPr id="1" name=""/>
+        <p:cNvGrpSpPr/>
+        <p:nvPr/>
+      </p:nvGrpSpPr>
+      <p:grpSpPr>
+        <a:xfrm>
+          <a:off x="0" y="0"/>
+          <a:ext cx="0" cy="0"/>
+          <a:chOff x="0" y="0"/>
+          <a:chExt cx="0" cy="0"/>
+        </a:xfrm>
+      </p:grpSpPr>
+      <p:sp>
+        <p:nvSpPr>
+          <p:cNvPr id="2" name="Заголовок 1"/>
+          <p:cNvSpPr>
+            <a:spLocks noGrp="1"/>
+          </p:cNvSpPr>
+          <p:nvPr>
+            <p:ph type="title"/>
+          </p:nvPr>
+        </p:nvSpPr>
+        <p:spPr/>
+        <p:txBody>
+          <a:bodyPr>
+            <a:normAutofit/>
+          </a:bodyPr>
+          <a:lstStyle/>
+          <a:p>
+            <a:r>
+              <a:rPr lang="ru-RU" dirty="0" smtClean="0">
+                <a:hlinkClick r:id="rId2"/>
+              </a:rPr>
+              <a:t>Технические параметры</a:t>
+            </a:r>
+            <a:endParaRPr lang="ru-RU" dirty="0"/>
+          </a:p>
+        </p:txBody>
+      </p:sp>
+      <p:sp>
+        <p:nvSpPr>
+          <p:cNvPr id="3" name="Содержимое 2"/>
+          <p:cNvSpPr>
+            <a:spLocks noGrp="1"/>
+          </p:cNvSpPr>
+          <p:nvPr>
+            <p:ph idx="1"/>
+          </p:nvPr>
+        </p:nvSpPr>
+        <p:spPr/>
+        <p:txBody>
+          <a:bodyPr>
+            <a:normAutofit fontScale="47500" lnSpcReduction="20000"/>
+          </a:bodyPr>
+          <a:lstStyle/>
+          <a:p>
+            <a:r>
+              <a:rPr lang="ru-RU" b="1" dirty="0" smtClean="0"/>
+              <a:t>Условия </a:t>
+            </a:r>
+            <a:r>
+              <a:rPr lang="ru-RU" b="1" dirty="0"/>
+              <a:t>сбора </a:t>
+            </a:r>
+            <a:r>
+              <a:rPr lang="ru-RU" b="1" dirty="0" smtClean="0"/>
+              <a:t>данных</a:t>
+            </a:r>
+          </a:p>
+          <a:p>
+            <a:pPr>
+              <a:buNone/>
+            </a:pPr>
+            <a:r>
+              <a:rPr lang="ru-RU" b="1" dirty="0" smtClean="0"/>
+              <a:t>	Критерии </a:t>
+            </a:r>
+            <a:r>
+              <a:rPr lang="ru-RU" b="1" dirty="0"/>
+              <a:t>включения/</a:t>
+            </a:r>
+            <a:r>
+              <a:rPr lang="ru-RU" b="1" dirty="0" err="1"/>
+              <a:t>невключения</a:t>
+            </a:r>
+            <a:r>
+              <a:rPr lang="ru-RU" b="1" dirty="0"/>
+              <a:t> исследования в </a:t>
+            </a:r>
+            <a:r>
+              <a:rPr lang="ru-RU" b="1" dirty="0" err="1"/>
+              <a:t>датасет:</a:t>
+            </a:r>
+            <a:r>
+              <a:rPr lang="ru-RU" dirty="0" err="1"/>
+              <a:t>Сбор</a:t>
+            </a:r>
+            <a:r>
+              <a:rPr lang="ru-RU" dirty="0"/>
+              <a:t> данных осуществлялся в 48 медицинских организаций в период с 1 марта по 25 апреля 2020 г у пациентов с подозрением на изменения в легких при </a:t>
+            </a:r>
+            <a:r>
+              <a:rPr lang="ru-RU" dirty="0" err="1"/>
+              <a:t>COVID-19</a:t>
+            </a:r>
+            <a:endParaRPr lang="ru-RU" dirty="0"/>
+          </a:p>
+          <a:p>
+            <a:pPr>
+              <a:buNone/>
+            </a:pPr>
+            <a:r>
+              <a:rPr lang="ru-RU" b="1" dirty="0" smtClean="0"/>
+              <a:t>	Протоколы </a:t>
+            </a:r>
+            <a:r>
+              <a:rPr lang="ru-RU" b="1" dirty="0"/>
+              <a:t>и условия сбора </a:t>
+            </a:r>
+            <a:r>
+              <a:rPr lang="ru-RU" b="1" dirty="0" err="1"/>
+              <a:t>данных:</a:t>
+            </a:r>
+            <a:r>
+              <a:rPr lang="ru-RU" dirty="0" err="1"/>
+              <a:t>КТ-протокол</a:t>
+            </a:r>
+            <a:r>
+              <a:rPr lang="ru-RU" dirty="0"/>
+              <a:t> сканирования </a:t>
+            </a:r>
+            <a:r>
+              <a:rPr lang="ru-RU" dirty="0" err="1"/>
+              <a:t>Chest</a:t>
+            </a:r>
+            <a:r>
+              <a:rPr lang="ru-RU" dirty="0"/>
+              <a:t> (рутинные КТ грудной клетки), сканирование выполнено в положении пациента на спине, при задержке дыхания на глубине вдоха, руки убраны за голову</a:t>
+            </a:r>
+          </a:p>
+          <a:p>
+            <a:r>
+              <a:rPr lang="ru-RU" b="1" dirty="0"/>
+              <a:t>Единичная запись набора </a:t>
+            </a:r>
+            <a:r>
+              <a:rPr lang="ru-RU" b="1" dirty="0" smtClean="0"/>
+              <a:t>данных</a:t>
+            </a:r>
+          </a:p>
+          <a:p>
+            <a:pPr>
+              <a:buNone/>
+            </a:pPr>
+            <a:r>
+              <a:rPr lang="ru-RU" b="1" dirty="0"/>
+              <a:t>	</a:t>
+            </a:r>
+            <a:r>
+              <a:rPr lang="ru-RU" b="1" dirty="0" smtClean="0"/>
+              <a:t>Объект </a:t>
+            </a:r>
+            <a:r>
+              <a:rPr lang="ru-RU" b="1" dirty="0"/>
+              <a:t>разметки:</a:t>
+            </a:r>
+            <a:r>
+              <a:rPr lang="ru-RU" dirty="0"/>
+              <a:t> </a:t>
+            </a:r>
+            <a:r>
+              <a:rPr lang="ru-RU" dirty="0" smtClean="0"/>
+              <a:t>Исследование</a:t>
+            </a:r>
+          </a:p>
+          <a:p>
+            <a:pPr>
+              <a:buNone/>
+            </a:pPr>
+            <a:r>
+              <a:rPr lang="ru-RU" b="1" dirty="0" smtClean="0"/>
+              <a:t>	Результат </a:t>
+            </a:r>
+            <a:r>
+              <a:rPr lang="ru-RU" b="1" dirty="0"/>
+              <a:t>разметки:</a:t>
+            </a:r>
+            <a:r>
+              <a:rPr lang="ru-RU" dirty="0"/>
+              <a:t> Целевая патология / отсутствие целевой патологии; бинарные маски </a:t>
+            </a:r>
+            <a:r>
+              <a:rPr lang="ru-RU" dirty="0" smtClean="0"/>
+              <a:t>изображений</a:t>
+            </a:r>
+          </a:p>
+          <a:p>
+            <a:r>
+              <a:rPr lang="ru-RU" b="1" dirty="0" smtClean="0"/>
+              <a:t>Форматы </a:t>
+            </a:r>
+            <a:r>
+              <a:rPr lang="ru-RU" b="1" dirty="0"/>
+              <a:t>записи набора </a:t>
+            </a:r>
+            <a:r>
+              <a:rPr lang="ru-RU" b="1" dirty="0" smtClean="0"/>
+              <a:t>данных</a:t>
+            </a:r>
+          </a:p>
+          <a:p>
+            <a:pPr>
+              <a:buNone/>
+            </a:pPr>
+            <a:r>
+              <a:rPr lang="ru-RU" b="1" dirty="0"/>
+              <a:t>	</a:t>
+            </a:r>
+            <a:r>
+              <a:rPr lang="ru-RU" b="1" dirty="0" smtClean="0"/>
+              <a:t>Объект </a:t>
+            </a:r>
+            <a:r>
+              <a:rPr lang="ru-RU" b="1" dirty="0"/>
+              <a:t>разметки:</a:t>
+            </a:r>
+            <a:r>
+              <a:rPr lang="ru-RU" dirty="0"/>
+              <a:t> </a:t>
+            </a:r>
+            <a:r>
+              <a:rPr lang="ru-RU" dirty="0" err="1" smtClean="0"/>
+              <a:t>NIFTI</a:t>
+            </a:r>
+            <a:endParaRPr lang="ru-RU" dirty="0" smtClean="0"/>
+          </a:p>
+          <a:p>
+            <a:pPr>
+              <a:buNone/>
+            </a:pPr>
+            <a:r>
+              <a:rPr lang="ru-RU" b="1" dirty="0"/>
+              <a:t>	</a:t>
+            </a:r>
+            <a:r>
+              <a:rPr lang="ru-RU" b="1" dirty="0" smtClean="0"/>
+              <a:t>Результат </a:t>
+            </a:r>
+            <a:r>
+              <a:rPr lang="ru-RU" b="1" dirty="0"/>
+              <a:t>разметки:</a:t>
+            </a:r>
+            <a:r>
+              <a:rPr lang="ru-RU" dirty="0"/>
+              <a:t> </a:t>
+            </a:r>
+            <a:r>
+              <a:rPr lang="ru-RU" dirty="0" smtClean="0"/>
+              <a:t>Табличный</a:t>
+            </a:r>
+          </a:p>
+          <a:p>
+            <a:r>
+              <a:rPr lang="ru-RU" b="1" dirty="0" smtClean="0"/>
+              <a:t>Объем данных</a:t>
+            </a:r>
+          </a:p>
+          <a:p>
+            <a:pPr>
+              <a:buNone/>
+            </a:pPr>
+            <a:r>
+              <a:rPr lang="ru-RU" b="1" dirty="0"/>
+              <a:t>	</a:t>
+            </a:r>
+            <a:r>
+              <a:rPr lang="ru-RU" b="1" dirty="0" smtClean="0"/>
+              <a:t>Количество </a:t>
+            </a:r>
+            <a:r>
+              <a:rPr lang="ru-RU" b="1" dirty="0"/>
+              <a:t>исследований набора данных:</a:t>
+            </a:r>
+            <a:r>
+              <a:rPr lang="ru-RU" dirty="0"/>
+              <a:t> </a:t>
+            </a:r>
+            <a:r>
+              <a:rPr lang="ru-RU" dirty="0" smtClean="0"/>
+              <a:t>1110</a:t>
+            </a:r>
+          </a:p>
+          <a:p>
+            <a:pPr>
+              <a:buNone/>
+            </a:pPr>
+            <a:r>
+              <a:rPr lang="ru-RU" b="1" dirty="0"/>
+              <a:t>	</a:t>
+            </a:r>
+            <a:r>
+              <a:rPr lang="ru-RU" b="1" dirty="0" smtClean="0"/>
+              <a:t>Количество </a:t>
+            </a:r>
+            <a:r>
+              <a:rPr lang="ru-RU" b="1" dirty="0"/>
+              <a:t>уникальных источников (</a:t>
+            </a:r>
+            <a:r>
+              <a:rPr lang="ru-RU" b="1" dirty="0" err="1"/>
+              <a:t>ДУ</a:t>
+            </a:r>
+            <a:r>
+              <a:rPr lang="ru-RU" b="1" dirty="0"/>
+              <a:t>):</a:t>
+            </a:r>
+            <a:r>
+              <a:rPr lang="ru-RU" dirty="0"/>
+              <a:t> 48</a:t>
+            </a:r>
+          </a:p>
+          <a:p>
+            <a:endParaRPr lang="ru-RU" dirty="0"/>
+          </a:p>
+        </p:txBody>
+      </p:sp>
+    </p:spTree>
+  </p:cSld>
+  <p:clrMapOvr>
+    <a:masterClrMapping/>
+  </p:clrMapOvr>
+</p:sld>
+</file>
+
+<file path=ppt/slides/slide8.xml><?xml version="1.0" encoding="utf-8"?>
 <p:sld xmlns:a="http://schemas.openxmlformats.org/drawingml/2006/main" xmlns:r="http://schemas.openxmlformats.org/officeDocument/2006/relationships" xmlns:p="http://schemas.openxmlformats.org/presentationml/2006/main">
   <p:cSld>
     <p:spTree>
@@ -4541,7 +4833,7 @@
 </p:sld>
 </file>
 
-<file path=ppt/slides/slide8.xml><?xml version="1.0" encoding="utf-8"?>
+<file path=ppt/slides/slide9.xml><?xml version="1.0" encoding="utf-8"?>
 <p:sld xmlns:a="http://schemas.openxmlformats.org/drawingml/2006/main" xmlns:r="http://schemas.openxmlformats.org/officeDocument/2006/relationships" xmlns:p="http://schemas.openxmlformats.org/presentationml/2006/main">
   <p:cSld>
     <p:spTree>

--- a/slides.pptx
+++ b/slides.pptx
@@ -296,6 +296,7 @@
           <a:p>
             <a:fld id="{C2263E29-338E-49D6-9AED-D5FCECFDFDCF}" type="datetimeFigureOut">
               <a:rPr lang="ru-RU" smtClean="0"/>
+              <a:pPr/>
               <a:t>07.05.2022</a:t>
             </a:fld>
             <a:endParaRPr lang="ru-RU"/>
@@ -338,6 +339,7 @@
           <a:p>
             <a:fld id="{2331B04B-1E48-4834-BA07-87D63184A87C}" type="slidenum">
               <a:rPr lang="ru-RU" smtClean="0"/>
+              <a:pPr/>
               <a:t>‹#›</a:t>
             </a:fld>
             <a:endParaRPr lang="ru-RU"/>
@@ -461,6 +463,7 @@
           <a:p>
             <a:fld id="{C2263E29-338E-49D6-9AED-D5FCECFDFDCF}" type="datetimeFigureOut">
               <a:rPr lang="ru-RU" smtClean="0"/>
+              <a:pPr/>
               <a:t>07.05.2022</a:t>
             </a:fld>
             <a:endParaRPr lang="ru-RU"/>
@@ -503,6 +506,7 @@
           <a:p>
             <a:fld id="{2331B04B-1E48-4834-BA07-87D63184A87C}" type="slidenum">
               <a:rPr lang="ru-RU" smtClean="0"/>
+              <a:pPr/>
               <a:t>‹#›</a:t>
             </a:fld>
             <a:endParaRPr lang="ru-RU"/>
@@ -636,6 +640,7 @@
           <a:p>
             <a:fld id="{C2263E29-338E-49D6-9AED-D5FCECFDFDCF}" type="datetimeFigureOut">
               <a:rPr lang="ru-RU" smtClean="0"/>
+              <a:pPr/>
               <a:t>07.05.2022</a:t>
             </a:fld>
             <a:endParaRPr lang="ru-RU"/>
@@ -678,6 +683,7 @@
           <a:p>
             <a:fld id="{2331B04B-1E48-4834-BA07-87D63184A87C}" type="slidenum">
               <a:rPr lang="ru-RU" smtClean="0"/>
+              <a:pPr/>
               <a:t>‹#›</a:t>
             </a:fld>
             <a:endParaRPr lang="ru-RU"/>
@@ -801,6 +807,7 @@
           <a:p>
             <a:fld id="{C2263E29-338E-49D6-9AED-D5FCECFDFDCF}" type="datetimeFigureOut">
               <a:rPr lang="ru-RU" smtClean="0"/>
+              <a:pPr/>
               <a:t>07.05.2022</a:t>
             </a:fld>
             <a:endParaRPr lang="ru-RU"/>
@@ -843,6 +850,7 @@
           <a:p>
             <a:fld id="{2331B04B-1E48-4834-BA07-87D63184A87C}" type="slidenum">
               <a:rPr lang="ru-RU" smtClean="0"/>
+              <a:pPr/>
               <a:t>‹#›</a:t>
             </a:fld>
             <a:endParaRPr lang="ru-RU"/>
@@ -1042,6 +1050,7 @@
           <a:p>
             <a:fld id="{C2263E29-338E-49D6-9AED-D5FCECFDFDCF}" type="datetimeFigureOut">
               <a:rPr lang="ru-RU" smtClean="0"/>
+              <a:pPr/>
               <a:t>07.05.2022</a:t>
             </a:fld>
             <a:endParaRPr lang="ru-RU"/>
@@ -1084,6 +1093,7 @@
           <a:p>
             <a:fld id="{2331B04B-1E48-4834-BA07-87D63184A87C}" type="slidenum">
               <a:rPr lang="ru-RU" smtClean="0"/>
+              <a:pPr/>
               <a:t>‹#›</a:t>
             </a:fld>
             <a:endParaRPr lang="ru-RU"/>
@@ -1325,6 +1335,7 @@
           <a:p>
             <a:fld id="{C2263E29-338E-49D6-9AED-D5FCECFDFDCF}" type="datetimeFigureOut">
               <a:rPr lang="ru-RU" smtClean="0"/>
+              <a:pPr/>
               <a:t>07.05.2022</a:t>
             </a:fld>
             <a:endParaRPr lang="ru-RU"/>
@@ -1367,6 +1378,7 @@
           <a:p>
             <a:fld id="{2331B04B-1E48-4834-BA07-87D63184A87C}" type="slidenum">
               <a:rPr lang="ru-RU" smtClean="0"/>
+              <a:pPr/>
               <a:t>‹#›</a:t>
             </a:fld>
             <a:endParaRPr lang="ru-RU"/>
@@ -1742,6 +1754,7 @@
           <a:p>
             <a:fld id="{C2263E29-338E-49D6-9AED-D5FCECFDFDCF}" type="datetimeFigureOut">
               <a:rPr lang="ru-RU" smtClean="0"/>
+              <a:pPr/>
               <a:t>07.05.2022</a:t>
             </a:fld>
             <a:endParaRPr lang="ru-RU"/>
@@ -1784,6 +1797,7 @@
           <a:p>
             <a:fld id="{2331B04B-1E48-4834-BA07-87D63184A87C}" type="slidenum">
               <a:rPr lang="ru-RU" smtClean="0"/>
+              <a:pPr/>
               <a:t>‹#›</a:t>
             </a:fld>
             <a:endParaRPr lang="ru-RU"/>
@@ -1855,6 +1869,7 @@
           <a:p>
             <a:fld id="{C2263E29-338E-49D6-9AED-D5FCECFDFDCF}" type="datetimeFigureOut">
               <a:rPr lang="ru-RU" smtClean="0"/>
+              <a:pPr/>
               <a:t>07.05.2022</a:t>
             </a:fld>
             <a:endParaRPr lang="ru-RU"/>
@@ -1897,6 +1912,7 @@
           <a:p>
             <a:fld id="{2331B04B-1E48-4834-BA07-87D63184A87C}" type="slidenum">
               <a:rPr lang="ru-RU" smtClean="0"/>
+              <a:pPr/>
               <a:t>‹#›</a:t>
             </a:fld>
             <a:endParaRPr lang="ru-RU"/>
@@ -1945,6 +1961,7 @@
           <a:p>
             <a:fld id="{C2263E29-338E-49D6-9AED-D5FCECFDFDCF}" type="datetimeFigureOut">
               <a:rPr lang="ru-RU" smtClean="0"/>
+              <a:pPr/>
               <a:t>07.05.2022</a:t>
             </a:fld>
             <a:endParaRPr lang="ru-RU"/>
@@ -1987,6 +2004,7 @@
           <a:p>
             <a:fld id="{2331B04B-1E48-4834-BA07-87D63184A87C}" type="slidenum">
               <a:rPr lang="ru-RU" smtClean="0"/>
+              <a:pPr/>
               <a:t>‹#›</a:t>
             </a:fld>
             <a:endParaRPr lang="ru-RU"/>
@@ -2217,6 +2235,7 @@
           <a:p>
             <a:fld id="{C2263E29-338E-49D6-9AED-D5FCECFDFDCF}" type="datetimeFigureOut">
               <a:rPr lang="ru-RU" smtClean="0"/>
+              <a:pPr/>
               <a:t>07.05.2022</a:t>
             </a:fld>
             <a:endParaRPr lang="ru-RU"/>
@@ -2259,6 +2278,7 @@
           <a:p>
             <a:fld id="{2331B04B-1E48-4834-BA07-87D63184A87C}" type="slidenum">
               <a:rPr lang="ru-RU" smtClean="0"/>
+              <a:pPr/>
               <a:t>‹#›</a:t>
             </a:fld>
             <a:endParaRPr lang="ru-RU"/>
@@ -2465,6 +2485,7 @@
           <a:p>
             <a:fld id="{C2263E29-338E-49D6-9AED-D5FCECFDFDCF}" type="datetimeFigureOut">
               <a:rPr lang="ru-RU" smtClean="0"/>
+              <a:pPr/>
               <a:t>07.05.2022</a:t>
             </a:fld>
             <a:endParaRPr lang="ru-RU"/>
@@ -2507,6 +2528,7 @@
           <a:p>
             <a:fld id="{2331B04B-1E48-4834-BA07-87D63184A87C}" type="slidenum">
               <a:rPr lang="ru-RU" smtClean="0"/>
+              <a:pPr/>
               <a:t>‹#›</a:t>
             </a:fld>
             <a:endParaRPr lang="ru-RU"/>
@@ -2673,6 +2695,7 @@
           <a:p>
             <a:fld id="{C2263E29-338E-49D6-9AED-D5FCECFDFDCF}" type="datetimeFigureOut">
               <a:rPr lang="ru-RU" smtClean="0"/>
+              <a:pPr/>
               <a:t>07.05.2022</a:t>
             </a:fld>
             <a:endParaRPr lang="ru-RU"/>
@@ -2751,6 +2774,7 @@
           <a:p>
             <a:fld id="{2331B04B-1E48-4834-BA07-87D63184A87C}" type="slidenum">
               <a:rPr lang="ru-RU" smtClean="0"/>
+              <a:pPr/>
               <a:t>‹#›</a:t>
             </a:fld>
             <a:endParaRPr lang="ru-RU"/>

--- a/slides.pptx
+++ b/slides.pptx
@@ -6,14 +6,16 @@
   </p:sldMasterIdLst>
   <p:sldIdLst>
     <p:sldId id="256" r:id="rId2"/>
-    <p:sldId id="264" r:id="rId3"/>
-    <p:sldId id="259" r:id="rId4"/>
-    <p:sldId id="260" r:id="rId5"/>
-    <p:sldId id="262" r:id="rId6"/>
-    <p:sldId id="261" r:id="rId7"/>
-    <p:sldId id="263" r:id="rId8"/>
-    <p:sldId id="258" r:id="rId9"/>
-    <p:sldId id="257" r:id="rId10"/>
+    <p:sldId id="265" r:id="rId3"/>
+    <p:sldId id="266" r:id="rId4"/>
+    <p:sldId id="264" r:id="rId5"/>
+    <p:sldId id="259" r:id="rId6"/>
+    <p:sldId id="260" r:id="rId7"/>
+    <p:sldId id="262" r:id="rId8"/>
+    <p:sldId id="261" r:id="rId9"/>
+    <p:sldId id="263" r:id="rId10"/>
+    <p:sldId id="258" r:id="rId11"/>
+    <p:sldId id="257" r:id="rId12"/>
   </p:sldIdLst>
   <p:sldSz cx="9144000" cy="6858000" type="screen4x3"/>
   <p:notesSz cx="6858000" cy="9144000"/>
@@ -297,7 +299,7 @@
             <a:fld id="{C2263E29-338E-49D6-9AED-D5FCECFDFDCF}" type="datetimeFigureOut">
               <a:rPr lang="ru-RU" smtClean="0"/>
               <a:pPr/>
-              <a:t>07.05.2022</a:t>
+              <a:t>12.05.2022</a:t>
             </a:fld>
             <a:endParaRPr lang="ru-RU"/>
           </a:p>
@@ -464,7 +466,7 @@
             <a:fld id="{C2263E29-338E-49D6-9AED-D5FCECFDFDCF}" type="datetimeFigureOut">
               <a:rPr lang="ru-RU" smtClean="0"/>
               <a:pPr/>
-              <a:t>07.05.2022</a:t>
+              <a:t>12.05.2022</a:t>
             </a:fld>
             <a:endParaRPr lang="ru-RU"/>
           </a:p>
@@ -641,7 +643,7 @@
             <a:fld id="{C2263E29-338E-49D6-9AED-D5FCECFDFDCF}" type="datetimeFigureOut">
               <a:rPr lang="ru-RU" smtClean="0"/>
               <a:pPr/>
-              <a:t>07.05.2022</a:t>
+              <a:t>12.05.2022</a:t>
             </a:fld>
             <a:endParaRPr lang="ru-RU"/>
           </a:p>
@@ -808,7 +810,7 @@
             <a:fld id="{C2263E29-338E-49D6-9AED-D5FCECFDFDCF}" type="datetimeFigureOut">
               <a:rPr lang="ru-RU" smtClean="0"/>
               <a:pPr/>
-              <a:t>07.05.2022</a:t>
+              <a:t>12.05.2022</a:t>
             </a:fld>
             <a:endParaRPr lang="ru-RU"/>
           </a:p>
@@ -1051,7 +1053,7 @@
             <a:fld id="{C2263E29-338E-49D6-9AED-D5FCECFDFDCF}" type="datetimeFigureOut">
               <a:rPr lang="ru-RU" smtClean="0"/>
               <a:pPr/>
-              <a:t>07.05.2022</a:t>
+              <a:t>12.05.2022</a:t>
             </a:fld>
             <a:endParaRPr lang="ru-RU"/>
           </a:p>
@@ -1336,7 +1338,7 @@
             <a:fld id="{C2263E29-338E-49D6-9AED-D5FCECFDFDCF}" type="datetimeFigureOut">
               <a:rPr lang="ru-RU" smtClean="0"/>
               <a:pPr/>
-              <a:t>07.05.2022</a:t>
+              <a:t>12.05.2022</a:t>
             </a:fld>
             <a:endParaRPr lang="ru-RU"/>
           </a:p>
@@ -1755,7 +1757,7 @@
             <a:fld id="{C2263E29-338E-49D6-9AED-D5FCECFDFDCF}" type="datetimeFigureOut">
               <a:rPr lang="ru-RU" smtClean="0"/>
               <a:pPr/>
-              <a:t>07.05.2022</a:t>
+              <a:t>12.05.2022</a:t>
             </a:fld>
             <a:endParaRPr lang="ru-RU"/>
           </a:p>
@@ -1870,7 +1872,7 @@
             <a:fld id="{C2263E29-338E-49D6-9AED-D5FCECFDFDCF}" type="datetimeFigureOut">
               <a:rPr lang="ru-RU" smtClean="0"/>
               <a:pPr/>
-              <a:t>07.05.2022</a:t>
+              <a:t>12.05.2022</a:t>
             </a:fld>
             <a:endParaRPr lang="ru-RU"/>
           </a:p>
@@ -1962,7 +1964,7 @@
             <a:fld id="{C2263E29-338E-49D6-9AED-D5FCECFDFDCF}" type="datetimeFigureOut">
               <a:rPr lang="ru-RU" smtClean="0"/>
               <a:pPr/>
-              <a:t>07.05.2022</a:t>
+              <a:t>12.05.2022</a:t>
             </a:fld>
             <a:endParaRPr lang="ru-RU"/>
           </a:p>
@@ -2236,7 +2238,7 @@
             <a:fld id="{C2263E29-338E-49D6-9AED-D5FCECFDFDCF}" type="datetimeFigureOut">
               <a:rPr lang="ru-RU" smtClean="0"/>
               <a:pPr/>
-              <a:t>07.05.2022</a:t>
+              <a:t>12.05.2022</a:t>
             </a:fld>
             <a:endParaRPr lang="ru-RU"/>
           </a:p>
@@ -2486,7 +2488,7 @@
             <a:fld id="{C2263E29-338E-49D6-9AED-D5FCECFDFDCF}" type="datetimeFigureOut">
               <a:rPr lang="ru-RU" smtClean="0"/>
               <a:pPr/>
-              <a:t>07.05.2022</a:t>
+              <a:t>12.05.2022</a:t>
             </a:fld>
             <a:endParaRPr lang="ru-RU"/>
           </a:p>
@@ -2696,7 +2698,7 @@
             <a:fld id="{C2263E29-338E-49D6-9AED-D5FCECFDFDCF}" type="datetimeFigureOut">
               <a:rPr lang="ru-RU" smtClean="0"/>
               <a:pPr/>
-              <a:t>07.05.2022</a:t>
+              <a:t>12.05.2022</a:t>
             </a:fld>
             <a:endParaRPr lang="ru-RU"/>
           </a:p>
@@ -3132,6 +3134,165 @@
 </p:sld>
 </file>
 
+<file path=ppt/slides/slide10.xml><?xml version="1.0" encoding="utf-8"?>
+<p:sld xmlns:a="http://schemas.openxmlformats.org/drawingml/2006/main" xmlns:r="http://schemas.openxmlformats.org/officeDocument/2006/relationships" xmlns:p="http://schemas.openxmlformats.org/presentationml/2006/main">
+  <p:cSld>
+    <p:spTree>
+      <p:nvGrpSpPr>
+        <p:cNvPr id="1" name=""/>
+        <p:cNvGrpSpPr/>
+        <p:nvPr/>
+      </p:nvGrpSpPr>
+      <p:grpSpPr>
+        <a:xfrm>
+          <a:off x="0" y="0"/>
+          <a:ext cx="0" cy="0"/>
+          <a:chOff x="0" y="0"/>
+          <a:chExt cx="0" cy="0"/>
+        </a:xfrm>
+      </p:grpSpPr>
+      <p:sp>
+        <p:nvSpPr>
+          <p:cNvPr id="2" name="Заголовок 1"/>
+          <p:cNvSpPr>
+            <a:spLocks noGrp="1"/>
+          </p:cNvSpPr>
+          <p:nvPr>
+            <p:ph type="title"/>
+          </p:nvPr>
+        </p:nvSpPr>
+        <p:spPr/>
+        <p:txBody>
+          <a:bodyPr>
+            <a:normAutofit/>
+          </a:bodyPr>
+          <a:lstStyle/>
+          <a:p>
+            <a:r>
+              <a:rPr lang="ru-RU" sz="2000" b="1" dirty="0"/>
+              <a:t>Эксперимент по внедрению технологий искусственного интеллекта</a:t>
+            </a:r>
+          </a:p>
+        </p:txBody>
+      </p:sp>
+      <p:pic>
+        <p:nvPicPr>
+          <p:cNvPr id="1026" name="Picture 2"/>
+          <p:cNvPicPr>
+            <a:picLocks noGrp="1" noChangeAspect="1" noChangeArrowheads="1"/>
+          </p:cNvPicPr>
+          <p:nvPr>
+            <p:ph idx="1"/>
+          </p:nvPr>
+        </p:nvPicPr>
+        <p:blipFill>
+          <a:blip r:embed="rId2" cstate="print"/>
+          <a:srcRect/>
+          <a:stretch>
+            <a:fillRect/>
+          </a:stretch>
+        </p:blipFill>
+        <p:spPr bwMode="auto">
+          <a:xfrm>
+            <a:off x="548921" y="1600200"/>
+            <a:ext cx="8046157" cy="4525963"/>
+          </a:xfrm>
+          <a:prstGeom prst="rect">
+            <a:avLst/>
+          </a:prstGeom>
+          <a:noFill/>
+          <a:ln w="9525">
+            <a:noFill/>
+            <a:miter lim="800000"/>
+            <a:headEnd/>
+            <a:tailEnd/>
+          </a:ln>
+        </p:spPr>
+      </p:pic>
+    </p:spTree>
+  </p:cSld>
+  <p:clrMapOvr>
+    <a:masterClrMapping/>
+  </p:clrMapOvr>
+</p:sld>
+</file>
+
+<file path=ppt/slides/slide11.xml><?xml version="1.0" encoding="utf-8"?>
+<p:sld xmlns:a="http://schemas.openxmlformats.org/drawingml/2006/main" xmlns:r="http://schemas.openxmlformats.org/officeDocument/2006/relationships" xmlns:p="http://schemas.openxmlformats.org/presentationml/2006/main">
+  <p:cSld>
+    <p:spTree>
+      <p:nvGrpSpPr>
+        <p:cNvPr id="1" name=""/>
+        <p:cNvGrpSpPr/>
+        <p:nvPr/>
+      </p:nvGrpSpPr>
+      <p:grpSpPr>
+        <a:xfrm>
+          <a:off x="0" y="0"/>
+          <a:ext cx="0" cy="0"/>
+          <a:chOff x="0" y="0"/>
+          <a:chExt cx="0" cy="0"/>
+        </a:xfrm>
+      </p:grpSpPr>
+      <p:sp>
+        <p:nvSpPr>
+          <p:cNvPr id="2" name="Заголовок 1"/>
+          <p:cNvSpPr>
+            <a:spLocks noGrp="1"/>
+          </p:cNvSpPr>
+          <p:nvPr>
+            <p:ph type="title"/>
+          </p:nvPr>
+        </p:nvSpPr>
+        <p:spPr/>
+        <p:txBody>
+          <a:bodyPr/>
+          <a:lstStyle/>
+          <a:p>
+            <a:r>
+              <a:rPr lang="ru-RU" dirty="0" smtClean="0"/>
+              <a:t>Список источников</a:t>
+            </a:r>
+            <a:endParaRPr lang="ru-RU" dirty="0"/>
+          </a:p>
+        </p:txBody>
+      </p:sp>
+      <p:sp>
+        <p:nvSpPr>
+          <p:cNvPr id="3" name="Содержимое 2"/>
+          <p:cNvSpPr>
+            <a:spLocks noGrp="1"/>
+          </p:cNvSpPr>
+          <p:nvPr>
+            <p:ph idx="1"/>
+          </p:nvPr>
+        </p:nvSpPr>
+        <p:spPr/>
+        <p:txBody>
+          <a:bodyPr/>
+          <a:lstStyle/>
+          <a:p>
+            <a:r>
+              <a:rPr lang="en-US" dirty="0" err="1" smtClean="0">
+                <a:hlinkClick r:id="rId2"/>
+              </a:rPr>
+              <a:t>https://mosmed.ai/</a:t>
+            </a:r>
+            <a:endParaRPr lang="ru-RU" dirty="0" smtClean="0"/>
+          </a:p>
+          <a:p>
+            <a:endParaRPr lang="ru-RU" dirty="0"/>
+          </a:p>
+        </p:txBody>
+      </p:sp>
+    </p:spTree>
+  </p:cSld>
+  <p:clrMapOvr>
+    <a:masterClrMapping/>
+  </p:clrMapOvr>
+</p:sld>
+</file>
+
 <file path=ppt/slides/slide2.xml><?xml version="1.0" encoding="utf-8"?>
 <p:sld xmlns:a="http://schemas.openxmlformats.org/drawingml/2006/main" xmlns:r="http://schemas.openxmlformats.org/officeDocument/2006/relationships" xmlns:p="http://schemas.openxmlformats.org/presentationml/2006/main">
   <p:cSld>
@@ -3162,250 +3323,52 @@
         <p:spPr/>
         <p:txBody>
           <a:bodyPr>
-            <a:noAutofit/>
+            <a:normAutofit/>
           </a:bodyPr>
           <a:lstStyle/>
           <a:p>
             <a:r>
-              <a:rPr lang="ru-RU" sz="1800" b="1" dirty="0" smtClean="0"/>
-              <a:t>Эксперимент</a:t>
-            </a:r>
-            <a:br>
-              <a:rPr lang="ru-RU" sz="1800" b="1" dirty="0" smtClean="0"/>
-            </a:br>
-            <a:r>
-              <a:rPr lang="ru-RU" sz="1800" dirty="0" smtClean="0"/>
-              <a:t>по использованию инновационных технологий в области компьютерного зрения для анализа медицинских изображений и дальнейшего применения в системе здравоохранения города Москвы.</a:t>
-            </a:r>
-            <a:endParaRPr lang="ru-RU" sz="1800" dirty="0"/>
-          </a:p>
-        </p:txBody>
-      </p:sp>
-      <p:sp>
-        <p:nvSpPr>
-          <p:cNvPr id="3" name="Содержимое 2"/>
-          <p:cNvSpPr>
-            <a:spLocks noGrp="1"/>
-          </p:cNvSpPr>
+              <a:rPr lang="ru-RU" dirty="0" smtClean="0"/>
+              <a:t>Схема разработки </a:t>
+            </a:r>
+            <a:endParaRPr lang="ru-RU" dirty="0"/>
+          </a:p>
+        </p:txBody>
+      </p:sp>
+      <p:pic>
+        <p:nvPicPr>
+          <p:cNvPr id="1026" name="Picture 2"/>
+          <p:cNvPicPr>
+            <a:picLocks noGrp="1" noChangeAspect="1" noChangeArrowheads="1"/>
+          </p:cNvPicPr>
           <p:nvPr>
             <p:ph idx="1"/>
           </p:nvPr>
-        </p:nvSpPr>
-        <p:spPr/>
-        <p:txBody>
-          <a:bodyPr>
-            <a:normAutofit fontScale="32500" lnSpcReduction="20000"/>
-          </a:bodyPr>
-          <a:lstStyle/>
-          <a:p>
-            <a:r>
-              <a:rPr lang="ru-RU" b="1" dirty="0"/>
-              <a:t>Цель</a:t>
-            </a:r>
-            <a:endParaRPr lang="ru-RU" dirty="0"/>
-          </a:p>
-          <a:p>
-            <a:r>
-              <a:rPr lang="ru-RU" dirty="0"/>
-              <a:t>Научное исследование возможности использования в системе здравоохранения города Москвы методов поддержки принятия решений на основе результатов анализа данных с применением передовых инновационных технологий.</a:t>
-            </a:r>
-          </a:p>
-          <a:p>
-            <a:r>
-              <a:rPr lang="ru-RU" dirty="0"/>
-              <a:t> </a:t>
-            </a:r>
-          </a:p>
-          <a:p>
-            <a:r>
-              <a:rPr lang="ru-RU" b="1" dirty="0"/>
-              <a:t>Платформа</a:t>
-            </a:r>
-            <a:endParaRPr lang="ru-RU" dirty="0"/>
-          </a:p>
-          <a:p>
-            <a:r>
-              <a:rPr lang="ru-RU" dirty="0"/>
-              <a:t>Единый радиологический информационный сервис (</a:t>
-            </a:r>
-            <a:r>
-              <a:rPr lang="ru-RU" dirty="0" err="1"/>
-              <a:t>ЕРИС</a:t>
-            </a:r>
-            <a:r>
-              <a:rPr lang="ru-RU" dirty="0"/>
-              <a:t>)</a:t>
-            </a:r>
-          </a:p>
-          <a:p>
-            <a:r>
-              <a:rPr lang="ru-RU" dirty="0"/>
-              <a:t> </a:t>
-            </a:r>
-          </a:p>
-          <a:p>
-            <a:r>
-              <a:rPr lang="ru-RU" b="1" dirty="0"/>
-              <a:t>В цифрах</a:t>
-            </a:r>
-            <a:endParaRPr lang="ru-RU" dirty="0"/>
-          </a:p>
-          <a:p>
-            <a:r>
-              <a:rPr lang="ru-RU" b="1" dirty="0"/>
-              <a:t>550  </a:t>
-            </a:r>
-            <a:r>
-              <a:rPr lang="ru-RU" dirty="0"/>
-              <a:t>единиц оборудования (</a:t>
-            </a:r>
-            <a:r>
-              <a:rPr lang="ru-RU" dirty="0" err="1"/>
-              <a:t>МРТ</a:t>
-            </a:r>
-            <a:r>
-              <a:rPr lang="ru-RU" dirty="0"/>
-              <a:t>/</a:t>
-            </a:r>
-            <a:r>
-              <a:rPr lang="ru-RU" dirty="0" err="1"/>
-              <a:t>ММГ</a:t>
-            </a:r>
-            <a:r>
-              <a:rPr lang="ru-RU" dirty="0"/>
-              <a:t>/КТ/</a:t>
-            </a:r>
-            <a:r>
-              <a:rPr lang="ru-RU" dirty="0" err="1"/>
-              <a:t>РГ</a:t>
-            </a:r>
-            <a:r>
-              <a:rPr lang="ru-RU" dirty="0"/>
-              <a:t>) в отделениях лучевой диагностики амбулаторных и стационарных медицинских организаций Департамента здравоохранения города Москвы.</a:t>
-            </a:r>
-          </a:p>
-          <a:p>
-            <a:r>
-              <a:rPr lang="ru-RU" b="1" dirty="0"/>
-              <a:t>365</a:t>
-            </a:r>
-            <a:r>
-              <a:rPr lang="ru-RU" dirty="0"/>
-              <a:t> врачей-рентгенологов в системе. </a:t>
-            </a:r>
-          </a:p>
-          <a:p>
-            <a:r>
-              <a:rPr lang="ru-RU" b="1" dirty="0"/>
-              <a:t>160 тысяч </a:t>
-            </a:r>
-            <a:r>
-              <a:rPr lang="ru-RU" dirty="0"/>
-              <a:t>лучевых исследований в месяц.</a:t>
-            </a:r>
-          </a:p>
-          <a:p>
-            <a:r>
-              <a:rPr lang="ru-RU" b="1" dirty="0"/>
-              <a:t>44 тысячи</a:t>
-            </a:r>
-            <a:r>
-              <a:rPr lang="ru-RU" dirty="0"/>
-              <a:t> </a:t>
-            </a:r>
-            <a:r>
-              <a:rPr lang="ru-RU" dirty="0" err="1"/>
-              <a:t>скрининговых</a:t>
-            </a:r>
-            <a:r>
-              <a:rPr lang="ru-RU" dirty="0"/>
-              <a:t> исследований с целью выявления рака молочной железы и рака легкого в год.</a:t>
-            </a:r>
-          </a:p>
-          <a:p>
-            <a:r>
-              <a:rPr lang="ru-RU" dirty="0"/>
-              <a:t> </a:t>
-            </a:r>
-          </a:p>
-          <a:p>
-            <a:r>
-              <a:rPr lang="ru-RU" b="1" dirty="0"/>
-              <a:t>Области применения:</a:t>
-            </a:r>
-            <a:endParaRPr lang="ru-RU" dirty="0"/>
-          </a:p>
-          <a:p>
-            <a:r>
-              <a:rPr lang="ru-RU" dirty="0"/>
-              <a:t>онкология;</a:t>
-            </a:r>
-          </a:p>
-          <a:p>
-            <a:r>
-              <a:rPr lang="ru-RU" dirty="0"/>
-              <a:t>кардиология;</a:t>
-            </a:r>
-          </a:p>
-          <a:p>
-            <a:r>
-              <a:rPr lang="ru-RU" dirty="0"/>
-              <a:t>хронические заболевания;</a:t>
-            </a:r>
-          </a:p>
-          <a:p>
-            <a:r>
-              <a:rPr lang="ru-RU" dirty="0"/>
-              <a:t>пульмонология;</a:t>
-            </a:r>
-          </a:p>
-          <a:p>
-            <a:r>
-              <a:rPr lang="ru-RU" dirty="0"/>
-              <a:t>неврология;</a:t>
-            </a:r>
-          </a:p>
-          <a:p>
-            <a:r>
-              <a:rPr lang="ru-RU" dirty="0"/>
-              <a:t>неотложные состояния.</a:t>
-            </a:r>
-          </a:p>
-          <a:p>
-            <a:r>
-              <a:rPr lang="ru-RU" dirty="0"/>
-              <a:t> </a:t>
-            </a:r>
-          </a:p>
-          <a:p>
-            <a:r>
-              <a:rPr lang="ru-RU" dirty="0"/>
-              <a:t>Результаты эксперимента станут основой для национальных стандартов, регламентирующих применение искусственного интеллекта в клинической медицине. Разработка документов ведется в Подкомитете 01 технического комитета по стандартизации «Искусственный интеллект» (</a:t>
-            </a:r>
-            <a:r>
-              <a:rPr lang="ru-RU" dirty="0" err="1"/>
-              <a:t>ТК</a:t>
-            </a:r>
-            <a:r>
-              <a:rPr lang="ru-RU" dirty="0"/>
-              <a:t> 164). </a:t>
-            </a:r>
-            <a:br>
-              <a:rPr lang="ru-RU" dirty="0"/>
-            </a:br>
-            <a:r>
-              <a:rPr lang="ru-RU" u="sng" dirty="0">
-                <a:hlinkClick r:id="rId2"/>
-              </a:rPr>
-              <a:t>Подробнее о деятельности ПК 01</a:t>
-            </a:r>
-            <a:endParaRPr lang="ru-RU" dirty="0"/>
-          </a:p>
-          <a:p>
-            <a:endParaRPr lang="ru-RU" dirty="0"/>
-          </a:p>
-        </p:txBody>
-      </p:sp>
+        </p:nvPicPr>
+        <p:blipFill>
+          <a:blip r:embed="rId2" cstate="print"/>
+          <a:srcRect/>
+          <a:stretch>
+            <a:fillRect/>
+          </a:stretch>
+        </p:blipFill>
+        <p:spPr bwMode="auto">
+          <a:xfrm>
+            <a:off x="510406" y="1600200"/>
+            <a:ext cx="8123188" cy="4525963"/>
+          </a:xfrm>
+          <a:prstGeom prst="rect">
+            <a:avLst/>
+          </a:prstGeom>
+          <a:noFill/>
+          <a:ln w="9525">
+            <a:noFill/>
+            <a:miter lim="800000"/>
+            <a:headEnd/>
+            <a:tailEnd/>
+          </a:ln>
+        </p:spPr>
+      </p:pic>
     </p:spTree>
   </p:cSld>
   <p:clrMapOvr>
@@ -3415,6 +3378,351 @@
 </file>
 
 <file path=ppt/slides/slide3.xml><?xml version="1.0" encoding="utf-8"?>
+<p:sld xmlns:a="http://schemas.openxmlformats.org/drawingml/2006/main" xmlns:r="http://schemas.openxmlformats.org/officeDocument/2006/relationships" xmlns:p="http://schemas.openxmlformats.org/presentationml/2006/main">
+  <p:cSld>
+    <p:spTree>
+      <p:nvGrpSpPr>
+        <p:cNvPr id="1" name=""/>
+        <p:cNvGrpSpPr/>
+        <p:nvPr/>
+      </p:nvGrpSpPr>
+      <p:grpSpPr>
+        <a:xfrm>
+          <a:off x="0" y="0"/>
+          <a:ext cx="0" cy="0"/>
+          <a:chOff x="0" y="0"/>
+          <a:chExt cx="0" cy="0"/>
+        </a:xfrm>
+      </p:grpSpPr>
+      <p:sp>
+        <p:nvSpPr>
+          <p:cNvPr id="2" name="Заголовок 1"/>
+          <p:cNvSpPr>
+            <a:spLocks noGrp="1"/>
+          </p:cNvSpPr>
+          <p:nvPr>
+            <p:ph type="title"/>
+          </p:nvPr>
+        </p:nvSpPr>
+        <p:spPr/>
+        <p:txBody>
+          <a:bodyPr/>
+          <a:lstStyle/>
+          <a:p>
+            <a:endParaRPr lang="ru-RU"/>
+          </a:p>
+        </p:txBody>
+      </p:sp>
+      <p:sp>
+        <p:nvSpPr>
+          <p:cNvPr id="3" name="Содержимое 2"/>
+          <p:cNvSpPr>
+            <a:spLocks noGrp="1"/>
+          </p:cNvSpPr>
+          <p:nvPr>
+            <p:ph idx="1"/>
+          </p:nvPr>
+        </p:nvSpPr>
+        <p:spPr/>
+        <p:txBody>
+          <a:bodyPr/>
+          <a:lstStyle/>
+          <a:p>
+            <a:endParaRPr lang="ru-RU"/>
+          </a:p>
+        </p:txBody>
+      </p:sp>
+    </p:spTree>
+  </p:cSld>
+  <p:clrMapOvr>
+    <a:masterClrMapping/>
+  </p:clrMapOvr>
+</p:sld>
+</file>
+
+<file path=ppt/slides/slide4.xml><?xml version="1.0" encoding="utf-8"?>
+<p:sld xmlns:a="http://schemas.openxmlformats.org/drawingml/2006/main" xmlns:r="http://schemas.openxmlformats.org/officeDocument/2006/relationships" xmlns:p="http://schemas.openxmlformats.org/presentationml/2006/main">
+  <p:cSld>
+    <p:spTree>
+      <p:nvGrpSpPr>
+        <p:cNvPr id="1" name=""/>
+        <p:cNvGrpSpPr/>
+        <p:nvPr/>
+      </p:nvGrpSpPr>
+      <p:grpSpPr>
+        <a:xfrm>
+          <a:off x="0" y="0"/>
+          <a:ext cx="0" cy="0"/>
+          <a:chOff x="0" y="0"/>
+          <a:chExt cx="0" cy="0"/>
+        </a:xfrm>
+      </p:grpSpPr>
+      <p:sp>
+        <p:nvSpPr>
+          <p:cNvPr id="2" name="Заголовок 1"/>
+          <p:cNvSpPr>
+            <a:spLocks noGrp="1"/>
+          </p:cNvSpPr>
+          <p:nvPr>
+            <p:ph type="title"/>
+          </p:nvPr>
+        </p:nvSpPr>
+        <p:spPr/>
+        <p:txBody>
+          <a:bodyPr>
+            <a:noAutofit/>
+          </a:bodyPr>
+          <a:lstStyle/>
+          <a:p>
+            <a:r>
+              <a:rPr lang="ru-RU" sz="1800" b="1" dirty="0" smtClean="0"/>
+              <a:t>Эксперимент</a:t>
+            </a:r>
+            <a:br>
+              <a:rPr lang="ru-RU" sz="1800" b="1" dirty="0" smtClean="0"/>
+            </a:br>
+            <a:r>
+              <a:rPr lang="ru-RU" sz="1800" dirty="0" smtClean="0"/>
+              <a:t>по использованию инновационных технологий в области компьютерного зрения для анализа медицинских изображений и дальнейшего применения в системе здравоохранения города Москвы.</a:t>
+            </a:r>
+            <a:endParaRPr lang="ru-RU" sz="1800" dirty="0"/>
+          </a:p>
+        </p:txBody>
+      </p:sp>
+      <p:sp>
+        <p:nvSpPr>
+          <p:cNvPr id="3" name="Содержимое 2"/>
+          <p:cNvSpPr>
+            <a:spLocks noGrp="1"/>
+          </p:cNvSpPr>
+          <p:nvPr>
+            <p:ph idx="1"/>
+          </p:nvPr>
+        </p:nvSpPr>
+        <p:spPr/>
+        <p:txBody>
+          <a:bodyPr>
+            <a:normAutofit fontScale="32500" lnSpcReduction="20000"/>
+          </a:bodyPr>
+          <a:lstStyle/>
+          <a:p>
+            <a:r>
+              <a:rPr lang="ru-RU" b="1" dirty="0"/>
+              <a:t>Цель</a:t>
+            </a:r>
+            <a:endParaRPr lang="ru-RU" dirty="0"/>
+          </a:p>
+          <a:p>
+            <a:r>
+              <a:rPr lang="ru-RU" dirty="0"/>
+              <a:t>Научное исследование возможности использования в системе здравоохранения города Москвы методов поддержки принятия решений на основе результатов анализа данных с применением передовых инновационных технологий.</a:t>
+            </a:r>
+          </a:p>
+          <a:p>
+            <a:r>
+              <a:rPr lang="ru-RU" dirty="0"/>
+              <a:t> </a:t>
+            </a:r>
+          </a:p>
+          <a:p>
+            <a:r>
+              <a:rPr lang="ru-RU" b="1" dirty="0"/>
+              <a:t>Платформа</a:t>
+            </a:r>
+            <a:endParaRPr lang="ru-RU" dirty="0"/>
+          </a:p>
+          <a:p>
+            <a:r>
+              <a:rPr lang="ru-RU" dirty="0"/>
+              <a:t>Единый радиологический информационный сервис (</a:t>
+            </a:r>
+            <a:r>
+              <a:rPr lang="ru-RU" dirty="0" err="1"/>
+              <a:t>ЕРИС</a:t>
+            </a:r>
+            <a:r>
+              <a:rPr lang="ru-RU" dirty="0"/>
+              <a:t>)</a:t>
+            </a:r>
+          </a:p>
+          <a:p>
+            <a:r>
+              <a:rPr lang="ru-RU" dirty="0"/>
+              <a:t> </a:t>
+            </a:r>
+          </a:p>
+          <a:p>
+            <a:r>
+              <a:rPr lang="ru-RU" b="1" dirty="0"/>
+              <a:t>В цифрах</a:t>
+            </a:r>
+            <a:endParaRPr lang="ru-RU" dirty="0"/>
+          </a:p>
+          <a:p>
+            <a:r>
+              <a:rPr lang="ru-RU" b="1" dirty="0"/>
+              <a:t>550  </a:t>
+            </a:r>
+            <a:r>
+              <a:rPr lang="ru-RU" dirty="0"/>
+              <a:t>единиц оборудования (</a:t>
+            </a:r>
+            <a:r>
+              <a:rPr lang="ru-RU" dirty="0" err="1"/>
+              <a:t>МРТ</a:t>
+            </a:r>
+            <a:r>
+              <a:rPr lang="ru-RU" dirty="0"/>
+              <a:t>/</a:t>
+            </a:r>
+            <a:r>
+              <a:rPr lang="ru-RU" dirty="0" err="1"/>
+              <a:t>ММГ</a:t>
+            </a:r>
+            <a:r>
+              <a:rPr lang="ru-RU" dirty="0"/>
+              <a:t>/КТ/</a:t>
+            </a:r>
+            <a:r>
+              <a:rPr lang="ru-RU" dirty="0" err="1"/>
+              <a:t>РГ</a:t>
+            </a:r>
+            <a:r>
+              <a:rPr lang="ru-RU" dirty="0"/>
+              <a:t>) в отделениях лучевой диагностики амбулаторных и стационарных медицинских организаций Департамента здравоохранения города Москвы.</a:t>
+            </a:r>
+          </a:p>
+          <a:p>
+            <a:r>
+              <a:rPr lang="ru-RU" b="1" dirty="0"/>
+              <a:t>365</a:t>
+            </a:r>
+            <a:r>
+              <a:rPr lang="ru-RU" dirty="0"/>
+              <a:t> врачей-рентгенологов в системе. </a:t>
+            </a:r>
+          </a:p>
+          <a:p>
+            <a:r>
+              <a:rPr lang="ru-RU" b="1" dirty="0"/>
+              <a:t>160 тысяч </a:t>
+            </a:r>
+            <a:r>
+              <a:rPr lang="ru-RU" dirty="0"/>
+              <a:t>лучевых исследований в месяц.</a:t>
+            </a:r>
+          </a:p>
+          <a:p>
+            <a:r>
+              <a:rPr lang="ru-RU" b="1" dirty="0"/>
+              <a:t>44 тысячи</a:t>
+            </a:r>
+            <a:r>
+              <a:rPr lang="ru-RU" dirty="0"/>
+              <a:t> </a:t>
+            </a:r>
+            <a:r>
+              <a:rPr lang="ru-RU" dirty="0" err="1"/>
+              <a:t>скрининговых</a:t>
+            </a:r>
+            <a:r>
+              <a:rPr lang="ru-RU" dirty="0"/>
+              <a:t> исследований с целью выявления рака молочной железы и рака легкого в год.</a:t>
+            </a:r>
+          </a:p>
+          <a:p>
+            <a:r>
+              <a:rPr lang="ru-RU" dirty="0"/>
+              <a:t> </a:t>
+            </a:r>
+          </a:p>
+          <a:p>
+            <a:r>
+              <a:rPr lang="ru-RU" b="1" dirty="0"/>
+              <a:t>Области применения:</a:t>
+            </a:r>
+            <a:endParaRPr lang="ru-RU" dirty="0"/>
+          </a:p>
+          <a:p>
+            <a:r>
+              <a:rPr lang="ru-RU" dirty="0"/>
+              <a:t>онкология;</a:t>
+            </a:r>
+          </a:p>
+          <a:p>
+            <a:r>
+              <a:rPr lang="ru-RU" dirty="0"/>
+              <a:t>кардиология;</a:t>
+            </a:r>
+          </a:p>
+          <a:p>
+            <a:r>
+              <a:rPr lang="ru-RU" dirty="0"/>
+              <a:t>хронические заболевания;</a:t>
+            </a:r>
+          </a:p>
+          <a:p>
+            <a:r>
+              <a:rPr lang="ru-RU" dirty="0"/>
+              <a:t>пульмонология;</a:t>
+            </a:r>
+          </a:p>
+          <a:p>
+            <a:r>
+              <a:rPr lang="ru-RU" dirty="0"/>
+              <a:t>неврология;</a:t>
+            </a:r>
+          </a:p>
+          <a:p>
+            <a:r>
+              <a:rPr lang="ru-RU" dirty="0"/>
+              <a:t>неотложные состояния.</a:t>
+            </a:r>
+          </a:p>
+          <a:p>
+            <a:r>
+              <a:rPr lang="ru-RU" dirty="0"/>
+              <a:t> </a:t>
+            </a:r>
+          </a:p>
+          <a:p>
+            <a:r>
+              <a:rPr lang="ru-RU" dirty="0"/>
+              <a:t>Результаты эксперимента станут основой для национальных стандартов, регламентирующих применение искусственного интеллекта в клинической медицине. Разработка документов ведется в Подкомитете 01 технического комитета по стандартизации «Искусственный интеллект» (</a:t>
+            </a:r>
+            <a:r>
+              <a:rPr lang="ru-RU" dirty="0" err="1"/>
+              <a:t>ТК</a:t>
+            </a:r>
+            <a:r>
+              <a:rPr lang="ru-RU" dirty="0"/>
+              <a:t> 164). </a:t>
+            </a:r>
+            <a:br>
+              <a:rPr lang="ru-RU" dirty="0"/>
+            </a:br>
+            <a:r>
+              <a:rPr lang="ru-RU" u="sng" dirty="0">
+                <a:hlinkClick r:id="rId2"/>
+              </a:rPr>
+              <a:t>Подробнее о деятельности ПК 01</a:t>
+            </a:r>
+            <a:endParaRPr lang="ru-RU" dirty="0"/>
+          </a:p>
+          <a:p>
+            <a:endParaRPr lang="ru-RU" dirty="0"/>
+          </a:p>
+        </p:txBody>
+      </p:sp>
+    </p:spTree>
+  </p:cSld>
+  <p:clrMapOvr>
+    <a:masterClrMapping/>
+  </p:clrMapOvr>
+</p:sld>
+</file>
+
+<file path=ppt/slides/slide5.xml><?xml version="1.0" encoding="utf-8"?>
 <p:sld xmlns:a="http://schemas.openxmlformats.org/drawingml/2006/main" xmlns:r="http://schemas.openxmlformats.org/officeDocument/2006/relationships" xmlns:p="http://schemas.openxmlformats.org/presentationml/2006/main">
   <p:cSld>
     <p:spTree>
@@ -3501,560 +3809,6 @@
 </p:sld>
 </file>
 
-<file path=ppt/slides/slide4.xml><?xml version="1.0" encoding="utf-8"?>
-<p:sld xmlns:a="http://schemas.openxmlformats.org/drawingml/2006/main" xmlns:r="http://schemas.openxmlformats.org/officeDocument/2006/relationships" xmlns:p="http://schemas.openxmlformats.org/presentationml/2006/main">
-  <p:cSld>
-    <p:spTree>
-      <p:nvGrpSpPr>
-        <p:cNvPr id="1" name=""/>
-        <p:cNvGrpSpPr/>
-        <p:nvPr/>
-      </p:nvGrpSpPr>
-      <p:grpSpPr>
-        <a:xfrm>
-          <a:off x="0" y="0"/>
-          <a:ext cx="0" cy="0"/>
-          <a:chOff x="0" y="0"/>
-          <a:chExt cx="0" cy="0"/>
-        </a:xfrm>
-      </p:grpSpPr>
-      <p:sp>
-        <p:nvSpPr>
-          <p:cNvPr id="2" name="Заголовок 1"/>
-          <p:cNvSpPr>
-            <a:spLocks noGrp="1"/>
-          </p:cNvSpPr>
-          <p:nvPr>
-            <p:ph type="title"/>
-          </p:nvPr>
-        </p:nvSpPr>
-        <p:spPr/>
-        <p:txBody>
-          <a:bodyPr>
-            <a:normAutofit/>
-          </a:bodyPr>
-          <a:lstStyle/>
-          <a:p>
-            <a:r>
-              <a:rPr lang="ru-RU" dirty="0" smtClean="0">
-                <a:hlinkClick r:id="rId2"/>
-              </a:rPr>
-              <a:t>Клинические параметры</a:t>
-            </a:r>
-            <a:endParaRPr lang="ru-RU" dirty="0"/>
-          </a:p>
-        </p:txBody>
-      </p:sp>
-      <p:sp>
-        <p:nvSpPr>
-          <p:cNvPr id="3" name="Содержимое 2"/>
-          <p:cNvSpPr>
-            <a:spLocks noGrp="1"/>
-          </p:cNvSpPr>
-          <p:nvPr>
-            <p:ph idx="1"/>
-          </p:nvPr>
-        </p:nvSpPr>
-        <p:spPr/>
-        <p:txBody>
-          <a:bodyPr>
-            <a:normAutofit fontScale="47500" lnSpcReduction="20000"/>
-          </a:bodyPr>
-          <a:lstStyle/>
-          <a:p>
-            <a:r>
-              <a:rPr lang="ru-RU" b="1" dirty="0" smtClean="0"/>
-              <a:t>Целевые нозологии</a:t>
-            </a:r>
-          </a:p>
-          <a:p>
-            <a:pPr>
-              <a:buNone/>
-            </a:pPr>
-            <a:r>
-              <a:rPr lang="ru-RU" b="1" dirty="0"/>
-              <a:t>	</a:t>
-            </a:r>
-            <a:r>
-              <a:rPr lang="ru-RU" b="1" dirty="0" smtClean="0"/>
-              <a:t>Целевые </a:t>
-            </a:r>
-            <a:r>
-              <a:rPr lang="ru-RU" b="1" dirty="0" err="1"/>
-              <a:t>патологии\признаки</a:t>
-            </a:r>
-            <a:r>
-              <a:rPr lang="ru-RU" b="1" dirty="0"/>
-              <a:t>:</a:t>
-            </a:r>
-            <a:r>
-              <a:rPr lang="ru-RU" dirty="0"/>
-              <a:t> </a:t>
-            </a:r>
-            <a:r>
-              <a:rPr lang="ru-RU" dirty="0" err="1" smtClean="0"/>
-              <a:t>COVID-19</a:t>
-            </a:r>
-            <a:endParaRPr lang="ru-RU" dirty="0" smtClean="0"/>
-          </a:p>
-          <a:p>
-            <a:pPr>
-              <a:buNone/>
-            </a:pPr>
-            <a:r>
-              <a:rPr lang="ru-RU" b="1" dirty="0"/>
-              <a:t>	</a:t>
-            </a:r>
-            <a:r>
-              <a:rPr lang="ru-RU" b="1" dirty="0" smtClean="0"/>
-              <a:t>Код </a:t>
-            </a:r>
-            <a:r>
-              <a:rPr lang="ru-RU" b="1" dirty="0" err="1"/>
-              <a:t>МКБ-10</a:t>
-            </a:r>
-            <a:r>
-              <a:rPr lang="ru-RU" b="1" dirty="0"/>
-              <a:t> целевой патологии:</a:t>
-            </a:r>
-            <a:r>
-              <a:rPr lang="ru-RU" dirty="0"/>
-              <a:t> </a:t>
-            </a:r>
-            <a:r>
-              <a:rPr lang="ru-RU" dirty="0" err="1" smtClean="0"/>
-              <a:t>U07.1</a:t>
-            </a:r>
-            <a:endParaRPr lang="ru-RU" dirty="0" smtClean="0"/>
-          </a:p>
-          <a:p>
-            <a:r>
-              <a:rPr lang="ru-RU" b="1" dirty="0" smtClean="0"/>
-              <a:t>Параметры популяции</a:t>
-            </a:r>
-          </a:p>
-          <a:p>
-            <a:pPr>
-              <a:buNone/>
-            </a:pPr>
-            <a:r>
-              <a:rPr lang="ru-RU" b="1" dirty="0"/>
-              <a:t>	</a:t>
-            </a:r>
-            <a:r>
-              <a:rPr lang="ru-RU" b="1" dirty="0" smtClean="0"/>
-              <a:t>Критерии </a:t>
-            </a:r>
-            <a:r>
-              <a:rPr lang="ru-RU" b="1" dirty="0"/>
-              <a:t>включения/</a:t>
-            </a:r>
-            <a:r>
-              <a:rPr lang="ru-RU" b="1" dirty="0" err="1"/>
-              <a:t>невключения</a:t>
-            </a:r>
-            <a:r>
-              <a:rPr lang="ru-RU" b="1" dirty="0"/>
-              <a:t> пациента</a:t>
-            </a:r>
-            <a:r>
-              <a:rPr lang="ru-RU" b="1" dirty="0" smtClean="0"/>
-              <a:t>:</a:t>
-            </a:r>
-          </a:p>
-          <a:p>
-            <a:pPr>
-              <a:buNone/>
-            </a:pPr>
-            <a:r>
-              <a:rPr lang="ru-RU" b="1" dirty="0"/>
-              <a:t>	</a:t>
-            </a:r>
-            <a:r>
-              <a:rPr lang="ru-RU" dirty="0" smtClean="0"/>
-              <a:t>Критерии </a:t>
-            </a:r>
-            <a:r>
-              <a:rPr lang="ru-RU" dirty="0"/>
-              <a:t>включения пациента: Возраст ≥18 лет</a:t>
-            </a:r>
-            <a:br>
-              <a:rPr lang="ru-RU" dirty="0"/>
-            </a:br>
-            <a:r>
-              <a:rPr lang="ru-RU" dirty="0"/>
-              <a:t>Критерии </a:t>
-            </a:r>
-            <a:r>
-              <a:rPr lang="ru-RU" dirty="0" err="1"/>
-              <a:t>невключения</a:t>
-            </a:r>
-            <a:r>
-              <a:rPr lang="ru-RU" dirty="0"/>
-              <a:t> пациента: Наличие оперативных вмешательств, лучевой терапии в анамнезе для лечения заболеваний в области грудной клетки</a:t>
-            </a:r>
-          </a:p>
-          <a:p>
-            <a:pPr>
-              <a:buNone/>
-            </a:pPr>
-            <a:r>
-              <a:rPr lang="ru-RU" dirty="0" smtClean="0"/>
-              <a:t>	Возраст </a:t>
-            </a:r>
-            <a:r>
-              <a:rPr lang="ru-RU" dirty="0"/>
-              <a:t>(мин., лет): </a:t>
-            </a:r>
-            <a:r>
-              <a:rPr lang="ru-RU" dirty="0" smtClean="0"/>
-              <a:t>18</a:t>
-            </a:r>
-          </a:p>
-          <a:p>
-            <a:pPr>
-              <a:buNone/>
-            </a:pPr>
-            <a:r>
-              <a:rPr lang="ru-RU" dirty="0"/>
-              <a:t>	</a:t>
-            </a:r>
-            <a:r>
-              <a:rPr lang="ru-RU" dirty="0" smtClean="0"/>
-              <a:t>Возраст </a:t>
-            </a:r>
-            <a:r>
-              <a:rPr lang="ru-RU" dirty="0"/>
-              <a:t>(макс., лет): </a:t>
-            </a:r>
-            <a:r>
-              <a:rPr lang="ru-RU" dirty="0" smtClean="0"/>
-              <a:t>97</a:t>
-            </a:r>
-          </a:p>
-          <a:p>
-            <a:pPr>
-              <a:buNone/>
-            </a:pPr>
-            <a:r>
-              <a:rPr lang="ru-RU" dirty="0"/>
-              <a:t>	</a:t>
-            </a:r>
-            <a:r>
-              <a:rPr lang="ru-RU" dirty="0" smtClean="0"/>
-              <a:t>Возраст </a:t>
-            </a:r>
-            <a:r>
-              <a:rPr lang="ru-RU" dirty="0"/>
-              <a:t>(медиана, лет): </a:t>
-            </a:r>
-            <a:r>
-              <a:rPr lang="ru-RU" dirty="0" smtClean="0"/>
-              <a:t>47,0</a:t>
-            </a:r>
-          </a:p>
-          <a:p>
-            <a:pPr>
-              <a:buNone/>
-            </a:pPr>
-            <a:r>
-              <a:rPr lang="ru-RU" dirty="0"/>
-              <a:t>	</a:t>
-            </a:r>
-            <a:r>
-              <a:rPr lang="ru-RU" dirty="0" smtClean="0"/>
-              <a:t>Пол </a:t>
-            </a:r>
-            <a:r>
-              <a:rPr lang="ru-RU" dirty="0"/>
-              <a:t>(М): </a:t>
-            </a:r>
-            <a:r>
-              <a:rPr lang="ru-RU" dirty="0" smtClean="0"/>
-              <a:t>42</a:t>
-            </a:r>
-          </a:p>
-          <a:p>
-            <a:pPr>
-              <a:buNone/>
-            </a:pPr>
-            <a:r>
-              <a:rPr lang="ru-RU" dirty="0"/>
-              <a:t>	</a:t>
-            </a:r>
-            <a:r>
-              <a:rPr lang="ru-RU" dirty="0" smtClean="0"/>
-              <a:t>Пол </a:t>
-            </a:r>
-            <a:r>
-              <a:rPr lang="ru-RU" dirty="0"/>
-              <a:t>(Ж): </a:t>
-            </a:r>
-            <a:r>
-              <a:rPr lang="ru-RU" dirty="0" smtClean="0"/>
-              <a:t>56</a:t>
-            </a:r>
-          </a:p>
-          <a:p>
-            <a:pPr>
-              <a:buNone/>
-            </a:pPr>
-            <a:r>
-              <a:rPr lang="ru-RU" dirty="0"/>
-              <a:t>	</a:t>
-            </a:r>
-            <a:r>
-              <a:rPr lang="ru-RU" dirty="0" smtClean="0"/>
-              <a:t>Пол </a:t>
-            </a:r>
-            <a:r>
-              <a:rPr lang="ru-RU" dirty="0"/>
-              <a:t>(</a:t>
-            </a:r>
-            <a:r>
-              <a:rPr lang="ru-RU" dirty="0" err="1"/>
-              <a:t>неопределено</a:t>
-            </a:r>
-            <a:r>
-              <a:rPr lang="ru-RU" dirty="0"/>
-              <a:t>): </a:t>
-            </a:r>
-            <a:r>
-              <a:rPr lang="ru-RU" dirty="0" smtClean="0"/>
-              <a:t>2</a:t>
-            </a:r>
-          </a:p>
-          <a:p>
-            <a:pPr>
-              <a:buNone/>
-            </a:pPr>
-            <a:r>
-              <a:rPr lang="ru-RU" dirty="0"/>
-              <a:t>	</a:t>
-            </a:r>
-            <a:r>
-              <a:rPr lang="ru-RU" dirty="0" smtClean="0"/>
-              <a:t>Период </a:t>
-            </a:r>
-            <a:r>
-              <a:rPr lang="ru-RU" dirty="0"/>
-              <a:t>сбора (начало): </a:t>
-            </a:r>
-            <a:r>
-              <a:rPr lang="ru-RU" dirty="0" smtClean="0"/>
-              <a:t>01.03.2020</a:t>
-            </a:r>
-          </a:p>
-          <a:p>
-            <a:pPr>
-              <a:buNone/>
-            </a:pPr>
-            <a:r>
-              <a:rPr lang="ru-RU" dirty="0"/>
-              <a:t>	</a:t>
-            </a:r>
-            <a:r>
-              <a:rPr lang="ru-RU" dirty="0" smtClean="0"/>
-              <a:t>Период </a:t>
-            </a:r>
-            <a:r>
-              <a:rPr lang="ru-RU" dirty="0"/>
-              <a:t>сбора (конец): </a:t>
-            </a:r>
-            <a:r>
-              <a:rPr lang="ru-RU" dirty="0" smtClean="0"/>
-              <a:t>25.04.2020</a:t>
-            </a:r>
-          </a:p>
-          <a:p>
-            <a:pPr>
-              <a:buNone/>
-            </a:pPr>
-            <a:r>
-              <a:rPr lang="ru-RU" dirty="0"/>
-              <a:t>	</a:t>
-            </a:r>
-            <a:r>
-              <a:rPr lang="ru-RU" dirty="0" smtClean="0"/>
-              <a:t>Эпидемиологическая </a:t>
-            </a:r>
-            <a:r>
-              <a:rPr lang="ru-RU" dirty="0"/>
-              <a:t>обстановка: В условиях пандемии </a:t>
-            </a:r>
-            <a:r>
-              <a:rPr lang="ru-RU" dirty="0" err="1"/>
-              <a:t>коронавирусной</a:t>
-            </a:r>
-            <a:r>
-              <a:rPr lang="ru-RU" dirty="0"/>
-              <a:t> инфекции (</a:t>
-            </a:r>
-            <a:r>
-              <a:rPr lang="ru-RU" dirty="0" err="1"/>
-              <a:t>COVID-19</a:t>
-            </a:r>
-            <a:r>
-              <a:rPr lang="ru-RU" dirty="0"/>
-              <a:t>)</a:t>
-            </a:r>
-          </a:p>
-        </p:txBody>
-      </p:sp>
-    </p:spTree>
-  </p:cSld>
-  <p:clrMapOvr>
-    <a:masterClrMapping/>
-  </p:clrMapOvr>
-</p:sld>
-</file>
-
-<file path=ppt/slides/slide5.xml><?xml version="1.0" encoding="utf-8"?>
-<p:sld xmlns:a="http://schemas.openxmlformats.org/drawingml/2006/main" xmlns:r="http://schemas.openxmlformats.org/officeDocument/2006/relationships" xmlns:p="http://schemas.openxmlformats.org/presentationml/2006/main">
-  <p:cSld>
-    <p:spTree>
-      <p:nvGrpSpPr>
-        <p:cNvPr id="1" name=""/>
-        <p:cNvGrpSpPr/>
-        <p:nvPr/>
-      </p:nvGrpSpPr>
-      <p:grpSpPr>
-        <a:xfrm>
-          <a:off x="0" y="0"/>
-          <a:ext cx="0" cy="0"/>
-          <a:chOff x="0" y="0"/>
-          <a:chExt cx="0" cy="0"/>
-        </a:xfrm>
-      </p:grpSpPr>
-      <p:sp>
-        <p:nvSpPr>
-          <p:cNvPr id="2" name="Заголовок 1"/>
-          <p:cNvSpPr>
-            <a:spLocks noGrp="1"/>
-          </p:cNvSpPr>
-          <p:nvPr>
-            <p:ph type="title"/>
-          </p:nvPr>
-        </p:nvSpPr>
-        <p:spPr/>
-        <p:txBody>
-          <a:bodyPr>
-            <a:normAutofit/>
-          </a:bodyPr>
-          <a:lstStyle/>
-          <a:p>
-            <a:r>
-              <a:rPr lang="ru-RU" dirty="0" smtClean="0">
-                <a:hlinkClick r:id="rId2"/>
-              </a:rPr>
-              <a:t>Назначение</a:t>
-            </a:r>
-            <a:endParaRPr lang="ru-RU" dirty="0"/>
-          </a:p>
-        </p:txBody>
-      </p:sp>
-      <p:sp>
-        <p:nvSpPr>
-          <p:cNvPr id="3" name="Содержимое 2"/>
-          <p:cNvSpPr>
-            <a:spLocks noGrp="1"/>
-          </p:cNvSpPr>
-          <p:nvPr>
-            <p:ph idx="1"/>
-          </p:nvPr>
-        </p:nvSpPr>
-        <p:spPr/>
-        <p:txBody>
-          <a:bodyPr>
-            <a:normAutofit/>
-          </a:bodyPr>
-          <a:lstStyle/>
-          <a:p>
-            <a:r>
-              <a:rPr lang="ru-RU" b="1" dirty="0" smtClean="0"/>
-              <a:t>Клиническая/практическая/научная </a:t>
-            </a:r>
-            <a:r>
-              <a:rPr lang="ru-RU" b="1" dirty="0"/>
-              <a:t>задача создания набора данных:</a:t>
-            </a:r>
-            <a:r>
-              <a:rPr lang="ru-RU" dirty="0"/>
-              <a:t> Определение степени поражения паренхимы легкого при </a:t>
-            </a:r>
-            <a:r>
-              <a:rPr lang="ru-RU" dirty="0" err="1" smtClean="0"/>
-              <a:t>COVID-19</a:t>
-            </a:r>
-            <a:endParaRPr lang="ru-RU" dirty="0" smtClean="0"/>
-          </a:p>
-          <a:p>
-            <a:r>
-              <a:rPr lang="ru-RU" b="1" dirty="0" smtClean="0"/>
-              <a:t>Назначение </a:t>
-            </a:r>
-            <a:r>
-              <a:rPr lang="ru-RU" b="1" dirty="0" err="1"/>
-              <a:t>датасета</a:t>
-            </a:r>
-            <a:r>
-              <a:rPr lang="ru-RU" b="1" dirty="0"/>
-              <a:t>:</a:t>
-            </a:r>
-            <a:r>
-              <a:rPr lang="ru-RU" dirty="0"/>
-              <a:t> Обучение ИИ </a:t>
-            </a:r>
-            <a:r>
-              <a:rPr lang="ru-RU" dirty="0" smtClean="0"/>
-              <a:t>алгоритма</a:t>
-            </a:r>
-          </a:p>
-          <a:p>
-            <a:r>
-              <a:rPr lang="ru-RU" b="1" dirty="0" smtClean="0"/>
-              <a:t>Вариант</a:t>
-            </a:r>
-            <a:r>
-              <a:rPr lang="ru-RU" b="1" dirty="0"/>
-              <a:t>:</a:t>
-            </a:r>
-            <a:r>
-              <a:rPr lang="ru-RU" dirty="0"/>
-              <a:t> </a:t>
-            </a:r>
-            <a:r>
-              <a:rPr lang="ru-RU" dirty="0" err="1"/>
-              <a:t>SC</a:t>
-            </a:r>
-            <a:r>
-              <a:rPr lang="ru-RU" dirty="0"/>
-              <a:t> - </a:t>
-            </a:r>
-            <a:r>
-              <a:rPr lang="ru-RU" dirty="0" err="1"/>
-              <a:t>special</a:t>
-            </a:r>
-            <a:r>
-              <a:rPr lang="ru-RU" dirty="0"/>
-              <a:t> </a:t>
-            </a:r>
-            <a:r>
-              <a:rPr lang="ru-RU" dirty="0" err="1"/>
-              <a:t>case</a:t>
-            </a:r>
-            <a:endParaRPr lang="ru-RU" dirty="0"/>
-          </a:p>
-        </p:txBody>
-      </p:sp>
-    </p:spTree>
-  </p:cSld>
-  <p:clrMapOvr>
-    <a:masterClrMapping/>
-  </p:clrMapOvr>
-</p:sld>
-</file>
-
 <file path=ppt/slides/slide6.xml><?xml version="1.0" encoding="utf-8"?>
 <p:sld xmlns:a="http://schemas.openxmlformats.org/drawingml/2006/main" xmlns:r="http://schemas.openxmlformats.org/officeDocument/2006/relationships" xmlns:p="http://schemas.openxmlformats.org/presentationml/2006/main">
   <p:cSld>
@@ -4093,7 +3847,7 @@
               <a:rPr lang="ru-RU" dirty="0" smtClean="0">
                 <a:hlinkClick r:id="rId2"/>
               </a:rPr>
-              <a:t>Разметка и верификация</a:t>
+              <a:t>Клинические параметры</a:t>
             </a:r>
             <a:endParaRPr lang="ru-RU" dirty="0"/>
           </a:p>
@@ -4112,39 +3866,30 @@
         <p:spPr/>
         <p:txBody>
           <a:bodyPr>
-            <a:normAutofit fontScale="40000" lnSpcReduction="20000"/>
+            <a:normAutofit fontScale="47500" lnSpcReduction="20000"/>
           </a:bodyPr>
           <a:lstStyle/>
           <a:p>
             <a:r>
-              <a:rPr lang="ru-RU" b="1" dirty="0" err="1" smtClean="0"/>
-              <a:t>РазметкаУровень</a:t>
-            </a:r>
-            <a:r>
               <a:rPr lang="ru-RU" b="1" dirty="0" smtClean="0"/>
-              <a:t> </a:t>
-            </a:r>
+              <a:t>Целевые нозологии</a:t>
+            </a:r>
+          </a:p>
+          <a:p>
+            <a:pPr>
+              <a:buNone/>
+            </a:pPr>
             <a:r>
               <a:rPr lang="ru-RU" b="1" dirty="0"/>
-              <a:t>разметки:</a:t>
-            </a:r>
-            <a:r>
-              <a:rPr lang="ru-RU" dirty="0"/>
-              <a:t> Изображение, </a:t>
-            </a:r>
-            <a:r>
-              <a:rPr lang="ru-RU" dirty="0" smtClean="0"/>
-              <a:t>Исследование</a:t>
-            </a:r>
-          </a:p>
-          <a:p>
+              <a:t>	</a:t>
+            </a:r>
             <a:r>
               <a:rPr lang="ru-RU" b="1" dirty="0" smtClean="0"/>
-              <a:t>Способы </a:t>
+              <a:t>Целевые </a:t>
             </a:r>
             <a:r>
               <a:rPr lang="ru-RU" b="1" dirty="0" err="1"/>
-              <a:t>предразметки</a:t>
+              <a:t>патологии\признаки</a:t>
             </a:r>
             <a:r>
               <a:rPr lang="ru-RU" b="1" dirty="0"/>
@@ -4155,118 +3900,303 @@
               <a:t> </a:t>
             </a:r>
             <a:r>
+              <a:rPr lang="ru-RU" dirty="0" err="1" smtClean="0"/>
+              <a:t>COVID-19</a:t>
+            </a:r>
+            <a:endParaRPr lang="ru-RU" dirty="0" smtClean="0"/>
+          </a:p>
+          <a:p>
+            <a:pPr>
+              <a:buNone/>
+            </a:pPr>
+            <a:r>
+              <a:rPr lang="ru-RU" b="1" dirty="0"/>
+              <a:t>	</a:t>
+            </a:r>
+            <a:r>
+              <a:rPr lang="ru-RU" b="1" dirty="0" smtClean="0"/>
+              <a:t>Код </a:t>
+            </a:r>
+            <a:r>
+              <a:rPr lang="ru-RU" b="1" dirty="0" err="1"/>
+              <a:t>МКБ-10</a:t>
+            </a:r>
+            <a:r>
+              <a:rPr lang="ru-RU" b="1" dirty="0"/>
+              <a:t> целевой патологии:</a:t>
+            </a:r>
+            <a:r>
+              <a:rPr lang="ru-RU" dirty="0"/>
+              <a:t> </a:t>
+            </a:r>
+            <a:r>
+              <a:rPr lang="ru-RU" dirty="0" err="1" smtClean="0"/>
+              <a:t>U07.1</a:t>
+            </a:r>
+            <a:endParaRPr lang="ru-RU" dirty="0" smtClean="0"/>
+          </a:p>
+          <a:p>
+            <a:r>
+              <a:rPr lang="ru-RU" b="1" dirty="0" smtClean="0"/>
+              <a:t>Параметры популяции</a:t>
+            </a:r>
+          </a:p>
+          <a:p>
+            <a:pPr>
+              <a:buNone/>
+            </a:pPr>
+            <a:r>
+              <a:rPr lang="ru-RU" b="1" dirty="0"/>
+              <a:t>	</a:t>
+            </a:r>
+            <a:r>
+              <a:rPr lang="ru-RU" b="1" dirty="0" smtClean="0"/>
+              <a:t>Критерии </a:t>
+            </a:r>
+            <a:r>
+              <a:rPr lang="ru-RU" b="1" dirty="0"/>
+              <a:t>включения/</a:t>
+            </a:r>
+            <a:r>
+              <a:rPr lang="ru-RU" b="1" dirty="0" err="1"/>
+              <a:t>невключения</a:t>
+            </a:r>
+            <a:r>
+              <a:rPr lang="ru-RU" b="1" dirty="0"/>
+              <a:t> пациента</a:t>
+            </a:r>
+            <a:r>
+              <a:rPr lang="ru-RU" b="1" dirty="0" smtClean="0"/>
+              <a:t>:</a:t>
+            </a:r>
+          </a:p>
+          <a:p>
+            <a:pPr>
+              <a:buNone/>
+            </a:pPr>
+            <a:r>
+              <a:rPr lang="ru-RU" b="1" dirty="0"/>
+              <a:t>	</a:t>
+            </a:r>
+            <a:r>
               <a:rPr lang="ru-RU" dirty="0" smtClean="0"/>
-              <a:t>Нет</a:t>
-            </a:r>
-          </a:p>
-          <a:p>
-            <a:r>
-              <a:rPr lang="ru-RU" b="1" dirty="0" smtClean="0"/>
-              <a:t>Характер </a:t>
-            </a:r>
-            <a:r>
-              <a:rPr lang="ru-RU" b="1" dirty="0"/>
-              <a:t>разметки:</a:t>
-            </a:r>
-            <a:r>
-              <a:rPr lang="ru-RU" dirty="0"/>
-              <a:t> </a:t>
-            </a:r>
+              <a:t>Критерии </a:t>
+            </a:r>
+            <a:r>
+              <a:rPr lang="ru-RU" dirty="0"/>
+              <a:t>включения пациента: Возраст ≥18 лет</a:t>
+            </a:r>
+            <a:br>
+              <a:rPr lang="ru-RU" dirty="0"/>
+            </a:br>
+            <a:r>
+              <a:rPr lang="ru-RU" dirty="0"/>
+              <a:t>Критерии </a:t>
+            </a:r>
+            <a:r>
+              <a:rPr lang="ru-RU" dirty="0" err="1"/>
+              <a:t>невключения</a:t>
+            </a:r>
+            <a:r>
+              <a:rPr lang="ru-RU" dirty="0"/>
+              <a:t> пациента: Наличие оперативных вмешательств, лучевой терапии в анамнезе для лечения заболеваний в области грудной клетки</a:t>
+            </a:r>
+          </a:p>
+          <a:p>
+            <a:pPr>
+              <a:buNone/>
+            </a:pPr>
             <a:r>
               <a:rPr lang="ru-RU" dirty="0" smtClean="0"/>
-              <a:t>Бинарная</a:t>
-            </a:r>
-          </a:p>
-          <a:p>
-            <a:r>
-              <a:rPr lang="ru-RU" b="1" dirty="0" smtClean="0"/>
-              <a:t>Количество </a:t>
-            </a:r>
-            <a:r>
-              <a:rPr lang="ru-RU" b="1" dirty="0"/>
-              <a:t>лейблов:</a:t>
-            </a:r>
-            <a:r>
-              <a:rPr lang="ru-RU" dirty="0"/>
-              <a:t> </a:t>
+              <a:t>	Возраст </a:t>
+            </a:r>
+            <a:r>
+              <a:rPr lang="ru-RU" dirty="0"/>
+              <a:t>(мин., лет): </a:t>
             </a:r>
             <a:r>
               <a:rPr lang="ru-RU" dirty="0" smtClean="0"/>
-              <a:t>1</a:t>
-            </a:r>
-          </a:p>
-          <a:p>
-            <a:r>
-              <a:rPr lang="ru-RU" b="1" dirty="0" smtClean="0"/>
-              <a:t>Характер </a:t>
-            </a:r>
-            <a:r>
-              <a:rPr lang="ru-RU" b="1" dirty="0"/>
-              <a:t>лейблов:</a:t>
-            </a:r>
-            <a:r>
-              <a:rPr lang="ru-RU" dirty="0"/>
-              <a:t> </a:t>
+              <a:t>18</a:t>
+            </a:r>
+          </a:p>
+          <a:p>
+            <a:pPr>
+              <a:buNone/>
+            </a:pPr>
+            <a:r>
+              <a:rPr lang="ru-RU" dirty="0"/>
+              <a:t>	</a:t>
+            </a:r>
+            <a:r>
+              <a:rPr lang="ru-RU" dirty="0" smtClean="0"/>
+              <a:t>Возраст </a:t>
+            </a:r>
+            <a:r>
+              <a:rPr lang="ru-RU" dirty="0"/>
+              <a:t>(макс., лет): </a:t>
+            </a:r>
+            <a:r>
+              <a:rPr lang="ru-RU" dirty="0" smtClean="0"/>
+              <a:t>97</a:t>
+            </a:r>
+          </a:p>
+          <a:p>
+            <a:pPr>
+              <a:buNone/>
+            </a:pPr>
+            <a:r>
+              <a:rPr lang="ru-RU" dirty="0"/>
+              <a:t>	</a:t>
+            </a:r>
+            <a:r>
+              <a:rPr lang="ru-RU" dirty="0" smtClean="0"/>
+              <a:t>Возраст </a:t>
+            </a:r>
+            <a:r>
+              <a:rPr lang="ru-RU" dirty="0"/>
+              <a:t>(медиана, лет): </a:t>
+            </a:r>
+            <a:r>
+              <a:rPr lang="ru-RU" dirty="0" smtClean="0"/>
+              <a:t>47,0</a:t>
+            </a:r>
+          </a:p>
+          <a:p>
+            <a:pPr>
+              <a:buNone/>
+            </a:pPr>
+            <a:r>
+              <a:rPr lang="ru-RU" dirty="0"/>
+              <a:t>	</a:t>
+            </a:r>
+            <a:r>
+              <a:rPr lang="ru-RU" dirty="0" smtClean="0"/>
+              <a:t>Пол </a:t>
+            </a:r>
+            <a:r>
+              <a:rPr lang="ru-RU" dirty="0"/>
+              <a:t>(М): </a:t>
+            </a:r>
+            <a:r>
+              <a:rPr lang="ru-RU" dirty="0" smtClean="0"/>
+              <a:t>42</a:t>
+            </a:r>
+          </a:p>
+          <a:p>
+            <a:pPr>
+              <a:buNone/>
+            </a:pPr>
+            <a:r>
+              <a:rPr lang="ru-RU" dirty="0"/>
+              <a:t>	</a:t>
+            </a:r>
+            <a:r>
+              <a:rPr lang="ru-RU" dirty="0" smtClean="0"/>
+              <a:t>Пол </a:t>
+            </a:r>
+            <a:r>
+              <a:rPr lang="ru-RU" dirty="0"/>
+              <a:t>(Ж): </a:t>
+            </a:r>
+            <a:r>
+              <a:rPr lang="ru-RU" dirty="0" smtClean="0"/>
+              <a:t>56</a:t>
+            </a:r>
+          </a:p>
+          <a:p>
+            <a:pPr>
+              <a:buNone/>
+            </a:pPr>
+            <a:r>
+              <a:rPr lang="ru-RU" dirty="0"/>
+              <a:t>	</a:t>
+            </a:r>
+            <a:r>
+              <a:rPr lang="ru-RU" dirty="0" smtClean="0"/>
+              <a:t>Пол </a:t>
+            </a:r>
+            <a:r>
+              <a:rPr lang="ru-RU" dirty="0"/>
+              <a:t>(</a:t>
             </a:r>
             <a:r>
               <a:rPr lang="ru-RU" dirty="0" err="1"/>
-              <a:t>Мультикласс</a:t>
-            </a:r>
-            <a:r>
-              <a:rPr lang="ru-RU" dirty="0"/>
-              <a:t> (1 лейбл, </a:t>
+              <a:t>неопределено</a:t>
+            </a:r>
+            <a:r>
+              <a:rPr lang="ru-RU" dirty="0"/>
+              <a:t>): </a:t>
+            </a:r>
+            <a:r>
+              <a:rPr lang="ru-RU" dirty="0" smtClean="0"/>
+              <a:t>2</a:t>
+            </a:r>
+          </a:p>
+          <a:p>
+            <a:pPr>
+              <a:buNone/>
+            </a:pPr>
+            <a:r>
+              <a:rPr lang="ru-RU" dirty="0"/>
+              <a:t>	</a:t>
+            </a:r>
+            <a:r>
+              <a:rPr lang="ru-RU" dirty="0" smtClean="0"/>
+              <a:t>Период </a:t>
+            </a:r>
+            <a:r>
+              <a:rPr lang="ru-RU" dirty="0"/>
+              <a:t>сбора (начало): </a:t>
+            </a:r>
+            <a:r>
+              <a:rPr lang="ru-RU" dirty="0" smtClean="0"/>
+              <a:t>01.03.2020</a:t>
+            </a:r>
+          </a:p>
+          <a:p>
+            <a:pPr>
+              <a:buNone/>
+            </a:pPr>
+            <a:r>
+              <a:rPr lang="ru-RU" dirty="0"/>
+              <a:t>	</a:t>
+            </a:r>
+            <a:r>
+              <a:rPr lang="ru-RU" dirty="0" smtClean="0"/>
+              <a:t>Период </a:t>
+            </a:r>
+            <a:r>
+              <a:rPr lang="ru-RU" dirty="0"/>
+              <a:t>сбора (конец): </a:t>
+            </a:r>
+            <a:r>
+              <a:rPr lang="ru-RU" dirty="0" smtClean="0"/>
+              <a:t>25.04.2020</a:t>
+            </a:r>
+          </a:p>
+          <a:p>
+            <a:pPr>
+              <a:buNone/>
+            </a:pPr>
+            <a:r>
+              <a:rPr lang="ru-RU" dirty="0"/>
+              <a:t>	</a:t>
+            </a:r>
+            <a:r>
+              <a:rPr lang="ru-RU" dirty="0" smtClean="0"/>
+              <a:t>Эпидемиологическая </a:t>
+            </a:r>
+            <a:r>
+              <a:rPr lang="ru-RU" dirty="0"/>
+              <a:t>обстановка: В условиях пандемии </a:t>
             </a:r>
             <a:r>
               <a:rPr lang="ru-RU" dirty="0" err="1"/>
-              <a:t>M</a:t>
-            </a:r>
-            <a:r>
-              <a:rPr lang="ru-RU" dirty="0"/>
-              <a:t> классов, </a:t>
-            </a:r>
-            <a:r>
-              <a:rPr lang="ru-RU" dirty="0" err="1"/>
-              <a:t>M</a:t>
-            </a:r>
-            <a:r>
-              <a:rPr lang="ru-RU" dirty="0"/>
-              <a:t>&gt;2</a:t>
-            </a:r>
-            <a:r>
-              <a:rPr lang="ru-RU" dirty="0" smtClean="0"/>
-              <a:t>)</a:t>
-            </a:r>
-          </a:p>
-          <a:p>
-            <a:r>
-              <a:rPr lang="ru-RU" b="1" dirty="0" smtClean="0"/>
-              <a:t>Уровень </a:t>
-            </a:r>
-            <a:r>
-              <a:rPr lang="ru-RU" b="1" dirty="0"/>
-              <a:t>детализации лейблов:</a:t>
-            </a:r>
-            <a:r>
-              <a:rPr lang="ru-RU" dirty="0"/>
-              <a:t> </a:t>
-            </a:r>
-            <a:r>
-              <a:rPr lang="ru-RU" dirty="0" smtClean="0"/>
-              <a:t>Исследование/серия/изображение</a:t>
-            </a:r>
-          </a:p>
-          <a:p>
-            <a:r>
-              <a:rPr lang="ru-RU" b="1" dirty="0" smtClean="0"/>
-              <a:t>Названия </a:t>
-            </a:r>
-            <a:r>
-              <a:rPr lang="ru-RU" b="1" dirty="0"/>
-              <a:t>лейблов:</a:t>
-            </a:r>
-            <a:r>
-              <a:rPr lang="ru-RU" dirty="0"/>
-              <a:t> Признаки поражения паренхимы легкого при </a:t>
+              <a:t>коронавирусной</a:t>
+            </a:r>
+            <a:r>
+              <a:rPr lang="ru-RU" dirty="0"/>
+              <a:t> инфекции (</a:t>
             </a:r>
             <a:r>
               <a:rPr lang="ru-RU" dirty="0" err="1"/>
@@ -4274,156 +4204,8 @@
             </a:r>
             <a:r>
               <a:rPr lang="ru-RU" dirty="0"/>
-              <a:t> согласно -Базовые диагностические требования от августа </a:t>
-            </a:r>
-            <a:r>
-              <a:rPr lang="ru-RU" dirty="0" err="1" smtClean="0"/>
-              <a:t>2021г</a:t>
-            </a:r>
-            <a:endParaRPr lang="ru-RU" dirty="0" smtClean="0"/>
-          </a:p>
-          <a:p>
-            <a:r>
-              <a:rPr lang="ru-RU" b="1" dirty="0" smtClean="0"/>
-              <a:t>Количество </a:t>
-            </a:r>
-            <a:r>
-              <a:rPr lang="ru-RU" b="1" dirty="0"/>
-              <a:t>классов:</a:t>
-            </a:r>
-            <a:r>
-              <a:rPr lang="ru-RU" dirty="0"/>
-              <a:t> </a:t>
-            </a:r>
-            <a:r>
-              <a:rPr lang="ru-RU" dirty="0" smtClean="0"/>
-              <a:t>2</a:t>
-            </a:r>
-          </a:p>
-          <a:p>
-            <a:r>
-              <a:rPr lang="ru-RU" b="1" dirty="0" smtClean="0"/>
-              <a:t>Названия </a:t>
-            </a:r>
-            <a:r>
-              <a:rPr lang="ru-RU" b="1" dirty="0"/>
-              <a:t>классов:</a:t>
-            </a:r>
-            <a:r>
-              <a:rPr lang="ru-RU" dirty="0"/>
-              <a:t> Без целевой патологии - 0; С целевой патологией </a:t>
-            </a:r>
-            <a:r>
-              <a:rPr lang="ru-RU" dirty="0" smtClean="0"/>
-              <a:t>– 1</a:t>
-            </a:r>
-          </a:p>
-          <a:p>
-            <a:r>
-              <a:rPr lang="ru-RU" b="1" dirty="0" smtClean="0"/>
-              <a:t>Количество </a:t>
-            </a:r>
-            <a:r>
-              <a:rPr lang="ru-RU" b="1" dirty="0"/>
-              <a:t>по классам:</a:t>
-            </a:r>
-            <a:r>
-              <a:rPr lang="ru-RU" dirty="0"/>
-              <a:t> КТ-0 ― 254 (22,8%), КТ-1 ― 684 (61,6%), КТ-2 ― 125 (11,3%), КТ-3 ― 45 (4,1%), КТ-4 ― 2 (0,2</a:t>
-            </a:r>
-            <a:r>
-              <a:rPr lang="ru-RU" dirty="0" smtClean="0"/>
-              <a:t>%).</a:t>
-            </a:r>
-          </a:p>
-          <a:p>
-            <a:r>
-              <a:rPr lang="ru-RU" b="1" dirty="0" smtClean="0"/>
-              <a:t>Критерии </a:t>
-            </a:r>
-            <a:r>
-              <a:rPr lang="ru-RU" b="1" dirty="0"/>
-              <a:t>отнесения к </a:t>
-            </a:r>
-            <a:r>
-              <a:rPr lang="ru-RU" b="1" dirty="0" err="1"/>
-              <a:t>классам:</a:t>
-            </a:r>
-            <a:r>
-              <a:rPr lang="ru-RU" dirty="0" err="1"/>
-              <a:t>С</a:t>
-            </a:r>
-            <a:r>
-              <a:rPr lang="ru-RU" dirty="0"/>
-              <a:t> патологией:</a:t>
-            </a:r>
-          </a:p>
-          <a:p>
-            <a:r>
-              <a:rPr lang="ru-RU" dirty="0"/>
-              <a:t>Инфильтрация легочной паренхимы по типу матовых стекол с обеих сторон, преимущественно периферической локализации с или без инфильтрацией легочной паренхимы по типу консолидации с положительным признаком воздушной </a:t>
-            </a:r>
-            <a:r>
-              <a:rPr lang="ru-RU" dirty="0" err="1"/>
-              <a:t>бронхограммы</a:t>
-            </a:r>
-            <a:r>
-              <a:rPr lang="ru-RU" dirty="0"/>
-              <a:t>;</a:t>
-            </a:r>
-          </a:p>
-          <a:p>
-            <a:r>
-              <a:rPr lang="ru-RU" dirty="0"/>
-              <a:t>Инфильтрация легочной паренхимы по типу булыжной мостовой (утолщение </a:t>
-            </a:r>
-            <a:r>
-              <a:rPr lang="ru-RU" dirty="0" err="1"/>
-              <a:t>междолькового</a:t>
-            </a:r>
-            <a:r>
-              <a:rPr lang="ru-RU" dirty="0"/>
-              <a:t> </a:t>
-            </a:r>
-            <a:r>
-              <a:rPr lang="ru-RU" dirty="0" err="1"/>
-              <a:t>интерстиция</a:t>
-            </a:r>
-            <a:r>
-              <a:rPr lang="ru-RU" dirty="0"/>
-              <a:t> на фоне матового стекла) с обеих сторон, преимущественно периферической локализации, с или или без инфильтрацией легочной паренхимы по типу консолидации с положительным признаком воздушной </a:t>
-            </a:r>
-            <a:r>
-              <a:rPr lang="ru-RU" dirty="0" err="1"/>
-              <a:t>бронхограммы</a:t>
-            </a:r>
-            <a:r>
-              <a:rPr lang="ru-RU" dirty="0"/>
-              <a:t>.</a:t>
-            </a:r>
-          </a:p>
-          <a:p>
-            <a:r>
-              <a:rPr lang="ru-RU" dirty="0"/>
-              <a:t>Без патологии: отсутствие вышеперечисленных признаков</a:t>
-            </a:r>
-          </a:p>
-          <a:p>
-            <a:r>
-              <a:rPr lang="ru-RU" b="1" dirty="0" err="1"/>
-              <a:t>ВерификацияМетод</a:t>
-            </a:r>
-            <a:r>
-              <a:rPr lang="ru-RU" b="1" dirty="0"/>
-              <a:t> верификации:</a:t>
-            </a:r>
-            <a:r>
-              <a:rPr lang="ru-RU" dirty="0"/>
-              <a:t> Экспертная оценка разметки (1 эксперт либо консенсус)</a:t>
-            </a:r>
-          </a:p>
-          <a:p>
-            <a:endParaRPr lang="ru-RU" dirty="0"/>
+              <a:t>)</a:t>
+            </a:r>
           </a:p>
         </p:txBody>
       </p:sp>
@@ -4473,7 +4255,7 @@
               <a:rPr lang="ru-RU" dirty="0" smtClean="0">
                 <a:hlinkClick r:id="rId2"/>
               </a:rPr>
-              <a:t>Технические параметры</a:t>
+              <a:t>Назначение</a:t>
             </a:r>
             <a:endParaRPr lang="ru-RU" dirty="0"/>
           </a:p>
@@ -4492,276 +4274,83 @@
         <p:spPr/>
         <p:txBody>
           <a:bodyPr>
-            <a:normAutofit fontScale="47500" lnSpcReduction="20000"/>
+            <a:normAutofit/>
           </a:bodyPr>
           <a:lstStyle/>
           <a:p>
             <a:r>
               <a:rPr lang="ru-RU" b="1" dirty="0" smtClean="0"/>
-              <a:t>Условия </a:t>
+              <a:t>Клиническая/практическая/научная </a:t>
             </a:r>
             <a:r>
               <a:rPr lang="ru-RU" b="1" dirty="0"/>
-              <a:t>сбора </a:t>
-            </a:r>
+              <a:t>задача создания набора данных:</a:t>
+            </a:r>
+            <a:r>
+              <a:rPr lang="ru-RU" dirty="0"/>
+              <a:t> Определение степени поражения паренхимы легкого при </a:t>
+            </a:r>
+            <a:r>
+              <a:rPr lang="ru-RU" dirty="0" err="1" smtClean="0"/>
+              <a:t>COVID-19</a:t>
+            </a:r>
+            <a:endParaRPr lang="ru-RU" dirty="0" smtClean="0"/>
+          </a:p>
+          <a:p>
             <a:r>
               <a:rPr lang="ru-RU" b="1" dirty="0" smtClean="0"/>
-              <a:t>данных</a:t>
-            </a:r>
-          </a:p>
-          <a:p>
-            <a:pPr>
-              <a:buNone/>
-            </a:pPr>
+              <a:t>Назначение </a:t>
+            </a:r>
+            <a:r>
+              <a:rPr lang="ru-RU" b="1" dirty="0" err="1"/>
+              <a:t>датасета</a:t>
+            </a:r>
+            <a:r>
+              <a:rPr lang="ru-RU" b="1" dirty="0"/>
+              <a:t>:</a:t>
+            </a:r>
+            <a:r>
+              <a:rPr lang="ru-RU" dirty="0"/>
+              <a:t> Обучение ИИ </a:t>
+            </a:r>
+            <a:r>
+              <a:rPr lang="ru-RU" dirty="0" smtClean="0"/>
+              <a:t>алгоритма</a:t>
+            </a:r>
+          </a:p>
+          <a:p>
             <a:r>
               <a:rPr lang="ru-RU" b="1" dirty="0" smtClean="0"/>
-              <a:t>	Критерии </a:t>
+              <a:t>Вариант</a:t>
             </a:r>
             <a:r>
               <a:rPr lang="ru-RU" b="1" dirty="0"/>
-              <a:t>включения/</a:t>
-            </a:r>
-            <a:r>
-              <a:rPr lang="ru-RU" b="1" dirty="0" err="1"/>
-              <a:t>невключения</a:t>
-            </a:r>
-            <a:r>
-              <a:rPr lang="ru-RU" b="1" dirty="0"/>
-              <a:t> исследования в </a:t>
-            </a:r>
-            <a:r>
-              <a:rPr lang="ru-RU" b="1" dirty="0" err="1"/>
-              <a:t>датасет:</a:t>
+              <a:t>:</a:t>
+            </a:r>
+            <a:r>
+              <a:rPr lang="ru-RU" dirty="0"/>
+              <a:t> </a:t>
             </a:r>
             <a:r>
               <a:rPr lang="ru-RU" dirty="0" err="1"/>
-              <a:t>Сбор</a:t>
-            </a:r>
-            <a:r>
-              <a:rPr lang="ru-RU" dirty="0"/>
-              <a:t> данных осуществлялся в 48 медицинских организаций в период с 1 марта по 25 апреля 2020 г у пациентов с подозрением на изменения в легких при </a:t>
+              <a:t>SC</a:t>
+            </a:r>
+            <a:r>
+              <a:rPr lang="ru-RU" dirty="0"/>
+              <a:t> - </a:t>
             </a:r>
             <a:r>
               <a:rPr lang="ru-RU" dirty="0" err="1"/>
-              <a:t>COVID-19</a:t>
-            </a:r>
-            <a:endParaRPr lang="ru-RU" dirty="0"/>
-          </a:p>
-          <a:p>
-            <a:pPr>
-              <a:buNone/>
-            </a:pPr>
-            <a:r>
-              <a:rPr lang="ru-RU" b="1" dirty="0" smtClean="0"/>
-              <a:t>	Протоколы </a:t>
-            </a:r>
-            <a:r>
-              <a:rPr lang="ru-RU" b="1" dirty="0"/>
-              <a:t>и условия сбора </a:t>
-            </a:r>
-            <a:r>
-              <a:rPr lang="ru-RU" b="1" dirty="0" err="1"/>
-              <a:t>данных:</a:t>
+              <a:t>special</a:t>
+            </a:r>
+            <a:r>
+              <a:rPr lang="ru-RU" dirty="0"/>
+              <a:t> </a:t>
             </a:r>
             <a:r>
               <a:rPr lang="ru-RU" dirty="0" err="1"/>
-              <a:t>КТ-протокол</a:t>
-            </a:r>
-            <a:r>
-              <a:rPr lang="ru-RU" dirty="0"/>
-              <a:t> сканирования </a:t>
-            </a:r>
-            <a:r>
-              <a:rPr lang="ru-RU" dirty="0" err="1"/>
-              <a:t>Chest</a:t>
-            </a:r>
-            <a:r>
-              <a:rPr lang="ru-RU" dirty="0"/>
-              <a:t> (рутинные КТ грудной клетки), сканирование выполнено в положении пациента на спине, при задержке дыхания на глубине вдоха, руки убраны за голову</a:t>
-            </a:r>
-          </a:p>
-          <a:p>
-            <a:r>
-              <a:rPr lang="ru-RU" b="1" dirty="0"/>
-              <a:t>Единичная запись набора </a:t>
-            </a:r>
-            <a:r>
-              <a:rPr lang="ru-RU" b="1" dirty="0" smtClean="0"/>
-              <a:t>данных</a:t>
-            </a:r>
-          </a:p>
-          <a:p>
-            <a:pPr>
-              <a:buNone/>
-            </a:pPr>
-            <a:r>
-              <a:rPr lang="ru-RU" b="1" dirty="0"/>
-              <a:t>	</a:t>
-            </a:r>
-            <a:r>
-              <a:rPr lang="ru-RU" b="1" dirty="0" smtClean="0"/>
-              <a:t>Объект </a:t>
-            </a:r>
-            <a:r>
-              <a:rPr lang="ru-RU" b="1" dirty="0"/>
-              <a:t>разметки:</a:t>
-            </a:r>
-            <a:r>
-              <a:rPr lang="ru-RU" dirty="0"/>
-              <a:t> </a:t>
-            </a:r>
-            <a:r>
-              <a:rPr lang="ru-RU" dirty="0" smtClean="0"/>
-              <a:t>Исследование</a:t>
-            </a:r>
-          </a:p>
-          <a:p>
-            <a:pPr>
-              <a:buNone/>
-            </a:pPr>
-            <a:r>
-              <a:rPr lang="ru-RU" b="1" dirty="0" smtClean="0"/>
-              <a:t>	Результат </a:t>
-            </a:r>
-            <a:r>
-              <a:rPr lang="ru-RU" b="1" dirty="0"/>
-              <a:t>разметки:</a:t>
-            </a:r>
-            <a:r>
-              <a:rPr lang="ru-RU" dirty="0"/>
-              <a:t> Целевая патология / отсутствие целевой патологии; бинарные маски </a:t>
-            </a:r>
-            <a:r>
-              <a:rPr lang="ru-RU" dirty="0" smtClean="0"/>
-              <a:t>изображений</a:t>
-            </a:r>
-          </a:p>
-          <a:p>
-            <a:r>
-              <a:rPr lang="ru-RU" b="1" dirty="0" smtClean="0"/>
-              <a:t>Форматы </a:t>
-            </a:r>
-            <a:r>
-              <a:rPr lang="ru-RU" b="1" dirty="0"/>
-              <a:t>записи набора </a:t>
-            </a:r>
-            <a:r>
-              <a:rPr lang="ru-RU" b="1" dirty="0" smtClean="0"/>
-              <a:t>данных</a:t>
-            </a:r>
-          </a:p>
-          <a:p>
-            <a:pPr>
-              <a:buNone/>
-            </a:pPr>
-            <a:r>
-              <a:rPr lang="ru-RU" b="1" dirty="0"/>
-              <a:t>	</a:t>
-            </a:r>
-            <a:r>
-              <a:rPr lang="ru-RU" b="1" dirty="0" smtClean="0"/>
-              <a:t>Объект </a:t>
-            </a:r>
-            <a:r>
-              <a:rPr lang="ru-RU" b="1" dirty="0"/>
-              <a:t>разметки:</a:t>
-            </a:r>
-            <a:r>
-              <a:rPr lang="ru-RU" dirty="0"/>
-              <a:t> </a:t>
-            </a:r>
-            <a:r>
-              <a:rPr lang="ru-RU" dirty="0" err="1" smtClean="0"/>
-              <a:t>NIFTI</a:t>
-            </a:r>
-            <a:endParaRPr lang="ru-RU" dirty="0" smtClean="0"/>
-          </a:p>
-          <a:p>
-            <a:pPr>
-              <a:buNone/>
-            </a:pPr>
-            <a:r>
-              <a:rPr lang="ru-RU" b="1" dirty="0"/>
-              <a:t>	</a:t>
-            </a:r>
-            <a:r>
-              <a:rPr lang="ru-RU" b="1" dirty="0" smtClean="0"/>
-              <a:t>Результат </a:t>
-            </a:r>
-            <a:r>
-              <a:rPr lang="ru-RU" b="1" dirty="0"/>
-              <a:t>разметки:</a:t>
-            </a:r>
-            <a:r>
-              <a:rPr lang="ru-RU" dirty="0"/>
-              <a:t> </a:t>
-            </a:r>
-            <a:r>
-              <a:rPr lang="ru-RU" dirty="0" smtClean="0"/>
-              <a:t>Табличный</a:t>
-            </a:r>
-          </a:p>
-          <a:p>
-            <a:r>
-              <a:rPr lang="ru-RU" b="1" dirty="0" smtClean="0"/>
-              <a:t>Объем данных</a:t>
-            </a:r>
-          </a:p>
-          <a:p>
-            <a:pPr>
-              <a:buNone/>
-            </a:pPr>
-            <a:r>
-              <a:rPr lang="ru-RU" b="1" dirty="0"/>
-              <a:t>	</a:t>
-            </a:r>
-            <a:r>
-              <a:rPr lang="ru-RU" b="1" dirty="0" smtClean="0"/>
-              <a:t>Количество </a:t>
-            </a:r>
-            <a:r>
-              <a:rPr lang="ru-RU" b="1" dirty="0"/>
-              <a:t>исследований набора данных:</a:t>
-            </a:r>
-            <a:r>
-              <a:rPr lang="ru-RU" dirty="0"/>
-              <a:t> </a:t>
-            </a:r>
-            <a:r>
-              <a:rPr lang="ru-RU" dirty="0" smtClean="0"/>
-              <a:t>1110</a:t>
-            </a:r>
-          </a:p>
-          <a:p>
-            <a:pPr>
-              <a:buNone/>
-            </a:pPr>
-            <a:r>
-              <a:rPr lang="ru-RU" b="1" dirty="0"/>
-              <a:t>	</a:t>
-            </a:r>
-            <a:r>
-              <a:rPr lang="ru-RU" b="1" dirty="0" smtClean="0"/>
-              <a:t>Количество </a:t>
-            </a:r>
-            <a:r>
-              <a:rPr lang="ru-RU" b="1" dirty="0"/>
-              <a:t>уникальных источников (</a:t>
-            </a:r>
-            <a:r>
-              <a:rPr lang="ru-RU" b="1" dirty="0" err="1"/>
-              <a:t>ДУ</a:t>
-            </a:r>
-            <a:r>
-              <a:rPr lang="ru-RU" b="1" dirty="0"/>
-              <a:t>):</a:t>
-            </a:r>
-            <a:r>
-              <a:rPr lang="ru-RU" dirty="0"/>
-              <a:t> 48</a:t>
-            </a:r>
-          </a:p>
-          <a:p>
+              <a:t>case</a:t>
+            </a:r>
             <a:endParaRPr lang="ru-RU" dirty="0"/>
           </a:p>
         </p:txBody>
@@ -4809,46 +4398,343 @@
           <a:lstStyle/>
           <a:p>
             <a:r>
-              <a:rPr lang="ru-RU" sz="2000" b="1" dirty="0"/>
-              <a:t>Эксперимент по внедрению технологий искусственного интеллекта</a:t>
-            </a:r>
-          </a:p>
-        </p:txBody>
-      </p:sp>
-      <p:pic>
-        <p:nvPicPr>
-          <p:cNvPr id="1026" name="Picture 2"/>
-          <p:cNvPicPr>
-            <a:picLocks noGrp="1" noChangeAspect="1" noChangeArrowheads="1"/>
-          </p:cNvPicPr>
+              <a:rPr lang="ru-RU" dirty="0" smtClean="0">
+                <a:hlinkClick r:id="rId2"/>
+              </a:rPr>
+              <a:t>Разметка и верификация</a:t>
+            </a:r>
+            <a:endParaRPr lang="ru-RU" dirty="0"/>
+          </a:p>
+        </p:txBody>
+      </p:sp>
+      <p:sp>
+        <p:nvSpPr>
+          <p:cNvPr id="3" name="Содержимое 2"/>
+          <p:cNvSpPr>
+            <a:spLocks noGrp="1"/>
+          </p:cNvSpPr>
           <p:nvPr>
             <p:ph idx="1"/>
           </p:nvPr>
-        </p:nvPicPr>
-        <p:blipFill>
-          <a:blip r:embed="rId2" cstate="print"/>
-          <a:srcRect/>
-          <a:stretch>
-            <a:fillRect/>
-          </a:stretch>
-        </p:blipFill>
-        <p:spPr bwMode="auto">
-          <a:xfrm>
-            <a:off x="548921" y="1600200"/>
-            <a:ext cx="8046157" cy="4525963"/>
-          </a:xfrm>
-          <a:prstGeom prst="rect">
-            <a:avLst/>
-          </a:prstGeom>
-          <a:noFill/>
-          <a:ln w="9525">
-            <a:noFill/>
-            <a:miter lim="800000"/>
-            <a:headEnd/>
-            <a:tailEnd/>
-          </a:ln>
-        </p:spPr>
-      </p:pic>
+        </p:nvSpPr>
+        <p:spPr/>
+        <p:txBody>
+          <a:bodyPr>
+            <a:normAutofit fontScale="40000" lnSpcReduction="20000"/>
+          </a:bodyPr>
+          <a:lstStyle/>
+          <a:p>
+            <a:r>
+              <a:rPr lang="ru-RU" b="1" dirty="0" err="1" smtClean="0"/>
+              <a:t>РазметкаУровень</a:t>
+            </a:r>
+            <a:r>
+              <a:rPr lang="ru-RU" b="1" dirty="0" smtClean="0"/>
+              <a:t> </a:t>
+            </a:r>
+            <a:r>
+              <a:rPr lang="ru-RU" b="1" dirty="0"/>
+              <a:t>разметки:</a:t>
+            </a:r>
+            <a:r>
+              <a:rPr lang="ru-RU" dirty="0"/>
+              <a:t> Изображение, </a:t>
+            </a:r>
+            <a:r>
+              <a:rPr lang="ru-RU" dirty="0" smtClean="0"/>
+              <a:t>Исследование</a:t>
+            </a:r>
+          </a:p>
+          <a:p>
+            <a:r>
+              <a:rPr lang="ru-RU" b="1" dirty="0" smtClean="0"/>
+              <a:t>Способы </a:t>
+            </a:r>
+            <a:r>
+              <a:rPr lang="ru-RU" b="1" dirty="0" err="1"/>
+              <a:t>предразметки</a:t>
+            </a:r>
+            <a:r>
+              <a:rPr lang="ru-RU" b="1" dirty="0"/>
+              <a:t>:</a:t>
+            </a:r>
+            <a:r>
+              <a:rPr lang="ru-RU" dirty="0"/>
+              <a:t> </a:t>
+            </a:r>
+            <a:r>
+              <a:rPr lang="ru-RU" dirty="0" smtClean="0"/>
+              <a:t>Нет</a:t>
+            </a:r>
+          </a:p>
+          <a:p>
+            <a:r>
+              <a:rPr lang="ru-RU" b="1" dirty="0" smtClean="0"/>
+              <a:t>Характер </a:t>
+            </a:r>
+            <a:r>
+              <a:rPr lang="ru-RU" b="1" dirty="0"/>
+              <a:t>разметки:</a:t>
+            </a:r>
+            <a:r>
+              <a:rPr lang="ru-RU" dirty="0"/>
+              <a:t> </a:t>
+            </a:r>
+            <a:r>
+              <a:rPr lang="ru-RU" dirty="0" smtClean="0"/>
+              <a:t>Бинарная</a:t>
+            </a:r>
+          </a:p>
+          <a:p>
+            <a:r>
+              <a:rPr lang="ru-RU" b="1" dirty="0" smtClean="0"/>
+              <a:t>Количество </a:t>
+            </a:r>
+            <a:r>
+              <a:rPr lang="ru-RU" b="1" dirty="0"/>
+              <a:t>лейблов:</a:t>
+            </a:r>
+            <a:r>
+              <a:rPr lang="ru-RU" dirty="0"/>
+              <a:t> </a:t>
+            </a:r>
+            <a:r>
+              <a:rPr lang="ru-RU" dirty="0" smtClean="0"/>
+              <a:t>1</a:t>
+            </a:r>
+          </a:p>
+          <a:p>
+            <a:r>
+              <a:rPr lang="ru-RU" b="1" dirty="0" smtClean="0"/>
+              <a:t>Характер </a:t>
+            </a:r>
+            <a:r>
+              <a:rPr lang="ru-RU" b="1" dirty="0"/>
+              <a:t>лейблов:</a:t>
+            </a:r>
+            <a:r>
+              <a:rPr lang="ru-RU" dirty="0"/>
+              <a:t> </a:t>
+            </a:r>
+            <a:r>
+              <a:rPr lang="ru-RU" dirty="0" err="1"/>
+              <a:t>Мультикласс</a:t>
+            </a:r>
+            <a:r>
+              <a:rPr lang="ru-RU" dirty="0"/>
+              <a:t> (1 лейбл, </a:t>
+            </a:r>
+            <a:r>
+              <a:rPr lang="ru-RU" dirty="0" err="1"/>
+              <a:t>M</a:t>
+            </a:r>
+            <a:r>
+              <a:rPr lang="ru-RU" dirty="0"/>
+              <a:t> классов, </a:t>
+            </a:r>
+            <a:r>
+              <a:rPr lang="ru-RU" dirty="0" err="1"/>
+              <a:t>M</a:t>
+            </a:r>
+            <a:r>
+              <a:rPr lang="ru-RU" dirty="0"/>
+              <a:t>&gt;2</a:t>
+            </a:r>
+            <a:r>
+              <a:rPr lang="ru-RU" dirty="0" smtClean="0"/>
+              <a:t>)</a:t>
+            </a:r>
+          </a:p>
+          <a:p>
+            <a:r>
+              <a:rPr lang="ru-RU" b="1" dirty="0" smtClean="0"/>
+              <a:t>Уровень </a:t>
+            </a:r>
+            <a:r>
+              <a:rPr lang="ru-RU" b="1" dirty="0"/>
+              <a:t>детализации лейблов:</a:t>
+            </a:r>
+            <a:r>
+              <a:rPr lang="ru-RU" dirty="0"/>
+              <a:t> </a:t>
+            </a:r>
+            <a:r>
+              <a:rPr lang="ru-RU" dirty="0" smtClean="0"/>
+              <a:t>Исследование/серия/изображение</a:t>
+            </a:r>
+          </a:p>
+          <a:p>
+            <a:r>
+              <a:rPr lang="ru-RU" b="1" dirty="0" smtClean="0"/>
+              <a:t>Названия </a:t>
+            </a:r>
+            <a:r>
+              <a:rPr lang="ru-RU" b="1" dirty="0"/>
+              <a:t>лейблов:</a:t>
+            </a:r>
+            <a:r>
+              <a:rPr lang="ru-RU" dirty="0"/>
+              <a:t> Признаки поражения паренхимы легкого при </a:t>
+            </a:r>
+            <a:r>
+              <a:rPr lang="ru-RU" dirty="0" err="1"/>
+              <a:t>COVID-19</a:t>
+            </a:r>
+            <a:r>
+              <a:rPr lang="ru-RU" dirty="0"/>
+              <a:t> согласно -Базовые диагностические требования от августа </a:t>
+            </a:r>
+            <a:r>
+              <a:rPr lang="ru-RU" dirty="0" err="1" smtClean="0"/>
+              <a:t>2021г</a:t>
+            </a:r>
+            <a:endParaRPr lang="ru-RU" dirty="0" smtClean="0"/>
+          </a:p>
+          <a:p>
+            <a:r>
+              <a:rPr lang="ru-RU" b="1" dirty="0" smtClean="0"/>
+              <a:t>Количество </a:t>
+            </a:r>
+            <a:r>
+              <a:rPr lang="ru-RU" b="1" dirty="0"/>
+              <a:t>классов:</a:t>
+            </a:r>
+            <a:r>
+              <a:rPr lang="ru-RU" dirty="0"/>
+              <a:t> </a:t>
+            </a:r>
+            <a:r>
+              <a:rPr lang="ru-RU" dirty="0" smtClean="0"/>
+              <a:t>2</a:t>
+            </a:r>
+          </a:p>
+          <a:p>
+            <a:r>
+              <a:rPr lang="ru-RU" b="1" dirty="0" smtClean="0"/>
+              <a:t>Названия </a:t>
+            </a:r>
+            <a:r>
+              <a:rPr lang="ru-RU" b="1" dirty="0"/>
+              <a:t>классов:</a:t>
+            </a:r>
+            <a:r>
+              <a:rPr lang="ru-RU" dirty="0"/>
+              <a:t> Без целевой патологии - 0; С целевой патологией </a:t>
+            </a:r>
+            <a:r>
+              <a:rPr lang="ru-RU" dirty="0" smtClean="0"/>
+              <a:t>– 1</a:t>
+            </a:r>
+          </a:p>
+          <a:p>
+            <a:r>
+              <a:rPr lang="ru-RU" b="1" dirty="0" smtClean="0"/>
+              <a:t>Количество </a:t>
+            </a:r>
+            <a:r>
+              <a:rPr lang="ru-RU" b="1" dirty="0"/>
+              <a:t>по классам:</a:t>
+            </a:r>
+            <a:r>
+              <a:rPr lang="ru-RU" dirty="0"/>
+              <a:t> КТ-0 ― 254 (22,8%), КТ-1 ― 684 (61,6%), КТ-2 ― 125 (11,3%), КТ-3 ― 45 (4,1%), КТ-4 ― 2 (0,2</a:t>
+            </a:r>
+            <a:r>
+              <a:rPr lang="ru-RU" dirty="0" smtClean="0"/>
+              <a:t>%).</a:t>
+            </a:r>
+          </a:p>
+          <a:p>
+            <a:r>
+              <a:rPr lang="ru-RU" b="1" dirty="0" smtClean="0"/>
+              <a:t>Критерии </a:t>
+            </a:r>
+            <a:r>
+              <a:rPr lang="ru-RU" b="1" dirty="0"/>
+              <a:t>отнесения к </a:t>
+            </a:r>
+            <a:r>
+              <a:rPr lang="ru-RU" b="1" dirty="0" err="1"/>
+              <a:t>классам:</a:t>
+            </a:r>
+            <a:r>
+              <a:rPr lang="ru-RU" dirty="0" err="1"/>
+              <a:t>С</a:t>
+            </a:r>
+            <a:r>
+              <a:rPr lang="ru-RU" dirty="0"/>
+              <a:t> патологией:</a:t>
+            </a:r>
+          </a:p>
+          <a:p>
+            <a:r>
+              <a:rPr lang="ru-RU" dirty="0"/>
+              <a:t>Инфильтрация легочной паренхимы по типу матовых стекол с обеих сторон, преимущественно периферической локализации с или без инфильтрацией легочной паренхимы по типу консолидации с положительным признаком воздушной </a:t>
+            </a:r>
+            <a:r>
+              <a:rPr lang="ru-RU" dirty="0" err="1"/>
+              <a:t>бронхограммы</a:t>
+            </a:r>
+            <a:r>
+              <a:rPr lang="ru-RU" dirty="0"/>
+              <a:t>;</a:t>
+            </a:r>
+          </a:p>
+          <a:p>
+            <a:r>
+              <a:rPr lang="ru-RU" dirty="0"/>
+              <a:t>Инфильтрация легочной паренхимы по типу булыжной мостовой (утолщение </a:t>
+            </a:r>
+            <a:r>
+              <a:rPr lang="ru-RU" dirty="0" err="1"/>
+              <a:t>междолькового</a:t>
+            </a:r>
+            <a:r>
+              <a:rPr lang="ru-RU" dirty="0"/>
+              <a:t> </a:t>
+            </a:r>
+            <a:r>
+              <a:rPr lang="ru-RU" dirty="0" err="1"/>
+              <a:t>интерстиция</a:t>
+            </a:r>
+            <a:r>
+              <a:rPr lang="ru-RU" dirty="0"/>
+              <a:t> на фоне матового стекла) с обеих сторон, преимущественно периферической локализации, с или или без инфильтрацией легочной паренхимы по типу консолидации с положительным признаком воздушной </a:t>
+            </a:r>
+            <a:r>
+              <a:rPr lang="ru-RU" dirty="0" err="1"/>
+              <a:t>бронхограммы</a:t>
+            </a:r>
+            <a:r>
+              <a:rPr lang="ru-RU" dirty="0"/>
+              <a:t>.</a:t>
+            </a:r>
+          </a:p>
+          <a:p>
+            <a:r>
+              <a:rPr lang="ru-RU" dirty="0"/>
+              <a:t>Без патологии: отсутствие вышеперечисленных признаков</a:t>
+            </a:r>
+          </a:p>
+          <a:p>
+            <a:r>
+              <a:rPr lang="ru-RU" b="1" dirty="0" err="1"/>
+              <a:t>ВерификацияМетод</a:t>
+            </a:r>
+            <a:r>
+              <a:rPr lang="ru-RU" b="1" dirty="0"/>
+              <a:t> верификации:</a:t>
+            </a:r>
+            <a:r>
+              <a:rPr lang="ru-RU" dirty="0"/>
+              <a:t> Экспертная оценка разметки (1 эксперт либо консенсус)</a:t>
+            </a:r>
+          </a:p>
+          <a:p>
+            <a:endParaRPr lang="ru-RU" dirty="0"/>
+          </a:p>
+        </p:txBody>
+      </p:sp>
     </p:spTree>
   </p:cSld>
   <p:clrMapOvr>
@@ -4886,39 +4772,302 @@
         </p:nvSpPr>
         <p:spPr/>
         <p:txBody>
-          <a:bodyPr/>
-          <a:lstStyle/>
-          <a:p>
-            <a:r>
-              <a:rPr lang="ru-RU" dirty="0" smtClean="0"/>
-              <a:t>Список источников</a:t>
-            </a:r>
-            <a:endParaRPr lang="ru-RU" dirty="0"/>
-          </a:p>
-        </p:txBody>
-      </p:sp>
-      <p:sp>
-        <p:nvSpPr>
-          <p:cNvPr id="3" name="Содержимое 2"/>
-          <p:cNvSpPr>
-            <a:spLocks noGrp="1"/>
-          </p:cNvSpPr>
-          <p:nvPr>
-            <p:ph idx="1"/>
-          </p:nvPr>
-        </p:nvSpPr>
-        <p:spPr/>
-        <p:txBody>
-          <a:bodyPr/>
-          <a:lstStyle/>
-          <a:p>
-            <a:r>
-              <a:rPr lang="en-US" dirty="0" err="1" smtClean="0">
+          <a:bodyPr>
+            <a:normAutofit/>
+          </a:bodyPr>
+          <a:lstStyle/>
+          <a:p>
+            <a:r>
+              <a:rPr lang="ru-RU" dirty="0" smtClean="0">
                 <a:hlinkClick r:id="rId2"/>
               </a:rPr>
-              <a:t>https://mosmed.ai/</a:t>
+              <a:t>Технические параметры</a:t>
+            </a:r>
+            <a:endParaRPr lang="ru-RU" dirty="0"/>
+          </a:p>
+        </p:txBody>
+      </p:sp>
+      <p:sp>
+        <p:nvSpPr>
+          <p:cNvPr id="3" name="Содержимое 2"/>
+          <p:cNvSpPr>
+            <a:spLocks noGrp="1"/>
+          </p:cNvSpPr>
+          <p:nvPr>
+            <p:ph idx="1"/>
+          </p:nvPr>
+        </p:nvSpPr>
+        <p:spPr/>
+        <p:txBody>
+          <a:bodyPr>
+            <a:normAutofit fontScale="47500" lnSpcReduction="20000"/>
+          </a:bodyPr>
+          <a:lstStyle/>
+          <a:p>
+            <a:r>
+              <a:rPr lang="ru-RU" b="1" dirty="0" smtClean="0"/>
+              <a:t>Условия </a:t>
+            </a:r>
+            <a:r>
+              <a:rPr lang="ru-RU" b="1" dirty="0"/>
+              <a:t>сбора </a:t>
+            </a:r>
+            <a:r>
+              <a:rPr lang="ru-RU" b="1" dirty="0" smtClean="0"/>
+              <a:t>данных</a:t>
+            </a:r>
+          </a:p>
+          <a:p>
+            <a:pPr>
+              <a:buNone/>
+            </a:pPr>
+            <a:r>
+              <a:rPr lang="ru-RU" b="1" dirty="0" smtClean="0"/>
+              <a:t>	Критерии </a:t>
+            </a:r>
+            <a:r>
+              <a:rPr lang="ru-RU" b="1" dirty="0"/>
+              <a:t>включения/</a:t>
+            </a:r>
+            <a:r>
+              <a:rPr lang="ru-RU" b="1" dirty="0" err="1"/>
+              <a:t>невключения</a:t>
+            </a:r>
+            <a:r>
+              <a:rPr lang="ru-RU" b="1" dirty="0"/>
+              <a:t> исследования в </a:t>
+            </a:r>
+            <a:r>
+              <a:rPr lang="ru-RU" b="1" dirty="0" err="1"/>
+              <a:t>датасет:</a:t>
+            </a:r>
+            <a:r>
+              <a:rPr lang="ru-RU" dirty="0" err="1"/>
+              <a:t>Сбор</a:t>
+            </a:r>
+            <a:r>
+              <a:rPr lang="ru-RU" dirty="0"/>
+              <a:t> данных осуществлялся в 48 медицинских организаций в период с 1 марта по 25 апреля 2020 г у пациентов с подозрением на изменения в легких при </a:t>
+            </a:r>
+            <a:r>
+              <a:rPr lang="ru-RU" dirty="0" err="1"/>
+              <a:t>COVID-19</a:t>
+            </a:r>
+            <a:endParaRPr lang="ru-RU" dirty="0"/>
+          </a:p>
+          <a:p>
+            <a:pPr>
+              <a:buNone/>
+            </a:pPr>
+            <a:r>
+              <a:rPr lang="ru-RU" b="1" dirty="0" smtClean="0"/>
+              <a:t>	Протоколы </a:t>
+            </a:r>
+            <a:r>
+              <a:rPr lang="ru-RU" b="1" dirty="0"/>
+              <a:t>и условия сбора </a:t>
+            </a:r>
+            <a:r>
+              <a:rPr lang="ru-RU" b="1" dirty="0" err="1"/>
+              <a:t>данных:</a:t>
+            </a:r>
+            <a:r>
+              <a:rPr lang="ru-RU" dirty="0" err="1"/>
+              <a:t>КТ-протокол</a:t>
+            </a:r>
+            <a:r>
+              <a:rPr lang="ru-RU" dirty="0"/>
+              <a:t> сканирования </a:t>
+            </a:r>
+            <a:r>
+              <a:rPr lang="ru-RU" dirty="0" err="1"/>
+              <a:t>Chest</a:t>
+            </a:r>
+            <a:r>
+              <a:rPr lang="ru-RU" dirty="0"/>
+              <a:t> (рутинные КТ грудной клетки), сканирование выполнено в положении пациента на спине, при задержке дыхания на глубине вдоха, руки убраны за голову</a:t>
+            </a:r>
+          </a:p>
+          <a:p>
+            <a:r>
+              <a:rPr lang="ru-RU" b="1" dirty="0"/>
+              <a:t>Единичная запись набора </a:t>
+            </a:r>
+            <a:r>
+              <a:rPr lang="ru-RU" b="1" dirty="0" smtClean="0"/>
+              <a:t>данных</a:t>
+            </a:r>
+          </a:p>
+          <a:p>
+            <a:pPr>
+              <a:buNone/>
+            </a:pPr>
+            <a:r>
+              <a:rPr lang="ru-RU" b="1" dirty="0"/>
+              <a:t>	</a:t>
+            </a:r>
+            <a:r>
+              <a:rPr lang="ru-RU" b="1" dirty="0" smtClean="0"/>
+              <a:t>Объект </a:t>
+            </a:r>
+            <a:r>
+              <a:rPr lang="ru-RU" b="1" dirty="0"/>
+              <a:t>разметки:</a:t>
+            </a:r>
+            <a:r>
+              <a:rPr lang="ru-RU" dirty="0"/>
+              <a:t> </a:t>
+            </a:r>
+            <a:r>
+              <a:rPr lang="ru-RU" dirty="0" smtClean="0"/>
+              <a:t>Исследование</a:t>
+            </a:r>
+          </a:p>
+          <a:p>
+            <a:pPr>
+              <a:buNone/>
+            </a:pPr>
+            <a:r>
+              <a:rPr lang="ru-RU" b="1" dirty="0" smtClean="0"/>
+              <a:t>	Результат </a:t>
+            </a:r>
+            <a:r>
+              <a:rPr lang="ru-RU" b="1" dirty="0"/>
+              <a:t>разметки:</a:t>
+            </a:r>
+            <a:r>
+              <a:rPr lang="ru-RU" dirty="0"/>
+              <a:t> Целевая патология / отсутствие целевой патологии; бинарные маски </a:t>
+            </a:r>
+            <a:r>
+              <a:rPr lang="ru-RU" dirty="0" smtClean="0"/>
+              <a:t>изображений</a:t>
+            </a:r>
+          </a:p>
+          <a:p>
+            <a:r>
+              <a:rPr lang="ru-RU" b="1" dirty="0" smtClean="0"/>
+              <a:t>Форматы </a:t>
+            </a:r>
+            <a:r>
+              <a:rPr lang="ru-RU" b="1" dirty="0"/>
+              <a:t>записи набора </a:t>
+            </a:r>
+            <a:r>
+              <a:rPr lang="ru-RU" b="1" dirty="0" smtClean="0"/>
+              <a:t>данных</a:t>
+            </a:r>
+          </a:p>
+          <a:p>
+            <a:pPr>
+              <a:buNone/>
+            </a:pPr>
+            <a:r>
+              <a:rPr lang="ru-RU" b="1" dirty="0"/>
+              <a:t>	</a:t>
+            </a:r>
+            <a:r>
+              <a:rPr lang="ru-RU" b="1" dirty="0" smtClean="0"/>
+              <a:t>Объект </a:t>
+            </a:r>
+            <a:r>
+              <a:rPr lang="ru-RU" b="1" dirty="0"/>
+              <a:t>разметки:</a:t>
+            </a:r>
+            <a:r>
+              <a:rPr lang="ru-RU" dirty="0"/>
+              <a:t> </a:t>
+            </a:r>
+            <a:r>
+              <a:rPr lang="ru-RU" dirty="0" err="1" smtClean="0"/>
+              <a:t>NIFTI</a:t>
             </a:r>
             <a:endParaRPr lang="ru-RU" dirty="0" smtClean="0"/>
+          </a:p>
+          <a:p>
+            <a:pPr>
+              <a:buNone/>
+            </a:pPr>
+            <a:r>
+              <a:rPr lang="ru-RU" b="1" dirty="0"/>
+              <a:t>	</a:t>
+            </a:r>
+            <a:r>
+              <a:rPr lang="ru-RU" b="1" dirty="0" smtClean="0"/>
+              <a:t>Результат </a:t>
+            </a:r>
+            <a:r>
+              <a:rPr lang="ru-RU" b="1" dirty="0"/>
+              <a:t>разметки:</a:t>
+            </a:r>
+            <a:r>
+              <a:rPr lang="ru-RU" dirty="0"/>
+              <a:t> </a:t>
+            </a:r>
+            <a:r>
+              <a:rPr lang="ru-RU" dirty="0" smtClean="0"/>
+              <a:t>Табличный</a:t>
+            </a:r>
+          </a:p>
+          <a:p>
+            <a:r>
+              <a:rPr lang="ru-RU" b="1" dirty="0" smtClean="0"/>
+              <a:t>Объем данных</a:t>
+            </a:r>
+          </a:p>
+          <a:p>
+            <a:pPr>
+              <a:buNone/>
+            </a:pPr>
+            <a:r>
+              <a:rPr lang="ru-RU" b="1" dirty="0"/>
+              <a:t>	</a:t>
+            </a:r>
+            <a:r>
+              <a:rPr lang="ru-RU" b="1" dirty="0" smtClean="0"/>
+              <a:t>Количество </a:t>
+            </a:r>
+            <a:r>
+              <a:rPr lang="ru-RU" b="1" dirty="0"/>
+              <a:t>исследований набора данных:</a:t>
+            </a:r>
+            <a:r>
+              <a:rPr lang="ru-RU" dirty="0"/>
+              <a:t> </a:t>
+            </a:r>
+            <a:r>
+              <a:rPr lang="ru-RU" dirty="0" smtClean="0"/>
+              <a:t>1110</a:t>
+            </a:r>
+          </a:p>
+          <a:p>
+            <a:pPr>
+              <a:buNone/>
+            </a:pPr>
+            <a:r>
+              <a:rPr lang="ru-RU" b="1" dirty="0"/>
+              <a:t>	</a:t>
+            </a:r>
+            <a:r>
+              <a:rPr lang="ru-RU" b="1" dirty="0" smtClean="0"/>
+              <a:t>Количество </a:t>
+            </a:r>
+            <a:r>
+              <a:rPr lang="ru-RU" b="1" dirty="0"/>
+              <a:t>уникальных источников (</a:t>
+            </a:r>
+            <a:r>
+              <a:rPr lang="ru-RU" b="1" dirty="0" err="1"/>
+              <a:t>ДУ</a:t>
+            </a:r>
+            <a:r>
+              <a:rPr lang="ru-RU" b="1" dirty="0"/>
+              <a:t>):</a:t>
+            </a:r>
+            <a:r>
+              <a:rPr lang="ru-RU" dirty="0"/>
+              <a:t> 48</a:t>
+            </a:r>
           </a:p>
           <a:p>
             <a:endParaRPr lang="ru-RU" dirty="0"/>

--- a/slides.pptx
+++ b/slides.pptx
@@ -8,14 +8,16 @@
     <p:sldId id="256" r:id="rId2"/>
     <p:sldId id="265" r:id="rId3"/>
     <p:sldId id="266" r:id="rId4"/>
-    <p:sldId id="264" r:id="rId5"/>
-    <p:sldId id="259" r:id="rId6"/>
-    <p:sldId id="260" r:id="rId7"/>
-    <p:sldId id="262" r:id="rId8"/>
-    <p:sldId id="261" r:id="rId9"/>
-    <p:sldId id="263" r:id="rId10"/>
-    <p:sldId id="258" r:id="rId11"/>
-    <p:sldId id="257" r:id="rId12"/>
+    <p:sldId id="268" r:id="rId5"/>
+    <p:sldId id="267" r:id="rId6"/>
+    <p:sldId id="264" r:id="rId7"/>
+    <p:sldId id="259" r:id="rId8"/>
+    <p:sldId id="260" r:id="rId9"/>
+    <p:sldId id="262" r:id="rId10"/>
+    <p:sldId id="261" r:id="rId11"/>
+    <p:sldId id="263" r:id="rId12"/>
+    <p:sldId id="258" r:id="rId13"/>
+    <p:sldId id="257" r:id="rId14"/>
   </p:sldIdLst>
   <p:sldSz cx="9144000" cy="6858000" type="screen4x3"/>
   <p:notesSz cx="6858000" cy="9144000"/>
@@ -299,7 +301,7 @@
             <a:fld id="{C2263E29-338E-49D6-9AED-D5FCECFDFDCF}" type="datetimeFigureOut">
               <a:rPr lang="ru-RU" smtClean="0"/>
               <a:pPr/>
-              <a:t>12.05.2022</a:t>
+              <a:t>14.05.2022</a:t>
             </a:fld>
             <a:endParaRPr lang="ru-RU"/>
           </a:p>
@@ -466,7 +468,7 @@
             <a:fld id="{C2263E29-338E-49D6-9AED-D5FCECFDFDCF}" type="datetimeFigureOut">
               <a:rPr lang="ru-RU" smtClean="0"/>
               <a:pPr/>
-              <a:t>12.05.2022</a:t>
+              <a:t>14.05.2022</a:t>
             </a:fld>
             <a:endParaRPr lang="ru-RU"/>
           </a:p>
@@ -643,7 +645,7 @@
             <a:fld id="{C2263E29-338E-49D6-9AED-D5FCECFDFDCF}" type="datetimeFigureOut">
               <a:rPr lang="ru-RU" smtClean="0"/>
               <a:pPr/>
-              <a:t>12.05.2022</a:t>
+              <a:t>14.05.2022</a:t>
             </a:fld>
             <a:endParaRPr lang="ru-RU"/>
           </a:p>
@@ -810,7 +812,7 @@
             <a:fld id="{C2263E29-338E-49D6-9AED-D5FCECFDFDCF}" type="datetimeFigureOut">
               <a:rPr lang="ru-RU" smtClean="0"/>
               <a:pPr/>
-              <a:t>12.05.2022</a:t>
+              <a:t>14.05.2022</a:t>
             </a:fld>
             <a:endParaRPr lang="ru-RU"/>
           </a:p>
@@ -1053,7 +1055,7 @@
             <a:fld id="{C2263E29-338E-49D6-9AED-D5FCECFDFDCF}" type="datetimeFigureOut">
               <a:rPr lang="ru-RU" smtClean="0"/>
               <a:pPr/>
-              <a:t>12.05.2022</a:t>
+              <a:t>14.05.2022</a:t>
             </a:fld>
             <a:endParaRPr lang="ru-RU"/>
           </a:p>
@@ -1338,7 +1340,7 @@
             <a:fld id="{C2263E29-338E-49D6-9AED-D5FCECFDFDCF}" type="datetimeFigureOut">
               <a:rPr lang="ru-RU" smtClean="0"/>
               <a:pPr/>
-              <a:t>12.05.2022</a:t>
+              <a:t>14.05.2022</a:t>
             </a:fld>
             <a:endParaRPr lang="ru-RU"/>
           </a:p>
@@ -1757,7 +1759,7 @@
             <a:fld id="{C2263E29-338E-49D6-9AED-D5FCECFDFDCF}" type="datetimeFigureOut">
               <a:rPr lang="ru-RU" smtClean="0"/>
               <a:pPr/>
-              <a:t>12.05.2022</a:t>
+              <a:t>14.05.2022</a:t>
             </a:fld>
             <a:endParaRPr lang="ru-RU"/>
           </a:p>
@@ -1872,7 +1874,7 @@
             <a:fld id="{C2263E29-338E-49D6-9AED-D5FCECFDFDCF}" type="datetimeFigureOut">
               <a:rPr lang="ru-RU" smtClean="0"/>
               <a:pPr/>
-              <a:t>12.05.2022</a:t>
+              <a:t>14.05.2022</a:t>
             </a:fld>
             <a:endParaRPr lang="ru-RU"/>
           </a:p>
@@ -1964,7 +1966,7 @@
             <a:fld id="{C2263E29-338E-49D6-9AED-D5FCECFDFDCF}" type="datetimeFigureOut">
               <a:rPr lang="ru-RU" smtClean="0"/>
               <a:pPr/>
-              <a:t>12.05.2022</a:t>
+              <a:t>14.05.2022</a:t>
             </a:fld>
             <a:endParaRPr lang="ru-RU"/>
           </a:p>
@@ -2238,7 +2240,7 @@
             <a:fld id="{C2263E29-338E-49D6-9AED-D5FCECFDFDCF}" type="datetimeFigureOut">
               <a:rPr lang="ru-RU" smtClean="0"/>
               <a:pPr/>
-              <a:t>12.05.2022</a:t>
+              <a:t>14.05.2022</a:t>
             </a:fld>
             <a:endParaRPr lang="ru-RU"/>
           </a:p>
@@ -2488,7 +2490,7 @@
             <a:fld id="{C2263E29-338E-49D6-9AED-D5FCECFDFDCF}" type="datetimeFigureOut">
               <a:rPr lang="ru-RU" smtClean="0"/>
               <a:pPr/>
-              <a:t>12.05.2022</a:t>
+              <a:t>14.05.2022</a:t>
             </a:fld>
             <a:endParaRPr lang="ru-RU"/>
           </a:p>
@@ -2698,7 +2700,7 @@
             <a:fld id="{C2263E29-338E-49D6-9AED-D5FCECFDFDCF}" type="datetimeFigureOut">
               <a:rPr lang="ru-RU" smtClean="0"/>
               <a:pPr/>
-              <a:t>12.05.2022</a:t>
+              <a:t>14.05.2022</a:t>
             </a:fld>
             <a:endParaRPr lang="ru-RU"/>
           </a:p>
@@ -3169,6 +3171,725 @@
           <a:lstStyle/>
           <a:p>
             <a:r>
+              <a:rPr lang="ru-RU" dirty="0" smtClean="0">
+                <a:hlinkClick r:id="rId2"/>
+              </a:rPr>
+              <a:t>Разметка и верификация</a:t>
+            </a:r>
+            <a:endParaRPr lang="ru-RU" dirty="0"/>
+          </a:p>
+        </p:txBody>
+      </p:sp>
+      <p:sp>
+        <p:nvSpPr>
+          <p:cNvPr id="3" name="Содержимое 2"/>
+          <p:cNvSpPr>
+            <a:spLocks noGrp="1"/>
+          </p:cNvSpPr>
+          <p:nvPr>
+            <p:ph idx="1"/>
+          </p:nvPr>
+        </p:nvSpPr>
+        <p:spPr/>
+        <p:txBody>
+          <a:bodyPr>
+            <a:normAutofit fontScale="40000" lnSpcReduction="20000"/>
+          </a:bodyPr>
+          <a:lstStyle/>
+          <a:p>
+            <a:r>
+              <a:rPr lang="ru-RU" b="1" dirty="0" err="1" smtClean="0"/>
+              <a:t>РазметкаУровень</a:t>
+            </a:r>
+            <a:r>
+              <a:rPr lang="ru-RU" b="1" dirty="0" smtClean="0"/>
+              <a:t> </a:t>
+            </a:r>
+            <a:r>
+              <a:rPr lang="ru-RU" b="1" dirty="0"/>
+              <a:t>разметки:</a:t>
+            </a:r>
+            <a:r>
+              <a:rPr lang="ru-RU" dirty="0"/>
+              <a:t> Изображение, </a:t>
+            </a:r>
+            <a:r>
+              <a:rPr lang="ru-RU" dirty="0" smtClean="0"/>
+              <a:t>Исследование</a:t>
+            </a:r>
+          </a:p>
+          <a:p>
+            <a:r>
+              <a:rPr lang="ru-RU" b="1" dirty="0" smtClean="0"/>
+              <a:t>Способы </a:t>
+            </a:r>
+            <a:r>
+              <a:rPr lang="ru-RU" b="1" dirty="0" err="1"/>
+              <a:t>предразметки</a:t>
+            </a:r>
+            <a:r>
+              <a:rPr lang="ru-RU" b="1" dirty="0"/>
+              <a:t>:</a:t>
+            </a:r>
+            <a:r>
+              <a:rPr lang="ru-RU" dirty="0"/>
+              <a:t> </a:t>
+            </a:r>
+            <a:r>
+              <a:rPr lang="ru-RU" dirty="0" smtClean="0"/>
+              <a:t>Нет</a:t>
+            </a:r>
+          </a:p>
+          <a:p>
+            <a:r>
+              <a:rPr lang="ru-RU" b="1" dirty="0" smtClean="0"/>
+              <a:t>Характер </a:t>
+            </a:r>
+            <a:r>
+              <a:rPr lang="ru-RU" b="1" dirty="0"/>
+              <a:t>разметки:</a:t>
+            </a:r>
+            <a:r>
+              <a:rPr lang="ru-RU" dirty="0"/>
+              <a:t> </a:t>
+            </a:r>
+            <a:r>
+              <a:rPr lang="ru-RU" dirty="0" smtClean="0"/>
+              <a:t>Бинарная</a:t>
+            </a:r>
+          </a:p>
+          <a:p>
+            <a:r>
+              <a:rPr lang="ru-RU" b="1" dirty="0" smtClean="0"/>
+              <a:t>Количество </a:t>
+            </a:r>
+            <a:r>
+              <a:rPr lang="ru-RU" b="1" dirty="0"/>
+              <a:t>лейблов:</a:t>
+            </a:r>
+            <a:r>
+              <a:rPr lang="ru-RU" dirty="0"/>
+              <a:t> </a:t>
+            </a:r>
+            <a:r>
+              <a:rPr lang="ru-RU" dirty="0" smtClean="0"/>
+              <a:t>1</a:t>
+            </a:r>
+          </a:p>
+          <a:p>
+            <a:r>
+              <a:rPr lang="ru-RU" b="1" dirty="0" smtClean="0"/>
+              <a:t>Характер </a:t>
+            </a:r>
+            <a:r>
+              <a:rPr lang="ru-RU" b="1" dirty="0"/>
+              <a:t>лейблов:</a:t>
+            </a:r>
+            <a:r>
+              <a:rPr lang="ru-RU" dirty="0"/>
+              <a:t> </a:t>
+            </a:r>
+            <a:r>
+              <a:rPr lang="ru-RU" dirty="0" err="1"/>
+              <a:t>Мультикласс</a:t>
+            </a:r>
+            <a:r>
+              <a:rPr lang="ru-RU" dirty="0"/>
+              <a:t> (1 лейбл, </a:t>
+            </a:r>
+            <a:r>
+              <a:rPr lang="ru-RU" dirty="0" err="1"/>
+              <a:t>M</a:t>
+            </a:r>
+            <a:r>
+              <a:rPr lang="ru-RU" dirty="0"/>
+              <a:t> классов, </a:t>
+            </a:r>
+            <a:r>
+              <a:rPr lang="ru-RU" dirty="0" err="1"/>
+              <a:t>M</a:t>
+            </a:r>
+            <a:r>
+              <a:rPr lang="ru-RU" dirty="0"/>
+              <a:t>&gt;2</a:t>
+            </a:r>
+            <a:r>
+              <a:rPr lang="ru-RU" dirty="0" smtClean="0"/>
+              <a:t>)</a:t>
+            </a:r>
+          </a:p>
+          <a:p>
+            <a:r>
+              <a:rPr lang="ru-RU" b="1" dirty="0" smtClean="0"/>
+              <a:t>Уровень </a:t>
+            </a:r>
+            <a:r>
+              <a:rPr lang="ru-RU" b="1" dirty="0"/>
+              <a:t>детализации лейблов:</a:t>
+            </a:r>
+            <a:r>
+              <a:rPr lang="ru-RU" dirty="0"/>
+              <a:t> </a:t>
+            </a:r>
+            <a:r>
+              <a:rPr lang="ru-RU" dirty="0" smtClean="0"/>
+              <a:t>Исследование/серия/изображение</a:t>
+            </a:r>
+          </a:p>
+          <a:p>
+            <a:r>
+              <a:rPr lang="ru-RU" b="1" dirty="0" smtClean="0"/>
+              <a:t>Названия </a:t>
+            </a:r>
+            <a:r>
+              <a:rPr lang="ru-RU" b="1" dirty="0"/>
+              <a:t>лейблов:</a:t>
+            </a:r>
+            <a:r>
+              <a:rPr lang="ru-RU" dirty="0"/>
+              <a:t> Признаки поражения паренхимы легкого при </a:t>
+            </a:r>
+            <a:r>
+              <a:rPr lang="ru-RU" dirty="0" err="1"/>
+              <a:t>COVID-19</a:t>
+            </a:r>
+            <a:r>
+              <a:rPr lang="ru-RU" dirty="0"/>
+              <a:t> согласно -Базовые диагностические требования от августа </a:t>
+            </a:r>
+            <a:r>
+              <a:rPr lang="ru-RU" dirty="0" err="1" smtClean="0"/>
+              <a:t>2021г</a:t>
+            </a:r>
+            <a:endParaRPr lang="ru-RU" dirty="0" smtClean="0"/>
+          </a:p>
+          <a:p>
+            <a:r>
+              <a:rPr lang="ru-RU" b="1" dirty="0" smtClean="0"/>
+              <a:t>Количество </a:t>
+            </a:r>
+            <a:r>
+              <a:rPr lang="ru-RU" b="1" dirty="0"/>
+              <a:t>классов:</a:t>
+            </a:r>
+            <a:r>
+              <a:rPr lang="ru-RU" dirty="0"/>
+              <a:t> </a:t>
+            </a:r>
+            <a:r>
+              <a:rPr lang="ru-RU" dirty="0" smtClean="0"/>
+              <a:t>2</a:t>
+            </a:r>
+          </a:p>
+          <a:p>
+            <a:r>
+              <a:rPr lang="ru-RU" b="1" dirty="0" smtClean="0"/>
+              <a:t>Названия </a:t>
+            </a:r>
+            <a:r>
+              <a:rPr lang="ru-RU" b="1" dirty="0"/>
+              <a:t>классов:</a:t>
+            </a:r>
+            <a:r>
+              <a:rPr lang="ru-RU" dirty="0"/>
+              <a:t> Без целевой патологии - 0; С целевой патологией </a:t>
+            </a:r>
+            <a:r>
+              <a:rPr lang="ru-RU" dirty="0" smtClean="0"/>
+              <a:t>– 1</a:t>
+            </a:r>
+          </a:p>
+          <a:p>
+            <a:r>
+              <a:rPr lang="ru-RU" b="1" dirty="0" smtClean="0"/>
+              <a:t>Количество </a:t>
+            </a:r>
+            <a:r>
+              <a:rPr lang="ru-RU" b="1" dirty="0"/>
+              <a:t>по классам:</a:t>
+            </a:r>
+            <a:r>
+              <a:rPr lang="ru-RU" dirty="0"/>
+              <a:t> КТ-0 ― 254 (22,8%), КТ-1 ― 684 (61,6%), КТ-2 ― 125 (11,3%), КТ-3 ― 45 (4,1%), КТ-4 ― 2 (0,2</a:t>
+            </a:r>
+            <a:r>
+              <a:rPr lang="ru-RU" dirty="0" smtClean="0"/>
+              <a:t>%).</a:t>
+            </a:r>
+          </a:p>
+          <a:p>
+            <a:r>
+              <a:rPr lang="ru-RU" b="1" dirty="0" smtClean="0"/>
+              <a:t>Критерии </a:t>
+            </a:r>
+            <a:r>
+              <a:rPr lang="ru-RU" b="1" dirty="0"/>
+              <a:t>отнесения к </a:t>
+            </a:r>
+            <a:r>
+              <a:rPr lang="ru-RU" b="1" dirty="0" err="1"/>
+              <a:t>классам:</a:t>
+            </a:r>
+            <a:r>
+              <a:rPr lang="ru-RU" dirty="0" err="1"/>
+              <a:t>С</a:t>
+            </a:r>
+            <a:r>
+              <a:rPr lang="ru-RU" dirty="0"/>
+              <a:t> патологией:</a:t>
+            </a:r>
+          </a:p>
+          <a:p>
+            <a:r>
+              <a:rPr lang="ru-RU" dirty="0"/>
+              <a:t>Инфильтрация легочной паренхимы по типу матовых стекол с обеих сторон, преимущественно периферической локализации с или без инфильтрацией легочной паренхимы по типу консолидации с положительным признаком воздушной </a:t>
+            </a:r>
+            <a:r>
+              <a:rPr lang="ru-RU" dirty="0" err="1"/>
+              <a:t>бронхограммы</a:t>
+            </a:r>
+            <a:r>
+              <a:rPr lang="ru-RU" dirty="0"/>
+              <a:t>;</a:t>
+            </a:r>
+          </a:p>
+          <a:p>
+            <a:r>
+              <a:rPr lang="ru-RU" dirty="0"/>
+              <a:t>Инфильтрация легочной паренхимы по типу булыжной мостовой (утолщение </a:t>
+            </a:r>
+            <a:r>
+              <a:rPr lang="ru-RU" dirty="0" err="1"/>
+              <a:t>междолькового</a:t>
+            </a:r>
+            <a:r>
+              <a:rPr lang="ru-RU" dirty="0"/>
+              <a:t> </a:t>
+            </a:r>
+            <a:r>
+              <a:rPr lang="ru-RU" dirty="0" err="1"/>
+              <a:t>интерстиция</a:t>
+            </a:r>
+            <a:r>
+              <a:rPr lang="ru-RU" dirty="0"/>
+              <a:t> на фоне матового стекла) с обеих сторон, преимущественно периферической локализации, с или или без инфильтрацией легочной паренхимы по типу консолидации с положительным признаком воздушной </a:t>
+            </a:r>
+            <a:r>
+              <a:rPr lang="ru-RU" dirty="0" err="1"/>
+              <a:t>бронхограммы</a:t>
+            </a:r>
+            <a:r>
+              <a:rPr lang="ru-RU" dirty="0"/>
+              <a:t>.</a:t>
+            </a:r>
+          </a:p>
+          <a:p>
+            <a:r>
+              <a:rPr lang="ru-RU" dirty="0"/>
+              <a:t>Без патологии: отсутствие вышеперечисленных признаков</a:t>
+            </a:r>
+          </a:p>
+          <a:p>
+            <a:r>
+              <a:rPr lang="ru-RU" b="1" dirty="0" err="1"/>
+              <a:t>ВерификацияМетод</a:t>
+            </a:r>
+            <a:r>
+              <a:rPr lang="ru-RU" b="1" dirty="0"/>
+              <a:t> верификации:</a:t>
+            </a:r>
+            <a:r>
+              <a:rPr lang="ru-RU" dirty="0"/>
+              <a:t> Экспертная оценка разметки (1 эксперт либо консенсус)</a:t>
+            </a:r>
+          </a:p>
+          <a:p>
+            <a:endParaRPr lang="ru-RU" dirty="0"/>
+          </a:p>
+        </p:txBody>
+      </p:sp>
+    </p:spTree>
+  </p:cSld>
+  <p:clrMapOvr>
+    <a:masterClrMapping/>
+  </p:clrMapOvr>
+</p:sld>
+</file>
+
+<file path=ppt/slides/slide11.xml><?xml version="1.0" encoding="utf-8"?>
+<p:sld xmlns:a="http://schemas.openxmlformats.org/drawingml/2006/main" xmlns:r="http://schemas.openxmlformats.org/officeDocument/2006/relationships" xmlns:p="http://schemas.openxmlformats.org/presentationml/2006/main">
+  <p:cSld>
+    <p:spTree>
+      <p:nvGrpSpPr>
+        <p:cNvPr id="1" name=""/>
+        <p:cNvGrpSpPr/>
+        <p:nvPr/>
+      </p:nvGrpSpPr>
+      <p:grpSpPr>
+        <a:xfrm>
+          <a:off x="0" y="0"/>
+          <a:ext cx="0" cy="0"/>
+          <a:chOff x="0" y="0"/>
+          <a:chExt cx="0" cy="0"/>
+        </a:xfrm>
+      </p:grpSpPr>
+      <p:sp>
+        <p:nvSpPr>
+          <p:cNvPr id="2" name="Заголовок 1"/>
+          <p:cNvSpPr>
+            <a:spLocks noGrp="1"/>
+          </p:cNvSpPr>
+          <p:nvPr>
+            <p:ph type="title"/>
+          </p:nvPr>
+        </p:nvSpPr>
+        <p:spPr/>
+        <p:txBody>
+          <a:bodyPr>
+            <a:normAutofit/>
+          </a:bodyPr>
+          <a:lstStyle/>
+          <a:p>
+            <a:r>
+              <a:rPr lang="ru-RU" dirty="0" smtClean="0">
+                <a:hlinkClick r:id="rId2"/>
+              </a:rPr>
+              <a:t>Технические параметры</a:t>
+            </a:r>
+            <a:endParaRPr lang="ru-RU" dirty="0"/>
+          </a:p>
+        </p:txBody>
+      </p:sp>
+      <p:sp>
+        <p:nvSpPr>
+          <p:cNvPr id="3" name="Содержимое 2"/>
+          <p:cNvSpPr>
+            <a:spLocks noGrp="1"/>
+          </p:cNvSpPr>
+          <p:nvPr>
+            <p:ph idx="1"/>
+          </p:nvPr>
+        </p:nvSpPr>
+        <p:spPr/>
+        <p:txBody>
+          <a:bodyPr>
+            <a:normAutofit fontScale="47500" lnSpcReduction="20000"/>
+          </a:bodyPr>
+          <a:lstStyle/>
+          <a:p>
+            <a:r>
+              <a:rPr lang="ru-RU" b="1" dirty="0" smtClean="0"/>
+              <a:t>Условия </a:t>
+            </a:r>
+            <a:r>
+              <a:rPr lang="ru-RU" b="1" dirty="0"/>
+              <a:t>сбора </a:t>
+            </a:r>
+            <a:r>
+              <a:rPr lang="ru-RU" b="1" dirty="0" smtClean="0"/>
+              <a:t>данных</a:t>
+            </a:r>
+          </a:p>
+          <a:p>
+            <a:pPr>
+              <a:buNone/>
+            </a:pPr>
+            <a:r>
+              <a:rPr lang="ru-RU" b="1" dirty="0" smtClean="0"/>
+              <a:t>	Критерии </a:t>
+            </a:r>
+            <a:r>
+              <a:rPr lang="ru-RU" b="1" dirty="0"/>
+              <a:t>включения/</a:t>
+            </a:r>
+            <a:r>
+              <a:rPr lang="ru-RU" b="1" dirty="0" err="1"/>
+              <a:t>невключения</a:t>
+            </a:r>
+            <a:r>
+              <a:rPr lang="ru-RU" b="1" dirty="0"/>
+              <a:t> исследования в </a:t>
+            </a:r>
+            <a:r>
+              <a:rPr lang="ru-RU" b="1" dirty="0" err="1"/>
+              <a:t>датасет:</a:t>
+            </a:r>
+            <a:r>
+              <a:rPr lang="ru-RU" dirty="0" err="1"/>
+              <a:t>Сбор</a:t>
+            </a:r>
+            <a:r>
+              <a:rPr lang="ru-RU" dirty="0"/>
+              <a:t> данных осуществлялся в 48 медицинских организаций в период с 1 марта по 25 апреля 2020 г у пациентов с подозрением на изменения в легких при </a:t>
+            </a:r>
+            <a:r>
+              <a:rPr lang="ru-RU" dirty="0" err="1"/>
+              <a:t>COVID-19</a:t>
+            </a:r>
+            <a:endParaRPr lang="ru-RU" dirty="0"/>
+          </a:p>
+          <a:p>
+            <a:pPr>
+              <a:buNone/>
+            </a:pPr>
+            <a:r>
+              <a:rPr lang="ru-RU" b="1" dirty="0" smtClean="0"/>
+              <a:t>	Протоколы </a:t>
+            </a:r>
+            <a:r>
+              <a:rPr lang="ru-RU" b="1" dirty="0"/>
+              <a:t>и условия сбора </a:t>
+            </a:r>
+            <a:r>
+              <a:rPr lang="ru-RU" b="1" dirty="0" err="1"/>
+              <a:t>данных:</a:t>
+            </a:r>
+            <a:r>
+              <a:rPr lang="ru-RU" dirty="0" err="1"/>
+              <a:t>КТ-протокол</a:t>
+            </a:r>
+            <a:r>
+              <a:rPr lang="ru-RU" dirty="0"/>
+              <a:t> сканирования </a:t>
+            </a:r>
+            <a:r>
+              <a:rPr lang="ru-RU" dirty="0" err="1"/>
+              <a:t>Chest</a:t>
+            </a:r>
+            <a:r>
+              <a:rPr lang="ru-RU" dirty="0"/>
+              <a:t> (рутинные КТ грудной клетки), сканирование выполнено в положении пациента на спине, при задержке дыхания на глубине вдоха, руки убраны за голову</a:t>
+            </a:r>
+          </a:p>
+          <a:p>
+            <a:r>
+              <a:rPr lang="ru-RU" b="1" dirty="0"/>
+              <a:t>Единичная запись набора </a:t>
+            </a:r>
+            <a:r>
+              <a:rPr lang="ru-RU" b="1" dirty="0" smtClean="0"/>
+              <a:t>данных</a:t>
+            </a:r>
+          </a:p>
+          <a:p>
+            <a:pPr>
+              <a:buNone/>
+            </a:pPr>
+            <a:r>
+              <a:rPr lang="ru-RU" b="1" dirty="0"/>
+              <a:t>	</a:t>
+            </a:r>
+            <a:r>
+              <a:rPr lang="ru-RU" b="1" dirty="0" smtClean="0"/>
+              <a:t>Объект </a:t>
+            </a:r>
+            <a:r>
+              <a:rPr lang="ru-RU" b="1" dirty="0"/>
+              <a:t>разметки:</a:t>
+            </a:r>
+            <a:r>
+              <a:rPr lang="ru-RU" dirty="0"/>
+              <a:t> </a:t>
+            </a:r>
+            <a:r>
+              <a:rPr lang="ru-RU" dirty="0" smtClean="0"/>
+              <a:t>Исследование</a:t>
+            </a:r>
+          </a:p>
+          <a:p>
+            <a:pPr>
+              <a:buNone/>
+            </a:pPr>
+            <a:r>
+              <a:rPr lang="ru-RU" b="1" dirty="0" smtClean="0"/>
+              <a:t>	Результат </a:t>
+            </a:r>
+            <a:r>
+              <a:rPr lang="ru-RU" b="1" dirty="0"/>
+              <a:t>разметки:</a:t>
+            </a:r>
+            <a:r>
+              <a:rPr lang="ru-RU" dirty="0"/>
+              <a:t> Целевая патология / отсутствие целевой патологии; бинарные маски </a:t>
+            </a:r>
+            <a:r>
+              <a:rPr lang="ru-RU" dirty="0" smtClean="0"/>
+              <a:t>изображений</a:t>
+            </a:r>
+          </a:p>
+          <a:p>
+            <a:r>
+              <a:rPr lang="ru-RU" b="1" dirty="0" smtClean="0"/>
+              <a:t>Форматы </a:t>
+            </a:r>
+            <a:r>
+              <a:rPr lang="ru-RU" b="1" dirty="0"/>
+              <a:t>записи набора </a:t>
+            </a:r>
+            <a:r>
+              <a:rPr lang="ru-RU" b="1" dirty="0" smtClean="0"/>
+              <a:t>данных</a:t>
+            </a:r>
+          </a:p>
+          <a:p>
+            <a:pPr>
+              <a:buNone/>
+            </a:pPr>
+            <a:r>
+              <a:rPr lang="ru-RU" b="1" dirty="0"/>
+              <a:t>	</a:t>
+            </a:r>
+            <a:r>
+              <a:rPr lang="ru-RU" b="1" dirty="0" smtClean="0"/>
+              <a:t>Объект </a:t>
+            </a:r>
+            <a:r>
+              <a:rPr lang="ru-RU" b="1" dirty="0"/>
+              <a:t>разметки:</a:t>
+            </a:r>
+            <a:r>
+              <a:rPr lang="ru-RU" dirty="0"/>
+              <a:t> </a:t>
+            </a:r>
+            <a:r>
+              <a:rPr lang="ru-RU" dirty="0" err="1" smtClean="0"/>
+              <a:t>NIFTI</a:t>
+            </a:r>
+            <a:endParaRPr lang="ru-RU" dirty="0" smtClean="0"/>
+          </a:p>
+          <a:p>
+            <a:pPr>
+              <a:buNone/>
+            </a:pPr>
+            <a:r>
+              <a:rPr lang="ru-RU" b="1" dirty="0"/>
+              <a:t>	</a:t>
+            </a:r>
+            <a:r>
+              <a:rPr lang="ru-RU" b="1" dirty="0" smtClean="0"/>
+              <a:t>Результат </a:t>
+            </a:r>
+            <a:r>
+              <a:rPr lang="ru-RU" b="1" dirty="0"/>
+              <a:t>разметки:</a:t>
+            </a:r>
+            <a:r>
+              <a:rPr lang="ru-RU" dirty="0"/>
+              <a:t> </a:t>
+            </a:r>
+            <a:r>
+              <a:rPr lang="ru-RU" dirty="0" smtClean="0"/>
+              <a:t>Табличный</a:t>
+            </a:r>
+          </a:p>
+          <a:p>
+            <a:r>
+              <a:rPr lang="ru-RU" b="1" dirty="0" smtClean="0"/>
+              <a:t>Объем данных</a:t>
+            </a:r>
+          </a:p>
+          <a:p>
+            <a:pPr>
+              <a:buNone/>
+            </a:pPr>
+            <a:r>
+              <a:rPr lang="ru-RU" b="1" dirty="0"/>
+              <a:t>	</a:t>
+            </a:r>
+            <a:r>
+              <a:rPr lang="ru-RU" b="1" dirty="0" smtClean="0"/>
+              <a:t>Количество </a:t>
+            </a:r>
+            <a:r>
+              <a:rPr lang="ru-RU" b="1" dirty="0"/>
+              <a:t>исследований набора данных:</a:t>
+            </a:r>
+            <a:r>
+              <a:rPr lang="ru-RU" dirty="0"/>
+              <a:t> </a:t>
+            </a:r>
+            <a:r>
+              <a:rPr lang="ru-RU" dirty="0" smtClean="0"/>
+              <a:t>1110</a:t>
+            </a:r>
+          </a:p>
+          <a:p>
+            <a:pPr>
+              <a:buNone/>
+            </a:pPr>
+            <a:r>
+              <a:rPr lang="ru-RU" b="1" dirty="0"/>
+              <a:t>	</a:t>
+            </a:r>
+            <a:r>
+              <a:rPr lang="ru-RU" b="1" dirty="0" smtClean="0"/>
+              <a:t>Количество </a:t>
+            </a:r>
+            <a:r>
+              <a:rPr lang="ru-RU" b="1" dirty="0"/>
+              <a:t>уникальных источников (</a:t>
+            </a:r>
+            <a:r>
+              <a:rPr lang="ru-RU" b="1" dirty="0" err="1"/>
+              <a:t>ДУ</a:t>
+            </a:r>
+            <a:r>
+              <a:rPr lang="ru-RU" b="1" dirty="0"/>
+              <a:t>):</a:t>
+            </a:r>
+            <a:r>
+              <a:rPr lang="ru-RU" dirty="0"/>
+              <a:t> 48</a:t>
+            </a:r>
+          </a:p>
+          <a:p>
+            <a:endParaRPr lang="ru-RU" dirty="0"/>
+          </a:p>
+        </p:txBody>
+      </p:sp>
+    </p:spTree>
+  </p:cSld>
+  <p:clrMapOvr>
+    <a:masterClrMapping/>
+  </p:clrMapOvr>
+</p:sld>
+</file>
+
+<file path=ppt/slides/slide12.xml><?xml version="1.0" encoding="utf-8"?>
+<p:sld xmlns:a="http://schemas.openxmlformats.org/drawingml/2006/main" xmlns:r="http://schemas.openxmlformats.org/officeDocument/2006/relationships" xmlns:p="http://schemas.openxmlformats.org/presentationml/2006/main">
+  <p:cSld>
+    <p:spTree>
+      <p:nvGrpSpPr>
+        <p:cNvPr id="1" name=""/>
+        <p:cNvGrpSpPr/>
+        <p:nvPr/>
+      </p:nvGrpSpPr>
+      <p:grpSpPr>
+        <a:xfrm>
+          <a:off x="0" y="0"/>
+          <a:ext cx="0" cy="0"/>
+          <a:chOff x="0" y="0"/>
+          <a:chExt cx="0" cy="0"/>
+        </a:xfrm>
+      </p:grpSpPr>
+      <p:sp>
+        <p:nvSpPr>
+          <p:cNvPr id="2" name="Заголовок 1"/>
+          <p:cNvSpPr>
+            <a:spLocks noGrp="1"/>
+          </p:cNvSpPr>
+          <p:nvPr>
+            <p:ph type="title"/>
+          </p:nvPr>
+        </p:nvSpPr>
+        <p:spPr/>
+        <p:txBody>
+          <a:bodyPr>
+            <a:normAutofit/>
+          </a:bodyPr>
+          <a:lstStyle/>
+          <a:p>
+            <a:r>
               <a:rPr lang="ru-RU" sz="2000" b="1" dirty="0"/>
               <a:t>Эксперимент по внедрению технологий искусственного интеллекта</a:t>
             </a:r>
@@ -3217,7 +3938,7 @@
 </p:sld>
 </file>
 
-<file path=ppt/slides/slide11.xml><?xml version="1.0" encoding="utf-8"?>
+<file path=ppt/slides/slide13.xml><?xml version="1.0" encoding="utf-8"?>
 <p:sld xmlns:a="http://schemas.openxmlformats.org/drawingml/2006/main" xmlns:r="http://schemas.openxmlformats.org/officeDocument/2006/relationships" xmlns:p="http://schemas.openxmlformats.org/presentationml/2006/main">
   <p:cSld>
     <p:spTree>
@@ -3409,29 +4130,80 @@
           <a:bodyPr/>
           <a:lstStyle/>
           <a:p>
-            <a:endParaRPr lang="ru-RU"/>
-          </a:p>
-        </p:txBody>
-      </p:sp>
-      <p:sp>
-        <p:nvSpPr>
-          <p:cNvPr id="3" name="Содержимое 2"/>
-          <p:cNvSpPr>
-            <a:spLocks noGrp="1"/>
-          </p:cNvSpPr>
+            <a:r>
+              <a:rPr lang="ru-RU" dirty="0" smtClean="0"/>
+              <a:t>аугментация</a:t>
+            </a:r>
+            <a:endParaRPr lang="ru-RU" dirty="0"/>
+          </a:p>
+        </p:txBody>
+      </p:sp>
+      <p:pic>
+        <p:nvPicPr>
+          <p:cNvPr id="1026" name="Picture 2"/>
+          <p:cNvPicPr>
+            <a:picLocks noGrp="1" noChangeAspect="1" noChangeArrowheads="1"/>
+          </p:cNvPicPr>
           <p:nvPr>
             <p:ph idx="1"/>
           </p:nvPr>
-        </p:nvSpPr>
-        <p:spPr/>
-        <p:txBody>
-          <a:bodyPr/>
-          <a:lstStyle/>
-          <a:p>
-            <a:endParaRPr lang="ru-RU"/>
-          </a:p>
-        </p:txBody>
-      </p:sp>
+        </p:nvPicPr>
+        <p:blipFill>
+          <a:blip r:embed="rId2" cstate="print"/>
+          <a:srcRect/>
+          <a:stretch>
+            <a:fillRect/>
+          </a:stretch>
+        </p:blipFill>
+        <p:spPr bwMode="auto">
+          <a:xfrm>
+            <a:off x="2195736" y="1268760"/>
+            <a:ext cx="4770120" cy="1623060"/>
+          </a:xfrm>
+          <a:prstGeom prst="rect">
+            <a:avLst/>
+          </a:prstGeom>
+          <a:noFill/>
+          <a:ln w="9525">
+            <a:noFill/>
+            <a:miter lim="800000"/>
+            <a:headEnd/>
+            <a:tailEnd/>
+          </a:ln>
+        </p:spPr>
+      </p:pic>
+      <p:pic>
+        <p:nvPicPr>
+          <p:cNvPr id="1027" name="Picture 3"/>
+          <p:cNvPicPr>
+            <a:picLocks noChangeAspect="1" noChangeArrowheads="1"/>
+          </p:cNvPicPr>
+          <p:nvPr/>
+        </p:nvPicPr>
+        <p:blipFill>
+          <a:blip r:embed="rId3" cstate="print"/>
+          <a:srcRect/>
+          <a:stretch>
+            <a:fillRect/>
+          </a:stretch>
+        </p:blipFill>
+        <p:spPr bwMode="auto">
+          <a:xfrm>
+            <a:off x="539552" y="3068960"/>
+            <a:ext cx="8261350" cy="2635250"/>
+          </a:xfrm>
+          <a:prstGeom prst="rect">
+            <a:avLst/>
+          </a:prstGeom>
+          <a:noFill/>
+          <a:ln w="9525">
+            <a:noFill/>
+            <a:miter lim="800000"/>
+            <a:headEnd/>
+            <a:tailEnd/>
+          </a:ln>
+        </p:spPr>
+      </p:pic>
     </p:spTree>
   </p:cSld>
   <p:clrMapOvr>
@@ -3469,251 +4241,51 @@
         </p:nvSpPr>
         <p:spPr/>
         <p:txBody>
-          <a:bodyPr>
-            <a:noAutofit/>
-          </a:bodyPr>
-          <a:lstStyle/>
-          <a:p>
-            <a:r>
-              <a:rPr lang="ru-RU" sz="1800" b="1" dirty="0" smtClean="0"/>
-              <a:t>Эксперимент</a:t>
-            </a:r>
-            <a:br>
-              <a:rPr lang="ru-RU" sz="1800" b="1" dirty="0" smtClean="0"/>
-            </a:br>
-            <a:r>
-              <a:rPr lang="ru-RU" sz="1800" dirty="0" smtClean="0"/>
-              <a:t>по использованию инновационных технологий в области компьютерного зрения для анализа медицинских изображений и дальнейшего применения в системе здравоохранения города Москвы.</a:t>
-            </a:r>
-            <a:endParaRPr lang="ru-RU" sz="1800" dirty="0"/>
-          </a:p>
-        </p:txBody>
-      </p:sp>
-      <p:sp>
-        <p:nvSpPr>
-          <p:cNvPr id="3" name="Содержимое 2"/>
-          <p:cNvSpPr>
-            <a:spLocks noGrp="1"/>
-          </p:cNvSpPr>
+          <a:bodyPr/>
+          <a:lstStyle/>
+          <a:p>
+            <a:r>
+              <a:rPr lang="ru-RU" dirty="0" smtClean="0"/>
+              <a:t>Функции активации</a:t>
+            </a:r>
+            <a:endParaRPr lang="ru-RU" dirty="0"/>
+          </a:p>
+        </p:txBody>
+      </p:sp>
+      <p:pic>
+        <p:nvPicPr>
+          <p:cNvPr id="2050" name="Picture 2"/>
+          <p:cNvPicPr>
+            <a:picLocks noGrp="1" noChangeAspect="1" noChangeArrowheads="1"/>
+          </p:cNvPicPr>
           <p:nvPr>
             <p:ph idx="1"/>
           </p:nvPr>
-        </p:nvSpPr>
-        <p:spPr/>
-        <p:txBody>
-          <a:bodyPr>
-            <a:normAutofit fontScale="32500" lnSpcReduction="20000"/>
-          </a:bodyPr>
-          <a:lstStyle/>
-          <a:p>
-            <a:r>
-              <a:rPr lang="ru-RU" b="1" dirty="0"/>
-              <a:t>Цель</a:t>
-            </a:r>
-            <a:endParaRPr lang="ru-RU" dirty="0"/>
-          </a:p>
-          <a:p>
-            <a:r>
-              <a:rPr lang="ru-RU" dirty="0"/>
-              <a:t>Научное исследование возможности использования в системе здравоохранения города Москвы методов поддержки принятия решений на основе результатов анализа данных с применением передовых инновационных технологий.</a:t>
-            </a:r>
-          </a:p>
-          <a:p>
-            <a:r>
-              <a:rPr lang="ru-RU" dirty="0"/>
-              <a:t> </a:t>
-            </a:r>
-          </a:p>
-          <a:p>
-            <a:r>
-              <a:rPr lang="ru-RU" b="1" dirty="0"/>
-              <a:t>Платформа</a:t>
-            </a:r>
-            <a:endParaRPr lang="ru-RU" dirty="0"/>
-          </a:p>
-          <a:p>
-            <a:r>
-              <a:rPr lang="ru-RU" dirty="0"/>
-              <a:t>Единый радиологический информационный сервис (</a:t>
-            </a:r>
-            <a:r>
-              <a:rPr lang="ru-RU" dirty="0" err="1"/>
-              <a:t>ЕРИС</a:t>
-            </a:r>
-            <a:r>
-              <a:rPr lang="ru-RU" dirty="0"/>
-              <a:t>)</a:t>
-            </a:r>
-          </a:p>
-          <a:p>
-            <a:r>
-              <a:rPr lang="ru-RU" dirty="0"/>
-              <a:t> </a:t>
-            </a:r>
-          </a:p>
-          <a:p>
-            <a:r>
-              <a:rPr lang="ru-RU" b="1" dirty="0"/>
-              <a:t>В цифрах</a:t>
-            </a:r>
-            <a:endParaRPr lang="ru-RU" dirty="0"/>
-          </a:p>
-          <a:p>
-            <a:r>
-              <a:rPr lang="ru-RU" b="1" dirty="0"/>
-              <a:t>550  </a:t>
-            </a:r>
-            <a:r>
-              <a:rPr lang="ru-RU" dirty="0"/>
-              <a:t>единиц оборудования (</a:t>
-            </a:r>
-            <a:r>
-              <a:rPr lang="ru-RU" dirty="0" err="1"/>
-              <a:t>МРТ</a:t>
-            </a:r>
-            <a:r>
-              <a:rPr lang="ru-RU" dirty="0"/>
-              <a:t>/</a:t>
-            </a:r>
-            <a:r>
-              <a:rPr lang="ru-RU" dirty="0" err="1"/>
-              <a:t>ММГ</a:t>
-            </a:r>
-            <a:r>
-              <a:rPr lang="ru-RU" dirty="0"/>
-              <a:t>/КТ/</a:t>
-            </a:r>
-            <a:r>
-              <a:rPr lang="ru-RU" dirty="0" err="1"/>
-              <a:t>РГ</a:t>
-            </a:r>
-            <a:r>
-              <a:rPr lang="ru-RU" dirty="0"/>
-              <a:t>) в отделениях лучевой диагностики амбулаторных и стационарных медицинских организаций Департамента здравоохранения города Москвы.</a:t>
-            </a:r>
-          </a:p>
-          <a:p>
-            <a:r>
-              <a:rPr lang="ru-RU" b="1" dirty="0"/>
-              <a:t>365</a:t>
-            </a:r>
-            <a:r>
-              <a:rPr lang="ru-RU" dirty="0"/>
-              <a:t> врачей-рентгенологов в системе. </a:t>
-            </a:r>
-          </a:p>
-          <a:p>
-            <a:r>
-              <a:rPr lang="ru-RU" b="1" dirty="0"/>
-              <a:t>160 тысяч </a:t>
-            </a:r>
-            <a:r>
-              <a:rPr lang="ru-RU" dirty="0"/>
-              <a:t>лучевых исследований в месяц.</a:t>
-            </a:r>
-          </a:p>
-          <a:p>
-            <a:r>
-              <a:rPr lang="ru-RU" b="1" dirty="0"/>
-              <a:t>44 тысячи</a:t>
-            </a:r>
-            <a:r>
-              <a:rPr lang="ru-RU" dirty="0"/>
-              <a:t> </a:t>
-            </a:r>
-            <a:r>
-              <a:rPr lang="ru-RU" dirty="0" err="1"/>
-              <a:t>скрининговых</a:t>
-            </a:r>
-            <a:r>
-              <a:rPr lang="ru-RU" dirty="0"/>
-              <a:t> исследований с целью выявления рака молочной железы и рака легкого в год.</a:t>
-            </a:r>
-          </a:p>
-          <a:p>
-            <a:r>
-              <a:rPr lang="ru-RU" dirty="0"/>
-              <a:t> </a:t>
-            </a:r>
-          </a:p>
-          <a:p>
-            <a:r>
-              <a:rPr lang="ru-RU" b="1" dirty="0"/>
-              <a:t>Области применения:</a:t>
-            </a:r>
-            <a:endParaRPr lang="ru-RU" dirty="0"/>
-          </a:p>
-          <a:p>
-            <a:r>
-              <a:rPr lang="ru-RU" dirty="0"/>
-              <a:t>онкология;</a:t>
-            </a:r>
-          </a:p>
-          <a:p>
-            <a:r>
-              <a:rPr lang="ru-RU" dirty="0"/>
-              <a:t>кардиология;</a:t>
-            </a:r>
-          </a:p>
-          <a:p>
-            <a:r>
-              <a:rPr lang="ru-RU" dirty="0"/>
-              <a:t>хронические заболевания;</a:t>
-            </a:r>
-          </a:p>
-          <a:p>
-            <a:r>
-              <a:rPr lang="ru-RU" dirty="0"/>
-              <a:t>пульмонология;</a:t>
-            </a:r>
-          </a:p>
-          <a:p>
-            <a:r>
-              <a:rPr lang="ru-RU" dirty="0"/>
-              <a:t>неврология;</a:t>
-            </a:r>
-          </a:p>
-          <a:p>
-            <a:r>
-              <a:rPr lang="ru-RU" dirty="0"/>
-              <a:t>неотложные состояния.</a:t>
-            </a:r>
-          </a:p>
-          <a:p>
-            <a:r>
-              <a:rPr lang="ru-RU" dirty="0"/>
-              <a:t> </a:t>
-            </a:r>
-          </a:p>
-          <a:p>
-            <a:r>
-              <a:rPr lang="ru-RU" dirty="0"/>
-              <a:t>Результаты эксперимента станут основой для национальных стандартов, регламентирующих применение искусственного интеллекта в клинической медицине. Разработка документов ведется в Подкомитете 01 технического комитета по стандартизации «Искусственный интеллект» (</a:t>
-            </a:r>
-            <a:r>
-              <a:rPr lang="ru-RU" dirty="0" err="1"/>
-              <a:t>ТК</a:t>
-            </a:r>
-            <a:r>
-              <a:rPr lang="ru-RU" dirty="0"/>
-              <a:t> 164). </a:t>
-            </a:r>
-            <a:br>
-              <a:rPr lang="ru-RU" dirty="0"/>
-            </a:br>
-            <a:r>
-              <a:rPr lang="ru-RU" u="sng" dirty="0">
-                <a:hlinkClick r:id="rId2"/>
-              </a:rPr>
-              <a:t>Подробнее о деятельности ПК 01</a:t>
-            </a:r>
-            <a:endParaRPr lang="ru-RU" dirty="0"/>
-          </a:p>
-          <a:p>
-            <a:endParaRPr lang="ru-RU" dirty="0"/>
-          </a:p>
-        </p:txBody>
-      </p:sp>
+        </p:nvPicPr>
+        <p:blipFill>
+          <a:blip r:embed="rId2" cstate="print"/>
+          <a:srcRect/>
+          <a:stretch>
+            <a:fillRect/>
+          </a:stretch>
+        </p:blipFill>
+        <p:spPr bwMode="auto">
+          <a:xfrm>
+            <a:off x="1039633" y="1600200"/>
+            <a:ext cx="7064734" cy="4525963"/>
+          </a:xfrm>
+          <a:prstGeom prst="rect">
+            <a:avLst/>
+          </a:prstGeom>
+          <a:noFill/>
+          <a:ln w="9525">
+            <a:noFill/>
+            <a:miter lim="800000"/>
+            <a:headEnd/>
+            <a:tailEnd/>
+          </a:ln>
+        </p:spPr>
+      </p:pic>
     </p:spTree>
   </p:cSld>
   <p:clrMapOvr>
@@ -3751,25 +4323,20 @@
         </p:nvSpPr>
         <p:spPr/>
         <p:txBody>
-          <a:bodyPr>
-            <a:noAutofit/>
-          </a:bodyPr>
-          <a:lstStyle/>
-          <a:p>
-            <a:r>
-              <a:rPr lang="ru-RU" sz="1800" dirty="0"/>
-              <a:t/>
-            </a:r>
-            <a:br>
-              <a:rPr lang="ru-RU" sz="1800" dirty="0"/>
-            </a:br>
-            <a:endParaRPr lang="ru-RU" sz="1800" dirty="0"/>
+          <a:bodyPr/>
+          <a:lstStyle/>
+          <a:p>
+            <a:r>
+              <a:rPr lang="ru-RU" dirty="0" smtClean="0"/>
+              <a:t>архитектура</a:t>
+            </a:r>
+            <a:endParaRPr lang="ru-RU" dirty="0"/>
           </a:p>
         </p:txBody>
       </p:sp>
       <p:pic>
         <p:nvPicPr>
-          <p:cNvPr id="2050" name="Picture 2"/>
+          <p:cNvPr id="3074" name="Picture 2"/>
           <p:cNvPicPr>
             <a:picLocks noGrp="1" noChangeAspect="1" noChangeArrowheads="1"/>
           </p:cNvPicPr>
@@ -3786,8 +4353,8 @@
         </p:blipFill>
         <p:spPr bwMode="auto">
           <a:xfrm>
-            <a:off x="457200" y="2097419"/>
-            <a:ext cx="8229600" cy="3531525"/>
+            <a:off x="457200" y="2528388"/>
+            <a:ext cx="8229600" cy="2669586"/>
           </a:xfrm>
           <a:prstGeom prst="rect">
             <a:avLst/>
@@ -3839,373 +4406,247 @@
         <p:spPr/>
         <p:txBody>
           <a:bodyPr>
-            <a:normAutofit/>
+            <a:noAutofit/>
           </a:bodyPr>
           <a:lstStyle/>
           <a:p>
             <a:r>
-              <a:rPr lang="ru-RU" dirty="0" smtClean="0">
+              <a:rPr lang="ru-RU" sz="1800" b="1" dirty="0" smtClean="0"/>
+              <a:t>Эксперимент</a:t>
+            </a:r>
+            <a:br>
+              <a:rPr lang="ru-RU" sz="1800" b="1" dirty="0" smtClean="0"/>
+            </a:br>
+            <a:r>
+              <a:rPr lang="ru-RU" sz="1800" dirty="0" smtClean="0"/>
+              <a:t>по использованию инновационных технологий в области компьютерного зрения для анализа медицинских изображений и дальнейшего применения в системе здравоохранения города Москвы.</a:t>
+            </a:r>
+            <a:endParaRPr lang="ru-RU" sz="1800" dirty="0"/>
+          </a:p>
+        </p:txBody>
+      </p:sp>
+      <p:sp>
+        <p:nvSpPr>
+          <p:cNvPr id="3" name="Содержимое 2"/>
+          <p:cNvSpPr>
+            <a:spLocks noGrp="1"/>
+          </p:cNvSpPr>
+          <p:nvPr>
+            <p:ph idx="1"/>
+          </p:nvPr>
+        </p:nvSpPr>
+        <p:spPr/>
+        <p:txBody>
+          <a:bodyPr>
+            <a:normAutofit fontScale="32500" lnSpcReduction="20000"/>
+          </a:bodyPr>
+          <a:lstStyle/>
+          <a:p>
+            <a:r>
+              <a:rPr lang="ru-RU" b="1" dirty="0"/>
+              <a:t>Цель</a:t>
+            </a:r>
+            <a:endParaRPr lang="ru-RU" dirty="0"/>
+          </a:p>
+          <a:p>
+            <a:r>
+              <a:rPr lang="ru-RU" dirty="0"/>
+              <a:t>Научное исследование возможности использования в системе здравоохранения города Москвы методов поддержки принятия решений на основе результатов анализа данных с применением передовых инновационных технологий.</a:t>
+            </a:r>
+          </a:p>
+          <a:p>
+            <a:r>
+              <a:rPr lang="ru-RU" dirty="0"/>
+              <a:t> </a:t>
+            </a:r>
+          </a:p>
+          <a:p>
+            <a:r>
+              <a:rPr lang="ru-RU" b="1" dirty="0"/>
+              <a:t>Платформа</a:t>
+            </a:r>
+            <a:endParaRPr lang="ru-RU" dirty="0"/>
+          </a:p>
+          <a:p>
+            <a:r>
+              <a:rPr lang="ru-RU" dirty="0"/>
+              <a:t>Единый радиологический информационный сервис (</a:t>
+            </a:r>
+            <a:r>
+              <a:rPr lang="ru-RU" dirty="0" err="1"/>
+              <a:t>ЕРИС</a:t>
+            </a:r>
+            <a:r>
+              <a:rPr lang="ru-RU" dirty="0"/>
+              <a:t>)</a:t>
+            </a:r>
+          </a:p>
+          <a:p>
+            <a:r>
+              <a:rPr lang="ru-RU" dirty="0"/>
+              <a:t> </a:t>
+            </a:r>
+          </a:p>
+          <a:p>
+            <a:r>
+              <a:rPr lang="ru-RU" b="1" dirty="0"/>
+              <a:t>В цифрах</a:t>
+            </a:r>
+            <a:endParaRPr lang="ru-RU" dirty="0"/>
+          </a:p>
+          <a:p>
+            <a:r>
+              <a:rPr lang="ru-RU" b="1" dirty="0"/>
+              <a:t>550  </a:t>
+            </a:r>
+            <a:r>
+              <a:rPr lang="ru-RU" dirty="0"/>
+              <a:t>единиц оборудования (</a:t>
+            </a:r>
+            <a:r>
+              <a:rPr lang="ru-RU" dirty="0" err="1"/>
+              <a:t>МРТ</a:t>
+            </a:r>
+            <a:r>
+              <a:rPr lang="ru-RU" dirty="0"/>
+              <a:t>/</a:t>
+            </a:r>
+            <a:r>
+              <a:rPr lang="ru-RU" dirty="0" err="1"/>
+              <a:t>ММГ</a:t>
+            </a:r>
+            <a:r>
+              <a:rPr lang="ru-RU" dirty="0"/>
+              <a:t>/КТ/</a:t>
+            </a:r>
+            <a:r>
+              <a:rPr lang="ru-RU" dirty="0" err="1"/>
+              <a:t>РГ</a:t>
+            </a:r>
+            <a:r>
+              <a:rPr lang="ru-RU" dirty="0"/>
+              <a:t>) в отделениях лучевой диагностики амбулаторных и стационарных медицинских организаций Департамента здравоохранения города Москвы.</a:t>
+            </a:r>
+          </a:p>
+          <a:p>
+            <a:r>
+              <a:rPr lang="ru-RU" b="1" dirty="0"/>
+              <a:t>365</a:t>
+            </a:r>
+            <a:r>
+              <a:rPr lang="ru-RU" dirty="0"/>
+              <a:t> врачей-рентгенологов в системе. </a:t>
+            </a:r>
+          </a:p>
+          <a:p>
+            <a:r>
+              <a:rPr lang="ru-RU" b="1" dirty="0"/>
+              <a:t>160 тысяч </a:t>
+            </a:r>
+            <a:r>
+              <a:rPr lang="ru-RU" dirty="0"/>
+              <a:t>лучевых исследований в месяц.</a:t>
+            </a:r>
+          </a:p>
+          <a:p>
+            <a:r>
+              <a:rPr lang="ru-RU" b="1" dirty="0"/>
+              <a:t>44 тысячи</a:t>
+            </a:r>
+            <a:r>
+              <a:rPr lang="ru-RU" dirty="0"/>
+              <a:t> </a:t>
+            </a:r>
+            <a:r>
+              <a:rPr lang="ru-RU" dirty="0" err="1"/>
+              <a:t>скрининговых</a:t>
+            </a:r>
+            <a:r>
+              <a:rPr lang="ru-RU" dirty="0"/>
+              <a:t> исследований с целью выявления рака молочной железы и рака легкого в год.</a:t>
+            </a:r>
+          </a:p>
+          <a:p>
+            <a:r>
+              <a:rPr lang="ru-RU" dirty="0"/>
+              <a:t> </a:t>
+            </a:r>
+          </a:p>
+          <a:p>
+            <a:r>
+              <a:rPr lang="ru-RU" b="1" dirty="0"/>
+              <a:t>Области применения:</a:t>
+            </a:r>
+            <a:endParaRPr lang="ru-RU" dirty="0"/>
+          </a:p>
+          <a:p>
+            <a:r>
+              <a:rPr lang="ru-RU" dirty="0"/>
+              <a:t>онкология;</a:t>
+            </a:r>
+          </a:p>
+          <a:p>
+            <a:r>
+              <a:rPr lang="ru-RU" dirty="0"/>
+              <a:t>кардиология;</a:t>
+            </a:r>
+          </a:p>
+          <a:p>
+            <a:r>
+              <a:rPr lang="ru-RU" dirty="0"/>
+              <a:t>хронические заболевания;</a:t>
+            </a:r>
+          </a:p>
+          <a:p>
+            <a:r>
+              <a:rPr lang="ru-RU" dirty="0"/>
+              <a:t>пульмонология;</a:t>
+            </a:r>
+          </a:p>
+          <a:p>
+            <a:r>
+              <a:rPr lang="ru-RU" dirty="0"/>
+              <a:t>неврология;</a:t>
+            </a:r>
+          </a:p>
+          <a:p>
+            <a:r>
+              <a:rPr lang="ru-RU" dirty="0"/>
+              <a:t>неотложные состояния.</a:t>
+            </a:r>
+          </a:p>
+          <a:p>
+            <a:r>
+              <a:rPr lang="ru-RU" dirty="0"/>
+              <a:t> </a:t>
+            </a:r>
+          </a:p>
+          <a:p>
+            <a:r>
+              <a:rPr lang="ru-RU" dirty="0"/>
+              <a:t>Результаты эксперимента станут основой для национальных стандартов, регламентирующих применение искусственного интеллекта в клинической медицине. Разработка документов ведется в Подкомитете 01 технического комитета по стандартизации «Искусственный интеллект» (</a:t>
+            </a:r>
+            <a:r>
+              <a:rPr lang="ru-RU" dirty="0" err="1"/>
+              <a:t>ТК</a:t>
+            </a:r>
+            <a:r>
+              <a:rPr lang="ru-RU" dirty="0"/>
+              <a:t> 164). </a:t>
+            </a:r>
+            <a:br>
+              <a:rPr lang="ru-RU" dirty="0"/>
+            </a:br>
+            <a:r>
+              <a:rPr lang="ru-RU" u="sng" dirty="0">
                 <a:hlinkClick r:id="rId2"/>
               </a:rPr>
-              <a:t>Клинические параметры</a:t>
+              <a:t>Подробнее о деятельности ПК 01</a:t>
             </a:r>
             <a:endParaRPr lang="ru-RU" dirty="0"/>
           </a:p>
-        </p:txBody>
-      </p:sp>
-      <p:sp>
-        <p:nvSpPr>
-          <p:cNvPr id="3" name="Содержимое 2"/>
-          <p:cNvSpPr>
-            <a:spLocks noGrp="1"/>
-          </p:cNvSpPr>
-          <p:nvPr>
-            <p:ph idx="1"/>
-          </p:nvPr>
-        </p:nvSpPr>
-        <p:spPr/>
-        <p:txBody>
-          <a:bodyPr>
-            <a:normAutofit fontScale="47500" lnSpcReduction="20000"/>
-          </a:bodyPr>
-          <a:lstStyle/>
-          <a:p>
-            <a:r>
-              <a:rPr lang="ru-RU" b="1" dirty="0" smtClean="0"/>
-              <a:t>Целевые нозологии</a:t>
-            </a:r>
-          </a:p>
-          <a:p>
-            <a:pPr>
-              <a:buNone/>
-            </a:pPr>
-            <a:r>
-              <a:rPr lang="ru-RU" b="1" dirty="0"/>
-              <a:t>	</a:t>
-            </a:r>
-            <a:r>
-              <a:rPr lang="ru-RU" b="1" dirty="0" smtClean="0"/>
-              <a:t>Целевые </a:t>
-            </a:r>
-            <a:r>
-              <a:rPr lang="ru-RU" b="1" dirty="0" err="1"/>
-              <a:t>патологии\признаки</a:t>
-            </a:r>
-            <a:r>
-              <a:rPr lang="ru-RU" b="1" dirty="0"/>
-              <a:t>:</a:t>
-            </a:r>
-            <a:r>
-              <a:rPr lang="ru-RU" dirty="0"/>
-              <a:t> </a:t>
-            </a:r>
-            <a:r>
-              <a:rPr lang="ru-RU" dirty="0" err="1" smtClean="0"/>
-              <a:t>COVID-19</a:t>
-            </a:r>
-            <a:endParaRPr lang="ru-RU" dirty="0" smtClean="0"/>
-          </a:p>
-          <a:p>
-            <a:pPr>
-              <a:buNone/>
-            </a:pPr>
-            <a:r>
-              <a:rPr lang="ru-RU" b="1" dirty="0"/>
-              <a:t>	</a:t>
-            </a:r>
-            <a:r>
-              <a:rPr lang="ru-RU" b="1" dirty="0" smtClean="0"/>
-              <a:t>Код </a:t>
-            </a:r>
-            <a:r>
-              <a:rPr lang="ru-RU" b="1" dirty="0" err="1"/>
-              <a:t>МКБ-10</a:t>
-            </a:r>
-            <a:r>
-              <a:rPr lang="ru-RU" b="1" dirty="0"/>
-              <a:t> целевой патологии:</a:t>
-            </a:r>
-            <a:r>
-              <a:rPr lang="ru-RU" dirty="0"/>
-              <a:t> </a:t>
-            </a:r>
-            <a:r>
-              <a:rPr lang="ru-RU" dirty="0" err="1" smtClean="0"/>
-              <a:t>U07.1</a:t>
-            </a:r>
-            <a:endParaRPr lang="ru-RU" dirty="0" smtClean="0"/>
-          </a:p>
-          <a:p>
-            <a:r>
-              <a:rPr lang="ru-RU" b="1" dirty="0" smtClean="0"/>
-              <a:t>Параметры популяции</a:t>
-            </a:r>
-          </a:p>
-          <a:p>
-            <a:pPr>
-              <a:buNone/>
-            </a:pPr>
-            <a:r>
-              <a:rPr lang="ru-RU" b="1" dirty="0"/>
-              <a:t>	</a:t>
-            </a:r>
-            <a:r>
-              <a:rPr lang="ru-RU" b="1" dirty="0" smtClean="0"/>
-              <a:t>Критерии </a:t>
-            </a:r>
-            <a:r>
-              <a:rPr lang="ru-RU" b="1" dirty="0"/>
-              <a:t>включения/</a:t>
-            </a:r>
-            <a:r>
-              <a:rPr lang="ru-RU" b="1" dirty="0" err="1"/>
-              <a:t>невключения</a:t>
-            </a:r>
-            <a:r>
-              <a:rPr lang="ru-RU" b="1" dirty="0"/>
-              <a:t> пациента</a:t>
-            </a:r>
-            <a:r>
-              <a:rPr lang="ru-RU" b="1" dirty="0" smtClean="0"/>
-              <a:t>:</a:t>
-            </a:r>
-          </a:p>
-          <a:p>
-            <a:pPr>
-              <a:buNone/>
-            </a:pPr>
-            <a:r>
-              <a:rPr lang="ru-RU" b="1" dirty="0"/>
-              <a:t>	</a:t>
-            </a:r>
-            <a:r>
-              <a:rPr lang="ru-RU" dirty="0" smtClean="0"/>
-              <a:t>Критерии </a:t>
-            </a:r>
-            <a:r>
-              <a:rPr lang="ru-RU" dirty="0"/>
-              <a:t>включения пациента: Возраст ≥18 лет</a:t>
-            </a:r>
-            <a:br>
-              <a:rPr lang="ru-RU" dirty="0"/>
-            </a:br>
-            <a:r>
-              <a:rPr lang="ru-RU" dirty="0"/>
-              <a:t>Критерии </a:t>
-            </a:r>
-            <a:r>
-              <a:rPr lang="ru-RU" dirty="0" err="1"/>
-              <a:t>невключения</a:t>
-            </a:r>
-            <a:r>
-              <a:rPr lang="ru-RU" dirty="0"/>
-              <a:t> пациента: Наличие оперативных вмешательств, лучевой терапии в анамнезе для лечения заболеваний в области грудной клетки</a:t>
-            </a:r>
-          </a:p>
-          <a:p>
-            <a:pPr>
-              <a:buNone/>
-            </a:pPr>
-            <a:r>
-              <a:rPr lang="ru-RU" dirty="0" smtClean="0"/>
-              <a:t>	Возраст </a:t>
-            </a:r>
-            <a:r>
-              <a:rPr lang="ru-RU" dirty="0"/>
-              <a:t>(мин., лет): </a:t>
-            </a:r>
-            <a:r>
-              <a:rPr lang="ru-RU" dirty="0" smtClean="0"/>
-              <a:t>18</a:t>
-            </a:r>
-          </a:p>
-          <a:p>
-            <a:pPr>
-              <a:buNone/>
-            </a:pPr>
-            <a:r>
-              <a:rPr lang="ru-RU" dirty="0"/>
-              <a:t>	</a:t>
-            </a:r>
-            <a:r>
-              <a:rPr lang="ru-RU" dirty="0" smtClean="0"/>
-              <a:t>Возраст </a:t>
-            </a:r>
-            <a:r>
-              <a:rPr lang="ru-RU" dirty="0"/>
-              <a:t>(макс., лет): </a:t>
-            </a:r>
-            <a:r>
-              <a:rPr lang="ru-RU" dirty="0" smtClean="0"/>
-              <a:t>97</a:t>
-            </a:r>
-          </a:p>
-          <a:p>
-            <a:pPr>
-              <a:buNone/>
-            </a:pPr>
-            <a:r>
-              <a:rPr lang="ru-RU" dirty="0"/>
-              <a:t>	</a:t>
-            </a:r>
-            <a:r>
-              <a:rPr lang="ru-RU" dirty="0" smtClean="0"/>
-              <a:t>Возраст </a:t>
-            </a:r>
-            <a:r>
-              <a:rPr lang="ru-RU" dirty="0"/>
-              <a:t>(медиана, лет): </a:t>
-            </a:r>
-            <a:r>
-              <a:rPr lang="ru-RU" dirty="0" smtClean="0"/>
-              <a:t>47,0</a:t>
-            </a:r>
-          </a:p>
-          <a:p>
-            <a:pPr>
-              <a:buNone/>
-            </a:pPr>
-            <a:r>
-              <a:rPr lang="ru-RU" dirty="0"/>
-              <a:t>	</a:t>
-            </a:r>
-            <a:r>
-              <a:rPr lang="ru-RU" dirty="0" smtClean="0"/>
-              <a:t>Пол </a:t>
-            </a:r>
-            <a:r>
-              <a:rPr lang="ru-RU" dirty="0"/>
-              <a:t>(М): </a:t>
-            </a:r>
-            <a:r>
-              <a:rPr lang="ru-RU" dirty="0" smtClean="0"/>
-              <a:t>42</a:t>
-            </a:r>
-          </a:p>
-          <a:p>
-            <a:pPr>
-              <a:buNone/>
-            </a:pPr>
-            <a:r>
-              <a:rPr lang="ru-RU" dirty="0"/>
-              <a:t>	</a:t>
-            </a:r>
-            <a:r>
-              <a:rPr lang="ru-RU" dirty="0" smtClean="0"/>
-              <a:t>Пол </a:t>
-            </a:r>
-            <a:r>
-              <a:rPr lang="ru-RU" dirty="0"/>
-              <a:t>(Ж): </a:t>
-            </a:r>
-            <a:r>
-              <a:rPr lang="ru-RU" dirty="0" smtClean="0"/>
-              <a:t>56</a:t>
-            </a:r>
-          </a:p>
-          <a:p>
-            <a:pPr>
-              <a:buNone/>
-            </a:pPr>
-            <a:r>
-              <a:rPr lang="ru-RU" dirty="0"/>
-              <a:t>	</a:t>
-            </a:r>
-            <a:r>
-              <a:rPr lang="ru-RU" dirty="0" smtClean="0"/>
-              <a:t>Пол </a:t>
-            </a:r>
-            <a:r>
-              <a:rPr lang="ru-RU" dirty="0"/>
-              <a:t>(</a:t>
-            </a:r>
-            <a:r>
-              <a:rPr lang="ru-RU" dirty="0" err="1"/>
-              <a:t>неопределено</a:t>
-            </a:r>
-            <a:r>
-              <a:rPr lang="ru-RU" dirty="0"/>
-              <a:t>): </a:t>
-            </a:r>
-            <a:r>
-              <a:rPr lang="ru-RU" dirty="0" smtClean="0"/>
-              <a:t>2</a:t>
-            </a:r>
-          </a:p>
-          <a:p>
-            <a:pPr>
-              <a:buNone/>
-            </a:pPr>
-            <a:r>
-              <a:rPr lang="ru-RU" dirty="0"/>
-              <a:t>	</a:t>
-            </a:r>
-            <a:r>
-              <a:rPr lang="ru-RU" dirty="0" smtClean="0"/>
-              <a:t>Период </a:t>
-            </a:r>
-            <a:r>
-              <a:rPr lang="ru-RU" dirty="0"/>
-              <a:t>сбора (начало): </a:t>
-            </a:r>
-            <a:r>
-              <a:rPr lang="ru-RU" dirty="0" smtClean="0"/>
-              <a:t>01.03.2020</a:t>
-            </a:r>
-          </a:p>
-          <a:p>
-            <a:pPr>
-              <a:buNone/>
-            </a:pPr>
-            <a:r>
-              <a:rPr lang="ru-RU" dirty="0"/>
-              <a:t>	</a:t>
-            </a:r>
-            <a:r>
-              <a:rPr lang="ru-RU" dirty="0" smtClean="0"/>
-              <a:t>Период </a:t>
-            </a:r>
-            <a:r>
-              <a:rPr lang="ru-RU" dirty="0"/>
-              <a:t>сбора (конец): </a:t>
-            </a:r>
-            <a:r>
-              <a:rPr lang="ru-RU" dirty="0" smtClean="0"/>
-              <a:t>25.04.2020</a:t>
-            </a:r>
-          </a:p>
-          <a:p>
-            <a:pPr>
-              <a:buNone/>
-            </a:pPr>
-            <a:r>
-              <a:rPr lang="ru-RU" dirty="0"/>
-              <a:t>	</a:t>
-            </a:r>
-            <a:r>
-              <a:rPr lang="ru-RU" dirty="0" smtClean="0"/>
-              <a:t>Эпидемиологическая </a:t>
-            </a:r>
-            <a:r>
-              <a:rPr lang="ru-RU" dirty="0"/>
-              <a:t>обстановка: В условиях пандемии </a:t>
-            </a:r>
-            <a:r>
-              <a:rPr lang="ru-RU" dirty="0" err="1"/>
-              <a:t>коронавирусной</a:t>
-            </a:r>
-            <a:r>
-              <a:rPr lang="ru-RU" dirty="0"/>
-              <a:t> инфекции (</a:t>
-            </a:r>
-            <a:r>
-              <a:rPr lang="ru-RU" dirty="0" err="1"/>
-              <a:t>COVID-19</a:t>
-            </a:r>
-            <a:r>
-              <a:rPr lang="ru-RU" dirty="0"/>
-              <a:t>)</a:t>
-            </a:r>
+          <a:p>
+            <a:endParaRPr lang="ru-RU" dirty="0"/>
           </a:p>
         </p:txBody>
       </p:sp>
@@ -4247,114 +4688,55 @@
         <p:spPr/>
         <p:txBody>
           <a:bodyPr>
-            <a:normAutofit/>
+            <a:noAutofit/>
           </a:bodyPr>
           <a:lstStyle/>
           <a:p>
             <a:r>
-              <a:rPr lang="ru-RU" dirty="0" smtClean="0">
-                <a:hlinkClick r:id="rId2"/>
-              </a:rPr>
-              <a:t>Назначение</a:t>
-            </a:r>
-            <a:endParaRPr lang="ru-RU" dirty="0"/>
-          </a:p>
-        </p:txBody>
-      </p:sp>
-      <p:sp>
-        <p:nvSpPr>
-          <p:cNvPr id="3" name="Содержимое 2"/>
-          <p:cNvSpPr>
-            <a:spLocks noGrp="1"/>
-          </p:cNvSpPr>
+              <a:rPr lang="ru-RU" sz="1800" dirty="0"/>
+              <a:t/>
+            </a:r>
+            <a:br>
+              <a:rPr lang="ru-RU" sz="1800" dirty="0"/>
+            </a:br>
+            <a:endParaRPr lang="ru-RU" sz="1800" dirty="0"/>
+          </a:p>
+        </p:txBody>
+      </p:sp>
+      <p:pic>
+        <p:nvPicPr>
+          <p:cNvPr id="2050" name="Picture 2"/>
+          <p:cNvPicPr>
+            <a:picLocks noGrp="1" noChangeAspect="1" noChangeArrowheads="1"/>
+          </p:cNvPicPr>
           <p:nvPr>
             <p:ph idx="1"/>
           </p:nvPr>
-        </p:nvSpPr>
-        <p:spPr/>
-        <p:txBody>
-          <a:bodyPr>
-            <a:normAutofit/>
-          </a:bodyPr>
-          <a:lstStyle/>
-          <a:p>
-            <a:r>
-              <a:rPr lang="ru-RU" b="1" dirty="0" smtClean="0"/>
-              <a:t>Клиническая/практическая/научная </a:t>
-            </a:r>
-            <a:r>
-              <a:rPr lang="ru-RU" b="1" dirty="0"/>
-              <a:t>задача создания набора данных:</a:t>
-            </a:r>
-            <a:r>
-              <a:rPr lang="ru-RU" dirty="0"/>
-              <a:t> Определение степени поражения паренхимы легкого при </a:t>
-            </a:r>
-            <a:r>
-              <a:rPr lang="ru-RU" dirty="0" err="1" smtClean="0"/>
-              <a:t>COVID-19</a:t>
-            </a:r>
-            <a:endParaRPr lang="ru-RU" dirty="0" smtClean="0"/>
-          </a:p>
-          <a:p>
-            <a:r>
-              <a:rPr lang="ru-RU" b="1" dirty="0" smtClean="0"/>
-              <a:t>Назначение </a:t>
-            </a:r>
-            <a:r>
-              <a:rPr lang="ru-RU" b="1" dirty="0" err="1"/>
-              <a:t>датасета</a:t>
-            </a:r>
-            <a:r>
-              <a:rPr lang="ru-RU" b="1" dirty="0"/>
-              <a:t>:</a:t>
-            </a:r>
-            <a:r>
-              <a:rPr lang="ru-RU" dirty="0"/>
-              <a:t> Обучение ИИ </a:t>
-            </a:r>
-            <a:r>
-              <a:rPr lang="ru-RU" dirty="0" smtClean="0"/>
-              <a:t>алгоритма</a:t>
-            </a:r>
-          </a:p>
-          <a:p>
-            <a:r>
-              <a:rPr lang="ru-RU" b="1" dirty="0" smtClean="0"/>
-              <a:t>Вариант</a:t>
-            </a:r>
-            <a:r>
-              <a:rPr lang="ru-RU" b="1" dirty="0"/>
-              <a:t>:</a:t>
-            </a:r>
-            <a:r>
-              <a:rPr lang="ru-RU" dirty="0"/>
-              <a:t> </a:t>
-            </a:r>
-            <a:r>
-              <a:rPr lang="ru-RU" dirty="0" err="1"/>
-              <a:t>SC</a:t>
-            </a:r>
-            <a:r>
-              <a:rPr lang="ru-RU" dirty="0"/>
-              <a:t> - </a:t>
-            </a:r>
-            <a:r>
-              <a:rPr lang="ru-RU" dirty="0" err="1"/>
-              <a:t>special</a:t>
-            </a:r>
-            <a:r>
-              <a:rPr lang="ru-RU" dirty="0"/>
-              <a:t> </a:t>
-            </a:r>
-            <a:r>
-              <a:rPr lang="ru-RU" dirty="0" err="1"/>
-              <a:t>case</a:t>
-            </a:r>
-            <a:endParaRPr lang="ru-RU" dirty="0"/>
-          </a:p>
-        </p:txBody>
-      </p:sp>
+        </p:nvPicPr>
+        <p:blipFill>
+          <a:blip r:embed="rId2" cstate="print"/>
+          <a:srcRect/>
+          <a:stretch>
+            <a:fillRect/>
+          </a:stretch>
+        </p:blipFill>
+        <p:spPr bwMode="auto">
+          <a:xfrm>
+            <a:off x="457200" y="2097419"/>
+            <a:ext cx="8229600" cy="3531525"/>
+          </a:xfrm>
+          <a:prstGeom prst="rect">
+            <a:avLst/>
+          </a:prstGeom>
+          <a:noFill/>
+          <a:ln w="9525">
+            <a:noFill/>
+            <a:miter lim="800000"/>
+            <a:headEnd/>
+            <a:tailEnd/>
+          </a:ln>
+        </p:spPr>
+      </p:pic>
     </p:spTree>
   </p:cSld>
   <p:clrMapOvr>
@@ -4401,7 +4783,7 @@
               <a:rPr lang="ru-RU" dirty="0" smtClean="0">
                 <a:hlinkClick r:id="rId2"/>
               </a:rPr>
-              <a:t>Разметка и верификация</a:t>
+              <a:t>Клинические параметры</a:t>
             </a:r>
             <a:endParaRPr lang="ru-RU" dirty="0"/>
           </a:p>
@@ -4420,39 +4802,30 @@
         <p:spPr/>
         <p:txBody>
           <a:bodyPr>
-            <a:normAutofit fontScale="40000" lnSpcReduction="20000"/>
+            <a:normAutofit fontScale="47500" lnSpcReduction="20000"/>
           </a:bodyPr>
           <a:lstStyle/>
           <a:p>
             <a:r>
-              <a:rPr lang="ru-RU" b="1" dirty="0" err="1" smtClean="0"/>
-              <a:t>РазметкаУровень</a:t>
-            </a:r>
-            <a:r>
               <a:rPr lang="ru-RU" b="1" dirty="0" smtClean="0"/>
-              <a:t> </a:t>
-            </a:r>
+              <a:t>Целевые нозологии</a:t>
+            </a:r>
+          </a:p>
+          <a:p>
+            <a:pPr>
+              <a:buNone/>
+            </a:pPr>
             <a:r>
               <a:rPr lang="ru-RU" b="1" dirty="0"/>
-              <a:t>разметки:</a:t>
-            </a:r>
-            <a:r>
-              <a:rPr lang="ru-RU" dirty="0"/>
-              <a:t> Изображение, </a:t>
-            </a:r>
-            <a:r>
-              <a:rPr lang="ru-RU" dirty="0" smtClean="0"/>
-              <a:t>Исследование</a:t>
-            </a:r>
-          </a:p>
-          <a:p>
+              <a:t>	</a:t>
+            </a:r>
             <a:r>
               <a:rPr lang="ru-RU" b="1" dirty="0" smtClean="0"/>
-              <a:t>Способы </a:t>
+              <a:t>Целевые </a:t>
             </a:r>
             <a:r>
               <a:rPr lang="ru-RU" b="1" dirty="0" err="1"/>
-              <a:t>предразметки</a:t>
+              <a:t>патологии\признаки</a:t>
             </a:r>
             <a:r>
               <a:rPr lang="ru-RU" b="1" dirty="0"/>
@@ -4463,118 +4836,303 @@
               <a:t> </a:t>
             </a:r>
             <a:r>
+              <a:rPr lang="ru-RU" dirty="0" err="1" smtClean="0"/>
+              <a:t>COVID-19</a:t>
+            </a:r>
+            <a:endParaRPr lang="ru-RU" dirty="0" smtClean="0"/>
+          </a:p>
+          <a:p>
+            <a:pPr>
+              <a:buNone/>
+            </a:pPr>
+            <a:r>
+              <a:rPr lang="ru-RU" b="1" dirty="0"/>
+              <a:t>	</a:t>
+            </a:r>
+            <a:r>
+              <a:rPr lang="ru-RU" b="1" dirty="0" smtClean="0"/>
+              <a:t>Код </a:t>
+            </a:r>
+            <a:r>
+              <a:rPr lang="ru-RU" b="1" dirty="0" err="1"/>
+              <a:t>МКБ-10</a:t>
+            </a:r>
+            <a:r>
+              <a:rPr lang="ru-RU" b="1" dirty="0"/>
+              <a:t> целевой патологии:</a:t>
+            </a:r>
+            <a:r>
+              <a:rPr lang="ru-RU" dirty="0"/>
+              <a:t> </a:t>
+            </a:r>
+            <a:r>
+              <a:rPr lang="ru-RU" dirty="0" err="1" smtClean="0"/>
+              <a:t>U07.1</a:t>
+            </a:r>
+            <a:endParaRPr lang="ru-RU" dirty="0" smtClean="0"/>
+          </a:p>
+          <a:p>
+            <a:r>
+              <a:rPr lang="ru-RU" b="1" dirty="0" smtClean="0"/>
+              <a:t>Параметры популяции</a:t>
+            </a:r>
+          </a:p>
+          <a:p>
+            <a:pPr>
+              <a:buNone/>
+            </a:pPr>
+            <a:r>
+              <a:rPr lang="ru-RU" b="1" dirty="0"/>
+              <a:t>	</a:t>
+            </a:r>
+            <a:r>
+              <a:rPr lang="ru-RU" b="1" dirty="0" smtClean="0"/>
+              <a:t>Критерии </a:t>
+            </a:r>
+            <a:r>
+              <a:rPr lang="ru-RU" b="1" dirty="0"/>
+              <a:t>включения/</a:t>
+            </a:r>
+            <a:r>
+              <a:rPr lang="ru-RU" b="1" dirty="0" err="1"/>
+              <a:t>невключения</a:t>
+            </a:r>
+            <a:r>
+              <a:rPr lang="ru-RU" b="1" dirty="0"/>
+              <a:t> пациента</a:t>
+            </a:r>
+            <a:r>
+              <a:rPr lang="ru-RU" b="1" dirty="0" smtClean="0"/>
+              <a:t>:</a:t>
+            </a:r>
+          </a:p>
+          <a:p>
+            <a:pPr>
+              <a:buNone/>
+            </a:pPr>
+            <a:r>
+              <a:rPr lang="ru-RU" b="1" dirty="0"/>
+              <a:t>	</a:t>
+            </a:r>
+            <a:r>
               <a:rPr lang="ru-RU" dirty="0" smtClean="0"/>
-              <a:t>Нет</a:t>
-            </a:r>
-          </a:p>
-          <a:p>
-            <a:r>
-              <a:rPr lang="ru-RU" b="1" dirty="0" smtClean="0"/>
-              <a:t>Характер </a:t>
-            </a:r>
-            <a:r>
-              <a:rPr lang="ru-RU" b="1" dirty="0"/>
-              <a:t>разметки:</a:t>
-            </a:r>
-            <a:r>
-              <a:rPr lang="ru-RU" dirty="0"/>
-              <a:t> </a:t>
-            </a:r>
+              <a:t>Критерии </a:t>
+            </a:r>
+            <a:r>
+              <a:rPr lang="ru-RU" dirty="0"/>
+              <a:t>включения пациента: Возраст ≥18 лет</a:t>
+            </a:r>
+            <a:br>
+              <a:rPr lang="ru-RU" dirty="0"/>
+            </a:br>
+            <a:r>
+              <a:rPr lang="ru-RU" dirty="0"/>
+              <a:t>Критерии </a:t>
+            </a:r>
+            <a:r>
+              <a:rPr lang="ru-RU" dirty="0" err="1"/>
+              <a:t>невключения</a:t>
+            </a:r>
+            <a:r>
+              <a:rPr lang="ru-RU" dirty="0"/>
+              <a:t> пациента: Наличие оперативных вмешательств, лучевой терапии в анамнезе для лечения заболеваний в области грудной клетки</a:t>
+            </a:r>
+          </a:p>
+          <a:p>
+            <a:pPr>
+              <a:buNone/>
+            </a:pPr>
             <a:r>
               <a:rPr lang="ru-RU" dirty="0" smtClean="0"/>
-              <a:t>Бинарная</a:t>
-            </a:r>
-          </a:p>
-          <a:p>
-            <a:r>
-              <a:rPr lang="ru-RU" b="1" dirty="0" smtClean="0"/>
-              <a:t>Количество </a:t>
-            </a:r>
-            <a:r>
-              <a:rPr lang="ru-RU" b="1" dirty="0"/>
-              <a:t>лейблов:</a:t>
-            </a:r>
-            <a:r>
-              <a:rPr lang="ru-RU" dirty="0"/>
-              <a:t> </a:t>
+              <a:t>	Возраст </a:t>
+            </a:r>
+            <a:r>
+              <a:rPr lang="ru-RU" dirty="0"/>
+              <a:t>(мин., лет): </a:t>
             </a:r>
             <a:r>
               <a:rPr lang="ru-RU" dirty="0" smtClean="0"/>
-              <a:t>1</a:t>
-            </a:r>
-          </a:p>
-          <a:p>
-            <a:r>
-              <a:rPr lang="ru-RU" b="1" dirty="0" smtClean="0"/>
-              <a:t>Характер </a:t>
-            </a:r>
-            <a:r>
-              <a:rPr lang="ru-RU" b="1" dirty="0"/>
-              <a:t>лейблов:</a:t>
-            </a:r>
-            <a:r>
-              <a:rPr lang="ru-RU" dirty="0"/>
-              <a:t> </a:t>
+              <a:t>18</a:t>
+            </a:r>
+          </a:p>
+          <a:p>
+            <a:pPr>
+              <a:buNone/>
+            </a:pPr>
+            <a:r>
+              <a:rPr lang="ru-RU" dirty="0"/>
+              <a:t>	</a:t>
+            </a:r>
+            <a:r>
+              <a:rPr lang="ru-RU" dirty="0" smtClean="0"/>
+              <a:t>Возраст </a:t>
+            </a:r>
+            <a:r>
+              <a:rPr lang="ru-RU" dirty="0"/>
+              <a:t>(макс., лет): </a:t>
+            </a:r>
+            <a:r>
+              <a:rPr lang="ru-RU" dirty="0" smtClean="0"/>
+              <a:t>97</a:t>
+            </a:r>
+          </a:p>
+          <a:p>
+            <a:pPr>
+              <a:buNone/>
+            </a:pPr>
+            <a:r>
+              <a:rPr lang="ru-RU" dirty="0"/>
+              <a:t>	</a:t>
+            </a:r>
+            <a:r>
+              <a:rPr lang="ru-RU" dirty="0" smtClean="0"/>
+              <a:t>Возраст </a:t>
+            </a:r>
+            <a:r>
+              <a:rPr lang="ru-RU" dirty="0"/>
+              <a:t>(медиана, лет): </a:t>
+            </a:r>
+            <a:r>
+              <a:rPr lang="ru-RU" dirty="0" smtClean="0"/>
+              <a:t>47,0</a:t>
+            </a:r>
+          </a:p>
+          <a:p>
+            <a:pPr>
+              <a:buNone/>
+            </a:pPr>
+            <a:r>
+              <a:rPr lang="ru-RU" dirty="0"/>
+              <a:t>	</a:t>
+            </a:r>
+            <a:r>
+              <a:rPr lang="ru-RU" dirty="0" smtClean="0"/>
+              <a:t>Пол </a:t>
+            </a:r>
+            <a:r>
+              <a:rPr lang="ru-RU" dirty="0"/>
+              <a:t>(М): </a:t>
+            </a:r>
+            <a:r>
+              <a:rPr lang="ru-RU" dirty="0" smtClean="0"/>
+              <a:t>42</a:t>
+            </a:r>
+          </a:p>
+          <a:p>
+            <a:pPr>
+              <a:buNone/>
+            </a:pPr>
+            <a:r>
+              <a:rPr lang="ru-RU" dirty="0"/>
+              <a:t>	</a:t>
+            </a:r>
+            <a:r>
+              <a:rPr lang="ru-RU" dirty="0" smtClean="0"/>
+              <a:t>Пол </a:t>
+            </a:r>
+            <a:r>
+              <a:rPr lang="ru-RU" dirty="0"/>
+              <a:t>(Ж): </a:t>
+            </a:r>
+            <a:r>
+              <a:rPr lang="ru-RU" dirty="0" smtClean="0"/>
+              <a:t>56</a:t>
+            </a:r>
+          </a:p>
+          <a:p>
+            <a:pPr>
+              <a:buNone/>
+            </a:pPr>
+            <a:r>
+              <a:rPr lang="ru-RU" dirty="0"/>
+              <a:t>	</a:t>
+            </a:r>
+            <a:r>
+              <a:rPr lang="ru-RU" dirty="0" smtClean="0"/>
+              <a:t>Пол </a:t>
+            </a:r>
+            <a:r>
+              <a:rPr lang="ru-RU" dirty="0"/>
+              <a:t>(</a:t>
             </a:r>
             <a:r>
               <a:rPr lang="ru-RU" dirty="0" err="1"/>
-              <a:t>Мультикласс</a:t>
-            </a:r>
-            <a:r>
-              <a:rPr lang="ru-RU" dirty="0"/>
-              <a:t> (1 лейбл, </a:t>
+              <a:t>неопределено</a:t>
+            </a:r>
+            <a:r>
+              <a:rPr lang="ru-RU" dirty="0"/>
+              <a:t>): </a:t>
+            </a:r>
+            <a:r>
+              <a:rPr lang="ru-RU" dirty="0" smtClean="0"/>
+              <a:t>2</a:t>
+            </a:r>
+          </a:p>
+          <a:p>
+            <a:pPr>
+              <a:buNone/>
+            </a:pPr>
+            <a:r>
+              <a:rPr lang="ru-RU" dirty="0"/>
+              <a:t>	</a:t>
+            </a:r>
+            <a:r>
+              <a:rPr lang="ru-RU" dirty="0" smtClean="0"/>
+              <a:t>Период </a:t>
+            </a:r>
+            <a:r>
+              <a:rPr lang="ru-RU" dirty="0"/>
+              <a:t>сбора (начало): </a:t>
+            </a:r>
+            <a:r>
+              <a:rPr lang="ru-RU" dirty="0" smtClean="0"/>
+              <a:t>01.03.2020</a:t>
+            </a:r>
+          </a:p>
+          <a:p>
+            <a:pPr>
+              <a:buNone/>
+            </a:pPr>
+            <a:r>
+              <a:rPr lang="ru-RU" dirty="0"/>
+              <a:t>	</a:t>
+            </a:r>
+            <a:r>
+              <a:rPr lang="ru-RU" dirty="0" smtClean="0"/>
+              <a:t>Период </a:t>
+            </a:r>
+            <a:r>
+              <a:rPr lang="ru-RU" dirty="0"/>
+              <a:t>сбора (конец): </a:t>
+            </a:r>
+            <a:r>
+              <a:rPr lang="ru-RU" dirty="0" smtClean="0"/>
+              <a:t>25.04.2020</a:t>
+            </a:r>
+          </a:p>
+          <a:p>
+            <a:pPr>
+              <a:buNone/>
+            </a:pPr>
+            <a:r>
+              <a:rPr lang="ru-RU" dirty="0"/>
+              <a:t>	</a:t>
+            </a:r>
+            <a:r>
+              <a:rPr lang="ru-RU" dirty="0" smtClean="0"/>
+              <a:t>Эпидемиологическая </a:t>
+            </a:r>
+            <a:r>
+              <a:rPr lang="ru-RU" dirty="0"/>
+              <a:t>обстановка: В условиях пандемии </a:t>
             </a:r>
             <a:r>
               <a:rPr lang="ru-RU" dirty="0" err="1"/>
-              <a:t>M</a:t>
-            </a:r>
-            <a:r>
-              <a:rPr lang="ru-RU" dirty="0"/>
-              <a:t> классов, </a:t>
-            </a:r>
-            <a:r>
-              <a:rPr lang="ru-RU" dirty="0" err="1"/>
-              <a:t>M</a:t>
-            </a:r>
-            <a:r>
-              <a:rPr lang="ru-RU" dirty="0"/>
-              <a:t>&gt;2</a:t>
-            </a:r>
-            <a:r>
-              <a:rPr lang="ru-RU" dirty="0" smtClean="0"/>
-              <a:t>)</a:t>
-            </a:r>
-          </a:p>
-          <a:p>
-            <a:r>
-              <a:rPr lang="ru-RU" b="1" dirty="0" smtClean="0"/>
-              <a:t>Уровень </a:t>
-            </a:r>
-            <a:r>
-              <a:rPr lang="ru-RU" b="1" dirty="0"/>
-              <a:t>детализации лейблов:</a:t>
-            </a:r>
-            <a:r>
-              <a:rPr lang="ru-RU" dirty="0"/>
-              <a:t> </a:t>
-            </a:r>
-            <a:r>
-              <a:rPr lang="ru-RU" dirty="0" smtClean="0"/>
-              <a:t>Исследование/серия/изображение</a:t>
-            </a:r>
-          </a:p>
-          <a:p>
-            <a:r>
-              <a:rPr lang="ru-RU" b="1" dirty="0" smtClean="0"/>
-              <a:t>Названия </a:t>
-            </a:r>
-            <a:r>
-              <a:rPr lang="ru-RU" b="1" dirty="0"/>
-              <a:t>лейблов:</a:t>
-            </a:r>
-            <a:r>
-              <a:rPr lang="ru-RU" dirty="0"/>
-              <a:t> Признаки поражения паренхимы легкого при </a:t>
+              <a:t>коронавирусной</a:t>
+            </a:r>
+            <a:r>
+              <a:rPr lang="ru-RU" dirty="0"/>
+              <a:t> инфекции (</a:t>
             </a:r>
             <a:r>
               <a:rPr lang="ru-RU" dirty="0" err="1"/>
@@ -4582,156 +5140,8 @@
             </a:r>
             <a:r>
               <a:rPr lang="ru-RU" dirty="0"/>
-              <a:t> согласно -Базовые диагностические требования от августа </a:t>
-            </a:r>
-            <a:r>
-              <a:rPr lang="ru-RU" dirty="0" err="1" smtClean="0"/>
-              <a:t>2021г</a:t>
-            </a:r>
-            <a:endParaRPr lang="ru-RU" dirty="0" smtClean="0"/>
-          </a:p>
-          <a:p>
-            <a:r>
-              <a:rPr lang="ru-RU" b="1" dirty="0" smtClean="0"/>
-              <a:t>Количество </a:t>
-            </a:r>
-            <a:r>
-              <a:rPr lang="ru-RU" b="1" dirty="0"/>
-              <a:t>классов:</a:t>
-            </a:r>
-            <a:r>
-              <a:rPr lang="ru-RU" dirty="0"/>
-              <a:t> </a:t>
-            </a:r>
-            <a:r>
-              <a:rPr lang="ru-RU" dirty="0" smtClean="0"/>
-              <a:t>2</a:t>
-            </a:r>
-          </a:p>
-          <a:p>
-            <a:r>
-              <a:rPr lang="ru-RU" b="1" dirty="0" smtClean="0"/>
-              <a:t>Названия </a:t>
-            </a:r>
-            <a:r>
-              <a:rPr lang="ru-RU" b="1" dirty="0"/>
-              <a:t>классов:</a:t>
-            </a:r>
-            <a:r>
-              <a:rPr lang="ru-RU" dirty="0"/>
-              <a:t> Без целевой патологии - 0; С целевой патологией </a:t>
-            </a:r>
-            <a:r>
-              <a:rPr lang="ru-RU" dirty="0" smtClean="0"/>
-              <a:t>– 1</a:t>
-            </a:r>
-          </a:p>
-          <a:p>
-            <a:r>
-              <a:rPr lang="ru-RU" b="1" dirty="0" smtClean="0"/>
-              <a:t>Количество </a:t>
-            </a:r>
-            <a:r>
-              <a:rPr lang="ru-RU" b="1" dirty="0"/>
-              <a:t>по классам:</a:t>
-            </a:r>
-            <a:r>
-              <a:rPr lang="ru-RU" dirty="0"/>
-              <a:t> КТ-0 ― 254 (22,8%), КТ-1 ― 684 (61,6%), КТ-2 ― 125 (11,3%), КТ-3 ― 45 (4,1%), КТ-4 ― 2 (0,2</a:t>
-            </a:r>
-            <a:r>
-              <a:rPr lang="ru-RU" dirty="0" smtClean="0"/>
-              <a:t>%).</a:t>
-            </a:r>
-          </a:p>
-          <a:p>
-            <a:r>
-              <a:rPr lang="ru-RU" b="1" dirty="0" smtClean="0"/>
-              <a:t>Критерии </a:t>
-            </a:r>
-            <a:r>
-              <a:rPr lang="ru-RU" b="1" dirty="0"/>
-              <a:t>отнесения к </a:t>
-            </a:r>
-            <a:r>
-              <a:rPr lang="ru-RU" b="1" dirty="0" err="1"/>
-              <a:t>классам:</a:t>
-            </a:r>
-            <a:r>
-              <a:rPr lang="ru-RU" dirty="0" err="1"/>
-              <a:t>С</a:t>
-            </a:r>
-            <a:r>
-              <a:rPr lang="ru-RU" dirty="0"/>
-              <a:t> патологией:</a:t>
-            </a:r>
-          </a:p>
-          <a:p>
-            <a:r>
-              <a:rPr lang="ru-RU" dirty="0"/>
-              <a:t>Инфильтрация легочной паренхимы по типу матовых стекол с обеих сторон, преимущественно периферической локализации с или без инфильтрацией легочной паренхимы по типу консолидации с положительным признаком воздушной </a:t>
-            </a:r>
-            <a:r>
-              <a:rPr lang="ru-RU" dirty="0" err="1"/>
-              <a:t>бронхограммы</a:t>
-            </a:r>
-            <a:r>
-              <a:rPr lang="ru-RU" dirty="0"/>
-              <a:t>;</a:t>
-            </a:r>
-          </a:p>
-          <a:p>
-            <a:r>
-              <a:rPr lang="ru-RU" dirty="0"/>
-              <a:t>Инфильтрация легочной паренхимы по типу булыжной мостовой (утолщение </a:t>
-            </a:r>
-            <a:r>
-              <a:rPr lang="ru-RU" dirty="0" err="1"/>
-              <a:t>междолькового</a:t>
-            </a:r>
-            <a:r>
-              <a:rPr lang="ru-RU" dirty="0"/>
-              <a:t> </a:t>
-            </a:r>
-            <a:r>
-              <a:rPr lang="ru-RU" dirty="0" err="1"/>
-              <a:t>интерстиция</a:t>
-            </a:r>
-            <a:r>
-              <a:rPr lang="ru-RU" dirty="0"/>
-              <a:t> на фоне матового стекла) с обеих сторон, преимущественно периферической локализации, с или или без инфильтрацией легочной паренхимы по типу консолидации с положительным признаком воздушной </a:t>
-            </a:r>
-            <a:r>
-              <a:rPr lang="ru-RU" dirty="0" err="1"/>
-              <a:t>бронхограммы</a:t>
-            </a:r>
-            <a:r>
-              <a:rPr lang="ru-RU" dirty="0"/>
-              <a:t>.</a:t>
-            </a:r>
-          </a:p>
-          <a:p>
-            <a:r>
-              <a:rPr lang="ru-RU" dirty="0"/>
-              <a:t>Без патологии: отсутствие вышеперечисленных признаков</a:t>
-            </a:r>
-          </a:p>
-          <a:p>
-            <a:r>
-              <a:rPr lang="ru-RU" b="1" dirty="0" err="1"/>
-              <a:t>ВерификацияМетод</a:t>
-            </a:r>
-            <a:r>
-              <a:rPr lang="ru-RU" b="1" dirty="0"/>
-              <a:t> верификации:</a:t>
-            </a:r>
-            <a:r>
-              <a:rPr lang="ru-RU" dirty="0"/>
-              <a:t> Экспертная оценка разметки (1 эксперт либо консенсус)</a:t>
-            </a:r>
-          </a:p>
-          <a:p>
-            <a:endParaRPr lang="ru-RU" dirty="0"/>
+              <a:t>)</a:t>
+            </a:r>
           </a:p>
         </p:txBody>
       </p:sp>
@@ -4781,7 +5191,7 @@
               <a:rPr lang="ru-RU" dirty="0" smtClean="0">
                 <a:hlinkClick r:id="rId2"/>
               </a:rPr>
-              <a:t>Технические параметры</a:t>
+              <a:t>Назначение</a:t>
             </a:r>
             <a:endParaRPr lang="ru-RU" dirty="0"/>
           </a:p>
@@ -4800,276 +5210,83 @@
         <p:spPr/>
         <p:txBody>
           <a:bodyPr>
-            <a:normAutofit fontScale="47500" lnSpcReduction="20000"/>
+            <a:normAutofit/>
           </a:bodyPr>
           <a:lstStyle/>
           <a:p>
             <a:r>
               <a:rPr lang="ru-RU" b="1" dirty="0" smtClean="0"/>
-              <a:t>Условия </a:t>
+              <a:t>Клиническая/практическая/научная </a:t>
             </a:r>
             <a:r>
               <a:rPr lang="ru-RU" b="1" dirty="0"/>
-              <a:t>сбора </a:t>
-            </a:r>
+              <a:t>задача создания набора данных:</a:t>
+            </a:r>
+            <a:r>
+              <a:rPr lang="ru-RU" dirty="0"/>
+              <a:t> Определение степени поражения паренхимы легкого при </a:t>
+            </a:r>
+            <a:r>
+              <a:rPr lang="ru-RU" dirty="0" err="1" smtClean="0"/>
+              <a:t>COVID-19</a:t>
+            </a:r>
+            <a:endParaRPr lang="ru-RU" dirty="0" smtClean="0"/>
+          </a:p>
+          <a:p>
             <a:r>
               <a:rPr lang="ru-RU" b="1" dirty="0" smtClean="0"/>
-              <a:t>данных</a:t>
-            </a:r>
-          </a:p>
-          <a:p>
-            <a:pPr>
-              <a:buNone/>
-            </a:pPr>
+              <a:t>Назначение </a:t>
+            </a:r>
+            <a:r>
+              <a:rPr lang="ru-RU" b="1" dirty="0" err="1"/>
+              <a:t>датасета</a:t>
+            </a:r>
+            <a:r>
+              <a:rPr lang="ru-RU" b="1" dirty="0"/>
+              <a:t>:</a:t>
+            </a:r>
+            <a:r>
+              <a:rPr lang="ru-RU" dirty="0"/>
+              <a:t> Обучение ИИ </a:t>
+            </a:r>
+            <a:r>
+              <a:rPr lang="ru-RU" dirty="0" smtClean="0"/>
+              <a:t>алгоритма</a:t>
+            </a:r>
+          </a:p>
+          <a:p>
             <a:r>
               <a:rPr lang="ru-RU" b="1" dirty="0" smtClean="0"/>
-              <a:t>	Критерии </a:t>
+              <a:t>Вариант</a:t>
             </a:r>
             <a:r>
               <a:rPr lang="ru-RU" b="1" dirty="0"/>
-              <a:t>включения/</a:t>
-            </a:r>
-            <a:r>
-              <a:rPr lang="ru-RU" b="1" dirty="0" err="1"/>
-              <a:t>невключения</a:t>
-            </a:r>
-            <a:r>
-              <a:rPr lang="ru-RU" b="1" dirty="0"/>
-              <a:t> исследования в </a:t>
-            </a:r>
-            <a:r>
-              <a:rPr lang="ru-RU" b="1" dirty="0" err="1"/>
-              <a:t>датасет:</a:t>
+              <a:t>:</a:t>
+            </a:r>
+            <a:r>
+              <a:rPr lang="ru-RU" dirty="0"/>
+              <a:t> </a:t>
             </a:r>
             <a:r>
               <a:rPr lang="ru-RU" dirty="0" err="1"/>
-              <a:t>Сбор</a:t>
-            </a:r>
-            <a:r>
-              <a:rPr lang="ru-RU" dirty="0"/>
-              <a:t> данных осуществлялся в 48 медицинских организаций в период с 1 марта по 25 апреля 2020 г у пациентов с подозрением на изменения в легких при </a:t>
+              <a:t>SC</a:t>
+            </a:r>
+            <a:r>
+              <a:rPr lang="ru-RU" dirty="0"/>
+              <a:t> - </a:t>
             </a:r>
             <a:r>
               <a:rPr lang="ru-RU" dirty="0" err="1"/>
-              <a:t>COVID-19</a:t>
-            </a:r>
-            <a:endParaRPr lang="ru-RU" dirty="0"/>
-          </a:p>
-          <a:p>
-            <a:pPr>
-              <a:buNone/>
-            </a:pPr>
-            <a:r>
-              <a:rPr lang="ru-RU" b="1" dirty="0" smtClean="0"/>
-              <a:t>	Протоколы </a:t>
-            </a:r>
-            <a:r>
-              <a:rPr lang="ru-RU" b="1" dirty="0"/>
-              <a:t>и условия сбора </a:t>
-            </a:r>
-            <a:r>
-              <a:rPr lang="ru-RU" b="1" dirty="0" err="1"/>
-              <a:t>данных:</a:t>
+              <a:t>special</a:t>
+            </a:r>
+            <a:r>
+              <a:rPr lang="ru-RU" dirty="0"/>
+              <a:t> </a:t>
             </a:r>
             <a:r>
               <a:rPr lang="ru-RU" dirty="0" err="1"/>
-              <a:t>КТ-протокол</a:t>
-            </a:r>
-            <a:r>
-              <a:rPr lang="ru-RU" dirty="0"/>
-              <a:t> сканирования </a:t>
-            </a:r>
-            <a:r>
-              <a:rPr lang="ru-RU" dirty="0" err="1"/>
-              <a:t>Chest</a:t>
-            </a:r>
-            <a:r>
-              <a:rPr lang="ru-RU" dirty="0"/>
-              <a:t> (рутинные КТ грудной клетки), сканирование выполнено в положении пациента на спине, при задержке дыхания на глубине вдоха, руки убраны за голову</a:t>
-            </a:r>
-          </a:p>
-          <a:p>
-            <a:r>
-              <a:rPr lang="ru-RU" b="1" dirty="0"/>
-              <a:t>Единичная запись набора </a:t>
-            </a:r>
-            <a:r>
-              <a:rPr lang="ru-RU" b="1" dirty="0" smtClean="0"/>
-              <a:t>данных</a:t>
-            </a:r>
-          </a:p>
-          <a:p>
-            <a:pPr>
-              <a:buNone/>
-            </a:pPr>
-            <a:r>
-              <a:rPr lang="ru-RU" b="1" dirty="0"/>
-              <a:t>	</a:t>
-            </a:r>
-            <a:r>
-              <a:rPr lang="ru-RU" b="1" dirty="0" smtClean="0"/>
-              <a:t>Объект </a:t>
-            </a:r>
-            <a:r>
-              <a:rPr lang="ru-RU" b="1" dirty="0"/>
-              <a:t>разметки:</a:t>
-            </a:r>
-            <a:r>
-              <a:rPr lang="ru-RU" dirty="0"/>
-              <a:t> </a:t>
-            </a:r>
-            <a:r>
-              <a:rPr lang="ru-RU" dirty="0" smtClean="0"/>
-              <a:t>Исследование</a:t>
-            </a:r>
-          </a:p>
-          <a:p>
-            <a:pPr>
-              <a:buNone/>
-            </a:pPr>
-            <a:r>
-              <a:rPr lang="ru-RU" b="1" dirty="0" smtClean="0"/>
-              <a:t>	Результат </a:t>
-            </a:r>
-            <a:r>
-              <a:rPr lang="ru-RU" b="1" dirty="0"/>
-              <a:t>разметки:</a:t>
-            </a:r>
-            <a:r>
-              <a:rPr lang="ru-RU" dirty="0"/>
-              <a:t> Целевая патология / отсутствие целевой патологии; бинарные маски </a:t>
-            </a:r>
-            <a:r>
-              <a:rPr lang="ru-RU" dirty="0" smtClean="0"/>
-              <a:t>изображений</a:t>
-            </a:r>
-          </a:p>
-          <a:p>
-            <a:r>
-              <a:rPr lang="ru-RU" b="1" dirty="0" smtClean="0"/>
-              <a:t>Форматы </a:t>
-            </a:r>
-            <a:r>
-              <a:rPr lang="ru-RU" b="1" dirty="0"/>
-              <a:t>записи набора </a:t>
-            </a:r>
-            <a:r>
-              <a:rPr lang="ru-RU" b="1" dirty="0" smtClean="0"/>
-              <a:t>данных</a:t>
-            </a:r>
-          </a:p>
-          <a:p>
-            <a:pPr>
-              <a:buNone/>
-            </a:pPr>
-            <a:r>
-              <a:rPr lang="ru-RU" b="1" dirty="0"/>
-              <a:t>	</a:t>
-            </a:r>
-            <a:r>
-              <a:rPr lang="ru-RU" b="1" dirty="0" smtClean="0"/>
-              <a:t>Объект </a:t>
-            </a:r>
-            <a:r>
-              <a:rPr lang="ru-RU" b="1" dirty="0"/>
-              <a:t>разметки:</a:t>
-            </a:r>
-            <a:r>
-              <a:rPr lang="ru-RU" dirty="0"/>
-              <a:t> </a:t>
-            </a:r>
-            <a:r>
-              <a:rPr lang="ru-RU" dirty="0" err="1" smtClean="0"/>
-              <a:t>NIFTI</a:t>
-            </a:r>
-            <a:endParaRPr lang="ru-RU" dirty="0" smtClean="0"/>
-          </a:p>
-          <a:p>
-            <a:pPr>
-              <a:buNone/>
-            </a:pPr>
-            <a:r>
-              <a:rPr lang="ru-RU" b="1" dirty="0"/>
-              <a:t>	</a:t>
-            </a:r>
-            <a:r>
-              <a:rPr lang="ru-RU" b="1" dirty="0" smtClean="0"/>
-              <a:t>Результат </a:t>
-            </a:r>
-            <a:r>
-              <a:rPr lang="ru-RU" b="1" dirty="0"/>
-              <a:t>разметки:</a:t>
-            </a:r>
-            <a:r>
-              <a:rPr lang="ru-RU" dirty="0"/>
-              <a:t> </a:t>
-            </a:r>
-            <a:r>
-              <a:rPr lang="ru-RU" dirty="0" smtClean="0"/>
-              <a:t>Табличный</a:t>
-            </a:r>
-          </a:p>
-          <a:p>
-            <a:r>
-              <a:rPr lang="ru-RU" b="1" dirty="0" smtClean="0"/>
-              <a:t>Объем данных</a:t>
-            </a:r>
-          </a:p>
-          <a:p>
-            <a:pPr>
-              <a:buNone/>
-            </a:pPr>
-            <a:r>
-              <a:rPr lang="ru-RU" b="1" dirty="0"/>
-              <a:t>	</a:t>
-            </a:r>
-            <a:r>
-              <a:rPr lang="ru-RU" b="1" dirty="0" smtClean="0"/>
-              <a:t>Количество </a:t>
-            </a:r>
-            <a:r>
-              <a:rPr lang="ru-RU" b="1" dirty="0"/>
-              <a:t>исследований набора данных:</a:t>
-            </a:r>
-            <a:r>
-              <a:rPr lang="ru-RU" dirty="0"/>
-              <a:t> </a:t>
-            </a:r>
-            <a:r>
-              <a:rPr lang="ru-RU" dirty="0" smtClean="0"/>
-              <a:t>1110</a:t>
-            </a:r>
-          </a:p>
-          <a:p>
-            <a:pPr>
-              <a:buNone/>
-            </a:pPr>
-            <a:r>
-              <a:rPr lang="ru-RU" b="1" dirty="0"/>
-              <a:t>	</a:t>
-            </a:r>
-            <a:r>
-              <a:rPr lang="ru-RU" b="1" dirty="0" smtClean="0"/>
-              <a:t>Количество </a:t>
-            </a:r>
-            <a:r>
-              <a:rPr lang="ru-RU" b="1" dirty="0"/>
-              <a:t>уникальных источников (</a:t>
-            </a:r>
-            <a:r>
-              <a:rPr lang="ru-RU" b="1" dirty="0" err="1"/>
-              <a:t>ДУ</a:t>
-            </a:r>
-            <a:r>
-              <a:rPr lang="ru-RU" b="1" dirty="0"/>
-              <a:t>):</a:t>
-            </a:r>
-            <a:r>
-              <a:rPr lang="ru-RU" dirty="0"/>
-              <a:t> 48</a:t>
-            </a:r>
-          </a:p>
-          <a:p>
+              <a:t>case</a:t>
+            </a:r>
             <a:endParaRPr lang="ru-RU" dirty="0"/>
           </a:p>
         </p:txBody>

--- a/slides.pptx
+++ b/slides.pptx
@@ -10,14 +10,15 @@
     <p:sldId id="266" r:id="rId4"/>
     <p:sldId id="268" r:id="rId5"/>
     <p:sldId id="267" r:id="rId6"/>
-    <p:sldId id="264" r:id="rId7"/>
-    <p:sldId id="259" r:id="rId8"/>
-    <p:sldId id="260" r:id="rId9"/>
-    <p:sldId id="262" r:id="rId10"/>
-    <p:sldId id="261" r:id="rId11"/>
-    <p:sldId id="263" r:id="rId12"/>
-    <p:sldId id="258" r:id="rId13"/>
-    <p:sldId id="257" r:id="rId14"/>
+    <p:sldId id="269" r:id="rId7"/>
+    <p:sldId id="264" r:id="rId8"/>
+    <p:sldId id="259" r:id="rId9"/>
+    <p:sldId id="260" r:id="rId10"/>
+    <p:sldId id="262" r:id="rId11"/>
+    <p:sldId id="261" r:id="rId12"/>
+    <p:sldId id="263" r:id="rId13"/>
+    <p:sldId id="258" r:id="rId14"/>
+    <p:sldId id="257" r:id="rId15"/>
   </p:sldIdLst>
   <p:sldSz cx="9144000" cy="6858000" type="screen4x3"/>
   <p:notesSz cx="6858000" cy="9144000"/>
@@ -3174,7 +3175,7 @@
               <a:rPr lang="ru-RU" dirty="0" smtClean="0">
                 <a:hlinkClick r:id="rId2"/>
               </a:rPr>
-              <a:t>Разметка и верификация</a:t>
+              <a:t>Назначение</a:t>
             </a:r>
             <a:endParaRPr lang="ru-RU" dirty="0"/>
           </a:p>
@@ -3193,39 +3194,36 @@
         <p:spPr/>
         <p:txBody>
           <a:bodyPr>
-            <a:normAutofit fontScale="40000" lnSpcReduction="20000"/>
+            <a:normAutofit/>
           </a:bodyPr>
           <a:lstStyle/>
           <a:p>
             <a:r>
-              <a:rPr lang="ru-RU" b="1" dirty="0" err="1" smtClean="0"/>
-              <a:t>РазметкаУровень</a:t>
-            </a:r>
-            <a:r>
               <a:rPr lang="ru-RU" b="1" dirty="0" smtClean="0"/>
-              <a:t> </a:t>
+              <a:t>Клиническая/практическая/научная </a:t>
             </a:r>
             <a:r>
               <a:rPr lang="ru-RU" b="1" dirty="0"/>
-              <a:t>разметки:</a:t>
-            </a:r>
-            <a:r>
-              <a:rPr lang="ru-RU" dirty="0"/>
-              <a:t> Изображение, </a:t>
-            </a:r>
-            <a:r>
-              <a:rPr lang="ru-RU" dirty="0" smtClean="0"/>
-              <a:t>Исследование</a:t>
-            </a:r>
+              <a:t>задача создания набора данных:</a:t>
+            </a:r>
+            <a:r>
+              <a:rPr lang="ru-RU" dirty="0"/>
+              <a:t> Определение степени поражения паренхимы легкого при </a:t>
+            </a:r>
+            <a:r>
+              <a:rPr lang="ru-RU" dirty="0" err="1" smtClean="0"/>
+              <a:t>COVID-19</a:t>
+            </a:r>
+            <a:endParaRPr lang="ru-RU" dirty="0" smtClean="0"/>
           </a:p>
           <a:p>
             <a:r>
               <a:rPr lang="ru-RU" b="1" dirty="0" smtClean="0"/>
-              <a:t>Способы </a:t>
+              <a:t>Назначение </a:t>
             </a:r>
             <a:r>
               <a:rPr lang="ru-RU" b="1" dirty="0" err="1"/>
-              <a:t>предразметки</a:t>
+              <a:t>датасета</a:t>
             </a:r>
             <a:r>
               <a:rPr lang="ru-RU" b="1" dirty="0"/>
@@ -3233,277 +3231,46 @@
             </a:r>
             <a:r>
               <a:rPr lang="ru-RU" dirty="0"/>
+              <a:t> Обучение ИИ </a:t>
+            </a:r>
+            <a:r>
+              <a:rPr lang="ru-RU" dirty="0" smtClean="0"/>
+              <a:t>алгоритма</a:t>
+            </a:r>
+          </a:p>
+          <a:p>
+            <a:r>
+              <a:rPr lang="ru-RU" b="1" dirty="0" smtClean="0"/>
+              <a:t>Вариант</a:t>
+            </a:r>
+            <a:r>
+              <a:rPr lang="ru-RU" b="1" dirty="0"/>
+              <a:t>:</a:t>
+            </a:r>
+            <a:r>
+              <a:rPr lang="ru-RU" dirty="0"/>
               <a:t> </a:t>
             </a:r>
             <a:r>
-              <a:rPr lang="ru-RU" dirty="0" smtClean="0"/>
-              <a:t>Нет</a:t>
-            </a:r>
-          </a:p>
-          <a:p>
-            <a:r>
-              <a:rPr lang="ru-RU" b="1" dirty="0" smtClean="0"/>
-              <a:t>Характер </a:t>
-            </a:r>
-            <a:r>
-              <a:rPr lang="ru-RU" b="1" dirty="0"/>
-              <a:t>разметки:</a:t>
-            </a:r>
-            <a:r>
-              <a:rPr lang="ru-RU" dirty="0"/>
-              <a:t> </a:t>
-            </a:r>
-            <a:r>
-              <a:rPr lang="ru-RU" dirty="0" smtClean="0"/>
-              <a:t>Бинарная</a:t>
-            </a:r>
-          </a:p>
-          <a:p>
-            <a:r>
-              <a:rPr lang="ru-RU" b="1" dirty="0" smtClean="0"/>
-              <a:t>Количество </a:t>
-            </a:r>
-            <a:r>
-              <a:rPr lang="ru-RU" b="1" dirty="0"/>
-              <a:t>лейблов:</a:t>
-            </a:r>
-            <a:r>
-              <a:rPr lang="ru-RU" dirty="0"/>
-              <a:t> </a:t>
-            </a:r>
-            <a:r>
-              <a:rPr lang="ru-RU" dirty="0" smtClean="0"/>
-              <a:t>1</a:t>
-            </a:r>
-          </a:p>
-          <a:p>
-            <a:r>
-              <a:rPr lang="ru-RU" b="1" dirty="0" smtClean="0"/>
-              <a:t>Характер </a:t>
-            </a:r>
-            <a:r>
-              <a:rPr lang="ru-RU" b="1" dirty="0"/>
-              <a:t>лейблов:</a:t>
-            </a:r>
-            <a:r>
-              <a:rPr lang="ru-RU" dirty="0"/>
-              <a:t> </a:t>
-            </a:r>
-            <a:r>
               <a:rPr lang="ru-RU" dirty="0" err="1"/>
-              <a:t>Мультикласс</a:t>
-            </a:r>
-            <a:r>
-              <a:rPr lang="ru-RU" dirty="0"/>
-              <a:t> (1 лейбл, </a:t>
+              <a:t>SC</a:t>
+            </a:r>
+            <a:r>
+              <a:rPr lang="ru-RU" dirty="0"/>
+              <a:t> - </a:t>
             </a:r>
             <a:r>
               <a:rPr lang="ru-RU" dirty="0" err="1"/>
-              <a:t>M</a:t>
-            </a:r>
-            <a:r>
-              <a:rPr lang="ru-RU" dirty="0"/>
-              <a:t> классов, </a:t>
+              <a:t>special</a:t>
+            </a:r>
+            <a:r>
+              <a:rPr lang="ru-RU" dirty="0"/>
+              <a:t> </a:t>
             </a:r>
             <a:r>
               <a:rPr lang="ru-RU" dirty="0" err="1"/>
-              <a:t>M</a:t>
-            </a:r>
-            <a:r>
-              <a:rPr lang="ru-RU" dirty="0"/>
-              <a:t>&gt;2</a:t>
-            </a:r>
-            <a:r>
-              <a:rPr lang="ru-RU" dirty="0" smtClean="0"/>
-              <a:t>)</a:t>
-            </a:r>
-          </a:p>
-          <a:p>
-            <a:r>
-              <a:rPr lang="ru-RU" b="1" dirty="0" smtClean="0"/>
-              <a:t>Уровень </a:t>
-            </a:r>
-            <a:r>
-              <a:rPr lang="ru-RU" b="1" dirty="0"/>
-              <a:t>детализации лейблов:</a:t>
-            </a:r>
-            <a:r>
-              <a:rPr lang="ru-RU" dirty="0"/>
-              <a:t> </a:t>
-            </a:r>
-            <a:r>
-              <a:rPr lang="ru-RU" dirty="0" smtClean="0"/>
-              <a:t>Исследование/серия/изображение</a:t>
-            </a:r>
-          </a:p>
-          <a:p>
-            <a:r>
-              <a:rPr lang="ru-RU" b="1" dirty="0" smtClean="0"/>
-              <a:t>Названия </a:t>
-            </a:r>
-            <a:r>
-              <a:rPr lang="ru-RU" b="1" dirty="0"/>
-              <a:t>лейблов:</a:t>
-            </a:r>
-            <a:r>
-              <a:rPr lang="ru-RU" dirty="0"/>
-              <a:t> Признаки поражения паренхимы легкого при </a:t>
-            </a:r>
-            <a:r>
-              <a:rPr lang="ru-RU" dirty="0" err="1"/>
-              <a:t>COVID-19</a:t>
-            </a:r>
-            <a:r>
-              <a:rPr lang="ru-RU" dirty="0"/>
-              <a:t> согласно -Базовые диагностические требования от августа </a:t>
-            </a:r>
-            <a:r>
-              <a:rPr lang="ru-RU" dirty="0" err="1" smtClean="0"/>
-              <a:t>2021г</a:t>
-            </a:r>
-            <a:endParaRPr lang="ru-RU" dirty="0" smtClean="0"/>
-          </a:p>
-          <a:p>
-            <a:r>
-              <a:rPr lang="ru-RU" b="1" dirty="0" smtClean="0"/>
-              <a:t>Количество </a:t>
-            </a:r>
-            <a:r>
-              <a:rPr lang="ru-RU" b="1" dirty="0"/>
-              <a:t>классов:</a:t>
-            </a:r>
-            <a:r>
-              <a:rPr lang="ru-RU" dirty="0"/>
-              <a:t> </a:t>
-            </a:r>
-            <a:r>
-              <a:rPr lang="ru-RU" dirty="0" smtClean="0"/>
-              <a:t>2</a:t>
-            </a:r>
-          </a:p>
-          <a:p>
-            <a:r>
-              <a:rPr lang="ru-RU" b="1" dirty="0" smtClean="0"/>
-              <a:t>Названия </a:t>
-            </a:r>
-            <a:r>
-              <a:rPr lang="ru-RU" b="1" dirty="0"/>
-              <a:t>классов:</a:t>
-            </a:r>
-            <a:r>
-              <a:rPr lang="ru-RU" dirty="0"/>
-              <a:t> Без целевой патологии - 0; С целевой патологией </a:t>
-            </a:r>
-            <a:r>
-              <a:rPr lang="ru-RU" dirty="0" smtClean="0"/>
-              <a:t>– 1</a:t>
-            </a:r>
-          </a:p>
-          <a:p>
-            <a:r>
-              <a:rPr lang="ru-RU" b="1" dirty="0" smtClean="0"/>
-              <a:t>Количество </a:t>
-            </a:r>
-            <a:r>
-              <a:rPr lang="ru-RU" b="1" dirty="0"/>
-              <a:t>по классам:</a:t>
-            </a:r>
-            <a:r>
-              <a:rPr lang="ru-RU" dirty="0"/>
-              <a:t> КТ-0 ― 254 (22,8%), КТ-1 ― 684 (61,6%), КТ-2 ― 125 (11,3%), КТ-3 ― 45 (4,1%), КТ-4 ― 2 (0,2</a:t>
-            </a:r>
-            <a:r>
-              <a:rPr lang="ru-RU" dirty="0" smtClean="0"/>
-              <a:t>%).</a:t>
-            </a:r>
-          </a:p>
-          <a:p>
-            <a:r>
-              <a:rPr lang="ru-RU" b="1" dirty="0" smtClean="0"/>
-              <a:t>Критерии </a:t>
-            </a:r>
-            <a:r>
-              <a:rPr lang="ru-RU" b="1" dirty="0"/>
-              <a:t>отнесения к </a:t>
-            </a:r>
-            <a:r>
-              <a:rPr lang="ru-RU" b="1" dirty="0" err="1"/>
-              <a:t>классам:</a:t>
-            </a:r>
-            <a:r>
-              <a:rPr lang="ru-RU" dirty="0" err="1"/>
-              <a:t>С</a:t>
-            </a:r>
-            <a:r>
-              <a:rPr lang="ru-RU" dirty="0"/>
-              <a:t> патологией:</a:t>
-            </a:r>
-          </a:p>
-          <a:p>
-            <a:r>
-              <a:rPr lang="ru-RU" dirty="0"/>
-              <a:t>Инфильтрация легочной паренхимы по типу матовых стекол с обеих сторон, преимущественно периферической локализации с или без инфильтрацией легочной паренхимы по типу консолидации с положительным признаком воздушной </a:t>
-            </a:r>
-            <a:r>
-              <a:rPr lang="ru-RU" dirty="0" err="1"/>
-              <a:t>бронхограммы</a:t>
-            </a:r>
-            <a:r>
-              <a:rPr lang="ru-RU" dirty="0"/>
-              <a:t>;</a:t>
-            </a:r>
-          </a:p>
-          <a:p>
-            <a:r>
-              <a:rPr lang="ru-RU" dirty="0"/>
-              <a:t>Инфильтрация легочной паренхимы по типу булыжной мостовой (утолщение </a:t>
-            </a:r>
-            <a:r>
-              <a:rPr lang="ru-RU" dirty="0" err="1"/>
-              <a:t>междолькового</a:t>
-            </a:r>
-            <a:r>
-              <a:rPr lang="ru-RU" dirty="0"/>
-              <a:t> </a:t>
-            </a:r>
-            <a:r>
-              <a:rPr lang="ru-RU" dirty="0" err="1"/>
-              <a:t>интерстиция</a:t>
-            </a:r>
-            <a:r>
-              <a:rPr lang="ru-RU" dirty="0"/>
-              <a:t> на фоне матового стекла) с обеих сторон, преимущественно периферической локализации, с или или без инфильтрацией легочной паренхимы по типу консолидации с положительным признаком воздушной </a:t>
-            </a:r>
-            <a:r>
-              <a:rPr lang="ru-RU" dirty="0" err="1"/>
-              <a:t>бронхограммы</a:t>
-            </a:r>
-            <a:r>
-              <a:rPr lang="ru-RU" dirty="0"/>
-              <a:t>.</a:t>
-            </a:r>
-          </a:p>
-          <a:p>
-            <a:r>
-              <a:rPr lang="ru-RU" dirty="0"/>
-              <a:t>Без патологии: отсутствие вышеперечисленных признаков</a:t>
-            </a:r>
-          </a:p>
-          <a:p>
-            <a:r>
-              <a:rPr lang="ru-RU" b="1" dirty="0" err="1"/>
-              <a:t>ВерификацияМетод</a:t>
-            </a:r>
-            <a:r>
-              <a:rPr lang="ru-RU" b="1" dirty="0"/>
-              <a:t> верификации:</a:t>
-            </a:r>
-            <a:r>
-              <a:rPr lang="ru-RU" dirty="0"/>
-              <a:t> Экспертная оценка разметки (1 эксперт либо консенсус)</a:t>
-            </a:r>
-          </a:p>
-          <a:p>
+              <a:t>case</a:t>
+            </a:r>
             <a:endParaRPr lang="ru-RU" dirty="0"/>
           </a:p>
         </p:txBody>
@@ -3554,7 +3321,7 @@
               <a:rPr lang="ru-RU" dirty="0" smtClean="0">
                 <a:hlinkClick r:id="rId2"/>
               </a:rPr>
-              <a:t>Технические параметры</a:t>
+              <a:t>Разметка и верификация</a:t>
             </a:r>
             <a:endParaRPr lang="ru-RU" dirty="0"/>
           </a:p>
@@ -3573,236 +3340,184 @@
         <p:spPr/>
         <p:txBody>
           <a:bodyPr>
-            <a:normAutofit fontScale="47500" lnSpcReduction="20000"/>
+            <a:normAutofit fontScale="40000" lnSpcReduction="20000"/>
           </a:bodyPr>
           <a:lstStyle/>
           <a:p>
             <a:r>
+              <a:rPr lang="ru-RU" b="1" dirty="0" err="1" smtClean="0"/>
+              <a:t>РазметкаУровень</a:t>
+            </a:r>
+            <a:r>
               <a:rPr lang="ru-RU" b="1" dirty="0" smtClean="0"/>
-              <a:t>Условия </a:t>
+              <a:t> </a:t>
             </a:r>
             <a:r>
               <a:rPr lang="ru-RU" b="1" dirty="0"/>
-              <a:t>сбора </a:t>
-            </a:r>
+              <a:t>разметки:</a:t>
+            </a:r>
+            <a:r>
+              <a:rPr lang="ru-RU" dirty="0"/>
+              <a:t> Изображение, </a:t>
+            </a:r>
+            <a:r>
+              <a:rPr lang="ru-RU" dirty="0" smtClean="0"/>
+              <a:t>Исследование</a:t>
+            </a:r>
+          </a:p>
+          <a:p>
             <a:r>
               <a:rPr lang="ru-RU" b="1" dirty="0" smtClean="0"/>
-              <a:t>данных</a:t>
-            </a:r>
-          </a:p>
-          <a:p>
-            <a:pPr>
-              <a:buNone/>
-            </a:pPr>
+              <a:t>Способы </a:t>
+            </a:r>
+            <a:r>
+              <a:rPr lang="ru-RU" b="1" dirty="0" err="1"/>
+              <a:t>предразметки</a:t>
+            </a:r>
+            <a:r>
+              <a:rPr lang="ru-RU" b="1" dirty="0"/>
+              <a:t>:</a:t>
+            </a:r>
+            <a:r>
+              <a:rPr lang="ru-RU" dirty="0"/>
+              <a:t> </a:t>
+            </a:r>
+            <a:r>
+              <a:rPr lang="ru-RU" dirty="0" smtClean="0"/>
+              <a:t>Нет</a:t>
+            </a:r>
+          </a:p>
+          <a:p>
             <a:r>
               <a:rPr lang="ru-RU" b="1" dirty="0" smtClean="0"/>
-              <a:t>	Критерии </a:t>
+              <a:t>Характер </a:t>
             </a:r>
             <a:r>
               <a:rPr lang="ru-RU" b="1" dirty="0"/>
-              <a:t>включения/</a:t>
-            </a:r>
-            <a:r>
-              <a:rPr lang="ru-RU" b="1" dirty="0" err="1"/>
-              <a:t>невключения</a:t>
+              <a:t>разметки:</a:t>
+            </a:r>
+            <a:r>
+              <a:rPr lang="ru-RU" dirty="0"/>
+              <a:t> </a:t>
+            </a:r>
+            <a:r>
+              <a:rPr lang="ru-RU" dirty="0" smtClean="0"/>
+              <a:t>Бинарная</a:t>
+            </a:r>
+          </a:p>
+          <a:p>
+            <a:r>
+              <a:rPr lang="ru-RU" b="1" dirty="0" smtClean="0"/>
+              <a:t>Количество </a:t>
             </a:r>
             <a:r>
               <a:rPr lang="ru-RU" b="1" dirty="0"/>
-              <a:t> исследования в </a:t>
-            </a:r>
-            <a:r>
-              <a:rPr lang="ru-RU" b="1" dirty="0" err="1"/>
-              <a:t>датасет:</a:t>
+              <a:t>лейблов:</a:t>
+            </a:r>
+            <a:r>
+              <a:rPr lang="ru-RU" dirty="0"/>
+              <a:t> </a:t>
+            </a:r>
+            <a:r>
+              <a:rPr lang="ru-RU" dirty="0" smtClean="0"/>
+              <a:t>1</a:t>
+            </a:r>
+          </a:p>
+          <a:p>
+            <a:r>
+              <a:rPr lang="ru-RU" b="1" dirty="0" smtClean="0"/>
+              <a:t>Характер </a:t>
+            </a:r>
+            <a:r>
+              <a:rPr lang="ru-RU" b="1" dirty="0"/>
+              <a:t>лейблов:</a:t>
+            </a:r>
+            <a:r>
+              <a:rPr lang="ru-RU" dirty="0"/>
+              <a:t> </a:t>
             </a:r>
             <a:r>
               <a:rPr lang="ru-RU" dirty="0" err="1"/>
-              <a:t>Сбор</a:t>
-            </a:r>
-            <a:r>
-              <a:rPr lang="ru-RU" dirty="0"/>
-              <a:t> данных осуществлялся в 48 медицинских организаций в период с 1 марта по 25 апреля 2020 г у пациентов с подозрением на изменения в легких при </a:t>
+              <a:t>Мультикласс</a:t>
+            </a:r>
+            <a:r>
+              <a:rPr lang="ru-RU" dirty="0"/>
+              <a:t> (1 лейбл, </a:t>
+            </a:r>
+            <a:r>
+              <a:rPr lang="ru-RU" dirty="0" err="1"/>
+              <a:t>M</a:t>
+            </a:r>
+            <a:r>
+              <a:rPr lang="ru-RU" dirty="0"/>
+              <a:t> классов, </a:t>
+            </a:r>
+            <a:r>
+              <a:rPr lang="ru-RU" dirty="0" err="1"/>
+              <a:t>M</a:t>
+            </a:r>
+            <a:r>
+              <a:rPr lang="ru-RU" dirty="0"/>
+              <a:t>&gt;2</a:t>
+            </a:r>
+            <a:r>
+              <a:rPr lang="ru-RU" dirty="0" smtClean="0"/>
+              <a:t>)</a:t>
+            </a:r>
+          </a:p>
+          <a:p>
+            <a:r>
+              <a:rPr lang="ru-RU" b="1" dirty="0" smtClean="0"/>
+              <a:t>Уровень </a:t>
+            </a:r>
+            <a:r>
+              <a:rPr lang="ru-RU" b="1" dirty="0"/>
+              <a:t>детализации лейблов:</a:t>
+            </a:r>
+            <a:r>
+              <a:rPr lang="ru-RU" dirty="0"/>
+              <a:t> </a:t>
+            </a:r>
+            <a:r>
+              <a:rPr lang="ru-RU" dirty="0" smtClean="0"/>
+              <a:t>Исследование/серия/изображение</a:t>
+            </a:r>
+          </a:p>
+          <a:p>
+            <a:r>
+              <a:rPr lang="ru-RU" b="1" dirty="0" smtClean="0"/>
+              <a:t>Названия </a:t>
+            </a:r>
+            <a:r>
+              <a:rPr lang="ru-RU" b="1" dirty="0"/>
+              <a:t>лейблов:</a:t>
+            </a:r>
+            <a:r>
+              <a:rPr lang="ru-RU" dirty="0"/>
+              <a:t> Признаки поражения паренхимы легкого при </a:t>
             </a:r>
             <a:r>
               <a:rPr lang="ru-RU" dirty="0" err="1"/>
               <a:t>COVID-19</a:t>
             </a:r>
-            <a:endParaRPr lang="ru-RU" dirty="0"/>
-          </a:p>
-          <a:p>
-            <a:pPr>
-              <a:buNone/>
-            </a:pPr>
-            <a:r>
-              <a:rPr lang="ru-RU" b="1" dirty="0" smtClean="0"/>
-              <a:t>	Протоколы </a:t>
-            </a:r>
-            <a:r>
-              <a:rPr lang="ru-RU" b="1" dirty="0"/>
-              <a:t>и условия сбора </a:t>
-            </a:r>
-            <a:r>
-              <a:rPr lang="ru-RU" b="1" dirty="0" err="1"/>
-              <a:t>данных:</a:t>
-            </a:r>
-            <a:r>
-              <a:rPr lang="ru-RU" dirty="0" err="1"/>
-              <a:t>КТ-протокол</a:t>
-            </a:r>
-            <a:r>
-              <a:rPr lang="ru-RU" dirty="0"/>
-              <a:t> сканирования </a:t>
-            </a:r>
-            <a:r>
-              <a:rPr lang="ru-RU" dirty="0" err="1"/>
-              <a:t>Chest</a:t>
-            </a:r>
-            <a:r>
-              <a:rPr lang="ru-RU" dirty="0"/>
-              <a:t> (рутинные КТ грудной клетки), сканирование выполнено в положении пациента на спине, при задержке дыхания на глубине вдоха, руки убраны за голову</a:t>
-            </a:r>
-          </a:p>
-          <a:p>
-            <a:r>
-              <a:rPr lang="ru-RU" b="1" dirty="0"/>
-              <a:t>Единичная запись набора </a:t>
-            </a:r>
-            <a:r>
-              <a:rPr lang="ru-RU" b="1" dirty="0" smtClean="0"/>
-              <a:t>данных</a:t>
-            </a:r>
-          </a:p>
-          <a:p>
-            <a:pPr>
-              <a:buNone/>
-            </a:pPr>
-            <a:r>
-              <a:rPr lang="ru-RU" b="1" dirty="0"/>
-              <a:t>	</a:t>
-            </a:r>
-            <a:r>
-              <a:rPr lang="ru-RU" b="1" dirty="0" smtClean="0"/>
-              <a:t>Объект </a:t>
-            </a:r>
-            <a:r>
-              <a:rPr lang="ru-RU" b="1" dirty="0"/>
-              <a:t>разметки:</a:t>
-            </a:r>
-            <a:r>
-              <a:rPr lang="ru-RU" dirty="0"/>
-              <a:t> </a:t>
-            </a:r>
-            <a:r>
-              <a:rPr lang="ru-RU" dirty="0" smtClean="0"/>
-              <a:t>Исследование</a:t>
-            </a:r>
-          </a:p>
-          <a:p>
-            <a:pPr>
-              <a:buNone/>
-            </a:pPr>
-            <a:r>
-              <a:rPr lang="ru-RU" b="1" dirty="0" smtClean="0"/>
-              <a:t>	Результат </a:t>
-            </a:r>
-            <a:r>
-              <a:rPr lang="ru-RU" b="1" dirty="0"/>
-              <a:t>разметки:</a:t>
-            </a:r>
-            <a:r>
-              <a:rPr lang="ru-RU" dirty="0"/>
-              <a:t> Целевая патология / отсутствие целевой патологии; бинарные маски </a:t>
-            </a:r>
-            <a:r>
-              <a:rPr lang="ru-RU" dirty="0" smtClean="0"/>
-              <a:t>изображений</a:t>
-            </a:r>
-          </a:p>
-          <a:p>
-            <a:r>
-              <a:rPr lang="ru-RU" b="1" dirty="0" smtClean="0"/>
-              <a:t>Форматы </a:t>
-            </a:r>
-            <a:r>
-              <a:rPr lang="ru-RU" b="1" dirty="0"/>
-              <a:t>записи набора </a:t>
-            </a:r>
-            <a:r>
-              <a:rPr lang="ru-RU" b="1" dirty="0" smtClean="0"/>
-              <a:t>данных</a:t>
-            </a:r>
-          </a:p>
-          <a:p>
-            <a:pPr>
-              <a:buNone/>
-            </a:pPr>
-            <a:r>
-              <a:rPr lang="ru-RU" b="1" dirty="0"/>
-              <a:t>	</a:t>
-            </a:r>
-            <a:r>
-              <a:rPr lang="ru-RU" b="1" dirty="0" smtClean="0"/>
-              <a:t>Объект </a:t>
-            </a:r>
-            <a:r>
-              <a:rPr lang="ru-RU" b="1" dirty="0"/>
-              <a:t>разметки:</a:t>
-            </a:r>
-            <a:r>
-              <a:rPr lang="ru-RU" dirty="0"/>
-              <a:t> </a:t>
+            <a:r>
+              <a:rPr lang="ru-RU" dirty="0"/>
+              <a:t> согласно -Базовые диагностические требования от августа </a:t>
             </a:r>
             <a:r>
               <a:rPr lang="ru-RU" dirty="0" err="1" smtClean="0"/>
-              <a:t>NIFTI</a:t>
+              <a:t>2021г</a:t>
             </a:r>
             <a:endParaRPr lang="ru-RU" dirty="0" smtClean="0"/>
           </a:p>
           <a:p>
-            <a:pPr>
-              <a:buNone/>
-            </a:pPr>
-            <a:r>
-              <a:rPr lang="ru-RU" b="1" dirty="0"/>
-              <a:t>	</a:t>
-            </a:r>
-            <a:r>
-              <a:rPr lang="ru-RU" b="1" dirty="0" smtClean="0"/>
-              <a:t>Результат </a:t>
-            </a:r>
-            <a:r>
-              <a:rPr lang="ru-RU" b="1" dirty="0"/>
-              <a:t>разметки:</a:t>
-            </a:r>
-            <a:r>
-              <a:rPr lang="ru-RU" dirty="0"/>
-              <a:t> </a:t>
-            </a:r>
-            <a:r>
-              <a:rPr lang="ru-RU" dirty="0" smtClean="0"/>
-              <a:t>Табличный</a:t>
-            </a:r>
-          </a:p>
-          <a:p>
-            <a:r>
-              <a:rPr lang="ru-RU" b="1" dirty="0" smtClean="0"/>
-              <a:t>Объем данных</a:t>
-            </a:r>
-          </a:p>
-          <a:p>
-            <a:pPr>
-              <a:buNone/>
-            </a:pPr>
-            <a:r>
-              <a:rPr lang="ru-RU" b="1" dirty="0"/>
-              <a:t>	</a:t>
-            </a:r>
             <a:r>
               <a:rPr lang="ru-RU" b="1" dirty="0" smtClean="0"/>
               <a:t>Количество </a:t>
             </a:r>
             <a:r>
               <a:rPr lang="ru-RU" b="1" dirty="0"/>
-              <a:t>исследований набора данных:</a:t>
+              <a:t>классов:</a:t>
             </a:r>
             <a:r>
               <a:rPr lang="ru-RU" dirty="0"/>
@@ -3810,36 +3525,129 @@
             </a:r>
             <a:r>
               <a:rPr lang="ru-RU" dirty="0" smtClean="0"/>
-              <a:t>1110</a:t>
-            </a:r>
-          </a:p>
-          <a:p>
-            <a:pPr>
-              <a:buNone/>
-            </a:pPr>
+              <a:t>2</a:t>
+            </a:r>
+          </a:p>
+          <a:p>
+            <a:r>
+              <a:rPr lang="ru-RU" b="1" dirty="0" smtClean="0"/>
+              <a:t>Названия </a:t>
+            </a:r>
             <a:r>
               <a:rPr lang="ru-RU" b="1" dirty="0"/>
-              <a:t>	</a:t>
-            </a:r>
+              <a:t>классов:</a:t>
+            </a:r>
+            <a:r>
+              <a:rPr lang="ru-RU" dirty="0"/>
+              <a:t> Без целевой патологии - 0; С целевой патологией </a:t>
+            </a:r>
+            <a:r>
+              <a:rPr lang="ru-RU" dirty="0" smtClean="0"/>
+              <a:t>– 1</a:t>
+            </a:r>
+          </a:p>
+          <a:p>
             <a:r>
               <a:rPr lang="ru-RU" b="1" dirty="0" smtClean="0"/>
               <a:t>Количество </a:t>
             </a:r>
             <a:r>
               <a:rPr lang="ru-RU" b="1" dirty="0"/>
-              <a:t>уникальных источников (</a:t>
+              <a:t>по классам:</a:t>
+            </a:r>
+            <a:r>
+              <a:rPr lang="ru-RU" dirty="0"/>
+              <a:t> КТ-0 ― 254 (22,8%), КТ-1 ― 684 (61,6%), КТ-2 ― 125 (11,3%), КТ-3 ― 45 (4,1%), КТ-4 ― 2 (0,2</a:t>
+            </a:r>
+            <a:r>
+              <a:rPr lang="ru-RU" dirty="0" smtClean="0"/>
+              <a:t>%).</a:t>
+            </a:r>
+          </a:p>
+          <a:p>
+            <a:r>
+              <a:rPr lang="ru-RU" b="1" dirty="0" smtClean="0"/>
+              <a:t>Критерии </a:t>
+            </a:r>
+            <a:r>
+              <a:rPr lang="ru-RU" b="1" dirty="0"/>
+              <a:t>отнесения к </a:t>
             </a:r>
             <a:r>
               <a:rPr lang="ru-RU" b="1" dirty="0" err="1"/>
-              <a:t>ДУ</a:t>
+              <a:t>классам:</a:t>
+            </a:r>
+            <a:r>
+              <a:rPr lang="ru-RU" dirty="0" err="1"/>
+              <a:t>С</a:t>
+            </a:r>
+            <a:r>
+              <a:rPr lang="ru-RU" dirty="0"/>
+              <a:t> патологией:</a:t>
+            </a:r>
+          </a:p>
+          <a:p>
+            <a:r>
+              <a:rPr lang="ru-RU" dirty="0"/>
+              <a:t>Инфильтрация легочной паренхимы по типу матовых стекол с обеих сторон, преимущественно периферической локализации с или без инфильтрацией легочной паренхимы по типу консолидации с положительным признаком воздушной </a:t>
+            </a:r>
+            <a:r>
+              <a:rPr lang="ru-RU" dirty="0" err="1"/>
+              <a:t>бронхограммы</a:t>
+            </a:r>
+            <a:r>
+              <a:rPr lang="ru-RU" dirty="0"/>
+              <a:t>;</a:t>
+            </a:r>
+          </a:p>
+          <a:p>
+            <a:r>
+              <a:rPr lang="ru-RU" dirty="0"/>
+              <a:t>Инфильтрация легочной паренхимы по типу булыжной мостовой (утолщение </a:t>
+            </a:r>
+            <a:r>
+              <a:rPr lang="ru-RU" dirty="0" err="1"/>
+              <a:t>междолькового</a:t>
+            </a:r>
+            <a:r>
+              <a:rPr lang="ru-RU" dirty="0"/>
+              <a:t> </a:t>
+            </a:r>
+            <a:r>
+              <a:rPr lang="ru-RU" dirty="0" err="1"/>
+              <a:t>интерстиция</a:t>
+            </a:r>
+            <a:r>
+              <a:rPr lang="ru-RU" dirty="0"/>
+              <a:t> на фоне матового стекла) с обеих сторон, преимущественно периферической локализации, с или или без инфильтрацией легочной паренхимы по типу консолидации с положительным признаком воздушной </a:t>
+            </a:r>
+            <a:r>
+              <a:rPr lang="ru-RU" dirty="0" err="1"/>
+              <a:t>бронхограммы</a:t>
+            </a:r>
+            <a:r>
+              <a:rPr lang="ru-RU" dirty="0"/>
+              <a:t>.</a:t>
+            </a:r>
+          </a:p>
+          <a:p>
+            <a:r>
+              <a:rPr lang="ru-RU" dirty="0"/>
+              <a:t>Без патологии: отсутствие вышеперечисленных признаков</a:t>
+            </a:r>
+          </a:p>
+          <a:p>
+            <a:r>
+              <a:rPr lang="ru-RU" b="1" dirty="0" err="1"/>
+              <a:t>ВерификацияМетод</a:t>
             </a:r>
             <a:r>
               <a:rPr lang="ru-RU" b="1" dirty="0"/>
-              <a:t>):</a:t>
-            </a:r>
-            <a:r>
-              <a:rPr lang="ru-RU" dirty="0"/>
-              <a:t> 48</a:t>
+              <a:t> верификации:</a:t>
+            </a:r>
+            <a:r>
+              <a:rPr lang="ru-RU" dirty="0"/>
+              <a:t> Экспертная оценка разметки (1 эксперт либо консенсус)</a:t>
             </a:r>
           </a:p>
           <a:p>
@@ -3856,6 +3664,345 @@
 </file>
 
 <file path=ppt/slides/slide12.xml><?xml version="1.0" encoding="utf-8"?>
+<p:sld xmlns:a="http://schemas.openxmlformats.org/drawingml/2006/main" xmlns:r="http://schemas.openxmlformats.org/officeDocument/2006/relationships" xmlns:p="http://schemas.openxmlformats.org/presentationml/2006/main">
+  <p:cSld>
+    <p:spTree>
+      <p:nvGrpSpPr>
+        <p:cNvPr id="1" name=""/>
+        <p:cNvGrpSpPr/>
+        <p:nvPr/>
+      </p:nvGrpSpPr>
+      <p:grpSpPr>
+        <a:xfrm>
+          <a:off x="0" y="0"/>
+          <a:ext cx="0" cy="0"/>
+          <a:chOff x="0" y="0"/>
+          <a:chExt cx="0" cy="0"/>
+        </a:xfrm>
+      </p:grpSpPr>
+      <p:sp>
+        <p:nvSpPr>
+          <p:cNvPr id="2" name="Заголовок 1"/>
+          <p:cNvSpPr>
+            <a:spLocks noGrp="1"/>
+          </p:cNvSpPr>
+          <p:nvPr>
+            <p:ph type="title"/>
+          </p:nvPr>
+        </p:nvSpPr>
+        <p:spPr/>
+        <p:txBody>
+          <a:bodyPr>
+            <a:normAutofit/>
+          </a:bodyPr>
+          <a:lstStyle/>
+          <a:p>
+            <a:r>
+              <a:rPr lang="ru-RU" dirty="0" smtClean="0">
+                <a:hlinkClick r:id="rId2"/>
+              </a:rPr>
+              <a:t>Технические параметры</a:t>
+            </a:r>
+            <a:endParaRPr lang="ru-RU" dirty="0"/>
+          </a:p>
+        </p:txBody>
+      </p:sp>
+      <p:sp>
+        <p:nvSpPr>
+          <p:cNvPr id="3" name="Содержимое 2"/>
+          <p:cNvSpPr>
+            <a:spLocks noGrp="1"/>
+          </p:cNvSpPr>
+          <p:nvPr>
+            <p:ph idx="1"/>
+          </p:nvPr>
+        </p:nvSpPr>
+        <p:spPr/>
+        <p:txBody>
+          <a:bodyPr>
+            <a:normAutofit fontScale="47500" lnSpcReduction="20000"/>
+          </a:bodyPr>
+          <a:lstStyle/>
+          <a:p>
+            <a:r>
+              <a:rPr lang="ru-RU" b="1" dirty="0" smtClean="0"/>
+              <a:t>Условия </a:t>
+            </a:r>
+            <a:r>
+              <a:rPr lang="ru-RU" b="1" dirty="0"/>
+              <a:t>сбора </a:t>
+            </a:r>
+            <a:r>
+              <a:rPr lang="ru-RU" b="1" dirty="0" smtClean="0"/>
+              <a:t>данных</a:t>
+            </a:r>
+          </a:p>
+          <a:p>
+            <a:pPr>
+              <a:buNone/>
+            </a:pPr>
+            <a:r>
+              <a:rPr lang="ru-RU" b="1" dirty="0" smtClean="0"/>
+              <a:t>	Критерии </a:t>
+            </a:r>
+            <a:r>
+              <a:rPr lang="ru-RU" b="1" dirty="0"/>
+              <a:t>включения/</a:t>
+            </a:r>
+            <a:r>
+              <a:rPr lang="ru-RU" b="1" dirty="0" err="1"/>
+              <a:t>невключения</a:t>
+            </a:r>
+            <a:r>
+              <a:rPr lang="ru-RU" b="1" dirty="0"/>
+              <a:t> исследования в </a:t>
+            </a:r>
+            <a:r>
+              <a:rPr lang="ru-RU" b="1" dirty="0" err="1"/>
+              <a:t>датасет:</a:t>
+            </a:r>
+            <a:r>
+              <a:rPr lang="ru-RU" dirty="0" err="1"/>
+              <a:t>Сбор</a:t>
+            </a:r>
+            <a:r>
+              <a:rPr lang="ru-RU" dirty="0"/>
+              <a:t> данных осуществлялся в 48 медицинских организаций в период с 1 марта по 25 апреля 2020 г у пациентов с подозрением на изменения в легких при </a:t>
+            </a:r>
+            <a:r>
+              <a:rPr lang="ru-RU" dirty="0" err="1"/>
+              <a:t>COVID-19</a:t>
+            </a:r>
+            <a:endParaRPr lang="ru-RU" dirty="0"/>
+          </a:p>
+          <a:p>
+            <a:pPr>
+              <a:buNone/>
+            </a:pPr>
+            <a:r>
+              <a:rPr lang="ru-RU" b="1" dirty="0" smtClean="0"/>
+              <a:t>	Протоколы </a:t>
+            </a:r>
+            <a:r>
+              <a:rPr lang="ru-RU" b="1" dirty="0"/>
+              <a:t>и условия сбора </a:t>
+            </a:r>
+            <a:r>
+              <a:rPr lang="ru-RU" b="1" dirty="0" err="1"/>
+              <a:t>данных:</a:t>
+            </a:r>
+            <a:r>
+              <a:rPr lang="ru-RU" dirty="0" err="1"/>
+              <a:t>КТ-протокол</a:t>
+            </a:r>
+            <a:r>
+              <a:rPr lang="ru-RU" dirty="0"/>
+              <a:t> сканирования </a:t>
+            </a:r>
+            <a:r>
+              <a:rPr lang="ru-RU" dirty="0" err="1"/>
+              <a:t>Chest</a:t>
+            </a:r>
+            <a:r>
+              <a:rPr lang="ru-RU" dirty="0"/>
+              <a:t> (рутинные КТ грудной клетки), сканирование выполнено в положении пациента на спине, при задержке дыхания на глубине вдоха, руки убраны за голову</a:t>
+            </a:r>
+          </a:p>
+          <a:p>
+            <a:r>
+              <a:rPr lang="ru-RU" b="1" dirty="0"/>
+              <a:t>Единичная запись набора </a:t>
+            </a:r>
+            <a:r>
+              <a:rPr lang="ru-RU" b="1" dirty="0" smtClean="0"/>
+              <a:t>данных</a:t>
+            </a:r>
+          </a:p>
+          <a:p>
+            <a:pPr>
+              <a:buNone/>
+            </a:pPr>
+            <a:r>
+              <a:rPr lang="ru-RU" b="1" dirty="0"/>
+              <a:t>	</a:t>
+            </a:r>
+            <a:r>
+              <a:rPr lang="ru-RU" b="1" dirty="0" smtClean="0"/>
+              <a:t>Объект </a:t>
+            </a:r>
+            <a:r>
+              <a:rPr lang="ru-RU" b="1" dirty="0"/>
+              <a:t>разметки:</a:t>
+            </a:r>
+            <a:r>
+              <a:rPr lang="ru-RU" dirty="0"/>
+              <a:t> </a:t>
+            </a:r>
+            <a:r>
+              <a:rPr lang="ru-RU" dirty="0" smtClean="0"/>
+              <a:t>Исследование</a:t>
+            </a:r>
+          </a:p>
+          <a:p>
+            <a:pPr>
+              <a:buNone/>
+            </a:pPr>
+            <a:r>
+              <a:rPr lang="ru-RU" b="1" dirty="0" smtClean="0"/>
+              <a:t>	Результат </a:t>
+            </a:r>
+            <a:r>
+              <a:rPr lang="ru-RU" b="1" dirty="0"/>
+              <a:t>разметки:</a:t>
+            </a:r>
+            <a:r>
+              <a:rPr lang="ru-RU" dirty="0"/>
+              <a:t> Целевая патология / отсутствие целевой патологии; бинарные маски </a:t>
+            </a:r>
+            <a:r>
+              <a:rPr lang="ru-RU" dirty="0" smtClean="0"/>
+              <a:t>изображений</a:t>
+            </a:r>
+          </a:p>
+          <a:p>
+            <a:r>
+              <a:rPr lang="ru-RU" b="1" dirty="0" smtClean="0"/>
+              <a:t>Форматы </a:t>
+            </a:r>
+            <a:r>
+              <a:rPr lang="ru-RU" b="1" dirty="0"/>
+              <a:t>записи набора </a:t>
+            </a:r>
+            <a:r>
+              <a:rPr lang="ru-RU" b="1" dirty="0" smtClean="0"/>
+              <a:t>данных</a:t>
+            </a:r>
+          </a:p>
+          <a:p>
+            <a:pPr>
+              <a:buNone/>
+            </a:pPr>
+            <a:r>
+              <a:rPr lang="ru-RU" b="1" dirty="0"/>
+              <a:t>	</a:t>
+            </a:r>
+            <a:r>
+              <a:rPr lang="ru-RU" b="1" dirty="0" smtClean="0"/>
+              <a:t>Объект </a:t>
+            </a:r>
+            <a:r>
+              <a:rPr lang="ru-RU" b="1" dirty="0"/>
+              <a:t>разметки:</a:t>
+            </a:r>
+            <a:r>
+              <a:rPr lang="ru-RU" dirty="0"/>
+              <a:t> </a:t>
+            </a:r>
+            <a:r>
+              <a:rPr lang="ru-RU" dirty="0" err="1" smtClean="0"/>
+              <a:t>NIFTI</a:t>
+            </a:r>
+            <a:endParaRPr lang="ru-RU" dirty="0" smtClean="0"/>
+          </a:p>
+          <a:p>
+            <a:pPr>
+              <a:buNone/>
+            </a:pPr>
+            <a:r>
+              <a:rPr lang="ru-RU" b="1" dirty="0"/>
+              <a:t>	</a:t>
+            </a:r>
+            <a:r>
+              <a:rPr lang="ru-RU" b="1" dirty="0" smtClean="0"/>
+              <a:t>Результат </a:t>
+            </a:r>
+            <a:r>
+              <a:rPr lang="ru-RU" b="1" dirty="0"/>
+              <a:t>разметки:</a:t>
+            </a:r>
+            <a:r>
+              <a:rPr lang="ru-RU" dirty="0"/>
+              <a:t> </a:t>
+            </a:r>
+            <a:r>
+              <a:rPr lang="ru-RU" dirty="0" smtClean="0"/>
+              <a:t>Табличный</a:t>
+            </a:r>
+          </a:p>
+          <a:p>
+            <a:r>
+              <a:rPr lang="ru-RU" b="1" dirty="0" smtClean="0"/>
+              <a:t>Объем данных</a:t>
+            </a:r>
+          </a:p>
+          <a:p>
+            <a:pPr>
+              <a:buNone/>
+            </a:pPr>
+            <a:r>
+              <a:rPr lang="ru-RU" b="1" dirty="0"/>
+              <a:t>	</a:t>
+            </a:r>
+            <a:r>
+              <a:rPr lang="ru-RU" b="1" dirty="0" smtClean="0"/>
+              <a:t>Количество </a:t>
+            </a:r>
+            <a:r>
+              <a:rPr lang="ru-RU" b="1" dirty="0"/>
+              <a:t>исследований набора данных:</a:t>
+            </a:r>
+            <a:r>
+              <a:rPr lang="ru-RU" dirty="0"/>
+              <a:t> </a:t>
+            </a:r>
+            <a:r>
+              <a:rPr lang="ru-RU" dirty="0" smtClean="0"/>
+              <a:t>1110</a:t>
+            </a:r>
+          </a:p>
+          <a:p>
+            <a:pPr>
+              <a:buNone/>
+            </a:pPr>
+            <a:r>
+              <a:rPr lang="ru-RU" b="1" dirty="0"/>
+              <a:t>	</a:t>
+            </a:r>
+            <a:r>
+              <a:rPr lang="ru-RU" b="1" dirty="0" smtClean="0"/>
+              <a:t>Количество </a:t>
+            </a:r>
+            <a:r>
+              <a:rPr lang="ru-RU" b="1" dirty="0"/>
+              <a:t>уникальных источников (</a:t>
+            </a:r>
+            <a:r>
+              <a:rPr lang="ru-RU" b="1" dirty="0" err="1"/>
+              <a:t>ДУ</a:t>
+            </a:r>
+            <a:r>
+              <a:rPr lang="ru-RU" b="1" dirty="0"/>
+              <a:t>):</a:t>
+            </a:r>
+            <a:r>
+              <a:rPr lang="ru-RU" dirty="0"/>
+              <a:t> 48</a:t>
+            </a:r>
+          </a:p>
+          <a:p>
+            <a:endParaRPr lang="ru-RU" dirty="0"/>
+          </a:p>
+        </p:txBody>
+      </p:sp>
+    </p:spTree>
+  </p:cSld>
+  <p:clrMapOvr>
+    <a:masterClrMapping/>
+  </p:clrMapOvr>
+</p:sld>
+</file>
+
+<file path=ppt/slides/slide13.xml><?xml version="1.0" encoding="utf-8"?>
 <p:sld xmlns:a="http://schemas.openxmlformats.org/drawingml/2006/main" xmlns:r="http://schemas.openxmlformats.org/officeDocument/2006/relationships" xmlns:p="http://schemas.openxmlformats.org/presentationml/2006/main">
   <p:cSld>
     <p:spTree>
@@ -3938,7 +4085,7 @@
 </p:sld>
 </file>
 
-<file path=ppt/slides/slide13.xml><?xml version="1.0" encoding="utf-8"?>
+<file path=ppt/slides/slide14.xml><?xml version="1.0" encoding="utf-8"?>
 <p:sld xmlns:a="http://schemas.openxmlformats.org/drawingml/2006/main" xmlns:r="http://schemas.openxmlformats.org/officeDocument/2006/relationships" xmlns:p="http://schemas.openxmlformats.org/presentationml/2006/main">
   <p:cSld>
     <p:spTree>
@@ -4328,7 +4475,19 @@
           <a:p>
             <a:r>
               <a:rPr lang="ru-RU" dirty="0" smtClean="0"/>
-              <a:t>архитектура</a:t>
+              <a:t>Архитектура</a:t>
+            </a:r>
+            <a:r>
+              <a:rPr lang="en-US" dirty="0" smtClean="0"/>
+              <a:t> </a:t>
+            </a:r>
+            <a:r>
+              <a:rPr lang="en-US" dirty="0" err="1" smtClean="0"/>
+              <a:t>COVID</a:t>
+            </a:r>
+            <a:r>
+              <a:rPr lang="en-US" dirty="0" smtClean="0"/>
+              <a:t>-Net</a:t>
             </a:r>
             <a:endParaRPr lang="ru-RU" dirty="0"/>
           </a:p>
@@ -4405,251 +4564,59 @@
         </p:nvSpPr>
         <p:spPr/>
         <p:txBody>
-          <a:bodyPr>
-            <a:noAutofit/>
-          </a:bodyPr>
-          <a:lstStyle/>
-          <a:p>
-            <a:r>
-              <a:rPr lang="ru-RU" sz="1800" b="1" dirty="0" smtClean="0"/>
-              <a:t>Эксперимент</a:t>
-            </a:r>
-            <a:br>
-              <a:rPr lang="ru-RU" sz="1800" b="1" dirty="0" smtClean="0"/>
-            </a:br>
-            <a:r>
-              <a:rPr lang="ru-RU" sz="1800" dirty="0" smtClean="0"/>
-              <a:t>по использованию инновационных технологий в области компьютерного зрения для анализа медицинских изображений и дальнейшего применения в системе здравоохранения города Москвы.</a:t>
-            </a:r>
-            <a:endParaRPr lang="ru-RU" sz="1800" dirty="0"/>
-          </a:p>
-        </p:txBody>
-      </p:sp>
-      <p:sp>
-        <p:nvSpPr>
-          <p:cNvPr id="3" name="Содержимое 2"/>
-          <p:cNvSpPr>
-            <a:spLocks noGrp="1"/>
-          </p:cNvSpPr>
+          <a:bodyPr/>
+          <a:lstStyle/>
+          <a:p>
+            <a:r>
+              <a:rPr lang="ru-RU" dirty="0" smtClean="0"/>
+              <a:t>Архитектура </a:t>
+            </a:r>
+            <a:r>
+              <a:rPr lang="en-US" dirty="0" smtClean="0"/>
+              <a:t> AC-</a:t>
+            </a:r>
+            <a:r>
+              <a:rPr lang="en-US" dirty="0" err="1" smtClean="0"/>
+              <a:t>CovidNet</a:t>
+            </a:r>
+            <a:endParaRPr lang="ru-RU" dirty="0"/>
+          </a:p>
+        </p:txBody>
+      </p:sp>
+      <p:pic>
+        <p:nvPicPr>
+          <p:cNvPr id="1028" name="Picture 4"/>
+          <p:cNvPicPr>
+            <a:picLocks noGrp="1" noChangeAspect="1" noChangeArrowheads="1"/>
+          </p:cNvPicPr>
           <p:nvPr>
             <p:ph idx="1"/>
           </p:nvPr>
-        </p:nvSpPr>
-        <p:spPr/>
-        <p:txBody>
-          <a:bodyPr>
-            <a:normAutofit fontScale="32500" lnSpcReduction="20000"/>
-          </a:bodyPr>
-          <a:lstStyle/>
-          <a:p>
-            <a:r>
-              <a:rPr lang="ru-RU" b="1" dirty="0"/>
-              <a:t>Цель</a:t>
-            </a:r>
-            <a:endParaRPr lang="ru-RU" dirty="0"/>
-          </a:p>
-          <a:p>
-            <a:r>
-              <a:rPr lang="ru-RU" dirty="0"/>
-              <a:t>Научное исследование возможности использования в системе здравоохранения города Москвы методов поддержки принятия решений на основе результатов анализа данных с применением передовых инновационных технологий.</a:t>
-            </a:r>
-          </a:p>
-          <a:p>
-            <a:r>
-              <a:rPr lang="ru-RU" dirty="0"/>
-              <a:t> </a:t>
-            </a:r>
-          </a:p>
-          <a:p>
-            <a:r>
-              <a:rPr lang="ru-RU" b="1" dirty="0"/>
-              <a:t>Платформа</a:t>
-            </a:r>
-            <a:endParaRPr lang="ru-RU" dirty="0"/>
-          </a:p>
-          <a:p>
-            <a:r>
-              <a:rPr lang="ru-RU" dirty="0"/>
-              <a:t>Единый радиологический информационный сервис (</a:t>
-            </a:r>
-            <a:r>
-              <a:rPr lang="ru-RU" dirty="0" err="1"/>
-              <a:t>ЕРИС</a:t>
-            </a:r>
-            <a:r>
-              <a:rPr lang="ru-RU" dirty="0"/>
-              <a:t>)</a:t>
-            </a:r>
-          </a:p>
-          <a:p>
-            <a:r>
-              <a:rPr lang="ru-RU" dirty="0"/>
-              <a:t> </a:t>
-            </a:r>
-          </a:p>
-          <a:p>
-            <a:r>
-              <a:rPr lang="ru-RU" b="1" dirty="0"/>
-              <a:t>В цифрах</a:t>
-            </a:r>
-            <a:endParaRPr lang="ru-RU" dirty="0"/>
-          </a:p>
-          <a:p>
-            <a:r>
-              <a:rPr lang="ru-RU" b="1" dirty="0"/>
-              <a:t>550  </a:t>
-            </a:r>
-            <a:r>
-              <a:rPr lang="ru-RU" dirty="0"/>
-              <a:t>единиц оборудования (</a:t>
-            </a:r>
-            <a:r>
-              <a:rPr lang="ru-RU" dirty="0" err="1"/>
-              <a:t>МРТ</a:t>
-            </a:r>
-            <a:r>
-              <a:rPr lang="ru-RU" dirty="0"/>
-              <a:t>/</a:t>
-            </a:r>
-            <a:r>
-              <a:rPr lang="ru-RU" dirty="0" err="1"/>
-              <a:t>ММГ</a:t>
-            </a:r>
-            <a:r>
-              <a:rPr lang="ru-RU" dirty="0"/>
-              <a:t>/КТ/</a:t>
-            </a:r>
-            <a:r>
-              <a:rPr lang="ru-RU" dirty="0" err="1"/>
-              <a:t>РГ</a:t>
-            </a:r>
-            <a:r>
-              <a:rPr lang="ru-RU" dirty="0"/>
-              <a:t>) в отделениях лучевой диагностики амбулаторных и стационарных медицинских организаций Департамента здравоохранения города Москвы.</a:t>
-            </a:r>
-          </a:p>
-          <a:p>
-            <a:r>
-              <a:rPr lang="ru-RU" b="1" dirty="0"/>
-              <a:t>365</a:t>
-            </a:r>
-            <a:r>
-              <a:rPr lang="ru-RU" dirty="0"/>
-              <a:t> врачей-рентгенологов в системе. </a:t>
-            </a:r>
-          </a:p>
-          <a:p>
-            <a:r>
-              <a:rPr lang="ru-RU" b="1" dirty="0"/>
-              <a:t>160 тысяч </a:t>
-            </a:r>
-            <a:r>
-              <a:rPr lang="ru-RU" dirty="0"/>
-              <a:t>лучевых исследований в месяц.</a:t>
-            </a:r>
-          </a:p>
-          <a:p>
-            <a:r>
-              <a:rPr lang="ru-RU" b="1" dirty="0"/>
-              <a:t>44 тысячи</a:t>
-            </a:r>
-            <a:r>
-              <a:rPr lang="ru-RU" dirty="0"/>
-              <a:t> </a:t>
-            </a:r>
-            <a:r>
-              <a:rPr lang="ru-RU" dirty="0" err="1"/>
-              <a:t>скрининговых</a:t>
-            </a:r>
-            <a:r>
-              <a:rPr lang="ru-RU" dirty="0"/>
-              <a:t> исследований с целью выявления рака молочной железы и рака легкого в год.</a:t>
-            </a:r>
-          </a:p>
-          <a:p>
-            <a:r>
-              <a:rPr lang="ru-RU" dirty="0"/>
-              <a:t> </a:t>
-            </a:r>
-          </a:p>
-          <a:p>
-            <a:r>
-              <a:rPr lang="ru-RU" b="1" dirty="0"/>
-              <a:t>Области применения:</a:t>
-            </a:r>
-            <a:endParaRPr lang="ru-RU" dirty="0"/>
-          </a:p>
-          <a:p>
-            <a:r>
-              <a:rPr lang="ru-RU" dirty="0"/>
-              <a:t>онкология;</a:t>
-            </a:r>
-          </a:p>
-          <a:p>
-            <a:r>
-              <a:rPr lang="ru-RU" dirty="0"/>
-              <a:t>кардиология;</a:t>
-            </a:r>
-          </a:p>
-          <a:p>
-            <a:r>
-              <a:rPr lang="ru-RU" dirty="0"/>
-              <a:t>хронические заболевания;</a:t>
-            </a:r>
-          </a:p>
-          <a:p>
-            <a:r>
-              <a:rPr lang="ru-RU" dirty="0"/>
-              <a:t>пульмонология;</a:t>
-            </a:r>
-          </a:p>
-          <a:p>
-            <a:r>
-              <a:rPr lang="ru-RU" dirty="0"/>
-              <a:t>неврология;</a:t>
-            </a:r>
-          </a:p>
-          <a:p>
-            <a:r>
-              <a:rPr lang="ru-RU" dirty="0"/>
-              <a:t>неотложные состояния.</a:t>
-            </a:r>
-          </a:p>
-          <a:p>
-            <a:r>
-              <a:rPr lang="ru-RU" dirty="0"/>
-              <a:t> </a:t>
-            </a:r>
-          </a:p>
-          <a:p>
-            <a:r>
-              <a:rPr lang="ru-RU" dirty="0"/>
-              <a:t>Результаты эксперимента станут основой для национальных стандартов, регламентирующих применение искусственного интеллекта в клинической медицине. Разработка документов ведется в Подкомитете 01 технического комитета по стандартизации «Искусственный интеллект» (</a:t>
-            </a:r>
-            <a:r>
-              <a:rPr lang="ru-RU" dirty="0" err="1"/>
-              <a:t>ТК</a:t>
-            </a:r>
-            <a:r>
-              <a:rPr lang="ru-RU" dirty="0"/>
-              <a:t> 164). </a:t>
-            </a:r>
-            <a:br>
-              <a:rPr lang="ru-RU" dirty="0"/>
-            </a:br>
-            <a:r>
-              <a:rPr lang="ru-RU" u="sng" dirty="0">
-                <a:hlinkClick r:id="rId2"/>
-              </a:rPr>
-              <a:t>Подробнее о деятельности ПК 01</a:t>
-            </a:r>
-            <a:endParaRPr lang="ru-RU" dirty="0"/>
-          </a:p>
-          <a:p>
-            <a:endParaRPr lang="ru-RU" dirty="0"/>
-          </a:p>
-        </p:txBody>
-      </p:sp>
+        </p:nvPicPr>
+        <p:blipFill>
+          <a:blip r:embed="rId2" cstate="print"/>
+          <a:srcRect/>
+          <a:stretch>
+            <a:fillRect/>
+          </a:stretch>
+        </p:blipFill>
+        <p:spPr bwMode="auto">
+          <a:xfrm>
+            <a:off x="2338925" y="1600200"/>
+            <a:ext cx="4466149" cy="4525963"/>
+          </a:xfrm>
+          <a:prstGeom prst="rect">
+            <a:avLst/>
+          </a:prstGeom>
+          <a:noFill/>
+          <a:ln w="9525">
+            <a:noFill/>
+            <a:miter lim="800000"/>
+            <a:headEnd/>
+            <a:tailEnd/>
+          </a:ln>
+        </p:spPr>
+      </p:pic>
     </p:spTree>
   </p:cSld>
   <p:clrMapOvr>
@@ -4659,6 +4626,288 @@
 </file>
 
 <file path=ppt/slides/slide7.xml><?xml version="1.0" encoding="utf-8"?>
+<p:sld xmlns:a="http://schemas.openxmlformats.org/drawingml/2006/main" xmlns:r="http://schemas.openxmlformats.org/officeDocument/2006/relationships" xmlns:p="http://schemas.openxmlformats.org/presentationml/2006/main">
+  <p:cSld>
+    <p:spTree>
+      <p:nvGrpSpPr>
+        <p:cNvPr id="1" name=""/>
+        <p:cNvGrpSpPr/>
+        <p:nvPr/>
+      </p:nvGrpSpPr>
+      <p:grpSpPr>
+        <a:xfrm>
+          <a:off x="0" y="0"/>
+          <a:ext cx="0" cy="0"/>
+          <a:chOff x="0" y="0"/>
+          <a:chExt cx="0" cy="0"/>
+        </a:xfrm>
+      </p:grpSpPr>
+      <p:sp>
+        <p:nvSpPr>
+          <p:cNvPr id="2" name="Заголовок 1"/>
+          <p:cNvSpPr>
+            <a:spLocks noGrp="1"/>
+          </p:cNvSpPr>
+          <p:nvPr>
+            <p:ph type="title"/>
+          </p:nvPr>
+        </p:nvSpPr>
+        <p:spPr/>
+        <p:txBody>
+          <a:bodyPr>
+            <a:noAutofit/>
+          </a:bodyPr>
+          <a:lstStyle/>
+          <a:p>
+            <a:r>
+              <a:rPr lang="ru-RU" sz="1800" b="1" dirty="0" smtClean="0"/>
+              <a:t>Эксперимент</a:t>
+            </a:r>
+            <a:br>
+              <a:rPr lang="ru-RU" sz="1800" b="1" dirty="0" smtClean="0"/>
+            </a:br>
+            <a:r>
+              <a:rPr lang="ru-RU" sz="1800" dirty="0" smtClean="0"/>
+              <a:t>по использованию инновационных технологий в области компьютерного зрения для анализа медицинских изображений и дальнейшего применения в системе здравоохранения города Москвы.</a:t>
+            </a:r>
+            <a:endParaRPr lang="ru-RU" sz="1800" dirty="0"/>
+          </a:p>
+        </p:txBody>
+      </p:sp>
+      <p:sp>
+        <p:nvSpPr>
+          <p:cNvPr id="3" name="Содержимое 2"/>
+          <p:cNvSpPr>
+            <a:spLocks noGrp="1"/>
+          </p:cNvSpPr>
+          <p:nvPr>
+            <p:ph idx="1"/>
+          </p:nvPr>
+        </p:nvSpPr>
+        <p:spPr/>
+        <p:txBody>
+          <a:bodyPr>
+            <a:normAutofit fontScale="32500" lnSpcReduction="20000"/>
+          </a:bodyPr>
+          <a:lstStyle/>
+          <a:p>
+            <a:r>
+              <a:rPr lang="ru-RU" b="1" dirty="0"/>
+              <a:t>Цель</a:t>
+            </a:r>
+            <a:endParaRPr lang="ru-RU" dirty="0"/>
+          </a:p>
+          <a:p>
+            <a:r>
+              <a:rPr lang="ru-RU" dirty="0"/>
+              <a:t>Научное исследование возможности использования в системе здравоохранения города Москвы методов поддержки принятия решений на основе результатов анализа данных с применением передовых инновационных технологий.</a:t>
+            </a:r>
+          </a:p>
+          <a:p>
+            <a:r>
+              <a:rPr lang="ru-RU" dirty="0"/>
+              <a:t> </a:t>
+            </a:r>
+          </a:p>
+          <a:p>
+            <a:r>
+              <a:rPr lang="ru-RU" b="1" dirty="0"/>
+              <a:t>Платформа</a:t>
+            </a:r>
+            <a:endParaRPr lang="ru-RU" dirty="0"/>
+          </a:p>
+          <a:p>
+            <a:r>
+              <a:rPr lang="ru-RU" dirty="0"/>
+              <a:t>Единый радиологический информационный сервис (</a:t>
+            </a:r>
+            <a:r>
+              <a:rPr lang="ru-RU" dirty="0" err="1"/>
+              <a:t>ЕРИС</a:t>
+            </a:r>
+            <a:r>
+              <a:rPr lang="ru-RU" dirty="0"/>
+              <a:t>)</a:t>
+            </a:r>
+          </a:p>
+          <a:p>
+            <a:r>
+              <a:rPr lang="ru-RU" dirty="0"/>
+              <a:t> </a:t>
+            </a:r>
+          </a:p>
+          <a:p>
+            <a:r>
+              <a:rPr lang="ru-RU" b="1" dirty="0"/>
+              <a:t>В цифрах</a:t>
+            </a:r>
+            <a:endParaRPr lang="ru-RU" dirty="0"/>
+          </a:p>
+          <a:p>
+            <a:r>
+              <a:rPr lang="ru-RU" b="1" dirty="0"/>
+              <a:t>550  </a:t>
+            </a:r>
+            <a:r>
+              <a:rPr lang="ru-RU" dirty="0"/>
+              <a:t>единиц оборудования (</a:t>
+            </a:r>
+            <a:r>
+              <a:rPr lang="ru-RU" dirty="0" err="1"/>
+              <a:t>МРТ</a:t>
+            </a:r>
+            <a:r>
+              <a:rPr lang="ru-RU" dirty="0"/>
+              <a:t>/</a:t>
+            </a:r>
+            <a:r>
+              <a:rPr lang="ru-RU" dirty="0" err="1"/>
+              <a:t>ММГ</a:t>
+            </a:r>
+            <a:r>
+              <a:rPr lang="ru-RU" dirty="0"/>
+              <a:t>/КТ/</a:t>
+            </a:r>
+            <a:r>
+              <a:rPr lang="ru-RU" dirty="0" err="1"/>
+              <a:t>РГ</a:t>
+            </a:r>
+            <a:r>
+              <a:rPr lang="ru-RU" dirty="0"/>
+              <a:t>) в отделениях лучевой диагностики амбулаторных и стационарных медицинских организаций Департамента здравоохранения города Москвы.</a:t>
+            </a:r>
+          </a:p>
+          <a:p>
+            <a:r>
+              <a:rPr lang="ru-RU" b="1" dirty="0"/>
+              <a:t>365</a:t>
+            </a:r>
+            <a:r>
+              <a:rPr lang="ru-RU" dirty="0"/>
+              <a:t> врачей-рентгенологов в системе. </a:t>
+            </a:r>
+          </a:p>
+          <a:p>
+            <a:r>
+              <a:rPr lang="ru-RU" b="1" dirty="0"/>
+              <a:t>160 тысяч </a:t>
+            </a:r>
+            <a:r>
+              <a:rPr lang="ru-RU" dirty="0"/>
+              <a:t>лучевых исследований в месяц.</a:t>
+            </a:r>
+          </a:p>
+          <a:p>
+            <a:r>
+              <a:rPr lang="ru-RU" b="1" dirty="0"/>
+              <a:t>44 тысячи</a:t>
+            </a:r>
+            <a:r>
+              <a:rPr lang="ru-RU" dirty="0"/>
+              <a:t> </a:t>
+            </a:r>
+            <a:r>
+              <a:rPr lang="ru-RU" dirty="0" err="1"/>
+              <a:t>скрининговых</a:t>
+            </a:r>
+            <a:r>
+              <a:rPr lang="ru-RU" dirty="0"/>
+              <a:t> исследований с целью выявления рака молочной железы и рака легкого в год.</a:t>
+            </a:r>
+          </a:p>
+          <a:p>
+            <a:r>
+              <a:rPr lang="ru-RU" dirty="0"/>
+              <a:t> </a:t>
+            </a:r>
+          </a:p>
+          <a:p>
+            <a:r>
+              <a:rPr lang="ru-RU" b="1" dirty="0"/>
+              <a:t>Области применения:</a:t>
+            </a:r>
+            <a:endParaRPr lang="ru-RU" dirty="0"/>
+          </a:p>
+          <a:p>
+            <a:r>
+              <a:rPr lang="ru-RU" dirty="0"/>
+              <a:t>онкология;</a:t>
+            </a:r>
+          </a:p>
+          <a:p>
+            <a:r>
+              <a:rPr lang="ru-RU" dirty="0"/>
+              <a:t>кардиология;</a:t>
+            </a:r>
+          </a:p>
+          <a:p>
+            <a:r>
+              <a:rPr lang="ru-RU" dirty="0"/>
+              <a:t>хронические заболевания;</a:t>
+            </a:r>
+          </a:p>
+          <a:p>
+            <a:r>
+              <a:rPr lang="ru-RU" dirty="0"/>
+              <a:t>пульмонология;</a:t>
+            </a:r>
+          </a:p>
+          <a:p>
+            <a:r>
+              <a:rPr lang="ru-RU" dirty="0"/>
+              <a:t>неврология;</a:t>
+            </a:r>
+          </a:p>
+          <a:p>
+            <a:r>
+              <a:rPr lang="ru-RU" dirty="0"/>
+              <a:t>неотложные состояния.</a:t>
+            </a:r>
+          </a:p>
+          <a:p>
+            <a:r>
+              <a:rPr lang="ru-RU" dirty="0"/>
+              <a:t> </a:t>
+            </a:r>
+          </a:p>
+          <a:p>
+            <a:r>
+              <a:rPr lang="ru-RU" dirty="0"/>
+              <a:t>Результаты эксперимента станут основой для национальных стандартов, регламентирующих применение искусственного интеллекта в клинической медицине. Разработка документов ведется в Подкомитете 01 технического комитета по стандартизации «Искусственный интеллект» (</a:t>
+            </a:r>
+            <a:r>
+              <a:rPr lang="ru-RU" dirty="0" err="1"/>
+              <a:t>ТК</a:t>
+            </a:r>
+            <a:r>
+              <a:rPr lang="ru-RU" dirty="0"/>
+              <a:t> 164). </a:t>
+            </a:r>
+            <a:br>
+              <a:rPr lang="ru-RU" dirty="0"/>
+            </a:br>
+            <a:r>
+              <a:rPr lang="ru-RU" u="sng" dirty="0">
+                <a:hlinkClick r:id="rId2"/>
+              </a:rPr>
+              <a:t>Подробнее о деятельности ПК 01</a:t>
+            </a:r>
+            <a:endParaRPr lang="ru-RU" dirty="0"/>
+          </a:p>
+          <a:p>
+            <a:endParaRPr lang="ru-RU" dirty="0"/>
+          </a:p>
+        </p:txBody>
+      </p:sp>
+    </p:spTree>
+  </p:cSld>
+  <p:clrMapOvr>
+    <a:masterClrMapping/>
+  </p:clrMapOvr>
+</p:sld>
+</file>
+
+<file path=ppt/slides/slide8.xml><?xml version="1.0" encoding="utf-8"?>
 <p:sld xmlns:a="http://schemas.openxmlformats.org/drawingml/2006/main" xmlns:r="http://schemas.openxmlformats.org/officeDocument/2006/relationships" xmlns:p="http://schemas.openxmlformats.org/presentationml/2006/main">
   <p:cSld>
     <p:spTree>
@@ -4745,414 +4994,6 @@
 </p:sld>
 </file>
 
-<file path=ppt/slides/slide8.xml><?xml version="1.0" encoding="utf-8"?>
-<p:sld xmlns:a="http://schemas.openxmlformats.org/drawingml/2006/main" xmlns:r="http://schemas.openxmlformats.org/officeDocument/2006/relationships" xmlns:p="http://schemas.openxmlformats.org/presentationml/2006/main">
-  <p:cSld>
-    <p:spTree>
-      <p:nvGrpSpPr>
-        <p:cNvPr id="1" name=""/>
-        <p:cNvGrpSpPr/>
-        <p:nvPr/>
-      </p:nvGrpSpPr>
-      <p:grpSpPr>
-        <a:xfrm>
-          <a:off x="0" y="0"/>
-          <a:ext cx="0" cy="0"/>
-          <a:chOff x="0" y="0"/>
-          <a:chExt cx="0" cy="0"/>
-        </a:xfrm>
-      </p:grpSpPr>
-      <p:sp>
-        <p:nvSpPr>
-          <p:cNvPr id="2" name="Заголовок 1"/>
-          <p:cNvSpPr>
-            <a:spLocks noGrp="1"/>
-          </p:cNvSpPr>
-          <p:nvPr>
-            <p:ph type="title"/>
-          </p:nvPr>
-        </p:nvSpPr>
-        <p:spPr/>
-        <p:txBody>
-          <a:bodyPr>
-            <a:normAutofit/>
-          </a:bodyPr>
-          <a:lstStyle/>
-          <a:p>
-            <a:r>
-              <a:rPr lang="ru-RU" dirty="0" smtClean="0">
-                <a:hlinkClick r:id="rId2"/>
-              </a:rPr>
-              <a:t>Клинические параметры</a:t>
-            </a:r>
-            <a:endParaRPr lang="ru-RU" dirty="0"/>
-          </a:p>
-        </p:txBody>
-      </p:sp>
-      <p:sp>
-        <p:nvSpPr>
-          <p:cNvPr id="3" name="Содержимое 2"/>
-          <p:cNvSpPr>
-            <a:spLocks noGrp="1"/>
-          </p:cNvSpPr>
-          <p:nvPr>
-            <p:ph idx="1"/>
-          </p:nvPr>
-        </p:nvSpPr>
-        <p:spPr/>
-        <p:txBody>
-          <a:bodyPr>
-            <a:normAutofit fontScale="47500" lnSpcReduction="20000"/>
-          </a:bodyPr>
-          <a:lstStyle/>
-          <a:p>
-            <a:r>
-              <a:rPr lang="ru-RU" b="1" dirty="0" smtClean="0"/>
-              <a:t>Целевые нозологии</a:t>
-            </a:r>
-          </a:p>
-          <a:p>
-            <a:pPr>
-              <a:buNone/>
-            </a:pPr>
-            <a:r>
-              <a:rPr lang="ru-RU" b="1" dirty="0"/>
-              <a:t>	</a:t>
-            </a:r>
-            <a:r>
-              <a:rPr lang="ru-RU" b="1" dirty="0" smtClean="0"/>
-              <a:t>Целевые </a:t>
-            </a:r>
-            <a:r>
-              <a:rPr lang="ru-RU" b="1" dirty="0" err="1"/>
-              <a:t>патологии\признаки</a:t>
-            </a:r>
-            <a:r>
-              <a:rPr lang="ru-RU" b="1" dirty="0"/>
-              <a:t>:</a:t>
-            </a:r>
-            <a:r>
-              <a:rPr lang="ru-RU" dirty="0"/>
-              <a:t> </a:t>
-            </a:r>
-            <a:r>
-              <a:rPr lang="ru-RU" dirty="0" err="1" smtClean="0"/>
-              <a:t>COVID-19</a:t>
-            </a:r>
-            <a:endParaRPr lang="ru-RU" dirty="0" smtClean="0"/>
-          </a:p>
-          <a:p>
-            <a:pPr>
-              <a:buNone/>
-            </a:pPr>
-            <a:r>
-              <a:rPr lang="ru-RU" b="1" dirty="0"/>
-              <a:t>	</a:t>
-            </a:r>
-            <a:r>
-              <a:rPr lang="ru-RU" b="1" dirty="0" smtClean="0"/>
-              <a:t>Код </a:t>
-            </a:r>
-            <a:r>
-              <a:rPr lang="ru-RU" b="1" dirty="0" err="1"/>
-              <a:t>МКБ-10</a:t>
-            </a:r>
-            <a:r>
-              <a:rPr lang="ru-RU" b="1" dirty="0"/>
-              <a:t> целевой патологии:</a:t>
-            </a:r>
-            <a:r>
-              <a:rPr lang="ru-RU" dirty="0"/>
-              <a:t> </a:t>
-            </a:r>
-            <a:r>
-              <a:rPr lang="ru-RU" dirty="0" err="1" smtClean="0"/>
-              <a:t>U07.1</a:t>
-            </a:r>
-            <a:endParaRPr lang="ru-RU" dirty="0" smtClean="0"/>
-          </a:p>
-          <a:p>
-            <a:r>
-              <a:rPr lang="ru-RU" b="1" dirty="0" smtClean="0"/>
-              <a:t>Параметры популяции</a:t>
-            </a:r>
-          </a:p>
-          <a:p>
-            <a:pPr>
-              <a:buNone/>
-            </a:pPr>
-            <a:r>
-              <a:rPr lang="ru-RU" b="1" dirty="0"/>
-              <a:t>	</a:t>
-            </a:r>
-            <a:r>
-              <a:rPr lang="ru-RU" b="1" dirty="0" smtClean="0"/>
-              <a:t>Критерии </a:t>
-            </a:r>
-            <a:r>
-              <a:rPr lang="ru-RU" b="1" dirty="0"/>
-              <a:t>включения/</a:t>
-            </a:r>
-            <a:r>
-              <a:rPr lang="ru-RU" b="1" dirty="0" err="1"/>
-              <a:t>невключения</a:t>
-            </a:r>
-            <a:r>
-              <a:rPr lang="ru-RU" b="1" dirty="0"/>
-              <a:t> пациента</a:t>
-            </a:r>
-            <a:r>
-              <a:rPr lang="ru-RU" b="1" dirty="0" smtClean="0"/>
-              <a:t>:</a:t>
-            </a:r>
-          </a:p>
-          <a:p>
-            <a:pPr>
-              <a:buNone/>
-            </a:pPr>
-            <a:r>
-              <a:rPr lang="ru-RU" b="1" dirty="0"/>
-              <a:t>	</a:t>
-            </a:r>
-            <a:r>
-              <a:rPr lang="ru-RU" dirty="0" smtClean="0"/>
-              <a:t>Критерии </a:t>
-            </a:r>
-            <a:r>
-              <a:rPr lang="ru-RU" dirty="0"/>
-              <a:t>включения пациента: Возраст ≥18 лет</a:t>
-            </a:r>
-            <a:br>
-              <a:rPr lang="ru-RU" dirty="0"/>
-            </a:br>
-            <a:r>
-              <a:rPr lang="ru-RU" dirty="0"/>
-              <a:t>Критерии </a:t>
-            </a:r>
-            <a:r>
-              <a:rPr lang="ru-RU" dirty="0" err="1"/>
-              <a:t>невключения</a:t>
-            </a:r>
-            <a:r>
-              <a:rPr lang="ru-RU" dirty="0"/>
-              <a:t> пациента: Наличие оперативных вмешательств, лучевой терапии в анамнезе для лечения заболеваний в области грудной клетки</a:t>
-            </a:r>
-          </a:p>
-          <a:p>
-            <a:pPr>
-              <a:buNone/>
-            </a:pPr>
-            <a:r>
-              <a:rPr lang="ru-RU" dirty="0" smtClean="0"/>
-              <a:t>	Возраст </a:t>
-            </a:r>
-            <a:r>
-              <a:rPr lang="ru-RU" dirty="0"/>
-              <a:t>(мин., лет): </a:t>
-            </a:r>
-            <a:r>
-              <a:rPr lang="ru-RU" dirty="0" smtClean="0"/>
-              <a:t>18</a:t>
-            </a:r>
-          </a:p>
-          <a:p>
-            <a:pPr>
-              <a:buNone/>
-            </a:pPr>
-            <a:r>
-              <a:rPr lang="ru-RU" dirty="0"/>
-              <a:t>	</a:t>
-            </a:r>
-            <a:r>
-              <a:rPr lang="ru-RU" dirty="0" smtClean="0"/>
-              <a:t>Возраст </a:t>
-            </a:r>
-            <a:r>
-              <a:rPr lang="ru-RU" dirty="0"/>
-              <a:t>(макс., лет): </a:t>
-            </a:r>
-            <a:r>
-              <a:rPr lang="ru-RU" dirty="0" smtClean="0"/>
-              <a:t>97</a:t>
-            </a:r>
-          </a:p>
-          <a:p>
-            <a:pPr>
-              <a:buNone/>
-            </a:pPr>
-            <a:r>
-              <a:rPr lang="ru-RU" dirty="0"/>
-              <a:t>	</a:t>
-            </a:r>
-            <a:r>
-              <a:rPr lang="ru-RU" dirty="0" smtClean="0"/>
-              <a:t>Возраст </a:t>
-            </a:r>
-            <a:r>
-              <a:rPr lang="ru-RU" dirty="0"/>
-              <a:t>(медиана, лет): </a:t>
-            </a:r>
-            <a:r>
-              <a:rPr lang="ru-RU" dirty="0" smtClean="0"/>
-              <a:t>47,0</a:t>
-            </a:r>
-          </a:p>
-          <a:p>
-            <a:pPr>
-              <a:buNone/>
-            </a:pPr>
-            <a:r>
-              <a:rPr lang="ru-RU" dirty="0"/>
-              <a:t>	</a:t>
-            </a:r>
-            <a:r>
-              <a:rPr lang="ru-RU" dirty="0" smtClean="0"/>
-              <a:t>Пол </a:t>
-            </a:r>
-            <a:r>
-              <a:rPr lang="ru-RU" dirty="0"/>
-              <a:t>(М): </a:t>
-            </a:r>
-            <a:r>
-              <a:rPr lang="ru-RU" dirty="0" smtClean="0"/>
-              <a:t>42</a:t>
-            </a:r>
-          </a:p>
-          <a:p>
-            <a:pPr>
-              <a:buNone/>
-            </a:pPr>
-            <a:r>
-              <a:rPr lang="ru-RU" dirty="0"/>
-              <a:t>	</a:t>
-            </a:r>
-            <a:r>
-              <a:rPr lang="ru-RU" dirty="0" smtClean="0"/>
-              <a:t>Пол </a:t>
-            </a:r>
-            <a:r>
-              <a:rPr lang="ru-RU" dirty="0"/>
-              <a:t>(Ж): </a:t>
-            </a:r>
-            <a:r>
-              <a:rPr lang="ru-RU" dirty="0" smtClean="0"/>
-              <a:t>56</a:t>
-            </a:r>
-          </a:p>
-          <a:p>
-            <a:pPr>
-              <a:buNone/>
-            </a:pPr>
-            <a:r>
-              <a:rPr lang="ru-RU" dirty="0"/>
-              <a:t>	</a:t>
-            </a:r>
-            <a:r>
-              <a:rPr lang="ru-RU" dirty="0" smtClean="0"/>
-              <a:t>Пол </a:t>
-            </a:r>
-            <a:r>
-              <a:rPr lang="ru-RU" dirty="0"/>
-              <a:t>(</a:t>
-            </a:r>
-            <a:r>
-              <a:rPr lang="ru-RU" dirty="0" err="1"/>
-              <a:t>неопределено</a:t>
-            </a:r>
-            <a:r>
-              <a:rPr lang="ru-RU" dirty="0"/>
-              <a:t>): </a:t>
-            </a:r>
-            <a:r>
-              <a:rPr lang="ru-RU" dirty="0" smtClean="0"/>
-              <a:t>2</a:t>
-            </a:r>
-          </a:p>
-          <a:p>
-            <a:pPr>
-              <a:buNone/>
-            </a:pPr>
-            <a:r>
-              <a:rPr lang="ru-RU" dirty="0"/>
-              <a:t>	</a:t>
-            </a:r>
-            <a:r>
-              <a:rPr lang="ru-RU" dirty="0" smtClean="0"/>
-              <a:t>Период </a:t>
-            </a:r>
-            <a:r>
-              <a:rPr lang="ru-RU" dirty="0"/>
-              <a:t>сбора (начало): </a:t>
-            </a:r>
-            <a:r>
-              <a:rPr lang="ru-RU" dirty="0" smtClean="0"/>
-              <a:t>01.03.2020</a:t>
-            </a:r>
-          </a:p>
-          <a:p>
-            <a:pPr>
-              <a:buNone/>
-            </a:pPr>
-            <a:r>
-              <a:rPr lang="ru-RU" dirty="0"/>
-              <a:t>	</a:t>
-            </a:r>
-            <a:r>
-              <a:rPr lang="ru-RU" dirty="0" smtClean="0"/>
-              <a:t>Период </a:t>
-            </a:r>
-            <a:r>
-              <a:rPr lang="ru-RU" dirty="0"/>
-              <a:t>сбора (конец): </a:t>
-            </a:r>
-            <a:r>
-              <a:rPr lang="ru-RU" dirty="0" smtClean="0"/>
-              <a:t>25.04.2020</a:t>
-            </a:r>
-          </a:p>
-          <a:p>
-            <a:pPr>
-              <a:buNone/>
-            </a:pPr>
-            <a:r>
-              <a:rPr lang="ru-RU" dirty="0"/>
-              <a:t>	</a:t>
-            </a:r>
-            <a:r>
-              <a:rPr lang="ru-RU" dirty="0" smtClean="0"/>
-              <a:t>Эпидемиологическая </a:t>
-            </a:r>
-            <a:r>
-              <a:rPr lang="ru-RU" dirty="0"/>
-              <a:t>обстановка: В условиях пандемии </a:t>
-            </a:r>
-            <a:r>
-              <a:rPr lang="ru-RU" dirty="0" err="1"/>
-              <a:t>коронавирусной</a:t>
-            </a:r>
-            <a:r>
-              <a:rPr lang="ru-RU" dirty="0"/>
-              <a:t> инфекции (</a:t>
-            </a:r>
-            <a:r>
-              <a:rPr lang="ru-RU" dirty="0" err="1"/>
-              <a:t>COVID-19</a:t>
-            </a:r>
-            <a:r>
-              <a:rPr lang="ru-RU" dirty="0"/>
-              <a:t>)</a:t>
-            </a:r>
-          </a:p>
-        </p:txBody>
-      </p:sp>
-    </p:spTree>
-  </p:cSld>
-  <p:clrMapOvr>
-    <a:masterClrMapping/>
-  </p:clrMapOvr>
-</p:sld>
-</file>
-
 <file path=ppt/slides/slide9.xml><?xml version="1.0" encoding="utf-8"?>
 <p:sld xmlns:a="http://schemas.openxmlformats.org/drawingml/2006/main" xmlns:r="http://schemas.openxmlformats.org/officeDocument/2006/relationships" xmlns:p="http://schemas.openxmlformats.org/presentationml/2006/main">
   <p:cSld>
@@ -5191,7 +5032,7 @@
               <a:rPr lang="ru-RU" dirty="0" smtClean="0">
                 <a:hlinkClick r:id="rId2"/>
               </a:rPr>
-              <a:t>Назначение</a:t>
+              <a:t>Клинические параметры</a:t>
             </a:r>
             <a:endParaRPr lang="ru-RU" dirty="0"/>
           </a:p>
@@ -5210,21 +5051,38 @@
         <p:spPr/>
         <p:txBody>
           <a:bodyPr>
-            <a:normAutofit/>
+            <a:normAutofit fontScale="47500" lnSpcReduction="20000"/>
           </a:bodyPr>
           <a:lstStyle/>
           <a:p>
             <a:r>
               <a:rPr lang="ru-RU" b="1" dirty="0" smtClean="0"/>
-              <a:t>Клиническая/практическая/научная </a:t>
-            </a:r>
+              <a:t>Целевые нозологии</a:t>
+            </a:r>
+          </a:p>
+          <a:p>
+            <a:pPr>
+              <a:buNone/>
+            </a:pPr>
             <a:r>
               <a:rPr lang="ru-RU" b="1" dirty="0"/>
-              <a:t>задача создания набора данных:</a:t>
-            </a:r>
-            <a:r>
-              <a:rPr lang="ru-RU" dirty="0"/>
-              <a:t> Определение степени поражения паренхимы легкого при </a:t>
+              <a:t>	</a:t>
+            </a:r>
+            <a:r>
+              <a:rPr lang="ru-RU" b="1" dirty="0" smtClean="0"/>
+              <a:t>Целевые </a:t>
+            </a:r>
+            <a:r>
+              <a:rPr lang="ru-RU" b="1" dirty="0" err="1"/>
+              <a:t>патологии\признаки</a:t>
+            </a:r>
+            <a:r>
+              <a:rPr lang="ru-RU" b="1" dirty="0"/>
+              <a:t>:</a:t>
+            </a:r>
+            <a:r>
+              <a:rPr lang="ru-RU" dirty="0"/>
+              <a:t> </a:t>
             </a:r>
             <a:r>
               <a:rPr lang="ru-RU" dirty="0" err="1" smtClean="0"/>
@@ -5233,61 +5091,306 @@
             <a:endParaRPr lang="ru-RU" dirty="0" smtClean="0"/>
           </a:p>
           <a:p>
+            <a:pPr>
+              <a:buNone/>
+            </a:pPr>
+            <a:r>
+              <a:rPr lang="ru-RU" b="1" dirty="0"/>
+              <a:t>	</a:t>
+            </a:r>
             <a:r>
               <a:rPr lang="ru-RU" b="1" dirty="0" smtClean="0"/>
-              <a:t>Назначение </a:t>
+              <a:t>Код </a:t>
             </a:r>
             <a:r>
               <a:rPr lang="ru-RU" b="1" dirty="0" err="1"/>
-              <a:t>датасета</a:t>
+              <a:t>МКБ-10</a:t>
             </a:r>
             <a:r>
               <a:rPr lang="ru-RU" b="1" dirty="0"/>
+              <a:t> целевой патологии:</a:t>
+            </a:r>
+            <a:r>
+              <a:rPr lang="ru-RU" dirty="0"/>
+              <a:t> </a:t>
+            </a:r>
+            <a:r>
+              <a:rPr lang="ru-RU" dirty="0" err="1" smtClean="0"/>
+              <a:t>U07.1</a:t>
+            </a:r>
+            <a:endParaRPr lang="ru-RU" dirty="0" smtClean="0"/>
+          </a:p>
+          <a:p>
+            <a:r>
+              <a:rPr lang="ru-RU" b="1" dirty="0" smtClean="0"/>
+              <a:t>Параметры популяции</a:t>
+            </a:r>
+          </a:p>
+          <a:p>
+            <a:pPr>
+              <a:buNone/>
+            </a:pPr>
+            <a:r>
+              <a:rPr lang="ru-RU" b="1" dirty="0"/>
+              <a:t>	</a:t>
+            </a:r>
+            <a:r>
+              <a:rPr lang="ru-RU" b="1" dirty="0" smtClean="0"/>
+              <a:t>Критерии </a:t>
+            </a:r>
+            <a:r>
+              <a:rPr lang="ru-RU" b="1" dirty="0"/>
+              <a:t>включения/</a:t>
+            </a:r>
+            <a:r>
+              <a:rPr lang="ru-RU" b="1" dirty="0" err="1"/>
+              <a:t>невключения</a:t>
+            </a:r>
+            <a:r>
+              <a:rPr lang="ru-RU" b="1" dirty="0"/>
+              <a:t> пациента</a:t>
+            </a:r>
+            <a:r>
+              <a:rPr lang="ru-RU" b="1" dirty="0" smtClean="0"/>
               <a:t>:</a:t>
             </a:r>
-            <a:r>
-              <a:rPr lang="ru-RU" dirty="0"/>
-              <a:t> Обучение ИИ </a:t>
+          </a:p>
+          <a:p>
+            <a:pPr>
+              <a:buNone/>
+            </a:pPr>
+            <a:r>
+              <a:rPr lang="ru-RU" b="1" dirty="0"/>
+              <a:t>	</a:t>
             </a:r>
             <a:r>
               <a:rPr lang="ru-RU" dirty="0" smtClean="0"/>
-              <a:t>алгоритма</a:t>
-            </a:r>
-          </a:p>
-          <a:p>
-            <a:r>
-              <a:rPr lang="ru-RU" b="1" dirty="0" smtClean="0"/>
-              <a:t>Вариант</a:t>
-            </a:r>
-            <a:r>
-              <a:rPr lang="ru-RU" b="1" dirty="0"/>
-              <a:t>:</a:t>
-            </a:r>
-            <a:r>
-              <a:rPr lang="ru-RU" dirty="0"/>
-              <a:t> </a:t>
+              <a:t>Критерии </a:t>
+            </a:r>
+            <a:r>
+              <a:rPr lang="ru-RU" dirty="0"/>
+              <a:t>включения пациента: Возраст ≥18 лет</a:t>
+            </a:r>
+            <a:br>
+              <a:rPr lang="ru-RU" dirty="0"/>
+            </a:br>
+            <a:r>
+              <a:rPr lang="ru-RU" dirty="0"/>
+              <a:t>Критерии </a:t>
             </a:r>
             <a:r>
               <a:rPr lang="ru-RU" dirty="0" err="1"/>
-              <a:t>SC</a:t>
-            </a:r>
-            <a:r>
-              <a:rPr lang="ru-RU" dirty="0"/>
-              <a:t> - </a:t>
+              <a:t>невключения</a:t>
+            </a:r>
+            <a:r>
+              <a:rPr lang="ru-RU" dirty="0"/>
+              <a:t> пациента: Наличие оперативных вмешательств, лучевой терапии в анамнезе для лечения заболеваний в области грудной клетки</a:t>
+            </a:r>
+          </a:p>
+          <a:p>
+            <a:pPr>
+              <a:buNone/>
+            </a:pPr>
+            <a:r>
+              <a:rPr lang="ru-RU" dirty="0" smtClean="0"/>
+              <a:t>	Возраст </a:t>
+            </a:r>
+            <a:r>
+              <a:rPr lang="ru-RU" dirty="0"/>
+              <a:t>(мин., лет): </a:t>
+            </a:r>
+            <a:r>
+              <a:rPr lang="ru-RU" dirty="0" smtClean="0"/>
+              <a:t>18</a:t>
+            </a:r>
+          </a:p>
+          <a:p>
+            <a:pPr>
+              <a:buNone/>
+            </a:pPr>
+            <a:r>
+              <a:rPr lang="ru-RU" dirty="0"/>
+              <a:t>	</a:t>
+            </a:r>
+            <a:r>
+              <a:rPr lang="ru-RU" dirty="0" smtClean="0"/>
+              <a:t>Возраст </a:t>
+            </a:r>
+            <a:r>
+              <a:rPr lang="ru-RU" dirty="0"/>
+              <a:t>(макс., лет): </a:t>
+            </a:r>
+            <a:r>
+              <a:rPr lang="ru-RU" dirty="0" smtClean="0"/>
+              <a:t>97</a:t>
+            </a:r>
+          </a:p>
+          <a:p>
+            <a:pPr>
+              <a:buNone/>
+            </a:pPr>
+            <a:r>
+              <a:rPr lang="ru-RU" dirty="0"/>
+              <a:t>	</a:t>
+            </a:r>
+            <a:r>
+              <a:rPr lang="ru-RU" dirty="0" smtClean="0"/>
+              <a:t>Возраст </a:t>
+            </a:r>
+            <a:r>
+              <a:rPr lang="ru-RU" dirty="0"/>
+              <a:t>(медиана, лет): </a:t>
+            </a:r>
+            <a:r>
+              <a:rPr lang="ru-RU" dirty="0" smtClean="0"/>
+              <a:t>47,0</a:t>
+            </a:r>
+          </a:p>
+          <a:p>
+            <a:pPr>
+              <a:buNone/>
+            </a:pPr>
+            <a:r>
+              <a:rPr lang="ru-RU" dirty="0"/>
+              <a:t>	</a:t>
+            </a:r>
+            <a:r>
+              <a:rPr lang="ru-RU" dirty="0" smtClean="0"/>
+              <a:t>Пол </a:t>
+            </a:r>
+            <a:r>
+              <a:rPr lang="ru-RU" dirty="0"/>
+              <a:t>(М): </a:t>
+            </a:r>
+            <a:r>
+              <a:rPr lang="ru-RU" dirty="0" smtClean="0"/>
+              <a:t>42</a:t>
+            </a:r>
+          </a:p>
+          <a:p>
+            <a:pPr>
+              <a:buNone/>
+            </a:pPr>
+            <a:r>
+              <a:rPr lang="ru-RU" dirty="0"/>
+              <a:t>	</a:t>
+            </a:r>
+            <a:r>
+              <a:rPr lang="ru-RU" dirty="0" smtClean="0"/>
+              <a:t>Пол </a:t>
+            </a:r>
+            <a:r>
+              <a:rPr lang="ru-RU" dirty="0"/>
+              <a:t>(Ж): </a:t>
+            </a:r>
+            <a:r>
+              <a:rPr lang="ru-RU" dirty="0" smtClean="0"/>
+              <a:t>56</a:t>
+            </a:r>
+          </a:p>
+          <a:p>
+            <a:pPr>
+              <a:buNone/>
+            </a:pPr>
+            <a:r>
+              <a:rPr lang="ru-RU" dirty="0"/>
+              <a:t>	</a:t>
+            </a:r>
+            <a:r>
+              <a:rPr lang="ru-RU" dirty="0" smtClean="0"/>
+              <a:t>Пол </a:t>
+            </a:r>
+            <a:r>
+              <a:rPr lang="ru-RU" dirty="0"/>
+              <a:t>(</a:t>
             </a:r>
             <a:r>
               <a:rPr lang="ru-RU" dirty="0" err="1"/>
-              <a:t>special</a:t>
-            </a:r>
-            <a:r>
-              <a:rPr lang="ru-RU" dirty="0"/>
-              <a:t> </a:t>
+              <a:t>неопределено</a:t>
+            </a:r>
+            <a:r>
+              <a:rPr lang="ru-RU" dirty="0"/>
+              <a:t>): </a:t>
+            </a:r>
+            <a:r>
+              <a:rPr lang="ru-RU" dirty="0" smtClean="0"/>
+              <a:t>2</a:t>
+            </a:r>
+          </a:p>
+          <a:p>
+            <a:pPr>
+              <a:buNone/>
+            </a:pPr>
+            <a:r>
+              <a:rPr lang="ru-RU" dirty="0"/>
+              <a:t>	</a:t>
+            </a:r>
+            <a:r>
+              <a:rPr lang="ru-RU" dirty="0" smtClean="0"/>
+              <a:t>Период </a:t>
+            </a:r>
+            <a:r>
+              <a:rPr lang="ru-RU" dirty="0"/>
+              <a:t>сбора (начало): </a:t>
+            </a:r>
+            <a:r>
+              <a:rPr lang="ru-RU" dirty="0" smtClean="0"/>
+              <a:t>01.03.2020</a:t>
+            </a:r>
+          </a:p>
+          <a:p>
+            <a:pPr>
+              <a:buNone/>
+            </a:pPr>
+            <a:r>
+              <a:rPr lang="ru-RU" dirty="0"/>
+              <a:t>	</a:t>
+            </a:r>
+            <a:r>
+              <a:rPr lang="ru-RU" dirty="0" smtClean="0"/>
+              <a:t>Период </a:t>
+            </a:r>
+            <a:r>
+              <a:rPr lang="ru-RU" dirty="0"/>
+              <a:t>сбора (конец): </a:t>
+            </a:r>
+            <a:r>
+              <a:rPr lang="ru-RU" dirty="0" smtClean="0"/>
+              <a:t>25.04.2020</a:t>
+            </a:r>
+          </a:p>
+          <a:p>
+            <a:pPr>
+              <a:buNone/>
+            </a:pPr>
+            <a:r>
+              <a:rPr lang="ru-RU" dirty="0"/>
+              <a:t>	</a:t>
+            </a:r>
+            <a:r>
+              <a:rPr lang="ru-RU" dirty="0" smtClean="0"/>
+              <a:t>Эпидемиологическая </a:t>
+            </a:r>
+            <a:r>
+              <a:rPr lang="ru-RU" dirty="0"/>
+              <a:t>обстановка: В условиях пандемии </a:t>
             </a:r>
             <a:r>
               <a:rPr lang="ru-RU" dirty="0" err="1"/>
-              <a:t>case</a:t>
-            </a:r>
-            <a:endParaRPr lang="ru-RU" dirty="0"/>
+              <a:t>коронавирусной</a:t>
+            </a:r>
+            <a:r>
+              <a:rPr lang="ru-RU" dirty="0"/>
+              <a:t> инфекции (</a:t>
+            </a:r>
+            <a:r>
+              <a:rPr lang="ru-RU" dirty="0" err="1"/>
+              <a:t>COVID-19</a:t>
+            </a:r>
+            <a:r>
+              <a:rPr lang="ru-RU" dirty="0"/>
+              <a:t>)</a:t>
+            </a:r>
           </a:p>
         </p:txBody>
       </p:sp>

--- a/slides.pptx
+++ b/slides.pptx
@@ -11,14 +11,17 @@
     <p:sldId id="268" r:id="rId5"/>
     <p:sldId id="267" r:id="rId6"/>
     <p:sldId id="269" r:id="rId7"/>
-    <p:sldId id="264" r:id="rId8"/>
-    <p:sldId id="259" r:id="rId9"/>
-    <p:sldId id="260" r:id="rId10"/>
-    <p:sldId id="262" r:id="rId11"/>
-    <p:sldId id="261" r:id="rId12"/>
-    <p:sldId id="263" r:id="rId13"/>
-    <p:sldId id="258" r:id="rId14"/>
-    <p:sldId id="257" r:id="rId15"/>
+    <p:sldId id="270" r:id="rId8"/>
+    <p:sldId id="272" r:id="rId9"/>
+    <p:sldId id="264" r:id="rId10"/>
+    <p:sldId id="271" r:id="rId11"/>
+    <p:sldId id="259" r:id="rId12"/>
+    <p:sldId id="260" r:id="rId13"/>
+    <p:sldId id="262" r:id="rId14"/>
+    <p:sldId id="261" r:id="rId15"/>
+    <p:sldId id="263" r:id="rId16"/>
+    <p:sldId id="258" r:id="rId17"/>
+    <p:sldId id="257" r:id="rId18"/>
   </p:sldIdLst>
   <p:sldSz cx="9144000" cy="6858000" type="screen4x3"/>
   <p:notesSz cx="6858000" cy="9144000"/>
@@ -302,7 +305,7 @@
             <a:fld id="{C2263E29-338E-49D6-9AED-D5FCECFDFDCF}" type="datetimeFigureOut">
               <a:rPr lang="ru-RU" smtClean="0"/>
               <a:pPr/>
-              <a:t>14.05.2022</a:t>
+              <a:t>15.05.2022</a:t>
             </a:fld>
             <a:endParaRPr lang="ru-RU"/>
           </a:p>
@@ -469,7 +472,7 @@
             <a:fld id="{C2263E29-338E-49D6-9AED-D5FCECFDFDCF}" type="datetimeFigureOut">
               <a:rPr lang="ru-RU" smtClean="0"/>
               <a:pPr/>
-              <a:t>14.05.2022</a:t>
+              <a:t>15.05.2022</a:t>
             </a:fld>
             <a:endParaRPr lang="ru-RU"/>
           </a:p>
@@ -646,7 +649,7 @@
             <a:fld id="{C2263E29-338E-49D6-9AED-D5FCECFDFDCF}" type="datetimeFigureOut">
               <a:rPr lang="ru-RU" smtClean="0"/>
               <a:pPr/>
-              <a:t>14.05.2022</a:t>
+              <a:t>15.05.2022</a:t>
             </a:fld>
             <a:endParaRPr lang="ru-RU"/>
           </a:p>
@@ -813,7 +816,7 @@
             <a:fld id="{C2263E29-338E-49D6-9AED-D5FCECFDFDCF}" type="datetimeFigureOut">
               <a:rPr lang="ru-RU" smtClean="0"/>
               <a:pPr/>
-              <a:t>14.05.2022</a:t>
+              <a:t>15.05.2022</a:t>
             </a:fld>
             <a:endParaRPr lang="ru-RU"/>
           </a:p>
@@ -1056,7 +1059,7 @@
             <a:fld id="{C2263E29-338E-49D6-9AED-D5FCECFDFDCF}" type="datetimeFigureOut">
               <a:rPr lang="ru-RU" smtClean="0"/>
               <a:pPr/>
-              <a:t>14.05.2022</a:t>
+              <a:t>15.05.2022</a:t>
             </a:fld>
             <a:endParaRPr lang="ru-RU"/>
           </a:p>
@@ -1341,7 +1344,7 @@
             <a:fld id="{C2263E29-338E-49D6-9AED-D5FCECFDFDCF}" type="datetimeFigureOut">
               <a:rPr lang="ru-RU" smtClean="0"/>
               <a:pPr/>
-              <a:t>14.05.2022</a:t>
+              <a:t>15.05.2022</a:t>
             </a:fld>
             <a:endParaRPr lang="ru-RU"/>
           </a:p>
@@ -1760,7 +1763,7 @@
             <a:fld id="{C2263E29-338E-49D6-9AED-D5FCECFDFDCF}" type="datetimeFigureOut">
               <a:rPr lang="ru-RU" smtClean="0"/>
               <a:pPr/>
-              <a:t>14.05.2022</a:t>
+              <a:t>15.05.2022</a:t>
             </a:fld>
             <a:endParaRPr lang="ru-RU"/>
           </a:p>
@@ -1875,7 +1878,7 @@
             <a:fld id="{C2263E29-338E-49D6-9AED-D5FCECFDFDCF}" type="datetimeFigureOut">
               <a:rPr lang="ru-RU" smtClean="0"/>
               <a:pPr/>
-              <a:t>14.05.2022</a:t>
+              <a:t>15.05.2022</a:t>
             </a:fld>
             <a:endParaRPr lang="ru-RU"/>
           </a:p>
@@ -1967,7 +1970,7 @@
             <a:fld id="{C2263E29-338E-49D6-9AED-D5FCECFDFDCF}" type="datetimeFigureOut">
               <a:rPr lang="ru-RU" smtClean="0"/>
               <a:pPr/>
-              <a:t>14.05.2022</a:t>
+              <a:t>15.05.2022</a:t>
             </a:fld>
             <a:endParaRPr lang="ru-RU"/>
           </a:p>
@@ -2241,7 +2244,7 @@
             <a:fld id="{C2263E29-338E-49D6-9AED-D5FCECFDFDCF}" type="datetimeFigureOut">
               <a:rPr lang="ru-RU" smtClean="0"/>
               <a:pPr/>
-              <a:t>14.05.2022</a:t>
+              <a:t>15.05.2022</a:t>
             </a:fld>
             <a:endParaRPr lang="ru-RU"/>
           </a:p>
@@ -2491,7 +2494,7 @@
             <a:fld id="{C2263E29-338E-49D6-9AED-D5FCECFDFDCF}" type="datetimeFigureOut">
               <a:rPr lang="ru-RU" smtClean="0"/>
               <a:pPr/>
-              <a:t>14.05.2022</a:t>
+              <a:t>15.05.2022</a:t>
             </a:fld>
             <a:endParaRPr lang="ru-RU"/>
           </a:p>
@@ -2701,7 +2704,7 @@
             <a:fld id="{C2263E29-338E-49D6-9AED-D5FCECFDFDCF}" type="datetimeFigureOut">
               <a:rPr lang="ru-RU" smtClean="0"/>
               <a:pPr/>
-              <a:t>14.05.2022</a:t>
+              <a:t>15.05.2022</a:t>
             </a:fld>
             <a:endParaRPr lang="ru-RU"/>
           </a:p>
@@ -3166,18 +3169,10 @@
         </p:nvSpPr>
         <p:spPr/>
         <p:txBody>
-          <a:bodyPr>
-            <a:normAutofit/>
-          </a:bodyPr>
-          <a:lstStyle/>
-          <a:p>
-            <a:r>
-              <a:rPr lang="ru-RU" dirty="0" smtClean="0">
-                <a:hlinkClick r:id="rId2"/>
-              </a:rPr>
-              <a:t>Назначение</a:t>
-            </a:r>
-            <a:endParaRPr lang="ru-RU" dirty="0"/>
+          <a:bodyPr/>
+          <a:lstStyle/>
+          <a:p>
+            <a:endParaRPr lang="ru-RU"/>
           </a:p>
         </p:txBody>
       </p:sp>
@@ -3193,85 +3188,10 @@
         </p:nvSpPr>
         <p:spPr/>
         <p:txBody>
-          <a:bodyPr>
-            <a:normAutofit/>
-          </a:bodyPr>
-          <a:lstStyle/>
-          <a:p>
-            <a:r>
-              <a:rPr lang="ru-RU" b="1" dirty="0" smtClean="0"/>
-              <a:t>Клиническая/практическая/научная </a:t>
-            </a:r>
-            <a:r>
-              <a:rPr lang="ru-RU" b="1" dirty="0"/>
-              <a:t>задача создания набора данных:</a:t>
-            </a:r>
-            <a:r>
-              <a:rPr lang="ru-RU" dirty="0"/>
-              <a:t> Определение степени поражения паренхимы легкого при </a:t>
-            </a:r>
-            <a:r>
-              <a:rPr lang="ru-RU" dirty="0" err="1" smtClean="0"/>
-              <a:t>COVID-19</a:t>
-            </a:r>
-            <a:endParaRPr lang="ru-RU" dirty="0" smtClean="0"/>
-          </a:p>
-          <a:p>
-            <a:r>
-              <a:rPr lang="ru-RU" b="1" dirty="0" smtClean="0"/>
-              <a:t>Назначение </a:t>
-            </a:r>
-            <a:r>
-              <a:rPr lang="ru-RU" b="1" dirty="0" err="1"/>
-              <a:t>датасета</a:t>
-            </a:r>
-            <a:r>
-              <a:rPr lang="ru-RU" b="1" dirty="0"/>
-              <a:t>:</a:t>
-            </a:r>
-            <a:r>
-              <a:rPr lang="ru-RU" dirty="0"/>
-              <a:t> Обучение ИИ </a:t>
-            </a:r>
-            <a:r>
-              <a:rPr lang="ru-RU" dirty="0" smtClean="0"/>
-              <a:t>алгоритма</a:t>
-            </a:r>
-          </a:p>
-          <a:p>
-            <a:r>
-              <a:rPr lang="ru-RU" b="1" dirty="0" smtClean="0"/>
-              <a:t>Вариант</a:t>
-            </a:r>
-            <a:r>
-              <a:rPr lang="ru-RU" b="1" dirty="0"/>
-              <a:t>:</a:t>
-            </a:r>
-            <a:r>
-              <a:rPr lang="ru-RU" dirty="0"/>
-              <a:t> </a:t>
-            </a:r>
-            <a:r>
-              <a:rPr lang="ru-RU" dirty="0" err="1"/>
-              <a:t>SC</a:t>
-            </a:r>
-            <a:r>
-              <a:rPr lang="ru-RU" dirty="0"/>
-              <a:t> - </a:t>
-            </a:r>
-            <a:r>
-              <a:rPr lang="ru-RU" dirty="0" err="1"/>
-              <a:t>special</a:t>
-            </a:r>
-            <a:r>
-              <a:rPr lang="ru-RU" dirty="0"/>
-              <a:t> </a:t>
-            </a:r>
-            <a:r>
-              <a:rPr lang="ru-RU" dirty="0" err="1"/>
-              <a:t>case</a:t>
-            </a:r>
-            <a:endParaRPr lang="ru-RU" dirty="0"/>
+          <a:bodyPr/>
+          <a:lstStyle/>
+          <a:p>
+            <a:endParaRPr lang="ru-RU"/>
           </a:p>
         </p:txBody>
       </p:sp>
@@ -3313,348 +3233,55 @@
         <p:spPr/>
         <p:txBody>
           <a:bodyPr>
-            <a:normAutofit/>
+            <a:noAutofit/>
           </a:bodyPr>
           <a:lstStyle/>
           <a:p>
             <a:r>
-              <a:rPr lang="ru-RU" dirty="0" smtClean="0">
-                <a:hlinkClick r:id="rId2"/>
-              </a:rPr>
-              <a:t>Разметка и верификация</a:t>
-            </a:r>
-            <a:endParaRPr lang="ru-RU" dirty="0"/>
-          </a:p>
-        </p:txBody>
-      </p:sp>
-      <p:sp>
-        <p:nvSpPr>
-          <p:cNvPr id="3" name="Содержимое 2"/>
-          <p:cNvSpPr>
-            <a:spLocks noGrp="1"/>
-          </p:cNvSpPr>
+              <a:rPr lang="ru-RU" sz="1800" dirty="0"/>
+              <a:t/>
+            </a:r>
+            <a:br>
+              <a:rPr lang="ru-RU" sz="1800" dirty="0"/>
+            </a:br>
+            <a:endParaRPr lang="ru-RU" sz="1800" dirty="0"/>
+          </a:p>
+        </p:txBody>
+      </p:sp>
+      <p:pic>
+        <p:nvPicPr>
+          <p:cNvPr id="2050" name="Picture 2"/>
+          <p:cNvPicPr>
+            <a:picLocks noGrp="1" noChangeAspect="1" noChangeArrowheads="1"/>
+          </p:cNvPicPr>
           <p:nvPr>
             <p:ph idx="1"/>
           </p:nvPr>
-        </p:nvSpPr>
-        <p:spPr/>
-        <p:txBody>
-          <a:bodyPr>
-            <a:normAutofit fontScale="40000" lnSpcReduction="20000"/>
-          </a:bodyPr>
-          <a:lstStyle/>
-          <a:p>
-            <a:r>
-              <a:rPr lang="ru-RU" b="1" dirty="0" err="1" smtClean="0"/>
-              <a:t>РазметкаУровень</a:t>
-            </a:r>
-            <a:r>
-              <a:rPr lang="ru-RU" b="1" dirty="0" smtClean="0"/>
-              <a:t> </a:t>
-            </a:r>
-            <a:r>
-              <a:rPr lang="ru-RU" b="1" dirty="0"/>
-              <a:t>разметки:</a:t>
-            </a:r>
-            <a:r>
-              <a:rPr lang="ru-RU" dirty="0"/>
-              <a:t> Изображение, </a:t>
-            </a:r>
-            <a:r>
-              <a:rPr lang="ru-RU" dirty="0" smtClean="0"/>
-              <a:t>Исследование</a:t>
-            </a:r>
-          </a:p>
-          <a:p>
-            <a:r>
-              <a:rPr lang="ru-RU" b="1" dirty="0" smtClean="0"/>
-              <a:t>Способы </a:t>
-            </a:r>
-            <a:r>
-              <a:rPr lang="ru-RU" b="1" dirty="0" err="1"/>
-              <a:t>предразметки</a:t>
-            </a:r>
-            <a:r>
-              <a:rPr lang="ru-RU" b="1" dirty="0"/>
-              <a:t>:</a:t>
-            </a:r>
-            <a:r>
-              <a:rPr lang="ru-RU" dirty="0"/>
-              <a:t> </a:t>
-            </a:r>
-            <a:r>
-              <a:rPr lang="ru-RU" dirty="0" smtClean="0"/>
-              <a:t>Нет</a:t>
-            </a:r>
-          </a:p>
-          <a:p>
-            <a:r>
-              <a:rPr lang="ru-RU" b="1" dirty="0" smtClean="0"/>
-              <a:t>Характер </a:t>
-            </a:r>
-            <a:r>
-              <a:rPr lang="ru-RU" b="1" dirty="0"/>
-              <a:t>разметки:</a:t>
-            </a:r>
-            <a:r>
-              <a:rPr lang="ru-RU" dirty="0"/>
-              <a:t> </a:t>
-            </a:r>
-            <a:r>
-              <a:rPr lang="ru-RU" dirty="0" smtClean="0"/>
-              <a:t>Бинарная</a:t>
-            </a:r>
-          </a:p>
-          <a:p>
-            <a:r>
-              <a:rPr lang="ru-RU" b="1" dirty="0" smtClean="0"/>
-              <a:t>Количество </a:t>
-            </a:r>
-            <a:r>
-              <a:rPr lang="ru-RU" b="1" dirty="0"/>
-              <a:t>лейблов:</a:t>
-            </a:r>
-            <a:r>
-              <a:rPr lang="ru-RU" dirty="0"/>
-              <a:t> </a:t>
-            </a:r>
-            <a:r>
-              <a:rPr lang="ru-RU" dirty="0" smtClean="0"/>
-              <a:t>1</a:t>
-            </a:r>
-          </a:p>
-          <a:p>
-            <a:r>
-              <a:rPr lang="ru-RU" b="1" dirty="0" smtClean="0"/>
-              <a:t>Характер </a:t>
-            </a:r>
-            <a:r>
-              <a:rPr lang="ru-RU" b="1" dirty="0"/>
-              <a:t>лейблов:</a:t>
-            </a:r>
-            <a:r>
-              <a:rPr lang="ru-RU" dirty="0"/>
-              <a:t> </a:t>
-            </a:r>
-            <a:r>
-              <a:rPr lang="ru-RU" dirty="0" err="1"/>
-              <a:t>Мультикласс</a:t>
-            </a:r>
-            <a:r>
-              <a:rPr lang="ru-RU" dirty="0"/>
-              <a:t> (1 лейбл, </a:t>
-            </a:r>
-            <a:r>
-              <a:rPr lang="ru-RU" dirty="0" err="1"/>
-              <a:t>M</a:t>
-            </a:r>
-            <a:r>
-              <a:rPr lang="ru-RU" dirty="0"/>
-              <a:t> классов, </a:t>
-            </a:r>
-            <a:r>
-              <a:rPr lang="ru-RU" dirty="0" err="1"/>
-              <a:t>M</a:t>
-            </a:r>
-            <a:r>
-              <a:rPr lang="ru-RU" dirty="0"/>
-              <a:t>&gt;2</a:t>
-            </a:r>
-            <a:r>
-              <a:rPr lang="ru-RU" dirty="0" smtClean="0"/>
-              <a:t>)</a:t>
-            </a:r>
-          </a:p>
-          <a:p>
-            <a:r>
-              <a:rPr lang="ru-RU" b="1" dirty="0" smtClean="0"/>
-              <a:t>Уровень </a:t>
-            </a:r>
-            <a:r>
-              <a:rPr lang="ru-RU" b="1" dirty="0"/>
-              <a:t>детализации лейблов:</a:t>
-            </a:r>
-            <a:r>
-              <a:rPr lang="ru-RU" dirty="0"/>
-              <a:t> </a:t>
-            </a:r>
-            <a:r>
-              <a:rPr lang="ru-RU" dirty="0" smtClean="0"/>
-              <a:t>Исследование/серия/изображение</a:t>
-            </a:r>
-          </a:p>
-          <a:p>
-            <a:r>
-              <a:rPr lang="ru-RU" b="1" dirty="0" smtClean="0"/>
-              <a:t>Названия </a:t>
-            </a:r>
-            <a:r>
-              <a:rPr lang="ru-RU" b="1" dirty="0"/>
-              <a:t>лейблов:</a:t>
-            </a:r>
-            <a:r>
-              <a:rPr lang="ru-RU" dirty="0"/>
-              <a:t> Признаки поражения паренхимы легкого при </a:t>
-            </a:r>
-            <a:r>
-              <a:rPr lang="ru-RU" dirty="0" err="1"/>
-              <a:t>COVID-19</a:t>
-            </a:r>
-            <a:r>
-              <a:rPr lang="ru-RU" dirty="0"/>
-              <a:t> согласно -Базовые диагностические требования от августа </a:t>
-            </a:r>
-            <a:r>
-              <a:rPr lang="ru-RU" dirty="0" err="1" smtClean="0"/>
-              <a:t>2021г</a:t>
-            </a:r>
-            <a:endParaRPr lang="ru-RU" dirty="0" smtClean="0"/>
-          </a:p>
-          <a:p>
-            <a:r>
-              <a:rPr lang="ru-RU" b="1" dirty="0" smtClean="0"/>
-              <a:t>Количество </a:t>
-            </a:r>
-            <a:r>
-              <a:rPr lang="ru-RU" b="1" dirty="0"/>
-              <a:t>классов:</a:t>
-            </a:r>
-            <a:r>
-              <a:rPr lang="ru-RU" dirty="0"/>
-              <a:t> </a:t>
-            </a:r>
-            <a:r>
-              <a:rPr lang="ru-RU" dirty="0" smtClean="0"/>
-              <a:t>2</a:t>
-            </a:r>
-          </a:p>
-          <a:p>
-            <a:r>
-              <a:rPr lang="ru-RU" b="1" dirty="0" smtClean="0"/>
-              <a:t>Названия </a:t>
-            </a:r>
-            <a:r>
-              <a:rPr lang="ru-RU" b="1" dirty="0"/>
-              <a:t>классов:</a:t>
-            </a:r>
-            <a:r>
-              <a:rPr lang="ru-RU" dirty="0"/>
-              <a:t> Без целевой патологии - 0; С целевой патологией </a:t>
-            </a:r>
-            <a:r>
-              <a:rPr lang="ru-RU" dirty="0" smtClean="0"/>
-              <a:t>– 1</a:t>
-            </a:r>
-          </a:p>
-          <a:p>
-            <a:r>
-              <a:rPr lang="ru-RU" b="1" dirty="0" smtClean="0"/>
-              <a:t>Количество </a:t>
-            </a:r>
-            <a:r>
-              <a:rPr lang="ru-RU" b="1" dirty="0"/>
-              <a:t>по классам:</a:t>
-            </a:r>
-            <a:r>
-              <a:rPr lang="ru-RU" dirty="0"/>
-              <a:t> КТ-0 ― 254 (22,8%), КТ-1 ― 684 (61,6%), КТ-2 ― 125 (11,3%), КТ-3 ― 45 (4,1%), КТ-4 ― 2 (0,2</a:t>
-            </a:r>
-            <a:r>
-              <a:rPr lang="ru-RU" dirty="0" smtClean="0"/>
-              <a:t>%).</a:t>
-            </a:r>
-          </a:p>
-          <a:p>
-            <a:r>
-              <a:rPr lang="ru-RU" b="1" dirty="0" smtClean="0"/>
-              <a:t>Критерии </a:t>
-            </a:r>
-            <a:r>
-              <a:rPr lang="ru-RU" b="1" dirty="0"/>
-              <a:t>отнесения к </a:t>
-            </a:r>
-            <a:r>
-              <a:rPr lang="ru-RU" b="1" dirty="0" err="1"/>
-              <a:t>классам:</a:t>
-            </a:r>
-            <a:r>
-              <a:rPr lang="ru-RU" dirty="0" err="1"/>
-              <a:t>С</a:t>
-            </a:r>
-            <a:r>
-              <a:rPr lang="ru-RU" dirty="0"/>
-              <a:t> патологией:</a:t>
-            </a:r>
-          </a:p>
-          <a:p>
-            <a:r>
-              <a:rPr lang="ru-RU" dirty="0"/>
-              <a:t>Инфильтрация легочной паренхимы по типу матовых стекол с обеих сторон, преимущественно периферической локализации с или без инфильтрацией легочной паренхимы по типу консолидации с положительным признаком воздушной </a:t>
-            </a:r>
-            <a:r>
-              <a:rPr lang="ru-RU" dirty="0" err="1"/>
-              <a:t>бронхограммы</a:t>
-            </a:r>
-            <a:r>
-              <a:rPr lang="ru-RU" dirty="0"/>
-              <a:t>;</a:t>
-            </a:r>
-          </a:p>
-          <a:p>
-            <a:r>
-              <a:rPr lang="ru-RU" dirty="0"/>
-              <a:t>Инфильтрация легочной паренхимы по типу булыжной мостовой (утолщение </a:t>
-            </a:r>
-            <a:r>
-              <a:rPr lang="ru-RU" dirty="0" err="1"/>
-              <a:t>междолькового</a:t>
-            </a:r>
-            <a:r>
-              <a:rPr lang="ru-RU" dirty="0"/>
-              <a:t> </a:t>
-            </a:r>
-            <a:r>
-              <a:rPr lang="ru-RU" dirty="0" err="1"/>
-              <a:t>интерстиция</a:t>
-            </a:r>
-            <a:r>
-              <a:rPr lang="ru-RU" dirty="0"/>
-              <a:t> на фоне матового стекла) с обеих сторон, преимущественно периферической локализации, с или или без инфильтрацией легочной паренхимы по типу консолидации с положительным признаком воздушной </a:t>
-            </a:r>
-            <a:r>
-              <a:rPr lang="ru-RU" dirty="0" err="1"/>
-              <a:t>бронхограммы</a:t>
-            </a:r>
-            <a:r>
-              <a:rPr lang="ru-RU" dirty="0"/>
-              <a:t>.</a:t>
-            </a:r>
-          </a:p>
-          <a:p>
-            <a:r>
-              <a:rPr lang="ru-RU" dirty="0"/>
-              <a:t>Без патологии: отсутствие вышеперечисленных признаков</a:t>
-            </a:r>
-          </a:p>
-          <a:p>
-            <a:r>
-              <a:rPr lang="ru-RU" b="1" dirty="0" err="1"/>
-              <a:t>ВерификацияМетод</a:t>
-            </a:r>
-            <a:r>
-              <a:rPr lang="ru-RU" b="1" dirty="0"/>
-              <a:t> верификации:</a:t>
-            </a:r>
-            <a:r>
-              <a:rPr lang="ru-RU" dirty="0"/>
-              <a:t> Экспертная оценка разметки (1 эксперт либо консенсус)</a:t>
-            </a:r>
-          </a:p>
-          <a:p>
-            <a:endParaRPr lang="ru-RU" dirty="0"/>
-          </a:p>
-        </p:txBody>
-      </p:sp>
+        </p:nvPicPr>
+        <p:blipFill>
+          <a:blip r:embed="rId2" cstate="print"/>
+          <a:srcRect/>
+          <a:stretch>
+            <a:fillRect/>
+          </a:stretch>
+        </p:blipFill>
+        <p:spPr bwMode="auto">
+          <a:xfrm>
+            <a:off x="457200" y="2097419"/>
+            <a:ext cx="8229600" cy="3531525"/>
+          </a:xfrm>
+          <a:prstGeom prst="rect">
+            <a:avLst/>
+          </a:prstGeom>
+          <a:noFill/>
+          <a:ln w="9525">
+            <a:noFill/>
+            <a:miter lim="800000"/>
+            <a:headEnd/>
+            <a:tailEnd/>
+          </a:ln>
+        </p:spPr>
+      </p:pic>
     </p:spTree>
   </p:cSld>
   <p:clrMapOvr>
@@ -3701,7 +3328,7 @@
               <a:rPr lang="ru-RU" dirty="0" smtClean="0">
                 <a:hlinkClick r:id="rId2"/>
               </a:rPr>
-              <a:t>Технические параметры</a:t>
+              <a:t>Клинические параметры</a:t>
             </a:r>
             <a:endParaRPr lang="ru-RU" dirty="0"/>
           </a:p>
@@ -3726,24 +3353,86 @@
           <a:p>
             <a:r>
               <a:rPr lang="ru-RU" b="1" dirty="0" smtClean="0"/>
-              <a:t>Условия </a:t>
-            </a:r>
+              <a:t>Целевые нозологии</a:t>
+            </a:r>
+          </a:p>
+          <a:p>
+            <a:pPr>
+              <a:buNone/>
+            </a:pPr>
             <a:r>
               <a:rPr lang="ru-RU" b="1" dirty="0"/>
-              <a:t>сбора </a:t>
+              <a:t>	</a:t>
             </a:r>
             <a:r>
               <a:rPr lang="ru-RU" b="1" dirty="0" smtClean="0"/>
-              <a:t>данных</a:t>
-            </a:r>
+              <a:t>Целевые </a:t>
+            </a:r>
+            <a:r>
+              <a:rPr lang="ru-RU" b="1" dirty="0" err="1"/>
+              <a:t>патологии\признаки</a:t>
+            </a:r>
+            <a:r>
+              <a:rPr lang="ru-RU" b="1" dirty="0"/>
+              <a:t>:</a:t>
+            </a:r>
+            <a:r>
+              <a:rPr lang="ru-RU" dirty="0"/>
+              <a:t> </a:t>
+            </a:r>
+            <a:r>
+              <a:rPr lang="ru-RU" dirty="0" err="1" smtClean="0"/>
+              <a:t>COVID-19</a:t>
+            </a:r>
+            <a:endParaRPr lang="ru-RU" dirty="0" smtClean="0"/>
           </a:p>
           <a:p>
             <a:pPr>
               <a:buNone/>
             </a:pPr>
             <a:r>
+              <a:rPr lang="ru-RU" b="1" dirty="0"/>
+              <a:t>	</a:t>
+            </a:r>
+            <a:r>
               <a:rPr lang="ru-RU" b="1" dirty="0" smtClean="0"/>
-              <a:t>	Критерии </a:t>
+              <a:t>Код </a:t>
+            </a:r>
+            <a:r>
+              <a:rPr lang="ru-RU" b="1" dirty="0" err="1"/>
+              <a:t>МКБ-10</a:t>
+            </a:r>
+            <a:r>
+              <a:rPr lang="ru-RU" b="1" dirty="0"/>
+              <a:t> целевой патологии:</a:t>
+            </a:r>
+            <a:r>
+              <a:rPr lang="ru-RU" dirty="0"/>
+              <a:t> </a:t>
+            </a:r>
+            <a:r>
+              <a:rPr lang="ru-RU" dirty="0" err="1" smtClean="0"/>
+              <a:t>U07.1</a:t>
+            </a:r>
+            <a:endParaRPr lang="ru-RU" dirty="0" smtClean="0"/>
+          </a:p>
+          <a:p>
+            <a:r>
+              <a:rPr lang="ru-RU" b="1" dirty="0" smtClean="0"/>
+              <a:t>Параметры популяции</a:t>
+            </a:r>
+          </a:p>
+          <a:p>
+            <a:pPr>
+              <a:buNone/>
+            </a:pPr>
+            <a:r>
+              <a:rPr lang="ru-RU" b="1" dirty="0"/>
+              <a:t>	</a:t>
+            </a:r>
+            <a:r>
+              <a:rPr lang="ru-RU" b="1" dirty="0" smtClean="0"/>
+              <a:t>Критерии </a:t>
             </a:r>
             <a:r>
               <a:rPr lang="ru-RU" b="1" dirty="0"/>
@@ -3755,242 +3444,249 @@
             </a:r>
             <a:r>
               <a:rPr lang="ru-RU" b="1" dirty="0"/>
-              <a:t> исследования в </a:t>
-            </a:r>
-            <a:r>
-              <a:rPr lang="ru-RU" b="1" dirty="0" err="1"/>
-              <a:t>датасет:</a:t>
+              <a:t> пациента</a:t>
+            </a:r>
+            <a:r>
+              <a:rPr lang="ru-RU" b="1" dirty="0" smtClean="0"/>
+              <a:t>:</a:t>
+            </a:r>
+          </a:p>
+          <a:p>
+            <a:pPr>
+              <a:buNone/>
+            </a:pPr>
+            <a:r>
+              <a:rPr lang="ru-RU" b="1" dirty="0"/>
+              <a:t>	</a:t>
+            </a:r>
+            <a:r>
+              <a:rPr lang="ru-RU" dirty="0" smtClean="0"/>
+              <a:t>Критерии </a:t>
+            </a:r>
+            <a:r>
+              <a:rPr lang="ru-RU" dirty="0"/>
+              <a:t>включения пациента: Возраст ≥18 лет</a:t>
+            </a:r>
+            <a:br>
+              <a:rPr lang="ru-RU" dirty="0"/>
+            </a:br>
+            <a:r>
+              <a:rPr lang="ru-RU" dirty="0"/>
+              <a:t>Критерии </a:t>
             </a:r>
             <a:r>
               <a:rPr lang="ru-RU" dirty="0" err="1"/>
-              <a:t>Сбор</a:t>
-            </a:r>
-            <a:r>
-              <a:rPr lang="ru-RU" dirty="0"/>
-              <a:t> данных осуществлялся в 48 медицинских организаций в период с 1 марта по 25 апреля 2020 г у пациентов с подозрением на изменения в легких при </a:t>
+              <a:t>невключения</a:t>
+            </a:r>
+            <a:r>
+              <a:rPr lang="ru-RU" dirty="0"/>
+              <a:t> пациента: Наличие оперативных вмешательств, лучевой терапии в анамнезе для лечения заболеваний в области грудной клетки</a:t>
+            </a:r>
+          </a:p>
+          <a:p>
+            <a:pPr>
+              <a:buNone/>
+            </a:pPr>
+            <a:r>
+              <a:rPr lang="ru-RU" dirty="0" smtClean="0"/>
+              <a:t>	Возраст </a:t>
+            </a:r>
+            <a:r>
+              <a:rPr lang="ru-RU" dirty="0"/>
+              <a:t>(мин., лет): </a:t>
+            </a:r>
+            <a:r>
+              <a:rPr lang="ru-RU" dirty="0" smtClean="0"/>
+              <a:t>18</a:t>
+            </a:r>
+          </a:p>
+          <a:p>
+            <a:pPr>
+              <a:buNone/>
+            </a:pPr>
+            <a:r>
+              <a:rPr lang="ru-RU" dirty="0"/>
+              <a:t>	</a:t>
+            </a:r>
+            <a:r>
+              <a:rPr lang="ru-RU" dirty="0" smtClean="0"/>
+              <a:t>Возраст </a:t>
+            </a:r>
+            <a:r>
+              <a:rPr lang="ru-RU" dirty="0"/>
+              <a:t>(макс., лет): </a:t>
+            </a:r>
+            <a:r>
+              <a:rPr lang="ru-RU" dirty="0" smtClean="0"/>
+              <a:t>97</a:t>
+            </a:r>
+          </a:p>
+          <a:p>
+            <a:pPr>
+              <a:buNone/>
+            </a:pPr>
+            <a:r>
+              <a:rPr lang="ru-RU" dirty="0"/>
+              <a:t>	</a:t>
+            </a:r>
+            <a:r>
+              <a:rPr lang="ru-RU" dirty="0" smtClean="0"/>
+              <a:t>Возраст </a:t>
+            </a:r>
+            <a:r>
+              <a:rPr lang="ru-RU" dirty="0"/>
+              <a:t>(медиана, лет): </a:t>
+            </a:r>
+            <a:r>
+              <a:rPr lang="ru-RU" dirty="0" smtClean="0"/>
+              <a:t>47,0</a:t>
+            </a:r>
+          </a:p>
+          <a:p>
+            <a:pPr>
+              <a:buNone/>
+            </a:pPr>
+            <a:r>
+              <a:rPr lang="ru-RU" dirty="0"/>
+              <a:t>	</a:t>
+            </a:r>
+            <a:r>
+              <a:rPr lang="ru-RU" dirty="0" smtClean="0"/>
+              <a:t>Пол </a:t>
+            </a:r>
+            <a:r>
+              <a:rPr lang="ru-RU" dirty="0"/>
+              <a:t>(М): </a:t>
+            </a:r>
+            <a:r>
+              <a:rPr lang="ru-RU" dirty="0" smtClean="0"/>
+              <a:t>42</a:t>
+            </a:r>
+          </a:p>
+          <a:p>
+            <a:pPr>
+              <a:buNone/>
+            </a:pPr>
+            <a:r>
+              <a:rPr lang="ru-RU" dirty="0"/>
+              <a:t>	</a:t>
+            </a:r>
+            <a:r>
+              <a:rPr lang="ru-RU" dirty="0" smtClean="0"/>
+              <a:t>Пол </a:t>
+            </a:r>
+            <a:r>
+              <a:rPr lang="ru-RU" dirty="0"/>
+              <a:t>(Ж): </a:t>
+            </a:r>
+            <a:r>
+              <a:rPr lang="ru-RU" dirty="0" smtClean="0"/>
+              <a:t>56</a:t>
+            </a:r>
+          </a:p>
+          <a:p>
+            <a:pPr>
+              <a:buNone/>
+            </a:pPr>
+            <a:r>
+              <a:rPr lang="ru-RU" dirty="0"/>
+              <a:t>	</a:t>
+            </a:r>
+            <a:r>
+              <a:rPr lang="ru-RU" dirty="0" smtClean="0"/>
+              <a:t>Пол </a:t>
+            </a:r>
+            <a:r>
+              <a:rPr lang="ru-RU" dirty="0"/>
+              <a:t>(</a:t>
+            </a:r>
+            <a:r>
+              <a:rPr lang="ru-RU" dirty="0" err="1"/>
+              <a:t>неопределено</a:t>
+            </a:r>
+            <a:r>
+              <a:rPr lang="ru-RU" dirty="0"/>
+              <a:t>): </a:t>
+            </a:r>
+            <a:r>
+              <a:rPr lang="ru-RU" dirty="0" smtClean="0"/>
+              <a:t>2</a:t>
+            </a:r>
+          </a:p>
+          <a:p>
+            <a:pPr>
+              <a:buNone/>
+            </a:pPr>
+            <a:r>
+              <a:rPr lang="ru-RU" dirty="0"/>
+              <a:t>	</a:t>
+            </a:r>
+            <a:r>
+              <a:rPr lang="ru-RU" dirty="0" smtClean="0"/>
+              <a:t>Период </a:t>
+            </a:r>
+            <a:r>
+              <a:rPr lang="ru-RU" dirty="0"/>
+              <a:t>сбора (начало): </a:t>
+            </a:r>
+            <a:r>
+              <a:rPr lang="ru-RU" dirty="0" smtClean="0"/>
+              <a:t>01.03.2020</a:t>
+            </a:r>
+          </a:p>
+          <a:p>
+            <a:pPr>
+              <a:buNone/>
+            </a:pPr>
+            <a:r>
+              <a:rPr lang="ru-RU" dirty="0"/>
+              <a:t>	</a:t>
+            </a:r>
+            <a:r>
+              <a:rPr lang="ru-RU" dirty="0" smtClean="0"/>
+              <a:t>Период </a:t>
+            </a:r>
+            <a:r>
+              <a:rPr lang="ru-RU" dirty="0"/>
+              <a:t>сбора (конец): </a:t>
+            </a:r>
+            <a:r>
+              <a:rPr lang="ru-RU" dirty="0" smtClean="0"/>
+              <a:t>25.04.2020</a:t>
+            </a:r>
+          </a:p>
+          <a:p>
+            <a:pPr>
+              <a:buNone/>
+            </a:pPr>
+            <a:r>
+              <a:rPr lang="ru-RU" dirty="0"/>
+              <a:t>	</a:t>
+            </a:r>
+            <a:r>
+              <a:rPr lang="ru-RU" dirty="0" smtClean="0"/>
+              <a:t>Эпидемиологическая </a:t>
+            </a:r>
+            <a:r>
+              <a:rPr lang="ru-RU" dirty="0"/>
+              <a:t>обстановка: В условиях пандемии </a:t>
+            </a:r>
+            <a:r>
+              <a:rPr lang="ru-RU" dirty="0" err="1"/>
+              <a:t>коронавирусной</a:t>
+            </a:r>
+            <a:r>
+              <a:rPr lang="ru-RU" dirty="0"/>
+              <a:t> инфекции (</a:t>
             </a:r>
             <a:r>
               <a:rPr lang="ru-RU" dirty="0" err="1"/>
               <a:t>COVID-19</a:t>
             </a:r>
-            <a:endParaRPr lang="ru-RU" dirty="0"/>
-          </a:p>
-          <a:p>
-            <a:pPr>
-              <a:buNone/>
-            </a:pPr>
-            <a:r>
-              <a:rPr lang="ru-RU" b="1" dirty="0" smtClean="0"/>
-              <a:t>	Протоколы </a:t>
-            </a:r>
-            <a:r>
-              <a:rPr lang="ru-RU" b="1" dirty="0"/>
-              <a:t>и условия сбора </a:t>
-            </a:r>
-            <a:r>
-              <a:rPr lang="ru-RU" b="1" dirty="0" err="1"/>
-              <a:t>данных:</a:t>
-            </a:r>
-            <a:r>
-              <a:rPr lang="ru-RU" dirty="0" err="1"/>
-              <a:t>КТ-протокол</a:t>
-            </a:r>
-            <a:r>
-              <a:rPr lang="ru-RU" dirty="0"/>
-              <a:t> сканирования </a:t>
-            </a:r>
-            <a:r>
-              <a:rPr lang="ru-RU" dirty="0" err="1"/>
-              <a:t>Chest</a:t>
-            </a:r>
-            <a:r>
-              <a:rPr lang="ru-RU" dirty="0"/>
-              <a:t> (рутинные КТ грудной клетки), сканирование выполнено в положении пациента на спине, при задержке дыхания на глубине вдоха, руки убраны за голову</a:t>
-            </a:r>
-          </a:p>
-          <a:p>
-            <a:r>
-              <a:rPr lang="ru-RU" b="1" dirty="0"/>
-              <a:t>Единичная запись набора </a:t>
-            </a:r>
-            <a:r>
-              <a:rPr lang="ru-RU" b="1" dirty="0" smtClean="0"/>
-              <a:t>данных</a:t>
-            </a:r>
-          </a:p>
-          <a:p>
-            <a:pPr>
-              <a:buNone/>
-            </a:pPr>
-            <a:r>
-              <a:rPr lang="ru-RU" b="1" dirty="0"/>
-              <a:t>	</a:t>
-            </a:r>
-            <a:r>
-              <a:rPr lang="ru-RU" b="1" dirty="0" smtClean="0"/>
-              <a:t>Объект </a:t>
-            </a:r>
-            <a:r>
-              <a:rPr lang="ru-RU" b="1" dirty="0"/>
-              <a:t>разметки:</a:t>
-            </a:r>
-            <a:r>
-              <a:rPr lang="ru-RU" dirty="0"/>
-              <a:t> </a:t>
-            </a:r>
-            <a:r>
-              <a:rPr lang="ru-RU" dirty="0" smtClean="0"/>
-              <a:t>Исследование</a:t>
-            </a:r>
-          </a:p>
-          <a:p>
-            <a:pPr>
-              <a:buNone/>
-            </a:pPr>
-            <a:r>
-              <a:rPr lang="ru-RU" b="1" dirty="0" smtClean="0"/>
-              <a:t>	Результат </a:t>
-            </a:r>
-            <a:r>
-              <a:rPr lang="ru-RU" b="1" dirty="0"/>
-              <a:t>разметки:</a:t>
-            </a:r>
-            <a:r>
-              <a:rPr lang="ru-RU" dirty="0"/>
-              <a:t> Целевая патология / отсутствие целевой патологии; бинарные маски </a:t>
-            </a:r>
-            <a:r>
-              <a:rPr lang="ru-RU" dirty="0" smtClean="0"/>
-              <a:t>изображений</a:t>
-            </a:r>
-          </a:p>
-          <a:p>
-            <a:r>
-              <a:rPr lang="ru-RU" b="1" dirty="0" smtClean="0"/>
-              <a:t>Форматы </a:t>
-            </a:r>
-            <a:r>
-              <a:rPr lang="ru-RU" b="1" dirty="0"/>
-              <a:t>записи набора </a:t>
-            </a:r>
-            <a:r>
-              <a:rPr lang="ru-RU" b="1" dirty="0" smtClean="0"/>
-              <a:t>данных</a:t>
-            </a:r>
-          </a:p>
-          <a:p>
-            <a:pPr>
-              <a:buNone/>
-            </a:pPr>
-            <a:r>
-              <a:rPr lang="ru-RU" b="1" dirty="0"/>
-              <a:t>	</a:t>
-            </a:r>
-            <a:r>
-              <a:rPr lang="ru-RU" b="1" dirty="0" smtClean="0"/>
-              <a:t>Объект </a:t>
-            </a:r>
-            <a:r>
-              <a:rPr lang="ru-RU" b="1" dirty="0"/>
-              <a:t>разметки:</a:t>
-            </a:r>
-            <a:r>
-              <a:rPr lang="ru-RU" dirty="0"/>
-              <a:t> </a:t>
-            </a:r>
-            <a:r>
-              <a:rPr lang="ru-RU" dirty="0" err="1" smtClean="0"/>
-              <a:t>NIFTI</a:t>
-            </a:r>
-            <a:endParaRPr lang="ru-RU" dirty="0" smtClean="0"/>
-          </a:p>
-          <a:p>
-            <a:pPr>
-              <a:buNone/>
-            </a:pPr>
-            <a:r>
-              <a:rPr lang="ru-RU" b="1" dirty="0"/>
-              <a:t>	</a:t>
-            </a:r>
-            <a:r>
-              <a:rPr lang="ru-RU" b="1" dirty="0" smtClean="0"/>
-              <a:t>Результат </a:t>
-            </a:r>
-            <a:r>
-              <a:rPr lang="ru-RU" b="1" dirty="0"/>
-              <a:t>разметки:</a:t>
-            </a:r>
-            <a:r>
-              <a:rPr lang="ru-RU" dirty="0"/>
-              <a:t> </a:t>
-            </a:r>
-            <a:r>
-              <a:rPr lang="ru-RU" dirty="0" smtClean="0"/>
-              <a:t>Табличный</a:t>
-            </a:r>
-          </a:p>
-          <a:p>
-            <a:r>
-              <a:rPr lang="ru-RU" b="1" dirty="0" smtClean="0"/>
-              <a:t>Объем данных</a:t>
-            </a:r>
-          </a:p>
-          <a:p>
-            <a:pPr>
-              <a:buNone/>
-            </a:pPr>
-            <a:r>
-              <a:rPr lang="ru-RU" b="1" dirty="0"/>
-              <a:t>	</a:t>
-            </a:r>
-            <a:r>
-              <a:rPr lang="ru-RU" b="1" dirty="0" smtClean="0"/>
-              <a:t>Количество </a:t>
-            </a:r>
-            <a:r>
-              <a:rPr lang="ru-RU" b="1" dirty="0"/>
-              <a:t>исследований набора данных:</a:t>
-            </a:r>
-            <a:r>
-              <a:rPr lang="ru-RU" dirty="0"/>
-              <a:t> </a:t>
-            </a:r>
-            <a:r>
-              <a:rPr lang="ru-RU" dirty="0" smtClean="0"/>
-              <a:t>1110</a:t>
-            </a:r>
-          </a:p>
-          <a:p>
-            <a:pPr>
-              <a:buNone/>
-            </a:pPr>
-            <a:r>
-              <a:rPr lang="ru-RU" b="1" dirty="0"/>
-              <a:t>	</a:t>
-            </a:r>
-            <a:r>
-              <a:rPr lang="ru-RU" b="1" dirty="0" smtClean="0"/>
-              <a:t>Количество </a:t>
-            </a:r>
-            <a:r>
-              <a:rPr lang="ru-RU" b="1" dirty="0"/>
-              <a:t>уникальных источников (</a:t>
-            </a:r>
-            <a:r>
-              <a:rPr lang="ru-RU" b="1" dirty="0" err="1"/>
-              <a:t>ДУ</a:t>
-            </a:r>
-            <a:r>
-              <a:rPr lang="ru-RU" b="1" dirty="0"/>
-              <a:t>):</a:t>
-            </a:r>
-            <a:r>
-              <a:rPr lang="ru-RU" dirty="0"/>
-              <a:t> 48</a:t>
-            </a:r>
-          </a:p>
-          <a:p>
-            <a:endParaRPr lang="ru-RU" dirty="0"/>
+            <a:r>
+              <a:rPr lang="ru-RU" dirty="0"/>
+              <a:t>)</a:t>
+            </a:r>
           </a:p>
         </p:txBody>
       </p:sp>
@@ -4003,6 +3699,871 @@
 </file>
 
 <file path=ppt/slides/slide13.xml><?xml version="1.0" encoding="utf-8"?>
+<p:sld xmlns:a="http://schemas.openxmlformats.org/drawingml/2006/main" xmlns:r="http://schemas.openxmlformats.org/officeDocument/2006/relationships" xmlns:p="http://schemas.openxmlformats.org/presentationml/2006/main">
+  <p:cSld>
+    <p:spTree>
+      <p:nvGrpSpPr>
+        <p:cNvPr id="1" name=""/>
+        <p:cNvGrpSpPr/>
+        <p:nvPr/>
+      </p:nvGrpSpPr>
+      <p:grpSpPr>
+        <a:xfrm>
+          <a:off x="0" y="0"/>
+          <a:ext cx="0" cy="0"/>
+          <a:chOff x="0" y="0"/>
+          <a:chExt cx="0" cy="0"/>
+        </a:xfrm>
+      </p:grpSpPr>
+      <p:sp>
+        <p:nvSpPr>
+          <p:cNvPr id="2" name="Заголовок 1"/>
+          <p:cNvSpPr>
+            <a:spLocks noGrp="1"/>
+          </p:cNvSpPr>
+          <p:nvPr>
+            <p:ph type="title"/>
+          </p:nvPr>
+        </p:nvSpPr>
+        <p:spPr/>
+        <p:txBody>
+          <a:bodyPr>
+            <a:normAutofit/>
+          </a:bodyPr>
+          <a:lstStyle/>
+          <a:p>
+            <a:r>
+              <a:rPr lang="ru-RU" dirty="0" smtClean="0">
+                <a:hlinkClick r:id="rId2"/>
+              </a:rPr>
+              <a:t>Назначение</a:t>
+            </a:r>
+            <a:endParaRPr lang="ru-RU" dirty="0"/>
+          </a:p>
+        </p:txBody>
+      </p:sp>
+      <p:sp>
+        <p:nvSpPr>
+          <p:cNvPr id="3" name="Содержимое 2"/>
+          <p:cNvSpPr>
+            <a:spLocks noGrp="1"/>
+          </p:cNvSpPr>
+          <p:nvPr>
+            <p:ph idx="1"/>
+          </p:nvPr>
+        </p:nvSpPr>
+        <p:spPr/>
+        <p:txBody>
+          <a:bodyPr>
+            <a:normAutofit/>
+          </a:bodyPr>
+          <a:lstStyle/>
+          <a:p>
+            <a:r>
+              <a:rPr lang="ru-RU" b="1" dirty="0" smtClean="0"/>
+              <a:t>Клиническая/практическая/научная </a:t>
+            </a:r>
+            <a:r>
+              <a:rPr lang="ru-RU" b="1" dirty="0"/>
+              <a:t>задача создания набора данных:</a:t>
+            </a:r>
+            <a:r>
+              <a:rPr lang="ru-RU" dirty="0"/>
+              <a:t> Определение степени поражения паренхимы легкого при </a:t>
+            </a:r>
+            <a:r>
+              <a:rPr lang="ru-RU" dirty="0" err="1" smtClean="0"/>
+              <a:t>COVID-19</a:t>
+            </a:r>
+            <a:endParaRPr lang="ru-RU" dirty="0" smtClean="0"/>
+          </a:p>
+          <a:p>
+            <a:r>
+              <a:rPr lang="ru-RU" b="1" dirty="0" smtClean="0"/>
+              <a:t>Назначение </a:t>
+            </a:r>
+            <a:r>
+              <a:rPr lang="ru-RU" b="1" dirty="0" err="1"/>
+              <a:t>датасета</a:t>
+            </a:r>
+            <a:r>
+              <a:rPr lang="ru-RU" b="1" dirty="0"/>
+              <a:t>:</a:t>
+            </a:r>
+            <a:r>
+              <a:rPr lang="ru-RU" dirty="0"/>
+              <a:t> Обучение ИИ </a:t>
+            </a:r>
+            <a:r>
+              <a:rPr lang="ru-RU" dirty="0" smtClean="0"/>
+              <a:t>алгоритма</a:t>
+            </a:r>
+          </a:p>
+          <a:p>
+            <a:r>
+              <a:rPr lang="ru-RU" b="1" dirty="0" smtClean="0"/>
+              <a:t>Вариант</a:t>
+            </a:r>
+            <a:r>
+              <a:rPr lang="ru-RU" b="1" dirty="0"/>
+              <a:t>:</a:t>
+            </a:r>
+            <a:r>
+              <a:rPr lang="ru-RU" dirty="0"/>
+              <a:t> </a:t>
+            </a:r>
+            <a:r>
+              <a:rPr lang="ru-RU" dirty="0" err="1"/>
+              <a:t>SC</a:t>
+            </a:r>
+            <a:r>
+              <a:rPr lang="ru-RU" dirty="0"/>
+              <a:t> - </a:t>
+            </a:r>
+            <a:r>
+              <a:rPr lang="ru-RU" dirty="0" err="1"/>
+              <a:t>special</a:t>
+            </a:r>
+            <a:r>
+              <a:rPr lang="ru-RU" dirty="0"/>
+              <a:t> </a:t>
+            </a:r>
+            <a:r>
+              <a:rPr lang="ru-RU" dirty="0" err="1"/>
+              <a:t>case</a:t>
+            </a:r>
+            <a:endParaRPr lang="ru-RU" dirty="0"/>
+          </a:p>
+        </p:txBody>
+      </p:sp>
+    </p:spTree>
+  </p:cSld>
+  <p:clrMapOvr>
+    <a:masterClrMapping/>
+  </p:clrMapOvr>
+</p:sld>
+</file>
+
+<file path=ppt/slides/slide14.xml><?xml version="1.0" encoding="utf-8"?>
+<p:sld xmlns:a="http://schemas.openxmlformats.org/drawingml/2006/main" xmlns:r="http://schemas.openxmlformats.org/officeDocument/2006/relationships" xmlns:p="http://schemas.openxmlformats.org/presentationml/2006/main">
+  <p:cSld>
+    <p:spTree>
+      <p:nvGrpSpPr>
+        <p:cNvPr id="1" name=""/>
+        <p:cNvGrpSpPr/>
+        <p:nvPr/>
+      </p:nvGrpSpPr>
+      <p:grpSpPr>
+        <a:xfrm>
+          <a:off x="0" y="0"/>
+          <a:ext cx="0" cy="0"/>
+          <a:chOff x="0" y="0"/>
+          <a:chExt cx="0" cy="0"/>
+        </a:xfrm>
+      </p:grpSpPr>
+      <p:sp>
+        <p:nvSpPr>
+          <p:cNvPr id="2" name="Заголовок 1"/>
+          <p:cNvSpPr>
+            <a:spLocks noGrp="1"/>
+          </p:cNvSpPr>
+          <p:nvPr>
+            <p:ph type="title"/>
+          </p:nvPr>
+        </p:nvSpPr>
+        <p:spPr/>
+        <p:txBody>
+          <a:bodyPr>
+            <a:normAutofit/>
+          </a:bodyPr>
+          <a:lstStyle/>
+          <a:p>
+            <a:r>
+              <a:rPr lang="ru-RU" dirty="0" smtClean="0">
+                <a:hlinkClick r:id="rId2"/>
+              </a:rPr>
+              <a:t>Разметка и верификация</a:t>
+            </a:r>
+            <a:endParaRPr lang="ru-RU" dirty="0"/>
+          </a:p>
+        </p:txBody>
+      </p:sp>
+      <p:sp>
+        <p:nvSpPr>
+          <p:cNvPr id="3" name="Содержимое 2"/>
+          <p:cNvSpPr>
+            <a:spLocks noGrp="1"/>
+          </p:cNvSpPr>
+          <p:nvPr>
+            <p:ph idx="1"/>
+          </p:nvPr>
+        </p:nvSpPr>
+        <p:spPr/>
+        <p:txBody>
+          <a:bodyPr>
+            <a:normAutofit fontScale="40000" lnSpcReduction="20000"/>
+          </a:bodyPr>
+          <a:lstStyle/>
+          <a:p>
+            <a:r>
+              <a:rPr lang="ru-RU" b="1" dirty="0" err="1" smtClean="0"/>
+              <a:t>РазметкаУровень</a:t>
+            </a:r>
+            <a:r>
+              <a:rPr lang="ru-RU" b="1" dirty="0" smtClean="0"/>
+              <a:t> </a:t>
+            </a:r>
+            <a:r>
+              <a:rPr lang="ru-RU" b="1" dirty="0"/>
+              <a:t>разметки:</a:t>
+            </a:r>
+            <a:r>
+              <a:rPr lang="ru-RU" dirty="0"/>
+              <a:t> Изображение, </a:t>
+            </a:r>
+            <a:r>
+              <a:rPr lang="ru-RU" dirty="0" smtClean="0"/>
+              <a:t>Исследование</a:t>
+            </a:r>
+          </a:p>
+          <a:p>
+            <a:r>
+              <a:rPr lang="ru-RU" b="1" dirty="0" smtClean="0"/>
+              <a:t>Способы </a:t>
+            </a:r>
+            <a:r>
+              <a:rPr lang="ru-RU" b="1" dirty="0" err="1"/>
+              <a:t>предразметки</a:t>
+            </a:r>
+            <a:r>
+              <a:rPr lang="ru-RU" b="1" dirty="0"/>
+              <a:t>:</a:t>
+            </a:r>
+            <a:r>
+              <a:rPr lang="ru-RU" dirty="0"/>
+              <a:t> </a:t>
+            </a:r>
+            <a:r>
+              <a:rPr lang="ru-RU" dirty="0" smtClean="0"/>
+              <a:t>Нет</a:t>
+            </a:r>
+          </a:p>
+          <a:p>
+            <a:r>
+              <a:rPr lang="ru-RU" b="1" dirty="0" smtClean="0"/>
+              <a:t>Характер </a:t>
+            </a:r>
+            <a:r>
+              <a:rPr lang="ru-RU" b="1" dirty="0"/>
+              <a:t>разметки:</a:t>
+            </a:r>
+            <a:r>
+              <a:rPr lang="ru-RU" dirty="0"/>
+              <a:t> </a:t>
+            </a:r>
+            <a:r>
+              <a:rPr lang="ru-RU" dirty="0" smtClean="0"/>
+              <a:t>Бинарная</a:t>
+            </a:r>
+          </a:p>
+          <a:p>
+            <a:r>
+              <a:rPr lang="ru-RU" b="1" dirty="0" smtClean="0"/>
+              <a:t>Количество </a:t>
+            </a:r>
+            <a:r>
+              <a:rPr lang="ru-RU" b="1" dirty="0"/>
+              <a:t>лейблов:</a:t>
+            </a:r>
+            <a:r>
+              <a:rPr lang="ru-RU" dirty="0"/>
+              <a:t> </a:t>
+            </a:r>
+            <a:r>
+              <a:rPr lang="ru-RU" dirty="0" smtClean="0"/>
+              <a:t>1</a:t>
+            </a:r>
+          </a:p>
+          <a:p>
+            <a:r>
+              <a:rPr lang="ru-RU" b="1" dirty="0" smtClean="0"/>
+              <a:t>Характер </a:t>
+            </a:r>
+            <a:r>
+              <a:rPr lang="ru-RU" b="1" dirty="0"/>
+              <a:t>лейблов:</a:t>
+            </a:r>
+            <a:r>
+              <a:rPr lang="ru-RU" dirty="0"/>
+              <a:t> </a:t>
+            </a:r>
+            <a:r>
+              <a:rPr lang="ru-RU" dirty="0" err="1"/>
+              <a:t>Мультикласс</a:t>
+            </a:r>
+            <a:r>
+              <a:rPr lang="ru-RU" dirty="0"/>
+              <a:t> (1 лейбл, </a:t>
+            </a:r>
+            <a:r>
+              <a:rPr lang="ru-RU" dirty="0" err="1"/>
+              <a:t>M</a:t>
+            </a:r>
+            <a:r>
+              <a:rPr lang="ru-RU" dirty="0"/>
+              <a:t> классов, </a:t>
+            </a:r>
+            <a:r>
+              <a:rPr lang="ru-RU" dirty="0" err="1"/>
+              <a:t>M</a:t>
+            </a:r>
+            <a:r>
+              <a:rPr lang="ru-RU" dirty="0"/>
+              <a:t>&gt;2</a:t>
+            </a:r>
+            <a:r>
+              <a:rPr lang="ru-RU" dirty="0" smtClean="0"/>
+              <a:t>)</a:t>
+            </a:r>
+          </a:p>
+          <a:p>
+            <a:r>
+              <a:rPr lang="ru-RU" b="1" dirty="0" smtClean="0"/>
+              <a:t>Уровень </a:t>
+            </a:r>
+            <a:r>
+              <a:rPr lang="ru-RU" b="1" dirty="0"/>
+              <a:t>детализации лейблов:</a:t>
+            </a:r>
+            <a:r>
+              <a:rPr lang="ru-RU" dirty="0"/>
+              <a:t> </a:t>
+            </a:r>
+            <a:r>
+              <a:rPr lang="ru-RU" dirty="0" smtClean="0"/>
+              <a:t>Исследование/серия/изображение</a:t>
+            </a:r>
+          </a:p>
+          <a:p>
+            <a:r>
+              <a:rPr lang="ru-RU" b="1" dirty="0" smtClean="0"/>
+              <a:t>Названия </a:t>
+            </a:r>
+            <a:r>
+              <a:rPr lang="ru-RU" b="1" dirty="0"/>
+              <a:t>лейблов:</a:t>
+            </a:r>
+            <a:r>
+              <a:rPr lang="ru-RU" dirty="0"/>
+              <a:t> Признаки поражения паренхимы легкого при </a:t>
+            </a:r>
+            <a:r>
+              <a:rPr lang="ru-RU" dirty="0" err="1"/>
+              <a:t>COVID-19</a:t>
+            </a:r>
+            <a:r>
+              <a:rPr lang="ru-RU" dirty="0"/>
+              <a:t> согласно -Базовые диагностические требования от августа </a:t>
+            </a:r>
+            <a:r>
+              <a:rPr lang="ru-RU" dirty="0" err="1" smtClean="0"/>
+              <a:t>2021г</a:t>
+            </a:r>
+            <a:endParaRPr lang="ru-RU" dirty="0" smtClean="0"/>
+          </a:p>
+          <a:p>
+            <a:r>
+              <a:rPr lang="ru-RU" b="1" dirty="0" smtClean="0"/>
+              <a:t>Количество </a:t>
+            </a:r>
+            <a:r>
+              <a:rPr lang="ru-RU" b="1" dirty="0"/>
+              <a:t>классов:</a:t>
+            </a:r>
+            <a:r>
+              <a:rPr lang="ru-RU" dirty="0"/>
+              <a:t> </a:t>
+            </a:r>
+            <a:r>
+              <a:rPr lang="ru-RU" dirty="0" smtClean="0"/>
+              <a:t>2</a:t>
+            </a:r>
+          </a:p>
+          <a:p>
+            <a:r>
+              <a:rPr lang="ru-RU" b="1" dirty="0" smtClean="0"/>
+              <a:t>Названия </a:t>
+            </a:r>
+            <a:r>
+              <a:rPr lang="ru-RU" b="1" dirty="0"/>
+              <a:t>классов:</a:t>
+            </a:r>
+            <a:r>
+              <a:rPr lang="ru-RU" dirty="0"/>
+              <a:t> Без целевой патологии - 0; С целевой патологией </a:t>
+            </a:r>
+            <a:r>
+              <a:rPr lang="ru-RU" dirty="0" smtClean="0"/>
+              <a:t>– 1</a:t>
+            </a:r>
+          </a:p>
+          <a:p>
+            <a:r>
+              <a:rPr lang="ru-RU" b="1" dirty="0" smtClean="0"/>
+              <a:t>Количество </a:t>
+            </a:r>
+            <a:r>
+              <a:rPr lang="ru-RU" b="1" dirty="0"/>
+              <a:t>по классам:</a:t>
+            </a:r>
+            <a:r>
+              <a:rPr lang="ru-RU" dirty="0"/>
+              <a:t> КТ-0 ― 254 (22,8%), КТ-1 ― 684 (61,6%), КТ-2 ― 125 (11,3%), КТ-3 ― 45 (4,1%), КТ-4 ― 2 (0,2</a:t>
+            </a:r>
+            <a:r>
+              <a:rPr lang="ru-RU" dirty="0" smtClean="0"/>
+              <a:t>%).</a:t>
+            </a:r>
+          </a:p>
+          <a:p>
+            <a:r>
+              <a:rPr lang="ru-RU" b="1" dirty="0" smtClean="0"/>
+              <a:t>Критерии </a:t>
+            </a:r>
+            <a:r>
+              <a:rPr lang="ru-RU" b="1" dirty="0"/>
+              <a:t>отнесения к </a:t>
+            </a:r>
+            <a:r>
+              <a:rPr lang="ru-RU" b="1" dirty="0" err="1"/>
+              <a:t>классам:</a:t>
+            </a:r>
+            <a:r>
+              <a:rPr lang="ru-RU" dirty="0" err="1"/>
+              <a:t>С</a:t>
+            </a:r>
+            <a:r>
+              <a:rPr lang="ru-RU" dirty="0"/>
+              <a:t> патологией:</a:t>
+            </a:r>
+          </a:p>
+          <a:p>
+            <a:r>
+              <a:rPr lang="ru-RU" dirty="0"/>
+              <a:t>Инфильтрация легочной паренхимы по типу матовых стекол с обеих сторон, преимущественно периферической локализации с или без инфильтрацией легочной паренхимы по типу консолидации с положительным признаком воздушной </a:t>
+            </a:r>
+            <a:r>
+              <a:rPr lang="ru-RU" dirty="0" err="1"/>
+              <a:t>бронхограммы</a:t>
+            </a:r>
+            <a:r>
+              <a:rPr lang="ru-RU" dirty="0"/>
+              <a:t>;</a:t>
+            </a:r>
+          </a:p>
+          <a:p>
+            <a:r>
+              <a:rPr lang="ru-RU" dirty="0"/>
+              <a:t>Инфильтрация легочной паренхимы по типу булыжной мостовой (утолщение </a:t>
+            </a:r>
+            <a:r>
+              <a:rPr lang="ru-RU" dirty="0" err="1"/>
+              <a:t>междолькового</a:t>
+            </a:r>
+            <a:r>
+              <a:rPr lang="ru-RU" dirty="0"/>
+              <a:t> </a:t>
+            </a:r>
+            <a:r>
+              <a:rPr lang="ru-RU" dirty="0" err="1"/>
+              <a:t>интерстиция</a:t>
+            </a:r>
+            <a:r>
+              <a:rPr lang="ru-RU" dirty="0"/>
+              <a:t> на фоне матового стекла) с обеих сторон, преимущественно периферической локализации, с или или без инфильтрацией легочной паренхимы по типу консолидации с положительным признаком воздушной </a:t>
+            </a:r>
+            <a:r>
+              <a:rPr lang="ru-RU" dirty="0" err="1"/>
+              <a:t>бронхограммы</a:t>
+            </a:r>
+            <a:r>
+              <a:rPr lang="ru-RU" dirty="0"/>
+              <a:t>.</a:t>
+            </a:r>
+          </a:p>
+          <a:p>
+            <a:r>
+              <a:rPr lang="ru-RU" dirty="0"/>
+              <a:t>Без патологии: отсутствие вышеперечисленных признаков</a:t>
+            </a:r>
+          </a:p>
+          <a:p>
+            <a:r>
+              <a:rPr lang="ru-RU" b="1" dirty="0" err="1"/>
+              <a:t>ВерификацияМетод</a:t>
+            </a:r>
+            <a:r>
+              <a:rPr lang="ru-RU" b="1" dirty="0"/>
+              <a:t> верификации:</a:t>
+            </a:r>
+            <a:r>
+              <a:rPr lang="ru-RU" dirty="0"/>
+              <a:t> Экспертная оценка разметки (1 эксперт либо консенсус)</a:t>
+            </a:r>
+          </a:p>
+          <a:p>
+            <a:endParaRPr lang="ru-RU" dirty="0"/>
+          </a:p>
+        </p:txBody>
+      </p:sp>
+    </p:spTree>
+  </p:cSld>
+  <p:clrMapOvr>
+    <a:masterClrMapping/>
+  </p:clrMapOvr>
+</p:sld>
+</file>
+
+<file path=ppt/slides/slide15.xml><?xml version="1.0" encoding="utf-8"?>
+<p:sld xmlns:a="http://schemas.openxmlformats.org/drawingml/2006/main" xmlns:r="http://schemas.openxmlformats.org/officeDocument/2006/relationships" xmlns:p="http://schemas.openxmlformats.org/presentationml/2006/main">
+  <p:cSld>
+    <p:spTree>
+      <p:nvGrpSpPr>
+        <p:cNvPr id="1" name=""/>
+        <p:cNvGrpSpPr/>
+        <p:nvPr/>
+      </p:nvGrpSpPr>
+      <p:grpSpPr>
+        <a:xfrm>
+          <a:off x="0" y="0"/>
+          <a:ext cx="0" cy="0"/>
+          <a:chOff x="0" y="0"/>
+          <a:chExt cx="0" cy="0"/>
+        </a:xfrm>
+      </p:grpSpPr>
+      <p:sp>
+        <p:nvSpPr>
+          <p:cNvPr id="2" name="Заголовок 1"/>
+          <p:cNvSpPr>
+            <a:spLocks noGrp="1"/>
+          </p:cNvSpPr>
+          <p:nvPr>
+            <p:ph type="title"/>
+          </p:nvPr>
+        </p:nvSpPr>
+        <p:spPr/>
+        <p:txBody>
+          <a:bodyPr>
+            <a:normAutofit/>
+          </a:bodyPr>
+          <a:lstStyle/>
+          <a:p>
+            <a:r>
+              <a:rPr lang="ru-RU" dirty="0" smtClean="0">
+                <a:hlinkClick r:id="rId2"/>
+              </a:rPr>
+              <a:t>Технические параметры</a:t>
+            </a:r>
+            <a:endParaRPr lang="ru-RU" dirty="0"/>
+          </a:p>
+        </p:txBody>
+      </p:sp>
+      <p:sp>
+        <p:nvSpPr>
+          <p:cNvPr id="3" name="Содержимое 2"/>
+          <p:cNvSpPr>
+            <a:spLocks noGrp="1"/>
+          </p:cNvSpPr>
+          <p:nvPr>
+            <p:ph idx="1"/>
+          </p:nvPr>
+        </p:nvSpPr>
+        <p:spPr/>
+        <p:txBody>
+          <a:bodyPr>
+            <a:normAutofit fontScale="47500" lnSpcReduction="20000"/>
+          </a:bodyPr>
+          <a:lstStyle/>
+          <a:p>
+            <a:r>
+              <a:rPr lang="ru-RU" b="1" dirty="0" smtClean="0"/>
+              <a:t>Условия </a:t>
+            </a:r>
+            <a:r>
+              <a:rPr lang="ru-RU" b="1" dirty="0"/>
+              <a:t>сбора </a:t>
+            </a:r>
+            <a:r>
+              <a:rPr lang="ru-RU" b="1" dirty="0" smtClean="0"/>
+              <a:t>данных</a:t>
+            </a:r>
+          </a:p>
+          <a:p>
+            <a:pPr>
+              <a:buNone/>
+            </a:pPr>
+            <a:r>
+              <a:rPr lang="ru-RU" b="1" dirty="0" smtClean="0"/>
+              <a:t>	Критерии </a:t>
+            </a:r>
+            <a:r>
+              <a:rPr lang="ru-RU" b="1" dirty="0"/>
+              <a:t>включения/</a:t>
+            </a:r>
+            <a:r>
+              <a:rPr lang="ru-RU" b="1" dirty="0" err="1"/>
+              <a:t>невключения</a:t>
+            </a:r>
+            <a:r>
+              <a:rPr lang="ru-RU" b="1" dirty="0"/>
+              <a:t> исследования в </a:t>
+            </a:r>
+            <a:r>
+              <a:rPr lang="ru-RU" b="1" dirty="0" err="1"/>
+              <a:t>датасет:</a:t>
+            </a:r>
+            <a:r>
+              <a:rPr lang="ru-RU" dirty="0" err="1"/>
+              <a:t>Сбор</a:t>
+            </a:r>
+            <a:r>
+              <a:rPr lang="ru-RU" dirty="0"/>
+              <a:t> данных осуществлялся в 48 медицинских организаций в период с 1 марта по 25 апреля 2020 г у пациентов с подозрением на изменения в легких при </a:t>
+            </a:r>
+            <a:r>
+              <a:rPr lang="ru-RU" dirty="0" err="1"/>
+              <a:t>COVID-19</a:t>
+            </a:r>
+            <a:endParaRPr lang="ru-RU" dirty="0"/>
+          </a:p>
+          <a:p>
+            <a:pPr>
+              <a:buNone/>
+            </a:pPr>
+            <a:r>
+              <a:rPr lang="ru-RU" b="1" dirty="0" smtClean="0"/>
+              <a:t>	Протоколы </a:t>
+            </a:r>
+            <a:r>
+              <a:rPr lang="ru-RU" b="1" dirty="0"/>
+              <a:t>и условия сбора </a:t>
+            </a:r>
+            <a:r>
+              <a:rPr lang="ru-RU" b="1" dirty="0" err="1"/>
+              <a:t>данных:</a:t>
+            </a:r>
+            <a:r>
+              <a:rPr lang="ru-RU" dirty="0" err="1"/>
+              <a:t>КТ-протокол</a:t>
+            </a:r>
+            <a:r>
+              <a:rPr lang="ru-RU" dirty="0"/>
+              <a:t> сканирования </a:t>
+            </a:r>
+            <a:r>
+              <a:rPr lang="ru-RU" dirty="0" err="1"/>
+              <a:t>Chest</a:t>
+            </a:r>
+            <a:r>
+              <a:rPr lang="ru-RU" dirty="0"/>
+              <a:t> (рутинные КТ грудной клетки), сканирование выполнено в положении пациента на спине, при задержке дыхания на глубине вдоха, руки убраны за голову</a:t>
+            </a:r>
+          </a:p>
+          <a:p>
+            <a:r>
+              <a:rPr lang="ru-RU" b="1" dirty="0"/>
+              <a:t>Единичная запись набора </a:t>
+            </a:r>
+            <a:r>
+              <a:rPr lang="ru-RU" b="1" dirty="0" smtClean="0"/>
+              <a:t>данных</a:t>
+            </a:r>
+          </a:p>
+          <a:p>
+            <a:pPr>
+              <a:buNone/>
+            </a:pPr>
+            <a:r>
+              <a:rPr lang="ru-RU" b="1" dirty="0"/>
+              <a:t>	</a:t>
+            </a:r>
+            <a:r>
+              <a:rPr lang="ru-RU" b="1" dirty="0" smtClean="0"/>
+              <a:t>Объект </a:t>
+            </a:r>
+            <a:r>
+              <a:rPr lang="ru-RU" b="1" dirty="0"/>
+              <a:t>разметки:</a:t>
+            </a:r>
+            <a:r>
+              <a:rPr lang="ru-RU" dirty="0"/>
+              <a:t> </a:t>
+            </a:r>
+            <a:r>
+              <a:rPr lang="ru-RU" dirty="0" smtClean="0"/>
+              <a:t>Исследование</a:t>
+            </a:r>
+          </a:p>
+          <a:p>
+            <a:pPr>
+              <a:buNone/>
+            </a:pPr>
+            <a:r>
+              <a:rPr lang="ru-RU" b="1" dirty="0" smtClean="0"/>
+              <a:t>	Результат </a:t>
+            </a:r>
+            <a:r>
+              <a:rPr lang="ru-RU" b="1" dirty="0"/>
+              <a:t>разметки:</a:t>
+            </a:r>
+            <a:r>
+              <a:rPr lang="ru-RU" dirty="0"/>
+              <a:t> Целевая патология / отсутствие целевой патологии; бинарные маски </a:t>
+            </a:r>
+            <a:r>
+              <a:rPr lang="ru-RU" dirty="0" smtClean="0"/>
+              <a:t>изображений</a:t>
+            </a:r>
+          </a:p>
+          <a:p>
+            <a:r>
+              <a:rPr lang="ru-RU" b="1" dirty="0" smtClean="0"/>
+              <a:t>Форматы </a:t>
+            </a:r>
+            <a:r>
+              <a:rPr lang="ru-RU" b="1" dirty="0"/>
+              <a:t>записи набора </a:t>
+            </a:r>
+            <a:r>
+              <a:rPr lang="ru-RU" b="1" dirty="0" smtClean="0"/>
+              <a:t>данных</a:t>
+            </a:r>
+          </a:p>
+          <a:p>
+            <a:pPr>
+              <a:buNone/>
+            </a:pPr>
+            <a:r>
+              <a:rPr lang="ru-RU" b="1" dirty="0"/>
+              <a:t>	</a:t>
+            </a:r>
+            <a:r>
+              <a:rPr lang="ru-RU" b="1" dirty="0" smtClean="0"/>
+              <a:t>Объект </a:t>
+            </a:r>
+            <a:r>
+              <a:rPr lang="ru-RU" b="1" dirty="0"/>
+              <a:t>разметки:</a:t>
+            </a:r>
+            <a:r>
+              <a:rPr lang="ru-RU" dirty="0"/>
+              <a:t> </a:t>
+            </a:r>
+            <a:r>
+              <a:rPr lang="ru-RU" dirty="0" err="1" smtClean="0"/>
+              <a:t>NIFTI</a:t>
+            </a:r>
+            <a:endParaRPr lang="ru-RU" dirty="0" smtClean="0"/>
+          </a:p>
+          <a:p>
+            <a:pPr>
+              <a:buNone/>
+            </a:pPr>
+            <a:r>
+              <a:rPr lang="ru-RU" b="1" dirty="0"/>
+              <a:t>	</a:t>
+            </a:r>
+            <a:r>
+              <a:rPr lang="ru-RU" b="1" dirty="0" smtClean="0"/>
+              <a:t>Результат </a:t>
+            </a:r>
+            <a:r>
+              <a:rPr lang="ru-RU" b="1" dirty="0"/>
+              <a:t>разметки:</a:t>
+            </a:r>
+            <a:r>
+              <a:rPr lang="ru-RU" dirty="0"/>
+              <a:t> </a:t>
+            </a:r>
+            <a:r>
+              <a:rPr lang="ru-RU" dirty="0" smtClean="0"/>
+              <a:t>Табличный</a:t>
+            </a:r>
+          </a:p>
+          <a:p>
+            <a:r>
+              <a:rPr lang="ru-RU" b="1" dirty="0" smtClean="0"/>
+              <a:t>Объем данных</a:t>
+            </a:r>
+          </a:p>
+          <a:p>
+            <a:pPr>
+              <a:buNone/>
+            </a:pPr>
+            <a:r>
+              <a:rPr lang="ru-RU" b="1" dirty="0"/>
+              <a:t>	</a:t>
+            </a:r>
+            <a:r>
+              <a:rPr lang="ru-RU" b="1" dirty="0" smtClean="0"/>
+              <a:t>Количество </a:t>
+            </a:r>
+            <a:r>
+              <a:rPr lang="ru-RU" b="1" dirty="0"/>
+              <a:t>исследований набора данных:</a:t>
+            </a:r>
+            <a:r>
+              <a:rPr lang="ru-RU" dirty="0"/>
+              <a:t> </a:t>
+            </a:r>
+            <a:r>
+              <a:rPr lang="ru-RU" dirty="0" smtClean="0"/>
+              <a:t>1110</a:t>
+            </a:r>
+          </a:p>
+          <a:p>
+            <a:pPr>
+              <a:buNone/>
+            </a:pPr>
+            <a:r>
+              <a:rPr lang="ru-RU" b="1" dirty="0"/>
+              <a:t>	</a:t>
+            </a:r>
+            <a:r>
+              <a:rPr lang="ru-RU" b="1" dirty="0" smtClean="0"/>
+              <a:t>Количество </a:t>
+            </a:r>
+            <a:r>
+              <a:rPr lang="ru-RU" b="1" dirty="0"/>
+              <a:t>уникальных источников (</a:t>
+            </a:r>
+            <a:r>
+              <a:rPr lang="ru-RU" b="1" dirty="0" err="1"/>
+              <a:t>ДУ</a:t>
+            </a:r>
+            <a:r>
+              <a:rPr lang="ru-RU" b="1" dirty="0"/>
+              <a:t>):</a:t>
+            </a:r>
+            <a:r>
+              <a:rPr lang="ru-RU" dirty="0"/>
+              <a:t> 48</a:t>
+            </a:r>
+          </a:p>
+          <a:p>
+            <a:endParaRPr lang="ru-RU" dirty="0"/>
+          </a:p>
+        </p:txBody>
+      </p:sp>
+    </p:spTree>
+  </p:cSld>
+  <p:clrMapOvr>
+    <a:masterClrMapping/>
+  </p:clrMapOvr>
+</p:sld>
+</file>
+
+<file path=ppt/slides/slide16.xml><?xml version="1.0" encoding="utf-8"?>
 <p:sld xmlns:a="http://schemas.openxmlformats.org/drawingml/2006/main" xmlns:r="http://schemas.openxmlformats.org/officeDocument/2006/relationships" xmlns:p="http://schemas.openxmlformats.org/presentationml/2006/main">
   <p:cSld>
     <p:spTree>
@@ -4085,7 +4646,7 @@
 </p:sld>
 </file>
 
-<file path=ppt/slides/slide14.xml><?xml version="1.0" encoding="utf-8"?>
+<file path=ppt/slides/slide17.xml><?xml version="1.0" encoding="utf-8"?>
 <p:sld xmlns:a="http://schemas.openxmlformats.org/drawingml/2006/main" xmlns:r="http://schemas.openxmlformats.org/officeDocument/2006/relationships" xmlns:p="http://schemas.openxmlformats.org/presentationml/2006/main">
   <p:cSld>
     <p:spTree>
@@ -4655,250 +5216,60 @@
         <p:spPr/>
         <p:txBody>
           <a:bodyPr>
-            <a:noAutofit/>
+            <a:normAutofit fontScale="90000"/>
           </a:bodyPr>
           <a:lstStyle/>
           <a:p>
             <a:r>
-              <a:rPr lang="ru-RU" sz="1800" b="1" dirty="0" smtClean="0"/>
-              <a:t>Эксперимент</a:t>
-            </a:r>
-            <a:br>
-              <a:rPr lang="ru-RU" sz="1800" b="1" dirty="0" smtClean="0"/>
-            </a:br>
-            <a:r>
-              <a:rPr lang="ru-RU" sz="1800" dirty="0" smtClean="0"/>
-              <a:t>по использованию инновационных технологий в области компьютерного зрения для анализа медицинских изображений и дальнейшего применения в системе здравоохранения города Москвы.</a:t>
-            </a:r>
-            <a:endParaRPr lang="ru-RU" sz="1800" dirty="0"/>
-          </a:p>
-        </p:txBody>
-      </p:sp>
-      <p:sp>
-        <p:nvSpPr>
-          <p:cNvPr id="3" name="Содержимое 2"/>
-          <p:cNvSpPr>
-            <a:spLocks noGrp="1"/>
-          </p:cNvSpPr>
+              <a:rPr lang="ru-RU" dirty="0" smtClean="0"/>
+              <a:t>Создание </a:t>
+            </a:r>
+            <a:r>
+              <a:rPr lang="ru-RU" dirty="0" err="1" smtClean="0"/>
+              <a:t>датасетов</a:t>
+            </a:r>
+            <a:r>
+              <a:rPr lang="ru-RU" dirty="0" smtClean="0"/>
+              <a:t> разных конфигураций</a:t>
+            </a:r>
+            <a:endParaRPr lang="ru-RU" dirty="0"/>
+          </a:p>
+        </p:txBody>
+      </p:sp>
+      <p:pic>
+        <p:nvPicPr>
+          <p:cNvPr id="1026" name="Picture 2"/>
+          <p:cNvPicPr>
+            <a:picLocks noGrp="1" noChangeAspect="1" noChangeArrowheads="1"/>
+          </p:cNvPicPr>
           <p:nvPr>
             <p:ph idx="1"/>
           </p:nvPr>
-        </p:nvSpPr>
-        <p:spPr/>
-        <p:txBody>
-          <a:bodyPr>
-            <a:normAutofit fontScale="32500" lnSpcReduction="20000"/>
-          </a:bodyPr>
-          <a:lstStyle/>
-          <a:p>
-            <a:r>
-              <a:rPr lang="ru-RU" b="1" dirty="0"/>
-              <a:t>Цель</a:t>
-            </a:r>
-            <a:endParaRPr lang="ru-RU" dirty="0"/>
-          </a:p>
-          <a:p>
-            <a:r>
-              <a:rPr lang="ru-RU" dirty="0"/>
-              <a:t>Научное исследование возможности использования в системе здравоохранения города Москвы методов поддержки принятия решений на основе результатов анализа данных с применением передовых инновационных технологий.</a:t>
-            </a:r>
-          </a:p>
-          <a:p>
-            <a:r>
-              <a:rPr lang="ru-RU" dirty="0"/>
-              <a:t> </a:t>
-            </a:r>
-          </a:p>
-          <a:p>
-            <a:r>
-              <a:rPr lang="ru-RU" b="1" dirty="0"/>
-              <a:t>Платформа</a:t>
-            </a:r>
-            <a:endParaRPr lang="ru-RU" dirty="0"/>
-          </a:p>
-          <a:p>
-            <a:r>
-              <a:rPr lang="ru-RU" dirty="0"/>
-              <a:t>Единый радиологический информационный сервис (</a:t>
-            </a:r>
-            <a:r>
-              <a:rPr lang="ru-RU" dirty="0" err="1"/>
-              <a:t>ЕРИС</a:t>
-            </a:r>
-            <a:r>
-              <a:rPr lang="ru-RU" dirty="0"/>
-              <a:t>)</a:t>
-            </a:r>
-          </a:p>
-          <a:p>
-            <a:r>
-              <a:rPr lang="ru-RU" dirty="0"/>
-              <a:t> </a:t>
-            </a:r>
-          </a:p>
-          <a:p>
-            <a:r>
-              <a:rPr lang="ru-RU" b="1" dirty="0"/>
-              <a:t>В цифрах</a:t>
-            </a:r>
-            <a:endParaRPr lang="ru-RU" dirty="0"/>
-          </a:p>
-          <a:p>
-            <a:r>
-              <a:rPr lang="ru-RU" b="1" dirty="0"/>
-              <a:t>550  </a:t>
-            </a:r>
-            <a:r>
-              <a:rPr lang="ru-RU" dirty="0"/>
-              <a:t>единиц оборудования (</a:t>
-            </a:r>
-            <a:r>
-              <a:rPr lang="ru-RU" dirty="0" err="1"/>
-              <a:t>МРТ</a:t>
-            </a:r>
-            <a:r>
-              <a:rPr lang="ru-RU" dirty="0"/>
-              <a:t>/</a:t>
-            </a:r>
-            <a:r>
-              <a:rPr lang="ru-RU" dirty="0" err="1"/>
-              <a:t>ММГ</a:t>
-            </a:r>
-            <a:r>
-              <a:rPr lang="ru-RU" dirty="0"/>
-              <a:t>/КТ/</a:t>
-            </a:r>
-            <a:r>
-              <a:rPr lang="ru-RU" dirty="0" err="1"/>
-              <a:t>РГ</a:t>
-            </a:r>
-            <a:r>
-              <a:rPr lang="ru-RU" dirty="0"/>
-              <a:t>) в отделениях лучевой диагностики амбулаторных и стационарных медицинских организаций Департамента здравоохранения города Москвы.</a:t>
-            </a:r>
-          </a:p>
-          <a:p>
-            <a:r>
-              <a:rPr lang="ru-RU" b="1" dirty="0"/>
-              <a:t>365</a:t>
-            </a:r>
-            <a:r>
-              <a:rPr lang="ru-RU" dirty="0"/>
-              <a:t> врачей-рентгенологов в системе. </a:t>
-            </a:r>
-          </a:p>
-          <a:p>
-            <a:r>
-              <a:rPr lang="ru-RU" b="1" dirty="0"/>
-              <a:t>160 тысяч </a:t>
-            </a:r>
-            <a:r>
-              <a:rPr lang="ru-RU" dirty="0"/>
-              <a:t>лучевых исследований в месяц.</a:t>
-            </a:r>
-          </a:p>
-          <a:p>
-            <a:r>
-              <a:rPr lang="ru-RU" b="1" dirty="0"/>
-              <a:t>44 тысячи</a:t>
-            </a:r>
-            <a:r>
-              <a:rPr lang="ru-RU" dirty="0"/>
-              <a:t> </a:t>
-            </a:r>
-            <a:r>
-              <a:rPr lang="ru-RU" dirty="0" err="1"/>
-              <a:t>скрининговых</a:t>
-            </a:r>
-            <a:r>
-              <a:rPr lang="ru-RU" dirty="0"/>
-              <a:t> исследований с целью выявления рака молочной железы и рака легкого в год.</a:t>
-            </a:r>
-          </a:p>
-          <a:p>
-            <a:r>
-              <a:rPr lang="ru-RU" dirty="0"/>
-              <a:t> </a:t>
-            </a:r>
-          </a:p>
-          <a:p>
-            <a:r>
-              <a:rPr lang="ru-RU" b="1" dirty="0"/>
-              <a:t>Области применения:</a:t>
-            </a:r>
-            <a:endParaRPr lang="ru-RU" dirty="0"/>
-          </a:p>
-          <a:p>
-            <a:r>
-              <a:rPr lang="ru-RU" dirty="0"/>
-              <a:t>онкология;</a:t>
-            </a:r>
-          </a:p>
-          <a:p>
-            <a:r>
-              <a:rPr lang="ru-RU" dirty="0"/>
-              <a:t>кардиология;</a:t>
-            </a:r>
-          </a:p>
-          <a:p>
-            <a:r>
-              <a:rPr lang="ru-RU" dirty="0"/>
-              <a:t>хронические заболевания;</a:t>
-            </a:r>
-          </a:p>
-          <a:p>
-            <a:r>
-              <a:rPr lang="ru-RU" dirty="0"/>
-              <a:t>пульмонология;</a:t>
-            </a:r>
-          </a:p>
-          <a:p>
-            <a:r>
-              <a:rPr lang="ru-RU" dirty="0"/>
-              <a:t>неврология;</a:t>
-            </a:r>
-          </a:p>
-          <a:p>
-            <a:r>
-              <a:rPr lang="ru-RU" dirty="0"/>
-              <a:t>неотложные состояния.</a:t>
-            </a:r>
-          </a:p>
-          <a:p>
-            <a:r>
-              <a:rPr lang="ru-RU" dirty="0"/>
-              <a:t> </a:t>
-            </a:r>
-          </a:p>
-          <a:p>
-            <a:r>
-              <a:rPr lang="ru-RU" dirty="0"/>
-              <a:t>Результаты эксперимента станут основой для национальных стандартов, регламентирующих применение искусственного интеллекта в клинической медицине. Разработка документов ведется в Подкомитете 01 технического комитета по стандартизации «Искусственный интеллект» (</a:t>
-            </a:r>
-            <a:r>
-              <a:rPr lang="ru-RU" dirty="0" err="1"/>
-              <a:t>ТК</a:t>
-            </a:r>
-            <a:r>
-              <a:rPr lang="ru-RU" dirty="0"/>
-              <a:t> 164). </a:t>
-            </a:r>
-            <a:br>
-              <a:rPr lang="ru-RU" dirty="0"/>
-            </a:br>
-            <a:r>
-              <a:rPr lang="ru-RU" u="sng" dirty="0">
-                <a:hlinkClick r:id="rId2"/>
-              </a:rPr>
-              <a:t>Подробнее о деятельности ПК 01</a:t>
-            </a:r>
-            <a:endParaRPr lang="ru-RU" dirty="0"/>
-          </a:p>
-          <a:p>
-            <a:endParaRPr lang="ru-RU" dirty="0"/>
-          </a:p>
-        </p:txBody>
-      </p:sp>
+        </p:nvPicPr>
+        <p:blipFill>
+          <a:blip r:embed="rId2" cstate="print"/>
+          <a:srcRect/>
+          <a:stretch>
+            <a:fillRect/>
+          </a:stretch>
+        </p:blipFill>
+        <p:spPr bwMode="auto">
+          <a:xfrm>
+            <a:off x="457200" y="2916068"/>
+            <a:ext cx="8229600" cy="1894227"/>
+          </a:xfrm>
+          <a:prstGeom prst="rect">
+            <a:avLst/>
+          </a:prstGeom>
+          <a:noFill/>
+          <a:ln w="9525">
+            <a:noFill/>
+            <a:miter lim="800000"/>
+            <a:headEnd/>
+            <a:tailEnd/>
+          </a:ln>
+        </p:spPr>
+      </p:pic>
     </p:spTree>
   </p:cSld>
   <p:clrMapOvr>
@@ -4936,19 +5307,14 @@
         </p:nvSpPr>
         <p:spPr/>
         <p:txBody>
-          <a:bodyPr>
-            <a:noAutofit/>
-          </a:bodyPr>
-          <a:lstStyle/>
-          <a:p>
-            <a:r>
-              <a:rPr lang="ru-RU" sz="1800" dirty="0"/>
-              <a:t/>
-            </a:r>
-            <a:br>
-              <a:rPr lang="ru-RU" sz="1800" dirty="0"/>
-            </a:br>
-            <a:endParaRPr lang="ru-RU" sz="1800" dirty="0"/>
+          <a:bodyPr/>
+          <a:lstStyle/>
+          <a:p>
+            <a:r>
+              <a:rPr lang="ru-RU" dirty="0" smtClean="0"/>
+              <a:t>Сравнение некоторых моделей</a:t>
+            </a:r>
+            <a:endParaRPr lang="ru-RU" dirty="0"/>
           </a:p>
         </p:txBody>
       </p:sp>
@@ -4971,8 +5337,8 @@
         </p:blipFill>
         <p:spPr bwMode="auto">
           <a:xfrm>
-            <a:off x="457200" y="2097419"/>
-            <a:ext cx="8229600" cy="3531525"/>
+            <a:off x="457200" y="2099696"/>
+            <a:ext cx="8229600" cy="3526971"/>
           </a:xfrm>
           <a:prstGeom prst="rect">
             <a:avLst/>
@@ -5024,373 +5390,247 @@
         <p:spPr/>
         <p:txBody>
           <a:bodyPr>
-            <a:normAutofit/>
+            <a:noAutofit/>
           </a:bodyPr>
           <a:lstStyle/>
           <a:p>
             <a:r>
-              <a:rPr lang="ru-RU" dirty="0" smtClean="0">
+              <a:rPr lang="ru-RU" sz="1800" b="1" dirty="0" smtClean="0"/>
+              <a:t>Эксперимент</a:t>
+            </a:r>
+            <a:br>
+              <a:rPr lang="ru-RU" sz="1800" b="1" dirty="0" smtClean="0"/>
+            </a:br>
+            <a:r>
+              <a:rPr lang="ru-RU" sz="1800" dirty="0" smtClean="0"/>
+              <a:t>по использованию инновационных технологий в области компьютерного зрения для анализа медицинских изображений и дальнейшего применения в системе здравоохранения города Москвы.</a:t>
+            </a:r>
+            <a:endParaRPr lang="ru-RU" sz="1800" dirty="0"/>
+          </a:p>
+        </p:txBody>
+      </p:sp>
+      <p:sp>
+        <p:nvSpPr>
+          <p:cNvPr id="3" name="Содержимое 2"/>
+          <p:cNvSpPr>
+            <a:spLocks noGrp="1"/>
+          </p:cNvSpPr>
+          <p:nvPr>
+            <p:ph idx="1"/>
+          </p:nvPr>
+        </p:nvSpPr>
+        <p:spPr/>
+        <p:txBody>
+          <a:bodyPr>
+            <a:normAutofit fontScale="32500" lnSpcReduction="20000"/>
+          </a:bodyPr>
+          <a:lstStyle/>
+          <a:p>
+            <a:r>
+              <a:rPr lang="ru-RU" b="1" dirty="0"/>
+              <a:t>Цель</a:t>
+            </a:r>
+            <a:endParaRPr lang="ru-RU" dirty="0"/>
+          </a:p>
+          <a:p>
+            <a:r>
+              <a:rPr lang="ru-RU" dirty="0"/>
+              <a:t>Научное исследование возможности использования в системе здравоохранения города Москвы методов поддержки принятия решений на основе результатов анализа данных с применением передовых инновационных технологий.</a:t>
+            </a:r>
+          </a:p>
+          <a:p>
+            <a:r>
+              <a:rPr lang="ru-RU" dirty="0"/>
+              <a:t> </a:t>
+            </a:r>
+          </a:p>
+          <a:p>
+            <a:r>
+              <a:rPr lang="ru-RU" b="1" dirty="0"/>
+              <a:t>Платформа</a:t>
+            </a:r>
+            <a:endParaRPr lang="ru-RU" dirty="0"/>
+          </a:p>
+          <a:p>
+            <a:r>
+              <a:rPr lang="ru-RU" dirty="0"/>
+              <a:t>Единый радиологический информационный сервис (</a:t>
+            </a:r>
+            <a:r>
+              <a:rPr lang="ru-RU" dirty="0" err="1"/>
+              <a:t>ЕРИС</a:t>
+            </a:r>
+            <a:r>
+              <a:rPr lang="ru-RU" dirty="0"/>
+              <a:t>)</a:t>
+            </a:r>
+          </a:p>
+          <a:p>
+            <a:r>
+              <a:rPr lang="ru-RU" dirty="0"/>
+              <a:t> </a:t>
+            </a:r>
+          </a:p>
+          <a:p>
+            <a:r>
+              <a:rPr lang="ru-RU" b="1" dirty="0"/>
+              <a:t>В цифрах</a:t>
+            </a:r>
+            <a:endParaRPr lang="ru-RU" dirty="0"/>
+          </a:p>
+          <a:p>
+            <a:r>
+              <a:rPr lang="ru-RU" b="1" dirty="0"/>
+              <a:t>550  </a:t>
+            </a:r>
+            <a:r>
+              <a:rPr lang="ru-RU" dirty="0"/>
+              <a:t>единиц оборудования (</a:t>
+            </a:r>
+            <a:r>
+              <a:rPr lang="ru-RU" dirty="0" err="1"/>
+              <a:t>МРТ</a:t>
+            </a:r>
+            <a:r>
+              <a:rPr lang="ru-RU" dirty="0"/>
+              <a:t>/</a:t>
+            </a:r>
+            <a:r>
+              <a:rPr lang="ru-RU" dirty="0" err="1"/>
+              <a:t>ММГ</a:t>
+            </a:r>
+            <a:r>
+              <a:rPr lang="ru-RU" dirty="0"/>
+              <a:t>/КТ/</a:t>
+            </a:r>
+            <a:r>
+              <a:rPr lang="ru-RU" dirty="0" err="1"/>
+              <a:t>РГ</a:t>
+            </a:r>
+            <a:r>
+              <a:rPr lang="ru-RU" dirty="0"/>
+              <a:t>) в отделениях лучевой диагностики амбулаторных и стационарных медицинских организаций Департамента здравоохранения города Москвы.</a:t>
+            </a:r>
+          </a:p>
+          <a:p>
+            <a:r>
+              <a:rPr lang="ru-RU" b="1" dirty="0"/>
+              <a:t>365</a:t>
+            </a:r>
+            <a:r>
+              <a:rPr lang="ru-RU" dirty="0"/>
+              <a:t> врачей-рентгенологов в системе. </a:t>
+            </a:r>
+          </a:p>
+          <a:p>
+            <a:r>
+              <a:rPr lang="ru-RU" b="1" dirty="0"/>
+              <a:t>160 тысяч </a:t>
+            </a:r>
+            <a:r>
+              <a:rPr lang="ru-RU" dirty="0"/>
+              <a:t>лучевых исследований в месяц.</a:t>
+            </a:r>
+          </a:p>
+          <a:p>
+            <a:r>
+              <a:rPr lang="ru-RU" b="1" dirty="0"/>
+              <a:t>44 тысячи</a:t>
+            </a:r>
+            <a:r>
+              <a:rPr lang="ru-RU" dirty="0"/>
+              <a:t> </a:t>
+            </a:r>
+            <a:r>
+              <a:rPr lang="ru-RU" dirty="0" err="1"/>
+              <a:t>скрининговых</a:t>
+            </a:r>
+            <a:r>
+              <a:rPr lang="ru-RU" dirty="0"/>
+              <a:t> исследований с целью выявления рака молочной железы и рака легкого в год.</a:t>
+            </a:r>
+          </a:p>
+          <a:p>
+            <a:r>
+              <a:rPr lang="ru-RU" dirty="0"/>
+              <a:t> </a:t>
+            </a:r>
+          </a:p>
+          <a:p>
+            <a:r>
+              <a:rPr lang="ru-RU" b="1" dirty="0"/>
+              <a:t>Области применения:</a:t>
+            </a:r>
+            <a:endParaRPr lang="ru-RU" dirty="0"/>
+          </a:p>
+          <a:p>
+            <a:r>
+              <a:rPr lang="ru-RU" dirty="0"/>
+              <a:t>онкология;</a:t>
+            </a:r>
+          </a:p>
+          <a:p>
+            <a:r>
+              <a:rPr lang="ru-RU" dirty="0"/>
+              <a:t>кардиология;</a:t>
+            </a:r>
+          </a:p>
+          <a:p>
+            <a:r>
+              <a:rPr lang="ru-RU" dirty="0"/>
+              <a:t>хронические заболевания;</a:t>
+            </a:r>
+          </a:p>
+          <a:p>
+            <a:r>
+              <a:rPr lang="ru-RU" dirty="0"/>
+              <a:t>пульмонология;</a:t>
+            </a:r>
+          </a:p>
+          <a:p>
+            <a:r>
+              <a:rPr lang="ru-RU" dirty="0"/>
+              <a:t>неврология;</a:t>
+            </a:r>
+          </a:p>
+          <a:p>
+            <a:r>
+              <a:rPr lang="ru-RU" dirty="0"/>
+              <a:t>неотложные состояния.</a:t>
+            </a:r>
+          </a:p>
+          <a:p>
+            <a:r>
+              <a:rPr lang="ru-RU" dirty="0"/>
+              <a:t> </a:t>
+            </a:r>
+          </a:p>
+          <a:p>
+            <a:r>
+              <a:rPr lang="ru-RU" dirty="0"/>
+              <a:t>Результаты эксперимента станут основой для национальных стандартов, регламентирующих применение искусственного интеллекта в клинической медицине. Разработка документов ведется в Подкомитете 01 технического комитета по стандартизации «Искусственный интеллект» (</a:t>
+            </a:r>
+            <a:r>
+              <a:rPr lang="ru-RU" dirty="0" err="1"/>
+              <a:t>ТК</a:t>
+            </a:r>
+            <a:r>
+              <a:rPr lang="ru-RU" dirty="0"/>
+              <a:t> 164). </a:t>
+            </a:r>
+            <a:br>
+              <a:rPr lang="ru-RU" dirty="0"/>
+            </a:br>
+            <a:r>
+              <a:rPr lang="ru-RU" u="sng" dirty="0">
                 <a:hlinkClick r:id="rId2"/>
               </a:rPr>
-              <a:t>Клинические параметры</a:t>
+              <a:t>Подробнее о деятельности ПК 01</a:t>
             </a:r>
             <a:endParaRPr lang="ru-RU" dirty="0"/>
           </a:p>
-        </p:txBody>
-      </p:sp>
-      <p:sp>
-        <p:nvSpPr>
-          <p:cNvPr id="3" name="Содержимое 2"/>
-          <p:cNvSpPr>
-            <a:spLocks noGrp="1"/>
-          </p:cNvSpPr>
-          <p:nvPr>
-            <p:ph idx="1"/>
-          </p:nvPr>
-        </p:nvSpPr>
-        <p:spPr/>
-        <p:txBody>
-          <a:bodyPr>
-            <a:normAutofit fontScale="47500" lnSpcReduction="20000"/>
-          </a:bodyPr>
-          <a:lstStyle/>
-          <a:p>
-            <a:r>
-              <a:rPr lang="ru-RU" b="1" dirty="0" smtClean="0"/>
-              <a:t>Целевые нозологии</a:t>
-            </a:r>
-          </a:p>
-          <a:p>
-            <a:pPr>
-              <a:buNone/>
-            </a:pPr>
-            <a:r>
-              <a:rPr lang="ru-RU" b="1" dirty="0"/>
-              <a:t>	</a:t>
-            </a:r>
-            <a:r>
-              <a:rPr lang="ru-RU" b="1" dirty="0" smtClean="0"/>
-              <a:t>Целевые </a:t>
-            </a:r>
-            <a:r>
-              <a:rPr lang="ru-RU" b="1" dirty="0" err="1"/>
-              <a:t>патологии\признаки</a:t>
-            </a:r>
-            <a:r>
-              <a:rPr lang="ru-RU" b="1" dirty="0"/>
-              <a:t>:</a:t>
-            </a:r>
-            <a:r>
-              <a:rPr lang="ru-RU" dirty="0"/>
-              <a:t> </a:t>
-            </a:r>
-            <a:r>
-              <a:rPr lang="ru-RU" dirty="0" err="1" smtClean="0"/>
-              <a:t>COVID-19</a:t>
-            </a:r>
-            <a:endParaRPr lang="ru-RU" dirty="0" smtClean="0"/>
-          </a:p>
-          <a:p>
-            <a:pPr>
-              <a:buNone/>
-            </a:pPr>
-            <a:r>
-              <a:rPr lang="ru-RU" b="1" dirty="0"/>
-              <a:t>	</a:t>
-            </a:r>
-            <a:r>
-              <a:rPr lang="ru-RU" b="1" dirty="0" smtClean="0"/>
-              <a:t>Код </a:t>
-            </a:r>
-            <a:r>
-              <a:rPr lang="ru-RU" b="1" dirty="0" err="1"/>
-              <a:t>МКБ-10</a:t>
-            </a:r>
-            <a:r>
-              <a:rPr lang="ru-RU" b="1" dirty="0"/>
-              <a:t> целевой патологии:</a:t>
-            </a:r>
-            <a:r>
-              <a:rPr lang="ru-RU" dirty="0"/>
-              <a:t> </a:t>
-            </a:r>
-            <a:r>
-              <a:rPr lang="ru-RU" dirty="0" err="1" smtClean="0"/>
-              <a:t>U07.1</a:t>
-            </a:r>
-            <a:endParaRPr lang="ru-RU" dirty="0" smtClean="0"/>
-          </a:p>
-          <a:p>
-            <a:r>
-              <a:rPr lang="ru-RU" b="1" dirty="0" smtClean="0"/>
-              <a:t>Параметры популяции</a:t>
-            </a:r>
-          </a:p>
-          <a:p>
-            <a:pPr>
-              <a:buNone/>
-            </a:pPr>
-            <a:r>
-              <a:rPr lang="ru-RU" b="1" dirty="0"/>
-              <a:t>	</a:t>
-            </a:r>
-            <a:r>
-              <a:rPr lang="ru-RU" b="1" dirty="0" smtClean="0"/>
-              <a:t>Критерии </a:t>
-            </a:r>
-            <a:r>
-              <a:rPr lang="ru-RU" b="1" dirty="0"/>
-              <a:t>включения/</a:t>
-            </a:r>
-            <a:r>
-              <a:rPr lang="ru-RU" b="1" dirty="0" err="1"/>
-              <a:t>невключения</a:t>
-            </a:r>
-            <a:r>
-              <a:rPr lang="ru-RU" b="1" dirty="0"/>
-              <a:t> пациента</a:t>
-            </a:r>
-            <a:r>
-              <a:rPr lang="ru-RU" b="1" dirty="0" smtClean="0"/>
-              <a:t>:</a:t>
-            </a:r>
-          </a:p>
-          <a:p>
-            <a:pPr>
-              <a:buNone/>
-            </a:pPr>
-            <a:r>
-              <a:rPr lang="ru-RU" b="1" dirty="0"/>
-              <a:t>	</a:t>
-            </a:r>
-            <a:r>
-              <a:rPr lang="ru-RU" dirty="0" smtClean="0"/>
-              <a:t>Критерии </a:t>
-            </a:r>
-            <a:r>
-              <a:rPr lang="ru-RU" dirty="0"/>
-              <a:t>включения пациента: Возраст ≥18 лет</a:t>
-            </a:r>
-            <a:br>
-              <a:rPr lang="ru-RU" dirty="0"/>
-            </a:br>
-            <a:r>
-              <a:rPr lang="ru-RU" dirty="0"/>
-              <a:t>Критерии </a:t>
-            </a:r>
-            <a:r>
-              <a:rPr lang="ru-RU" dirty="0" err="1"/>
-              <a:t>невключения</a:t>
-            </a:r>
-            <a:r>
-              <a:rPr lang="ru-RU" dirty="0"/>
-              <a:t> пациента: Наличие оперативных вмешательств, лучевой терапии в анамнезе для лечения заболеваний в области грудной клетки</a:t>
-            </a:r>
-          </a:p>
-          <a:p>
-            <a:pPr>
-              <a:buNone/>
-            </a:pPr>
-            <a:r>
-              <a:rPr lang="ru-RU" dirty="0" smtClean="0"/>
-              <a:t>	Возраст </a:t>
-            </a:r>
-            <a:r>
-              <a:rPr lang="ru-RU" dirty="0"/>
-              <a:t>(мин., лет): </a:t>
-            </a:r>
-            <a:r>
-              <a:rPr lang="ru-RU" dirty="0" smtClean="0"/>
-              <a:t>18</a:t>
-            </a:r>
-          </a:p>
-          <a:p>
-            <a:pPr>
-              <a:buNone/>
-            </a:pPr>
-            <a:r>
-              <a:rPr lang="ru-RU" dirty="0"/>
-              <a:t>	</a:t>
-            </a:r>
-            <a:r>
-              <a:rPr lang="ru-RU" dirty="0" smtClean="0"/>
-              <a:t>Возраст </a:t>
-            </a:r>
-            <a:r>
-              <a:rPr lang="ru-RU" dirty="0"/>
-              <a:t>(макс., лет): </a:t>
-            </a:r>
-            <a:r>
-              <a:rPr lang="ru-RU" dirty="0" smtClean="0"/>
-              <a:t>97</a:t>
-            </a:r>
-          </a:p>
-          <a:p>
-            <a:pPr>
-              <a:buNone/>
-            </a:pPr>
-            <a:r>
-              <a:rPr lang="ru-RU" dirty="0"/>
-              <a:t>	</a:t>
-            </a:r>
-            <a:r>
-              <a:rPr lang="ru-RU" dirty="0" smtClean="0"/>
-              <a:t>Возраст </a:t>
-            </a:r>
-            <a:r>
-              <a:rPr lang="ru-RU" dirty="0"/>
-              <a:t>(медиана, лет): </a:t>
-            </a:r>
-            <a:r>
-              <a:rPr lang="ru-RU" dirty="0" smtClean="0"/>
-              <a:t>47,0</a:t>
-            </a:r>
-          </a:p>
-          <a:p>
-            <a:pPr>
-              <a:buNone/>
-            </a:pPr>
-            <a:r>
-              <a:rPr lang="ru-RU" dirty="0"/>
-              <a:t>	</a:t>
-            </a:r>
-            <a:r>
-              <a:rPr lang="ru-RU" dirty="0" smtClean="0"/>
-              <a:t>Пол </a:t>
-            </a:r>
-            <a:r>
-              <a:rPr lang="ru-RU" dirty="0"/>
-              <a:t>(М): </a:t>
-            </a:r>
-            <a:r>
-              <a:rPr lang="ru-RU" dirty="0" smtClean="0"/>
-              <a:t>42</a:t>
-            </a:r>
-          </a:p>
-          <a:p>
-            <a:pPr>
-              <a:buNone/>
-            </a:pPr>
-            <a:r>
-              <a:rPr lang="ru-RU" dirty="0"/>
-              <a:t>	</a:t>
-            </a:r>
-            <a:r>
-              <a:rPr lang="ru-RU" dirty="0" smtClean="0"/>
-              <a:t>Пол </a:t>
-            </a:r>
-            <a:r>
-              <a:rPr lang="ru-RU" dirty="0"/>
-              <a:t>(Ж): </a:t>
-            </a:r>
-            <a:r>
-              <a:rPr lang="ru-RU" dirty="0" smtClean="0"/>
-              <a:t>56</a:t>
-            </a:r>
-          </a:p>
-          <a:p>
-            <a:pPr>
-              <a:buNone/>
-            </a:pPr>
-            <a:r>
-              <a:rPr lang="ru-RU" dirty="0"/>
-              <a:t>	</a:t>
-            </a:r>
-            <a:r>
-              <a:rPr lang="ru-RU" dirty="0" smtClean="0"/>
-              <a:t>Пол </a:t>
-            </a:r>
-            <a:r>
-              <a:rPr lang="ru-RU" dirty="0"/>
-              <a:t>(</a:t>
-            </a:r>
-            <a:r>
-              <a:rPr lang="ru-RU" dirty="0" err="1"/>
-              <a:t>неопределено</a:t>
-            </a:r>
-            <a:r>
-              <a:rPr lang="ru-RU" dirty="0"/>
-              <a:t>): </a:t>
-            </a:r>
-            <a:r>
-              <a:rPr lang="ru-RU" dirty="0" smtClean="0"/>
-              <a:t>2</a:t>
-            </a:r>
-          </a:p>
-          <a:p>
-            <a:pPr>
-              <a:buNone/>
-            </a:pPr>
-            <a:r>
-              <a:rPr lang="ru-RU" dirty="0"/>
-              <a:t>	</a:t>
-            </a:r>
-            <a:r>
-              <a:rPr lang="ru-RU" dirty="0" smtClean="0"/>
-              <a:t>Период </a:t>
-            </a:r>
-            <a:r>
-              <a:rPr lang="ru-RU" dirty="0"/>
-              <a:t>сбора (начало): </a:t>
-            </a:r>
-            <a:r>
-              <a:rPr lang="ru-RU" dirty="0" smtClean="0"/>
-              <a:t>01.03.2020</a:t>
-            </a:r>
-          </a:p>
-          <a:p>
-            <a:pPr>
-              <a:buNone/>
-            </a:pPr>
-            <a:r>
-              <a:rPr lang="ru-RU" dirty="0"/>
-              <a:t>	</a:t>
-            </a:r>
-            <a:r>
-              <a:rPr lang="ru-RU" dirty="0" smtClean="0"/>
-              <a:t>Период </a:t>
-            </a:r>
-            <a:r>
-              <a:rPr lang="ru-RU" dirty="0"/>
-              <a:t>сбора (конец): </a:t>
-            </a:r>
-            <a:r>
-              <a:rPr lang="ru-RU" dirty="0" smtClean="0"/>
-              <a:t>25.04.2020</a:t>
-            </a:r>
-          </a:p>
-          <a:p>
-            <a:pPr>
-              <a:buNone/>
-            </a:pPr>
-            <a:r>
-              <a:rPr lang="ru-RU" dirty="0"/>
-              <a:t>	</a:t>
-            </a:r>
-            <a:r>
-              <a:rPr lang="ru-RU" dirty="0" smtClean="0"/>
-              <a:t>Эпидемиологическая </a:t>
-            </a:r>
-            <a:r>
-              <a:rPr lang="ru-RU" dirty="0"/>
-              <a:t>обстановка: В условиях пандемии </a:t>
-            </a:r>
-            <a:r>
-              <a:rPr lang="ru-RU" dirty="0" err="1"/>
-              <a:t>коронавирусной</a:t>
-            </a:r>
-            <a:r>
-              <a:rPr lang="ru-RU" dirty="0"/>
-              <a:t> инфекции (</a:t>
-            </a:r>
-            <a:r>
-              <a:rPr lang="ru-RU" dirty="0" err="1"/>
-              <a:t>COVID-19</a:t>
-            </a:r>
-            <a:r>
-              <a:rPr lang="ru-RU" dirty="0"/>
-              <a:t>)</a:t>
-            </a:r>
+          <a:p>
+            <a:endParaRPr lang="ru-RU" dirty="0"/>
           </a:p>
         </p:txBody>
       </p:sp>

--- a/slides.pptx
+++ b/slides.pptx
@@ -11,17 +11,23 @@
     <p:sldId id="268" r:id="rId5"/>
     <p:sldId id="267" r:id="rId6"/>
     <p:sldId id="269" r:id="rId7"/>
-    <p:sldId id="270" r:id="rId8"/>
-    <p:sldId id="272" r:id="rId9"/>
-    <p:sldId id="264" r:id="rId10"/>
-    <p:sldId id="271" r:id="rId11"/>
-    <p:sldId id="259" r:id="rId12"/>
-    <p:sldId id="260" r:id="rId13"/>
-    <p:sldId id="262" r:id="rId14"/>
-    <p:sldId id="261" r:id="rId15"/>
-    <p:sldId id="263" r:id="rId16"/>
-    <p:sldId id="258" r:id="rId17"/>
-    <p:sldId id="257" r:id="rId18"/>
+    <p:sldId id="273" r:id="rId8"/>
+    <p:sldId id="274" r:id="rId9"/>
+    <p:sldId id="275" r:id="rId10"/>
+    <p:sldId id="277" r:id="rId11"/>
+    <p:sldId id="276" r:id="rId12"/>
+    <p:sldId id="278" r:id="rId13"/>
+    <p:sldId id="270" r:id="rId14"/>
+    <p:sldId id="272" r:id="rId15"/>
+    <p:sldId id="264" r:id="rId16"/>
+    <p:sldId id="271" r:id="rId17"/>
+    <p:sldId id="259" r:id="rId18"/>
+    <p:sldId id="260" r:id="rId19"/>
+    <p:sldId id="262" r:id="rId20"/>
+    <p:sldId id="261" r:id="rId21"/>
+    <p:sldId id="263" r:id="rId22"/>
+    <p:sldId id="258" r:id="rId23"/>
+    <p:sldId id="257" r:id="rId24"/>
   </p:sldIdLst>
   <p:sldSz cx="9144000" cy="6858000" type="screen4x3"/>
   <p:notesSz cx="6858000" cy="9144000"/>
@@ -305,7 +311,7 @@
             <a:fld id="{C2263E29-338E-49D6-9AED-D5FCECFDFDCF}" type="datetimeFigureOut">
               <a:rPr lang="ru-RU" smtClean="0"/>
               <a:pPr/>
-              <a:t>15.05.2022</a:t>
+              <a:t>18.05.2022</a:t>
             </a:fld>
             <a:endParaRPr lang="ru-RU"/>
           </a:p>
@@ -472,7 +478,7 @@
             <a:fld id="{C2263E29-338E-49D6-9AED-D5FCECFDFDCF}" type="datetimeFigureOut">
               <a:rPr lang="ru-RU" smtClean="0"/>
               <a:pPr/>
-              <a:t>15.05.2022</a:t>
+              <a:t>18.05.2022</a:t>
             </a:fld>
             <a:endParaRPr lang="ru-RU"/>
           </a:p>
@@ -649,7 +655,7 @@
             <a:fld id="{C2263E29-338E-49D6-9AED-D5FCECFDFDCF}" type="datetimeFigureOut">
               <a:rPr lang="ru-RU" smtClean="0"/>
               <a:pPr/>
-              <a:t>15.05.2022</a:t>
+              <a:t>18.05.2022</a:t>
             </a:fld>
             <a:endParaRPr lang="ru-RU"/>
           </a:p>
@@ -816,7 +822,7 @@
             <a:fld id="{C2263E29-338E-49D6-9AED-D5FCECFDFDCF}" type="datetimeFigureOut">
               <a:rPr lang="ru-RU" smtClean="0"/>
               <a:pPr/>
-              <a:t>15.05.2022</a:t>
+              <a:t>18.05.2022</a:t>
             </a:fld>
             <a:endParaRPr lang="ru-RU"/>
           </a:p>
@@ -1059,7 +1065,7 @@
             <a:fld id="{C2263E29-338E-49D6-9AED-D5FCECFDFDCF}" type="datetimeFigureOut">
               <a:rPr lang="ru-RU" smtClean="0"/>
               <a:pPr/>
-              <a:t>15.05.2022</a:t>
+              <a:t>18.05.2022</a:t>
             </a:fld>
             <a:endParaRPr lang="ru-RU"/>
           </a:p>
@@ -1344,7 +1350,7 @@
             <a:fld id="{C2263E29-338E-49D6-9AED-D5FCECFDFDCF}" type="datetimeFigureOut">
               <a:rPr lang="ru-RU" smtClean="0"/>
               <a:pPr/>
-              <a:t>15.05.2022</a:t>
+              <a:t>18.05.2022</a:t>
             </a:fld>
             <a:endParaRPr lang="ru-RU"/>
           </a:p>
@@ -1763,7 +1769,7 @@
             <a:fld id="{C2263E29-338E-49D6-9AED-D5FCECFDFDCF}" type="datetimeFigureOut">
               <a:rPr lang="ru-RU" smtClean="0"/>
               <a:pPr/>
-              <a:t>15.05.2022</a:t>
+              <a:t>18.05.2022</a:t>
             </a:fld>
             <a:endParaRPr lang="ru-RU"/>
           </a:p>
@@ -1878,7 +1884,7 @@
             <a:fld id="{C2263E29-338E-49D6-9AED-D5FCECFDFDCF}" type="datetimeFigureOut">
               <a:rPr lang="ru-RU" smtClean="0"/>
               <a:pPr/>
-              <a:t>15.05.2022</a:t>
+              <a:t>18.05.2022</a:t>
             </a:fld>
             <a:endParaRPr lang="ru-RU"/>
           </a:p>
@@ -1970,7 +1976,7 @@
             <a:fld id="{C2263E29-338E-49D6-9AED-D5FCECFDFDCF}" type="datetimeFigureOut">
               <a:rPr lang="ru-RU" smtClean="0"/>
               <a:pPr/>
-              <a:t>15.05.2022</a:t>
+              <a:t>18.05.2022</a:t>
             </a:fld>
             <a:endParaRPr lang="ru-RU"/>
           </a:p>
@@ -2244,7 +2250,7 @@
             <a:fld id="{C2263E29-338E-49D6-9AED-D5FCECFDFDCF}" type="datetimeFigureOut">
               <a:rPr lang="ru-RU" smtClean="0"/>
               <a:pPr/>
-              <a:t>15.05.2022</a:t>
+              <a:t>18.05.2022</a:t>
             </a:fld>
             <a:endParaRPr lang="ru-RU"/>
           </a:p>
@@ -2494,7 +2500,7 @@
             <a:fld id="{C2263E29-338E-49D6-9AED-D5FCECFDFDCF}" type="datetimeFigureOut">
               <a:rPr lang="ru-RU" smtClean="0"/>
               <a:pPr/>
-              <a:t>15.05.2022</a:t>
+              <a:t>18.05.2022</a:t>
             </a:fld>
             <a:endParaRPr lang="ru-RU"/>
           </a:p>
@@ -2704,7 +2710,7 @@
             <a:fld id="{C2263E29-338E-49D6-9AED-D5FCECFDFDCF}" type="datetimeFigureOut">
               <a:rPr lang="ru-RU" smtClean="0"/>
               <a:pPr/>
-              <a:t>15.05.2022</a:t>
+              <a:t>18.05.2022</a:t>
             </a:fld>
             <a:endParaRPr lang="ru-RU"/>
           </a:p>
@@ -3176,25 +3182,40 @@
           </a:p>
         </p:txBody>
       </p:sp>
-      <p:sp>
-        <p:nvSpPr>
-          <p:cNvPr id="3" name="Содержимое 2"/>
-          <p:cNvSpPr>
-            <a:spLocks noGrp="1"/>
-          </p:cNvSpPr>
+      <p:pic>
+        <p:nvPicPr>
+          <p:cNvPr id="5122" name="Picture 2"/>
+          <p:cNvPicPr>
+            <a:picLocks noGrp="1" noChangeAspect="1" noChangeArrowheads="1"/>
+          </p:cNvPicPr>
           <p:nvPr>
             <p:ph idx="1"/>
           </p:nvPr>
-        </p:nvSpPr>
-        <p:spPr/>
-        <p:txBody>
-          <a:bodyPr/>
-          <a:lstStyle/>
-          <a:p>
-            <a:endParaRPr lang="ru-RU"/>
-          </a:p>
-        </p:txBody>
-      </p:sp>
+        </p:nvPicPr>
+        <p:blipFill>
+          <a:blip r:embed="rId2" cstate="print"/>
+          <a:srcRect/>
+          <a:stretch>
+            <a:fillRect/>
+          </a:stretch>
+        </p:blipFill>
+        <p:spPr bwMode="auto">
+          <a:xfrm>
+            <a:off x="1417580" y="2668464"/>
+            <a:ext cx="6308839" cy="2389435"/>
+          </a:xfrm>
+          <a:prstGeom prst="rect">
+            <a:avLst/>
+          </a:prstGeom>
+          <a:noFill/>
+          <a:ln w="9525">
+            <a:noFill/>
+            <a:miter lim="800000"/>
+            <a:headEnd/>
+            <a:tailEnd/>
+          </a:ln>
+        </p:spPr>
+      </p:pic>
     </p:spTree>
   </p:cSld>
   <p:clrMapOvr>
@@ -3232,25 +3253,16 @@
         </p:nvSpPr>
         <p:spPr/>
         <p:txBody>
-          <a:bodyPr>
-            <a:noAutofit/>
-          </a:bodyPr>
-          <a:lstStyle/>
-          <a:p>
-            <a:r>
-              <a:rPr lang="ru-RU" sz="1800" dirty="0"/>
-              <a:t/>
-            </a:r>
-            <a:br>
-              <a:rPr lang="ru-RU" sz="1800" dirty="0"/>
-            </a:br>
-            <a:endParaRPr lang="ru-RU" sz="1800" dirty="0"/>
+          <a:bodyPr/>
+          <a:lstStyle/>
+          <a:p>
+            <a:endParaRPr lang="ru-RU"/>
           </a:p>
         </p:txBody>
       </p:sp>
       <p:pic>
         <p:nvPicPr>
-          <p:cNvPr id="2050" name="Picture 2"/>
+          <p:cNvPr id="4098" name="Picture 2"/>
           <p:cNvPicPr>
             <a:picLocks noGrp="1" noChangeAspect="1" noChangeArrowheads="1"/>
           </p:cNvPicPr>
@@ -3267,8 +3279,8 @@
         </p:blipFill>
         <p:spPr bwMode="auto">
           <a:xfrm>
-            <a:off x="457200" y="2097419"/>
-            <a:ext cx="8229600" cy="3531525"/>
+            <a:off x="1429771" y="2802565"/>
+            <a:ext cx="6284457" cy="2121233"/>
           </a:xfrm>
           <a:prstGeom prst="rect">
             <a:avLst/>
@@ -3319,377 +3331,51 @@
         </p:nvSpPr>
         <p:spPr/>
         <p:txBody>
-          <a:bodyPr>
-            <a:normAutofit/>
-          </a:bodyPr>
-          <a:lstStyle/>
-          <a:p>
-            <a:r>
-              <a:rPr lang="ru-RU" dirty="0" smtClean="0">
-                <a:hlinkClick r:id="rId2"/>
-              </a:rPr>
-              <a:t>Клинические параметры</a:t>
+          <a:bodyPr/>
+          <a:lstStyle/>
+          <a:p>
+            <a:r>
+              <a:rPr lang="ru-RU" dirty="0" smtClean="0"/>
+              <a:t>Схема ансамбля</a:t>
             </a:r>
             <a:endParaRPr lang="ru-RU" dirty="0"/>
           </a:p>
         </p:txBody>
       </p:sp>
-      <p:sp>
-        <p:nvSpPr>
-          <p:cNvPr id="3" name="Содержимое 2"/>
-          <p:cNvSpPr>
-            <a:spLocks noGrp="1"/>
-          </p:cNvSpPr>
+      <p:pic>
+        <p:nvPicPr>
+          <p:cNvPr id="6146" name="Picture 2"/>
+          <p:cNvPicPr>
+            <a:picLocks noGrp="1" noChangeAspect="1" noChangeArrowheads="1"/>
+          </p:cNvPicPr>
           <p:nvPr>
             <p:ph idx="1"/>
           </p:nvPr>
-        </p:nvSpPr>
-        <p:spPr/>
-        <p:txBody>
-          <a:bodyPr>
-            <a:normAutofit fontScale="47500" lnSpcReduction="20000"/>
-          </a:bodyPr>
-          <a:lstStyle/>
-          <a:p>
-            <a:r>
-              <a:rPr lang="ru-RU" b="1" dirty="0" smtClean="0"/>
-              <a:t>Целевые нозологии</a:t>
-            </a:r>
-          </a:p>
-          <a:p>
-            <a:pPr>
-              <a:buNone/>
-            </a:pPr>
-            <a:r>
-              <a:rPr lang="ru-RU" b="1" dirty="0"/>
-              <a:t>	</a:t>
-            </a:r>
-            <a:r>
-              <a:rPr lang="ru-RU" b="1" dirty="0" smtClean="0"/>
-              <a:t>Целевые </a:t>
-            </a:r>
-            <a:r>
-              <a:rPr lang="ru-RU" b="1" dirty="0" err="1"/>
-              <a:t>патологии\признаки</a:t>
-            </a:r>
-            <a:r>
-              <a:rPr lang="ru-RU" b="1" dirty="0"/>
-              <a:t>:</a:t>
-            </a:r>
-            <a:r>
-              <a:rPr lang="ru-RU" dirty="0"/>
-              <a:t> </a:t>
-            </a:r>
-            <a:r>
-              <a:rPr lang="ru-RU" dirty="0" err="1" smtClean="0"/>
-              <a:t>COVID-19</a:t>
-            </a:r>
-            <a:endParaRPr lang="ru-RU" dirty="0" smtClean="0"/>
-          </a:p>
-          <a:p>
-            <a:pPr>
-              <a:buNone/>
-            </a:pPr>
-            <a:r>
-              <a:rPr lang="ru-RU" b="1" dirty="0"/>
-              <a:t>	</a:t>
-            </a:r>
-            <a:r>
-              <a:rPr lang="ru-RU" b="1" dirty="0" smtClean="0"/>
-              <a:t>Код </a:t>
-            </a:r>
-            <a:r>
-              <a:rPr lang="ru-RU" b="1" dirty="0" err="1"/>
-              <a:t>МКБ-10</a:t>
-            </a:r>
-            <a:r>
-              <a:rPr lang="ru-RU" b="1" dirty="0"/>
-              <a:t> целевой патологии:</a:t>
-            </a:r>
-            <a:r>
-              <a:rPr lang="ru-RU" dirty="0"/>
-              <a:t> </a:t>
-            </a:r>
-            <a:r>
-              <a:rPr lang="ru-RU" dirty="0" err="1" smtClean="0"/>
-              <a:t>U07.1</a:t>
-            </a:r>
-            <a:endParaRPr lang="ru-RU" dirty="0" smtClean="0"/>
-          </a:p>
-          <a:p>
-            <a:r>
-              <a:rPr lang="ru-RU" b="1" dirty="0" smtClean="0"/>
-              <a:t>Параметры популяции</a:t>
-            </a:r>
-          </a:p>
-          <a:p>
-            <a:pPr>
-              <a:buNone/>
-            </a:pPr>
-            <a:r>
-              <a:rPr lang="ru-RU" b="1" dirty="0"/>
-              <a:t>	</a:t>
-            </a:r>
-            <a:r>
-              <a:rPr lang="ru-RU" b="1" dirty="0" smtClean="0"/>
-              <a:t>Критерии </a:t>
-            </a:r>
-            <a:r>
-              <a:rPr lang="ru-RU" b="1" dirty="0"/>
-              <a:t>включения/</a:t>
-            </a:r>
-            <a:r>
-              <a:rPr lang="ru-RU" b="1" dirty="0" err="1"/>
-              <a:t>невключения</a:t>
-            </a:r>
-            <a:r>
-              <a:rPr lang="ru-RU" b="1" dirty="0"/>
-              <a:t> пациента</a:t>
-            </a:r>
-            <a:r>
-              <a:rPr lang="ru-RU" b="1" dirty="0" smtClean="0"/>
-              <a:t>:</a:t>
-            </a:r>
-          </a:p>
-          <a:p>
-            <a:pPr>
-              <a:buNone/>
-            </a:pPr>
-            <a:r>
-              <a:rPr lang="ru-RU" b="1" dirty="0"/>
-              <a:t>	</a:t>
-            </a:r>
-            <a:r>
-              <a:rPr lang="ru-RU" dirty="0" smtClean="0"/>
-              <a:t>Критерии </a:t>
-            </a:r>
-            <a:r>
-              <a:rPr lang="ru-RU" dirty="0"/>
-              <a:t>включения пациента: Возраст ≥18 лет</a:t>
-            </a:r>
-            <a:br>
-              <a:rPr lang="ru-RU" dirty="0"/>
-            </a:br>
-            <a:r>
-              <a:rPr lang="ru-RU" dirty="0"/>
-              <a:t>Критерии </a:t>
-            </a:r>
-            <a:r>
-              <a:rPr lang="ru-RU" dirty="0" err="1"/>
-              <a:t>невключения</a:t>
-            </a:r>
-            <a:r>
-              <a:rPr lang="ru-RU" dirty="0"/>
-              <a:t> пациента: Наличие оперативных вмешательств, лучевой терапии в анамнезе для лечения заболеваний в области грудной клетки</a:t>
-            </a:r>
-          </a:p>
-          <a:p>
-            <a:pPr>
-              <a:buNone/>
-            </a:pPr>
-            <a:r>
-              <a:rPr lang="ru-RU" dirty="0" smtClean="0"/>
-              <a:t>	Возраст </a:t>
-            </a:r>
-            <a:r>
-              <a:rPr lang="ru-RU" dirty="0"/>
-              <a:t>(мин., лет): </a:t>
-            </a:r>
-            <a:r>
-              <a:rPr lang="ru-RU" dirty="0" smtClean="0"/>
-              <a:t>18</a:t>
-            </a:r>
-          </a:p>
-          <a:p>
-            <a:pPr>
-              <a:buNone/>
-            </a:pPr>
-            <a:r>
-              <a:rPr lang="ru-RU" dirty="0"/>
-              <a:t>	</a:t>
-            </a:r>
-            <a:r>
-              <a:rPr lang="ru-RU" dirty="0" smtClean="0"/>
-              <a:t>Возраст </a:t>
-            </a:r>
-            <a:r>
-              <a:rPr lang="ru-RU" dirty="0"/>
-              <a:t>(макс., лет): </a:t>
-            </a:r>
-            <a:r>
-              <a:rPr lang="ru-RU" dirty="0" smtClean="0"/>
-              <a:t>97</a:t>
-            </a:r>
-          </a:p>
-          <a:p>
-            <a:pPr>
-              <a:buNone/>
-            </a:pPr>
-            <a:r>
-              <a:rPr lang="ru-RU" dirty="0"/>
-              <a:t>	</a:t>
-            </a:r>
-            <a:r>
-              <a:rPr lang="ru-RU" dirty="0" smtClean="0"/>
-              <a:t>Возраст </a:t>
-            </a:r>
-            <a:r>
-              <a:rPr lang="ru-RU" dirty="0"/>
-              <a:t>(медиана, лет): </a:t>
-            </a:r>
-            <a:r>
-              <a:rPr lang="ru-RU" dirty="0" smtClean="0"/>
-              <a:t>47,0</a:t>
-            </a:r>
-          </a:p>
-          <a:p>
-            <a:pPr>
-              <a:buNone/>
-            </a:pPr>
-            <a:r>
-              <a:rPr lang="ru-RU" dirty="0"/>
-              <a:t>	</a:t>
-            </a:r>
-            <a:r>
-              <a:rPr lang="ru-RU" dirty="0" smtClean="0"/>
-              <a:t>Пол </a:t>
-            </a:r>
-            <a:r>
-              <a:rPr lang="ru-RU" dirty="0"/>
-              <a:t>(М): </a:t>
-            </a:r>
-            <a:r>
-              <a:rPr lang="ru-RU" dirty="0" smtClean="0"/>
-              <a:t>42</a:t>
-            </a:r>
-          </a:p>
-          <a:p>
-            <a:pPr>
-              <a:buNone/>
-            </a:pPr>
-            <a:r>
-              <a:rPr lang="ru-RU" dirty="0"/>
-              <a:t>	</a:t>
-            </a:r>
-            <a:r>
-              <a:rPr lang="ru-RU" dirty="0" smtClean="0"/>
-              <a:t>Пол </a:t>
-            </a:r>
-            <a:r>
-              <a:rPr lang="ru-RU" dirty="0"/>
-              <a:t>(Ж): </a:t>
-            </a:r>
-            <a:r>
-              <a:rPr lang="ru-RU" dirty="0" smtClean="0"/>
-              <a:t>56</a:t>
-            </a:r>
-          </a:p>
-          <a:p>
-            <a:pPr>
-              <a:buNone/>
-            </a:pPr>
-            <a:r>
-              <a:rPr lang="ru-RU" dirty="0"/>
-              <a:t>	</a:t>
-            </a:r>
-            <a:r>
-              <a:rPr lang="ru-RU" dirty="0" smtClean="0"/>
-              <a:t>Пол </a:t>
-            </a:r>
-            <a:r>
-              <a:rPr lang="ru-RU" dirty="0"/>
-              <a:t>(</a:t>
-            </a:r>
-            <a:r>
-              <a:rPr lang="ru-RU" dirty="0" err="1"/>
-              <a:t>неопределено</a:t>
-            </a:r>
-            <a:r>
-              <a:rPr lang="ru-RU" dirty="0"/>
-              <a:t>): </a:t>
-            </a:r>
-            <a:r>
-              <a:rPr lang="ru-RU" dirty="0" smtClean="0"/>
-              <a:t>2</a:t>
-            </a:r>
-          </a:p>
-          <a:p>
-            <a:pPr>
-              <a:buNone/>
-            </a:pPr>
-            <a:r>
-              <a:rPr lang="ru-RU" dirty="0"/>
-              <a:t>	</a:t>
-            </a:r>
-            <a:r>
-              <a:rPr lang="ru-RU" dirty="0" smtClean="0"/>
-              <a:t>Период </a:t>
-            </a:r>
-            <a:r>
-              <a:rPr lang="ru-RU" dirty="0"/>
-              <a:t>сбора (начало): </a:t>
-            </a:r>
-            <a:r>
-              <a:rPr lang="ru-RU" dirty="0" smtClean="0"/>
-              <a:t>01.03.2020</a:t>
-            </a:r>
-          </a:p>
-          <a:p>
-            <a:pPr>
-              <a:buNone/>
-            </a:pPr>
-            <a:r>
-              <a:rPr lang="ru-RU" dirty="0"/>
-              <a:t>	</a:t>
-            </a:r>
-            <a:r>
-              <a:rPr lang="ru-RU" dirty="0" smtClean="0"/>
-              <a:t>Период </a:t>
-            </a:r>
-            <a:r>
-              <a:rPr lang="ru-RU" dirty="0"/>
-              <a:t>сбора (конец): </a:t>
-            </a:r>
-            <a:r>
-              <a:rPr lang="ru-RU" dirty="0" smtClean="0"/>
-              <a:t>25.04.2020</a:t>
-            </a:r>
-          </a:p>
-          <a:p>
-            <a:pPr>
-              <a:buNone/>
-            </a:pPr>
-            <a:r>
-              <a:rPr lang="ru-RU" dirty="0"/>
-              <a:t>	</a:t>
-            </a:r>
-            <a:r>
-              <a:rPr lang="ru-RU" dirty="0" smtClean="0"/>
-              <a:t>Эпидемиологическая </a:t>
-            </a:r>
-            <a:r>
-              <a:rPr lang="ru-RU" dirty="0"/>
-              <a:t>обстановка: В условиях пандемии </a:t>
-            </a:r>
-            <a:r>
-              <a:rPr lang="ru-RU" dirty="0" err="1"/>
-              <a:t>коронавирусной</a:t>
-            </a:r>
-            <a:r>
-              <a:rPr lang="ru-RU" dirty="0"/>
-              <a:t> инфекции (</a:t>
-            </a:r>
-            <a:r>
-              <a:rPr lang="ru-RU" dirty="0" err="1"/>
-              <a:t>COVID-19</a:t>
-            </a:r>
-            <a:r>
-              <a:rPr lang="ru-RU" dirty="0"/>
-              <a:t>)</a:t>
-            </a:r>
-          </a:p>
-        </p:txBody>
-      </p:sp>
+        </p:nvPicPr>
+        <p:blipFill>
+          <a:blip r:embed="rId2" cstate="print"/>
+          <a:srcRect/>
+          <a:stretch>
+            <a:fillRect/>
+          </a:stretch>
+        </p:blipFill>
+        <p:spPr bwMode="auto">
+          <a:xfrm>
+            <a:off x="1406471" y="1712892"/>
+            <a:ext cx="6331057" cy="4300578"/>
+          </a:xfrm>
+          <a:prstGeom prst="rect">
+            <a:avLst/>
+          </a:prstGeom>
+          <a:noFill/>
+          <a:ln w="9525">
+            <a:noFill/>
+            <a:miter lim="800000"/>
+            <a:headEnd/>
+            <a:tailEnd/>
+          </a:ln>
+        </p:spPr>
+      </p:pic>
     </p:spTree>
   </p:cSld>
   <p:clrMapOvr>
@@ -3728,114 +3414,60 @@
         <p:spPr/>
         <p:txBody>
           <a:bodyPr>
-            <a:normAutofit/>
+            <a:normAutofit fontScale="90000"/>
           </a:bodyPr>
           <a:lstStyle/>
           <a:p>
             <a:r>
-              <a:rPr lang="ru-RU" dirty="0" smtClean="0">
-                <a:hlinkClick r:id="rId2"/>
-              </a:rPr>
-              <a:t>Назначение</a:t>
+              <a:rPr lang="ru-RU" dirty="0" smtClean="0"/>
+              <a:t>Создание </a:t>
+            </a:r>
+            <a:r>
+              <a:rPr lang="ru-RU" dirty="0" err="1" smtClean="0"/>
+              <a:t>датасетов</a:t>
+            </a:r>
+            <a:r>
+              <a:rPr lang="ru-RU" dirty="0" smtClean="0"/>
+              <a:t> разных конфигураций</a:t>
             </a:r>
             <a:endParaRPr lang="ru-RU" dirty="0"/>
           </a:p>
         </p:txBody>
       </p:sp>
-      <p:sp>
-        <p:nvSpPr>
-          <p:cNvPr id="3" name="Содержимое 2"/>
-          <p:cNvSpPr>
-            <a:spLocks noGrp="1"/>
-          </p:cNvSpPr>
+      <p:pic>
+        <p:nvPicPr>
+          <p:cNvPr id="1026" name="Picture 2"/>
+          <p:cNvPicPr>
+            <a:picLocks noGrp="1" noChangeAspect="1" noChangeArrowheads="1"/>
+          </p:cNvPicPr>
           <p:nvPr>
             <p:ph idx="1"/>
           </p:nvPr>
-        </p:nvSpPr>
-        <p:spPr/>
-        <p:txBody>
-          <a:bodyPr>
-            <a:normAutofit/>
-          </a:bodyPr>
-          <a:lstStyle/>
-          <a:p>
-            <a:r>
-              <a:rPr lang="ru-RU" b="1" dirty="0" smtClean="0"/>
-              <a:t>Клиническая/практическая/научная </a:t>
-            </a:r>
-            <a:r>
-              <a:rPr lang="ru-RU" b="1" dirty="0"/>
-              <a:t>задача создания набора данных:</a:t>
-            </a:r>
-            <a:r>
-              <a:rPr lang="ru-RU" dirty="0"/>
-              <a:t> Определение степени поражения паренхимы легкого при </a:t>
-            </a:r>
-            <a:r>
-              <a:rPr lang="ru-RU" dirty="0" err="1" smtClean="0"/>
-              <a:t>COVID-19</a:t>
-            </a:r>
-            <a:endParaRPr lang="ru-RU" dirty="0" smtClean="0"/>
-          </a:p>
-          <a:p>
-            <a:r>
-              <a:rPr lang="ru-RU" b="1" dirty="0" smtClean="0"/>
-              <a:t>Назначение </a:t>
-            </a:r>
-            <a:r>
-              <a:rPr lang="ru-RU" b="1" dirty="0" err="1"/>
-              <a:t>датасета</a:t>
-            </a:r>
-            <a:r>
-              <a:rPr lang="ru-RU" b="1" dirty="0"/>
-              <a:t>:</a:t>
-            </a:r>
-            <a:r>
-              <a:rPr lang="ru-RU" dirty="0"/>
-              <a:t> Обучение ИИ </a:t>
-            </a:r>
-            <a:r>
-              <a:rPr lang="ru-RU" dirty="0" smtClean="0"/>
-              <a:t>алгоритма</a:t>
-            </a:r>
-          </a:p>
-          <a:p>
-            <a:r>
-              <a:rPr lang="ru-RU" b="1" dirty="0" smtClean="0"/>
-              <a:t>Вариант</a:t>
-            </a:r>
-            <a:r>
-              <a:rPr lang="ru-RU" b="1" dirty="0"/>
-              <a:t>:</a:t>
-            </a:r>
-            <a:r>
-              <a:rPr lang="ru-RU" dirty="0"/>
-              <a:t> </a:t>
-            </a:r>
-            <a:r>
-              <a:rPr lang="ru-RU" dirty="0" err="1"/>
-              <a:t>SC</a:t>
-            </a:r>
-            <a:r>
-              <a:rPr lang="ru-RU" dirty="0"/>
-              <a:t> - </a:t>
-            </a:r>
-            <a:r>
-              <a:rPr lang="ru-RU" dirty="0" err="1"/>
-              <a:t>special</a:t>
-            </a:r>
-            <a:r>
-              <a:rPr lang="ru-RU" dirty="0"/>
-              <a:t> </a:t>
-            </a:r>
-            <a:r>
-              <a:rPr lang="ru-RU" dirty="0" err="1"/>
-              <a:t>case</a:t>
-            </a:r>
-            <a:endParaRPr lang="ru-RU" dirty="0"/>
-          </a:p>
-        </p:txBody>
-      </p:sp>
+        </p:nvPicPr>
+        <p:blipFill>
+          <a:blip r:embed="rId2" cstate="print"/>
+          <a:srcRect/>
+          <a:stretch>
+            <a:fillRect/>
+          </a:stretch>
+        </p:blipFill>
+        <p:spPr bwMode="auto">
+          <a:xfrm>
+            <a:off x="457200" y="2916068"/>
+            <a:ext cx="8229600" cy="1894227"/>
+          </a:xfrm>
+          <a:prstGeom prst="rect">
+            <a:avLst/>
+          </a:prstGeom>
+          <a:noFill/>
+          <a:ln w="9525">
+            <a:noFill/>
+            <a:miter lim="800000"/>
+            <a:headEnd/>
+            <a:tailEnd/>
+          </a:ln>
+        </p:spPr>
+      </p:pic>
     </p:spTree>
   </p:cSld>
   <p:clrMapOvr>
@@ -3873,349 +3505,51 @@
         </p:nvSpPr>
         <p:spPr/>
         <p:txBody>
-          <a:bodyPr>
-            <a:normAutofit/>
-          </a:bodyPr>
-          <a:lstStyle/>
-          <a:p>
-            <a:r>
-              <a:rPr lang="ru-RU" dirty="0" smtClean="0">
-                <a:hlinkClick r:id="rId2"/>
-              </a:rPr>
-              <a:t>Разметка и верификация</a:t>
+          <a:bodyPr/>
+          <a:lstStyle/>
+          <a:p>
+            <a:r>
+              <a:rPr lang="ru-RU" dirty="0" smtClean="0"/>
+              <a:t>Сравнение некоторых моделей</a:t>
             </a:r>
             <a:endParaRPr lang="ru-RU" dirty="0"/>
           </a:p>
         </p:txBody>
       </p:sp>
-      <p:sp>
-        <p:nvSpPr>
-          <p:cNvPr id="3" name="Содержимое 2"/>
-          <p:cNvSpPr>
-            <a:spLocks noGrp="1"/>
-          </p:cNvSpPr>
+      <p:pic>
+        <p:nvPicPr>
+          <p:cNvPr id="2050" name="Picture 2"/>
+          <p:cNvPicPr>
+            <a:picLocks noGrp="1" noChangeAspect="1" noChangeArrowheads="1"/>
+          </p:cNvPicPr>
           <p:nvPr>
             <p:ph idx="1"/>
           </p:nvPr>
-        </p:nvSpPr>
-        <p:spPr/>
-        <p:txBody>
-          <a:bodyPr>
-            <a:normAutofit fontScale="40000" lnSpcReduction="20000"/>
-          </a:bodyPr>
-          <a:lstStyle/>
-          <a:p>
-            <a:r>
-              <a:rPr lang="ru-RU" b="1" dirty="0" err="1" smtClean="0"/>
-              <a:t>РазметкаУровень</a:t>
-            </a:r>
-            <a:r>
-              <a:rPr lang="ru-RU" b="1" dirty="0" smtClean="0"/>
-              <a:t> </a:t>
-            </a:r>
-            <a:r>
-              <a:rPr lang="ru-RU" b="1" dirty="0"/>
-              <a:t>разметки:</a:t>
-            </a:r>
-            <a:r>
-              <a:rPr lang="ru-RU" dirty="0"/>
-              <a:t> Изображение, </a:t>
-            </a:r>
-            <a:r>
-              <a:rPr lang="ru-RU" dirty="0" smtClean="0"/>
-              <a:t>Исследование</a:t>
-            </a:r>
-          </a:p>
-          <a:p>
-            <a:r>
-              <a:rPr lang="ru-RU" b="1" dirty="0" smtClean="0"/>
-              <a:t>Способы </a:t>
-            </a:r>
-            <a:r>
-              <a:rPr lang="ru-RU" b="1" dirty="0" err="1"/>
-              <a:t>предразметки</a:t>
-            </a:r>
-            <a:r>
-              <a:rPr lang="ru-RU" b="1" dirty="0"/>
-              <a:t>:</a:t>
-            </a:r>
-            <a:r>
-              <a:rPr lang="ru-RU" dirty="0"/>
-              <a:t> </a:t>
-            </a:r>
-            <a:r>
-              <a:rPr lang="ru-RU" dirty="0" smtClean="0"/>
-              <a:t>Нет</a:t>
-            </a:r>
-          </a:p>
-          <a:p>
-            <a:r>
-              <a:rPr lang="ru-RU" b="1" dirty="0" smtClean="0"/>
-              <a:t>Характер </a:t>
-            </a:r>
-            <a:r>
-              <a:rPr lang="ru-RU" b="1" dirty="0"/>
-              <a:t>разметки:</a:t>
-            </a:r>
-            <a:r>
-              <a:rPr lang="ru-RU" dirty="0"/>
-              <a:t> </a:t>
-            </a:r>
-            <a:r>
-              <a:rPr lang="ru-RU" dirty="0" smtClean="0"/>
-              <a:t>Бинарная</a:t>
-            </a:r>
-          </a:p>
-          <a:p>
-            <a:r>
-              <a:rPr lang="ru-RU" b="1" dirty="0" smtClean="0"/>
-              <a:t>Количество </a:t>
-            </a:r>
-            <a:r>
-              <a:rPr lang="ru-RU" b="1" dirty="0"/>
-              <a:t>лейблов:</a:t>
-            </a:r>
-            <a:r>
-              <a:rPr lang="ru-RU" dirty="0"/>
-              <a:t> </a:t>
-            </a:r>
-            <a:r>
-              <a:rPr lang="ru-RU" dirty="0" smtClean="0"/>
-              <a:t>1</a:t>
-            </a:r>
-          </a:p>
-          <a:p>
-            <a:r>
-              <a:rPr lang="ru-RU" b="1" dirty="0" smtClean="0"/>
-              <a:t>Характер </a:t>
-            </a:r>
-            <a:r>
-              <a:rPr lang="ru-RU" b="1" dirty="0"/>
-              <a:t>лейблов:</a:t>
-            </a:r>
-            <a:r>
-              <a:rPr lang="ru-RU" dirty="0"/>
-              <a:t> </a:t>
-            </a:r>
-            <a:r>
-              <a:rPr lang="ru-RU" dirty="0" err="1"/>
-              <a:t>Мультикласс</a:t>
-            </a:r>
-            <a:r>
-              <a:rPr lang="ru-RU" dirty="0"/>
-              <a:t> (1 лейбл, </a:t>
-            </a:r>
-            <a:r>
-              <a:rPr lang="ru-RU" dirty="0" err="1"/>
-              <a:t>M</a:t>
-            </a:r>
-            <a:r>
-              <a:rPr lang="ru-RU" dirty="0"/>
-              <a:t> классов, </a:t>
-            </a:r>
-            <a:r>
-              <a:rPr lang="ru-RU" dirty="0" err="1"/>
-              <a:t>M</a:t>
-            </a:r>
-            <a:r>
-              <a:rPr lang="ru-RU" dirty="0"/>
-              <a:t>&gt;2</a:t>
-            </a:r>
-            <a:r>
-              <a:rPr lang="ru-RU" dirty="0" smtClean="0"/>
-              <a:t>)</a:t>
-            </a:r>
-          </a:p>
-          <a:p>
-            <a:r>
-              <a:rPr lang="ru-RU" b="1" dirty="0" smtClean="0"/>
-              <a:t>Уровень </a:t>
-            </a:r>
-            <a:r>
-              <a:rPr lang="ru-RU" b="1" dirty="0"/>
-              <a:t>детализации лейблов:</a:t>
-            </a:r>
-            <a:r>
-              <a:rPr lang="ru-RU" dirty="0"/>
-              <a:t> </a:t>
-            </a:r>
-            <a:r>
-              <a:rPr lang="ru-RU" dirty="0" smtClean="0"/>
-              <a:t>Исследование/серия/изображение</a:t>
-            </a:r>
-          </a:p>
-          <a:p>
-            <a:r>
-              <a:rPr lang="ru-RU" b="1" dirty="0" smtClean="0"/>
-              <a:t>Названия </a:t>
-            </a:r>
-            <a:r>
-              <a:rPr lang="ru-RU" b="1" dirty="0"/>
-              <a:t>лейблов:</a:t>
-            </a:r>
-            <a:r>
-              <a:rPr lang="ru-RU" dirty="0"/>
-              <a:t> Признаки поражения паренхимы легкого при </a:t>
-            </a:r>
-            <a:r>
-              <a:rPr lang="ru-RU" dirty="0" err="1"/>
-              <a:t>COVID-19</a:t>
-            </a:r>
-            <a:r>
-              <a:rPr lang="ru-RU" dirty="0"/>
-              <a:t> согласно -Базовые диагностические требования от августа </a:t>
-            </a:r>
-            <a:r>
-              <a:rPr lang="ru-RU" dirty="0" err="1" smtClean="0"/>
-              <a:t>2021г</a:t>
-            </a:r>
-            <a:endParaRPr lang="ru-RU" dirty="0" smtClean="0"/>
-          </a:p>
-          <a:p>
-            <a:r>
-              <a:rPr lang="ru-RU" b="1" dirty="0" smtClean="0"/>
-              <a:t>Количество </a:t>
-            </a:r>
-            <a:r>
-              <a:rPr lang="ru-RU" b="1" dirty="0"/>
-              <a:t>классов:</a:t>
-            </a:r>
-            <a:r>
-              <a:rPr lang="ru-RU" dirty="0"/>
-              <a:t> </a:t>
-            </a:r>
-            <a:r>
-              <a:rPr lang="ru-RU" dirty="0" smtClean="0"/>
-              <a:t>2</a:t>
-            </a:r>
-          </a:p>
-          <a:p>
-            <a:r>
-              <a:rPr lang="ru-RU" b="1" dirty="0" smtClean="0"/>
-              <a:t>Названия </a:t>
-            </a:r>
-            <a:r>
-              <a:rPr lang="ru-RU" b="1" dirty="0"/>
-              <a:t>классов:</a:t>
-            </a:r>
-            <a:r>
-              <a:rPr lang="ru-RU" dirty="0"/>
-              <a:t> Без целевой патологии - 0; С целевой патологией </a:t>
-            </a:r>
-            <a:r>
-              <a:rPr lang="ru-RU" dirty="0" smtClean="0"/>
-              <a:t>– 1</a:t>
-            </a:r>
-          </a:p>
-          <a:p>
-            <a:r>
-              <a:rPr lang="ru-RU" b="1" dirty="0" smtClean="0"/>
-              <a:t>Количество </a:t>
-            </a:r>
-            <a:r>
-              <a:rPr lang="ru-RU" b="1" dirty="0"/>
-              <a:t>по классам:</a:t>
-            </a:r>
-            <a:r>
-              <a:rPr lang="ru-RU" dirty="0"/>
-              <a:t> КТ-0 ― 254 (22,8%), КТ-1 ― 684 (61,6%), КТ-2 ― 125 (11,3%), КТ-3 ― 45 (4,1%), КТ-4 ― 2 (0,2</a:t>
-            </a:r>
-            <a:r>
-              <a:rPr lang="ru-RU" dirty="0" smtClean="0"/>
-              <a:t>%).</a:t>
-            </a:r>
-          </a:p>
-          <a:p>
-            <a:r>
-              <a:rPr lang="ru-RU" b="1" dirty="0" smtClean="0"/>
-              <a:t>Критерии </a:t>
-            </a:r>
-            <a:r>
-              <a:rPr lang="ru-RU" b="1" dirty="0"/>
-              <a:t>отнесения к </a:t>
-            </a:r>
-            <a:r>
-              <a:rPr lang="ru-RU" b="1" dirty="0" err="1"/>
-              <a:t>классам:</a:t>
-            </a:r>
-            <a:r>
-              <a:rPr lang="ru-RU" dirty="0" err="1"/>
-              <a:t>С</a:t>
-            </a:r>
-            <a:r>
-              <a:rPr lang="ru-RU" dirty="0"/>
-              <a:t> патологией:</a:t>
-            </a:r>
-          </a:p>
-          <a:p>
-            <a:r>
-              <a:rPr lang="ru-RU" dirty="0"/>
-              <a:t>Инфильтрация легочной паренхимы по типу матовых стекол с обеих сторон, преимущественно периферической локализации с или без инфильтрацией легочной паренхимы по типу консолидации с положительным признаком воздушной </a:t>
-            </a:r>
-            <a:r>
-              <a:rPr lang="ru-RU" dirty="0" err="1"/>
-              <a:t>бронхограммы</a:t>
-            </a:r>
-            <a:r>
-              <a:rPr lang="ru-RU" dirty="0"/>
-              <a:t>;</a:t>
-            </a:r>
-          </a:p>
-          <a:p>
-            <a:r>
-              <a:rPr lang="ru-RU" dirty="0"/>
-              <a:t>Инфильтрация легочной паренхимы по типу булыжной мостовой (утолщение </a:t>
-            </a:r>
-            <a:r>
-              <a:rPr lang="ru-RU" dirty="0" err="1"/>
-              <a:t>междолькового</a:t>
-            </a:r>
-            <a:r>
-              <a:rPr lang="ru-RU" dirty="0"/>
-              <a:t> </a:t>
-            </a:r>
-            <a:r>
-              <a:rPr lang="ru-RU" dirty="0" err="1"/>
-              <a:t>интерстиция</a:t>
-            </a:r>
-            <a:r>
-              <a:rPr lang="ru-RU" dirty="0"/>
-              <a:t> на фоне матового стекла) с обеих сторон, преимущественно периферической локализации, с или или без инфильтрацией легочной паренхимы по типу консолидации с положительным признаком воздушной </a:t>
-            </a:r>
-            <a:r>
-              <a:rPr lang="ru-RU" dirty="0" err="1"/>
-              <a:t>бронхограммы</a:t>
-            </a:r>
-            <a:r>
-              <a:rPr lang="ru-RU" dirty="0"/>
-              <a:t>.</a:t>
-            </a:r>
-          </a:p>
-          <a:p>
-            <a:r>
-              <a:rPr lang="ru-RU" dirty="0"/>
-              <a:t>Без патологии: отсутствие вышеперечисленных признаков</a:t>
-            </a:r>
-          </a:p>
-          <a:p>
-            <a:r>
-              <a:rPr lang="ru-RU" b="1" dirty="0" err="1"/>
-              <a:t>ВерификацияМетод</a:t>
-            </a:r>
-            <a:r>
-              <a:rPr lang="ru-RU" b="1" dirty="0"/>
-              <a:t> верификации:</a:t>
-            </a:r>
-            <a:r>
-              <a:rPr lang="ru-RU" dirty="0"/>
-              <a:t> Экспертная оценка разметки (1 эксперт либо консенсус)</a:t>
-            </a:r>
-          </a:p>
-          <a:p>
-            <a:endParaRPr lang="ru-RU" dirty="0"/>
-          </a:p>
-        </p:txBody>
-      </p:sp>
+        </p:nvPicPr>
+        <p:blipFill>
+          <a:blip r:embed="rId2" cstate="print"/>
+          <a:srcRect/>
+          <a:stretch>
+            <a:fillRect/>
+          </a:stretch>
+        </p:blipFill>
+        <p:spPr bwMode="auto">
+          <a:xfrm>
+            <a:off x="457200" y="2099696"/>
+            <a:ext cx="8229600" cy="3526971"/>
+          </a:xfrm>
+          <a:prstGeom prst="rect">
+            <a:avLst/>
+          </a:prstGeom>
+          <a:noFill/>
+          <a:ln w="9525">
+            <a:noFill/>
+            <a:miter lim="800000"/>
+            <a:headEnd/>
+            <a:tailEnd/>
+          </a:ln>
+        </p:spPr>
+      </p:pic>
     </p:spTree>
   </p:cSld>
   <p:clrMapOvr>
@@ -4254,301 +3588,244 @@
         <p:spPr/>
         <p:txBody>
           <a:bodyPr>
-            <a:normAutofit/>
+            <a:noAutofit/>
           </a:bodyPr>
           <a:lstStyle/>
           <a:p>
             <a:r>
-              <a:rPr lang="ru-RU" dirty="0" smtClean="0">
+              <a:rPr lang="ru-RU" sz="1800" b="1" dirty="0" smtClean="0"/>
+              <a:t>Эксперимент</a:t>
+            </a:r>
+            <a:br>
+              <a:rPr lang="ru-RU" sz="1800" b="1" dirty="0" smtClean="0"/>
+            </a:br>
+            <a:r>
+              <a:rPr lang="ru-RU" sz="1800" dirty="0" smtClean="0"/>
+              <a:t>по использованию инновационных технологий в области компьютерного зрения для анализа медицинских изображений и дальнейшего применения в системе здравоохранения города Москвы.</a:t>
+            </a:r>
+            <a:endParaRPr lang="ru-RU" sz="1800" dirty="0"/>
+          </a:p>
+        </p:txBody>
+      </p:sp>
+      <p:sp>
+        <p:nvSpPr>
+          <p:cNvPr id="3" name="Содержимое 2"/>
+          <p:cNvSpPr>
+            <a:spLocks noGrp="1"/>
+          </p:cNvSpPr>
+          <p:nvPr>
+            <p:ph idx="1"/>
+          </p:nvPr>
+        </p:nvSpPr>
+        <p:spPr/>
+        <p:txBody>
+          <a:bodyPr>
+            <a:normAutofit fontScale="32500" lnSpcReduction="20000"/>
+          </a:bodyPr>
+          <a:lstStyle/>
+          <a:p>
+            <a:r>
+              <a:rPr lang="ru-RU" b="1" dirty="0"/>
+              <a:t>Цель</a:t>
+            </a:r>
+            <a:endParaRPr lang="ru-RU" dirty="0"/>
+          </a:p>
+          <a:p>
+            <a:r>
+              <a:rPr lang="ru-RU" dirty="0"/>
+              <a:t>Научное исследование возможности использования в системе здравоохранения города Москвы методов поддержки принятия решений на основе результатов анализа данных с применением передовых инновационных технологий.</a:t>
+            </a:r>
+          </a:p>
+          <a:p>
+            <a:r>
+              <a:rPr lang="ru-RU" dirty="0"/>
+              <a:t> </a:t>
+            </a:r>
+          </a:p>
+          <a:p>
+            <a:r>
+              <a:rPr lang="ru-RU" b="1" dirty="0"/>
+              <a:t>Платформа</a:t>
+            </a:r>
+            <a:endParaRPr lang="ru-RU" dirty="0"/>
+          </a:p>
+          <a:p>
+            <a:r>
+              <a:rPr lang="ru-RU" dirty="0"/>
+              <a:t>Единый радиологический информационный сервис (</a:t>
+            </a:r>
+            <a:r>
+              <a:rPr lang="ru-RU" dirty="0" err="1"/>
+              <a:t>ЕРИС</a:t>
+            </a:r>
+            <a:r>
+              <a:rPr lang="ru-RU" dirty="0"/>
+              <a:t>)</a:t>
+            </a:r>
+          </a:p>
+          <a:p>
+            <a:r>
+              <a:rPr lang="ru-RU" dirty="0"/>
+              <a:t> </a:t>
+            </a:r>
+          </a:p>
+          <a:p>
+            <a:r>
+              <a:rPr lang="ru-RU" b="1" dirty="0"/>
+              <a:t>В цифрах</a:t>
+            </a:r>
+            <a:endParaRPr lang="ru-RU" dirty="0"/>
+          </a:p>
+          <a:p>
+            <a:r>
+              <a:rPr lang="ru-RU" b="1" dirty="0"/>
+              <a:t>550  </a:t>
+            </a:r>
+            <a:r>
+              <a:rPr lang="ru-RU" dirty="0"/>
+              <a:t>единиц оборудования (</a:t>
+            </a:r>
+            <a:r>
+              <a:rPr lang="ru-RU" dirty="0" err="1"/>
+              <a:t>МРТ</a:t>
+            </a:r>
+            <a:r>
+              <a:rPr lang="ru-RU" dirty="0"/>
+              <a:t>/</a:t>
+            </a:r>
+            <a:r>
+              <a:rPr lang="ru-RU" dirty="0" err="1"/>
+              <a:t>ММГ</a:t>
+            </a:r>
+            <a:r>
+              <a:rPr lang="ru-RU" dirty="0"/>
+              <a:t>/КТ/</a:t>
+            </a:r>
+            <a:r>
+              <a:rPr lang="ru-RU" dirty="0" err="1"/>
+              <a:t>РГ</a:t>
+            </a:r>
+            <a:r>
+              <a:rPr lang="ru-RU" dirty="0"/>
+              <a:t>) в отделениях лучевой диагностики амбулаторных и стационарных медицинских организаций Департамента здравоохранения города Москвы.</a:t>
+            </a:r>
+          </a:p>
+          <a:p>
+            <a:r>
+              <a:rPr lang="ru-RU" b="1" dirty="0"/>
+              <a:t>365</a:t>
+            </a:r>
+            <a:r>
+              <a:rPr lang="ru-RU" dirty="0"/>
+              <a:t> врачей-рентгенологов в системе. </a:t>
+            </a:r>
+          </a:p>
+          <a:p>
+            <a:r>
+              <a:rPr lang="ru-RU" b="1" dirty="0"/>
+              <a:t>160 тысяч </a:t>
+            </a:r>
+            <a:r>
+              <a:rPr lang="ru-RU" dirty="0"/>
+              <a:t>лучевых исследований в месяц.</a:t>
+            </a:r>
+          </a:p>
+          <a:p>
+            <a:r>
+              <a:rPr lang="ru-RU" b="1" dirty="0"/>
+              <a:t>44 тысячи</a:t>
+            </a:r>
+            <a:r>
+              <a:rPr lang="ru-RU" dirty="0"/>
+              <a:t> </a:t>
+            </a:r>
+            <a:r>
+              <a:rPr lang="ru-RU" dirty="0" err="1"/>
+              <a:t>скрининговых</a:t>
+            </a:r>
+            <a:r>
+              <a:rPr lang="ru-RU" dirty="0"/>
+              <a:t> исследований с целью выявления рака молочной железы и рака легкого в год.</a:t>
+            </a:r>
+          </a:p>
+          <a:p>
+            <a:r>
+              <a:rPr lang="ru-RU" dirty="0"/>
+              <a:t> </a:t>
+            </a:r>
+          </a:p>
+          <a:p>
+            <a:r>
+              <a:rPr lang="ru-RU" b="1" dirty="0"/>
+              <a:t>Области применения:</a:t>
+            </a:r>
+            <a:endParaRPr lang="ru-RU" dirty="0"/>
+          </a:p>
+          <a:p>
+            <a:r>
+              <a:rPr lang="ru-RU" dirty="0"/>
+              <a:t>онкология;</a:t>
+            </a:r>
+          </a:p>
+          <a:p>
+            <a:r>
+              <a:rPr lang="ru-RU" dirty="0"/>
+              <a:t>кардиология;</a:t>
+            </a:r>
+          </a:p>
+          <a:p>
+            <a:r>
+              <a:rPr lang="ru-RU" dirty="0"/>
+              <a:t>хронические заболевания;</a:t>
+            </a:r>
+          </a:p>
+          <a:p>
+            <a:r>
+              <a:rPr lang="ru-RU" dirty="0"/>
+              <a:t>пульмонология;</a:t>
+            </a:r>
+          </a:p>
+          <a:p>
+            <a:r>
+              <a:rPr lang="ru-RU" dirty="0"/>
+              <a:t>неврология;</a:t>
+            </a:r>
+          </a:p>
+          <a:p>
+            <a:r>
+              <a:rPr lang="ru-RU" dirty="0"/>
+              <a:t>неотложные состояния.</a:t>
+            </a:r>
+          </a:p>
+          <a:p>
+            <a:r>
+              <a:rPr lang="ru-RU" dirty="0"/>
+              <a:t> </a:t>
+            </a:r>
+          </a:p>
+          <a:p>
+            <a:r>
+              <a:rPr lang="ru-RU" dirty="0"/>
+              <a:t>Результаты эксперимента станут основой для национальных стандартов, регламентирующих применение искусственного интеллекта в клинической медицине. Разработка документов ведется в Подкомитете 01 технического комитета по стандартизации «Искусственный интеллект» (</a:t>
+            </a:r>
+            <a:r>
+              <a:rPr lang="ru-RU" dirty="0" err="1"/>
+              <a:t>ТК</a:t>
+            </a:r>
+            <a:r>
+              <a:rPr lang="ru-RU" dirty="0"/>
+              <a:t> 164). </a:t>
+            </a:r>
+            <a:br>
+              <a:rPr lang="ru-RU" dirty="0"/>
+            </a:br>
+            <a:r>
+              <a:rPr lang="ru-RU" u="sng" dirty="0">
                 <a:hlinkClick r:id="rId2"/>
               </a:rPr>
-              <a:t>Технические параметры</a:t>
+              <a:t>Подробнее о деятельности ПК 01</a:t>
             </a:r>
             <a:endParaRPr lang="ru-RU" dirty="0"/>
-          </a:p>
-        </p:txBody>
-      </p:sp>
-      <p:sp>
-        <p:nvSpPr>
-          <p:cNvPr id="3" name="Содержимое 2"/>
-          <p:cNvSpPr>
-            <a:spLocks noGrp="1"/>
-          </p:cNvSpPr>
-          <p:nvPr>
-            <p:ph idx="1"/>
-          </p:nvPr>
-        </p:nvSpPr>
-        <p:spPr/>
-        <p:txBody>
-          <a:bodyPr>
-            <a:normAutofit fontScale="47500" lnSpcReduction="20000"/>
-          </a:bodyPr>
-          <a:lstStyle/>
-          <a:p>
-            <a:r>
-              <a:rPr lang="ru-RU" b="1" dirty="0" smtClean="0"/>
-              <a:t>Условия </a:t>
-            </a:r>
-            <a:r>
-              <a:rPr lang="ru-RU" b="1" dirty="0"/>
-              <a:t>сбора </a:t>
-            </a:r>
-            <a:r>
-              <a:rPr lang="ru-RU" b="1" dirty="0" smtClean="0"/>
-              <a:t>данных</a:t>
-            </a:r>
-          </a:p>
-          <a:p>
-            <a:pPr>
-              <a:buNone/>
-            </a:pPr>
-            <a:r>
-              <a:rPr lang="ru-RU" b="1" dirty="0" smtClean="0"/>
-              <a:t>	Критерии </a:t>
-            </a:r>
-            <a:r>
-              <a:rPr lang="ru-RU" b="1" dirty="0"/>
-              <a:t>включения/</a:t>
-            </a:r>
-            <a:r>
-              <a:rPr lang="ru-RU" b="1" dirty="0" err="1"/>
-              <a:t>невключения</a:t>
-            </a:r>
-            <a:r>
-              <a:rPr lang="ru-RU" b="1" dirty="0"/>
-              <a:t> исследования в </a:t>
-            </a:r>
-            <a:r>
-              <a:rPr lang="ru-RU" b="1" dirty="0" err="1"/>
-              <a:t>датасет:</a:t>
-            </a:r>
-            <a:r>
-              <a:rPr lang="ru-RU" dirty="0" err="1"/>
-              <a:t>Сбор</a:t>
-            </a:r>
-            <a:r>
-              <a:rPr lang="ru-RU" dirty="0"/>
-              <a:t> данных осуществлялся в 48 медицинских организаций в период с 1 марта по 25 апреля 2020 г у пациентов с подозрением на изменения в легких при </a:t>
-            </a:r>
-            <a:r>
-              <a:rPr lang="ru-RU" dirty="0" err="1"/>
-              <a:t>COVID-19</a:t>
-            </a:r>
-            <a:endParaRPr lang="ru-RU" dirty="0"/>
-          </a:p>
-          <a:p>
-            <a:pPr>
-              <a:buNone/>
-            </a:pPr>
-            <a:r>
-              <a:rPr lang="ru-RU" b="1" dirty="0" smtClean="0"/>
-              <a:t>	Протоколы </a:t>
-            </a:r>
-            <a:r>
-              <a:rPr lang="ru-RU" b="1" dirty="0"/>
-              <a:t>и условия сбора </a:t>
-            </a:r>
-            <a:r>
-              <a:rPr lang="ru-RU" b="1" dirty="0" err="1"/>
-              <a:t>данных:</a:t>
-            </a:r>
-            <a:r>
-              <a:rPr lang="ru-RU" dirty="0" err="1"/>
-              <a:t>КТ-протокол</a:t>
-            </a:r>
-            <a:r>
-              <a:rPr lang="ru-RU" dirty="0"/>
-              <a:t> сканирования </a:t>
-            </a:r>
-            <a:r>
-              <a:rPr lang="ru-RU" dirty="0" err="1"/>
-              <a:t>Chest</a:t>
-            </a:r>
-            <a:r>
-              <a:rPr lang="ru-RU" dirty="0"/>
-              <a:t> (рутинные КТ грудной клетки), сканирование выполнено в положении пациента на спине, при задержке дыхания на глубине вдоха, руки убраны за голову</a:t>
-            </a:r>
-          </a:p>
-          <a:p>
-            <a:r>
-              <a:rPr lang="ru-RU" b="1" dirty="0"/>
-              <a:t>Единичная запись набора </a:t>
-            </a:r>
-            <a:r>
-              <a:rPr lang="ru-RU" b="1" dirty="0" smtClean="0"/>
-              <a:t>данных</a:t>
-            </a:r>
-          </a:p>
-          <a:p>
-            <a:pPr>
-              <a:buNone/>
-            </a:pPr>
-            <a:r>
-              <a:rPr lang="ru-RU" b="1" dirty="0"/>
-              <a:t>	</a:t>
-            </a:r>
-            <a:r>
-              <a:rPr lang="ru-RU" b="1" dirty="0" smtClean="0"/>
-              <a:t>Объект </a:t>
-            </a:r>
-            <a:r>
-              <a:rPr lang="ru-RU" b="1" dirty="0"/>
-              <a:t>разметки:</a:t>
-            </a:r>
-            <a:r>
-              <a:rPr lang="ru-RU" dirty="0"/>
-              <a:t> </a:t>
-            </a:r>
-            <a:r>
-              <a:rPr lang="ru-RU" dirty="0" smtClean="0"/>
-              <a:t>Исследование</a:t>
-            </a:r>
-          </a:p>
-          <a:p>
-            <a:pPr>
-              <a:buNone/>
-            </a:pPr>
-            <a:r>
-              <a:rPr lang="ru-RU" b="1" dirty="0" smtClean="0"/>
-              <a:t>	Результат </a:t>
-            </a:r>
-            <a:r>
-              <a:rPr lang="ru-RU" b="1" dirty="0"/>
-              <a:t>разметки:</a:t>
-            </a:r>
-            <a:r>
-              <a:rPr lang="ru-RU" dirty="0"/>
-              <a:t> Целевая патология / отсутствие целевой патологии; бинарные маски </a:t>
-            </a:r>
-            <a:r>
-              <a:rPr lang="ru-RU" dirty="0" smtClean="0"/>
-              <a:t>изображений</a:t>
-            </a:r>
-          </a:p>
-          <a:p>
-            <a:r>
-              <a:rPr lang="ru-RU" b="1" dirty="0" smtClean="0"/>
-              <a:t>Форматы </a:t>
-            </a:r>
-            <a:r>
-              <a:rPr lang="ru-RU" b="1" dirty="0"/>
-              <a:t>записи набора </a:t>
-            </a:r>
-            <a:r>
-              <a:rPr lang="ru-RU" b="1" dirty="0" smtClean="0"/>
-              <a:t>данных</a:t>
-            </a:r>
-          </a:p>
-          <a:p>
-            <a:pPr>
-              <a:buNone/>
-            </a:pPr>
-            <a:r>
-              <a:rPr lang="ru-RU" b="1" dirty="0"/>
-              <a:t>	</a:t>
-            </a:r>
-            <a:r>
-              <a:rPr lang="ru-RU" b="1" dirty="0" smtClean="0"/>
-              <a:t>Объект </a:t>
-            </a:r>
-            <a:r>
-              <a:rPr lang="ru-RU" b="1" dirty="0"/>
-              <a:t>разметки:</a:t>
-            </a:r>
-            <a:r>
-              <a:rPr lang="ru-RU" dirty="0"/>
-              <a:t> </a:t>
-            </a:r>
-            <a:r>
-              <a:rPr lang="ru-RU" dirty="0" err="1" smtClean="0"/>
-              <a:t>NIFTI</a:t>
-            </a:r>
-            <a:endParaRPr lang="ru-RU" dirty="0" smtClean="0"/>
-          </a:p>
-          <a:p>
-            <a:pPr>
-              <a:buNone/>
-            </a:pPr>
-            <a:r>
-              <a:rPr lang="ru-RU" b="1" dirty="0"/>
-              <a:t>	</a:t>
-            </a:r>
-            <a:r>
-              <a:rPr lang="ru-RU" b="1" dirty="0" smtClean="0"/>
-              <a:t>Результат </a:t>
-            </a:r>
-            <a:r>
-              <a:rPr lang="ru-RU" b="1" dirty="0"/>
-              <a:t>разметки:</a:t>
-            </a:r>
-            <a:r>
-              <a:rPr lang="ru-RU" dirty="0"/>
-              <a:t> </a:t>
-            </a:r>
-            <a:r>
-              <a:rPr lang="ru-RU" dirty="0" smtClean="0"/>
-              <a:t>Табличный</a:t>
-            </a:r>
-          </a:p>
-          <a:p>
-            <a:r>
-              <a:rPr lang="ru-RU" b="1" dirty="0" smtClean="0"/>
-              <a:t>Объем данных</a:t>
-            </a:r>
-          </a:p>
-          <a:p>
-            <a:pPr>
-              <a:buNone/>
-            </a:pPr>
-            <a:r>
-              <a:rPr lang="ru-RU" b="1" dirty="0"/>
-              <a:t>	</a:t>
-            </a:r>
-            <a:r>
-              <a:rPr lang="ru-RU" b="1" dirty="0" smtClean="0"/>
-              <a:t>Количество </a:t>
-            </a:r>
-            <a:r>
-              <a:rPr lang="ru-RU" b="1" dirty="0"/>
-              <a:t>исследований набора данных:</a:t>
-            </a:r>
-            <a:r>
-              <a:rPr lang="ru-RU" dirty="0"/>
-              <a:t> </a:t>
-            </a:r>
-            <a:r>
-              <a:rPr lang="ru-RU" dirty="0" smtClean="0"/>
-              <a:t>1110</a:t>
-            </a:r>
-          </a:p>
-          <a:p>
-            <a:pPr>
-              <a:buNone/>
-            </a:pPr>
-            <a:r>
-              <a:rPr lang="ru-RU" b="1" dirty="0"/>
-              <a:t>	</a:t>
-            </a:r>
-            <a:r>
-              <a:rPr lang="ru-RU" b="1" dirty="0" smtClean="0"/>
-              <a:t>Количество </a:t>
-            </a:r>
-            <a:r>
-              <a:rPr lang="ru-RU" b="1" dirty="0"/>
-              <a:t>уникальных источников (</a:t>
-            </a:r>
-            <a:r>
-              <a:rPr lang="ru-RU" b="1" dirty="0" err="1"/>
-              <a:t>ДУ</a:t>
-            </a:r>
-            <a:r>
-              <a:rPr lang="ru-RU" b="1" dirty="0"/>
-              <a:t>):</a:t>
-            </a:r>
-            <a:r>
-              <a:rPr lang="ru-RU" dirty="0"/>
-              <a:t> 48</a:t>
-            </a:r>
           </a:p>
           <a:p>
             <a:endParaRPr lang="ru-RU" dirty="0"/>
@@ -4564,6 +3841,1513 @@
 </file>
 
 <file path=ppt/slides/slide16.xml><?xml version="1.0" encoding="utf-8"?>
+<p:sld xmlns:a="http://schemas.openxmlformats.org/drawingml/2006/main" xmlns:r="http://schemas.openxmlformats.org/officeDocument/2006/relationships" xmlns:p="http://schemas.openxmlformats.org/presentationml/2006/main">
+  <p:cSld>
+    <p:spTree>
+      <p:nvGrpSpPr>
+        <p:cNvPr id="1" name=""/>
+        <p:cNvGrpSpPr/>
+        <p:nvPr/>
+      </p:nvGrpSpPr>
+      <p:grpSpPr>
+        <a:xfrm>
+          <a:off x="0" y="0"/>
+          <a:ext cx="0" cy="0"/>
+          <a:chOff x="0" y="0"/>
+          <a:chExt cx="0" cy="0"/>
+        </a:xfrm>
+      </p:grpSpPr>
+      <p:sp>
+        <p:nvSpPr>
+          <p:cNvPr id="2" name="Заголовок 1"/>
+          <p:cNvSpPr>
+            <a:spLocks noGrp="1"/>
+          </p:cNvSpPr>
+          <p:nvPr>
+            <p:ph type="title"/>
+          </p:nvPr>
+        </p:nvSpPr>
+        <p:spPr/>
+        <p:txBody>
+          <a:bodyPr/>
+          <a:lstStyle/>
+          <a:p>
+            <a:endParaRPr lang="ru-RU"/>
+          </a:p>
+        </p:txBody>
+      </p:sp>
+      <p:sp>
+        <p:nvSpPr>
+          <p:cNvPr id="3" name="Содержимое 2"/>
+          <p:cNvSpPr>
+            <a:spLocks noGrp="1"/>
+          </p:cNvSpPr>
+          <p:nvPr>
+            <p:ph idx="1"/>
+          </p:nvPr>
+        </p:nvSpPr>
+        <p:spPr/>
+        <p:txBody>
+          <a:bodyPr/>
+          <a:lstStyle/>
+          <a:p>
+            <a:endParaRPr lang="ru-RU"/>
+          </a:p>
+        </p:txBody>
+      </p:sp>
+    </p:spTree>
+  </p:cSld>
+  <p:clrMapOvr>
+    <a:masterClrMapping/>
+  </p:clrMapOvr>
+</p:sld>
+</file>
+
+<file path=ppt/slides/slide17.xml><?xml version="1.0" encoding="utf-8"?>
+<p:sld xmlns:a="http://schemas.openxmlformats.org/drawingml/2006/main" xmlns:r="http://schemas.openxmlformats.org/officeDocument/2006/relationships" xmlns:p="http://schemas.openxmlformats.org/presentationml/2006/main">
+  <p:cSld>
+    <p:spTree>
+      <p:nvGrpSpPr>
+        <p:cNvPr id="1" name=""/>
+        <p:cNvGrpSpPr/>
+        <p:nvPr/>
+      </p:nvGrpSpPr>
+      <p:grpSpPr>
+        <a:xfrm>
+          <a:off x="0" y="0"/>
+          <a:ext cx="0" cy="0"/>
+          <a:chOff x="0" y="0"/>
+          <a:chExt cx="0" cy="0"/>
+        </a:xfrm>
+      </p:grpSpPr>
+      <p:sp>
+        <p:nvSpPr>
+          <p:cNvPr id="2" name="Заголовок 1"/>
+          <p:cNvSpPr>
+            <a:spLocks noGrp="1"/>
+          </p:cNvSpPr>
+          <p:nvPr>
+            <p:ph type="title"/>
+          </p:nvPr>
+        </p:nvSpPr>
+        <p:spPr/>
+        <p:txBody>
+          <a:bodyPr>
+            <a:noAutofit/>
+          </a:bodyPr>
+          <a:lstStyle/>
+          <a:p>
+            <a:r>
+              <a:rPr lang="ru-RU" sz="1800" dirty="0"/>
+              <a:t/>
+            </a:r>
+            <a:br>
+              <a:rPr lang="ru-RU" sz="1800" dirty="0"/>
+            </a:br>
+            <a:endParaRPr lang="ru-RU" sz="1800" dirty="0"/>
+          </a:p>
+        </p:txBody>
+      </p:sp>
+      <p:pic>
+        <p:nvPicPr>
+          <p:cNvPr id="2050" name="Picture 2"/>
+          <p:cNvPicPr>
+            <a:picLocks noGrp="1" noChangeAspect="1" noChangeArrowheads="1"/>
+          </p:cNvPicPr>
+          <p:nvPr>
+            <p:ph idx="1"/>
+          </p:nvPr>
+        </p:nvPicPr>
+        <p:blipFill>
+          <a:blip r:embed="rId2" cstate="print"/>
+          <a:srcRect/>
+          <a:stretch>
+            <a:fillRect/>
+          </a:stretch>
+        </p:blipFill>
+        <p:spPr bwMode="auto">
+          <a:xfrm>
+            <a:off x="457200" y="2097419"/>
+            <a:ext cx="8229600" cy="3531525"/>
+          </a:xfrm>
+          <a:prstGeom prst="rect">
+            <a:avLst/>
+          </a:prstGeom>
+          <a:noFill/>
+          <a:ln w="9525">
+            <a:noFill/>
+            <a:miter lim="800000"/>
+            <a:headEnd/>
+            <a:tailEnd/>
+          </a:ln>
+        </p:spPr>
+      </p:pic>
+    </p:spTree>
+  </p:cSld>
+  <p:clrMapOvr>
+    <a:masterClrMapping/>
+  </p:clrMapOvr>
+</p:sld>
+</file>
+
+<file path=ppt/slides/slide18.xml><?xml version="1.0" encoding="utf-8"?>
+<p:sld xmlns:a="http://schemas.openxmlformats.org/drawingml/2006/main" xmlns:r="http://schemas.openxmlformats.org/officeDocument/2006/relationships" xmlns:p="http://schemas.openxmlformats.org/presentationml/2006/main">
+  <p:cSld>
+    <p:spTree>
+      <p:nvGrpSpPr>
+        <p:cNvPr id="1" name=""/>
+        <p:cNvGrpSpPr/>
+        <p:nvPr/>
+      </p:nvGrpSpPr>
+      <p:grpSpPr>
+        <a:xfrm>
+          <a:off x="0" y="0"/>
+          <a:ext cx="0" cy="0"/>
+          <a:chOff x="0" y="0"/>
+          <a:chExt cx="0" cy="0"/>
+        </a:xfrm>
+      </p:grpSpPr>
+      <p:sp>
+        <p:nvSpPr>
+          <p:cNvPr id="2" name="Заголовок 1"/>
+          <p:cNvSpPr>
+            <a:spLocks noGrp="1"/>
+          </p:cNvSpPr>
+          <p:nvPr>
+            <p:ph type="title"/>
+          </p:nvPr>
+        </p:nvSpPr>
+        <p:spPr/>
+        <p:txBody>
+          <a:bodyPr>
+            <a:normAutofit/>
+          </a:bodyPr>
+          <a:lstStyle/>
+          <a:p>
+            <a:r>
+              <a:rPr lang="ru-RU" dirty="0" smtClean="0">
+                <a:hlinkClick r:id="rId2"/>
+              </a:rPr>
+              <a:t>Клинические параметры</a:t>
+            </a:r>
+            <a:endParaRPr lang="ru-RU" dirty="0"/>
+          </a:p>
+        </p:txBody>
+      </p:sp>
+      <p:sp>
+        <p:nvSpPr>
+          <p:cNvPr id="3" name="Содержимое 2"/>
+          <p:cNvSpPr>
+            <a:spLocks noGrp="1"/>
+          </p:cNvSpPr>
+          <p:nvPr>
+            <p:ph idx="1"/>
+          </p:nvPr>
+        </p:nvSpPr>
+        <p:spPr/>
+        <p:txBody>
+          <a:bodyPr>
+            <a:normAutofit fontScale="47500" lnSpcReduction="20000"/>
+          </a:bodyPr>
+          <a:lstStyle/>
+          <a:p>
+            <a:r>
+              <a:rPr lang="ru-RU" b="1" dirty="0" smtClean="0"/>
+              <a:t>Целевые нозологии</a:t>
+            </a:r>
+          </a:p>
+          <a:p>
+            <a:pPr>
+              <a:buNone/>
+            </a:pPr>
+            <a:r>
+              <a:rPr lang="ru-RU" b="1" dirty="0"/>
+              <a:t>	</a:t>
+            </a:r>
+            <a:r>
+              <a:rPr lang="ru-RU" b="1" dirty="0" smtClean="0"/>
+              <a:t>Целевые </a:t>
+            </a:r>
+            <a:r>
+              <a:rPr lang="ru-RU" b="1" dirty="0" err="1"/>
+              <a:t>патологии\признаки</a:t>
+            </a:r>
+            <a:r>
+              <a:rPr lang="ru-RU" b="1" dirty="0"/>
+              <a:t>:</a:t>
+            </a:r>
+            <a:r>
+              <a:rPr lang="ru-RU" dirty="0"/>
+              <a:t> </a:t>
+            </a:r>
+            <a:r>
+              <a:rPr lang="ru-RU" dirty="0" err="1" smtClean="0"/>
+              <a:t>COVID-19</a:t>
+            </a:r>
+            <a:endParaRPr lang="ru-RU" dirty="0" smtClean="0"/>
+          </a:p>
+          <a:p>
+            <a:pPr>
+              <a:buNone/>
+            </a:pPr>
+            <a:r>
+              <a:rPr lang="ru-RU" b="1" dirty="0"/>
+              <a:t>	</a:t>
+            </a:r>
+            <a:r>
+              <a:rPr lang="ru-RU" b="1" dirty="0" smtClean="0"/>
+              <a:t>Код </a:t>
+            </a:r>
+            <a:r>
+              <a:rPr lang="ru-RU" b="1" dirty="0" err="1"/>
+              <a:t>МКБ-10</a:t>
+            </a:r>
+            <a:r>
+              <a:rPr lang="ru-RU" b="1" dirty="0"/>
+              <a:t> целевой патологии:</a:t>
+            </a:r>
+            <a:r>
+              <a:rPr lang="ru-RU" dirty="0"/>
+              <a:t> </a:t>
+            </a:r>
+            <a:r>
+              <a:rPr lang="ru-RU" dirty="0" err="1" smtClean="0"/>
+              <a:t>U07.1</a:t>
+            </a:r>
+            <a:endParaRPr lang="ru-RU" dirty="0" smtClean="0"/>
+          </a:p>
+          <a:p>
+            <a:r>
+              <a:rPr lang="ru-RU" b="1" dirty="0" smtClean="0"/>
+              <a:t>Параметры популяции</a:t>
+            </a:r>
+          </a:p>
+          <a:p>
+            <a:pPr>
+              <a:buNone/>
+            </a:pPr>
+            <a:r>
+              <a:rPr lang="ru-RU" b="1" dirty="0"/>
+              <a:t>	</a:t>
+            </a:r>
+            <a:r>
+              <a:rPr lang="ru-RU" b="1" dirty="0" smtClean="0"/>
+              <a:t>Критерии </a:t>
+            </a:r>
+            <a:r>
+              <a:rPr lang="ru-RU" b="1" dirty="0"/>
+              <a:t>включения/</a:t>
+            </a:r>
+            <a:r>
+              <a:rPr lang="ru-RU" b="1" dirty="0" err="1"/>
+              <a:t>невключения</a:t>
+            </a:r>
+            <a:r>
+              <a:rPr lang="ru-RU" b="1" dirty="0"/>
+              <a:t> пациента</a:t>
+            </a:r>
+            <a:r>
+              <a:rPr lang="ru-RU" b="1" dirty="0" smtClean="0"/>
+              <a:t>:</a:t>
+            </a:r>
+          </a:p>
+          <a:p>
+            <a:pPr>
+              <a:buNone/>
+            </a:pPr>
+            <a:r>
+              <a:rPr lang="ru-RU" b="1" dirty="0"/>
+              <a:t>	</a:t>
+            </a:r>
+            <a:r>
+              <a:rPr lang="ru-RU" dirty="0" smtClean="0"/>
+              <a:t>Критерии </a:t>
+            </a:r>
+            <a:r>
+              <a:rPr lang="ru-RU" dirty="0"/>
+              <a:t>включения пациента: Возраст ≥18 лет</a:t>
+            </a:r>
+            <a:br>
+              <a:rPr lang="ru-RU" dirty="0"/>
+            </a:br>
+            <a:r>
+              <a:rPr lang="ru-RU" dirty="0"/>
+              <a:t>Критерии </a:t>
+            </a:r>
+            <a:r>
+              <a:rPr lang="ru-RU" dirty="0" err="1"/>
+              <a:t>невключения</a:t>
+            </a:r>
+            <a:r>
+              <a:rPr lang="ru-RU" dirty="0"/>
+              <a:t> пациента: Наличие оперативных вмешательств, лучевой терапии в анамнезе для лечения заболеваний в области грудной клетки</a:t>
+            </a:r>
+          </a:p>
+          <a:p>
+            <a:pPr>
+              <a:buNone/>
+            </a:pPr>
+            <a:r>
+              <a:rPr lang="ru-RU" dirty="0" smtClean="0"/>
+              <a:t>	Возраст </a:t>
+            </a:r>
+            <a:r>
+              <a:rPr lang="ru-RU" dirty="0"/>
+              <a:t>(мин., лет): </a:t>
+            </a:r>
+            <a:r>
+              <a:rPr lang="ru-RU" dirty="0" smtClean="0"/>
+              <a:t>18</a:t>
+            </a:r>
+          </a:p>
+          <a:p>
+            <a:pPr>
+              <a:buNone/>
+            </a:pPr>
+            <a:r>
+              <a:rPr lang="ru-RU" dirty="0"/>
+              <a:t>	</a:t>
+            </a:r>
+            <a:r>
+              <a:rPr lang="ru-RU" dirty="0" smtClean="0"/>
+              <a:t>Возраст </a:t>
+            </a:r>
+            <a:r>
+              <a:rPr lang="ru-RU" dirty="0"/>
+              <a:t>(макс., лет): </a:t>
+            </a:r>
+            <a:r>
+              <a:rPr lang="ru-RU" dirty="0" smtClean="0"/>
+              <a:t>97</a:t>
+            </a:r>
+          </a:p>
+          <a:p>
+            <a:pPr>
+              <a:buNone/>
+            </a:pPr>
+            <a:r>
+              <a:rPr lang="ru-RU" dirty="0"/>
+              <a:t>	</a:t>
+            </a:r>
+            <a:r>
+              <a:rPr lang="ru-RU" dirty="0" smtClean="0"/>
+              <a:t>Возраст </a:t>
+            </a:r>
+            <a:r>
+              <a:rPr lang="ru-RU" dirty="0"/>
+              <a:t>(медиана, лет): </a:t>
+            </a:r>
+            <a:r>
+              <a:rPr lang="ru-RU" dirty="0" smtClean="0"/>
+              <a:t>47,0</a:t>
+            </a:r>
+          </a:p>
+          <a:p>
+            <a:pPr>
+              <a:buNone/>
+            </a:pPr>
+            <a:r>
+              <a:rPr lang="ru-RU" dirty="0"/>
+              <a:t>	</a:t>
+            </a:r>
+            <a:r>
+              <a:rPr lang="ru-RU" dirty="0" smtClean="0"/>
+              <a:t>Пол </a:t>
+            </a:r>
+            <a:r>
+              <a:rPr lang="ru-RU" dirty="0"/>
+              <a:t>(М): </a:t>
+            </a:r>
+            <a:r>
+              <a:rPr lang="ru-RU" dirty="0" smtClean="0"/>
+              <a:t>42</a:t>
+            </a:r>
+          </a:p>
+          <a:p>
+            <a:pPr>
+              <a:buNone/>
+            </a:pPr>
+            <a:r>
+              <a:rPr lang="ru-RU" dirty="0"/>
+              <a:t>	</a:t>
+            </a:r>
+            <a:r>
+              <a:rPr lang="ru-RU" dirty="0" smtClean="0"/>
+              <a:t>Пол </a:t>
+            </a:r>
+            <a:r>
+              <a:rPr lang="ru-RU" dirty="0"/>
+              <a:t>(Ж): </a:t>
+            </a:r>
+            <a:r>
+              <a:rPr lang="ru-RU" dirty="0" smtClean="0"/>
+              <a:t>56</a:t>
+            </a:r>
+          </a:p>
+          <a:p>
+            <a:pPr>
+              <a:buNone/>
+            </a:pPr>
+            <a:r>
+              <a:rPr lang="ru-RU" dirty="0"/>
+              <a:t>	</a:t>
+            </a:r>
+            <a:r>
+              <a:rPr lang="ru-RU" dirty="0" smtClean="0"/>
+              <a:t>Пол </a:t>
+            </a:r>
+            <a:r>
+              <a:rPr lang="ru-RU" dirty="0"/>
+              <a:t>(</a:t>
+            </a:r>
+            <a:r>
+              <a:rPr lang="ru-RU" dirty="0" err="1"/>
+              <a:t>неопределено</a:t>
+            </a:r>
+            <a:r>
+              <a:rPr lang="ru-RU" dirty="0"/>
+              <a:t>): </a:t>
+            </a:r>
+            <a:r>
+              <a:rPr lang="ru-RU" dirty="0" smtClean="0"/>
+              <a:t>2</a:t>
+            </a:r>
+          </a:p>
+          <a:p>
+            <a:pPr>
+              <a:buNone/>
+            </a:pPr>
+            <a:r>
+              <a:rPr lang="ru-RU" dirty="0"/>
+              <a:t>	</a:t>
+            </a:r>
+            <a:r>
+              <a:rPr lang="ru-RU" dirty="0" smtClean="0"/>
+              <a:t>Период </a:t>
+            </a:r>
+            <a:r>
+              <a:rPr lang="ru-RU" dirty="0"/>
+              <a:t>сбора (начало): </a:t>
+            </a:r>
+            <a:r>
+              <a:rPr lang="ru-RU" dirty="0" smtClean="0"/>
+              <a:t>01.03.2020</a:t>
+            </a:r>
+          </a:p>
+          <a:p>
+            <a:pPr>
+              <a:buNone/>
+            </a:pPr>
+            <a:r>
+              <a:rPr lang="ru-RU" dirty="0"/>
+              <a:t>	</a:t>
+            </a:r>
+            <a:r>
+              <a:rPr lang="ru-RU" dirty="0" smtClean="0"/>
+              <a:t>Период </a:t>
+            </a:r>
+            <a:r>
+              <a:rPr lang="ru-RU" dirty="0"/>
+              <a:t>сбора (конец): </a:t>
+            </a:r>
+            <a:r>
+              <a:rPr lang="ru-RU" dirty="0" smtClean="0"/>
+              <a:t>25.04.2020</a:t>
+            </a:r>
+          </a:p>
+          <a:p>
+            <a:pPr>
+              <a:buNone/>
+            </a:pPr>
+            <a:r>
+              <a:rPr lang="ru-RU" dirty="0"/>
+              <a:t>	</a:t>
+            </a:r>
+            <a:r>
+              <a:rPr lang="ru-RU" dirty="0" smtClean="0"/>
+              <a:t>Эпидемиологическая </a:t>
+            </a:r>
+            <a:r>
+              <a:rPr lang="ru-RU" dirty="0"/>
+              <a:t>обстановка: В условиях пандемии </a:t>
+            </a:r>
+            <a:r>
+              <a:rPr lang="ru-RU" dirty="0" err="1"/>
+              <a:t>коронавирусной</a:t>
+            </a:r>
+            <a:r>
+              <a:rPr lang="ru-RU" dirty="0"/>
+              <a:t> инфекции (</a:t>
+            </a:r>
+            <a:r>
+              <a:rPr lang="ru-RU" dirty="0" err="1"/>
+              <a:t>COVID-19</a:t>
+            </a:r>
+            <a:r>
+              <a:rPr lang="ru-RU" dirty="0"/>
+              <a:t>)</a:t>
+            </a:r>
+          </a:p>
+        </p:txBody>
+      </p:sp>
+    </p:spTree>
+  </p:cSld>
+  <p:clrMapOvr>
+    <a:masterClrMapping/>
+  </p:clrMapOvr>
+</p:sld>
+</file>
+
+<file path=ppt/slides/slide19.xml><?xml version="1.0" encoding="utf-8"?>
+<p:sld xmlns:a="http://schemas.openxmlformats.org/drawingml/2006/main" xmlns:r="http://schemas.openxmlformats.org/officeDocument/2006/relationships" xmlns:p="http://schemas.openxmlformats.org/presentationml/2006/main">
+  <p:cSld>
+    <p:spTree>
+      <p:nvGrpSpPr>
+        <p:cNvPr id="1" name=""/>
+        <p:cNvGrpSpPr/>
+        <p:nvPr/>
+      </p:nvGrpSpPr>
+      <p:grpSpPr>
+        <a:xfrm>
+          <a:off x="0" y="0"/>
+          <a:ext cx="0" cy="0"/>
+          <a:chOff x="0" y="0"/>
+          <a:chExt cx="0" cy="0"/>
+        </a:xfrm>
+      </p:grpSpPr>
+      <p:sp>
+        <p:nvSpPr>
+          <p:cNvPr id="2" name="Заголовок 1"/>
+          <p:cNvSpPr>
+            <a:spLocks noGrp="1"/>
+          </p:cNvSpPr>
+          <p:nvPr>
+            <p:ph type="title"/>
+          </p:nvPr>
+        </p:nvSpPr>
+        <p:spPr/>
+        <p:txBody>
+          <a:bodyPr>
+            <a:normAutofit/>
+          </a:bodyPr>
+          <a:lstStyle/>
+          <a:p>
+            <a:r>
+              <a:rPr lang="ru-RU" dirty="0" smtClean="0">
+                <a:hlinkClick r:id="rId2"/>
+              </a:rPr>
+              <a:t>Назначение</a:t>
+            </a:r>
+            <a:endParaRPr lang="ru-RU" dirty="0"/>
+          </a:p>
+        </p:txBody>
+      </p:sp>
+      <p:sp>
+        <p:nvSpPr>
+          <p:cNvPr id="3" name="Содержимое 2"/>
+          <p:cNvSpPr>
+            <a:spLocks noGrp="1"/>
+          </p:cNvSpPr>
+          <p:nvPr>
+            <p:ph idx="1"/>
+          </p:nvPr>
+        </p:nvSpPr>
+        <p:spPr/>
+        <p:txBody>
+          <a:bodyPr>
+            <a:normAutofit/>
+          </a:bodyPr>
+          <a:lstStyle/>
+          <a:p>
+            <a:r>
+              <a:rPr lang="ru-RU" b="1" dirty="0" smtClean="0"/>
+              <a:t>Клиническая/практическая/научная </a:t>
+            </a:r>
+            <a:r>
+              <a:rPr lang="ru-RU" b="1" dirty="0"/>
+              <a:t>задача создания набора данных:</a:t>
+            </a:r>
+            <a:r>
+              <a:rPr lang="ru-RU" dirty="0"/>
+              <a:t> Определение степени поражения паренхимы легкого при </a:t>
+            </a:r>
+            <a:r>
+              <a:rPr lang="ru-RU" dirty="0" err="1" smtClean="0"/>
+              <a:t>COVID-19</a:t>
+            </a:r>
+            <a:endParaRPr lang="ru-RU" dirty="0" smtClean="0"/>
+          </a:p>
+          <a:p>
+            <a:r>
+              <a:rPr lang="ru-RU" b="1" dirty="0" smtClean="0"/>
+              <a:t>Назначение </a:t>
+            </a:r>
+            <a:r>
+              <a:rPr lang="ru-RU" b="1" dirty="0" err="1"/>
+              <a:t>датасета</a:t>
+            </a:r>
+            <a:r>
+              <a:rPr lang="ru-RU" b="1" dirty="0"/>
+              <a:t>:</a:t>
+            </a:r>
+            <a:r>
+              <a:rPr lang="ru-RU" dirty="0"/>
+              <a:t> Обучение ИИ </a:t>
+            </a:r>
+            <a:r>
+              <a:rPr lang="ru-RU" dirty="0" smtClean="0"/>
+              <a:t>алгоритма</a:t>
+            </a:r>
+          </a:p>
+          <a:p>
+            <a:r>
+              <a:rPr lang="ru-RU" b="1" dirty="0" smtClean="0"/>
+              <a:t>Вариант</a:t>
+            </a:r>
+            <a:r>
+              <a:rPr lang="ru-RU" b="1" dirty="0"/>
+              <a:t>:</a:t>
+            </a:r>
+            <a:r>
+              <a:rPr lang="ru-RU" dirty="0"/>
+              <a:t> </a:t>
+            </a:r>
+            <a:r>
+              <a:rPr lang="ru-RU" dirty="0" err="1"/>
+              <a:t>SC</a:t>
+            </a:r>
+            <a:r>
+              <a:rPr lang="ru-RU" dirty="0"/>
+              <a:t> - </a:t>
+            </a:r>
+            <a:r>
+              <a:rPr lang="ru-RU" dirty="0" err="1"/>
+              <a:t>special</a:t>
+            </a:r>
+            <a:r>
+              <a:rPr lang="ru-RU" dirty="0"/>
+              <a:t> </a:t>
+            </a:r>
+            <a:r>
+              <a:rPr lang="ru-RU" dirty="0" err="1"/>
+              <a:t>case</a:t>
+            </a:r>
+            <a:endParaRPr lang="ru-RU" dirty="0"/>
+          </a:p>
+        </p:txBody>
+      </p:sp>
+    </p:spTree>
+  </p:cSld>
+  <p:clrMapOvr>
+    <a:masterClrMapping/>
+  </p:clrMapOvr>
+</p:sld>
+</file>
+
+<file path=ppt/slides/slide2.xml><?xml version="1.0" encoding="utf-8"?>
+<p:sld xmlns:a="http://schemas.openxmlformats.org/drawingml/2006/main" xmlns:r="http://schemas.openxmlformats.org/officeDocument/2006/relationships" xmlns:p="http://schemas.openxmlformats.org/presentationml/2006/main">
+  <p:cSld>
+    <p:spTree>
+      <p:nvGrpSpPr>
+        <p:cNvPr id="1" name=""/>
+        <p:cNvGrpSpPr/>
+        <p:nvPr/>
+      </p:nvGrpSpPr>
+      <p:grpSpPr>
+        <a:xfrm>
+          <a:off x="0" y="0"/>
+          <a:ext cx="0" cy="0"/>
+          <a:chOff x="0" y="0"/>
+          <a:chExt cx="0" cy="0"/>
+        </a:xfrm>
+      </p:grpSpPr>
+      <p:sp>
+        <p:nvSpPr>
+          <p:cNvPr id="2" name="Заголовок 1"/>
+          <p:cNvSpPr>
+            <a:spLocks noGrp="1"/>
+          </p:cNvSpPr>
+          <p:nvPr>
+            <p:ph type="title"/>
+          </p:nvPr>
+        </p:nvSpPr>
+        <p:spPr/>
+        <p:txBody>
+          <a:bodyPr>
+            <a:normAutofit/>
+          </a:bodyPr>
+          <a:lstStyle/>
+          <a:p>
+            <a:r>
+              <a:rPr lang="ru-RU" dirty="0" smtClean="0"/>
+              <a:t>Схема разработки </a:t>
+            </a:r>
+            <a:endParaRPr lang="ru-RU" dirty="0"/>
+          </a:p>
+        </p:txBody>
+      </p:sp>
+      <p:pic>
+        <p:nvPicPr>
+          <p:cNvPr id="1026" name="Picture 2"/>
+          <p:cNvPicPr>
+            <a:picLocks noGrp="1" noChangeAspect="1" noChangeArrowheads="1"/>
+          </p:cNvPicPr>
+          <p:nvPr>
+            <p:ph idx="1"/>
+          </p:nvPr>
+        </p:nvPicPr>
+        <p:blipFill>
+          <a:blip r:embed="rId2" cstate="print"/>
+          <a:srcRect/>
+          <a:stretch>
+            <a:fillRect/>
+          </a:stretch>
+        </p:blipFill>
+        <p:spPr bwMode="auto">
+          <a:xfrm>
+            <a:off x="510406" y="1600200"/>
+            <a:ext cx="8123188" cy="4525963"/>
+          </a:xfrm>
+          <a:prstGeom prst="rect">
+            <a:avLst/>
+          </a:prstGeom>
+          <a:noFill/>
+          <a:ln w="9525">
+            <a:noFill/>
+            <a:miter lim="800000"/>
+            <a:headEnd/>
+            <a:tailEnd/>
+          </a:ln>
+        </p:spPr>
+      </p:pic>
+    </p:spTree>
+  </p:cSld>
+  <p:clrMapOvr>
+    <a:masterClrMapping/>
+  </p:clrMapOvr>
+</p:sld>
+</file>
+
+<file path=ppt/slides/slide20.xml><?xml version="1.0" encoding="utf-8"?>
+<p:sld xmlns:a="http://schemas.openxmlformats.org/drawingml/2006/main" xmlns:r="http://schemas.openxmlformats.org/officeDocument/2006/relationships" xmlns:p="http://schemas.openxmlformats.org/presentationml/2006/main">
+  <p:cSld>
+    <p:spTree>
+      <p:nvGrpSpPr>
+        <p:cNvPr id="1" name=""/>
+        <p:cNvGrpSpPr/>
+        <p:nvPr/>
+      </p:nvGrpSpPr>
+      <p:grpSpPr>
+        <a:xfrm>
+          <a:off x="0" y="0"/>
+          <a:ext cx="0" cy="0"/>
+          <a:chOff x="0" y="0"/>
+          <a:chExt cx="0" cy="0"/>
+        </a:xfrm>
+      </p:grpSpPr>
+      <p:sp>
+        <p:nvSpPr>
+          <p:cNvPr id="2" name="Заголовок 1"/>
+          <p:cNvSpPr>
+            <a:spLocks noGrp="1"/>
+          </p:cNvSpPr>
+          <p:nvPr>
+            <p:ph type="title"/>
+          </p:nvPr>
+        </p:nvSpPr>
+        <p:spPr/>
+        <p:txBody>
+          <a:bodyPr>
+            <a:normAutofit/>
+          </a:bodyPr>
+          <a:lstStyle/>
+          <a:p>
+            <a:r>
+              <a:rPr lang="ru-RU" dirty="0" smtClean="0">
+                <a:hlinkClick r:id="rId2"/>
+              </a:rPr>
+              <a:t>Разметка и верификация</a:t>
+            </a:r>
+            <a:endParaRPr lang="ru-RU" dirty="0"/>
+          </a:p>
+        </p:txBody>
+      </p:sp>
+      <p:sp>
+        <p:nvSpPr>
+          <p:cNvPr id="3" name="Содержимое 2"/>
+          <p:cNvSpPr>
+            <a:spLocks noGrp="1"/>
+          </p:cNvSpPr>
+          <p:nvPr>
+            <p:ph idx="1"/>
+          </p:nvPr>
+        </p:nvSpPr>
+        <p:spPr/>
+        <p:txBody>
+          <a:bodyPr>
+            <a:normAutofit fontScale="40000" lnSpcReduction="20000"/>
+          </a:bodyPr>
+          <a:lstStyle/>
+          <a:p>
+            <a:r>
+              <a:rPr lang="ru-RU" b="1" dirty="0" err="1" smtClean="0"/>
+              <a:t>РазметкаУровень</a:t>
+            </a:r>
+            <a:r>
+              <a:rPr lang="ru-RU" b="1" dirty="0" smtClean="0"/>
+              <a:t> </a:t>
+            </a:r>
+            <a:r>
+              <a:rPr lang="ru-RU" b="1" dirty="0"/>
+              <a:t>разметки:</a:t>
+            </a:r>
+            <a:r>
+              <a:rPr lang="ru-RU" dirty="0"/>
+              <a:t> Изображение, </a:t>
+            </a:r>
+            <a:r>
+              <a:rPr lang="ru-RU" dirty="0" smtClean="0"/>
+              <a:t>Исследование</a:t>
+            </a:r>
+          </a:p>
+          <a:p>
+            <a:r>
+              <a:rPr lang="ru-RU" b="1" dirty="0" smtClean="0"/>
+              <a:t>Способы </a:t>
+            </a:r>
+            <a:r>
+              <a:rPr lang="ru-RU" b="1" dirty="0" err="1"/>
+              <a:t>предразметки</a:t>
+            </a:r>
+            <a:r>
+              <a:rPr lang="ru-RU" b="1" dirty="0"/>
+              <a:t>:</a:t>
+            </a:r>
+            <a:r>
+              <a:rPr lang="ru-RU" dirty="0"/>
+              <a:t> </a:t>
+            </a:r>
+            <a:r>
+              <a:rPr lang="ru-RU" dirty="0" smtClean="0"/>
+              <a:t>Нет</a:t>
+            </a:r>
+          </a:p>
+          <a:p>
+            <a:r>
+              <a:rPr lang="ru-RU" b="1" dirty="0" smtClean="0"/>
+              <a:t>Характер </a:t>
+            </a:r>
+            <a:r>
+              <a:rPr lang="ru-RU" b="1" dirty="0"/>
+              <a:t>разметки:</a:t>
+            </a:r>
+            <a:r>
+              <a:rPr lang="ru-RU" dirty="0"/>
+              <a:t> </a:t>
+            </a:r>
+            <a:r>
+              <a:rPr lang="ru-RU" dirty="0" smtClean="0"/>
+              <a:t>Бинарная</a:t>
+            </a:r>
+          </a:p>
+          <a:p>
+            <a:r>
+              <a:rPr lang="ru-RU" b="1" dirty="0" smtClean="0"/>
+              <a:t>Количество </a:t>
+            </a:r>
+            <a:r>
+              <a:rPr lang="ru-RU" b="1" dirty="0"/>
+              <a:t>лейблов:</a:t>
+            </a:r>
+            <a:r>
+              <a:rPr lang="ru-RU" dirty="0"/>
+              <a:t> </a:t>
+            </a:r>
+            <a:r>
+              <a:rPr lang="ru-RU" dirty="0" smtClean="0"/>
+              <a:t>1</a:t>
+            </a:r>
+          </a:p>
+          <a:p>
+            <a:r>
+              <a:rPr lang="ru-RU" b="1" dirty="0" smtClean="0"/>
+              <a:t>Характер </a:t>
+            </a:r>
+            <a:r>
+              <a:rPr lang="ru-RU" b="1" dirty="0"/>
+              <a:t>лейблов:</a:t>
+            </a:r>
+            <a:r>
+              <a:rPr lang="ru-RU" dirty="0"/>
+              <a:t> </a:t>
+            </a:r>
+            <a:r>
+              <a:rPr lang="ru-RU" dirty="0" err="1"/>
+              <a:t>Мультикласс</a:t>
+            </a:r>
+            <a:r>
+              <a:rPr lang="ru-RU" dirty="0"/>
+              <a:t> (1 лейбл, </a:t>
+            </a:r>
+            <a:r>
+              <a:rPr lang="ru-RU" dirty="0" err="1"/>
+              <a:t>M</a:t>
+            </a:r>
+            <a:r>
+              <a:rPr lang="ru-RU" dirty="0"/>
+              <a:t> классов, </a:t>
+            </a:r>
+            <a:r>
+              <a:rPr lang="ru-RU" dirty="0" err="1"/>
+              <a:t>M</a:t>
+            </a:r>
+            <a:r>
+              <a:rPr lang="ru-RU" dirty="0"/>
+              <a:t>&gt;2</a:t>
+            </a:r>
+            <a:r>
+              <a:rPr lang="ru-RU" dirty="0" smtClean="0"/>
+              <a:t>)</a:t>
+            </a:r>
+          </a:p>
+          <a:p>
+            <a:r>
+              <a:rPr lang="ru-RU" b="1" dirty="0" smtClean="0"/>
+              <a:t>Уровень </a:t>
+            </a:r>
+            <a:r>
+              <a:rPr lang="ru-RU" b="1" dirty="0"/>
+              <a:t>детализации лейблов:</a:t>
+            </a:r>
+            <a:r>
+              <a:rPr lang="ru-RU" dirty="0"/>
+              <a:t> </a:t>
+            </a:r>
+            <a:r>
+              <a:rPr lang="ru-RU" dirty="0" smtClean="0"/>
+              <a:t>Исследование/серия/изображение</a:t>
+            </a:r>
+          </a:p>
+          <a:p>
+            <a:r>
+              <a:rPr lang="ru-RU" b="1" dirty="0" smtClean="0"/>
+              <a:t>Названия </a:t>
+            </a:r>
+            <a:r>
+              <a:rPr lang="ru-RU" b="1" dirty="0"/>
+              <a:t>лейблов:</a:t>
+            </a:r>
+            <a:r>
+              <a:rPr lang="ru-RU" dirty="0"/>
+              <a:t> Признаки поражения паренхимы легкого при </a:t>
+            </a:r>
+            <a:r>
+              <a:rPr lang="ru-RU" dirty="0" err="1"/>
+              <a:t>COVID-19</a:t>
+            </a:r>
+            <a:r>
+              <a:rPr lang="ru-RU" dirty="0"/>
+              <a:t> согласно -Базовые диагностические требования от августа </a:t>
+            </a:r>
+            <a:r>
+              <a:rPr lang="ru-RU" dirty="0" err="1" smtClean="0"/>
+              <a:t>2021г</a:t>
+            </a:r>
+            <a:endParaRPr lang="ru-RU" dirty="0" smtClean="0"/>
+          </a:p>
+          <a:p>
+            <a:r>
+              <a:rPr lang="ru-RU" b="1" dirty="0" smtClean="0"/>
+              <a:t>Количество </a:t>
+            </a:r>
+            <a:r>
+              <a:rPr lang="ru-RU" b="1" dirty="0"/>
+              <a:t>классов:</a:t>
+            </a:r>
+            <a:r>
+              <a:rPr lang="ru-RU" dirty="0"/>
+              <a:t> </a:t>
+            </a:r>
+            <a:r>
+              <a:rPr lang="ru-RU" dirty="0" smtClean="0"/>
+              <a:t>2</a:t>
+            </a:r>
+          </a:p>
+          <a:p>
+            <a:r>
+              <a:rPr lang="ru-RU" b="1" dirty="0" smtClean="0"/>
+              <a:t>Названия </a:t>
+            </a:r>
+            <a:r>
+              <a:rPr lang="ru-RU" b="1" dirty="0"/>
+              <a:t>классов:</a:t>
+            </a:r>
+            <a:r>
+              <a:rPr lang="ru-RU" dirty="0"/>
+              <a:t> Без целевой патологии - 0; С целевой патологией </a:t>
+            </a:r>
+            <a:r>
+              <a:rPr lang="ru-RU" dirty="0" smtClean="0"/>
+              <a:t>– 1</a:t>
+            </a:r>
+          </a:p>
+          <a:p>
+            <a:r>
+              <a:rPr lang="ru-RU" b="1" dirty="0" smtClean="0"/>
+              <a:t>Количество </a:t>
+            </a:r>
+            <a:r>
+              <a:rPr lang="ru-RU" b="1" dirty="0"/>
+              <a:t>по классам:</a:t>
+            </a:r>
+            <a:r>
+              <a:rPr lang="ru-RU" dirty="0"/>
+              <a:t> КТ-0 ― 254 (22,8%), КТ-1 ― 684 (61,6%), КТ-2 ― 125 (11,3%), КТ-3 ― 45 (4,1%), КТ-4 ― 2 (0,2</a:t>
+            </a:r>
+            <a:r>
+              <a:rPr lang="ru-RU" dirty="0" smtClean="0"/>
+              <a:t>%).</a:t>
+            </a:r>
+          </a:p>
+          <a:p>
+            <a:r>
+              <a:rPr lang="ru-RU" b="1" dirty="0" smtClean="0"/>
+              <a:t>Критерии </a:t>
+            </a:r>
+            <a:r>
+              <a:rPr lang="ru-RU" b="1" dirty="0"/>
+              <a:t>отнесения к </a:t>
+            </a:r>
+            <a:r>
+              <a:rPr lang="ru-RU" b="1" dirty="0" err="1"/>
+              <a:t>классам:</a:t>
+            </a:r>
+            <a:r>
+              <a:rPr lang="ru-RU" dirty="0" err="1"/>
+              <a:t>С</a:t>
+            </a:r>
+            <a:r>
+              <a:rPr lang="ru-RU" dirty="0"/>
+              <a:t> патологией:</a:t>
+            </a:r>
+          </a:p>
+          <a:p>
+            <a:r>
+              <a:rPr lang="ru-RU" dirty="0"/>
+              <a:t>Инфильтрация легочной паренхимы по типу матовых стекол с обеих сторон, преимущественно периферической локализации с или без инфильтрацией легочной паренхимы по типу консолидации с положительным признаком воздушной </a:t>
+            </a:r>
+            <a:r>
+              <a:rPr lang="ru-RU" dirty="0" err="1"/>
+              <a:t>бронхограммы</a:t>
+            </a:r>
+            <a:r>
+              <a:rPr lang="ru-RU" dirty="0"/>
+              <a:t>;</a:t>
+            </a:r>
+          </a:p>
+          <a:p>
+            <a:r>
+              <a:rPr lang="ru-RU" dirty="0"/>
+              <a:t>Инфильтрация легочной паренхимы по типу булыжной мостовой (утолщение </a:t>
+            </a:r>
+            <a:r>
+              <a:rPr lang="ru-RU" dirty="0" err="1"/>
+              <a:t>междолькового</a:t>
+            </a:r>
+            <a:r>
+              <a:rPr lang="ru-RU" dirty="0"/>
+              <a:t> </a:t>
+            </a:r>
+            <a:r>
+              <a:rPr lang="ru-RU" dirty="0" err="1"/>
+              <a:t>интерстиция</a:t>
+            </a:r>
+            <a:r>
+              <a:rPr lang="ru-RU" dirty="0"/>
+              <a:t> на фоне матового стекла) с обеих сторон, преимущественно периферической локализации, с или или без инфильтрацией легочной паренхимы по типу консолидации с положительным признаком воздушной </a:t>
+            </a:r>
+            <a:r>
+              <a:rPr lang="ru-RU" dirty="0" err="1"/>
+              <a:t>бронхограммы</a:t>
+            </a:r>
+            <a:r>
+              <a:rPr lang="ru-RU" dirty="0"/>
+              <a:t>.</a:t>
+            </a:r>
+          </a:p>
+          <a:p>
+            <a:r>
+              <a:rPr lang="ru-RU" dirty="0"/>
+              <a:t>Без патологии: отсутствие вышеперечисленных признаков</a:t>
+            </a:r>
+          </a:p>
+          <a:p>
+            <a:r>
+              <a:rPr lang="ru-RU" b="1" dirty="0" err="1"/>
+              <a:t>ВерификацияМетод</a:t>
+            </a:r>
+            <a:r>
+              <a:rPr lang="ru-RU" b="1" dirty="0"/>
+              <a:t> верификации:</a:t>
+            </a:r>
+            <a:r>
+              <a:rPr lang="ru-RU" dirty="0"/>
+              <a:t> Экспертная оценка разметки (1 эксперт либо консенсус)</a:t>
+            </a:r>
+          </a:p>
+          <a:p>
+            <a:endParaRPr lang="ru-RU" dirty="0"/>
+          </a:p>
+        </p:txBody>
+      </p:sp>
+    </p:spTree>
+  </p:cSld>
+  <p:clrMapOvr>
+    <a:masterClrMapping/>
+  </p:clrMapOvr>
+</p:sld>
+</file>
+
+<file path=ppt/slides/slide21.xml><?xml version="1.0" encoding="utf-8"?>
+<p:sld xmlns:a="http://schemas.openxmlformats.org/drawingml/2006/main" xmlns:r="http://schemas.openxmlformats.org/officeDocument/2006/relationships" xmlns:p="http://schemas.openxmlformats.org/presentationml/2006/main">
+  <p:cSld>
+    <p:spTree>
+      <p:nvGrpSpPr>
+        <p:cNvPr id="1" name=""/>
+        <p:cNvGrpSpPr/>
+        <p:nvPr/>
+      </p:nvGrpSpPr>
+      <p:grpSpPr>
+        <a:xfrm>
+          <a:off x="0" y="0"/>
+          <a:ext cx="0" cy="0"/>
+          <a:chOff x="0" y="0"/>
+          <a:chExt cx="0" cy="0"/>
+        </a:xfrm>
+      </p:grpSpPr>
+      <p:sp>
+        <p:nvSpPr>
+          <p:cNvPr id="2" name="Заголовок 1"/>
+          <p:cNvSpPr>
+            <a:spLocks noGrp="1"/>
+          </p:cNvSpPr>
+          <p:nvPr>
+            <p:ph type="title"/>
+          </p:nvPr>
+        </p:nvSpPr>
+        <p:spPr/>
+        <p:txBody>
+          <a:bodyPr>
+            <a:normAutofit/>
+          </a:bodyPr>
+          <a:lstStyle/>
+          <a:p>
+            <a:r>
+              <a:rPr lang="ru-RU" dirty="0" smtClean="0">
+                <a:hlinkClick r:id="rId2"/>
+              </a:rPr>
+              <a:t>Технические параметры</a:t>
+            </a:r>
+            <a:endParaRPr lang="ru-RU" dirty="0"/>
+          </a:p>
+        </p:txBody>
+      </p:sp>
+      <p:sp>
+        <p:nvSpPr>
+          <p:cNvPr id="3" name="Содержимое 2"/>
+          <p:cNvSpPr>
+            <a:spLocks noGrp="1"/>
+          </p:cNvSpPr>
+          <p:nvPr>
+            <p:ph idx="1"/>
+          </p:nvPr>
+        </p:nvSpPr>
+        <p:spPr/>
+        <p:txBody>
+          <a:bodyPr>
+            <a:normAutofit fontScale="47500" lnSpcReduction="20000"/>
+          </a:bodyPr>
+          <a:lstStyle/>
+          <a:p>
+            <a:r>
+              <a:rPr lang="ru-RU" b="1" dirty="0" smtClean="0"/>
+              <a:t>Условия </a:t>
+            </a:r>
+            <a:r>
+              <a:rPr lang="ru-RU" b="1" dirty="0"/>
+              <a:t>сбора </a:t>
+            </a:r>
+            <a:r>
+              <a:rPr lang="ru-RU" b="1" dirty="0" smtClean="0"/>
+              <a:t>данных</a:t>
+            </a:r>
+          </a:p>
+          <a:p>
+            <a:pPr>
+              <a:buNone/>
+            </a:pPr>
+            <a:r>
+              <a:rPr lang="ru-RU" b="1" dirty="0" smtClean="0"/>
+              <a:t>	Критерии </a:t>
+            </a:r>
+            <a:r>
+              <a:rPr lang="ru-RU" b="1" dirty="0"/>
+              <a:t>включения/</a:t>
+            </a:r>
+            <a:r>
+              <a:rPr lang="ru-RU" b="1" dirty="0" err="1"/>
+              <a:t>невключения</a:t>
+            </a:r>
+            <a:r>
+              <a:rPr lang="ru-RU" b="1" dirty="0"/>
+              <a:t> исследования в </a:t>
+            </a:r>
+            <a:r>
+              <a:rPr lang="ru-RU" b="1" dirty="0" err="1"/>
+              <a:t>датасет:</a:t>
+            </a:r>
+            <a:r>
+              <a:rPr lang="ru-RU" dirty="0" err="1"/>
+              <a:t>Сбор</a:t>
+            </a:r>
+            <a:r>
+              <a:rPr lang="ru-RU" dirty="0"/>
+              <a:t> данных осуществлялся в 48 медицинских организаций в период с 1 марта по 25 апреля 2020 г у пациентов с подозрением на изменения в легких при </a:t>
+            </a:r>
+            <a:r>
+              <a:rPr lang="ru-RU" dirty="0" err="1"/>
+              <a:t>COVID-19</a:t>
+            </a:r>
+            <a:endParaRPr lang="ru-RU" dirty="0"/>
+          </a:p>
+          <a:p>
+            <a:pPr>
+              <a:buNone/>
+            </a:pPr>
+            <a:r>
+              <a:rPr lang="ru-RU" b="1" dirty="0" smtClean="0"/>
+              <a:t>	Протоколы </a:t>
+            </a:r>
+            <a:r>
+              <a:rPr lang="ru-RU" b="1" dirty="0"/>
+              <a:t>и условия сбора </a:t>
+            </a:r>
+            <a:r>
+              <a:rPr lang="ru-RU" b="1" dirty="0" err="1"/>
+              <a:t>данных:</a:t>
+            </a:r>
+            <a:r>
+              <a:rPr lang="ru-RU" dirty="0" err="1"/>
+              <a:t>КТ-протокол</a:t>
+            </a:r>
+            <a:r>
+              <a:rPr lang="ru-RU" dirty="0"/>
+              <a:t> сканирования </a:t>
+            </a:r>
+            <a:r>
+              <a:rPr lang="ru-RU" dirty="0" err="1"/>
+              <a:t>Chest</a:t>
+            </a:r>
+            <a:r>
+              <a:rPr lang="ru-RU" dirty="0"/>
+              <a:t> (рутинные КТ грудной клетки), сканирование выполнено в положении пациента на спине, при задержке дыхания на глубине вдоха, руки убраны за голову</a:t>
+            </a:r>
+          </a:p>
+          <a:p>
+            <a:r>
+              <a:rPr lang="ru-RU" b="1" dirty="0"/>
+              <a:t>Единичная запись набора </a:t>
+            </a:r>
+            <a:r>
+              <a:rPr lang="ru-RU" b="1" dirty="0" smtClean="0"/>
+              <a:t>данных</a:t>
+            </a:r>
+          </a:p>
+          <a:p>
+            <a:pPr>
+              <a:buNone/>
+            </a:pPr>
+            <a:r>
+              <a:rPr lang="ru-RU" b="1" dirty="0"/>
+              <a:t>	</a:t>
+            </a:r>
+            <a:r>
+              <a:rPr lang="ru-RU" b="1" dirty="0" smtClean="0"/>
+              <a:t>Объект </a:t>
+            </a:r>
+            <a:r>
+              <a:rPr lang="ru-RU" b="1" dirty="0"/>
+              <a:t>разметки:</a:t>
+            </a:r>
+            <a:r>
+              <a:rPr lang="ru-RU" dirty="0"/>
+              <a:t> </a:t>
+            </a:r>
+            <a:r>
+              <a:rPr lang="ru-RU" dirty="0" smtClean="0"/>
+              <a:t>Исследование</a:t>
+            </a:r>
+          </a:p>
+          <a:p>
+            <a:pPr>
+              <a:buNone/>
+            </a:pPr>
+            <a:r>
+              <a:rPr lang="ru-RU" b="1" dirty="0" smtClean="0"/>
+              <a:t>	Результат </a:t>
+            </a:r>
+            <a:r>
+              <a:rPr lang="ru-RU" b="1" dirty="0"/>
+              <a:t>разметки:</a:t>
+            </a:r>
+            <a:r>
+              <a:rPr lang="ru-RU" dirty="0"/>
+              <a:t> Целевая патология / отсутствие целевой патологии; бинарные маски </a:t>
+            </a:r>
+            <a:r>
+              <a:rPr lang="ru-RU" dirty="0" smtClean="0"/>
+              <a:t>изображений</a:t>
+            </a:r>
+          </a:p>
+          <a:p>
+            <a:r>
+              <a:rPr lang="ru-RU" b="1" dirty="0" smtClean="0"/>
+              <a:t>Форматы </a:t>
+            </a:r>
+            <a:r>
+              <a:rPr lang="ru-RU" b="1" dirty="0"/>
+              <a:t>записи набора </a:t>
+            </a:r>
+            <a:r>
+              <a:rPr lang="ru-RU" b="1" dirty="0" smtClean="0"/>
+              <a:t>данных</a:t>
+            </a:r>
+          </a:p>
+          <a:p>
+            <a:pPr>
+              <a:buNone/>
+            </a:pPr>
+            <a:r>
+              <a:rPr lang="ru-RU" b="1" dirty="0"/>
+              <a:t>	</a:t>
+            </a:r>
+            <a:r>
+              <a:rPr lang="ru-RU" b="1" dirty="0" smtClean="0"/>
+              <a:t>Объект </a:t>
+            </a:r>
+            <a:r>
+              <a:rPr lang="ru-RU" b="1" dirty="0"/>
+              <a:t>разметки:</a:t>
+            </a:r>
+            <a:r>
+              <a:rPr lang="ru-RU" dirty="0"/>
+              <a:t> </a:t>
+            </a:r>
+            <a:r>
+              <a:rPr lang="ru-RU" dirty="0" err="1" smtClean="0"/>
+              <a:t>NIFTI</a:t>
+            </a:r>
+            <a:endParaRPr lang="ru-RU" dirty="0" smtClean="0"/>
+          </a:p>
+          <a:p>
+            <a:pPr>
+              <a:buNone/>
+            </a:pPr>
+            <a:r>
+              <a:rPr lang="ru-RU" b="1" dirty="0"/>
+              <a:t>	</a:t>
+            </a:r>
+            <a:r>
+              <a:rPr lang="ru-RU" b="1" dirty="0" smtClean="0"/>
+              <a:t>Результат </a:t>
+            </a:r>
+            <a:r>
+              <a:rPr lang="ru-RU" b="1" dirty="0"/>
+              <a:t>разметки:</a:t>
+            </a:r>
+            <a:r>
+              <a:rPr lang="ru-RU" dirty="0"/>
+              <a:t> </a:t>
+            </a:r>
+            <a:r>
+              <a:rPr lang="ru-RU" dirty="0" smtClean="0"/>
+              <a:t>Табличный</a:t>
+            </a:r>
+          </a:p>
+          <a:p>
+            <a:r>
+              <a:rPr lang="ru-RU" b="1" dirty="0" smtClean="0"/>
+              <a:t>Объем данных</a:t>
+            </a:r>
+          </a:p>
+          <a:p>
+            <a:pPr>
+              <a:buNone/>
+            </a:pPr>
+            <a:r>
+              <a:rPr lang="ru-RU" b="1" dirty="0"/>
+              <a:t>	</a:t>
+            </a:r>
+            <a:r>
+              <a:rPr lang="ru-RU" b="1" dirty="0" smtClean="0"/>
+              <a:t>Количество </a:t>
+            </a:r>
+            <a:r>
+              <a:rPr lang="ru-RU" b="1" dirty="0"/>
+              <a:t>исследований набора данных:</a:t>
+            </a:r>
+            <a:r>
+              <a:rPr lang="ru-RU" dirty="0"/>
+              <a:t> </a:t>
+            </a:r>
+            <a:r>
+              <a:rPr lang="ru-RU" dirty="0" smtClean="0"/>
+              <a:t>1110</a:t>
+            </a:r>
+          </a:p>
+          <a:p>
+            <a:pPr>
+              <a:buNone/>
+            </a:pPr>
+            <a:r>
+              <a:rPr lang="ru-RU" b="1" dirty="0"/>
+              <a:t>	</a:t>
+            </a:r>
+            <a:r>
+              <a:rPr lang="ru-RU" b="1" dirty="0" smtClean="0"/>
+              <a:t>Количество </a:t>
+            </a:r>
+            <a:r>
+              <a:rPr lang="ru-RU" b="1" dirty="0"/>
+              <a:t>уникальных источников (</a:t>
+            </a:r>
+            <a:r>
+              <a:rPr lang="ru-RU" b="1" dirty="0" err="1"/>
+              <a:t>ДУ</a:t>
+            </a:r>
+            <a:r>
+              <a:rPr lang="ru-RU" b="1" dirty="0"/>
+              <a:t>):</a:t>
+            </a:r>
+            <a:r>
+              <a:rPr lang="ru-RU" dirty="0"/>
+              <a:t> 48</a:t>
+            </a:r>
+          </a:p>
+          <a:p>
+            <a:endParaRPr lang="ru-RU" dirty="0"/>
+          </a:p>
+        </p:txBody>
+      </p:sp>
+    </p:spTree>
+  </p:cSld>
+  <p:clrMapOvr>
+    <a:masterClrMapping/>
+  </p:clrMapOvr>
+</p:sld>
+</file>
+
+<file path=ppt/slides/slide22.xml><?xml version="1.0" encoding="utf-8"?>
 <p:sld xmlns:a="http://schemas.openxmlformats.org/drawingml/2006/main" xmlns:r="http://schemas.openxmlformats.org/officeDocument/2006/relationships" xmlns:p="http://schemas.openxmlformats.org/presentationml/2006/main">
   <p:cSld>
     <p:spTree>
@@ -4646,7 +5430,7 @@
 </p:sld>
 </file>
 
-<file path=ppt/slides/slide17.xml><?xml version="1.0" encoding="utf-8"?>
+<file path=ppt/slides/slide23.xml><?xml version="1.0" encoding="utf-8"?>
 <p:sld xmlns:a="http://schemas.openxmlformats.org/drawingml/2006/main" xmlns:r="http://schemas.openxmlformats.org/officeDocument/2006/relationships" xmlns:p="http://schemas.openxmlformats.org/presentationml/2006/main">
   <p:cSld>
     <p:spTree>
@@ -4714,90 +5498,6 @@
           </a:p>
         </p:txBody>
       </p:sp>
-    </p:spTree>
-  </p:cSld>
-  <p:clrMapOvr>
-    <a:masterClrMapping/>
-  </p:clrMapOvr>
-</p:sld>
-</file>
-
-<file path=ppt/slides/slide2.xml><?xml version="1.0" encoding="utf-8"?>
-<p:sld xmlns:a="http://schemas.openxmlformats.org/drawingml/2006/main" xmlns:r="http://schemas.openxmlformats.org/officeDocument/2006/relationships" xmlns:p="http://schemas.openxmlformats.org/presentationml/2006/main">
-  <p:cSld>
-    <p:spTree>
-      <p:nvGrpSpPr>
-        <p:cNvPr id="1" name=""/>
-        <p:cNvGrpSpPr/>
-        <p:nvPr/>
-      </p:nvGrpSpPr>
-      <p:grpSpPr>
-        <a:xfrm>
-          <a:off x="0" y="0"/>
-          <a:ext cx="0" cy="0"/>
-          <a:chOff x="0" y="0"/>
-          <a:chExt cx="0" cy="0"/>
-        </a:xfrm>
-      </p:grpSpPr>
-      <p:sp>
-        <p:nvSpPr>
-          <p:cNvPr id="2" name="Заголовок 1"/>
-          <p:cNvSpPr>
-            <a:spLocks noGrp="1"/>
-          </p:cNvSpPr>
-          <p:nvPr>
-            <p:ph type="title"/>
-          </p:nvPr>
-        </p:nvSpPr>
-        <p:spPr/>
-        <p:txBody>
-          <a:bodyPr>
-            <a:normAutofit/>
-          </a:bodyPr>
-          <a:lstStyle/>
-          <a:p>
-            <a:r>
-              <a:rPr lang="ru-RU" dirty="0" smtClean="0"/>
-              <a:t>Схема разработки </a:t>
-            </a:r>
-            <a:endParaRPr lang="ru-RU" dirty="0"/>
-          </a:p>
-        </p:txBody>
-      </p:sp>
-      <p:pic>
-        <p:nvPicPr>
-          <p:cNvPr id="1026" name="Picture 2"/>
-          <p:cNvPicPr>
-            <a:picLocks noGrp="1" noChangeAspect="1" noChangeArrowheads="1"/>
-          </p:cNvPicPr>
-          <p:nvPr>
-            <p:ph idx="1"/>
-          </p:nvPr>
-        </p:nvPicPr>
-        <p:blipFill>
-          <a:blip r:embed="rId2" cstate="print"/>
-          <a:srcRect/>
-          <a:stretch>
-            <a:fillRect/>
-          </a:stretch>
-        </p:blipFill>
-        <p:spPr bwMode="auto">
-          <a:xfrm>
-            <a:off x="510406" y="1600200"/>
-            <a:ext cx="8123188" cy="4525963"/>
-          </a:xfrm>
-          <a:prstGeom prst="rect">
-            <a:avLst/>
-          </a:prstGeom>
-          <a:noFill/>
-          <a:ln w="9525">
-            <a:noFill/>
-            <a:miter lim="800000"/>
-            <a:headEnd/>
-            <a:tailEnd/>
-          </a:ln>
-        </p:spPr>
-      </p:pic>
     </p:spTree>
   </p:cSld>
   <p:clrMapOvr>
@@ -5215,22 +5915,16 @@
         </p:nvSpPr>
         <p:spPr/>
         <p:txBody>
-          <a:bodyPr>
-            <a:normAutofit fontScale="90000"/>
-          </a:bodyPr>
+          <a:bodyPr/>
           <a:lstStyle/>
           <a:p>
             <a:r>
               <a:rPr lang="ru-RU" dirty="0" smtClean="0"/>
-              <a:t>Создание </a:t>
+              <a:t>Архитектура </a:t>
             </a:r>
             <a:r>
               <a:rPr lang="ru-RU" dirty="0" err="1" smtClean="0"/>
-              <a:t>датасетов</a:t>
-            </a:r>
-            <a:r>
-              <a:rPr lang="ru-RU" dirty="0" smtClean="0"/>
-              <a:t> разных конфигураций</a:t>
+              <a:t>DenseNet</a:t>
             </a:r>
             <a:endParaRPr lang="ru-RU" dirty="0"/>
           </a:p>
@@ -5255,8 +5949,8 @@
         </p:blipFill>
         <p:spPr bwMode="auto">
           <a:xfrm>
-            <a:off x="457200" y="2916068"/>
-            <a:ext cx="8229600" cy="1894227"/>
+            <a:off x="1383736" y="2286164"/>
+            <a:ext cx="6376528" cy="3154034"/>
           </a:xfrm>
           <a:prstGeom prst="rect">
             <a:avLst/>
@@ -5312,7 +6006,7 @@
           <a:p>
             <a:r>
               <a:rPr lang="ru-RU" dirty="0" smtClean="0"/>
-              <a:t>Сравнение некоторых моделей</a:t>
+              <a:t>Резидентный блок</a:t>
             </a:r>
             <a:endParaRPr lang="ru-RU" dirty="0"/>
           </a:p>
@@ -5337,8 +6031,8 @@
         </p:blipFill>
         <p:spPr bwMode="auto">
           <a:xfrm>
-            <a:off x="457200" y="2099696"/>
-            <a:ext cx="8229600" cy="3526971"/>
+            <a:off x="3031657" y="2601568"/>
+            <a:ext cx="3080685" cy="2523227"/>
           </a:xfrm>
           <a:prstGeom prst="rect">
             <a:avLst/>
@@ -5389,251 +6083,47 @@
         </p:nvSpPr>
         <p:spPr/>
         <p:txBody>
-          <a:bodyPr>
-            <a:noAutofit/>
-          </a:bodyPr>
-          <a:lstStyle/>
-          <a:p>
-            <a:r>
-              <a:rPr lang="ru-RU" sz="1800" b="1" dirty="0" smtClean="0"/>
-              <a:t>Эксперимент</a:t>
-            </a:r>
-            <a:br>
-              <a:rPr lang="ru-RU" sz="1800" b="1" dirty="0" smtClean="0"/>
-            </a:br>
-            <a:r>
-              <a:rPr lang="ru-RU" sz="1800" dirty="0" smtClean="0"/>
-              <a:t>по использованию инновационных технологий в области компьютерного зрения для анализа медицинских изображений и дальнейшего применения в системе здравоохранения города Москвы.</a:t>
-            </a:r>
-            <a:endParaRPr lang="ru-RU" sz="1800" dirty="0"/>
-          </a:p>
-        </p:txBody>
-      </p:sp>
-      <p:sp>
-        <p:nvSpPr>
-          <p:cNvPr id="3" name="Содержимое 2"/>
-          <p:cNvSpPr>
-            <a:spLocks noGrp="1"/>
-          </p:cNvSpPr>
+          <a:bodyPr/>
+          <a:lstStyle/>
+          <a:p>
+            <a:endParaRPr lang="ru-RU" dirty="0"/>
+          </a:p>
+        </p:txBody>
+      </p:sp>
+      <p:pic>
+        <p:nvPicPr>
+          <p:cNvPr id="3074" name="Picture 2"/>
+          <p:cNvPicPr>
+            <a:picLocks noGrp="1" noChangeAspect="1" noChangeArrowheads="1"/>
+          </p:cNvPicPr>
           <p:nvPr>
             <p:ph idx="1"/>
           </p:nvPr>
-        </p:nvSpPr>
-        <p:spPr/>
-        <p:txBody>
-          <a:bodyPr>
-            <a:normAutofit fontScale="32500" lnSpcReduction="20000"/>
-          </a:bodyPr>
-          <a:lstStyle/>
-          <a:p>
-            <a:r>
-              <a:rPr lang="ru-RU" b="1" dirty="0"/>
-              <a:t>Цель</a:t>
-            </a:r>
-            <a:endParaRPr lang="ru-RU" dirty="0"/>
-          </a:p>
-          <a:p>
-            <a:r>
-              <a:rPr lang="ru-RU" dirty="0"/>
-              <a:t>Научное исследование возможности использования в системе здравоохранения города Москвы методов поддержки принятия решений на основе результатов анализа данных с применением передовых инновационных технологий.</a:t>
-            </a:r>
-          </a:p>
-          <a:p>
-            <a:r>
-              <a:rPr lang="ru-RU" dirty="0"/>
-              <a:t> </a:t>
-            </a:r>
-          </a:p>
-          <a:p>
-            <a:r>
-              <a:rPr lang="ru-RU" b="1" dirty="0"/>
-              <a:t>Платформа</a:t>
-            </a:r>
-            <a:endParaRPr lang="ru-RU" dirty="0"/>
-          </a:p>
-          <a:p>
-            <a:r>
-              <a:rPr lang="ru-RU" dirty="0"/>
-              <a:t>Единый радиологический информационный сервис (</a:t>
-            </a:r>
-            <a:r>
-              <a:rPr lang="ru-RU" dirty="0" err="1"/>
-              <a:t>ЕРИС</a:t>
-            </a:r>
-            <a:r>
-              <a:rPr lang="ru-RU" dirty="0"/>
-              <a:t>)</a:t>
-            </a:r>
-          </a:p>
-          <a:p>
-            <a:r>
-              <a:rPr lang="ru-RU" dirty="0"/>
-              <a:t> </a:t>
-            </a:r>
-          </a:p>
-          <a:p>
-            <a:r>
-              <a:rPr lang="ru-RU" b="1" dirty="0"/>
-              <a:t>В цифрах</a:t>
-            </a:r>
-            <a:endParaRPr lang="ru-RU" dirty="0"/>
-          </a:p>
-          <a:p>
-            <a:r>
-              <a:rPr lang="ru-RU" b="1" dirty="0"/>
-              <a:t>550  </a:t>
-            </a:r>
-            <a:r>
-              <a:rPr lang="ru-RU" dirty="0"/>
-              <a:t>единиц оборудования (</a:t>
-            </a:r>
-            <a:r>
-              <a:rPr lang="ru-RU" dirty="0" err="1"/>
-              <a:t>МРТ</a:t>
-            </a:r>
-            <a:r>
-              <a:rPr lang="ru-RU" dirty="0"/>
-              <a:t>/</a:t>
-            </a:r>
-            <a:r>
-              <a:rPr lang="ru-RU" dirty="0" err="1"/>
-              <a:t>ММГ</a:t>
-            </a:r>
-            <a:r>
-              <a:rPr lang="ru-RU" dirty="0"/>
-              <a:t>/КТ/</a:t>
-            </a:r>
-            <a:r>
-              <a:rPr lang="ru-RU" dirty="0" err="1"/>
-              <a:t>РГ</a:t>
-            </a:r>
-            <a:r>
-              <a:rPr lang="ru-RU" dirty="0"/>
-              <a:t>) в отделениях лучевой диагностики амбулаторных и стационарных медицинских организаций Департамента здравоохранения города Москвы.</a:t>
-            </a:r>
-          </a:p>
-          <a:p>
-            <a:r>
-              <a:rPr lang="ru-RU" b="1" dirty="0"/>
-              <a:t>365</a:t>
-            </a:r>
-            <a:r>
-              <a:rPr lang="ru-RU" dirty="0"/>
-              <a:t> врачей-рентгенологов в системе. </a:t>
-            </a:r>
-          </a:p>
-          <a:p>
-            <a:r>
-              <a:rPr lang="ru-RU" b="1" dirty="0"/>
-              <a:t>160 тысяч </a:t>
-            </a:r>
-            <a:r>
-              <a:rPr lang="ru-RU" dirty="0"/>
-              <a:t>лучевых исследований в месяц.</a:t>
-            </a:r>
-          </a:p>
-          <a:p>
-            <a:r>
-              <a:rPr lang="ru-RU" b="1" dirty="0"/>
-              <a:t>44 тысячи</a:t>
-            </a:r>
-            <a:r>
-              <a:rPr lang="ru-RU" dirty="0"/>
-              <a:t> </a:t>
-            </a:r>
-            <a:r>
-              <a:rPr lang="ru-RU" dirty="0" err="1"/>
-              <a:t>скрининговых</a:t>
-            </a:r>
-            <a:r>
-              <a:rPr lang="ru-RU" dirty="0"/>
-              <a:t> исследований с целью выявления рака молочной железы и рака легкого в год.</a:t>
-            </a:r>
-          </a:p>
-          <a:p>
-            <a:r>
-              <a:rPr lang="ru-RU" dirty="0"/>
-              <a:t> </a:t>
-            </a:r>
-          </a:p>
-          <a:p>
-            <a:r>
-              <a:rPr lang="ru-RU" b="1" dirty="0"/>
-              <a:t>Области применения:</a:t>
-            </a:r>
-            <a:endParaRPr lang="ru-RU" dirty="0"/>
-          </a:p>
-          <a:p>
-            <a:r>
-              <a:rPr lang="ru-RU" dirty="0"/>
-              <a:t>онкология;</a:t>
-            </a:r>
-          </a:p>
-          <a:p>
-            <a:r>
-              <a:rPr lang="ru-RU" dirty="0"/>
-              <a:t>кардиология;</a:t>
-            </a:r>
-          </a:p>
-          <a:p>
-            <a:r>
-              <a:rPr lang="ru-RU" dirty="0"/>
-              <a:t>хронические заболевания;</a:t>
-            </a:r>
-          </a:p>
-          <a:p>
-            <a:r>
-              <a:rPr lang="ru-RU" dirty="0"/>
-              <a:t>пульмонология;</a:t>
-            </a:r>
-          </a:p>
-          <a:p>
-            <a:r>
-              <a:rPr lang="ru-RU" dirty="0"/>
-              <a:t>неврология;</a:t>
-            </a:r>
-          </a:p>
-          <a:p>
-            <a:r>
-              <a:rPr lang="ru-RU" dirty="0"/>
-              <a:t>неотложные состояния.</a:t>
-            </a:r>
-          </a:p>
-          <a:p>
-            <a:r>
-              <a:rPr lang="ru-RU" dirty="0"/>
-              <a:t> </a:t>
-            </a:r>
-          </a:p>
-          <a:p>
-            <a:r>
-              <a:rPr lang="ru-RU" dirty="0"/>
-              <a:t>Результаты эксперимента станут основой для национальных стандартов, регламентирующих применение искусственного интеллекта в клинической медицине. Разработка документов ведется в Подкомитете 01 технического комитета по стандартизации «Искусственный интеллект» (</a:t>
-            </a:r>
-            <a:r>
-              <a:rPr lang="ru-RU" dirty="0" err="1"/>
-              <a:t>ТК</a:t>
-            </a:r>
-            <a:r>
-              <a:rPr lang="ru-RU" dirty="0"/>
-              <a:t> 164). </a:t>
-            </a:r>
-            <a:br>
-              <a:rPr lang="ru-RU" dirty="0"/>
-            </a:br>
-            <a:r>
-              <a:rPr lang="ru-RU" u="sng" dirty="0">
-                <a:hlinkClick r:id="rId2"/>
-              </a:rPr>
-              <a:t>Подробнее о деятельности ПК 01</a:t>
-            </a:r>
-            <a:endParaRPr lang="ru-RU" dirty="0"/>
-          </a:p>
-          <a:p>
-            <a:endParaRPr lang="ru-RU" dirty="0"/>
-          </a:p>
-        </p:txBody>
-      </p:sp>
+        </p:nvPicPr>
+        <p:blipFill>
+          <a:blip r:embed="rId2" cstate="print"/>
+          <a:srcRect/>
+          <a:stretch>
+            <a:fillRect/>
+          </a:stretch>
+        </p:blipFill>
+        <p:spPr bwMode="auto">
+          <a:xfrm>
+            <a:off x="1335291" y="1955291"/>
+            <a:ext cx="6473417" cy="3815781"/>
+          </a:xfrm>
+          <a:prstGeom prst="rect">
+            <a:avLst/>
+          </a:prstGeom>
+          <a:noFill/>
+          <a:ln w="9525">
+            <a:noFill/>
+            <a:miter lim="800000"/>
+            <a:headEnd/>
+            <a:tailEnd/>
+          </a:ln>
+        </p:spPr>
+      </p:pic>
     </p:spTree>
   </p:cSld>
   <p:clrMapOvr>

--- a/slides.pptx
+++ b/slides.pptx
@@ -19,15 +19,17 @@
     <p:sldId id="278" r:id="rId13"/>
     <p:sldId id="270" r:id="rId14"/>
     <p:sldId id="272" r:id="rId15"/>
-    <p:sldId id="264" r:id="rId16"/>
-    <p:sldId id="271" r:id="rId17"/>
-    <p:sldId id="259" r:id="rId18"/>
-    <p:sldId id="260" r:id="rId19"/>
-    <p:sldId id="262" r:id="rId20"/>
-    <p:sldId id="261" r:id="rId21"/>
-    <p:sldId id="263" r:id="rId22"/>
-    <p:sldId id="258" r:id="rId23"/>
-    <p:sldId id="257" r:id="rId24"/>
+    <p:sldId id="280" r:id="rId16"/>
+    <p:sldId id="279" r:id="rId17"/>
+    <p:sldId id="264" r:id="rId18"/>
+    <p:sldId id="259" r:id="rId19"/>
+    <p:sldId id="260" r:id="rId20"/>
+    <p:sldId id="262" r:id="rId21"/>
+    <p:sldId id="261" r:id="rId22"/>
+    <p:sldId id="263" r:id="rId23"/>
+    <p:sldId id="258" r:id="rId24"/>
+    <p:sldId id="281" r:id="rId25"/>
+    <p:sldId id="257" r:id="rId26"/>
   </p:sldIdLst>
   <p:sldSz cx="9144000" cy="6858000" type="screen4x3"/>
   <p:notesSz cx="6858000" cy="9144000"/>
@@ -311,7 +313,7 @@
             <a:fld id="{C2263E29-338E-49D6-9AED-D5FCECFDFDCF}" type="datetimeFigureOut">
               <a:rPr lang="ru-RU" smtClean="0"/>
               <a:pPr/>
-              <a:t>18.05.2022</a:t>
+              <a:t>21.05.2022</a:t>
             </a:fld>
             <a:endParaRPr lang="ru-RU"/>
           </a:p>
@@ -478,7 +480,7 @@
             <a:fld id="{C2263E29-338E-49D6-9AED-D5FCECFDFDCF}" type="datetimeFigureOut">
               <a:rPr lang="ru-RU" smtClean="0"/>
               <a:pPr/>
-              <a:t>18.05.2022</a:t>
+              <a:t>21.05.2022</a:t>
             </a:fld>
             <a:endParaRPr lang="ru-RU"/>
           </a:p>
@@ -655,7 +657,7 @@
             <a:fld id="{C2263E29-338E-49D6-9AED-D5FCECFDFDCF}" type="datetimeFigureOut">
               <a:rPr lang="ru-RU" smtClean="0"/>
               <a:pPr/>
-              <a:t>18.05.2022</a:t>
+              <a:t>21.05.2022</a:t>
             </a:fld>
             <a:endParaRPr lang="ru-RU"/>
           </a:p>
@@ -822,7 +824,7 @@
             <a:fld id="{C2263E29-338E-49D6-9AED-D5FCECFDFDCF}" type="datetimeFigureOut">
               <a:rPr lang="ru-RU" smtClean="0"/>
               <a:pPr/>
-              <a:t>18.05.2022</a:t>
+              <a:t>21.05.2022</a:t>
             </a:fld>
             <a:endParaRPr lang="ru-RU"/>
           </a:p>
@@ -1065,7 +1067,7 @@
             <a:fld id="{C2263E29-338E-49D6-9AED-D5FCECFDFDCF}" type="datetimeFigureOut">
               <a:rPr lang="ru-RU" smtClean="0"/>
               <a:pPr/>
-              <a:t>18.05.2022</a:t>
+              <a:t>21.05.2022</a:t>
             </a:fld>
             <a:endParaRPr lang="ru-RU"/>
           </a:p>
@@ -1350,7 +1352,7 @@
             <a:fld id="{C2263E29-338E-49D6-9AED-D5FCECFDFDCF}" type="datetimeFigureOut">
               <a:rPr lang="ru-RU" smtClean="0"/>
               <a:pPr/>
-              <a:t>18.05.2022</a:t>
+              <a:t>21.05.2022</a:t>
             </a:fld>
             <a:endParaRPr lang="ru-RU"/>
           </a:p>
@@ -1769,7 +1771,7 @@
             <a:fld id="{C2263E29-338E-49D6-9AED-D5FCECFDFDCF}" type="datetimeFigureOut">
               <a:rPr lang="ru-RU" smtClean="0"/>
               <a:pPr/>
-              <a:t>18.05.2022</a:t>
+              <a:t>21.05.2022</a:t>
             </a:fld>
             <a:endParaRPr lang="ru-RU"/>
           </a:p>
@@ -1884,7 +1886,7 @@
             <a:fld id="{C2263E29-338E-49D6-9AED-D5FCECFDFDCF}" type="datetimeFigureOut">
               <a:rPr lang="ru-RU" smtClean="0"/>
               <a:pPr/>
-              <a:t>18.05.2022</a:t>
+              <a:t>21.05.2022</a:t>
             </a:fld>
             <a:endParaRPr lang="ru-RU"/>
           </a:p>
@@ -1976,7 +1978,7 @@
             <a:fld id="{C2263E29-338E-49D6-9AED-D5FCECFDFDCF}" type="datetimeFigureOut">
               <a:rPr lang="ru-RU" smtClean="0"/>
               <a:pPr/>
-              <a:t>18.05.2022</a:t>
+              <a:t>21.05.2022</a:t>
             </a:fld>
             <a:endParaRPr lang="ru-RU"/>
           </a:p>
@@ -2250,7 +2252,7 @@
             <a:fld id="{C2263E29-338E-49D6-9AED-D5FCECFDFDCF}" type="datetimeFigureOut">
               <a:rPr lang="ru-RU" smtClean="0"/>
               <a:pPr/>
-              <a:t>18.05.2022</a:t>
+              <a:t>21.05.2022</a:t>
             </a:fld>
             <a:endParaRPr lang="ru-RU"/>
           </a:p>
@@ -2500,7 +2502,7 @@
             <a:fld id="{C2263E29-338E-49D6-9AED-D5FCECFDFDCF}" type="datetimeFigureOut">
               <a:rPr lang="ru-RU" smtClean="0"/>
               <a:pPr/>
-              <a:t>18.05.2022</a:t>
+              <a:t>21.05.2022</a:t>
             </a:fld>
             <a:endParaRPr lang="ru-RU"/>
           </a:p>
@@ -2710,7 +2712,7 @@
             <a:fld id="{C2263E29-338E-49D6-9AED-D5FCECFDFDCF}" type="datetimeFigureOut">
               <a:rPr lang="ru-RU" smtClean="0"/>
               <a:pPr/>
-              <a:t>18.05.2022</a:t>
+              <a:t>21.05.2022</a:t>
             </a:fld>
             <a:endParaRPr lang="ru-RU"/>
           </a:p>
@@ -3588,22 +3590,22 @@
         <p:spPr/>
         <p:txBody>
           <a:bodyPr>
-            <a:noAutofit/>
+            <a:normAutofit fontScale="90000"/>
           </a:bodyPr>
           <a:lstStyle/>
           <a:p>
             <a:r>
-              <a:rPr lang="ru-RU" sz="1800" b="1" dirty="0" smtClean="0"/>
-              <a:t>Эксперимент</a:t>
+              <a:rPr lang="ru-RU" dirty="0" smtClean="0"/>
+              <a:t>Графики обучения модели</a:t>
             </a:r>
             <a:br>
-              <a:rPr lang="ru-RU" sz="1800" b="1" dirty="0" smtClean="0"/>
+              <a:rPr lang="ru-RU" dirty="0" smtClean="0"/>
             </a:br>
             <a:r>
-              <a:rPr lang="ru-RU" sz="1800" dirty="0" smtClean="0"/>
-              <a:t>по использованию инновационных технологий в области компьютерного зрения для анализа медицинских изображений и дальнейшего применения в системе здравоохранения города Москвы.</a:t>
-            </a:r>
-            <a:endParaRPr lang="ru-RU" sz="1800" dirty="0"/>
+              <a:rPr lang="ru-RU" dirty="0" smtClean="0"/>
+              <a:t>Параметры модели</a:t>
+            </a:r>
+            <a:endParaRPr lang="ru-RU" dirty="0"/>
           </a:p>
         </p:txBody>
       </p:sp>
@@ -3619,214 +3621,8 @@
         </p:nvSpPr>
         <p:spPr/>
         <p:txBody>
-          <a:bodyPr>
-            <a:normAutofit fontScale="32500" lnSpcReduction="20000"/>
-          </a:bodyPr>
-          <a:lstStyle/>
-          <a:p>
-            <a:r>
-              <a:rPr lang="ru-RU" b="1" dirty="0"/>
-              <a:t>Цель</a:t>
-            </a:r>
-            <a:endParaRPr lang="ru-RU" dirty="0"/>
-          </a:p>
-          <a:p>
-            <a:r>
-              <a:rPr lang="ru-RU" dirty="0"/>
-              <a:t>Научное исследование возможности использования в системе здравоохранения города Москвы методов поддержки принятия решений на основе результатов анализа данных с применением передовых инновационных технологий.</a:t>
-            </a:r>
-          </a:p>
-          <a:p>
-            <a:r>
-              <a:rPr lang="ru-RU" dirty="0"/>
-              <a:t> </a:t>
-            </a:r>
-          </a:p>
-          <a:p>
-            <a:r>
-              <a:rPr lang="ru-RU" b="1" dirty="0"/>
-              <a:t>Платформа</a:t>
-            </a:r>
-            <a:endParaRPr lang="ru-RU" dirty="0"/>
-          </a:p>
-          <a:p>
-            <a:r>
-              <a:rPr lang="ru-RU" dirty="0"/>
-              <a:t>Единый радиологический информационный сервис (</a:t>
-            </a:r>
-            <a:r>
-              <a:rPr lang="ru-RU" dirty="0" err="1"/>
-              <a:t>ЕРИС</a:t>
-            </a:r>
-            <a:r>
-              <a:rPr lang="ru-RU" dirty="0"/>
-              <a:t>)</a:t>
-            </a:r>
-          </a:p>
-          <a:p>
-            <a:r>
-              <a:rPr lang="ru-RU" dirty="0"/>
-              <a:t> </a:t>
-            </a:r>
-          </a:p>
-          <a:p>
-            <a:r>
-              <a:rPr lang="ru-RU" b="1" dirty="0"/>
-              <a:t>В цифрах</a:t>
-            </a:r>
-            <a:endParaRPr lang="ru-RU" dirty="0"/>
-          </a:p>
-          <a:p>
-            <a:r>
-              <a:rPr lang="ru-RU" b="1" dirty="0"/>
-              <a:t>550  </a:t>
-            </a:r>
-            <a:r>
-              <a:rPr lang="ru-RU" dirty="0"/>
-              <a:t>единиц оборудования (</a:t>
-            </a:r>
-            <a:r>
-              <a:rPr lang="ru-RU" dirty="0" err="1"/>
-              <a:t>МРТ</a:t>
-            </a:r>
-            <a:r>
-              <a:rPr lang="ru-RU" dirty="0"/>
-              <a:t>/</a:t>
-            </a:r>
-            <a:r>
-              <a:rPr lang="ru-RU" dirty="0" err="1"/>
-              <a:t>ММГ</a:t>
-            </a:r>
-            <a:r>
-              <a:rPr lang="ru-RU" dirty="0"/>
-              <a:t>/КТ/</a:t>
-            </a:r>
-            <a:r>
-              <a:rPr lang="ru-RU" dirty="0" err="1"/>
-              <a:t>РГ</a:t>
-            </a:r>
-            <a:r>
-              <a:rPr lang="ru-RU" dirty="0"/>
-              <a:t>) в отделениях лучевой диагностики амбулаторных и стационарных медицинских организаций Департамента здравоохранения города Москвы.</a:t>
-            </a:r>
-          </a:p>
-          <a:p>
-            <a:r>
-              <a:rPr lang="ru-RU" b="1" dirty="0"/>
-              <a:t>365</a:t>
-            </a:r>
-            <a:r>
-              <a:rPr lang="ru-RU" dirty="0"/>
-              <a:t> врачей-рентгенологов в системе. </a:t>
-            </a:r>
-          </a:p>
-          <a:p>
-            <a:r>
-              <a:rPr lang="ru-RU" b="1" dirty="0"/>
-              <a:t>160 тысяч </a:t>
-            </a:r>
-            <a:r>
-              <a:rPr lang="ru-RU" dirty="0"/>
-              <a:t>лучевых исследований в месяц.</a:t>
-            </a:r>
-          </a:p>
-          <a:p>
-            <a:r>
-              <a:rPr lang="ru-RU" b="1" dirty="0"/>
-              <a:t>44 тысячи</a:t>
-            </a:r>
-            <a:r>
-              <a:rPr lang="ru-RU" dirty="0"/>
-              <a:t> </a:t>
-            </a:r>
-            <a:r>
-              <a:rPr lang="ru-RU" dirty="0" err="1"/>
-              <a:t>скрининговых</a:t>
-            </a:r>
-            <a:r>
-              <a:rPr lang="ru-RU" dirty="0"/>
-              <a:t> исследований с целью выявления рака молочной железы и рака легкого в год.</a:t>
-            </a:r>
-          </a:p>
-          <a:p>
-            <a:r>
-              <a:rPr lang="ru-RU" dirty="0"/>
-              <a:t> </a:t>
-            </a:r>
-          </a:p>
-          <a:p>
-            <a:r>
-              <a:rPr lang="ru-RU" b="1" dirty="0"/>
-              <a:t>Области применения:</a:t>
-            </a:r>
-            <a:endParaRPr lang="ru-RU" dirty="0"/>
-          </a:p>
-          <a:p>
-            <a:r>
-              <a:rPr lang="ru-RU" dirty="0"/>
-              <a:t>онкология;</a:t>
-            </a:r>
-          </a:p>
-          <a:p>
-            <a:r>
-              <a:rPr lang="ru-RU" dirty="0"/>
-              <a:t>кардиология;</a:t>
-            </a:r>
-          </a:p>
-          <a:p>
-            <a:r>
-              <a:rPr lang="ru-RU" dirty="0"/>
-              <a:t>хронические заболевания;</a:t>
-            </a:r>
-          </a:p>
-          <a:p>
-            <a:r>
-              <a:rPr lang="ru-RU" dirty="0"/>
-              <a:t>пульмонология;</a:t>
-            </a:r>
-          </a:p>
-          <a:p>
-            <a:r>
-              <a:rPr lang="ru-RU" dirty="0"/>
-              <a:t>неврология;</a:t>
-            </a:r>
-          </a:p>
-          <a:p>
-            <a:r>
-              <a:rPr lang="ru-RU" dirty="0"/>
-              <a:t>неотложные состояния.</a:t>
-            </a:r>
-          </a:p>
-          <a:p>
-            <a:r>
-              <a:rPr lang="ru-RU" dirty="0"/>
-              <a:t> </a:t>
-            </a:r>
-          </a:p>
-          <a:p>
-            <a:r>
-              <a:rPr lang="ru-RU" dirty="0"/>
-              <a:t>Результаты эксперимента станут основой для национальных стандартов, регламентирующих применение искусственного интеллекта в клинической медицине. Разработка документов ведется в Подкомитете 01 технического комитета по стандартизации «Искусственный интеллект» (</a:t>
-            </a:r>
-            <a:r>
-              <a:rPr lang="ru-RU" dirty="0" err="1"/>
-              <a:t>ТК</a:t>
-            </a:r>
-            <a:r>
-              <a:rPr lang="ru-RU" dirty="0"/>
-              <a:t> 164). </a:t>
-            </a:r>
-            <a:br>
-              <a:rPr lang="ru-RU" dirty="0"/>
-            </a:br>
-            <a:r>
-              <a:rPr lang="ru-RU" u="sng" dirty="0">
-                <a:hlinkClick r:id="rId2"/>
-              </a:rPr>
-              <a:t>Подробнее о деятельности ПК 01</a:t>
-            </a:r>
-            <a:endParaRPr lang="ru-RU" dirty="0"/>
-          </a:p>
+          <a:bodyPr/>
+          <a:lstStyle/>
           <a:p>
             <a:endParaRPr lang="ru-RU" dirty="0"/>
           </a:p>
@@ -3872,7 +3668,27 @@
           <a:bodyPr/>
           <a:lstStyle/>
           <a:p>
-            <a:endParaRPr lang="ru-RU"/>
+            <a:r>
+              <a:rPr lang="ru-RU" dirty="0" smtClean="0"/>
+              <a:t>Сравнение </a:t>
+            </a:r>
+            <a:r>
+              <a:rPr lang="en-US" dirty="0" err="1" smtClean="0"/>
+              <a:t>colab</a:t>
+            </a:r>
+            <a:r>
+              <a:rPr lang="en-US" dirty="0" smtClean="0"/>
+              <a:t> </a:t>
+            </a:r>
+            <a:r>
+              <a:rPr lang="ru-RU" dirty="0" smtClean="0"/>
+              <a:t>и </a:t>
+            </a:r>
+            <a:r>
+              <a:rPr lang="en-US" dirty="0" err="1" smtClean="0"/>
+              <a:t>yandex</a:t>
+            </a:r>
+            <a:endParaRPr lang="ru-RU" dirty="0"/>
           </a:p>
         </p:txBody>
       </p:sp>
@@ -3891,7 +3707,15 @@
           <a:bodyPr/>
           <a:lstStyle/>
           <a:p>
-            <a:endParaRPr lang="ru-RU"/>
+            <a:r>
+              <a:rPr lang="ru-RU" dirty="0" smtClean="0"/>
+              <a:t>Техническое описание какие карты используются и </a:t>
+            </a:r>
+            <a:r>
+              <a:rPr lang="ru-RU" dirty="0" err="1" smtClean="0"/>
+              <a:t>проч</a:t>
+            </a:r>
+            <a:endParaRPr lang="ru-RU" dirty="0"/>
           </a:p>
         </p:txBody>
       </p:sp>
@@ -3904,6 +3728,288 @@
 </file>
 
 <file path=ppt/slides/slide17.xml><?xml version="1.0" encoding="utf-8"?>
+<p:sld xmlns:a="http://schemas.openxmlformats.org/drawingml/2006/main" xmlns:r="http://schemas.openxmlformats.org/officeDocument/2006/relationships" xmlns:p="http://schemas.openxmlformats.org/presentationml/2006/main">
+  <p:cSld>
+    <p:spTree>
+      <p:nvGrpSpPr>
+        <p:cNvPr id="1" name=""/>
+        <p:cNvGrpSpPr/>
+        <p:nvPr/>
+      </p:nvGrpSpPr>
+      <p:grpSpPr>
+        <a:xfrm>
+          <a:off x="0" y="0"/>
+          <a:ext cx="0" cy="0"/>
+          <a:chOff x="0" y="0"/>
+          <a:chExt cx="0" cy="0"/>
+        </a:xfrm>
+      </p:grpSpPr>
+      <p:sp>
+        <p:nvSpPr>
+          <p:cNvPr id="2" name="Заголовок 1"/>
+          <p:cNvSpPr>
+            <a:spLocks noGrp="1"/>
+          </p:cNvSpPr>
+          <p:nvPr>
+            <p:ph type="title"/>
+          </p:nvPr>
+        </p:nvSpPr>
+        <p:spPr/>
+        <p:txBody>
+          <a:bodyPr>
+            <a:noAutofit/>
+          </a:bodyPr>
+          <a:lstStyle/>
+          <a:p>
+            <a:r>
+              <a:rPr lang="ru-RU" sz="1800" b="1" dirty="0" smtClean="0"/>
+              <a:t>Эксперимент</a:t>
+            </a:r>
+            <a:br>
+              <a:rPr lang="ru-RU" sz="1800" b="1" dirty="0" smtClean="0"/>
+            </a:br>
+            <a:r>
+              <a:rPr lang="ru-RU" sz="1800" dirty="0" smtClean="0"/>
+              <a:t>по использованию инновационных технологий в области компьютерного зрения для анализа медицинских изображений и дальнейшего применения в системе здравоохранения города Москвы.</a:t>
+            </a:r>
+            <a:endParaRPr lang="ru-RU" sz="1800" dirty="0"/>
+          </a:p>
+        </p:txBody>
+      </p:sp>
+      <p:sp>
+        <p:nvSpPr>
+          <p:cNvPr id="3" name="Содержимое 2"/>
+          <p:cNvSpPr>
+            <a:spLocks noGrp="1"/>
+          </p:cNvSpPr>
+          <p:nvPr>
+            <p:ph idx="1"/>
+          </p:nvPr>
+        </p:nvSpPr>
+        <p:spPr/>
+        <p:txBody>
+          <a:bodyPr>
+            <a:normAutofit fontScale="32500" lnSpcReduction="20000"/>
+          </a:bodyPr>
+          <a:lstStyle/>
+          <a:p>
+            <a:r>
+              <a:rPr lang="ru-RU" b="1" dirty="0"/>
+              <a:t>Цель</a:t>
+            </a:r>
+            <a:endParaRPr lang="ru-RU" dirty="0"/>
+          </a:p>
+          <a:p>
+            <a:r>
+              <a:rPr lang="ru-RU" dirty="0"/>
+              <a:t>Научное исследование возможности использования в системе здравоохранения города Москвы методов поддержки принятия решений на основе результатов анализа данных с применением передовых инновационных технологий.</a:t>
+            </a:r>
+          </a:p>
+          <a:p>
+            <a:r>
+              <a:rPr lang="ru-RU" dirty="0"/>
+              <a:t> </a:t>
+            </a:r>
+          </a:p>
+          <a:p>
+            <a:r>
+              <a:rPr lang="ru-RU" b="1" dirty="0"/>
+              <a:t>Платформа</a:t>
+            </a:r>
+            <a:endParaRPr lang="ru-RU" dirty="0"/>
+          </a:p>
+          <a:p>
+            <a:r>
+              <a:rPr lang="ru-RU" dirty="0"/>
+              <a:t>Единый радиологический информационный сервис (</a:t>
+            </a:r>
+            <a:r>
+              <a:rPr lang="ru-RU" dirty="0" err="1"/>
+              <a:t>ЕРИС</a:t>
+            </a:r>
+            <a:r>
+              <a:rPr lang="ru-RU" dirty="0"/>
+              <a:t>)</a:t>
+            </a:r>
+          </a:p>
+          <a:p>
+            <a:r>
+              <a:rPr lang="ru-RU" dirty="0"/>
+              <a:t> </a:t>
+            </a:r>
+          </a:p>
+          <a:p>
+            <a:r>
+              <a:rPr lang="ru-RU" b="1" dirty="0"/>
+              <a:t>В цифрах</a:t>
+            </a:r>
+            <a:endParaRPr lang="ru-RU" dirty="0"/>
+          </a:p>
+          <a:p>
+            <a:r>
+              <a:rPr lang="ru-RU" b="1" dirty="0"/>
+              <a:t>550  </a:t>
+            </a:r>
+            <a:r>
+              <a:rPr lang="ru-RU" dirty="0"/>
+              <a:t>единиц оборудования (</a:t>
+            </a:r>
+            <a:r>
+              <a:rPr lang="ru-RU" dirty="0" err="1"/>
+              <a:t>МРТ</a:t>
+            </a:r>
+            <a:r>
+              <a:rPr lang="ru-RU" dirty="0"/>
+              <a:t>/</a:t>
+            </a:r>
+            <a:r>
+              <a:rPr lang="ru-RU" dirty="0" err="1"/>
+              <a:t>ММГ</a:t>
+            </a:r>
+            <a:r>
+              <a:rPr lang="ru-RU" dirty="0"/>
+              <a:t>/КТ/</a:t>
+            </a:r>
+            <a:r>
+              <a:rPr lang="ru-RU" dirty="0" err="1"/>
+              <a:t>РГ</a:t>
+            </a:r>
+            <a:r>
+              <a:rPr lang="ru-RU" dirty="0"/>
+              <a:t>) в отделениях лучевой диагностики амбулаторных и стационарных медицинских организаций Департамента здравоохранения города Москвы.</a:t>
+            </a:r>
+          </a:p>
+          <a:p>
+            <a:r>
+              <a:rPr lang="ru-RU" b="1" dirty="0"/>
+              <a:t>365</a:t>
+            </a:r>
+            <a:r>
+              <a:rPr lang="ru-RU" dirty="0"/>
+              <a:t> врачей-рентгенологов в системе. </a:t>
+            </a:r>
+          </a:p>
+          <a:p>
+            <a:r>
+              <a:rPr lang="ru-RU" b="1" dirty="0"/>
+              <a:t>160 тысяч </a:t>
+            </a:r>
+            <a:r>
+              <a:rPr lang="ru-RU" dirty="0"/>
+              <a:t>лучевых исследований в месяц.</a:t>
+            </a:r>
+          </a:p>
+          <a:p>
+            <a:r>
+              <a:rPr lang="ru-RU" b="1" dirty="0"/>
+              <a:t>44 тысячи</a:t>
+            </a:r>
+            <a:r>
+              <a:rPr lang="ru-RU" dirty="0"/>
+              <a:t> </a:t>
+            </a:r>
+            <a:r>
+              <a:rPr lang="ru-RU" dirty="0" err="1"/>
+              <a:t>скрининговых</a:t>
+            </a:r>
+            <a:r>
+              <a:rPr lang="ru-RU" dirty="0"/>
+              <a:t> исследований с целью выявления рака молочной железы и рака легкого в год.</a:t>
+            </a:r>
+          </a:p>
+          <a:p>
+            <a:r>
+              <a:rPr lang="ru-RU" dirty="0"/>
+              <a:t> </a:t>
+            </a:r>
+          </a:p>
+          <a:p>
+            <a:r>
+              <a:rPr lang="ru-RU" b="1" dirty="0"/>
+              <a:t>Области применения:</a:t>
+            </a:r>
+            <a:endParaRPr lang="ru-RU" dirty="0"/>
+          </a:p>
+          <a:p>
+            <a:r>
+              <a:rPr lang="ru-RU" dirty="0"/>
+              <a:t>онкология;</a:t>
+            </a:r>
+          </a:p>
+          <a:p>
+            <a:r>
+              <a:rPr lang="ru-RU" dirty="0"/>
+              <a:t>кардиология;</a:t>
+            </a:r>
+          </a:p>
+          <a:p>
+            <a:r>
+              <a:rPr lang="ru-RU" dirty="0"/>
+              <a:t>хронические заболевания;</a:t>
+            </a:r>
+          </a:p>
+          <a:p>
+            <a:r>
+              <a:rPr lang="ru-RU" dirty="0"/>
+              <a:t>пульмонология;</a:t>
+            </a:r>
+          </a:p>
+          <a:p>
+            <a:r>
+              <a:rPr lang="ru-RU" dirty="0"/>
+              <a:t>неврология;</a:t>
+            </a:r>
+          </a:p>
+          <a:p>
+            <a:r>
+              <a:rPr lang="ru-RU" dirty="0"/>
+              <a:t>неотложные состояния.</a:t>
+            </a:r>
+          </a:p>
+          <a:p>
+            <a:r>
+              <a:rPr lang="ru-RU" dirty="0"/>
+              <a:t> </a:t>
+            </a:r>
+          </a:p>
+          <a:p>
+            <a:r>
+              <a:rPr lang="ru-RU" dirty="0"/>
+              <a:t>Результаты эксперимента станут основой для национальных стандартов, регламентирующих применение искусственного интеллекта в клинической медицине. Разработка документов ведется в Подкомитете 01 технического комитета по стандартизации «Искусственный интеллект» (</a:t>
+            </a:r>
+            <a:r>
+              <a:rPr lang="ru-RU" dirty="0" err="1"/>
+              <a:t>ТК</a:t>
+            </a:r>
+            <a:r>
+              <a:rPr lang="ru-RU" dirty="0"/>
+              <a:t> 164). </a:t>
+            </a:r>
+            <a:br>
+              <a:rPr lang="ru-RU" dirty="0"/>
+            </a:br>
+            <a:r>
+              <a:rPr lang="ru-RU" u="sng" dirty="0">
+                <a:hlinkClick r:id="rId2"/>
+              </a:rPr>
+              <a:t>Подробнее о деятельности ПК 01</a:t>
+            </a:r>
+            <a:endParaRPr lang="ru-RU" dirty="0"/>
+          </a:p>
+          <a:p>
+            <a:endParaRPr lang="ru-RU" dirty="0"/>
+          </a:p>
+        </p:txBody>
+      </p:sp>
+    </p:spTree>
+  </p:cSld>
+  <p:clrMapOvr>
+    <a:masterClrMapping/>
+  </p:clrMapOvr>
+</p:sld>
+</file>
+
+<file path=ppt/slides/slide18.xml><?xml version="1.0" encoding="utf-8"?>
 <p:sld xmlns:a="http://schemas.openxmlformats.org/drawingml/2006/main" xmlns:r="http://schemas.openxmlformats.org/officeDocument/2006/relationships" xmlns:p="http://schemas.openxmlformats.org/presentationml/2006/main">
   <p:cSld>
     <p:spTree>
@@ -3990,414 +4096,6 @@
 </p:sld>
 </file>
 
-<file path=ppt/slides/slide18.xml><?xml version="1.0" encoding="utf-8"?>
-<p:sld xmlns:a="http://schemas.openxmlformats.org/drawingml/2006/main" xmlns:r="http://schemas.openxmlformats.org/officeDocument/2006/relationships" xmlns:p="http://schemas.openxmlformats.org/presentationml/2006/main">
-  <p:cSld>
-    <p:spTree>
-      <p:nvGrpSpPr>
-        <p:cNvPr id="1" name=""/>
-        <p:cNvGrpSpPr/>
-        <p:nvPr/>
-      </p:nvGrpSpPr>
-      <p:grpSpPr>
-        <a:xfrm>
-          <a:off x="0" y="0"/>
-          <a:ext cx="0" cy="0"/>
-          <a:chOff x="0" y="0"/>
-          <a:chExt cx="0" cy="0"/>
-        </a:xfrm>
-      </p:grpSpPr>
-      <p:sp>
-        <p:nvSpPr>
-          <p:cNvPr id="2" name="Заголовок 1"/>
-          <p:cNvSpPr>
-            <a:spLocks noGrp="1"/>
-          </p:cNvSpPr>
-          <p:nvPr>
-            <p:ph type="title"/>
-          </p:nvPr>
-        </p:nvSpPr>
-        <p:spPr/>
-        <p:txBody>
-          <a:bodyPr>
-            <a:normAutofit/>
-          </a:bodyPr>
-          <a:lstStyle/>
-          <a:p>
-            <a:r>
-              <a:rPr lang="ru-RU" dirty="0" smtClean="0">
-                <a:hlinkClick r:id="rId2"/>
-              </a:rPr>
-              <a:t>Клинические параметры</a:t>
-            </a:r>
-            <a:endParaRPr lang="ru-RU" dirty="0"/>
-          </a:p>
-        </p:txBody>
-      </p:sp>
-      <p:sp>
-        <p:nvSpPr>
-          <p:cNvPr id="3" name="Содержимое 2"/>
-          <p:cNvSpPr>
-            <a:spLocks noGrp="1"/>
-          </p:cNvSpPr>
-          <p:nvPr>
-            <p:ph idx="1"/>
-          </p:nvPr>
-        </p:nvSpPr>
-        <p:spPr/>
-        <p:txBody>
-          <a:bodyPr>
-            <a:normAutofit fontScale="47500" lnSpcReduction="20000"/>
-          </a:bodyPr>
-          <a:lstStyle/>
-          <a:p>
-            <a:r>
-              <a:rPr lang="ru-RU" b="1" dirty="0" smtClean="0"/>
-              <a:t>Целевые нозологии</a:t>
-            </a:r>
-          </a:p>
-          <a:p>
-            <a:pPr>
-              <a:buNone/>
-            </a:pPr>
-            <a:r>
-              <a:rPr lang="ru-RU" b="1" dirty="0"/>
-              <a:t>	</a:t>
-            </a:r>
-            <a:r>
-              <a:rPr lang="ru-RU" b="1" dirty="0" smtClean="0"/>
-              <a:t>Целевые </a:t>
-            </a:r>
-            <a:r>
-              <a:rPr lang="ru-RU" b="1" dirty="0" err="1"/>
-              <a:t>патологии\признаки</a:t>
-            </a:r>
-            <a:r>
-              <a:rPr lang="ru-RU" b="1" dirty="0"/>
-              <a:t>:</a:t>
-            </a:r>
-            <a:r>
-              <a:rPr lang="ru-RU" dirty="0"/>
-              <a:t> </a:t>
-            </a:r>
-            <a:r>
-              <a:rPr lang="ru-RU" dirty="0" err="1" smtClean="0"/>
-              <a:t>COVID-19</a:t>
-            </a:r>
-            <a:endParaRPr lang="ru-RU" dirty="0" smtClean="0"/>
-          </a:p>
-          <a:p>
-            <a:pPr>
-              <a:buNone/>
-            </a:pPr>
-            <a:r>
-              <a:rPr lang="ru-RU" b="1" dirty="0"/>
-              <a:t>	</a:t>
-            </a:r>
-            <a:r>
-              <a:rPr lang="ru-RU" b="1" dirty="0" smtClean="0"/>
-              <a:t>Код </a:t>
-            </a:r>
-            <a:r>
-              <a:rPr lang="ru-RU" b="1" dirty="0" err="1"/>
-              <a:t>МКБ-10</a:t>
-            </a:r>
-            <a:r>
-              <a:rPr lang="ru-RU" b="1" dirty="0"/>
-              <a:t> целевой патологии:</a:t>
-            </a:r>
-            <a:r>
-              <a:rPr lang="ru-RU" dirty="0"/>
-              <a:t> </a:t>
-            </a:r>
-            <a:r>
-              <a:rPr lang="ru-RU" dirty="0" err="1" smtClean="0"/>
-              <a:t>U07.1</a:t>
-            </a:r>
-            <a:endParaRPr lang="ru-RU" dirty="0" smtClean="0"/>
-          </a:p>
-          <a:p>
-            <a:r>
-              <a:rPr lang="ru-RU" b="1" dirty="0" smtClean="0"/>
-              <a:t>Параметры популяции</a:t>
-            </a:r>
-          </a:p>
-          <a:p>
-            <a:pPr>
-              <a:buNone/>
-            </a:pPr>
-            <a:r>
-              <a:rPr lang="ru-RU" b="1" dirty="0"/>
-              <a:t>	</a:t>
-            </a:r>
-            <a:r>
-              <a:rPr lang="ru-RU" b="1" dirty="0" smtClean="0"/>
-              <a:t>Критерии </a:t>
-            </a:r>
-            <a:r>
-              <a:rPr lang="ru-RU" b="1" dirty="0"/>
-              <a:t>включения/</a:t>
-            </a:r>
-            <a:r>
-              <a:rPr lang="ru-RU" b="1" dirty="0" err="1"/>
-              <a:t>невключения</a:t>
-            </a:r>
-            <a:r>
-              <a:rPr lang="ru-RU" b="1" dirty="0"/>
-              <a:t> пациента</a:t>
-            </a:r>
-            <a:r>
-              <a:rPr lang="ru-RU" b="1" dirty="0" smtClean="0"/>
-              <a:t>:</a:t>
-            </a:r>
-          </a:p>
-          <a:p>
-            <a:pPr>
-              <a:buNone/>
-            </a:pPr>
-            <a:r>
-              <a:rPr lang="ru-RU" b="1" dirty="0"/>
-              <a:t>	</a:t>
-            </a:r>
-            <a:r>
-              <a:rPr lang="ru-RU" dirty="0" smtClean="0"/>
-              <a:t>Критерии </a:t>
-            </a:r>
-            <a:r>
-              <a:rPr lang="ru-RU" dirty="0"/>
-              <a:t>включения пациента: Возраст ≥18 лет</a:t>
-            </a:r>
-            <a:br>
-              <a:rPr lang="ru-RU" dirty="0"/>
-            </a:br>
-            <a:r>
-              <a:rPr lang="ru-RU" dirty="0"/>
-              <a:t>Критерии </a:t>
-            </a:r>
-            <a:r>
-              <a:rPr lang="ru-RU" dirty="0" err="1"/>
-              <a:t>невключения</a:t>
-            </a:r>
-            <a:r>
-              <a:rPr lang="ru-RU" dirty="0"/>
-              <a:t> пациента: Наличие оперативных вмешательств, лучевой терапии в анамнезе для лечения заболеваний в области грудной клетки</a:t>
-            </a:r>
-          </a:p>
-          <a:p>
-            <a:pPr>
-              <a:buNone/>
-            </a:pPr>
-            <a:r>
-              <a:rPr lang="ru-RU" dirty="0" smtClean="0"/>
-              <a:t>	Возраст </a:t>
-            </a:r>
-            <a:r>
-              <a:rPr lang="ru-RU" dirty="0"/>
-              <a:t>(мин., лет): </a:t>
-            </a:r>
-            <a:r>
-              <a:rPr lang="ru-RU" dirty="0" smtClean="0"/>
-              <a:t>18</a:t>
-            </a:r>
-          </a:p>
-          <a:p>
-            <a:pPr>
-              <a:buNone/>
-            </a:pPr>
-            <a:r>
-              <a:rPr lang="ru-RU" dirty="0"/>
-              <a:t>	</a:t>
-            </a:r>
-            <a:r>
-              <a:rPr lang="ru-RU" dirty="0" smtClean="0"/>
-              <a:t>Возраст </a:t>
-            </a:r>
-            <a:r>
-              <a:rPr lang="ru-RU" dirty="0"/>
-              <a:t>(макс., лет): </a:t>
-            </a:r>
-            <a:r>
-              <a:rPr lang="ru-RU" dirty="0" smtClean="0"/>
-              <a:t>97</a:t>
-            </a:r>
-          </a:p>
-          <a:p>
-            <a:pPr>
-              <a:buNone/>
-            </a:pPr>
-            <a:r>
-              <a:rPr lang="ru-RU" dirty="0"/>
-              <a:t>	</a:t>
-            </a:r>
-            <a:r>
-              <a:rPr lang="ru-RU" dirty="0" smtClean="0"/>
-              <a:t>Возраст </a:t>
-            </a:r>
-            <a:r>
-              <a:rPr lang="ru-RU" dirty="0"/>
-              <a:t>(медиана, лет): </a:t>
-            </a:r>
-            <a:r>
-              <a:rPr lang="ru-RU" dirty="0" smtClean="0"/>
-              <a:t>47,0</a:t>
-            </a:r>
-          </a:p>
-          <a:p>
-            <a:pPr>
-              <a:buNone/>
-            </a:pPr>
-            <a:r>
-              <a:rPr lang="ru-RU" dirty="0"/>
-              <a:t>	</a:t>
-            </a:r>
-            <a:r>
-              <a:rPr lang="ru-RU" dirty="0" smtClean="0"/>
-              <a:t>Пол </a:t>
-            </a:r>
-            <a:r>
-              <a:rPr lang="ru-RU" dirty="0"/>
-              <a:t>(М): </a:t>
-            </a:r>
-            <a:r>
-              <a:rPr lang="ru-RU" dirty="0" smtClean="0"/>
-              <a:t>42</a:t>
-            </a:r>
-          </a:p>
-          <a:p>
-            <a:pPr>
-              <a:buNone/>
-            </a:pPr>
-            <a:r>
-              <a:rPr lang="ru-RU" dirty="0"/>
-              <a:t>	</a:t>
-            </a:r>
-            <a:r>
-              <a:rPr lang="ru-RU" dirty="0" smtClean="0"/>
-              <a:t>Пол </a:t>
-            </a:r>
-            <a:r>
-              <a:rPr lang="ru-RU" dirty="0"/>
-              <a:t>(Ж): </a:t>
-            </a:r>
-            <a:r>
-              <a:rPr lang="ru-RU" dirty="0" smtClean="0"/>
-              <a:t>56</a:t>
-            </a:r>
-          </a:p>
-          <a:p>
-            <a:pPr>
-              <a:buNone/>
-            </a:pPr>
-            <a:r>
-              <a:rPr lang="ru-RU" dirty="0"/>
-              <a:t>	</a:t>
-            </a:r>
-            <a:r>
-              <a:rPr lang="ru-RU" dirty="0" smtClean="0"/>
-              <a:t>Пол </a:t>
-            </a:r>
-            <a:r>
-              <a:rPr lang="ru-RU" dirty="0"/>
-              <a:t>(</a:t>
-            </a:r>
-            <a:r>
-              <a:rPr lang="ru-RU" dirty="0" err="1"/>
-              <a:t>неопределено</a:t>
-            </a:r>
-            <a:r>
-              <a:rPr lang="ru-RU" dirty="0"/>
-              <a:t>): </a:t>
-            </a:r>
-            <a:r>
-              <a:rPr lang="ru-RU" dirty="0" smtClean="0"/>
-              <a:t>2</a:t>
-            </a:r>
-          </a:p>
-          <a:p>
-            <a:pPr>
-              <a:buNone/>
-            </a:pPr>
-            <a:r>
-              <a:rPr lang="ru-RU" dirty="0"/>
-              <a:t>	</a:t>
-            </a:r>
-            <a:r>
-              <a:rPr lang="ru-RU" dirty="0" smtClean="0"/>
-              <a:t>Период </a:t>
-            </a:r>
-            <a:r>
-              <a:rPr lang="ru-RU" dirty="0"/>
-              <a:t>сбора (начало): </a:t>
-            </a:r>
-            <a:r>
-              <a:rPr lang="ru-RU" dirty="0" smtClean="0"/>
-              <a:t>01.03.2020</a:t>
-            </a:r>
-          </a:p>
-          <a:p>
-            <a:pPr>
-              <a:buNone/>
-            </a:pPr>
-            <a:r>
-              <a:rPr lang="ru-RU" dirty="0"/>
-              <a:t>	</a:t>
-            </a:r>
-            <a:r>
-              <a:rPr lang="ru-RU" dirty="0" smtClean="0"/>
-              <a:t>Период </a:t>
-            </a:r>
-            <a:r>
-              <a:rPr lang="ru-RU" dirty="0"/>
-              <a:t>сбора (конец): </a:t>
-            </a:r>
-            <a:r>
-              <a:rPr lang="ru-RU" dirty="0" smtClean="0"/>
-              <a:t>25.04.2020</a:t>
-            </a:r>
-          </a:p>
-          <a:p>
-            <a:pPr>
-              <a:buNone/>
-            </a:pPr>
-            <a:r>
-              <a:rPr lang="ru-RU" dirty="0"/>
-              <a:t>	</a:t>
-            </a:r>
-            <a:r>
-              <a:rPr lang="ru-RU" dirty="0" smtClean="0"/>
-              <a:t>Эпидемиологическая </a:t>
-            </a:r>
-            <a:r>
-              <a:rPr lang="ru-RU" dirty="0"/>
-              <a:t>обстановка: В условиях пандемии </a:t>
-            </a:r>
-            <a:r>
-              <a:rPr lang="ru-RU" dirty="0" err="1"/>
-              <a:t>коронавирусной</a:t>
-            </a:r>
-            <a:r>
-              <a:rPr lang="ru-RU" dirty="0"/>
-              <a:t> инфекции (</a:t>
-            </a:r>
-            <a:r>
-              <a:rPr lang="ru-RU" dirty="0" err="1"/>
-              <a:t>COVID-19</a:t>
-            </a:r>
-            <a:r>
-              <a:rPr lang="ru-RU" dirty="0"/>
-              <a:t>)</a:t>
-            </a:r>
-          </a:p>
-        </p:txBody>
-      </p:sp>
-    </p:spTree>
-  </p:cSld>
-  <p:clrMapOvr>
-    <a:masterClrMapping/>
-  </p:clrMapOvr>
-</p:sld>
-</file>
-
 <file path=ppt/slides/slide19.xml><?xml version="1.0" encoding="utf-8"?>
 <p:sld xmlns:a="http://schemas.openxmlformats.org/drawingml/2006/main" xmlns:r="http://schemas.openxmlformats.org/officeDocument/2006/relationships" xmlns:p="http://schemas.openxmlformats.org/presentationml/2006/main">
   <p:cSld>
@@ -4436,7 +4134,7 @@
               <a:rPr lang="ru-RU" dirty="0" smtClean="0">
                 <a:hlinkClick r:id="rId2"/>
               </a:rPr>
-              <a:t>Назначение</a:t>
+              <a:t>Клинические параметры</a:t>
             </a:r>
             <a:endParaRPr lang="ru-RU" dirty="0"/>
           </a:p>
@@ -4455,21 +4153,38 @@
         <p:spPr/>
         <p:txBody>
           <a:bodyPr>
-            <a:normAutofit/>
+            <a:normAutofit fontScale="47500" lnSpcReduction="20000"/>
           </a:bodyPr>
           <a:lstStyle/>
           <a:p>
             <a:r>
               <a:rPr lang="ru-RU" b="1" dirty="0" smtClean="0"/>
-              <a:t>Клиническая/практическая/научная </a:t>
-            </a:r>
+              <a:t>Целевые нозологии</a:t>
+            </a:r>
+          </a:p>
+          <a:p>
+            <a:pPr>
+              <a:buNone/>
+            </a:pPr>
             <a:r>
               <a:rPr lang="ru-RU" b="1" dirty="0"/>
-              <a:t>задача создания набора данных:</a:t>
-            </a:r>
-            <a:r>
-              <a:rPr lang="ru-RU" dirty="0"/>
-              <a:t> Определение степени поражения паренхимы легкого при </a:t>
+              <a:t>	</a:t>
+            </a:r>
+            <a:r>
+              <a:rPr lang="ru-RU" b="1" dirty="0" smtClean="0"/>
+              <a:t>Целевые </a:t>
+            </a:r>
+            <a:r>
+              <a:rPr lang="ru-RU" b="1" dirty="0" err="1"/>
+              <a:t>патологии\признаки</a:t>
+            </a:r>
+            <a:r>
+              <a:rPr lang="ru-RU" b="1" dirty="0"/>
+              <a:t>:</a:t>
+            </a:r>
+            <a:r>
+              <a:rPr lang="ru-RU" dirty="0"/>
+              <a:t> </a:t>
             </a:r>
             <a:r>
               <a:rPr lang="ru-RU" dirty="0" err="1" smtClean="0"/>
@@ -4478,61 +4193,306 @@
             <a:endParaRPr lang="ru-RU" dirty="0" smtClean="0"/>
           </a:p>
           <a:p>
+            <a:pPr>
+              <a:buNone/>
+            </a:pPr>
+            <a:r>
+              <a:rPr lang="ru-RU" b="1" dirty="0"/>
+              <a:t>	</a:t>
+            </a:r>
             <a:r>
               <a:rPr lang="ru-RU" b="1" dirty="0" smtClean="0"/>
-              <a:t>Назначение </a:t>
+              <a:t>Код </a:t>
             </a:r>
             <a:r>
               <a:rPr lang="ru-RU" b="1" dirty="0" err="1"/>
-              <a:t>датасета</a:t>
+              <a:t>МКБ-10</a:t>
             </a:r>
             <a:r>
               <a:rPr lang="ru-RU" b="1" dirty="0"/>
+              <a:t> целевой патологии:</a:t>
+            </a:r>
+            <a:r>
+              <a:rPr lang="ru-RU" dirty="0"/>
+              <a:t> </a:t>
+            </a:r>
+            <a:r>
+              <a:rPr lang="ru-RU" dirty="0" err="1" smtClean="0"/>
+              <a:t>U07.1</a:t>
+            </a:r>
+            <a:endParaRPr lang="ru-RU" dirty="0" smtClean="0"/>
+          </a:p>
+          <a:p>
+            <a:r>
+              <a:rPr lang="ru-RU" b="1" dirty="0" smtClean="0"/>
+              <a:t>Параметры популяции</a:t>
+            </a:r>
+          </a:p>
+          <a:p>
+            <a:pPr>
+              <a:buNone/>
+            </a:pPr>
+            <a:r>
+              <a:rPr lang="ru-RU" b="1" dirty="0"/>
+              <a:t>	</a:t>
+            </a:r>
+            <a:r>
+              <a:rPr lang="ru-RU" b="1" dirty="0" smtClean="0"/>
+              <a:t>Критерии </a:t>
+            </a:r>
+            <a:r>
+              <a:rPr lang="ru-RU" b="1" dirty="0"/>
+              <a:t>включения/</a:t>
+            </a:r>
+            <a:r>
+              <a:rPr lang="ru-RU" b="1" dirty="0" err="1"/>
+              <a:t>невключения</a:t>
+            </a:r>
+            <a:r>
+              <a:rPr lang="ru-RU" b="1" dirty="0"/>
+              <a:t> пациента</a:t>
+            </a:r>
+            <a:r>
+              <a:rPr lang="ru-RU" b="1" dirty="0" smtClean="0"/>
               <a:t>:</a:t>
             </a:r>
-            <a:r>
-              <a:rPr lang="ru-RU" dirty="0"/>
-              <a:t> Обучение ИИ </a:t>
+          </a:p>
+          <a:p>
+            <a:pPr>
+              <a:buNone/>
+            </a:pPr>
+            <a:r>
+              <a:rPr lang="ru-RU" b="1" dirty="0"/>
+              <a:t>	</a:t>
             </a:r>
             <a:r>
               <a:rPr lang="ru-RU" dirty="0" smtClean="0"/>
-              <a:t>алгоритма</a:t>
-            </a:r>
-          </a:p>
-          <a:p>
-            <a:r>
-              <a:rPr lang="ru-RU" b="1" dirty="0" smtClean="0"/>
-              <a:t>Вариант</a:t>
-            </a:r>
-            <a:r>
-              <a:rPr lang="ru-RU" b="1" dirty="0"/>
-              <a:t>:</a:t>
-            </a:r>
-            <a:r>
-              <a:rPr lang="ru-RU" dirty="0"/>
-              <a:t> </a:t>
+              <a:t>Критерии </a:t>
+            </a:r>
+            <a:r>
+              <a:rPr lang="ru-RU" dirty="0"/>
+              <a:t>включения пациента: Возраст ≥18 лет</a:t>
+            </a:r>
+            <a:br>
+              <a:rPr lang="ru-RU" dirty="0"/>
+            </a:br>
+            <a:r>
+              <a:rPr lang="ru-RU" dirty="0"/>
+              <a:t>Критерии </a:t>
             </a:r>
             <a:r>
               <a:rPr lang="ru-RU" dirty="0" err="1"/>
-              <a:t>SC</a:t>
-            </a:r>
-            <a:r>
-              <a:rPr lang="ru-RU" dirty="0"/>
-              <a:t> - </a:t>
+              <a:t>невключения</a:t>
+            </a:r>
+            <a:r>
+              <a:rPr lang="ru-RU" dirty="0"/>
+              <a:t> пациента: Наличие оперативных вмешательств, лучевой терапии в анамнезе для лечения заболеваний в области грудной клетки</a:t>
+            </a:r>
+          </a:p>
+          <a:p>
+            <a:pPr>
+              <a:buNone/>
+            </a:pPr>
+            <a:r>
+              <a:rPr lang="ru-RU" dirty="0" smtClean="0"/>
+              <a:t>	Возраст </a:t>
+            </a:r>
+            <a:r>
+              <a:rPr lang="ru-RU" dirty="0"/>
+              <a:t>(мин., лет): </a:t>
+            </a:r>
+            <a:r>
+              <a:rPr lang="ru-RU" dirty="0" smtClean="0"/>
+              <a:t>18</a:t>
+            </a:r>
+          </a:p>
+          <a:p>
+            <a:pPr>
+              <a:buNone/>
+            </a:pPr>
+            <a:r>
+              <a:rPr lang="ru-RU" dirty="0"/>
+              <a:t>	</a:t>
+            </a:r>
+            <a:r>
+              <a:rPr lang="ru-RU" dirty="0" smtClean="0"/>
+              <a:t>Возраст </a:t>
+            </a:r>
+            <a:r>
+              <a:rPr lang="ru-RU" dirty="0"/>
+              <a:t>(макс., лет): </a:t>
+            </a:r>
+            <a:r>
+              <a:rPr lang="ru-RU" dirty="0" smtClean="0"/>
+              <a:t>97</a:t>
+            </a:r>
+          </a:p>
+          <a:p>
+            <a:pPr>
+              <a:buNone/>
+            </a:pPr>
+            <a:r>
+              <a:rPr lang="ru-RU" dirty="0"/>
+              <a:t>	</a:t>
+            </a:r>
+            <a:r>
+              <a:rPr lang="ru-RU" dirty="0" smtClean="0"/>
+              <a:t>Возраст </a:t>
+            </a:r>
+            <a:r>
+              <a:rPr lang="ru-RU" dirty="0"/>
+              <a:t>(медиана, лет): </a:t>
+            </a:r>
+            <a:r>
+              <a:rPr lang="ru-RU" dirty="0" smtClean="0"/>
+              <a:t>47,0</a:t>
+            </a:r>
+          </a:p>
+          <a:p>
+            <a:pPr>
+              <a:buNone/>
+            </a:pPr>
+            <a:r>
+              <a:rPr lang="ru-RU" dirty="0"/>
+              <a:t>	</a:t>
+            </a:r>
+            <a:r>
+              <a:rPr lang="ru-RU" dirty="0" smtClean="0"/>
+              <a:t>Пол </a:t>
+            </a:r>
+            <a:r>
+              <a:rPr lang="ru-RU" dirty="0"/>
+              <a:t>(М): </a:t>
+            </a:r>
+            <a:r>
+              <a:rPr lang="ru-RU" dirty="0" smtClean="0"/>
+              <a:t>42</a:t>
+            </a:r>
+          </a:p>
+          <a:p>
+            <a:pPr>
+              <a:buNone/>
+            </a:pPr>
+            <a:r>
+              <a:rPr lang="ru-RU" dirty="0"/>
+              <a:t>	</a:t>
+            </a:r>
+            <a:r>
+              <a:rPr lang="ru-RU" dirty="0" smtClean="0"/>
+              <a:t>Пол </a:t>
+            </a:r>
+            <a:r>
+              <a:rPr lang="ru-RU" dirty="0"/>
+              <a:t>(Ж): </a:t>
+            </a:r>
+            <a:r>
+              <a:rPr lang="ru-RU" dirty="0" smtClean="0"/>
+              <a:t>56</a:t>
+            </a:r>
+          </a:p>
+          <a:p>
+            <a:pPr>
+              <a:buNone/>
+            </a:pPr>
+            <a:r>
+              <a:rPr lang="ru-RU" dirty="0"/>
+              <a:t>	</a:t>
+            </a:r>
+            <a:r>
+              <a:rPr lang="ru-RU" dirty="0" smtClean="0"/>
+              <a:t>Пол </a:t>
+            </a:r>
+            <a:r>
+              <a:rPr lang="ru-RU" dirty="0"/>
+              <a:t>(</a:t>
             </a:r>
             <a:r>
               <a:rPr lang="ru-RU" dirty="0" err="1"/>
-              <a:t>special</a:t>
-            </a:r>
-            <a:r>
-              <a:rPr lang="ru-RU" dirty="0"/>
-              <a:t> </a:t>
+              <a:t>неопределено</a:t>
+            </a:r>
+            <a:r>
+              <a:rPr lang="ru-RU" dirty="0"/>
+              <a:t>): </a:t>
+            </a:r>
+            <a:r>
+              <a:rPr lang="ru-RU" dirty="0" smtClean="0"/>
+              <a:t>2</a:t>
+            </a:r>
+          </a:p>
+          <a:p>
+            <a:pPr>
+              <a:buNone/>
+            </a:pPr>
+            <a:r>
+              <a:rPr lang="ru-RU" dirty="0"/>
+              <a:t>	</a:t>
+            </a:r>
+            <a:r>
+              <a:rPr lang="ru-RU" dirty="0" smtClean="0"/>
+              <a:t>Период </a:t>
+            </a:r>
+            <a:r>
+              <a:rPr lang="ru-RU" dirty="0"/>
+              <a:t>сбора (начало): </a:t>
+            </a:r>
+            <a:r>
+              <a:rPr lang="ru-RU" dirty="0" smtClean="0"/>
+              <a:t>01.03.2020</a:t>
+            </a:r>
+          </a:p>
+          <a:p>
+            <a:pPr>
+              <a:buNone/>
+            </a:pPr>
+            <a:r>
+              <a:rPr lang="ru-RU" dirty="0"/>
+              <a:t>	</a:t>
+            </a:r>
+            <a:r>
+              <a:rPr lang="ru-RU" dirty="0" smtClean="0"/>
+              <a:t>Период </a:t>
+            </a:r>
+            <a:r>
+              <a:rPr lang="ru-RU" dirty="0"/>
+              <a:t>сбора (конец): </a:t>
+            </a:r>
+            <a:r>
+              <a:rPr lang="ru-RU" dirty="0" smtClean="0"/>
+              <a:t>25.04.2020</a:t>
+            </a:r>
+          </a:p>
+          <a:p>
+            <a:pPr>
+              <a:buNone/>
+            </a:pPr>
+            <a:r>
+              <a:rPr lang="ru-RU" dirty="0"/>
+              <a:t>	</a:t>
+            </a:r>
+            <a:r>
+              <a:rPr lang="ru-RU" dirty="0" smtClean="0"/>
+              <a:t>Эпидемиологическая </a:t>
+            </a:r>
+            <a:r>
+              <a:rPr lang="ru-RU" dirty="0"/>
+              <a:t>обстановка: В условиях пандемии </a:t>
             </a:r>
             <a:r>
               <a:rPr lang="ru-RU" dirty="0" err="1"/>
-              <a:t>case</a:t>
-            </a:r>
-            <a:endParaRPr lang="ru-RU" dirty="0"/>
+              <a:t>коронавирусной</a:t>
+            </a:r>
+            <a:r>
+              <a:rPr lang="ru-RU" dirty="0"/>
+              <a:t> инфекции (</a:t>
+            </a:r>
+            <a:r>
+              <a:rPr lang="ru-RU" dirty="0" err="1"/>
+              <a:t>COVID-19</a:t>
+            </a:r>
+            <a:r>
+              <a:rPr lang="ru-RU" dirty="0"/>
+              <a:t>)</a:t>
+            </a:r>
           </a:p>
         </p:txBody>
       </p:sp>
@@ -4666,7 +4626,7 @@
               <a:rPr lang="ru-RU" dirty="0" smtClean="0">
                 <a:hlinkClick r:id="rId2"/>
               </a:rPr>
-              <a:t>Разметка и верификация</a:t>
+              <a:t>Назначение</a:t>
             </a:r>
             <a:endParaRPr lang="ru-RU" dirty="0"/>
           </a:p>
@@ -4685,39 +4645,36 @@
         <p:spPr/>
         <p:txBody>
           <a:bodyPr>
-            <a:normAutofit fontScale="40000" lnSpcReduction="20000"/>
+            <a:normAutofit/>
           </a:bodyPr>
           <a:lstStyle/>
           <a:p>
             <a:r>
-              <a:rPr lang="ru-RU" b="1" dirty="0" err="1" smtClean="0"/>
-              <a:t>РазметкаУровень</a:t>
-            </a:r>
-            <a:r>
               <a:rPr lang="ru-RU" b="1" dirty="0" smtClean="0"/>
-              <a:t> </a:t>
+              <a:t>Клиническая/практическая/научная </a:t>
             </a:r>
             <a:r>
               <a:rPr lang="ru-RU" b="1" dirty="0"/>
-              <a:t>разметки:</a:t>
-            </a:r>
-            <a:r>
-              <a:rPr lang="ru-RU" dirty="0"/>
-              <a:t> Изображение, </a:t>
-            </a:r>
-            <a:r>
-              <a:rPr lang="ru-RU" dirty="0" smtClean="0"/>
-              <a:t>Исследование</a:t>
-            </a:r>
+              <a:t>задача создания набора данных:</a:t>
+            </a:r>
+            <a:r>
+              <a:rPr lang="ru-RU" dirty="0"/>
+              <a:t> Определение степени поражения паренхимы легкого при </a:t>
+            </a:r>
+            <a:r>
+              <a:rPr lang="ru-RU" dirty="0" err="1" smtClean="0"/>
+              <a:t>COVID-19</a:t>
+            </a:r>
+            <a:endParaRPr lang="ru-RU" dirty="0" smtClean="0"/>
           </a:p>
           <a:p>
             <a:r>
               <a:rPr lang="ru-RU" b="1" dirty="0" smtClean="0"/>
-              <a:t>Способы </a:t>
+              <a:t>Назначение </a:t>
             </a:r>
             <a:r>
               <a:rPr lang="ru-RU" b="1" dirty="0" err="1"/>
-              <a:t>предразметки</a:t>
+              <a:t>датасета</a:t>
             </a:r>
             <a:r>
               <a:rPr lang="ru-RU" b="1" dirty="0"/>
@@ -4725,277 +4682,46 @@
             </a:r>
             <a:r>
               <a:rPr lang="ru-RU" dirty="0"/>
+              <a:t> Обучение ИИ </a:t>
+            </a:r>
+            <a:r>
+              <a:rPr lang="ru-RU" dirty="0" smtClean="0"/>
+              <a:t>алгоритма</a:t>
+            </a:r>
+          </a:p>
+          <a:p>
+            <a:r>
+              <a:rPr lang="ru-RU" b="1" dirty="0" smtClean="0"/>
+              <a:t>Вариант</a:t>
+            </a:r>
+            <a:r>
+              <a:rPr lang="ru-RU" b="1" dirty="0"/>
+              <a:t>:</a:t>
+            </a:r>
+            <a:r>
+              <a:rPr lang="ru-RU" dirty="0"/>
               <a:t> </a:t>
             </a:r>
             <a:r>
-              <a:rPr lang="ru-RU" dirty="0" smtClean="0"/>
-              <a:t>Нет</a:t>
-            </a:r>
-          </a:p>
-          <a:p>
-            <a:r>
-              <a:rPr lang="ru-RU" b="1" dirty="0" smtClean="0"/>
-              <a:t>Характер </a:t>
-            </a:r>
-            <a:r>
-              <a:rPr lang="ru-RU" b="1" dirty="0"/>
-              <a:t>разметки:</a:t>
-            </a:r>
-            <a:r>
-              <a:rPr lang="ru-RU" dirty="0"/>
-              <a:t> </a:t>
-            </a:r>
-            <a:r>
-              <a:rPr lang="ru-RU" dirty="0" smtClean="0"/>
-              <a:t>Бинарная</a:t>
-            </a:r>
-          </a:p>
-          <a:p>
-            <a:r>
-              <a:rPr lang="ru-RU" b="1" dirty="0" smtClean="0"/>
-              <a:t>Количество </a:t>
-            </a:r>
-            <a:r>
-              <a:rPr lang="ru-RU" b="1" dirty="0"/>
-              <a:t>лейблов:</a:t>
-            </a:r>
-            <a:r>
-              <a:rPr lang="ru-RU" dirty="0"/>
-              <a:t> </a:t>
-            </a:r>
-            <a:r>
-              <a:rPr lang="ru-RU" dirty="0" smtClean="0"/>
-              <a:t>1</a:t>
-            </a:r>
-          </a:p>
-          <a:p>
-            <a:r>
-              <a:rPr lang="ru-RU" b="1" dirty="0" smtClean="0"/>
-              <a:t>Характер </a:t>
-            </a:r>
-            <a:r>
-              <a:rPr lang="ru-RU" b="1" dirty="0"/>
-              <a:t>лейблов:</a:t>
-            </a:r>
-            <a:r>
-              <a:rPr lang="ru-RU" dirty="0"/>
-              <a:t> </a:t>
-            </a:r>
-            <a:r>
               <a:rPr lang="ru-RU" dirty="0" err="1"/>
-              <a:t>Мультикласс</a:t>
-            </a:r>
-            <a:r>
-              <a:rPr lang="ru-RU" dirty="0"/>
-              <a:t> (1 лейбл, </a:t>
+              <a:t>SC</a:t>
+            </a:r>
+            <a:r>
+              <a:rPr lang="ru-RU" dirty="0"/>
+              <a:t> - </a:t>
             </a:r>
             <a:r>
               <a:rPr lang="ru-RU" dirty="0" err="1"/>
-              <a:t>M</a:t>
-            </a:r>
-            <a:r>
-              <a:rPr lang="ru-RU" dirty="0"/>
-              <a:t> классов, </a:t>
+              <a:t>special</a:t>
+            </a:r>
+            <a:r>
+              <a:rPr lang="ru-RU" dirty="0"/>
+              <a:t> </a:t>
             </a:r>
             <a:r>
               <a:rPr lang="ru-RU" dirty="0" err="1"/>
-              <a:t>M</a:t>
-            </a:r>
-            <a:r>
-              <a:rPr lang="ru-RU" dirty="0"/>
-              <a:t>&gt;2</a:t>
-            </a:r>
-            <a:r>
-              <a:rPr lang="ru-RU" dirty="0" smtClean="0"/>
-              <a:t>)</a:t>
-            </a:r>
-          </a:p>
-          <a:p>
-            <a:r>
-              <a:rPr lang="ru-RU" b="1" dirty="0" smtClean="0"/>
-              <a:t>Уровень </a:t>
-            </a:r>
-            <a:r>
-              <a:rPr lang="ru-RU" b="1" dirty="0"/>
-              <a:t>детализации лейблов:</a:t>
-            </a:r>
-            <a:r>
-              <a:rPr lang="ru-RU" dirty="0"/>
-              <a:t> </a:t>
-            </a:r>
-            <a:r>
-              <a:rPr lang="ru-RU" dirty="0" smtClean="0"/>
-              <a:t>Исследование/серия/изображение</a:t>
-            </a:r>
-          </a:p>
-          <a:p>
-            <a:r>
-              <a:rPr lang="ru-RU" b="1" dirty="0" smtClean="0"/>
-              <a:t>Названия </a:t>
-            </a:r>
-            <a:r>
-              <a:rPr lang="ru-RU" b="1" dirty="0"/>
-              <a:t>лейблов:</a:t>
-            </a:r>
-            <a:r>
-              <a:rPr lang="ru-RU" dirty="0"/>
-              <a:t> Признаки поражения паренхимы легкого при </a:t>
-            </a:r>
-            <a:r>
-              <a:rPr lang="ru-RU" dirty="0" err="1"/>
-              <a:t>COVID-19</a:t>
-            </a:r>
-            <a:r>
-              <a:rPr lang="ru-RU" dirty="0"/>
-              <a:t> согласно -Базовые диагностические требования от августа </a:t>
-            </a:r>
-            <a:r>
-              <a:rPr lang="ru-RU" dirty="0" err="1" smtClean="0"/>
-              <a:t>2021г</a:t>
-            </a:r>
-            <a:endParaRPr lang="ru-RU" dirty="0" smtClean="0"/>
-          </a:p>
-          <a:p>
-            <a:r>
-              <a:rPr lang="ru-RU" b="1" dirty="0" smtClean="0"/>
-              <a:t>Количество </a:t>
-            </a:r>
-            <a:r>
-              <a:rPr lang="ru-RU" b="1" dirty="0"/>
-              <a:t>классов:</a:t>
-            </a:r>
-            <a:r>
-              <a:rPr lang="ru-RU" dirty="0"/>
-              <a:t> </a:t>
-            </a:r>
-            <a:r>
-              <a:rPr lang="ru-RU" dirty="0" smtClean="0"/>
-              <a:t>2</a:t>
-            </a:r>
-          </a:p>
-          <a:p>
-            <a:r>
-              <a:rPr lang="ru-RU" b="1" dirty="0" smtClean="0"/>
-              <a:t>Названия </a:t>
-            </a:r>
-            <a:r>
-              <a:rPr lang="ru-RU" b="1" dirty="0"/>
-              <a:t>классов:</a:t>
-            </a:r>
-            <a:r>
-              <a:rPr lang="ru-RU" dirty="0"/>
-              <a:t> Без целевой патологии - 0; С целевой патологией </a:t>
-            </a:r>
-            <a:r>
-              <a:rPr lang="ru-RU" dirty="0" smtClean="0"/>
-              <a:t>– 1</a:t>
-            </a:r>
-          </a:p>
-          <a:p>
-            <a:r>
-              <a:rPr lang="ru-RU" b="1" dirty="0" smtClean="0"/>
-              <a:t>Количество </a:t>
-            </a:r>
-            <a:r>
-              <a:rPr lang="ru-RU" b="1" dirty="0"/>
-              <a:t>по классам:</a:t>
-            </a:r>
-            <a:r>
-              <a:rPr lang="ru-RU" dirty="0"/>
-              <a:t> КТ-0 ― 254 (22,8%), КТ-1 ― 684 (61,6%), КТ-2 ― 125 (11,3%), КТ-3 ― 45 (4,1%), КТ-4 ― 2 (0,2</a:t>
-            </a:r>
-            <a:r>
-              <a:rPr lang="ru-RU" dirty="0" smtClean="0"/>
-              <a:t>%).</a:t>
-            </a:r>
-          </a:p>
-          <a:p>
-            <a:r>
-              <a:rPr lang="ru-RU" b="1" dirty="0" smtClean="0"/>
-              <a:t>Критерии </a:t>
-            </a:r>
-            <a:r>
-              <a:rPr lang="ru-RU" b="1" dirty="0"/>
-              <a:t>отнесения к </a:t>
-            </a:r>
-            <a:r>
-              <a:rPr lang="ru-RU" b="1" dirty="0" err="1"/>
-              <a:t>классам:</a:t>
-            </a:r>
-            <a:r>
-              <a:rPr lang="ru-RU" dirty="0" err="1"/>
-              <a:t>С</a:t>
-            </a:r>
-            <a:r>
-              <a:rPr lang="ru-RU" dirty="0"/>
-              <a:t> патологией:</a:t>
-            </a:r>
-          </a:p>
-          <a:p>
-            <a:r>
-              <a:rPr lang="ru-RU" dirty="0"/>
-              <a:t>Инфильтрация легочной паренхимы по типу матовых стекол с обеих сторон, преимущественно периферической локализации с или без инфильтрацией легочной паренхимы по типу консолидации с положительным признаком воздушной </a:t>
-            </a:r>
-            <a:r>
-              <a:rPr lang="ru-RU" dirty="0" err="1"/>
-              <a:t>бронхограммы</a:t>
-            </a:r>
-            <a:r>
-              <a:rPr lang="ru-RU" dirty="0"/>
-              <a:t>;</a:t>
-            </a:r>
-          </a:p>
-          <a:p>
-            <a:r>
-              <a:rPr lang="ru-RU" dirty="0"/>
-              <a:t>Инфильтрация легочной паренхимы по типу булыжной мостовой (утолщение </a:t>
-            </a:r>
-            <a:r>
-              <a:rPr lang="ru-RU" dirty="0" err="1"/>
-              <a:t>междолькового</a:t>
-            </a:r>
-            <a:r>
-              <a:rPr lang="ru-RU" dirty="0"/>
-              <a:t> </a:t>
-            </a:r>
-            <a:r>
-              <a:rPr lang="ru-RU" dirty="0" err="1"/>
-              <a:t>интерстиция</a:t>
-            </a:r>
-            <a:r>
-              <a:rPr lang="ru-RU" dirty="0"/>
-              <a:t> на фоне матового стекла) с обеих сторон, преимущественно периферической локализации, с или или без инфильтрацией легочной паренхимы по типу консолидации с положительным признаком воздушной </a:t>
-            </a:r>
-            <a:r>
-              <a:rPr lang="ru-RU" dirty="0" err="1"/>
-              <a:t>бронхограммы</a:t>
-            </a:r>
-            <a:r>
-              <a:rPr lang="ru-RU" dirty="0"/>
-              <a:t>.</a:t>
-            </a:r>
-          </a:p>
-          <a:p>
-            <a:r>
-              <a:rPr lang="ru-RU" dirty="0"/>
-              <a:t>Без патологии: отсутствие вышеперечисленных признаков</a:t>
-            </a:r>
-          </a:p>
-          <a:p>
-            <a:r>
-              <a:rPr lang="ru-RU" b="1" dirty="0" err="1"/>
-              <a:t>ВерификацияМетод</a:t>
-            </a:r>
-            <a:r>
-              <a:rPr lang="ru-RU" b="1" dirty="0"/>
-              <a:t> верификации:</a:t>
-            </a:r>
-            <a:r>
-              <a:rPr lang="ru-RU" dirty="0"/>
-              <a:t> Экспертная оценка разметки (1 эксперт либо консенсус)</a:t>
-            </a:r>
-          </a:p>
-          <a:p>
+              <a:t>case</a:t>
+            </a:r>
             <a:endParaRPr lang="ru-RU" dirty="0"/>
           </a:p>
         </p:txBody>
@@ -5046,7 +4772,7 @@
               <a:rPr lang="ru-RU" dirty="0" smtClean="0">
                 <a:hlinkClick r:id="rId2"/>
               </a:rPr>
-              <a:t>Технические параметры</a:t>
+              <a:t>Разметка и верификация</a:t>
             </a:r>
             <a:endParaRPr lang="ru-RU" dirty="0"/>
           </a:p>
@@ -5065,236 +4791,184 @@
         <p:spPr/>
         <p:txBody>
           <a:bodyPr>
-            <a:normAutofit fontScale="47500" lnSpcReduction="20000"/>
+            <a:normAutofit fontScale="40000" lnSpcReduction="20000"/>
           </a:bodyPr>
           <a:lstStyle/>
           <a:p>
             <a:r>
+              <a:rPr lang="ru-RU" b="1" dirty="0" err="1" smtClean="0"/>
+              <a:t>РазметкаУровень</a:t>
+            </a:r>
+            <a:r>
               <a:rPr lang="ru-RU" b="1" dirty="0" smtClean="0"/>
-              <a:t>Условия </a:t>
+              <a:t> </a:t>
             </a:r>
             <a:r>
               <a:rPr lang="ru-RU" b="1" dirty="0"/>
-              <a:t>сбора </a:t>
-            </a:r>
+              <a:t>разметки:</a:t>
+            </a:r>
+            <a:r>
+              <a:rPr lang="ru-RU" dirty="0"/>
+              <a:t> Изображение, </a:t>
+            </a:r>
+            <a:r>
+              <a:rPr lang="ru-RU" dirty="0" smtClean="0"/>
+              <a:t>Исследование</a:t>
+            </a:r>
+          </a:p>
+          <a:p>
             <a:r>
               <a:rPr lang="ru-RU" b="1" dirty="0" smtClean="0"/>
-              <a:t>данных</a:t>
-            </a:r>
-          </a:p>
-          <a:p>
-            <a:pPr>
-              <a:buNone/>
-            </a:pPr>
+              <a:t>Способы </a:t>
+            </a:r>
+            <a:r>
+              <a:rPr lang="ru-RU" b="1" dirty="0" err="1"/>
+              <a:t>предразметки</a:t>
+            </a:r>
+            <a:r>
+              <a:rPr lang="ru-RU" b="1" dirty="0"/>
+              <a:t>:</a:t>
+            </a:r>
+            <a:r>
+              <a:rPr lang="ru-RU" dirty="0"/>
+              <a:t> </a:t>
+            </a:r>
+            <a:r>
+              <a:rPr lang="ru-RU" dirty="0" smtClean="0"/>
+              <a:t>Нет</a:t>
+            </a:r>
+          </a:p>
+          <a:p>
             <a:r>
               <a:rPr lang="ru-RU" b="1" dirty="0" smtClean="0"/>
-              <a:t>	Критерии </a:t>
+              <a:t>Характер </a:t>
             </a:r>
             <a:r>
               <a:rPr lang="ru-RU" b="1" dirty="0"/>
-              <a:t>включения/</a:t>
-            </a:r>
-            <a:r>
-              <a:rPr lang="ru-RU" b="1" dirty="0" err="1"/>
-              <a:t>невключения</a:t>
+              <a:t>разметки:</a:t>
+            </a:r>
+            <a:r>
+              <a:rPr lang="ru-RU" dirty="0"/>
+              <a:t> </a:t>
+            </a:r>
+            <a:r>
+              <a:rPr lang="ru-RU" dirty="0" smtClean="0"/>
+              <a:t>Бинарная</a:t>
+            </a:r>
+          </a:p>
+          <a:p>
+            <a:r>
+              <a:rPr lang="ru-RU" b="1" dirty="0" smtClean="0"/>
+              <a:t>Количество </a:t>
             </a:r>
             <a:r>
               <a:rPr lang="ru-RU" b="1" dirty="0"/>
-              <a:t> исследования в </a:t>
-            </a:r>
-            <a:r>
-              <a:rPr lang="ru-RU" b="1" dirty="0" err="1"/>
-              <a:t>датасет:</a:t>
+              <a:t>лейблов:</a:t>
+            </a:r>
+            <a:r>
+              <a:rPr lang="ru-RU" dirty="0"/>
+              <a:t> </a:t>
+            </a:r>
+            <a:r>
+              <a:rPr lang="ru-RU" dirty="0" smtClean="0"/>
+              <a:t>1</a:t>
+            </a:r>
+          </a:p>
+          <a:p>
+            <a:r>
+              <a:rPr lang="ru-RU" b="1" dirty="0" smtClean="0"/>
+              <a:t>Характер </a:t>
+            </a:r>
+            <a:r>
+              <a:rPr lang="ru-RU" b="1" dirty="0"/>
+              <a:t>лейблов:</a:t>
+            </a:r>
+            <a:r>
+              <a:rPr lang="ru-RU" dirty="0"/>
+              <a:t> </a:t>
             </a:r>
             <a:r>
               <a:rPr lang="ru-RU" dirty="0" err="1"/>
-              <a:t>Сбор</a:t>
-            </a:r>
-            <a:r>
-              <a:rPr lang="ru-RU" dirty="0"/>
-              <a:t> данных осуществлялся в 48 медицинских организаций в период с 1 марта по 25 апреля 2020 г у пациентов с подозрением на изменения в легких при </a:t>
+              <a:t>Мультикласс</a:t>
+            </a:r>
+            <a:r>
+              <a:rPr lang="ru-RU" dirty="0"/>
+              <a:t> (1 лейбл, </a:t>
+            </a:r>
+            <a:r>
+              <a:rPr lang="ru-RU" dirty="0" err="1"/>
+              <a:t>M</a:t>
+            </a:r>
+            <a:r>
+              <a:rPr lang="ru-RU" dirty="0"/>
+              <a:t> классов, </a:t>
+            </a:r>
+            <a:r>
+              <a:rPr lang="ru-RU" dirty="0" err="1"/>
+              <a:t>M</a:t>
+            </a:r>
+            <a:r>
+              <a:rPr lang="ru-RU" dirty="0"/>
+              <a:t>&gt;2</a:t>
+            </a:r>
+            <a:r>
+              <a:rPr lang="ru-RU" dirty="0" smtClean="0"/>
+              <a:t>)</a:t>
+            </a:r>
+          </a:p>
+          <a:p>
+            <a:r>
+              <a:rPr lang="ru-RU" b="1" dirty="0" smtClean="0"/>
+              <a:t>Уровень </a:t>
+            </a:r>
+            <a:r>
+              <a:rPr lang="ru-RU" b="1" dirty="0"/>
+              <a:t>детализации лейблов:</a:t>
+            </a:r>
+            <a:r>
+              <a:rPr lang="ru-RU" dirty="0"/>
+              <a:t> </a:t>
+            </a:r>
+            <a:r>
+              <a:rPr lang="ru-RU" dirty="0" smtClean="0"/>
+              <a:t>Исследование/серия/изображение</a:t>
+            </a:r>
+          </a:p>
+          <a:p>
+            <a:r>
+              <a:rPr lang="ru-RU" b="1" dirty="0" smtClean="0"/>
+              <a:t>Названия </a:t>
+            </a:r>
+            <a:r>
+              <a:rPr lang="ru-RU" b="1" dirty="0"/>
+              <a:t>лейблов:</a:t>
+            </a:r>
+            <a:r>
+              <a:rPr lang="ru-RU" dirty="0"/>
+              <a:t> Признаки поражения паренхимы легкого при </a:t>
             </a:r>
             <a:r>
               <a:rPr lang="ru-RU" dirty="0" err="1"/>
               <a:t>COVID-19</a:t>
             </a:r>
-            <a:endParaRPr lang="ru-RU" dirty="0"/>
-          </a:p>
-          <a:p>
-            <a:pPr>
-              <a:buNone/>
-            </a:pPr>
-            <a:r>
-              <a:rPr lang="ru-RU" b="1" dirty="0" smtClean="0"/>
-              <a:t>	Протоколы </a:t>
-            </a:r>
-            <a:r>
-              <a:rPr lang="ru-RU" b="1" dirty="0"/>
-              <a:t>и условия сбора </a:t>
-            </a:r>
-            <a:r>
-              <a:rPr lang="ru-RU" b="1" dirty="0" err="1"/>
-              <a:t>данных:</a:t>
-            </a:r>
-            <a:r>
-              <a:rPr lang="ru-RU" dirty="0" err="1"/>
-              <a:t>КТ-протокол</a:t>
-            </a:r>
-            <a:r>
-              <a:rPr lang="ru-RU" dirty="0"/>
-              <a:t> сканирования </a:t>
-            </a:r>
-            <a:r>
-              <a:rPr lang="ru-RU" dirty="0" err="1"/>
-              <a:t>Chest</a:t>
-            </a:r>
-            <a:r>
-              <a:rPr lang="ru-RU" dirty="0"/>
-              <a:t> (рутинные КТ грудной клетки), сканирование выполнено в положении пациента на спине, при задержке дыхания на глубине вдоха, руки убраны за голову</a:t>
-            </a:r>
-          </a:p>
-          <a:p>
-            <a:r>
-              <a:rPr lang="ru-RU" b="1" dirty="0"/>
-              <a:t>Единичная запись набора </a:t>
-            </a:r>
-            <a:r>
-              <a:rPr lang="ru-RU" b="1" dirty="0" smtClean="0"/>
-              <a:t>данных</a:t>
-            </a:r>
-          </a:p>
-          <a:p>
-            <a:pPr>
-              <a:buNone/>
-            </a:pPr>
-            <a:r>
-              <a:rPr lang="ru-RU" b="1" dirty="0"/>
-              <a:t>	</a:t>
-            </a:r>
-            <a:r>
-              <a:rPr lang="ru-RU" b="1" dirty="0" smtClean="0"/>
-              <a:t>Объект </a:t>
-            </a:r>
-            <a:r>
-              <a:rPr lang="ru-RU" b="1" dirty="0"/>
-              <a:t>разметки:</a:t>
-            </a:r>
-            <a:r>
-              <a:rPr lang="ru-RU" dirty="0"/>
-              <a:t> </a:t>
-            </a:r>
-            <a:r>
-              <a:rPr lang="ru-RU" dirty="0" smtClean="0"/>
-              <a:t>Исследование</a:t>
-            </a:r>
-          </a:p>
-          <a:p>
-            <a:pPr>
-              <a:buNone/>
-            </a:pPr>
-            <a:r>
-              <a:rPr lang="ru-RU" b="1" dirty="0" smtClean="0"/>
-              <a:t>	Результат </a:t>
-            </a:r>
-            <a:r>
-              <a:rPr lang="ru-RU" b="1" dirty="0"/>
-              <a:t>разметки:</a:t>
-            </a:r>
-            <a:r>
-              <a:rPr lang="ru-RU" dirty="0"/>
-              <a:t> Целевая патология / отсутствие целевой патологии; бинарные маски </a:t>
-            </a:r>
-            <a:r>
-              <a:rPr lang="ru-RU" dirty="0" smtClean="0"/>
-              <a:t>изображений</a:t>
-            </a:r>
-          </a:p>
-          <a:p>
-            <a:r>
-              <a:rPr lang="ru-RU" b="1" dirty="0" smtClean="0"/>
-              <a:t>Форматы </a:t>
-            </a:r>
-            <a:r>
-              <a:rPr lang="ru-RU" b="1" dirty="0"/>
-              <a:t>записи набора </a:t>
-            </a:r>
-            <a:r>
-              <a:rPr lang="ru-RU" b="1" dirty="0" smtClean="0"/>
-              <a:t>данных</a:t>
-            </a:r>
-          </a:p>
-          <a:p>
-            <a:pPr>
-              <a:buNone/>
-            </a:pPr>
-            <a:r>
-              <a:rPr lang="ru-RU" b="1" dirty="0"/>
-              <a:t>	</a:t>
-            </a:r>
-            <a:r>
-              <a:rPr lang="ru-RU" b="1" dirty="0" smtClean="0"/>
-              <a:t>Объект </a:t>
-            </a:r>
-            <a:r>
-              <a:rPr lang="ru-RU" b="1" dirty="0"/>
-              <a:t>разметки:</a:t>
-            </a:r>
-            <a:r>
-              <a:rPr lang="ru-RU" dirty="0"/>
-              <a:t> </a:t>
+            <a:r>
+              <a:rPr lang="ru-RU" dirty="0"/>
+              <a:t> согласно -Базовые диагностические требования от августа </a:t>
             </a:r>
             <a:r>
               <a:rPr lang="ru-RU" dirty="0" err="1" smtClean="0"/>
-              <a:t>NIFTI</a:t>
+              <a:t>2021г</a:t>
             </a:r>
             <a:endParaRPr lang="ru-RU" dirty="0" smtClean="0"/>
           </a:p>
           <a:p>
-            <a:pPr>
-              <a:buNone/>
-            </a:pPr>
-            <a:r>
-              <a:rPr lang="ru-RU" b="1" dirty="0"/>
-              <a:t>	</a:t>
-            </a:r>
-            <a:r>
-              <a:rPr lang="ru-RU" b="1" dirty="0" smtClean="0"/>
-              <a:t>Результат </a:t>
-            </a:r>
-            <a:r>
-              <a:rPr lang="ru-RU" b="1" dirty="0"/>
-              <a:t>разметки:</a:t>
-            </a:r>
-            <a:r>
-              <a:rPr lang="ru-RU" dirty="0"/>
-              <a:t> </a:t>
-            </a:r>
-            <a:r>
-              <a:rPr lang="ru-RU" dirty="0" smtClean="0"/>
-              <a:t>Табличный</a:t>
-            </a:r>
-          </a:p>
-          <a:p>
-            <a:r>
-              <a:rPr lang="ru-RU" b="1" dirty="0" smtClean="0"/>
-              <a:t>Объем данных</a:t>
-            </a:r>
-          </a:p>
-          <a:p>
-            <a:pPr>
-              <a:buNone/>
-            </a:pPr>
-            <a:r>
-              <a:rPr lang="ru-RU" b="1" dirty="0"/>
-              <a:t>	</a:t>
-            </a:r>
             <a:r>
               <a:rPr lang="ru-RU" b="1" dirty="0" smtClean="0"/>
               <a:t>Количество </a:t>
             </a:r>
             <a:r>
               <a:rPr lang="ru-RU" b="1" dirty="0"/>
-              <a:t>исследований набора данных:</a:t>
+              <a:t>классов:</a:t>
             </a:r>
             <a:r>
               <a:rPr lang="ru-RU" dirty="0"/>
@@ -5302,36 +4976,129 @@
             </a:r>
             <a:r>
               <a:rPr lang="ru-RU" dirty="0" smtClean="0"/>
-              <a:t>1110</a:t>
-            </a:r>
-          </a:p>
-          <a:p>
-            <a:pPr>
-              <a:buNone/>
-            </a:pPr>
+              <a:t>2</a:t>
+            </a:r>
+          </a:p>
+          <a:p>
+            <a:r>
+              <a:rPr lang="ru-RU" b="1" dirty="0" smtClean="0"/>
+              <a:t>Названия </a:t>
+            </a:r>
             <a:r>
               <a:rPr lang="ru-RU" b="1" dirty="0"/>
-              <a:t>	</a:t>
-            </a:r>
+              <a:t>классов:</a:t>
+            </a:r>
+            <a:r>
+              <a:rPr lang="ru-RU" dirty="0"/>
+              <a:t> Без целевой патологии - 0; С целевой патологией </a:t>
+            </a:r>
+            <a:r>
+              <a:rPr lang="ru-RU" dirty="0" smtClean="0"/>
+              <a:t>– 1</a:t>
+            </a:r>
+          </a:p>
+          <a:p>
             <a:r>
               <a:rPr lang="ru-RU" b="1" dirty="0" smtClean="0"/>
               <a:t>Количество </a:t>
             </a:r>
             <a:r>
               <a:rPr lang="ru-RU" b="1" dirty="0"/>
-              <a:t>уникальных источников (</a:t>
+              <a:t>по классам:</a:t>
+            </a:r>
+            <a:r>
+              <a:rPr lang="ru-RU" dirty="0"/>
+              <a:t> КТ-0 ― 254 (22,8%), КТ-1 ― 684 (61,6%), КТ-2 ― 125 (11,3%), КТ-3 ― 45 (4,1%), КТ-4 ― 2 (0,2</a:t>
+            </a:r>
+            <a:r>
+              <a:rPr lang="ru-RU" dirty="0" smtClean="0"/>
+              <a:t>%).</a:t>
+            </a:r>
+          </a:p>
+          <a:p>
+            <a:r>
+              <a:rPr lang="ru-RU" b="1" dirty="0" smtClean="0"/>
+              <a:t>Критерии </a:t>
+            </a:r>
+            <a:r>
+              <a:rPr lang="ru-RU" b="1" dirty="0"/>
+              <a:t>отнесения к </a:t>
             </a:r>
             <a:r>
               <a:rPr lang="ru-RU" b="1" dirty="0" err="1"/>
-              <a:t>ДУ</a:t>
+              <a:t>классам:</a:t>
+            </a:r>
+            <a:r>
+              <a:rPr lang="ru-RU" dirty="0" err="1"/>
+              <a:t>С</a:t>
+            </a:r>
+            <a:r>
+              <a:rPr lang="ru-RU" dirty="0"/>
+              <a:t> патологией:</a:t>
+            </a:r>
+          </a:p>
+          <a:p>
+            <a:r>
+              <a:rPr lang="ru-RU" dirty="0"/>
+              <a:t>Инфильтрация легочной паренхимы по типу матовых стекол с обеих сторон, преимущественно периферической локализации с или без инфильтрацией легочной паренхимы по типу консолидации с положительным признаком воздушной </a:t>
+            </a:r>
+            <a:r>
+              <a:rPr lang="ru-RU" dirty="0" err="1"/>
+              <a:t>бронхограммы</a:t>
+            </a:r>
+            <a:r>
+              <a:rPr lang="ru-RU" dirty="0"/>
+              <a:t>;</a:t>
+            </a:r>
+          </a:p>
+          <a:p>
+            <a:r>
+              <a:rPr lang="ru-RU" dirty="0"/>
+              <a:t>Инфильтрация легочной паренхимы по типу булыжной мостовой (утолщение </a:t>
+            </a:r>
+            <a:r>
+              <a:rPr lang="ru-RU" dirty="0" err="1"/>
+              <a:t>междолькового</a:t>
+            </a:r>
+            <a:r>
+              <a:rPr lang="ru-RU" dirty="0"/>
+              <a:t> </a:t>
+            </a:r>
+            <a:r>
+              <a:rPr lang="ru-RU" dirty="0" err="1"/>
+              <a:t>интерстиция</a:t>
+            </a:r>
+            <a:r>
+              <a:rPr lang="ru-RU" dirty="0"/>
+              <a:t> на фоне матового стекла) с обеих сторон, преимущественно периферической локализации, с или или без инфильтрацией легочной паренхимы по типу консолидации с положительным признаком воздушной </a:t>
+            </a:r>
+            <a:r>
+              <a:rPr lang="ru-RU" dirty="0" err="1"/>
+              <a:t>бронхограммы</a:t>
+            </a:r>
+            <a:r>
+              <a:rPr lang="ru-RU" dirty="0"/>
+              <a:t>.</a:t>
+            </a:r>
+          </a:p>
+          <a:p>
+            <a:r>
+              <a:rPr lang="ru-RU" dirty="0"/>
+              <a:t>Без патологии: отсутствие вышеперечисленных признаков</a:t>
+            </a:r>
+          </a:p>
+          <a:p>
+            <a:r>
+              <a:rPr lang="ru-RU" b="1" dirty="0" err="1"/>
+              <a:t>ВерификацияМетод</a:t>
             </a:r>
             <a:r>
               <a:rPr lang="ru-RU" b="1" dirty="0"/>
-              <a:t>):</a:t>
-            </a:r>
-            <a:r>
-              <a:rPr lang="ru-RU" dirty="0"/>
-              <a:t> 48</a:t>
+              <a:t> верификации:</a:t>
+            </a:r>
+            <a:r>
+              <a:rPr lang="ru-RU" dirty="0"/>
+              <a:t> Экспертная оценка разметки (1 эксперт либо консенсус)</a:t>
             </a:r>
           </a:p>
           <a:p>
@@ -5348,6 +5115,345 @@
 </file>
 
 <file path=ppt/slides/slide22.xml><?xml version="1.0" encoding="utf-8"?>
+<p:sld xmlns:a="http://schemas.openxmlformats.org/drawingml/2006/main" xmlns:r="http://schemas.openxmlformats.org/officeDocument/2006/relationships" xmlns:p="http://schemas.openxmlformats.org/presentationml/2006/main">
+  <p:cSld>
+    <p:spTree>
+      <p:nvGrpSpPr>
+        <p:cNvPr id="1" name=""/>
+        <p:cNvGrpSpPr/>
+        <p:nvPr/>
+      </p:nvGrpSpPr>
+      <p:grpSpPr>
+        <a:xfrm>
+          <a:off x="0" y="0"/>
+          <a:ext cx="0" cy="0"/>
+          <a:chOff x="0" y="0"/>
+          <a:chExt cx="0" cy="0"/>
+        </a:xfrm>
+      </p:grpSpPr>
+      <p:sp>
+        <p:nvSpPr>
+          <p:cNvPr id="2" name="Заголовок 1"/>
+          <p:cNvSpPr>
+            <a:spLocks noGrp="1"/>
+          </p:cNvSpPr>
+          <p:nvPr>
+            <p:ph type="title"/>
+          </p:nvPr>
+        </p:nvSpPr>
+        <p:spPr/>
+        <p:txBody>
+          <a:bodyPr>
+            <a:normAutofit/>
+          </a:bodyPr>
+          <a:lstStyle/>
+          <a:p>
+            <a:r>
+              <a:rPr lang="ru-RU" dirty="0" smtClean="0">
+                <a:hlinkClick r:id="rId2"/>
+              </a:rPr>
+              <a:t>Технические параметры</a:t>
+            </a:r>
+            <a:endParaRPr lang="ru-RU" dirty="0"/>
+          </a:p>
+        </p:txBody>
+      </p:sp>
+      <p:sp>
+        <p:nvSpPr>
+          <p:cNvPr id="3" name="Содержимое 2"/>
+          <p:cNvSpPr>
+            <a:spLocks noGrp="1"/>
+          </p:cNvSpPr>
+          <p:nvPr>
+            <p:ph idx="1"/>
+          </p:nvPr>
+        </p:nvSpPr>
+        <p:spPr/>
+        <p:txBody>
+          <a:bodyPr>
+            <a:normAutofit fontScale="47500" lnSpcReduction="20000"/>
+          </a:bodyPr>
+          <a:lstStyle/>
+          <a:p>
+            <a:r>
+              <a:rPr lang="ru-RU" b="1" dirty="0" smtClean="0"/>
+              <a:t>Условия </a:t>
+            </a:r>
+            <a:r>
+              <a:rPr lang="ru-RU" b="1" dirty="0"/>
+              <a:t>сбора </a:t>
+            </a:r>
+            <a:r>
+              <a:rPr lang="ru-RU" b="1" dirty="0" smtClean="0"/>
+              <a:t>данных</a:t>
+            </a:r>
+          </a:p>
+          <a:p>
+            <a:pPr>
+              <a:buNone/>
+            </a:pPr>
+            <a:r>
+              <a:rPr lang="ru-RU" b="1" dirty="0" smtClean="0"/>
+              <a:t>	Критерии </a:t>
+            </a:r>
+            <a:r>
+              <a:rPr lang="ru-RU" b="1" dirty="0"/>
+              <a:t>включения/</a:t>
+            </a:r>
+            <a:r>
+              <a:rPr lang="ru-RU" b="1" dirty="0" err="1"/>
+              <a:t>невключения</a:t>
+            </a:r>
+            <a:r>
+              <a:rPr lang="ru-RU" b="1" dirty="0"/>
+              <a:t> исследования в </a:t>
+            </a:r>
+            <a:r>
+              <a:rPr lang="ru-RU" b="1" dirty="0" err="1"/>
+              <a:t>датасет:</a:t>
+            </a:r>
+            <a:r>
+              <a:rPr lang="ru-RU" dirty="0" err="1"/>
+              <a:t>Сбор</a:t>
+            </a:r>
+            <a:r>
+              <a:rPr lang="ru-RU" dirty="0"/>
+              <a:t> данных осуществлялся в 48 медицинских организаций в период с 1 марта по 25 апреля 2020 г у пациентов с подозрением на изменения в легких при </a:t>
+            </a:r>
+            <a:r>
+              <a:rPr lang="ru-RU" dirty="0" err="1"/>
+              <a:t>COVID-19</a:t>
+            </a:r>
+            <a:endParaRPr lang="ru-RU" dirty="0"/>
+          </a:p>
+          <a:p>
+            <a:pPr>
+              <a:buNone/>
+            </a:pPr>
+            <a:r>
+              <a:rPr lang="ru-RU" b="1" dirty="0" smtClean="0"/>
+              <a:t>	Протоколы </a:t>
+            </a:r>
+            <a:r>
+              <a:rPr lang="ru-RU" b="1" dirty="0"/>
+              <a:t>и условия сбора </a:t>
+            </a:r>
+            <a:r>
+              <a:rPr lang="ru-RU" b="1" dirty="0" err="1"/>
+              <a:t>данных:</a:t>
+            </a:r>
+            <a:r>
+              <a:rPr lang="ru-RU" dirty="0" err="1"/>
+              <a:t>КТ-протокол</a:t>
+            </a:r>
+            <a:r>
+              <a:rPr lang="ru-RU" dirty="0"/>
+              <a:t> сканирования </a:t>
+            </a:r>
+            <a:r>
+              <a:rPr lang="ru-RU" dirty="0" err="1"/>
+              <a:t>Chest</a:t>
+            </a:r>
+            <a:r>
+              <a:rPr lang="ru-RU" dirty="0"/>
+              <a:t> (рутинные КТ грудной клетки), сканирование выполнено в положении пациента на спине, при задержке дыхания на глубине вдоха, руки убраны за голову</a:t>
+            </a:r>
+          </a:p>
+          <a:p>
+            <a:r>
+              <a:rPr lang="ru-RU" b="1" dirty="0"/>
+              <a:t>Единичная запись набора </a:t>
+            </a:r>
+            <a:r>
+              <a:rPr lang="ru-RU" b="1" dirty="0" smtClean="0"/>
+              <a:t>данных</a:t>
+            </a:r>
+          </a:p>
+          <a:p>
+            <a:pPr>
+              <a:buNone/>
+            </a:pPr>
+            <a:r>
+              <a:rPr lang="ru-RU" b="1" dirty="0"/>
+              <a:t>	</a:t>
+            </a:r>
+            <a:r>
+              <a:rPr lang="ru-RU" b="1" dirty="0" smtClean="0"/>
+              <a:t>Объект </a:t>
+            </a:r>
+            <a:r>
+              <a:rPr lang="ru-RU" b="1" dirty="0"/>
+              <a:t>разметки:</a:t>
+            </a:r>
+            <a:r>
+              <a:rPr lang="ru-RU" dirty="0"/>
+              <a:t> </a:t>
+            </a:r>
+            <a:r>
+              <a:rPr lang="ru-RU" dirty="0" smtClean="0"/>
+              <a:t>Исследование</a:t>
+            </a:r>
+          </a:p>
+          <a:p>
+            <a:pPr>
+              <a:buNone/>
+            </a:pPr>
+            <a:r>
+              <a:rPr lang="ru-RU" b="1" dirty="0" smtClean="0"/>
+              <a:t>	Результат </a:t>
+            </a:r>
+            <a:r>
+              <a:rPr lang="ru-RU" b="1" dirty="0"/>
+              <a:t>разметки:</a:t>
+            </a:r>
+            <a:r>
+              <a:rPr lang="ru-RU" dirty="0"/>
+              <a:t> Целевая патология / отсутствие целевой патологии; бинарные маски </a:t>
+            </a:r>
+            <a:r>
+              <a:rPr lang="ru-RU" dirty="0" smtClean="0"/>
+              <a:t>изображений</a:t>
+            </a:r>
+          </a:p>
+          <a:p>
+            <a:r>
+              <a:rPr lang="ru-RU" b="1" dirty="0" smtClean="0"/>
+              <a:t>Форматы </a:t>
+            </a:r>
+            <a:r>
+              <a:rPr lang="ru-RU" b="1" dirty="0"/>
+              <a:t>записи набора </a:t>
+            </a:r>
+            <a:r>
+              <a:rPr lang="ru-RU" b="1" dirty="0" smtClean="0"/>
+              <a:t>данных</a:t>
+            </a:r>
+          </a:p>
+          <a:p>
+            <a:pPr>
+              <a:buNone/>
+            </a:pPr>
+            <a:r>
+              <a:rPr lang="ru-RU" b="1" dirty="0"/>
+              <a:t>	</a:t>
+            </a:r>
+            <a:r>
+              <a:rPr lang="ru-RU" b="1" dirty="0" smtClean="0"/>
+              <a:t>Объект </a:t>
+            </a:r>
+            <a:r>
+              <a:rPr lang="ru-RU" b="1" dirty="0"/>
+              <a:t>разметки:</a:t>
+            </a:r>
+            <a:r>
+              <a:rPr lang="ru-RU" dirty="0"/>
+              <a:t> </a:t>
+            </a:r>
+            <a:r>
+              <a:rPr lang="ru-RU" dirty="0" err="1" smtClean="0"/>
+              <a:t>NIFTI</a:t>
+            </a:r>
+            <a:endParaRPr lang="ru-RU" dirty="0" smtClean="0"/>
+          </a:p>
+          <a:p>
+            <a:pPr>
+              <a:buNone/>
+            </a:pPr>
+            <a:r>
+              <a:rPr lang="ru-RU" b="1" dirty="0"/>
+              <a:t>	</a:t>
+            </a:r>
+            <a:r>
+              <a:rPr lang="ru-RU" b="1" dirty="0" smtClean="0"/>
+              <a:t>Результат </a:t>
+            </a:r>
+            <a:r>
+              <a:rPr lang="ru-RU" b="1" dirty="0"/>
+              <a:t>разметки:</a:t>
+            </a:r>
+            <a:r>
+              <a:rPr lang="ru-RU" dirty="0"/>
+              <a:t> </a:t>
+            </a:r>
+            <a:r>
+              <a:rPr lang="ru-RU" dirty="0" smtClean="0"/>
+              <a:t>Табличный</a:t>
+            </a:r>
+          </a:p>
+          <a:p>
+            <a:r>
+              <a:rPr lang="ru-RU" b="1" dirty="0" smtClean="0"/>
+              <a:t>Объем данных</a:t>
+            </a:r>
+          </a:p>
+          <a:p>
+            <a:pPr>
+              <a:buNone/>
+            </a:pPr>
+            <a:r>
+              <a:rPr lang="ru-RU" b="1" dirty="0"/>
+              <a:t>	</a:t>
+            </a:r>
+            <a:r>
+              <a:rPr lang="ru-RU" b="1" dirty="0" smtClean="0"/>
+              <a:t>Количество </a:t>
+            </a:r>
+            <a:r>
+              <a:rPr lang="ru-RU" b="1" dirty="0"/>
+              <a:t>исследований набора данных:</a:t>
+            </a:r>
+            <a:r>
+              <a:rPr lang="ru-RU" dirty="0"/>
+              <a:t> </a:t>
+            </a:r>
+            <a:r>
+              <a:rPr lang="ru-RU" dirty="0" smtClean="0"/>
+              <a:t>1110</a:t>
+            </a:r>
+          </a:p>
+          <a:p>
+            <a:pPr>
+              <a:buNone/>
+            </a:pPr>
+            <a:r>
+              <a:rPr lang="ru-RU" b="1" dirty="0"/>
+              <a:t>	</a:t>
+            </a:r>
+            <a:r>
+              <a:rPr lang="ru-RU" b="1" dirty="0" smtClean="0"/>
+              <a:t>Количество </a:t>
+            </a:r>
+            <a:r>
+              <a:rPr lang="ru-RU" b="1" dirty="0"/>
+              <a:t>уникальных источников (</a:t>
+            </a:r>
+            <a:r>
+              <a:rPr lang="ru-RU" b="1" dirty="0" err="1"/>
+              <a:t>ДУ</a:t>
+            </a:r>
+            <a:r>
+              <a:rPr lang="ru-RU" b="1" dirty="0"/>
+              <a:t>):</a:t>
+            </a:r>
+            <a:r>
+              <a:rPr lang="ru-RU" dirty="0"/>
+              <a:t> 48</a:t>
+            </a:r>
+          </a:p>
+          <a:p>
+            <a:endParaRPr lang="ru-RU" dirty="0"/>
+          </a:p>
+        </p:txBody>
+      </p:sp>
+    </p:spTree>
+  </p:cSld>
+  <p:clrMapOvr>
+    <a:masterClrMapping/>
+  </p:clrMapOvr>
+</p:sld>
+</file>
+
+<file path=ppt/slides/slide23.xml><?xml version="1.0" encoding="utf-8"?>
 <p:sld xmlns:a="http://schemas.openxmlformats.org/drawingml/2006/main" xmlns:r="http://schemas.openxmlformats.org/officeDocument/2006/relationships" xmlns:p="http://schemas.openxmlformats.org/presentationml/2006/main">
   <p:cSld>
     <p:spTree>
@@ -5430,7 +5536,91 @@
 </p:sld>
 </file>
 
-<file path=ppt/slides/slide23.xml><?xml version="1.0" encoding="utf-8"?>
+<file path=ppt/slides/slide24.xml><?xml version="1.0" encoding="utf-8"?>
+<p:sld xmlns:a="http://schemas.openxmlformats.org/drawingml/2006/main" xmlns:r="http://schemas.openxmlformats.org/officeDocument/2006/relationships" xmlns:p="http://schemas.openxmlformats.org/presentationml/2006/main">
+  <p:cSld>
+    <p:spTree>
+      <p:nvGrpSpPr>
+        <p:cNvPr id="1" name=""/>
+        <p:cNvGrpSpPr/>
+        <p:nvPr/>
+      </p:nvGrpSpPr>
+      <p:grpSpPr>
+        <a:xfrm>
+          <a:off x="0" y="0"/>
+          <a:ext cx="0" cy="0"/>
+          <a:chOff x="0" y="0"/>
+          <a:chExt cx="0" cy="0"/>
+        </a:xfrm>
+      </p:grpSpPr>
+      <p:sp>
+        <p:nvSpPr>
+          <p:cNvPr id="2" name="Заголовок 1"/>
+          <p:cNvSpPr>
+            <a:spLocks noGrp="1"/>
+          </p:cNvSpPr>
+          <p:nvPr>
+            <p:ph type="title"/>
+          </p:nvPr>
+        </p:nvSpPr>
+        <p:spPr/>
+        <p:txBody>
+          <a:bodyPr>
+            <a:normAutofit fontScale="90000"/>
+          </a:bodyPr>
+          <a:lstStyle/>
+          <a:p>
+            <a:r>
+              <a:rPr lang="ru-RU" dirty="0" smtClean="0"/>
+              <a:t>Сколько фирм у нас и там занимаются ИИ</a:t>
+            </a:r>
+            <a:endParaRPr lang="ru-RU" dirty="0"/>
+          </a:p>
+        </p:txBody>
+      </p:sp>
+      <p:pic>
+        <p:nvPicPr>
+          <p:cNvPr id="1026" name="Picture 2"/>
+          <p:cNvPicPr>
+            <a:picLocks noGrp="1" noChangeAspect="1" noChangeArrowheads="1"/>
+          </p:cNvPicPr>
+          <p:nvPr>
+            <p:ph idx="1"/>
+          </p:nvPr>
+        </p:nvPicPr>
+        <p:blipFill>
+          <a:blip r:embed="rId2" cstate="print"/>
+          <a:srcRect/>
+          <a:stretch>
+            <a:fillRect/>
+          </a:stretch>
+        </p:blipFill>
+        <p:spPr bwMode="auto">
+          <a:xfrm>
+            <a:off x="2960370" y="2994501"/>
+            <a:ext cx="3223260" cy="1737360"/>
+          </a:xfrm>
+          <a:prstGeom prst="rect">
+            <a:avLst/>
+          </a:prstGeom>
+          <a:noFill/>
+          <a:ln w="9525">
+            <a:noFill/>
+            <a:miter lim="800000"/>
+            <a:headEnd/>
+            <a:tailEnd/>
+          </a:ln>
+        </p:spPr>
+      </p:pic>
+    </p:spTree>
+  </p:cSld>
+  <p:clrMapOvr>
+    <a:masterClrMapping/>
+  </p:clrMapOvr>
+</p:sld>
+</file>
+
+<file path=ppt/slides/slide25.xml><?xml version="1.0" encoding="utf-8"?>
 <p:sld xmlns:a="http://schemas.openxmlformats.org/drawingml/2006/main" xmlns:r="http://schemas.openxmlformats.org/officeDocument/2006/relationships" xmlns:p="http://schemas.openxmlformats.org/presentationml/2006/main">
   <p:cSld>
     <p:spTree>

--- a/slides.pptx
+++ b/slides.pptx
@@ -313,7 +313,7 @@
             <a:fld id="{C2263E29-338E-49D6-9AED-D5FCECFDFDCF}" type="datetimeFigureOut">
               <a:rPr lang="ru-RU" smtClean="0"/>
               <a:pPr/>
-              <a:t>21.05.2022</a:t>
+              <a:t>23.05.2022</a:t>
             </a:fld>
             <a:endParaRPr lang="ru-RU"/>
           </a:p>
@@ -480,7 +480,7 @@
             <a:fld id="{C2263E29-338E-49D6-9AED-D5FCECFDFDCF}" type="datetimeFigureOut">
               <a:rPr lang="ru-RU" smtClean="0"/>
               <a:pPr/>
-              <a:t>21.05.2022</a:t>
+              <a:t>23.05.2022</a:t>
             </a:fld>
             <a:endParaRPr lang="ru-RU"/>
           </a:p>
@@ -657,7 +657,7 @@
             <a:fld id="{C2263E29-338E-49D6-9AED-D5FCECFDFDCF}" type="datetimeFigureOut">
               <a:rPr lang="ru-RU" smtClean="0"/>
               <a:pPr/>
-              <a:t>21.05.2022</a:t>
+              <a:t>23.05.2022</a:t>
             </a:fld>
             <a:endParaRPr lang="ru-RU"/>
           </a:p>
@@ -824,7 +824,7 @@
             <a:fld id="{C2263E29-338E-49D6-9AED-D5FCECFDFDCF}" type="datetimeFigureOut">
               <a:rPr lang="ru-RU" smtClean="0"/>
               <a:pPr/>
-              <a:t>21.05.2022</a:t>
+              <a:t>23.05.2022</a:t>
             </a:fld>
             <a:endParaRPr lang="ru-RU"/>
           </a:p>
@@ -1067,7 +1067,7 @@
             <a:fld id="{C2263E29-338E-49D6-9AED-D5FCECFDFDCF}" type="datetimeFigureOut">
               <a:rPr lang="ru-RU" smtClean="0"/>
               <a:pPr/>
-              <a:t>21.05.2022</a:t>
+              <a:t>23.05.2022</a:t>
             </a:fld>
             <a:endParaRPr lang="ru-RU"/>
           </a:p>
@@ -1352,7 +1352,7 @@
             <a:fld id="{C2263E29-338E-49D6-9AED-D5FCECFDFDCF}" type="datetimeFigureOut">
               <a:rPr lang="ru-RU" smtClean="0"/>
               <a:pPr/>
-              <a:t>21.05.2022</a:t>
+              <a:t>23.05.2022</a:t>
             </a:fld>
             <a:endParaRPr lang="ru-RU"/>
           </a:p>
@@ -1771,7 +1771,7 @@
             <a:fld id="{C2263E29-338E-49D6-9AED-D5FCECFDFDCF}" type="datetimeFigureOut">
               <a:rPr lang="ru-RU" smtClean="0"/>
               <a:pPr/>
-              <a:t>21.05.2022</a:t>
+              <a:t>23.05.2022</a:t>
             </a:fld>
             <a:endParaRPr lang="ru-RU"/>
           </a:p>
@@ -1886,7 +1886,7 @@
             <a:fld id="{C2263E29-338E-49D6-9AED-D5FCECFDFDCF}" type="datetimeFigureOut">
               <a:rPr lang="ru-RU" smtClean="0"/>
               <a:pPr/>
-              <a:t>21.05.2022</a:t>
+              <a:t>23.05.2022</a:t>
             </a:fld>
             <a:endParaRPr lang="ru-RU"/>
           </a:p>
@@ -1978,7 +1978,7 @@
             <a:fld id="{C2263E29-338E-49D6-9AED-D5FCECFDFDCF}" type="datetimeFigureOut">
               <a:rPr lang="ru-RU" smtClean="0"/>
               <a:pPr/>
-              <a:t>21.05.2022</a:t>
+              <a:t>23.05.2022</a:t>
             </a:fld>
             <a:endParaRPr lang="ru-RU"/>
           </a:p>
@@ -2252,7 +2252,7 @@
             <a:fld id="{C2263E29-338E-49D6-9AED-D5FCECFDFDCF}" type="datetimeFigureOut">
               <a:rPr lang="ru-RU" smtClean="0"/>
               <a:pPr/>
-              <a:t>21.05.2022</a:t>
+              <a:t>23.05.2022</a:t>
             </a:fld>
             <a:endParaRPr lang="ru-RU"/>
           </a:p>
@@ -2502,7 +2502,7 @@
             <a:fld id="{C2263E29-338E-49D6-9AED-D5FCECFDFDCF}" type="datetimeFigureOut">
               <a:rPr lang="ru-RU" smtClean="0"/>
               <a:pPr/>
-              <a:t>21.05.2022</a:t>
+              <a:t>23.05.2022</a:t>
             </a:fld>
             <a:endParaRPr lang="ru-RU"/>
           </a:p>
@@ -2712,7 +2712,7 @@
             <a:fld id="{C2263E29-338E-49D6-9AED-D5FCECFDFDCF}" type="datetimeFigureOut">
               <a:rPr lang="ru-RU" smtClean="0"/>
               <a:pPr/>
-              <a:t>21.05.2022</a:t>
+              <a:t>23.05.2022</a:t>
             </a:fld>
             <a:endParaRPr lang="ru-RU"/>
           </a:p>

--- a/slides.pptx
+++ b/slides.pptx
@@ -9,27 +9,31 @@
     <p:sldId id="265" r:id="rId3"/>
     <p:sldId id="266" r:id="rId4"/>
     <p:sldId id="268" r:id="rId5"/>
-    <p:sldId id="267" r:id="rId6"/>
-    <p:sldId id="269" r:id="rId7"/>
-    <p:sldId id="273" r:id="rId8"/>
-    <p:sldId id="274" r:id="rId9"/>
-    <p:sldId id="275" r:id="rId10"/>
-    <p:sldId id="277" r:id="rId11"/>
-    <p:sldId id="276" r:id="rId12"/>
-    <p:sldId id="278" r:id="rId13"/>
-    <p:sldId id="270" r:id="rId14"/>
-    <p:sldId id="272" r:id="rId15"/>
-    <p:sldId id="280" r:id="rId16"/>
-    <p:sldId id="279" r:id="rId17"/>
-    <p:sldId id="264" r:id="rId18"/>
-    <p:sldId id="259" r:id="rId19"/>
-    <p:sldId id="260" r:id="rId20"/>
-    <p:sldId id="262" r:id="rId21"/>
-    <p:sldId id="261" r:id="rId22"/>
-    <p:sldId id="263" r:id="rId23"/>
-    <p:sldId id="258" r:id="rId24"/>
-    <p:sldId id="281" r:id="rId25"/>
-    <p:sldId id="257" r:id="rId26"/>
+    <p:sldId id="282" r:id="rId6"/>
+    <p:sldId id="283" r:id="rId7"/>
+    <p:sldId id="284" r:id="rId8"/>
+    <p:sldId id="285" r:id="rId9"/>
+    <p:sldId id="267" r:id="rId10"/>
+    <p:sldId id="269" r:id="rId11"/>
+    <p:sldId id="273" r:id="rId12"/>
+    <p:sldId id="274" r:id="rId13"/>
+    <p:sldId id="275" r:id="rId14"/>
+    <p:sldId id="277" r:id="rId15"/>
+    <p:sldId id="276" r:id="rId16"/>
+    <p:sldId id="278" r:id="rId17"/>
+    <p:sldId id="270" r:id="rId18"/>
+    <p:sldId id="272" r:id="rId19"/>
+    <p:sldId id="280" r:id="rId20"/>
+    <p:sldId id="279" r:id="rId21"/>
+    <p:sldId id="264" r:id="rId22"/>
+    <p:sldId id="259" r:id="rId23"/>
+    <p:sldId id="260" r:id="rId24"/>
+    <p:sldId id="262" r:id="rId25"/>
+    <p:sldId id="261" r:id="rId26"/>
+    <p:sldId id="263" r:id="rId27"/>
+    <p:sldId id="258" r:id="rId28"/>
+    <p:sldId id="281" r:id="rId29"/>
+    <p:sldId id="257" r:id="rId30"/>
   </p:sldIdLst>
   <p:sldSz cx="9144000" cy="6858000" type="screen4x3"/>
   <p:notesSz cx="6858000" cy="9144000"/>
@@ -313,7 +317,7 @@
             <a:fld id="{C2263E29-338E-49D6-9AED-D5FCECFDFDCF}" type="datetimeFigureOut">
               <a:rPr lang="ru-RU" smtClean="0"/>
               <a:pPr/>
-              <a:t>23.05.2022</a:t>
+              <a:t>28.05.2022</a:t>
             </a:fld>
             <a:endParaRPr lang="ru-RU"/>
           </a:p>
@@ -480,7 +484,7 @@
             <a:fld id="{C2263E29-338E-49D6-9AED-D5FCECFDFDCF}" type="datetimeFigureOut">
               <a:rPr lang="ru-RU" smtClean="0"/>
               <a:pPr/>
-              <a:t>23.05.2022</a:t>
+              <a:t>28.05.2022</a:t>
             </a:fld>
             <a:endParaRPr lang="ru-RU"/>
           </a:p>
@@ -657,7 +661,7 @@
             <a:fld id="{C2263E29-338E-49D6-9AED-D5FCECFDFDCF}" type="datetimeFigureOut">
               <a:rPr lang="ru-RU" smtClean="0"/>
               <a:pPr/>
-              <a:t>23.05.2022</a:t>
+              <a:t>28.05.2022</a:t>
             </a:fld>
             <a:endParaRPr lang="ru-RU"/>
           </a:p>
@@ -824,7 +828,7 @@
             <a:fld id="{C2263E29-338E-49D6-9AED-D5FCECFDFDCF}" type="datetimeFigureOut">
               <a:rPr lang="ru-RU" smtClean="0"/>
               <a:pPr/>
-              <a:t>23.05.2022</a:t>
+              <a:t>28.05.2022</a:t>
             </a:fld>
             <a:endParaRPr lang="ru-RU"/>
           </a:p>
@@ -1067,7 +1071,7 @@
             <a:fld id="{C2263E29-338E-49D6-9AED-D5FCECFDFDCF}" type="datetimeFigureOut">
               <a:rPr lang="ru-RU" smtClean="0"/>
               <a:pPr/>
-              <a:t>23.05.2022</a:t>
+              <a:t>28.05.2022</a:t>
             </a:fld>
             <a:endParaRPr lang="ru-RU"/>
           </a:p>
@@ -1352,7 +1356,7 @@
             <a:fld id="{C2263E29-338E-49D6-9AED-D5FCECFDFDCF}" type="datetimeFigureOut">
               <a:rPr lang="ru-RU" smtClean="0"/>
               <a:pPr/>
-              <a:t>23.05.2022</a:t>
+              <a:t>28.05.2022</a:t>
             </a:fld>
             <a:endParaRPr lang="ru-RU"/>
           </a:p>
@@ -1771,7 +1775,7 @@
             <a:fld id="{C2263E29-338E-49D6-9AED-D5FCECFDFDCF}" type="datetimeFigureOut">
               <a:rPr lang="ru-RU" smtClean="0"/>
               <a:pPr/>
-              <a:t>23.05.2022</a:t>
+              <a:t>28.05.2022</a:t>
             </a:fld>
             <a:endParaRPr lang="ru-RU"/>
           </a:p>
@@ -1886,7 +1890,7 @@
             <a:fld id="{C2263E29-338E-49D6-9AED-D5FCECFDFDCF}" type="datetimeFigureOut">
               <a:rPr lang="ru-RU" smtClean="0"/>
               <a:pPr/>
-              <a:t>23.05.2022</a:t>
+              <a:t>28.05.2022</a:t>
             </a:fld>
             <a:endParaRPr lang="ru-RU"/>
           </a:p>
@@ -1978,7 +1982,7 @@
             <a:fld id="{C2263E29-338E-49D6-9AED-D5FCECFDFDCF}" type="datetimeFigureOut">
               <a:rPr lang="ru-RU" smtClean="0"/>
               <a:pPr/>
-              <a:t>23.05.2022</a:t>
+              <a:t>28.05.2022</a:t>
             </a:fld>
             <a:endParaRPr lang="ru-RU"/>
           </a:p>
@@ -2252,7 +2256,7 @@
             <a:fld id="{C2263E29-338E-49D6-9AED-D5FCECFDFDCF}" type="datetimeFigureOut">
               <a:rPr lang="ru-RU" smtClean="0"/>
               <a:pPr/>
-              <a:t>23.05.2022</a:t>
+              <a:t>28.05.2022</a:t>
             </a:fld>
             <a:endParaRPr lang="ru-RU"/>
           </a:p>
@@ -2502,7 +2506,7 @@
             <a:fld id="{C2263E29-338E-49D6-9AED-D5FCECFDFDCF}" type="datetimeFigureOut">
               <a:rPr lang="ru-RU" smtClean="0"/>
               <a:pPr/>
-              <a:t>23.05.2022</a:t>
+              <a:t>28.05.2022</a:t>
             </a:fld>
             <a:endParaRPr lang="ru-RU"/>
           </a:p>
@@ -2712,7 +2716,7 @@
             <a:fld id="{C2263E29-338E-49D6-9AED-D5FCECFDFDCF}" type="datetimeFigureOut">
               <a:rPr lang="ru-RU" smtClean="0"/>
               <a:pPr/>
-              <a:t>23.05.2022</a:t>
+              <a:t>28.05.2022</a:t>
             </a:fld>
             <a:endParaRPr lang="ru-RU"/>
           </a:p>
@@ -3180,13 +3184,25 @@
           <a:bodyPr/>
           <a:lstStyle/>
           <a:p>
-            <a:endParaRPr lang="ru-RU"/>
+            <a:r>
+              <a:rPr lang="ru-RU" dirty="0" smtClean="0"/>
+              <a:t>Архитектура </a:t>
+            </a:r>
+            <a:r>
+              <a:rPr lang="en-US" dirty="0" smtClean="0"/>
+              <a:t> AC-</a:t>
+            </a:r>
+            <a:r>
+              <a:rPr lang="en-US" dirty="0" err="1" smtClean="0"/>
+              <a:t>CovidNet</a:t>
+            </a:r>
+            <a:endParaRPr lang="ru-RU" dirty="0"/>
           </a:p>
         </p:txBody>
       </p:sp>
       <p:pic>
         <p:nvPicPr>
-          <p:cNvPr id="5122" name="Picture 2"/>
+          <p:cNvPr id="1028" name="Picture 4"/>
           <p:cNvPicPr>
             <a:picLocks noGrp="1" noChangeAspect="1" noChangeArrowheads="1"/>
           </p:cNvPicPr>
@@ -3203,8 +3219,8 @@
         </p:blipFill>
         <p:spPr bwMode="auto">
           <a:xfrm>
-            <a:off x="1417580" y="2668464"/>
-            <a:ext cx="6308839" cy="2389435"/>
+            <a:off x="2338925" y="1600200"/>
+            <a:ext cx="4466149" cy="4525963"/>
           </a:xfrm>
           <a:prstGeom prst="rect">
             <a:avLst/>
@@ -3258,13 +3274,21 @@
           <a:bodyPr/>
           <a:lstStyle/>
           <a:p>
-            <a:endParaRPr lang="ru-RU"/>
+            <a:r>
+              <a:rPr lang="ru-RU" dirty="0" smtClean="0"/>
+              <a:t>Архитектура </a:t>
+            </a:r>
+            <a:r>
+              <a:rPr lang="ru-RU" dirty="0" err="1" smtClean="0"/>
+              <a:t>DenseNet</a:t>
+            </a:r>
+            <a:endParaRPr lang="ru-RU" dirty="0"/>
           </a:p>
         </p:txBody>
       </p:sp>
       <p:pic>
         <p:nvPicPr>
-          <p:cNvPr id="4098" name="Picture 2"/>
+          <p:cNvPr id="1026" name="Picture 2"/>
           <p:cNvPicPr>
             <a:picLocks noGrp="1" noChangeAspect="1" noChangeArrowheads="1"/>
           </p:cNvPicPr>
@@ -3281,8 +3305,8 @@
         </p:blipFill>
         <p:spPr bwMode="auto">
           <a:xfrm>
-            <a:off x="1429771" y="2802565"/>
-            <a:ext cx="6284457" cy="2121233"/>
+            <a:off x="1383736" y="2286164"/>
+            <a:ext cx="6376528" cy="3154034"/>
           </a:xfrm>
           <a:prstGeom prst="rect">
             <a:avLst/>
@@ -3338,7 +3362,7 @@
           <a:p>
             <a:r>
               <a:rPr lang="ru-RU" dirty="0" smtClean="0"/>
-              <a:t>Схема ансамбля</a:t>
+              <a:t>Резидентный блок</a:t>
             </a:r>
             <a:endParaRPr lang="ru-RU" dirty="0"/>
           </a:p>
@@ -3346,7 +3370,7 @@
       </p:sp>
       <p:pic>
         <p:nvPicPr>
-          <p:cNvPr id="6146" name="Picture 2"/>
+          <p:cNvPr id="2050" name="Picture 2"/>
           <p:cNvPicPr>
             <a:picLocks noGrp="1" noChangeAspect="1" noChangeArrowheads="1"/>
           </p:cNvPicPr>
@@ -3363,8 +3387,8 @@
         </p:blipFill>
         <p:spPr bwMode="auto">
           <a:xfrm>
-            <a:off x="1406471" y="1712892"/>
-            <a:ext cx="6331057" cy="4300578"/>
+            <a:off x="3031657" y="2601568"/>
+            <a:ext cx="3080685" cy="2523227"/>
           </a:xfrm>
           <a:prstGeom prst="rect">
             <a:avLst/>
@@ -3415,30 +3439,16 @@
         </p:nvSpPr>
         <p:spPr/>
         <p:txBody>
-          <a:bodyPr>
-            <a:normAutofit fontScale="90000"/>
-          </a:bodyPr>
-          <a:lstStyle/>
-          <a:p>
-            <a:r>
-              <a:rPr lang="ru-RU" dirty="0" smtClean="0"/>
-              <a:t>Создание </a:t>
-            </a:r>
-            <a:r>
-              <a:rPr lang="ru-RU" dirty="0" err="1" smtClean="0"/>
-              <a:t>датасетов</a:t>
-            </a:r>
-            <a:r>
-              <a:rPr lang="ru-RU" dirty="0" smtClean="0"/>
-              <a:t> разных конфигураций</a:t>
-            </a:r>
+          <a:bodyPr/>
+          <a:lstStyle/>
+          <a:p>
             <a:endParaRPr lang="ru-RU" dirty="0"/>
           </a:p>
         </p:txBody>
       </p:sp>
       <p:pic>
         <p:nvPicPr>
-          <p:cNvPr id="1026" name="Picture 2"/>
+          <p:cNvPr id="3074" name="Picture 2"/>
           <p:cNvPicPr>
             <a:picLocks noGrp="1" noChangeAspect="1" noChangeArrowheads="1"/>
           </p:cNvPicPr>
@@ -3455,8 +3465,8 @@
         </p:blipFill>
         <p:spPr bwMode="auto">
           <a:xfrm>
-            <a:off x="457200" y="2916068"/>
-            <a:ext cx="8229600" cy="1894227"/>
+            <a:off x="1335291" y="1955291"/>
+            <a:ext cx="6473417" cy="3815781"/>
           </a:xfrm>
           <a:prstGeom prst="rect">
             <a:avLst/>
@@ -3510,17 +3520,13 @@
           <a:bodyPr/>
           <a:lstStyle/>
           <a:p>
-            <a:r>
-              <a:rPr lang="ru-RU" dirty="0" smtClean="0"/>
-              <a:t>Сравнение некоторых моделей</a:t>
-            </a:r>
-            <a:endParaRPr lang="ru-RU" dirty="0"/>
+            <a:endParaRPr lang="ru-RU"/>
           </a:p>
         </p:txBody>
       </p:sp>
       <p:pic>
         <p:nvPicPr>
-          <p:cNvPr id="2050" name="Picture 2"/>
+          <p:cNvPr id="5122" name="Picture 2"/>
           <p:cNvPicPr>
             <a:picLocks noGrp="1" noChangeAspect="1" noChangeArrowheads="1"/>
           </p:cNvPicPr>
@@ -3537,8 +3543,8 @@
         </p:blipFill>
         <p:spPr bwMode="auto">
           <a:xfrm>
-            <a:off x="457200" y="2099696"/>
-            <a:ext cx="8229600" cy="3526971"/>
+            <a:off x="1417580" y="2668464"/>
+            <a:ext cx="6308839" cy="2389435"/>
           </a:xfrm>
           <a:prstGeom prst="rect">
             <a:avLst/>
@@ -3589,45 +3595,47 @@
         </p:nvSpPr>
         <p:spPr/>
         <p:txBody>
-          <a:bodyPr>
-            <a:normAutofit fontScale="90000"/>
-          </a:bodyPr>
-          <a:lstStyle/>
-          <a:p>
-            <a:r>
-              <a:rPr lang="ru-RU" dirty="0" smtClean="0"/>
-              <a:t>Графики обучения модели</a:t>
-            </a:r>
-            <a:br>
-              <a:rPr lang="ru-RU" dirty="0" smtClean="0"/>
-            </a:br>
-            <a:r>
-              <a:rPr lang="ru-RU" dirty="0" smtClean="0"/>
-              <a:t>Параметры модели</a:t>
-            </a:r>
-            <a:endParaRPr lang="ru-RU" dirty="0"/>
-          </a:p>
-        </p:txBody>
-      </p:sp>
-      <p:sp>
-        <p:nvSpPr>
-          <p:cNvPr id="3" name="Содержимое 2"/>
-          <p:cNvSpPr>
-            <a:spLocks noGrp="1"/>
-          </p:cNvSpPr>
+          <a:bodyPr/>
+          <a:lstStyle/>
+          <a:p>
+            <a:endParaRPr lang="ru-RU"/>
+          </a:p>
+        </p:txBody>
+      </p:sp>
+      <p:pic>
+        <p:nvPicPr>
+          <p:cNvPr id="4098" name="Picture 2"/>
+          <p:cNvPicPr>
+            <a:picLocks noGrp="1" noChangeAspect="1" noChangeArrowheads="1"/>
+          </p:cNvPicPr>
           <p:nvPr>
             <p:ph idx="1"/>
           </p:nvPr>
-        </p:nvSpPr>
-        <p:spPr/>
-        <p:txBody>
-          <a:bodyPr/>
-          <a:lstStyle/>
-          <a:p>
-            <a:endParaRPr lang="ru-RU" dirty="0"/>
-          </a:p>
-        </p:txBody>
-      </p:sp>
+        </p:nvPicPr>
+        <p:blipFill>
+          <a:blip r:embed="rId2" cstate="print"/>
+          <a:srcRect/>
+          <a:stretch>
+            <a:fillRect/>
+          </a:stretch>
+        </p:blipFill>
+        <p:spPr bwMode="auto">
+          <a:xfrm>
+            <a:off x="1429771" y="2802565"/>
+            <a:ext cx="6284457" cy="2121233"/>
+          </a:xfrm>
+          <a:prstGeom prst="rect">
+            <a:avLst/>
+          </a:prstGeom>
+          <a:noFill/>
+          <a:ln w="9525">
+            <a:noFill/>
+            <a:miter lim="800000"/>
+            <a:headEnd/>
+            <a:tailEnd/>
+          </a:ln>
+        </p:spPr>
+      </p:pic>
     </p:spTree>
   </p:cSld>
   <p:clrMapOvr>
@@ -3670,55 +3678,46 @@
           <a:p>
             <a:r>
               <a:rPr lang="ru-RU" dirty="0" smtClean="0"/>
-              <a:t>Сравнение </a:t>
-            </a:r>
-            <a:r>
-              <a:rPr lang="en-US" dirty="0" err="1" smtClean="0"/>
-              <a:t>colab</a:t>
-            </a:r>
-            <a:r>
-              <a:rPr lang="en-US" dirty="0" smtClean="0"/>
-              <a:t> </a:t>
-            </a:r>
-            <a:r>
-              <a:rPr lang="ru-RU" dirty="0" smtClean="0"/>
-              <a:t>и </a:t>
-            </a:r>
-            <a:r>
-              <a:rPr lang="en-US" dirty="0" err="1" smtClean="0"/>
-              <a:t>yandex</a:t>
+              <a:t>Схема ансамбля</a:t>
             </a:r>
             <a:endParaRPr lang="ru-RU" dirty="0"/>
           </a:p>
         </p:txBody>
       </p:sp>
-      <p:sp>
-        <p:nvSpPr>
-          <p:cNvPr id="3" name="Содержимое 2"/>
-          <p:cNvSpPr>
-            <a:spLocks noGrp="1"/>
-          </p:cNvSpPr>
+      <p:pic>
+        <p:nvPicPr>
+          <p:cNvPr id="6146" name="Picture 2"/>
+          <p:cNvPicPr>
+            <a:picLocks noGrp="1" noChangeAspect="1" noChangeArrowheads="1"/>
+          </p:cNvPicPr>
           <p:nvPr>
             <p:ph idx="1"/>
           </p:nvPr>
-        </p:nvSpPr>
-        <p:spPr/>
-        <p:txBody>
-          <a:bodyPr/>
-          <a:lstStyle/>
-          <a:p>
-            <a:r>
-              <a:rPr lang="ru-RU" dirty="0" smtClean="0"/>
-              <a:t>Техническое описание какие карты используются и </a:t>
-            </a:r>
-            <a:r>
-              <a:rPr lang="ru-RU" dirty="0" err="1" smtClean="0"/>
-              <a:t>проч</a:t>
-            </a:r>
-            <a:endParaRPr lang="ru-RU" dirty="0"/>
-          </a:p>
-        </p:txBody>
-      </p:sp>
+        </p:nvPicPr>
+        <p:blipFill>
+          <a:blip r:embed="rId2" cstate="print"/>
+          <a:srcRect/>
+          <a:stretch>
+            <a:fillRect/>
+          </a:stretch>
+        </p:blipFill>
+        <p:spPr bwMode="auto">
+          <a:xfrm>
+            <a:off x="1406471" y="1712892"/>
+            <a:ext cx="6331057" cy="4300578"/>
+          </a:xfrm>
+          <a:prstGeom prst="rect">
+            <a:avLst/>
+          </a:prstGeom>
+          <a:noFill/>
+          <a:ln w="9525">
+            <a:noFill/>
+            <a:miter lim="800000"/>
+            <a:headEnd/>
+            <a:tailEnd/>
+          </a:ln>
+        </p:spPr>
+      </p:pic>
     </p:spTree>
   </p:cSld>
   <p:clrMapOvr>
@@ -3757,250 +3756,60 @@
         <p:spPr/>
         <p:txBody>
           <a:bodyPr>
-            <a:noAutofit/>
+            <a:normAutofit fontScale="90000"/>
           </a:bodyPr>
           <a:lstStyle/>
           <a:p>
             <a:r>
-              <a:rPr lang="ru-RU" sz="1800" b="1" dirty="0" smtClean="0"/>
-              <a:t>Эксперимент</a:t>
-            </a:r>
-            <a:br>
-              <a:rPr lang="ru-RU" sz="1800" b="1" dirty="0" smtClean="0"/>
-            </a:br>
-            <a:r>
-              <a:rPr lang="ru-RU" sz="1800" dirty="0" smtClean="0"/>
-              <a:t>по использованию инновационных технологий в области компьютерного зрения для анализа медицинских изображений и дальнейшего применения в системе здравоохранения города Москвы.</a:t>
-            </a:r>
-            <a:endParaRPr lang="ru-RU" sz="1800" dirty="0"/>
-          </a:p>
-        </p:txBody>
-      </p:sp>
-      <p:sp>
-        <p:nvSpPr>
-          <p:cNvPr id="3" name="Содержимое 2"/>
-          <p:cNvSpPr>
-            <a:spLocks noGrp="1"/>
-          </p:cNvSpPr>
+              <a:rPr lang="ru-RU" dirty="0" smtClean="0"/>
+              <a:t>Создание </a:t>
+            </a:r>
+            <a:r>
+              <a:rPr lang="ru-RU" dirty="0" err="1" smtClean="0"/>
+              <a:t>датасетов</a:t>
+            </a:r>
+            <a:r>
+              <a:rPr lang="ru-RU" dirty="0" smtClean="0"/>
+              <a:t> разных конфигураций</a:t>
+            </a:r>
+            <a:endParaRPr lang="ru-RU" dirty="0"/>
+          </a:p>
+        </p:txBody>
+      </p:sp>
+      <p:pic>
+        <p:nvPicPr>
+          <p:cNvPr id="1026" name="Picture 2"/>
+          <p:cNvPicPr>
+            <a:picLocks noGrp="1" noChangeAspect="1" noChangeArrowheads="1"/>
+          </p:cNvPicPr>
           <p:nvPr>
             <p:ph idx="1"/>
           </p:nvPr>
-        </p:nvSpPr>
-        <p:spPr/>
-        <p:txBody>
-          <a:bodyPr>
-            <a:normAutofit fontScale="32500" lnSpcReduction="20000"/>
-          </a:bodyPr>
-          <a:lstStyle/>
-          <a:p>
-            <a:r>
-              <a:rPr lang="ru-RU" b="1" dirty="0"/>
-              <a:t>Цель</a:t>
-            </a:r>
-            <a:endParaRPr lang="ru-RU" dirty="0"/>
-          </a:p>
-          <a:p>
-            <a:r>
-              <a:rPr lang="ru-RU" dirty="0"/>
-              <a:t>Научное исследование возможности использования в системе здравоохранения города Москвы методов поддержки принятия решений на основе результатов анализа данных с применением передовых инновационных технологий.</a:t>
-            </a:r>
-          </a:p>
-          <a:p>
-            <a:r>
-              <a:rPr lang="ru-RU" dirty="0"/>
-              <a:t> </a:t>
-            </a:r>
-          </a:p>
-          <a:p>
-            <a:r>
-              <a:rPr lang="ru-RU" b="1" dirty="0"/>
-              <a:t>Платформа</a:t>
-            </a:r>
-            <a:endParaRPr lang="ru-RU" dirty="0"/>
-          </a:p>
-          <a:p>
-            <a:r>
-              <a:rPr lang="ru-RU" dirty="0"/>
-              <a:t>Единый радиологический информационный сервис (</a:t>
-            </a:r>
-            <a:r>
-              <a:rPr lang="ru-RU" dirty="0" err="1"/>
-              <a:t>ЕРИС</a:t>
-            </a:r>
-            <a:r>
-              <a:rPr lang="ru-RU" dirty="0"/>
-              <a:t>)</a:t>
-            </a:r>
-          </a:p>
-          <a:p>
-            <a:r>
-              <a:rPr lang="ru-RU" dirty="0"/>
-              <a:t> </a:t>
-            </a:r>
-          </a:p>
-          <a:p>
-            <a:r>
-              <a:rPr lang="ru-RU" b="1" dirty="0"/>
-              <a:t>В цифрах</a:t>
-            </a:r>
-            <a:endParaRPr lang="ru-RU" dirty="0"/>
-          </a:p>
-          <a:p>
-            <a:r>
-              <a:rPr lang="ru-RU" b="1" dirty="0"/>
-              <a:t>550  </a:t>
-            </a:r>
-            <a:r>
-              <a:rPr lang="ru-RU" dirty="0"/>
-              <a:t>единиц оборудования (</a:t>
-            </a:r>
-            <a:r>
-              <a:rPr lang="ru-RU" dirty="0" err="1"/>
-              <a:t>МРТ</a:t>
-            </a:r>
-            <a:r>
-              <a:rPr lang="ru-RU" dirty="0"/>
-              <a:t>/</a:t>
-            </a:r>
-            <a:r>
-              <a:rPr lang="ru-RU" dirty="0" err="1"/>
-              <a:t>ММГ</a:t>
-            </a:r>
-            <a:r>
-              <a:rPr lang="ru-RU" dirty="0"/>
-              <a:t>/КТ/</a:t>
-            </a:r>
-            <a:r>
-              <a:rPr lang="ru-RU" dirty="0" err="1"/>
-              <a:t>РГ</a:t>
-            </a:r>
-            <a:r>
-              <a:rPr lang="ru-RU" dirty="0"/>
-              <a:t>) в отделениях лучевой диагностики амбулаторных и стационарных медицинских организаций Департамента здравоохранения города Москвы.</a:t>
-            </a:r>
-          </a:p>
-          <a:p>
-            <a:r>
-              <a:rPr lang="ru-RU" b="1" dirty="0"/>
-              <a:t>365</a:t>
-            </a:r>
-            <a:r>
-              <a:rPr lang="ru-RU" dirty="0"/>
-              <a:t> врачей-рентгенологов в системе. </a:t>
-            </a:r>
-          </a:p>
-          <a:p>
-            <a:r>
-              <a:rPr lang="ru-RU" b="1" dirty="0"/>
-              <a:t>160 тысяч </a:t>
-            </a:r>
-            <a:r>
-              <a:rPr lang="ru-RU" dirty="0"/>
-              <a:t>лучевых исследований в месяц.</a:t>
-            </a:r>
-          </a:p>
-          <a:p>
-            <a:r>
-              <a:rPr lang="ru-RU" b="1" dirty="0"/>
-              <a:t>44 тысячи</a:t>
-            </a:r>
-            <a:r>
-              <a:rPr lang="ru-RU" dirty="0"/>
-              <a:t> </a:t>
-            </a:r>
-            <a:r>
-              <a:rPr lang="ru-RU" dirty="0" err="1"/>
-              <a:t>скрининговых</a:t>
-            </a:r>
-            <a:r>
-              <a:rPr lang="ru-RU" dirty="0"/>
-              <a:t> исследований с целью выявления рака молочной железы и рака легкого в год.</a:t>
-            </a:r>
-          </a:p>
-          <a:p>
-            <a:r>
-              <a:rPr lang="ru-RU" dirty="0"/>
-              <a:t> </a:t>
-            </a:r>
-          </a:p>
-          <a:p>
-            <a:r>
-              <a:rPr lang="ru-RU" b="1" dirty="0"/>
-              <a:t>Области применения:</a:t>
-            </a:r>
-            <a:endParaRPr lang="ru-RU" dirty="0"/>
-          </a:p>
-          <a:p>
-            <a:r>
-              <a:rPr lang="ru-RU" dirty="0"/>
-              <a:t>онкология;</a:t>
-            </a:r>
-          </a:p>
-          <a:p>
-            <a:r>
-              <a:rPr lang="ru-RU" dirty="0"/>
-              <a:t>кардиология;</a:t>
-            </a:r>
-          </a:p>
-          <a:p>
-            <a:r>
-              <a:rPr lang="ru-RU" dirty="0"/>
-              <a:t>хронические заболевания;</a:t>
-            </a:r>
-          </a:p>
-          <a:p>
-            <a:r>
-              <a:rPr lang="ru-RU" dirty="0"/>
-              <a:t>пульмонология;</a:t>
-            </a:r>
-          </a:p>
-          <a:p>
-            <a:r>
-              <a:rPr lang="ru-RU" dirty="0"/>
-              <a:t>неврология;</a:t>
-            </a:r>
-          </a:p>
-          <a:p>
-            <a:r>
-              <a:rPr lang="ru-RU" dirty="0"/>
-              <a:t>неотложные состояния.</a:t>
-            </a:r>
-          </a:p>
-          <a:p>
-            <a:r>
-              <a:rPr lang="ru-RU" dirty="0"/>
-              <a:t> </a:t>
-            </a:r>
-          </a:p>
-          <a:p>
-            <a:r>
-              <a:rPr lang="ru-RU" dirty="0"/>
-              <a:t>Результаты эксперимента станут основой для национальных стандартов, регламентирующих применение искусственного интеллекта в клинической медицине. Разработка документов ведется в Подкомитете 01 технического комитета по стандартизации «Искусственный интеллект» (</a:t>
-            </a:r>
-            <a:r>
-              <a:rPr lang="ru-RU" dirty="0" err="1"/>
-              <a:t>ТК</a:t>
-            </a:r>
-            <a:r>
-              <a:rPr lang="ru-RU" dirty="0"/>
-              <a:t> 164). </a:t>
-            </a:r>
-            <a:br>
-              <a:rPr lang="ru-RU" dirty="0"/>
-            </a:br>
-            <a:r>
-              <a:rPr lang="ru-RU" u="sng" dirty="0">
-                <a:hlinkClick r:id="rId2"/>
-              </a:rPr>
-              <a:t>Подробнее о деятельности ПК 01</a:t>
-            </a:r>
-            <a:endParaRPr lang="ru-RU" dirty="0"/>
-          </a:p>
-          <a:p>
-            <a:endParaRPr lang="ru-RU" dirty="0"/>
-          </a:p>
-        </p:txBody>
-      </p:sp>
+        </p:nvPicPr>
+        <p:blipFill>
+          <a:blip r:embed="rId2" cstate="print"/>
+          <a:srcRect/>
+          <a:stretch>
+            <a:fillRect/>
+          </a:stretch>
+        </p:blipFill>
+        <p:spPr bwMode="auto">
+          <a:xfrm>
+            <a:off x="457200" y="2916068"/>
+            <a:ext cx="8229600" cy="1894227"/>
+          </a:xfrm>
+          <a:prstGeom prst="rect">
+            <a:avLst/>
+          </a:prstGeom>
+          <a:noFill/>
+          <a:ln w="9525">
+            <a:noFill/>
+            <a:miter lim="800000"/>
+            <a:headEnd/>
+            <a:tailEnd/>
+          </a:ln>
+        </p:spPr>
+      </p:pic>
     </p:spTree>
   </p:cSld>
   <p:clrMapOvr>
@@ -4038,19 +3847,14 @@
         </p:nvSpPr>
         <p:spPr/>
         <p:txBody>
-          <a:bodyPr>
-            <a:noAutofit/>
-          </a:bodyPr>
-          <a:lstStyle/>
-          <a:p>
-            <a:r>
-              <a:rPr lang="ru-RU" sz="1800" dirty="0"/>
-              <a:t/>
-            </a:r>
-            <a:br>
-              <a:rPr lang="ru-RU" sz="1800" dirty="0"/>
-            </a:br>
-            <a:endParaRPr lang="ru-RU" sz="1800" dirty="0"/>
+          <a:bodyPr/>
+          <a:lstStyle/>
+          <a:p>
+            <a:r>
+              <a:rPr lang="ru-RU" dirty="0" smtClean="0"/>
+              <a:t>Сравнение некоторых моделей</a:t>
+            </a:r>
+            <a:endParaRPr lang="ru-RU" dirty="0"/>
           </a:p>
         </p:txBody>
       </p:sp>
@@ -4073,8 +3877,8 @@
         </p:blipFill>
         <p:spPr bwMode="auto">
           <a:xfrm>
-            <a:off x="457200" y="2097419"/>
-            <a:ext cx="8229600" cy="3531525"/>
+            <a:off x="457200" y="2099696"/>
+            <a:ext cx="8229600" cy="3526971"/>
           </a:xfrm>
           <a:prstGeom prst="rect">
             <a:avLst/>
@@ -4126,15 +3930,20 @@
         <p:spPr/>
         <p:txBody>
           <a:bodyPr>
-            <a:normAutofit/>
+            <a:normAutofit fontScale="90000"/>
           </a:bodyPr>
           <a:lstStyle/>
           <a:p>
             <a:r>
-              <a:rPr lang="ru-RU" dirty="0" smtClean="0">
-                <a:hlinkClick r:id="rId2"/>
-              </a:rPr>
-              <a:t>Клинические параметры</a:t>
+              <a:rPr lang="ru-RU" dirty="0" smtClean="0"/>
+              <a:t>Графики обучения модели</a:t>
+            </a:r>
+            <a:br>
+              <a:rPr lang="ru-RU" dirty="0" smtClean="0"/>
+            </a:br>
+            <a:r>
+              <a:rPr lang="ru-RU" dirty="0" smtClean="0"/>
+              <a:t>Параметры модели</a:t>
             </a:r>
             <a:endParaRPr lang="ru-RU" dirty="0"/>
           </a:p>
@@ -4152,347 +3961,10 @@
         </p:nvSpPr>
         <p:spPr/>
         <p:txBody>
-          <a:bodyPr>
-            <a:normAutofit fontScale="47500" lnSpcReduction="20000"/>
-          </a:bodyPr>
-          <a:lstStyle/>
-          <a:p>
-            <a:r>
-              <a:rPr lang="ru-RU" b="1" dirty="0" smtClean="0"/>
-              <a:t>Целевые нозологии</a:t>
-            </a:r>
-          </a:p>
-          <a:p>
-            <a:pPr>
-              <a:buNone/>
-            </a:pPr>
-            <a:r>
-              <a:rPr lang="ru-RU" b="1" dirty="0"/>
-              <a:t>	</a:t>
-            </a:r>
-            <a:r>
-              <a:rPr lang="ru-RU" b="1" dirty="0" smtClean="0"/>
-              <a:t>Целевые </a:t>
-            </a:r>
-            <a:r>
-              <a:rPr lang="ru-RU" b="1" dirty="0" err="1"/>
-              <a:t>патологии\признаки</a:t>
-            </a:r>
-            <a:r>
-              <a:rPr lang="ru-RU" b="1" dirty="0"/>
-              <a:t>:</a:t>
-            </a:r>
-            <a:r>
-              <a:rPr lang="ru-RU" dirty="0"/>
-              <a:t> </a:t>
-            </a:r>
-            <a:r>
-              <a:rPr lang="ru-RU" dirty="0" err="1" smtClean="0"/>
-              <a:t>COVID-19</a:t>
-            </a:r>
-            <a:endParaRPr lang="ru-RU" dirty="0" smtClean="0"/>
-          </a:p>
-          <a:p>
-            <a:pPr>
-              <a:buNone/>
-            </a:pPr>
-            <a:r>
-              <a:rPr lang="ru-RU" b="1" dirty="0"/>
-              <a:t>	</a:t>
-            </a:r>
-            <a:r>
-              <a:rPr lang="ru-RU" b="1" dirty="0" smtClean="0"/>
-              <a:t>Код </a:t>
-            </a:r>
-            <a:r>
-              <a:rPr lang="ru-RU" b="1" dirty="0" err="1"/>
-              <a:t>МКБ-10</a:t>
-            </a:r>
-            <a:r>
-              <a:rPr lang="ru-RU" b="1" dirty="0"/>
-              <a:t> целевой патологии:</a:t>
-            </a:r>
-            <a:r>
-              <a:rPr lang="ru-RU" dirty="0"/>
-              <a:t> </a:t>
-            </a:r>
-            <a:r>
-              <a:rPr lang="ru-RU" dirty="0" err="1" smtClean="0"/>
-              <a:t>U07.1</a:t>
-            </a:r>
-            <a:endParaRPr lang="ru-RU" dirty="0" smtClean="0"/>
-          </a:p>
-          <a:p>
-            <a:r>
-              <a:rPr lang="ru-RU" b="1" dirty="0" smtClean="0"/>
-              <a:t>Параметры популяции</a:t>
-            </a:r>
-          </a:p>
-          <a:p>
-            <a:pPr>
-              <a:buNone/>
-            </a:pPr>
-            <a:r>
-              <a:rPr lang="ru-RU" b="1" dirty="0"/>
-              <a:t>	</a:t>
-            </a:r>
-            <a:r>
-              <a:rPr lang="ru-RU" b="1" dirty="0" smtClean="0"/>
-              <a:t>Критерии </a:t>
-            </a:r>
-            <a:r>
-              <a:rPr lang="ru-RU" b="1" dirty="0"/>
-              <a:t>включения/</a:t>
-            </a:r>
-            <a:r>
-              <a:rPr lang="ru-RU" b="1" dirty="0" err="1"/>
-              <a:t>невключения</a:t>
-            </a:r>
-            <a:r>
-              <a:rPr lang="ru-RU" b="1" dirty="0"/>
-              <a:t> пациента</a:t>
-            </a:r>
-            <a:r>
-              <a:rPr lang="ru-RU" b="1" dirty="0" smtClean="0"/>
-              <a:t>:</a:t>
-            </a:r>
-          </a:p>
-          <a:p>
-            <a:pPr>
-              <a:buNone/>
-            </a:pPr>
-            <a:r>
-              <a:rPr lang="ru-RU" b="1" dirty="0"/>
-              <a:t>	</a:t>
-            </a:r>
-            <a:r>
-              <a:rPr lang="ru-RU" dirty="0" smtClean="0"/>
-              <a:t>Критерии </a:t>
-            </a:r>
-            <a:r>
-              <a:rPr lang="ru-RU" dirty="0"/>
-              <a:t>включения пациента: Возраст ≥18 лет</a:t>
-            </a:r>
-            <a:br>
-              <a:rPr lang="ru-RU" dirty="0"/>
-            </a:br>
-            <a:r>
-              <a:rPr lang="ru-RU" dirty="0"/>
-              <a:t>Критерии </a:t>
-            </a:r>
-            <a:r>
-              <a:rPr lang="ru-RU" dirty="0" err="1"/>
-              <a:t>невключения</a:t>
-            </a:r>
-            <a:r>
-              <a:rPr lang="ru-RU" dirty="0"/>
-              <a:t> пациента: Наличие оперативных вмешательств, лучевой терапии в анамнезе для лечения заболеваний в области грудной клетки</a:t>
-            </a:r>
-          </a:p>
-          <a:p>
-            <a:pPr>
-              <a:buNone/>
-            </a:pPr>
-            <a:r>
-              <a:rPr lang="ru-RU" dirty="0" smtClean="0"/>
-              <a:t>	Возраст </a:t>
-            </a:r>
-            <a:r>
-              <a:rPr lang="ru-RU" dirty="0"/>
-              <a:t>(мин., лет): </a:t>
-            </a:r>
-            <a:r>
-              <a:rPr lang="ru-RU" dirty="0" smtClean="0"/>
-              <a:t>18</a:t>
-            </a:r>
-          </a:p>
-          <a:p>
-            <a:pPr>
-              <a:buNone/>
-            </a:pPr>
-            <a:r>
-              <a:rPr lang="ru-RU" dirty="0"/>
-              <a:t>	</a:t>
-            </a:r>
-            <a:r>
-              <a:rPr lang="ru-RU" dirty="0" smtClean="0"/>
-              <a:t>Возраст </a:t>
-            </a:r>
-            <a:r>
-              <a:rPr lang="ru-RU" dirty="0"/>
-              <a:t>(макс., лет): </a:t>
-            </a:r>
-            <a:r>
-              <a:rPr lang="ru-RU" dirty="0" smtClean="0"/>
-              <a:t>97</a:t>
-            </a:r>
-          </a:p>
-          <a:p>
-            <a:pPr>
-              <a:buNone/>
-            </a:pPr>
-            <a:r>
-              <a:rPr lang="ru-RU" dirty="0"/>
-              <a:t>	</a:t>
-            </a:r>
-            <a:r>
-              <a:rPr lang="ru-RU" dirty="0" smtClean="0"/>
-              <a:t>Возраст </a:t>
-            </a:r>
-            <a:r>
-              <a:rPr lang="ru-RU" dirty="0"/>
-              <a:t>(медиана, лет): </a:t>
-            </a:r>
-            <a:r>
-              <a:rPr lang="ru-RU" dirty="0" smtClean="0"/>
-              <a:t>47,0</a:t>
-            </a:r>
-          </a:p>
-          <a:p>
-            <a:pPr>
-              <a:buNone/>
-            </a:pPr>
-            <a:r>
-              <a:rPr lang="ru-RU" dirty="0"/>
-              <a:t>	</a:t>
-            </a:r>
-            <a:r>
-              <a:rPr lang="ru-RU" dirty="0" smtClean="0"/>
-              <a:t>Пол </a:t>
-            </a:r>
-            <a:r>
-              <a:rPr lang="ru-RU" dirty="0"/>
-              <a:t>(М): </a:t>
-            </a:r>
-            <a:r>
-              <a:rPr lang="ru-RU" dirty="0" smtClean="0"/>
-              <a:t>42</a:t>
-            </a:r>
-          </a:p>
-          <a:p>
-            <a:pPr>
-              <a:buNone/>
-            </a:pPr>
-            <a:r>
-              <a:rPr lang="ru-RU" dirty="0"/>
-              <a:t>	</a:t>
-            </a:r>
-            <a:r>
-              <a:rPr lang="ru-RU" dirty="0" smtClean="0"/>
-              <a:t>Пол </a:t>
-            </a:r>
-            <a:r>
-              <a:rPr lang="ru-RU" dirty="0"/>
-              <a:t>(Ж): </a:t>
-            </a:r>
-            <a:r>
-              <a:rPr lang="ru-RU" dirty="0" smtClean="0"/>
-              <a:t>56</a:t>
-            </a:r>
-          </a:p>
-          <a:p>
-            <a:pPr>
-              <a:buNone/>
-            </a:pPr>
-            <a:r>
-              <a:rPr lang="ru-RU" dirty="0"/>
-              <a:t>	</a:t>
-            </a:r>
-            <a:r>
-              <a:rPr lang="ru-RU" dirty="0" smtClean="0"/>
-              <a:t>Пол </a:t>
-            </a:r>
-            <a:r>
-              <a:rPr lang="ru-RU" dirty="0"/>
-              <a:t>(</a:t>
-            </a:r>
-            <a:r>
-              <a:rPr lang="ru-RU" dirty="0" err="1"/>
-              <a:t>неопределено</a:t>
-            </a:r>
-            <a:r>
-              <a:rPr lang="ru-RU" dirty="0"/>
-              <a:t>): </a:t>
-            </a:r>
-            <a:r>
-              <a:rPr lang="ru-RU" dirty="0" smtClean="0"/>
-              <a:t>2</a:t>
-            </a:r>
-          </a:p>
-          <a:p>
-            <a:pPr>
-              <a:buNone/>
-            </a:pPr>
-            <a:r>
-              <a:rPr lang="ru-RU" dirty="0"/>
-              <a:t>	</a:t>
-            </a:r>
-            <a:r>
-              <a:rPr lang="ru-RU" dirty="0" smtClean="0"/>
-              <a:t>Период </a:t>
-            </a:r>
-            <a:r>
-              <a:rPr lang="ru-RU" dirty="0"/>
-              <a:t>сбора (начало): </a:t>
-            </a:r>
-            <a:r>
-              <a:rPr lang="ru-RU" dirty="0" smtClean="0"/>
-              <a:t>01.03.2020</a:t>
-            </a:r>
-          </a:p>
-          <a:p>
-            <a:pPr>
-              <a:buNone/>
-            </a:pPr>
-            <a:r>
-              <a:rPr lang="ru-RU" dirty="0"/>
-              <a:t>	</a:t>
-            </a:r>
-            <a:r>
-              <a:rPr lang="ru-RU" dirty="0" smtClean="0"/>
-              <a:t>Период </a:t>
-            </a:r>
-            <a:r>
-              <a:rPr lang="ru-RU" dirty="0"/>
-              <a:t>сбора (конец): </a:t>
-            </a:r>
-            <a:r>
-              <a:rPr lang="ru-RU" dirty="0" smtClean="0"/>
-              <a:t>25.04.2020</a:t>
-            </a:r>
-          </a:p>
-          <a:p>
-            <a:pPr>
-              <a:buNone/>
-            </a:pPr>
-            <a:r>
-              <a:rPr lang="ru-RU" dirty="0"/>
-              <a:t>	</a:t>
-            </a:r>
-            <a:r>
-              <a:rPr lang="ru-RU" dirty="0" smtClean="0"/>
-              <a:t>Эпидемиологическая </a:t>
-            </a:r>
-            <a:r>
-              <a:rPr lang="ru-RU" dirty="0"/>
-              <a:t>обстановка: В условиях пандемии </a:t>
-            </a:r>
-            <a:r>
-              <a:rPr lang="ru-RU" dirty="0" err="1"/>
-              <a:t>коронавирусной</a:t>
-            </a:r>
-            <a:r>
-              <a:rPr lang="ru-RU" dirty="0"/>
-              <a:t> инфекции (</a:t>
-            </a:r>
-            <a:r>
-              <a:rPr lang="ru-RU" dirty="0" err="1"/>
-              <a:t>COVID-19</a:t>
-            </a:r>
-            <a:r>
-              <a:rPr lang="ru-RU" dirty="0"/>
-              <a:t>)</a:t>
-            </a:r>
+          <a:bodyPr/>
+          <a:lstStyle/>
+          <a:p>
+            <a:endParaRPr lang="ru-RU" dirty="0"/>
           </a:p>
         </p:txBody>
       </p:sp>
@@ -4617,16 +4089,28 @@
         </p:nvSpPr>
         <p:spPr/>
         <p:txBody>
-          <a:bodyPr>
-            <a:normAutofit/>
-          </a:bodyPr>
-          <a:lstStyle/>
-          <a:p>
-            <a:r>
-              <a:rPr lang="ru-RU" dirty="0" smtClean="0">
-                <a:hlinkClick r:id="rId2"/>
-              </a:rPr>
-              <a:t>Назначение</a:t>
+          <a:bodyPr/>
+          <a:lstStyle/>
+          <a:p>
+            <a:r>
+              <a:rPr lang="ru-RU" dirty="0" smtClean="0"/>
+              <a:t>Сравнение </a:t>
+            </a:r>
+            <a:r>
+              <a:rPr lang="en-US" dirty="0" err="1" smtClean="0"/>
+              <a:t>colab</a:t>
+            </a:r>
+            <a:r>
+              <a:rPr lang="en-US" dirty="0" smtClean="0"/>
+              <a:t> </a:t>
+            </a:r>
+            <a:r>
+              <a:rPr lang="ru-RU" dirty="0" smtClean="0"/>
+              <a:t>и </a:t>
+            </a:r>
+            <a:r>
+              <a:rPr lang="en-US" dirty="0" err="1" smtClean="0"/>
+              <a:t>yandex</a:t>
             </a:r>
             <a:endParaRPr lang="ru-RU" dirty="0"/>
           </a:p>
@@ -4644,83 +4128,16 @@
         </p:nvSpPr>
         <p:spPr/>
         <p:txBody>
-          <a:bodyPr>
-            <a:normAutofit/>
-          </a:bodyPr>
-          <a:lstStyle/>
-          <a:p>
-            <a:r>
-              <a:rPr lang="ru-RU" b="1" dirty="0" smtClean="0"/>
-              <a:t>Клиническая/практическая/научная </a:t>
-            </a:r>
-            <a:r>
-              <a:rPr lang="ru-RU" b="1" dirty="0"/>
-              <a:t>задача создания набора данных:</a:t>
-            </a:r>
-            <a:r>
-              <a:rPr lang="ru-RU" dirty="0"/>
-              <a:t> Определение степени поражения паренхимы легкого при </a:t>
+          <a:bodyPr/>
+          <a:lstStyle/>
+          <a:p>
+            <a:r>
+              <a:rPr lang="ru-RU" dirty="0" smtClean="0"/>
+              <a:t>Техническое описание какие карты используются и </a:t>
             </a:r>
             <a:r>
               <a:rPr lang="ru-RU" dirty="0" err="1" smtClean="0"/>
-              <a:t>COVID-19</a:t>
-            </a:r>
-            <a:endParaRPr lang="ru-RU" dirty="0" smtClean="0"/>
-          </a:p>
-          <a:p>
-            <a:r>
-              <a:rPr lang="ru-RU" b="1" dirty="0" smtClean="0"/>
-              <a:t>Назначение </a:t>
-            </a:r>
-            <a:r>
-              <a:rPr lang="ru-RU" b="1" dirty="0" err="1"/>
-              <a:t>датасета</a:t>
-            </a:r>
-            <a:r>
-              <a:rPr lang="ru-RU" b="1" dirty="0"/>
-              <a:t>:</a:t>
-            </a:r>
-            <a:r>
-              <a:rPr lang="ru-RU" dirty="0"/>
-              <a:t> Обучение ИИ </a:t>
-            </a:r>
-            <a:r>
-              <a:rPr lang="ru-RU" dirty="0" smtClean="0"/>
-              <a:t>алгоритма</a:t>
-            </a:r>
-          </a:p>
-          <a:p>
-            <a:r>
-              <a:rPr lang="ru-RU" b="1" dirty="0" smtClean="0"/>
-              <a:t>Вариант</a:t>
-            </a:r>
-            <a:r>
-              <a:rPr lang="ru-RU" b="1" dirty="0"/>
-              <a:t>:</a:t>
-            </a:r>
-            <a:r>
-              <a:rPr lang="ru-RU" dirty="0"/>
-              <a:t> </a:t>
-            </a:r>
-            <a:r>
-              <a:rPr lang="ru-RU" dirty="0" err="1"/>
-              <a:t>SC</a:t>
-            </a:r>
-            <a:r>
-              <a:rPr lang="ru-RU" dirty="0"/>
-              <a:t> - </a:t>
-            </a:r>
-            <a:r>
-              <a:rPr lang="ru-RU" dirty="0" err="1"/>
-              <a:t>special</a:t>
-            </a:r>
-            <a:r>
-              <a:rPr lang="ru-RU" dirty="0"/>
-              <a:t> </a:t>
-            </a:r>
-            <a:r>
-              <a:rPr lang="ru-RU" dirty="0" err="1"/>
-              <a:t>case</a:t>
+              <a:t>проч</a:t>
             </a:r>
             <a:endParaRPr lang="ru-RU" dirty="0"/>
           </a:p>
@@ -4764,342 +4181,244 @@
         <p:spPr/>
         <p:txBody>
           <a:bodyPr>
-            <a:normAutofit/>
+            <a:noAutofit/>
           </a:bodyPr>
           <a:lstStyle/>
           <a:p>
             <a:r>
-              <a:rPr lang="ru-RU" dirty="0" smtClean="0">
+              <a:rPr lang="ru-RU" sz="1800" b="1" dirty="0" smtClean="0"/>
+              <a:t>Эксперимент</a:t>
+            </a:r>
+            <a:br>
+              <a:rPr lang="ru-RU" sz="1800" b="1" dirty="0" smtClean="0"/>
+            </a:br>
+            <a:r>
+              <a:rPr lang="ru-RU" sz="1800" dirty="0" smtClean="0"/>
+              <a:t>по использованию инновационных технологий в области компьютерного зрения для анализа медицинских изображений и дальнейшего применения в системе здравоохранения города Москвы.</a:t>
+            </a:r>
+            <a:endParaRPr lang="ru-RU" sz="1800" dirty="0"/>
+          </a:p>
+        </p:txBody>
+      </p:sp>
+      <p:sp>
+        <p:nvSpPr>
+          <p:cNvPr id="3" name="Содержимое 2"/>
+          <p:cNvSpPr>
+            <a:spLocks noGrp="1"/>
+          </p:cNvSpPr>
+          <p:nvPr>
+            <p:ph idx="1"/>
+          </p:nvPr>
+        </p:nvSpPr>
+        <p:spPr/>
+        <p:txBody>
+          <a:bodyPr>
+            <a:normAutofit fontScale="32500" lnSpcReduction="20000"/>
+          </a:bodyPr>
+          <a:lstStyle/>
+          <a:p>
+            <a:r>
+              <a:rPr lang="ru-RU" b="1" dirty="0"/>
+              <a:t>Цель</a:t>
+            </a:r>
+            <a:endParaRPr lang="ru-RU" dirty="0"/>
+          </a:p>
+          <a:p>
+            <a:r>
+              <a:rPr lang="ru-RU" dirty="0"/>
+              <a:t>Научное исследование возможности использования в системе здравоохранения города Москвы методов поддержки принятия решений на основе результатов анализа данных с применением передовых инновационных технологий.</a:t>
+            </a:r>
+          </a:p>
+          <a:p>
+            <a:r>
+              <a:rPr lang="ru-RU" dirty="0"/>
+              <a:t> </a:t>
+            </a:r>
+          </a:p>
+          <a:p>
+            <a:r>
+              <a:rPr lang="ru-RU" b="1" dirty="0"/>
+              <a:t>Платформа</a:t>
+            </a:r>
+            <a:endParaRPr lang="ru-RU" dirty="0"/>
+          </a:p>
+          <a:p>
+            <a:r>
+              <a:rPr lang="ru-RU" dirty="0"/>
+              <a:t>Единый радиологический информационный сервис (</a:t>
+            </a:r>
+            <a:r>
+              <a:rPr lang="ru-RU" dirty="0" err="1"/>
+              <a:t>ЕРИС</a:t>
+            </a:r>
+            <a:r>
+              <a:rPr lang="ru-RU" dirty="0"/>
+              <a:t>)</a:t>
+            </a:r>
+          </a:p>
+          <a:p>
+            <a:r>
+              <a:rPr lang="ru-RU" dirty="0"/>
+              <a:t> </a:t>
+            </a:r>
+          </a:p>
+          <a:p>
+            <a:r>
+              <a:rPr lang="ru-RU" b="1" dirty="0"/>
+              <a:t>В цифрах</a:t>
+            </a:r>
+            <a:endParaRPr lang="ru-RU" dirty="0"/>
+          </a:p>
+          <a:p>
+            <a:r>
+              <a:rPr lang="ru-RU" b="1" dirty="0"/>
+              <a:t>550  </a:t>
+            </a:r>
+            <a:r>
+              <a:rPr lang="ru-RU" dirty="0"/>
+              <a:t>единиц оборудования (</a:t>
+            </a:r>
+            <a:r>
+              <a:rPr lang="ru-RU" dirty="0" err="1"/>
+              <a:t>МРТ</a:t>
+            </a:r>
+            <a:r>
+              <a:rPr lang="ru-RU" dirty="0"/>
+              <a:t>/</a:t>
+            </a:r>
+            <a:r>
+              <a:rPr lang="ru-RU" dirty="0" err="1"/>
+              <a:t>ММГ</a:t>
+            </a:r>
+            <a:r>
+              <a:rPr lang="ru-RU" dirty="0"/>
+              <a:t>/КТ/</a:t>
+            </a:r>
+            <a:r>
+              <a:rPr lang="ru-RU" dirty="0" err="1"/>
+              <a:t>РГ</a:t>
+            </a:r>
+            <a:r>
+              <a:rPr lang="ru-RU" dirty="0"/>
+              <a:t>) в отделениях лучевой диагностики амбулаторных и стационарных медицинских организаций Департамента здравоохранения города Москвы.</a:t>
+            </a:r>
+          </a:p>
+          <a:p>
+            <a:r>
+              <a:rPr lang="ru-RU" b="1" dirty="0"/>
+              <a:t>365</a:t>
+            </a:r>
+            <a:r>
+              <a:rPr lang="ru-RU" dirty="0"/>
+              <a:t> врачей-рентгенологов в системе. </a:t>
+            </a:r>
+          </a:p>
+          <a:p>
+            <a:r>
+              <a:rPr lang="ru-RU" b="1" dirty="0"/>
+              <a:t>160 тысяч </a:t>
+            </a:r>
+            <a:r>
+              <a:rPr lang="ru-RU" dirty="0"/>
+              <a:t>лучевых исследований в месяц.</a:t>
+            </a:r>
+          </a:p>
+          <a:p>
+            <a:r>
+              <a:rPr lang="ru-RU" b="1" dirty="0"/>
+              <a:t>44 тысячи</a:t>
+            </a:r>
+            <a:r>
+              <a:rPr lang="ru-RU" dirty="0"/>
+              <a:t> </a:t>
+            </a:r>
+            <a:r>
+              <a:rPr lang="ru-RU" dirty="0" err="1"/>
+              <a:t>скрининговых</a:t>
+            </a:r>
+            <a:r>
+              <a:rPr lang="ru-RU" dirty="0"/>
+              <a:t> исследований с целью выявления рака молочной железы и рака легкого в год.</a:t>
+            </a:r>
+          </a:p>
+          <a:p>
+            <a:r>
+              <a:rPr lang="ru-RU" dirty="0"/>
+              <a:t> </a:t>
+            </a:r>
+          </a:p>
+          <a:p>
+            <a:r>
+              <a:rPr lang="ru-RU" b="1" dirty="0"/>
+              <a:t>Области применения:</a:t>
+            </a:r>
+            <a:endParaRPr lang="ru-RU" dirty="0"/>
+          </a:p>
+          <a:p>
+            <a:r>
+              <a:rPr lang="ru-RU" dirty="0"/>
+              <a:t>онкология;</a:t>
+            </a:r>
+          </a:p>
+          <a:p>
+            <a:r>
+              <a:rPr lang="ru-RU" dirty="0"/>
+              <a:t>кардиология;</a:t>
+            </a:r>
+          </a:p>
+          <a:p>
+            <a:r>
+              <a:rPr lang="ru-RU" dirty="0"/>
+              <a:t>хронические заболевания;</a:t>
+            </a:r>
+          </a:p>
+          <a:p>
+            <a:r>
+              <a:rPr lang="ru-RU" dirty="0"/>
+              <a:t>пульмонология;</a:t>
+            </a:r>
+          </a:p>
+          <a:p>
+            <a:r>
+              <a:rPr lang="ru-RU" dirty="0"/>
+              <a:t>неврология;</a:t>
+            </a:r>
+          </a:p>
+          <a:p>
+            <a:r>
+              <a:rPr lang="ru-RU" dirty="0"/>
+              <a:t>неотложные состояния.</a:t>
+            </a:r>
+          </a:p>
+          <a:p>
+            <a:r>
+              <a:rPr lang="ru-RU" dirty="0"/>
+              <a:t> </a:t>
+            </a:r>
+          </a:p>
+          <a:p>
+            <a:r>
+              <a:rPr lang="ru-RU" dirty="0"/>
+              <a:t>Результаты эксперимента станут основой для национальных стандартов, регламентирующих применение искусственного интеллекта в клинической медицине. Разработка документов ведется в Подкомитете 01 технического комитета по стандартизации «Искусственный интеллект» (</a:t>
+            </a:r>
+            <a:r>
+              <a:rPr lang="ru-RU" dirty="0" err="1"/>
+              <a:t>ТК</a:t>
+            </a:r>
+            <a:r>
+              <a:rPr lang="ru-RU" dirty="0"/>
+              <a:t> 164). </a:t>
+            </a:r>
+            <a:br>
+              <a:rPr lang="ru-RU" dirty="0"/>
+            </a:br>
+            <a:r>
+              <a:rPr lang="ru-RU" u="sng" dirty="0">
                 <a:hlinkClick r:id="rId2"/>
               </a:rPr>
-              <a:t>Разметка и верификация</a:t>
+              <a:t>Подробнее о деятельности ПК 01</a:t>
             </a:r>
             <a:endParaRPr lang="ru-RU" dirty="0"/>
-          </a:p>
-        </p:txBody>
-      </p:sp>
-      <p:sp>
-        <p:nvSpPr>
-          <p:cNvPr id="3" name="Содержимое 2"/>
-          <p:cNvSpPr>
-            <a:spLocks noGrp="1"/>
-          </p:cNvSpPr>
-          <p:nvPr>
-            <p:ph idx="1"/>
-          </p:nvPr>
-        </p:nvSpPr>
-        <p:spPr/>
-        <p:txBody>
-          <a:bodyPr>
-            <a:normAutofit fontScale="40000" lnSpcReduction="20000"/>
-          </a:bodyPr>
-          <a:lstStyle/>
-          <a:p>
-            <a:r>
-              <a:rPr lang="ru-RU" b="1" dirty="0" err="1" smtClean="0"/>
-              <a:t>РазметкаУровень</a:t>
-            </a:r>
-            <a:r>
-              <a:rPr lang="ru-RU" b="1" dirty="0" smtClean="0"/>
-              <a:t> </a:t>
-            </a:r>
-            <a:r>
-              <a:rPr lang="ru-RU" b="1" dirty="0"/>
-              <a:t>разметки:</a:t>
-            </a:r>
-            <a:r>
-              <a:rPr lang="ru-RU" dirty="0"/>
-              <a:t> Изображение, </a:t>
-            </a:r>
-            <a:r>
-              <a:rPr lang="ru-RU" dirty="0" smtClean="0"/>
-              <a:t>Исследование</a:t>
-            </a:r>
-          </a:p>
-          <a:p>
-            <a:r>
-              <a:rPr lang="ru-RU" b="1" dirty="0" smtClean="0"/>
-              <a:t>Способы </a:t>
-            </a:r>
-            <a:r>
-              <a:rPr lang="ru-RU" b="1" dirty="0" err="1"/>
-              <a:t>предразметки</a:t>
-            </a:r>
-            <a:r>
-              <a:rPr lang="ru-RU" b="1" dirty="0"/>
-              <a:t>:</a:t>
-            </a:r>
-            <a:r>
-              <a:rPr lang="ru-RU" dirty="0"/>
-              <a:t> </a:t>
-            </a:r>
-            <a:r>
-              <a:rPr lang="ru-RU" dirty="0" smtClean="0"/>
-              <a:t>Нет</a:t>
-            </a:r>
-          </a:p>
-          <a:p>
-            <a:r>
-              <a:rPr lang="ru-RU" b="1" dirty="0" smtClean="0"/>
-              <a:t>Характер </a:t>
-            </a:r>
-            <a:r>
-              <a:rPr lang="ru-RU" b="1" dirty="0"/>
-              <a:t>разметки:</a:t>
-            </a:r>
-            <a:r>
-              <a:rPr lang="ru-RU" dirty="0"/>
-              <a:t> </a:t>
-            </a:r>
-            <a:r>
-              <a:rPr lang="ru-RU" dirty="0" smtClean="0"/>
-              <a:t>Бинарная</a:t>
-            </a:r>
-          </a:p>
-          <a:p>
-            <a:r>
-              <a:rPr lang="ru-RU" b="1" dirty="0" smtClean="0"/>
-              <a:t>Количество </a:t>
-            </a:r>
-            <a:r>
-              <a:rPr lang="ru-RU" b="1" dirty="0"/>
-              <a:t>лейблов:</a:t>
-            </a:r>
-            <a:r>
-              <a:rPr lang="ru-RU" dirty="0"/>
-              <a:t> </a:t>
-            </a:r>
-            <a:r>
-              <a:rPr lang="ru-RU" dirty="0" smtClean="0"/>
-              <a:t>1</a:t>
-            </a:r>
-          </a:p>
-          <a:p>
-            <a:r>
-              <a:rPr lang="ru-RU" b="1" dirty="0" smtClean="0"/>
-              <a:t>Характер </a:t>
-            </a:r>
-            <a:r>
-              <a:rPr lang="ru-RU" b="1" dirty="0"/>
-              <a:t>лейблов:</a:t>
-            </a:r>
-            <a:r>
-              <a:rPr lang="ru-RU" dirty="0"/>
-              <a:t> </a:t>
-            </a:r>
-            <a:r>
-              <a:rPr lang="ru-RU" dirty="0" err="1"/>
-              <a:t>Мультикласс</a:t>
-            </a:r>
-            <a:r>
-              <a:rPr lang="ru-RU" dirty="0"/>
-              <a:t> (1 лейбл, </a:t>
-            </a:r>
-            <a:r>
-              <a:rPr lang="ru-RU" dirty="0" err="1"/>
-              <a:t>M</a:t>
-            </a:r>
-            <a:r>
-              <a:rPr lang="ru-RU" dirty="0"/>
-              <a:t> классов, </a:t>
-            </a:r>
-            <a:r>
-              <a:rPr lang="ru-RU" dirty="0" err="1"/>
-              <a:t>M</a:t>
-            </a:r>
-            <a:r>
-              <a:rPr lang="ru-RU" dirty="0"/>
-              <a:t>&gt;2</a:t>
-            </a:r>
-            <a:r>
-              <a:rPr lang="ru-RU" dirty="0" smtClean="0"/>
-              <a:t>)</a:t>
-            </a:r>
-          </a:p>
-          <a:p>
-            <a:r>
-              <a:rPr lang="ru-RU" b="1" dirty="0" smtClean="0"/>
-              <a:t>Уровень </a:t>
-            </a:r>
-            <a:r>
-              <a:rPr lang="ru-RU" b="1" dirty="0"/>
-              <a:t>детализации лейблов:</a:t>
-            </a:r>
-            <a:r>
-              <a:rPr lang="ru-RU" dirty="0"/>
-              <a:t> </a:t>
-            </a:r>
-            <a:r>
-              <a:rPr lang="ru-RU" dirty="0" smtClean="0"/>
-              <a:t>Исследование/серия/изображение</a:t>
-            </a:r>
-          </a:p>
-          <a:p>
-            <a:r>
-              <a:rPr lang="ru-RU" b="1" dirty="0" smtClean="0"/>
-              <a:t>Названия </a:t>
-            </a:r>
-            <a:r>
-              <a:rPr lang="ru-RU" b="1" dirty="0"/>
-              <a:t>лейблов:</a:t>
-            </a:r>
-            <a:r>
-              <a:rPr lang="ru-RU" dirty="0"/>
-              <a:t> Признаки поражения паренхимы легкого при </a:t>
-            </a:r>
-            <a:r>
-              <a:rPr lang="ru-RU" dirty="0" err="1"/>
-              <a:t>COVID-19</a:t>
-            </a:r>
-            <a:r>
-              <a:rPr lang="ru-RU" dirty="0"/>
-              <a:t> согласно -Базовые диагностические требования от августа </a:t>
-            </a:r>
-            <a:r>
-              <a:rPr lang="ru-RU" dirty="0" err="1" smtClean="0"/>
-              <a:t>2021г</a:t>
-            </a:r>
-            <a:endParaRPr lang="ru-RU" dirty="0" smtClean="0"/>
-          </a:p>
-          <a:p>
-            <a:r>
-              <a:rPr lang="ru-RU" b="1" dirty="0" smtClean="0"/>
-              <a:t>Количество </a:t>
-            </a:r>
-            <a:r>
-              <a:rPr lang="ru-RU" b="1" dirty="0"/>
-              <a:t>классов:</a:t>
-            </a:r>
-            <a:r>
-              <a:rPr lang="ru-RU" dirty="0"/>
-              <a:t> </a:t>
-            </a:r>
-            <a:r>
-              <a:rPr lang="ru-RU" dirty="0" smtClean="0"/>
-              <a:t>2</a:t>
-            </a:r>
-          </a:p>
-          <a:p>
-            <a:r>
-              <a:rPr lang="ru-RU" b="1" dirty="0" smtClean="0"/>
-              <a:t>Названия </a:t>
-            </a:r>
-            <a:r>
-              <a:rPr lang="ru-RU" b="1" dirty="0"/>
-              <a:t>классов:</a:t>
-            </a:r>
-            <a:r>
-              <a:rPr lang="ru-RU" dirty="0"/>
-              <a:t> Без целевой патологии - 0; С целевой патологией </a:t>
-            </a:r>
-            <a:r>
-              <a:rPr lang="ru-RU" dirty="0" smtClean="0"/>
-              <a:t>– 1</a:t>
-            </a:r>
-          </a:p>
-          <a:p>
-            <a:r>
-              <a:rPr lang="ru-RU" b="1" dirty="0" smtClean="0"/>
-              <a:t>Количество </a:t>
-            </a:r>
-            <a:r>
-              <a:rPr lang="ru-RU" b="1" dirty="0"/>
-              <a:t>по классам:</a:t>
-            </a:r>
-            <a:r>
-              <a:rPr lang="ru-RU" dirty="0"/>
-              <a:t> КТ-0 ― 254 (22,8%), КТ-1 ― 684 (61,6%), КТ-2 ― 125 (11,3%), КТ-3 ― 45 (4,1%), КТ-4 ― 2 (0,2</a:t>
-            </a:r>
-            <a:r>
-              <a:rPr lang="ru-RU" dirty="0" smtClean="0"/>
-              <a:t>%).</a:t>
-            </a:r>
-          </a:p>
-          <a:p>
-            <a:r>
-              <a:rPr lang="ru-RU" b="1" dirty="0" smtClean="0"/>
-              <a:t>Критерии </a:t>
-            </a:r>
-            <a:r>
-              <a:rPr lang="ru-RU" b="1" dirty="0"/>
-              <a:t>отнесения к </a:t>
-            </a:r>
-            <a:r>
-              <a:rPr lang="ru-RU" b="1" dirty="0" err="1"/>
-              <a:t>классам:</a:t>
-            </a:r>
-            <a:r>
-              <a:rPr lang="ru-RU" dirty="0" err="1"/>
-              <a:t>С</a:t>
-            </a:r>
-            <a:r>
-              <a:rPr lang="ru-RU" dirty="0"/>
-              <a:t> патологией:</a:t>
-            </a:r>
-          </a:p>
-          <a:p>
-            <a:r>
-              <a:rPr lang="ru-RU" dirty="0"/>
-              <a:t>Инфильтрация легочной паренхимы по типу матовых стекол с обеих сторон, преимущественно периферической локализации с или без инфильтрацией легочной паренхимы по типу консолидации с положительным признаком воздушной </a:t>
-            </a:r>
-            <a:r>
-              <a:rPr lang="ru-RU" dirty="0" err="1"/>
-              <a:t>бронхограммы</a:t>
-            </a:r>
-            <a:r>
-              <a:rPr lang="ru-RU" dirty="0"/>
-              <a:t>;</a:t>
-            </a:r>
-          </a:p>
-          <a:p>
-            <a:r>
-              <a:rPr lang="ru-RU" dirty="0"/>
-              <a:t>Инфильтрация легочной паренхимы по типу булыжной мостовой (утолщение </a:t>
-            </a:r>
-            <a:r>
-              <a:rPr lang="ru-RU" dirty="0" err="1"/>
-              <a:t>междолькового</a:t>
-            </a:r>
-            <a:r>
-              <a:rPr lang="ru-RU" dirty="0"/>
-              <a:t> </a:t>
-            </a:r>
-            <a:r>
-              <a:rPr lang="ru-RU" dirty="0" err="1"/>
-              <a:t>интерстиция</a:t>
-            </a:r>
-            <a:r>
-              <a:rPr lang="ru-RU" dirty="0"/>
-              <a:t> на фоне матового стекла) с обеих сторон, преимущественно периферической локализации, с или или без инфильтрацией легочной паренхимы по типу консолидации с положительным признаком воздушной </a:t>
-            </a:r>
-            <a:r>
-              <a:rPr lang="ru-RU" dirty="0" err="1"/>
-              <a:t>бронхограммы</a:t>
-            </a:r>
-            <a:r>
-              <a:rPr lang="ru-RU" dirty="0"/>
-              <a:t>.</a:t>
-            </a:r>
-          </a:p>
-          <a:p>
-            <a:r>
-              <a:rPr lang="ru-RU" dirty="0"/>
-              <a:t>Без патологии: отсутствие вышеперечисленных признаков</a:t>
-            </a:r>
-          </a:p>
-          <a:p>
-            <a:r>
-              <a:rPr lang="ru-RU" b="1" dirty="0" err="1"/>
-              <a:t>ВерификацияМетод</a:t>
-            </a:r>
-            <a:r>
-              <a:rPr lang="ru-RU" b="1" dirty="0"/>
-              <a:t> верификации:</a:t>
-            </a:r>
-            <a:r>
-              <a:rPr lang="ru-RU" dirty="0"/>
-              <a:t> Экспертная оценка разметки (1 эксперт либо консенсус)</a:t>
-            </a:r>
           </a:p>
           <a:p>
             <a:endParaRPr lang="ru-RU" dirty="0"/>
@@ -5144,307 +4463,55 @@
         <p:spPr/>
         <p:txBody>
           <a:bodyPr>
-            <a:normAutofit/>
+            <a:noAutofit/>
           </a:bodyPr>
           <a:lstStyle/>
           <a:p>
             <a:r>
-              <a:rPr lang="ru-RU" dirty="0" smtClean="0">
-                <a:hlinkClick r:id="rId2"/>
-              </a:rPr>
-              <a:t>Технические параметры</a:t>
-            </a:r>
-            <a:endParaRPr lang="ru-RU" dirty="0"/>
-          </a:p>
-        </p:txBody>
-      </p:sp>
-      <p:sp>
-        <p:nvSpPr>
-          <p:cNvPr id="3" name="Содержимое 2"/>
-          <p:cNvSpPr>
-            <a:spLocks noGrp="1"/>
-          </p:cNvSpPr>
+              <a:rPr lang="ru-RU" sz="1800" dirty="0"/>
+              <a:t/>
+            </a:r>
+            <a:br>
+              <a:rPr lang="ru-RU" sz="1800" dirty="0"/>
+            </a:br>
+            <a:endParaRPr lang="ru-RU" sz="1800" dirty="0"/>
+          </a:p>
+        </p:txBody>
+      </p:sp>
+      <p:pic>
+        <p:nvPicPr>
+          <p:cNvPr id="2050" name="Picture 2"/>
+          <p:cNvPicPr>
+            <a:picLocks noGrp="1" noChangeAspect="1" noChangeArrowheads="1"/>
+          </p:cNvPicPr>
           <p:nvPr>
             <p:ph idx="1"/>
           </p:nvPr>
-        </p:nvSpPr>
-        <p:spPr/>
-        <p:txBody>
-          <a:bodyPr>
-            <a:normAutofit fontScale="47500" lnSpcReduction="20000"/>
-          </a:bodyPr>
-          <a:lstStyle/>
-          <a:p>
-            <a:r>
-              <a:rPr lang="ru-RU" b="1" dirty="0" smtClean="0"/>
-              <a:t>Условия </a:t>
-            </a:r>
-            <a:r>
-              <a:rPr lang="ru-RU" b="1" dirty="0"/>
-              <a:t>сбора </a:t>
-            </a:r>
-            <a:r>
-              <a:rPr lang="ru-RU" b="1" dirty="0" smtClean="0"/>
-              <a:t>данных</a:t>
-            </a:r>
-          </a:p>
-          <a:p>
-            <a:pPr>
-              <a:buNone/>
-            </a:pPr>
-            <a:r>
-              <a:rPr lang="ru-RU" b="1" dirty="0" smtClean="0"/>
-              <a:t>	Критерии </a:t>
-            </a:r>
-            <a:r>
-              <a:rPr lang="ru-RU" b="1" dirty="0"/>
-              <a:t>включения/</a:t>
-            </a:r>
-            <a:r>
-              <a:rPr lang="ru-RU" b="1" dirty="0" err="1"/>
-              <a:t>невключения</a:t>
-            </a:r>
-            <a:r>
-              <a:rPr lang="ru-RU" b="1" dirty="0"/>
-              <a:t> исследования в </a:t>
-            </a:r>
-            <a:r>
-              <a:rPr lang="ru-RU" b="1" dirty="0" err="1"/>
-              <a:t>датасет:</a:t>
-            </a:r>
-            <a:r>
-              <a:rPr lang="ru-RU" dirty="0" err="1"/>
-              <a:t>Сбор</a:t>
-            </a:r>
-            <a:r>
-              <a:rPr lang="ru-RU" dirty="0"/>
-              <a:t> данных осуществлялся в 48 медицинских организаций в период с 1 марта по 25 апреля 2020 г у пациентов с подозрением на изменения в легких при </a:t>
-            </a:r>
-            <a:r>
-              <a:rPr lang="ru-RU" dirty="0" err="1"/>
-              <a:t>COVID-19</a:t>
-            </a:r>
-            <a:endParaRPr lang="ru-RU" dirty="0"/>
-          </a:p>
-          <a:p>
-            <a:pPr>
-              <a:buNone/>
-            </a:pPr>
-            <a:r>
-              <a:rPr lang="ru-RU" b="1" dirty="0" smtClean="0"/>
-              <a:t>	Протоколы </a:t>
-            </a:r>
-            <a:r>
-              <a:rPr lang="ru-RU" b="1" dirty="0"/>
-              <a:t>и условия сбора </a:t>
-            </a:r>
-            <a:r>
-              <a:rPr lang="ru-RU" b="1" dirty="0" err="1"/>
-              <a:t>данных:</a:t>
-            </a:r>
-            <a:r>
-              <a:rPr lang="ru-RU" dirty="0" err="1"/>
-              <a:t>КТ-протокол</a:t>
-            </a:r>
-            <a:r>
-              <a:rPr lang="ru-RU" dirty="0"/>
-              <a:t> сканирования </a:t>
-            </a:r>
-            <a:r>
-              <a:rPr lang="ru-RU" dirty="0" err="1"/>
-              <a:t>Chest</a:t>
-            </a:r>
-            <a:r>
-              <a:rPr lang="ru-RU" dirty="0"/>
-              <a:t> (рутинные КТ грудной клетки), сканирование выполнено в положении пациента на спине, при задержке дыхания на глубине вдоха, руки убраны за голову</a:t>
-            </a:r>
-          </a:p>
-          <a:p>
-            <a:r>
-              <a:rPr lang="ru-RU" b="1" dirty="0"/>
-              <a:t>Единичная запись набора </a:t>
-            </a:r>
-            <a:r>
-              <a:rPr lang="ru-RU" b="1" dirty="0" smtClean="0"/>
-              <a:t>данных</a:t>
-            </a:r>
-          </a:p>
-          <a:p>
-            <a:pPr>
-              <a:buNone/>
-            </a:pPr>
-            <a:r>
-              <a:rPr lang="ru-RU" b="1" dirty="0"/>
-              <a:t>	</a:t>
-            </a:r>
-            <a:r>
-              <a:rPr lang="ru-RU" b="1" dirty="0" smtClean="0"/>
-              <a:t>Объект </a:t>
-            </a:r>
-            <a:r>
-              <a:rPr lang="ru-RU" b="1" dirty="0"/>
-              <a:t>разметки:</a:t>
-            </a:r>
-            <a:r>
-              <a:rPr lang="ru-RU" dirty="0"/>
-              <a:t> </a:t>
-            </a:r>
-            <a:r>
-              <a:rPr lang="ru-RU" dirty="0" smtClean="0"/>
-              <a:t>Исследование</a:t>
-            </a:r>
-          </a:p>
-          <a:p>
-            <a:pPr>
-              <a:buNone/>
-            </a:pPr>
-            <a:r>
-              <a:rPr lang="ru-RU" b="1" dirty="0" smtClean="0"/>
-              <a:t>	Результат </a:t>
-            </a:r>
-            <a:r>
-              <a:rPr lang="ru-RU" b="1" dirty="0"/>
-              <a:t>разметки:</a:t>
-            </a:r>
-            <a:r>
-              <a:rPr lang="ru-RU" dirty="0"/>
-              <a:t> Целевая патология / отсутствие целевой патологии; бинарные маски </a:t>
-            </a:r>
-            <a:r>
-              <a:rPr lang="ru-RU" dirty="0" smtClean="0"/>
-              <a:t>изображений</a:t>
-            </a:r>
-          </a:p>
-          <a:p>
-            <a:r>
-              <a:rPr lang="ru-RU" b="1" dirty="0" smtClean="0"/>
-              <a:t>Форматы </a:t>
-            </a:r>
-            <a:r>
-              <a:rPr lang="ru-RU" b="1" dirty="0"/>
-              <a:t>записи набора </a:t>
-            </a:r>
-            <a:r>
-              <a:rPr lang="ru-RU" b="1" dirty="0" smtClean="0"/>
-              <a:t>данных</a:t>
-            </a:r>
-          </a:p>
-          <a:p>
-            <a:pPr>
-              <a:buNone/>
-            </a:pPr>
-            <a:r>
-              <a:rPr lang="ru-RU" b="1" dirty="0"/>
-              <a:t>	</a:t>
-            </a:r>
-            <a:r>
-              <a:rPr lang="ru-RU" b="1" dirty="0" smtClean="0"/>
-              <a:t>Объект </a:t>
-            </a:r>
-            <a:r>
-              <a:rPr lang="ru-RU" b="1" dirty="0"/>
-              <a:t>разметки:</a:t>
-            </a:r>
-            <a:r>
-              <a:rPr lang="ru-RU" dirty="0"/>
-              <a:t> </a:t>
-            </a:r>
-            <a:r>
-              <a:rPr lang="ru-RU" dirty="0" err="1" smtClean="0"/>
-              <a:t>NIFTI</a:t>
-            </a:r>
-            <a:endParaRPr lang="ru-RU" dirty="0" smtClean="0"/>
-          </a:p>
-          <a:p>
-            <a:pPr>
-              <a:buNone/>
-            </a:pPr>
-            <a:r>
-              <a:rPr lang="ru-RU" b="1" dirty="0"/>
-              <a:t>	</a:t>
-            </a:r>
-            <a:r>
-              <a:rPr lang="ru-RU" b="1" dirty="0" smtClean="0"/>
-              <a:t>Результат </a:t>
-            </a:r>
-            <a:r>
-              <a:rPr lang="ru-RU" b="1" dirty="0"/>
-              <a:t>разметки:</a:t>
-            </a:r>
-            <a:r>
-              <a:rPr lang="ru-RU" dirty="0"/>
-              <a:t> </a:t>
-            </a:r>
-            <a:r>
-              <a:rPr lang="ru-RU" dirty="0" smtClean="0"/>
-              <a:t>Табличный</a:t>
-            </a:r>
-          </a:p>
-          <a:p>
-            <a:r>
-              <a:rPr lang="ru-RU" b="1" dirty="0" smtClean="0"/>
-              <a:t>Объем данных</a:t>
-            </a:r>
-          </a:p>
-          <a:p>
-            <a:pPr>
-              <a:buNone/>
-            </a:pPr>
-            <a:r>
-              <a:rPr lang="ru-RU" b="1" dirty="0"/>
-              <a:t>	</a:t>
-            </a:r>
-            <a:r>
-              <a:rPr lang="ru-RU" b="1" dirty="0" smtClean="0"/>
-              <a:t>Количество </a:t>
-            </a:r>
-            <a:r>
-              <a:rPr lang="ru-RU" b="1" dirty="0"/>
-              <a:t>исследований набора данных:</a:t>
-            </a:r>
-            <a:r>
-              <a:rPr lang="ru-RU" dirty="0"/>
-              <a:t> </a:t>
-            </a:r>
-            <a:r>
-              <a:rPr lang="ru-RU" dirty="0" smtClean="0"/>
-              <a:t>1110</a:t>
-            </a:r>
-          </a:p>
-          <a:p>
-            <a:pPr>
-              <a:buNone/>
-            </a:pPr>
-            <a:r>
-              <a:rPr lang="ru-RU" b="1" dirty="0"/>
-              <a:t>	</a:t>
-            </a:r>
-            <a:r>
-              <a:rPr lang="ru-RU" b="1" dirty="0" smtClean="0"/>
-              <a:t>Количество </a:t>
-            </a:r>
-            <a:r>
-              <a:rPr lang="ru-RU" b="1" dirty="0"/>
-              <a:t>уникальных источников (</a:t>
-            </a:r>
-            <a:r>
-              <a:rPr lang="ru-RU" b="1" dirty="0" err="1"/>
-              <a:t>ДУ</a:t>
-            </a:r>
-            <a:r>
-              <a:rPr lang="ru-RU" b="1" dirty="0"/>
-              <a:t>):</a:t>
-            </a:r>
-            <a:r>
-              <a:rPr lang="ru-RU" dirty="0"/>
-              <a:t> 48</a:t>
-            </a:r>
-          </a:p>
-          <a:p>
-            <a:endParaRPr lang="ru-RU" dirty="0"/>
-          </a:p>
-        </p:txBody>
-      </p:sp>
+        </p:nvPicPr>
+        <p:blipFill>
+          <a:blip r:embed="rId2" cstate="print"/>
+          <a:srcRect/>
+          <a:stretch>
+            <a:fillRect/>
+          </a:stretch>
+        </p:blipFill>
+        <p:spPr bwMode="auto">
+          <a:xfrm>
+            <a:off x="457200" y="2097419"/>
+            <a:ext cx="8229600" cy="3531525"/>
+          </a:xfrm>
+          <a:prstGeom prst="rect">
+            <a:avLst/>
+          </a:prstGeom>
+          <a:noFill/>
+          <a:ln w="9525">
+            <a:noFill/>
+            <a:miter lim="800000"/>
+            <a:headEnd/>
+            <a:tailEnd/>
+          </a:ln>
+        </p:spPr>
+      </p:pic>
     </p:spTree>
   </p:cSld>
   <p:clrMapOvr>
@@ -5454,6 +4521,1279 @@
 </file>
 
 <file path=ppt/slides/slide23.xml><?xml version="1.0" encoding="utf-8"?>
+<p:sld xmlns:a="http://schemas.openxmlformats.org/drawingml/2006/main" xmlns:r="http://schemas.openxmlformats.org/officeDocument/2006/relationships" xmlns:p="http://schemas.openxmlformats.org/presentationml/2006/main">
+  <p:cSld>
+    <p:spTree>
+      <p:nvGrpSpPr>
+        <p:cNvPr id="1" name=""/>
+        <p:cNvGrpSpPr/>
+        <p:nvPr/>
+      </p:nvGrpSpPr>
+      <p:grpSpPr>
+        <a:xfrm>
+          <a:off x="0" y="0"/>
+          <a:ext cx="0" cy="0"/>
+          <a:chOff x="0" y="0"/>
+          <a:chExt cx="0" cy="0"/>
+        </a:xfrm>
+      </p:grpSpPr>
+      <p:sp>
+        <p:nvSpPr>
+          <p:cNvPr id="2" name="Заголовок 1"/>
+          <p:cNvSpPr>
+            <a:spLocks noGrp="1"/>
+          </p:cNvSpPr>
+          <p:nvPr>
+            <p:ph type="title"/>
+          </p:nvPr>
+        </p:nvSpPr>
+        <p:spPr/>
+        <p:txBody>
+          <a:bodyPr>
+            <a:normAutofit/>
+          </a:bodyPr>
+          <a:lstStyle/>
+          <a:p>
+            <a:r>
+              <a:rPr lang="ru-RU" dirty="0" smtClean="0">
+                <a:hlinkClick r:id="rId2"/>
+              </a:rPr>
+              <a:t>Клинические параметры</a:t>
+            </a:r>
+            <a:endParaRPr lang="ru-RU" dirty="0"/>
+          </a:p>
+        </p:txBody>
+      </p:sp>
+      <p:sp>
+        <p:nvSpPr>
+          <p:cNvPr id="3" name="Содержимое 2"/>
+          <p:cNvSpPr>
+            <a:spLocks noGrp="1"/>
+          </p:cNvSpPr>
+          <p:nvPr>
+            <p:ph idx="1"/>
+          </p:nvPr>
+        </p:nvSpPr>
+        <p:spPr/>
+        <p:txBody>
+          <a:bodyPr>
+            <a:normAutofit fontScale="47500" lnSpcReduction="20000"/>
+          </a:bodyPr>
+          <a:lstStyle/>
+          <a:p>
+            <a:r>
+              <a:rPr lang="ru-RU" b="1" dirty="0" smtClean="0"/>
+              <a:t>Целевые нозологии</a:t>
+            </a:r>
+          </a:p>
+          <a:p>
+            <a:pPr>
+              <a:buNone/>
+            </a:pPr>
+            <a:r>
+              <a:rPr lang="ru-RU" b="1" dirty="0"/>
+              <a:t>	</a:t>
+            </a:r>
+            <a:r>
+              <a:rPr lang="ru-RU" b="1" dirty="0" smtClean="0"/>
+              <a:t>Целевые </a:t>
+            </a:r>
+            <a:r>
+              <a:rPr lang="ru-RU" b="1" dirty="0" err="1"/>
+              <a:t>патологии\признаки</a:t>
+            </a:r>
+            <a:r>
+              <a:rPr lang="ru-RU" b="1" dirty="0"/>
+              <a:t>:</a:t>
+            </a:r>
+            <a:r>
+              <a:rPr lang="ru-RU" dirty="0"/>
+              <a:t> </a:t>
+            </a:r>
+            <a:r>
+              <a:rPr lang="ru-RU" dirty="0" err="1" smtClean="0"/>
+              <a:t>COVID-19</a:t>
+            </a:r>
+            <a:endParaRPr lang="ru-RU" dirty="0" smtClean="0"/>
+          </a:p>
+          <a:p>
+            <a:pPr>
+              <a:buNone/>
+            </a:pPr>
+            <a:r>
+              <a:rPr lang="ru-RU" b="1" dirty="0"/>
+              <a:t>	</a:t>
+            </a:r>
+            <a:r>
+              <a:rPr lang="ru-RU" b="1" dirty="0" smtClean="0"/>
+              <a:t>Код </a:t>
+            </a:r>
+            <a:r>
+              <a:rPr lang="ru-RU" b="1" dirty="0" err="1"/>
+              <a:t>МКБ-10</a:t>
+            </a:r>
+            <a:r>
+              <a:rPr lang="ru-RU" b="1" dirty="0"/>
+              <a:t> целевой патологии:</a:t>
+            </a:r>
+            <a:r>
+              <a:rPr lang="ru-RU" dirty="0"/>
+              <a:t> </a:t>
+            </a:r>
+            <a:r>
+              <a:rPr lang="ru-RU" dirty="0" err="1" smtClean="0"/>
+              <a:t>U07.1</a:t>
+            </a:r>
+            <a:endParaRPr lang="ru-RU" dirty="0" smtClean="0"/>
+          </a:p>
+          <a:p>
+            <a:r>
+              <a:rPr lang="ru-RU" b="1" dirty="0" smtClean="0"/>
+              <a:t>Параметры популяции</a:t>
+            </a:r>
+          </a:p>
+          <a:p>
+            <a:pPr>
+              <a:buNone/>
+            </a:pPr>
+            <a:r>
+              <a:rPr lang="ru-RU" b="1" dirty="0"/>
+              <a:t>	</a:t>
+            </a:r>
+            <a:r>
+              <a:rPr lang="ru-RU" b="1" dirty="0" smtClean="0"/>
+              <a:t>Критерии </a:t>
+            </a:r>
+            <a:r>
+              <a:rPr lang="ru-RU" b="1" dirty="0"/>
+              <a:t>включения/</a:t>
+            </a:r>
+            <a:r>
+              <a:rPr lang="ru-RU" b="1" dirty="0" err="1"/>
+              <a:t>невключения</a:t>
+            </a:r>
+            <a:r>
+              <a:rPr lang="ru-RU" b="1" dirty="0"/>
+              <a:t> пациента</a:t>
+            </a:r>
+            <a:r>
+              <a:rPr lang="ru-RU" b="1" dirty="0" smtClean="0"/>
+              <a:t>:</a:t>
+            </a:r>
+          </a:p>
+          <a:p>
+            <a:pPr>
+              <a:buNone/>
+            </a:pPr>
+            <a:r>
+              <a:rPr lang="ru-RU" b="1" dirty="0"/>
+              <a:t>	</a:t>
+            </a:r>
+            <a:r>
+              <a:rPr lang="ru-RU" dirty="0" smtClean="0"/>
+              <a:t>Критерии </a:t>
+            </a:r>
+            <a:r>
+              <a:rPr lang="ru-RU" dirty="0"/>
+              <a:t>включения пациента: Возраст ≥18 лет</a:t>
+            </a:r>
+            <a:br>
+              <a:rPr lang="ru-RU" dirty="0"/>
+            </a:br>
+            <a:r>
+              <a:rPr lang="ru-RU" dirty="0"/>
+              <a:t>Критерии </a:t>
+            </a:r>
+            <a:r>
+              <a:rPr lang="ru-RU" dirty="0" err="1"/>
+              <a:t>невключения</a:t>
+            </a:r>
+            <a:r>
+              <a:rPr lang="ru-RU" dirty="0"/>
+              <a:t> пациента: Наличие оперативных вмешательств, лучевой терапии в анамнезе для лечения заболеваний в области грудной клетки</a:t>
+            </a:r>
+          </a:p>
+          <a:p>
+            <a:pPr>
+              <a:buNone/>
+            </a:pPr>
+            <a:r>
+              <a:rPr lang="ru-RU" dirty="0" smtClean="0"/>
+              <a:t>	Возраст </a:t>
+            </a:r>
+            <a:r>
+              <a:rPr lang="ru-RU" dirty="0"/>
+              <a:t>(мин., лет): </a:t>
+            </a:r>
+            <a:r>
+              <a:rPr lang="ru-RU" dirty="0" smtClean="0"/>
+              <a:t>18</a:t>
+            </a:r>
+          </a:p>
+          <a:p>
+            <a:pPr>
+              <a:buNone/>
+            </a:pPr>
+            <a:r>
+              <a:rPr lang="ru-RU" dirty="0"/>
+              <a:t>	</a:t>
+            </a:r>
+            <a:r>
+              <a:rPr lang="ru-RU" dirty="0" smtClean="0"/>
+              <a:t>Возраст </a:t>
+            </a:r>
+            <a:r>
+              <a:rPr lang="ru-RU" dirty="0"/>
+              <a:t>(макс., лет): </a:t>
+            </a:r>
+            <a:r>
+              <a:rPr lang="ru-RU" dirty="0" smtClean="0"/>
+              <a:t>97</a:t>
+            </a:r>
+          </a:p>
+          <a:p>
+            <a:pPr>
+              <a:buNone/>
+            </a:pPr>
+            <a:r>
+              <a:rPr lang="ru-RU" dirty="0"/>
+              <a:t>	</a:t>
+            </a:r>
+            <a:r>
+              <a:rPr lang="ru-RU" dirty="0" smtClean="0"/>
+              <a:t>Возраст </a:t>
+            </a:r>
+            <a:r>
+              <a:rPr lang="ru-RU" dirty="0"/>
+              <a:t>(медиана, лет): </a:t>
+            </a:r>
+            <a:r>
+              <a:rPr lang="ru-RU" dirty="0" smtClean="0"/>
+              <a:t>47,0</a:t>
+            </a:r>
+          </a:p>
+          <a:p>
+            <a:pPr>
+              <a:buNone/>
+            </a:pPr>
+            <a:r>
+              <a:rPr lang="ru-RU" dirty="0"/>
+              <a:t>	</a:t>
+            </a:r>
+            <a:r>
+              <a:rPr lang="ru-RU" dirty="0" smtClean="0"/>
+              <a:t>Пол </a:t>
+            </a:r>
+            <a:r>
+              <a:rPr lang="ru-RU" dirty="0"/>
+              <a:t>(М): </a:t>
+            </a:r>
+            <a:r>
+              <a:rPr lang="ru-RU" dirty="0" smtClean="0"/>
+              <a:t>42</a:t>
+            </a:r>
+          </a:p>
+          <a:p>
+            <a:pPr>
+              <a:buNone/>
+            </a:pPr>
+            <a:r>
+              <a:rPr lang="ru-RU" dirty="0"/>
+              <a:t>	</a:t>
+            </a:r>
+            <a:r>
+              <a:rPr lang="ru-RU" dirty="0" smtClean="0"/>
+              <a:t>Пол </a:t>
+            </a:r>
+            <a:r>
+              <a:rPr lang="ru-RU" dirty="0"/>
+              <a:t>(Ж): </a:t>
+            </a:r>
+            <a:r>
+              <a:rPr lang="ru-RU" dirty="0" smtClean="0"/>
+              <a:t>56</a:t>
+            </a:r>
+          </a:p>
+          <a:p>
+            <a:pPr>
+              <a:buNone/>
+            </a:pPr>
+            <a:r>
+              <a:rPr lang="ru-RU" dirty="0"/>
+              <a:t>	</a:t>
+            </a:r>
+            <a:r>
+              <a:rPr lang="ru-RU" dirty="0" smtClean="0"/>
+              <a:t>Пол </a:t>
+            </a:r>
+            <a:r>
+              <a:rPr lang="ru-RU" dirty="0"/>
+              <a:t>(</a:t>
+            </a:r>
+            <a:r>
+              <a:rPr lang="ru-RU" dirty="0" err="1"/>
+              <a:t>неопределено</a:t>
+            </a:r>
+            <a:r>
+              <a:rPr lang="ru-RU" dirty="0"/>
+              <a:t>): </a:t>
+            </a:r>
+            <a:r>
+              <a:rPr lang="ru-RU" dirty="0" smtClean="0"/>
+              <a:t>2</a:t>
+            </a:r>
+          </a:p>
+          <a:p>
+            <a:pPr>
+              <a:buNone/>
+            </a:pPr>
+            <a:r>
+              <a:rPr lang="ru-RU" dirty="0"/>
+              <a:t>	</a:t>
+            </a:r>
+            <a:r>
+              <a:rPr lang="ru-RU" dirty="0" smtClean="0"/>
+              <a:t>Период </a:t>
+            </a:r>
+            <a:r>
+              <a:rPr lang="ru-RU" dirty="0"/>
+              <a:t>сбора (начало): </a:t>
+            </a:r>
+            <a:r>
+              <a:rPr lang="ru-RU" dirty="0" smtClean="0"/>
+              <a:t>01.03.2020</a:t>
+            </a:r>
+          </a:p>
+          <a:p>
+            <a:pPr>
+              <a:buNone/>
+            </a:pPr>
+            <a:r>
+              <a:rPr lang="ru-RU" dirty="0"/>
+              <a:t>	</a:t>
+            </a:r>
+            <a:r>
+              <a:rPr lang="ru-RU" dirty="0" smtClean="0"/>
+              <a:t>Период </a:t>
+            </a:r>
+            <a:r>
+              <a:rPr lang="ru-RU" dirty="0"/>
+              <a:t>сбора (конец): </a:t>
+            </a:r>
+            <a:r>
+              <a:rPr lang="ru-RU" dirty="0" smtClean="0"/>
+              <a:t>25.04.2020</a:t>
+            </a:r>
+          </a:p>
+          <a:p>
+            <a:pPr>
+              <a:buNone/>
+            </a:pPr>
+            <a:r>
+              <a:rPr lang="ru-RU" dirty="0"/>
+              <a:t>	</a:t>
+            </a:r>
+            <a:r>
+              <a:rPr lang="ru-RU" dirty="0" smtClean="0"/>
+              <a:t>Эпидемиологическая </a:t>
+            </a:r>
+            <a:r>
+              <a:rPr lang="ru-RU" dirty="0"/>
+              <a:t>обстановка: В условиях пандемии </a:t>
+            </a:r>
+            <a:r>
+              <a:rPr lang="ru-RU" dirty="0" err="1"/>
+              <a:t>коронавирусной</a:t>
+            </a:r>
+            <a:r>
+              <a:rPr lang="ru-RU" dirty="0"/>
+              <a:t> инфекции (</a:t>
+            </a:r>
+            <a:r>
+              <a:rPr lang="ru-RU" dirty="0" err="1"/>
+              <a:t>COVID-19</a:t>
+            </a:r>
+            <a:r>
+              <a:rPr lang="ru-RU" dirty="0"/>
+              <a:t>)</a:t>
+            </a:r>
+          </a:p>
+        </p:txBody>
+      </p:sp>
+    </p:spTree>
+  </p:cSld>
+  <p:clrMapOvr>
+    <a:masterClrMapping/>
+  </p:clrMapOvr>
+</p:sld>
+</file>
+
+<file path=ppt/slides/slide24.xml><?xml version="1.0" encoding="utf-8"?>
+<p:sld xmlns:a="http://schemas.openxmlformats.org/drawingml/2006/main" xmlns:r="http://schemas.openxmlformats.org/officeDocument/2006/relationships" xmlns:p="http://schemas.openxmlformats.org/presentationml/2006/main">
+  <p:cSld>
+    <p:spTree>
+      <p:nvGrpSpPr>
+        <p:cNvPr id="1" name=""/>
+        <p:cNvGrpSpPr/>
+        <p:nvPr/>
+      </p:nvGrpSpPr>
+      <p:grpSpPr>
+        <a:xfrm>
+          <a:off x="0" y="0"/>
+          <a:ext cx="0" cy="0"/>
+          <a:chOff x="0" y="0"/>
+          <a:chExt cx="0" cy="0"/>
+        </a:xfrm>
+      </p:grpSpPr>
+      <p:sp>
+        <p:nvSpPr>
+          <p:cNvPr id="2" name="Заголовок 1"/>
+          <p:cNvSpPr>
+            <a:spLocks noGrp="1"/>
+          </p:cNvSpPr>
+          <p:nvPr>
+            <p:ph type="title"/>
+          </p:nvPr>
+        </p:nvSpPr>
+        <p:spPr/>
+        <p:txBody>
+          <a:bodyPr>
+            <a:normAutofit/>
+          </a:bodyPr>
+          <a:lstStyle/>
+          <a:p>
+            <a:r>
+              <a:rPr lang="ru-RU" dirty="0" smtClean="0">
+                <a:hlinkClick r:id="rId2"/>
+              </a:rPr>
+              <a:t>Назначение</a:t>
+            </a:r>
+            <a:endParaRPr lang="ru-RU" dirty="0"/>
+          </a:p>
+        </p:txBody>
+      </p:sp>
+      <p:sp>
+        <p:nvSpPr>
+          <p:cNvPr id="3" name="Содержимое 2"/>
+          <p:cNvSpPr>
+            <a:spLocks noGrp="1"/>
+          </p:cNvSpPr>
+          <p:nvPr>
+            <p:ph idx="1"/>
+          </p:nvPr>
+        </p:nvSpPr>
+        <p:spPr/>
+        <p:txBody>
+          <a:bodyPr>
+            <a:normAutofit/>
+          </a:bodyPr>
+          <a:lstStyle/>
+          <a:p>
+            <a:r>
+              <a:rPr lang="ru-RU" b="1" dirty="0" smtClean="0"/>
+              <a:t>Клиническая/практическая/научная </a:t>
+            </a:r>
+            <a:r>
+              <a:rPr lang="ru-RU" b="1" dirty="0"/>
+              <a:t>задача создания набора данных:</a:t>
+            </a:r>
+            <a:r>
+              <a:rPr lang="ru-RU" dirty="0"/>
+              <a:t> Определение степени поражения паренхимы легкого при </a:t>
+            </a:r>
+            <a:r>
+              <a:rPr lang="ru-RU" dirty="0" err="1" smtClean="0"/>
+              <a:t>COVID-19</a:t>
+            </a:r>
+            <a:endParaRPr lang="ru-RU" dirty="0" smtClean="0"/>
+          </a:p>
+          <a:p>
+            <a:r>
+              <a:rPr lang="ru-RU" b="1" dirty="0" smtClean="0"/>
+              <a:t>Назначение </a:t>
+            </a:r>
+            <a:r>
+              <a:rPr lang="ru-RU" b="1" dirty="0" err="1"/>
+              <a:t>датасета</a:t>
+            </a:r>
+            <a:r>
+              <a:rPr lang="ru-RU" b="1" dirty="0"/>
+              <a:t>:</a:t>
+            </a:r>
+            <a:r>
+              <a:rPr lang="ru-RU" dirty="0"/>
+              <a:t> Обучение ИИ </a:t>
+            </a:r>
+            <a:r>
+              <a:rPr lang="ru-RU" dirty="0" smtClean="0"/>
+              <a:t>алгоритма</a:t>
+            </a:r>
+          </a:p>
+          <a:p>
+            <a:r>
+              <a:rPr lang="ru-RU" b="1" dirty="0" smtClean="0"/>
+              <a:t>Вариант</a:t>
+            </a:r>
+            <a:r>
+              <a:rPr lang="ru-RU" b="1" dirty="0"/>
+              <a:t>:</a:t>
+            </a:r>
+            <a:r>
+              <a:rPr lang="ru-RU" dirty="0"/>
+              <a:t> </a:t>
+            </a:r>
+            <a:r>
+              <a:rPr lang="ru-RU" dirty="0" err="1"/>
+              <a:t>SC</a:t>
+            </a:r>
+            <a:r>
+              <a:rPr lang="ru-RU" dirty="0"/>
+              <a:t> - </a:t>
+            </a:r>
+            <a:r>
+              <a:rPr lang="ru-RU" dirty="0" err="1"/>
+              <a:t>special</a:t>
+            </a:r>
+            <a:r>
+              <a:rPr lang="ru-RU" dirty="0"/>
+              <a:t> </a:t>
+            </a:r>
+            <a:r>
+              <a:rPr lang="ru-RU" dirty="0" err="1"/>
+              <a:t>case</a:t>
+            </a:r>
+            <a:endParaRPr lang="ru-RU" dirty="0"/>
+          </a:p>
+        </p:txBody>
+      </p:sp>
+    </p:spTree>
+  </p:cSld>
+  <p:clrMapOvr>
+    <a:masterClrMapping/>
+  </p:clrMapOvr>
+</p:sld>
+</file>
+
+<file path=ppt/slides/slide25.xml><?xml version="1.0" encoding="utf-8"?>
+<p:sld xmlns:a="http://schemas.openxmlformats.org/drawingml/2006/main" xmlns:r="http://schemas.openxmlformats.org/officeDocument/2006/relationships" xmlns:p="http://schemas.openxmlformats.org/presentationml/2006/main">
+  <p:cSld>
+    <p:spTree>
+      <p:nvGrpSpPr>
+        <p:cNvPr id="1" name=""/>
+        <p:cNvGrpSpPr/>
+        <p:nvPr/>
+      </p:nvGrpSpPr>
+      <p:grpSpPr>
+        <a:xfrm>
+          <a:off x="0" y="0"/>
+          <a:ext cx="0" cy="0"/>
+          <a:chOff x="0" y="0"/>
+          <a:chExt cx="0" cy="0"/>
+        </a:xfrm>
+      </p:grpSpPr>
+      <p:sp>
+        <p:nvSpPr>
+          <p:cNvPr id="2" name="Заголовок 1"/>
+          <p:cNvSpPr>
+            <a:spLocks noGrp="1"/>
+          </p:cNvSpPr>
+          <p:nvPr>
+            <p:ph type="title"/>
+          </p:nvPr>
+        </p:nvSpPr>
+        <p:spPr/>
+        <p:txBody>
+          <a:bodyPr>
+            <a:normAutofit/>
+          </a:bodyPr>
+          <a:lstStyle/>
+          <a:p>
+            <a:r>
+              <a:rPr lang="ru-RU" dirty="0" smtClean="0">
+                <a:hlinkClick r:id="rId2"/>
+              </a:rPr>
+              <a:t>Разметка и верификация</a:t>
+            </a:r>
+            <a:endParaRPr lang="ru-RU" dirty="0"/>
+          </a:p>
+        </p:txBody>
+      </p:sp>
+      <p:sp>
+        <p:nvSpPr>
+          <p:cNvPr id="3" name="Содержимое 2"/>
+          <p:cNvSpPr>
+            <a:spLocks noGrp="1"/>
+          </p:cNvSpPr>
+          <p:nvPr>
+            <p:ph idx="1"/>
+          </p:nvPr>
+        </p:nvSpPr>
+        <p:spPr/>
+        <p:txBody>
+          <a:bodyPr>
+            <a:normAutofit fontScale="40000" lnSpcReduction="20000"/>
+          </a:bodyPr>
+          <a:lstStyle/>
+          <a:p>
+            <a:r>
+              <a:rPr lang="ru-RU" b="1" dirty="0" err="1" smtClean="0"/>
+              <a:t>РазметкаУровень</a:t>
+            </a:r>
+            <a:r>
+              <a:rPr lang="ru-RU" b="1" dirty="0" smtClean="0"/>
+              <a:t> </a:t>
+            </a:r>
+            <a:r>
+              <a:rPr lang="ru-RU" b="1" dirty="0"/>
+              <a:t>разметки:</a:t>
+            </a:r>
+            <a:r>
+              <a:rPr lang="ru-RU" dirty="0"/>
+              <a:t> Изображение, </a:t>
+            </a:r>
+            <a:r>
+              <a:rPr lang="ru-RU" dirty="0" smtClean="0"/>
+              <a:t>Исследование</a:t>
+            </a:r>
+          </a:p>
+          <a:p>
+            <a:r>
+              <a:rPr lang="ru-RU" b="1" dirty="0" smtClean="0"/>
+              <a:t>Способы </a:t>
+            </a:r>
+            <a:r>
+              <a:rPr lang="ru-RU" b="1" dirty="0" err="1"/>
+              <a:t>предразметки</a:t>
+            </a:r>
+            <a:r>
+              <a:rPr lang="ru-RU" b="1" dirty="0"/>
+              <a:t>:</a:t>
+            </a:r>
+            <a:r>
+              <a:rPr lang="ru-RU" dirty="0"/>
+              <a:t> </a:t>
+            </a:r>
+            <a:r>
+              <a:rPr lang="ru-RU" dirty="0" smtClean="0"/>
+              <a:t>Нет</a:t>
+            </a:r>
+          </a:p>
+          <a:p>
+            <a:r>
+              <a:rPr lang="ru-RU" b="1" dirty="0" smtClean="0"/>
+              <a:t>Характер </a:t>
+            </a:r>
+            <a:r>
+              <a:rPr lang="ru-RU" b="1" dirty="0"/>
+              <a:t>разметки:</a:t>
+            </a:r>
+            <a:r>
+              <a:rPr lang="ru-RU" dirty="0"/>
+              <a:t> </a:t>
+            </a:r>
+            <a:r>
+              <a:rPr lang="ru-RU" dirty="0" smtClean="0"/>
+              <a:t>Бинарная</a:t>
+            </a:r>
+          </a:p>
+          <a:p>
+            <a:r>
+              <a:rPr lang="ru-RU" b="1" dirty="0" smtClean="0"/>
+              <a:t>Количество </a:t>
+            </a:r>
+            <a:r>
+              <a:rPr lang="ru-RU" b="1" dirty="0"/>
+              <a:t>лейблов:</a:t>
+            </a:r>
+            <a:r>
+              <a:rPr lang="ru-RU" dirty="0"/>
+              <a:t> </a:t>
+            </a:r>
+            <a:r>
+              <a:rPr lang="ru-RU" dirty="0" smtClean="0"/>
+              <a:t>1</a:t>
+            </a:r>
+          </a:p>
+          <a:p>
+            <a:r>
+              <a:rPr lang="ru-RU" b="1" dirty="0" smtClean="0"/>
+              <a:t>Характер </a:t>
+            </a:r>
+            <a:r>
+              <a:rPr lang="ru-RU" b="1" dirty="0"/>
+              <a:t>лейблов:</a:t>
+            </a:r>
+            <a:r>
+              <a:rPr lang="ru-RU" dirty="0"/>
+              <a:t> </a:t>
+            </a:r>
+            <a:r>
+              <a:rPr lang="ru-RU" dirty="0" err="1"/>
+              <a:t>Мультикласс</a:t>
+            </a:r>
+            <a:r>
+              <a:rPr lang="ru-RU" dirty="0"/>
+              <a:t> (1 лейбл, </a:t>
+            </a:r>
+            <a:r>
+              <a:rPr lang="ru-RU" dirty="0" err="1"/>
+              <a:t>M</a:t>
+            </a:r>
+            <a:r>
+              <a:rPr lang="ru-RU" dirty="0"/>
+              <a:t> классов, </a:t>
+            </a:r>
+            <a:r>
+              <a:rPr lang="ru-RU" dirty="0" err="1"/>
+              <a:t>M</a:t>
+            </a:r>
+            <a:r>
+              <a:rPr lang="ru-RU" dirty="0"/>
+              <a:t>&gt;2</a:t>
+            </a:r>
+            <a:r>
+              <a:rPr lang="ru-RU" dirty="0" smtClean="0"/>
+              <a:t>)</a:t>
+            </a:r>
+          </a:p>
+          <a:p>
+            <a:r>
+              <a:rPr lang="ru-RU" b="1" dirty="0" smtClean="0"/>
+              <a:t>Уровень </a:t>
+            </a:r>
+            <a:r>
+              <a:rPr lang="ru-RU" b="1" dirty="0"/>
+              <a:t>детализации лейблов:</a:t>
+            </a:r>
+            <a:r>
+              <a:rPr lang="ru-RU" dirty="0"/>
+              <a:t> </a:t>
+            </a:r>
+            <a:r>
+              <a:rPr lang="ru-RU" dirty="0" smtClean="0"/>
+              <a:t>Исследование/серия/изображение</a:t>
+            </a:r>
+          </a:p>
+          <a:p>
+            <a:r>
+              <a:rPr lang="ru-RU" b="1" dirty="0" smtClean="0"/>
+              <a:t>Названия </a:t>
+            </a:r>
+            <a:r>
+              <a:rPr lang="ru-RU" b="1" dirty="0"/>
+              <a:t>лейблов:</a:t>
+            </a:r>
+            <a:r>
+              <a:rPr lang="ru-RU" dirty="0"/>
+              <a:t> Признаки поражения паренхимы легкого при </a:t>
+            </a:r>
+            <a:r>
+              <a:rPr lang="ru-RU" dirty="0" err="1"/>
+              <a:t>COVID-19</a:t>
+            </a:r>
+            <a:r>
+              <a:rPr lang="ru-RU" dirty="0"/>
+              <a:t> согласно -Базовые диагностические требования от августа </a:t>
+            </a:r>
+            <a:r>
+              <a:rPr lang="ru-RU" dirty="0" err="1" smtClean="0"/>
+              <a:t>2021г</a:t>
+            </a:r>
+            <a:endParaRPr lang="ru-RU" dirty="0" smtClean="0"/>
+          </a:p>
+          <a:p>
+            <a:r>
+              <a:rPr lang="ru-RU" b="1" dirty="0" smtClean="0"/>
+              <a:t>Количество </a:t>
+            </a:r>
+            <a:r>
+              <a:rPr lang="ru-RU" b="1" dirty="0"/>
+              <a:t>классов:</a:t>
+            </a:r>
+            <a:r>
+              <a:rPr lang="ru-RU" dirty="0"/>
+              <a:t> </a:t>
+            </a:r>
+            <a:r>
+              <a:rPr lang="ru-RU" dirty="0" smtClean="0"/>
+              <a:t>2</a:t>
+            </a:r>
+          </a:p>
+          <a:p>
+            <a:r>
+              <a:rPr lang="ru-RU" b="1" dirty="0" smtClean="0"/>
+              <a:t>Названия </a:t>
+            </a:r>
+            <a:r>
+              <a:rPr lang="ru-RU" b="1" dirty="0"/>
+              <a:t>классов:</a:t>
+            </a:r>
+            <a:r>
+              <a:rPr lang="ru-RU" dirty="0"/>
+              <a:t> Без целевой патологии - 0; С целевой патологией </a:t>
+            </a:r>
+            <a:r>
+              <a:rPr lang="ru-RU" dirty="0" smtClean="0"/>
+              <a:t>– 1</a:t>
+            </a:r>
+          </a:p>
+          <a:p>
+            <a:r>
+              <a:rPr lang="ru-RU" b="1" dirty="0" smtClean="0"/>
+              <a:t>Количество </a:t>
+            </a:r>
+            <a:r>
+              <a:rPr lang="ru-RU" b="1" dirty="0"/>
+              <a:t>по классам:</a:t>
+            </a:r>
+            <a:r>
+              <a:rPr lang="ru-RU" dirty="0"/>
+              <a:t> КТ-0 ― 254 (22,8%), КТ-1 ― 684 (61,6%), КТ-2 ― 125 (11,3%), КТ-3 ― 45 (4,1%), КТ-4 ― 2 (0,2</a:t>
+            </a:r>
+            <a:r>
+              <a:rPr lang="ru-RU" dirty="0" smtClean="0"/>
+              <a:t>%).</a:t>
+            </a:r>
+          </a:p>
+          <a:p>
+            <a:r>
+              <a:rPr lang="ru-RU" b="1" dirty="0" smtClean="0"/>
+              <a:t>Критерии </a:t>
+            </a:r>
+            <a:r>
+              <a:rPr lang="ru-RU" b="1" dirty="0"/>
+              <a:t>отнесения к </a:t>
+            </a:r>
+            <a:r>
+              <a:rPr lang="ru-RU" b="1" dirty="0" err="1"/>
+              <a:t>классам:</a:t>
+            </a:r>
+            <a:r>
+              <a:rPr lang="ru-RU" dirty="0" err="1"/>
+              <a:t>С</a:t>
+            </a:r>
+            <a:r>
+              <a:rPr lang="ru-RU" dirty="0"/>
+              <a:t> патологией:</a:t>
+            </a:r>
+          </a:p>
+          <a:p>
+            <a:r>
+              <a:rPr lang="ru-RU" dirty="0"/>
+              <a:t>Инфильтрация легочной паренхимы по типу матовых стекол с обеих сторон, преимущественно периферической локализации с или без инфильтрацией легочной паренхимы по типу консолидации с положительным признаком воздушной </a:t>
+            </a:r>
+            <a:r>
+              <a:rPr lang="ru-RU" dirty="0" err="1"/>
+              <a:t>бронхограммы</a:t>
+            </a:r>
+            <a:r>
+              <a:rPr lang="ru-RU" dirty="0"/>
+              <a:t>;</a:t>
+            </a:r>
+          </a:p>
+          <a:p>
+            <a:r>
+              <a:rPr lang="ru-RU" dirty="0"/>
+              <a:t>Инфильтрация легочной паренхимы по типу булыжной мостовой (утолщение </a:t>
+            </a:r>
+            <a:r>
+              <a:rPr lang="ru-RU" dirty="0" err="1"/>
+              <a:t>междолькового</a:t>
+            </a:r>
+            <a:r>
+              <a:rPr lang="ru-RU" dirty="0"/>
+              <a:t> </a:t>
+            </a:r>
+            <a:r>
+              <a:rPr lang="ru-RU" dirty="0" err="1"/>
+              <a:t>интерстиция</a:t>
+            </a:r>
+            <a:r>
+              <a:rPr lang="ru-RU" dirty="0"/>
+              <a:t> на фоне матового стекла) с обеих сторон, преимущественно периферической локализации, с или или без инфильтрацией легочной паренхимы по типу консолидации с положительным признаком воздушной </a:t>
+            </a:r>
+            <a:r>
+              <a:rPr lang="ru-RU" dirty="0" err="1"/>
+              <a:t>бронхограммы</a:t>
+            </a:r>
+            <a:r>
+              <a:rPr lang="ru-RU" dirty="0"/>
+              <a:t>.</a:t>
+            </a:r>
+          </a:p>
+          <a:p>
+            <a:r>
+              <a:rPr lang="ru-RU" dirty="0"/>
+              <a:t>Без патологии: отсутствие вышеперечисленных признаков</a:t>
+            </a:r>
+          </a:p>
+          <a:p>
+            <a:r>
+              <a:rPr lang="ru-RU" b="1" dirty="0" err="1"/>
+              <a:t>ВерификацияМетод</a:t>
+            </a:r>
+            <a:r>
+              <a:rPr lang="ru-RU" b="1" dirty="0"/>
+              <a:t> верификации:</a:t>
+            </a:r>
+            <a:r>
+              <a:rPr lang="ru-RU" dirty="0"/>
+              <a:t> Экспертная оценка разметки (1 эксперт либо консенсус)</a:t>
+            </a:r>
+          </a:p>
+          <a:p>
+            <a:endParaRPr lang="ru-RU" dirty="0"/>
+          </a:p>
+        </p:txBody>
+      </p:sp>
+    </p:spTree>
+  </p:cSld>
+  <p:clrMapOvr>
+    <a:masterClrMapping/>
+  </p:clrMapOvr>
+</p:sld>
+</file>
+
+<file path=ppt/slides/slide26.xml><?xml version="1.0" encoding="utf-8"?>
+<p:sld xmlns:a="http://schemas.openxmlformats.org/drawingml/2006/main" xmlns:r="http://schemas.openxmlformats.org/officeDocument/2006/relationships" xmlns:p="http://schemas.openxmlformats.org/presentationml/2006/main">
+  <p:cSld>
+    <p:spTree>
+      <p:nvGrpSpPr>
+        <p:cNvPr id="1" name=""/>
+        <p:cNvGrpSpPr/>
+        <p:nvPr/>
+      </p:nvGrpSpPr>
+      <p:grpSpPr>
+        <a:xfrm>
+          <a:off x="0" y="0"/>
+          <a:ext cx="0" cy="0"/>
+          <a:chOff x="0" y="0"/>
+          <a:chExt cx="0" cy="0"/>
+        </a:xfrm>
+      </p:grpSpPr>
+      <p:sp>
+        <p:nvSpPr>
+          <p:cNvPr id="2" name="Заголовок 1"/>
+          <p:cNvSpPr>
+            <a:spLocks noGrp="1"/>
+          </p:cNvSpPr>
+          <p:nvPr>
+            <p:ph type="title"/>
+          </p:nvPr>
+        </p:nvSpPr>
+        <p:spPr/>
+        <p:txBody>
+          <a:bodyPr>
+            <a:normAutofit/>
+          </a:bodyPr>
+          <a:lstStyle/>
+          <a:p>
+            <a:r>
+              <a:rPr lang="ru-RU" dirty="0" smtClean="0">
+                <a:hlinkClick r:id="rId2"/>
+              </a:rPr>
+              <a:t>Технические параметры</a:t>
+            </a:r>
+            <a:endParaRPr lang="ru-RU" dirty="0"/>
+          </a:p>
+        </p:txBody>
+      </p:sp>
+      <p:sp>
+        <p:nvSpPr>
+          <p:cNvPr id="3" name="Содержимое 2"/>
+          <p:cNvSpPr>
+            <a:spLocks noGrp="1"/>
+          </p:cNvSpPr>
+          <p:nvPr>
+            <p:ph idx="1"/>
+          </p:nvPr>
+        </p:nvSpPr>
+        <p:spPr/>
+        <p:txBody>
+          <a:bodyPr>
+            <a:normAutofit fontScale="47500" lnSpcReduction="20000"/>
+          </a:bodyPr>
+          <a:lstStyle/>
+          <a:p>
+            <a:r>
+              <a:rPr lang="ru-RU" b="1" dirty="0" smtClean="0"/>
+              <a:t>Условия </a:t>
+            </a:r>
+            <a:r>
+              <a:rPr lang="ru-RU" b="1" dirty="0"/>
+              <a:t>сбора </a:t>
+            </a:r>
+            <a:r>
+              <a:rPr lang="ru-RU" b="1" dirty="0" smtClean="0"/>
+              <a:t>данных</a:t>
+            </a:r>
+          </a:p>
+          <a:p>
+            <a:pPr>
+              <a:buNone/>
+            </a:pPr>
+            <a:r>
+              <a:rPr lang="ru-RU" b="1" dirty="0" smtClean="0"/>
+              <a:t>	Критерии </a:t>
+            </a:r>
+            <a:r>
+              <a:rPr lang="ru-RU" b="1" dirty="0"/>
+              <a:t>включения/</a:t>
+            </a:r>
+            <a:r>
+              <a:rPr lang="ru-RU" b="1" dirty="0" err="1"/>
+              <a:t>невключения</a:t>
+            </a:r>
+            <a:r>
+              <a:rPr lang="ru-RU" b="1" dirty="0"/>
+              <a:t> исследования в </a:t>
+            </a:r>
+            <a:r>
+              <a:rPr lang="ru-RU" b="1" dirty="0" err="1"/>
+              <a:t>датасет:</a:t>
+            </a:r>
+            <a:r>
+              <a:rPr lang="ru-RU" dirty="0" err="1"/>
+              <a:t>Сбор</a:t>
+            </a:r>
+            <a:r>
+              <a:rPr lang="ru-RU" dirty="0"/>
+              <a:t> данных осуществлялся в 48 медицинских организаций в период с 1 марта по 25 апреля 2020 г у пациентов с подозрением на изменения в легких при </a:t>
+            </a:r>
+            <a:r>
+              <a:rPr lang="ru-RU" dirty="0" err="1"/>
+              <a:t>COVID-19</a:t>
+            </a:r>
+            <a:endParaRPr lang="ru-RU" dirty="0"/>
+          </a:p>
+          <a:p>
+            <a:pPr>
+              <a:buNone/>
+            </a:pPr>
+            <a:r>
+              <a:rPr lang="ru-RU" b="1" dirty="0" smtClean="0"/>
+              <a:t>	Протоколы </a:t>
+            </a:r>
+            <a:r>
+              <a:rPr lang="ru-RU" b="1" dirty="0"/>
+              <a:t>и условия сбора </a:t>
+            </a:r>
+            <a:r>
+              <a:rPr lang="ru-RU" b="1" dirty="0" err="1"/>
+              <a:t>данных:</a:t>
+            </a:r>
+            <a:r>
+              <a:rPr lang="ru-RU" dirty="0" err="1"/>
+              <a:t>КТ-протокол</a:t>
+            </a:r>
+            <a:r>
+              <a:rPr lang="ru-RU" dirty="0"/>
+              <a:t> сканирования </a:t>
+            </a:r>
+            <a:r>
+              <a:rPr lang="ru-RU" dirty="0" err="1"/>
+              <a:t>Chest</a:t>
+            </a:r>
+            <a:r>
+              <a:rPr lang="ru-RU" dirty="0"/>
+              <a:t> (рутинные КТ грудной клетки), сканирование выполнено в положении пациента на спине, при задержке дыхания на глубине вдоха, руки убраны за голову</a:t>
+            </a:r>
+          </a:p>
+          <a:p>
+            <a:r>
+              <a:rPr lang="ru-RU" b="1" dirty="0"/>
+              <a:t>Единичная запись набора </a:t>
+            </a:r>
+            <a:r>
+              <a:rPr lang="ru-RU" b="1" dirty="0" smtClean="0"/>
+              <a:t>данных</a:t>
+            </a:r>
+          </a:p>
+          <a:p>
+            <a:pPr>
+              <a:buNone/>
+            </a:pPr>
+            <a:r>
+              <a:rPr lang="ru-RU" b="1" dirty="0"/>
+              <a:t>	</a:t>
+            </a:r>
+            <a:r>
+              <a:rPr lang="ru-RU" b="1" dirty="0" smtClean="0"/>
+              <a:t>Объект </a:t>
+            </a:r>
+            <a:r>
+              <a:rPr lang="ru-RU" b="1" dirty="0"/>
+              <a:t>разметки:</a:t>
+            </a:r>
+            <a:r>
+              <a:rPr lang="ru-RU" dirty="0"/>
+              <a:t> </a:t>
+            </a:r>
+            <a:r>
+              <a:rPr lang="ru-RU" dirty="0" smtClean="0"/>
+              <a:t>Исследование</a:t>
+            </a:r>
+          </a:p>
+          <a:p>
+            <a:pPr>
+              <a:buNone/>
+            </a:pPr>
+            <a:r>
+              <a:rPr lang="ru-RU" b="1" dirty="0" smtClean="0"/>
+              <a:t>	Результат </a:t>
+            </a:r>
+            <a:r>
+              <a:rPr lang="ru-RU" b="1" dirty="0"/>
+              <a:t>разметки:</a:t>
+            </a:r>
+            <a:r>
+              <a:rPr lang="ru-RU" dirty="0"/>
+              <a:t> Целевая патология / отсутствие целевой патологии; бинарные маски </a:t>
+            </a:r>
+            <a:r>
+              <a:rPr lang="ru-RU" dirty="0" smtClean="0"/>
+              <a:t>изображений</a:t>
+            </a:r>
+          </a:p>
+          <a:p>
+            <a:r>
+              <a:rPr lang="ru-RU" b="1" dirty="0" smtClean="0"/>
+              <a:t>Форматы </a:t>
+            </a:r>
+            <a:r>
+              <a:rPr lang="ru-RU" b="1" dirty="0"/>
+              <a:t>записи набора </a:t>
+            </a:r>
+            <a:r>
+              <a:rPr lang="ru-RU" b="1" dirty="0" smtClean="0"/>
+              <a:t>данных</a:t>
+            </a:r>
+          </a:p>
+          <a:p>
+            <a:pPr>
+              <a:buNone/>
+            </a:pPr>
+            <a:r>
+              <a:rPr lang="ru-RU" b="1" dirty="0"/>
+              <a:t>	</a:t>
+            </a:r>
+            <a:r>
+              <a:rPr lang="ru-RU" b="1" dirty="0" smtClean="0"/>
+              <a:t>Объект </a:t>
+            </a:r>
+            <a:r>
+              <a:rPr lang="ru-RU" b="1" dirty="0"/>
+              <a:t>разметки:</a:t>
+            </a:r>
+            <a:r>
+              <a:rPr lang="ru-RU" dirty="0"/>
+              <a:t> </a:t>
+            </a:r>
+            <a:r>
+              <a:rPr lang="ru-RU" dirty="0" err="1" smtClean="0"/>
+              <a:t>NIFTI</a:t>
+            </a:r>
+            <a:endParaRPr lang="ru-RU" dirty="0" smtClean="0"/>
+          </a:p>
+          <a:p>
+            <a:pPr>
+              <a:buNone/>
+            </a:pPr>
+            <a:r>
+              <a:rPr lang="ru-RU" b="1" dirty="0"/>
+              <a:t>	</a:t>
+            </a:r>
+            <a:r>
+              <a:rPr lang="ru-RU" b="1" dirty="0" smtClean="0"/>
+              <a:t>Результат </a:t>
+            </a:r>
+            <a:r>
+              <a:rPr lang="ru-RU" b="1" dirty="0"/>
+              <a:t>разметки:</a:t>
+            </a:r>
+            <a:r>
+              <a:rPr lang="ru-RU" dirty="0"/>
+              <a:t> </a:t>
+            </a:r>
+            <a:r>
+              <a:rPr lang="ru-RU" dirty="0" smtClean="0"/>
+              <a:t>Табличный</a:t>
+            </a:r>
+          </a:p>
+          <a:p>
+            <a:r>
+              <a:rPr lang="ru-RU" b="1" dirty="0" smtClean="0"/>
+              <a:t>Объем данных</a:t>
+            </a:r>
+          </a:p>
+          <a:p>
+            <a:pPr>
+              <a:buNone/>
+            </a:pPr>
+            <a:r>
+              <a:rPr lang="ru-RU" b="1" dirty="0"/>
+              <a:t>	</a:t>
+            </a:r>
+            <a:r>
+              <a:rPr lang="ru-RU" b="1" dirty="0" smtClean="0"/>
+              <a:t>Количество </a:t>
+            </a:r>
+            <a:r>
+              <a:rPr lang="ru-RU" b="1" dirty="0"/>
+              <a:t>исследований набора данных:</a:t>
+            </a:r>
+            <a:r>
+              <a:rPr lang="ru-RU" dirty="0"/>
+              <a:t> </a:t>
+            </a:r>
+            <a:r>
+              <a:rPr lang="ru-RU" dirty="0" smtClean="0"/>
+              <a:t>1110</a:t>
+            </a:r>
+          </a:p>
+          <a:p>
+            <a:pPr>
+              <a:buNone/>
+            </a:pPr>
+            <a:r>
+              <a:rPr lang="ru-RU" b="1" dirty="0"/>
+              <a:t>	</a:t>
+            </a:r>
+            <a:r>
+              <a:rPr lang="ru-RU" b="1" dirty="0" smtClean="0"/>
+              <a:t>Количество </a:t>
+            </a:r>
+            <a:r>
+              <a:rPr lang="ru-RU" b="1" dirty="0"/>
+              <a:t>уникальных источников (</a:t>
+            </a:r>
+            <a:r>
+              <a:rPr lang="ru-RU" b="1" dirty="0" err="1"/>
+              <a:t>ДУ</a:t>
+            </a:r>
+            <a:r>
+              <a:rPr lang="ru-RU" b="1" dirty="0"/>
+              <a:t>):</a:t>
+            </a:r>
+            <a:r>
+              <a:rPr lang="ru-RU" dirty="0"/>
+              <a:t> 48</a:t>
+            </a:r>
+          </a:p>
+          <a:p>
+            <a:endParaRPr lang="ru-RU" dirty="0"/>
+          </a:p>
+        </p:txBody>
+      </p:sp>
+    </p:spTree>
+  </p:cSld>
+  <p:clrMapOvr>
+    <a:masterClrMapping/>
+  </p:clrMapOvr>
+</p:sld>
+</file>
+
+<file path=ppt/slides/slide27.xml><?xml version="1.0" encoding="utf-8"?>
 <p:sld xmlns:a="http://schemas.openxmlformats.org/drawingml/2006/main" xmlns:r="http://schemas.openxmlformats.org/officeDocument/2006/relationships" xmlns:p="http://schemas.openxmlformats.org/presentationml/2006/main">
   <p:cSld>
     <p:spTree>
@@ -5536,7 +5876,7 @@
 </p:sld>
 </file>
 
-<file path=ppt/slides/slide24.xml><?xml version="1.0" encoding="utf-8"?>
+<file path=ppt/slides/slide28.xml><?xml version="1.0" encoding="utf-8"?>
 <p:sld xmlns:a="http://schemas.openxmlformats.org/drawingml/2006/main" xmlns:r="http://schemas.openxmlformats.org/officeDocument/2006/relationships" xmlns:p="http://schemas.openxmlformats.org/presentationml/2006/main">
   <p:cSld>
     <p:spTree>
@@ -5620,7 +5960,7 @@
 </p:sld>
 </file>
 
-<file path=ppt/slides/slide25.xml><?xml version="1.0" encoding="utf-8"?>
+<file path=ppt/slides/slide29.xml><?xml version="1.0" encoding="utf-8"?>
 <p:sld xmlns:a="http://schemas.openxmlformats.org/drawingml/2006/main" xmlns:r="http://schemas.openxmlformats.org/officeDocument/2006/relationships" xmlns:p="http://schemas.openxmlformats.org/presentationml/2006/main">
   <p:cSld>
     <p:spTree>
@@ -5926,19 +6266,11 @@
           <a:p>
             <a:r>
               <a:rPr lang="ru-RU" dirty="0" smtClean="0"/>
-              <a:t>Архитектура</a:t>
-            </a:r>
-            <a:r>
-              <a:rPr lang="en-US" dirty="0" smtClean="0"/>
-              <a:t> </a:t>
-            </a:r>
-            <a:r>
-              <a:rPr lang="en-US" dirty="0" err="1" smtClean="0"/>
-              <a:t>COVID</a:t>
-            </a:r>
-            <a:r>
-              <a:rPr lang="en-US" dirty="0" smtClean="0"/>
-              <a:t>-Net</a:t>
+              <a:t>Базовая архитектура </a:t>
+            </a:r>
+            <a:r>
+              <a:rPr lang="ru-RU" dirty="0" err="1" smtClean="0"/>
+              <a:t>СНН</a:t>
             </a:r>
             <a:endParaRPr lang="ru-RU" dirty="0"/>
           </a:p>
@@ -5946,7 +6278,7 @@
       </p:sp>
       <p:pic>
         <p:nvPicPr>
-          <p:cNvPr id="3074" name="Picture 2"/>
+          <p:cNvPr id="1026" name="Picture 2"/>
           <p:cNvPicPr>
             <a:picLocks noGrp="1" noChangeAspect="1" noChangeArrowheads="1"/>
           </p:cNvPicPr>
@@ -5963,8 +6295,8 @@
         </p:blipFill>
         <p:spPr bwMode="auto">
           <a:xfrm>
-            <a:off x="457200" y="2528388"/>
-            <a:ext cx="8229600" cy="2669586"/>
+            <a:off x="3072395" y="3351468"/>
+            <a:ext cx="2999210" cy="1023427"/>
           </a:xfrm>
           <a:prstGeom prst="rect">
             <a:avLst/>
@@ -6019,16 +6351,12 @@
           <a:lstStyle/>
           <a:p>
             <a:r>
+              <a:rPr lang="ru-RU" dirty="0" err="1" smtClean="0"/>
+              <a:t>Сверточный</a:t>
+            </a:r>
+            <a:r>
               <a:rPr lang="ru-RU" dirty="0" smtClean="0"/>
-              <a:t>Архитектура </a:t>
-            </a:r>
-            <a:r>
-              <a:rPr lang="en-US" dirty="0" smtClean="0"/>
-              <a:t> AC-</a:t>
-            </a:r>
-            <a:r>
-              <a:rPr lang="en-US" dirty="0" err="1" smtClean="0"/>
-              <a:t>CovidNet</a:t>
+              <a:t> слой</a:t>
             </a:r>
             <a:endParaRPr lang="ru-RU" dirty="0"/>
           </a:p>
@@ -6036,7 +6364,7 @@
       </p:sp>
       <p:pic>
         <p:nvPicPr>
-          <p:cNvPr id="1028" name="Picture 4"/>
+          <p:cNvPr id="2050" name="Picture 2"/>
           <p:cNvPicPr>
             <a:picLocks noGrp="1" noChangeAspect="1" noChangeArrowheads="1"/>
           </p:cNvPicPr>
@@ -6053,8 +6381,8 @@
         </p:blipFill>
         <p:spPr bwMode="auto">
           <a:xfrm>
-            <a:off x="2338925" y="1600200"/>
-            <a:ext cx="4466149" cy="4525963"/>
+            <a:off x="1744735" y="2613393"/>
+            <a:ext cx="5654530" cy="2499577"/>
           </a:xfrm>
           <a:prstGeom prst="rect">
             <a:avLst/>
@@ -6110,11 +6438,11 @@
           <a:p>
             <a:r>
               <a:rPr lang="ru-RU" dirty="0" smtClean="0"/>
-              <a:t>Архитектура </a:t>
+              <a:t>Слой </a:t>
             </a:r>
             <a:r>
               <a:rPr lang="ru-RU" dirty="0" err="1" smtClean="0"/>
-              <a:t>DenseNet</a:t>
+              <a:t>пуллинга</a:t>
             </a:r>
             <a:endParaRPr lang="ru-RU" dirty="0"/>
           </a:p>
@@ -6122,7 +6450,7 @@
       </p:sp>
       <p:pic>
         <p:nvPicPr>
-          <p:cNvPr id="1026" name="Picture 2"/>
+          <p:cNvPr id="3074" name="Picture 2"/>
           <p:cNvPicPr>
             <a:picLocks noGrp="1" noChangeAspect="1" noChangeArrowheads="1"/>
           </p:cNvPicPr>
@@ -6139,8 +6467,8 @@
         </p:blipFill>
         <p:spPr bwMode="auto">
           <a:xfrm>
-            <a:off x="1383736" y="2286164"/>
-            <a:ext cx="6376528" cy="3154034"/>
+            <a:off x="1927630" y="2777237"/>
+            <a:ext cx="5288739" cy="2171888"/>
           </a:xfrm>
           <a:prstGeom prst="rect">
             <a:avLst/>
@@ -6195,8 +6523,12 @@
           <a:lstStyle/>
           <a:p>
             <a:r>
+              <a:rPr lang="ru-RU" dirty="0" err="1" smtClean="0"/>
+              <a:t>Полносвязный</a:t>
+            </a:r>
+            <a:r>
               <a:rPr lang="ru-RU" dirty="0" smtClean="0"/>
-              <a:t>Резидентный блок</a:t>
+              <a:t> слой</a:t>
             </a:r>
             <a:endParaRPr lang="ru-RU" dirty="0"/>
           </a:p>
@@ -6204,7 +6536,7 @@
       </p:sp>
       <p:pic>
         <p:nvPicPr>
-          <p:cNvPr id="2050" name="Picture 2"/>
+          <p:cNvPr id="4098" name="Picture 2"/>
           <p:cNvPicPr>
             <a:picLocks noGrp="1" noChangeAspect="1" noChangeArrowheads="1"/>
           </p:cNvPicPr>
@@ -6221,8 +6553,8 @@
         </p:blipFill>
         <p:spPr bwMode="auto">
           <a:xfrm>
-            <a:off x="3031657" y="2601568"/>
-            <a:ext cx="3080685" cy="2523227"/>
+            <a:off x="1455420" y="2693511"/>
+            <a:ext cx="6233160" cy="2339340"/>
           </a:xfrm>
           <a:prstGeom prst="rect">
             <a:avLst/>
@@ -6276,6 +6608,22 @@
           <a:bodyPr/>
           <a:lstStyle/>
           <a:p>
+            <a:r>
+              <a:rPr lang="ru-RU" dirty="0" smtClean="0"/>
+              <a:t>Архитектура</a:t>
+            </a:r>
+            <a:r>
+              <a:rPr lang="en-US" dirty="0" smtClean="0"/>
+              <a:t> </a:t>
+            </a:r>
+            <a:r>
+              <a:rPr lang="en-US" dirty="0" err="1" smtClean="0"/>
+              <a:t>COVID</a:t>
+            </a:r>
+            <a:r>
+              <a:rPr lang="en-US" dirty="0" smtClean="0"/>
+              <a:t>-Net</a:t>
+            </a:r>
             <a:endParaRPr lang="ru-RU" dirty="0"/>
           </a:p>
         </p:txBody>
@@ -6299,8 +6647,8 @@
         </p:blipFill>
         <p:spPr bwMode="auto">
           <a:xfrm>
-            <a:off x="1335291" y="1955291"/>
-            <a:ext cx="6473417" cy="3815781"/>
+            <a:off x="457200" y="2528388"/>
+            <a:ext cx="8229600" cy="2669586"/>
           </a:xfrm>
           <a:prstGeom prst="rect">
             <a:avLst/>

--- a/slides.pptx
+++ b/slides.pptx
@@ -6,34 +6,37 @@
   </p:sldMasterIdLst>
   <p:sldIdLst>
     <p:sldId id="256" r:id="rId2"/>
-    <p:sldId id="265" r:id="rId3"/>
-    <p:sldId id="266" r:id="rId4"/>
-    <p:sldId id="268" r:id="rId5"/>
-    <p:sldId id="282" r:id="rId6"/>
-    <p:sldId id="283" r:id="rId7"/>
-    <p:sldId id="284" r:id="rId8"/>
-    <p:sldId id="285" r:id="rId9"/>
-    <p:sldId id="267" r:id="rId10"/>
-    <p:sldId id="269" r:id="rId11"/>
-    <p:sldId id="273" r:id="rId12"/>
-    <p:sldId id="274" r:id="rId13"/>
-    <p:sldId id="275" r:id="rId14"/>
-    <p:sldId id="277" r:id="rId15"/>
-    <p:sldId id="276" r:id="rId16"/>
-    <p:sldId id="278" r:id="rId17"/>
-    <p:sldId id="270" r:id="rId18"/>
-    <p:sldId id="272" r:id="rId19"/>
-    <p:sldId id="280" r:id="rId20"/>
-    <p:sldId id="279" r:id="rId21"/>
-    <p:sldId id="264" r:id="rId22"/>
-    <p:sldId id="259" r:id="rId23"/>
-    <p:sldId id="260" r:id="rId24"/>
-    <p:sldId id="262" r:id="rId25"/>
-    <p:sldId id="261" r:id="rId26"/>
-    <p:sldId id="263" r:id="rId27"/>
-    <p:sldId id="258" r:id="rId28"/>
-    <p:sldId id="281" r:id="rId29"/>
-    <p:sldId id="257" r:id="rId30"/>
+    <p:sldId id="286" r:id="rId3"/>
+    <p:sldId id="265" r:id="rId4"/>
+    <p:sldId id="266" r:id="rId5"/>
+    <p:sldId id="268" r:id="rId6"/>
+    <p:sldId id="282" r:id="rId7"/>
+    <p:sldId id="283" r:id="rId8"/>
+    <p:sldId id="284" r:id="rId9"/>
+    <p:sldId id="285" r:id="rId10"/>
+    <p:sldId id="287" r:id="rId11"/>
+    <p:sldId id="288" r:id="rId12"/>
+    <p:sldId id="267" r:id="rId13"/>
+    <p:sldId id="269" r:id="rId14"/>
+    <p:sldId id="273" r:id="rId15"/>
+    <p:sldId id="274" r:id="rId16"/>
+    <p:sldId id="275" r:id="rId17"/>
+    <p:sldId id="277" r:id="rId18"/>
+    <p:sldId id="276" r:id="rId19"/>
+    <p:sldId id="278" r:id="rId20"/>
+    <p:sldId id="270" r:id="rId21"/>
+    <p:sldId id="272" r:id="rId22"/>
+    <p:sldId id="280" r:id="rId23"/>
+    <p:sldId id="279" r:id="rId24"/>
+    <p:sldId id="264" r:id="rId25"/>
+    <p:sldId id="259" r:id="rId26"/>
+    <p:sldId id="260" r:id="rId27"/>
+    <p:sldId id="262" r:id="rId28"/>
+    <p:sldId id="261" r:id="rId29"/>
+    <p:sldId id="263" r:id="rId30"/>
+    <p:sldId id="258" r:id="rId31"/>
+    <p:sldId id="281" r:id="rId32"/>
+    <p:sldId id="257" r:id="rId33"/>
   </p:sldIdLst>
   <p:sldSz cx="9144000" cy="6858000" type="screen4x3"/>
   <p:notesSz cx="6858000" cy="9144000"/>
@@ -3181,34 +3184,45 @@
         </p:nvSpPr>
         <p:spPr/>
         <p:txBody>
+          <a:bodyPr>
+            <a:normAutofit/>
+          </a:bodyPr>
+          <a:lstStyle/>
+          <a:p>
+            <a:r>
+              <a:rPr lang="ru-RU" dirty="0" smtClean="0"/>
+              <a:t>Функция активации</a:t>
+            </a:r>
+            <a:endParaRPr lang="ru-RU" dirty="0"/>
+          </a:p>
+        </p:txBody>
+      </p:sp>
+      <p:sp>
+        <p:nvSpPr>
+          <p:cNvPr id="3" name="Содержимое 2"/>
+          <p:cNvSpPr>
+            <a:spLocks noGrp="1"/>
+          </p:cNvSpPr>
+          <p:nvPr>
+            <p:ph idx="1"/>
+          </p:nvPr>
+        </p:nvSpPr>
+        <p:spPr/>
+        <p:txBody>
           <a:bodyPr/>
           <a:lstStyle/>
           <a:p>
-            <a:r>
-              <a:rPr lang="ru-RU" dirty="0" smtClean="0"/>
-              <a:t>Архитектура </a:t>
-            </a:r>
-            <a:r>
-              <a:rPr lang="en-US" dirty="0" smtClean="0"/>
-              <a:t> AC-</a:t>
-            </a:r>
-            <a:r>
-              <a:rPr lang="en-US" dirty="0" err="1" smtClean="0"/>
-              <a:t>CovidNet</a:t>
-            </a:r>
-            <a:endParaRPr lang="ru-RU" dirty="0"/>
+            <a:endParaRPr lang="ru-RU"/>
           </a:p>
         </p:txBody>
       </p:sp>
       <p:pic>
         <p:nvPicPr>
-          <p:cNvPr id="1028" name="Picture 4"/>
+          <p:cNvPr id="6146" name="Picture 2"/>
           <p:cNvPicPr>
-            <a:picLocks noGrp="1" noChangeAspect="1" noChangeArrowheads="1"/>
+            <a:picLocks noChangeAspect="1" noChangeArrowheads="1"/>
           </p:cNvPicPr>
-          <p:nvPr>
-            <p:ph idx="1"/>
-          </p:nvPr>
+          <p:nvPr/>
         </p:nvPicPr>
         <p:blipFill>
           <a:blip r:embed="rId2" cstate="print"/>
@@ -3219,8 +3233,8 @@
         </p:blipFill>
         <p:spPr bwMode="auto">
           <a:xfrm>
-            <a:off x="2338925" y="1600200"/>
-            <a:ext cx="4466149" cy="4525963"/>
+            <a:off x="2243138" y="2543175"/>
+            <a:ext cx="4657725" cy="1771650"/>
           </a:xfrm>
           <a:prstGeom prst="rect">
             <a:avLst/>
@@ -3271,16 +3285,14 @@
         </p:nvSpPr>
         <p:spPr/>
         <p:txBody>
-          <a:bodyPr/>
+          <a:bodyPr>
+            <a:normAutofit/>
+          </a:bodyPr>
           <a:lstStyle/>
           <a:p>
             <a:r>
               <a:rPr lang="ru-RU" dirty="0" smtClean="0"/>
-              <a:t>Архитектура </a:t>
-            </a:r>
-            <a:r>
-              <a:rPr lang="ru-RU" dirty="0" err="1" smtClean="0"/>
-              <a:t>DenseNet</a:t>
+              <a:t>Функции потерь. Описание</a:t>
             </a:r>
             <a:endParaRPr lang="ru-RU" dirty="0"/>
           </a:p>
@@ -3288,7 +3300,7 @@
       </p:sp>
       <p:pic>
         <p:nvPicPr>
-          <p:cNvPr id="1026" name="Picture 2"/>
+          <p:cNvPr id="7170" name="Picture 2"/>
           <p:cNvPicPr>
             <a:picLocks noGrp="1" noChangeAspect="1" noChangeArrowheads="1"/>
           </p:cNvPicPr>
@@ -3305,8 +3317,8 @@
         </p:blipFill>
         <p:spPr bwMode="auto">
           <a:xfrm>
-            <a:off x="1383736" y="2286164"/>
-            <a:ext cx="6376528" cy="3154034"/>
+            <a:off x="457200" y="3036506"/>
+            <a:ext cx="8229600" cy="1653351"/>
           </a:xfrm>
           <a:prstGeom prst="rect">
             <a:avLst/>
@@ -3362,7 +3374,19 @@
           <a:p>
             <a:r>
               <a:rPr lang="ru-RU" dirty="0" smtClean="0"/>
-              <a:t>Резидентный блок</a:t>
+              <a:t>Архитектура</a:t>
+            </a:r>
+            <a:r>
+              <a:rPr lang="en-US" dirty="0" smtClean="0"/>
+              <a:t> </a:t>
+            </a:r>
+            <a:r>
+              <a:rPr lang="en-US" dirty="0" err="1" smtClean="0"/>
+              <a:t>COVID</a:t>
+            </a:r>
+            <a:r>
+              <a:rPr lang="en-US" dirty="0" smtClean="0"/>
+              <a:t>-Net</a:t>
             </a:r>
             <a:endParaRPr lang="ru-RU" dirty="0"/>
           </a:p>
@@ -3370,7 +3394,7 @@
       </p:sp>
       <p:pic>
         <p:nvPicPr>
-          <p:cNvPr id="2050" name="Picture 2"/>
+          <p:cNvPr id="3074" name="Picture 2"/>
           <p:cNvPicPr>
             <a:picLocks noGrp="1" noChangeAspect="1" noChangeArrowheads="1"/>
           </p:cNvPicPr>
@@ -3387,8 +3411,8 @@
         </p:blipFill>
         <p:spPr bwMode="auto">
           <a:xfrm>
-            <a:off x="3031657" y="2601568"/>
-            <a:ext cx="3080685" cy="2523227"/>
+            <a:off x="457200" y="2528388"/>
+            <a:ext cx="8229600" cy="2669586"/>
           </a:xfrm>
           <a:prstGeom prst="rect">
             <a:avLst/>
@@ -3442,13 +3466,25 @@
           <a:bodyPr/>
           <a:lstStyle/>
           <a:p>
+            <a:r>
+              <a:rPr lang="ru-RU" dirty="0" smtClean="0"/>
+              <a:t>Архитектура </a:t>
+            </a:r>
+            <a:r>
+              <a:rPr lang="en-US" dirty="0" smtClean="0"/>
+              <a:t> AC-</a:t>
+            </a:r>
+            <a:r>
+              <a:rPr lang="en-US" dirty="0" err="1" smtClean="0"/>
+              <a:t>CovidNet</a:t>
+            </a:r>
             <a:endParaRPr lang="ru-RU" dirty="0"/>
           </a:p>
         </p:txBody>
       </p:sp>
       <p:pic>
         <p:nvPicPr>
-          <p:cNvPr id="3074" name="Picture 2"/>
+          <p:cNvPr id="1028" name="Picture 4"/>
           <p:cNvPicPr>
             <a:picLocks noGrp="1" noChangeAspect="1" noChangeArrowheads="1"/>
           </p:cNvPicPr>
@@ -3465,8 +3501,8 @@
         </p:blipFill>
         <p:spPr bwMode="auto">
           <a:xfrm>
-            <a:off x="1335291" y="1955291"/>
-            <a:ext cx="6473417" cy="3815781"/>
+            <a:off x="2338925" y="1600200"/>
+            <a:ext cx="4466149" cy="4525963"/>
           </a:xfrm>
           <a:prstGeom prst="rect">
             <a:avLst/>
@@ -3520,13 +3556,21 @@
           <a:bodyPr/>
           <a:lstStyle/>
           <a:p>
-            <a:endParaRPr lang="ru-RU"/>
+            <a:r>
+              <a:rPr lang="ru-RU" dirty="0" smtClean="0"/>
+              <a:t>Архитектура </a:t>
+            </a:r>
+            <a:r>
+              <a:rPr lang="ru-RU" dirty="0" err="1" smtClean="0"/>
+              <a:t>DenseNet</a:t>
+            </a:r>
+            <a:endParaRPr lang="ru-RU" dirty="0"/>
           </a:p>
         </p:txBody>
       </p:sp>
       <p:pic>
         <p:nvPicPr>
-          <p:cNvPr id="5122" name="Picture 2"/>
+          <p:cNvPr id="1026" name="Picture 2"/>
           <p:cNvPicPr>
             <a:picLocks noGrp="1" noChangeAspect="1" noChangeArrowheads="1"/>
           </p:cNvPicPr>
@@ -3543,8 +3587,8 @@
         </p:blipFill>
         <p:spPr bwMode="auto">
           <a:xfrm>
-            <a:off x="1417580" y="2668464"/>
-            <a:ext cx="6308839" cy="2389435"/>
+            <a:off x="1383736" y="2286164"/>
+            <a:ext cx="6376528" cy="3154034"/>
           </a:xfrm>
           <a:prstGeom prst="rect">
             <a:avLst/>
@@ -3598,13 +3642,17 @@
           <a:bodyPr/>
           <a:lstStyle/>
           <a:p>
-            <a:endParaRPr lang="ru-RU"/>
+            <a:r>
+              <a:rPr lang="ru-RU" dirty="0" smtClean="0"/>
+              <a:t>Резидентный блок</a:t>
+            </a:r>
+            <a:endParaRPr lang="ru-RU" dirty="0"/>
           </a:p>
         </p:txBody>
       </p:sp>
       <p:pic>
         <p:nvPicPr>
-          <p:cNvPr id="4098" name="Picture 2"/>
+          <p:cNvPr id="2050" name="Picture 2"/>
           <p:cNvPicPr>
             <a:picLocks noGrp="1" noChangeAspect="1" noChangeArrowheads="1"/>
           </p:cNvPicPr>
@@ -3621,8 +3669,8 @@
         </p:blipFill>
         <p:spPr bwMode="auto">
           <a:xfrm>
-            <a:off x="1429771" y="2802565"/>
-            <a:ext cx="6284457" cy="2121233"/>
+            <a:off x="3031657" y="2601568"/>
+            <a:ext cx="3080685" cy="2523227"/>
           </a:xfrm>
           <a:prstGeom prst="rect">
             <a:avLst/>
@@ -3676,17 +3724,13 @@
           <a:bodyPr/>
           <a:lstStyle/>
           <a:p>
-            <a:r>
-              <a:rPr lang="ru-RU" dirty="0" smtClean="0"/>
-              <a:t>Схема ансамбля</a:t>
-            </a:r>
             <a:endParaRPr lang="ru-RU" dirty="0"/>
           </a:p>
         </p:txBody>
       </p:sp>
       <p:pic>
         <p:nvPicPr>
-          <p:cNvPr id="6146" name="Picture 2"/>
+          <p:cNvPr id="3074" name="Picture 2"/>
           <p:cNvPicPr>
             <a:picLocks noGrp="1" noChangeAspect="1" noChangeArrowheads="1"/>
           </p:cNvPicPr>
@@ -3703,8 +3747,8 @@
         </p:blipFill>
         <p:spPr bwMode="auto">
           <a:xfrm>
-            <a:off x="1406471" y="1712892"/>
-            <a:ext cx="6331057" cy="4300578"/>
+            <a:off x="1335291" y="1955291"/>
+            <a:ext cx="6473417" cy="3815781"/>
           </a:xfrm>
           <a:prstGeom prst="rect">
             <a:avLst/>
@@ -3755,30 +3799,16 @@
         </p:nvSpPr>
         <p:spPr/>
         <p:txBody>
-          <a:bodyPr>
-            <a:normAutofit fontScale="90000"/>
-          </a:bodyPr>
-          <a:lstStyle/>
-          <a:p>
-            <a:r>
-              <a:rPr lang="ru-RU" dirty="0" smtClean="0"/>
-              <a:t>Создание </a:t>
-            </a:r>
-            <a:r>
-              <a:rPr lang="ru-RU" dirty="0" err="1" smtClean="0"/>
-              <a:t>датасетов</a:t>
-            </a:r>
-            <a:r>
-              <a:rPr lang="ru-RU" dirty="0" smtClean="0"/>
-              <a:t> разных конфигураций</a:t>
-            </a:r>
-            <a:endParaRPr lang="ru-RU" dirty="0"/>
+          <a:bodyPr/>
+          <a:lstStyle/>
+          <a:p>
+            <a:endParaRPr lang="ru-RU"/>
           </a:p>
         </p:txBody>
       </p:sp>
       <p:pic>
         <p:nvPicPr>
-          <p:cNvPr id="1026" name="Picture 2"/>
+          <p:cNvPr id="5122" name="Picture 2"/>
           <p:cNvPicPr>
             <a:picLocks noGrp="1" noChangeAspect="1" noChangeArrowheads="1"/>
           </p:cNvPicPr>
@@ -3795,8 +3825,8 @@
         </p:blipFill>
         <p:spPr bwMode="auto">
           <a:xfrm>
-            <a:off x="457200" y="2916068"/>
-            <a:ext cx="8229600" cy="1894227"/>
+            <a:off x="1417580" y="2668464"/>
+            <a:ext cx="6308839" cy="2389435"/>
           </a:xfrm>
           <a:prstGeom prst="rect">
             <a:avLst/>
@@ -3850,17 +3880,13 @@
           <a:bodyPr/>
           <a:lstStyle/>
           <a:p>
-            <a:r>
-              <a:rPr lang="ru-RU" dirty="0" smtClean="0"/>
-              <a:t>Сравнение некоторых моделей</a:t>
-            </a:r>
-            <a:endParaRPr lang="ru-RU" dirty="0"/>
+            <a:endParaRPr lang="ru-RU"/>
           </a:p>
         </p:txBody>
       </p:sp>
       <p:pic>
         <p:nvPicPr>
-          <p:cNvPr id="2050" name="Picture 2"/>
+          <p:cNvPr id="4098" name="Picture 2"/>
           <p:cNvPicPr>
             <a:picLocks noGrp="1" noChangeAspect="1" noChangeArrowheads="1"/>
           </p:cNvPicPr>
@@ -3877,8 +3903,8 @@
         </p:blipFill>
         <p:spPr bwMode="auto">
           <a:xfrm>
-            <a:off x="457200" y="2099696"/>
-            <a:ext cx="8229600" cy="3526971"/>
+            <a:off x="1429771" y="2802565"/>
+            <a:ext cx="6284457" cy="2121233"/>
           </a:xfrm>
           <a:prstGeom prst="rect">
             <a:avLst/>
@@ -3929,45 +3955,51 @@
         </p:nvSpPr>
         <p:spPr/>
         <p:txBody>
-          <a:bodyPr>
-            <a:normAutofit fontScale="90000"/>
-          </a:bodyPr>
+          <a:bodyPr/>
           <a:lstStyle/>
           <a:p>
             <a:r>
               <a:rPr lang="ru-RU" dirty="0" smtClean="0"/>
-              <a:t>Графики обучения модели</a:t>
-            </a:r>
-            <a:br>
-              <a:rPr lang="ru-RU" dirty="0" smtClean="0"/>
-            </a:br>
-            <a:r>
-              <a:rPr lang="ru-RU" dirty="0" smtClean="0"/>
-              <a:t>Параметры модели</a:t>
+              <a:t>Схема ансамбля</a:t>
             </a:r>
             <a:endParaRPr lang="ru-RU" dirty="0"/>
           </a:p>
         </p:txBody>
       </p:sp>
-      <p:sp>
-        <p:nvSpPr>
-          <p:cNvPr id="3" name="Содержимое 2"/>
-          <p:cNvSpPr>
-            <a:spLocks noGrp="1"/>
-          </p:cNvSpPr>
+      <p:pic>
+        <p:nvPicPr>
+          <p:cNvPr id="6146" name="Picture 2"/>
+          <p:cNvPicPr>
+            <a:picLocks noGrp="1" noChangeAspect="1" noChangeArrowheads="1"/>
+          </p:cNvPicPr>
           <p:nvPr>
             <p:ph idx="1"/>
           </p:nvPr>
-        </p:nvSpPr>
-        <p:spPr/>
-        <p:txBody>
-          <a:bodyPr/>
-          <a:lstStyle/>
-          <a:p>
-            <a:endParaRPr lang="ru-RU" dirty="0"/>
-          </a:p>
-        </p:txBody>
-      </p:sp>
+        </p:nvPicPr>
+        <p:blipFill>
+          <a:blip r:embed="rId2" cstate="print"/>
+          <a:srcRect/>
+          <a:stretch>
+            <a:fillRect/>
+          </a:stretch>
+        </p:blipFill>
+        <p:spPr bwMode="auto">
+          <a:xfrm>
+            <a:off x="1406471" y="1712892"/>
+            <a:ext cx="6331057" cy="4300578"/>
+          </a:xfrm>
+          <a:prstGeom prst="rect">
+            <a:avLst/>
+          </a:prstGeom>
+          <a:noFill/>
+          <a:ln w="9525">
+            <a:noFill/>
+            <a:miter lim="800000"/>
+            <a:headEnd/>
+            <a:tailEnd/>
+          </a:ln>
+        </p:spPr>
+      </p:pic>
     </p:spTree>
   </p:cSld>
   <p:clrMapOvr>
@@ -4005,22 +4037,16 @@
         </p:nvSpPr>
         <p:spPr/>
         <p:txBody>
-          <a:bodyPr>
-            <a:normAutofit/>
-          </a:bodyPr>
-          <a:lstStyle/>
-          <a:p>
-            <a:r>
-              <a:rPr lang="ru-RU" dirty="0" smtClean="0"/>
-              <a:t>Схема разработки </a:t>
-            </a:r>
-            <a:endParaRPr lang="ru-RU" dirty="0"/>
+          <a:bodyPr/>
+          <a:lstStyle/>
+          <a:p>
+            <a:endParaRPr lang="ru-RU"/>
           </a:p>
         </p:txBody>
       </p:sp>
       <p:pic>
         <p:nvPicPr>
-          <p:cNvPr id="1026" name="Picture 2"/>
+          <p:cNvPr id="5122" name="Picture 2"/>
           <p:cNvPicPr>
             <a:picLocks noGrp="1" noChangeAspect="1" noChangeArrowheads="1"/>
           </p:cNvPicPr>
@@ -4037,8 +4063,8 @@
         </p:blipFill>
         <p:spPr bwMode="auto">
           <a:xfrm>
-            <a:off x="510406" y="1600200"/>
-            <a:ext cx="8123188" cy="4525963"/>
+            <a:off x="815340" y="3127851"/>
+            <a:ext cx="7513320" cy="1470660"/>
           </a:xfrm>
           <a:prstGeom prst="rect">
             <a:avLst/>
@@ -4089,60 +4115,61 @@
         </p:nvSpPr>
         <p:spPr/>
         <p:txBody>
-          <a:bodyPr/>
+          <a:bodyPr>
+            <a:normAutofit fontScale="90000"/>
+          </a:bodyPr>
           <a:lstStyle/>
           <a:p>
             <a:r>
               <a:rPr lang="ru-RU" dirty="0" smtClean="0"/>
-              <a:t>Сравнение </a:t>
-            </a:r>
-            <a:r>
-              <a:rPr lang="en-US" dirty="0" err="1" smtClean="0"/>
-              <a:t>colab</a:t>
-            </a:r>
-            <a:r>
-              <a:rPr lang="en-US" dirty="0" smtClean="0"/>
-              <a:t> </a:t>
+              <a:t>Создание </a:t>
+            </a:r>
+            <a:r>
+              <a:rPr lang="ru-RU" dirty="0" err="1" smtClean="0"/>
+              <a:t>датасетов</a:t>
             </a:r>
             <a:r>
               <a:rPr lang="ru-RU" dirty="0" smtClean="0"/>
-              <a:t>и </a:t>
-            </a:r>
-            <a:r>
-              <a:rPr lang="en-US" dirty="0" err="1" smtClean="0"/>
-              <a:t>yandex</a:t>
+              <a:t> разных конфигураций</a:t>
             </a:r>
             <a:endParaRPr lang="ru-RU" dirty="0"/>
           </a:p>
         </p:txBody>
       </p:sp>
-      <p:sp>
-        <p:nvSpPr>
-          <p:cNvPr id="3" name="Содержимое 2"/>
-          <p:cNvSpPr>
-            <a:spLocks noGrp="1"/>
-          </p:cNvSpPr>
+      <p:pic>
+        <p:nvPicPr>
+          <p:cNvPr id="1026" name="Picture 2"/>
+          <p:cNvPicPr>
+            <a:picLocks noGrp="1" noChangeAspect="1" noChangeArrowheads="1"/>
+          </p:cNvPicPr>
           <p:nvPr>
             <p:ph idx="1"/>
           </p:nvPr>
-        </p:nvSpPr>
-        <p:spPr/>
-        <p:txBody>
-          <a:bodyPr/>
-          <a:lstStyle/>
-          <a:p>
-            <a:r>
-              <a:rPr lang="ru-RU" dirty="0" smtClean="0"/>
-              <a:t>Техническое описание какие карты используются и </a:t>
-            </a:r>
-            <a:r>
-              <a:rPr lang="ru-RU" dirty="0" err="1" smtClean="0"/>
-              <a:t>проч</a:t>
-            </a:r>
-            <a:endParaRPr lang="ru-RU" dirty="0"/>
-          </a:p>
-        </p:txBody>
-      </p:sp>
+        </p:nvPicPr>
+        <p:blipFill>
+          <a:blip r:embed="rId2" cstate="print"/>
+          <a:srcRect/>
+          <a:stretch>
+            <a:fillRect/>
+          </a:stretch>
+        </p:blipFill>
+        <p:spPr bwMode="auto">
+          <a:xfrm>
+            <a:off x="457200" y="2916068"/>
+            <a:ext cx="8229600" cy="1894227"/>
+          </a:xfrm>
+          <a:prstGeom prst="rect">
+            <a:avLst/>
+          </a:prstGeom>
+          <a:noFill/>
+          <a:ln w="9525">
+            <a:noFill/>
+            <a:miter lim="800000"/>
+            <a:headEnd/>
+            <a:tailEnd/>
+          </a:ln>
+        </p:spPr>
+      </p:pic>
     </p:spTree>
   </p:cSld>
   <p:clrMapOvr>
@@ -4180,251 +4207,51 @@
         </p:nvSpPr>
         <p:spPr/>
         <p:txBody>
-          <a:bodyPr>
-            <a:noAutofit/>
-          </a:bodyPr>
-          <a:lstStyle/>
-          <a:p>
-            <a:r>
-              <a:rPr lang="ru-RU" sz="1800" b="1" dirty="0" smtClean="0"/>
-              <a:t>Эксперимент</a:t>
-            </a:r>
-            <a:br>
-              <a:rPr lang="ru-RU" sz="1800" b="1" dirty="0" smtClean="0"/>
-            </a:br>
-            <a:r>
-              <a:rPr lang="ru-RU" sz="1800" dirty="0" smtClean="0"/>
-              <a:t>по использованию инновационных технологий в области компьютерного зрения для анализа медицинских изображений и дальнейшего применения в системе здравоохранения города Москвы.</a:t>
-            </a:r>
-            <a:endParaRPr lang="ru-RU" sz="1800" dirty="0"/>
-          </a:p>
-        </p:txBody>
-      </p:sp>
-      <p:sp>
-        <p:nvSpPr>
-          <p:cNvPr id="3" name="Содержимое 2"/>
-          <p:cNvSpPr>
-            <a:spLocks noGrp="1"/>
-          </p:cNvSpPr>
+          <a:bodyPr/>
+          <a:lstStyle/>
+          <a:p>
+            <a:r>
+              <a:rPr lang="ru-RU" dirty="0" smtClean="0"/>
+              <a:t>Сравнение некоторых моделей</a:t>
+            </a:r>
+            <a:endParaRPr lang="ru-RU" dirty="0"/>
+          </a:p>
+        </p:txBody>
+      </p:sp>
+      <p:pic>
+        <p:nvPicPr>
+          <p:cNvPr id="2050" name="Picture 2"/>
+          <p:cNvPicPr>
+            <a:picLocks noGrp="1" noChangeAspect="1" noChangeArrowheads="1"/>
+          </p:cNvPicPr>
           <p:nvPr>
             <p:ph idx="1"/>
           </p:nvPr>
-        </p:nvSpPr>
-        <p:spPr/>
-        <p:txBody>
-          <a:bodyPr>
-            <a:normAutofit fontScale="32500" lnSpcReduction="20000"/>
-          </a:bodyPr>
-          <a:lstStyle/>
-          <a:p>
-            <a:r>
-              <a:rPr lang="ru-RU" b="1" dirty="0"/>
-              <a:t>Цель</a:t>
-            </a:r>
-            <a:endParaRPr lang="ru-RU" dirty="0"/>
-          </a:p>
-          <a:p>
-            <a:r>
-              <a:rPr lang="ru-RU" dirty="0"/>
-              <a:t>Научное исследование возможности использования в системе здравоохранения города Москвы методов поддержки принятия решений на основе результатов анализа данных с применением передовых инновационных технологий.</a:t>
-            </a:r>
-          </a:p>
-          <a:p>
-            <a:r>
-              <a:rPr lang="ru-RU" dirty="0"/>
-              <a:t> </a:t>
-            </a:r>
-          </a:p>
-          <a:p>
-            <a:r>
-              <a:rPr lang="ru-RU" b="1" dirty="0"/>
-              <a:t>Платформа</a:t>
-            </a:r>
-            <a:endParaRPr lang="ru-RU" dirty="0"/>
-          </a:p>
-          <a:p>
-            <a:r>
-              <a:rPr lang="ru-RU" dirty="0"/>
-              <a:t>Единый радиологический информационный сервис (</a:t>
-            </a:r>
-            <a:r>
-              <a:rPr lang="ru-RU" dirty="0" err="1"/>
-              <a:t>ЕРИС</a:t>
-            </a:r>
-            <a:r>
-              <a:rPr lang="ru-RU" dirty="0"/>
-              <a:t>)</a:t>
-            </a:r>
-          </a:p>
-          <a:p>
-            <a:r>
-              <a:rPr lang="ru-RU" dirty="0"/>
-              <a:t> </a:t>
-            </a:r>
-          </a:p>
-          <a:p>
-            <a:r>
-              <a:rPr lang="ru-RU" b="1" dirty="0"/>
-              <a:t>В цифрах</a:t>
-            </a:r>
-            <a:endParaRPr lang="ru-RU" dirty="0"/>
-          </a:p>
-          <a:p>
-            <a:r>
-              <a:rPr lang="ru-RU" b="1" dirty="0"/>
-              <a:t>550  </a:t>
-            </a:r>
-            <a:r>
-              <a:rPr lang="ru-RU" dirty="0"/>
-              <a:t>единиц оборудования (</a:t>
-            </a:r>
-            <a:r>
-              <a:rPr lang="ru-RU" dirty="0" err="1"/>
-              <a:t>МРТ</a:t>
-            </a:r>
-            <a:r>
-              <a:rPr lang="ru-RU" dirty="0"/>
-              <a:t>/</a:t>
-            </a:r>
-            <a:r>
-              <a:rPr lang="ru-RU" dirty="0" err="1"/>
-              <a:t>ММГ</a:t>
-            </a:r>
-            <a:r>
-              <a:rPr lang="ru-RU" dirty="0"/>
-              <a:t>/КТ/</a:t>
-            </a:r>
-            <a:r>
-              <a:rPr lang="ru-RU" dirty="0" err="1"/>
-              <a:t>РГ</a:t>
-            </a:r>
-            <a:r>
-              <a:rPr lang="ru-RU" dirty="0"/>
-              <a:t>) в отделениях лучевой диагностики амбулаторных и стационарных медицинских организаций Департамента здравоохранения города Москвы.</a:t>
-            </a:r>
-          </a:p>
-          <a:p>
-            <a:r>
-              <a:rPr lang="ru-RU" b="1" dirty="0"/>
-              <a:t>365</a:t>
-            </a:r>
-            <a:r>
-              <a:rPr lang="ru-RU" dirty="0"/>
-              <a:t> врачей-рентгенологов в системе. </a:t>
-            </a:r>
-          </a:p>
-          <a:p>
-            <a:r>
-              <a:rPr lang="ru-RU" b="1" dirty="0"/>
-              <a:t>160 тысяч </a:t>
-            </a:r>
-            <a:r>
-              <a:rPr lang="ru-RU" dirty="0"/>
-              <a:t>лучевых исследований в месяц.</a:t>
-            </a:r>
-          </a:p>
-          <a:p>
-            <a:r>
-              <a:rPr lang="ru-RU" b="1" dirty="0"/>
-              <a:t>44 тысячи</a:t>
-            </a:r>
-            <a:r>
-              <a:rPr lang="ru-RU" dirty="0"/>
-              <a:t> </a:t>
-            </a:r>
-            <a:r>
-              <a:rPr lang="ru-RU" dirty="0" err="1"/>
-              <a:t>скрининговых</a:t>
-            </a:r>
-            <a:r>
-              <a:rPr lang="ru-RU" dirty="0"/>
-              <a:t> исследований с целью выявления рака молочной железы и рака легкого в год.</a:t>
-            </a:r>
-          </a:p>
-          <a:p>
-            <a:r>
-              <a:rPr lang="ru-RU" dirty="0"/>
-              <a:t> </a:t>
-            </a:r>
-          </a:p>
-          <a:p>
-            <a:r>
-              <a:rPr lang="ru-RU" b="1" dirty="0"/>
-              <a:t>Области применения:</a:t>
-            </a:r>
-            <a:endParaRPr lang="ru-RU" dirty="0"/>
-          </a:p>
-          <a:p>
-            <a:r>
-              <a:rPr lang="ru-RU" dirty="0"/>
-              <a:t>онкология;</a:t>
-            </a:r>
-          </a:p>
-          <a:p>
-            <a:r>
-              <a:rPr lang="ru-RU" dirty="0"/>
-              <a:t>кардиология;</a:t>
-            </a:r>
-          </a:p>
-          <a:p>
-            <a:r>
-              <a:rPr lang="ru-RU" dirty="0"/>
-              <a:t>хронические заболевания;</a:t>
-            </a:r>
-          </a:p>
-          <a:p>
-            <a:r>
-              <a:rPr lang="ru-RU" dirty="0"/>
-              <a:t>пульмонология;</a:t>
-            </a:r>
-          </a:p>
-          <a:p>
-            <a:r>
-              <a:rPr lang="ru-RU" dirty="0"/>
-              <a:t>неврология;</a:t>
-            </a:r>
-          </a:p>
-          <a:p>
-            <a:r>
-              <a:rPr lang="ru-RU" dirty="0"/>
-              <a:t>неотложные состояния.</a:t>
-            </a:r>
-          </a:p>
-          <a:p>
-            <a:r>
-              <a:rPr lang="ru-RU" dirty="0"/>
-              <a:t> </a:t>
-            </a:r>
-          </a:p>
-          <a:p>
-            <a:r>
-              <a:rPr lang="ru-RU" dirty="0"/>
-              <a:t>Результаты эксперимента станут основой для национальных стандартов, регламентирующих применение искусственного интеллекта в клинической медицине. Разработка документов ведется в Подкомитете 01 технического комитета по стандартизации «Искусственный интеллект» (</a:t>
-            </a:r>
-            <a:r>
-              <a:rPr lang="ru-RU" dirty="0" err="1"/>
-              <a:t>ТК</a:t>
-            </a:r>
-            <a:r>
-              <a:rPr lang="ru-RU" dirty="0"/>
-              <a:t> 164). </a:t>
-            </a:r>
-            <a:br>
-              <a:rPr lang="ru-RU" dirty="0"/>
-            </a:br>
-            <a:r>
-              <a:rPr lang="ru-RU" u="sng" dirty="0">
-                <a:hlinkClick r:id="rId2"/>
-              </a:rPr>
-              <a:t>Подробнее о деятельности ПК 01</a:t>
-            </a:r>
-            <a:endParaRPr lang="ru-RU" dirty="0"/>
-          </a:p>
-          <a:p>
-            <a:endParaRPr lang="ru-RU" dirty="0"/>
-          </a:p>
-        </p:txBody>
-      </p:sp>
+        </p:nvPicPr>
+        <p:blipFill>
+          <a:blip r:embed="rId2" cstate="print"/>
+          <a:srcRect/>
+          <a:stretch>
+            <a:fillRect/>
+          </a:stretch>
+        </p:blipFill>
+        <p:spPr bwMode="auto">
+          <a:xfrm>
+            <a:off x="457200" y="2099696"/>
+            <a:ext cx="8229600" cy="3526971"/>
+          </a:xfrm>
+          <a:prstGeom prst="rect">
+            <a:avLst/>
+          </a:prstGeom>
+          <a:noFill/>
+          <a:ln w="9525">
+            <a:noFill/>
+            <a:miter lim="800000"/>
+            <a:headEnd/>
+            <a:tailEnd/>
+          </a:ln>
+        </p:spPr>
+      </p:pic>
     </p:spTree>
   </p:cSld>
   <p:clrMapOvr>
@@ -4434,6 +4261,455 @@
 </file>
 
 <file path=ppt/slides/slide22.xml><?xml version="1.0" encoding="utf-8"?>
+<p:sld xmlns:a="http://schemas.openxmlformats.org/drawingml/2006/main" xmlns:r="http://schemas.openxmlformats.org/officeDocument/2006/relationships" xmlns:p="http://schemas.openxmlformats.org/presentationml/2006/main">
+  <p:cSld>
+    <p:spTree>
+      <p:nvGrpSpPr>
+        <p:cNvPr id="1" name=""/>
+        <p:cNvGrpSpPr/>
+        <p:nvPr/>
+      </p:nvGrpSpPr>
+      <p:grpSpPr>
+        <a:xfrm>
+          <a:off x="0" y="0"/>
+          <a:ext cx="0" cy="0"/>
+          <a:chOff x="0" y="0"/>
+          <a:chExt cx="0" cy="0"/>
+        </a:xfrm>
+      </p:grpSpPr>
+      <p:sp>
+        <p:nvSpPr>
+          <p:cNvPr id="2" name="Заголовок 1"/>
+          <p:cNvSpPr>
+            <a:spLocks noGrp="1"/>
+          </p:cNvSpPr>
+          <p:nvPr>
+            <p:ph type="title"/>
+          </p:nvPr>
+        </p:nvSpPr>
+        <p:spPr/>
+        <p:txBody>
+          <a:bodyPr>
+            <a:normAutofit fontScale="90000"/>
+          </a:bodyPr>
+          <a:lstStyle/>
+          <a:p>
+            <a:r>
+              <a:rPr lang="ru-RU" dirty="0" smtClean="0"/>
+              <a:t>Графики обучения модели</a:t>
+            </a:r>
+            <a:br>
+              <a:rPr lang="ru-RU" dirty="0" smtClean="0"/>
+            </a:br>
+            <a:r>
+              <a:rPr lang="ru-RU" dirty="0" smtClean="0"/>
+              <a:t>Параметры модели</a:t>
+            </a:r>
+            <a:endParaRPr lang="ru-RU" dirty="0"/>
+          </a:p>
+        </p:txBody>
+      </p:sp>
+      <p:sp>
+        <p:nvSpPr>
+          <p:cNvPr id="3" name="Содержимое 2"/>
+          <p:cNvSpPr>
+            <a:spLocks noGrp="1"/>
+          </p:cNvSpPr>
+          <p:nvPr>
+            <p:ph idx="1"/>
+          </p:nvPr>
+        </p:nvSpPr>
+        <p:spPr/>
+        <p:txBody>
+          <a:bodyPr/>
+          <a:lstStyle/>
+          <a:p>
+            <a:endParaRPr lang="ru-RU" dirty="0"/>
+          </a:p>
+        </p:txBody>
+      </p:sp>
+    </p:spTree>
+  </p:cSld>
+  <p:clrMapOvr>
+    <a:masterClrMapping/>
+  </p:clrMapOvr>
+</p:sld>
+</file>
+
+<file path=ppt/slides/slide23.xml><?xml version="1.0" encoding="utf-8"?>
+<p:sld xmlns:a="http://schemas.openxmlformats.org/drawingml/2006/main" xmlns:r="http://schemas.openxmlformats.org/officeDocument/2006/relationships" xmlns:p="http://schemas.openxmlformats.org/presentationml/2006/main">
+  <p:cSld>
+    <p:spTree>
+      <p:nvGrpSpPr>
+        <p:cNvPr id="1" name=""/>
+        <p:cNvGrpSpPr/>
+        <p:nvPr/>
+      </p:nvGrpSpPr>
+      <p:grpSpPr>
+        <a:xfrm>
+          <a:off x="0" y="0"/>
+          <a:ext cx="0" cy="0"/>
+          <a:chOff x="0" y="0"/>
+          <a:chExt cx="0" cy="0"/>
+        </a:xfrm>
+      </p:grpSpPr>
+      <p:sp>
+        <p:nvSpPr>
+          <p:cNvPr id="2" name="Заголовок 1"/>
+          <p:cNvSpPr>
+            <a:spLocks noGrp="1"/>
+          </p:cNvSpPr>
+          <p:nvPr>
+            <p:ph type="title"/>
+          </p:nvPr>
+        </p:nvSpPr>
+        <p:spPr/>
+        <p:txBody>
+          <a:bodyPr/>
+          <a:lstStyle/>
+          <a:p>
+            <a:r>
+              <a:rPr lang="ru-RU" dirty="0" smtClean="0"/>
+              <a:t>Сравнение </a:t>
+            </a:r>
+            <a:r>
+              <a:rPr lang="en-US" dirty="0" err="1" smtClean="0"/>
+              <a:t>colab</a:t>
+            </a:r>
+            <a:r>
+              <a:rPr lang="en-US" dirty="0" smtClean="0"/>
+              <a:t> </a:t>
+            </a:r>
+            <a:r>
+              <a:rPr lang="ru-RU" dirty="0" smtClean="0"/>
+              <a:t>и </a:t>
+            </a:r>
+            <a:r>
+              <a:rPr lang="en-US" dirty="0" err="1" smtClean="0"/>
+              <a:t>yandex</a:t>
+            </a:r>
+            <a:endParaRPr lang="ru-RU" dirty="0"/>
+          </a:p>
+        </p:txBody>
+      </p:sp>
+      <p:sp>
+        <p:nvSpPr>
+          <p:cNvPr id="3" name="Содержимое 2"/>
+          <p:cNvSpPr>
+            <a:spLocks noGrp="1"/>
+          </p:cNvSpPr>
+          <p:nvPr>
+            <p:ph idx="1"/>
+          </p:nvPr>
+        </p:nvSpPr>
+        <p:spPr/>
+        <p:txBody>
+          <a:bodyPr/>
+          <a:lstStyle/>
+          <a:p>
+            <a:r>
+              <a:rPr lang="ru-RU" dirty="0" smtClean="0"/>
+              <a:t>Техническое описание какие карты используются и </a:t>
+            </a:r>
+            <a:r>
+              <a:rPr lang="ru-RU" dirty="0" err="1" smtClean="0"/>
+              <a:t>проч</a:t>
+            </a:r>
+            <a:endParaRPr lang="ru-RU" dirty="0"/>
+          </a:p>
+        </p:txBody>
+      </p:sp>
+    </p:spTree>
+  </p:cSld>
+  <p:clrMapOvr>
+    <a:masterClrMapping/>
+  </p:clrMapOvr>
+</p:sld>
+</file>
+
+<file path=ppt/slides/slide24.xml><?xml version="1.0" encoding="utf-8"?>
+<p:sld xmlns:a="http://schemas.openxmlformats.org/drawingml/2006/main" xmlns:r="http://schemas.openxmlformats.org/officeDocument/2006/relationships" xmlns:p="http://schemas.openxmlformats.org/presentationml/2006/main">
+  <p:cSld>
+    <p:spTree>
+      <p:nvGrpSpPr>
+        <p:cNvPr id="1" name=""/>
+        <p:cNvGrpSpPr/>
+        <p:nvPr/>
+      </p:nvGrpSpPr>
+      <p:grpSpPr>
+        <a:xfrm>
+          <a:off x="0" y="0"/>
+          <a:ext cx="0" cy="0"/>
+          <a:chOff x="0" y="0"/>
+          <a:chExt cx="0" cy="0"/>
+        </a:xfrm>
+      </p:grpSpPr>
+      <p:sp>
+        <p:nvSpPr>
+          <p:cNvPr id="2" name="Заголовок 1"/>
+          <p:cNvSpPr>
+            <a:spLocks noGrp="1"/>
+          </p:cNvSpPr>
+          <p:nvPr>
+            <p:ph type="title"/>
+          </p:nvPr>
+        </p:nvSpPr>
+        <p:spPr/>
+        <p:txBody>
+          <a:bodyPr>
+            <a:noAutofit/>
+          </a:bodyPr>
+          <a:lstStyle/>
+          <a:p>
+            <a:r>
+              <a:rPr lang="ru-RU" sz="1800" b="1" dirty="0" smtClean="0"/>
+              <a:t>Эксперимент</a:t>
+            </a:r>
+            <a:br>
+              <a:rPr lang="ru-RU" sz="1800" b="1" dirty="0" smtClean="0"/>
+            </a:br>
+            <a:r>
+              <a:rPr lang="ru-RU" sz="1800" dirty="0" smtClean="0"/>
+              <a:t>по использованию инновационных технологий в области компьютерного зрения для анализа медицинских изображений и дальнейшего применения в системе здравоохранения города Москвы.</a:t>
+            </a:r>
+            <a:endParaRPr lang="ru-RU" sz="1800" dirty="0"/>
+          </a:p>
+        </p:txBody>
+      </p:sp>
+      <p:sp>
+        <p:nvSpPr>
+          <p:cNvPr id="3" name="Содержимое 2"/>
+          <p:cNvSpPr>
+            <a:spLocks noGrp="1"/>
+          </p:cNvSpPr>
+          <p:nvPr>
+            <p:ph idx="1"/>
+          </p:nvPr>
+        </p:nvSpPr>
+        <p:spPr/>
+        <p:txBody>
+          <a:bodyPr>
+            <a:normAutofit fontScale="32500" lnSpcReduction="20000"/>
+          </a:bodyPr>
+          <a:lstStyle/>
+          <a:p>
+            <a:r>
+              <a:rPr lang="ru-RU" b="1" dirty="0"/>
+              <a:t>Цель</a:t>
+            </a:r>
+            <a:endParaRPr lang="ru-RU" dirty="0"/>
+          </a:p>
+          <a:p>
+            <a:r>
+              <a:rPr lang="ru-RU" dirty="0"/>
+              <a:t>Научное исследование возможности использования в системе здравоохранения города Москвы методов поддержки принятия решений на основе результатов анализа данных с применением передовых инновационных технологий.</a:t>
+            </a:r>
+          </a:p>
+          <a:p>
+            <a:r>
+              <a:rPr lang="ru-RU" dirty="0"/>
+              <a:t> </a:t>
+            </a:r>
+          </a:p>
+          <a:p>
+            <a:r>
+              <a:rPr lang="ru-RU" b="1" dirty="0"/>
+              <a:t>Платформа</a:t>
+            </a:r>
+            <a:endParaRPr lang="ru-RU" dirty="0"/>
+          </a:p>
+          <a:p>
+            <a:r>
+              <a:rPr lang="ru-RU" dirty="0"/>
+              <a:t>Единый радиологический информационный сервис (</a:t>
+            </a:r>
+            <a:r>
+              <a:rPr lang="ru-RU" dirty="0" err="1"/>
+              <a:t>ЕРИС</a:t>
+            </a:r>
+            <a:r>
+              <a:rPr lang="ru-RU" dirty="0"/>
+              <a:t>)</a:t>
+            </a:r>
+          </a:p>
+          <a:p>
+            <a:r>
+              <a:rPr lang="ru-RU" dirty="0"/>
+              <a:t> </a:t>
+            </a:r>
+          </a:p>
+          <a:p>
+            <a:r>
+              <a:rPr lang="ru-RU" b="1" dirty="0"/>
+              <a:t>В цифрах</a:t>
+            </a:r>
+            <a:endParaRPr lang="ru-RU" dirty="0"/>
+          </a:p>
+          <a:p>
+            <a:r>
+              <a:rPr lang="ru-RU" b="1" dirty="0"/>
+              <a:t>550  </a:t>
+            </a:r>
+            <a:r>
+              <a:rPr lang="ru-RU" dirty="0"/>
+              <a:t>единиц оборудования (</a:t>
+            </a:r>
+            <a:r>
+              <a:rPr lang="ru-RU" dirty="0" err="1"/>
+              <a:t>МРТ</a:t>
+            </a:r>
+            <a:r>
+              <a:rPr lang="ru-RU" dirty="0"/>
+              <a:t>/</a:t>
+            </a:r>
+            <a:r>
+              <a:rPr lang="ru-RU" dirty="0" err="1"/>
+              <a:t>ММГ</a:t>
+            </a:r>
+            <a:r>
+              <a:rPr lang="ru-RU" dirty="0"/>
+              <a:t>/КТ/</a:t>
+            </a:r>
+            <a:r>
+              <a:rPr lang="ru-RU" dirty="0" err="1"/>
+              <a:t>РГ</a:t>
+            </a:r>
+            <a:r>
+              <a:rPr lang="ru-RU" dirty="0"/>
+              <a:t>) в отделениях лучевой диагностики амбулаторных и стационарных медицинских организаций Департамента здравоохранения города Москвы.</a:t>
+            </a:r>
+          </a:p>
+          <a:p>
+            <a:r>
+              <a:rPr lang="ru-RU" b="1" dirty="0"/>
+              <a:t>365</a:t>
+            </a:r>
+            <a:r>
+              <a:rPr lang="ru-RU" dirty="0"/>
+              <a:t> врачей-рентгенологов в системе. </a:t>
+            </a:r>
+          </a:p>
+          <a:p>
+            <a:r>
+              <a:rPr lang="ru-RU" b="1" dirty="0"/>
+              <a:t>160 тысяч </a:t>
+            </a:r>
+            <a:r>
+              <a:rPr lang="ru-RU" dirty="0"/>
+              <a:t>лучевых исследований в месяц.</a:t>
+            </a:r>
+          </a:p>
+          <a:p>
+            <a:r>
+              <a:rPr lang="ru-RU" b="1" dirty="0"/>
+              <a:t>44 тысячи</a:t>
+            </a:r>
+            <a:r>
+              <a:rPr lang="ru-RU" dirty="0"/>
+              <a:t> </a:t>
+            </a:r>
+            <a:r>
+              <a:rPr lang="ru-RU" dirty="0" err="1"/>
+              <a:t>скрининговых</a:t>
+            </a:r>
+            <a:r>
+              <a:rPr lang="ru-RU" dirty="0"/>
+              <a:t> исследований с целью выявления рака молочной железы и рака легкого в год.</a:t>
+            </a:r>
+          </a:p>
+          <a:p>
+            <a:r>
+              <a:rPr lang="ru-RU" dirty="0"/>
+              <a:t> </a:t>
+            </a:r>
+          </a:p>
+          <a:p>
+            <a:r>
+              <a:rPr lang="ru-RU" b="1" dirty="0"/>
+              <a:t>Области применения:</a:t>
+            </a:r>
+            <a:endParaRPr lang="ru-RU" dirty="0"/>
+          </a:p>
+          <a:p>
+            <a:r>
+              <a:rPr lang="ru-RU" dirty="0"/>
+              <a:t>онкология;</a:t>
+            </a:r>
+          </a:p>
+          <a:p>
+            <a:r>
+              <a:rPr lang="ru-RU" dirty="0"/>
+              <a:t>кардиология;</a:t>
+            </a:r>
+          </a:p>
+          <a:p>
+            <a:r>
+              <a:rPr lang="ru-RU" dirty="0"/>
+              <a:t>хронические заболевания;</a:t>
+            </a:r>
+          </a:p>
+          <a:p>
+            <a:r>
+              <a:rPr lang="ru-RU" dirty="0"/>
+              <a:t>пульмонология;</a:t>
+            </a:r>
+          </a:p>
+          <a:p>
+            <a:r>
+              <a:rPr lang="ru-RU" dirty="0"/>
+              <a:t>неврология;</a:t>
+            </a:r>
+          </a:p>
+          <a:p>
+            <a:r>
+              <a:rPr lang="ru-RU" dirty="0"/>
+              <a:t>неотложные состояния.</a:t>
+            </a:r>
+          </a:p>
+          <a:p>
+            <a:r>
+              <a:rPr lang="ru-RU" dirty="0"/>
+              <a:t> </a:t>
+            </a:r>
+          </a:p>
+          <a:p>
+            <a:r>
+              <a:rPr lang="ru-RU" dirty="0"/>
+              <a:t>Результаты эксперимента станут основой для национальных стандартов, регламентирующих применение искусственного интеллекта в клинической медицине. Разработка документов ведется в Подкомитете 01 технического комитета по стандартизации «Искусственный интеллект» (</a:t>
+            </a:r>
+            <a:r>
+              <a:rPr lang="ru-RU" dirty="0" err="1"/>
+              <a:t>ТК</a:t>
+            </a:r>
+            <a:r>
+              <a:rPr lang="ru-RU" dirty="0"/>
+              <a:t> 164). </a:t>
+            </a:r>
+            <a:br>
+              <a:rPr lang="ru-RU" dirty="0"/>
+            </a:br>
+            <a:r>
+              <a:rPr lang="ru-RU" u="sng" dirty="0">
+                <a:hlinkClick r:id="rId2"/>
+              </a:rPr>
+              <a:t>Подробнее о деятельности ПК 01</a:t>
+            </a:r>
+            <a:endParaRPr lang="ru-RU" dirty="0"/>
+          </a:p>
+          <a:p>
+            <a:endParaRPr lang="ru-RU" dirty="0"/>
+          </a:p>
+        </p:txBody>
+      </p:sp>
+    </p:spTree>
+  </p:cSld>
+  <p:clrMapOvr>
+    <a:masterClrMapping/>
+  </p:clrMapOvr>
+</p:sld>
+</file>
+
+<file path=ppt/slides/slide25.xml><?xml version="1.0" encoding="utf-8"?>
 <p:sld xmlns:a="http://schemas.openxmlformats.org/drawingml/2006/main" xmlns:r="http://schemas.openxmlformats.org/officeDocument/2006/relationships" xmlns:p="http://schemas.openxmlformats.org/presentationml/2006/main">
   <p:cSld>
     <p:spTree>
@@ -4520,940 +4796,6 @@
 </p:sld>
 </file>
 
-<file path=ppt/slides/slide23.xml><?xml version="1.0" encoding="utf-8"?>
-<p:sld xmlns:a="http://schemas.openxmlformats.org/drawingml/2006/main" xmlns:r="http://schemas.openxmlformats.org/officeDocument/2006/relationships" xmlns:p="http://schemas.openxmlformats.org/presentationml/2006/main">
-  <p:cSld>
-    <p:spTree>
-      <p:nvGrpSpPr>
-        <p:cNvPr id="1" name=""/>
-        <p:cNvGrpSpPr/>
-        <p:nvPr/>
-      </p:nvGrpSpPr>
-      <p:grpSpPr>
-        <a:xfrm>
-          <a:off x="0" y="0"/>
-          <a:ext cx="0" cy="0"/>
-          <a:chOff x="0" y="0"/>
-          <a:chExt cx="0" cy="0"/>
-        </a:xfrm>
-      </p:grpSpPr>
-      <p:sp>
-        <p:nvSpPr>
-          <p:cNvPr id="2" name="Заголовок 1"/>
-          <p:cNvSpPr>
-            <a:spLocks noGrp="1"/>
-          </p:cNvSpPr>
-          <p:nvPr>
-            <p:ph type="title"/>
-          </p:nvPr>
-        </p:nvSpPr>
-        <p:spPr/>
-        <p:txBody>
-          <a:bodyPr>
-            <a:normAutofit/>
-          </a:bodyPr>
-          <a:lstStyle/>
-          <a:p>
-            <a:r>
-              <a:rPr lang="ru-RU" dirty="0" smtClean="0">
-                <a:hlinkClick r:id="rId2"/>
-              </a:rPr>
-              <a:t>Клинические параметры</a:t>
-            </a:r>
-            <a:endParaRPr lang="ru-RU" dirty="0"/>
-          </a:p>
-        </p:txBody>
-      </p:sp>
-      <p:sp>
-        <p:nvSpPr>
-          <p:cNvPr id="3" name="Содержимое 2"/>
-          <p:cNvSpPr>
-            <a:spLocks noGrp="1"/>
-          </p:cNvSpPr>
-          <p:nvPr>
-            <p:ph idx="1"/>
-          </p:nvPr>
-        </p:nvSpPr>
-        <p:spPr/>
-        <p:txBody>
-          <a:bodyPr>
-            <a:normAutofit fontScale="47500" lnSpcReduction="20000"/>
-          </a:bodyPr>
-          <a:lstStyle/>
-          <a:p>
-            <a:r>
-              <a:rPr lang="ru-RU" b="1" dirty="0" smtClean="0"/>
-              <a:t>Целевые нозологии</a:t>
-            </a:r>
-          </a:p>
-          <a:p>
-            <a:pPr>
-              <a:buNone/>
-            </a:pPr>
-            <a:r>
-              <a:rPr lang="ru-RU" b="1" dirty="0"/>
-              <a:t>	</a:t>
-            </a:r>
-            <a:r>
-              <a:rPr lang="ru-RU" b="1" dirty="0" smtClean="0"/>
-              <a:t>Целевые </a:t>
-            </a:r>
-            <a:r>
-              <a:rPr lang="ru-RU" b="1" dirty="0" err="1"/>
-              <a:t>патологии\признаки</a:t>
-            </a:r>
-            <a:r>
-              <a:rPr lang="ru-RU" b="1" dirty="0"/>
-              <a:t>:</a:t>
-            </a:r>
-            <a:r>
-              <a:rPr lang="ru-RU" dirty="0"/>
-              <a:t> </a:t>
-            </a:r>
-            <a:r>
-              <a:rPr lang="ru-RU" dirty="0" err="1" smtClean="0"/>
-              <a:t>COVID-19</a:t>
-            </a:r>
-            <a:endParaRPr lang="ru-RU" dirty="0" smtClean="0"/>
-          </a:p>
-          <a:p>
-            <a:pPr>
-              <a:buNone/>
-            </a:pPr>
-            <a:r>
-              <a:rPr lang="ru-RU" b="1" dirty="0"/>
-              <a:t>	</a:t>
-            </a:r>
-            <a:r>
-              <a:rPr lang="ru-RU" b="1" dirty="0" smtClean="0"/>
-              <a:t>Код </a:t>
-            </a:r>
-            <a:r>
-              <a:rPr lang="ru-RU" b="1" dirty="0" err="1"/>
-              <a:t>МКБ-10</a:t>
-            </a:r>
-            <a:r>
-              <a:rPr lang="ru-RU" b="1" dirty="0"/>
-              <a:t> целевой патологии:</a:t>
-            </a:r>
-            <a:r>
-              <a:rPr lang="ru-RU" dirty="0"/>
-              <a:t> </a:t>
-            </a:r>
-            <a:r>
-              <a:rPr lang="ru-RU" dirty="0" err="1" smtClean="0"/>
-              <a:t>U07.1</a:t>
-            </a:r>
-            <a:endParaRPr lang="ru-RU" dirty="0" smtClean="0"/>
-          </a:p>
-          <a:p>
-            <a:r>
-              <a:rPr lang="ru-RU" b="1" dirty="0" smtClean="0"/>
-              <a:t>Параметры популяции</a:t>
-            </a:r>
-          </a:p>
-          <a:p>
-            <a:pPr>
-              <a:buNone/>
-            </a:pPr>
-            <a:r>
-              <a:rPr lang="ru-RU" b="1" dirty="0"/>
-              <a:t>	</a:t>
-            </a:r>
-            <a:r>
-              <a:rPr lang="ru-RU" b="1" dirty="0" smtClean="0"/>
-              <a:t>Критерии </a:t>
-            </a:r>
-            <a:r>
-              <a:rPr lang="ru-RU" b="1" dirty="0"/>
-              <a:t>включения/</a:t>
-            </a:r>
-            <a:r>
-              <a:rPr lang="ru-RU" b="1" dirty="0" err="1"/>
-              <a:t>невключения</a:t>
-            </a:r>
-            <a:r>
-              <a:rPr lang="ru-RU" b="1" dirty="0"/>
-              <a:t> пациента</a:t>
-            </a:r>
-            <a:r>
-              <a:rPr lang="ru-RU" b="1" dirty="0" smtClean="0"/>
-              <a:t>:</a:t>
-            </a:r>
-          </a:p>
-          <a:p>
-            <a:pPr>
-              <a:buNone/>
-            </a:pPr>
-            <a:r>
-              <a:rPr lang="ru-RU" b="1" dirty="0"/>
-              <a:t>	</a:t>
-            </a:r>
-            <a:r>
-              <a:rPr lang="ru-RU" dirty="0" smtClean="0"/>
-              <a:t>Критерии </a:t>
-            </a:r>
-            <a:r>
-              <a:rPr lang="ru-RU" dirty="0"/>
-              <a:t>включения пациента: Возраст ≥18 лет</a:t>
-            </a:r>
-            <a:br>
-              <a:rPr lang="ru-RU" dirty="0"/>
-            </a:br>
-            <a:r>
-              <a:rPr lang="ru-RU" dirty="0"/>
-              <a:t>Критерии </a:t>
-            </a:r>
-            <a:r>
-              <a:rPr lang="ru-RU" dirty="0" err="1"/>
-              <a:t>невключения</a:t>
-            </a:r>
-            <a:r>
-              <a:rPr lang="ru-RU" dirty="0"/>
-              <a:t> пациента: Наличие оперативных вмешательств, лучевой терапии в анамнезе для лечения заболеваний в области грудной клетки</a:t>
-            </a:r>
-          </a:p>
-          <a:p>
-            <a:pPr>
-              <a:buNone/>
-            </a:pPr>
-            <a:r>
-              <a:rPr lang="ru-RU" dirty="0" smtClean="0"/>
-              <a:t>	Возраст </a:t>
-            </a:r>
-            <a:r>
-              <a:rPr lang="ru-RU" dirty="0"/>
-              <a:t>(мин., лет): </a:t>
-            </a:r>
-            <a:r>
-              <a:rPr lang="ru-RU" dirty="0" smtClean="0"/>
-              <a:t>18</a:t>
-            </a:r>
-          </a:p>
-          <a:p>
-            <a:pPr>
-              <a:buNone/>
-            </a:pPr>
-            <a:r>
-              <a:rPr lang="ru-RU" dirty="0"/>
-              <a:t>	</a:t>
-            </a:r>
-            <a:r>
-              <a:rPr lang="ru-RU" dirty="0" smtClean="0"/>
-              <a:t>Возраст </a:t>
-            </a:r>
-            <a:r>
-              <a:rPr lang="ru-RU" dirty="0"/>
-              <a:t>(макс., лет): </a:t>
-            </a:r>
-            <a:r>
-              <a:rPr lang="ru-RU" dirty="0" smtClean="0"/>
-              <a:t>97</a:t>
-            </a:r>
-          </a:p>
-          <a:p>
-            <a:pPr>
-              <a:buNone/>
-            </a:pPr>
-            <a:r>
-              <a:rPr lang="ru-RU" dirty="0"/>
-              <a:t>	</a:t>
-            </a:r>
-            <a:r>
-              <a:rPr lang="ru-RU" dirty="0" smtClean="0"/>
-              <a:t>Возраст </a:t>
-            </a:r>
-            <a:r>
-              <a:rPr lang="ru-RU" dirty="0"/>
-              <a:t>(медиана, лет): </a:t>
-            </a:r>
-            <a:r>
-              <a:rPr lang="ru-RU" dirty="0" smtClean="0"/>
-              <a:t>47,0</a:t>
-            </a:r>
-          </a:p>
-          <a:p>
-            <a:pPr>
-              <a:buNone/>
-            </a:pPr>
-            <a:r>
-              <a:rPr lang="ru-RU" dirty="0"/>
-              <a:t>	</a:t>
-            </a:r>
-            <a:r>
-              <a:rPr lang="ru-RU" dirty="0" smtClean="0"/>
-              <a:t>Пол </a:t>
-            </a:r>
-            <a:r>
-              <a:rPr lang="ru-RU" dirty="0"/>
-              <a:t>(М): </a:t>
-            </a:r>
-            <a:r>
-              <a:rPr lang="ru-RU" dirty="0" smtClean="0"/>
-              <a:t>42</a:t>
-            </a:r>
-          </a:p>
-          <a:p>
-            <a:pPr>
-              <a:buNone/>
-            </a:pPr>
-            <a:r>
-              <a:rPr lang="ru-RU" dirty="0"/>
-              <a:t>	</a:t>
-            </a:r>
-            <a:r>
-              <a:rPr lang="ru-RU" dirty="0" smtClean="0"/>
-              <a:t>Пол </a:t>
-            </a:r>
-            <a:r>
-              <a:rPr lang="ru-RU" dirty="0"/>
-              <a:t>(Ж): </a:t>
-            </a:r>
-            <a:r>
-              <a:rPr lang="ru-RU" dirty="0" smtClean="0"/>
-              <a:t>56</a:t>
-            </a:r>
-          </a:p>
-          <a:p>
-            <a:pPr>
-              <a:buNone/>
-            </a:pPr>
-            <a:r>
-              <a:rPr lang="ru-RU" dirty="0"/>
-              <a:t>	</a:t>
-            </a:r>
-            <a:r>
-              <a:rPr lang="ru-RU" dirty="0" smtClean="0"/>
-              <a:t>Пол </a:t>
-            </a:r>
-            <a:r>
-              <a:rPr lang="ru-RU" dirty="0"/>
-              <a:t>(</a:t>
-            </a:r>
-            <a:r>
-              <a:rPr lang="ru-RU" dirty="0" err="1"/>
-              <a:t>неопределено</a:t>
-            </a:r>
-            <a:r>
-              <a:rPr lang="ru-RU" dirty="0"/>
-              <a:t>): </a:t>
-            </a:r>
-            <a:r>
-              <a:rPr lang="ru-RU" dirty="0" smtClean="0"/>
-              <a:t>2</a:t>
-            </a:r>
-          </a:p>
-          <a:p>
-            <a:pPr>
-              <a:buNone/>
-            </a:pPr>
-            <a:r>
-              <a:rPr lang="ru-RU" dirty="0"/>
-              <a:t>	</a:t>
-            </a:r>
-            <a:r>
-              <a:rPr lang="ru-RU" dirty="0" smtClean="0"/>
-              <a:t>Период </a:t>
-            </a:r>
-            <a:r>
-              <a:rPr lang="ru-RU" dirty="0"/>
-              <a:t>сбора (начало): </a:t>
-            </a:r>
-            <a:r>
-              <a:rPr lang="ru-RU" dirty="0" smtClean="0"/>
-              <a:t>01.03.2020</a:t>
-            </a:r>
-          </a:p>
-          <a:p>
-            <a:pPr>
-              <a:buNone/>
-            </a:pPr>
-            <a:r>
-              <a:rPr lang="ru-RU" dirty="0"/>
-              <a:t>	</a:t>
-            </a:r>
-            <a:r>
-              <a:rPr lang="ru-RU" dirty="0" smtClean="0"/>
-              <a:t>Период </a:t>
-            </a:r>
-            <a:r>
-              <a:rPr lang="ru-RU" dirty="0"/>
-              <a:t>сбора (конец): </a:t>
-            </a:r>
-            <a:r>
-              <a:rPr lang="ru-RU" dirty="0" smtClean="0"/>
-              <a:t>25.04.2020</a:t>
-            </a:r>
-          </a:p>
-          <a:p>
-            <a:pPr>
-              <a:buNone/>
-            </a:pPr>
-            <a:r>
-              <a:rPr lang="ru-RU" dirty="0"/>
-              <a:t>	</a:t>
-            </a:r>
-            <a:r>
-              <a:rPr lang="ru-RU" dirty="0" smtClean="0"/>
-              <a:t>Эпидемиологическая </a:t>
-            </a:r>
-            <a:r>
-              <a:rPr lang="ru-RU" dirty="0"/>
-              <a:t>обстановка: В условиях пандемии </a:t>
-            </a:r>
-            <a:r>
-              <a:rPr lang="ru-RU" dirty="0" err="1"/>
-              <a:t>коронавирусной</a:t>
-            </a:r>
-            <a:r>
-              <a:rPr lang="ru-RU" dirty="0"/>
-              <a:t> инфекции (</a:t>
-            </a:r>
-            <a:r>
-              <a:rPr lang="ru-RU" dirty="0" err="1"/>
-              <a:t>COVID-19</a:t>
-            </a:r>
-            <a:r>
-              <a:rPr lang="ru-RU" dirty="0"/>
-              <a:t>)</a:t>
-            </a:r>
-          </a:p>
-        </p:txBody>
-      </p:sp>
-    </p:spTree>
-  </p:cSld>
-  <p:clrMapOvr>
-    <a:masterClrMapping/>
-  </p:clrMapOvr>
-</p:sld>
-</file>
-
-<file path=ppt/slides/slide24.xml><?xml version="1.0" encoding="utf-8"?>
-<p:sld xmlns:a="http://schemas.openxmlformats.org/drawingml/2006/main" xmlns:r="http://schemas.openxmlformats.org/officeDocument/2006/relationships" xmlns:p="http://schemas.openxmlformats.org/presentationml/2006/main">
-  <p:cSld>
-    <p:spTree>
-      <p:nvGrpSpPr>
-        <p:cNvPr id="1" name=""/>
-        <p:cNvGrpSpPr/>
-        <p:nvPr/>
-      </p:nvGrpSpPr>
-      <p:grpSpPr>
-        <a:xfrm>
-          <a:off x="0" y="0"/>
-          <a:ext cx="0" cy="0"/>
-          <a:chOff x="0" y="0"/>
-          <a:chExt cx="0" cy="0"/>
-        </a:xfrm>
-      </p:grpSpPr>
-      <p:sp>
-        <p:nvSpPr>
-          <p:cNvPr id="2" name="Заголовок 1"/>
-          <p:cNvSpPr>
-            <a:spLocks noGrp="1"/>
-          </p:cNvSpPr>
-          <p:nvPr>
-            <p:ph type="title"/>
-          </p:nvPr>
-        </p:nvSpPr>
-        <p:spPr/>
-        <p:txBody>
-          <a:bodyPr>
-            <a:normAutofit/>
-          </a:bodyPr>
-          <a:lstStyle/>
-          <a:p>
-            <a:r>
-              <a:rPr lang="ru-RU" dirty="0" smtClean="0">
-                <a:hlinkClick r:id="rId2"/>
-              </a:rPr>
-              <a:t>Назначение</a:t>
-            </a:r>
-            <a:endParaRPr lang="ru-RU" dirty="0"/>
-          </a:p>
-        </p:txBody>
-      </p:sp>
-      <p:sp>
-        <p:nvSpPr>
-          <p:cNvPr id="3" name="Содержимое 2"/>
-          <p:cNvSpPr>
-            <a:spLocks noGrp="1"/>
-          </p:cNvSpPr>
-          <p:nvPr>
-            <p:ph idx="1"/>
-          </p:nvPr>
-        </p:nvSpPr>
-        <p:spPr/>
-        <p:txBody>
-          <a:bodyPr>
-            <a:normAutofit/>
-          </a:bodyPr>
-          <a:lstStyle/>
-          <a:p>
-            <a:r>
-              <a:rPr lang="ru-RU" b="1" dirty="0" smtClean="0"/>
-              <a:t>Клиническая/практическая/научная </a:t>
-            </a:r>
-            <a:r>
-              <a:rPr lang="ru-RU" b="1" dirty="0"/>
-              <a:t>задача создания набора данных:</a:t>
-            </a:r>
-            <a:r>
-              <a:rPr lang="ru-RU" dirty="0"/>
-              <a:t> Определение степени поражения паренхимы легкого при </a:t>
-            </a:r>
-            <a:r>
-              <a:rPr lang="ru-RU" dirty="0" err="1" smtClean="0"/>
-              <a:t>COVID-19</a:t>
-            </a:r>
-            <a:endParaRPr lang="ru-RU" dirty="0" smtClean="0"/>
-          </a:p>
-          <a:p>
-            <a:r>
-              <a:rPr lang="ru-RU" b="1" dirty="0" smtClean="0"/>
-              <a:t>Назначение </a:t>
-            </a:r>
-            <a:r>
-              <a:rPr lang="ru-RU" b="1" dirty="0" err="1"/>
-              <a:t>датасета</a:t>
-            </a:r>
-            <a:r>
-              <a:rPr lang="ru-RU" b="1" dirty="0"/>
-              <a:t>:</a:t>
-            </a:r>
-            <a:r>
-              <a:rPr lang="ru-RU" dirty="0"/>
-              <a:t> Обучение ИИ </a:t>
-            </a:r>
-            <a:r>
-              <a:rPr lang="ru-RU" dirty="0" smtClean="0"/>
-              <a:t>алгоритма</a:t>
-            </a:r>
-          </a:p>
-          <a:p>
-            <a:r>
-              <a:rPr lang="ru-RU" b="1" dirty="0" smtClean="0"/>
-              <a:t>Вариант</a:t>
-            </a:r>
-            <a:r>
-              <a:rPr lang="ru-RU" b="1" dirty="0"/>
-              <a:t>:</a:t>
-            </a:r>
-            <a:r>
-              <a:rPr lang="ru-RU" dirty="0"/>
-              <a:t> </a:t>
-            </a:r>
-            <a:r>
-              <a:rPr lang="ru-RU" dirty="0" err="1"/>
-              <a:t>SC</a:t>
-            </a:r>
-            <a:r>
-              <a:rPr lang="ru-RU" dirty="0"/>
-              <a:t> - </a:t>
-            </a:r>
-            <a:r>
-              <a:rPr lang="ru-RU" dirty="0" err="1"/>
-              <a:t>special</a:t>
-            </a:r>
-            <a:r>
-              <a:rPr lang="ru-RU" dirty="0"/>
-              <a:t> </a:t>
-            </a:r>
-            <a:r>
-              <a:rPr lang="ru-RU" dirty="0" err="1"/>
-              <a:t>case</a:t>
-            </a:r>
-            <a:endParaRPr lang="ru-RU" dirty="0"/>
-          </a:p>
-        </p:txBody>
-      </p:sp>
-    </p:spTree>
-  </p:cSld>
-  <p:clrMapOvr>
-    <a:masterClrMapping/>
-  </p:clrMapOvr>
-</p:sld>
-</file>
-
-<file path=ppt/slides/slide25.xml><?xml version="1.0" encoding="utf-8"?>
-<p:sld xmlns:a="http://schemas.openxmlformats.org/drawingml/2006/main" xmlns:r="http://schemas.openxmlformats.org/officeDocument/2006/relationships" xmlns:p="http://schemas.openxmlformats.org/presentationml/2006/main">
-  <p:cSld>
-    <p:spTree>
-      <p:nvGrpSpPr>
-        <p:cNvPr id="1" name=""/>
-        <p:cNvGrpSpPr/>
-        <p:nvPr/>
-      </p:nvGrpSpPr>
-      <p:grpSpPr>
-        <a:xfrm>
-          <a:off x="0" y="0"/>
-          <a:ext cx="0" cy="0"/>
-          <a:chOff x="0" y="0"/>
-          <a:chExt cx="0" cy="0"/>
-        </a:xfrm>
-      </p:grpSpPr>
-      <p:sp>
-        <p:nvSpPr>
-          <p:cNvPr id="2" name="Заголовок 1"/>
-          <p:cNvSpPr>
-            <a:spLocks noGrp="1"/>
-          </p:cNvSpPr>
-          <p:nvPr>
-            <p:ph type="title"/>
-          </p:nvPr>
-        </p:nvSpPr>
-        <p:spPr/>
-        <p:txBody>
-          <a:bodyPr>
-            <a:normAutofit/>
-          </a:bodyPr>
-          <a:lstStyle/>
-          <a:p>
-            <a:r>
-              <a:rPr lang="ru-RU" dirty="0" smtClean="0">
-                <a:hlinkClick r:id="rId2"/>
-              </a:rPr>
-              <a:t>Разметка и верификация</a:t>
-            </a:r>
-            <a:endParaRPr lang="ru-RU" dirty="0"/>
-          </a:p>
-        </p:txBody>
-      </p:sp>
-      <p:sp>
-        <p:nvSpPr>
-          <p:cNvPr id="3" name="Содержимое 2"/>
-          <p:cNvSpPr>
-            <a:spLocks noGrp="1"/>
-          </p:cNvSpPr>
-          <p:nvPr>
-            <p:ph idx="1"/>
-          </p:nvPr>
-        </p:nvSpPr>
-        <p:spPr/>
-        <p:txBody>
-          <a:bodyPr>
-            <a:normAutofit fontScale="40000" lnSpcReduction="20000"/>
-          </a:bodyPr>
-          <a:lstStyle/>
-          <a:p>
-            <a:r>
-              <a:rPr lang="ru-RU" b="1" dirty="0" err="1" smtClean="0"/>
-              <a:t>РазметкаУровень</a:t>
-            </a:r>
-            <a:r>
-              <a:rPr lang="ru-RU" b="1" dirty="0" smtClean="0"/>
-              <a:t> </a:t>
-            </a:r>
-            <a:r>
-              <a:rPr lang="ru-RU" b="1" dirty="0"/>
-              <a:t>разметки:</a:t>
-            </a:r>
-            <a:r>
-              <a:rPr lang="ru-RU" dirty="0"/>
-              <a:t> Изображение, </a:t>
-            </a:r>
-            <a:r>
-              <a:rPr lang="ru-RU" dirty="0" smtClean="0"/>
-              <a:t>Исследование</a:t>
-            </a:r>
-          </a:p>
-          <a:p>
-            <a:r>
-              <a:rPr lang="ru-RU" b="1" dirty="0" smtClean="0"/>
-              <a:t>Способы </a:t>
-            </a:r>
-            <a:r>
-              <a:rPr lang="ru-RU" b="1" dirty="0" err="1"/>
-              <a:t>предразметки</a:t>
-            </a:r>
-            <a:r>
-              <a:rPr lang="ru-RU" b="1" dirty="0"/>
-              <a:t>:</a:t>
-            </a:r>
-            <a:r>
-              <a:rPr lang="ru-RU" dirty="0"/>
-              <a:t> </a:t>
-            </a:r>
-            <a:r>
-              <a:rPr lang="ru-RU" dirty="0" smtClean="0"/>
-              <a:t>Нет</a:t>
-            </a:r>
-          </a:p>
-          <a:p>
-            <a:r>
-              <a:rPr lang="ru-RU" b="1" dirty="0" smtClean="0"/>
-              <a:t>Характер </a:t>
-            </a:r>
-            <a:r>
-              <a:rPr lang="ru-RU" b="1" dirty="0"/>
-              <a:t>разметки:</a:t>
-            </a:r>
-            <a:r>
-              <a:rPr lang="ru-RU" dirty="0"/>
-              <a:t> </a:t>
-            </a:r>
-            <a:r>
-              <a:rPr lang="ru-RU" dirty="0" smtClean="0"/>
-              <a:t>Бинарная</a:t>
-            </a:r>
-          </a:p>
-          <a:p>
-            <a:r>
-              <a:rPr lang="ru-RU" b="1" dirty="0" smtClean="0"/>
-              <a:t>Количество </a:t>
-            </a:r>
-            <a:r>
-              <a:rPr lang="ru-RU" b="1" dirty="0"/>
-              <a:t>лейблов:</a:t>
-            </a:r>
-            <a:r>
-              <a:rPr lang="ru-RU" dirty="0"/>
-              <a:t> </a:t>
-            </a:r>
-            <a:r>
-              <a:rPr lang="ru-RU" dirty="0" smtClean="0"/>
-              <a:t>1</a:t>
-            </a:r>
-          </a:p>
-          <a:p>
-            <a:r>
-              <a:rPr lang="ru-RU" b="1" dirty="0" smtClean="0"/>
-              <a:t>Характер </a:t>
-            </a:r>
-            <a:r>
-              <a:rPr lang="ru-RU" b="1" dirty="0"/>
-              <a:t>лейблов:</a:t>
-            </a:r>
-            <a:r>
-              <a:rPr lang="ru-RU" dirty="0"/>
-              <a:t> </a:t>
-            </a:r>
-            <a:r>
-              <a:rPr lang="ru-RU" dirty="0" err="1"/>
-              <a:t>Мультикласс</a:t>
-            </a:r>
-            <a:r>
-              <a:rPr lang="ru-RU" dirty="0"/>
-              <a:t> (1 лейбл, </a:t>
-            </a:r>
-            <a:r>
-              <a:rPr lang="ru-RU" dirty="0" err="1"/>
-              <a:t>M</a:t>
-            </a:r>
-            <a:r>
-              <a:rPr lang="ru-RU" dirty="0"/>
-              <a:t> классов, </a:t>
-            </a:r>
-            <a:r>
-              <a:rPr lang="ru-RU" dirty="0" err="1"/>
-              <a:t>M</a:t>
-            </a:r>
-            <a:r>
-              <a:rPr lang="ru-RU" dirty="0"/>
-              <a:t>&gt;2</a:t>
-            </a:r>
-            <a:r>
-              <a:rPr lang="ru-RU" dirty="0" smtClean="0"/>
-              <a:t>)</a:t>
-            </a:r>
-          </a:p>
-          <a:p>
-            <a:r>
-              <a:rPr lang="ru-RU" b="1" dirty="0" smtClean="0"/>
-              <a:t>Уровень </a:t>
-            </a:r>
-            <a:r>
-              <a:rPr lang="ru-RU" b="1" dirty="0"/>
-              <a:t>детализации лейблов:</a:t>
-            </a:r>
-            <a:r>
-              <a:rPr lang="ru-RU" dirty="0"/>
-              <a:t> </a:t>
-            </a:r>
-            <a:r>
-              <a:rPr lang="ru-RU" dirty="0" smtClean="0"/>
-              <a:t>Исследование/серия/изображение</a:t>
-            </a:r>
-          </a:p>
-          <a:p>
-            <a:r>
-              <a:rPr lang="ru-RU" b="1" dirty="0" smtClean="0"/>
-              <a:t>Названия </a:t>
-            </a:r>
-            <a:r>
-              <a:rPr lang="ru-RU" b="1" dirty="0"/>
-              <a:t>лейблов:</a:t>
-            </a:r>
-            <a:r>
-              <a:rPr lang="ru-RU" dirty="0"/>
-              <a:t> Признаки поражения паренхимы легкого при </a:t>
-            </a:r>
-            <a:r>
-              <a:rPr lang="ru-RU" dirty="0" err="1"/>
-              <a:t>COVID-19</a:t>
-            </a:r>
-            <a:r>
-              <a:rPr lang="ru-RU" dirty="0"/>
-              <a:t> согласно -Базовые диагностические требования от августа </a:t>
-            </a:r>
-            <a:r>
-              <a:rPr lang="ru-RU" dirty="0" err="1" smtClean="0"/>
-              <a:t>2021г</a:t>
-            </a:r>
-            <a:endParaRPr lang="ru-RU" dirty="0" smtClean="0"/>
-          </a:p>
-          <a:p>
-            <a:r>
-              <a:rPr lang="ru-RU" b="1" dirty="0" smtClean="0"/>
-              <a:t>Количество </a:t>
-            </a:r>
-            <a:r>
-              <a:rPr lang="ru-RU" b="1" dirty="0"/>
-              <a:t>классов:</a:t>
-            </a:r>
-            <a:r>
-              <a:rPr lang="ru-RU" dirty="0"/>
-              <a:t> </a:t>
-            </a:r>
-            <a:r>
-              <a:rPr lang="ru-RU" dirty="0" smtClean="0"/>
-              <a:t>2</a:t>
-            </a:r>
-          </a:p>
-          <a:p>
-            <a:r>
-              <a:rPr lang="ru-RU" b="1" dirty="0" smtClean="0"/>
-              <a:t>Названия </a:t>
-            </a:r>
-            <a:r>
-              <a:rPr lang="ru-RU" b="1" dirty="0"/>
-              <a:t>классов:</a:t>
-            </a:r>
-            <a:r>
-              <a:rPr lang="ru-RU" dirty="0"/>
-              <a:t> Без целевой патологии - 0; С целевой патологией </a:t>
-            </a:r>
-            <a:r>
-              <a:rPr lang="ru-RU" dirty="0" smtClean="0"/>
-              <a:t>– 1</a:t>
-            </a:r>
-          </a:p>
-          <a:p>
-            <a:r>
-              <a:rPr lang="ru-RU" b="1" dirty="0" smtClean="0"/>
-              <a:t>Количество </a:t>
-            </a:r>
-            <a:r>
-              <a:rPr lang="ru-RU" b="1" dirty="0"/>
-              <a:t>по классам:</a:t>
-            </a:r>
-            <a:r>
-              <a:rPr lang="ru-RU" dirty="0"/>
-              <a:t> КТ-0 ― 254 (22,8%), КТ-1 ― 684 (61,6%), КТ-2 ― 125 (11,3%), КТ-3 ― 45 (4,1%), КТ-4 ― 2 (0,2</a:t>
-            </a:r>
-            <a:r>
-              <a:rPr lang="ru-RU" dirty="0" smtClean="0"/>
-              <a:t>%).</a:t>
-            </a:r>
-          </a:p>
-          <a:p>
-            <a:r>
-              <a:rPr lang="ru-RU" b="1" dirty="0" smtClean="0"/>
-              <a:t>Критерии </a:t>
-            </a:r>
-            <a:r>
-              <a:rPr lang="ru-RU" b="1" dirty="0"/>
-              <a:t>отнесения к </a:t>
-            </a:r>
-            <a:r>
-              <a:rPr lang="ru-RU" b="1" dirty="0" err="1"/>
-              <a:t>классам:</a:t>
-            </a:r>
-            <a:r>
-              <a:rPr lang="ru-RU" dirty="0" err="1"/>
-              <a:t>С</a:t>
-            </a:r>
-            <a:r>
-              <a:rPr lang="ru-RU" dirty="0"/>
-              <a:t> патологией:</a:t>
-            </a:r>
-          </a:p>
-          <a:p>
-            <a:r>
-              <a:rPr lang="ru-RU" dirty="0"/>
-              <a:t>Инфильтрация легочной паренхимы по типу матовых стекол с обеих сторон, преимущественно периферической локализации с или без инфильтрацией легочной паренхимы по типу консолидации с положительным признаком воздушной </a:t>
-            </a:r>
-            <a:r>
-              <a:rPr lang="ru-RU" dirty="0" err="1"/>
-              <a:t>бронхограммы</a:t>
-            </a:r>
-            <a:r>
-              <a:rPr lang="ru-RU" dirty="0"/>
-              <a:t>;</a:t>
-            </a:r>
-          </a:p>
-          <a:p>
-            <a:r>
-              <a:rPr lang="ru-RU" dirty="0"/>
-              <a:t>Инфильтрация легочной паренхимы по типу булыжной мостовой (утолщение </a:t>
-            </a:r>
-            <a:r>
-              <a:rPr lang="ru-RU" dirty="0" err="1"/>
-              <a:t>междолькового</a:t>
-            </a:r>
-            <a:r>
-              <a:rPr lang="ru-RU" dirty="0"/>
-              <a:t> </a:t>
-            </a:r>
-            <a:r>
-              <a:rPr lang="ru-RU" dirty="0" err="1"/>
-              <a:t>интерстиция</a:t>
-            </a:r>
-            <a:r>
-              <a:rPr lang="ru-RU" dirty="0"/>
-              <a:t> на фоне матового стекла) с обеих сторон, преимущественно периферической локализации, с или или без инфильтрацией легочной паренхимы по типу консолидации с положительным признаком воздушной </a:t>
-            </a:r>
-            <a:r>
-              <a:rPr lang="ru-RU" dirty="0" err="1"/>
-              <a:t>бронхограммы</a:t>
-            </a:r>
-            <a:r>
-              <a:rPr lang="ru-RU" dirty="0"/>
-              <a:t>.</a:t>
-            </a:r>
-          </a:p>
-          <a:p>
-            <a:r>
-              <a:rPr lang="ru-RU" dirty="0"/>
-              <a:t>Без патологии: отсутствие вышеперечисленных признаков</a:t>
-            </a:r>
-          </a:p>
-          <a:p>
-            <a:r>
-              <a:rPr lang="ru-RU" b="1" dirty="0" err="1"/>
-              <a:t>ВерификацияМетод</a:t>
-            </a:r>
-            <a:r>
-              <a:rPr lang="ru-RU" b="1" dirty="0"/>
-              <a:t> верификации:</a:t>
-            </a:r>
-            <a:r>
-              <a:rPr lang="ru-RU" dirty="0"/>
-              <a:t> Экспертная оценка разметки (1 эксперт либо консенсус)</a:t>
-            </a:r>
-          </a:p>
-          <a:p>
-            <a:endParaRPr lang="ru-RU" dirty="0"/>
-          </a:p>
-        </p:txBody>
-      </p:sp>
-    </p:spTree>
-  </p:cSld>
-  <p:clrMapOvr>
-    <a:masterClrMapping/>
-  </p:clrMapOvr>
-</p:sld>
-</file>
-
 <file path=ppt/slides/slide26.xml><?xml version="1.0" encoding="utf-8"?>
 <p:sld xmlns:a="http://schemas.openxmlformats.org/drawingml/2006/main" xmlns:r="http://schemas.openxmlformats.org/officeDocument/2006/relationships" xmlns:p="http://schemas.openxmlformats.org/presentationml/2006/main">
   <p:cSld>
@@ -5492,7 +4834,7 @@
               <a:rPr lang="ru-RU" dirty="0" smtClean="0">
                 <a:hlinkClick r:id="rId2"/>
               </a:rPr>
-              <a:t>Технические параметры</a:t>
+              <a:t>Клинические параметры</a:t>
             </a:r>
             <a:endParaRPr lang="ru-RU" dirty="0"/>
           </a:p>
@@ -5517,24 +4859,86 @@
           <a:p>
             <a:r>
               <a:rPr lang="ru-RU" b="1" dirty="0" smtClean="0"/>
-              <a:t>Условия </a:t>
-            </a:r>
+              <a:t>Целевые нозологии</a:t>
+            </a:r>
+          </a:p>
+          <a:p>
+            <a:pPr>
+              <a:buNone/>
+            </a:pPr>
             <a:r>
               <a:rPr lang="ru-RU" b="1" dirty="0"/>
-              <a:t>сбора </a:t>
+              <a:t>	</a:t>
             </a:r>
             <a:r>
               <a:rPr lang="ru-RU" b="1" dirty="0" smtClean="0"/>
-              <a:t>данных</a:t>
-            </a:r>
+              <a:t>Целевые </a:t>
+            </a:r>
+            <a:r>
+              <a:rPr lang="ru-RU" b="1" dirty="0" err="1"/>
+              <a:t>патологии\признаки</a:t>
+            </a:r>
+            <a:r>
+              <a:rPr lang="ru-RU" b="1" dirty="0"/>
+              <a:t>:</a:t>
+            </a:r>
+            <a:r>
+              <a:rPr lang="ru-RU" dirty="0"/>
+              <a:t> </a:t>
+            </a:r>
+            <a:r>
+              <a:rPr lang="ru-RU" dirty="0" err="1" smtClean="0"/>
+              <a:t>COVID-19</a:t>
+            </a:r>
+            <a:endParaRPr lang="ru-RU" dirty="0" smtClean="0"/>
           </a:p>
           <a:p>
             <a:pPr>
               <a:buNone/>
             </a:pPr>
             <a:r>
+              <a:rPr lang="ru-RU" b="1" dirty="0"/>
+              <a:t>	</a:t>
+            </a:r>
+            <a:r>
               <a:rPr lang="ru-RU" b="1" dirty="0" smtClean="0"/>
-              <a:t>	Критерии </a:t>
+              <a:t>Код </a:t>
+            </a:r>
+            <a:r>
+              <a:rPr lang="ru-RU" b="1" dirty="0" err="1"/>
+              <a:t>МКБ-10</a:t>
+            </a:r>
+            <a:r>
+              <a:rPr lang="ru-RU" b="1" dirty="0"/>
+              <a:t> целевой патологии:</a:t>
+            </a:r>
+            <a:r>
+              <a:rPr lang="ru-RU" dirty="0"/>
+              <a:t> </a:t>
+            </a:r>
+            <a:r>
+              <a:rPr lang="ru-RU" dirty="0" err="1" smtClean="0"/>
+              <a:t>U07.1</a:t>
+            </a:r>
+            <a:endParaRPr lang="ru-RU" dirty="0" smtClean="0"/>
+          </a:p>
+          <a:p>
+            <a:r>
+              <a:rPr lang="ru-RU" b="1" dirty="0" smtClean="0"/>
+              <a:t>Параметры популяции</a:t>
+            </a:r>
+          </a:p>
+          <a:p>
+            <a:pPr>
+              <a:buNone/>
+            </a:pPr>
+            <a:r>
+              <a:rPr lang="ru-RU" b="1" dirty="0"/>
+              <a:t>	</a:t>
+            </a:r>
+            <a:r>
+              <a:rPr lang="ru-RU" b="1" dirty="0" smtClean="0"/>
+              <a:t>Критерии </a:t>
             </a:r>
             <a:r>
               <a:rPr lang="ru-RU" b="1" dirty="0"/>
@@ -5546,242 +4950,249 @@
             </a:r>
             <a:r>
               <a:rPr lang="ru-RU" b="1" dirty="0"/>
-              <a:t> исследования в </a:t>
-            </a:r>
-            <a:r>
-              <a:rPr lang="ru-RU" b="1" dirty="0" err="1"/>
-              <a:t>датасет:</a:t>
+              <a:t> пациента</a:t>
+            </a:r>
+            <a:r>
+              <a:rPr lang="ru-RU" b="1" dirty="0" smtClean="0"/>
+              <a:t>:</a:t>
+            </a:r>
+          </a:p>
+          <a:p>
+            <a:pPr>
+              <a:buNone/>
+            </a:pPr>
+            <a:r>
+              <a:rPr lang="ru-RU" b="1" dirty="0"/>
+              <a:t>	</a:t>
+            </a:r>
+            <a:r>
+              <a:rPr lang="ru-RU" dirty="0" smtClean="0"/>
+              <a:t>Критерии </a:t>
+            </a:r>
+            <a:r>
+              <a:rPr lang="ru-RU" dirty="0"/>
+              <a:t>включения пациента: Возраст ≥18 лет</a:t>
+            </a:r>
+            <a:br>
+              <a:rPr lang="ru-RU" dirty="0"/>
+            </a:br>
+            <a:r>
+              <a:rPr lang="ru-RU" dirty="0"/>
+              <a:t>Критерии </a:t>
             </a:r>
             <a:r>
               <a:rPr lang="ru-RU" dirty="0" err="1"/>
-              <a:t>Сбор</a:t>
-            </a:r>
-            <a:r>
-              <a:rPr lang="ru-RU" dirty="0"/>
-              <a:t> данных осуществлялся в 48 медицинских организаций в период с 1 марта по 25 апреля 2020 г у пациентов с подозрением на изменения в легких при </a:t>
+              <a:t>невключения</a:t>
+            </a:r>
+            <a:r>
+              <a:rPr lang="ru-RU" dirty="0"/>
+              <a:t> пациента: Наличие оперативных вмешательств, лучевой терапии в анамнезе для лечения заболеваний в области грудной клетки</a:t>
+            </a:r>
+          </a:p>
+          <a:p>
+            <a:pPr>
+              <a:buNone/>
+            </a:pPr>
+            <a:r>
+              <a:rPr lang="ru-RU" dirty="0" smtClean="0"/>
+              <a:t>	Возраст </a:t>
+            </a:r>
+            <a:r>
+              <a:rPr lang="ru-RU" dirty="0"/>
+              <a:t>(мин., лет): </a:t>
+            </a:r>
+            <a:r>
+              <a:rPr lang="ru-RU" dirty="0" smtClean="0"/>
+              <a:t>18</a:t>
+            </a:r>
+          </a:p>
+          <a:p>
+            <a:pPr>
+              <a:buNone/>
+            </a:pPr>
+            <a:r>
+              <a:rPr lang="ru-RU" dirty="0"/>
+              <a:t>	</a:t>
+            </a:r>
+            <a:r>
+              <a:rPr lang="ru-RU" dirty="0" smtClean="0"/>
+              <a:t>Возраст </a:t>
+            </a:r>
+            <a:r>
+              <a:rPr lang="ru-RU" dirty="0"/>
+              <a:t>(макс., лет): </a:t>
+            </a:r>
+            <a:r>
+              <a:rPr lang="ru-RU" dirty="0" smtClean="0"/>
+              <a:t>97</a:t>
+            </a:r>
+          </a:p>
+          <a:p>
+            <a:pPr>
+              <a:buNone/>
+            </a:pPr>
+            <a:r>
+              <a:rPr lang="ru-RU" dirty="0"/>
+              <a:t>	</a:t>
+            </a:r>
+            <a:r>
+              <a:rPr lang="ru-RU" dirty="0" smtClean="0"/>
+              <a:t>Возраст </a:t>
+            </a:r>
+            <a:r>
+              <a:rPr lang="ru-RU" dirty="0"/>
+              <a:t>(медиана, лет): </a:t>
+            </a:r>
+            <a:r>
+              <a:rPr lang="ru-RU" dirty="0" smtClean="0"/>
+              <a:t>47,0</a:t>
+            </a:r>
+          </a:p>
+          <a:p>
+            <a:pPr>
+              <a:buNone/>
+            </a:pPr>
+            <a:r>
+              <a:rPr lang="ru-RU" dirty="0"/>
+              <a:t>	</a:t>
+            </a:r>
+            <a:r>
+              <a:rPr lang="ru-RU" dirty="0" smtClean="0"/>
+              <a:t>Пол </a:t>
+            </a:r>
+            <a:r>
+              <a:rPr lang="ru-RU" dirty="0"/>
+              <a:t>(М): </a:t>
+            </a:r>
+            <a:r>
+              <a:rPr lang="ru-RU" dirty="0" smtClean="0"/>
+              <a:t>42</a:t>
+            </a:r>
+          </a:p>
+          <a:p>
+            <a:pPr>
+              <a:buNone/>
+            </a:pPr>
+            <a:r>
+              <a:rPr lang="ru-RU" dirty="0"/>
+              <a:t>	</a:t>
+            </a:r>
+            <a:r>
+              <a:rPr lang="ru-RU" dirty="0" smtClean="0"/>
+              <a:t>Пол </a:t>
+            </a:r>
+            <a:r>
+              <a:rPr lang="ru-RU" dirty="0"/>
+              <a:t>(Ж): </a:t>
+            </a:r>
+            <a:r>
+              <a:rPr lang="ru-RU" dirty="0" smtClean="0"/>
+              <a:t>56</a:t>
+            </a:r>
+          </a:p>
+          <a:p>
+            <a:pPr>
+              <a:buNone/>
+            </a:pPr>
+            <a:r>
+              <a:rPr lang="ru-RU" dirty="0"/>
+              <a:t>	</a:t>
+            </a:r>
+            <a:r>
+              <a:rPr lang="ru-RU" dirty="0" smtClean="0"/>
+              <a:t>Пол </a:t>
+            </a:r>
+            <a:r>
+              <a:rPr lang="ru-RU" dirty="0"/>
+              <a:t>(</a:t>
+            </a:r>
+            <a:r>
+              <a:rPr lang="ru-RU" dirty="0" err="1"/>
+              <a:t>неопределено</a:t>
+            </a:r>
+            <a:r>
+              <a:rPr lang="ru-RU" dirty="0"/>
+              <a:t>): </a:t>
+            </a:r>
+            <a:r>
+              <a:rPr lang="ru-RU" dirty="0" smtClean="0"/>
+              <a:t>2</a:t>
+            </a:r>
+          </a:p>
+          <a:p>
+            <a:pPr>
+              <a:buNone/>
+            </a:pPr>
+            <a:r>
+              <a:rPr lang="ru-RU" dirty="0"/>
+              <a:t>	</a:t>
+            </a:r>
+            <a:r>
+              <a:rPr lang="ru-RU" dirty="0" smtClean="0"/>
+              <a:t>Период </a:t>
+            </a:r>
+            <a:r>
+              <a:rPr lang="ru-RU" dirty="0"/>
+              <a:t>сбора (начало): </a:t>
+            </a:r>
+            <a:r>
+              <a:rPr lang="ru-RU" dirty="0" smtClean="0"/>
+              <a:t>01.03.2020</a:t>
+            </a:r>
+          </a:p>
+          <a:p>
+            <a:pPr>
+              <a:buNone/>
+            </a:pPr>
+            <a:r>
+              <a:rPr lang="ru-RU" dirty="0"/>
+              <a:t>	</a:t>
+            </a:r>
+            <a:r>
+              <a:rPr lang="ru-RU" dirty="0" smtClean="0"/>
+              <a:t>Период </a:t>
+            </a:r>
+            <a:r>
+              <a:rPr lang="ru-RU" dirty="0"/>
+              <a:t>сбора (конец): </a:t>
+            </a:r>
+            <a:r>
+              <a:rPr lang="ru-RU" dirty="0" smtClean="0"/>
+              <a:t>25.04.2020</a:t>
+            </a:r>
+          </a:p>
+          <a:p>
+            <a:pPr>
+              <a:buNone/>
+            </a:pPr>
+            <a:r>
+              <a:rPr lang="ru-RU" dirty="0"/>
+              <a:t>	</a:t>
+            </a:r>
+            <a:r>
+              <a:rPr lang="ru-RU" dirty="0" smtClean="0"/>
+              <a:t>Эпидемиологическая </a:t>
+            </a:r>
+            <a:r>
+              <a:rPr lang="ru-RU" dirty="0"/>
+              <a:t>обстановка: В условиях пандемии </a:t>
+            </a:r>
+            <a:r>
+              <a:rPr lang="ru-RU" dirty="0" err="1"/>
+              <a:t>коронавирусной</a:t>
+            </a:r>
+            <a:r>
+              <a:rPr lang="ru-RU" dirty="0"/>
+              <a:t> инфекции (</a:t>
             </a:r>
             <a:r>
               <a:rPr lang="ru-RU" dirty="0" err="1"/>
               <a:t>COVID-19</a:t>
             </a:r>
-            <a:endParaRPr lang="ru-RU" dirty="0"/>
-          </a:p>
-          <a:p>
-            <a:pPr>
-              <a:buNone/>
-            </a:pPr>
-            <a:r>
-              <a:rPr lang="ru-RU" b="1" dirty="0" smtClean="0"/>
-              <a:t>	Протоколы </a:t>
-            </a:r>
-            <a:r>
-              <a:rPr lang="ru-RU" b="1" dirty="0"/>
-              <a:t>и условия сбора </a:t>
-            </a:r>
-            <a:r>
-              <a:rPr lang="ru-RU" b="1" dirty="0" err="1"/>
-              <a:t>данных:</a:t>
-            </a:r>
-            <a:r>
-              <a:rPr lang="ru-RU" dirty="0" err="1"/>
-              <a:t>КТ-протокол</a:t>
-            </a:r>
-            <a:r>
-              <a:rPr lang="ru-RU" dirty="0"/>
-              <a:t> сканирования </a:t>
-            </a:r>
-            <a:r>
-              <a:rPr lang="ru-RU" dirty="0" err="1"/>
-              <a:t>Chest</a:t>
-            </a:r>
-            <a:r>
-              <a:rPr lang="ru-RU" dirty="0"/>
-              <a:t> (рутинные КТ грудной клетки), сканирование выполнено в положении пациента на спине, при задержке дыхания на глубине вдоха, руки убраны за голову</a:t>
-            </a:r>
-          </a:p>
-          <a:p>
-            <a:r>
-              <a:rPr lang="ru-RU" b="1" dirty="0"/>
-              <a:t>Единичная запись набора </a:t>
-            </a:r>
-            <a:r>
-              <a:rPr lang="ru-RU" b="1" dirty="0" smtClean="0"/>
-              <a:t>данных</a:t>
-            </a:r>
-          </a:p>
-          <a:p>
-            <a:pPr>
-              <a:buNone/>
-            </a:pPr>
-            <a:r>
-              <a:rPr lang="ru-RU" b="1" dirty="0"/>
-              <a:t>	</a:t>
-            </a:r>
-            <a:r>
-              <a:rPr lang="ru-RU" b="1" dirty="0" smtClean="0"/>
-              <a:t>Объект </a:t>
-            </a:r>
-            <a:r>
-              <a:rPr lang="ru-RU" b="1" dirty="0"/>
-              <a:t>разметки:</a:t>
-            </a:r>
-            <a:r>
-              <a:rPr lang="ru-RU" dirty="0"/>
-              <a:t> </a:t>
-            </a:r>
-            <a:r>
-              <a:rPr lang="ru-RU" dirty="0" smtClean="0"/>
-              <a:t>Исследование</a:t>
-            </a:r>
-          </a:p>
-          <a:p>
-            <a:pPr>
-              <a:buNone/>
-            </a:pPr>
-            <a:r>
-              <a:rPr lang="ru-RU" b="1" dirty="0" smtClean="0"/>
-              <a:t>	Результат </a:t>
-            </a:r>
-            <a:r>
-              <a:rPr lang="ru-RU" b="1" dirty="0"/>
-              <a:t>разметки:</a:t>
-            </a:r>
-            <a:r>
-              <a:rPr lang="ru-RU" dirty="0"/>
-              <a:t> Целевая патология / отсутствие целевой патологии; бинарные маски </a:t>
-            </a:r>
-            <a:r>
-              <a:rPr lang="ru-RU" dirty="0" smtClean="0"/>
-              <a:t>изображений</a:t>
-            </a:r>
-          </a:p>
-          <a:p>
-            <a:r>
-              <a:rPr lang="ru-RU" b="1" dirty="0" smtClean="0"/>
-              <a:t>Форматы </a:t>
-            </a:r>
-            <a:r>
-              <a:rPr lang="ru-RU" b="1" dirty="0"/>
-              <a:t>записи набора </a:t>
-            </a:r>
-            <a:r>
-              <a:rPr lang="ru-RU" b="1" dirty="0" smtClean="0"/>
-              <a:t>данных</a:t>
-            </a:r>
-          </a:p>
-          <a:p>
-            <a:pPr>
-              <a:buNone/>
-            </a:pPr>
-            <a:r>
-              <a:rPr lang="ru-RU" b="1" dirty="0"/>
-              <a:t>	</a:t>
-            </a:r>
-            <a:r>
-              <a:rPr lang="ru-RU" b="1" dirty="0" smtClean="0"/>
-              <a:t>Объект </a:t>
-            </a:r>
-            <a:r>
-              <a:rPr lang="ru-RU" b="1" dirty="0"/>
-              <a:t>разметки:</a:t>
-            </a:r>
-            <a:r>
-              <a:rPr lang="ru-RU" dirty="0"/>
-              <a:t> </a:t>
-            </a:r>
-            <a:r>
-              <a:rPr lang="ru-RU" dirty="0" err="1" smtClean="0"/>
-              <a:t>NIFTI</a:t>
-            </a:r>
-            <a:endParaRPr lang="ru-RU" dirty="0" smtClean="0"/>
-          </a:p>
-          <a:p>
-            <a:pPr>
-              <a:buNone/>
-            </a:pPr>
-            <a:r>
-              <a:rPr lang="ru-RU" b="1" dirty="0"/>
-              <a:t>	</a:t>
-            </a:r>
-            <a:r>
-              <a:rPr lang="ru-RU" b="1" dirty="0" smtClean="0"/>
-              <a:t>Результат </a:t>
-            </a:r>
-            <a:r>
-              <a:rPr lang="ru-RU" b="1" dirty="0"/>
-              <a:t>разметки:</a:t>
-            </a:r>
-            <a:r>
-              <a:rPr lang="ru-RU" dirty="0"/>
-              <a:t> </a:t>
-            </a:r>
-            <a:r>
-              <a:rPr lang="ru-RU" dirty="0" smtClean="0"/>
-              <a:t>Табличный</a:t>
-            </a:r>
-          </a:p>
-          <a:p>
-            <a:r>
-              <a:rPr lang="ru-RU" b="1" dirty="0" smtClean="0"/>
-              <a:t>Объем данных</a:t>
-            </a:r>
-          </a:p>
-          <a:p>
-            <a:pPr>
-              <a:buNone/>
-            </a:pPr>
-            <a:r>
-              <a:rPr lang="ru-RU" b="1" dirty="0"/>
-              <a:t>	</a:t>
-            </a:r>
-            <a:r>
-              <a:rPr lang="ru-RU" b="1" dirty="0" smtClean="0"/>
-              <a:t>Количество </a:t>
-            </a:r>
-            <a:r>
-              <a:rPr lang="ru-RU" b="1" dirty="0"/>
-              <a:t>исследований набора данных:</a:t>
-            </a:r>
-            <a:r>
-              <a:rPr lang="ru-RU" dirty="0"/>
-              <a:t> </a:t>
-            </a:r>
-            <a:r>
-              <a:rPr lang="ru-RU" dirty="0" smtClean="0"/>
-              <a:t>1110</a:t>
-            </a:r>
-          </a:p>
-          <a:p>
-            <a:pPr>
-              <a:buNone/>
-            </a:pPr>
-            <a:r>
-              <a:rPr lang="ru-RU" b="1" dirty="0"/>
-              <a:t>	</a:t>
-            </a:r>
-            <a:r>
-              <a:rPr lang="ru-RU" b="1" dirty="0" smtClean="0"/>
-              <a:t>Количество </a:t>
-            </a:r>
-            <a:r>
-              <a:rPr lang="ru-RU" b="1" dirty="0"/>
-              <a:t>уникальных источников (</a:t>
-            </a:r>
-            <a:r>
-              <a:rPr lang="ru-RU" b="1" dirty="0" err="1"/>
-              <a:t>ДУ</a:t>
-            </a:r>
-            <a:r>
-              <a:rPr lang="ru-RU" b="1" dirty="0"/>
-              <a:t>):</a:t>
-            </a:r>
-            <a:r>
-              <a:rPr lang="ru-RU" dirty="0"/>
-              <a:t> 48</a:t>
-            </a:r>
-          </a:p>
-          <a:p>
-            <a:endParaRPr lang="ru-RU" dirty="0"/>
+            <a:r>
+              <a:rPr lang="ru-RU" dirty="0"/>
+              <a:t>)</a:t>
+            </a:r>
           </a:p>
         </p:txBody>
       </p:sp>
@@ -5794,6 +5205,955 @@
 </file>
 
 <file path=ppt/slides/slide27.xml><?xml version="1.0" encoding="utf-8"?>
+<p:sld xmlns:a="http://schemas.openxmlformats.org/drawingml/2006/main" xmlns:r="http://schemas.openxmlformats.org/officeDocument/2006/relationships" xmlns:p="http://schemas.openxmlformats.org/presentationml/2006/main">
+  <p:cSld>
+    <p:spTree>
+      <p:nvGrpSpPr>
+        <p:cNvPr id="1" name=""/>
+        <p:cNvGrpSpPr/>
+        <p:nvPr/>
+      </p:nvGrpSpPr>
+      <p:grpSpPr>
+        <a:xfrm>
+          <a:off x="0" y="0"/>
+          <a:ext cx="0" cy="0"/>
+          <a:chOff x="0" y="0"/>
+          <a:chExt cx="0" cy="0"/>
+        </a:xfrm>
+      </p:grpSpPr>
+      <p:sp>
+        <p:nvSpPr>
+          <p:cNvPr id="2" name="Заголовок 1"/>
+          <p:cNvSpPr>
+            <a:spLocks noGrp="1"/>
+          </p:cNvSpPr>
+          <p:nvPr>
+            <p:ph type="title"/>
+          </p:nvPr>
+        </p:nvSpPr>
+        <p:spPr/>
+        <p:txBody>
+          <a:bodyPr>
+            <a:normAutofit/>
+          </a:bodyPr>
+          <a:lstStyle/>
+          <a:p>
+            <a:r>
+              <a:rPr lang="ru-RU" dirty="0" smtClean="0">
+                <a:hlinkClick r:id="rId2"/>
+              </a:rPr>
+              <a:t>Назначение</a:t>
+            </a:r>
+            <a:endParaRPr lang="ru-RU" dirty="0"/>
+          </a:p>
+        </p:txBody>
+      </p:sp>
+      <p:sp>
+        <p:nvSpPr>
+          <p:cNvPr id="3" name="Содержимое 2"/>
+          <p:cNvSpPr>
+            <a:spLocks noGrp="1"/>
+          </p:cNvSpPr>
+          <p:nvPr>
+            <p:ph idx="1"/>
+          </p:nvPr>
+        </p:nvSpPr>
+        <p:spPr/>
+        <p:txBody>
+          <a:bodyPr>
+            <a:normAutofit/>
+          </a:bodyPr>
+          <a:lstStyle/>
+          <a:p>
+            <a:r>
+              <a:rPr lang="ru-RU" b="1" dirty="0" smtClean="0"/>
+              <a:t>Клиническая/практическая/научная </a:t>
+            </a:r>
+            <a:r>
+              <a:rPr lang="ru-RU" b="1" dirty="0"/>
+              <a:t>задача создания набора данных:</a:t>
+            </a:r>
+            <a:r>
+              <a:rPr lang="ru-RU" dirty="0"/>
+              <a:t> Определение степени поражения паренхимы легкого при </a:t>
+            </a:r>
+            <a:r>
+              <a:rPr lang="ru-RU" dirty="0" err="1" smtClean="0"/>
+              <a:t>COVID-19</a:t>
+            </a:r>
+            <a:endParaRPr lang="ru-RU" dirty="0" smtClean="0"/>
+          </a:p>
+          <a:p>
+            <a:r>
+              <a:rPr lang="ru-RU" b="1" dirty="0" smtClean="0"/>
+              <a:t>Назначение </a:t>
+            </a:r>
+            <a:r>
+              <a:rPr lang="ru-RU" b="1" dirty="0" err="1"/>
+              <a:t>датасета</a:t>
+            </a:r>
+            <a:r>
+              <a:rPr lang="ru-RU" b="1" dirty="0"/>
+              <a:t>:</a:t>
+            </a:r>
+            <a:r>
+              <a:rPr lang="ru-RU" dirty="0"/>
+              <a:t> Обучение ИИ </a:t>
+            </a:r>
+            <a:r>
+              <a:rPr lang="ru-RU" dirty="0" smtClean="0"/>
+              <a:t>алгоритма</a:t>
+            </a:r>
+          </a:p>
+          <a:p>
+            <a:r>
+              <a:rPr lang="ru-RU" b="1" dirty="0" smtClean="0"/>
+              <a:t>Вариант</a:t>
+            </a:r>
+            <a:r>
+              <a:rPr lang="ru-RU" b="1" dirty="0"/>
+              <a:t>:</a:t>
+            </a:r>
+            <a:r>
+              <a:rPr lang="ru-RU" dirty="0"/>
+              <a:t> </a:t>
+            </a:r>
+            <a:r>
+              <a:rPr lang="ru-RU" dirty="0" err="1"/>
+              <a:t>SC</a:t>
+            </a:r>
+            <a:r>
+              <a:rPr lang="ru-RU" dirty="0"/>
+              <a:t> - </a:t>
+            </a:r>
+            <a:r>
+              <a:rPr lang="ru-RU" dirty="0" err="1"/>
+              <a:t>special</a:t>
+            </a:r>
+            <a:r>
+              <a:rPr lang="ru-RU" dirty="0"/>
+              <a:t> </a:t>
+            </a:r>
+            <a:r>
+              <a:rPr lang="ru-RU" dirty="0" err="1"/>
+              <a:t>case</a:t>
+            </a:r>
+            <a:endParaRPr lang="ru-RU" dirty="0"/>
+          </a:p>
+        </p:txBody>
+      </p:sp>
+    </p:spTree>
+  </p:cSld>
+  <p:clrMapOvr>
+    <a:masterClrMapping/>
+  </p:clrMapOvr>
+</p:sld>
+</file>
+
+<file path=ppt/slides/slide28.xml><?xml version="1.0" encoding="utf-8"?>
+<p:sld xmlns:a="http://schemas.openxmlformats.org/drawingml/2006/main" xmlns:r="http://schemas.openxmlformats.org/officeDocument/2006/relationships" xmlns:p="http://schemas.openxmlformats.org/presentationml/2006/main">
+  <p:cSld>
+    <p:spTree>
+      <p:nvGrpSpPr>
+        <p:cNvPr id="1" name=""/>
+        <p:cNvGrpSpPr/>
+        <p:nvPr/>
+      </p:nvGrpSpPr>
+      <p:grpSpPr>
+        <a:xfrm>
+          <a:off x="0" y="0"/>
+          <a:ext cx="0" cy="0"/>
+          <a:chOff x="0" y="0"/>
+          <a:chExt cx="0" cy="0"/>
+        </a:xfrm>
+      </p:grpSpPr>
+      <p:sp>
+        <p:nvSpPr>
+          <p:cNvPr id="2" name="Заголовок 1"/>
+          <p:cNvSpPr>
+            <a:spLocks noGrp="1"/>
+          </p:cNvSpPr>
+          <p:nvPr>
+            <p:ph type="title"/>
+          </p:nvPr>
+        </p:nvSpPr>
+        <p:spPr/>
+        <p:txBody>
+          <a:bodyPr>
+            <a:normAutofit/>
+          </a:bodyPr>
+          <a:lstStyle/>
+          <a:p>
+            <a:r>
+              <a:rPr lang="ru-RU" dirty="0" smtClean="0">
+                <a:hlinkClick r:id="rId2"/>
+              </a:rPr>
+              <a:t>Разметка и верификация</a:t>
+            </a:r>
+            <a:endParaRPr lang="ru-RU" dirty="0"/>
+          </a:p>
+        </p:txBody>
+      </p:sp>
+      <p:sp>
+        <p:nvSpPr>
+          <p:cNvPr id="3" name="Содержимое 2"/>
+          <p:cNvSpPr>
+            <a:spLocks noGrp="1"/>
+          </p:cNvSpPr>
+          <p:nvPr>
+            <p:ph idx="1"/>
+          </p:nvPr>
+        </p:nvSpPr>
+        <p:spPr/>
+        <p:txBody>
+          <a:bodyPr>
+            <a:normAutofit fontScale="40000" lnSpcReduction="20000"/>
+          </a:bodyPr>
+          <a:lstStyle/>
+          <a:p>
+            <a:r>
+              <a:rPr lang="ru-RU" b="1" dirty="0" err="1" smtClean="0"/>
+              <a:t>РазметкаУровень</a:t>
+            </a:r>
+            <a:r>
+              <a:rPr lang="ru-RU" b="1" dirty="0" smtClean="0"/>
+              <a:t> </a:t>
+            </a:r>
+            <a:r>
+              <a:rPr lang="ru-RU" b="1" dirty="0"/>
+              <a:t>разметки:</a:t>
+            </a:r>
+            <a:r>
+              <a:rPr lang="ru-RU" dirty="0"/>
+              <a:t> Изображение, </a:t>
+            </a:r>
+            <a:r>
+              <a:rPr lang="ru-RU" dirty="0" smtClean="0"/>
+              <a:t>Исследование</a:t>
+            </a:r>
+          </a:p>
+          <a:p>
+            <a:r>
+              <a:rPr lang="ru-RU" b="1" dirty="0" smtClean="0"/>
+              <a:t>Способы </a:t>
+            </a:r>
+            <a:r>
+              <a:rPr lang="ru-RU" b="1" dirty="0" err="1"/>
+              <a:t>предразметки</a:t>
+            </a:r>
+            <a:r>
+              <a:rPr lang="ru-RU" b="1" dirty="0"/>
+              <a:t>:</a:t>
+            </a:r>
+            <a:r>
+              <a:rPr lang="ru-RU" dirty="0"/>
+              <a:t> </a:t>
+            </a:r>
+            <a:r>
+              <a:rPr lang="ru-RU" dirty="0" smtClean="0"/>
+              <a:t>Нет</a:t>
+            </a:r>
+          </a:p>
+          <a:p>
+            <a:r>
+              <a:rPr lang="ru-RU" b="1" dirty="0" smtClean="0"/>
+              <a:t>Характер </a:t>
+            </a:r>
+            <a:r>
+              <a:rPr lang="ru-RU" b="1" dirty="0"/>
+              <a:t>разметки:</a:t>
+            </a:r>
+            <a:r>
+              <a:rPr lang="ru-RU" dirty="0"/>
+              <a:t> </a:t>
+            </a:r>
+            <a:r>
+              <a:rPr lang="ru-RU" dirty="0" smtClean="0"/>
+              <a:t>Бинарная</a:t>
+            </a:r>
+          </a:p>
+          <a:p>
+            <a:r>
+              <a:rPr lang="ru-RU" b="1" dirty="0" smtClean="0"/>
+              <a:t>Количество </a:t>
+            </a:r>
+            <a:r>
+              <a:rPr lang="ru-RU" b="1" dirty="0"/>
+              <a:t>лейблов:</a:t>
+            </a:r>
+            <a:r>
+              <a:rPr lang="ru-RU" dirty="0"/>
+              <a:t> </a:t>
+            </a:r>
+            <a:r>
+              <a:rPr lang="ru-RU" dirty="0" smtClean="0"/>
+              <a:t>1</a:t>
+            </a:r>
+          </a:p>
+          <a:p>
+            <a:r>
+              <a:rPr lang="ru-RU" b="1" dirty="0" smtClean="0"/>
+              <a:t>Характер </a:t>
+            </a:r>
+            <a:r>
+              <a:rPr lang="ru-RU" b="1" dirty="0"/>
+              <a:t>лейблов:</a:t>
+            </a:r>
+            <a:r>
+              <a:rPr lang="ru-RU" dirty="0"/>
+              <a:t> </a:t>
+            </a:r>
+            <a:r>
+              <a:rPr lang="ru-RU" dirty="0" err="1"/>
+              <a:t>Мультикласс</a:t>
+            </a:r>
+            <a:r>
+              <a:rPr lang="ru-RU" dirty="0"/>
+              <a:t> (1 лейбл, </a:t>
+            </a:r>
+            <a:r>
+              <a:rPr lang="ru-RU" dirty="0" err="1"/>
+              <a:t>M</a:t>
+            </a:r>
+            <a:r>
+              <a:rPr lang="ru-RU" dirty="0"/>
+              <a:t> классов, </a:t>
+            </a:r>
+            <a:r>
+              <a:rPr lang="ru-RU" dirty="0" err="1"/>
+              <a:t>M</a:t>
+            </a:r>
+            <a:r>
+              <a:rPr lang="ru-RU" dirty="0"/>
+              <a:t>&gt;2</a:t>
+            </a:r>
+            <a:r>
+              <a:rPr lang="ru-RU" dirty="0" smtClean="0"/>
+              <a:t>)</a:t>
+            </a:r>
+          </a:p>
+          <a:p>
+            <a:r>
+              <a:rPr lang="ru-RU" b="1" dirty="0" smtClean="0"/>
+              <a:t>Уровень </a:t>
+            </a:r>
+            <a:r>
+              <a:rPr lang="ru-RU" b="1" dirty="0"/>
+              <a:t>детализации лейблов:</a:t>
+            </a:r>
+            <a:r>
+              <a:rPr lang="ru-RU" dirty="0"/>
+              <a:t> </a:t>
+            </a:r>
+            <a:r>
+              <a:rPr lang="ru-RU" dirty="0" smtClean="0"/>
+              <a:t>Исследование/серия/изображение</a:t>
+            </a:r>
+          </a:p>
+          <a:p>
+            <a:r>
+              <a:rPr lang="ru-RU" b="1" dirty="0" smtClean="0"/>
+              <a:t>Названия </a:t>
+            </a:r>
+            <a:r>
+              <a:rPr lang="ru-RU" b="1" dirty="0"/>
+              <a:t>лейблов:</a:t>
+            </a:r>
+            <a:r>
+              <a:rPr lang="ru-RU" dirty="0"/>
+              <a:t> Признаки поражения паренхимы легкого при </a:t>
+            </a:r>
+            <a:r>
+              <a:rPr lang="ru-RU" dirty="0" err="1"/>
+              <a:t>COVID-19</a:t>
+            </a:r>
+            <a:r>
+              <a:rPr lang="ru-RU" dirty="0"/>
+              <a:t> согласно -Базовые диагностические требования от августа </a:t>
+            </a:r>
+            <a:r>
+              <a:rPr lang="ru-RU" dirty="0" err="1" smtClean="0"/>
+              <a:t>2021г</a:t>
+            </a:r>
+            <a:endParaRPr lang="ru-RU" dirty="0" smtClean="0"/>
+          </a:p>
+          <a:p>
+            <a:r>
+              <a:rPr lang="ru-RU" b="1" dirty="0" smtClean="0"/>
+              <a:t>Количество </a:t>
+            </a:r>
+            <a:r>
+              <a:rPr lang="ru-RU" b="1" dirty="0"/>
+              <a:t>классов:</a:t>
+            </a:r>
+            <a:r>
+              <a:rPr lang="ru-RU" dirty="0"/>
+              <a:t> </a:t>
+            </a:r>
+            <a:r>
+              <a:rPr lang="ru-RU" dirty="0" smtClean="0"/>
+              <a:t>2</a:t>
+            </a:r>
+          </a:p>
+          <a:p>
+            <a:r>
+              <a:rPr lang="ru-RU" b="1" dirty="0" smtClean="0"/>
+              <a:t>Названия </a:t>
+            </a:r>
+            <a:r>
+              <a:rPr lang="ru-RU" b="1" dirty="0"/>
+              <a:t>классов:</a:t>
+            </a:r>
+            <a:r>
+              <a:rPr lang="ru-RU" dirty="0"/>
+              <a:t> Без целевой патологии - 0; С целевой патологией </a:t>
+            </a:r>
+            <a:r>
+              <a:rPr lang="ru-RU" dirty="0" smtClean="0"/>
+              <a:t>– 1</a:t>
+            </a:r>
+          </a:p>
+          <a:p>
+            <a:r>
+              <a:rPr lang="ru-RU" b="1" dirty="0" smtClean="0"/>
+              <a:t>Количество </a:t>
+            </a:r>
+            <a:r>
+              <a:rPr lang="ru-RU" b="1" dirty="0"/>
+              <a:t>по классам:</a:t>
+            </a:r>
+            <a:r>
+              <a:rPr lang="ru-RU" dirty="0"/>
+              <a:t> КТ-0 ― 254 (22,8%), КТ-1 ― 684 (61,6%), КТ-2 ― 125 (11,3%), КТ-3 ― 45 (4,1%), КТ-4 ― 2 (0,2</a:t>
+            </a:r>
+            <a:r>
+              <a:rPr lang="ru-RU" dirty="0" smtClean="0"/>
+              <a:t>%).</a:t>
+            </a:r>
+          </a:p>
+          <a:p>
+            <a:r>
+              <a:rPr lang="ru-RU" b="1" dirty="0" smtClean="0"/>
+              <a:t>Критерии </a:t>
+            </a:r>
+            <a:r>
+              <a:rPr lang="ru-RU" b="1" dirty="0"/>
+              <a:t>отнесения к </a:t>
+            </a:r>
+            <a:r>
+              <a:rPr lang="ru-RU" b="1" dirty="0" err="1"/>
+              <a:t>классам:</a:t>
+            </a:r>
+            <a:r>
+              <a:rPr lang="ru-RU" dirty="0" err="1"/>
+              <a:t>С</a:t>
+            </a:r>
+            <a:r>
+              <a:rPr lang="ru-RU" dirty="0"/>
+              <a:t> патологией:</a:t>
+            </a:r>
+          </a:p>
+          <a:p>
+            <a:r>
+              <a:rPr lang="ru-RU" dirty="0"/>
+              <a:t>Инфильтрация легочной паренхимы по типу матовых стекол с обеих сторон, преимущественно периферической локализации с или без инфильтрацией легочной паренхимы по типу консолидации с положительным признаком воздушной </a:t>
+            </a:r>
+            <a:r>
+              <a:rPr lang="ru-RU" dirty="0" err="1"/>
+              <a:t>бронхограммы</a:t>
+            </a:r>
+            <a:r>
+              <a:rPr lang="ru-RU" dirty="0"/>
+              <a:t>;</a:t>
+            </a:r>
+          </a:p>
+          <a:p>
+            <a:r>
+              <a:rPr lang="ru-RU" dirty="0"/>
+              <a:t>Инфильтрация легочной паренхимы по типу булыжной мостовой (утолщение </a:t>
+            </a:r>
+            <a:r>
+              <a:rPr lang="ru-RU" dirty="0" err="1"/>
+              <a:t>междолькового</a:t>
+            </a:r>
+            <a:r>
+              <a:rPr lang="ru-RU" dirty="0"/>
+              <a:t> </a:t>
+            </a:r>
+            <a:r>
+              <a:rPr lang="ru-RU" dirty="0" err="1"/>
+              <a:t>интерстиция</a:t>
+            </a:r>
+            <a:r>
+              <a:rPr lang="ru-RU" dirty="0"/>
+              <a:t> на фоне матового стекла) с обеих сторон, преимущественно периферической локализации, с или или без инфильтрацией легочной паренхимы по типу консолидации с положительным признаком воздушной </a:t>
+            </a:r>
+            <a:r>
+              <a:rPr lang="ru-RU" dirty="0" err="1"/>
+              <a:t>бронхограммы</a:t>
+            </a:r>
+            <a:r>
+              <a:rPr lang="ru-RU" dirty="0"/>
+              <a:t>.</a:t>
+            </a:r>
+          </a:p>
+          <a:p>
+            <a:r>
+              <a:rPr lang="ru-RU" dirty="0"/>
+              <a:t>Без патологии: отсутствие вышеперечисленных признаков</a:t>
+            </a:r>
+          </a:p>
+          <a:p>
+            <a:r>
+              <a:rPr lang="ru-RU" b="1" dirty="0" err="1"/>
+              <a:t>ВерификацияМетод</a:t>
+            </a:r>
+            <a:r>
+              <a:rPr lang="ru-RU" b="1" dirty="0"/>
+              <a:t> верификации:</a:t>
+            </a:r>
+            <a:r>
+              <a:rPr lang="ru-RU" dirty="0"/>
+              <a:t> Экспертная оценка разметки (1 эксперт либо консенсус)</a:t>
+            </a:r>
+          </a:p>
+          <a:p>
+            <a:endParaRPr lang="ru-RU" dirty="0"/>
+          </a:p>
+        </p:txBody>
+      </p:sp>
+    </p:spTree>
+  </p:cSld>
+  <p:clrMapOvr>
+    <a:masterClrMapping/>
+  </p:clrMapOvr>
+</p:sld>
+</file>
+
+<file path=ppt/slides/slide29.xml><?xml version="1.0" encoding="utf-8"?>
+<p:sld xmlns:a="http://schemas.openxmlformats.org/drawingml/2006/main" xmlns:r="http://schemas.openxmlformats.org/officeDocument/2006/relationships" xmlns:p="http://schemas.openxmlformats.org/presentationml/2006/main">
+  <p:cSld>
+    <p:spTree>
+      <p:nvGrpSpPr>
+        <p:cNvPr id="1" name=""/>
+        <p:cNvGrpSpPr/>
+        <p:nvPr/>
+      </p:nvGrpSpPr>
+      <p:grpSpPr>
+        <a:xfrm>
+          <a:off x="0" y="0"/>
+          <a:ext cx="0" cy="0"/>
+          <a:chOff x="0" y="0"/>
+          <a:chExt cx="0" cy="0"/>
+        </a:xfrm>
+      </p:grpSpPr>
+      <p:sp>
+        <p:nvSpPr>
+          <p:cNvPr id="2" name="Заголовок 1"/>
+          <p:cNvSpPr>
+            <a:spLocks noGrp="1"/>
+          </p:cNvSpPr>
+          <p:nvPr>
+            <p:ph type="title"/>
+          </p:nvPr>
+        </p:nvSpPr>
+        <p:spPr/>
+        <p:txBody>
+          <a:bodyPr>
+            <a:normAutofit/>
+          </a:bodyPr>
+          <a:lstStyle/>
+          <a:p>
+            <a:r>
+              <a:rPr lang="ru-RU" dirty="0" smtClean="0">
+                <a:hlinkClick r:id="rId2"/>
+              </a:rPr>
+              <a:t>Технические параметры</a:t>
+            </a:r>
+            <a:endParaRPr lang="ru-RU" dirty="0"/>
+          </a:p>
+        </p:txBody>
+      </p:sp>
+      <p:sp>
+        <p:nvSpPr>
+          <p:cNvPr id="3" name="Содержимое 2"/>
+          <p:cNvSpPr>
+            <a:spLocks noGrp="1"/>
+          </p:cNvSpPr>
+          <p:nvPr>
+            <p:ph idx="1"/>
+          </p:nvPr>
+        </p:nvSpPr>
+        <p:spPr/>
+        <p:txBody>
+          <a:bodyPr>
+            <a:normAutofit fontScale="47500" lnSpcReduction="20000"/>
+          </a:bodyPr>
+          <a:lstStyle/>
+          <a:p>
+            <a:r>
+              <a:rPr lang="ru-RU" b="1" dirty="0" smtClean="0"/>
+              <a:t>Условия </a:t>
+            </a:r>
+            <a:r>
+              <a:rPr lang="ru-RU" b="1" dirty="0"/>
+              <a:t>сбора </a:t>
+            </a:r>
+            <a:r>
+              <a:rPr lang="ru-RU" b="1" dirty="0" smtClean="0"/>
+              <a:t>данных</a:t>
+            </a:r>
+          </a:p>
+          <a:p>
+            <a:pPr>
+              <a:buNone/>
+            </a:pPr>
+            <a:r>
+              <a:rPr lang="ru-RU" b="1" dirty="0" smtClean="0"/>
+              <a:t>	Критерии </a:t>
+            </a:r>
+            <a:r>
+              <a:rPr lang="ru-RU" b="1" dirty="0"/>
+              <a:t>включения/</a:t>
+            </a:r>
+            <a:r>
+              <a:rPr lang="ru-RU" b="1" dirty="0" err="1"/>
+              <a:t>невключения</a:t>
+            </a:r>
+            <a:r>
+              <a:rPr lang="ru-RU" b="1" dirty="0"/>
+              <a:t> исследования в </a:t>
+            </a:r>
+            <a:r>
+              <a:rPr lang="ru-RU" b="1" dirty="0" err="1"/>
+              <a:t>датасет:</a:t>
+            </a:r>
+            <a:r>
+              <a:rPr lang="ru-RU" dirty="0" err="1"/>
+              <a:t>Сбор</a:t>
+            </a:r>
+            <a:r>
+              <a:rPr lang="ru-RU" dirty="0"/>
+              <a:t> данных осуществлялся в 48 медицинских организаций в период с 1 марта по 25 апреля 2020 г у пациентов с подозрением на изменения в легких при </a:t>
+            </a:r>
+            <a:r>
+              <a:rPr lang="ru-RU" dirty="0" err="1"/>
+              <a:t>COVID-19</a:t>
+            </a:r>
+            <a:endParaRPr lang="ru-RU" dirty="0"/>
+          </a:p>
+          <a:p>
+            <a:pPr>
+              <a:buNone/>
+            </a:pPr>
+            <a:r>
+              <a:rPr lang="ru-RU" b="1" dirty="0" smtClean="0"/>
+              <a:t>	Протоколы </a:t>
+            </a:r>
+            <a:r>
+              <a:rPr lang="ru-RU" b="1" dirty="0"/>
+              <a:t>и условия сбора </a:t>
+            </a:r>
+            <a:r>
+              <a:rPr lang="ru-RU" b="1" dirty="0" err="1"/>
+              <a:t>данных:</a:t>
+            </a:r>
+            <a:r>
+              <a:rPr lang="ru-RU" dirty="0" err="1"/>
+              <a:t>КТ-протокол</a:t>
+            </a:r>
+            <a:r>
+              <a:rPr lang="ru-RU" dirty="0"/>
+              <a:t> сканирования </a:t>
+            </a:r>
+            <a:r>
+              <a:rPr lang="ru-RU" dirty="0" err="1"/>
+              <a:t>Chest</a:t>
+            </a:r>
+            <a:r>
+              <a:rPr lang="ru-RU" dirty="0"/>
+              <a:t> (рутинные КТ грудной клетки), сканирование выполнено в положении пациента на спине, при задержке дыхания на глубине вдоха, руки убраны за голову</a:t>
+            </a:r>
+          </a:p>
+          <a:p>
+            <a:r>
+              <a:rPr lang="ru-RU" b="1" dirty="0"/>
+              <a:t>Единичная запись набора </a:t>
+            </a:r>
+            <a:r>
+              <a:rPr lang="ru-RU" b="1" dirty="0" smtClean="0"/>
+              <a:t>данных</a:t>
+            </a:r>
+          </a:p>
+          <a:p>
+            <a:pPr>
+              <a:buNone/>
+            </a:pPr>
+            <a:r>
+              <a:rPr lang="ru-RU" b="1" dirty="0"/>
+              <a:t>	</a:t>
+            </a:r>
+            <a:r>
+              <a:rPr lang="ru-RU" b="1" dirty="0" smtClean="0"/>
+              <a:t>Объект </a:t>
+            </a:r>
+            <a:r>
+              <a:rPr lang="ru-RU" b="1" dirty="0"/>
+              <a:t>разметки:</a:t>
+            </a:r>
+            <a:r>
+              <a:rPr lang="ru-RU" dirty="0"/>
+              <a:t> </a:t>
+            </a:r>
+            <a:r>
+              <a:rPr lang="ru-RU" dirty="0" smtClean="0"/>
+              <a:t>Исследование</a:t>
+            </a:r>
+          </a:p>
+          <a:p>
+            <a:pPr>
+              <a:buNone/>
+            </a:pPr>
+            <a:r>
+              <a:rPr lang="ru-RU" b="1" dirty="0" smtClean="0"/>
+              <a:t>	Результат </a:t>
+            </a:r>
+            <a:r>
+              <a:rPr lang="ru-RU" b="1" dirty="0"/>
+              <a:t>разметки:</a:t>
+            </a:r>
+            <a:r>
+              <a:rPr lang="ru-RU" dirty="0"/>
+              <a:t> Целевая патология / отсутствие целевой патологии; бинарные маски </a:t>
+            </a:r>
+            <a:r>
+              <a:rPr lang="ru-RU" dirty="0" smtClean="0"/>
+              <a:t>изображений</a:t>
+            </a:r>
+          </a:p>
+          <a:p>
+            <a:r>
+              <a:rPr lang="ru-RU" b="1" dirty="0" smtClean="0"/>
+              <a:t>Форматы </a:t>
+            </a:r>
+            <a:r>
+              <a:rPr lang="ru-RU" b="1" dirty="0"/>
+              <a:t>записи набора </a:t>
+            </a:r>
+            <a:r>
+              <a:rPr lang="ru-RU" b="1" dirty="0" smtClean="0"/>
+              <a:t>данных</a:t>
+            </a:r>
+          </a:p>
+          <a:p>
+            <a:pPr>
+              <a:buNone/>
+            </a:pPr>
+            <a:r>
+              <a:rPr lang="ru-RU" b="1" dirty="0"/>
+              <a:t>	</a:t>
+            </a:r>
+            <a:r>
+              <a:rPr lang="ru-RU" b="1" dirty="0" smtClean="0"/>
+              <a:t>Объект </a:t>
+            </a:r>
+            <a:r>
+              <a:rPr lang="ru-RU" b="1" dirty="0"/>
+              <a:t>разметки:</a:t>
+            </a:r>
+            <a:r>
+              <a:rPr lang="ru-RU" dirty="0"/>
+              <a:t> </a:t>
+            </a:r>
+            <a:r>
+              <a:rPr lang="ru-RU" dirty="0" err="1" smtClean="0"/>
+              <a:t>NIFTI</a:t>
+            </a:r>
+            <a:endParaRPr lang="ru-RU" dirty="0" smtClean="0"/>
+          </a:p>
+          <a:p>
+            <a:pPr>
+              <a:buNone/>
+            </a:pPr>
+            <a:r>
+              <a:rPr lang="ru-RU" b="1" dirty="0"/>
+              <a:t>	</a:t>
+            </a:r>
+            <a:r>
+              <a:rPr lang="ru-RU" b="1" dirty="0" smtClean="0"/>
+              <a:t>Результат </a:t>
+            </a:r>
+            <a:r>
+              <a:rPr lang="ru-RU" b="1" dirty="0"/>
+              <a:t>разметки:</a:t>
+            </a:r>
+            <a:r>
+              <a:rPr lang="ru-RU" dirty="0"/>
+              <a:t> </a:t>
+            </a:r>
+            <a:r>
+              <a:rPr lang="ru-RU" dirty="0" smtClean="0"/>
+              <a:t>Табличный</a:t>
+            </a:r>
+          </a:p>
+          <a:p>
+            <a:r>
+              <a:rPr lang="ru-RU" b="1" dirty="0" smtClean="0"/>
+              <a:t>Объем данных</a:t>
+            </a:r>
+          </a:p>
+          <a:p>
+            <a:pPr>
+              <a:buNone/>
+            </a:pPr>
+            <a:r>
+              <a:rPr lang="ru-RU" b="1" dirty="0"/>
+              <a:t>	</a:t>
+            </a:r>
+            <a:r>
+              <a:rPr lang="ru-RU" b="1" dirty="0" smtClean="0"/>
+              <a:t>Количество </a:t>
+            </a:r>
+            <a:r>
+              <a:rPr lang="ru-RU" b="1" dirty="0"/>
+              <a:t>исследований набора данных:</a:t>
+            </a:r>
+            <a:r>
+              <a:rPr lang="ru-RU" dirty="0"/>
+              <a:t> </a:t>
+            </a:r>
+            <a:r>
+              <a:rPr lang="ru-RU" dirty="0" smtClean="0"/>
+              <a:t>1110</a:t>
+            </a:r>
+          </a:p>
+          <a:p>
+            <a:pPr>
+              <a:buNone/>
+            </a:pPr>
+            <a:r>
+              <a:rPr lang="ru-RU" b="1" dirty="0"/>
+              <a:t>	</a:t>
+            </a:r>
+            <a:r>
+              <a:rPr lang="ru-RU" b="1" dirty="0" smtClean="0"/>
+              <a:t>Количество </a:t>
+            </a:r>
+            <a:r>
+              <a:rPr lang="ru-RU" b="1" dirty="0"/>
+              <a:t>уникальных источников (</a:t>
+            </a:r>
+            <a:r>
+              <a:rPr lang="ru-RU" b="1" dirty="0" err="1"/>
+              <a:t>ДУ</a:t>
+            </a:r>
+            <a:r>
+              <a:rPr lang="ru-RU" b="1" dirty="0"/>
+              <a:t>):</a:t>
+            </a:r>
+            <a:r>
+              <a:rPr lang="ru-RU" dirty="0"/>
+              <a:t> 48</a:t>
+            </a:r>
+          </a:p>
+          <a:p>
+            <a:endParaRPr lang="ru-RU" dirty="0"/>
+          </a:p>
+        </p:txBody>
+      </p:sp>
+    </p:spTree>
+  </p:cSld>
+  <p:clrMapOvr>
+    <a:masterClrMapping/>
+  </p:clrMapOvr>
+</p:sld>
+</file>
+
+<file path=ppt/slides/slide3.xml><?xml version="1.0" encoding="utf-8"?>
+<p:sld xmlns:a="http://schemas.openxmlformats.org/drawingml/2006/main" xmlns:r="http://schemas.openxmlformats.org/officeDocument/2006/relationships" xmlns:p="http://schemas.openxmlformats.org/presentationml/2006/main">
+  <p:cSld>
+    <p:spTree>
+      <p:nvGrpSpPr>
+        <p:cNvPr id="1" name=""/>
+        <p:cNvGrpSpPr/>
+        <p:nvPr/>
+      </p:nvGrpSpPr>
+      <p:grpSpPr>
+        <a:xfrm>
+          <a:off x="0" y="0"/>
+          <a:ext cx="0" cy="0"/>
+          <a:chOff x="0" y="0"/>
+          <a:chExt cx="0" cy="0"/>
+        </a:xfrm>
+      </p:grpSpPr>
+      <p:sp>
+        <p:nvSpPr>
+          <p:cNvPr id="2" name="Заголовок 1"/>
+          <p:cNvSpPr>
+            <a:spLocks noGrp="1"/>
+          </p:cNvSpPr>
+          <p:nvPr>
+            <p:ph type="title"/>
+          </p:nvPr>
+        </p:nvSpPr>
+        <p:spPr/>
+        <p:txBody>
+          <a:bodyPr>
+            <a:normAutofit/>
+          </a:bodyPr>
+          <a:lstStyle/>
+          <a:p>
+            <a:r>
+              <a:rPr lang="ru-RU" dirty="0" smtClean="0"/>
+              <a:t>Схема разработки </a:t>
+            </a:r>
+            <a:endParaRPr lang="ru-RU" dirty="0"/>
+          </a:p>
+        </p:txBody>
+      </p:sp>
+      <p:pic>
+        <p:nvPicPr>
+          <p:cNvPr id="1026" name="Picture 2"/>
+          <p:cNvPicPr>
+            <a:picLocks noGrp="1" noChangeAspect="1" noChangeArrowheads="1"/>
+          </p:cNvPicPr>
+          <p:nvPr>
+            <p:ph idx="1"/>
+          </p:nvPr>
+        </p:nvPicPr>
+        <p:blipFill>
+          <a:blip r:embed="rId2" cstate="print"/>
+          <a:srcRect/>
+          <a:stretch>
+            <a:fillRect/>
+          </a:stretch>
+        </p:blipFill>
+        <p:spPr bwMode="auto">
+          <a:xfrm>
+            <a:off x="510406" y="1600200"/>
+            <a:ext cx="8123188" cy="4525963"/>
+          </a:xfrm>
+          <a:prstGeom prst="rect">
+            <a:avLst/>
+          </a:prstGeom>
+          <a:noFill/>
+          <a:ln w="9525">
+            <a:noFill/>
+            <a:miter lim="800000"/>
+            <a:headEnd/>
+            <a:tailEnd/>
+          </a:ln>
+        </p:spPr>
+      </p:pic>
+    </p:spTree>
+  </p:cSld>
+  <p:clrMapOvr>
+    <a:masterClrMapping/>
+  </p:clrMapOvr>
+</p:sld>
+</file>
+
+<file path=ppt/slides/slide30.xml><?xml version="1.0" encoding="utf-8"?>
 <p:sld xmlns:a="http://schemas.openxmlformats.org/drawingml/2006/main" xmlns:r="http://schemas.openxmlformats.org/officeDocument/2006/relationships" xmlns:p="http://schemas.openxmlformats.org/presentationml/2006/main">
   <p:cSld>
     <p:spTree>
@@ -5876,7 +6236,7 @@
 </p:sld>
 </file>
 
-<file path=ppt/slides/slide28.xml><?xml version="1.0" encoding="utf-8"?>
+<file path=ppt/slides/slide31.xml><?xml version="1.0" encoding="utf-8"?>
 <p:sld xmlns:a="http://schemas.openxmlformats.org/drawingml/2006/main" xmlns:r="http://schemas.openxmlformats.org/officeDocument/2006/relationships" xmlns:p="http://schemas.openxmlformats.org/presentationml/2006/main">
   <p:cSld>
     <p:spTree>
@@ -5960,7 +6320,7 @@
 </p:sld>
 </file>
 
-<file path=ppt/slides/slide29.xml><?xml version="1.0" encoding="utf-8"?>
+<file path=ppt/slides/slide32.xml><?xml version="1.0" encoding="utf-8"?>
 <p:sld xmlns:a="http://schemas.openxmlformats.org/drawingml/2006/main" xmlns:r="http://schemas.openxmlformats.org/officeDocument/2006/relationships" xmlns:p="http://schemas.openxmlformats.org/presentationml/2006/main">
   <p:cSld>
     <p:spTree>
@@ -6036,7 +6396,7 @@
 </p:sld>
 </file>
 
-<file path=ppt/slides/slide3.xml><?xml version="1.0" encoding="utf-8"?>
+<file path=ppt/slides/slide4.xml><?xml version="1.0" encoding="utf-8"?>
 <p:sld xmlns:a="http://schemas.openxmlformats.org/drawingml/2006/main" xmlns:r="http://schemas.openxmlformats.org/officeDocument/2006/relationships" xmlns:p="http://schemas.openxmlformats.org/presentationml/2006/main">
   <p:cSld>
     <p:spTree>
@@ -6150,88 +6510,6 @@
 </p:sld>
 </file>
 
-<file path=ppt/slides/slide4.xml><?xml version="1.0" encoding="utf-8"?>
-<p:sld xmlns:a="http://schemas.openxmlformats.org/drawingml/2006/main" xmlns:r="http://schemas.openxmlformats.org/officeDocument/2006/relationships" xmlns:p="http://schemas.openxmlformats.org/presentationml/2006/main">
-  <p:cSld>
-    <p:spTree>
-      <p:nvGrpSpPr>
-        <p:cNvPr id="1" name=""/>
-        <p:cNvGrpSpPr/>
-        <p:nvPr/>
-      </p:nvGrpSpPr>
-      <p:grpSpPr>
-        <a:xfrm>
-          <a:off x="0" y="0"/>
-          <a:ext cx="0" cy="0"/>
-          <a:chOff x="0" y="0"/>
-          <a:chExt cx="0" cy="0"/>
-        </a:xfrm>
-      </p:grpSpPr>
-      <p:sp>
-        <p:nvSpPr>
-          <p:cNvPr id="2" name="Заголовок 1"/>
-          <p:cNvSpPr>
-            <a:spLocks noGrp="1"/>
-          </p:cNvSpPr>
-          <p:nvPr>
-            <p:ph type="title"/>
-          </p:nvPr>
-        </p:nvSpPr>
-        <p:spPr/>
-        <p:txBody>
-          <a:bodyPr/>
-          <a:lstStyle/>
-          <a:p>
-            <a:r>
-              <a:rPr lang="ru-RU" dirty="0" smtClean="0"/>
-              <a:t>Функции активации</a:t>
-            </a:r>
-            <a:endParaRPr lang="ru-RU" dirty="0"/>
-          </a:p>
-        </p:txBody>
-      </p:sp>
-      <p:pic>
-        <p:nvPicPr>
-          <p:cNvPr id="2050" name="Picture 2"/>
-          <p:cNvPicPr>
-            <a:picLocks noGrp="1" noChangeAspect="1" noChangeArrowheads="1"/>
-          </p:cNvPicPr>
-          <p:nvPr>
-            <p:ph idx="1"/>
-          </p:nvPr>
-        </p:nvPicPr>
-        <p:blipFill>
-          <a:blip r:embed="rId2" cstate="print"/>
-          <a:srcRect/>
-          <a:stretch>
-            <a:fillRect/>
-          </a:stretch>
-        </p:blipFill>
-        <p:spPr bwMode="auto">
-          <a:xfrm>
-            <a:off x="1039633" y="1600200"/>
-            <a:ext cx="7064734" cy="4525963"/>
-          </a:xfrm>
-          <a:prstGeom prst="rect">
-            <a:avLst/>
-          </a:prstGeom>
-          <a:noFill/>
-          <a:ln w="9525">
-            <a:noFill/>
-            <a:miter lim="800000"/>
-            <a:headEnd/>
-            <a:tailEnd/>
-          </a:ln>
-        </p:spPr>
-      </p:pic>
-    </p:spTree>
-  </p:cSld>
-  <p:clrMapOvr>
-    <a:masterClrMapping/>
-  </p:clrMapOvr>
-</p:sld>
-</file>
-
 <file path=ppt/slides/slide5.xml><?xml version="1.0" encoding="utf-8"?>
 <p:sld xmlns:a="http://schemas.openxmlformats.org/drawingml/2006/main" xmlns:r="http://schemas.openxmlformats.org/officeDocument/2006/relationships" xmlns:p="http://schemas.openxmlformats.org/presentationml/2006/main">
   <p:cSld>
@@ -6266,11 +6544,7 @@
           <a:p>
             <a:r>
               <a:rPr lang="ru-RU" dirty="0" smtClean="0"/>
-              <a:t>Базовая архитектура </a:t>
-            </a:r>
-            <a:r>
-              <a:rPr lang="ru-RU" dirty="0" err="1" smtClean="0"/>
-              <a:t>СНН</a:t>
+              <a:t>Функции активации</a:t>
             </a:r>
             <a:endParaRPr lang="ru-RU" dirty="0"/>
           </a:p>
@@ -6278,7 +6552,7 @@
       </p:sp>
       <p:pic>
         <p:nvPicPr>
-          <p:cNvPr id="1026" name="Picture 2"/>
+          <p:cNvPr id="2050" name="Picture 2"/>
           <p:cNvPicPr>
             <a:picLocks noGrp="1" noChangeAspect="1" noChangeArrowheads="1"/>
           </p:cNvPicPr>
@@ -6295,8 +6569,8 @@
         </p:blipFill>
         <p:spPr bwMode="auto">
           <a:xfrm>
-            <a:off x="3072395" y="3351468"/>
-            <a:ext cx="2999210" cy="1023427"/>
+            <a:off x="1039633" y="1600200"/>
+            <a:ext cx="7064734" cy="4525963"/>
           </a:xfrm>
           <a:prstGeom prst="rect">
             <a:avLst/>
@@ -6351,12 +6625,12 @@
           <a:lstStyle/>
           <a:p>
             <a:r>
+              <a:rPr lang="ru-RU" dirty="0" smtClean="0"/>
+              <a:t>Базовая архитектура </a:t>
+            </a:r>
+            <a:r>
               <a:rPr lang="ru-RU" dirty="0" err="1" smtClean="0"/>
-              <a:t>Сверточный</a:t>
-            </a:r>
-            <a:r>
-              <a:rPr lang="ru-RU" dirty="0" smtClean="0"/>
-              <a:t> слой</a:t>
+              <a:t>СНН</a:t>
             </a:r>
             <a:endParaRPr lang="ru-RU" dirty="0"/>
           </a:p>
@@ -6364,7 +6638,7 @@
       </p:sp>
       <p:pic>
         <p:nvPicPr>
-          <p:cNvPr id="2050" name="Picture 2"/>
+          <p:cNvPr id="1026" name="Picture 2"/>
           <p:cNvPicPr>
             <a:picLocks noGrp="1" noChangeAspect="1" noChangeArrowheads="1"/>
           </p:cNvPicPr>
@@ -6381,8 +6655,8 @@
         </p:blipFill>
         <p:spPr bwMode="auto">
           <a:xfrm>
-            <a:off x="1744735" y="2613393"/>
-            <a:ext cx="5654530" cy="2499577"/>
+            <a:off x="3072395" y="3351468"/>
+            <a:ext cx="2999210" cy="1023427"/>
           </a:xfrm>
           <a:prstGeom prst="rect">
             <a:avLst/>
@@ -6437,12 +6711,12 @@
           <a:lstStyle/>
           <a:p>
             <a:r>
+              <a:rPr lang="ru-RU" dirty="0" err="1" smtClean="0"/>
+              <a:t>Сверточный</a:t>
+            </a:r>
+            <a:r>
               <a:rPr lang="ru-RU" dirty="0" smtClean="0"/>
-              <a:t>Слой </a:t>
-            </a:r>
-            <a:r>
-              <a:rPr lang="ru-RU" dirty="0" err="1" smtClean="0"/>
-              <a:t>пуллинга</a:t>
+              <a:t> слой</a:t>
             </a:r>
             <a:endParaRPr lang="ru-RU" dirty="0"/>
           </a:p>
@@ -6450,7 +6724,7 @@
       </p:sp>
       <p:pic>
         <p:nvPicPr>
-          <p:cNvPr id="3074" name="Picture 2"/>
+          <p:cNvPr id="2050" name="Picture 2"/>
           <p:cNvPicPr>
             <a:picLocks noGrp="1" noChangeAspect="1" noChangeArrowheads="1"/>
           </p:cNvPicPr>
@@ -6467,8 +6741,40 @@
         </p:blipFill>
         <p:spPr bwMode="auto">
           <a:xfrm>
-            <a:off x="1927630" y="2777237"/>
-            <a:ext cx="5288739" cy="2171888"/>
+            <a:off x="971600" y="1124744"/>
+            <a:ext cx="5654530" cy="2499577"/>
+          </a:xfrm>
+          <a:prstGeom prst="rect">
+            <a:avLst/>
+          </a:prstGeom>
+          <a:noFill/>
+          <a:ln w="9525">
+            <a:noFill/>
+            <a:miter lim="800000"/>
+            <a:headEnd/>
+            <a:tailEnd/>
+          </a:ln>
+        </p:spPr>
+      </p:pic>
+      <p:pic>
+        <p:nvPicPr>
+          <p:cNvPr id="2051" name="Picture 3"/>
+          <p:cNvPicPr>
+            <a:picLocks noChangeAspect="1" noChangeArrowheads="1"/>
+          </p:cNvPicPr>
+          <p:nvPr/>
+        </p:nvPicPr>
+        <p:blipFill>
+          <a:blip r:embed="rId3" cstate="print"/>
+          <a:srcRect/>
+          <a:stretch>
+            <a:fillRect/>
+          </a:stretch>
+        </p:blipFill>
+        <p:spPr bwMode="auto">
+          <a:xfrm>
+            <a:off x="971600" y="3573016"/>
+            <a:ext cx="6115050" cy="2171700"/>
           </a:xfrm>
           <a:prstGeom prst="rect">
             <a:avLst/>
@@ -6523,12 +6829,12 @@
           <a:lstStyle/>
           <a:p>
             <a:r>
+              <a:rPr lang="ru-RU" dirty="0" smtClean="0"/>
+              <a:t>Слой </a:t>
+            </a:r>
+            <a:r>
               <a:rPr lang="ru-RU" dirty="0" err="1" smtClean="0"/>
-              <a:t>Полносвязный</a:t>
-            </a:r>
-            <a:r>
-              <a:rPr lang="ru-RU" dirty="0" smtClean="0"/>
-              <a:t> слой</a:t>
+              <a:t>пуллинга</a:t>
             </a:r>
             <a:endParaRPr lang="ru-RU" dirty="0"/>
           </a:p>
@@ -6536,7 +6842,7 @@
       </p:sp>
       <p:pic>
         <p:nvPicPr>
-          <p:cNvPr id="4098" name="Picture 2"/>
+          <p:cNvPr id="3074" name="Picture 2"/>
           <p:cNvPicPr>
             <a:picLocks noGrp="1" noChangeAspect="1" noChangeArrowheads="1"/>
           </p:cNvPicPr>
@@ -6553,8 +6859,8 @@
         </p:blipFill>
         <p:spPr bwMode="auto">
           <a:xfrm>
-            <a:off x="1455420" y="2693511"/>
-            <a:ext cx="6233160" cy="2339340"/>
+            <a:off x="1927630" y="2777237"/>
+            <a:ext cx="5288739" cy="2171888"/>
           </a:xfrm>
           <a:prstGeom prst="rect">
             <a:avLst/>
@@ -6609,20 +6915,12 @@
           <a:lstStyle/>
           <a:p>
             <a:r>
+              <a:rPr lang="ru-RU" dirty="0" err="1" smtClean="0"/>
+              <a:t>Полносвязный</a:t>
+            </a:r>
+            <a:r>
               <a:rPr lang="ru-RU" dirty="0" smtClean="0"/>
-              <a:t>Архитектура</a:t>
-            </a:r>
-            <a:r>
-              <a:rPr lang="en-US" dirty="0" smtClean="0"/>
-              <a:t> </a:t>
-            </a:r>
-            <a:r>
-              <a:rPr lang="en-US" dirty="0" err="1" smtClean="0"/>
-              <a:t>COVID</a:t>
-            </a:r>
-            <a:r>
-              <a:rPr lang="en-US" dirty="0" smtClean="0"/>
-              <a:t>-Net</a:t>
+              <a:t> слой</a:t>
             </a:r>
             <a:endParaRPr lang="ru-RU" dirty="0"/>
           </a:p>
@@ -6630,7 +6928,7 @@
       </p:sp>
       <p:pic>
         <p:nvPicPr>
-          <p:cNvPr id="3074" name="Picture 2"/>
+          <p:cNvPr id="4098" name="Picture 2"/>
           <p:cNvPicPr>
             <a:picLocks noGrp="1" noChangeAspect="1" noChangeArrowheads="1"/>
           </p:cNvPicPr>
@@ -6647,8 +6945,8 @@
         </p:blipFill>
         <p:spPr bwMode="auto">
           <a:xfrm>
-            <a:off x="457200" y="2528388"/>
-            <a:ext cx="8229600" cy="2669586"/>
+            <a:off x="1455420" y="2693511"/>
+            <a:ext cx="6233160" cy="2339340"/>
           </a:xfrm>
           <a:prstGeom prst="rect">
             <a:avLst/>

--- a/slides.pptx
+++ b/slides.pptx
@@ -16,27 +16,29 @@
     <p:sldId id="285" r:id="rId10"/>
     <p:sldId id="287" r:id="rId11"/>
     <p:sldId id="288" r:id="rId12"/>
-    <p:sldId id="267" r:id="rId13"/>
-    <p:sldId id="269" r:id="rId14"/>
-    <p:sldId id="273" r:id="rId15"/>
-    <p:sldId id="274" r:id="rId16"/>
-    <p:sldId id="275" r:id="rId17"/>
-    <p:sldId id="277" r:id="rId18"/>
-    <p:sldId id="276" r:id="rId19"/>
-    <p:sldId id="278" r:id="rId20"/>
-    <p:sldId id="270" r:id="rId21"/>
-    <p:sldId id="272" r:id="rId22"/>
-    <p:sldId id="280" r:id="rId23"/>
-    <p:sldId id="279" r:id="rId24"/>
-    <p:sldId id="264" r:id="rId25"/>
-    <p:sldId id="259" r:id="rId26"/>
-    <p:sldId id="260" r:id="rId27"/>
-    <p:sldId id="262" r:id="rId28"/>
-    <p:sldId id="261" r:id="rId29"/>
-    <p:sldId id="263" r:id="rId30"/>
-    <p:sldId id="258" r:id="rId31"/>
-    <p:sldId id="281" r:id="rId32"/>
-    <p:sldId id="257" r:id="rId33"/>
+    <p:sldId id="289" r:id="rId13"/>
+    <p:sldId id="290" r:id="rId14"/>
+    <p:sldId id="267" r:id="rId15"/>
+    <p:sldId id="269" r:id="rId16"/>
+    <p:sldId id="273" r:id="rId17"/>
+    <p:sldId id="274" r:id="rId18"/>
+    <p:sldId id="275" r:id="rId19"/>
+    <p:sldId id="277" r:id="rId20"/>
+    <p:sldId id="276" r:id="rId21"/>
+    <p:sldId id="278" r:id="rId22"/>
+    <p:sldId id="270" r:id="rId23"/>
+    <p:sldId id="272" r:id="rId24"/>
+    <p:sldId id="280" r:id="rId25"/>
+    <p:sldId id="279" r:id="rId26"/>
+    <p:sldId id="264" r:id="rId27"/>
+    <p:sldId id="259" r:id="rId28"/>
+    <p:sldId id="260" r:id="rId29"/>
+    <p:sldId id="262" r:id="rId30"/>
+    <p:sldId id="261" r:id="rId31"/>
+    <p:sldId id="263" r:id="rId32"/>
+    <p:sldId id="258" r:id="rId33"/>
+    <p:sldId id="281" r:id="rId34"/>
+    <p:sldId id="257" r:id="rId35"/>
   </p:sldIdLst>
   <p:sldSz cx="9144000" cy="6858000" type="screen4x3"/>
   <p:notesSz cx="6858000" cy="9144000"/>
@@ -3373,20 +3375,8 @@
           <a:lstStyle/>
           <a:p>
             <a:r>
-              <a:rPr lang="ru-RU" dirty="0" smtClean="0"/>
-              <a:t>Архитектура</a:t>
-            </a:r>
-            <a:r>
-              <a:rPr lang="en-US" dirty="0" smtClean="0"/>
-              <a:t> </a:t>
-            </a:r>
-            <a:r>
-              <a:rPr lang="en-US" dirty="0" err="1" smtClean="0"/>
-              <a:t>COVID</a:t>
-            </a:r>
-            <a:r>
-              <a:rPr lang="en-US" dirty="0" smtClean="0"/>
-              <a:t>-Net</a:t>
+              <a:rPr lang="ru-RU" dirty="0" err="1" smtClean="0"/>
+              <a:t>Пуллинг</a:t>
             </a:r>
             <a:endParaRPr lang="ru-RU" dirty="0"/>
           </a:p>
@@ -3394,7 +3384,7 @@
       </p:sp>
       <p:pic>
         <p:nvPicPr>
-          <p:cNvPr id="3074" name="Picture 2"/>
+          <p:cNvPr id="8194" name="Picture 2"/>
           <p:cNvPicPr>
             <a:picLocks noGrp="1" noChangeAspect="1" noChangeArrowheads="1"/>
           </p:cNvPicPr>
@@ -3411,8 +3401,40 @@
         </p:blipFill>
         <p:spPr bwMode="auto">
           <a:xfrm>
-            <a:off x="457200" y="2528388"/>
-            <a:ext cx="8229600" cy="2669586"/>
+            <a:off x="755576" y="1628800"/>
+            <a:ext cx="3839314" cy="1990011"/>
+          </a:xfrm>
+          <a:prstGeom prst="rect">
+            <a:avLst/>
+          </a:prstGeom>
+          <a:noFill/>
+          <a:ln w="9525">
+            <a:noFill/>
+            <a:miter lim="800000"/>
+            <a:headEnd/>
+            <a:tailEnd/>
+          </a:ln>
+        </p:spPr>
+      </p:pic>
+      <p:pic>
+        <p:nvPicPr>
+          <p:cNvPr id="8195" name="Picture 3"/>
+          <p:cNvPicPr>
+            <a:picLocks noChangeAspect="1" noChangeArrowheads="1"/>
+          </p:cNvPicPr>
+          <p:nvPr/>
+        </p:nvPicPr>
+        <p:blipFill>
+          <a:blip r:embed="rId3" cstate="print"/>
+          <a:srcRect/>
+          <a:stretch>
+            <a:fillRect/>
+          </a:stretch>
+        </p:blipFill>
+        <p:spPr bwMode="auto">
+          <a:xfrm>
+            <a:off x="4788024" y="1556792"/>
+            <a:ext cx="3930093" cy="2172072"/>
           </a:xfrm>
           <a:prstGeom prst="rect">
             <a:avLst/>
@@ -3467,16 +3489,12 @@
           <a:lstStyle/>
           <a:p>
             <a:r>
+              <a:rPr lang="ru-RU" dirty="0" err="1" smtClean="0"/>
+              <a:t>Полносвязный</a:t>
+            </a:r>
+            <a:r>
               <a:rPr lang="ru-RU" dirty="0" smtClean="0"/>
-              <a:t>Архитектура </a:t>
-            </a:r>
-            <a:r>
-              <a:rPr lang="en-US" dirty="0" smtClean="0"/>
-              <a:t> AC-</a:t>
-            </a:r>
-            <a:r>
-              <a:rPr lang="en-US" dirty="0" err="1" smtClean="0"/>
-              <a:t>CovidNet</a:t>
+              <a:t> слой</a:t>
             </a:r>
             <a:endParaRPr lang="ru-RU" dirty="0"/>
           </a:p>
@@ -3484,7 +3502,7 @@
       </p:sp>
       <p:pic>
         <p:nvPicPr>
-          <p:cNvPr id="1028" name="Picture 4"/>
+          <p:cNvPr id="9218" name="Picture 2"/>
           <p:cNvPicPr>
             <a:picLocks noGrp="1" noChangeAspect="1" noChangeArrowheads="1"/>
           </p:cNvPicPr>
@@ -3501,8 +3519,8 @@
         </p:blipFill>
         <p:spPr bwMode="auto">
           <a:xfrm>
-            <a:off x="2338925" y="1600200"/>
-            <a:ext cx="4466149" cy="4525963"/>
+            <a:off x="457200" y="1721487"/>
+            <a:ext cx="8229600" cy="4283388"/>
           </a:xfrm>
           <a:prstGeom prst="rect">
             <a:avLst/>
@@ -3558,11 +3576,19 @@
           <a:p>
             <a:r>
               <a:rPr lang="ru-RU" dirty="0" smtClean="0"/>
-              <a:t>Архитектура </a:t>
-            </a:r>
-            <a:r>
-              <a:rPr lang="ru-RU" dirty="0" err="1" smtClean="0"/>
-              <a:t>DenseNet</a:t>
+              <a:t>Архитектура</a:t>
+            </a:r>
+            <a:r>
+              <a:rPr lang="en-US" dirty="0" smtClean="0"/>
+              <a:t> </a:t>
+            </a:r>
+            <a:r>
+              <a:rPr lang="en-US" dirty="0" err="1" smtClean="0"/>
+              <a:t>COVID</a:t>
+            </a:r>
+            <a:r>
+              <a:rPr lang="en-US" dirty="0" smtClean="0"/>
+              <a:t>-Net</a:t>
             </a:r>
             <a:endParaRPr lang="ru-RU" dirty="0"/>
           </a:p>
@@ -3570,7 +3596,7 @@
       </p:sp>
       <p:pic>
         <p:nvPicPr>
-          <p:cNvPr id="1026" name="Picture 2"/>
+          <p:cNvPr id="3074" name="Picture 2"/>
           <p:cNvPicPr>
             <a:picLocks noGrp="1" noChangeAspect="1" noChangeArrowheads="1"/>
           </p:cNvPicPr>
@@ -3587,8 +3613,8 @@
         </p:blipFill>
         <p:spPr bwMode="auto">
           <a:xfrm>
-            <a:off x="1383736" y="2286164"/>
-            <a:ext cx="6376528" cy="3154034"/>
+            <a:off x="457200" y="2528388"/>
+            <a:ext cx="8229600" cy="2669586"/>
           </a:xfrm>
           <a:prstGeom prst="rect">
             <a:avLst/>
@@ -3644,7 +3670,15 @@
           <a:p>
             <a:r>
               <a:rPr lang="ru-RU" dirty="0" smtClean="0"/>
-              <a:t>Резидентный блок</a:t>
+              <a:t>Архитектура </a:t>
+            </a:r>
+            <a:r>
+              <a:rPr lang="en-US" dirty="0" smtClean="0"/>
+              <a:t> AC-</a:t>
+            </a:r>
+            <a:r>
+              <a:rPr lang="en-US" dirty="0" err="1" smtClean="0"/>
+              <a:t>CovidNet</a:t>
             </a:r>
             <a:endParaRPr lang="ru-RU" dirty="0"/>
           </a:p>
@@ -3652,7 +3686,7 @@
       </p:sp>
       <p:pic>
         <p:nvPicPr>
-          <p:cNvPr id="2050" name="Picture 2"/>
+          <p:cNvPr id="1028" name="Picture 4"/>
           <p:cNvPicPr>
             <a:picLocks noGrp="1" noChangeAspect="1" noChangeArrowheads="1"/>
           </p:cNvPicPr>
@@ -3669,8 +3703,8 @@
         </p:blipFill>
         <p:spPr bwMode="auto">
           <a:xfrm>
-            <a:off x="3031657" y="2601568"/>
-            <a:ext cx="3080685" cy="2523227"/>
+            <a:off x="2338925" y="1600200"/>
+            <a:ext cx="4466149" cy="4525963"/>
           </a:xfrm>
           <a:prstGeom prst="rect">
             <a:avLst/>
@@ -3724,13 +3758,21 @@
           <a:bodyPr/>
           <a:lstStyle/>
           <a:p>
+            <a:r>
+              <a:rPr lang="ru-RU" dirty="0" smtClean="0"/>
+              <a:t>Архитектура </a:t>
+            </a:r>
+            <a:r>
+              <a:rPr lang="ru-RU" dirty="0" err="1" smtClean="0"/>
+              <a:t>DenseNet</a:t>
+            </a:r>
             <a:endParaRPr lang="ru-RU" dirty="0"/>
           </a:p>
         </p:txBody>
       </p:sp>
       <p:pic>
         <p:nvPicPr>
-          <p:cNvPr id="3074" name="Picture 2"/>
+          <p:cNvPr id="1026" name="Picture 2"/>
           <p:cNvPicPr>
             <a:picLocks noGrp="1" noChangeAspect="1" noChangeArrowheads="1"/>
           </p:cNvPicPr>
@@ -3747,8 +3789,8 @@
         </p:blipFill>
         <p:spPr bwMode="auto">
           <a:xfrm>
-            <a:off x="1335291" y="1955291"/>
-            <a:ext cx="6473417" cy="3815781"/>
+            <a:off x="1383736" y="2286164"/>
+            <a:ext cx="6376528" cy="3154034"/>
           </a:xfrm>
           <a:prstGeom prst="rect">
             <a:avLst/>
@@ -3802,13 +3844,17 @@
           <a:bodyPr/>
           <a:lstStyle/>
           <a:p>
-            <a:endParaRPr lang="ru-RU"/>
+            <a:r>
+              <a:rPr lang="ru-RU" dirty="0" smtClean="0"/>
+              <a:t>Резидентный блок</a:t>
+            </a:r>
+            <a:endParaRPr lang="ru-RU" dirty="0"/>
           </a:p>
         </p:txBody>
       </p:sp>
       <p:pic>
         <p:nvPicPr>
-          <p:cNvPr id="5122" name="Picture 2"/>
+          <p:cNvPr id="2050" name="Picture 2"/>
           <p:cNvPicPr>
             <a:picLocks noGrp="1" noChangeAspect="1" noChangeArrowheads="1"/>
           </p:cNvPicPr>
@@ -3825,8 +3871,8 @@
         </p:blipFill>
         <p:spPr bwMode="auto">
           <a:xfrm>
-            <a:off x="1417580" y="2668464"/>
-            <a:ext cx="6308839" cy="2389435"/>
+            <a:off x="3031657" y="2601568"/>
+            <a:ext cx="3080685" cy="2523227"/>
           </a:xfrm>
           <a:prstGeom prst="rect">
             <a:avLst/>
@@ -3880,13 +3926,13 @@
           <a:bodyPr/>
           <a:lstStyle/>
           <a:p>
-            <a:endParaRPr lang="ru-RU"/>
+            <a:endParaRPr lang="ru-RU" dirty="0"/>
           </a:p>
         </p:txBody>
       </p:sp>
       <p:pic>
         <p:nvPicPr>
-          <p:cNvPr id="4098" name="Picture 2"/>
+          <p:cNvPr id="3074" name="Picture 2"/>
           <p:cNvPicPr>
             <a:picLocks noGrp="1" noChangeAspect="1" noChangeArrowheads="1"/>
           </p:cNvPicPr>
@@ -3903,8 +3949,8 @@
         </p:blipFill>
         <p:spPr bwMode="auto">
           <a:xfrm>
-            <a:off x="1429771" y="2802565"/>
-            <a:ext cx="6284457" cy="2121233"/>
+            <a:off x="1335291" y="1955291"/>
+            <a:ext cx="6473417" cy="3815781"/>
           </a:xfrm>
           <a:prstGeom prst="rect">
             <a:avLst/>
@@ -3958,17 +4004,13 @@
           <a:bodyPr/>
           <a:lstStyle/>
           <a:p>
-            <a:r>
-              <a:rPr lang="ru-RU" dirty="0" smtClean="0"/>
-              <a:t>Схема ансамбля</a:t>
-            </a:r>
-            <a:endParaRPr lang="ru-RU" dirty="0"/>
+            <a:endParaRPr lang="ru-RU"/>
           </a:p>
         </p:txBody>
       </p:sp>
       <p:pic>
         <p:nvPicPr>
-          <p:cNvPr id="6146" name="Picture 2"/>
+          <p:cNvPr id="5122" name="Picture 2"/>
           <p:cNvPicPr>
             <a:picLocks noGrp="1" noChangeAspect="1" noChangeArrowheads="1"/>
           </p:cNvPicPr>
@@ -3985,8 +4027,8 @@
         </p:blipFill>
         <p:spPr bwMode="auto">
           <a:xfrm>
-            <a:off x="1406471" y="1712892"/>
-            <a:ext cx="6331057" cy="4300578"/>
+            <a:off x="1417580" y="2668464"/>
+            <a:ext cx="6308839" cy="2389435"/>
           </a:xfrm>
           <a:prstGeom prst="rect">
             <a:avLst/>
@@ -4115,30 +4157,16 @@
         </p:nvSpPr>
         <p:spPr/>
         <p:txBody>
-          <a:bodyPr>
-            <a:normAutofit fontScale="90000"/>
-          </a:bodyPr>
-          <a:lstStyle/>
-          <a:p>
-            <a:r>
-              <a:rPr lang="ru-RU" dirty="0" smtClean="0"/>
-              <a:t>Создание </a:t>
-            </a:r>
-            <a:r>
-              <a:rPr lang="ru-RU" dirty="0" err="1" smtClean="0"/>
-              <a:t>датасетов</a:t>
-            </a:r>
-            <a:r>
-              <a:rPr lang="ru-RU" dirty="0" smtClean="0"/>
-              <a:t> разных конфигураций</a:t>
-            </a:r>
-            <a:endParaRPr lang="ru-RU" dirty="0"/>
+          <a:bodyPr/>
+          <a:lstStyle/>
+          <a:p>
+            <a:endParaRPr lang="ru-RU"/>
           </a:p>
         </p:txBody>
       </p:sp>
       <p:pic>
         <p:nvPicPr>
-          <p:cNvPr id="1026" name="Picture 2"/>
+          <p:cNvPr id="4098" name="Picture 2"/>
           <p:cNvPicPr>
             <a:picLocks noGrp="1" noChangeAspect="1" noChangeArrowheads="1"/>
           </p:cNvPicPr>
@@ -4155,8 +4183,8 @@
         </p:blipFill>
         <p:spPr bwMode="auto">
           <a:xfrm>
-            <a:off x="457200" y="2916068"/>
-            <a:ext cx="8229600" cy="1894227"/>
+            <a:off x="1429771" y="2802565"/>
+            <a:ext cx="6284457" cy="2121233"/>
           </a:xfrm>
           <a:prstGeom prst="rect">
             <a:avLst/>
@@ -4212,7 +4240,7 @@
           <a:p>
             <a:r>
               <a:rPr lang="ru-RU" dirty="0" smtClean="0"/>
-              <a:t>Сравнение некоторых моделей</a:t>
+              <a:t>Схема ансамбля</a:t>
             </a:r>
             <a:endParaRPr lang="ru-RU" dirty="0"/>
           </a:p>
@@ -4220,7 +4248,7 @@
       </p:sp>
       <p:pic>
         <p:nvPicPr>
-          <p:cNvPr id="2050" name="Picture 2"/>
+          <p:cNvPr id="6146" name="Picture 2"/>
           <p:cNvPicPr>
             <a:picLocks noGrp="1" noChangeAspect="1" noChangeArrowheads="1"/>
           </p:cNvPicPr>
@@ -4237,8 +4265,8 @@
         </p:blipFill>
         <p:spPr bwMode="auto">
           <a:xfrm>
-            <a:off x="457200" y="2099696"/>
-            <a:ext cx="8229600" cy="3526971"/>
+            <a:off x="1406471" y="1712892"/>
+            <a:ext cx="6331057" cy="4300578"/>
           </a:xfrm>
           <a:prstGeom prst="rect">
             <a:avLst/>
@@ -4296,38 +4324,54 @@
           <a:p>
             <a:r>
               <a:rPr lang="ru-RU" dirty="0" smtClean="0"/>
-              <a:t>Графики обучения модели</a:t>
-            </a:r>
-            <a:br>
+              <a:t>Создание </a:t>
+            </a:r>
+            <a:r>
+              <a:rPr lang="ru-RU" dirty="0" err="1" smtClean="0"/>
+              <a:t>датасетов</a:t>
+            </a:r>
+            <a:r>
               <a:rPr lang="ru-RU" dirty="0" smtClean="0"/>
-            </a:br>
-            <a:r>
-              <a:rPr lang="ru-RU" dirty="0" smtClean="0"/>
-              <a:t>Параметры модели</a:t>
+              <a:t> разных конфигураций</a:t>
             </a:r>
             <a:endParaRPr lang="ru-RU" dirty="0"/>
           </a:p>
         </p:txBody>
       </p:sp>
-      <p:sp>
-        <p:nvSpPr>
-          <p:cNvPr id="3" name="Содержимое 2"/>
-          <p:cNvSpPr>
-            <a:spLocks noGrp="1"/>
-          </p:cNvSpPr>
+      <p:pic>
+        <p:nvPicPr>
+          <p:cNvPr id="1026" name="Picture 2"/>
+          <p:cNvPicPr>
+            <a:picLocks noGrp="1" noChangeAspect="1" noChangeArrowheads="1"/>
+          </p:cNvPicPr>
           <p:nvPr>
             <p:ph idx="1"/>
           </p:nvPr>
-        </p:nvSpPr>
-        <p:spPr/>
-        <p:txBody>
-          <a:bodyPr/>
-          <a:lstStyle/>
-          <a:p>
-            <a:endParaRPr lang="ru-RU" dirty="0"/>
-          </a:p>
-        </p:txBody>
-      </p:sp>
+        </p:nvPicPr>
+        <p:blipFill>
+          <a:blip r:embed="rId2" cstate="print"/>
+          <a:srcRect/>
+          <a:stretch>
+            <a:fillRect/>
+          </a:stretch>
+        </p:blipFill>
+        <p:spPr bwMode="auto">
+          <a:xfrm>
+            <a:off x="457200" y="2916068"/>
+            <a:ext cx="8229600" cy="1894227"/>
+          </a:xfrm>
+          <a:prstGeom prst="rect">
+            <a:avLst/>
+          </a:prstGeom>
+          <a:noFill/>
+          <a:ln w="9525">
+            <a:noFill/>
+            <a:miter lim="800000"/>
+            <a:headEnd/>
+            <a:tailEnd/>
+          </a:ln>
+        </p:spPr>
+      </p:pic>
     </p:spTree>
   </p:cSld>
   <p:clrMapOvr>
@@ -4370,55 +4414,46 @@
           <a:p>
             <a:r>
               <a:rPr lang="ru-RU" dirty="0" smtClean="0"/>
-              <a:t>Сравнение </a:t>
-            </a:r>
-            <a:r>
-              <a:rPr lang="en-US" dirty="0" err="1" smtClean="0"/>
-              <a:t>colab</a:t>
-            </a:r>
-            <a:r>
-              <a:rPr lang="en-US" dirty="0" smtClean="0"/>
-              <a:t> </a:t>
-            </a:r>
-            <a:r>
-              <a:rPr lang="ru-RU" dirty="0" smtClean="0"/>
-              <a:t>и </a:t>
-            </a:r>
-            <a:r>
-              <a:rPr lang="en-US" dirty="0" err="1" smtClean="0"/>
-              <a:t>yandex</a:t>
+              <a:t>Сравнение некоторых моделей</a:t>
             </a:r>
             <a:endParaRPr lang="ru-RU" dirty="0"/>
           </a:p>
         </p:txBody>
       </p:sp>
-      <p:sp>
-        <p:nvSpPr>
-          <p:cNvPr id="3" name="Содержимое 2"/>
-          <p:cNvSpPr>
-            <a:spLocks noGrp="1"/>
-          </p:cNvSpPr>
+      <p:pic>
+        <p:nvPicPr>
+          <p:cNvPr id="2050" name="Picture 2"/>
+          <p:cNvPicPr>
+            <a:picLocks noGrp="1" noChangeAspect="1" noChangeArrowheads="1"/>
+          </p:cNvPicPr>
           <p:nvPr>
             <p:ph idx="1"/>
           </p:nvPr>
-        </p:nvSpPr>
-        <p:spPr/>
-        <p:txBody>
-          <a:bodyPr/>
-          <a:lstStyle/>
-          <a:p>
-            <a:r>
-              <a:rPr lang="ru-RU" dirty="0" smtClean="0"/>
-              <a:t>Техническое описание какие карты используются и </a:t>
-            </a:r>
-            <a:r>
-              <a:rPr lang="ru-RU" dirty="0" err="1" smtClean="0"/>
-              <a:t>проч</a:t>
-            </a:r>
-            <a:endParaRPr lang="ru-RU" dirty="0"/>
-          </a:p>
-        </p:txBody>
-      </p:sp>
+        </p:nvPicPr>
+        <p:blipFill>
+          <a:blip r:embed="rId2" cstate="print"/>
+          <a:srcRect/>
+          <a:stretch>
+            <a:fillRect/>
+          </a:stretch>
+        </p:blipFill>
+        <p:spPr bwMode="auto">
+          <a:xfrm>
+            <a:off x="457200" y="2099696"/>
+            <a:ext cx="8229600" cy="3526971"/>
+          </a:xfrm>
+          <a:prstGeom prst="rect">
+            <a:avLst/>
+          </a:prstGeom>
+          <a:noFill/>
+          <a:ln w="9525">
+            <a:noFill/>
+            <a:miter lim="800000"/>
+            <a:headEnd/>
+            <a:tailEnd/>
+          </a:ln>
+        </p:spPr>
+      </p:pic>
     </p:spTree>
   </p:cSld>
   <p:clrMapOvr>
@@ -4457,22 +4492,22 @@
         <p:spPr/>
         <p:txBody>
           <a:bodyPr>
-            <a:noAutofit/>
+            <a:normAutofit fontScale="90000"/>
           </a:bodyPr>
           <a:lstStyle/>
           <a:p>
             <a:r>
-              <a:rPr lang="ru-RU" sz="1800" b="1" dirty="0" smtClean="0"/>
-              <a:t>Эксперимент</a:t>
+              <a:rPr lang="ru-RU" dirty="0" smtClean="0"/>
+              <a:t>Графики обучения модели</a:t>
             </a:r>
             <a:br>
-              <a:rPr lang="ru-RU" sz="1800" b="1" dirty="0" smtClean="0"/>
+              <a:rPr lang="ru-RU" dirty="0" smtClean="0"/>
             </a:br>
             <a:r>
-              <a:rPr lang="ru-RU" sz="1800" dirty="0" smtClean="0"/>
-              <a:t>по использованию инновационных технологий в области компьютерного зрения для анализа медицинских изображений и дальнейшего применения в системе здравоохранения города Москвы.</a:t>
-            </a:r>
-            <a:endParaRPr lang="ru-RU" sz="1800" dirty="0"/>
+              <a:rPr lang="ru-RU" dirty="0" smtClean="0"/>
+              <a:t>Параметры модели</a:t>
+            </a:r>
+            <a:endParaRPr lang="ru-RU" dirty="0"/>
           </a:p>
         </p:txBody>
       </p:sp>
@@ -4488,214 +4523,8 @@
         </p:nvSpPr>
         <p:spPr/>
         <p:txBody>
-          <a:bodyPr>
-            <a:normAutofit fontScale="32500" lnSpcReduction="20000"/>
-          </a:bodyPr>
-          <a:lstStyle/>
-          <a:p>
-            <a:r>
-              <a:rPr lang="ru-RU" b="1" dirty="0"/>
-              <a:t>Цель</a:t>
-            </a:r>
-            <a:endParaRPr lang="ru-RU" dirty="0"/>
-          </a:p>
-          <a:p>
-            <a:r>
-              <a:rPr lang="ru-RU" dirty="0"/>
-              <a:t>Научное исследование возможности использования в системе здравоохранения города Москвы методов поддержки принятия решений на основе результатов анализа данных с применением передовых инновационных технологий.</a:t>
-            </a:r>
-          </a:p>
-          <a:p>
-            <a:r>
-              <a:rPr lang="ru-RU" dirty="0"/>
-              <a:t> </a:t>
-            </a:r>
-          </a:p>
-          <a:p>
-            <a:r>
-              <a:rPr lang="ru-RU" b="1" dirty="0"/>
-              <a:t>Платформа</a:t>
-            </a:r>
-            <a:endParaRPr lang="ru-RU" dirty="0"/>
-          </a:p>
-          <a:p>
-            <a:r>
-              <a:rPr lang="ru-RU" dirty="0"/>
-              <a:t>Единый радиологический информационный сервис (</a:t>
-            </a:r>
-            <a:r>
-              <a:rPr lang="ru-RU" dirty="0" err="1"/>
-              <a:t>ЕРИС</a:t>
-            </a:r>
-            <a:r>
-              <a:rPr lang="ru-RU" dirty="0"/>
-              <a:t>)</a:t>
-            </a:r>
-          </a:p>
-          <a:p>
-            <a:r>
-              <a:rPr lang="ru-RU" dirty="0"/>
-              <a:t> </a:t>
-            </a:r>
-          </a:p>
-          <a:p>
-            <a:r>
-              <a:rPr lang="ru-RU" b="1" dirty="0"/>
-              <a:t>В цифрах</a:t>
-            </a:r>
-            <a:endParaRPr lang="ru-RU" dirty="0"/>
-          </a:p>
-          <a:p>
-            <a:r>
-              <a:rPr lang="ru-RU" b="1" dirty="0"/>
-              <a:t>550  </a:t>
-            </a:r>
-            <a:r>
-              <a:rPr lang="ru-RU" dirty="0"/>
-              <a:t>единиц оборудования (</a:t>
-            </a:r>
-            <a:r>
-              <a:rPr lang="ru-RU" dirty="0" err="1"/>
-              <a:t>МРТ</a:t>
-            </a:r>
-            <a:r>
-              <a:rPr lang="ru-RU" dirty="0"/>
-              <a:t>/</a:t>
-            </a:r>
-            <a:r>
-              <a:rPr lang="ru-RU" dirty="0" err="1"/>
-              <a:t>ММГ</a:t>
-            </a:r>
-            <a:r>
-              <a:rPr lang="ru-RU" dirty="0"/>
-              <a:t>/КТ/</a:t>
-            </a:r>
-            <a:r>
-              <a:rPr lang="ru-RU" dirty="0" err="1"/>
-              <a:t>РГ</a:t>
-            </a:r>
-            <a:r>
-              <a:rPr lang="ru-RU" dirty="0"/>
-              <a:t>) в отделениях лучевой диагностики амбулаторных и стационарных медицинских организаций Департамента здравоохранения города Москвы.</a:t>
-            </a:r>
-          </a:p>
-          <a:p>
-            <a:r>
-              <a:rPr lang="ru-RU" b="1" dirty="0"/>
-              <a:t>365</a:t>
-            </a:r>
-            <a:r>
-              <a:rPr lang="ru-RU" dirty="0"/>
-              <a:t> врачей-рентгенологов в системе. </a:t>
-            </a:r>
-          </a:p>
-          <a:p>
-            <a:r>
-              <a:rPr lang="ru-RU" b="1" dirty="0"/>
-              <a:t>160 тысяч </a:t>
-            </a:r>
-            <a:r>
-              <a:rPr lang="ru-RU" dirty="0"/>
-              <a:t>лучевых исследований в месяц.</a:t>
-            </a:r>
-          </a:p>
-          <a:p>
-            <a:r>
-              <a:rPr lang="ru-RU" b="1" dirty="0"/>
-              <a:t>44 тысячи</a:t>
-            </a:r>
-            <a:r>
-              <a:rPr lang="ru-RU" dirty="0"/>
-              <a:t> </a:t>
-            </a:r>
-            <a:r>
-              <a:rPr lang="ru-RU" dirty="0" err="1"/>
-              <a:t>скрининговых</a:t>
-            </a:r>
-            <a:r>
-              <a:rPr lang="ru-RU" dirty="0"/>
-              <a:t> исследований с целью выявления рака молочной железы и рака легкого в год.</a:t>
-            </a:r>
-          </a:p>
-          <a:p>
-            <a:r>
-              <a:rPr lang="ru-RU" dirty="0"/>
-              <a:t> </a:t>
-            </a:r>
-          </a:p>
-          <a:p>
-            <a:r>
-              <a:rPr lang="ru-RU" b="1" dirty="0"/>
-              <a:t>Области применения:</a:t>
-            </a:r>
-            <a:endParaRPr lang="ru-RU" dirty="0"/>
-          </a:p>
-          <a:p>
-            <a:r>
-              <a:rPr lang="ru-RU" dirty="0"/>
-              <a:t>онкология;</a:t>
-            </a:r>
-          </a:p>
-          <a:p>
-            <a:r>
-              <a:rPr lang="ru-RU" dirty="0"/>
-              <a:t>кардиология;</a:t>
-            </a:r>
-          </a:p>
-          <a:p>
-            <a:r>
-              <a:rPr lang="ru-RU" dirty="0"/>
-              <a:t>хронические заболевания;</a:t>
-            </a:r>
-          </a:p>
-          <a:p>
-            <a:r>
-              <a:rPr lang="ru-RU" dirty="0"/>
-              <a:t>пульмонология;</a:t>
-            </a:r>
-          </a:p>
-          <a:p>
-            <a:r>
-              <a:rPr lang="ru-RU" dirty="0"/>
-              <a:t>неврология;</a:t>
-            </a:r>
-          </a:p>
-          <a:p>
-            <a:r>
-              <a:rPr lang="ru-RU" dirty="0"/>
-              <a:t>неотложные состояния.</a:t>
-            </a:r>
-          </a:p>
-          <a:p>
-            <a:r>
-              <a:rPr lang="ru-RU" dirty="0"/>
-              <a:t> </a:t>
-            </a:r>
-          </a:p>
-          <a:p>
-            <a:r>
-              <a:rPr lang="ru-RU" dirty="0"/>
-              <a:t>Результаты эксперимента станут основой для национальных стандартов, регламентирующих применение искусственного интеллекта в клинической медицине. Разработка документов ведется в Подкомитете 01 технического комитета по стандартизации «Искусственный интеллект» (</a:t>
-            </a:r>
-            <a:r>
-              <a:rPr lang="ru-RU" dirty="0" err="1"/>
-              <a:t>ТК</a:t>
-            </a:r>
-            <a:r>
-              <a:rPr lang="ru-RU" dirty="0"/>
-              <a:t> 164). </a:t>
-            </a:r>
-            <a:br>
-              <a:rPr lang="ru-RU" dirty="0"/>
-            </a:br>
-            <a:r>
-              <a:rPr lang="ru-RU" u="sng" dirty="0">
-                <a:hlinkClick r:id="rId2"/>
-              </a:rPr>
-              <a:t>Подробнее о деятельности ПК 01</a:t>
-            </a:r>
-            <a:endParaRPr lang="ru-RU" dirty="0"/>
-          </a:p>
+          <a:bodyPr/>
+          <a:lstStyle/>
           <a:p>
             <a:endParaRPr lang="ru-RU" dirty="0"/>
           </a:p>
@@ -4710,6 +4539,379 @@
 </file>
 
 <file path=ppt/slides/slide25.xml><?xml version="1.0" encoding="utf-8"?>
+<p:sld xmlns:a="http://schemas.openxmlformats.org/drawingml/2006/main" xmlns:r="http://schemas.openxmlformats.org/officeDocument/2006/relationships" xmlns:p="http://schemas.openxmlformats.org/presentationml/2006/main">
+  <p:cSld>
+    <p:spTree>
+      <p:nvGrpSpPr>
+        <p:cNvPr id="1" name=""/>
+        <p:cNvGrpSpPr/>
+        <p:nvPr/>
+      </p:nvGrpSpPr>
+      <p:grpSpPr>
+        <a:xfrm>
+          <a:off x="0" y="0"/>
+          <a:ext cx="0" cy="0"/>
+          <a:chOff x="0" y="0"/>
+          <a:chExt cx="0" cy="0"/>
+        </a:xfrm>
+      </p:grpSpPr>
+      <p:sp>
+        <p:nvSpPr>
+          <p:cNvPr id="2" name="Заголовок 1"/>
+          <p:cNvSpPr>
+            <a:spLocks noGrp="1"/>
+          </p:cNvSpPr>
+          <p:nvPr>
+            <p:ph type="title"/>
+          </p:nvPr>
+        </p:nvSpPr>
+        <p:spPr/>
+        <p:txBody>
+          <a:bodyPr/>
+          <a:lstStyle/>
+          <a:p>
+            <a:r>
+              <a:rPr lang="ru-RU" dirty="0" smtClean="0"/>
+              <a:t>Сравнение </a:t>
+            </a:r>
+            <a:r>
+              <a:rPr lang="en-US" dirty="0" err="1" smtClean="0"/>
+              <a:t>colab</a:t>
+            </a:r>
+            <a:r>
+              <a:rPr lang="en-US" dirty="0" smtClean="0"/>
+              <a:t> </a:t>
+            </a:r>
+            <a:r>
+              <a:rPr lang="ru-RU" dirty="0" smtClean="0"/>
+              <a:t>и </a:t>
+            </a:r>
+            <a:r>
+              <a:rPr lang="en-US" dirty="0" err="1" smtClean="0"/>
+              <a:t>yandex</a:t>
+            </a:r>
+            <a:endParaRPr lang="ru-RU" dirty="0"/>
+          </a:p>
+        </p:txBody>
+      </p:sp>
+      <p:sp>
+        <p:nvSpPr>
+          <p:cNvPr id="3" name="Содержимое 2"/>
+          <p:cNvSpPr>
+            <a:spLocks noGrp="1"/>
+          </p:cNvSpPr>
+          <p:nvPr>
+            <p:ph idx="1"/>
+          </p:nvPr>
+        </p:nvSpPr>
+        <p:spPr/>
+        <p:txBody>
+          <a:bodyPr/>
+          <a:lstStyle/>
+          <a:p>
+            <a:r>
+              <a:rPr lang="ru-RU" dirty="0" smtClean="0"/>
+              <a:t>Техническое описание какие карты используются и </a:t>
+            </a:r>
+            <a:r>
+              <a:rPr lang="ru-RU" dirty="0" err="1" smtClean="0"/>
+              <a:t>проч</a:t>
+            </a:r>
+            <a:endParaRPr lang="ru-RU" dirty="0"/>
+          </a:p>
+        </p:txBody>
+      </p:sp>
+    </p:spTree>
+  </p:cSld>
+  <p:clrMapOvr>
+    <a:masterClrMapping/>
+  </p:clrMapOvr>
+</p:sld>
+</file>
+
+<file path=ppt/slides/slide26.xml><?xml version="1.0" encoding="utf-8"?>
+<p:sld xmlns:a="http://schemas.openxmlformats.org/drawingml/2006/main" xmlns:r="http://schemas.openxmlformats.org/officeDocument/2006/relationships" xmlns:p="http://schemas.openxmlformats.org/presentationml/2006/main">
+  <p:cSld>
+    <p:spTree>
+      <p:nvGrpSpPr>
+        <p:cNvPr id="1" name=""/>
+        <p:cNvGrpSpPr/>
+        <p:nvPr/>
+      </p:nvGrpSpPr>
+      <p:grpSpPr>
+        <a:xfrm>
+          <a:off x="0" y="0"/>
+          <a:ext cx="0" cy="0"/>
+          <a:chOff x="0" y="0"/>
+          <a:chExt cx="0" cy="0"/>
+        </a:xfrm>
+      </p:grpSpPr>
+      <p:sp>
+        <p:nvSpPr>
+          <p:cNvPr id="2" name="Заголовок 1"/>
+          <p:cNvSpPr>
+            <a:spLocks noGrp="1"/>
+          </p:cNvSpPr>
+          <p:nvPr>
+            <p:ph type="title"/>
+          </p:nvPr>
+        </p:nvSpPr>
+        <p:spPr/>
+        <p:txBody>
+          <a:bodyPr>
+            <a:noAutofit/>
+          </a:bodyPr>
+          <a:lstStyle/>
+          <a:p>
+            <a:r>
+              <a:rPr lang="ru-RU" sz="1800" b="1" dirty="0" smtClean="0"/>
+              <a:t>Эксперимент</a:t>
+            </a:r>
+            <a:br>
+              <a:rPr lang="ru-RU" sz="1800" b="1" dirty="0" smtClean="0"/>
+            </a:br>
+            <a:r>
+              <a:rPr lang="ru-RU" sz="1800" dirty="0" smtClean="0"/>
+              <a:t>по использованию инновационных технологий в области компьютерного зрения для анализа медицинских изображений и дальнейшего применения в системе здравоохранения города Москвы.</a:t>
+            </a:r>
+            <a:endParaRPr lang="ru-RU" sz="1800" dirty="0"/>
+          </a:p>
+        </p:txBody>
+      </p:sp>
+      <p:sp>
+        <p:nvSpPr>
+          <p:cNvPr id="3" name="Содержимое 2"/>
+          <p:cNvSpPr>
+            <a:spLocks noGrp="1"/>
+          </p:cNvSpPr>
+          <p:nvPr>
+            <p:ph idx="1"/>
+          </p:nvPr>
+        </p:nvSpPr>
+        <p:spPr/>
+        <p:txBody>
+          <a:bodyPr>
+            <a:normAutofit fontScale="32500" lnSpcReduction="20000"/>
+          </a:bodyPr>
+          <a:lstStyle/>
+          <a:p>
+            <a:r>
+              <a:rPr lang="ru-RU" b="1" dirty="0"/>
+              <a:t>Цель</a:t>
+            </a:r>
+            <a:endParaRPr lang="ru-RU" dirty="0"/>
+          </a:p>
+          <a:p>
+            <a:r>
+              <a:rPr lang="ru-RU" dirty="0"/>
+              <a:t>Научное исследование возможности использования в системе здравоохранения города Москвы методов поддержки принятия решений на основе результатов анализа данных с применением передовых инновационных технологий.</a:t>
+            </a:r>
+          </a:p>
+          <a:p>
+            <a:r>
+              <a:rPr lang="ru-RU" dirty="0"/>
+              <a:t> </a:t>
+            </a:r>
+          </a:p>
+          <a:p>
+            <a:r>
+              <a:rPr lang="ru-RU" b="1" dirty="0"/>
+              <a:t>Платформа</a:t>
+            </a:r>
+            <a:endParaRPr lang="ru-RU" dirty="0"/>
+          </a:p>
+          <a:p>
+            <a:r>
+              <a:rPr lang="ru-RU" dirty="0"/>
+              <a:t>Единый радиологический информационный сервис (</a:t>
+            </a:r>
+            <a:r>
+              <a:rPr lang="ru-RU" dirty="0" err="1"/>
+              <a:t>ЕРИС</a:t>
+            </a:r>
+            <a:r>
+              <a:rPr lang="ru-RU" dirty="0"/>
+              <a:t>)</a:t>
+            </a:r>
+          </a:p>
+          <a:p>
+            <a:r>
+              <a:rPr lang="ru-RU" dirty="0"/>
+              <a:t> </a:t>
+            </a:r>
+          </a:p>
+          <a:p>
+            <a:r>
+              <a:rPr lang="ru-RU" b="1" dirty="0"/>
+              <a:t>В цифрах</a:t>
+            </a:r>
+            <a:endParaRPr lang="ru-RU" dirty="0"/>
+          </a:p>
+          <a:p>
+            <a:r>
+              <a:rPr lang="ru-RU" b="1" dirty="0"/>
+              <a:t>550  </a:t>
+            </a:r>
+            <a:r>
+              <a:rPr lang="ru-RU" dirty="0"/>
+              <a:t>единиц оборудования (</a:t>
+            </a:r>
+            <a:r>
+              <a:rPr lang="ru-RU" dirty="0" err="1"/>
+              <a:t>МРТ</a:t>
+            </a:r>
+            <a:r>
+              <a:rPr lang="ru-RU" dirty="0"/>
+              <a:t>/</a:t>
+            </a:r>
+            <a:r>
+              <a:rPr lang="ru-RU" dirty="0" err="1"/>
+              <a:t>ММГ</a:t>
+            </a:r>
+            <a:r>
+              <a:rPr lang="ru-RU" dirty="0"/>
+              <a:t>/КТ/</a:t>
+            </a:r>
+            <a:r>
+              <a:rPr lang="ru-RU" dirty="0" err="1"/>
+              <a:t>РГ</a:t>
+            </a:r>
+            <a:r>
+              <a:rPr lang="ru-RU" dirty="0"/>
+              <a:t>) в отделениях лучевой диагностики амбулаторных и стационарных медицинских организаций Департамента здравоохранения города Москвы.</a:t>
+            </a:r>
+          </a:p>
+          <a:p>
+            <a:r>
+              <a:rPr lang="ru-RU" b="1" dirty="0"/>
+              <a:t>365</a:t>
+            </a:r>
+            <a:r>
+              <a:rPr lang="ru-RU" dirty="0"/>
+              <a:t> врачей-рентгенологов в системе. </a:t>
+            </a:r>
+          </a:p>
+          <a:p>
+            <a:r>
+              <a:rPr lang="ru-RU" b="1" dirty="0"/>
+              <a:t>160 тысяч </a:t>
+            </a:r>
+            <a:r>
+              <a:rPr lang="ru-RU" dirty="0"/>
+              <a:t>лучевых исследований в месяц.</a:t>
+            </a:r>
+          </a:p>
+          <a:p>
+            <a:r>
+              <a:rPr lang="ru-RU" b="1" dirty="0"/>
+              <a:t>44 тысячи</a:t>
+            </a:r>
+            <a:r>
+              <a:rPr lang="ru-RU" dirty="0"/>
+              <a:t> </a:t>
+            </a:r>
+            <a:r>
+              <a:rPr lang="ru-RU" dirty="0" err="1"/>
+              <a:t>скрининговых</a:t>
+            </a:r>
+            <a:r>
+              <a:rPr lang="ru-RU" dirty="0"/>
+              <a:t> исследований с целью выявления рака молочной железы и рака легкого в год.</a:t>
+            </a:r>
+          </a:p>
+          <a:p>
+            <a:r>
+              <a:rPr lang="ru-RU" dirty="0"/>
+              <a:t> </a:t>
+            </a:r>
+          </a:p>
+          <a:p>
+            <a:r>
+              <a:rPr lang="ru-RU" b="1" dirty="0"/>
+              <a:t>Области применения:</a:t>
+            </a:r>
+            <a:endParaRPr lang="ru-RU" dirty="0"/>
+          </a:p>
+          <a:p>
+            <a:r>
+              <a:rPr lang="ru-RU" dirty="0"/>
+              <a:t>онкология;</a:t>
+            </a:r>
+          </a:p>
+          <a:p>
+            <a:r>
+              <a:rPr lang="ru-RU" dirty="0"/>
+              <a:t>кардиология;</a:t>
+            </a:r>
+          </a:p>
+          <a:p>
+            <a:r>
+              <a:rPr lang="ru-RU" dirty="0"/>
+              <a:t>хронические заболевания;</a:t>
+            </a:r>
+          </a:p>
+          <a:p>
+            <a:r>
+              <a:rPr lang="ru-RU" dirty="0"/>
+              <a:t>пульмонология;</a:t>
+            </a:r>
+          </a:p>
+          <a:p>
+            <a:r>
+              <a:rPr lang="ru-RU" dirty="0"/>
+              <a:t>неврология;</a:t>
+            </a:r>
+          </a:p>
+          <a:p>
+            <a:r>
+              <a:rPr lang="ru-RU" dirty="0"/>
+              <a:t>неотложные состояния.</a:t>
+            </a:r>
+          </a:p>
+          <a:p>
+            <a:r>
+              <a:rPr lang="ru-RU" dirty="0"/>
+              <a:t> </a:t>
+            </a:r>
+          </a:p>
+          <a:p>
+            <a:r>
+              <a:rPr lang="ru-RU" dirty="0"/>
+              <a:t>Результаты эксперимента станут основой для национальных стандартов, регламентирующих применение искусственного интеллекта в клинической медицине. Разработка документов ведется в Подкомитете 01 технического комитета по стандартизации «Искусственный интеллект» (</a:t>
+            </a:r>
+            <a:r>
+              <a:rPr lang="ru-RU" dirty="0" err="1"/>
+              <a:t>ТК</a:t>
+            </a:r>
+            <a:r>
+              <a:rPr lang="ru-RU" dirty="0"/>
+              <a:t> 164). </a:t>
+            </a:r>
+            <a:br>
+              <a:rPr lang="ru-RU" dirty="0"/>
+            </a:br>
+            <a:r>
+              <a:rPr lang="ru-RU" u="sng" dirty="0">
+                <a:hlinkClick r:id="rId2"/>
+              </a:rPr>
+              <a:t>Подробнее о деятельности ПК 01</a:t>
+            </a:r>
+            <a:endParaRPr lang="ru-RU" dirty="0"/>
+          </a:p>
+          <a:p>
+            <a:endParaRPr lang="ru-RU" dirty="0"/>
+          </a:p>
+        </p:txBody>
+      </p:sp>
+    </p:spTree>
+  </p:cSld>
+  <p:clrMapOvr>
+    <a:masterClrMapping/>
+  </p:clrMapOvr>
+</p:sld>
+</file>
+
+<file path=ppt/slides/slide27.xml><?xml version="1.0" encoding="utf-8"?>
 <p:sld xmlns:a="http://schemas.openxmlformats.org/drawingml/2006/main" xmlns:r="http://schemas.openxmlformats.org/officeDocument/2006/relationships" xmlns:p="http://schemas.openxmlformats.org/presentationml/2006/main">
   <p:cSld>
     <p:spTree>
@@ -4796,560 +4998,6 @@
 </p:sld>
 </file>
 
-<file path=ppt/slides/slide26.xml><?xml version="1.0" encoding="utf-8"?>
-<p:sld xmlns:a="http://schemas.openxmlformats.org/drawingml/2006/main" xmlns:r="http://schemas.openxmlformats.org/officeDocument/2006/relationships" xmlns:p="http://schemas.openxmlformats.org/presentationml/2006/main">
-  <p:cSld>
-    <p:spTree>
-      <p:nvGrpSpPr>
-        <p:cNvPr id="1" name=""/>
-        <p:cNvGrpSpPr/>
-        <p:nvPr/>
-      </p:nvGrpSpPr>
-      <p:grpSpPr>
-        <a:xfrm>
-          <a:off x="0" y="0"/>
-          <a:ext cx="0" cy="0"/>
-          <a:chOff x="0" y="0"/>
-          <a:chExt cx="0" cy="0"/>
-        </a:xfrm>
-      </p:grpSpPr>
-      <p:sp>
-        <p:nvSpPr>
-          <p:cNvPr id="2" name="Заголовок 1"/>
-          <p:cNvSpPr>
-            <a:spLocks noGrp="1"/>
-          </p:cNvSpPr>
-          <p:nvPr>
-            <p:ph type="title"/>
-          </p:nvPr>
-        </p:nvSpPr>
-        <p:spPr/>
-        <p:txBody>
-          <a:bodyPr>
-            <a:normAutofit/>
-          </a:bodyPr>
-          <a:lstStyle/>
-          <a:p>
-            <a:r>
-              <a:rPr lang="ru-RU" dirty="0" smtClean="0">
-                <a:hlinkClick r:id="rId2"/>
-              </a:rPr>
-              <a:t>Клинические параметры</a:t>
-            </a:r>
-            <a:endParaRPr lang="ru-RU" dirty="0"/>
-          </a:p>
-        </p:txBody>
-      </p:sp>
-      <p:sp>
-        <p:nvSpPr>
-          <p:cNvPr id="3" name="Содержимое 2"/>
-          <p:cNvSpPr>
-            <a:spLocks noGrp="1"/>
-          </p:cNvSpPr>
-          <p:nvPr>
-            <p:ph idx="1"/>
-          </p:nvPr>
-        </p:nvSpPr>
-        <p:spPr/>
-        <p:txBody>
-          <a:bodyPr>
-            <a:normAutofit fontScale="47500" lnSpcReduction="20000"/>
-          </a:bodyPr>
-          <a:lstStyle/>
-          <a:p>
-            <a:r>
-              <a:rPr lang="ru-RU" b="1" dirty="0" smtClean="0"/>
-              <a:t>Целевые нозологии</a:t>
-            </a:r>
-          </a:p>
-          <a:p>
-            <a:pPr>
-              <a:buNone/>
-            </a:pPr>
-            <a:r>
-              <a:rPr lang="ru-RU" b="1" dirty="0"/>
-              <a:t>	</a:t>
-            </a:r>
-            <a:r>
-              <a:rPr lang="ru-RU" b="1" dirty="0" smtClean="0"/>
-              <a:t>Целевые </a:t>
-            </a:r>
-            <a:r>
-              <a:rPr lang="ru-RU" b="1" dirty="0" err="1"/>
-              <a:t>патологии\признаки</a:t>
-            </a:r>
-            <a:r>
-              <a:rPr lang="ru-RU" b="1" dirty="0"/>
-              <a:t>:</a:t>
-            </a:r>
-            <a:r>
-              <a:rPr lang="ru-RU" dirty="0"/>
-              <a:t> </a:t>
-            </a:r>
-            <a:r>
-              <a:rPr lang="ru-RU" dirty="0" err="1" smtClean="0"/>
-              <a:t>COVID-19</a:t>
-            </a:r>
-            <a:endParaRPr lang="ru-RU" dirty="0" smtClean="0"/>
-          </a:p>
-          <a:p>
-            <a:pPr>
-              <a:buNone/>
-            </a:pPr>
-            <a:r>
-              <a:rPr lang="ru-RU" b="1" dirty="0"/>
-              <a:t>	</a:t>
-            </a:r>
-            <a:r>
-              <a:rPr lang="ru-RU" b="1" dirty="0" smtClean="0"/>
-              <a:t>Код </a:t>
-            </a:r>
-            <a:r>
-              <a:rPr lang="ru-RU" b="1" dirty="0" err="1"/>
-              <a:t>МКБ-10</a:t>
-            </a:r>
-            <a:r>
-              <a:rPr lang="ru-RU" b="1" dirty="0"/>
-              <a:t> целевой патологии:</a:t>
-            </a:r>
-            <a:r>
-              <a:rPr lang="ru-RU" dirty="0"/>
-              <a:t> </a:t>
-            </a:r>
-            <a:r>
-              <a:rPr lang="ru-RU" dirty="0" err="1" smtClean="0"/>
-              <a:t>U07.1</a:t>
-            </a:r>
-            <a:endParaRPr lang="ru-RU" dirty="0" smtClean="0"/>
-          </a:p>
-          <a:p>
-            <a:r>
-              <a:rPr lang="ru-RU" b="1" dirty="0" smtClean="0"/>
-              <a:t>Параметры популяции</a:t>
-            </a:r>
-          </a:p>
-          <a:p>
-            <a:pPr>
-              <a:buNone/>
-            </a:pPr>
-            <a:r>
-              <a:rPr lang="ru-RU" b="1" dirty="0"/>
-              <a:t>	</a:t>
-            </a:r>
-            <a:r>
-              <a:rPr lang="ru-RU" b="1" dirty="0" smtClean="0"/>
-              <a:t>Критерии </a:t>
-            </a:r>
-            <a:r>
-              <a:rPr lang="ru-RU" b="1" dirty="0"/>
-              <a:t>включения/</a:t>
-            </a:r>
-            <a:r>
-              <a:rPr lang="ru-RU" b="1" dirty="0" err="1"/>
-              <a:t>невключения</a:t>
-            </a:r>
-            <a:r>
-              <a:rPr lang="ru-RU" b="1" dirty="0"/>
-              <a:t> пациента</a:t>
-            </a:r>
-            <a:r>
-              <a:rPr lang="ru-RU" b="1" dirty="0" smtClean="0"/>
-              <a:t>:</a:t>
-            </a:r>
-          </a:p>
-          <a:p>
-            <a:pPr>
-              <a:buNone/>
-            </a:pPr>
-            <a:r>
-              <a:rPr lang="ru-RU" b="1" dirty="0"/>
-              <a:t>	</a:t>
-            </a:r>
-            <a:r>
-              <a:rPr lang="ru-RU" dirty="0" smtClean="0"/>
-              <a:t>Критерии </a:t>
-            </a:r>
-            <a:r>
-              <a:rPr lang="ru-RU" dirty="0"/>
-              <a:t>включения пациента: Возраст ≥18 лет</a:t>
-            </a:r>
-            <a:br>
-              <a:rPr lang="ru-RU" dirty="0"/>
-            </a:br>
-            <a:r>
-              <a:rPr lang="ru-RU" dirty="0"/>
-              <a:t>Критерии </a:t>
-            </a:r>
-            <a:r>
-              <a:rPr lang="ru-RU" dirty="0" err="1"/>
-              <a:t>невключения</a:t>
-            </a:r>
-            <a:r>
-              <a:rPr lang="ru-RU" dirty="0"/>
-              <a:t> пациента: Наличие оперативных вмешательств, лучевой терапии в анамнезе для лечения заболеваний в области грудной клетки</a:t>
-            </a:r>
-          </a:p>
-          <a:p>
-            <a:pPr>
-              <a:buNone/>
-            </a:pPr>
-            <a:r>
-              <a:rPr lang="ru-RU" dirty="0" smtClean="0"/>
-              <a:t>	Возраст </a:t>
-            </a:r>
-            <a:r>
-              <a:rPr lang="ru-RU" dirty="0"/>
-              <a:t>(мин., лет): </a:t>
-            </a:r>
-            <a:r>
-              <a:rPr lang="ru-RU" dirty="0" smtClean="0"/>
-              <a:t>18</a:t>
-            </a:r>
-          </a:p>
-          <a:p>
-            <a:pPr>
-              <a:buNone/>
-            </a:pPr>
-            <a:r>
-              <a:rPr lang="ru-RU" dirty="0"/>
-              <a:t>	</a:t>
-            </a:r>
-            <a:r>
-              <a:rPr lang="ru-RU" dirty="0" smtClean="0"/>
-              <a:t>Возраст </a:t>
-            </a:r>
-            <a:r>
-              <a:rPr lang="ru-RU" dirty="0"/>
-              <a:t>(макс., лет): </a:t>
-            </a:r>
-            <a:r>
-              <a:rPr lang="ru-RU" dirty="0" smtClean="0"/>
-              <a:t>97</a:t>
-            </a:r>
-          </a:p>
-          <a:p>
-            <a:pPr>
-              <a:buNone/>
-            </a:pPr>
-            <a:r>
-              <a:rPr lang="ru-RU" dirty="0"/>
-              <a:t>	</a:t>
-            </a:r>
-            <a:r>
-              <a:rPr lang="ru-RU" dirty="0" smtClean="0"/>
-              <a:t>Возраст </a:t>
-            </a:r>
-            <a:r>
-              <a:rPr lang="ru-RU" dirty="0"/>
-              <a:t>(медиана, лет): </a:t>
-            </a:r>
-            <a:r>
-              <a:rPr lang="ru-RU" dirty="0" smtClean="0"/>
-              <a:t>47,0</a:t>
-            </a:r>
-          </a:p>
-          <a:p>
-            <a:pPr>
-              <a:buNone/>
-            </a:pPr>
-            <a:r>
-              <a:rPr lang="ru-RU" dirty="0"/>
-              <a:t>	</a:t>
-            </a:r>
-            <a:r>
-              <a:rPr lang="ru-RU" dirty="0" smtClean="0"/>
-              <a:t>Пол </a:t>
-            </a:r>
-            <a:r>
-              <a:rPr lang="ru-RU" dirty="0"/>
-              <a:t>(М): </a:t>
-            </a:r>
-            <a:r>
-              <a:rPr lang="ru-RU" dirty="0" smtClean="0"/>
-              <a:t>42</a:t>
-            </a:r>
-          </a:p>
-          <a:p>
-            <a:pPr>
-              <a:buNone/>
-            </a:pPr>
-            <a:r>
-              <a:rPr lang="ru-RU" dirty="0"/>
-              <a:t>	</a:t>
-            </a:r>
-            <a:r>
-              <a:rPr lang="ru-RU" dirty="0" smtClean="0"/>
-              <a:t>Пол </a:t>
-            </a:r>
-            <a:r>
-              <a:rPr lang="ru-RU" dirty="0"/>
-              <a:t>(Ж): </a:t>
-            </a:r>
-            <a:r>
-              <a:rPr lang="ru-RU" dirty="0" smtClean="0"/>
-              <a:t>56</a:t>
-            </a:r>
-          </a:p>
-          <a:p>
-            <a:pPr>
-              <a:buNone/>
-            </a:pPr>
-            <a:r>
-              <a:rPr lang="ru-RU" dirty="0"/>
-              <a:t>	</a:t>
-            </a:r>
-            <a:r>
-              <a:rPr lang="ru-RU" dirty="0" smtClean="0"/>
-              <a:t>Пол </a:t>
-            </a:r>
-            <a:r>
-              <a:rPr lang="ru-RU" dirty="0"/>
-              <a:t>(</a:t>
-            </a:r>
-            <a:r>
-              <a:rPr lang="ru-RU" dirty="0" err="1"/>
-              <a:t>неопределено</a:t>
-            </a:r>
-            <a:r>
-              <a:rPr lang="ru-RU" dirty="0"/>
-              <a:t>): </a:t>
-            </a:r>
-            <a:r>
-              <a:rPr lang="ru-RU" dirty="0" smtClean="0"/>
-              <a:t>2</a:t>
-            </a:r>
-          </a:p>
-          <a:p>
-            <a:pPr>
-              <a:buNone/>
-            </a:pPr>
-            <a:r>
-              <a:rPr lang="ru-RU" dirty="0"/>
-              <a:t>	</a:t>
-            </a:r>
-            <a:r>
-              <a:rPr lang="ru-RU" dirty="0" smtClean="0"/>
-              <a:t>Период </a:t>
-            </a:r>
-            <a:r>
-              <a:rPr lang="ru-RU" dirty="0"/>
-              <a:t>сбора (начало): </a:t>
-            </a:r>
-            <a:r>
-              <a:rPr lang="ru-RU" dirty="0" smtClean="0"/>
-              <a:t>01.03.2020</a:t>
-            </a:r>
-          </a:p>
-          <a:p>
-            <a:pPr>
-              <a:buNone/>
-            </a:pPr>
-            <a:r>
-              <a:rPr lang="ru-RU" dirty="0"/>
-              <a:t>	</a:t>
-            </a:r>
-            <a:r>
-              <a:rPr lang="ru-RU" dirty="0" smtClean="0"/>
-              <a:t>Период </a:t>
-            </a:r>
-            <a:r>
-              <a:rPr lang="ru-RU" dirty="0"/>
-              <a:t>сбора (конец): </a:t>
-            </a:r>
-            <a:r>
-              <a:rPr lang="ru-RU" dirty="0" smtClean="0"/>
-              <a:t>25.04.2020</a:t>
-            </a:r>
-          </a:p>
-          <a:p>
-            <a:pPr>
-              <a:buNone/>
-            </a:pPr>
-            <a:r>
-              <a:rPr lang="ru-RU" dirty="0"/>
-              <a:t>	</a:t>
-            </a:r>
-            <a:r>
-              <a:rPr lang="ru-RU" dirty="0" smtClean="0"/>
-              <a:t>Эпидемиологическая </a:t>
-            </a:r>
-            <a:r>
-              <a:rPr lang="ru-RU" dirty="0"/>
-              <a:t>обстановка: В условиях пандемии </a:t>
-            </a:r>
-            <a:r>
-              <a:rPr lang="ru-RU" dirty="0" err="1"/>
-              <a:t>коронавирусной</a:t>
-            </a:r>
-            <a:r>
-              <a:rPr lang="ru-RU" dirty="0"/>
-              <a:t> инфекции (</a:t>
-            </a:r>
-            <a:r>
-              <a:rPr lang="ru-RU" dirty="0" err="1"/>
-              <a:t>COVID-19</a:t>
-            </a:r>
-            <a:r>
-              <a:rPr lang="ru-RU" dirty="0"/>
-              <a:t>)</a:t>
-            </a:r>
-          </a:p>
-        </p:txBody>
-      </p:sp>
-    </p:spTree>
-  </p:cSld>
-  <p:clrMapOvr>
-    <a:masterClrMapping/>
-  </p:clrMapOvr>
-</p:sld>
-</file>
-
-<file path=ppt/slides/slide27.xml><?xml version="1.0" encoding="utf-8"?>
-<p:sld xmlns:a="http://schemas.openxmlformats.org/drawingml/2006/main" xmlns:r="http://schemas.openxmlformats.org/officeDocument/2006/relationships" xmlns:p="http://schemas.openxmlformats.org/presentationml/2006/main">
-  <p:cSld>
-    <p:spTree>
-      <p:nvGrpSpPr>
-        <p:cNvPr id="1" name=""/>
-        <p:cNvGrpSpPr/>
-        <p:nvPr/>
-      </p:nvGrpSpPr>
-      <p:grpSpPr>
-        <a:xfrm>
-          <a:off x="0" y="0"/>
-          <a:ext cx="0" cy="0"/>
-          <a:chOff x="0" y="0"/>
-          <a:chExt cx="0" cy="0"/>
-        </a:xfrm>
-      </p:grpSpPr>
-      <p:sp>
-        <p:nvSpPr>
-          <p:cNvPr id="2" name="Заголовок 1"/>
-          <p:cNvSpPr>
-            <a:spLocks noGrp="1"/>
-          </p:cNvSpPr>
-          <p:nvPr>
-            <p:ph type="title"/>
-          </p:nvPr>
-        </p:nvSpPr>
-        <p:spPr/>
-        <p:txBody>
-          <a:bodyPr>
-            <a:normAutofit/>
-          </a:bodyPr>
-          <a:lstStyle/>
-          <a:p>
-            <a:r>
-              <a:rPr lang="ru-RU" dirty="0" smtClean="0">
-                <a:hlinkClick r:id="rId2"/>
-              </a:rPr>
-              <a:t>Назначение</a:t>
-            </a:r>
-            <a:endParaRPr lang="ru-RU" dirty="0"/>
-          </a:p>
-        </p:txBody>
-      </p:sp>
-      <p:sp>
-        <p:nvSpPr>
-          <p:cNvPr id="3" name="Содержимое 2"/>
-          <p:cNvSpPr>
-            <a:spLocks noGrp="1"/>
-          </p:cNvSpPr>
-          <p:nvPr>
-            <p:ph idx="1"/>
-          </p:nvPr>
-        </p:nvSpPr>
-        <p:spPr/>
-        <p:txBody>
-          <a:bodyPr>
-            <a:normAutofit/>
-          </a:bodyPr>
-          <a:lstStyle/>
-          <a:p>
-            <a:r>
-              <a:rPr lang="ru-RU" b="1" dirty="0" smtClean="0"/>
-              <a:t>Клиническая/практическая/научная </a:t>
-            </a:r>
-            <a:r>
-              <a:rPr lang="ru-RU" b="1" dirty="0"/>
-              <a:t>задача создания набора данных:</a:t>
-            </a:r>
-            <a:r>
-              <a:rPr lang="ru-RU" dirty="0"/>
-              <a:t> Определение степени поражения паренхимы легкого при </a:t>
-            </a:r>
-            <a:r>
-              <a:rPr lang="ru-RU" dirty="0" err="1" smtClean="0"/>
-              <a:t>COVID-19</a:t>
-            </a:r>
-            <a:endParaRPr lang="ru-RU" dirty="0" smtClean="0"/>
-          </a:p>
-          <a:p>
-            <a:r>
-              <a:rPr lang="ru-RU" b="1" dirty="0" smtClean="0"/>
-              <a:t>Назначение </a:t>
-            </a:r>
-            <a:r>
-              <a:rPr lang="ru-RU" b="1" dirty="0" err="1"/>
-              <a:t>датасета</a:t>
-            </a:r>
-            <a:r>
-              <a:rPr lang="ru-RU" b="1" dirty="0"/>
-              <a:t>:</a:t>
-            </a:r>
-            <a:r>
-              <a:rPr lang="ru-RU" dirty="0"/>
-              <a:t> Обучение ИИ </a:t>
-            </a:r>
-            <a:r>
-              <a:rPr lang="ru-RU" dirty="0" smtClean="0"/>
-              <a:t>алгоритма</a:t>
-            </a:r>
-          </a:p>
-          <a:p>
-            <a:r>
-              <a:rPr lang="ru-RU" b="1" dirty="0" smtClean="0"/>
-              <a:t>Вариант</a:t>
-            </a:r>
-            <a:r>
-              <a:rPr lang="ru-RU" b="1" dirty="0"/>
-              <a:t>:</a:t>
-            </a:r>
-            <a:r>
-              <a:rPr lang="ru-RU" dirty="0"/>
-              <a:t> </a:t>
-            </a:r>
-            <a:r>
-              <a:rPr lang="ru-RU" dirty="0" err="1"/>
-              <a:t>SC</a:t>
-            </a:r>
-            <a:r>
-              <a:rPr lang="ru-RU" dirty="0"/>
-              <a:t> - </a:t>
-            </a:r>
-            <a:r>
-              <a:rPr lang="ru-RU" dirty="0" err="1"/>
-              <a:t>special</a:t>
-            </a:r>
-            <a:r>
-              <a:rPr lang="ru-RU" dirty="0"/>
-              <a:t> </a:t>
-            </a:r>
-            <a:r>
-              <a:rPr lang="ru-RU" dirty="0" err="1"/>
-              <a:t>case</a:t>
-            </a:r>
-            <a:endParaRPr lang="ru-RU" dirty="0"/>
-          </a:p>
-        </p:txBody>
-      </p:sp>
-    </p:spTree>
-  </p:cSld>
-  <p:clrMapOvr>
-    <a:masterClrMapping/>
-  </p:clrMapOvr>
-</p:sld>
-</file>
-
 <file path=ppt/slides/slide28.xml><?xml version="1.0" encoding="utf-8"?>
 <p:sld xmlns:a="http://schemas.openxmlformats.org/drawingml/2006/main" xmlns:r="http://schemas.openxmlformats.org/officeDocument/2006/relationships" xmlns:p="http://schemas.openxmlformats.org/presentationml/2006/main">
   <p:cSld>
@@ -5388,7 +5036,7 @@
               <a:rPr lang="ru-RU" dirty="0" smtClean="0">
                 <a:hlinkClick r:id="rId2"/>
               </a:rPr>
-              <a:t>Разметка и верификация</a:t>
+              <a:t>Клинические параметры</a:t>
             </a:r>
             <a:endParaRPr lang="ru-RU" dirty="0"/>
           </a:p>
@@ -5407,39 +5055,30 @@
         <p:spPr/>
         <p:txBody>
           <a:bodyPr>
-            <a:normAutofit fontScale="40000" lnSpcReduction="20000"/>
+            <a:normAutofit fontScale="47500" lnSpcReduction="20000"/>
           </a:bodyPr>
           <a:lstStyle/>
           <a:p>
             <a:r>
-              <a:rPr lang="ru-RU" b="1" dirty="0" err="1" smtClean="0"/>
-              <a:t>РазметкаУровень</a:t>
-            </a:r>
-            <a:r>
               <a:rPr lang="ru-RU" b="1" dirty="0" smtClean="0"/>
-              <a:t> </a:t>
-            </a:r>
+              <a:t>Целевые нозологии</a:t>
+            </a:r>
+          </a:p>
+          <a:p>
+            <a:pPr>
+              <a:buNone/>
+            </a:pPr>
             <a:r>
               <a:rPr lang="ru-RU" b="1" dirty="0"/>
-              <a:t>разметки:</a:t>
-            </a:r>
-            <a:r>
-              <a:rPr lang="ru-RU" dirty="0"/>
-              <a:t> Изображение, </a:t>
-            </a:r>
-            <a:r>
-              <a:rPr lang="ru-RU" dirty="0" smtClean="0"/>
-              <a:t>Исследование</a:t>
-            </a:r>
-          </a:p>
-          <a:p>
+              <a:t>	</a:t>
+            </a:r>
             <a:r>
               <a:rPr lang="ru-RU" b="1" dirty="0" smtClean="0"/>
-              <a:t>Способы </a:t>
+              <a:t>Целевые </a:t>
             </a:r>
             <a:r>
               <a:rPr lang="ru-RU" b="1" dirty="0" err="1"/>
-              <a:t>предразметки</a:t>
+              <a:t>патологии\признаки</a:t>
             </a:r>
             <a:r>
               <a:rPr lang="ru-RU" b="1" dirty="0"/>
@@ -5450,118 +5089,303 @@
               <a:t> </a:t>
             </a:r>
             <a:r>
+              <a:rPr lang="ru-RU" dirty="0" err="1" smtClean="0"/>
+              <a:t>COVID-19</a:t>
+            </a:r>
+            <a:endParaRPr lang="ru-RU" dirty="0" smtClean="0"/>
+          </a:p>
+          <a:p>
+            <a:pPr>
+              <a:buNone/>
+            </a:pPr>
+            <a:r>
+              <a:rPr lang="ru-RU" b="1" dirty="0"/>
+              <a:t>	</a:t>
+            </a:r>
+            <a:r>
+              <a:rPr lang="ru-RU" b="1" dirty="0" smtClean="0"/>
+              <a:t>Код </a:t>
+            </a:r>
+            <a:r>
+              <a:rPr lang="ru-RU" b="1" dirty="0" err="1"/>
+              <a:t>МКБ-10</a:t>
+            </a:r>
+            <a:r>
+              <a:rPr lang="ru-RU" b="1" dirty="0"/>
+              <a:t> целевой патологии:</a:t>
+            </a:r>
+            <a:r>
+              <a:rPr lang="ru-RU" dirty="0"/>
+              <a:t> </a:t>
+            </a:r>
+            <a:r>
+              <a:rPr lang="ru-RU" dirty="0" err="1" smtClean="0"/>
+              <a:t>U07.1</a:t>
+            </a:r>
+            <a:endParaRPr lang="ru-RU" dirty="0" smtClean="0"/>
+          </a:p>
+          <a:p>
+            <a:r>
+              <a:rPr lang="ru-RU" b="1" dirty="0" smtClean="0"/>
+              <a:t>Параметры популяции</a:t>
+            </a:r>
+          </a:p>
+          <a:p>
+            <a:pPr>
+              <a:buNone/>
+            </a:pPr>
+            <a:r>
+              <a:rPr lang="ru-RU" b="1" dirty="0"/>
+              <a:t>	</a:t>
+            </a:r>
+            <a:r>
+              <a:rPr lang="ru-RU" b="1" dirty="0" smtClean="0"/>
+              <a:t>Критерии </a:t>
+            </a:r>
+            <a:r>
+              <a:rPr lang="ru-RU" b="1" dirty="0"/>
+              <a:t>включения/</a:t>
+            </a:r>
+            <a:r>
+              <a:rPr lang="ru-RU" b="1" dirty="0" err="1"/>
+              <a:t>невключения</a:t>
+            </a:r>
+            <a:r>
+              <a:rPr lang="ru-RU" b="1" dirty="0"/>
+              <a:t> пациента</a:t>
+            </a:r>
+            <a:r>
+              <a:rPr lang="ru-RU" b="1" dirty="0" smtClean="0"/>
+              <a:t>:</a:t>
+            </a:r>
+          </a:p>
+          <a:p>
+            <a:pPr>
+              <a:buNone/>
+            </a:pPr>
+            <a:r>
+              <a:rPr lang="ru-RU" b="1" dirty="0"/>
+              <a:t>	</a:t>
+            </a:r>
+            <a:r>
               <a:rPr lang="ru-RU" dirty="0" smtClean="0"/>
-              <a:t>Нет</a:t>
-            </a:r>
-          </a:p>
-          <a:p>
-            <a:r>
-              <a:rPr lang="ru-RU" b="1" dirty="0" smtClean="0"/>
-              <a:t>Характер </a:t>
-            </a:r>
-            <a:r>
-              <a:rPr lang="ru-RU" b="1" dirty="0"/>
-              <a:t>разметки:</a:t>
-            </a:r>
-            <a:r>
-              <a:rPr lang="ru-RU" dirty="0"/>
-              <a:t> </a:t>
-            </a:r>
+              <a:t>Критерии </a:t>
+            </a:r>
+            <a:r>
+              <a:rPr lang="ru-RU" dirty="0"/>
+              <a:t>включения пациента: Возраст ≥18 лет</a:t>
+            </a:r>
+            <a:br>
+              <a:rPr lang="ru-RU" dirty="0"/>
+            </a:br>
+            <a:r>
+              <a:rPr lang="ru-RU" dirty="0"/>
+              <a:t>Критерии </a:t>
+            </a:r>
+            <a:r>
+              <a:rPr lang="ru-RU" dirty="0" err="1"/>
+              <a:t>невключения</a:t>
+            </a:r>
+            <a:r>
+              <a:rPr lang="ru-RU" dirty="0"/>
+              <a:t> пациента: Наличие оперативных вмешательств, лучевой терапии в анамнезе для лечения заболеваний в области грудной клетки</a:t>
+            </a:r>
+          </a:p>
+          <a:p>
+            <a:pPr>
+              <a:buNone/>
+            </a:pPr>
             <a:r>
               <a:rPr lang="ru-RU" dirty="0" smtClean="0"/>
-              <a:t>Бинарная</a:t>
-            </a:r>
-          </a:p>
-          <a:p>
-            <a:r>
-              <a:rPr lang="ru-RU" b="1" dirty="0" smtClean="0"/>
-              <a:t>Количество </a:t>
-            </a:r>
-            <a:r>
-              <a:rPr lang="ru-RU" b="1" dirty="0"/>
-              <a:t>лейблов:</a:t>
-            </a:r>
-            <a:r>
-              <a:rPr lang="ru-RU" dirty="0"/>
-              <a:t> </a:t>
+              <a:t>	Возраст </a:t>
+            </a:r>
+            <a:r>
+              <a:rPr lang="ru-RU" dirty="0"/>
+              <a:t>(мин., лет): </a:t>
             </a:r>
             <a:r>
               <a:rPr lang="ru-RU" dirty="0" smtClean="0"/>
-              <a:t>1</a:t>
-            </a:r>
-          </a:p>
-          <a:p>
-            <a:r>
-              <a:rPr lang="ru-RU" b="1" dirty="0" smtClean="0"/>
-              <a:t>Характер </a:t>
-            </a:r>
-            <a:r>
-              <a:rPr lang="ru-RU" b="1" dirty="0"/>
-              <a:t>лейблов:</a:t>
-            </a:r>
-            <a:r>
-              <a:rPr lang="ru-RU" dirty="0"/>
-              <a:t> </a:t>
+              <a:t>18</a:t>
+            </a:r>
+          </a:p>
+          <a:p>
+            <a:pPr>
+              <a:buNone/>
+            </a:pPr>
+            <a:r>
+              <a:rPr lang="ru-RU" dirty="0"/>
+              <a:t>	</a:t>
+            </a:r>
+            <a:r>
+              <a:rPr lang="ru-RU" dirty="0" smtClean="0"/>
+              <a:t>Возраст </a:t>
+            </a:r>
+            <a:r>
+              <a:rPr lang="ru-RU" dirty="0"/>
+              <a:t>(макс., лет): </a:t>
+            </a:r>
+            <a:r>
+              <a:rPr lang="ru-RU" dirty="0" smtClean="0"/>
+              <a:t>97</a:t>
+            </a:r>
+          </a:p>
+          <a:p>
+            <a:pPr>
+              <a:buNone/>
+            </a:pPr>
+            <a:r>
+              <a:rPr lang="ru-RU" dirty="0"/>
+              <a:t>	</a:t>
+            </a:r>
+            <a:r>
+              <a:rPr lang="ru-RU" dirty="0" smtClean="0"/>
+              <a:t>Возраст </a:t>
+            </a:r>
+            <a:r>
+              <a:rPr lang="ru-RU" dirty="0"/>
+              <a:t>(медиана, лет): </a:t>
+            </a:r>
+            <a:r>
+              <a:rPr lang="ru-RU" dirty="0" smtClean="0"/>
+              <a:t>47,0</a:t>
+            </a:r>
+          </a:p>
+          <a:p>
+            <a:pPr>
+              <a:buNone/>
+            </a:pPr>
+            <a:r>
+              <a:rPr lang="ru-RU" dirty="0"/>
+              <a:t>	</a:t>
+            </a:r>
+            <a:r>
+              <a:rPr lang="ru-RU" dirty="0" smtClean="0"/>
+              <a:t>Пол </a:t>
+            </a:r>
+            <a:r>
+              <a:rPr lang="ru-RU" dirty="0"/>
+              <a:t>(М): </a:t>
+            </a:r>
+            <a:r>
+              <a:rPr lang="ru-RU" dirty="0" smtClean="0"/>
+              <a:t>42</a:t>
+            </a:r>
+          </a:p>
+          <a:p>
+            <a:pPr>
+              <a:buNone/>
+            </a:pPr>
+            <a:r>
+              <a:rPr lang="ru-RU" dirty="0"/>
+              <a:t>	</a:t>
+            </a:r>
+            <a:r>
+              <a:rPr lang="ru-RU" dirty="0" smtClean="0"/>
+              <a:t>Пол </a:t>
+            </a:r>
+            <a:r>
+              <a:rPr lang="ru-RU" dirty="0"/>
+              <a:t>(Ж): </a:t>
+            </a:r>
+            <a:r>
+              <a:rPr lang="ru-RU" dirty="0" smtClean="0"/>
+              <a:t>56</a:t>
+            </a:r>
+          </a:p>
+          <a:p>
+            <a:pPr>
+              <a:buNone/>
+            </a:pPr>
+            <a:r>
+              <a:rPr lang="ru-RU" dirty="0"/>
+              <a:t>	</a:t>
+            </a:r>
+            <a:r>
+              <a:rPr lang="ru-RU" dirty="0" smtClean="0"/>
+              <a:t>Пол </a:t>
+            </a:r>
+            <a:r>
+              <a:rPr lang="ru-RU" dirty="0"/>
+              <a:t>(</a:t>
             </a:r>
             <a:r>
               <a:rPr lang="ru-RU" dirty="0" err="1"/>
-              <a:t>Мультикласс</a:t>
-            </a:r>
-            <a:r>
-              <a:rPr lang="ru-RU" dirty="0"/>
-              <a:t> (1 лейбл, </a:t>
+              <a:t>неопределено</a:t>
+            </a:r>
+            <a:r>
+              <a:rPr lang="ru-RU" dirty="0"/>
+              <a:t>): </a:t>
+            </a:r>
+            <a:r>
+              <a:rPr lang="ru-RU" dirty="0" smtClean="0"/>
+              <a:t>2</a:t>
+            </a:r>
+          </a:p>
+          <a:p>
+            <a:pPr>
+              <a:buNone/>
+            </a:pPr>
+            <a:r>
+              <a:rPr lang="ru-RU" dirty="0"/>
+              <a:t>	</a:t>
+            </a:r>
+            <a:r>
+              <a:rPr lang="ru-RU" dirty="0" smtClean="0"/>
+              <a:t>Период </a:t>
+            </a:r>
+            <a:r>
+              <a:rPr lang="ru-RU" dirty="0"/>
+              <a:t>сбора (начало): </a:t>
+            </a:r>
+            <a:r>
+              <a:rPr lang="ru-RU" dirty="0" smtClean="0"/>
+              <a:t>01.03.2020</a:t>
+            </a:r>
+          </a:p>
+          <a:p>
+            <a:pPr>
+              <a:buNone/>
+            </a:pPr>
+            <a:r>
+              <a:rPr lang="ru-RU" dirty="0"/>
+              <a:t>	</a:t>
+            </a:r>
+            <a:r>
+              <a:rPr lang="ru-RU" dirty="0" smtClean="0"/>
+              <a:t>Период </a:t>
+            </a:r>
+            <a:r>
+              <a:rPr lang="ru-RU" dirty="0"/>
+              <a:t>сбора (конец): </a:t>
+            </a:r>
+            <a:r>
+              <a:rPr lang="ru-RU" dirty="0" smtClean="0"/>
+              <a:t>25.04.2020</a:t>
+            </a:r>
+          </a:p>
+          <a:p>
+            <a:pPr>
+              <a:buNone/>
+            </a:pPr>
+            <a:r>
+              <a:rPr lang="ru-RU" dirty="0"/>
+              <a:t>	</a:t>
+            </a:r>
+            <a:r>
+              <a:rPr lang="ru-RU" dirty="0" smtClean="0"/>
+              <a:t>Эпидемиологическая </a:t>
+            </a:r>
+            <a:r>
+              <a:rPr lang="ru-RU" dirty="0"/>
+              <a:t>обстановка: В условиях пандемии </a:t>
             </a:r>
             <a:r>
               <a:rPr lang="ru-RU" dirty="0" err="1"/>
-              <a:t>M</a:t>
-            </a:r>
-            <a:r>
-              <a:rPr lang="ru-RU" dirty="0"/>
-              <a:t> классов, </a:t>
-            </a:r>
-            <a:r>
-              <a:rPr lang="ru-RU" dirty="0" err="1"/>
-              <a:t>M</a:t>
-            </a:r>
-            <a:r>
-              <a:rPr lang="ru-RU" dirty="0"/>
-              <a:t>&gt;2</a:t>
-            </a:r>
-            <a:r>
-              <a:rPr lang="ru-RU" dirty="0" smtClean="0"/>
-              <a:t>)</a:t>
-            </a:r>
-          </a:p>
-          <a:p>
-            <a:r>
-              <a:rPr lang="ru-RU" b="1" dirty="0" smtClean="0"/>
-              <a:t>Уровень </a:t>
-            </a:r>
-            <a:r>
-              <a:rPr lang="ru-RU" b="1" dirty="0"/>
-              <a:t>детализации лейблов:</a:t>
-            </a:r>
-            <a:r>
-              <a:rPr lang="ru-RU" dirty="0"/>
-              <a:t> </a:t>
-            </a:r>
-            <a:r>
-              <a:rPr lang="ru-RU" dirty="0" smtClean="0"/>
-              <a:t>Исследование/серия/изображение</a:t>
-            </a:r>
-          </a:p>
-          <a:p>
-            <a:r>
-              <a:rPr lang="ru-RU" b="1" dirty="0" smtClean="0"/>
-              <a:t>Названия </a:t>
-            </a:r>
-            <a:r>
-              <a:rPr lang="ru-RU" b="1" dirty="0"/>
-              <a:t>лейблов:</a:t>
-            </a:r>
-            <a:r>
-              <a:rPr lang="ru-RU" dirty="0"/>
-              <a:t> Признаки поражения паренхимы легкого при </a:t>
+              <a:t>коронавирусной</a:t>
+            </a:r>
+            <a:r>
+              <a:rPr lang="ru-RU" dirty="0"/>
+              <a:t> инфекции (</a:t>
             </a:r>
             <a:r>
               <a:rPr lang="ru-RU" dirty="0" err="1"/>
@@ -5569,156 +5393,8 @@
             </a:r>
             <a:r>
               <a:rPr lang="ru-RU" dirty="0"/>
-              <a:t> согласно -Базовые диагностические требования от августа </a:t>
-            </a:r>
-            <a:r>
-              <a:rPr lang="ru-RU" dirty="0" err="1" smtClean="0"/>
-              <a:t>2021г</a:t>
-            </a:r>
-            <a:endParaRPr lang="ru-RU" dirty="0" smtClean="0"/>
-          </a:p>
-          <a:p>
-            <a:r>
-              <a:rPr lang="ru-RU" b="1" dirty="0" smtClean="0"/>
-              <a:t>Количество </a:t>
-            </a:r>
-            <a:r>
-              <a:rPr lang="ru-RU" b="1" dirty="0"/>
-              <a:t>классов:</a:t>
-            </a:r>
-            <a:r>
-              <a:rPr lang="ru-RU" dirty="0"/>
-              <a:t> </a:t>
-            </a:r>
-            <a:r>
-              <a:rPr lang="ru-RU" dirty="0" smtClean="0"/>
-              <a:t>2</a:t>
-            </a:r>
-          </a:p>
-          <a:p>
-            <a:r>
-              <a:rPr lang="ru-RU" b="1" dirty="0" smtClean="0"/>
-              <a:t>Названия </a:t>
-            </a:r>
-            <a:r>
-              <a:rPr lang="ru-RU" b="1" dirty="0"/>
-              <a:t>классов:</a:t>
-            </a:r>
-            <a:r>
-              <a:rPr lang="ru-RU" dirty="0"/>
-              <a:t> Без целевой патологии - 0; С целевой патологией </a:t>
-            </a:r>
-            <a:r>
-              <a:rPr lang="ru-RU" dirty="0" smtClean="0"/>
-              <a:t>– 1</a:t>
-            </a:r>
-          </a:p>
-          <a:p>
-            <a:r>
-              <a:rPr lang="ru-RU" b="1" dirty="0" smtClean="0"/>
-              <a:t>Количество </a:t>
-            </a:r>
-            <a:r>
-              <a:rPr lang="ru-RU" b="1" dirty="0"/>
-              <a:t>по классам:</a:t>
-            </a:r>
-            <a:r>
-              <a:rPr lang="ru-RU" dirty="0"/>
-              <a:t> КТ-0 ― 254 (22,8%), КТ-1 ― 684 (61,6%), КТ-2 ― 125 (11,3%), КТ-3 ― 45 (4,1%), КТ-4 ― 2 (0,2</a:t>
-            </a:r>
-            <a:r>
-              <a:rPr lang="ru-RU" dirty="0" smtClean="0"/>
-              <a:t>%).</a:t>
-            </a:r>
-          </a:p>
-          <a:p>
-            <a:r>
-              <a:rPr lang="ru-RU" b="1" dirty="0" smtClean="0"/>
-              <a:t>Критерии </a:t>
-            </a:r>
-            <a:r>
-              <a:rPr lang="ru-RU" b="1" dirty="0"/>
-              <a:t>отнесения к </a:t>
-            </a:r>
-            <a:r>
-              <a:rPr lang="ru-RU" b="1" dirty="0" err="1"/>
-              <a:t>классам:</a:t>
-            </a:r>
-            <a:r>
-              <a:rPr lang="ru-RU" dirty="0" err="1"/>
-              <a:t>С</a:t>
-            </a:r>
-            <a:r>
-              <a:rPr lang="ru-RU" dirty="0"/>
-              <a:t> патологией:</a:t>
-            </a:r>
-          </a:p>
-          <a:p>
-            <a:r>
-              <a:rPr lang="ru-RU" dirty="0"/>
-              <a:t>Инфильтрация легочной паренхимы по типу матовых стекол с обеих сторон, преимущественно периферической локализации с или без инфильтрацией легочной паренхимы по типу консолидации с положительным признаком воздушной </a:t>
-            </a:r>
-            <a:r>
-              <a:rPr lang="ru-RU" dirty="0" err="1"/>
-              <a:t>бронхограммы</a:t>
-            </a:r>
-            <a:r>
-              <a:rPr lang="ru-RU" dirty="0"/>
-              <a:t>;</a:t>
-            </a:r>
-          </a:p>
-          <a:p>
-            <a:r>
-              <a:rPr lang="ru-RU" dirty="0"/>
-              <a:t>Инфильтрация легочной паренхимы по типу булыжной мостовой (утолщение </a:t>
-            </a:r>
-            <a:r>
-              <a:rPr lang="ru-RU" dirty="0" err="1"/>
-              <a:t>междолькового</a:t>
-            </a:r>
-            <a:r>
-              <a:rPr lang="ru-RU" dirty="0"/>
-              <a:t> </a:t>
-            </a:r>
-            <a:r>
-              <a:rPr lang="ru-RU" dirty="0" err="1"/>
-              <a:t>интерстиция</a:t>
-            </a:r>
-            <a:r>
-              <a:rPr lang="ru-RU" dirty="0"/>
-              <a:t> на фоне матового стекла) с обеих сторон, преимущественно периферической локализации, с или или без инфильтрацией легочной паренхимы по типу консолидации с положительным признаком воздушной </a:t>
-            </a:r>
-            <a:r>
-              <a:rPr lang="ru-RU" dirty="0" err="1"/>
-              <a:t>бронхограммы</a:t>
-            </a:r>
-            <a:r>
-              <a:rPr lang="ru-RU" dirty="0"/>
-              <a:t>.</a:t>
-            </a:r>
-          </a:p>
-          <a:p>
-            <a:r>
-              <a:rPr lang="ru-RU" dirty="0"/>
-              <a:t>Без патологии: отсутствие вышеперечисленных признаков</a:t>
-            </a:r>
-          </a:p>
-          <a:p>
-            <a:r>
-              <a:rPr lang="ru-RU" b="1" dirty="0" err="1"/>
-              <a:t>ВерификацияМетод</a:t>
-            </a:r>
-            <a:r>
-              <a:rPr lang="ru-RU" b="1" dirty="0"/>
-              <a:t> верификации:</a:t>
-            </a:r>
-            <a:r>
-              <a:rPr lang="ru-RU" dirty="0"/>
-              <a:t> Экспертная оценка разметки (1 эксперт либо консенсус)</a:t>
-            </a:r>
-          </a:p>
-          <a:p>
-            <a:endParaRPr lang="ru-RU" dirty="0"/>
+              <a:t>)</a:t>
+            </a:r>
           </a:p>
         </p:txBody>
       </p:sp>
@@ -5768,7 +5444,7 @@
               <a:rPr lang="ru-RU" dirty="0" smtClean="0">
                 <a:hlinkClick r:id="rId2"/>
               </a:rPr>
-              <a:t>Технические параметры</a:t>
+              <a:t>Назначение</a:t>
             </a:r>
             <a:endParaRPr lang="ru-RU" dirty="0"/>
           </a:p>
@@ -5787,276 +5463,83 @@
         <p:spPr/>
         <p:txBody>
           <a:bodyPr>
-            <a:normAutofit fontScale="47500" lnSpcReduction="20000"/>
+            <a:normAutofit/>
           </a:bodyPr>
           <a:lstStyle/>
           <a:p>
             <a:r>
               <a:rPr lang="ru-RU" b="1" dirty="0" smtClean="0"/>
-              <a:t>Условия </a:t>
+              <a:t>Клиническая/практическая/научная </a:t>
             </a:r>
             <a:r>
               <a:rPr lang="ru-RU" b="1" dirty="0"/>
-              <a:t>сбора </a:t>
-            </a:r>
+              <a:t>задача создания набора данных:</a:t>
+            </a:r>
+            <a:r>
+              <a:rPr lang="ru-RU" dirty="0"/>
+              <a:t> Определение степени поражения паренхимы легкого при </a:t>
+            </a:r>
+            <a:r>
+              <a:rPr lang="ru-RU" dirty="0" err="1" smtClean="0"/>
+              <a:t>COVID-19</a:t>
+            </a:r>
+            <a:endParaRPr lang="ru-RU" dirty="0" smtClean="0"/>
+          </a:p>
+          <a:p>
             <a:r>
               <a:rPr lang="ru-RU" b="1" dirty="0" smtClean="0"/>
-              <a:t>данных</a:t>
-            </a:r>
-          </a:p>
-          <a:p>
-            <a:pPr>
-              <a:buNone/>
-            </a:pPr>
+              <a:t>Назначение </a:t>
+            </a:r>
+            <a:r>
+              <a:rPr lang="ru-RU" b="1" dirty="0" err="1"/>
+              <a:t>датасета</a:t>
+            </a:r>
+            <a:r>
+              <a:rPr lang="ru-RU" b="1" dirty="0"/>
+              <a:t>:</a:t>
+            </a:r>
+            <a:r>
+              <a:rPr lang="ru-RU" dirty="0"/>
+              <a:t> Обучение ИИ </a:t>
+            </a:r>
+            <a:r>
+              <a:rPr lang="ru-RU" dirty="0" smtClean="0"/>
+              <a:t>алгоритма</a:t>
+            </a:r>
+          </a:p>
+          <a:p>
             <a:r>
               <a:rPr lang="ru-RU" b="1" dirty="0" smtClean="0"/>
-              <a:t>	Критерии </a:t>
+              <a:t>Вариант</a:t>
             </a:r>
             <a:r>
               <a:rPr lang="ru-RU" b="1" dirty="0"/>
-              <a:t>включения/</a:t>
-            </a:r>
-            <a:r>
-              <a:rPr lang="ru-RU" b="1" dirty="0" err="1"/>
-              <a:t>невключения</a:t>
-            </a:r>
-            <a:r>
-              <a:rPr lang="ru-RU" b="1" dirty="0"/>
-              <a:t> исследования в </a:t>
-            </a:r>
-            <a:r>
-              <a:rPr lang="ru-RU" b="1" dirty="0" err="1"/>
-              <a:t>датасет:</a:t>
+              <a:t>:</a:t>
+            </a:r>
+            <a:r>
+              <a:rPr lang="ru-RU" dirty="0"/>
+              <a:t> </a:t>
             </a:r>
             <a:r>
               <a:rPr lang="ru-RU" dirty="0" err="1"/>
-              <a:t>Сбор</a:t>
-            </a:r>
-            <a:r>
-              <a:rPr lang="ru-RU" dirty="0"/>
-              <a:t> данных осуществлялся в 48 медицинских организаций в период с 1 марта по 25 апреля 2020 г у пациентов с подозрением на изменения в легких при </a:t>
+              <a:t>SC</a:t>
+            </a:r>
+            <a:r>
+              <a:rPr lang="ru-RU" dirty="0"/>
+              <a:t> - </a:t>
             </a:r>
             <a:r>
               <a:rPr lang="ru-RU" dirty="0" err="1"/>
-              <a:t>COVID-19</a:t>
-            </a:r>
-            <a:endParaRPr lang="ru-RU" dirty="0"/>
-          </a:p>
-          <a:p>
-            <a:pPr>
-              <a:buNone/>
-            </a:pPr>
-            <a:r>
-              <a:rPr lang="ru-RU" b="1" dirty="0" smtClean="0"/>
-              <a:t>	Протоколы </a:t>
-            </a:r>
-            <a:r>
-              <a:rPr lang="ru-RU" b="1" dirty="0"/>
-              <a:t>и условия сбора </a:t>
-            </a:r>
-            <a:r>
-              <a:rPr lang="ru-RU" b="1" dirty="0" err="1"/>
-              <a:t>данных:</a:t>
+              <a:t>special</a:t>
+            </a:r>
+            <a:r>
+              <a:rPr lang="ru-RU" dirty="0"/>
+              <a:t> </a:t>
             </a:r>
             <a:r>
               <a:rPr lang="ru-RU" dirty="0" err="1"/>
-              <a:t>КТ-протокол</a:t>
-            </a:r>
-            <a:r>
-              <a:rPr lang="ru-RU" dirty="0"/>
-              <a:t> сканирования </a:t>
-            </a:r>
-            <a:r>
-              <a:rPr lang="ru-RU" dirty="0" err="1"/>
-              <a:t>Chest</a:t>
-            </a:r>
-            <a:r>
-              <a:rPr lang="ru-RU" dirty="0"/>
-              <a:t> (рутинные КТ грудной клетки), сканирование выполнено в положении пациента на спине, при задержке дыхания на глубине вдоха, руки убраны за голову</a:t>
-            </a:r>
-          </a:p>
-          <a:p>
-            <a:r>
-              <a:rPr lang="ru-RU" b="1" dirty="0"/>
-              <a:t>Единичная запись набора </a:t>
-            </a:r>
-            <a:r>
-              <a:rPr lang="ru-RU" b="1" dirty="0" smtClean="0"/>
-              <a:t>данных</a:t>
-            </a:r>
-          </a:p>
-          <a:p>
-            <a:pPr>
-              <a:buNone/>
-            </a:pPr>
-            <a:r>
-              <a:rPr lang="ru-RU" b="1" dirty="0"/>
-              <a:t>	</a:t>
-            </a:r>
-            <a:r>
-              <a:rPr lang="ru-RU" b="1" dirty="0" smtClean="0"/>
-              <a:t>Объект </a:t>
-            </a:r>
-            <a:r>
-              <a:rPr lang="ru-RU" b="1" dirty="0"/>
-              <a:t>разметки:</a:t>
-            </a:r>
-            <a:r>
-              <a:rPr lang="ru-RU" dirty="0"/>
-              <a:t> </a:t>
-            </a:r>
-            <a:r>
-              <a:rPr lang="ru-RU" dirty="0" smtClean="0"/>
-              <a:t>Исследование</a:t>
-            </a:r>
-          </a:p>
-          <a:p>
-            <a:pPr>
-              <a:buNone/>
-            </a:pPr>
-            <a:r>
-              <a:rPr lang="ru-RU" b="1" dirty="0" smtClean="0"/>
-              <a:t>	Результат </a:t>
-            </a:r>
-            <a:r>
-              <a:rPr lang="ru-RU" b="1" dirty="0"/>
-              <a:t>разметки:</a:t>
-            </a:r>
-            <a:r>
-              <a:rPr lang="ru-RU" dirty="0"/>
-              <a:t> Целевая патология / отсутствие целевой патологии; бинарные маски </a:t>
-            </a:r>
-            <a:r>
-              <a:rPr lang="ru-RU" dirty="0" smtClean="0"/>
-              <a:t>изображений</a:t>
-            </a:r>
-          </a:p>
-          <a:p>
-            <a:r>
-              <a:rPr lang="ru-RU" b="1" dirty="0" smtClean="0"/>
-              <a:t>Форматы </a:t>
-            </a:r>
-            <a:r>
-              <a:rPr lang="ru-RU" b="1" dirty="0"/>
-              <a:t>записи набора </a:t>
-            </a:r>
-            <a:r>
-              <a:rPr lang="ru-RU" b="1" dirty="0" smtClean="0"/>
-              <a:t>данных</a:t>
-            </a:r>
-          </a:p>
-          <a:p>
-            <a:pPr>
-              <a:buNone/>
-            </a:pPr>
-            <a:r>
-              <a:rPr lang="ru-RU" b="1" dirty="0"/>
-              <a:t>	</a:t>
-            </a:r>
-            <a:r>
-              <a:rPr lang="ru-RU" b="1" dirty="0" smtClean="0"/>
-              <a:t>Объект </a:t>
-            </a:r>
-            <a:r>
-              <a:rPr lang="ru-RU" b="1" dirty="0"/>
-              <a:t>разметки:</a:t>
-            </a:r>
-            <a:r>
-              <a:rPr lang="ru-RU" dirty="0"/>
-              <a:t> </a:t>
-            </a:r>
-            <a:r>
-              <a:rPr lang="ru-RU" dirty="0" err="1" smtClean="0"/>
-              <a:t>NIFTI</a:t>
-            </a:r>
-            <a:endParaRPr lang="ru-RU" dirty="0" smtClean="0"/>
-          </a:p>
-          <a:p>
-            <a:pPr>
-              <a:buNone/>
-            </a:pPr>
-            <a:r>
-              <a:rPr lang="ru-RU" b="1" dirty="0"/>
-              <a:t>	</a:t>
-            </a:r>
-            <a:r>
-              <a:rPr lang="ru-RU" b="1" dirty="0" smtClean="0"/>
-              <a:t>Результат </a:t>
-            </a:r>
-            <a:r>
-              <a:rPr lang="ru-RU" b="1" dirty="0"/>
-              <a:t>разметки:</a:t>
-            </a:r>
-            <a:r>
-              <a:rPr lang="ru-RU" dirty="0"/>
-              <a:t> </a:t>
-            </a:r>
-            <a:r>
-              <a:rPr lang="ru-RU" dirty="0" smtClean="0"/>
-              <a:t>Табличный</a:t>
-            </a:r>
-          </a:p>
-          <a:p>
-            <a:r>
-              <a:rPr lang="ru-RU" b="1" dirty="0" smtClean="0"/>
-              <a:t>Объем данных</a:t>
-            </a:r>
-          </a:p>
-          <a:p>
-            <a:pPr>
-              <a:buNone/>
-            </a:pPr>
-            <a:r>
-              <a:rPr lang="ru-RU" b="1" dirty="0"/>
-              <a:t>	</a:t>
-            </a:r>
-            <a:r>
-              <a:rPr lang="ru-RU" b="1" dirty="0" smtClean="0"/>
-              <a:t>Количество </a:t>
-            </a:r>
-            <a:r>
-              <a:rPr lang="ru-RU" b="1" dirty="0"/>
-              <a:t>исследований набора данных:</a:t>
-            </a:r>
-            <a:r>
-              <a:rPr lang="ru-RU" dirty="0"/>
-              <a:t> </a:t>
-            </a:r>
-            <a:r>
-              <a:rPr lang="ru-RU" dirty="0" smtClean="0"/>
-              <a:t>1110</a:t>
-            </a:r>
-          </a:p>
-          <a:p>
-            <a:pPr>
-              <a:buNone/>
-            </a:pPr>
-            <a:r>
-              <a:rPr lang="ru-RU" b="1" dirty="0"/>
-              <a:t>	</a:t>
-            </a:r>
-            <a:r>
-              <a:rPr lang="ru-RU" b="1" dirty="0" smtClean="0"/>
-              <a:t>Количество </a:t>
-            </a:r>
-            <a:r>
-              <a:rPr lang="ru-RU" b="1" dirty="0"/>
-              <a:t>уникальных источников (</a:t>
-            </a:r>
-            <a:r>
-              <a:rPr lang="ru-RU" b="1" dirty="0" err="1"/>
-              <a:t>ДУ</a:t>
-            </a:r>
-            <a:r>
-              <a:rPr lang="ru-RU" b="1" dirty="0"/>
-              <a:t>):</a:t>
-            </a:r>
-            <a:r>
-              <a:rPr lang="ru-RU" dirty="0"/>
-              <a:t> 48</a:t>
-            </a:r>
-          </a:p>
-          <a:p>
+              <a:t>case</a:t>
+            </a:r>
             <a:endParaRPr lang="ru-RU" dirty="0"/>
           </a:p>
         </p:txBody>
@@ -6188,6 +5671,725 @@
           <a:lstStyle/>
           <a:p>
             <a:r>
+              <a:rPr lang="ru-RU" dirty="0" smtClean="0">
+                <a:hlinkClick r:id="rId2"/>
+              </a:rPr>
+              <a:t>Разметка и верификация</a:t>
+            </a:r>
+            <a:endParaRPr lang="ru-RU" dirty="0"/>
+          </a:p>
+        </p:txBody>
+      </p:sp>
+      <p:sp>
+        <p:nvSpPr>
+          <p:cNvPr id="3" name="Содержимое 2"/>
+          <p:cNvSpPr>
+            <a:spLocks noGrp="1"/>
+          </p:cNvSpPr>
+          <p:nvPr>
+            <p:ph idx="1"/>
+          </p:nvPr>
+        </p:nvSpPr>
+        <p:spPr/>
+        <p:txBody>
+          <a:bodyPr>
+            <a:normAutofit fontScale="40000" lnSpcReduction="20000"/>
+          </a:bodyPr>
+          <a:lstStyle/>
+          <a:p>
+            <a:r>
+              <a:rPr lang="ru-RU" b="1" dirty="0" err="1" smtClean="0"/>
+              <a:t>РазметкаУровень</a:t>
+            </a:r>
+            <a:r>
+              <a:rPr lang="ru-RU" b="1" dirty="0" smtClean="0"/>
+              <a:t> </a:t>
+            </a:r>
+            <a:r>
+              <a:rPr lang="ru-RU" b="1" dirty="0"/>
+              <a:t>разметки:</a:t>
+            </a:r>
+            <a:r>
+              <a:rPr lang="ru-RU" dirty="0"/>
+              <a:t> Изображение, </a:t>
+            </a:r>
+            <a:r>
+              <a:rPr lang="ru-RU" dirty="0" smtClean="0"/>
+              <a:t>Исследование</a:t>
+            </a:r>
+          </a:p>
+          <a:p>
+            <a:r>
+              <a:rPr lang="ru-RU" b="1" dirty="0" smtClean="0"/>
+              <a:t>Способы </a:t>
+            </a:r>
+            <a:r>
+              <a:rPr lang="ru-RU" b="1" dirty="0" err="1"/>
+              <a:t>предразметки</a:t>
+            </a:r>
+            <a:r>
+              <a:rPr lang="ru-RU" b="1" dirty="0"/>
+              <a:t>:</a:t>
+            </a:r>
+            <a:r>
+              <a:rPr lang="ru-RU" dirty="0"/>
+              <a:t> </a:t>
+            </a:r>
+            <a:r>
+              <a:rPr lang="ru-RU" dirty="0" smtClean="0"/>
+              <a:t>Нет</a:t>
+            </a:r>
+          </a:p>
+          <a:p>
+            <a:r>
+              <a:rPr lang="ru-RU" b="1" dirty="0" smtClean="0"/>
+              <a:t>Характер </a:t>
+            </a:r>
+            <a:r>
+              <a:rPr lang="ru-RU" b="1" dirty="0"/>
+              <a:t>разметки:</a:t>
+            </a:r>
+            <a:r>
+              <a:rPr lang="ru-RU" dirty="0"/>
+              <a:t> </a:t>
+            </a:r>
+            <a:r>
+              <a:rPr lang="ru-RU" dirty="0" smtClean="0"/>
+              <a:t>Бинарная</a:t>
+            </a:r>
+          </a:p>
+          <a:p>
+            <a:r>
+              <a:rPr lang="ru-RU" b="1" dirty="0" smtClean="0"/>
+              <a:t>Количество </a:t>
+            </a:r>
+            <a:r>
+              <a:rPr lang="ru-RU" b="1" dirty="0"/>
+              <a:t>лейблов:</a:t>
+            </a:r>
+            <a:r>
+              <a:rPr lang="ru-RU" dirty="0"/>
+              <a:t> </a:t>
+            </a:r>
+            <a:r>
+              <a:rPr lang="ru-RU" dirty="0" smtClean="0"/>
+              <a:t>1</a:t>
+            </a:r>
+          </a:p>
+          <a:p>
+            <a:r>
+              <a:rPr lang="ru-RU" b="1" dirty="0" smtClean="0"/>
+              <a:t>Характер </a:t>
+            </a:r>
+            <a:r>
+              <a:rPr lang="ru-RU" b="1" dirty="0"/>
+              <a:t>лейблов:</a:t>
+            </a:r>
+            <a:r>
+              <a:rPr lang="ru-RU" dirty="0"/>
+              <a:t> </a:t>
+            </a:r>
+            <a:r>
+              <a:rPr lang="ru-RU" dirty="0" err="1"/>
+              <a:t>Мультикласс</a:t>
+            </a:r>
+            <a:r>
+              <a:rPr lang="ru-RU" dirty="0"/>
+              <a:t> (1 лейбл, </a:t>
+            </a:r>
+            <a:r>
+              <a:rPr lang="ru-RU" dirty="0" err="1"/>
+              <a:t>M</a:t>
+            </a:r>
+            <a:r>
+              <a:rPr lang="ru-RU" dirty="0"/>
+              <a:t> классов, </a:t>
+            </a:r>
+            <a:r>
+              <a:rPr lang="ru-RU" dirty="0" err="1"/>
+              <a:t>M</a:t>
+            </a:r>
+            <a:r>
+              <a:rPr lang="ru-RU" dirty="0"/>
+              <a:t>&gt;2</a:t>
+            </a:r>
+            <a:r>
+              <a:rPr lang="ru-RU" dirty="0" smtClean="0"/>
+              <a:t>)</a:t>
+            </a:r>
+          </a:p>
+          <a:p>
+            <a:r>
+              <a:rPr lang="ru-RU" b="1" dirty="0" smtClean="0"/>
+              <a:t>Уровень </a:t>
+            </a:r>
+            <a:r>
+              <a:rPr lang="ru-RU" b="1" dirty="0"/>
+              <a:t>детализации лейблов:</a:t>
+            </a:r>
+            <a:r>
+              <a:rPr lang="ru-RU" dirty="0"/>
+              <a:t> </a:t>
+            </a:r>
+            <a:r>
+              <a:rPr lang="ru-RU" dirty="0" smtClean="0"/>
+              <a:t>Исследование/серия/изображение</a:t>
+            </a:r>
+          </a:p>
+          <a:p>
+            <a:r>
+              <a:rPr lang="ru-RU" b="1" dirty="0" smtClean="0"/>
+              <a:t>Названия </a:t>
+            </a:r>
+            <a:r>
+              <a:rPr lang="ru-RU" b="1" dirty="0"/>
+              <a:t>лейблов:</a:t>
+            </a:r>
+            <a:r>
+              <a:rPr lang="ru-RU" dirty="0"/>
+              <a:t> Признаки поражения паренхимы легкого при </a:t>
+            </a:r>
+            <a:r>
+              <a:rPr lang="ru-RU" dirty="0" err="1"/>
+              <a:t>COVID-19</a:t>
+            </a:r>
+            <a:r>
+              <a:rPr lang="ru-RU" dirty="0"/>
+              <a:t> согласно -Базовые диагностические требования от августа </a:t>
+            </a:r>
+            <a:r>
+              <a:rPr lang="ru-RU" dirty="0" err="1" smtClean="0"/>
+              <a:t>2021г</a:t>
+            </a:r>
+            <a:endParaRPr lang="ru-RU" dirty="0" smtClean="0"/>
+          </a:p>
+          <a:p>
+            <a:r>
+              <a:rPr lang="ru-RU" b="1" dirty="0" smtClean="0"/>
+              <a:t>Количество </a:t>
+            </a:r>
+            <a:r>
+              <a:rPr lang="ru-RU" b="1" dirty="0"/>
+              <a:t>классов:</a:t>
+            </a:r>
+            <a:r>
+              <a:rPr lang="ru-RU" dirty="0"/>
+              <a:t> </a:t>
+            </a:r>
+            <a:r>
+              <a:rPr lang="ru-RU" dirty="0" smtClean="0"/>
+              <a:t>2</a:t>
+            </a:r>
+          </a:p>
+          <a:p>
+            <a:r>
+              <a:rPr lang="ru-RU" b="1" dirty="0" smtClean="0"/>
+              <a:t>Названия </a:t>
+            </a:r>
+            <a:r>
+              <a:rPr lang="ru-RU" b="1" dirty="0"/>
+              <a:t>классов:</a:t>
+            </a:r>
+            <a:r>
+              <a:rPr lang="ru-RU" dirty="0"/>
+              <a:t> Без целевой патологии - 0; С целевой патологией </a:t>
+            </a:r>
+            <a:r>
+              <a:rPr lang="ru-RU" dirty="0" smtClean="0"/>
+              <a:t>– 1</a:t>
+            </a:r>
+          </a:p>
+          <a:p>
+            <a:r>
+              <a:rPr lang="ru-RU" b="1" dirty="0" smtClean="0"/>
+              <a:t>Количество </a:t>
+            </a:r>
+            <a:r>
+              <a:rPr lang="ru-RU" b="1" dirty="0"/>
+              <a:t>по классам:</a:t>
+            </a:r>
+            <a:r>
+              <a:rPr lang="ru-RU" dirty="0"/>
+              <a:t> КТ-0 ― 254 (22,8%), КТ-1 ― 684 (61,6%), КТ-2 ― 125 (11,3%), КТ-3 ― 45 (4,1%), КТ-4 ― 2 (0,2</a:t>
+            </a:r>
+            <a:r>
+              <a:rPr lang="ru-RU" dirty="0" smtClean="0"/>
+              <a:t>%).</a:t>
+            </a:r>
+          </a:p>
+          <a:p>
+            <a:r>
+              <a:rPr lang="ru-RU" b="1" dirty="0" smtClean="0"/>
+              <a:t>Критерии </a:t>
+            </a:r>
+            <a:r>
+              <a:rPr lang="ru-RU" b="1" dirty="0"/>
+              <a:t>отнесения к </a:t>
+            </a:r>
+            <a:r>
+              <a:rPr lang="ru-RU" b="1" dirty="0" err="1"/>
+              <a:t>классам:</a:t>
+            </a:r>
+            <a:r>
+              <a:rPr lang="ru-RU" dirty="0" err="1"/>
+              <a:t>С</a:t>
+            </a:r>
+            <a:r>
+              <a:rPr lang="ru-RU" dirty="0"/>
+              <a:t> патологией:</a:t>
+            </a:r>
+          </a:p>
+          <a:p>
+            <a:r>
+              <a:rPr lang="ru-RU" dirty="0"/>
+              <a:t>Инфильтрация легочной паренхимы по типу матовых стекол с обеих сторон, преимущественно периферической локализации с или без инфильтрацией легочной паренхимы по типу консолидации с положительным признаком воздушной </a:t>
+            </a:r>
+            <a:r>
+              <a:rPr lang="ru-RU" dirty="0" err="1"/>
+              <a:t>бронхограммы</a:t>
+            </a:r>
+            <a:r>
+              <a:rPr lang="ru-RU" dirty="0"/>
+              <a:t>;</a:t>
+            </a:r>
+          </a:p>
+          <a:p>
+            <a:r>
+              <a:rPr lang="ru-RU" dirty="0"/>
+              <a:t>Инфильтрация легочной паренхимы по типу булыжной мостовой (утолщение </a:t>
+            </a:r>
+            <a:r>
+              <a:rPr lang="ru-RU" dirty="0" err="1"/>
+              <a:t>междолькового</a:t>
+            </a:r>
+            <a:r>
+              <a:rPr lang="ru-RU" dirty="0"/>
+              <a:t> </a:t>
+            </a:r>
+            <a:r>
+              <a:rPr lang="ru-RU" dirty="0" err="1"/>
+              <a:t>интерстиция</a:t>
+            </a:r>
+            <a:r>
+              <a:rPr lang="ru-RU" dirty="0"/>
+              <a:t> на фоне матового стекла) с обеих сторон, преимущественно периферической локализации, с или или без инфильтрацией легочной паренхимы по типу консолидации с положительным признаком воздушной </a:t>
+            </a:r>
+            <a:r>
+              <a:rPr lang="ru-RU" dirty="0" err="1"/>
+              <a:t>бронхограммы</a:t>
+            </a:r>
+            <a:r>
+              <a:rPr lang="ru-RU" dirty="0"/>
+              <a:t>.</a:t>
+            </a:r>
+          </a:p>
+          <a:p>
+            <a:r>
+              <a:rPr lang="ru-RU" dirty="0"/>
+              <a:t>Без патологии: отсутствие вышеперечисленных признаков</a:t>
+            </a:r>
+          </a:p>
+          <a:p>
+            <a:r>
+              <a:rPr lang="ru-RU" b="1" dirty="0" err="1"/>
+              <a:t>ВерификацияМетод</a:t>
+            </a:r>
+            <a:r>
+              <a:rPr lang="ru-RU" b="1" dirty="0"/>
+              <a:t> верификации:</a:t>
+            </a:r>
+            <a:r>
+              <a:rPr lang="ru-RU" dirty="0"/>
+              <a:t> Экспертная оценка разметки (1 эксперт либо консенсус)</a:t>
+            </a:r>
+          </a:p>
+          <a:p>
+            <a:endParaRPr lang="ru-RU" dirty="0"/>
+          </a:p>
+        </p:txBody>
+      </p:sp>
+    </p:spTree>
+  </p:cSld>
+  <p:clrMapOvr>
+    <a:masterClrMapping/>
+  </p:clrMapOvr>
+</p:sld>
+</file>
+
+<file path=ppt/slides/slide31.xml><?xml version="1.0" encoding="utf-8"?>
+<p:sld xmlns:a="http://schemas.openxmlformats.org/drawingml/2006/main" xmlns:r="http://schemas.openxmlformats.org/officeDocument/2006/relationships" xmlns:p="http://schemas.openxmlformats.org/presentationml/2006/main">
+  <p:cSld>
+    <p:spTree>
+      <p:nvGrpSpPr>
+        <p:cNvPr id="1" name=""/>
+        <p:cNvGrpSpPr/>
+        <p:nvPr/>
+      </p:nvGrpSpPr>
+      <p:grpSpPr>
+        <a:xfrm>
+          <a:off x="0" y="0"/>
+          <a:ext cx="0" cy="0"/>
+          <a:chOff x="0" y="0"/>
+          <a:chExt cx="0" cy="0"/>
+        </a:xfrm>
+      </p:grpSpPr>
+      <p:sp>
+        <p:nvSpPr>
+          <p:cNvPr id="2" name="Заголовок 1"/>
+          <p:cNvSpPr>
+            <a:spLocks noGrp="1"/>
+          </p:cNvSpPr>
+          <p:nvPr>
+            <p:ph type="title"/>
+          </p:nvPr>
+        </p:nvSpPr>
+        <p:spPr/>
+        <p:txBody>
+          <a:bodyPr>
+            <a:normAutofit/>
+          </a:bodyPr>
+          <a:lstStyle/>
+          <a:p>
+            <a:r>
+              <a:rPr lang="ru-RU" dirty="0" smtClean="0">
+                <a:hlinkClick r:id="rId2"/>
+              </a:rPr>
+              <a:t>Технические параметры</a:t>
+            </a:r>
+            <a:endParaRPr lang="ru-RU" dirty="0"/>
+          </a:p>
+        </p:txBody>
+      </p:sp>
+      <p:sp>
+        <p:nvSpPr>
+          <p:cNvPr id="3" name="Содержимое 2"/>
+          <p:cNvSpPr>
+            <a:spLocks noGrp="1"/>
+          </p:cNvSpPr>
+          <p:nvPr>
+            <p:ph idx="1"/>
+          </p:nvPr>
+        </p:nvSpPr>
+        <p:spPr/>
+        <p:txBody>
+          <a:bodyPr>
+            <a:normAutofit fontScale="47500" lnSpcReduction="20000"/>
+          </a:bodyPr>
+          <a:lstStyle/>
+          <a:p>
+            <a:r>
+              <a:rPr lang="ru-RU" b="1" dirty="0" smtClean="0"/>
+              <a:t>Условия </a:t>
+            </a:r>
+            <a:r>
+              <a:rPr lang="ru-RU" b="1" dirty="0"/>
+              <a:t>сбора </a:t>
+            </a:r>
+            <a:r>
+              <a:rPr lang="ru-RU" b="1" dirty="0" smtClean="0"/>
+              <a:t>данных</a:t>
+            </a:r>
+          </a:p>
+          <a:p>
+            <a:pPr>
+              <a:buNone/>
+            </a:pPr>
+            <a:r>
+              <a:rPr lang="ru-RU" b="1" dirty="0" smtClean="0"/>
+              <a:t>	Критерии </a:t>
+            </a:r>
+            <a:r>
+              <a:rPr lang="ru-RU" b="1" dirty="0"/>
+              <a:t>включения/</a:t>
+            </a:r>
+            <a:r>
+              <a:rPr lang="ru-RU" b="1" dirty="0" err="1"/>
+              <a:t>невключения</a:t>
+            </a:r>
+            <a:r>
+              <a:rPr lang="ru-RU" b="1" dirty="0"/>
+              <a:t> исследования в </a:t>
+            </a:r>
+            <a:r>
+              <a:rPr lang="ru-RU" b="1" dirty="0" err="1"/>
+              <a:t>датасет:</a:t>
+            </a:r>
+            <a:r>
+              <a:rPr lang="ru-RU" dirty="0" err="1"/>
+              <a:t>Сбор</a:t>
+            </a:r>
+            <a:r>
+              <a:rPr lang="ru-RU" dirty="0"/>
+              <a:t> данных осуществлялся в 48 медицинских организаций в период с 1 марта по 25 апреля 2020 г у пациентов с подозрением на изменения в легких при </a:t>
+            </a:r>
+            <a:r>
+              <a:rPr lang="ru-RU" dirty="0" err="1"/>
+              <a:t>COVID-19</a:t>
+            </a:r>
+            <a:endParaRPr lang="ru-RU" dirty="0"/>
+          </a:p>
+          <a:p>
+            <a:pPr>
+              <a:buNone/>
+            </a:pPr>
+            <a:r>
+              <a:rPr lang="ru-RU" b="1" dirty="0" smtClean="0"/>
+              <a:t>	Протоколы </a:t>
+            </a:r>
+            <a:r>
+              <a:rPr lang="ru-RU" b="1" dirty="0"/>
+              <a:t>и условия сбора </a:t>
+            </a:r>
+            <a:r>
+              <a:rPr lang="ru-RU" b="1" dirty="0" err="1"/>
+              <a:t>данных:</a:t>
+            </a:r>
+            <a:r>
+              <a:rPr lang="ru-RU" dirty="0" err="1"/>
+              <a:t>КТ-протокол</a:t>
+            </a:r>
+            <a:r>
+              <a:rPr lang="ru-RU" dirty="0"/>
+              <a:t> сканирования </a:t>
+            </a:r>
+            <a:r>
+              <a:rPr lang="ru-RU" dirty="0" err="1"/>
+              <a:t>Chest</a:t>
+            </a:r>
+            <a:r>
+              <a:rPr lang="ru-RU" dirty="0"/>
+              <a:t> (рутинные КТ грудной клетки), сканирование выполнено в положении пациента на спине, при задержке дыхания на глубине вдоха, руки убраны за голову</a:t>
+            </a:r>
+          </a:p>
+          <a:p>
+            <a:r>
+              <a:rPr lang="ru-RU" b="1" dirty="0"/>
+              <a:t>Единичная запись набора </a:t>
+            </a:r>
+            <a:r>
+              <a:rPr lang="ru-RU" b="1" dirty="0" smtClean="0"/>
+              <a:t>данных</a:t>
+            </a:r>
+          </a:p>
+          <a:p>
+            <a:pPr>
+              <a:buNone/>
+            </a:pPr>
+            <a:r>
+              <a:rPr lang="ru-RU" b="1" dirty="0"/>
+              <a:t>	</a:t>
+            </a:r>
+            <a:r>
+              <a:rPr lang="ru-RU" b="1" dirty="0" smtClean="0"/>
+              <a:t>Объект </a:t>
+            </a:r>
+            <a:r>
+              <a:rPr lang="ru-RU" b="1" dirty="0"/>
+              <a:t>разметки:</a:t>
+            </a:r>
+            <a:r>
+              <a:rPr lang="ru-RU" dirty="0"/>
+              <a:t> </a:t>
+            </a:r>
+            <a:r>
+              <a:rPr lang="ru-RU" dirty="0" smtClean="0"/>
+              <a:t>Исследование</a:t>
+            </a:r>
+          </a:p>
+          <a:p>
+            <a:pPr>
+              <a:buNone/>
+            </a:pPr>
+            <a:r>
+              <a:rPr lang="ru-RU" b="1" dirty="0" smtClean="0"/>
+              <a:t>	Результат </a:t>
+            </a:r>
+            <a:r>
+              <a:rPr lang="ru-RU" b="1" dirty="0"/>
+              <a:t>разметки:</a:t>
+            </a:r>
+            <a:r>
+              <a:rPr lang="ru-RU" dirty="0"/>
+              <a:t> Целевая патология / отсутствие целевой патологии; бинарные маски </a:t>
+            </a:r>
+            <a:r>
+              <a:rPr lang="ru-RU" dirty="0" smtClean="0"/>
+              <a:t>изображений</a:t>
+            </a:r>
+          </a:p>
+          <a:p>
+            <a:r>
+              <a:rPr lang="ru-RU" b="1" dirty="0" smtClean="0"/>
+              <a:t>Форматы </a:t>
+            </a:r>
+            <a:r>
+              <a:rPr lang="ru-RU" b="1" dirty="0"/>
+              <a:t>записи набора </a:t>
+            </a:r>
+            <a:r>
+              <a:rPr lang="ru-RU" b="1" dirty="0" smtClean="0"/>
+              <a:t>данных</a:t>
+            </a:r>
+          </a:p>
+          <a:p>
+            <a:pPr>
+              <a:buNone/>
+            </a:pPr>
+            <a:r>
+              <a:rPr lang="ru-RU" b="1" dirty="0"/>
+              <a:t>	</a:t>
+            </a:r>
+            <a:r>
+              <a:rPr lang="ru-RU" b="1" dirty="0" smtClean="0"/>
+              <a:t>Объект </a:t>
+            </a:r>
+            <a:r>
+              <a:rPr lang="ru-RU" b="1" dirty="0"/>
+              <a:t>разметки:</a:t>
+            </a:r>
+            <a:r>
+              <a:rPr lang="ru-RU" dirty="0"/>
+              <a:t> </a:t>
+            </a:r>
+            <a:r>
+              <a:rPr lang="ru-RU" dirty="0" err="1" smtClean="0"/>
+              <a:t>NIFTI</a:t>
+            </a:r>
+            <a:endParaRPr lang="ru-RU" dirty="0" smtClean="0"/>
+          </a:p>
+          <a:p>
+            <a:pPr>
+              <a:buNone/>
+            </a:pPr>
+            <a:r>
+              <a:rPr lang="ru-RU" b="1" dirty="0"/>
+              <a:t>	</a:t>
+            </a:r>
+            <a:r>
+              <a:rPr lang="ru-RU" b="1" dirty="0" smtClean="0"/>
+              <a:t>Результат </a:t>
+            </a:r>
+            <a:r>
+              <a:rPr lang="ru-RU" b="1" dirty="0"/>
+              <a:t>разметки:</a:t>
+            </a:r>
+            <a:r>
+              <a:rPr lang="ru-RU" dirty="0"/>
+              <a:t> </a:t>
+            </a:r>
+            <a:r>
+              <a:rPr lang="ru-RU" dirty="0" smtClean="0"/>
+              <a:t>Табличный</a:t>
+            </a:r>
+          </a:p>
+          <a:p>
+            <a:r>
+              <a:rPr lang="ru-RU" b="1" dirty="0" smtClean="0"/>
+              <a:t>Объем данных</a:t>
+            </a:r>
+          </a:p>
+          <a:p>
+            <a:pPr>
+              <a:buNone/>
+            </a:pPr>
+            <a:r>
+              <a:rPr lang="ru-RU" b="1" dirty="0"/>
+              <a:t>	</a:t>
+            </a:r>
+            <a:r>
+              <a:rPr lang="ru-RU" b="1" dirty="0" smtClean="0"/>
+              <a:t>Количество </a:t>
+            </a:r>
+            <a:r>
+              <a:rPr lang="ru-RU" b="1" dirty="0"/>
+              <a:t>исследований набора данных:</a:t>
+            </a:r>
+            <a:r>
+              <a:rPr lang="ru-RU" dirty="0"/>
+              <a:t> </a:t>
+            </a:r>
+            <a:r>
+              <a:rPr lang="ru-RU" dirty="0" smtClean="0"/>
+              <a:t>1110</a:t>
+            </a:r>
+          </a:p>
+          <a:p>
+            <a:pPr>
+              <a:buNone/>
+            </a:pPr>
+            <a:r>
+              <a:rPr lang="ru-RU" b="1" dirty="0"/>
+              <a:t>	</a:t>
+            </a:r>
+            <a:r>
+              <a:rPr lang="ru-RU" b="1" dirty="0" smtClean="0"/>
+              <a:t>Количество </a:t>
+            </a:r>
+            <a:r>
+              <a:rPr lang="ru-RU" b="1" dirty="0"/>
+              <a:t>уникальных источников (</a:t>
+            </a:r>
+            <a:r>
+              <a:rPr lang="ru-RU" b="1" dirty="0" err="1"/>
+              <a:t>ДУ</a:t>
+            </a:r>
+            <a:r>
+              <a:rPr lang="ru-RU" b="1" dirty="0"/>
+              <a:t>):</a:t>
+            </a:r>
+            <a:r>
+              <a:rPr lang="ru-RU" dirty="0"/>
+              <a:t> 48</a:t>
+            </a:r>
+          </a:p>
+          <a:p>
+            <a:endParaRPr lang="ru-RU" dirty="0"/>
+          </a:p>
+        </p:txBody>
+      </p:sp>
+    </p:spTree>
+  </p:cSld>
+  <p:clrMapOvr>
+    <a:masterClrMapping/>
+  </p:clrMapOvr>
+</p:sld>
+</file>
+
+<file path=ppt/slides/slide32.xml><?xml version="1.0" encoding="utf-8"?>
+<p:sld xmlns:a="http://schemas.openxmlformats.org/drawingml/2006/main" xmlns:r="http://schemas.openxmlformats.org/officeDocument/2006/relationships" xmlns:p="http://schemas.openxmlformats.org/presentationml/2006/main">
+  <p:cSld>
+    <p:spTree>
+      <p:nvGrpSpPr>
+        <p:cNvPr id="1" name=""/>
+        <p:cNvGrpSpPr/>
+        <p:nvPr/>
+      </p:nvGrpSpPr>
+      <p:grpSpPr>
+        <a:xfrm>
+          <a:off x="0" y="0"/>
+          <a:ext cx="0" cy="0"/>
+          <a:chOff x="0" y="0"/>
+          <a:chExt cx="0" cy="0"/>
+        </a:xfrm>
+      </p:grpSpPr>
+      <p:sp>
+        <p:nvSpPr>
+          <p:cNvPr id="2" name="Заголовок 1"/>
+          <p:cNvSpPr>
+            <a:spLocks noGrp="1"/>
+          </p:cNvSpPr>
+          <p:nvPr>
+            <p:ph type="title"/>
+          </p:nvPr>
+        </p:nvSpPr>
+        <p:spPr/>
+        <p:txBody>
+          <a:bodyPr>
+            <a:normAutofit/>
+          </a:bodyPr>
+          <a:lstStyle/>
+          <a:p>
+            <a:r>
               <a:rPr lang="ru-RU" sz="2000" b="1" dirty="0"/>
               <a:t>Эксперимент по внедрению технологий искусственного интеллекта</a:t>
             </a:r>
@@ -6236,7 +6438,7 @@
 </p:sld>
 </file>
 
-<file path=ppt/slides/slide31.xml><?xml version="1.0" encoding="utf-8"?>
+<file path=ppt/slides/slide33.xml><?xml version="1.0" encoding="utf-8"?>
 <p:sld xmlns:a="http://schemas.openxmlformats.org/drawingml/2006/main" xmlns:r="http://schemas.openxmlformats.org/officeDocument/2006/relationships" xmlns:p="http://schemas.openxmlformats.org/presentationml/2006/main">
   <p:cSld>
     <p:spTree>
@@ -6320,7 +6522,7 @@
 </p:sld>
 </file>
 
-<file path=ppt/slides/slide32.xml><?xml version="1.0" encoding="utf-8"?>
+<file path=ppt/slides/slide34.xml><?xml version="1.0" encoding="utf-8"?>
 <p:sld xmlns:a="http://schemas.openxmlformats.org/drawingml/2006/main" xmlns:r="http://schemas.openxmlformats.org/officeDocument/2006/relationships" xmlns:p="http://schemas.openxmlformats.org/presentationml/2006/main">
   <p:cSld>
     <p:spTree>

--- a/slides.pptx
+++ b/slides.pptx
@@ -7,38 +7,39 @@
   <p:sldIdLst>
     <p:sldId id="256" r:id="rId2"/>
     <p:sldId id="286" r:id="rId3"/>
-    <p:sldId id="265" r:id="rId4"/>
-    <p:sldId id="266" r:id="rId5"/>
-    <p:sldId id="268" r:id="rId6"/>
-    <p:sldId id="282" r:id="rId7"/>
-    <p:sldId id="283" r:id="rId8"/>
-    <p:sldId id="284" r:id="rId9"/>
-    <p:sldId id="285" r:id="rId10"/>
-    <p:sldId id="287" r:id="rId11"/>
-    <p:sldId id="288" r:id="rId12"/>
-    <p:sldId id="289" r:id="rId13"/>
-    <p:sldId id="290" r:id="rId14"/>
-    <p:sldId id="267" r:id="rId15"/>
-    <p:sldId id="269" r:id="rId16"/>
-    <p:sldId id="273" r:id="rId17"/>
-    <p:sldId id="274" r:id="rId18"/>
-    <p:sldId id="275" r:id="rId19"/>
-    <p:sldId id="277" r:id="rId20"/>
-    <p:sldId id="276" r:id="rId21"/>
-    <p:sldId id="278" r:id="rId22"/>
-    <p:sldId id="270" r:id="rId23"/>
-    <p:sldId id="272" r:id="rId24"/>
-    <p:sldId id="280" r:id="rId25"/>
-    <p:sldId id="279" r:id="rId26"/>
-    <p:sldId id="264" r:id="rId27"/>
-    <p:sldId id="259" r:id="rId28"/>
-    <p:sldId id="260" r:id="rId29"/>
-    <p:sldId id="262" r:id="rId30"/>
-    <p:sldId id="261" r:id="rId31"/>
-    <p:sldId id="263" r:id="rId32"/>
-    <p:sldId id="258" r:id="rId33"/>
-    <p:sldId id="281" r:id="rId34"/>
-    <p:sldId id="257" r:id="rId35"/>
+    <p:sldId id="291" r:id="rId4"/>
+    <p:sldId id="265" r:id="rId5"/>
+    <p:sldId id="266" r:id="rId6"/>
+    <p:sldId id="268" r:id="rId7"/>
+    <p:sldId id="282" r:id="rId8"/>
+    <p:sldId id="283" r:id="rId9"/>
+    <p:sldId id="284" r:id="rId10"/>
+    <p:sldId id="285" r:id="rId11"/>
+    <p:sldId id="287" r:id="rId12"/>
+    <p:sldId id="288" r:id="rId13"/>
+    <p:sldId id="289" r:id="rId14"/>
+    <p:sldId id="290" r:id="rId15"/>
+    <p:sldId id="267" r:id="rId16"/>
+    <p:sldId id="269" r:id="rId17"/>
+    <p:sldId id="273" r:id="rId18"/>
+    <p:sldId id="274" r:id="rId19"/>
+    <p:sldId id="275" r:id="rId20"/>
+    <p:sldId id="277" r:id="rId21"/>
+    <p:sldId id="276" r:id="rId22"/>
+    <p:sldId id="278" r:id="rId23"/>
+    <p:sldId id="270" r:id="rId24"/>
+    <p:sldId id="272" r:id="rId25"/>
+    <p:sldId id="280" r:id="rId26"/>
+    <p:sldId id="279" r:id="rId27"/>
+    <p:sldId id="264" r:id="rId28"/>
+    <p:sldId id="259" r:id="rId29"/>
+    <p:sldId id="260" r:id="rId30"/>
+    <p:sldId id="262" r:id="rId31"/>
+    <p:sldId id="261" r:id="rId32"/>
+    <p:sldId id="263" r:id="rId33"/>
+    <p:sldId id="258" r:id="rId34"/>
+    <p:sldId id="281" r:id="rId35"/>
+    <p:sldId id="257" r:id="rId36"/>
   </p:sldIdLst>
   <p:sldSz cx="9144000" cy="6858000" type="screen4x3"/>
   <p:notesSz cx="6858000" cy="9144000"/>
@@ -3186,6 +3187,92 @@
         </p:nvSpPr>
         <p:spPr/>
         <p:txBody>
+          <a:bodyPr/>
+          <a:lstStyle/>
+          <a:p>
+            <a:r>
+              <a:rPr lang="ru-RU" dirty="0" err="1" smtClean="0"/>
+              <a:t>Полносвязный</a:t>
+            </a:r>
+            <a:r>
+              <a:rPr lang="ru-RU" dirty="0" smtClean="0"/>
+              <a:t> слой</a:t>
+            </a:r>
+            <a:endParaRPr lang="ru-RU" dirty="0"/>
+          </a:p>
+        </p:txBody>
+      </p:sp>
+      <p:pic>
+        <p:nvPicPr>
+          <p:cNvPr id="4098" name="Picture 2"/>
+          <p:cNvPicPr>
+            <a:picLocks noGrp="1" noChangeAspect="1" noChangeArrowheads="1"/>
+          </p:cNvPicPr>
+          <p:nvPr>
+            <p:ph idx="1"/>
+          </p:nvPr>
+        </p:nvPicPr>
+        <p:blipFill>
+          <a:blip r:embed="rId2" cstate="print"/>
+          <a:srcRect/>
+          <a:stretch>
+            <a:fillRect/>
+          </a:stretch>
+        </p:blipFill>
+        <p:spPr bwMode="auto">
+          <a:xfrm>
+            <a:off x="1455420" y="2693511"/>
+            <a:ext cx="6233160" cy="2339340"/>
+          </a:xfrm>
+          <a:prstGeom prst="rect">
+            <a:avLst/>
+          </a:prstGeom>
+          <a:noFill/>
+          <a:ln w="9525">
+            <a:noFill/>
+            <a:miter lim="800000"/>
+            <a:headEnd/>
+            <a:tailEnd/>
+          </a:ln>
+        </p:spPr>
+      </p:pic>
+    </p:spTree>
+  </p:cSld>
+  <p:clrMapOvr>
+    <a:masterClrMapping/>
+  </p:clrMapOvr>
+</p:sld>
+</file>
+
+<file path=ppt/slides/slide11.xml><?xml version="1.0" encoding="utf-8"?>
+<p:sld xmlns:a="http://schemas.openxmlformats.org/drawingml/2006/main" xmlns:r="http://schemas.openxmlformats.org/officeDocument/2006/relationships" xmlns:p="http://schemas.openxmlformats.org/presentationml/2006/main">
+  <p:cSld>
+    <p:spTree>
+      <p:nvGrpSpPr>
+        <p:cNvPr id="1" name=""/>
+        <p:cNvGrpSpPr/>
+        <p:nvPr/>
+      </p:nvGrpSpPr>
+      <p:grpSpPr>
+        <a:xfrm>
+          <a:off x="0" y="0"/>
+          <a:ext cx="0" cy="0"/>
+          <a:chOff x="0" y="0"/>
+          <a:chExt cx="0" cy="0"/>
+        </a:xfrm>
+      </p:grpSpPr>
+      <p:sp>
+        <p:nvSpPr>
+          <p:cNvPr id="2" name="Заголовок 1"/>
+          <p:cNvSpPr>
+            <a:spLocks noGrp="1"/>
+          </p:cNvSpPr>
+          <p:nvPr>
+            <p:ph type="title"/>
+          </p:nvPr>
+        </p:nvSpPr>
+        <p:spPr/>
+        <p:txBody>
           <a:bodyPr>
             <a:normAutofit/>
           </a:bodyPr>
@@ -3258,7 +3345,7 @@
 </p:sld>
 </file>
 
-<file path=ppt/slides/slide11.xml><?xml version="1.0" encoding="utf-8"?>
+<file path=ppt/slides/slide12.xml><?xml version="1.0" encoding="utf-8"?>
 <p:sld xmlns:a="http://schemas.openxmlformats.org/drawingml/2006/main" xmlns:r="http://schemas.openxmlformats.org/officeDocument/2006/relationships" xmlns:p="http://schemas.openxmlformats.org/presentationml/2006/main">
   <p:cSld>
     <p:spTree>
@@ -3342,7 +3429,7 @@
 </p:sld>
 </file>
 
-<file path=ppt/slides/slide12.xml><?xml version="1.0" encoding="utf-8"?>
+<file path=ppt/slides/slide13.xml><?xml version="1.0" encoding="utf-8"?>
 <p:sld xmlns:a="http://schemas.openxmlformats.org/drawingml/2006/main" xmlns:r="http://schemas.openxmlformats.org/officeDocument/2006/relationships" xmlns:p="http://schemas.openxmlformats.org/presentationml/2006/main">
   <p:cSld>
     <p:spTree>
@@ -3456,92 +3543,6 @@
 </p:sld>
 </file>
 
-<file path=ppt/slides/slide13.xml><?xml version="1.0" encoding="utf-8"?>
-<p:sld xmlns:a="http://schemas.openxmlformats.org/drawingml/2006/main" xmlns:r="http://schemas.openxmlformats.org/officeDocument/2006/relationships" xmlns:p="http://schemas.openxmlformats.org/presentationml/2006/main">
-  <p:cSld>
-    <p:spTree>
-      <p:nvGrpSpPr>
-        <p:cNvPr id="1" name=""/>
-        <p:cNvGrpSpPr/>
-        <p:nvPr/>
-      </p:nvGrpSpPr>
-      <p:grpSpPr>
-        <a:xfrm>
-          <a:off x="0" y="0"/>
-          <a:ext cx="0" cy="0"/>
-          <a:chOff x="0" y="0"/>
-          <a:chExt cx="0" cy="0"/>
-        </a:xfrm>
-      </p:grpSpPr>
-      <p:sp>
-        <p:nvSpPr>
-          <p:cNvPr id="2" name="Заголовок 1"/>
-          <p:cNvSpPr>
-            <a:spLocks noGrp="1"/>
-          </p:cNvSpPr>
-          <p:nvPr>
-            <p:ph type="title"/>
-          </p:nvPr>
-        </p:nvSpPr>
-        <p:spPr/>
-        <p:txBody>
-          <a:bodyPr/>
-          <a:lstStyle/>
-          <a:p>
-            <a:r>
-              <a:rPr lang="ru-RU" dirty="0" err="1" smtClean="0"/>
-              <a:t>Полносвязный</a:t>
-            </a:r>
-            <a:r>
-              <a:rPr lang="ru-RU" dirty="0" smtClean="0"/>
-              <a:t> слой</a:t>
-            </a:r>
-            <a:endParaRPr lang="ru-RU" dirty="0"/>
-          </a:p>
-        </p:txBody>
-      </p:sp>
-      <p:pic>
-        <p:nvPicPr>
-          <p:cNvPr id="9218" name="Picture 2"/>
-          <p:cNvPicPr>
-            <a:picLocks noGrp="1" noChangeAspect="1" noChangeArrowheads="1"/>
-          </p:cNvPicPr>
-          <p:nvPr>
-            <p:ph idx="1"/>
-          </p:nvPr>
-        </p:nvPicPr>
-        <p:blipFill>
-          <a:blip r:embed="rId2" cstate="print"/>
-          <a:srcRect/>
-          <a:stretch>
-            <a:fillRect/>
-          </a:stretch>
-        </p:blipFill>
-        <p:spPr bwMode="auto">
-          <a:xfrm>
-            <a:off x="457200" y="1721487"/>
-            <a:ext cx="8229600" cy="4283388"/>
-          </a:xfrm>
-          <a:prstGeom prst="rect">
-            <a:avLst/>
-          </a:prstGeom>
-          <a:noFill/>
-          <a:ln w="9525">
-            <a:noFill/>
-            <a:miter lim="800000"/>
-            <a:headEnd/>
-            <a:tailEnd/>
-          </a:ln>
-        </p:spPr>
-      </p:pic>
-    </p:spTree>
-  </p:cSld>
-  <p:clrMapOvr>
-    <a:masterClrMapping/>
-  </p:clrMapOvr>
-</p:sld>
-</file>
-
 <file path=ppt/slides/slide14.xml><?xml version="1.0" encoding="utf-8"?>
 <p:sld xmlns:a="http://schemas.openxmlformats.org/drawingml/2006/main" xmlns:r="http://schemas.openxmlformats.org/officeDocument/2006/relationships" xmlns:p="http://schemas.openxmlformats.org/presentationml/2006/main">
   <p:cSld>
@@ -3575,20 +3576,12 @@
           <a:lstStyle/>
           <a:p>
             <a:r>
+              <a:rPr lang="ru-RU" dirty="0" err="1" smtClean="0"/>
+              <a:t>Полносвязный</a:t>
+            </a:r>
+            <a:r>
               <a:rPr lang="ru-RU" dirty="0" smtClean="0"/>
-              <a:t>Архитектура</a:t>
-            </a:r>
-            <a:r>
-              <a:rPr lang="en-US" dirty="0" smtClean="0"/>
-              <a:t> </a:t>
-            </a:r>
-            <a:r>
-              <a:rPr lang="en-US" dirty="0" err="1" smtClean="0"/>
-              <a:t>COVID</a:t>
-            </a:r>
-            <a:r>
-              <a:rPr lang="en-US" dirty="0" smtClean="0"/>
-              <a:t>-Net</a:t>
+              <a:t> слой</a:t>
             </a:r>
             <a:endParaRPr lang="ru-RU" dirty="0"/>
           </a:p>
@@ -3596,7 +3589,7 @@
       </p:sp>
       <p:pic>
         <p:nvPicPr>
-          <p:cNvPr id="3074" name="Picture 2"/>
+          <p:cNvPr id="9218" name="Picture 2"/>
           <p:cNvPicPr>
             <a:picLocks noGrp="1" noChangeAspect="1" noChangeArrowheads="1"/>
           </p:cNvPicPr>
@@ -3613,8 +3606,8 @@
         </p:blipFill>
         <p:spPr bwMode="auto">
           <a:xfrm>
-            <a:off x="457200" y="2528388"/>
-            <a:ext cx="8229600" cy="2669586"/>
+            <a:off x="457200" y="1721487"/>
+            <a:ext cx="8229600" cy="4283388"/>
           </a:xfrm>
           <a:prstGeom prst="rect">
             <a:avLst/>
@@ -3670,15 +3663,19 @@
           <a:p>
             <a:r>
               <a:rPr lang="ru-RU" dirty="0" smtClean="0"/>
-              <a:t>Архитектура </a:t>
+              <a:t>Архитектура</a:t>
             </a:r>
             <a:r>
               <a:rPr lang="en-US" dirty="0" smtClean="0"/>
-              <a:t> AC-</a:t>
+              <a:t> </a:t>
             </a:r>
             <a:r>
               <a:rPr lang="en-US" dirty="0" err="1" smtClean="0"/>
-              <a:t>CovidNet</a:t>
+              <a:t>COVID</a:t>
+            </a:r>
+            <a:r>
+              <a:rPr lang="en-US" dirty="0" smtClean="0"/>
+              <a:t>-Net</a:t>
             </a:r>
             <a:endParaRPr lang="ru-RU" dirty="0"/>
           </a:p>
@@ -3686,7 +3683,7 @@
       </p:sp>
       <p:pic>
         <p:nvPicPr>
-          <p:cNvPr id="1028" name="Picture 4"/>
+          <p:cNvPr id="3074" name="Picture 2"/>
           <p:cNvPicPr>
             <a:picLocks noGrp="1" noChangeAspect="1" noChangeArrowheads="1"/>
           </p:cNvPicPr>
@@ -3703,8 +3700,8 @@
         </p:blipFill>
         <p:spPr bwMode="auto">
           <a:xfrm>
-            <a:off x="2338925" y="1600200"/>
-            <a:ext cx="4466149" cy="4525963"/>
+            <a:off x="457200" y="2528388"/>
+            <a:ext cx="8229600" cy="2669586"/>
           </a:xfrm>
           <a:prstGeom prst="rect">
             <a:avLst/>
@@ -3763,8 +3760,12 @@
               <a:t>Архитектура </a:t>
             </a:r>
             <a:r>
-              <a:rPr lang="ru-RU" dirty="0" err="1" smtClean="0"/>
-              <a:t>DenseNet</a:t>
+              <a:rPr lang="en-US" dirty="0" smtClean="0"/>
+              <a:t> AC-</a:t>
+            </a:r>
+            <a:r>
+              <a:rPr lang="en-US" dirty="0" err="1" smtClean="0"/>
+              <a:t>CovidNet</a:t>
             </a:r>
             <a:endParaRPr lang="ru-RU" dirty="0"/>
           </a:p>
@@ -3772,7 +3773,7 @@
       </p:sp>
       <p:pic>
         <p:nvPicPr>
-          <p:cNvPr id="1026" name="Picture 2"/>
+          <p:cNvPr id="1028" name="Picture 4"/>
           <p:cNvPicPr>
             <a:picLocks noGrp="1" noChangeAspect="1" noChangeArrowheads="1"/>
           </p:cNvPicPr>
@@ -3789,8 +3790,8 @@
         </p:blipFill>
         <p:spPr bwMode="auto">
           <a:xfrm>
-            <a:off x="1383736" y="2286164"/>
-            <a:ext cx="6376528" cy="3154034"/>
+            <a:off x="2338925" y="1600200"/>
+            <a:ext cx="4466149" cy="4525963"/>
           </a:xfrm>
           <a:prstGeom prst="rect">
             <a:avLst/>
@@ -3846,7 +3847,11 @@
           <a:p>
             <a:r>
               <a:rPr lang="ru-RU" dirty="0" smtClean="0"/>
-              <a:t>Резидентный блок</a:t>
+              <a:t>Архитектура </a:t>
+            </a:r>
+            <a:r>
+              <a:rPr lang="ru-RU" dirty="0" err="1" smtClean="0"/>
+              <a:t>DenseNet</a:t>
             </a:r>
             <a:endParaRPr lang="ru-RU" dirty="0"/>
           </a:p>
@@ -3854,7 +3859,7 @@
       </p:sp>
       <p:pic>
         <p:nvPicPr>
-          <p:cNvPr id="2050" name="Picture 2"/>
+          <p:cNvPr id="1026" name="Picture 2"/>
           <p:cNvPicPr>
             <a:picLocks noGrp="1" noChangeAspect="1" noChangeArrowheads="1"/>
           </p:cNvPicPr>
@@ -3871,8 +3876,8 @@
         </p:blipFill>
         <p:spPr bwMode="auto">
           <a:xfrm>
-            <a:off x="3031657" y="2601568"/>
-            <a:ext cx="3080685" cy="2523227"/>
+            <a:off x="1383736" y="2286164"/>
+            <a:ext cx="6376528" cy="3154034"/>
           </a:xfrm>
           <a:prstGeom prst="rect">
             <a:avLst/>
@@ -3926,13 +3931,17 @@
           <a:bodyPr/>
           <a:lstStyle/>
           <a:p>
+            <a:r>
+              <a:rPr lang="ru-RU" dirty="0" smtClean="0"/>
+              <a:t>Резидентный блок</a:t>
+            </a:r>
             <a:endParaRPr lang="ru-RU" dirty="0"/>
           </a:p>
         </p:txBody>
       </p:sp>
       <p:pic>
         <p:nvPicPr>
-          <p:cNvPr id="3074" name="Picture 2"/>
+          <p:cNvPr id="2050" name="Picture 2"/>
           <p:cNvPicPr>
             <a:picLocks noGrp="1" noChangeAspect="1" noChangeArrowheads="1"/>
           </p:cNvPicPr>
@@ -3949,8 +3958,8 @@
         </p:blipFill>
         <p:spPr bwMode="auto">
           <a:xfrm>
-            <a:off x="1335291" y="1955291"/>
-            <a:ext cx="6473417" cy="3815781"/>
+            <a:off x="3031657" y="2601568"/>
+            <a:ext cx="3080685" cy="2523227"/>
           </a:xfrm>
           <a:prstGeom prst="rect">
             <a:avLst/>
@@ -4004,13 +4013,13 @@
           <a:bodyPr/>
           <a:lstStyle/>
           <a:p>
-            <a:endParaRPr lang="ru-RU"/>
+            <a:endParaRPr lang="ru-RU" dirty="0"/>
           </a:p>
         </p:txBody>
       </p:sp>
       <p:pic>
         <p:nvPicPr>
-          <p:cNvPr id="5122" name="Picture 2"/>
+          <p:cNvPr id="3074" name="Picture 2"/>
           <p:cNvPicPr>
             <a:picLocks noGrp="1" noChangeAspect="1" noChangeArrowheads="1"/>
           </p:cNvPicPr>
@@ -4027,8 +4036,8 @@
         </p:blipFill>
         <p:spPr bwMode="auto">
           <a:xfrm>
-            <a:off x="1417580" y="2668464"/>
-            <a:ext cx="6308839" cy="2389435"/>
+            <a:off x="1335291" y="1955291"/>
+            <a:ext cx="6473417" cy="3815781"/>
           </a:xfrm>
           <a:prstGeom prst="rect">
             <a:avLst/>
@@ -4166,7 +4175,7 @@
       </p:sp>
       <p:pic>
         <p:nvPicPr>
-          <p:cNvPr id="4098" name="Picture 2"/>
+          <p:cNvPr id="5122" name="Picture 2"/>
           <p:cNvPicPr>
             <a:picLocks noGrp="1" noChangeAspect="1" noChangeArrowheads="1"/>
           </p:cNvPicPr>
@@ -4183,8 +4192,8 @@
         </p:blipFill>
         <p:spPr bwMode="auto">
           <a:xfrm>
-            <a:off x="1429771" y="2802565"/>
-            <a:ext cx="6284457" cy="2121233"/>
+            <a:off x="1417580" y="2668464"/>
+            <a:ext cx="6308839" cy="2389435"/>
           </a:xfrm>
           <a:prstGeom prst="rect">
             <a:avLst/>
@@ -4238,17 +4247,13 @@
           <a:bodyPr/>
           <a:lstStyle/>
           <a:p>
-            <a:r>
-              <a:rPr lang="ru-RU" dirty="0" smtClean="0"/>
-              <a:t>Схема ансамбля</a:t>
-            </a:r>
-            <a:endParaRPr lang="ru-RU" dirty="0"/>
+            <a:endParaRPr lang="ru-RU"/>
           </a:p>
         </p:txBody>
       </p:sp>
       <p:pic>
         <p:nvPicPr>
-          <p:cNvPr id="6146" name="Picture 2"/>
+          <p:cNvPr id="4098" name="Picture 2"/>
           <p:cNvPicPr>
             <a:picLocks noGrp="1" noChangeAspect="1" noChangeArrowheads="1"/>
           </p:cNvPicPr>
@@ -4265,8 +4270,8 @@
         </p:blipFill>
         <p:spPr bwMode="auto">
           <a:xfrm>
-            <a:off x="1406471" y="1712892"/>
-            <a:ext cx="6331057" cy="4300578"/>
+            <a:off x="1429771" y="2802565"/>
+            <a:ext cx="6284457" cy="2121233"/>
           </a:xfrm>
           <a:prstGeom prst="rect">
             <a:avLst/>
@@ -4317,22 +4322,12 @@
         </p:nvSpPr>
         <p:spPr/>
         <p:txBody>
-          <a:bodyPr>
-            <a:normAutofit fontScale="90000"/>
-          </a:bodyPr>
+          <a:bodyPr/>
           <a:lstStyle/>
           <a:p>
             <a:r>
               <a:rPr lang="ru-RU" dirty="0" smtClean="0"/>
-              <a:t>Создание </a:t>
-            </a:r>
-            <a:r>
-              <a:rPr lang="ru-RU" dirty="0" err="1" smtClean="0"/>
-              <a:t>датасетов</a:t>
-            </a:r>
-            <a:r>
-              <a:rPr lang="ru-RU" dirty="0" smtClean="0"/>
-              <a:t> разных конфигураций</a:t>
+              <a:t>Схема ансамбля</a:t>
             </a:r>
             <a:endParaRPr lang="ru-RU" dirty="0"/>
           </a:p>
@@ -4340,7 +4335,7 @@
       </p:sp>
       <p:pic>
         <p:nvPicPr>
-          <p:cNvPr id="1026" name="Picture 2"/>
+          <p:cNvPr id="6146" name="Picture 2"/>
           <p:cNvPicPr>
             <a:picLocks noGrp="1" noChangeAspect="1" noChangeArrowheads="1"/>
           </p:cNvPicPr>
@@ -4357,8 +4352,8 @@
         </p:blipFill>
         <p:spPr bwMode="auto">
           <a:xfrm>
-            <a:off x="457200" y="2916068"/>
-            <a:ext cx="8229600" cy="1894227"/>
+            <a:off x="1406471" y="1712892"/>
+            <a:ext cx="6331057" cy="4300578"/>
           </a:xfrm>
           <a:prstGeom prst="rect">
             <a:avLst/>
@@ -4409,12 +4404,22 @@
         </p:nvSpPr>
         <p:spPr/>
         <p:txBody>
-          <a:bodyPr/>
+          <a:bodyPr>
+            <a:normAutofit fontScale="90000"/>
+          </a:bodyPr>
           <a:lstStyle/>
           <a:p>
             <a:r>
               <a:rPr lang="ru-RU" dirty="0" smtClean="0"/>
-              <a:t>Сравнение некоторых моделей</a:t>
+              <a:t>Создание </a:t>
+            </a:r>
+            <a:r>
+              <a:rPr lang="ru-RU" dirty="0" err="1" smtClean="0"/>
+              <a:t>датасетов</a:t>
+            </a:r>
+            <a:r>
+              <a:rPr lang="ru-RU" dirty="0" smtClean="0"/>
+              <a:t> разных конфигураций</a:t>
             </a:r>
             <a:endParaRPr lang="ru-RU" dirty="0"/>
           </a:p>
@@ -4422,7 +4427,7 @@
       </p:sp>
       <p:pic>
         <p:nvPicPr>
-          <p:cNvPr id="2050" name="Picture 2"/>
+          <p:cNvPr id="1026" name="Picture 2"/>
           <p:cNvPicPr>
             <a:picLocks noGrp="1" noChangeAspect="1" noChangeArrowheads="1"/>
           </p:cNvPicPr>
@@ -4439,8 +4444,8 @@
         </p:blipFill>
         <p:spPr bwMode="auto">
           <a:xfrm>
-            <a:off x="457200" y="2099696"/>
-            <a:ext cx="8229600" cy="3526971"/>
+            <a:off x="457200" y="2916068"/>
+            <a:ext cx="8229600" cy="1894227"/>
           </a:xfrm>
           <a:prstGeom prst="rect">
             <a:avLst/>
@@ -4491,45 +4496,51 @@
         </p:nvSpPr>
         <p:spPr/>
         <p:txBody>
-          <a:bodyPr>
-            <a:normAutofit fontScale="90000"/>
-          </a:bodyPr>
+          <a:bodyPr/>
           <a:lstStyle/>
           <a:p>
             <a:r>
               <a:rPr lang="ru-RU" dirty="0" smtClean="0"/>
-              <a:t>Графики обучения модели</a:t>
-            </a:r>
-            <a:br>
-              <a:rPr lang="ru-RU" dirty="0" smtClean="0"/>
-            </a:br>
-            <a:r>
-              <a:rPr lang="ru-RU" dirty="0" smtClean="0"/>
-              <a:t>Параметры модели</a:t>
+              <a:t>Сравнение некоторых моделей</a:t>
             </a:r>
             <a:endParaRPr lang="ru-RU" dirty="0"/>
           </a:p>
         </p:txBody>
       </p:sp>
-      <p:sp>
-        <p:nvSpPr>
-          <p:cNvPr id="3" name="Содержимое 2"/>
-          <p:cNvSpPr>
-            <a:spLocks noGrp="1"/>
-          </p:cNvSpPr>
+      <p:pic>
+        <p:nvPicPr>
+          <p:cNvPr id="2050" name="Picture 2"/>
+          <p:cNvPicPr>
+            <a:picLocks noGrp="1" noChangeAspect="1" noChangeArrowheads="1"/>
+          </p:cNvPicPr>
           <p:nvPr>
             <p:ph idx="1"/>
           </p:nvPr>
-        </p:nvSpPr>
-        <p:spPr/>
-        <p:txBody>
-          <a:bodyPr/>
-          <a:lstStyle/>
-          <a:p>
-            <a:endParaRPr lang="ru-RU" dirty="0"/>
-          </a:p>
-        </p:txBody>
-      </p:sp>
+        </p:nvPicPr>
+        <p:blipFill>
+          <a:blip r:embed="rId2" cstate="print"/>
+          <a:srcRect/>
+          <a:stretch>
+            <a:fillRect/>
+          </a:stretch>
+        </p:blipFill>
+        <p:spPr bwMode="auto">
+          <a:xfrm>
+            <a:off x="457200" y="2099696"/>
+            <a:ext cx="8229600" cy="3526971"/>
+          </a:xfrm>
+          <a:prstGeom prst="rect">
+            <a:avLst/>
+          </a:prstGeom>
+          <a:noFill/>
+          <a:ln w="9525">
+            <a:noFill/>
+            <a:miter lim="800000"/>
+            <a:headEnd/>
+            <a:tailEnd/>
+          </a:ln>
+        </p:spPr>
+      </p:pic>
     </p:spTree>
   </p:cSld>
   <p:clrMapOvr>
@@ -4567,56 +4578,41 @@
         </p:nvSpPr>
         <p:spPr/>
         <p:txBody>
+          <a:bodyPr>
+            <a:normAutofit fontScale="90000"/>
+          </a:bodyPr>
+          <a:lstStyle/>
+          <a:p>
+            <a:r>
+              <a:rPr lang="ru-RU" dirty="0" smtClean="0"/>
+              <a:t>Графики обучения модели</a:t>
+            </a:r>
+            <a:br>
+              <a:rPr lang="ru-RU" dirty="0" smtClean="0"/>
+            </a:br>
+            <a:r>
+              <a:rPr lang="ru-RU" dirty="0" smtClean="0"/>
+              <a:t>Параметры модели</a:t>
+            </a:r>
+            <a:endParaRPr lang="ru-RU" dirty="0"/>
+          </a:p>
+        </p:txBody>
+      </p:sp>
+      <p:sp>
+        <p:nvSpPr>
+          <p:cNvPr id="3" name="Содержимое 2"/>
+          <p:cNvSpPr>
+            <a:spLocks noGrp="1"/>
+          </p:cNvSpPr>
+          <p:nvPr>
+            <p:ph idx="1"/>
+          </p:nvPr>
+        </p:nvSpPr>
+        <p:spPr/>
+        <p:txBody>
           <a:bodyPr/>
           <a:lstStyle/>
           <a:p>
-            <a:r>
-              <a:rPr lang="ru-RU" dirty="0" smtClean="0"/>
-              <a:t>Сравнение </a:t>
-            </a:r>
-            <a:r>
-              <a:rPr lang="en-US" dirty="0" err="1" smtClean="0"/>
-              <a:t>colab</a:t>
-            </a:r>
-            <a:r>
-              <a:rPr lang="en-US" dirty="0" smtClean="0"/>
-              <a:t> </a:t>
-            </a:r>
-            <a:r>
-              <a:rPr lang="ru-RU" dirty="0" smtClean="0"/>
-              <a:t>и </a:t>
-            </a:r>
-            <a:r>
-              <a:rPr lang="en-US" dirty="0" err="1" smtClean="0"/>
-              <a:t>yandex</a:t>
-            </a:r>
-            <a:endParaRPr lang="ru-RU" dirty="0"/>
-          </a:p>
-        </p:txBody>
-      </p:sp>
-      <p:sp>
-        <p:nvSpPr>
-          <p:cNvPr id="3" name="Содержимое 2"/>
-          <p:cNvSpPr>
-            <a:spLocks noGrp="1"/>
-          </p:cNvSpPr>
-          <p:nvPr>
-            <p:ph idx="1"/>
-          </p:nvPr>
-        </p:nvSpPr>
-        <p:spPr/>
-        <p:txBody>
-          <a:bodyPr/>
-          <a:lstStyle/>
-          <a:p>
-            <a:r>
-              <a:rPr lang="ru-RU" dirty="0" smtClean="0"/>
-              <a:t>Техническое описание какие карты используются и </a:t>
-            </a:r>
-            <a:r>
-              <a:rPr lang="ru-RU" dirty="0" err="1" smtClean="0"/>
-              <a:t>проч</a:t>
-            </a:r>
             <a:endParaRPr lang="ru-RU" dirty="0"/>
           </a:p>
         </p:txBody>
@@ -4658,23 +4654,30 @@
         </p:nvSpPr>
         <p:spPr/>
         <p:txBody>
-          <a:bodyPr>
-            <a:noAutofit/>
-          </a:bodyPr>
-          <a:lstStyle/>
-          <a:p>
-            <a:r>
-              <a:rPr lang="ru-RU" sz="1800" b="1" dirty="0" smtClean="0"/>
-              <a:t>Эксперимент</a:t>
-            </a:r>
-            <a:br>
-              <a:rPr lang="ru-RU" sz="1800" b="1" dirty="0" smtClean="0"/>
-            </a:br>
-            <a:r>
-              <a:rPr lang="ru-RU" sz="1800" dirty="0" smtClean="0"/>
-              <a:t>по использованию инновационных технологий в области компьютерного зрения для анализа медицинских изображений и дальнейшего применения в системе здравоохранения города Москвы.</a:t>
-            </a:r>
-            <a:endParaRPr lang="ru-RU" sz="1800" dirty="0"/>
+          <a:bodyPr/>
+          <a:lstStyle/>
+          <a:p>
+            <a:r>
+              <a:rPr lang="ru-RU" dirty="0" smtClean="0"/>
+              <a:t>Сравнение </a:t>
+            </a:r>
+            <a:r>
+              <a:rPr lang="en-US" dirty="0" err="1" smtClean="0"/>
+              <a:t>colab</a:t>
+            </a:r>
+            <a:r>
+              <a:rPr lang="en-US" dirty="0" smtClean="0"/>
+              <a:t> </a:t>
+            </a:r>
+            <a:r>
+              <a:rPr lang="ru-RU" dirty="0" smtClean="0"/>
+              <a:t>и </a:t>
+            </a:r>
+            <a:r>
+              <a:rPr lang="en-US" dirty="0" err="1" smtClean="0"/>
+              <a:t>yandex</a:t>
+            </a:r>
+            <a:endParaRPr lang="ru-RU" dirty="0"/>
           </a:p>
         </p:txBody>
       </p:sp>
@@ -4690,215 +4693,17 @@
         </p:nvSpPr>
         <p:spPr/>
         <p:txBody>
-          <a:bodyPr>
-            <a:normAutofit fontScale="32500" lnSpcReduction="20000"/>
-          </a:bodyPr>
-          <a:lstStyle/>
-          <a:p>
-            <a:r>
-              <a:rPr lang="ru-RU" b="1" dirty="0"/>
-              <a:t>Цель</a:t>
-            </a:r>
-            <a:endParaRPr lang="ru-RU" dirty="0"/>
-          </a:p>
-          <a:p>
-            <a:r>
-              <a:rPr lang="ru-RU" dirty="0"/>
-              <a:t>Научное исследование возможности использования в системе здравоохранения города Москвы методов поддержки принятия решений на основе результатов анализа данных с применением передовых инновационных технологий.</a:t>
-            </a:r>
-          </a:p>
-          <a:p>
-            <a:r>
-              <a:rPr lang="ru-RU" dirty="0"/>
-              <a:t> </a:t>
-            </a:r>
-          </a:p>
-          <a:p>
-            <a:r>
-              <a:rPr lang="ru-RU" b="1" dirty="0"/>
-              <a:t>Платформа</a:t>
-            </a:r>
-            <a:endParaRPr lang="ru-RU" dirty="0"/>
-          </a:p>
-          <a:p>
-            <a:r>
-              <a:rPr lang="ru-RU" dirty="0"/>
-              <a:t>Единый радиологический информационный сервис (</a:t>
-            </a:r>
-            <a:r>
-              <a:rPr lang="ru-RU" dirty="0" err="1"/>
-              <a:t>ЕРИС</a:t>
-            </a:r>
-            <a:r>
-              <a:rPr lang="ru-RU" dirty="0"/>
-              <a:t>)</a:t>
-            </a:r>
-          </a:p>
-          <a:p>
-            <a:r>
-              <a:rPr lang="ru-RU" dirty="0"/>
-              <a:t> </a:t>
-            </a:r>
-          </a:p>
-          <a:p>
-            <a:r>
-              <a:rPr lang="ru-RU" b="1" dirty="0"/>
-              <a:t>В цифрах</a:t>
-            </a:r>
-            <a:endParaRPr lang="ru-RU" dirty="0"/>
-          </a:p>
-          <a:p>
-            <a:r>
-              <a:rPr lang="ru-RU" b="1" dirty="0"/>
-              <a:t>550  </a:t>
-            </a:r>
-            <a:r>
-              <a:rPr lang="ru-RU" dirty="0"/>
-              <a:t>единиц оборудования (</a:t>
-            </a:r>
-            <a:r>
-              <a:rPr lang="ru-RU" dirty="0" err="1"/>
-              <a:t>МРТ</a:t>
-            </a:r>
-            <a:r>
-              <a:rPr lang="ru-RU" dirty="0"/>
-              <a:t>/</a:t>
-            </a:r>
-            <a:r>
-              <a:rPr lang="ru-RU" dirty="0" err="1"/>
-              <a:t>ММГ</a:t>
-            </a:r>
-            <a:r>
-              <a:rPr lang="ru-RU" dirty="0"/>
-              <a:t>/КТ/</a:t>
-            </a:r>
-            <a:r>
-              <a:rPr lang="ru-RU" dirty="0" err="1"/>
-              <a:t>РГ</a:t>
-            </a:r>
-            <a:r>
-              <a:rPr lang="ru-RU" dirty="0"/>
-              <a:t>) в отделениях лучевой диагностики амбулаторных и стационарных медицинских организаций Департамента здравоохранения города Москвы.</a:t>
-            </a:r>
-          </a:p>
-          <a:p>
-            <a:r>
-              <a:rPr lang="ru-RU" b="1" dirty="0"/>
-              <a:t>365</a:t>
-            </a:r>
-            <a:r>
-              <a:rPr lang="ru-RU" dirty="0"/>
-              <a:t> врачей-рентгенологов в системе. </a:t>
-            </a:r>
-          </a:p>
-          <a:p>
-            <a:r>
-              <a:rPr lang="ru-RU" b="1" dirty="0"/>
-              <a:t>160 тысяч </a:t>
-            </a:r>
-            <a:r>
-              <a:rPr lang="ru-RU" dirty="0"/>
-              <a:t>лучевых исследований в месяц.</a:t>
-            </a:r>
-          </a:p>
-          <a:p>
-            <a:r>
-              <a:rPr lang="ru-RU" b="1" dirty="0"/>
-              <a:t>44 тысячи</a:t>
-            </a:r>
-            <a:r>
-              <a:rPr lang="ru-RU" dirty="0"/>
-              <a:t> </a:t>
-            </a:r>
-            <a:r>
-              <a:rPr lang="ru-RU" dirty="0" err="1"/>
-              <a:t>скрининговых</a:t>
-            </a:r>
-            <a:r>
-              <a:rPr lang="ru-RU" dirty="0"/>
-              <a:t> исследований с целью выявления рака молочной железы и рака легкого в год.</a:t>
-            </a:r>
-          </a:p>
-          <a:p>
-            <a:r>
-              <a:rPr lang="ru-RU" dirty="0"/>
-              <a:t> </a:t>
-            </a:r>
-          </a:p>
-          <a:p>
-            <a:r>
-              <a:rPr lang="ru-RU" b="1" dirty="0"/>
-              <a:t>Области применения:</a:t>
-            </a:r>
-            <a:endParaRPr lang="ru-RU" dirty="0"/>
-          </a:p>
-          <a:p>
-            <a:r>
-              <a:rPr lang="ru-RU" dirty="0"/>
-              <a:t>онкология;</a:t>
-            </a:r>
-          </a:p>
-          <a:p>
-            <a:r>
-              <a:rPr lang="ru-RU" dirty="0"/>
-              <a:t>кардиология;</a:t>
-            </a:r>
-          </a:p>
-          <a:p>
-            <a:r>
-              <a:rPr lang="ru-RU" dirty="0"/>
-              <a:t>хронические заболевания;</a:t>
-            </a:r>
-          </a:p>
-          <a:p>
-            <a:r>
-              <a:rPr lang="ru-RU" dirty="0"/>
-              <a:t>пульмонология;</a:t>
-            </a:r>
-          </a:p>
-          <a:p>
-            <a:r>
-              <a:rPr lang="ru-RU" dirty="0"/>
-              <a:t>неврология;</a:t>
-            </a:r>
-          </a:p>
-          <a:p>
-            <a:r>
-              <a:rPr lang="ru-RU" dirty="0"/>
-              <a:t>неотложные состояния.</a:t>
-            </a:r>
-          </a:p>
-          <a:p>
-            <a:r>
-              <a:rPr lang="ru-RU" dirty="0"/>
-              <a:t> </a:t>
-            </a:r>
-          </a:p>
-          <a:p>
-            <a:r>
-              <a:rPr lang="ru-RU" dirty="0"/>
-              <a:t>Результаты эксперимента станут основой для национальных стандартов, регламентирующих применение искусственного интеллекта в клинической медицине. Разработка документов ведется в Подкомитете 01 технического комитета по стандартизации «Искусственный интеллект» (</a:t>
-            </a:r>
-            <a:r>
-              <a:rPr lang="ru-RU" dirty="0" err="1"/>
-              <a:t>ТК</a:t>
-            </a:r>
-            <a:r>
-              <a:rPr lang="ru-RU" dirty="0"/>
-              <a:t> 164). </a:t>
-            </a:r>
-            <a:br>
-              <a:rPr lang="ru-RU" dirty="0"/>
-            </a:br>
-            <a:r>
-              <a:rPr lang="ru-RU" u="sng" dirty="0">
-                <a:hlinkClick r:id="rId2"/>
-              </a:rPr>
-              <a:t>Подробнее о деятельности ПК 01</a:t>
-            </a:r>
-            <a:endParaRPr lang="ru-RU" dirty="0"/>
-          </a:p>
-          <a:p>
+          <a:bodyPr/>
+          <a:lstStyle/>
+          <a:p>
+            <a:r>
+              <a:rPr lang="ru-RU" dirty="0" smtClean="0"/>
+              <a:t>Техническое описание какие карты используются и </a:t>
+            </a:r>
+            <a:r>
+              <a:rPr lang="ru-RU" dirty="0" err="1" smtClean="0"/>
+              <a:t>проч</a:t>
+            </a:r>
             <a:endParaRPr lang="ru-RU" dirty="0"/>
           </a:p>
         </p:txBody>
@@ -4912,6 +4717,288 @@
 </file>
 
 <file path=ppt/slides/slide27.xml><?xml version="1.0" encoding="utf-8"?>
+<p:sld xmlns:a="http://schemas.openxmlformats.org/drawingml/2006/main" xmlns:r="http://schemas.openxmlformats.org/officeDocument/2006/relationships" xmlns:p="http://schemas.openxmlformats.org/presentationml/2006/main">
+  <p:cSld>
+    <p:spTree>
+      <p:nvGrpSpPr>
+        <p:cNvPr id="1" name=""/>
+        <p:cNvGrpSpPr/>
+        <p:nvPr/>
+      </p:nvGrpSpPr>
+      <p:grpSpPr>
+        <a:xfrm>
+          <a:off x="0" y="0"/>
+          <a:ext cx="0" cy="0"/>
+          <a:chOff x="0" y="0"/>
+          <a:chExt cx="0" cy="0"/>
+        </a:xfrm>
+      </p:grpSpPr>
+      <p:sp>
+        <p:nvSpPr>
+          <p:cNvPr id="2" name="Заголовок 1"/>
+          <p:cNvSpPr>
+            <a:spLocks noGrp="1"/>
+          </p:cNvSpPr>
+          <p:nvPr>
+            <p:ph type="title"/>
+          </p:nvPr>
+        </p:nvSpPr>
+        <p:spPr/>
+        <p:txBody>
+          <a:bodyPr>
+            <a:noAutofit/>
+          </a:bodyPr>
+          <a:lstStyle/>
+          <a:p>
+            <a:r>
+              <a:rPr lang="ru-RU" sz="1800" b="1" dirty="0" smtClean="0"/>
+              <a:t>Эксперимент</a:t>
+            </a:r>
+            <a:br>
+              <a:rPr lang="ru-RU" sz="1800" b="1" dirty="0" smtClean="0"/>
+            </a:br>
+            <a:r>
+              <a:rPr lang="ru-RU" sz="1800" dirty="0" smtClean="0"/>
+              <a:t>по использованию инновационных технологий в области компьютерного зрения для анализа медицинских изображений и дальнейшего применения в системе здравоохранения города Москвы.</a:t>
+            </a:r>
+            <a:endParaRPr lang="ru-RU" sz="1800" dirty="0"/>
+          </a:p>
+        </p:txBody>
+      </p:sp>
+      <p:sp>
+        <p:nvSpPr>
+          <p:cNvPr id="3" name="Содержимое 2"/>
+          <p:cNvSpPr>
+            <a:spLocks noGrp="1"/>
+          </p:cNvSpPr>
+          <p:nvPr>
+            <p:ph idx="1"/>
+          </p:nvPr>
+        </p:nvSpPr>
+        <p:spPr/>
+        <p:txBody>
+          <a:bodyPr>
+            <a:normAutofit fontScale="32500" lnSpcReduction="20000"/>
+          </a:bodyPr>
+          <a:lstStyle/>
+          <a:p>
+            <a:r>
+              <a:rPr lang="ru-RU" b="1" dirty="0"/>
+              <a:t>Цель</a:t>
+            </a:r>
+            <a:endParaRPr lang="ru-RU" dirty="0"/>
+          </a:p>
+          <a:p>
+            <a:r>
+              <a:rPr lang="ru-RU" dirty="0"/>
+              <a:t>Научное исследование возможности использования в системе здравоохранения города Москвы методов поддержки принятия решений на основе результатов анализа данных с применением передовых инновационных технологий.</a:t>
+            </a:r>
+          </a:p>
+          <a:p>
+            <a:r>
+              <a:rPr lang="ru-RU" dirty="0"/>
+              <a:t> </a:t>
+            </a:r>
+          </a:p>
+          <a:p>
+            <a:r>
+              <a:rPr lang="ru-RU" b="1" dirty="0"/>
+              <a:t>Платформа</a:t>
+            </a:r>
+            <a:endParaRPr lang="ru-RU" dirty="0"/>
+          </a:p>
+          <a:p>
+            <a:r>
+              <a:rPr lang="ru-RU" dirty="0"/>
+              <a:t>Единый радиологический информационный сервис (</a:t>
+            </a:r>
+            <a:r>
+              <a:rPr lang="ru-RU" dirty="0" err="1"/>
+              <a:t>ЕРИС</a:t>
+            </a:r>
+            <a:r>
+              <a:rPr lang="ru-RU" dirty="0"/>
+              <a:t>)</a:t>
+            </a:r>
+          </a:p>
+          <a:p>
+            <a:r>
+              <a:rPr lang="ru-RU" dirty="0"/>
+              <a:t> </a:t>
+            </a:r>
+          </a:p>
+          <a:p>
+            <a:r>
+              <a:rPr lang="ru-RU" b="1" dirty="0"/>
+              <a:t>В цифрах</a:t>
+            </a:r>
+            <a:endParaRPr lang="ru-RU" dirty="0"/>
+          </a:p>
+          <a:p>
+            <a:r>
+              <a:rPr lang="ru-RU" b="1" dirty="0"/>
+              <a:t>550  </a:t>
+            </a:r>
+            <a:r>
+              <a:rPr lang="ru-RU" dirty="0"/>
+              <a:t>единиц оборудования (</a:t>
+            </a:r>
+            <a:r>
+              <a:rPr lang="ru-RU" dirty="0" err="1"/>
+              <a:t>МРТ</a:t>
+            </a:r>
+            <a:r>
+              <a:rPr lang="ru-RU" dirty="0"/>
+              <a:t>/</a:t>
+            </a:r>
+            <a:r>
+              <a:rPr lang="ru-RU" dirty="0" err="1"/>
+              <a:t>ММГ</a:t>
+            </a:r>
+            <a:r>
+              <a:rPr lang="ru-RU" dirty="0"/>
+              <a:t>/КТ/</a:t>
+            </a:r>
+            <a:r>
+              <a:rPr lang="ru-RU" dirty="0" err="1"/>
+              <a:t>РГ</a:t>
+            </a:r>
+            <a:r>
+              <a:rPr lang="ru-RU" dirty="0"/>
+              <a:t>) в отделениях лучевой диагностики амбулаторных и стационарных медицинских организаций Департамента здравоохранения города Москвы.</a:t>
+            </a:r>
+          </a:p>
+          <a:p>
+            <a:r>
+              <a:rPr lang="ru-RU" b="1" dirty="0"/>
+              <a:t>365</a:t>
+            </a:r>
+            <a:r>
+              <a:rPr lang="ru-RU" dirty="0"/>
+              <a:t> врачей-рентгенологов в системе. </a:t>
+            </a:r>
+          </a:p>
+          <a:p>
+            <a:r>
+              <a:rPr lang="ru-RU" b="1" dirty="0"/>
+              <a:t>160 тысяч </a:t>
+            </a:r>
+            <a:r>
+              <a:rPr lang="ru-RU" dirty="0"/>
+              <a:t>лучевых исследований в месяц.</a:t>
+            </a:r>
+          </a:p>
+          <a:p>
+            <a:r>
+              <a:rPr lang="ru-RU" b="1" dirty="0"/>
+              <a:t>44 тысячи</a:t>
+            </a:r>
+            <a:r>
+              <a:rPr lang="ru-RU" dirty="0"/>
+              <a:t> </a:t>
+            </a:r>
+            <a:r>
+              <a:rPr lang="ru-RU" dirty="0" err="1"/>
+              <a:t>скрининговых</a:t>
+            </a:r>
+            <a:r>
+              <a:rPr lang="ru-RU" dirty="0"/>
+              <a:t> исследований с целью выявления рака молочной железы и рака легкого в год.</a:t>
+            </a:r>
+          </a:p>
+          <a:p>
+            <a:r>
+              <a:rPr lang="ru-RU" dirty="0"/>
+              <a:t> </a:t>
+            </a:r>
+          </a:p>
+          <a:p>
+            <a:r>
+              <a:rPr lang="ru-RU" b="1" dirty="0"/>
+              <a:t>Области применения:</a:t>
+            </a:r>
+            <a:endParaRPr lang="ru-RU" dirty="0"/>
+          </a:p>
+          <a:p>
+            <a:r>
+              <a:rPr lang="ru-RU" dirty="0"/>
+              <a:t>онкология;</a:t>
+            </a:r>
+          </a:p>
+          <a:p>
+            <a:r>
+              <a:rPr lang="ru-RU" dirty="0"/>
+              <a:t>кардиология;</a:t>
+            </a:r>
+          </a:p>
+          <a:p>
+            <a:r>
+              <a:rPr lang="ru-RU" dirty="0"/>
+              <a:t>хронические заболевания;</a:t>
+            </a:r>
+          </a:p>
+          <a:p>
+            <a:r>
+              <a:rPr lang="ru-RU" dirty="0"/>
+              <a:t>пульмонология;</a:t>
+            </a:r>
+          </a:p>
+          <a:p>
+            <a:r>
+              <a:rPr lang="ru-RU" dirty="0"/>
+              <a:t>неврология;</a:t>
+            </a:r>
+          </a:p>
+          <a:p>
+            <a:r>
+              <a:rPr lang="ru-RU" dirty="0"/>
+              <a:t>неотложные состояния.</a:t>
+            </a:r>
+          </a:p>
+          <a:p>
+            <a:r>
+              <a:rPr lang="ru-RU" dirty="0"/>
+              <a:t> </a:t>
+            </a:r>
+          </a:p>
+          <a:p>
+            <a:r>
+              <a:rPr lang="ru-RU" dirty="0"/>
+              <a:t>Результаты эксперимента станут основой для национальных стандартов, регламентирующих применение искусственного интеллекта в клинической медицине. Разработка документов ведется в Подкомитете 01 технического комитета по стандартизации «Искусственный интеллект» (</a:t>
+            </a:r>
+            <a:r>
+              <a:rPr lang="ru-RU" dirty="0" err="1"/>
+              <a:t>ТК</a:t>
+            </a:r>
+            <a:r>
+              <a:rPr lang="ru-RU" dirty="0"/>
+              <a:t> 164). </a:t>
+            </a:r>
+            <a:br>
+              <a:rPr lang="ru-RU" dirty="0"/>
+            </a:br>
+            <a:r>
+              <a:rPr lang="ru-RU" u="sng" dirty="0">
+                <a:hlinkClick r:id="rId2"/>
+              </a:rPr>
+              <a:t>Подробнее о деятельности ПК 01</a:t>
+            </a:r>
+            <a:endParaRPr lang="ru-RU" dirty="0"/>
+          </a:p>
+          <a:p>
+            <a:endParaRPr lang="ru-RU" dirty="0"/>
+          </a:p>
+        </p:txBody>
+      </p:sp>
+    </p:spTree>
+  </p:cSld>
+  <p:clrMapOvr>
+    <a:masterClrMapping/>
+  </p:clrMapOvr>
+</p:sld>
+</file>
+
+<file path=ppt/slides/slide28.xml><?xml version="1.0" encoding="utf-8"?>
 <p:sld xmlns:a="http://schemas.openxmlformats.org/drawingml/2006/main" xmlns:r="http://schemas.openxmlformats.org/officeDocument/2006/relationships" xmlns:p="http://schemas.openxmlformats.org/presentationml/2006/main">
   <p:cSld>
     <p:spTree>
@@ -4998,414 +5085,6 @@
 </p:sld>
 </file>
 
-<file path=ppt/slides/slide28.xml><?xml version="1.0" encoding="utf-8"?>
-<p:sld xmlns:a="http://schemas.openxmlformats.org/drawingml/2006/main" xmlns:r="http://schemas.openxmlformats.org/officeDocument/2006/relationships" xmlns:p="http://schemas.openxmlformats.org/presentationml/2006/main">
-  <p:cSld>
-    <p:spTree>
-      <p:nvGrpSpPr>
-        <p:cNvPr id="1" name=""/>
-        <p:cNvGrpSpPr/>
-        <p:nvPr/>
-      </p:nvGrpSpPr>
-      <p:grpSpPr>
-        <a:xfrm>
-          <a:off x="0" y="0"/>
-          <a:ext cx="0" cy="0"/>
-          <a:chOff x="0" y="0"/>
-          <a:chExt cx="0" cy="0"/>
-        </a:xfrm>
-      </p:grpSpPr>
-      <p:sp>
-        <p:nvSpPr>
-          <p:cNvPr id="2" name="Заголовок 1"/>
-          <p:cNvSpPr>
-            <a:spLocks noGrp="1"/>
-          </p:cNvSpPr>
-          <p:nvPr>
-            <p:ph type="title"/>
-          </p:nvPr>
-        </p:nvSpPr>
-        <p:spPr/>
-        <p:txBody>
-          <a:bodyPr>
-            <a:normAutofit/>
-          </a:bodyPr>
-          <a:lstStyle/>
-          <a:p>
-            <a:r>
-              <a:rPr lang="ru-RU" dirty="0" smtClean="0">
-                <a:hlinkClick r:id="rId2"/>
-              </a:rPr>
-              <a:t>Клинические параметры</a:t>
-            </a:r>
-            <a:endParaRPr lang="ru-RU" dirty="0"/>
-          </a:p>
-        </p:txBody>
-      </p:sp>
-      <p:sp>
-        <p:nvSpPr>
-          <p:cNvPr id="3" name="Содержимое 2"/>
-          <p:cNvSpPr>
-            <a:spLocks noGrp="1"/>
-          </p:cNvSpPr>
-          <p:nvPr>
-            <p:ph idx="1"/>
-          </p:nvPr>
-        </p:nvSpPr>
-        <p:spPr/>
-        <p:txBody>
-          <a:bodyPr>
-            <a:normAutofit fontScale="47500" lnSpcReduction="20000"/>
-          </a:bodyPr>
-          <a:lstStyle/>
-          <a:p>
-            <a:r>
-              <a:rPr lang="ru-RU" b="1" dirty="0" smtClean="0"/>
-              <a:t>Целевые нозологии</a:t>
-            </a:r>
-          </a:p>
-          <a:p>
-            <a:pPr>
-              <a:buNone/>
-            </a:pPr>
-            <a:r>
-              <a:rPr lang="ru-RU" b="1" dirty="0"/>
-              <a:t>	</a:t>
-            </a:r>
-            <a:r>
-              <a:rPr lang="ru-RU" b="1" dirty="0" smtClean="0"/>
-              <a:t>Целевые </a:t>
-            </a:r>
-            <a:r>
-              <a:rPr lang="ru-RU" b="1" dirty="0" err="1"/>
-              <a:t>патологии\признаки</a:t>
-            </a:r>
-            <a:r>
-              <a:rPr lang="ru-RU" b="1" dirty="0"/>
-              <a:t>:</a:t>
-            </a:r>
-            <a:r>
-              <a:rPr lang="ru-RU" dirty="0"/>
-              <a:t> </a:t>
-            </a:r>
-            <a:r>
-              <a:rPr lang="ru-RU" dirty="0" err="1" smtClean="0"/>
-              <a:t>COVID-19</a:t>
-            </a:r>
-            <a:endParaRPr lang="ru-RU" dirty="0" smtClean="0"/>
-          </a:p>
-          <a:p>
-            <a:pPr>
-              <a:buNone/>
-            </a:pPr>
-            <a:r>
-              <a:rPr lang="ru-RU" b="1" dirty="0"/>
-              <a:t>	</a:t>
-            </a:r>
-            <a:r>
-              <a:rPr lang="ru-RU" b="1" dirty="0" smtClean="0"/>
-              <a:t>Код </a:t>
-            </a:r>
-            <a:r>
-              <a:rPr lang="ru-RU" b="1" dirty="0" err="1"/>
-              <a:t>МКБ-10</a:t>
-            </a:r>
-            <a:r>
-              <a:rPr lang="ru-RU" b="1" dirty="0"/>
-              <a:t> целевой патологии:</a:t>
-            </a:r>
-            <a:r>
-              <a:rPr lang="ru-RU" dirty="0"/>
-              <a:t> </a:t>
-            </a:r>
-            <a:r>
-              <a:rPr lang="ru-RU" dirty="0" err="1" smtClean="0"/>
-              <a:t>U07.1</a:t>
-            </a:r>
-            <a:endParaRPr lang="ru-RU" dirty="0" smtClean="0"/>
-          </a:p>
-          <a:p>
-            <a:r>
-              <a:rPr lang="ru-RU" b="1" dirty="0" smtClean="0"/>
-              <a:t>Параметры популяции</a:t>
-            </a:r>
-          </a:p>
-          <a:p>
-            <a:pPr>
-              <a:buNone/>
-            </a:pPr>
-            <a:r>
-              <a:rPr lang="ru-RU" b="1" dirty="0"/>
-              <a:t>	</a:t>
-            </a:r>
-            <a:r>
-              <a:rPr lang="ru-RU" b="1" dirty="0" smtClean="0"/>
-              <a:t>Критерии </a:t>
-            </a:r>
-            <a:r>
-              <a:rPr lang="ru-RU" b="1" dirty="0"/>
-              <a:t>включения/</a:t>
-            </a:r>
-            <a:r>
-              <a:rPr lang="ru-RU" b="1" dirty="0" err="1"/>
-              <a:t>невключения</a:t>
-            </a:r>
-            <a:r>
-              <a:rPr lang="ru-RU" b="1" dirty="0"/>
-              <a:t> пациента</a:t>
-            </a:r>
-            <a:r>
-              <a:rPr lang="ru-RU" b="1" dirty="0" smtClean="0"/>
-              <a:t>:</a:t>
-            </a:r>
-          </a:p>
-          <a:p>
-            <a:pPr>
-              <a:buNone/>
-            </a:pPr>
-            <a:r>
-              <a:rPr lang="ru-RU" b="1" dirty="0"/>
-              <a:t>	</a:t>
-            </a:r>
-            <a:r>
-              <a:rPr lang="ru-RU" dirty="0" smtClean="0"/>
-              <a:t>Критерии </a:t>
-            </a:r>
-            <a:r>
-              <a:rPr lang="ru-RU" dirty="0"/>
-              <a:t>включения пациента: Возраст ≥18 лет</a:t>
-            </a:r>
-            <a:br>
-              <a:rPr lang="ru-RU" dirty="0"/>
-            </a:br>
-            <a:r>
-              <a:rPr lang="ru-RU" dirty="0"/>
-              <a:t>Критерии </a:t>
-            </a:r>
-            <a:r>
-              <a:rPr lang="ru-RU" dirty="0" err="1"/>
-              <a:t>невключения</a:t>
-            </a:r>
-            <a:r>
-              <a:rPr lang="ru-RU" dirty="0"/>
-              <a:t> пациента: Наличие оперативных вмешательств, лучевой терапии в анамнезе для лечения заболеваний в области грудной клетки</a:t>
-            </a:r>
-          </a:p>
-          <a:p>
-            <a:pPr>
-              <a:buNone/>
-            </a:pPr>
-            <a:r>
-              <a:rPr lang="ru-RU" dirty="0" smtClean="0"/>
-              <a:t>	Возраст </a:t>
-            </a:r>
-            <a:r>
-              <a:rPr lang="ru-RU" dirty="0"/>
-              <a:t>(мин., лет): </a:t>
-            </a:r>
-            <a:r>
-              <a:rPr lang="ru-RU" dirty="0" smtClean="0"/>
-              <a:t>18</a:t>
-            </a:r>
-          </a:p>
-          <a:p>
-            <a:pPr>
-              <a:buNone/>
-            </a:pPr>
-            <a:r>
-              <a:rPr lang="ru-RU" dirty="0"/>
-              <a:t>	</a:t>
-            </a:r>
-            <a:r>
-              <a:rPr lang="ru-RU" dirty="0" smtClean="0"/>
-              <a:t>Возраст </a:t>
-            </a:r>
-            <a:r>
-              <a:rPr lang="ru-RU" dirty="0"/>
-              <a:t>(макс., лет): </a:t>
-            </a:r>
-            <a:r>
-              <a:rPr lang="ru-RU" dirty="0" smtClean="0"/>
-              <a:t>97</a:t>
-            </a:r>
-          </a:p>
-          <a:p>
-            <a:pPr>
-              <a:buNone/>
-            </a:pPr>
-            <a:r>
-              <a:rPr lang="ru-RU" dirty="0"/>
-              <a:t>	</a:t>
-            </a:r>
-            <a:r>
-              <a:rPr lang="ru-RU" dirty="0" smtClean="0"/>
-              <a:t>Возраст </a:t>
-            </a:r>
-            <a:r>
-              <a:rPr lang="ru-RU" dirty="0"/>
-              <a:t>(медиана, лет): </a:t>
-            </a:r>
-            <a:r>
-              <a:rPr lang="ru-RU" dirty="0" smtClean="0"/>
-              <a:t>47,0</a:t>
-            </a:r>
-          </a:p>
-          <a:p>
-            <a:pPr>
-              <a:buNone/>
-            </a:pPr>
-            <a:r>
-              <a:rPr lang="ru-RU" dirty="0"/>
-              <a:t>	</a:t>
-            </a:r>
-            <a:r>
-              <a:rPr lang="ru-RU" dirty="0" smtClean="0"/>
-              <a:t>Пол </a:t>
-            </a:r>
-            <a:r>
-              <a:rPr lang="ru-RU" dirty="0"/>
-              <a:t>(М): </a:t>
-            </a:r>
-            <a:r>
-              <a:rPr lang="ru-RU" dirty="0" smtClean="0"/>
-              <a:t>42</a:t>
-            </a:r>
-          </a:p>
-          <a:p>
-            <a:pPr>
-              <a:buNone/>
-            </a:pPr>
-            <a:r>
-              <a:rPr lang="ru-RU" dirty="0"/>
-              <a:t>	</a:t>
-            </a:r>
-            <a:r>
-              <a:rPr lang="ru-RU" dirty="0" smtClean="0"/>
-              <a:t>Пол </a:t>
-            </a:r>
-            <a:r>
-              <a:rPr lang="ru-RU" dirty="0"/>
-              <a:t>(Ж): </a:t>
-            </a:r>
-            <a:r>
-              <a:rPr lang="ru-RU" dirty="0" smtClean="0"/>
-              <a:t>56</a:t>
-            </a:r>
-          </a:p>
-          <a:p>
-            <a:pPr>
-              <a:buNone/>
-            </a:pPr>
-            <a:r>
-              <a:rPr lang="ru-RU" dirty="0"/>
-              <a:t>	</a:t>
-            </a:r>
-            <a:r>
-              <a:rPr lang="ru-RU" dirty="0" smtClean="0"/>
-              <a:t>Пол </a:t>
-            </a:r>
-            <a:r>
-              <a:rPr lang="ru-RU" dirty="0"/>
-              <a:t>(</a:t>
-            </a:r>
-            <a:r>
-              <a:rPr lang="ru-RU" dirty="0" err="1"/>
-              <a:t>неопределено</a:t>
-            </a:r>
-            <a:r>
-              <a:rPr lang="ru-RU" dirty="0"/>
-              <a:t>): </a:t>
-            </a:r>
-            <a:r>
-              <a:rPr lang="ru-RU" dirty="0" smtClean="0"/>
-              <a:t>2</a:t>
-            </a:r>
-          </a:p>
-          <a:p>
-            <a:pPr>
-              <a:buNone/>
-            </a:pPr>
-            <a:r>
-              <a:rPr lang="ru-RU" dirty="0"/>
-              <a:t>	</a:t>
-            </a:r>
-            <a:r>
-              <a:rPr lang="ru-RU" dirty="0" smtClean="0"/>
-              <a:t>Период </a:t>
-            </a:r>
-            <a:r>
-              <a:rPr lang="ru-RU" dirty="0"/>
-              <a:t>сбора (начало): </a:t>
-            </a:r>
-            <a:r>
-              <a:rPr lang="ru-RU" dirty="0" smtClean="0"/>
-              <a:t>01.03.2020</a:t>
-            </a:r>
-          </a:p>
-          <a:p>
-            <a:pPr>
-              <a:buNone/>
-            </a:pPr>
-            <a:r>
-              <a:rPr lang="ru-RU" dirty="0"/>
-              <a:t>	</a:t>
-            </a:r>
-            <a:r>
-              <a:rPr lang="ru-RU" dirty="0" smtClean="0"/>
-              <a:t>Период </a:t>
-            </a:r>
-            <a:r>
-              <a:rPr lang="ru-RU" dirty="0"/>
-              <a:t>сбора (конец): </a:t>
-            </a:r>
-            <a:r>
-              <a:rPr lang="ru-RU" dirty="0" smtClean="0"/>
-              <a:t>25.04.2020</a:t>
-            </a:r>
-          </a:p>
-          <a:p>
-            <a:pPr>
-              <a:buNone/>
-            </a:pPr>
-            <a:r>
-              <a:rPr lang="ru-RU" dirty="0"/>
-              <a:t>	</a:t>
-            </a:r>
-            <a:r>
-              <a:rPr lang="ru-RU" dirty="0" smtClean="0"/>
-              <a:t>Эпидемиологическая </a:t>
-            </a:r>
-            <a:r>
-              <a:rPr lang="ru-RU" dirty="0"/>
-              <a:t>обстановка: В условиях пандемии </a:t>
-            </a:r>
-            <a:r>
-              <a:rPr lang="ru-RU" dirty="0" err="1"/>
-              <a:t>коронавирусной</a:t>
-            </a:r>
-            <a:r>
-              <a:rPr lang="ru-RU" dirty="0"/>
-              <a:t> инфекции (</a:t>
-            </a:r>
-            <a:r>
-              <a:rPr lang="ru-RU" dirty="0" err="1"/>
-              <a:t>COVID-19</a:t>
-            </a:r>
-            <a:r>
-              <a:rPr lang="ru-RU" dirty="0"/>
-              <a:t>)</a:t>
-            </a:r>
-          </a:p>
-        </p:txBody>
-      </p:sp>
-    </p:spTree>
-  </p:cSld>
-  <p:clrMapOvr>
-    <a:masterClrMapping/>
-  </p:clrMapOvr>
-</p:sld>
-</file>
-
 <file path=ppt/slides/slide29.xml><?xml version="1.0" encoding="utf-8"?>
 <p:sld xmlns:a="http://schemas.openxmlformats.org/drawingml/2006/main" xmlns:r="http://schemas.openxmlformats.org/officeDocument/2006/relationships" xmlns:p="http://schemas.openxmlformats.org/presentationml/2006/main">
   <p:cSld>
@@ -5444,7 +5123,7 @@
               <a:rPr lang="ru-RU" dirty="0" smtClean="0">
                 <a:hlinkClick r:id="rId2"/>
               </a:rPr>
-              <a:t>Назначение</a:t>
+              <a:t>Клинические параметры</a:t>
             </a:r>
             <a:endParaRPr lang="ru-RU" dirty="0"/>
           </a:p>
@@ -5463,21 +5142,38 @@
         <p:spPr/>
         <p:txBody>
           <a:bodyPr>
-            <a:normAutofit/>
+            <a:normAutofit fontScale="47500" lnSpcReduction="20000"/>
           </a:bodyPr>
           <a:lstStyle/>
           <a:p>
             <a:r>
               <a:rPr lang="ru-RU" b="1" dirty="0" smtClean="0"/>
-              <a:t>Клиническая/практическая/научная </a:t>
-            </a:r>
+              <a:t>Целевые нозологии</a:t>
+            </a:r>
+          </a:p>
+          <a:p>
+            <a:pPr>
+              <a:buNone/>
+            </a:pPr>
             <a:r>
               <a:rPr lang="ru-RU" b="1" dirty="0"/>
-              <a:t>задача создания набора данных:</a:t>
-            </a:r>
-            <a:r>
-              <a:rPr lang="ru-RU" dirty="0"/>
-              <a:t> Определение степени поражения паренхимы легкого при </a:t>
+              <a:t>	</a:t>
+            </a:r>
+            <a:r>
+              <a:rPr lang="ru-RU" b="1" dirty="0" smtClean="0"/>
+              <a:t>Целевые </a:t>
+            </a:r>
+            <a:r>
+              <a:rPr lang="ru-RU" b="1" dirty="0" err="1"/>
+              <a:t>патологии\признаки</a:t>
+            </a:r>
+            <a:r>
+              <a:rPr lang="ru-RU" b="1" dirty="0"/>
+              <a:t>:</a:t>
+            </a:r>
+            <a:r>
+              <a:rPr lang="ru-RU" dirty="0"/>
+              <a:t> </a:t>
             </a:r>
             <a:r>
               <a:rPr lang="ru-RU" dirty="0" err="1" smtClean="0"/>
@@ -5486,61 +5182,306 @@
             <a:endParaRPr lang="ru-RU" dirty="0" smtClean="0"/>
           </a:p>
           <a:p>
+            <a:pPr>
+              <a:buNone/>
+            </a:pPr>
+            <a:r>
+              <a:rPr lang="ru-RU" b="1" dirty="0"/>
+              <a:t>	</a:t>
+            </a:r>
             <a:r>
               <a:rPr lang="ru-RU" b="1" dirty="0" smtClean="0"/>
-              <a:t>Назначение </a:t>
+              <a:t>Код </a:t>
             </a:r>
             <a:r>
               <a:rPr lang="ru-RU" b="1" dirty="0" err="1"/>
-              <a:t>датасета</a:t>
+              <a:t>МКБ-10</a:t>
             </a:r>
             <a:r>
               <a:rPr lang="ru-RU" b="1" dirty="0"/>
+              <a:t> целевой патологии:</a:t>
+            </a:r>
+            <a:r>
+              <a:rPr lang="ru-RU" dirty="0"/>
+              <a:t> </a:t>
+            </a:r>
+            <a:r>
+              <a:rPr lang="ru-RU" dirty="0" err="1" smtClean="0"/>
+              <a:t>U07.1</a:t>
+            </a:r>
+            <a:endParaRPr lang="ru-RU" dirty="0" smtClean="0"/>
+          </a:p>
+          <a:p>
+            <a:r>
+              <a:rPr lang="ru-RU" b="1" dirty="0" smtClean="0"/>
+              <a:t>Параметры популяции</a:t>
+            </a:r>
+          </a:p>
+          <a:p>
+            <a:pPr>
+              <a:buNone/>
+            </a:pPr>
+            <a:r>
+              <a:rPr lang="ru-RU" b="1" dirty="0"/>
+              <a:t>	</a:t>
+            </a:r>
+            <a:r>
+              <a:rPr lang="ru-RU" b="1" dirty="0" smtClean="0"/>
+              <a:t>Критерии </a:t>
+            </a:r>
+            <a:r>
+              <a:rPr lang="ru-RU" b="1" dirty="0"/>
+              <a:t>включения/</a:t>
+            </a:r>
+            <a:r>
+              <a:rPr lang="ru-RU" b="1" dirty="0" err="1"/>
+              <a:t>невключения</a:t>
+            </a:r>
+            <a:r>
+              <a:rPr lang="ru-RU" b="1" dirty="0"/>
+              <a:t> пациента</a:t>
+            </a:r>
+            <a:r>
+              <a:rPr lang="ru-RU" b="1" dirty="0" smtClean="0"/>
               <a:t>:</a:t>
             </a:r>
-            <a:r>
-              <a:rPr lang="ru-RU" dirty="0"/>
-              <a:t> Обучение ИИ </a:t>
+          </a:p>
+          <a:p>
+            <a:pPr>
+              <a:buNone/>
+            </a:pPr>
+            <a:r>
+              <a:rPr lang="ru-RU" b="1" dirty="0"/>
+              <a:t>	</a:t>
             </a:r>
             <a:r>
               <a:rPr lang="ru-RU" dirty="0" smtClean="0"/>
-              <a:t>алгоритма</a:t>
-            </a:r>
-          </a:p>
-          <a:p>
-            <a:r>
-              <a:rPr lang="ru-RU" b="1" dirty="0" smtClean="0"/>
-              <a:t>Вариант</a:t>
-            </a:r>
-            <a:r>
-              <a:rPr lang="ru-RU" b="1" dirty="0"/>
-              <a:t>:</a:t>
-            </a:r>
-            <a:r>
-              <a:rPr lang="ru-RU" dirty="0"/>
-              <a:t> </a:t>
+              <a:t>Критерии </a:t>
+            </a:r>
+            <a:r>
+              <a:rPr lang="ru-RU" dirty="0"/>
+              <a:t>включения пациента: Возраст ≥18 лет</a:t>
+            </a:r>
+            <a:br>
+              <a:rPr lang="ru-RU" dirty="0"/>
+            </a:br>
+            <a:r>
+              <a:rPr lang="ru-RU" dirty="0"/>
+              <a:t>Критерии </a:t>
             </a:r>
             <a:r>
               <a:rPr lang="ru-RU" dirty="0" err="1"/>
-              <a:t>SC</a:t>
-            </a:r>
-            <a:r>
-              <a:rPr lang="ru-RU" dirty="0"/>
-              <a:t> - </a:t>
+              <a:t>невключения</a:t>
+            </a:r>
+            <a:r>
+              <a:rPr lang="ru-RU" dirty="0"/>
+              <a:t> пациента: Наличие оперативных вмешательств, лучевой терапии в анамнезе для лечения заболеваний в области грудной клетки</a:t>
+            </a:r>
+          </a:p>
+          <a:p>
+            <a:pPr>
+              <a:buNone/>
+            </a:pPr>
+            <a:r>
+              <a:rPr lang="ru-RU" dirty="0" smtClean="0"/>
+              <a:t>	Возраст </a:t>
+            </a:r>
+            <a:r>
+              <a:rPr lang="ru-RU" dirty="0"/>
+              <a:t>(мин., лет): </a:t>
+            </a:r>
+            <a:r>
+              <a:rPr lang="ru-RU" dirty="0" smtClean="0"/>
+              <a:t>18</a:t>
+            </a:r>
+          </a:p>
+          <a:p>
+            <a:pPr>
+              <a:buNone/>
+            </a:pPr>
+            <a:r>
+              <a:rPr lang="ru-RU" dirty="0"/>
+              <a:t>	</a:t>
+            </a:r>
+            <a:r>
+              <a:rPr lang="ru-RU" dirty="0" smtClean="0"/>
+              <a:t>Возраст </a:t>
+            </a:r>
+            <a:r>
+              <a:rPr lang="ru-RU" dirty="0"/>
+              <a:t>(макс., лет): </a:t>
+            </a:r>
+            <a:r>
+              <a:rPr lang="ru-RU" dirty="0" smtClean="0"/>
+              <a:t>97</a:t>
+            </a:r>
+          </a:p>
+          <a:p>
+            <a:pPr>
+              <a:buNone/>
+            </a:pPr>
+            <a:r>
+              <a:rPr lang="ru-RU" dirty="0"/>
+              <a:t>	</a:t>
+            </a:r>
+            <a:r>
+              <a:rPr lang="ru-RU" dirty="0" smtClean="0"/>
+              <a:t>Возраст </a:t>
+            </a:r>
+            <a:r>
+              <a:rPr lang="ru-RU" dirty="0"/>
+              <a:t>(медиана, лет): </a:t>
+            </a:r>
+            <a:r>
+              <a:rPr lang="ru-RU" dirty="0" smtClean="0"/>
+              <a:t>47,0</a:t>
+            </a:r>
+          </a:p>
+          <a:p>
+            <a:pPr>
+              <a:buNone/>
+            </a:pPr>
+            <a:r>
+              <a:rPr lang="ru-RU" dirty="0"/>
+              <a:t>	</a:t>
+            </a:r>
+            <a:r>
+              <a:rPr lang="ru-RU" dirty="0" smtClean="0"/>
+              <a:t>Пол </a:t>
+            </a:r>
+            <a:r>
+              <a:rPr lang="ru-RU" dirty="0"/>
+              <a:t>(М): </a:t>
+            </a:r>
+            <a:r>
+              <a:rPr lang="ru-RU" dirty="0" smtClean="0"/>
+              <a:t>42</a:t>
+            </a:r>
+          </a:p>
+          <a:p>
+            <a:pPr>
+              <a:buNone/>
+            </a:pPr>
+            <a:r>
+              <a:rPr lang="ru-RU" dirty="0"/>
+              <a:t>	</a:t>
+            </a:r>
+            <a:r>
+              <a:rPr lang="ru-RU" dirty="0" smtClean="0"/>
+              <a:t>Пол </a:t>
+            </a:r>
+            <a:r>
+              <a:rPr lang="ru-RU" dirty="0"/>
+              <a:t>(Ж): </a:t>
+            </a:r>
+            <a:r>
+              <a:rPr lang="ru-RU" dirty="0" smtClean="0"/>
+              <a:t>56</a:t>
+            </a:r>
+          </a:p>
+          <a:p>
+            <a:pPr>
+              <a:buNone/>
+            </a:pPr>
+            <a:r>
+              <a:rPr lang="ru-RU" dirty="0"/>
+              <a:t>	</a:t>
+            </a:r>
+            <a:r>
+              <a:rPr lang="ru-RU" dirty="0" smtClean="0"/>
+              <a:t>Пол </a:t>
+            </a:r>
+            <a:r>
+              <a:rPr lang="ru-RU" dirty="0"/>
+              <a:t>(</a:t>
             </a:r>
             <a:r>
               <a:rPr lang="ru-RU" dirty="0" err="1"/>
-              <a:t>special</a:t>
-            </a:r>
-            <a:r>
-              <a:rPr lang="ru-RU" dirty="0"/>
-              <a:t> </a:t>
+              <a:t>неопределено</a:t>
+            </a:r>
+            <a:r>
+              <a:rPr lang="ru-RU" dirty="0"/>
+              <a:t>): </a:t>
+            </a:r>
+            <a:r>
+              <a:rPr lang="ru-RU" dirty="0" smtClean="0"/>
+              <a:t>2</a:t>
+            </a:r>
+          </a:p>
+          <a:p>
+            <a:pPr>
+              <a:buNone/>
+            </a:pPr>
+            <a:r>
+              <a:rPr lang="ru-RU" dirty="0"/>
+              <a:t>	</a:t>
+            </a:r>
+            <a:r>
+              <a:rPr lang="ru-RU" dirty="0" smtClean="0"/>
+              <a:t>Период </a:t>
+            </a:r>
+            <a:r>
+              <a:rPr lang="ru-RU" dirty="0"/>
+              <a:t>сбора (начало): </a:t>
+            </a:r>
+            <a:r>
+              <a:rPr lang="ru-RU" dirty="0" smtClean="0"/>
+              <a:t>01.03.2020</a:t>
+            </a:r>
+          </a:p>
+          <a:p>
+            <a:pPr>
+              <a:buNone/>
+            </a:pPr>
+            <a:r>
+              <a:rPr lang="ru-RU" dirty="0"/>
+              <a:t>	</a:t>
+            </a:r>
+            <a:r>
+              <a:rPr lang="ru-RU" dirty="0" smtClean="0"/>
+              <a:t>Период </a:t>
+            </a:r>
+            <a:r>
+              <a:rPr lang="ru-RU" dirty="0"/>
+              <a:t>сбора (конец): </a:t>
+            </a:r>
+            <a:r>
+              <a:rPr lang="ru-RU" dirty="0" smtClean="0"/>
+              <a:t>25.04.2020</a:t>
+            </a:r>
+          </a:p>
+          <a:p>
+            <a:pPr>
+              <a:buNone/>
+            </a:pPr>
+            <a:r>
+              <a:rPr lang="ru-RU" dirty="0"/>
+              <a:t>	</a:t>
+            </a:r>
+            <a:r>
+              <a:rPr lang="ru-RU" dirty="0" smtClean="0"/>
+              <a:t>Эпидемиологическая </a:t>
+            </a:r>
+            <a:r>
+              <a:rPr lang="ru-RU" dirty="0"/>
+              <a:t>обстановка: В условиях пандемии </a:t>
             </a:r>
             <a:r>
               <a:rPr lang="ru-RU" dirty="0" err="1"/>
-              <a:t>case</a:t>
-            </a:r>
-            <a:endParaRPr lang="ru-RU" dirty="0"/>
+              <a:t>коронавирусной</a:t>
+            </a:r>
+            <a:r>
+              <a:rPr lang="ru-RU" dirty="0"/>
+              <a:t> инфекции (</a:t>
+            </a:r>
+            <a:r>
+              <a:rPr lang="ru-RU" dirty="0" err="1"/>
+              <a:t>COVID-19</a:t>
+            </a:r>
+            <a:r>
+              <a:rPr lang="ru-RU" dirty="0"/>
+              <a:t>)</a:t>
+            </a:r>
           </a:p>
         </p:txBody>
       </p:sp>
@@ -5581,14 +5522,12 @@
         </p:nvSpPr>
         <p:spPr/>
         <p:txBody>
-          <a:bodyPr>
-            <a:normAutofit/>
-          </a:bodyPr>
+          <a:bodyPr/>
           <a:lstStyle/>
           <a:p>
             <a:r>
               <a:rPr lang="ru-RU" dirty="0" smtClean="0"/>
-              <a:t>Схема разработки </a:t>
+              <a:t>Безопасность сетей</a:t>
             </a:r>
             <a:endParaRPr lang="ru-RU" dirty="0"/>
           </a:p>
@@ -5596,7 +5535,7 @@
       </p:sp>
       <p:pic>
         <p:nvPicPr>
-          <p:cNvPr id="1026" name="Picture 2"/>
+          <p:cNvPr id="10242" name="Picture 2"/>
           <p:cNvPicPr>
             <a:picLocks noGrp="1" noChangeAspect="1" noChangeArrowheads="1"/>
           </p:cNvPicPr>
@@ -5613,8 +5552,8 @@
         </p:blipFill>
         <p:spPr bwMode="auto">
           <a:xfrm>
-            <a:off x="510406" y="1600200"/>
-            <a:ext cx="8123188" cy="4525963"/>
+            <a:off x="2164080" y="2967831"/>
+            <a:ext cx="4815840" cy="1790700"/>
           </a:xfrm>
           <a:prstGeom prst="rect">
             <a:avLst/>
@@ -5674,7 +5613,7 @@
               <a:rPr lang="ru-RU" dirty="0" smtClean="0">
                 <a:hlinkClick r:id="rId2"/>
               </a:rPr>
-              <a:t>Разметка и верификация</a:t>
+              <a:t>Назначение</a:t>
             </a:r>
             <a:endParaRPr lang="ru-RU" dirty="0"/>
           </a:p>
@@ -5693,39 +5632,36 @@
         <p:spPr/>
         <p:txBody>
           <a:bodyPr>
-            <a:normAutofit fontScale="40000" lnSpcReduction="20000"/>
+            <a:normAutofit/>
           </a:bodyPr>
           <a:lstStyle/>
           <a:p>
             <a:r>
-              <a:rPr lang="ru-RU" b="1" dirty="0" err="1" smtClean="0"/>
-              <a:t>РазметкаУровень</a:t>
-            </a:r>
-            <a:r>
               <a:rPr lang="ru-RU" b="1" dirty="0" smtClean="0"/>
-              <a:t> </a:t>
+              <a:t>Клиническая/практическая/научная </a:t>
             </a:r>
             <a:r>
               <a:rPr lang="ru-RU" b="1" dirty="0"/>
-              <a:t>разметки:</a:t>
-            </a:r>
-            <a:r>
-              <a:rPr lang="ru-RU" dirty="0"/>
-              <a:t> Изображение, </a:t>
-            </a:r>
-            <a:r>
-              <a:rPr lang="ru-RU" dirty="0" smtClean="0"/>
-              <a:t>Исследование</a:t>
-            </a:r>
+              <a:t>задача создания набора данных:</a:t>
+            </a:r>
+            <a:r>
+              <a:rPr lang="ru-RU" dirty="0"/>
+              <a:t> Определение степени поражения паренхимы легкого при </a:t>
+            </a:r>
+            <a:r>
+              <a:rPr lang="ru-RU" dirty="0" err="1" smtClean="0"/>
+              <a:t>COVID-19</a:t>
+            </a:r>
+            <a:endParaRPr lang="ru-RU" dirty="0" smtClean="0"/>
           </a:p>
           <a:p>
             <a:r>
               <a:rPr lang="ru-RU" b="1" dirty="0" smtClean="0"/>
-              <a:t>Способы </a:t>
+              <a:t>Назначение </a:t>
             </a:r>
             <a:r>
               <a:rPr lang="ru-RU" b="1" dirty="0" err="1"/>
-              <a:t>предразметки</a:t>
+              <a:t>датасета</a:t>
             </a:r>
             <a:r>
               <a:rPr lang="ru-RU" b="1" dirty="0"/>
@@ -5733,277 +5669,46 @@
             </a:r>
             <a:r>
               <a:rPr lang="ru-RU" dirty="0"/>
+              <a:t> Обучение ИИ </a:t>
+            </a:r>
+            <a:r>
+              <a:rPr lang="ru-RU" dirty="0" smtClean="0"/>
+              <a:t>алгоритма</a:t>
+            </a:r>
+          </a:p>
+          <a:p>
+            <a:r>
+              <a:rPr lang="ru-RU" b="1" dirty="0" smtClean="0"/>
+              <a:t>Вариант</a:t>
+            </a:r>
+            <a:r>
+              <a:rPr lang="ru-RU" b="1" dirty="0"/>
+              <a:t>:</a:t>
+            </a:r>
+            <a:r>
+              <a:rPr lang="ru-RU" dirty="0"/>
               <a:t> </a:t>
             </a:r>
             <a:r>
-              <a:rPr lang="ru-RU" dirty="0" smtClean="0"/>
-              <a:t>Нет</a:t>
-            </a:r>
-          </a:p>
-          <a:p>
-            <a:r>
-              <a:rPr lang="ru-RU" b="1" dirty="0" smtClean="0"/>
-              <a:t>Характер </a:t>
-            </a:r>
-            <a:r>
-              <a:rPr lang="ru-RU" b="1" dirty="0"/>
-              <a:t>разметки:</a:t>
-            </a:r>
-            <a:r>
-              <a:rPr lang="ru-RU" dirty="0"/>
-              <a:t> </a:t>
-            </a:r>
-            <a:r>
-              <a:rPr lang="ru-RU" dirty="0" smtClean="0"/>
-              <a:t>Бинарная</a:t>
-            </a:r>
-          </a:p>
-          <a:p>
-            <a:r>
-              <a:rPr lang="ru-RU" b="1" dirty="0" smtClean="0"/>
-              <a:t>Количество </a:t>
-            </a:r>
-            <a:r>
-              <a:rPr lang="ru-RU" b="1" dirty="0"/>
-              <a:t>лейблов:</a:t>
-            </a:r>
-            <a:r>
-              <a:rPr lang="ru-RU" dirty="0"/>
-              <a:t> </a:t>
-            </a:r>
-            <a:r>
-              <a:rPr lang="ru-RU" dirty="0" smtClean="0"/>
-              <a:t>1</a:t>
-            </a:r>
-          </a:p>
-          <a:p>
-            <a:r>
-              <a:rPr lang="ru-RU" b="1" dirty="0" smtClean="0"/>
-              <a:t>Характер </a:t>
-            </a:r>
-            <a:r>
-              <a:rPr lang="ru-RU" b="1" dirty="0"/>
-              <a:t>лейблов:</a:t>
-            </a:r>
-            <a:r>
-              <a:rPr lang="ru-RU" dirty="0"/>
-              <a:t> </a:t>
-            </a:r>
-            <a:r>
               <a:rPr lang="ru-RU" dirty="0" err="1"/>
-              <a:t>Мультикласс</a:t>
-            </a:r>
-            <a:r>
-              <a:rPr lang="ru-RU" dirty="0"/>
-              <a:t> (1 лейбл, </a:t>
+              <a:t>SC</a:t>
+            </a:r>
+            <a:r>
+              <a:rPr lang="ru-RU" dirty="0"/>
+              <a:t> - </a:t>
             </a:r>
             <a:r>
               <a:rPr lang="ru-RU" dirty="0" err="1"/>
-              <a:t>M</a:t>
-            </a:r>
-            <a:r>
-              <a:rPr lang="ru-RU" dirty="0"/>
-              <a:t> классов, </a:t>
+              <a:t>special</a:t>
+            </a:r>
+            <a:r>
+              <a:rPr lang="ru-RU" dirty="0"/>
+              <a:t> </a:t>
             </a:r>
             <a:r>
               <a:rPr lang="ru-RU" dirty="0" err="1"/>
-              <a:t>M</a:t>
-            </a:r>
-            <a:r>
-              <a:rPr lang="ru-RU" dirty="0"/>
-              <a:t>&gt;2</a:t>
-            </a:r>
-            <a:r>
-              <a:rPr lang="ru-RU" dirty="0" smtClean="0"/>
-              <a:t>)</a:t>
-            </a:r>
-          </a:p>
-          <a:p>
-            <a:r>
-              <a:rPr lang="ru-RU" b="1" dirty="0" smtClean="0"/>
-              <a:t>Уровень </a:t>
-            </a:r>
-            <a:r>
-              <a:rPr lang="ru-RU" b="1" dirty="0"/>
-              <a:t>детализации лейблов:</a:t>
-            </a:r>
-            <a:r>
-              <a:rPr lang="ru-RU" dirty="0"/>
-              <a:t> </a:t>
-            </a:r>
-            <a:r>
-              <a:rPr lang="ru-RU" dirty="0" smtClean="0"/>
-              <a:t>Исследование/серия/изображение</a:t>
-            </a:r>
-          </a:p>
-          <a:p>
-            <a:r>
-              <a:rPr lang="ru-RU" b="1" dirty="0" smtClean="0"/>
-              <a:t>Названия </a:t>
-            </a:r>
-            <a:r>
-              <a:rPr lang="ru-RU" b="1" dirty="0"/>
-              <a:t>лейблов:</a:t>
-            </a:r>
-            <a:r>
-              <a:rPr lang="ru-RU" dirty="0"/>
-              <a:t> Признаки поражения паренхимы легкого при </a:t>
-            </a:r>
-            <a:r>
-              <a:rPr lang="ru-RU" dirty="0" err="1"/>
-              <a:t>COVID-19</a:t>
-            </a:r>
-            <a:r>
-              <a:rPr lang="ru-RU" dirty="0"/>
-              <a:t> согласно -Базовые диагностические требования от августа </a:t>
-            </a:r>
-            <a:r>
-              <a:rPr lang="ru-RU" dirty="0" err="1" smtClean="0"/>
-              <a:t>2021г</a:t>
-            </a:r>
-            <a:endParaRPr lang="ru-RU" dirty="0" smtClean="0"/>
-          </a:p>
-          <a:p>
-            <a:r>
-              <a:rPr lang="ru-RU" b="1" dirty="0" smtClean="0"/>
-              <a:t>Количество </a:t>
-            </a:r>
-            <a:r>
-              <a:rPr lang="ru-RU" b="1" dirty="0"/>
-              <a:t>классов:</a:t>
-            </a:r>
-            <a:r>
-              <a:rPr lang="ru-RU" dirty="0"/>
-              <a:t> </a:t>
-            </a:r>
-            <a:r>
-              <a:rPr lang="ru-RU" dirty="0" smtClean="0"/>
-              <a:t>2</a:t>
-            </a:r>
-          </a:p>
-          <a:p>
-            <a:r>
-              <a:rPr lang="ru-RU" b="1" dirty="0" smtClean="0"/>
-              <a:t>Названия </a:t>
-            </a:r>
-            <a:r>
-              <a:rPr lang="ru-RU" b="1" dirty="0"/>
-              <a:t>классов:</a:t>
-            </a:r>
-            <a:r>
-              <a:rPr lang="ru-RU" dirty="0"/>
-              <a:t> Без целевой патологии - 0; С целевой патологией </a:t>
-            </a:r>
-            <a:r>
-              <a:rPr lang="ru-RU" dirty="0" smtClean="0"/>
-              <a:t>– 1</a:t>
-            </a:r>
-          </a:p>
-          <a:p>
-            <a:r>
-              <a:rPr lang="ru-RU" b="1" dirty="0" smtClean="0"/>
-              <a:t>Количество </a:t>
-            </a:r>
-            <a:r>
-              <a:rPr lang="ru-RU" b="1" dirty="0"/>
-              <a:t>по классам:</a:t>
-            </a:r>
-            <a:r>
-              <a:rPr lang="ru-RU" dirty="0"/>
-              <a:t> КТ-0 ― 254 (22,8%), КТ-1 ― 684 (61,6%), КТ-2 ― 125 (11,3%), КТ-3 ― 45 (4,1%), КТ-4 ― 2 (0,2</a:t>
-            </a:r>
-            <a:r>
-              <a:rPr lang="ru-RU" dirty="0" smtClean="0"/>
-              <a:t>%).</a:t>
-            </a:r>
-          </a:p>
-          <a:p>
-            <a:r>
-              <a:rPr lang="ru-RU" b="1" dirty="0" smtClean="0"/>
-              <a:t>Критерии </a:t>
-            </a:r>
-            <a:r>
-              <a:rPr lang="ru-RU" b="1" dirty="0"/>
-              <a:t>отнесения к </a:t>
-            </a:r>
-            <a:r>
-              <a:rPr lang="ru-RU" b="1" dirty="0" err="1"/>
-              <a:t>классам:</a:t>
-            </a:r>
-            <a:r>
-              <a:rPr lang="ru-RU" dirty="0" err="1"/>
-              <a:t>С</a:t>
-            </a:r>
-            <a:r>
-              <a:rPr lang="ru-RU" dirty="0"/>
-              <a:t> патологией:</a:t>
-            </a:r>
-          </a:p>
-          <a:p>
-            <a:r>
-              <a:rPr lang="ru-RU" dirty="0"/>
-              <a:t>Инфильтрация легочной паренхимы по типу матовых стекол с обеих сторон, преимущественно периферической локализации с или без инфильтрацией легочной паренхимы по типу консолидации с положительным признаком воздушной </a:t>
-            </a:r>
-            <a:r>
-              <a:rPr lang="ru-RU" dirty="0" err="1"/>
-              <a:t>бронхограммы</a:t>
-            </a:r>
-            <a:r>
-              <a:rPr lang="ru-RU" dirty="0"/>
-              <a:t>;</a:t>
-            </a:r>
-          </a:p>
-          <a:p>
-            <a:r>
-              <a:rPr lang="ru-RU" dirty="0"/>
-              <a:t>Инфильтрация легочной паренхимы по типу булыжной мостовой (утолщение </a:t>
-            </a:r>
-            <a:r>
-              <a:rPr lang="ru-RU" dirty="0" err="1"/>
-              <a:t>междолькового</a:t>
-            </a:r>
-            <a:r>
-              <a:rPr lang="ru-RU" dirty="0"/>
-              <a:t> </a:t>
-            </a:r>
-            <a:r>
-              <a:rPr lang="ru-RU" dirty="0" err="1"/>
-              <a:t>интерстиция</a:t>
-            </a:r>
-            <a:r>
-              <a:rPr lang="ru-RU" dirty="0"/>
-              <a:t> на фоне матового стекла) с обеих сторон, преимущественно периферической локализации, с или или без инфильтрацией легочной паренхимы по типу консолидации с положительным признаком воздушной </a:t>
-            </a:r>
-            <a:r>
-              <a:rPr lang="ru-RU" dirty="0" err="1"/>
-              <a:t>бронхограммы</a:t>
-            </a:r>
-            <a:r>
-              <a:rPr lang="ru-RU" dirty="0"/>
-              <a:t>.</a:t>
-            </a:r>
-          </a:p>
-          <a:p>
-            <a:r>
-              <a:rPr lang="ru-RU" dirty="0"/>
-              <a:t>Без патологии: отсутствие вышеперечисленных признаков</a:t>
-            </a:r>
-          </a:p>
-          <a:p>
-            <a:r>
-              <a:rPr lang="ru-RU" b="1" dirty="0" err="1"/>
-              <a:t>ВерификацияМетод</a:t>
-            </a:r>
-            <a:r>
-              <a:rPr lang="ru-RU" b="1" dirty="0"/>
-              <a:t> верификации:</a:t>
-            </a:r>
-            <a:r>
-              <a:rPr lang="ru-RU" dirty="0"/>
-              <a:t> Экспертная оценка разметки (1 эксперт либо консенсус)</a:t>
-            </a:r>
-          </a:p>
-          <a:p>
+              <a:t>case</a:t>
+            </a:r>
             <a:endParaRPr lang="ru-RU" dirty="0"/>
           </a:p>
         </p:txBody>
@@ -6054,7 +5759,7 @@
               <a:rPr lang="ru-RU" dirty="0" smtClean="0">
                 <a:hlinkClick r:id="rId2"/>
               </a:rPr>
-              <a:t>Технические параметры</a:t>
+              <a:t>Разметка и верификация</a:t>
             </a:r>
             <a:endParaRPr lang="ru-RU" dirty="0"/>
           </a:p>
@@ -6073,236 +5778,184 @@
         <p:spPr/>
         <p:txBody>
           <a:bodyPr>
-            <a:normAutofit fontScale="47500" lnSpcReduction="20000"/>
+            <a:normAutofit fontScale="40000" lnSpcReduction="20000"/>
           </a:bodyPr>
           <a:lstStyle/>
           <a:p>
             <a:r>
+              <a:rPr lang="ru-RU" b="1" dirty="0" err="1" smtClean="0"/>
+              <a:t>РазметкаУровень</a:t>
+            </a:r>
+            <a:r>
               <a:rPr lang="ru-RU" b="1" dirty="0" smtClean="0"/>
-              <a:t>Условия </a:t>
+              <a:t> </a:t>
             </a:r>
             <a:r>
               <a:rPr lang="ru-RU" b="1" dirty="0"/>
-              <a:t>сбора </a:t>
-            </a:r>
+              <a:t>разметки:</a:t>
+            </a:r>
+            <a:r>
+              <a:rPr lang="ru-RU" dirty="0"/>
+              <a:t> Изображение, </a:t>
+            </a:r>
+            <a:r>
+              <a:rPr lang="ru-RU" dirty="0" smtClean="0"/>
+              <a:t>Исследование</a:t>
+            </a:r>
+          </a:p>
+          <a:p>
             <a:r>
               <a:rPr lang="ru-RU" b="1" dirty="0" smtClean="0"/>
-              <a:t>данных</a:t>
-            </a:r>
-          </a:p>
-          <a:p>
-            <a:pPr>
-              <a:buNone/>
-            </a:pPr>
+              <a:t>Способы </a:t>
+            </a:r>
+            <a:r>
+              <a:rPr lang="ru-RU" b="1" dirty="0" err="1"/>
+              <a:t>предразметки</a:t>
+            </a:r>
+            <a:r>
+              <a:rPr lang="ru-RU" b="1" dirty="0"/>
+              <a:t>:</a:t>
+            </a:r>
+            <a:r>
+              <a:rPr lang="ru-RU" dirty="0"/>
+              <a:t> </a:t>
+            </a:r>
+            <a:r>
+              <a:rPr lang="ru-RU" dirty="0" smtClean="0"/>
+              <a:t>Нет</a:t>
+            </a:r>
+          </a:p>
+          <a:p>
             <a:r>
               <a:rPr lang="ru-RU" b="1" dirty="0" smtClean="0"/>
-              <a:t>	Критерии </a:t>
+              <a:t>Характер </a:t>
             </a:r>
             <a:r>
               <a:rPr lang="ru-RU" b="1" dirty="0"/>
-              <a:t>включения/</a:t>
-            </a:r>
-            <a:r>
-              <a:rPr lang="ru-RU" b="1" dirty="0" err="1"/>
-              <a:t>невключения</a:t>
+              <a:t>разметки:</a:t>
+            </a:r>
+            <a:r>
+              <a:rPr lang="ru-RU" dirty="0"/>
+              <a:t> </a:t>
+            </a:r>
+            <a:r>
+              <a:rPr lang="ru-RU" dirty="0" smtClean="0"/>
+              <a:t>Бинарная</a:t>
+            </a:r>
+          </a:p>
+          <a:p>
+            <a:r>
+              <a:rPr lang="ru-RU" b="1" dirty="0" smtClean="0"/>
+              <a:t>Количество </a:t>
             </a:r>
             <a:r>
               <a:rPr lang="ru-RU" b="1" dirty="0"/>
-              <a:t> исследования в </a:t>
-            </a:r>
-            <a:r>
-              <a:rPr lang="ru-RU" b="1" dirty="0" err="1"/>
-              <a:t>датасет:</a:t>
+              <a:t>лейблов:</a:t>
+            </a:r>
+            <a:r>
+              <a:rPr lang="ru-RU" dirty="0"/>
+              <a:t> </a:t>
+            </a:r>
+            <a:r>
+              <a:rPr lang="ru-RU" dirty="0" smtClean="0"/>
+              <a:t>1</a:t>
+            </a:r>
+          </a:p>
+          <a:p>
+            <a:r>
+              <a:rPr lang="ru-RU" b="1" dirty="0" smtClean="0"/>
+              <a:t>Характер </a:t>
+            </a:r>
+            <a:r>
+              <a:rPr lang="ru-RU" b="1" dirty="0"/>
+              <a:t>лейблов:</a:t>
+            </a:r>
+            <a:r>
+              <a:rPr lang="ru-RU" dirty="0"/>
+              <a:t> </a:t>
             </a:r>
             <a:r>
               <a:rPr lang="ru-RU" dirty="0" err="1"/>
-              <a:t>Сбор</a:t>
-            </a:r>
-            <a:r>
-              <a:rPr lang="ru-RU" dirty="0"/>
-              <a:t> данных осуществлялся в 48 медицинских организаций в период с 1 марта по 25 апреля 2020 г у пациентов с подозрением на изменения в легких при </a:t>
+              <a:t>Мультикласс</a:t>
+            </a:r>
+            <a:r>
+              <a:rPr lang="ru-RU" dirty="0"/>
+              <a:t> (1 лейбл, </a:t>
+            </a:r>
+            <a:r>
+              <a:rPr lang="ru-RU" dirty="0" err="1"/>
+              <a:t>M</a:t>
+            </a:r>
+            <a:r>
+              <a:rPr lang="ru-RU" dirty="0"/>
+              <a:t> классов, </a:t>
+            </a:r>
+            <a:r>
+              <a:rPr lang="ru-RU" dirty="0" err="1"/>
+              <a:t>M</a:t>
+            </a:r>
+            <a:r>
+              <a:rPr lang="ru-RU" dirty="0"/>
+              <a:t>&gt;2</a:t>
+            </a:r>
+            <a:r>
+              <a:rPr lang="ru-RU" dirty="0" smtClean="0"/>
+              <a:t>)</a:t>
+            </a:r>
+          </a:p>
+          <a:p>
+            <a:r>
+              <a:rPr lang="ru-RU" b="1" dirty="0" smtClean="0"/>
+              <a:t>Уровень </a:t>
+            </a:r>
+            <a:r>
+              <a:rPr lang="ru-RU" b="1" dirty="0"/>
+              <a:t>детализации лейблов:</a:t>
+            </a:r>
+            <a:r>
+              <a:rPr lang="ru-RU" dirty="0"/>
+              <a:t> </a:t>
+            </a:r>
+            <a:r>
+              <a:rPr lang="ru-RU" dirty="0" smtClean="0"/>
+              <a:t>Исследование/серия/изображение</a:t>
+            </a:r>
+          </a:p>
+          <a:p>
+            <a:r>
+              <a:rPr lang="ru-RU" b="1" dirty="0" smtClean="0"/>
+              <a:t>Названия </a:t>
+            </a:r>
+            <a:r>
+              <a:rPr lang="ru-RU" b="1" dirty="0"/>
+              <a:t>лейблов:</a:t>
+            </a:r>
+            <a:r>
+              <a:rPr lang="ru-RU" dirty="0"/>
+              <a:t> Признаки поражения паренхимы легкого при </a:t>
             </a:r>
             <a:r>
               <a:rPr lang="ru-RU" dirty="0" err="1"/>
               <a:t>COVID-19</a:t>
             </a:r>
-            <a:endParaRPr lang="ru-RU" dirty="0"/>
-          </a:p>
-          <a:p>
-            <a:pPr>
-              <a:buNone/>
-            </a:pPr>
-            <a:r>
-              <a:rPr lang="ru-RU" b="1" dirty="0" smtClean="0"/>
-              <a:t>	Протоколы </a:t>
-            </a:r>
-            <a:r>
-              <a:rPr lang="ru-RU" b="1" dirty="0"/>
-              <a:t>и условия сбора </a:t>
-            </a:r>
-            <a:r>
-              <a:rPr lang="ru-RU" b="1" dirty="0" err="1"/>
-              <a:t>данных:</a:t>
-            </a:r>
-            <a:r>
-              <a:rPr lang="ru-RU" dirty="0" err="1"/>
-              <a:t>КТ-протокол</a:t>
-            </a:r>
-            <a:r>
-              <a:rPr lang="ru-RU" dirty="0"/>
-              <a:t> сканирования </a:t>
-            </a:r>
-            <a:r>
-              <a:rPr lang="ru-RU" dirty="0" err="1"/>
-              <a:t>Chest</a:t>
-            </a:r>
-            <a:r>
-              <a:rPr lang="ru-RU" dirty="0"/>
-              <a:t> (рутинные КТ грудной клетки), сканирование выполнено в положении пациента на спине, при задержке дыхания на глубине вдоха, руки убраны за голову</a:t>
-            </a:r>
-          </a:p>
-          <a:p>
-            <a:r>
-              <a:rPr lang="ru-RU" b="1" dirty="0"/>
-              <a:t>Единичная запись набора </a:t>
-            </a:r>
-            <a:r>
-              <a:rPr lang="ru-RU" b="1" dirty="0" smtClean="0"/>
-              <a:t>данных</a:t>
-            </a:r>
-          </a:p>
-          <a:p>
-            <a:pPr>
-              <a:buNone/>
-            </a:pPr>
-            <a:r>
-              <a:rPr lang="ru-RU" b="1" dirty="0"/>
-              <a:t>	</a:t>
-            </a:r>
-            <a:r>
-              <a:rPr lang="ru-RU" b="1" dirty="0" smtClean="0"/>
-              <a:t>Объект </a:t>
-            </a:r>
-            <a:r>
-              <a:rPr lang="ru-RU" b="1" dirty="0"/>
-              <a:t>разметки:</a:t>
-            </a:r>
-            <a:r>
-              <a:rPr lang="ru-RU" dirty="0"/>
-              <a:t> </a:t>
-            </a:r>
-            <a:r>
-              <a:rPr lang="ru-RU" dirty="0" smtClean="0"/>
-              <a:t>Исследование</a:t>
-            </a:r>
-          </a:p>
-          <a:p>
-            <a:pPr>
-              <a:buNone/>
-            </a:pPr>
-            <a:r>
-              <a:rPr lang="ru-RU" b="1" dirty="0" smtClean="0"/>
-              <a:t>	Результат </a:t>
-            </a:r>
-            <a:r>
-              <a:rPr lang="ru-RU" b="1" dirty="0"/>
-              <a:t>разметки:</a:t>
-            </a:r>
-            <a:r>
-              <a:rPr lang="ru-RU" dirty="0"/>
-              <a:t> Целевая патология / отсутствие целевой патологии; бинарные маски </a:t>
-            </a:r>
-            <a:r>
-              <a:rPr lang="ru-RU" dirty="0" smtClean="0"/>
-              <a:t>изображений</a:t>
-            </a:r>
-          </a:p>
-          <a:p>
-            <a:r>
-              <a:rPr lang="ru-RU" b="1" dirty="0" smtClean="0"/>
-              <a:t>Форматы </a:t>
-            </a:r>
-            <a:r>
-              <a:rPr lang="ru-RU" b="1" dirty="0"/>
-              <a:t>записи набора </a:t>
-            </a:r>
-            <a:r>
-              <a:rPr lang="ru-RU" b="1" dirty="0" smtClean="0"/>
-              <a:t>данных</a:t>
-            </a:r>
-          </a:p>
-          <a:p>
-            <a:pPr>
-              <a:buNone/>
-            </a:pPr>
-            <a:r>
-              <a:rPr lang="ru-RU" b="1" dirty="0"/>
-              <a:t>	</a:t>
-            </a:r>
-            <a:r>
-              <a:rPr lang="ru-RU" b="1" dirty="0" smtClean="0"/>
-              <a:t>Объект </a:t>
-            </a:r>
-            <a:r>
-              <a:rPr lang="ru-RU" b="1" dirty="0"/>
-              <a:t>разметки:</a:t>
-            </a:r>
-            <a:r>
-              <a:rPr lang="ru-RU" dirty="0"/>
-              <a:t> </a:t>
+            <a:r>
+              <a:rPr lang="ru-RU" dirty="0"/>
+              <a:t> согласно -Базовые диагностические требования от августа </a:t>
             </a:r>
             <a:r>
               <a:rPr lang="ru-RU" dirty="0" err="1" smtClean="0"/>
-              <a:t>NIFTI</a:t>
+              <a:t>2021г</a:t>
             </a:r>
             <a:endParaRPr lang="ru-RU" dirty="0" smtClean="0"/>
           </a:p>
           <a:p>
-            <a:pPr>
-              <a:buNone/>
-            </a:pPr>
-            <a:r>
-              <a:rPr lang="ru-RU" b="1" dirty="0"/>
-              <a:t>	</a:t>
-            </a:r>
-            <a:r>
-              <a:rPr lang="ru-RU" b="1" dirty="0" smtClean="0"/>
-              <a:t>Результат </a:t>
-            </a:r>
-            <a:r>
-              <a:rPr lang="ru-RU" b="1" dirty="0"/>
-              <a:t>разметки:</a:t>
-            </a:r>
-            <a:r>
-              <a:rPr lang="ru-RU" dirty="0"/>
-              <a:t> </a:t>
-            </a:r>
-            <a:r>
-              <a:rPr lang="ru-RU" dirty="0" smtClean="0"/>
-              <a:t>Табличный</a:t>
-            </a:r>
-          </a:p>
-          <a:p>
-            <a:r>
-              <a:rPr lang="ru-RU" b="1" dirty="0" smtClean="0"/>
-              <a:t>Объем данных</a:t>
-            </a:r>
-          </a:p>
-          <a:p>
-            <a:pPr>
-              <a:buNone/>
-            </a:pPr>
-            <a:r>
-              <a:rPr lang="ru-RU" b="1" dirty="0"/>
-              <a:t>	</a:t>
-            </a:r>
             <a:r>
               <a:rPr lang="ru-RU" b="1" dirty="0" smtClean="0"/>
               <a:t>Количество </a:t>
             </a:r>
             <a:r>
               <a:rPr lang="ru-RU" b="1" dirty="0"/>
-              <a:t>исследований набора данных:</a:t>
+              <a:t>классов:</a:t>
             </a:r>
             <a:r>
               <a:rPr lang="ru-RU" dirty="0"/>
@@ -6310,36 +5963,129 @@
             </a:r>
             <a:r>
               <a:rPr lang="ru-RU" dirty="0" smtClean="0"/>
-              <a:t>1110</a:t>
-            </a:r>
-          </a:p>
-          <a:p>
-            <a:pPr>
-              <a:buNone/>
-            </a:pPr>
+              <a:t>2</a:t>
+            </a:r>
+          </a:p>
+          <a:p>
+            <a:r>
+              <a:rPr lang="ru-RU" b="1" dirty="0" smtClean="0"/>
+              <a:t>Названия </a:t>
+            </a:r>
             <a:r>
               <a:rPr lang="ru-RU" b="1" dirty="0"/>
-              <a:t>	</a:t>
-            </a:r>
+              <a:t>классов:</a:t>
+            </a:r>
+            <a:r>
+              <a:rPr lang="ru-RU" dirty="0"/>
+              <a:t> Без целевой патологии - 0; С целевой патологией </a:t>
+            </a:r>
+            <a:r>
+              <a:rPr lang="ru-RU" dirty="0" smtClean="0"/>
+              <a:t>– 1</a:t>
+            </a:r>
+          </a:p>
+          <a:p>
             <a:r>
               <a:rPr lang="ru-RU" b="1" dirty="0" smtClean="0"/>
               <a:t>Количество </a:t>
             </a:r>
             <a:r>
               <a:rPr lang="ru-RU" b="1" dirty="0"/>
-              <a:t>уникальных источников (</a:t>
+              <a:t>по классам:</a:t>
+            </a:r>
+            <a:r>
+              <a:rPr lang="ru-RU" dirty="0"/>
+              <a:t> КТ-0 ― 254 (22,8%), КТ-1 ― 684 (61,6%), КТ-2 ― 125 (11,3%), КТ-3 ― 45 (4,1%), КТ-4 ― 2 (0,2</a:t>
+            </a:r>
+            <a:r>
+              <a:rPr lang="ru-RU" dirty="0" smtClean="0"/>
+              <a:t>%).</a:t>
+            </a:r>
+          </a:p>
+          <a:p>
+            <a:r>
+              <a:rPr lang="ru-RU" b="1" dirty="0" smtClean="0"/>
+              <a:t>Критерии </a:t>
+            </a:r>
+            <a:r>
+              <a:rPr lang="ru-RU" b="1" dirty="0"/>
+              <a:t>отнесения к </a:t>
             </a:r>
             <a:r>
               <a:rPr lang="ru-RU" b="1" dirty="0" err="1"/>
-              <a:t>ДУ</a:t>
+              <a:t>классам:</a:t>
+            </a:r>
+            <a:r>
+              <a:rPr lang="ru-RU" dirty="0" err="1"/>
+              <a:t>С</a:t>
+            </a:r>
+            <a:r>
+              <a:rPr lang="ru-RU" dirty="0"/>
+              <a:t> патологией:</a:t>
+            </a:r>
+          </a:p>
+          <a:p>
+            <a:r>
+              <a:rPr lang="ru-RU" dirty="0"/>
+              <a:t>Инфильтрация легочной паренхимы по типу матовых стекол с обеих сторон, преимущественно периферической локализации с или без инфильтрацией легочной паренхимы по типу консолидации с положительным признаком воздушной </a:t>
+            </a:r>
+            <a:r>
+              <a:rPr lang="ru-RU" dirty="0" err="1"/>
+              <a:t>бронхограммы</a:t>
+            </a:r>
+            <a:r>
+              <a:rPr lang="ru-RU" dirty="0"/>
+              <a:t>;</a:t>
+            </a:r>
+          </a:p>
+          <a:p>
+            <a:r>
+              <a:rPr lang="ru-RU" dirty="0"/>
+              <a:t>Инфильтрация легочной паренхимы по типу булыжной мостовой (утолщение </a:t>
+            </a:r>
+            <a:r>
+              <a:rPr lang="ru-RU" dirty="0" err="1"/>
+              <a:t>междолькового</a:t>
+            </a:r>
+            <a:r>
+              <a:rPr lang="ru-RU" dirty="0"/>
+              <a:t> </a:t>
+            </a:r>
+            <a:r>
+              <a:rPr lang="ru-RU" dirty="0" err="1"/>
+              <a:t>интерстиция</a:t>
+            </a:r>
+            <a:r>
+              <a:rPr lang="ru-RU" dirty="0"/>
+              <a:t> на фоне матового стекла) с обеих сторон, преимущественно периферической локализации, с или или без инфильтрацией легочной паренхимы по типу консолидации с положительным признаком воздушной </a:t>
+            </a:r>
+            <a:r>
+              <a:rPr lang="ru-RU" dirty="0" err="1"/>
+              <a:t>бронхограммы</a:t>
+            </a:r>
+            <a:r>
+              <a:rPr lang="ru-RU" dirty="0"/>
+              <a:t>.</a:t>
+            </a:r>
+          </a:p>
+          <a:p>
+            <a:r>
+              <a:rPr lang="ru-RU" dirty="0"/>
+              <a:t>Без патологии: отсутствие вышеперечисленных признаков</a:t>
+            </a:r>
+          </a:p>
+          <a:p>
+            <a:r>
+              <a:rPr lang="ru-RU" b="1" dirty="0" err="1"/>
+              <a:t>ВерификацияМетод</a:t>
             </a:r>
             <a:r>
               <a:rPr lang="ru-RU" b="1" dirty="0"/>
-              <a:t>):</a:t>
-            </a:r>
-            <a:r>
-              <a:rPr lang="ru-RU" dirty="0"/>
-              <a:t> 48</a:t>
+              <a:t> верификации:</a:t>
+            </a:r>
+            <a:r>
+              <a:rPr lang="ru-RU" dirty="0"/>
+              <a:t> Экспертная оценка разметки (1 эксперт либо консенсус)</a:t>
             </a:r>
           </a:p>
           <a:p>
@@ -6390,46 +6136,302 @@
           <a:lstStyle/>
           <a:p>
             <a:r>
-              <a:rPr lang="ru-RU" sz="2000" b="1" dirty="0"/>
-              <a:t>Эксперимент по внедрению технологий искусственного интеллекта</a:t>
-            </a:r>
-          </a:p>
-        </p:txBody>
-      </p:sp>
-      <p:pic>
-        <p:nvPicPr>
-          <p:cNvPr id="1026" name="Picture 2"/>
-          <p:cNvPicPr>
-            <a:picLocks noGrp="1" noChangeAspect="1" noChangeArrowheads="1"/>
-          </p:cNvPicPr>
+              <a:rPr lang="ru-RU" dirty="0" smtClean="0">
+                <a:hlinkClick r:id="rId2"/>
+              </a:rPr>
+              <a:t>Технические параметры</a:t>
+            </a:r>
+            <a:endParaRPr lang="ru-RU" dirty="0"/>
+          </a:p>
+        </p:txBody>
+      </p:sp>
+      <p:sp>
+        <p:nvSpPr>
+          <p:cNvPr id="3" name="Содержимое 2"/>
+          <p:cNvSpPr>
+            <a:spLocks noGrp="1"/>
+          </p:cNvSpPr>
           <p:nvPr>
             <p:ph idx="1"/>
           </p:nvPr>
-        </p:nvPicPr>
-        <p:blipFill>
-          <a:blip r:embed="rId2" cstate="print"/>
-          <a:srcRect/>
-          <a:stretch>
-            <a:fillRect/>
-          </a:stretch>
-        </p:blipFill>
-        <p:spPr bwMode="auto">
-          <a:xfrm>
-            <a:off x="548921" y="1600200"/>
-            <a:ext cx="8046157" cy="4525963"/>
-          </a:xfrm>
-          <a:prstGeom prst="rect">
-            <a:avLst/>
-          </a:prstGeom>
-          <a:noFill/>
-          <a:ln w="9525">
-            <a:noFill/>
-            <a:miter lim="800000"/>
-            <a:headEnd/>
-            <a:tailEnd/>
-          </a:ln>
-        </p:spPr>
-      </p:pic>
+        </p:nvSpPr>
+        <p:spPr/>
+        <p:txBody>
+          <a:bodyPr>
+            <a:normAutofit fontScale="47500" lnSpcReduction="20000"/>
+          </a:bodyPr>
+          <a:lstStyle/>
+          <a:p>
+            <a:r>
+              <a:rPr lang="ru-RU" b="1" dirty="0" smtClean="0"/>
+              <a:t>Условия </a:t>
+            </a:r>
+            <a:r>
+              <a:rPr lang="ru-RU" b="1" dirty="0"/>
+              <a:t>сбора </a:t>
+            </a:r>
+            <a:r>
+              <a:rPr lang="ru-RU" b="1" dirty="0" smtClean="0"/>
+              <a:t>данных</a:t>
+            </a:r>
+          </a:p>
+          <a:p>
+            <a:pPr>
+              <a:buNone/>
+            </a:pPr>
+            <a:r>
+              <a:rPr lang="ru-RU" b="1" dirty="0" smtClean="0"/>
+              <a:t>	Критерии </a:t>
+            </a:r>
+            <a:r>
+              <a:rPr lang="ru-RU" b="1" dirty="0"/>
+              <a:t>включения/</a:t>
+            </a:r>
+            <a:r>
+              <a:rPr lang="ru-RU" b="1" dirty="0" err="1"/>
+              <a:t>невключения</a:t>
+            </a:r>
+            <a:r>
+              <a:rPr lang="ru-RU" b="1" dirty="0"/>
+              <a:t> исследования в </a:t>
+            </a:r>
+            <a:r>
+              <a:rPr lang="ru-RU" b="1" dirty="0" err="1"/>
+              <a:t>датасет:</a:t>
+            </a:r>
+            <a:r>
+              <a:rPr lang="ru-RU" dirty="0" err="1"/>
+              <a:t>Сбор</a:t>
+            </a:r>
+            <a:r>
+              <a:rPr lang="ru-RU" dirty="0"/>
+              <a:t> данных осуществлялся в 48 медицинских организаций в период с 1 марта по 25 апреля 2020 г у пациентов с подозрением на изменения в легких при </a:t>
+            </a:r>
+            <a:r>
+              <a:rPr lang="ru-RU" dirty="0" err="1"/>
+              <a:t>COVID-19</a:t>
+            </a:r>
+            <a:endParaRPr lang="ru-RU" dirty="0"/>
+          </a:p>
+          <a:p>
+            <a:pPr>
+              <a:buNone/>
+            </a:pPr>
+            <a:r>
+              <a:rPr lang="ru-RU" b="1" dirty="0" smtClean="0"/>
+              <a:t>	Протоколы </a:t>
+            </a:r>
+            <a:r>
+              <a:rPr lang="ru-RU" b="1" dirty="0"/>
+              <a:t>и условия сбора </a:t>
+            </a:r>
+            <a:r>
+              <a:rPr lang="ru-RU" b="1" dirty="0" err="1"/>
+              <a:t>данных:</a:t>
+            </a:r>
+            <a:r>
+              <a:rPr lang="ru-RU" dirty="0" err="1"/>
+              <a:t>КТ-протокол</a:t>
+            </a:r>
+            <a:r>
+              <a:rPr lang="ru-RU" dirty="0"/>
+              <a:t> сканирования </a:t>
+            </a:r>
+            <a:r>
+              <a:rPr lang="ru-RU" dirty="0" err="1"/>
+              <a:t>Chest</a:t>
+            </a:r>
+            <a:r>
+              <a:rPr lang="ru-RU" dirty="0"/>
+              <a:t> (рутинные КТ грудной клетки), сканирование выполнено в положении пациента на спине, при задержке дыхания на глубине вдоха, руки убраны за голову</a:t>
+            </a:r>
+          </a:p>
+          <a:p>
+            <a:r>
+              <a:rPr lang="ru-RU" b="1" dirty="0"/>
+              <a:t>Единичная запись набора </a:t>
+            </a:r>
+            <a:r>
+              <a:rPr lang="ru-RU" b="1" dirty="0" smtClean="0"/>
+              <a:t>данных</a:t>
+            </a:r>
+          </a:p>
+          <a:p>
+            <a:pPr>
+              <a:buNone/>
+            </a:pPr>
+            <a:r>
+              <a:rPr lang="ru-RU" b="1" dirty="0"/>
+              <a:t>	</a:t>
+            </a:r>
+            <a:r>
+              <a:rPr lang="ru-RU" b="1" dirty="0" smtClean="0"/>
+              <a:t>Объект </a:t>
+            </a:r>
+            <a:r>
+              <a:rPr lang="ru-RU" b="1" dirty="0"/>
+              <a:t>разметки:</a:t>
+            </a:r>
+            <a:r>
+              <a:rPr lang="ru-RU" dirty="0"/>
+              <a:t> </a:t>
+            </a:r>
+            <a:r>
+              <a:rPr lang="ru-RU" dirty="0" smtClean="0"/>
+              <a:t>Исследование</a:t>
+            </a:r>
+          </a:p>
+          <a:p>
+            <a:pPr>
+              <a:buNone/>
+            </a:pPr>
+            <a:r>
+              <a:rPr lang="ru-RU" b="1" dirty="0" smtClean="0"/>
+              <a:t>	Результат </a:t>
+            </a:r>
+            <a:r>
+              <a:rPr lang="ru-RU" b="1" dirty="0"/>
+              <a:t>разметки:</a:t>
+            </a:r>
+            <a:r>
+              <a:rPr lang="ru-RU" dirty="0"/>
+              <a:t> Целевая патология / отсутствие целевой патологии; бинарные маски </a:t>
+            </a:r>
+            <a:r>
+              <a:rPr lang="ru-RU" dirty="0" smtClean="0"/>
+              <a:t>изображений</a:t>
+            </a:r>
+          </a:p>
+          <a:p>
+            <a:r>
+              <a:rPr lang="ru-RU" b="1" dirty="0" smtClean="0"/>
+              <a:t>Форматы </a:t>
+            </a:r>
+            <a:r>
+              <a:rPr lang="ru-RU" b="1" dirty="0"/>
+              <a:t>записи набора </a:t>
+            </a:r>
+            <a:r>
+              <a:rPr lang="ru-RU" b="1" dirty="0" smtClean="0"/>
+              <a:t>данных</a:t>
+            </a:r>
+          </a:p>
+          <a:p>
+            <a:pPr>
+              <a:buNone/>
+            </a:pPr>
+            <a:r>
+              <a:rPr lang="ru-RU" b="1" dirty="0"/>
+              <a:t>	</a:t>
+            </a:r>
+            <a:r>
+              <a:rPr lang="ru-RU" b="1" dirty="0" smtClean="0"/>
+              <a:t>Объект </a:t>
+            </a:r>
+            <a:r>
+              <a:rPr lang="ru-RU" b="1" dirty="0"/>
+              <a:t>разметки:</a:t>
+            </a:r>
+            <a:r>
+              <a:rPr lang="ru-RU" dirty="0"/>
+              <a:t> </a:t>
+            </a:r>
+            <a:r>
+              <a:rPr lang="ru-RU" dirty="0" err="1" smtClean="0"/>
+              <a:t>NIFTI</a:t>
+            </a:r>
+            <a:endParaRPr lang="ru-RU" dirty="0" smtClean="0"/>
+          </a:p>
+          <a:p>
+            <a:pPr>
+              <a:buNone/>
+            </a:pPr>
+            <a:r>
+              <a:rPr lang="ru-RU" b="1" dirty="0"/>
+              <a:t>	</a:t>
+            </a:r>
+            <a:r>
+              <a:rPr lang="ru-RU" b="1" dirty="0" smtClean="0"/>
+              <a:t>Результат </a:t>
+            </a:r>
+            <a:r>
+              <a:rPr lang="ru-RU" b="1" dirty="0"/>
+              <a:t>разметки:</a:t>
+            </a:r>
+            <a:r>
+              <a:rPr lang="ru-RU" dirty="0"/>
+              <a:t> </a:t>
+            </a:r>
+            <a:r>
+              <a:rPr lang="ru-RU" dirty="0" smtClean="0"/>
+              <a:t>Табличный</a:t>
+            </a:r>
+          </a:p>
+          <a:p>
+            <a:r>
+              <a:rPr lang="ru-RU" b="1" dirty="0" smtClean="0"/>
+              <a:t>Объем данных</a:t>
+            </a:r>
+          </a:p>
+          <a:p>
+            <a:pPr>
+              <a:buNone/>
+            </a:pPr>
+            <a:r>
+              <a:rPr lang="ru-RU" b="1" dirty="0"/>
+              <a:t>	</a:t>
+            </a:r>
+            <a:r>
+              <a:rPr lang="ru-RU" b="1" dirty="0" smtClean="0"/>
+              <a:t>Количество </a:t>
+            </a:r>
+            <a:r>
+              <a:rPr lang="ru-RU" b="1" dirty="0"/>
+              <a:t>исследований набора данных:</a:t>
+            </a:r>
+            <a:r>
+              <a:rPr lang="ru-RU" dirty="0"/>
+              <a:t> </a:t>
+            </a:r>
+            <a:r>
+              <a:rPr lang="ru-RU" dirty="0" smtClean="0"/>
+              <a:t>1110</a:t>
+            </a:r>
+          </a:p>
+          <a:p>
+            <a:pPr>
+              <a:buNone/>
+            </a:pPr>
+            <a:r>
+              <a:rPr lang="ru-RU" b="1" dirty="0"/>
+              <a:t>	</a:t>
+            </a:r>
+            <a:r>
+              <a:rPr lang="ru-RU" b="1" dirty="0" smtClean="0"/>
+              <a:t>Количество </a:t>
+            </a:r>
+            <a:r>
+              <a:rPr lang="ru-RU" b="1" dirty="0"/>
+              <a:t>уникальных источников (</a:t>
+            </a:r>
+            <a:r>
+              <a:rPr lang="ru-RU" b="1" dirty="0" err="1"/>
+              <a:t>ДУ</a:t>
+            </a:r>
+            <a:r>
+              <a:rPr lang="ru-RU" b="1" dirty="0"/>
+              <a:t>):</a:t>
+            </a:r>
+            <a:r>
+              <a:rPr lang="ru-RU" dirty="0"/>
+              <a:t> 48</a:t>
+            </a:r>
+          </a:p>
+          <a:p>
+            <a:endParaRPr lang="ru-RU" dirty="0"/>
+          </a:p>
+        </p:txBody>
+      </p:sp>
     </p:spTree>
   </p:cSld>
   <p:clrMapOvr>
@@ -6468,15 +6470,14 @@
         <p:spPr/>
         <p:txBody>
           <a:bodyPr>
-            <a:normAutofit fontScale="90000"/>
+            <a:normAutofit/>
           </a:bodyPr>
           <a:lstStyle/>
           <a:p>
             <a:r>
-              <a:rPr lang="ru-RU" dirty="0" smtClean="0"/>
-              <a:t>Сколько фирм у нас и там занимаются ИИ</a:t>
-            </a:r>
-            <a:endParaRPr lang="ru-RU" dirty="0"/>
+              <a:rPr lang="ru-RU" sz="2000" b="1" dirty="0"/>
+              <a:t>Эксперимент по внедрению технологий искусственного интеллекта</a:t>
+            </a:r>
           </a:p>
         </p:txBody>
       </p:sp>
@@ -6499,8 +6500,8 @@
         </p:blipFill>
         <p:spPr bwMode="auto">
           <a:xfrm>
-            <a:off x="2960370" y="2994501"/>
-            <a:ext cx="3223260" cy="1737360"/>
+            <a:off x="548921" y="1600200"/>
+            <a:ext cx="8046157" cy="4525963"/>
           </a:xfrm>
           <a:prstGeom prst="rect">
             <a:avLst/>
@@ -6551,6 +6552,90 @@
         </p:nvSpPr>
         <p:spPr/>
         <p:txBody>
+          <a:bodyPr>
+            <a:normAutofit fontScale="90000"/>
+          </a:bodyPr>
+          <a:lstStyle/>
+          <a:p>
+            <a:r>
+              <a:rPr lang="ru-RU" dirty="0" smtClean="0"/>
+              <a:t>Сколько фирм у нас и там занимаются ИИ</a:t>
+            </a:r>
+            <a:endParaRPr lang="ru-RU" dirty="0"/>
+          </a:p>
+        </p:txBody>
+      </p:sp>
+      <p:pic>
+        <p:nvPicPr>
+          <p:cNvPr id="1026" name="Picture 2"/>
+          <p:cNvPicPr>
+            <a:picLocks noGrp="1" noChangeAspect="1" noChangeArrowheads="1"/>
+          </p:cNvPicPr>
+          <p:nvPr>
+            <p:ph idx="1"/>
+          </p:nvPr>
+        </p:nvPicPr>
+        <p:blipFill>
+          <a:blip r:embed="rId2" cstate="print"/>
+          <a:srcRect/>
+          <a:stretch>
+            <a:fillRect/>
+          </a:stretch>
+        </p:blipFill>
+        <p:spPr bwMode="auto">
+          <a:xfrm>
+            <a:off x="2960370" y="2994501"/>
+            <a:ext cx="3223260" cy="1737360"/>
+          </a:xfrm>
+          <a:prstGeom prst="rect">
+            <a:avLst/>
+          </a:prstGeom>
+          <a:noFill/>
+          <a:ln w="9525">
+            <a:noFill/>
+            <a:miter lim="800000"/>
+            <a:headEnd/>
+            <a:tailEnd/>
+          </a:ln>
+        </p:spPr>
+      </p:pic>
+    </p:spTree>
+  </p:cSld>
+  <p:clrMapOvr>
+    <a:masterClrMapping/>
+  </p:clrMapOvr>
+</p:sld>
+</file>
+
+<file path=ppt/slides/slide35.xml><?xml version="1.0" encoding="utf-8"?>
+<p:sld xmlns:a="http://schemas.openxmlformats.org/drawingml/2006/main" xmlns:r="http://schemas.openxmlformats.org/officeDocument/2006/relationships" xmlns:p="http://schemas.openxmlformats.org/presentationml/2006/main">
+  <p:cSld>
+    <p:spTree>
+      <p:nvGrpSpPr>
+        <p:cNvPr id="1" name=""/>
+        <p:cNvGrpSpPr/>
+        <p:nvPr/>
+      </p:nvGrpSpPr>
+      <p:grpSpPr>
+        <a:xfrm>
+          <a:off x="0" y="0"/>
+          <a:ext cx="0" cy="0"/>
+          <a:chOff x="0" y="0"/>
+          <a:chExt cx="0" cy="0"/>
+        </a:xfrm>
+      </p:grpSpPr>
+      <p:sp>
+        <p:nvSpPr>
+          <p:cNvPr id="2" name="Заголовок 1"/>
+          <p:cNvSpPr>
+            <a:spLocks noGrp="1"/>
+          </p:cNvSpPr>
+          <p:nvPr>
+            <p:ph type="title"/>
+          </p:nvPr>
+        </p:nvSpPr>
+        <p:spPr/>
+        <p:txBody>
           <a:bodyPr/>
           <a:lstStyle/>
           <a:p>
@@ -6599,6 +6684,90 @@
 </file>
 
 <file path=ppt/slides/slide4.xml><?xml version="1.0" encoding="utf-8"?>
+<p:sld xmlns:a="http://schemas.openxmlformats.org/drawingml/2006/main" xmlns:r="http://schemas.openxmlformats.org/officeDocument/2006/relationships" xmlns:p="http://schemas.openxmlformats.org/presentationml/2006/main">
+  <p:cSld>
+    <p:spTree>
+      <p:nvGrpSpPr>
+        <p:cNvPr id="1" name=""/>
+        <p:cNvGrpSpPr/>
+        <p:nvPr/>
+      </p:nvGrpSpPr>
+      <p:grpSpPr>
+        <a:xfrm>
+          <a:off x="0" y="0"/>
+          <a:ext cx="0" cy="0"/>
+          <a:chOff x="0" y="0"/>
+          <a:chExt cx="0" cy="0"/>
+        </a:xfrm>
+      </p:grpSpPr>
+      <p:sp>
+        <p:nvSpPr>
+          <p:cNvPr id="2" name="Заголовок 1"/>
+          <p:cNvSpPr>
+            <a:spLocks noGrp="1"/>
+          </p:cNvSpPr>
+          <p:nvPr>
+            <p:ph type="title"/>
+          </p:nvPr>
+        </p:nvSpPr>
+        <p:spPr/>
+        <p:txBody>
+          <a:bodyPr>
+            <a:normAutofit/>
+          </a:bodyPr>
+          <a:lstStyle/>
+          <a:p>
+            <a:r>
+              <a:rPr lang="ru-RU" dirty="0" smtClean="0"/>
+              <a:t>Схема разработки </a:t>
+            </a:r>
+            <a:endParaRPr lang="ru-RU" dirty="0"/>
+          </a:p>
+        </p:txBody>
+      </p:sp>
+      <p:pic>
+        <p:nvPicPr>
+          <p:cNvPr id="1026" name="Picture 2"/>
+          <p:cNvPicPr>
+            <a:picLocks noGrp="1" noChangeAspect="1" noChangeArrowheads="1"/>
+          </p:cNvPicPr>
+          <p:nvPr>
+            <p:ph idx="1"/>
+          </p:nvPr>
+        </p:nvPicPr>
+        <p:blipFill>
+          <a:blip r:embed="rId2" cstate="print"/>
+          <a:srcRect/>
+          <a:stretch>
+            <a:fillRect/>
+          </a:stretch>
+        </p:blipFill>
+        <p:spPr bwMode="auto">
+          <a:xfrm>
+            <a:off x="510406" y="1600200"/>
+            <a:ext cx="8123188" cy="4525963"/>
+          </a:xfrm>
+          <a:prstGeom prst="rect">
+            <a:avLst/>
+          </a:prstGeom>
+          <a:noFill/>
+          <a:ln w="9525">
+            <a:noFill/>
+            <a:miter lim="800000"/>
+            <a:headEnd/>
+            <a:tailEnd/>
+          </a:ln>
+        </p:spPr>
+      </p:pic>
+    </p:spTree>
+  </p:cSld>
+  <p:clrMapOvr>
+    <a:masterClrMapping/>
+  </p:clrMapOvr>
+</p:sld>
+</file>
+
+<file path=ppt/slides/slide5.xml><?xml version="1.0" encoding="utf-8"?>
 <p:sld xmlns:a="http://schemas.openxmlformats.org/drawingml/2006/main" xmlns:r="http://schemas.openxmlformats.org/officeDocument/2006/relationships" xmlns:p="http://schemas.openxmlformats.org/presentationml/2006/main">
   <p:cSld>
     <p:spTree>
@@ -6712,7 +6881,7 @@
 </p:sld>
 </file>
 
-<file path=ppt/slides/slide5.xml><?xml version="1.0" encoding="utf-8"?>
+<file path=ppt/slides/slide6.xml><?xml version="1.0" encoding="utf-8"?>
 <p:sld xmlns:a="http://schemas.openxmlformats.org/drawingml/2006/main" xmlns:r="http://schemas.openxmlformats.org/officeDocument/2006/relationships" xmlns:p="http://schemas.openxmlformats.org/presentationml/2006/main">
   <p:cSld>
     <p:spTree>
@@ -6794,7 +6963,7 @@
 </p:sld>
 </file>
 
-<file path=ppt/slides/slide6.xml><?xml version="1.0" encoding="utf-8"?>
+<file path=ppt/slides/slide7.xml><?xml version="1.0" encoding="utf-8"?>
 <p:sld xmlns:a="http://schemas.openxmlformats.org/drawingml/2006/main" xmlns:r="http://schemas.openxmlformats.org/officeDocument/2006/relationships" xmlns:p="http://schemas.openxmlformats.org/presentationml/2006/main">
   <p:cSld>
     <p:spTree>
@@ -6880,7 +7049,7 @@
 </p:sld>
 </file>
 
-<file path=ppt/slides/slide7.xml><?xml version="1.0" encoding="utf-8"?>
+<file path=ppt/slides/slide8.xml><?xml version="1.0" encoding="utf-8"?>
 <p:sld xmlns:a="http://schemas.openxmlformats.org/drawingml/2006/main" xmlns:r="http://schemas.openxmlformats.org/officeDocument/2006/relationships" xmlns:p="http://schemas.openxmlformats.org/presentationml/2006/main">
   <p:cSld>
     <p:spTree>
@@ -6998,92 +7167,6 @@
 </p:sld>
 </file>
 
-<file path=ppt/slides/slide8.xml><?xml version="1.0" encoding="utf-8"?>
-<p:sld xmlns:a="http://schemas.openxmlformats.org/drawingml/2006/main" xmlns:r="http://schemas.openxmlformats.org/officeDocument/2006/relationships" xmlns:p="http://schemas.openxmlformats.org/presentationml/2006/main">
-  <p:cSld>
-    <p:spTree>
-      <p:nvGrpSpPr>
-        <p:cNvPr id="1" name=""/>
-        <p:cNvGrpSpPr/>
-        <p:nvPr/>
-      </p:nvGrpSpPr>
-      <p:grpSpPr>
-        <a:xfrm>
-          <a:off x="0" y="0"/>
-          <a:ext cx="0" cy="0"/>
-          <a:chOff x="0" y="0"/>
-          <a:chExt cx="0" cy="0"/>
-        </a:xfrm>
-      </p:grpSpPr>
-      <p:sp>
-        <p:nvSpPr>
-          <p:cNvPr id="2" name="Заголовок 1"/>
-          <p:cNvSpPr>
-            <a:spLocks noGrp="1"/>
-          </p:cNvSpPr>
-          <p:nvPr>
-            <p:ph type="title"/>
-          </p:nvPr>
-        </p:nvSpPr>
-        <p:spPr/>
-        <p:txBody>
-          <a:bodyPr/>
-          <a:lstStyle/>
-          <a:p>
-            <a:r>
-              <a:rPr lang="ru-RU" dirty="0" smtClean="0"/>
-              <a:t>Слой </a:t>
-            </a:r>
-            <a:r>
-              <a:rPr lang="ru-RU" dirty="0" err="1" smtClean="0"/>
-              <a:t>пуллинга</a:t>
-            </a:r>
-            <a:endParaRPr lang="ru-RU" dirty="0"/>
-          </a:p>
-        </p:txBody>
-      </p:sp>
-      <p:pic>
-        <p:nvPicPr>
-          <p:cNvPr id="3074" name="Picture 2"/>
-          <p:cNvPicPr>
-            <a:picLocks noGrp="1" noChangeAspect="1" noChangeArrowheads="1"/>
-          </p:cNvPicPr>
-          <p:nvPr>
-            <p:ph idx="1"/>
-          </p:nvPr>
-        </p:nvPicPr>
-        <p:blipFill>
-          <a:blip r:embed="rId2" cstate="print"/>
-          <a:srcRect/>
-          <a:stretch>
-            <a:fillRect/>
-          </a:stretch>
-        </p:blipFill>
-        <p:spPr bwMode="auto">
-          <a:xfrm>
-            <a:off x="1927630" y="2777237"/>
-            <a:ext cx="5288739" cy="2171888"/>
-          </a:xfrm>
-          <a:prstGeom prst="rect">
-            <a:avLst/>
-          </a:prstGeom>
-          <a:noFill/>
-          <a:ln w="9525">
-            <a:noFill/>
-            <a:miter lim="800000"/>
-            <a:headEnd/>
-            <a:tailEnd/>
-          </a:ln>
-        </p:spPr>
-      </p:pic>
-    </p:spTree>
-  </p:cSld>
-  <p:clrMapOvr>
-    <a:masterClrMapping/>
-  </p:clrMapOvr>
-</p:sld>
-</file>
-
 <file path=ppt/slides/slide9.xml><?xml version="1.0" encoding="utf-8"?>
 <p:sld xmlns:a="http://schemas.openxmlformats.org/drawingml/2006/main" xmlns:r="http://schemas.openxmlformats.org/officeDocument/2006/relationships" xmlns:p="http://schemas.openxmlformats.org/presentationml/2006/main">
   <p:cSld>
@@ -7117,12 +7200,12 @@
           <a:lstStyle/>
           <a:p>
             <a:r>
+              <a:rPr lang="ru-RU" dirty="0" smtClean="0"/>
+              <a:t>Слой </a:t>
+            </a:r>
+            <a:r>
               <a:rPr lang="ru-RU" dirty="0" err="1" smtClean="0"/>
-              <a:t>Полносвязный</a:t>
-            </a:r>
-            <a:r>
-              <a:rPr lang="ru-RU" dirty="0" smtClean="0"/>
-              <a:t> слой</a:t>
+              <a:t>пуллинга</a:t>
             </a:r>
             <a:endParaRPr lang="ru-RU" dirty="0"/>
           </a:p>
@@ -7130,7 +7213,7 @@
       </p:sp>
       <p:pic>
         <p:nvPicPr>
-          <p:cNvPr id="4098" name="Picture 2"/>
+          <p:cNvPr id="3074" name="Picture 2"/>
           <p:cNvPicPr>
             <a:picLocks noGrp="1" noChangeAspect="1" noChangeArrowheads="1"/>
           </p:cNvPicPr>
@@ -7147,8 +7230,8 @@
         </p:blipFill>
         <p:spPr bwMode="auto">
           <a:xfrm>
-            <a:off x="1455420" y="2693511"/>
-            <a:ext cx="6233160" cy="2339340"/>
+            <a:off x="1927630" y="2777237"/>
+            <a:ext cx="5288739" cy="2171888"/>
           </a:xfrm>
           <a:prstGeom prst="rect">
             <a:avLst/>

--- a/slides.pptx
+++ b/slides.pptx
@@ -323,7 +323,7 @@
             <a:fld id="{C2263E29-338E-49D6-9AED-D5FCECFDFDCF}" type="datetimeFigureOut">
               <a:rPr lang="ru-RU" smtClean="0"/>
               <a:pPr/>
-              <a:t>28.05.2022</a:t>
+              <a:t>04.06.2022</a:t>
             </a:fld>
             <a:endParaRPr lang="ru-RU"/>
           </a:p>
@@ -490,7 +490,7 @@
             <a:fld id="{C2263E29-338E-49D6-9AED-D5FCECFDFDCF}" type="datetimeFigureOut">
               <a:rPr lang="ru-RU" smtClean="0"/>
               <a:pPr/>
-              <a:t>28.05.2022</a:t>
+              <a:t>04.06.2022</a:t>
             </a:fld>
             <a:endParaRPr lang="ru-RU"/>
           </a:p>
@@ -667,7 +667,7 @@
             <a:fld id="{C2263E29-338E-49D6-9AED-D5FCECFDFDCF}" type="datetimeFigureOut">
               <a:rPr lang="ru-RU" smtClean="0"/>
               <a:pPr/>
-              <a:t>28.05.2022</a:t>
+              <a:t>04.06.2022</a:t>
             </a:fld>
             <a:endParaRPr lang="ru-RU"/>
           </a:p>
@@ -834,7 +834,7 @@
             <a:fld id="{C2263E29-338E-49D6-9AED-D5FCECFDFDCF}" type="datetimeFigureOut">
               <a:rPr lang="ru-RU" smtClean="0"/>
               <a:pPr/>
-              <a:t>28.05.2022</a:t>
+              <a:t>04.06.2022</a:t>
             </a:fld>
             <a:endParaRPr lang="ru-RU"/>
           </a:p>
@@ -1077,7 +1077,7 @@
             <a:fld id="{C2263E29-338E-49D6-9AED-D5FCECFDFDCF}" type="datetimeFigureOut">
               <a:rPr lang="ru-RU" smtClean="0"/>
               <a:pPr/>
-              <a:t>28.05.2022</a:t>
+              <a:t>04.06.2022</a:t>
             </a:fld>
             <a:endParaRPr lang="ru-RU"/>
           </a:p>
@@ -1362,7 +1362,7 @@
             <a:fld id="{C2263E29-338E-49D6-9AED-D5FCECFDFDCF}" type="datetimeFigureOut">
               <a:rPr lang="ru-RU" smtClean="0"/>
               <a:pPr/>
-              <a:t>28.05.2022</a:t>
+              <a:t>04.06.2022</a:t>
             </a:fld>
             <a:endParaRPr lang="ru-RU"/>
           </a:p>
@@ -1781,7 +1781,7 @@
             <a:fld id="{C2263E29-338E-49D6-9AED-D5FCECFDFDCF}" type="datetimeFigureOut">
               <a:rPr lang="ru-RU" smtClean="0"/>
               <a:pPr/>
-              <a:t>28.05.2022</a:t>
+              <a:t>04.06.2022</a:t>
             </a:fld>
             <a:endParaRPr lang="ru-RU"/>
           </a:p>
@@ -1896,7 +1896,7 @@
             <a:fld id="{C2263E29-338E-49D6-9AED-D5FCECFDFDCF}" type="datetimeFigureOut">
               <a:rPr lang="ru-RU" smtClean="0"/>
               <a:pPr/>
-              <a:t>28.05.2022</a:t>
+              <a:t>04.06.2022</a:t>
             </a:fld>
             <a:endParaRPr lang="ru-RU"/>
           </a:p>
@@ -1988,7 +1988,7 @@
             <a:fld id="{C2263E29-338E-49D6-9AED-D5FCECFDFDCF}" type="datetimeFigureOut">
               <a:rPr lang="ru-RU" smtClean="0"/>
               <a:pPr/>
-              <a:t>28.05.2022</a:t>
+              <a:t>04.06.2022</a:t>
             </a:fld>
             <a:endParaRPr lang="ru-RU"/>
           </a:p>
@@ -2262,7 +2262,7 @@
             <a:fld id="{C2263E29-338E-49D6-9AED-D5FCECFDFDCF}" type="datetimeFigureOut">
               <a:rPr lang="ru-RU" smtClean="0"/>
               <a:pPr/>
-              <a:t>28.05.2022</a:t>
+              <a:t>04.06.2022</a:t>
             </a:fld>
             <a:endParaRPr lang="ru-RU"/>
           </a:p>
@@ -2512,7 +2512,7 @@
             <a:fld id="{C2263E29-338E-49D6-9AED-D5FCECFDFDCF}" type="datetimeFigureOut">
               <a:rPr lang="ru-RU" smtClean="0"/>
               <a:pPr/>
-              <a:t>28.05.2022</a:t>
+              <a:t>04.06.2022</a:t>
             </a:fld>
             <a:endParaRPr lang="ru-RU"/>
           </a:p>
@@ -2722,7 +2722,7 @@
             <a:fld id="{C2263E29-338E-49D6-9AED-D5FCECFDFDCF}" type="datetimeFigureOut">
               <a:rPr lang="ru-RU" smtClean="0"/>
               <a:pPr/>
-              <a:t>28.05.2022</a:t>
+              <a:t>04.06.2022</a:t>
             </a:fld>
             <a:endParaRPr lang="ru-RU"/>
           </a:p>
@@ -4579,44 +4579,256 @@
         <p:spPr/>
         <p:txBody>
           <a:bodyPr>
-            <a:normAutofit fontScale="90000"/>
+            <a:normAutofit/>
           </a:bodyPr>
           <a:lstStyle/>
           <a:p>
             <a:r>
               <a:rPr lang="ru-RU" dirty="0" smtClean="0"/>
-              <a:t>Графики обучения модели</a:t>
-            </a:r>
-            <a:br>
-              <a:rPr lang="ru-RU" dirty="0" smtClean="0"/>
-            </a:br>
-            <a:r>
-              <a:rPr lang="ru-RU" dirty="0" smtClean="0"/>
-              <a:t>Параметры модели</a:t>
+              <a:t>Характеристики </a:t>
+            </a:r>
+            <a:r>
+              <a:rPr lang="ru-RU" dirty="0" err="1" smtClean="0"/>
+              <a:t>датасета</a:t>
             </a:r>
             <a:endParaRPr lang="ru-RU" dirty="0"/>
           </a:p>
         </p:txBody>
       </p:sp>
-      <p:sp>
-        <p:nvSpPr>
-          <p:cNvPr id="3" name="Содержимое 2"/>
-          <p:cNvSpPr>
-            <a:spLocks noGrp="1"/>
-          </p:cNvSpPr>
+      <p:pic>
+        <p:nvPicPr>
+          <p:cNvPr id="1026" name="Picture 2"/>
+          <p:cNvPicPr>
+            <a:picLocks noGrp="1" noChangeAspect="1" noChangeArrowheads="1"/>
+          </p:cNvPicPr>
           <p:nvPr>
             <p:ph idx="1"/>
           </p:nvPr>
-        </p:nvSpPr>
-        <p:spPr/>
-        <p:txBody>
-          <a:bodyPr/>
-          <a:lstStyle/>
-          <a:p>
-            <a:endParaRPr lang="ru-RU" dirty="0"/>
-          </a:p>
-        </p:txBody>
-      </p:sp>
+        </p:nvPicPr>
+        <p:blipFill>
+          <a:blip r:embed="rId2" cstate="print"/>
+          <a:srcRect/>
+          <a:stretch>
+            <a:fillRect/>
+          </a:stretch>
+        </p:blipFill>
+        <p:spPr bwMode="auto">
+          <a:xfrm>
+            <a:off x="611560" y="1772816"/>
+            <a:ext cx="2506980" cy="1150620"/>
+          </a:xfrm>
+          <a:prstGeom prst="rect">
+            <a:avLst/>
+          </a:prstGeom>
+          <a:noFill/>
+          <a:ln w="9525">
+            <a:noFill/>
+            <a:miter lim="800000"/>
+            <a:headEnd/>
+            <a:tailEnd/>
+          </a:ln>
+        </p:spPr>
+      </p:pic>
+      <p:pic>
+        <p:nvPicPr>
+          <p:cNvPr id="5" name="Рисунок 4" descr="dataset.png"/>
+          <p:cNvPicPr/>
+          <p:nvPr/>
+        </p:nvPicPr>
+        <p:blipFill>
+          <a:blip r:embed="rId3" cstate="print"/>
+          <a:stretch>
+            <a:fillRect/>
+          </a:stretch>
+        </p:blipFill>
+        <p:spPr>
+          <a:xfrm>
+            <a:off x="2555776" y="1556792"/>
+            <a:ext cx="3242733" cy="2825810"/>
+          </a:xfrm>
+          <a:prstGeom prst="rect">
+            <a:avLst/>
+          </a:prstGeom>
+        </p:spPr>
+      </p:pic>
+      <p:pic>
+        <p:nvPicPr>
+          <p:cNvPr id="1027" name="Picture 3"/>
+          <p:cNvPicPr>
+            <a:picLocks noChangeAspect="1" noChangeArrowheads="1"/>
+          </p:cNvPicPr>
+          <p:nvPr/>
+        </p:nvPicPr>
+        <p:blipFill>
+          <a:blip r:embed="rId4" cstate="print"/>
+          <a:srcRect/>
+          <a:stretch>
+            <a:fillRect/>
+          </a:stretch>
+        </p:blipFill>
+        <p:spPr bwMode="auto">
+          <a:xfrm>
+            <a:off x="683568" y="4293096"/>
+            <a:ext cx="4562475" cy="1847850"/>
+          </a:xfrm>
+          <a:prstGeom prst="rect">
+            <a:avLst/>
+          </a:prstGeom>
+          <a:noFill/>
+          <a:ln w="9525">
+            <a:noFill/>
+            <a:miter lim="800000"/>
+            <a:headEnd/>
+            <a:tailEnd/>
+          </a:ln>
+        </p:spPr>
+      </p:pic>
+      <p:pic>
+        <p:nvPicPr>
+          <p:cNvPr id="1028" name="Picture 4"/>
+          <p:cNvPicPr>
+            <a:picLocks noChangeAspect="1" noChangeArrowheads="1"/>
+          </p:cNvPicPr>
+          <p:nvPr/>
+        </p:nvPicPr>
+        <p:blipFill>
+          <a:blip r:embed="rId5" cstate="print"/>
+          <a:srcRect/>
+          <a:stretch>
+            <a:fillRect/>
+          </a:stretch>
+        </p:blipFill>
+        <p:spPr bwMode="auto">
+          <a:xfrm>
+            <a:off x="3491880" y="4653136"/>
+            <a:ext cx="4314825" cy="2019300"/>
+          </a:xfrm>
+          <a:prstGeom prst="rect">
+            <a:avLst/>
+          </a:prstGeom>
+          <a:noFill/>
+          <a:ln w="9525">
+            <a:noFill/>
+            <a:miter lim="800000"/>
+            <a:headEnd/>
+            <a:tailEnd/>
+          </a:ln>
+        </p:spPr>
+      </p:pic>
+      <p:sp>
+        <p:nvSpPr>
+          <p:cNvPr id="1030" name="AutoShape 6" descr="data:image/png;base64,iVBORw0KGgoAAAANSUhEUgAAAZcAAAFuCAYAAABN+1XcAAAABHNCSVQICAgIfAhkiAAAAAlwSFlzAAALEgAACxIB0t1+/AAAADh0RVh0U29mdHdhcmUAbWF0cGxvdGxpYiB2ZXJzaW9uMy4yLjIsIGh0dHA6Ly9tYXRwbG90bGliLm9yZy+WH4yJAAAgAElEQVR4nO3de7ylc93/8debGYQchsJQhhw66WBGZcop5UcH1d1UilJEKrlNk7vC3ElRMiGH0uF2SjW6VbqnEN1ohGjIraKGmMo4lBlGDDMxn98f3+/Osmbtvdfe+7vXta693s/HYz8u17q+32t/1mX2+qzr+p4UEZiZmZW0StUBmJnZ2OPkYmZmxTm5mJlZcU4uZmZWnJOLmZkV5+RiZmbFjas6gG6x4YYbxqRJk6oOY0APPPAAG264YdVhjBm+nmX5epZVh+t54403PhARz2p1zMklmzRpEvPmzas6jAGdcsopHH744VWHMWb4epbl61lWHa6npD/3d8yPxczMrDgnFzMzK87JxczMinNyMTOz4pxczMysOCcXMzMrzsnFzMyKc3IxM7PinFxGkVT2Z9688uesi9Lv29fT17OkOlzPTnNyMTOz4pxczMysOCcXMzMrzsnFzMyKc3IxM7PinFzMzKw4JxczMyvOycXMzIpzcjEzs+KcXMzMrDgnFzMzK87JxczMinNyMTOz4pxczMysOCcXMzMrzsnFzMyKc3IxM7PinFzMzKw4JxczMyvOycXMzIpzcjEzs+KcXMzMrDgnFzMzK87JxczMinNyMTOz4pxczMysOCcXMzMrzsnFzMyKazu5SDpB0v9K+qukxyQtlvQbSZ+RtEE/daZKujiXfUzSLZIOl7TqAL/nTZKukrRE0iOSrpe0/yCx7S/phlx+Sa7/pnbfm5mZlTWUO5fpwFrA5cBXgO8ATwDHALdIek5jYUlvAeYCOwM/Ak4HVgNOBma3+gWSDgXmAC8Gzge+CUwEzpE0q586s4BzgE1y+fOB7YA5+XxmZtZh44ZQdp2IeLz5RUnHAUcCnwY+kl9bh/RB/ySwa0TMy6/PBK4ApknaJyJmN5xnEjALWAxMiYgF+fVjgV8DMyT9ICKua6gzFZgB/AnYISIezK+fCNwIzJL0k75zmZlZZ7R959IqsWTfz9utG16bBjwLmN2XWBrOcXTe/XDTeQ4AVgdOb0wGOWEcn3cPaarTt39cX2LJdRYAZ+TzfaDfN2VmZqOiRIP+m/P2lobXXpu3l7YoPxdYCkyVtHqbdS5pKjOSOmZmNsqG8lgMAEmfANYG1gWmAK8hJZYvNhTbNm/nN9ePiCck3QW8CNgSuK2NOvdKehTYTNKaEbFU0lrApsAjEXFvi1Bvz9tthvL+zMxs5BQRQ6sg3Qds1PDSpcD7I+L+hjLzSY/Jto6IO1qc4xpgKjC1rw1F0nJgPDA+Ip5oUWchqXF/Yk42E4GFwMKI2KxF+fHAcmB5RKzefDyXORg4GGDChAmTZ86c2c4laNu8eYOXGYoNNrifRYs2GrzgEEyZUvR0o6b0tQRfz9J8PcsqfT1H41pOnz79xohofeaIGNYPKcG8DfgjcA+wfcOx+UAAW/VT95p8fMeG15bn18b1U2dhPr5J3p+Y9+/up/z4fHxZO+9n8uTJURqU/dl335OLn7MuSr9vX09fz5LqcD1H530zL6L1Z+qw21wi4v6I+BGwB7ABcF7D4SV5u24/1ftef2gYdZY0bYfyO8zMrANG3KAfEX8GbgVeJGnD/PIf83al9g5J44AtSGNk7mw4NFCdTUhjbO6OiKX59z5KuptZOx9v1td7baU2HDMzG12lpn+ZmLdP5u0Vebtni7I7A2sC10bEsobXB6qzV1OZkdQxM7NR1lZykbSNpJUeP0laJQ+ifDYpWfSNNbkQeADYR9KUhvJrAJ/Pu19rOt3ZwDLg0Dygsq/O+qRBmgBnNtXp2z8ql+urMwn4aD7f2e28RzMzK6fdrshvAL4g6ZfAXcAiUoP+LqTuxPcBB/UVjoiHJR1ESjJXSZpNGnm/N6nL8YXABY2/ICLuknQEcCowT9IFpEb+acBmwJejYXR+rnOtpJOAj5OmoLmQNMXMu4AJwMfCo/PNzDqu3eTyc2Ar0piWlwPrAY+S2jO+DZwaEYsbK0TERZJ2AY4C3g6sAdxBSgSn5p4GNNU5TdIC4BPA+0h3VrcCR0fEua0Ci4gZkn5LulM5GFgB3AScGBE/afP9mZlZQW0ll4j4HTDkSSAj4hrSXc9Q6swhTV45lDrnkCavNDOzLuD1XMzMrDgnFzMzK87JxczMinNyMTOz4pxczMysOCcXMzMrzsnFzMyKc3IxM7PinFzMzKw4JxczMyvOycXMzIpzcjEzs+KcXMzMrDgnFzMzK87JxczMinNyMTOz4pxczMysOCcXMzMrzsnFzMyKc3IxM7PinFzMzKw4JxczMyvOycXMzIpzcjEzs+KcXMzMrDgnFzMzK87JxczMinNyMTOz4pxczMysOCcXMzMrzsnFzMyKc3IxM7PinFzMzKw4JxczMyvOycXMzIpzcjEzs+KcXMzMrDgnFzMzK87JxczMinNyMTOz4pxczMysOCcXMzMrzsnFzMyKayu5SNpA0gcl/UjSHZIek7RE0i8lHSip5XkkTZV0saTFuc4tkg6XtOoAv+tNkq7K539E0vWS9h8kvv0l3ZDLL8n139TOezMzs/LavXN5B/BN4JXA9cApwA+AFwPfAr4vSY0VJL0FmAvsDPwIOB1YDTgZmN3ql0g6FJiTz3t+/p0TgXMkzeqnzizgHGCTXP58YDtgTj6fmZl12Lg2y80H9gZ+GhEr+l6UdCRwA/B24N9ICQdJ65A+6J8Edo2Iefn1mcAVwDRJ+0TE7IZzTQJmAYuBKRGxIL9+LPBrYIakH0TEdQ11pgIzgD8BO0TEg/n1E4EbgVmSftJ3LjMz64y27lwi4oqImNOYWPLr9wFn5t1dGw5NA54FzO5LLLn848DReffDTb/mAGB14PTGZJATxvF595CmOn37x/UlllxnAXBGPt8HBn+HZmZWUokG/X/m7RMNr702by9tUX4usBSYKmn1Nutc0lRmJHXMzGyUjSi5SBoHvC/vNn7Ab5u385vrRMQTwF2kR3JbtlnnXuBRYDNJa+bfvRawKfBIPt7s9rzdpq03Y2ZmxSgihl85NabPAC6OiDc2vD4f2BrYOiLuaFHvGmAqMLWvDUXScmA8MD4noOY6C0mN+xMj4l5JE4GFwMKI2KxF+fHAcmB5RKzefDyXORg4GGDChAmTZ86cOaT3P5h58wYvMxQbbHA/ixZtVPScU6YUPd2oKX0twdezNF/Pskpfz9G4ltOnT78xIlqfOSKG9QMcBgRwGzCh6dj8fGyrfupek4/v2PDa8vzauH7qLMzHN8n7E/P+3f2UH5+PL2vn/UyePDlKg7I/++57cvFz1kXp9+3r6etZUh2u5+i8b+ZFtP5MHdZjsdzF9yvArcBuEbG4qciSvF23n1P0vf7QMOosadoO5XeYmVkHDDm5SDocOA34HSmx3Nei2B/zdqX2jtxOswWpA8CdbdbZBFiLdJeyFCAiHiXdzaydjzfbOm9XasMxM7PRNaTkIumTpEGQN5MSy9/6KXpF3u7Z4tjOwJrAtRGxrM06ezWVGUkdMzMbZW0nlzwA8oukwYm7R8QDAxS/EHgA2EfSvxp7JK0BfD7vfq2pztnAMuDQPKCyr876wJF598ymOn37R+VyfXUmAR/N5zt74HdmZmaltTVCP8/tdSxpxP3VwGFNs70ALIiIcwAi4mFJB5GSzFWSZpNG3u9N6nJ8IXBBY+WIuEvSEcCpwDxJF5Aa+acBmwFfjobR+bnOtZJOAj4O3CLpQtIUM+8CJgAfC4/ONzPruHanf9kib1cFDu+nzC9Ic3wBEBEXSdoFOIo0PcwawB2kRHBq7mnwNBFxmqQFwCdI42dWIXUaODoizm31SyNihqTfku5UDgZWADcBJ0bET9p8f2ZmVlBbySUijgGOGerJI+Ia4A1DrDOHNHnlUOqcQ0NiMzOzank9FzMzK87JxczMinNyMTOz4pxczMysOCcXMzMrzsnFzMyKc3IxM7PinFzMzKw4JxczMyvOycXMzIpzcjEzs+KcXMzMrDgnFzMzK87JxczMinNyMTOz4pxczMysOCcXMzMrzsnFzMyKc3IxM7PinFzMzKw4JxczMyvOycXMzIpzcjEzs+KcXMzMrDgnFzMzK87JxczMinNyMTOz4pxczMysOCcXMzMrzsnFzMyKc3IxM7PinFzMzKw4JxczMyvOycXMzIpzcjEzs+KcXMzMrDgnFzMzK87JxczMinNyMTOz4pxczMysOCcXMzMrzsnFzMyKayu5SJom6TRJV0t6WFJIOn+QOlMlXSxpsaTHJN0i6XBJqw5Q502SrpK0RNIjkq6XtP8gv2d/STfk8kty/Te1877MzGx0tHvncjRwKPAyYOFghSW9BZgL7Az8CDgdWA04GZjdT51DgTnAi4HzgW8CE4FzJM3qp84s4Bxgk1z+fGA7YE4+n5mZVaDd5DId2AZYB/jwQAUlrUP6oH8S2DUiDoyII0iJ6TpgmqR9mupMAmYBi4EpEfHRiJgOvAT4EzBD0o5NdaYCM/Lxl0TE9Ij4KDA5n2dWPq+ZmXVYW8klIq6MiNsjItooPg14FjA7IuY1nONx0h0QrJygDgBWB06PiAUNdR4Ejs+7hzTV6ds/Lpfrq7MAOCOf7wNtxGtmZoWNRoP+a/P20hbH5gJLgamSVm+zziVNZUZSx8zMOmA0ksu2eTu/+UBEPAHcBYwDtmyzzr3Ao8BmktYEkLQWsCnwSD7e7Pa83WY4b8DMzEZG7T3paqgg7QpcCXwnIvZrcXw+sDWwdUTc0eL4NcBUYGpEXJdfWw6MB8bnBNRcZyGpcX9iRNwraSKpY8HCiNisRfnxwHJgeUSs3ny8odzBwMEAEyZMmDxz5szB3v6QzJs3eJmh2GCD+1m0aKOi55wypejpRk3pawm+nqX5epZV+nqOxrWcPn36jRHR+swRMaQfYFcggPP7OT4/H9+qn+PX5OM7Nry2PL82rp86C/PxTfL+xLx/dz/lx+fjy9p9X5MnT47SoOzPvvueXPycdVH6fft6+nqWVIfrOTrvm3kRrT9TR+Ox2JK8Xbef432vPzSMOkuatkP5HWZm1iGjkVz+mLcrtXdIGgdsATwB3NlmnU2AtUh3KUsBIuJR0t3M2vl4s63zdqU2HDMzG32jkVyuyNs9WxzbGVgTuDYilrVZZ6+mMiOpY2ZmHTAayeVC4AFgH0n/auiRtAbw+bz7taY6ZwPLgEMbBz5KWh84Mu+e2VSnb/+oXK6vziTgo/l8Zw//bZiZ2XCNa6eQpLcCb827G+ftjpLOyf/9QER8AiAiHpZ0ECnJXCVpNmnE/N6kLscXAhc0nj8i7pJ0BHAqME/SBaRG/mnAZsCXI/csa6hzraSTgI8Dt0i6kDTFzLuACcDHomFAppmZdU5byYU0dcv+Ta9tyVNjVf4MfKLvQERcJGkX4Cjg7cAawB2kRHBq7mXwNBFxmqQF+TzvI91V3QocHRHntgoqImZI+i3pTuVgYAVwE3BiRPykzfdmZmaFtZVcIuIY4JihnDgirgHeMMQ6c0iTVw6lzjmkySvNzKxLeD0XMzMrzsnFzMyKc3IxM7PinFzMzKw4JxczMyvOycXMzIpzcjEzs+KcXMzMrDgnFzMzK87JxczMinNyMTOz4pxczMysOCcXMzMrzsnFzMyKc3IxM7PinFzMzKw4JxczMyvOycXMzIpzcjEzs+KcXMzMrDgnFzMzK87JxczMinNyMTOz4pxczMysOCcXMzMrzsnFzMyKc3IxM7PinFzMzKw4JxczMyvOycXMzIpzcjEzs+KcXMzMrDgnFzMzK87JxczMinNyMTOz4pxczMysOCcXMzMrzsnFzMyKc3IxM7PinFzMzKw4JxczMyvOycXMzIobE8lF0maSzpJ0j6RlkhZIOkXS+lXHZmbWi8ZVHcBISXoecC3wbODHwB+AVwD/Duwp6dURsajCEM3Mes5YuHP5KimxHBYRb42IT0XEa4GTgW2B4yqNzsysB9U6ueS7lj2ABcAZTYc/AzwKvFfSWh0Ozcysp9U6uQC75e1lEbGi8UBE/AO4BlgTeFWnAzMz62V1Ty7b5u38fo7fnrfbdCAWMzPLFBFVxzBskr4BHAQcFBHfanH8OOBI4MiI+EKL4wcDB+fdbYE/jmK4JWwIPFB1EGOIr2dZvp5l1eF6bh4Rz2p1oPa9xUYiIr4BfKPqONolaV5ETKk6jrHC17MsX8+y6n496/5YbEnertvP8b7XH+pALGZmltU9ufQ9xuqvTWXrvO2vTcbMzEZB3ZPLlXm7h6SnvRdJzwReDSwFftXpwEZJbR7h1YSvZ1m+nmXV+nrWukEfQNLPSGNdDouI0xpePwmYDnw9Ig6pKj4zs140FpJL8/QvtwGvJI2BmQ9M9fQvZmadVfvkAiDpOcCxwJ7ABsC9wI+Az0bEg1XGZmbWi8ZEcjEzs+5S9wZ9MzPrQk4uZmZWnJOL9QRJ/yNpL0mqOhazXuA2ly4h6T+HWTUi4nNFgxmDJK0AAvgr8E3gvyLivmqjqg9JZw2zakTEgUWDGeMkbQZsCqze6nhEzO1sRMPj5NIl8odfs8b/OWrxukh/vKuOWmBjhKTtgUOAfYC1gX8Cc0jjoC6vMrY66OffZzv877NNkvYgLXL4/IHK1eV6Orl0CUm7tHh5OvAG4DvAVcB9wMakMTzvAX4KnBIRv+hQmLUnaW1gX9Js2C8nJeq7SKOhz46Iv1cYXteStPlw60bEn0vGMhZJehUwF/g7cCHwMeAXpCmudgJeAPwP8JuI+GxVcQ6Fk0uXkvQ+4GvAThFxU4vjU0j/GD8UEd/udHxjgaTJwIdIdzNrke5mLgLOjIirKgzNeoykH5O+ND4/Iu7Jd4rHRMSxuZ3ws8DHgVdGxO+rjLVdTi5dStJvSN9SDhigzDnASyJi+44FNgZJmgpcQHrODelu5lZgZkRcVFlg1jMk/Y20ou5+eX8FcGxEHNNQ5tfAnyNiWjVRDo17i3WvbUkzDQzkHp5ajdOGQNIakvaXdC1wNSmx/B9wOPBtYCvgB5I+VmGYtSBpVUkbSXpuq5+q46uJdYG/NOwvJ91NN7oG2LljEY1QTy8W1uUeJs3qPJDXAI90IJYxQ9ILSY/C3kv6g14OfBf4WkRc21BuJnAZ6VHEaS1O1fMkbQd8kfQ4p2XPJtJdoD9nBvc3YP2m/ec1lRkPPKNjEY2Q71y610+BnSTNyssH/IukZ0r6Min5zKkkupqR9F5JVwO/JTWWPgh8GnhORLy3MbEARMRfSY/KntPxYGtA0gtIE8buDFxO6rl4S/7vRXn/KtJdoA1uPk9PJr8CXi9pGwBJGwNvB26vILZhcZtLl5L0bOA6YBLwD+Bm4H5gI+BlwDrAnaRZn/9WUZi1kZ9hrwAuIXWUuCQG+ccv6d3AwRGxWwdCrBVJ3yF92O0QEb9taoBeCziV1NPxFTlR2wAkHQF8HtgkIhZLejWpt9gyUvvf1sAzgQ9ExHnVRdo+J5cuJmkD4AukbsdrNhxaSuqefKSXE2iPpONJY1rcLbYASQuB6/oal3Ny+WxfN1lJ40h3MjdExPsrC7QmJK1D6m58a0T8I7/2NuBzpDuaBcDJEVGbBcScXGog/6E+n9RGsAT4Q0Q8UW1U9ZIblh+KiIcHKPNMYP2I+Et/ZSyRtAw4KSI+nfeXkz78PtlQ5gzgbRExsaIwrUJuc6mBiHgiIn4XEdfkrRPL0N0F/PsgZQ7L5Wxwi0kzHfR5AGjuGbac9IXIepCTi/UK8fQpdGxk/kRqD+xzI6kB+tkAud3lLThZ9yx3EewSkq4gddvcPyLuzvvtiIjYfRRD6yUbA49WHURNXAb8h6S1IuJR4EzgjcBv8tihycDmwIwKY+xaku4k/b2/LiLuyvvtiIho7qLclZxcuseupH9sazbst8ONZv3IU+g0elmL1wBWJT3S2Y/UVdkG903SvFfPAB6NiJ9Kmg58htSLbClwAqnXmK1sFZ7+t9u835/a3H27Qd/GrIZp9gctmrdLgX+LiMtGL6qxTdKqwIbA3wbr6m1jm5OLjVmS9u/7T+As0qSUP25R9EnSwL/rIuKhDoVnNqY5uXQpSW8ALo2I4a6jYQ0kXUmaUr8WA9DM6s7JpUvlRzr3kgZLnhcRv6s4JLOnySsmTifNGLEZae6rZrVpgO4GeSmNV5DmGWu1KFhtVp51culSkr4GvJP0jyyAm4Bzge95VL5VTdKuwMXAGsATpKmJWo6/iogtOhdZPeUR+j8kTQI6UKN9bVb2dHLpYpJWI40V2B/Yg/RN5p+kP+pzgIs9oLK1XujqWSVJNwAvBQ4EvuvHtyMj6evAQaTlH84G/kr/yboWK886udREHpy2HynRbEf64FxE+sM+vMrYupGkBaRr9NqcXPr2B+Vv2oOT9BhwgecNK0PSfcDdpIk+x0SidnKpIUkvBd4PfAQYV5fbZBs7JN0DzI6Ij1cdy1iQk/XpEXFE1bGU4ulfaiav7/BO4N9o3YBq1gk/AXapOogx5HbSchpjhpNLDUhaT9Ihkq4DbiMtcrUu8F/UaNlTG1OOBNaVdEaeR8xG5gzgzZI2rTqQUvxYrEtJWgXYi9TG8mZgNVKbwRWkxvwfRsTjlQVYM5KOJk1NsnlE3NPi+KakSRZnRsQJnY6vjiRtBVxP+rc5n7QcRDPPfdeGvCTEicArgc+SJgJtOaC3LktCOLl0qdzA9yxSt8T5pG7I50XEwkoDqylJ1wMPR8TrByjzM2CdiNixc5HVk6QXAVeSpnoZSG26zlapYaoiMXDHk4iIWswJWYsge9QapMkBz4mIX1UdzBiwFXD+IGVuJfXIs8GdBGwA/Cfpi889EfFktSHV2nmMsUlonVy610YRsazqIMaQZ5AmphzI46R1ym1wO5IezX6+6kDGgrHYpdvJpUs1J5a8BO96wJKBluq1ft0NvGqQMq8C/NixPctJ67qbteTeYl1M0jhJn5J0B6lxbwHwoKQ78uv+ctC+S4GdJb2r1UFJ+5C61l7S0ajq6yrSHFhWmKTNJL1Z0nsl7Z3ncKsdN+h3qTz1y6WkD7wgffO+F9iENEmgSFNF7BERy6uKsy5yb7BbSHd/PyZd24XApqReeXsDDwIvi4i7q4qzLiRtSeop9mXgBK/dMnKSNge+DrTqdHI5cEhELOhoUCPg5NKlJH0KOJ40WG1GRNzecOx5pD/qNwNHRcQXq4myXvKMs/9NWn638R++SHeF74iIGysIrXYknQVsQRpntQC4mf67Ih/YwdBqSdLGwK9JX3YWAHN56svkTqRrfQ8wJSLuqyjMIXFy6VKSbsn/+bJWcw3lcTA3k/4fbtfR4GpM0nhSUn4V6S7mIeBXwJyI+GeVsdVJ7jrbDndFboOkM4APA58ETmrseZdX95wOfAn4akQcWk2UQ+Pk0qUkLQVOi4hPDlDmBOBjEbFm5yIz+9cjnLZExJ9HM5axIE+s+oeI2HOAMpcCz4+ISZ2KayTcINy9lgNrD1JmLdIU/GadtjlpUOrNVQcyRmxMWhhwIDcCu45+KGU4uXSvW4Bpko6JiL83H5S0ITAN+L+OR1ZjklYHdiA92169VRkvhdyWK0mNzx+pOpAxYgkpYQ/kubRu1+pKTi7d63RgNnCDpM+T/pjvJX3D2RU4mjQ9zGFVBVg3kg4gPbdev78ipIZ+J5fBPQA8VnUQY8gvSV8mvxoR1zYflPRK4B3ATzse2TC5zaWLSToe+BStp4UQ8KWI+FRno6onSXuSVvD8PXAWqbfdRcANpGS9B6kn2cURcW5FYdaGpAuA53oetjIkbQ9cS1ptdjYrf5l8N7ACeHVdejQ6uXQ5Sa8iLSX7ctI0+0uA3wBnRcR1VcZWJ5IuB14GbBkR/8i9nY6JiGPz8QOBM4HdIuKXFYZaC5K2Jo1zOQM41j3tRk7Sm0jztK3Pyl3lFwMHRMT/VBHbcDi5WE+QtAj4cUQckPdXkD4Uj2kocxXwWETsVUmQNZLHuWwFvBq4n9T2dx8r32V7nMsQ5LVx3gJsz9O/TF4UEY9WGdtQuc2lS0l6B6nf+34DrD9yHnBGRPyw0/HV0Fqkxwx9HgfWaSozDzigYxHV2/sb/nvj/NNKkO68rQ05gXw3/9Sak0v3+iCwXqvEAhARCyWtm8s5uQyub32cPvcC2zaVWZf0zNsGt0XVAVh3c3LpXtuRpn4ZyK9Jo81tcL/n6cnkamAfSTtFxNWSXgy8M5ezQXhg5OiQ9BLgpaT5A8e3KBIR8bnORjU8Ti7dawLwt0HKLGLwlQAtuQQ4RdLEfDf4JVLXzqskLSZdbwFen8Q6TtIE4NtA3wh99VM0ACcXG5EHgK0HKbM1/ayzbSv5Oqmr8YMAEXGrpN1J44WeR2pvOSUiflZdiPWTezN+kNSbcT1SA/SNwNmtxmtYv04hzc79c9KKqQuBJyqNaITcW6xL5XEEewMvj4g/tDj+AlIvkjkR8Y5Ox2eWB/d+mtbfsoM0Ff+RnY2qnvLd860R8ZqqYynFi4V1r1mkO8tfSjpM0jaS1srbfye1Gayay5l1VO7NeCTwF9Kdy5akpaS3zPt/AT4p6Z2VBVkvq5IGUY4ZvnPpYpIOIg1Sa9WD6UngIxHxrc5GVW+SJgHvZeVBqedHxF3VRVYvkuaSHstuFxEPtDi+IfA74I8RsUun46sbSVcCiyJiWtWxlOLk0uXy46+PAK/k6euPfC0ibqsytrqRNAM4jtQLp/lRzj+BT0fESR0PrIYkLQHOi4iPDVDmNOB9EbFu5yKrJ0mvJU1P9LqxMkOEG/S7XE4g/f4BW3skvRs4kdSgfyppDfj7SIP/diNNAHqipIURcUFVcdbIOGDpIGWW4s+YtkTEFZL2AX4k6SfATfQzA3JdZu32nYv1BEnzSAP/tm81RkPSFqReTn+KiB06HV/d5JVSVyU9FutvpdT/I43LeEmn46sbSauRejS+l6fawps/nEWNVvb0twrrFS8Ezu1v8F9E3CXpv0l/3Da47wLHA/50L7kAAAkFSURBVD+W9PGIuL3vgKTnke4SXwgcVVF8dfMFYH/gVuAC4B5q3hXZycV6xT8YfEzQg8DDHYhlLDiJNODvjcBeku7hqSniNyV9+/5lLmeD2wf4LbBDRCyvOpgS3BXZesVlwP/r76AkkdZ0uaxjEdVY/gB8PenO5C7SdCU7AM/J+0cBu4+VD8oOWA+4bCxdL7e5WE+QtAlpHMGvgE81Ph6T9FzgBFKPvKkRcV81UdaXpLXJXbsj4pGq46mb3Cb4h4jYr+pYSnFysZ4g6QrSIkwvIY0R+gtpHZKNSGuTrwrcQp4epkFExO4dDNV6UO7N+E1Sh5P5VcdTgpOL9YS8ONhw1KZ3TqdJ2gU4AngFKXG3esweEeG23UFI2pnUHX534Cuknov9dUWe28HQhs3JxcyGTNIbgYtId3x/Af5KP72bImK3DoZWS/nLT/DU4N5+P5jr8mXH3yjMbDiOIc1q8MaIcCeIkTuWARJKHfnOxcyGTNJjwOyI+EDVsVh3cldk6ymS9pH0c0mLJD0habGky/PUG9a+R4DFVQdh3ct3LtYT8jiW84D3kJ5rP0lakG1DUrtBkL6J71tZkDUiaTbw3IiYWnUs1p2cXKwnSDoE+CqpF84ngV9ExJOSVgV2Ab4ITAY+GhFnVhdpPUjaHLgBOA04LvxBMiK5q3w7atM13snFeoKkG0h3KS+KiMdaHH8Gaf2RxZ64cnCSzgImkRLzn4GbaT29TkTEgR0MrZba6Crf15OsNl3jnVysJ0h6BPh6RMwYoMyXgQ9FxNqdi6yehjBuqDYfht1I0rqkaXVOAOYD+0XEk9VG1R53RbZe0TiGoD+DHbenbFF1AL0gIpYAP5f0etKd9QzgS9VG1R7fuVhPyI/Fng28YIDHYr8HHoiIV3Q6PrPBSPoWsHNEbFN1LO1wV2TrFWeR5hCbK2l3SeMAJK0qaTfgSmDzXM6sGz1M+jdcC75zsZ6QuyKfD7yb9IhsBWmcxgTSlywB348Ij3exrpPvrG8GnhERtUgwbnOxnpC7yu6b1yc/AHg5KbEsAX4DnBUR36swROthkt7Xz6FxpDVy3gNsBczqWFAj5DsXM7OKNUxcudKhvF0BfAf4YET8s2OBjYDvXMwGIOkzwExPG2+jrL852laQ1hiaV7dF7PwHYzY4d1G2URUR51YdQ2nuLWZmZsX5zsXMrEtIegmp8f4FwFoR8br8+iTSip+XR0TzUtxdycnFzKwLSDoWOJKnnig1NvCvAnwPOJw0WWjX82MxM7OK5fWEjgYuB14GfKHxeETcCcwD9u58dMPj5GJmVr3DgDuAt0TELcDyFmVuA7buaFQj4ORiZla97YCfRUSrpNLnHmCjDsUzYk4uZmbVE2lMy0A2Ah7vQCxFOLmYmVXvdqDfJaMlrQK8hjRzdy04uZgN7CLSXGRmo+n7wPaS+lvM7kjS3GLf7VxII+O5xczMKpZnPb4GeCmpV1iQVqA8GdgJmAL8CtglIp6oKs6hcHKxniDpzjaKrSCtmXEb8MOI+MHoRmX2lLyk8VeAfYHGpaH7Jq08NCL+UUVsw+HkYj1B0gLSoOGJ+aUngEXABjw1mPgeYB1gbdI3x4uBt9ZlzXIbGyRNIN21bEBaEuKGiPh7tVENnZOL9QRJ65AGqD0OfBr4VUSsyA2lOwLHA6sDrwc2Bk4B9gSOiIiTqonarL6cXKwnSDqNlDhe3OqZtaTVgFuAyyLiMElrAn8A/h4RkzsbrVn9eW4x6xVvA77bX2NoRCyXNIe0DPJhEbFU0v8C0zoZpPWu/DjsANIElevz9HaXPhERu3c0sGFycrFesQGw2iBlxudyfe7DfyPWAZKeD1wFPIuB1w+qzaMmj3OxXnEn8HZJz2x1MLfJvB24q+HlTYDFHYjNbBbwbOAEYEtgfESs0uKn1d1MV3JysV7xDWBT4HpJ+0qaJOkZebsfcD2pJ9nXASQJ2BW4uaqArafsBPw0Io6MiAVjoYeib/mtJ0TEVyRtCxwCnNeiiIBvRMRX8v6zSetnXN6hEK23Cbi16iBKcm8x6ymSXgO8n7RmxrqkQZO/Ac6LiLkVhmY9TNKVwJKIeGvVsZTi5GJmVjFJuwE/A/aIiKsqDqcIPxYzM6vec4AfA5dJ+h5wI/BQq4IR0eqxbtfxnYv1FEmrAtvS/zgC/HjMOk3SClI348ZuyM0fziKNc6lFjzHfuVjPkDQTmE5qaxlILf54bUz5QNUBlObkYj1B0n8AnyVNBPht4K+kySvNKhcR51YdQ2l+LGY9QdLtwBrA9nWcYdZ6g6S1SVMVvZx0h70EuAm4KCIeqTK2ofKdi/WK5wDfdGKxbiXpHcCZwHqs3PbykKQPRcSFlQQ3DE4u1ivux//erUtJej1p0O4K0iDfq0hz220M7Aa8B/iepIci4udVxTkUfixmPUHSiaTHDS+KiGVVx2PWSNLVwPbAThFxU4vjU4C5wLyI2LnT8Q2Hk4v1hLw+y89IYwcOi4i7Bqli1jGSHgG+HxEHDFDmHGBaRKzdscBGwI8JrFf8jjSl/kTgDZKW0HqQWkTE8zoamRksA+4dpMw9uVwtOLlYr1iF1PX4Lw2vtVo3Y6C1NMxGy9XAqwcp82rSo7Fa8GMxM7OK5Rm7ryMtDfG5iHi04dhawGeAA4GpEfHHaqIcGicXM7OKSTqLtEjYTjw1tuV+YCNSQ/+6pLuW5rbCiIgDOxhq25xczMwqlucWG46unWvMbS7WEyS9r92ydZl11saULaoOoDTfuVhPaJh1dsBidPE3QbM68Z2L9Yr+Zp1dD9gB2Af4AfDTjkVkNob5zsUMkLQ7KbG8LiJ+WXU8ZnXn5GKWSboIWCciXlt1LGZ1t0rVAZh1kfnAlKqDMBsLnFzMnvJCBm/0N7M2uEHfepqkVUhrvRwE7AVcUm1EZmOD21ysJ7TRFVnAImDniLitM1GZjV2+c7FeMZfWyWUF8CBwA3C2V6o0K8N3LmZmVpwb9M3MrDg/FrMxKc8yOxxdO8usWZ34sZiNSWNxllmzOvGdi41VY26WWbM68Z2LmZkV5wZ9MzMrzsnFzMyKc3IxM7PinFzMzKw4JxczMyvu/wPoMkVUPbRHcwAAAABJRU5ErkJggg=="/>
+          <p:cNvSpPr>
+            <a:spLocks noChangeAspect="1" noChangeArrowheads="1"/>
+          </p:cNvSpPr>
+          <p:nvPr/>
+        </p:nvSpPr>
+        <p:spPr bwMode="auto">
+          <a:xfrm>
+            <a:off x="155575" y="-144463"/>
+            <a:ext cx="304800" cy="304801"/>
+          </a:xfrm>
+          <a:prstGeom prst="rect">
+            <a:avLst/>
+          </a:prstGeom>
+          <a:noFill/>
+        </p:spPr>
+        <p:txBody>
+          <a:bodyPr vert="horz" wrap="square" lIns="91440" tIns="45720" rIns="91440" bIns="45720" numCol="1" anchor="t" anchorCtr="0" compatLnSpc="1">
+            <a:prstTxWarp prst="textNoShape">
+              <a:avLst/>
+            </a:prstTxWarp>
+          </a:bodyPr>
+          <a:lstStyle/>
+          <a:p>
+            <a:endParaRPr lang="ru-RU"/>
+          </a:p>
+        </p:txBody>
+      </p:sp>
+      <p:sp>
+        <p:nvSpPr>
+          <p:cNvPr id="1032" name="AutoShape 8" descr="data:image/png;base64,iVBORw0KGgoAAAANSUhEUgAAAZcAAAFuCAYAAABN+1XcAAAABHNCSVQICAgIfAhkiAAAAAlwSFlzAAALEgAACxIB0t1+/AAAADh0RVh0U29mdHdhcmUAbWF0cGxvdGxpYiB2ZXJzaW9uMy4yLjIsIGh0dHA6Ly9tYXRwbG90bGliLm9yZy+WH4yJAAAgAElEQVR4nO3de7ylc93/8debGYQchsJQhhw66WBGZcop5UcH1d1UilJEKrlNk7vC3ElRMiGH0uF2SjW6VbqnEN1ohGjIraKGmMo4lBlGDDMxn98f3+/Osmbtvdfe+7vXta693s/HYz8u17q+32t/1mX2+qzr+p4UEZiZmZW0StUBmJnZ2OPkYmZmxTm5mJlZcU4uZmZWnJOLmZkV5+RiZmbFjas6gG6x4YYbxqRJk6oOY0APPPAAG264YdVhjBm+nmX5epZVh+t54403PhARz2p1zMklmzRpEvPmzas6jAGdcsopHH744VWHMWb4epbl61lWHa6npD/3d8yPxczMrDgnFzMzK87JxczMinNyMTOz4pxczMysOCcXMzMrzsnFzMyKc3IxM7PinFxGkVT2Z9688uesi9Lv29fT17OkOlzPTnNyMTOz4pxczMysOCcXMzMrzsnFzMyKc3IxM7PinFzMzKw4JxczMyvOycXMzIpzcjEzs+KcXMzMrDgnFzMzK87JxczMinNyMTOz4pxczMysOCcXMzMrzsnFzMyKc3IxM7PinFzMzKw4JxczMyvOycXMzIpzcjEzs+KcXMzMrDgnFzMzK87JxczMinNyMTOz4pxczMysOCcXMzMrzsnFzMyKazu5SDpB0v9K+qukxyQtlvQbSZ+RtEE/daZKujiXfUzSLZIOl7TqAL/nTZKukrRE0iOSrpe0/yCx7S/phlx+Sa7/pnbfm5mZlTWUO5fpwFrA5cBXgO8ATwDHALdIek5jYUlvAeYCOwM/Ak4HVgNOBma3+gWSDgXmAC8Gzge+CUwEzpE0q586s4BzgE1y+fOB7YA5+XxmZtZh44ZQdp2IeLz5RUnHAUcCnwY+kl9bh/RB/ySwa0TMy6/PBK4ApknaJyJmN5xnEjALWAxMiYgF+fVjgV8DMyT9ICKua6gzFZgB/AnYISIezK+fCNwIzJL0k75zmZlZZ7R959IqsWTfz9utG16bBjwLmN2XWBrOcXTe/XDTeQ4AVgdOb0wGOWEcn3cPaarTt39cX2LJdRYAZ+TzfaDfN2VmZqOiRIP+m/P2lobXXpu3l7YoPxdYCkyVtHqbdS5pKjOSOmZmNsqG8lgMAEmfANYG1gWmAK8hJZYvNhTbNm/nN9ePiCck3QW8CNgSuK2NOvdKehTYTNKaEbFU0lrApsAjEXFvi1Bvz9tthvL+zMxs5BQRQ6sg3Qds1PDSpcD7I+L+hjLzSY/Jto6IO1qc4xpgKjC1rw1F0nJgPDA+Ip5oUWchqXF/Yk42E4GFwMKI2KxF+fHAcmB5RKzefDyXORg4GGDChAmTZ86c2c4laNu8eYOXGYoNNrifRYs2GrzgEEyZUvR0o6b0tQRfz9J8PcsqfT1H41pOnz79xohofeaIGNYPKcG8DfgjcA+wfcOx+UAAW/VT95p8fMeG15bn18b1U2dhPr5J3p+Y9+/up/z4fHxZO+9n8uTJURqU/dl335OLn7MuSr9vX09fz5LqcD1H530zL6L1Z+qw21wi4v6I+BGwB7ABcF7D4SV5u24/1ftef2gYdZY0bYfyO8zMrANG3KAfEX8GbgVeJGnD/PIf83al9g5J44AtSGNk7mw4NFCdTUhjbO6OiKX59z5KuptZOx9v1td7baU2HDMzG12lpn+ZmLdP5u0Vebtni7I7A2sC10bEsobXB6qzV1OZkdQxM7NR1lZykbSNpJUeP0laJQ+ifDYpWfSNNbkQeADYR9KUhvJrAJ/Pu19rOt3ZwDLg0Dygsq/O+qRBmgBnNtXp2z8ql+urMwn4aD7f2e28RzMzK6fdrshvAL4g6ZfAXcAiUoP+LqTuxPcBB/UVjoiHJR1ESjJXSZpNGnm/N6nL8YXABY2/ICLuknQEcCowT9IFpEb+acBmwJejYXR+rnOtpJOAj5OmoLmQNMXMu4AJwMfCo/PNzDqu3eTyc2Ar0piWlwPrAY+S2jO+DZwaEYsbK0TERZJ2AY4C3g6sAdxBSgSn5p4GNNU5TdIC4BPA+0h3VrcCR0fEua0Ci4gZkn5LulM5GFgB3AScGBE/afP9mZlZQW0ll4j4HTDkSSAj4hrSXc9Q6swhTV45lDrnkCavNDOzLuD1XMzMrDgnFzMzK87JxczMinNyMTOz4pxczMysOCcXMzMrzsnFzMyKc3IxM7PinFzMzKw4JxczMyvOycXMzIpzcjEzs+KcXMzMrDgnFzMzK87JxczMinNyMTOz4pxczMysOCcXMzMrzsnFzMyKc3IxM7PinFzMzKw4JxczMyvOycXMzIpzcjEzs+KcXMzMrDgnFzMzK87JxczMinNyMTOz4pxczMysOCcXMzMrzsnFzMyKc3IxM7PinFzMzKw4JxczMyvOycXMzIpzcjEzs+KcXMzMrDgnFzMzK87JxczMinNyMTOz4pxczMysOCcXMzMrzsnFzMyKayu5SNpA0gcl/UjSHZIek7RE0i8lHSip5XkkTZV0saTFuc4tkg6XtOoAv+tNkq7K539E0vWS9h8kvv0l3ZDLL8n139TOezMzs/LavXN5B/BN4JXA9cApwA+AFwPfAr4vSY0VJL0FmAvsDPwIOB1YDTgZmN3ql0g6FJiTz3t+/p0TgXMkzeqnzizgHGCTXP58YDtgTj6fmZl12Lg2y80H9gZ+GhEr+l6UdCRwA/B24N9ICQdJ65A+6J8Edo2Iefn1mcAVwDRJ+0TE7IZzTQJmAYuBKRGxIL9+LPBrYIakH0TEdQ11pgIzgD8BO0TEg/n1E4EbgVmSftJ3LjMz64y27lwi4oqImNOYWPLr9wFn5t1dGw5NA54FzO5LLLn848DReffDTb/mAGB14PTGZJATxvF595CmOn37x/UlllxnAXBGPt8HBn+HZmZWUokG/X/m7RMNr702by9tUX4usBSYKmn1Nutc0lRmJHXMzGyUjSi5SBoHvC/vNn7Ab5u385vrRMQTwF2kR3JbtlnnXuBRYDNJa+bfvRawKfBIPt7s9rzdpq03Y2ZmxSgihl85NabPAC6OiDc2vD4f2BrYOiLuaFHvGmAqMLWvDUXScmA8MD4noOY6C0mN+xMj4l5JE4GFwMKI2KxF+fHAcmB5RKzefDyXORg4GGDChAmTZ86cOaT3P5h58wYvMxQbbHA/ixZtVPScU6YUPd2oKX0twdezNF/Pskpfz9G4ltOnT78xIlqfOSKG9QMcBgRwGzCh6dj8fGyrfupek4/v2PDa8vzauH7qLMzHN8n7E/P+3f2UH5+PL2vn/UyePDlKg7I/++57cvFz1kXp9+3r6etZUh2u5+i8b+ZFtP5MHdZjsdzF9yvArcBuEbG4qciSvF23n1P0vf7QMOosadoO5XeYmVkHDDm5SDocOA34HSmx3Nei2B/zdqX2jtxOswWpA8CdbdbZBFiLdJeyFCAiHiXdzaydjzfbOm9XasMxM7PRNaTkIumTpEGQN5MSy9/6KXpF3u7Z4tjOwJrAtRGxrM06ezWVGUkdMzMbZW0nlzwA8oukwYm7R8QDAxS/EHgA2EfSvxp7JK0BfD7vfq2pztnAMuDQPKCyr876wJF598ymOn37R+VyfXUmAR/N5zt74HdmZmaltTVCP8/tdSxpxP3VwGFNs70ALIiIcwAi4mFJB5GSzFWSZpNG3u9N6nJ8IXBBY+WIuEvSEcCpwDxJF5Aa+acBmwFfjobR+bnOtZJOAj4O3CLpQtIUM+8CJgAfC4/ONzPruHanf9kib1cFDu+nzC9Ic3wBEBEXSdoFOIo0PcwawB2kRHBq7mnwNBFxmqQFwCdI42dWIXUaODoizm31SyNihqTfku5UDgZWADcBJ0bET9p8f2ZmVlBbySUijgGOGerJI+Ia4A1DrDOHNHnlUOqcQ0NiMzOzank9FzMzK87JxczMinNyMTOz4pxczMysOCcXMzMrzsnFzMyKc3IxM7PinFzMzKw4JxczMyvOycXMzIpzcjEzs+KcXMzMrDgnFzMzK87JxczMinNyMTOz4pxczMysOCcXMzMrzsnFzMyKc3IxM7PinFzMzKw4JxczMyvOycXMzIpzcjEzs+KcXMzMrDgnFzMzK87JxczMinNyMTOz4pxczMysOCcXMzMrzsnFzMyKc3IxM7PinFzMzKw4JxczMyvOycXMzIpzcjEzs+KcXMzMrDgnFzMzK87JxczMinNyMTOz4pxczMysOCcXMzMrzsnFzMyKayu5SJom6TRJV0t6WFJIOn+QOlMlXSxpsaTHJN0i6XBJqw5Q502SrpK0RNIjkq6XtP8gv2d/STfk8kty/Te1877MzGx0tHvncjRwKPAyYOFghSW9BZgL7Az8CDgdWA04GZjdT51DgTnAi4HzgW8CE4FzJM3qp84s4Bxgk1z+fGA7YE4+n5mZVaDd5DId2AZYB/jwQAUlrUP6oH8S2DUiDoyII0iJ6TpgmqR9mupMAmYBi4EpEfHRiJgOvAT4EzBD0o5NdaYCM/Lxl0TE9Ij4KDA5n2dWPq+ZmXVYW8klIq6MiNsjItooPg14FjA7IuY1nONx0h0QrJygDgBWB06PiAUNdR4Ejs+7hzTV6ds/Lpfrq7MAOCOf7wNtxGtmZoWNRoP+a/P20hbH5gJLgamSVm+zziVNZUZSx8zMOmA0ksu2eTu/+UBEPAHcBYwDtmyzzr3Ao8BmktYEkLQWsCnwSD7e7Pa83WY4b8DMzEZG7T3paqgg7QpcCXwnIvZrcXw+sDWwdUTc0eL4NcBUYGpEXJdfWw6MB8bnBNRcZyGpcX9iRNwraSKpY8HCiNisRfnxwHJgeUSs3ny8odzBwMEAEyZMmDxz5szB3v6QzJs3eJmh2GCD+1m0aKOi55wypejpRk3pawm+nqX5epZV+nqOxrWcPn36jRHR+swRMaQfYFcggPP7OT4/H9+qn+PX5OM7Nry2PL82rp86C/PxTfL+xLx/dz/lx+fjy9p9X5MnT47SoOzPvvueXPycdVH6fft6+nqWVIfrOTrvm3kRrT9TR+Ox2JK8Xbef432vPzSMOkuatkP5HWZm1iGjkVz+mLcrtXdIGgdsATwB3NlmnU2AtUh3KUsBIuJR0t3M2vl4s63zdqU2HDMzG32jkVyuyNs9WxzbGVgTuDYilrVZZ6+mMiOpY2ZmHTAayeVC4AFgH0n/auiRtAbw+bz7taY6ZwPLgEMbBz5KWh84Mu+e2VSnb/+oXK6vziTgo/l8Zw//bZiZ2XCNa6eQpLcCb827G+ftjpLOyf/9QER8AiAiHpZ0ECnJXCVpNmnE/N6kLscXAhc0nj8i7pJ0BHAqME/SBaRG/mnAZsCXI/csa6hzraSTgI8Dt0i6kDTFzLuACcDHomFAppmZdU5byYU0dcv+Ta9tyVNjVf4MfKLvQERcJGkX4Cjg7cAawB2kRHBq7mXwNBFxmqQF+TzvI91V3QocHRHntgoqImZI+i3pTuVgYAVwE3BiRPykzfdmZmaFtZVcIuIY4JihnDgirgHeMMQ6c0iTVw6lzjmkySvNzKxLeD0XMzMrzsnFzMyKc3IxM7PinFzMzKw4JxczMyvOycXMzIpzcjEzs+KcXMzMrDgnFzMzK87JxczMinNyMTOz4pxczMysOCcXMzMrzsnFzMyKc3IxM7PinFzMzKw4JxczMyvOycXMzIpzcjEzs+KcXMzMrDgnFzMzK87JxczMinNyMTOz4pxczMysOCcXMzMrzsnFzMyKc3IxM7PinFzMzKw4JxczMyvOycXMzIpzcjEzs+KcXMzMrDgnFzMzK87JxczMinNyMTOz4pxczMysOCcXMzMrzsnFzMyKc3IxM7PinFzMzKw4JxczMyvOycXMzIobE8lF0maSzpJ0j6RlkhZIOkXS+lXHZmbWi8ZVHcBISXoecC3wbODHwB+AVwD/Duwp6dURsajCEM3Mes5YuHP5KimxHBYRb42IT0XEa4GTgW2B4yqNzsysB9U6ueS7lj2ABcAZTYc/AzwKvFfSWh0Ozcysp9U6uQC75e1lEbGi8UBE/AO4BlgTeFWnAzMz62V1Ty7b5u38fo7fnrfbdCAWMzPLFBFVxzBskr4BHAQcFBHfanH8OOBI4MiI+EKL4wcDB+fdbYE/jmK4JWwIPFB1EGOIr2dZvp5l1eF6bh4Rz2p1oPa9xUYiIr4BfKPqONolaV5ETKk6jrHC17MsX8+y6n496/5YbEnertvP8b7XH+pALGZmltU9ufQ9xuqvTWXrvO2vTcbMzEZB3ZPLlXm7h6SnvRdJzwReDSwFftXpwEZJbR7h1YSvZ1m+nmXV+nrWukEfQNLPSGNdDouI0xpePwmYDnw9Ig6pKj4zs140FpJL8/QvtwGvJI2BmQ9M9fQvZmadVfvkAiDpOcCxwJ7ABsC9wI+Az0bEg1XGZmbWi8ZEcjEzs+5S9wZ9MzPrQk4uZmZWnJOL9QRJ/yNpL0mqOhazXuA2ly4h6T+HWTUi4nNFgxmDJK0AAvgr8E3gvyLivmqjqg9JZw2zakTEgUWDGeMkbQZsCqze6nhEzO1sRMPj5NIl8odfs8b/OWrxukh/vKuOWmBjhKTtgUOAfYC1gX8Cc0jjoC6vMrY66OffZzv877NNkvYgLXL4/IHK1eV6Orl0CUm7tHh5OvAG4DvAVcB9wMakMTzvAX4KnBIRv+hQmLUnaW1gX9Js2C8nJeq7SKOhz46Iv1cYXteStPlw60bEn0vGMhZJehUwF/g7cCHwMeAXpCmudgJeAPwP8JuI+GxVcQ6Fk0uXkvQ+4GvAThFxU4vjU0j/GD8UEd/udHxjgaTJwIdIdzNrke5mLgLOjIirKgzNeoykH5O+ND4/Iu7Jd4rHRMSxuZ3ws8DHgVdGxO+rjLVdTi5dStJvSN9SDhigzDnASyJi+44FNgZJmgpcQHrODelu5lZgZkRcVFlg1jMk/Y20ou5+eX8FcGxEHNNQ5tfAnyNiWjVRDo17i3WvbUkzDQzkHp5ajdOGQNIakvaXdC1wNSmx/B9wOPBtYCvgB5I+VmGYtSBpVUkbSXpuq5+q46uJdYG/NOwvJ91NN7oG2LljEY1QTy8W1uUeJs3qPJDXAI90IJYxQ9ILSY/C3kv6g14OfBf4WkRc21BuJnAZ6VHEaS1O1fMkbQd8kfQ4p2XPJtJdoD9nBvc3YP2m/ec1lRkPPKNjEY2Q71y610+BnSTNyssH/IukZ0r6Min5zKkkupqR9F5JVwO/JTWWPgh8GnhORLy3MbEARMRfSY/KntPxYGtA0gtIE8buDFxO6rl4S/7vRXn/KtJdoA1uPk9PJr8CXi9pGwBJGwNvB26vILZhcZtLl5L0bOA6YBLwD+Bm4H5gI+BlwDrAnaRZn/9WUZi1kZ9hrwAuIXWUuCQG+ccv6d3AwRGxWwdCrBVJ3yF92O0QEb9taoBeCziV1NPxFTlR2wAkHQF8HtgkIhZLejWpt9gyUvvf1sAzgQ9ExHnVRdo+J5cuJmkD4AukbsdrNhxaSuqefKSXE2iPpONJY1rcLbYASQuB6/oal3Ny+WxfN1lJ40h3MjdExPsrC7QmJK1D6m58a0T8I7/2NuBzpDuaBcDJEVGbBcScXGog/6E+n9RGsAT4Q0Q8UW1U9ZIblh+KiIcHKPNMYP2I+Et/ZSyRtAw4KSI+nfeXkz78PtlQ5gzgbRExsaIwrUJuc6mBiHgiIn4XEdfkrRPL0N0F/PsgZQ7L5Wxwi0kzHfR5AGjuGbac9IXIepCTi/UK8fQpdGxk/kRqD+xzI6kB+tkAud3lLThZ9yx3EewSkq4gddvcPyLuzvvtiIjYfRRD6yUbA49WHURNXAb8h6S1IuJR4EzgjcBv8tihycDmwIwKY+xaku4k/b2/LiLuyvvtiIho7qLclZxcuseupH9sazbst8ONZv3IU+g0elmL1wBWJT3S2Y/UVdkG903SvFfPAB6NiJ9Kmg58htSLbClwAqnXmK1sFZ7+t9u835/a3H27Qd/GrIZp9gctmrdLgX+LiMtGL6qxTdKqwIbA3wbr6m1jm5OLjVmS9u/7T+As0qSUP25R9EnSwL/rIuKhDoVnNqY5uXQpSW8ALo2I4a6jYQ0kXUmaUr8WA9DM6s7JpUvlRzr3kgZLnhcRv6s4JLOnySsmTifNGLEZae6rZrVpgO4GeSmNV5DmGWu1KFhtVp51culSkr4GvJP0jyyAm4Bzge95VL5VTdKuwMXAGsATpKmJWo6/iogtOhdZPeUR+j8kTQI6UKN9bVb2dHLpYpJWI40V2B/Yg/RN5p+kP+pzgIs9oLK1XujqWSVJNwAvBQ4EvuvHtyMj6evAQaTlH84G/kr/yboWK886udREHpy2HynRbEf64FxE+sM+vMrYupGkBaRr9NqcXPr2B+Vv2oOT9BhwgecNK0PSfcDdpIk+x0SidnKpIUkvBd4PfAQYV5fbZBs7JN0DzI6Ij1cdy1iQk/XpEXFE1bGU4ulfaiav7/BO4N9o3YBq1gk/AXapOogx5HbSchpjhpNLDUhaT9Ihkq4DbiMtcrUu8F/UaNlTG1OOBNaVdEaeR8xG5gzgzZI2rTqQUvxYrEtJWgXYi9TG8mZgNVKbwRWkxvwfRsTjlQVYM5KOJk1NsnlE3NPi+KakSRZnRsQJnY6vjiRtBVxP+rc5n7QcRDPPfdeGvCTEicArgc+SJgJtOaC3LktCOLl0qdzA9yxSt8T5pG7I50XEwkoDqylJ1wMPR8TrByjzM2CdiNixc5HVk6QXAVeSpnoZSG26zlapYaoiMXDHk4iIWswJWYsge9QapMkBz4mIX1UdzBiwFXD+IGVuJfXIs8GdBGwA/Cfpi889EfFktSHV2nmMsUlonVy610YRsazqIMaQZ5AmphzI46R1ym1wO5IezX6+6kDGgrHYpdvJpUs1J5a8BO96wJKBluq1ft0NvGqQMq8C/NixPctJ67qbteTeYl1M0jhJn5J0B6lxbwHwoKQ78uv+ctC+S4GdJb2r1UFJ+5C61l7S0ajq6yrSHFhWmKTNJL1Z0nsl7Z3ncKsdN+h3qTz1y6WkD7wgffO+F9iENEmgSFNF7BERy6uKsy5yb7BbSHd/PyZd24XApqReeXsDDwIvi4i7q4qzLiRtSeop9mXgBK/dMnKSNge+DrTqdHI5cEhELOhoUCPg5NKlJH0KOJ40WG1GRNzecOx5pD/qNwNHRcQXq4myXvKMs/9NWn638R++SHeF74iIGysIrXYknQVsQRpntQC4mf67Ih/YwdBqSdLGwK9JX3YWAHN56svkTqRrfQ8wJSLuqyjMIXFy6VKSbsn/+bJWcw3lcTA3k/4fbtfR4GpM0nhSUn4V6S7mIeBXwJyI+GeVsdVJ7jrbDndFboOkM4APA58ETmrseZdX95wOfAn4akQcWk2UQ+Pk0qUkLQVOi4hPDlDmBOBjEbFm5yIz+9cjnLZExJ9HM5axIE+s+oeI2HOAMpcCz4+ISZ2KayTcINy9lgNrD1JmLdIU/GadtjlpUOrNVQcyRmxMWhhwIDcCu45+KGU4uXSvW4Bpko6JiL83H5S0ITAN+L+OR1ZjklYHdiA92169VRkvhdyWK0mNzx+pOpAxYgkpYQ/kubRu1+pKTi7d63RgNnCDpM+T/pjvJX3D2RU4mjQ9zGFVBVg3kg4gPbdev78ipIZ+J5fBPQA8VnUQY8gvSV8mvxoR1zYflPRK4B3ATzse2TC5zaWLSToe+BStp4UQ8KWI+FRno6onSXuSVvD8PXAWqbfdRcANpGS9B6kn2cURcW5FYdaGpAuA53oetjIkbQ9cS1ptdjYrf5l8N7ACeHVdejQ6uXQ5Sa8iLSX7ctI0+0uA3wBnRcR1VcZWJ5IuB14GbBkR/8i9nY6JiGPz8QOBM4HdIuKXFYZaC5K2Jo1zOQM41j3tRk7Sm0jztK3Pyl3lFwMHRMT/VBHbcDi5WE+QtAj4cUQckPdXkD4Uj2kocxXwWETsVUmQNZLHuWwFvBq4n9T2dx8r32V7nMsQ5LVx3gJsz9O/TF4UEY9WGdtQuc2lS0l6B6nf+34DrD9yHnBGRPyw0/HV0Fqkxwx9HgfWaSozDzigYxHV2/sb/nvj/NNKkO68rQ05gXw3/9Sak0v3+iCwXqvEAhARCyWtm8s5uQyub32cPvcC2zaVWZf0zNsGt0XVAVh3c3LpXtuRpn4ZyK9Jo81tcL/n6cnkamAfSTtFxNWSXgy8M5ezQXhg5OiQ9BLgpaT5A8e3KBIR8bnORjU8Ti7dawLwt0HKLGLwlQAtuQQ4RdLEfDf4JVLXzqskLSZdbwFen8Q6TtIE4NtA3wh99VM0ACcXG5EHgK0HKbM1/ayzbSv5Oqmr8YMAEXGrpN1J44WeR2pvOSUiflZdiPWTezN+kNSbcT1SA/SNwNmtxmtYv04hzc79c9KKqQuBJyqNaITcW6xL5XEEewMvj4g/tDj+AlIvkjkR8Y5Ox2eWB/d+mtbfsoM0Ff+RnY2qnvLd860R8ZqqYynFi4V1r1mkO8tfSjpM0jaS1srbfye1Gayay5l1VO7NeCTwF9Kdy5akpaS3zPt/AT4p6Z2VBVkvq5IGUY4ZvnPpYpIOIg1Sa9WD6UngIxHxrc5GVW+SJgHvZeVBqedHxF3VRVYvkuaSHstuFxEPtDi+IfA74I8RsUun46sbSVcCiyJiWtWxlOLk0uXy46+PAK/k6euPfC0ibqsytrqRNAM4jtQLp/lRzj+BT0fESR0PrIYkLQHOi4iPDVDmNOB9EbFu5yKrJ0mvJU1P9LqxMkOEG/S7XE4g/f4BW3skvRs4kdSgfyppDfj7SIP/diNNAHqipIURcUFVcdbIOGDpIGWW4s+YtkTEFZL2AX4k6SfATfQzA3JdZu32nYv1BEnzSAP/tm81RkPSFqReTn+KiB06HV/d5JVSVyU9FutvpdT/I43LeEmn46sbSauRejS+l6fawps/nEWNVvb0twrrFS8Ezu1v8F9E3CXpv0l/3Da47wLHA/50L7kAAAkFSURBVD+W9PGIuL3vgKTnke4SXwgcVVF8dfMFYH/gVuAC4B5q3hXZycV6xT8YfEzQg8DDHYhlLDiJNODvjcBeku7hqSniNyV9+/5lLmeD2wf4LbBDRCyvOpgS3BXZesVlwP/r76AkkdZ0uaxjEdVY/gB8PenO5C7SdCU7AM/J+0cBu4+VD8oOWA+4bCxdL7e5WE+QtAlpHMGvgE81Ph6T9FzgBFKPvKkRcV81UdaXpLXJXbsj4pGq46mb3Cb4h4jYr+pYSnFysZ4g6QrSIkwvIY0R+gtpHZKNSGuTrwrcQp4epkFExO4dDNV6UO7N+E1Sh5P5VcdTgpOL9YS8ONhw1KZ3TqdJ2gU4AngFKXG3esweEeG23UFI2pnUHX534Cuknov9dUWe28HQhs3JxcyGTNIbgYtId3x/Af5KP72bImK3DoZWS/nLT/DU4N5+P5jr8mXH3yjMbDiOIc1q8MaIcCeIkTuWARJKHfnOxcyGTNJjwOyI+EDVsVh3cldk6ymS9pH0c0mLJD0habGky/PUG9a+R4DFVQdh3ct3LtYT8jiW84D3kJ5rP0lakG1DUrtBkL6J71tZkDUiaTbw3IiYWnUs1p2cXKwnSDoE+CqpF84ngV9ExJOSVgV2Ab4ITAY+GhFnVhdpPUjaHLgBOA04LvxBMiK5q3w7atM13snFeoKkG0h3KS+KiMdaHH8Gaf2RxZ64cnCSzgImkRLzn4GbaT29TkTEgR0MrZba6Crf15OsNl3jnVysJ0h6BPh6RMwYoMyXgQ9FxNqdi6yehjBuqDYfht1I0rqkaXVOAOYD+0XEk9VG1R53RbZe0TiGoD+DHbenbFF1AL0gIpYAP5f0etKd9QzgS9VG1R7fuVhPyI/Fng28YIDHYr8HHoiIV3Q6PrPBSPoWsHNEbFN1LO1wV2TrFWeR5hCbK2l3SeMAJK0qaTfgSmDzXM6sGz1M+jdcC75zsZ6QuyKfD7yb9IhsBWmcxgTSlywB348Ij3exrpPvrG8GnhERtUgwbnOxnpC7yu6b1yc/AHg5KbEsAX4DnBUR36swROthkt7Xz6FxpDVy3gNsBczqWFAj5DsXM7OKNUxcudKhvF0BfAf4YET8s2OBjYDvXMwGIOkzwExPG2+jrL852laQ1hiaV7dF7PwHYzY4d1G2URUR51YdQ2nuLWZmZsX5zsXMrEtIegmp8f4FwFoR8br8+iTSip+XR0TzUtxdycnFzKwLSDoWOJKnnig1NvCvAnwPOJw0WWjX82MxM7OK5fWEjgYuB14GfKHxeETcCcwD9u58dMPj5GJmVr3DgDuAt0TELcDyFmVuA7buaFQj4ORiZla97YCfRUSrpNLnHmCjDsUzYk4uZmbVE2lMy0A2Ah7vQCxFOLmYmVXvdqDfJaMlrQK8hjRzdy04uZgN7CLSXGRmo+n7wPaS+lvM7kjS3GLf7VxII+O5xczMKpZnPb4GeCmpV1iQVqA8GdgJmAL8CtglIp6oKs6hcHKxniDpzjaKrSCtmXEb8MOI+MHoRmX2lLyk8VeAfYHGpaH7Jq08NCL+UUVsw+HkYj1B0gLSoOGJ+aUngEXABjw1mPgeYB1gbdI3x4uBt9ZlzXIbGyRNIN21bEBaEuKGiPh7tVENnZOL9QRJ65AGqD0OfBr4VUSsyA2lOwLHA6sDrwc2Bk4B9gSOiIiTqonarL6cXKwnSDqNlDhe3OqZtaTVgFuAyyLiMElrAn8A/h4RkzsbrVn9eW4x6xVvA77bX2NoRCyXNIe0DPJhEbFU0v8C0zoZpPWu/DjsANIElevz9HaXPhERu3c0sGFycrFesQGw2iBlxudyfe7DfyPWAZKeD1wFPIuB1w+qzaMmj3OxXnEn8HZJz2x1MLfJvB24q+HlTYDFHYjNbBbwbOAEYEtgfESs0uKn1d1MV3JysV7xDWBT4HpJ+0qaJOkZebsfcD2pJ9nXASQJ2BW4uaqArafsBPw0Io6MiAVjoYeib/mtJ0TEVyRtCxwCnNeiiIBvRMRX8v6zSetnXN6hEK23Cbi16iBKcm8x6ymSXgO8n7RmxrqkQZO/Ac6LiLkVhmY9TNKVwJKIeGvVsZTi5GJmVjFJuwE/A/aIiKsqDqcIPxYzM6vec4AfA5dJ+h5wI/BQq4IR0eqxbtfxnYv1FEmrAtvS/zgC/HjMOk3SClI348ZuyM0fziKNc6lFjzHfuVjPkDQTmE5qaxlILf54bUz5QNUBlObkYj1B0n8AnyVNBPht4K+kySvNKhcR51YdQ2l+LGY9QdLtwBrA9nWcYdZ6g6S1SVMVvZx0h70EuAm4KCIeqTK2ofKdi/WK5wDfdGKxbiXpHcCZwHqs3PbykKQPRcSFlQQ3DE4u1ivux//erUtJej1p0O4K0iDfq0hz220M7Aa8B/iepIci4udVxTkUfixmPUHSiaTHDS+KiGVVx2PWSNLVwPbAThFxU4vjU4C5wLyI2LnT8Q2Hk4v1hLw+y89IYwcOi4i7Bqli1jGSHgG+HxEHDFDmHGBaRKzdscBGwI8JrFf8jjSl/kTgDZKW0HqQWkTE8zoamRksA+4dpMw9uVwtOLlYr1iF1PX4Lw2vtVo3Y6C1NMxGy9XAqwcp82rSo7Fa8GMxM7OK5Rm7ryMtDfG5iHi04dhawGeAA4GpEfHHaqIcGicXM7OKSTqLtEjYTjw1tuV+YCNSQ/+6pLuW5rbCiIgDOxhq25xczMwqlucWG46unWvMbS7WEyS9r92ydZl11saULaoOoDTfuVhPaJh1dsBidPE3QbM68Z2L9Yr+Zp1dD9gB2Af4AfDTjkVkNob5zsUMkLQ7KbG8LiJ+WXU8ZnXn5GKWSboIWCciXlt1LGZ1t0rVAZh1kfnAlKqDMBsLnFzMnvJCBm/0N7M2uEHfepqkVUhrvRwE7AVcUm1EZmOD21ysJ7TRFVnAImDniLitM1GZjV2+c7FeMZfWyWUF8CBwA3C2V6o0K8N3LmZmVpwb9M3MrDg/FrMxKc8yOxxdO8usWZ34sZiNSWNxllmzOvGdi41VY26WWbM68Z2LmZkV5wZ9MzMrzsnFzMyKc3IxM7PinFzMzKw4JxczMyvu/wPoMkVUPbRHcwAAAABJRU5ErkJggg=="/>
+          <p:cNvSpPr>
+            <a:spLocks noChangeAspect="1" noChangeArrowheads="1"/>
+          </p:cNvSpPr>
+          <p:nvPr/>
+        </p:nvSpPr>
+        <p:spPr bwMode="auto">
+          <a:xfrm>
+            <a:off x="155575" y="-144463"/>
+            <a:ext cx="304800" cy="304801"/>
+          </a:xfrm>
+          <a:prstGeom prst="rect">
+            <a:avLst/>
+          </a:prstGeom>
+          <a:noFill/>
+        </p:spPr>
+        <p:txBody>
+          <a:bodyPr vert="horz" wrap="square" lIns="91440" tIns="45720" rIns="91440" bIns="45720" numCol="1" anchor="t" anchorCtr="0" compatLnSpc="1">
+            <a:prstTxWarp prst="textNoShape">
+              <a:avLst/>
+            </a:prstTxWarp>
+          </a:bodyPr>
+          <a:lstStyle/>
+          <a:p>
+            <a:endParaRPr lang="ru-RU"/>
+          </a:p>
+        </p:txBody>
+      </p:sp>
+      <p:sp>
+        <p:nvSpPr>
+          <p:cNvPr id="1034" name="AutoShape 10" descr="data:image/png;base64,iVBORw0KGgoAAAANSUhEUgAAAZcAAAFuCAYAAABN+1XcAAAABHNCSVQICAgIfAhkiAAAAAlwSFlzAAALEgAACxIB0t1+/AAAADh0RVh0U29mdHdhcmUAbWF0cGxvdGxpYiB2ZXJzaW9uMy4yLjIsIGh0dHA6Ly9tYXRwbG90bGliLm9yZy+WH4yJAAAgAElEQVR4nO3de7ylc93/8debGYQchsJQhhw66WBGZcop5UcH1d1UilJEKrlNk7vC3ElRMiGH0uF2SjW6VbqnEN1ohGjIraKGmMo4lBlGDDMxn98f3+/Osmbtvdfe+7vXta693s/HYz8u17q+32t/1mX2+qzr+p4UEZiZmZW0StUBmJnZ2OPkYmZmxTm5mJlZcU4uZmZWnJOLmZkV5+RiZmbFjas6gG6x4YYbxqRJk6oOY0APPPAAG264YdVhjBm+nmX5epZVh+t54403PhARz2p1zMklmzRpEvPmzas6jAGdcsopHH744VWHMWb4epbl61lWHa6npD/3d8yPxczMrDgnFzMzK87JxczMinNyMTOz4pxczMysOCcXMzMrzsnFzMyKc3IxM7PinFxGkVT2Z9688uesi9Lv29fT17OkOlzPTnNyMTOz4pxczMysOCcXMzMrzsnFzMyKc3IxM7PinFzMzKw4JxczMyvOycXMzIpzcjEzs+KcXMzMrDgnFzMzK87JxczMinNyMTOz4pxczMysOCcXMzMrzsnFzMyKc3IxM7PinFzMzKw4JxczMyvOycXMzIpzcjEzs+KcXMzMrDgnFzMzK87JxczMinNyMTOz4pxczMysOCcXMzMrzsnFzMyKazu5SDpB0v9K+qukxyQtlvQbSZ+RtEE/daZKujiXfUzSLZIOl7TqAL/nTZKukrRE0iOSrpe0/yCx7S/phlx+Sa7/pnbfm5mZlTWUO5fpwFrA5cBXgO8ATwDHALdIek5jYUlvAeYCOwM/Ak4HVgNOBma3+gWSDgXmAC8Gzge+CUwEzpE0q586s4BzgE1y+fOB7YA5+XxmZtZh44ZQdp2IeLz5RUnHAUcCnwY+kl9bh/RB/ySwa0TMy6/PBK4ApknaJyJmN5xnEjALWAxMiYgF+fVjgV8DMyT9ICKua6gzFZgB/AnYISIezK+fCNwIzJL0k75zmZlZZ7R959IqsWTfz9utG16bBjwLmN2XWBrOcXTe/XDTeQ4AVgdOb0wGOWEcn3cPaarTt39cX2LJdRYAZ+TzfaDfN2VmZqOiRIP+m/P2lobXXpu3l7YoPxdYCkyVtHqbdS5pKjOSOmZmNsqG8lgMAEmfANYG1gWmAK8hJZYvNhTbNm/nN9ePiCck3QW8CNgSuK2NOvdKehTYTNKaEbFU0lrApsAjEXFvi1Bvz9tthvL+zMxs5BQRQ6sg3Qds1PDSpcD7I+L+hjLzSY/Jto6IO1qc4xpgKjC1rw1F0nJgPDA+Ip5oUWchqXF/Yk42E4GFwMKI2KxF+fHAcmB5RKzefDyXORg4GGDChAmTZ86c2c4laNu8eYOXGYoNNrifRYs2GrzgEEyZUvR0o6b0tQRfz9J8PcsqfT1H41pOnz79xohofeaIGNYPKcG8DfgjcA+wfcOx+UAAW/VT95p8fMeG15bn18b1U2dhPr5J3p+Y9+/up/z4fHxZO+9n8uTJURqU/dl335OLn7MuSr9vX09fz5LqcD1H530zL6L1Z+qw21wi4v6I+BGwB7ABcF7D4SV5u24/1ftef2gYdZY0bYfyO8zMrANG3KAfEX8GbgVeJGnD/PIf83al9g5J44AtSGNk7mw4NFCdTUhjbO6OiKX59z5KuptZOx9v1td7baU2HDMzG12lpn+ZmLdP5u0Vebtni7I7A2sC10bEsobXB6qzV1OZkdQxM7NR1lZykbSNpJUeP0laJQ+ifDYpWfSNNbkQeADYR9KUhvJrAJ/Pu19rOt3ZwDLg0Dygsq/O+qRBmgBnNtXp2z8ql+urMwn4aD7f2e28RzMzK6fdrshvAL4g6ZfAXcAiUoP+LqTuxPcBB/UVjoiHJR1ESjJXSZpNGnm/N6nL8YXABY2/ICLuknQEcCowT9IFpEb+acBmwJejYXR+rnOtpJOAj5OmoLmQNMXMu4AJwMfCo/PNzDqu3eTyc2Ar0piWlwPrAY+S2jO+DZwaEYsbK0TERZJ2AY4C3g6sAdxBSgSn5p4GNNU5TdIC4BPA+0h3VrcCR0fEua0Ci4gZkn5LulM5GFgB3AScGBE/afP9mZlZQW0ll4j4HTDkSSAj4hrSXc9Q6swhTV45lDrnkCavNDOzLuD1XMzMrDgnFzMzK87JxczMinNyMTOz4pxczMysOCcXMzMrzsnFzMyKc3IxM7PinFzMzKw4JxczMyvOycXMzIpzcjEzs+KcXMzMrDgnFzMzK87JxczMinNyMTOz4pxczMysOCcXMzMrzsnFzMyKc3IxM7PinFzMzKw4JxczMyvOycXMzIpzcjEzs+KcXMzMrDgnFzMzK87JxczMinNyMTOz4pxczMysOCcXMzMrzsnFzMyKc3IxM7PinFzMzKw4JxczMyvOycXMzIpzcjEzs+KcXMzMrDgnFzMzK87JxczMinNyMTOz4pxczMysOCcXMzMrzsnFzMyKayu5SNpA0gcl/UjSHZIek7RE0i8lHSip5XkkTZV0saTFuc4tkg6XtOoAv+tNkq7K539E0vWS9h8kvv0l3ZDLL8n139TOezMzs/LavXN5B/BN4JXA9cApwA+AFwPfAr4vSY0VJL0FmAvsDPwIOB1YDTgZmN3ql0g6FJiTz3t+/p0TgXMkzeqnzizgHGCTXP58YDtgTj6fmZl12Lg2y80H9gZ+GhEr+l6UdCRwA/B24N9ICQdJ65A+6J8Edo2Iefn1mcAVwDRJ+0TE7IZzTQJmAYuBKRGxIL9+LPBrYIakH0TEdQ11pgIzgD8BO0TEg/n1E4EbgVmSftJ3LjMz64y27lwi4oqImNOYWPLr9wFn5t1dGw5NA54FzO5LLLn848DReffDTb/mAGB14PTGZJATxvF595CmOn37x/UlllxnAXBGPt8HBn+HZmZWUokG/X/m7RMNr702by9tUX4usBSYKmn1Nutc0lRmJHXMzGyUjSi5SBoHvC/vNn7Ab5u385vrRMQTwF2kR3JbtlnnXuBRYDNJa+bfvRawKfBIPt7s9rzdpq03Y2ZmxSgihl85NabPAC6OiDc2vD4f2BrYOiLuaFHvGmAqMLWvDUXScmA8MD4noOY6C0mN+xMj4l5JE4GFwMKI2KxF+fHAcmB5RKzefDyXORg4GGDChAmTZ86cOaT3P5h58wYvMxQbbHA/ixZtVPScU6YUPd2oKX0twdezNF/Pskpfz9G4ltOnT78xIlqfOSKG9QMcBgRwGzCh6dj8fGyrfupek4/v2PDa8vzauH7qLMzHN8n7E/P+3f2UH5+PL2vn/UyePDlKg7I/++57cvFz1kXp9+3r6etZUh2u5+i8b+ZFtP5MHdZjsdzF9yvArcBuEbG4qciSvF23n1P0vf7QMOosadoO5XeYmVkHDDm5SDocOA34HSmx3Nei2B/zdqX2jtxOswWpA8CdbdbZBFiLdJeyFCAiHiXdzaydjzfbOm9XasMxM7PRNaTkIumTpEGQN5MSy9/6KXpF3u7Z4tjOwJrAtRGxrM06ezWVGUkdMzMbZW0nlzwA8oukwYm7R8QDAxS/EHgA2EfSvxp7JK0BfD7vfq2pztnAMuDQPKCyr876wJF598ymOn37R+VyfXUmAR/N5zt74HdmZmaltTVCP8/tdSxpxP3VwGFNs70ALIiIcwAi4mFJB5GSzFWSZpNG3u9N6nJ8IXBBY+WIuEvSEcCpwDxJF5Aa+acBmwFfjobR+bnOtZJOAj4O3CLpQtIUM+8CJgAfC4/ONzPruHanf9kib1cFDu+nzC9Ic3wBEBEXSdoFOIo0PcwawB2kRHBq7mnwNBFxmqQFwCdI42dWIXUaODoizm31SyNihqTfku5UDgZWADcBJ0bET9p8f2ZmVlBbySUijgGOGerJI+Ia4A1DrDOHNHnlUOqcQ0NiMzOzank9FzMzK87JxczMinNyMTOz4pxczMysOCcXMzMrzsnFzMyKc3IxM7PinFzMzKw4JxczMyvOycXMzIpzcjEzs+KcXMzMrDgnFzMzK87JxczMinNyMTOz4pxczMysOCcXMzMrzsnFzMyKc3IxM7PinFzMzKw4JxczMyvOycXMzIpzcjEzs+KcXMzMrDgnFzMzK87JxczMinNyMTOz4pxczMysOCcXMzMrzsnFzMyKc3IxM7PinFzMzKw4JxczMyvOycXMzIpzcjEzs+KcXMzMrDgnFzMzK87JxczMinNyMTOz4pxczMysOCcXMzMrzsnFzMyKayu5SJom6TRJV0t6WFJIOn+QOlMlXSxpsaTHJN0i6XBJqw5Q502SrpK0RNIjkq6XtP8gv2d/STfk8kty/Te1877MzGx0tHvncjRwKPAyYOFghSW9BZgL7Az8CDgdWA04GZjdT51DgTnAi4HzgW8CE4FzJM3qp84s4Bxgk1z+fGA7YE4+n5mZVaDd5DId2AZYB/jwQAUlrUP6oH8S2DUiDoyII0iJ6TpgmqR9mupMAmYBi4EpEfHRiJgOvAT4EzBD0o5NdaYCM/Lxl0TE9Ij4KDA5n2dWPq+ZmXVYW8klIq6MiNsjItooPg14FjA7IuY1nONx0h0QrJygDgBWB06PiAUNdR4Ejs+7hzTV6ds/Lpfrq7MAOCOf7wNtxGtmZoWNRoP+a/P20hbH5gJLgamSVm+zziVNZUZSx8zMOmA0ksu2eTu/+UBEPAHcBYwDtmyzzr3Ao8BmktYEkLQWsCnwSD7e7Pa83WY4b8DMzEZG7T3paqgg7QpcCXwnIvZrcXw+sDWwdUTc0eL4NcBUYGpEXJdfWw6MB8bnBNRcZyGpcX9iRNwraSKpY8HCiNisRfnxwHJgeUSs3ny8odzBwMEAEyZMmDxz5szB3v6QzJs3eJmh2GCD+1m0aKOi55wypejpRk3pawm+nqX5epZV+nqOxrWcPn36jRHR+swRMaQfYFcggPP7OT4/H9+qn+PX5OM7Nry2PL82rp86C/PxTfL+xLx/dz/lx+fjy9p9X5MnT47SoOzPvvueXPycdVH6fft6+nqWVIfrOTrvm3kRrT9TR+Ox2JK8Xbef432vPzSMOkuatkP5HWZm1iGjkVz+mLcrtXdIGgdsATwB3NlmnU2AtUh3KUsBIuJR0t3M2vl4s63zdqU2HDMzG32jkVyuyNs9WxzbGVgTuDYilrVZZ6+mMiOpY2ZmHTAayeVC4AFgH0n/auiRtAbw+bz7taY6ZwPLgEMbBz5KWh84Mu+e2VSnb/+oXK6vziTgo/l8Zw//bZiZ2XCNa6eQpLcCb827G+ftjpLOyf/9QER8AiAiHpZ0ECnJXCVpNmnE/N6kLscXAhc0nj8i7pJ0BHAqME/SBaRG/mnAZsCXI/csa6hzraSTgI8Dt0i6kDTFzLuACcDHomFAppmZdU5byYU0dcv+Ta9tyVNjVf4MfKLvQERcJGkX4Cjg7cAawB2kRHBq7mXwNBFxmqQF+TzvI91V3QocHRHntgoqImZI+i3pTuVgYAVwE3BiRPykzfdmZmaFtZVcIuIY4JihnDgirgHeMMQ6c0iTVw6lzjmkySvNzKxLeD0XMzMrzsnFzMyKc3IxM7PinFzMzKw4JxczMyvOycXMzIpzcjEzs+KcXMzMrDgnFzMzK87JxczMinNyMTOz4pxczMysOCcXMzMrzsnFzMyKc3IxM7PinFzMzKw4JxczMyvOycXMzIpzcjEzs+KcXMzMrDgnFzMzK87JxczMinNyMTOz4pxczMysOCcXMzMrzsnFzMyKc3IxM7PinFzMzKw4JxczMyvOycXMzIpzcjEzs+KcXMzMrDgnFzMzK87JxczMinNyMTOz4pxczMysOCcXMzMrzsnFzMyKc3IxM7PinFzMzKw4JxczMyvOycXMzIobE8lF0maSzpJ0j6RlkhZIOkXS+lXHZmbWi8ZVHcBISXoecC3wbODHwB+AVwD/Duwp6dURsajCEM3Mes5YuHP5KimxHBYRb42IT0XEa4GTgW2B4yqNzsysB9U6ueS7lj2ABcAZTYc/AzwKvFfSWh0Ozcysp9U6uQC75e1lEbGi8UBE/AO4BlgTeFWnAzMz62V1Ty7b5u38fo7fnrfbdCAWMzPLFBFVxzBskr4BHAQcFBHfanH8OOBI4MiI+EKL4wcDB+fdbYE/jmK4JWwIPFB1EGOIr2dZvp5l1eF6bh4Rz2p1oPa9xUYiIr4BfKPqONolaV5ETKk6jrHC17MsX8+y6n496/5YbEnertvP8b7XH+pALGZmltU9ufQ9xuqvTWXrvO2vTcbMzEZB3ZPLlXm7h6SnvRdJzwReDSwFftXpwEZJbR7h1YSvZ1m+nmXV+nrWukEfQNLPSGNdDouI0xpePwmYDnw9Ig6pKj4zs140FpJL8/QvtwGvJI2BmQ9M9fQvZmadVfvkAiDpOcCxwJ7ABsC9wI+Az0bEg1XGZmbWi8ZEcjEzs+5S9wZ9MzPrQk4uZmZWnJOL9QRJ/yNpL0mqOhazXuA2ly4h6T+HWTUi4nNFgxmDJK0AAvgr8E3gvyLivmqjqg9JZw2zakTEgUWDGeMkbQZsCqze6nhEzO1sRMPj5NIl8odfs8b/OWrxukh/vKuOWmBjhKTtgUOAfYC1gX8Cc0jjoC6vMrY66OffZzv877NNkvYgLXL4/IHK1eV6Orl0CUm7tHh5OvAG4DvAVcB9wMakMTzvAX4KnBIRv+hQmLUnaW1gX9Js2C8nJeq7SKOhz46Iv1cYXteStPlw60bEn0vGMhZJehUwF/g7cCHwMeAXpCmudgJeAPwP8JuI+GxVcQ6Fk0uXkvQ+4GvAThFxU4vjU0j/GD8UEd/udHxjgaTJwIdIdzNrke5mLgLOjIirKgzNeoykH5O+ND4/Iu7Jd4rHRMSxuZ3ws8DHgVdGxO+rjLVdTi5dStJvSN9SDhigzDnASyJi+44FNgZJmgpcQHrODelu5lZgZkRcVFlg1jMk/Y20ou5+eX8FcGxEHNNQ5tfAnyNiWjVRDo17i3WvbUkzDQzkHp5ajdOGQNIakvaXdC1wNSmx/B9wOPBtYCvgB5I+VmGYtSBpVUkbSXpuq5+q46uJdYG/NOwvJ91NN7oG2LljEY1QTy8W1uUeJs3qPJDXAI90IJYxQ9ILSY/C3kv6g14OfBf4WkRc21BuJnAZ6VHEaS1O1fMkbQd8kfQ4p2XPJtJdoD9nBvc3YP2m/ec1lRkPPKNjEY2Q71y610+BnSTNyssH/IukZ0r6Min5zKkkupqR9F5JVwO/JTWWPgh8GnhORLy3MbEARMRfSY/KntPxYGtA0gtIE8buDFxO6rl4S/7vRXn/KtJdoA1uPk9PJr8CXi9pGwBJGwNvB26vILZhcZtLl5L0bOA6YBLwD+Bm4H5gI+BlwDrAnaRZn/9WUZi1kZ9hrwAuIXWUuCQG+ccv6d3AwRGxWwdCrBVJ3yF92O0QEb9taoBeCziV1NPxFTlR2wAkHQF8HtgkIhZLejWpt9gyUvvf1sAzgQ9ExHnVRdo+J5cuJmkD4AukbsdrNhxaSuqefKSXE2iPpONJY1rcLbYASQuB6/oal3Ny+WxfN1lJ40h3MjdExPsrC7QmJK1D6m58a0T8I7/2NuBzpDuaBcDJEVGbBcScXGog/6E+n9RGsAT4Q0Q8UW1U9ZIblh+KiIcHKPNMYP2I+Et/ZSyRtAw4KSI+nfeXkz78PtlQ5gzgbRExsaIwrUJuc6mBiHgiIn4XEdfkrRPL0N0F/PsgZQ7L5Wxwi0kzHfR5AGjuGbac9IXIepCTi/UK8fQpdGxk/kRqD+xzI6kB+tkAud3lLThZ9yx3EewSkq4gddvcPyLuzvvtiIjYfRRD6yUbA49WHURNXAb8h6S1IuJR4EzgjcBv8tihycDmwIwKY+xaku4k/b2/LiLuyvvtiIho7qLclZxcuseupH9sazbst8ONZv3IU+g0elmL1wBWJT3S2Y/UVdkG903SvFfPAB6NiJ9Kmg58htSLbClwAqnXmK1sFZ7+t9u835/a3H27Qd/GrIZp9gctmrdLgX+LiMtGL6qxTdKqwIbA3wbr6m1jm5OLjVmS9u/7T+As0qSUP25R9EnSwL/rIuKhDoVnNqY5uXQpSW8ALo2I4a6jYQ0kXUmaUr8WA9DM6s7JpUvlRzr3kgZLnhcRv6s4JLOnySsmTifNGLEZae6rZrVpgO4GeSmNV5DmGWu1KFhtVp51culSkr4GvJP0jyyAm4Bzge95VL5VTdKuwMXAGsATpKmJWo6/iogtOhdZPeUR+j8kTQI6UKN9bVb2dHLpYpJWI40V2B/Yg/RN5p+kP+pzgIs9oLK1XujqWSVJNwAvBQ4EvuvHtyMj6evAQaTlH84G/kr/yboWK886udREHpy2HynRbEf64FxE+sM+vMrYupGkBaRr9NqcXPr2B+Vv2oOT9BhwgecNK0PSfcDdpIk+x0SidnKpIUkvBd4PfAQYV5fbZBs7JN0DzI6Ij1cdy1iQk/XpEXFE1bGU4ulfaiav7/BO4N9o3YBq1gk/AXapOogx5HbSchpjhpNLDUhaT9Ihkq4DbiMtcrUu8F/UaNlTG1OOBNaVdEaeR8xG5gzgzZI2rTqQUvxYrEtJWgXYi9TG8mZgNVKbwRWkxvwfRsTjlQVYM5KOJk1NsnlE3NPi+KakSRZnRsQJnY6vjiRtBVxP+rc5n7QcRDPPfdeGvCTEicArgc+SJgJtOaC3LktCOLl0qdzA9yxSt8T5pG7I50XEwkoDqylJ1wMPR8TrByjzM2CdiNixc5HVk6QXAVeSpnoZSG26zlapYaoiMXDHk4iIWswJWYsge9QapMkBz4mIX1UdzBiwFXD+IGVuJfXIs8GdBGwA/Cfpi889EfFktSHV2nmMsUlonVy610YRsazqIMaQZ5AmphzI46R1ym1wO5IezX6+6kDGgrHYpdvJpUs1J5a8BO96wJKBluq1ft0NvGqQMq8C/NixPctJ67qbteTeYl1M0jhJn5J0B6lxbwHwoKQ78uv+ctC+S4GdJb2r1UFJ+5C61l7S0ajq6yrSHFhWmKTNJL1Z0nsl7Z3ncKsdN+h3qTz1y6WkD7wgffO+F9iENEmgSFNF7BERy6uKsy5yb7BbSHd/PyZd24XApqReeXsDDwIvi4i7q4qzLiRtSeop9mXgBK/dMnKSNge+DrTqdHI5cEhELOhoUCPg5NKlJH0KOJ40WG1GRNzecOx5pD/qNwNHRcQXq4myXvKMs/9NWn638R++SHeF74iIGysIrXYknQVsQRpntQC4mf67Ih/YwdBqSdLGwK9JX3YWAHN56svkTqRrfQ8wJSLuqyjMIXFy6VKSbsn/+bJWcw3lcTA3k/4fbtfR4GpM0nhSUn4V6S7mIeBXwJyI+GeVsdVJ7jrbDndFboOkM4APA58ETmrseZdX95wOfAn4akQcWk2UQ+Pk0qUkLQVOi4hPDlDmBOBjEbFm5yIz+9cjnLZExJ9HM5axIE+s+oeI2HOAMpcCz4+ISZ2KayTcINy9lgNrD1JmLdIU/GadtjlpUOrNVQcyRmxMWhhwIDcCu45+KGU4uXSvW4Bpko6JiL83H5S0ITAN+L+OR1ZjklYHdiA92169VRkvhdyWK0mNzx+pOpAxYgkpYQ/kubRu1+pKTi7d63RgNnCDpM+T/pjvJX3D2RU4mjQ9zGFVBVg3kg4gPbdev78ipIZ+J5fBPQA8VnUQY8gvSV8mvxoR1zYflPRK4B3ATzse2TC5zaWLSToe+BStp4UQ8KWI+FRno6onSXuSVvD8PXAWqbfdRcANpGS9B6kn2cURcW5FYdaGpAuA53oetjIkbQ9cS1ptdjYrf5l8N7ACeHVdejQ6uXQ5Sa8iLSX7ctI0+0uA3wBnRcR1VcZWJ5IuB14GbBkR/8i9nY6JiGPz8QOBM4HdIuKXFYZaC5K2Jo1zOQM41j3tRk7Sm0jztK3Pyl3lFwMHRMT/VBHbcDi5WE+QtAj4cUQckPdXkD4Uj2kocxXwWETsVUmQNZLHuWwFvBq4n9T2dx8r32V7nMsQ5LVx3gJsz9O/TF4UEY9WGdtQuc2lS0l6B6nf+34DrD9yHnBGRPyw0/HV0Fqkxwx9HgfWaSozDzigYxHV2/sb/nvj/NNKkO68rQ05gXw3/9Sak0v3+iCwXqvEAhARCyWtm8s5uQyub32cPvcC2zaVWZf0zNsGt0XVAVh3c3LpXtuRpn4ZyK9Jo81tcL/n6cnkamAfSTtFxNWSXgy8M5ezQXhg5OiQ9BLgpaT5A8e3KBIR8bnORjU8Ti7dawLwt0HKLGLwlQAtuQQ4RdLEfDf4JVLXzqskLSZdbwFen8Q6TtIE4NtA3wh99VM0ACcXG5EHgK0HKbM1/ayzbSv5Oqmr8YMAEXGrpN1J44WeR2pvOSUiflZdiPWTezN+kNSbcT1SA/SNwNmtxmtYv04hzc79c9KKqQuBJyqNaITcW6xL5XEEewMvj4g/tDj+AlIvkjkR8Y5Ox2eWB/d+mtbfsoM0Ff+RnY2qnvLd860R8ZqqYynFi4V1r1mkO8tfSjpM0jaS1srbfye1Gayay5l1VO7NeCTwF9Kdy5akpaS3zPt/AT4p6Z2VBVkvq5IGUY4ZvnPpYpIOIg1Sa9WD6UngIxHxrc5GVW+SJgHvZeVBqedHxF3VRVYvkuaSHstuFxEPtDi+IfA74I8RsUun46sbSVcCiyJiWtWxlOLk0uXy46+PAK/k6euPfC0ibqsytrqRNAM4jtQLp/lRzj+BT0fESR0PrIYkLQHOi4iPDVDmNOB9EbFu5yKrJ0mvJU1P9LqxMkOEG/S7XE4g/f4BW3skvRs4kdSgfyppDfj7SIP/diNNAHqipIURcUFVcdbIOGDpIGWW4s+YtkTEFZL2AX4k6SfATfQzA3JdZu32nYv1BEnzSAP/tm81RkPSFqReTn+KiB06HV/d5JVSVyU9FutvpdT/I43LeEmn46sbSauRejS+l6fawps/nEWNVvb0twrrFS8Ezu1v8F9E3CXpv0l/3Da47wLHA/50L7kAAAkFSURBVD+W9PGIuL3vgKTnke4SXwgcVVF8dfMFYH/gVuAC4B5q3hXZycV6xT8YfEzQg8DDHYhlLDiJNODvjcBeku7hqSniNyV9+/5lLmeD2wf4LbBDRCyvOpgS3BXZesVlwP/r76AkkdZ0uaxjEdVY/gB8PenO5C7SdCU7AM/J+0cBu4+VD8oOWA+4bCxdL7e5WE+QtAlpHMGvgE81Ph6T9FzgBFKPvKkRcV81UdaXpLXJXbsj4pGq46mb3Cb4h4jYr+pYSnFysZ4g6QrSIkwvIY0R+gtpHZKNSGuTrwrcQp4epkFExO4dDNV6UO7N+E1Sh5P5VcdTgpOL9YS8ONhw1KZ3TqdJ2gU4AngFKXG3esweEeG23UFI2pnUHX534Cuknov9dUWe28HQhs3JxcyGTNIbgYtId3x/Af5KP72bImK3DoZWS/nLT/DU4N5+P5jr8mXH3yjMbDiOIc1q8MaIcCeIkTuWARJKHfnOxcyGTNJjwOyI+EDVsVh3cldk6ymS9pH0c0mLJD0habGky/PUG9a+R4DFVQdh3ct3LtYT8jiW84D3kJ5rP0lakG1DUrtBkL6J71tZkDUiaTbw3IiYWnUs1p2cXKwnSDoE+CqpF84ngV9ExJOSVgV2Ab4ITAY+GhFnVhdpPUjaHLgBOA04LvxBMiK5q3w7atM13snFeoKkG0h3KS+KiMdaHH8Gaf2RxZ64cnCSzgImkRLzn4GbaT29TkTEgR0MrZba6Crf15OsNl3jnVysJ0h6BPh6RMwYoMyXgQ9FxNqdi6yehjBuqDYfht1I0rqkaXVOAOYD+0XEk9VG1R53RbZe0TiGoD+DHbenbFF1AL0gIpYAP5f0etKd9QzgS9VG1R7fuVhPyI/Fng28YIDHYr8HHoiIV3Q6PrPBSPoWsHNEbFN1LO1wV2TrFWeR5hCbK2l3SeMAJK0qaTfgSmDzXM6sGz1M+jdcC75zsZ6QuyKfD7yb9IhsBWmcxgTSlywB348Ij3exrpPvrG8GnhERtUgwbnOxnpC7yu6b1yc/AHg5KbEsAX4DnBUR36swROthkt7Xz6FxpDVy3gNsBczqWFAj5DsXM7OKNUxcudKhvF0BfAf4YET8s2OBjYDvXMwGIOkzwExPG2+jrL852laQ1hiaV7dF7PwHYzY4d1G2URUR51YdQ2nuLWZmZsX5zsXMrEtIegmp8f4FwFoR8br8+iTSip+XR0TzUtxdycnFzKwLSDoWOJKnnig1NvCvAnwPOJw0WWjX82MxM7OK5fWEjgYuB14GfKHxeETcCcwD9u58dMPj5GJmVr3DgDuAt0TELcDyFmVuA7buaFQj4ORiZla97YCfRUSrpNLnHmCjDsUzYk4uZmbVE2lMy0A2Ah7vQCxFOLmYmVXvdqDfJaMlrQK8hjRzdy04uZgN7CLSXGRmo+n7wPaS+lvM7kjS3GLf7VxII+O5xczMKpZnPb4GeCmpV1iQVqA8GdgJmAL8CtglIp6oKs6hcHKxniDpzjaKrSCtmXEb8MOI+MHoRmX2lLyk8VeAfYHGpaH7Jq08NCL+UUVsw+HkYj1B0gLSoOGJ+aUngEXABjw1mPgeYB1gbdI3x4uBt9ZlzXIbGyRNIN21bEBaEuKGiPh7tVENnZOL9QRJ65AGqD0OfBr4VUSsyA2lOwLHA6sDrwc2Bk4B9gSOiIiTqonarL6cXKwnSDqNlDhe3OqZtaTVgFuAyyLiMElrAn8A/h4RkzsbrVn9eW4x6xVvA77bX2NoRCyXNIe0DPJhEbFU0v8C0zoZpPWu/DjsANIElevz9HaXPhERu3c0sGFycrFesQGw2iBlxudyfe7DfyPWAZKeD1wFPIuB1w+qzaMmj3OxXnEn8HZJz2x1MLfJvB24q+HlTYDFHYjNbBbwbOAEYEtgfESs0uKn1d1MV3JysV7xDWBT4HpJ+0qaJOkZebsfcD2pJ9nXASQJ2BW4uaqArafsBPw0Io6MiAVjoYeib/mtJ0TEVyRtCxwCnNeiiIBvRMRX8v6zSetnXN6hEK23Cbi16iBKcm8x6ymSXgO8n7RmxrqkQZO/Ac6LiLkVhmY9TNKVwJKIeGvVsZTi5GJmVjFJuwE/A/aIiKsqDqcIPxYzM6vec4AfA5dJ+h5wI/BQq4IR0eqxbtfxnYv1FEmrAtvS/zgC/HjMOk3SClI348ZuyM0fziKNc6lFjzHfuVjPkDQTmE5qaxlILf54bUz5QNUBlObkYj1B0n8AnyVNBPht4K+kySvNKhcR51YdQ2l+LGY9QdLtwBrA9nWcYdZ6g6S1SVMVvZx0h70EuAm4KCIeqTK2ofKdi/WK5wDfdGKxbiXpHcCZwHqs3PbykKQPRcSFlQQ3DE4u1ivux//erUtJej1p0O4K0iDfq0hz220M7Aa8B/iepIci4udVxTkUfixmPUHSiaTHDS+KiGVVx2PWSNLVwPbAThFxU4vjU4C5wLyI2LnT8Q2Hk4v1hLw+y89IYwcOi4i7Bqli1jGSHgG+HxEHDFDmHGBaRKzdscBGwI8JrFf8jjSl/kTgDZKW0HqQWkTE8zoamRksA+4dpMw9uVwtOLlYr1iF1PX4Lw2vtVo3Y6C1NMxGy9XAqwcp82rSo7Fa8GMxM7OK5Rm7ryMtDfG5iHi04dhawGeAA4GpEfHHaqIcGicXM7OKSTqLtEjYTjw1tuV+YCNSQ/+6pLuW5rbCiIgDOxhq25xczMwqlucWG46unWvMbS7WEyS9r92ydZl11saULaoOoDTfuVhPaJh1dsBidPE3QbM68Z2L9Yr+Zp1dD9gB2Af4AfDTjkVkNob5zsUMkLQ7KbG8LiJ+WXU8ZnXn5GKWSboIWCciXlt1LGZ1t0rVAZh1kfnAlKqDMBsLnFzMnvJCBm/0N7M2uEHfepqkVUhrvRwE7AVcUm1EZmOD21ysJ7TRFVnAImDniLitM1GZjV2+c7FeMZfWyWUF8CBwA3C2V6o0K8N3LmZmVpwb9M3MrDg/FrMxKc8yOxxdO8usWZ34sZiNSWNxllmzOvGdi41VY26WWbM68Z2LmZkV5wZ9MzMrzsnFzMyKc3IxM7PinFzMzKw4JxczMyvu/wPoMkVUPbRHcwAAAABJRU5ErkJggg=="/>
+          <p:cNvSpPr>
+            <a:spLocks noChangeAspect="1" noChangeArrowheads="1"/>
+          </p:cNvSpPr>
+          <p:nvPr/>
+        </p:nvSpPr>
+        <p:spPr bwMode="auto">
+          <a:xfrm>
+            <a:off x="155575" y="-144463"/>
+            <a:ext cx="304800" cy="304801"/>
+          </a:xfrm>
+          <a:prstGeom prst="rect">
+            <a:avLst/>
+          </a:prstGeom>
+          <a:noFill/>
+        </p:spPr>
+        <p:txBody>
+          <a:bodyPr vert="horz" wrap="square" lIns="91440" tIns="45720" rIns="91440" bIns="45720" numCol="1" anchor="t" anchorCtr="0" compatLnSpc="1">
+            <a:prstTxWarp prst="textNoShape">
+              <a:avLst/>
+            </a:prstTxWarp>
+          </a:bodyPr>
+          <a:lstStyle/>
+          <a:p>
+            <a:endParaRPr lang="ru-RU"/>
+          </a:p>
+        </p:txBody>
+      </p:sp>
+      <p:pic>
+        <p:nvPicPr>
+          <p:cNvPr id="11" name="Рисунок 10" descr="dataset2.png"/>
+          <p:cNvPicPr>
+            <a:picLocks noChangeAspect="1"/>
+          </p:cNvPicPr>
+          <p:nvPr/>
+        </p:nvPicPr>
+        <p:blipFill>
+          <a:blip r:embed="rId6" cstate="print"/>
+          <a:stretch>
+            <a:fillRect/>
+          </a:stretch>
+        </p:blipFill>
+        <p:spPr>
+          <a:xfrm>
+            <a:off x="5580112" y="1556792"/>
+            <a:ext cx="2945079" cy="2648400"/>
+          </a:xfrm>
+          <a:prstGeom prst="rect">
+            <a:avLst/>
+          </a:prstGeom>
+        </p:spPr>
+      </p:pic>
     </p:spTree>
   </p:cSld>
   <p:clrMapOvr>
@@ -4705,6 +4917,36 @@
               <a:t>проч</a:t>
             </a:r>
             <a:endParaRPr lang="ru-RU" dirty="0"/>
+          </a:p>
+        </p:txBody>
+      </p:sp>
+      <p:sp>
+        <p:nvSpPr>
+          <p:cNvPr id="11266" name="AutoShape 2" descr="data:image/png;base64,iVBORw0KGgoAAAANSUhEUgAAAZcAAAFuCAYAAABN+1XcAAAABHNCSVQICAgIfAhkiAAAAAlwSFlzAAALEgAACxIB0t1+/AAAADh0RVh0U29mdHdhcmUAbWF0cGxvdGxpYiB2ZXJzaW9uMy4yLjIsIGh0dHA6Ly9tYXRwbG90bGliLm9yZy+WH4yJAAAgAElEQVR4nO3de7ylc93/8debGYQchsJQhhw66WBGZcop5UcH1d1UilJEKrlNk7vC3ElRMiGH0uF2SjW6VbqnEN1ohGjIraKGmMo4lBlGDDMxn98f3+/Osmbtvdfe+7vXta693s/HYz8u17q+32t/1mX2+qzr+p4UEZiZmZW0StUBmJnZ2OPkYmZmxTm5mJlZcU4uZmZWnJOLmZkV5+RiZmbFjas6gG6x4YYbxqRJk6oOY0APPPAAG264YdVhjBm+nmX5epZVh+t54403PhARz2p1zMklmzRpEvPmzas6jAGdcsopHH744VWHMWb4epbl61lWHa6npD/3d8yPxczMrDgnFzMzK87JxczMinNyMTOz4pxczMysOCcXMzMrzsnFzMyKc3IxM7PinFxGkVT2Z9688uesi9Lv29fT17OkOlzPTnNyMTOz4pxczMysOCcXMzMrzsnFzMyKc3IxM7PinFzMzKw4JxczMyvOycXMzIpzcjEzs+KcXMzMrDgnFzMzK87JxczMinNyMTOz4pxczMysOCcXMzMrzsnFzMyKc3IxM7PinFzMzKw4JxczMyvOycXMzIpzcjEzs+KcXMzMrDgnFzMzK87JxczMinNyMTOz4pxczMysOCcXMzMrzsnFzMyKazu5SDpB0v9K+qukxyQtlvQbSZ+RtEE/daZKujiXfUzSLZIOl7TqAL/nTZKukrRE0iOSrpe0/yCx7S/phlx+Sa7/pnbfm5mZlTWUO5fpwFrA5cBXgO8ATwDHALdIek5jYUlvAeYCOwM/Ak4HVgNOBma3+gWSDgXmAC8Gzge+CUwEzpE0q586s4BzgE1y+fOB7YA5+XxmZtZh44ZQdp2IeLz5RUnHAUcCnwY+kl9bh/RB/ySwa0TMy6/PBK4ApknaJyJmN5xnEjALWAxMiYgF+fVjgV8DMyT9ICKua6gzFZgB/AnYISIezK+fCNwIzJL0k75zmZlZZ7R959IqsWTfz9utG16bBjwLmN2XWBrOcXTe/XDTeQ4AVgdOb0wGOWEcn3cPaarTt39cX2LJdRYAZ+TzfaDfN2VmZqOiRIP+m/P2lobXXpu3l7YoPxdYCkyVtHqbdS5pKjOSOmZmNsqG8lgMAEmfANYG1gWmAK8hJZYvNhTbNm/nN9ePiCck3QW8CNgSuK2NOvdKehTYTNKaEbFU0lrApsAjEXFvi1Bvz9tthvL+zMxs5BQRQ6sg3Qds1PDSpcD7I+L+hjLzSY/Jto6IO1qc4xpgKjC1rw1F0nJgPDA+Ip5oUWchqXF/Yk42E4GFwMKI2KxF+fHAcmB5RKzefDyXORg4GGDChAmTZ86c2c4laNu8eYOXGYoNNrifRYs2GrzgEEyZUvR0o6b0tQRfz9J8PcsqfT1H41pOnz79xohofeaIGNYPKcG8DfgjcA+wfcOx+UAAW/VT95p8fMeG15bn18b1U2dhPr5J3p+Y9+/up/z4fHxZO+9n8uTJURqU/dl335OLn7MuSr9vX09fz5LqcD1H530zL6L1Z+qw21wi4v6I+BGwB7ABcF7D4SV5u24/1ftef2gYdZY0bYfyO8zMrANG3KAfEX8GbgVeJGnD/PIf83al9g5J44AtSGNk7mw4NFCdTUhjbO6OiKX59z5KuptZOx9v1td7baU2HDMzG12lpn+ZmLdP5u0Vebtni7I7A2sC10bEsobXB6qzV1OZkdQxM7NR1lZykbSNpJUeP0laJQ+ifDYpWfSNNbkQeADYR9KUhvJrAJ/Pu19rOt3ZwDLg0Dygsq/O+qRBmgBnNtXp2z8ql+urMwn4aD7f2e28RzMzK6fdrshvAL4g6ZfAXcAiUoP+LqTuxPcBB/UVjoiHJR1ESjJXSZpNGnm/N6nL8YXABY2/ICLuknQEcCowT9IFpEb+acBmwJejYXR+rnOtpJOAj5OmoLmQNMXMu4AJwMfCo/PNzDqu3eTyc2Ar0piWlwPrAY+S2jO+DZwaEYsbK0TERZJ2AY4C3g6sAdxBSgSn5p4GNNU5TdIC4BPA+0h3VrcCR0fEua0Ci4gZkn5LulM5GFgB3AScGBE/afP9mZlZQW0ll4j4HTDkSSAj4hrSXc9Q6swhTV45lDrnkCavNDOzLuD1XMzMrDgnFzMzK87JxczMinNyMTOz4pxczMysOCcXMzMrzsnFzMyKc3IxM7PinFzMzKw4JxczMyvOycXMzIpzcjEzs+KcXMzMrDgnFzMzK87JxczMinNyMTOz4pxczMysOCcXMzMrzsnFzMyKc3IxM7PinFzMzKw4JxczMyvOycXMzIpzcjEzs+KcXMzMrDgnFzMzK87JxczMinNyMTOz4pxczMysOCcXMzMrzsnFzMyKc3IxM7PinFzMzKw4JxczMyvOycXMzIpzcjEzs+KcXMzMrDgnFzMzK87JxczMinNyMTOz4pxczMysOCcXMzMrzsnFzMyKayu5SNpA0gcl/UjSHZIek7RE0i8lHSip5XkkTZV0saTFuc4tkg6XtOoAv+tNkq7K539E0vWS9h8kvv0l3ZDLL8n139TOezMzs/LavXN5B/BN4JXA9cApwA+AFwPfAr4vSY0VJL0FmAvsDPwIOB1YDTgZmN3ql0g6FJiTz3t+/p0TgXMkzeqnzizgHGCTXP58YDtgTj6fmZl12Lg2y80H9gZ+GhEr+l6UdCRwA/B24N9ICQdJ65A+6J8Edo2Iefn1mcAVwDRJ+0TE7IZzTQJmAYuBKRGxIL9+LPBrYIakH0TEdQ11pgIzgD8BO0TEg/n1E4EbgVmSftJ3LjMz64y27lwi4oqImNOYWPLr9wFn5t1dGw5NA54FzO5LLLn848DReffDTb/mAGB14PTGZJATxvF595CmOn37x/UlllxnAXBGPt8HBn+HZmZWUokG/X/m7RMNr702by9tUX4usBSYKmn1Nutc0lRmJHXMzGyUjSi5SBoHvC/vNn7Ab5u385vrRMQTwF2kR3JbtlnnXuBRYDNJa+bfvRawKfBIPt7s9rzdpq03Y2ZmxSgihl85NabPAC6OiDc2vD4f2BrYOiLuaFHvGmAqMLWvDUXScmA8MD4noOY6C0mN+xMj4l5JE4GFwMKI2KxF+fHAcmB5RKzefDyXORg4GGDChAmTZ86cOaT3P5h58wYvMxQbbHA/ixZtVPScU6YUPd2oKX0twdezNF/Pskpfz9G4ltOnT78xIlqfOSKG9QMcBgRwGzCh6dj8fGyrfupek4/v2PDa8vzauH7qLMzHN8n7E/P+3f2UH5+PL2vn/UyePDlKg7I/++57cvFz1kXp9+3r6etZUh2u5+i8b+ZFtP5MHdZjsdzF9yvArcBuEbG4qciSvF23n1P0vf7QMOosadoO5XeYmVkHDDm5SDocOA34HSmx3Nei2B/zdqX2jtxOswWpA8CdbdbZBFiLdJeyFCAiHiXdzaydjzfbOm9XasMxM7PRNaTkIumTpEGQN5MSy9/6KXpF3u7Z4tjOwJrAtRGxrM06ezWVGUkdMzMbZW0nlzwA8oukwYm7R8QDAxS/EHgA2EfSvxp7JK0BfD7vfq2pztnAMuDQPKCyr876wJF598ymOn37R+VyfXUmAR/N5zt74HdmZmaltTVCP8/tdSxpxP3VwGFNs70ALIiIcwAi4mFJB5GSzFWSZpNG3u9N6nJ8IXBBY+WIuEvSEcCpwDxJF5Aa+acBmwFfjobR+bnOtZJOAj4O3CLpQtIUM+8CJgAfC4/ONzPruHanf9kib1cFDu+nzC9Ic3wBEBEXSdoFOIo0PcwawB2kRHBq7mnwNBFxmqQFwCdI42dWIXUaODoizm31SyNihqTfku5UDgZWADcBJ0bET9p8f2ZmVlBbySUijgGOGerJI+Ia4A1DrDOHNHnlUOqcQ0NiMzOzank9FzMzK87JxczMinNyMTOz4pxczMysOCcXMzMrzsnFzMyKc3IxM7PinFzMzKw4JxczMyvOycXMzIpzcjEzs+KcXMzMrDgnFzMzK87JxczMinNyMTOz4pxczMysOCcXMzMrzsnFzMyKc3IxM7PinFzMzKw4JxczMyvOycXMzIpzcjEzs+KcXMzMrDgnFzMzK87JxczMinNyMTOz4pxczMysOCcXMzMrzsnFzMyKc3IxM7PinFzMzKw4JxczMyvOycXMzIpzcjEzs+KcXMzMrDgnFzMzK87JxczMinNyMTOz4pxczMysOCcXMzMrzsnFzMyKayu5SJom6TRJV0t6WFJIOn+QOlMlXSxpsaTHJN0i6XBJqw5Q502SrpK0RNIjkq6XtP8gv2d/STfk8kty/Te1877MzGx0tHvncjRwKPAyYOFghSW9BZgL7Az8CDgdWA04GZjdT51DgTnAi4HzgW8CE4FzJM3qp84s4Bxgk1z+fGA7YE4+n5mZVaDd5DId2AZYB/jwQAUlrUP6oH8S2DUiDoyII0iJ6TpgmqR9mupMAmYBi4EpEfHRiJgOvAT4EzBD0o5NdaYCM/Lxl0TE9Ij4KDA5n2dWPq+ZmXVYW8klIq6MiNsjItooPg14FjA7IuY1nONx0h0QrJygDgBWB06PiAUNdR4Ejs+7hzTV6ds/Lpfrq7MAOCOf7wNtxGtmZoWNRoP+a/P20hbH5gJLgamSVm+zziVNZUZSx8zMOmA0ksu2eTu/+UBEPAHcBYwDtmyzzr3Ao8BmktYEkLQWsCnwSD7e7Pa83WY4b8DMzEZG7T3paqgg7QpcCXwnIvZrcXw+sDWwdUTc0eL4NcBUYGpEXJdfWw6MB8bnBNRcZyGpcX9iRNwraSKpY8HCiNisRfnxwHJgeUSs3ny8odzBwMEAEyZMmDxz5szB3v6QzJs3eJmh2GCD+1m0aKOi55wypejpRk3pawm+nqX5epZV+nqOxrWcPn36jRHR+swRMaQfYFcggPP7OT4/H9+qn+PX5OM7Nry2PL82rp86C/PxTfL+xLx/dz/lx+fjy9p9X5MnT47SoOzPvvueXPycdVH6fft6+nqWVIfrOTrvm3kRrT9TR+Ox2JK8Xbef432vPzSMOkuatkP5HWZm1iGjkVz+mLcrtXdIGgdsATwB3NlmnU2AtUh3KUsBIuJR0t3M2vl4s63zdqU2HDMzG32jkVyuyNs9WxzbGVgTuDYilrVZZ6+mMiOpY2ZmHTAayeVC4AFgH0n/auiRtAbw+bz7taY6ZwPLgEMbBz5KWh84Mu+e2VSnb/+oXK6vziTgo/l8Zw//bZiZ2XCNa6eQpLcCb827G+ftjpLOyf/9QER8AiAiHpZ0ECnJXCVpNmnE/N6kLscXAhc0nj8i7pJ0BHAqME/SBaRG/mnAZsCXI/csa6hzraSTgI8Dt0i6kDTFzLuACcDHomFAppmZdU5byYU0dcv+Ta9tyVNjVf4MfKLvQERcJGkX4Cjg7cAawB2kRHBq7mXwNBFxmqQF+TzvI91V3QocHRHntgoqImZI+i3pTuVgYAVwE3BiRPykzfdmZmaFtZVcIuIY4JihnDgirgHeMMQ6c0iTVw6lzjmkySvNzKxLeD0XMzMrzsnFzMyKc3IxM7PinFzMzKw4JxczMyvOycXMzIpzcjEzs+KcXMzMrDgnFzMzK87JxczMinNyMTOz4pxczMysOCcXMzMrzsnFzMyKc3IxM7PinFzMzKw4JxczMyvOycXMzIpzcjEzs+KcXMzMrDgnFzMzK87JxczMinNyMTOz4pxczMysOCcXMzMrzsnFzMyKc3IxM7PinFzMzKw4JxczMyvOycXMzIpzcjEzs+KcXMzMrDgnFzMzK87JxczMinNyMTOz4pxczMysOCcXMzMrzsnFzMyKc3IxM7PinFzMzKw4JxczMyvOycXMzIobE8lF0maSzpJ0j6RlkhZIOkXS+lXHZmbWi8ZVHcBISXoecC3wbODHwB+AVwD/Duwp6dURsajCEM3Mes5YuHP5KimxHBYRb42IT0XEa4GTgW2B4yqNzsysB9U6ueS7lj2ABcAZTYc/AzwKvFfSWh0Ozcysp9U6uQC75e1lEbGi8UBE/AO4BlgTeFWnAzMz62V1Ty7b5u38fo7fnrfbdCAWMzPLFBFVxzBskr4BHAQcFBHfanH8OOBI4MiI+EKL4wcDB+fdbYE/jmK4JWwIPFB1EGOIr2dZvp5l1eF6bh4Rz2p1oPa9xUYiIr4BfKPqONolaV5ETKk6jrHC17MsX8+y6n496/5YbEnertvP8b7XH+pALGZmltU9ufQ9xuqvTWXrvO2vTcbMzEZB3ZPLlXm7h6SnvRdJzwReDSwFftXpwEZJbR7h1YSvZ1m+nmXV+nrWukEfQNLPSGNdDouI0xpePwmYDnw9Ig6pKj4zs140FpJL8/QvtwGvJI2BmQ9M9fQvZmadVfvkAiDpOcCxwJ7ABsC9wI+Az0bEg1XGZmbWi8ZEcjEzs+5S9wZ9MzPrQk4uZmZWnJOL9QRJ/yNpL0mqOhazXuA2ly4h6T+HWTUi4nNFgxmDJK0AAvgr8E3gvyLivmqjqg9JZw2zakTEgUWDGeMkbQZsCqze6nhEzO1sRMPj5NIl8odfs8b/OWrxukh/vKuOWmBjhKTtgUOAfYC1gX8Cc0jjoC6vMrY66OffZzv877NNkvYgLXL4/IHK1eV6Orl0CUm7tHh5OvAG4DvAVcB9wMakMTzvAX4KnBIRv+hQmLUnaW1gX9Js2C8nJeq7SKOhz46Iv1cYXteStPlw60bEn0vGMhZJehUwF/g7cCHwMeAXpCmudgJeAPwP8JuI+GxVcQ6Fk0uXkvQ+4GvAThFxU4vjU0j/GD8UEd/udHxjgaTJwIdIdzNrke5mLgLOjIirKgzNeoykH5O+ND4/Iu7Jd4rHRMSxuZ3ws8DHgVdGxO+rjLVdTi5dStJvSN9SDhigzDnASyJi+44FNgZJmgpcQHrODelu5lZgZkRcVFlg1jMk/Y20ou5+eX8FcGxEHNNQ5tfAnyNiWjVRDo17i3WvbUkzDQzkHp5ajdOGQNIakvaXdC1wNSmx/B9wOPBtYCvgB5I+VmGYtSBpVUkbSXpuq5+q46uJdYG/NOwvJ91NN7oG2LljEY1QTy8W1uUeJs3qPJDXAI90IJYxQ9ILSY/C3kv6g14OfBf4WkRc21BuJnAZ6VHEaS1O1fMkbQd8kfQ4p2XPJtJdoD9nBvc3YP2m/ec1lRkPPKNjEY2Q71y610+BnSTNyssH/IukZ0r6Min5zKkkupqR9F5JVwO/JTWWPgh8GnhORLy3MbEARMRfSY/KntPxYGtA0gtIE8buDFxO6rl4S/7vRXn/KtJdoA1uPk9PJr8CXi9pGwBJGwNvB26vILZhcZtLl5L0bOA6YBLwD+Bm4H5gI+BlwDrAnaRZn/9WUZi1kZ9hrwAuIXWUuCQG+ccv6d3AwRGxWwdCrBVJ3yF92O0QEb9taoBeCziV1NPxFTlR2wAkHQF8HtgkIhZLejWpt9gyUvvf1sAzgQ9ExHnVRdo+J5cuJmkD4AukbsdrNhxaSuqefKSXE2iPpONJY1rcLbYASQuB6/oal3Ny+WxfN1lJ40h3MjdExPsrC7QmJK1D6m58a0T8I7/2NuBzpDuaBcDJEVGbBcScXGog/6E+n9RGsAT4Q0Q8UW1U9ZIblh+KiIcHKPNMYP2I+Et/ZSyRtAw4KSI+nfeXkz78PtlQ5gzgbRExsaIwrUJuc6mBiHgiIn4XEdfkrRPL0N0F/PsgZQ7L5Wxwi0kzHfR5AGjuGbac9IXIepCTi/UK8fQpdGxk/kRqD+xzI6kB+tkAud3lLThZ9yx3EewSkq4gddvcPyLuzvvtiIjYfRRD6yUbA49WHURNXAb8h6S1IuJR4EzgjcBv8tihycDmwIwKY+xaku4k/b2/LiLuyvvtiIho7qLclZxcuseupH9sazbst8ONZv3IU+g0elmL1wBWJT3S2Y/UVdkG903SvFfPAB6NiJ9Kmg58htSLbClwAqnXmK1sFZ7+t9u835/a3H27Qd/GrIZp9gctmrdLgX+LiMtGL6qxTdKqwIbA3wbr6m1jm5OLjVmS9u/7T+As0qSUP25R9EnSwL/rIuKhDoVnNqY5uXQpSW8ALo2I4a6jYQ0kXUmaUr8WA9DM6s7JpUvlRzr3kgZLnhcRv6s4JLOnySsmTifNGLEZae6rZrVpgO4GeSmNV5DmGWu1KFhtVp51culSkr4GvJP0jyyAm4Bzge95VL5VTdKuwMXAGsATpKmJWo6/iogtOhdZPeUR+j8kTQI6UKN9bVb2dHLpYpJWI40V2B/Yg/RN5p+kP+pzgIs9oLK1XujqWSVJNwAvBQ4EvuvHtyMj6evAQaTlH84G/kr/yboWK886udREHpy2HynRbEf64FxE+sM+vMrYupGkBaRr9NqcXPr2B+Vv2oOT9BhwgecNK0PSfcDdpIk+x0SidnKpIUkvBd4PfAQYV5fbZBs7JN0DzI6Ij1cdy1iQk/XpEXFE1bGU4ulfaiav7/BO4N9o3YBq1gk/AXapOogx5HbSchpjhpNLDUhaT9Ihkq4DbiMtcrUu8F/UaNlTG1OOBNaVdEaeR8xG5gzgzZI2rTqQUvxYrEtJWgXYi9TG8mZgNVKbwRWkxvwfRsTjlQVYM5KOJk1NsnlE3NPi+KakSRZnRsQJnY6vjiRtBVxP+rc5n7QcRDPPfdeGvCTEicArgc+SJgJtOaC3LktCOLl0qdzA9yxSt8T5pG7I50XEwkoDqylJ1wMPR8TrByjzM2CdiNixc5HVk6QXAVeSpnoZSG26zlapYaoiMXDHk4iIWswJWYsge9QapMkBz4mIX1UdzBiwFXD+IGVuJfXIs8GdBGwA/Cfpi889EfFktSHV2nmMsUlonVy610YRsazqIMaQZ5AmphzI46R1ym1wO5IezX6+6kDGgrHYpdvJpUs1J5a8BO96wJKBluq1ft0NvGqQMq8C/NixPctJ67qbteTeYl1M0jhJn5J0B6lxbwHwoKQ78uv+ctC+S4GdJb2r1UFJ+5C61l7S0ajq6yrSHFhWmKTNJL1Z0nsl7Z3ncKsdN+h3qTz1y6WkD7wgffO+F9iENEmgSFNF7BERy6uKsy5yb7BbSHd/PyZd24XApqReeXsDDwIvi4i7q4qzLiRtSeop9mXgBK/dMnKSNge+DrTqdHI5cEhELOhoUCPg5NKlJH0KOJ40WG1GRNzecOx5pD/qNwNHRcQXq4myXvKMs/9NWn638R++SHeF74iIGysIrXYknQVsQRpntQC4mf67Ih/YwdBqSdLGwK9JX3YWAHN56svkTqRrfQ8wJSLuqyjMIXFy6VKSbsn/+bJWcw3lcTA3k/4fbtfR4GpM0nhSUn4V6S7mIeBXwJyI+GeVsdVJ7jrbDndFboOkM4APA58ETmrseZdX95wOfAn4akQcWk2UQ+Pk0qUkLQVOi4hPDlDmBOBjEbFm5yIz+9cjnLZExJ9HM5axIE+s+oeI2HOAMpcCz4+ISZ2KayTcINy9lgNrD1JmLdIU/GadtjlpUOrNVQcyRmxMWhhwIDcCu45+KGU4uXSvW4Bpko6JiL83H5S0ITAN+L+OR1ZjklYHdiA92169VRkvhdyWK0mNzx+pOpAxYgkpYQ/kubRu1+pKTi7d63RgNnCDpM+T/pjvJX3D2RU4mjQ9zGFVBVg3kg4gPbdev78ipIZ+J5fBPQA8VnUQY8gvSV8mvxoR1zYflPRK4B3ATzse2TC5zaWLSToe+BStp4UQ8KWI+FRno6onSXuSVvD8PXAWqbfdRcANpGS9B6kn2cURcW5FYdaGpAuA53oetjIkbQ9cS1ptdjYrf5l8N7ACeHVdejQ6uXQ5Sa8iLSX7ctI0+0uA3wBnRcR1VcZWJ5IuB14GbBkR/8i9nY6JiGPz8QOBM4HdIuKXFYZaC5K2Jo1zOQM41j3tRk7Sm0jztK3Pyl3lFwMHRMT/VBHbcDi5WE+QtAj4cUQckPdXkD4Uj2kocxXwWETsVUmQNZLHuWwFvBq4n9T2dx8r32V7nMsQ5LVx3gJsz9O/TF4UEY9WGdtQuc2lS0l6B6nf+34DrD9yHnBGRPyw0/HV0Fqkxwx9HgfWaSozDzigYxHV2/sb/nvj/NNKkO68rQ05gXw3/9Sak0v3+iCwXqvEAhARCyWtm8s5uQyub32cPvcC2zaVWZf0zNsGt0XVAVh3c3LpXtuRpn4ZyK9Jo81tcL/n6cnkamAfSTtFxNWSXgy8M5ezQXhg5OiQ9BLgpaT5A8e3KBIR8bnORjU8Ti7dawLwt0HKLGLwlQAtuQQ4RdLEfDf4JVLXzqskLSZdbwFen8Q6TtIE4NtA3wh99VM0ACcXG5EHgK0HKbM1/ayzbSv5Oqmr8YMAEXGrpN1J44WeR2pvOSUiflZdiPWTezN+kNSbcT1SA/SNwNmtxmtYv04hzc79c9KKqQuBJyqNaITcW6xL5XEEewMvj4g/tDj+AlIvkjkR8Y5Ox2eWB/d+mtbfsoM0Ff+RnY2qnvLd860R8ZqqYynFi4V1r1mkO8tfSjpM0jaS1srbfye1Gayay5l1VO7NeCTwF9Kdy5akpaS3zPt/AT4p6Z2VBVkvq5IGUY4ZvnPpYpIOIg1Sa9WD6UngIxHxrc5GVW+SJgHvZeVBqedHxF3VRVYvkuaSHstuFxEPtDi+IfA74I8RsUun46sbSVcCiyJiWtWxlOLk0uXy46+PAK/k6euPfC0ibqsytrqRNAM4jtQLp/lRzj+BT0fESR0PrIYkLQHOi4iPDVDmNOB9EbFu5yKrJ0mvJU1P9LqxMkOEG/S7XE4g/f4BW3skvRs4kdSgfyppDfj7SIP/diNNAHqipIURcUFVcdbIOGDpIGWW4s+YtkTEFZL2AX4k6SfATfQzA3JdZu32nYv1BEnzSAP/tm81RkPSFqReTn+KiB06HV/d5JVSVyU9FutvpdT/I43LeEmn46sbSauRejS+l6fawps/nEWNVvb0twrrFS8Ezu1v8F9E3CXpv0l/3Da47wLHA/50L7kAAAkFSURBVD+W9PGIuL3vgKTnke4SXwgcVVF8dfMFYH/gVuAC4B5q3hXZycV6xT8YfEzQg8DDHYhlLDiJNODvjcBeku7hqSniNyV9+/5lLmeD2wf4LbBDRCyvOpgS3BXZesVlwP/r76AkkdZ0uaxjEdVY/gB8PenO5C7SdCU7AM/J+0cBu4+VD8oOWA+4bCxdL7e5WE+QtAlpHMGvgE81Ph6T9FzgBFKPvKkRcV81UdaXpLXJXbsj4pGq46mb3Cb4h4jYr+pYSnFysZ4g6QrSIkwvIY0R+gtpHZKNSGuTrwrcQp4epkFExO4dDNV6UO7N+E1Sh5P5VcdTgpOL9YS8ONhw1KZ3TqdJ2gU4AngFKXG3esweEeG23UFI2pnUHX534Cuknov9dUWe28HQhs3JxcyGTNIbgYtId3x/Af5KP72bImK3DoZWS/nLT/DU4N5+P5jr8mXH3yjMbDiOIc1q8MaIcCeIkTuWARJKHfnOxcyGTNJjwOyI+EDVsVh3cldk6ymS9pH0c0mLJD0habGky/PUG9a+R4DFVQdh3ct3LtYT8jiW84D3kJ5rP0lakG1DUrtBkL6J71tZkDUiaTbw3IiYWnUs1p2cXKwnSDoE+CqpF84ngV9ExJOSVgV2Ab4ITAY+GhFnVhdpPUjaHLgBOA04LvxBMiK5q3w7atM13snFeoKkG0h3KS+KiMdaHH8Gaf2RxZ64cnCSzgImkRLzn4GbaT29TkTEgR0MrZba6Crf15OsNl3jnVysJ0h6BPh6RMwYoMyXgQ9FxNqdi6yehjBuqDYfht1I0rqkaXVOAOYD+0XEk9VG1R53RbZe0TiGoD+DHbenbFF1AL0gIpYAP5f0etKd9QzgS9VG1R7fuVhPyI/Fng28YIDHYr8HHoiIV3Q6PrPBSPoWsHNEbFN1LO1wV2TrFWeR5hCbK2l3SeMAJK0qaTfgSmDzXM6sGz1M+jdcC75zsZ6QuyKfD7yb9IhsBWmcxgTSlywB348Ij3exrpPvrG8GnhERtUgwbnOxnpC7yu6b1yc/AHg5KbEsAX4DnBUR36swROthkt7Xz6FxpDVy3gNsBczqWFAj5DsXM7OKNUxcudKhvF0BfAf4YET8s2OBjYDvXMwGIOkzwExPG2+jrL852laQ1hiaV7dF7PwHYzY4d1G2URUR51YdQ2nuLWZmZsX5zsXMrEtIegmp8f4FwFoR8br8+iTSip+XR0TzUtxdycnFzKwLSDoWOJKnnig1NvCvAnwPOJw0WWjX82MxM7OK5fWEjgYuB14GfKHxeETcCcwD9u58dMPj5GJmVr3DgDuAt0TELcDyFmVuA7buaFQj4ORiZla97YCfRUSrpNLnHmCjDsUzYk4uZmbVE2lMy0A2Ah7vQCxFOLmYmVXvdqDfJaMlrQK8hjRzdy04uZgN7CLSXGRmo+n7wPaS+lvM7kjS3GLf7VxII+O5xczMKpZnPb4GeCmpV1iQVqA8GdgJmAL8CtglIp6oKs6hcHKxniDpzjaKrSCtmXEb8MOI+MHoRmX2lLyk8VeAfYHGpaH7Jq08NCL+UUVsw+HkYj1B0gLSoOGJ+aUngEXABjw1mPgeYB1gbdI3x4uBt9ZlzXIbGyRNIN21bEBaEuKGiPh7tVENnZOL9QRJ65AGqD0OfBr4VUSsyA2lOwLHA6sDrwc2Bk4B9gSOiIiTqonarL6cXKwnSDqNlDhe3OqZtaTVgFuAyyLiMElrAn8A/h4RkzsbrVn9eW4x6xVvA77bX2NoRCyXNIe0DPJhEbFU0v8C0zoZpPWu/DjsANIElevz9HaXPhERu3c0sGFycrFesQGw2iBlxudyfe7DfyPWAZKeD1wFPIuB1w+qzaMmj3OxXnEn8HZJz2x1MLfJvB24q+HlTYDFHYjNbBbwbOAEYEtgfESs0uKn1d1MV3JysV7xDWBT4HpJ+0qaJOkZebsfcD2pJ9nXASQJ2BW4uaqArafsBPw0Io6MiAVjoYeib/mtJ0TEVyRtCxwCnNeiiIBvRMRX8v6zSetnXN6hEK23Cbi16iBKcm8x6ymSXgO8n7RmxrqkQZO/Ac6LiLkVhmY9TNKVwJKIeGvVsZTi5GJmVjFJuwE/A/aIiKsqDqcIPxYzM6vec4AfA5dJ+h5wI/BQq4IR0eqxbtfxnYv1FEmrAtvS/zgC/HjMOk3SClI348ZuyM0fziKNc6lFjzHfuVjPkDQTmE5qaxlILf54bUz5QNUBlObkYj1B0n8AnyVNBPht4K+kySvNKhcR51YdQ2l+LGY9QdLtwBrA9nWcYdZ6g6S1SVMVvZx0h70EuAm4KCIeqTK2ofKdi/WK5wDfdGKxbiXpHcCZwHqs3PbykKQPRcSFlQQ3DE4u1ivux//erUtJej1p0O4K0iDfq0hz220M7Aa8B/iepIci4udVxTkUfixmPUHSiaTHDS+KiGVVx2PWSNLVwPbAThFxU4vjU4C5wLyI2LnT8Q2Hk4v1hLw+y89IYwcOi4i7Bqli1jGSHgG+HxEHDFDmHGBaRKzdscBGwI8JrFf8jjSl/kTgDZKW0HqQWkTE8zoamRksA+4dpMw9uVwtOLlYr1iF1PX4Lw2vtVo3Y6C1NMxGy9XAqwcp82rSo7Fa8GMxM7OK5Rm7ryMtDfG5iHi04dhawGeAA4GpEfHHaqIcGicXM7OKSTqLtEjYTjw1tuV+YCNSQ/+6pLuW5rbCiIgDOxhq25xczMwqlucWG46unWvMbS7WEyS9r92ydZl11saULaoOoDTfuVhPaJh1dsBidPE3QbM68Z2L9Yr+Zp1dD9gB2Af4AfDTjkVkNob5zsUMkLQ7KbG8LiJ+WXU8ZnXn5GKWSboIWCciXlt1LGZ1t0rVAZh1kfnAlKqDMBsLnFzMnvJCBm/0N7M2uEHfepqkVUhrvRwE7AVcUm1EZmOD21ysJ7TRFVnAImDniLitM1GZjV2+c7FeMZfWyWUF8CBwA3C2V6o0K8N3LmZmVpwb9M3MrDg/FrMxKc8yOxxdO8usWZ34sZiNSWNxllmzOvGdi41VY26WWbM68Z2LmZkV5wZ9MzMrzsnFzMyKc3IxM7PinFzMzKw4JxczMyvu/wPoMkVUPbRHcwAAAABJRU5ErkJggg=="/>
+          <p:cNvSpPr>
+            <a:spLocks noChangeAspect="1" noChangeArrowheads="1"/>
+          </p:cNvSpPr>
+          <p:nvPr/>
+        </p:nvSpPr>
+        <p:spPr bwMode="auto">
+          <a:xfrm>
+            <a:off x="155575" y="-144463"/>
+            <a:ext cx="304800" cy="304801"/>
+          </a:xfrm>
+          <a:prstGeom prst="rect">
+            <a:avLst/>
+          </a:prstGeom>
+          <a:noFill/>
+        </p:spPr>
+        <p:txBody>
+          <a:bodyPr vert="horz" wrap="square" lIns="91440" tIns="45720" rIns="91440" bIns="45720" numCol="1" anchor="t" anchorCtr="0" compatLnSpc="1">
+            <a:prstTxWarp prst="textNoShape">
+              <a:avLst/>
+            </a:prstTxWarp>
+          </a:bodyPr>
+          <a:lstStyle/>
+          <a:p>
+            <a:endParaRPr lang="ru-RU"/>
           </a:p>
         </p:txBody>
       </p:sp>

--- a/slides.pptx
+++ b/slides.pptx
@@ -30,16 +30,18 @@
     <p:sldId id="270" r:id="rId24"/>
     <p:sldId id="272" r:id="rId25"/>
     <p:sldId id="280" r:id="rId26"/>
-    <p:sldId id="279" r:id="rId27"/>
-    <p:sldId id="264" r:id="rId28"/>
-    <p:sldId id="259" r:id="rId29"/>
-    <p:sldId id="260" r:id="rId30"/>
-    <p:sldId id="262" r:id="rId31"/>
-    <p:sldId id="261" r:id="rId32"/>
-    <p:sldId id="263" r:id="rId33"/>
-    <p:sldId id="258" r:id="rId34"/>
-    <p:sldId id="281" r:id="rId35"/>
-    <p:sldId id="257" r:id="rId36"/>
+    <p:sldId id="293" r:id="rId27"/>
+    <p:sldId id="292" r:id="rId28"/>
+    <p:sldId id="279" r:id="rId29"/>
+    <p:sldId id="264" r:id="rId30"/>
+    <p:sldId id="259" r:id="rId31"/>
+    <p:sldId id="260" r:id="rId32"/>
+    <p:sldId id="262" r:id="rId33"/>
+    <p:sldId id="261" r:id="rId34"/>
+    <p:sldId id="263" r:id="rId35"/>
+    <p:sldId id="258" r:id="rId36"/>
+    <p:sldId id="281" r:id="rId37"/>
+    <p:sldId id="257" r:id="rId38"/>
   </p:sldIdLst>
   <p:sldSz cx="9144000" cy="6858000" type="screen4x3"/>
   <p:notesSz cx="6858000" cy="9144000"/>
@@ -323,7 +325,7 @@
             <a:fld id="{C2263E29-338E-49D6-9AED-D5FCECFDFDCF}" type="datetimeFigureOut">
               <a:rPr lang="ru-RU" smtClean="0"/>
               <a:pPr/>
-              <a:t>04.06.2022</a:t>
+              <a:t>05.06.2022</a:t>
             </a:fld>
             <a:endParaRPr lang="ru-RU"/>
           </a:p>
@@ -490,7 +492,7 @@
             <a:fld id="{C2263E29-338E-49D6-9AED-D5FCECFDFDCF}" type="datetimeFigureOut">
               <a:rPr lang="ru-RU" smtClean="0"/>
               <a:pPr/>
-              <a:t>04.06.2022</a:t>
+              <a:t>05.06.2022</a:t>
             </a:fld>
             <a:endParaRPr lang="ru-RU"/>
           </a:p>
@@ -667,7 +669,7 @@
             <a:fld id="{C2263E29-338E-49D6-9AED-D5FCECFDFDCF}" type="datetimeFigureOut">
               <a:rPr lang="ru-RU" smtClean="0"/>
               <a:pPr/>
-              <a:t>04.06.2022</a:t>
+              <a:t>05.06.2022</a:t>
             </a:fld>
             <a:endParaRPr lang="ru-RU"/>
           </a:p>
@@ -834,7 +836,7 @@
             <a:fld id="{C2263E29-338E-49D6-9AED-D5FCECFDFDCF}" type="datetimeFigureOut">
               <a:rPr lang="ru-RU" smtClean="0"/>
               <a:pPr/>
-              <a:t>04.06.2022</a:t>
+              <a:t>05.06.2022</a:t>
             </a:fld>
             <a:endParaRPr lang="ru-RU"/>
           </a:p>
@@ -1077,7 +1079,7 @@
             <a:fld id="{C2263E29-338E-49D6-9AED-D5FCECFDFDCF}" type="datetimeFigureOut">
               <a:rPr lang="ru-RU" smtClean="0"/>
               <a:pPr/>
-              <a:t>04.06.2022</a:t>
+              <a:t>05.06.2022</a:t>
             </a:fld>
             <a:endParaRPr lang="ru-RU"/>
           </a:p>
@@ -1362,7 +1364,7 @@
             <a:fld id="{C2263E29-338E-49D6-9AED-D5FCECFDFDCF}" type="datetimeFigureOut">
               <a:rPr lang="ru-RU" smtClean="0"/>
               <a:pPr/>
-              <a:t>04.06.2022</a:t>
+              <a:t>05.06.2022</a:t>
             </a:fld>
             <a:endParaRPr lang="ru-RU"/>
           </a:p>
@@ -1781,7 +1783,7 @@
             <a:fld id="{C2263E29-338E-49D6-9AED-D5FCECFDFDCF}" type="datetimeFigureOut">
               <a:rPr lang="ru-RU" smtClean="0"/>
               <a:pPr/>
-              <a:t>04.06.2022</a:t>
+              <a:t>05.06.2022</a:t>
             </a:fld>
             <a:endParaRPr lang="ru-RU"/>
           </a:p>
@@ -1896,7 +1898,7 @@
             <a:fld id="{C2263E29-338E-49D6-9AED-D5FCECFDFDCF}" type="datetimeFigureOut">
               <a:rPr lang="ru-RU" smtClean="0"/>
               <a:pPr/>
-              <a:t>04.06.2022</a:t>
+              <a:t>05.06.2022</a:t>
             </a:fld>
             <a:endParaRPr lang="ru-RU"/>
           </a:p>
@@ -1988,7 +1990,7 @@
             <a:fld id="{C2263E29-338E-49D6-9AED-D5FCECFDFDCF}" type="datetimeFigureOut">
               <a:rPr lang="ru-RU" smtClean="0"/>
               <a:pPr/>
-              <a:t>04.06.2022</a:t>
+              <a:t>05.06.2022</a:t>
             </a:fld>
             <a:endParaRPr lang="ru-RU"/>
           </a:p>
@@ -2262,7 +2264,7 @@
             <a:fld id="{C2263E29-338E-49D6-9AED-D5FCECFDFDCF}" type="datetimeFigureOut">
               <a:rPr lang="ru-RU" smtClean="0"/>
               <a:pPr/>
-              <a:t>04.06.2022</a:t>
+              <a:t>05.06.2022</a:t>
             </a:fld>
             <a:endParaRPr lang="ru-RU"/>
           </a:p>
@@ -2512,7 +2514,7 @@
             <a:fld id="{C2263E29-338E-49D6-9AED-D5FCECFDFDCF}" type="datetimeFigureOut">
               <a:rPr lang="ru-RU" smtClean="0"/>
               <a:pPr/>
-              <a:t>04.06.2022</a:t>
+              <a:t>05.06.2022</a:t>
             </a:fld>
             <a:endParaRPr lang="ru-RU"/>
           </a:p>
@@ -2722,7 +2724,7 @@
             <a:fld id="{C2263E29-338E-49D6-9AED-D5FCECFDFDCF}" type="datetimeFigureOut">
               <a:rPr lang="ru-RU" smtClean="0"/>
               <a:pPr/>
-              <a:t>04.06.2022</a:t>
+              <a:t>05.06.2022</a:t>
             </a:fld>
             <a:endParaRPr lang="ru-RU"/>
           </a:p>
@@ -4869,87 +4871,134 @@
           <a:bodyPr/>
           <a:lstStyle/>
           <a:p>
-            <a:r>
-              <a:rPr lang="ru-RU" dirty="0" smtClean="0"/>
-              <a:t>Сравнение </a:t>
-            </a:r>
-            <a:r>
-              <a:rPr lang="en-US" dirty="0" err="1" smtClean="0"/>
-              <a:t>colab</a:t>
-            </a:r>
-            <a:r>
-              <a:rPr lang="en-US" dirty="0" smtClean="0"/>
-              <a:t> </a:t>
-            </a:r>
-            <a:r>
-              <a:rPr lang="ru-RU" dirty="0" smtClean="0"/>
-              <a:t>и </a:t>
-            </a:r>
-            <a:r>
-              <a:rPr lang="en-US" dirty="0" err="1" smtClean="0"/>
-              <a:t>yandex</a:t>
-            </a:r>
-            <a:endParaRPr lang="ru-RU" dirty="0"/>
-          </a:p>
-        </p:txBody>
-      </p:sp>
-      <p:sp>
-        <p:nvSpPr>
-          <p:cNvPr id="3" name="Содержимое 2"/>
-          <p:cNvSpPr>
-            <a:spLocks noGrp="1"/>
-          </p:cNvSpPr>
+            <a:endParaRPr lang="ru-RU"/>
+          </a:p>
+        </p:txBody>
+      </p:sp>
+      <p:pic>
+        <p:nvPicPr>
+          <p:cNvPr id="2050" name="Picture 2"/>
+          <p:cNvPicPr>
+            <a:picLocks noGrp="1" noChangeAspect="1" noChangeArrowheads="1"/>
+          </p:cNvPicPr>
           <p:nvPr>
             <p:ph idx="1"/>
           </p:nvPr>
-        </p:nvSpPr>
-        <p:spPr/>
-        <p:txBody>
-          <a:bodyPr/>
-          <a:lstStyle/>
-          <a:p>
-            <a:r>
-              <a:rPr lang="ru-RU" dirty="0" smtClean="0"/>
-              <a:t>Техническое описание какие карты используются и </a:t>
-            </a:r>
-            <a:r>
-              <a:rPr lang="ru-RU" dirty="0" err="1" smtClean="0"/>
-              <a:t>проч</a:t>
-            </a:r>
-            <a:endParaRPr lang="ru-RU" dirty="0"/>
-          </a:p>
-        </p:txBody>
-      </p:sp>
-      <p:sp>
-        <p:nvSpPr>
-          <p:cNvPr id="11266" name="AutoShape 2" descr="data:image/png;base64,iVBORw0KGgoAAAANSUhEUgAAAZcAAAFuCAYAAABN+1XcAAAABHNCSVQICAgIfAhkiAAAAAlwSFlzAAALEgAACxIB0t1+/AAAADh0RVh0U29mdHdhcmUAbWF0cGxvdGxpYiB2ZXJzaW9uMy4yLjIsIGh0dHA6Ly9tYXRwbG90bGliLm9yZy+WH4yJAAAgAElEQVR4nO3de7ylc93/8debGYQchsJQhhw66WBGZcop5UcH1d1UilJEKrlNk7vC3ElRMiGH0uF2SjW6VbqnEN1ohGjIraKGmMo4lBlGDDMxn98f3+/Osmbtvdfe+7vXta693s/HYz8u17q+32t/1mX2+qzr+p4UEZiZmZW0StUBmJnZ2OPkYmZmxTm5mJlZcU4uZmZWnJOLmZkV5+RiZmbFjas6gG6x4YYbxqRJk6oOY0APPPAAG264YdVhjBm+nmX5epZVh+t54403PhARz2p1zMklmzRpEvPmzas6jAGdcsopHH744VWHMWb4epbl61lWHa6npD/3d8yPxczMrDgnFzMzK87JxczMinNyMTOz4pxczMysOCcXMzMrzsnFzMyKc3IxM7PinFxGkVT2Z9688uesi9Lv29fT17OkOlzPTnNyMTOz4pxczMysOCcXMzMrzsnFzMyKc3IxM7PinFzMzKw4JxczMyvOycXMzIpzcjEzs+KcXMzMrDgnFzMzK87JxczMinNyMTOz4pxczMysOCcXMzMrzsnFzMyKc3IxM7PinFzMzKw4JxczMyvOycXMzIpzcjEzs+KcXMzMrDgnFzMzK87JxczMinNyMTOz4pxczMysOCcXMzMrzsnFzMyKazu5SDpB0v9K+qukxyQtlvQbSZ+RtEE/daZKujiXfUzSLZIOl7TqAL/nTZKukrRE0iOSrpe0/yCx7S/phlx+Sa7/pnbfm5mZlTWUO5fpwFrA5cBXgO8ATwDHALdIek5jYUlvAeYCOwM/Ak4HVgNOBma3+gWSDgXmAC8Gzge+CUwEzpE0q586s4BzgE1y+fOB7YA5+XxmZtZh44ZQdp2IeLz5RUnHAUcCnwY+kl9bh/RB/ySwa0TMy6/PBK4ApknaJyJmN5xnEjALWAxMiYgF+fVjgV8DMyT9ICKua6gzFZgB/AnYISIezK+fCNwIzJL0k75zmZlZZ7R959IqsWTfz9utG16bBjwLmN2XWBrOcXTe/XDTeQ4AVgdOb0wGOWEcn3cPaarTt39cX2LJdRYAZ+TzfaDfN2VmZqOiRIP+m/P2lobXXpu3l7YoPxdYCkyVtHqbdS5pKjOSOmZmNsqG8lgMAEmfANYG1gWmAK8hJZYvNhTbNm/nN9ePiCck3QW8CNgSuK2NOvdKehTYTNKaEbFU0lrApsAjEXFvi1Bvz9tthvL+zMxs5BQRQ6sg3Qds1PDSpcD7I+L+hjLzSY/Jto6IO1qc4xpgKjC1rw1F0nJgPDA+Ip5oUWchqXF/Yk42E4GFwMKI2KxF+fHAcmB5RKzefDyXORg4GGDChAmTZ86c2c4laNu8eYOXGYoNNrifRYs2GrzgEEyZUvR0o6b0tQRfz9J8PcsqfT1H41pOnz79xohofeaIGNYPKcG8DfgjcA+wfcOx+UAAW/VT95p8fMeG15bn18b1U2dhPr5J3p+Y9+/up/z4fHxZO+9n8uTJURqU/dl335OLn7MuSr9vX09fz5LqcD1H530zL6L1Z+qw21wi4v6I+BGwB7ABcF7D4SV5u24/1ftef2gYdZY0bYfyO8zMrANG3KAfEX8GbgVeJGnD/PIf83al9g5J44AtSGNk7mw4NFCdTUhjbO6OiKX59z5KuptZOx9v1td7baU2HDMzG12lpn+ZmLdP5u0Vebtni7I7A2sC10bEsobXB6qzV1OZkdQxM7NR1lZykbSNpJUeP0laJQ+ifDYpWfSNNbkQeADYR9KUhvJrAJ/Pu19rOt3ZwDLg0Dygsq/O+qRBmgBnNtXp2z8ql+urMwn4aD7f2e28RzMzK6fdrshvAL4g6ZfAXcAiUoP+LqTuxPcBB/UVjoiHJR1ESjJXSZpNGnm/N6nL8YXABY2/ICLuknQEcCowT9IFpEb+acBmwJejYXR+rnOtpJOAj5OmoLmQNMXMu4AJwMfCo/PNzDqu3eTyc2Ar0piWlwPrAY+S2jO+DZwaEYsbK0TERZJ2AY4C3g6sAdxBSgSn5p4GNNU5TdIC4BPA+0h3VrcCR0fEua0Ci4gZkn5LulM5GFgB3AScGBE/afP9mZlZQW0ll4j4HTDkSSAj4hrSXc9Q6swhTV45lDrnkCavNDOzLuD1XMzMrDgnFzMzK87JxczMinNyMTOz4pxczMysOCcXMzMrzsnFzMyKc3IxM7PinFzMzKw4JxczMyvOycXMzIpzcjEzs+KcXMzMrDgnFzMzK87JxczMinNyMTOz4pxczMysOCcXMzMrzsnFzMyKc3IxM7PinFzMzKw4JxczMyvOycXMzIpzcjEzs+KcXMzMrDgnFzMzK87JxczMinNyMTOz4pxczMysOCcXMzMrzsnFzMyKc3IxM7PinFzMzKw4JxczMyvOycXMzIpzcjEzs+KcXMzMrDgnFzMzK87JxczMinNyMTOz4pxczMysOCcXMzMrzsnFzMyKayu5SNpA0gcl/UjSHZIek7RE0i8lHSip5XkkTZV0saTFuc4tkg6XtOoAv+tNkq7K539E0vWS9h8kvv0l3ZDLL8n139TOezMzs/LavXN5B/BN4JXA9cApwA+AFwPfAr4vSY0VJL0FmAvsDPwIOB1YDTgZmN3ql0g6FJiTz3t+/p0TgXMkzeqnzizgHGCTXP58YDtgTj6fmZl12Lg2y80H9gZ+GhEr+l6UdCRwA/B24N9ICQdJ65A+6J8Edo2Iefn1mcAVwDRJ+0TE7IZzTQJmAYuBKRGxIL9+LPBrYIakH0TEdQ11pgIzgD8BO0TEg/n1E4EbgVmSftJ3LjMz64y27lwi4oqImNOYWPLr9wFn5t1dGw5NA54FzO5LLLn848DReffDTb/mAGB14PTGZJATxvF595CmOn37x/UlllxnAXBGPt8HBn+HZmZWUokG/X/m7RMNr702by9tUX4usBSYKmn1Nutc0lRmJHXMzGyUjSi5SBoHvC/vNn7Ab5u385vrRMQTwF2kR3JbtlnnXuBRYDNJa+bfvRawKfBIPt7s9rzdpq03Y2ZmxSgihl85NabPAC6OiDc2vD4f2BrYOiLuaFHvGmAqMLWvDUXScmA8MD4noOY6C0mN+xMj4l5JE4GFwMKI2KxF+fHAcmB5RKzefDyXORg4GGDChAmTZ86cOaT3P5h58wYvMxQbbHA/ixZtVPScU6YUPd2oKX0twdezNF/Pskpfz9G4ltOnT78xIlqfOSKG9QMcBgRwGzCh6dj8fGyrfupek4/v2PDa8vzauH7qLMzHN8n7E/P+3f2UH5+PL2vn/UyePDlKg7I/++57cvFz1kXp9+3r6etZUh2u5+i8b+ZFtP5MHdZjsdzF9yvArcBuEbG4qciSvF23n1P0vf7QMOosadoO5XeYmVkHDDm5SDocOA34HSmx3Nei2B/zdqX2jtxOswWpA8CdbdbZBFiLdJeyFCAiHiXdzaydjzfbOm9XasMxM7PRNaTkIumTpEGQN5MSy9/6KXpF3u7Z4tjOwJrAtRGxrM06ezWVGUkdMzMbZW0nlzwA8oukwYm7R8QDAxS/EHgA2EfSvxp7JK0BfD7vfq2pztnAMuDQPKCyr876wJF598ymOn37R+VyfXUmAR/N5zt74HdmZmaltTVCP8/tdSxpxP3VwGFNs70ALIiIcwAi4mFJB5GSzFWSZpNG3u9N6nJ8IXBBY+WIuEvSEcCpwDxJF5Aa+acBmwFfjobR+bnOtZJOAj4O3CLpQtIUM+8CJgAfC4/ONzPruHanf9kib1cFDu+nzC9Ic3wBEBEXSdoFOIo0PcwawB2kRHBq7mnwNBFxmqQFwCdI42dWIXUaODoizm31SyNihqTfku5UDgZWADcBJ0bET9p8f2ZmVlBbySUijgGOGerJI+Ia4A1DrDOHNHnlUOqcQ0NiMzOzank9FzMzK87JxczMinNyMTOz4pxczMysOCcXMzMrzsnFzMyKc3IxM7PinFzMzKw4JxczMyvOycXMzIpzcjEzs+KcXMzMrDgnFzMzK87JxczMinNyMTOz4pxczMysOCcXMzMrzsnFzMyKc3IxM7PinFzMzKw4JxczMyvOycXMzIpzcjEzs+KcXMzMrDgnFzMzK87JxczMinNyMTOz4pxczMysOCcXMzMrzsnFzMyKc3IxM7PinFzMzKw4JxczMyvOycXMzIpzcjEzs+KcXMzMrDgnFzMzK87JxczMinNyMTOz4pxczMysOCcXMzMrzsnFzMyKayu5SJom6TRJV0t6WFJIOn+QOlMlXSxpsaTHJN0i6XBJqw5Q502SrpK0RNIjkq6XtP8gv2d/STfk8kty/Te1877MzGx0tHvncjRwKPAyYOFghSW9BZgL7Az8CDgdWA04GZjdT51DgTnAi4HzgW8CE4FzJM3qp84s4Bxgk1z+fGA7YE4+n5mZVaDd5DId2AZYB/jwQAUlrUP6oH8S2DUiDoyII0iJ6TpgmqR9mupMAmYBi4EpEfHRiJgOvAT4EzBD0o5NdaYCM/Lxl0TE9Ij4KDA5n2dWPq+ZmXVYW8klIq6MiNsjItooPg14FjA7IuY1nONx0h0QrJygDgBWB06PiAUNdR4Ejs+7hzTV6ds/Lpfrq7MAOCOf7wNtxGtmZoWNRoP+a/P20hbH5gJLgamSVm+zziVNZUZSx8zMOmA0ksu2eTu/+UBEPAHcBYwDtmyzzr3Ao8BmktYEkLQWsCnwSD7e7Pa83WY4b8DMzEZG7T3paqgg7QpcCXwnIvZrcXw+sDWwdUTc0eL4NcBUYGpEXJdfWw6MB8bnBNRcZyGpcX9iRNwraSKpY8HCiNisRfnxwHJgeUSs3ny8odzBwMEAEyZMmDxz5szB3v6QzJs3eJmh2GCD+1m0aKOi55wypejpRk3pawm+nqX5epZV+nqOxrWcPn36jRHR+swRMaQfYFcggPP7OT4/H9+qn+PX5OM7Nry2PL82rp86C/PxTfL+xLx/dz/lx+fjy9p9X5MnT47SoOzPvvueXPycdVH6fft6+nqWVIfrOTrvm3kRrT9TR+Ox2JK8Xbef432vPzSMOkuatkP5HWZm1iGjkVz+mLcrtXdIGgdsATwB3NlmnU2AtUh3KUsBIuJR0t3M2vl4s63zdqU2HDMzG32jkVyuyNs9WxzbGVgTuDYilrVZZ6+mMiOpY2ZmHTAayeVC4AFgH0n/auiRtAbw+bz7taY6ZwPLgEMbBz5KWh84Mu+e2VSnb/+oXK6vziTgo/l8Zw//bZiZ2XCNa6eQpLcCb827G+ftjpLOyf/9QER8AiAiHpZ0ECnJXCVpNmnE/N6kLscXAhc0nj8i7pJ0BHAqME/SBaRG/mnAZsCXI/csa6hzraSTgI8Dt0i6kDTFzLuACcDHomFAppmZdU5byYU0dcv+Ta9tyVNjVf4MfKLvQERcJGkX4Cjg7cAawB2kRHBq7mXwNBFxmqQF+TzvI91V3QocHRHntgoqImZI+i3pTuVgYAVwE3BiRPykzfdmZmaFtZVcIuIY4JihnDgirgHeMMQ6c0iTVw6lzjmkySvNzKxLeD0XMzMrzsnFzMyKc3IxM7PinFzMzKw4JxczMyvOycXMzIpzcjEzs+KcXMzMrDgnFzMzK87JxczMinNyMTOz4pxczMysOCcXMzMrzsnFzMyKc3IxM7PinFzMzKw4JxczMyvOycXMzIpzcjEzs+KcXMzMrDgnFzMzK87JxczMinNyMTOz4pxczMysOCcXMzMrzsnFzMyKc3IxM7PinFzMzKw4JxczMyvOycXMzIpzcjEzs+KcXMzMrDgnFzMzK87JxczMinNyMTOz4pxczMysOCcXMzMrzsnFzMyKc3IxM7PinFzMzKw4JxczMyvOycXMzIobE8lF0maSzpJ0j6RlkhZIOkXS+lXHZmbWi8ZVHcBISXoecC3wbODHwB+AVwD/Duwp6dURsajCEM3Mes5YuHP5KimxHBYRb42IT0XEa4GTgW2B4yqNzsysB9U6ueS7lj2ABcAZTYc/AzwKvFfSWh0Ozcysp9U6uQC75e1lEbGi8UBE/AO4BlgTeFWnAzMz62V1Ty7b5u38fo7fnrfbdCAWMzPLFBFVxzBskr4BHAQcFBHfanH8OOBI4MiI+EKL4wcDB+fdbYE/jmK4JWwIPFB1EGOIr2dZvp5l1eF6bh4Rz2p1oPa9xUYiIr4BfKPqONolaV5ETKk6jrHC17MsX8+y6n496/5YbEnertvP8b7XH+pALGZmltU9ufQ9xuqvTWXrvO2vTcbMzEZB3ZPLlXm7h6SnvRdJzwReDSwFftXpwEZJbR7h1YSvZ1m+nmXV+nrWukEfQNLPSGNdDouI0xpePwmYDnw9Ig6pKj4zs140FpJL8/QvtwGvJI2BmQ9M9fQvZmadVfvkAiDpOcCxwJ7ABsC9wI+Az0bEg1XGZmbWi8ZEcjEzs+5S9wZ9MzPrQk4uZmZWnJOL9QRJ/yNpL0mqOhazXuA2ly4h6T+HWTUi4nNFgxmDJK0AAvgr8E3gvyLivmqjqg9JZw2zakTEgUWDGeMkbQZsCqze6nhEzO1sRMPj5NIl8odfs8b/OWrxukh/vKuOWmBjhKTtgUOAfYC1gX8Cc0jjoC6vMrY66OffZzv877NNkvYgLXL4/IHK1eV6Orl0CUm7tHh5OvAG4DvAVcB9wMakMTzvAX4KnBIRv+hQmLUnaW1gX9Js2C8nJeq7SKOhz46Iv1cYXteStPlw60bEn0vGMhZJehUwF/g7cCHwMeAXpCmudgJeAPwP8JuI+GxVcQ6Fk0uXkvQ+4GvAThFxU4vjU0j/GD8UEd/udHxjgaTJwIdIdzNrke5mLgLOjIirKgzNeoykH5O+ND4/Iu7Jd4rHRMSxuZ3ws8DHgVdGxO+rjLVdTi5dStJvSN9SDhigzDnASyJi+44FNgZJmgpcQHrODelu5lZgZkRcVFlg1jMk/Y20ou5+eX8FcGxEHNNQ5tfAnyNiWjVRDo17i3WvbUkzDQzkHp5ajdOGQNIakvaXdC1wNSmx/B9wOPBtYCvgB5I+VmGYtSBpVUkbSXpuq5+q46uJdYG/NOwvJ91NN7oG2LljEY1QTy8W1uUeJs3qPJDXAI90IJYxQ9ILSY/C3kv6g14OfBf4WkRc21BuJnAZ6VHEaS1O1fMkbQd8kfQ4p2XPJtJdoD9nBvc3YP2m/ec1lRkPPKNjEY2Q71y610+BnSTNyssH/IukZ0r6Min5zKkkupqR9F5JVwO/JTWWPgh8GnhORLy3MbEARMRfSY/KntPxYGtA0gtIE8buDFxO6rl4S/7vRXn/KtJdoA1uPk9PJr8CXi9pGwBJGwNvB26vILZhcZtLl5L0bOA6YBLwD+Bm4H5gI+BlwDrAnaRZn/9WUZi1kZ9hrwAuIXWUuCQG+ccv6d3AwRGxWwdCrBVJ3yF92O0QEb9taoBeCziV1NPxFTlR2wAkHQF8HtgkIhZLejWpt9gyUvvf1sAzgQ9ExHnVRdo+J5cuJmkD4AukbsdrNhxaSuqefKSXE2iPpONJY1rcLbYASQuB6/oal3Ny+WxfN1lJ40h3MjdExPsrC7QmJK1D6m58a0T8I7/2NuBzpDuaBcDJEVGbBcScXGog/6E+n9RGsAT4Q0Q8UW1U9ZIblh+KiIcHKPNMYP2I+Et/ZSyRtAw4KSI+nfeXkz78PtlQ5gzgbRExsaIwrUJuc6mBiHgiIn4XEdfkrRPL0N0F/PsgZQ7L5Wxwi0kzHfR5AGjuGbac9IXIepCTi/UK8fQpdGxk/kRqD+xzI6kB+tkAud3lLThZ9yx3EewSkq4gddvcPyLuzvvtiIjYfRRD6yUbA49WHURNXAb8h6S1IuJR4EzgjcBv8tihycDmwIwKY+xaku4k/b2/LiLuyvvtiIho7qLclZxcuseupH9sazbst8ONZv3IU+g0elmL1wBWJT3S2Y/UVdkG903SvFfPAB6NiJ9Kmg58htSLbClwAqnXmK1sFZ7+t9u835/a3H27Qd/GrIZp9gctmrdLgX+LiMtGL6qxTdKqwIbA3wbr6m1jm5OLjVmS9u/7T+As0qSUP25R9EnSwL/rIuKhDoVnNqY5uXQpSW8ALo2I4a6jYQ0kXUmaUr8WA9DM6s7JpUvlRzr3kgZLnhcRv6s4JLOnySsmTifNGLEZae6rZrVpgO4GeSmNV5DmGWu1KFhtVp51culSkr4GvJP0jyyAm4Bzge95VL5VTdKuwMXAGsATpKmJWo6/iogtOhdZPeUR+j8kTQI6UKN9bVb2dHLpYpJWI40V2B/Yg/RN5p+kP+pzgIs9oLK1XujqWSVJNwAvBQ4EvuvHtyMj6evAQaTlH84G/kr/yboWK886udREHpy2HynRbEf64FxE+sM+vMrYupGkBaRr9NqcXPr2B+Vv2oOT9BhwgecNK0PSfcDdpIk+x0SidnKpIUkvBd4PfAQYV5fbZBs7JN0DzI6Ij1cdy1iQk/XpEXFE1bGU4ulfaiav7/BO4N9o3YBq1gk/AXapOogx5HbSchpjhpNLDUhaT9Ihkq4DbiMtcrUu8F/UaNlTG1OOBNaVdEaeR8xG5gzgzZI2rTqQUvxYrEtJWgXYi9TG8mZgNVKbwRWkxvwfRsTjlQVYM5KOJk1NsnlE3NPi+KakSRZnRsQJnY6vjiRtBVxP+rc5n7QcRDPPfdeGvCTEicArgc+SJgJtOaC3LktCOLl0qdzA9yxSt8T5pG7I50XEwkoDqylJ1wMPR8TrByjzM2CdiNixc5HVk6QXAVeSpnoZSG26zlapYaoiMXDHk4iIWswJWYsge9QapMkBz4mIX1UdzBiwFXD+IGVuJfXIs8GdBGwA/Cfpi889EfFktSHV2nmMsUlonVy610YRsazqIMaQZ5AmphzI46R1ym1wO5IezX6+6kDGgrHYpdvJpUs1J5a8BO96wJKBluq1ft0NvGqQMq8C/NixPctJ67qbteTeYl1M0jhJn5J0B6lxbwHwoKQ78uv+ctC+S4GdJb2r1UFJ+5C61l7S0ajq6yrSHFhWmKTNJL1Z0nsl7Z3ncKsdN+h3qTz1y6WkD7wgffO+F9iENEmgSFNF7BERy6uKsy5yb7BbSHd/PyZd24XApqReeXsDDwIvi4i7q4qzLiRtSeop9mXgBK/dMnKSNge+DrTqdHI5cEhELOhoUCPg5NKlJH0KOJ40WG1GRNzecOx5pD/qNwNHRcQXq4myXvKMs/9NWn638R++SHeF74iIGysIrXYknQVsQRpntQC4mf67Ih/YwdBqSdLGwK9JX3YWAHN56svkTqRrfQ8wJSLuqyjMIXFy6VKSbsn/+bJWcw3lcTA3k/4fbtfR4GpM0nhSUn4V6S7mIeBXwJyI+GeVsdVJ7jrbDndFboOkM4APA58ETmrseZdX95wOfAn4akQcWk2UQ+Pk0qUkLQVOi4hPDlDmBOBjEbFm5yIz+9cjnLZExJ9HM5axIE+s+oeI2HOAMpcCz4+ISZ2KayTcINy9lgNrD1JmLdIU/GadtjlpUOrNVQcyRmxMWhhwIDcCu45+KGU4uXSvW4Bpko6JiL83H5S0ITAN+L+OR1ZjklYHdiA92169VRkvhdyWK0mNzx+pOpAxYgkpYQ/kubRu1+pKTi7d63RgNnCDpM+T/pjvJX3D2RU4mjQ9zGFVBVg3kg4gPbdev78ipIZ+J5fBPQA8VnUQY8gvSV8mvxoR1zYflPRK4B3ATzse2TC5zaWLSToe+BStp4UQ8KWI+FRno6onSXuSVvD8PXAWqbfdRcANpGS9B6kn2cURcW5FYdaGpAuA53oetjIkbQ9cS1ptdjYrf5l8N7ACeHVdejQ6uXQ5Sa8iLSX7ctI0+0uA3wBnRcR1VcZWJ5IuB14GbBkR/8i9nY6JiGPz8QOBM4HdIuKXFYZaC5K2Jo1zOQM41j3tRk7Sm0jztK3Pyl3lFwMHRMT/VBHbcDi5WE+QtAj4cUQckPdXkD4Uj2kocxXwWETsVUmQNZLHuWwFvBq4n9T2dx8r32V7nMsQ5LVx3gJsz9O/TF4UEY9WGdtQuc2lS0l6B6nf+34DrD9yHnBGRPyw0/HV0Fqkxwx9HgfWaSozDzigYxHV2/sb/nvj/NNKkO68rQ05gXw3/9Sak0v3+iCwXqvEAhARCyWtm8s5uQyub32cPvcC2zaVWZf0zNsGt0XVAVh3c3LpXtuRpn4ZyK9Jo81tcL/n6cnkamAfSTtFxNWSXgy8M5ezQXhg5OiQ9BLgpaT5A8e3KBIR8bnORjU8Ti7dawLwt0HKLGLwlQAtuQQ4RdLEfDf4JVLXzqskLSZdbwFen8Q6TtIE4NtA3wh99VM0ACcXG5EHgK0HKbM1/ayzbSv5Oqmr8YMAEXGrpN1J44WeR2pvOSUiflZdiPWTezN+kNSbcT1SA/SNwNmtxmtYv04hzc79c9KKqQuBJyqNaITcW6xL5XEEewMvj4g/tDj+AlIvkjkR8Y5Ox2eWB/d+mtbfsoM0Ff+RnY2qnvLd860R8ZqqYynFi4V1r1mkO8tfSjpM0jaS1srbfye1Gayay5l1VO7NeCTwF9Kdy5akpaS3zPt/AT4p6Z2VBVkvq5IGUY4ZvnPpYpIOIg1Sa9WD6UngIxHxrc5GVW+SJgHvZeVBqedHxF3VRVYvkuaSHstuFxEPtDi+IfA74I8RsUun46sbSVcCiyJiWtWxlOLk0uXy46+PAK/k6euPfC0ibqsytrqRNAM4jtQLp/lRzj+BT0fESR0PrIYkLQHOi4iPDVDmNOB9EbFu5yKrJ0mvJU1P9LqxMkOEG/S7XE4g/f4BW3skvRs4kdSgfyppDfj7SIP/diNNAHqipIURcUFVcdbIOGDpIGWW4s+YtkTEFZL2AX4k6SfATfQzA3JdZu32nYv1BEnzSAP/tm81RkPSFqReTn+KiB06HV/d5JVSVyU9FutvpdT/I43LeEmn46sbSauRejS+l6fawps/nEWNVvb0twrrFS8Ezu1v8F9E3CXpv0l/3Da47wLHA/50L7kAAAkFSURBVD+W9PGIuL3vgKTnke4SXwgcVVF8dfMFYH/gVuAC4B5q3hXZycV6xT8YfEzQg8DDHYhlLDiJNODvjcBeku7hqSniNyV9+/5lLmeD2wf4LbBDRCyvOpgS3BXZesVlwP/r76AkkdZ0uaxjEdVY/gB8PenO5C7SdCU7AM/J+0cBu4+VD8oOWA+4bCxdL7e5WE+QtAlpHMGvgE81Ph6T9FzgBFKPvKkRcV81UdaXpLXJXbsj4pGq46mb3Cb4h4jYr+pYSnFysZ4g6QrSIkwvIY0R+gtpHZKNSGuTrwrcQp4epkFExO4dDNV6UO7N+E1Sh5P5VcdTgpOL9YS8ONhw1KZ3TqdJ2gU4AngFKXG3esweEeG23UFI2pnUHX534Cuknov9dUWe28HQhs3JxcyGTNIbgYtId3x/Af5KP72bImK3DoZWS/nLT/DU4N5+P5jr8mXH3yjMbDiOIc1q8MaIcCeIkTuWARJKHfnOxcyGTNJjwOyI+EDVsVh3cldk6ymS9pH0c0mLJD0habGky/PUG9a+R4DFVQdh3ct3LtYT8jiW84D3kJ5rP0lakG1DUrtBkL6J71tZkDUiaTbw3IiYWnUs1p2cXKwnSDoE+CqpF84ngV9ExJOSVgV2Ab4ITAY+GhFnVhdpPUjaHLgBOA04LvxBMiK5q3w7atM13snFeoKkG0h3KS+KiMdaHH8Gaf2RxZ64cnCSzgImkRLzn4GbaT29TkTEgR0MrZba6Crf15OsNl3jnVysJ0h6BPh6RMwYoMyXgQ9FxNqdi6yehjBuqDYfht1I0rqkaXVOAOYD+0XEk9VG1R53RbZe0TiGoD+DHbenbFF1AL0gIpYAP5f0etKd9QzgS9VG1R7fuVhPyI/Fng28YIDHYr8HHoiIV3Q6PrPBSPoWsHNEbFN1LO1wV2TrFWeR5hCbK2l3SeMAJK0qaTfgSmDzXM6sGz1M+jdcC75zsZ6QuyKfD7yb9IhsBWmcxgTSlywB348Ij3exrpPvrG8GnhERtUgwbnOxnpC7yu6b1yc/AHg5KbEsAX4DnBUR36swROthkt7Xz6FxpDVy3gNsBczqWFAj5DsXM7OKNUxcudKhvF0BfAf4YET8s2OBjYDvXMwGIOkzwExPG2+jrL852laQ1hiaV7dF7PwHYzY4d1G2URUR51YdQ2nuLWZmZsX5zsXMrEtIegmp8f4FwFoR8br8+iTSip+XR0TzUtxdycnFzKwLSDoWOJKnnig1NvCvAnwPOJw0WWjX82MxM7OK5fWEjgYuB14GfKHxeETcCcwD9u58dMPj5GJmVr3DgDuAt0TELcDyFmVuA7buaFQj4ORiZla97YCfRUSrpNLnHmCjDsUzYk4uZmbVE2lMy0A2Ah7vQCxFOLmYmVXvdqDfJaMlrQK8hjRzdy04uZgN7CLSXGRmo+n7wPaS+lvM7kjS3GLf7VxII+O5xczMKpZnPb4GeCmpV1iQVqA8GdgJmAL8CtglIp6oKs6hcHKxniDpzjaKrSCtmXEb8MOI+MHoRmX2lLyk8VeAfYHGpaH7Jq08NCL+UUVsw+HkYj1B0gLSoOGJ+aUngEXABjw1mPgeYB1gbdI3x4uBt9ZlzXIbGyRNIN21bEBaEuKGiPh7tVENnZOL9QRJ65AGqD0OfBr4VUSsyA2lOwLHA6sDrwc2Bk4B9gSOiIiTqonarL6cXKwnSDqNlDhe3OqZtaTVgFuAyyLiMElrAn8A/h4RkzsbrVn9eW4x6xVvA77bX2NoRCyXNIe0DPJhEbFU0v8C0zoZpPWu/DjsANIElevz9HaXPhERu3c0sGFycrFesQGw2iBlxudyfe7DfyPWAZKeD1wFPIuB1w+qzaMmj3OxXnEn8HZJz2x1MLfJvB24q+HlTYDFHYjNbBbwbOAEYEtgfESs0uKn1d1MV3JysV7xDWBT4HpJ+0qaJOkZebsfcD2pJ9nXASQJ2BW4uaqArafsBPw0Io6MiAVjoYeib/mtJ0TEVyRtCxwCnNeiiIBvRMRX8v6zSetnXN6hEK23Cbi16iBKcm8x6ymSXgO8n7RmxrqkQZO/Ac6LiLkVhmY9TNKVwJKIeGvVsZTi5GJmVjFJuwE/A/aIiKsqDqcIPxYzM6vec4AfA5dJ+h5wI/BQq4IR0eqxbtfxnYv1FEmrAtvS/zgC/HjMOk3SClI348ZuyM0fziKNc6lFjzHfuVjPkDQTmE5qaxlILf54bUz5QNUBlObkYj1B0n8AnyVNBPht4K+kySvNKhcR51YdQ2l+LGY9QdLtwBrA9nWcYdZ6g6S1SVMVvZx0h70EuAm4KCIeqTK2ofKdi/WK5wDfdGKxbiXpHcCZwHqs3PbykKQPRcSFlQQ3DE4u1ivux//erUtJej1p0O4K0iDfq0hz220M7Aa8B/iepIci4udVxTkUfixmPUHSiaTHDS+KiGVVx2PWSNLVwPbAThFxU4vjU4C5wLyI2LnT8Q2Hk4v1hLw+y89IYwcOi4i7Bqli1jGSHgG+HxEHDFDmHGBaRKzdscBGwI8JrFf8jjSl/kTgDZKW0HqQWkTE8zoamRksA+4dpMw9uVwtOLlYr1iF1PX4Lw2vtVo3Y6C1NMxGy9XAqwcp82rSo7Fa8GMxM7OK5Rm7ryMtDfG5iHi04dhawGeAA4GpEfHHaqIcGicXM7OKSTqLtEjYTjw1tuV+YCNSQ/+6pLuW5rbCiIgDOxhq25xczMwqlucWG46unWvMbS7WEyS9r92ydZl11saULaoOoDTfuVhPaJh1dsBidPE3QbM68Z2L9Yr+Zp1dD9gB2Af4AfDTjkVkNob5zsUMkLQ7KbG8LiJ+WXU8ZnXn5GKWSboIWCciXlt1LGZ1t0rVAZh1kfnAlKqDMBsLnFzMnvJCBm/0N7M2uEHfepqkVUhrvRwE7AVcUm1EZmOD21ysJ7TRFVnAImDniLitM1GZjV2+c7FeMZfWyWUF8CBwA3C2V6o0K8N3LmZmVpwb9M3MrDg/FrMxKc8yOxxdO8usWZ34sZiNSWNxllmzOvGdi41VY26WWbM68Z2LmZkV5wZ9MzMrzsnFzMyKc3IxM7PinFzMzKw4JxczMyvu/wPoMkVUPbRHcwAAAABJRU5ErkJggg=="/>
-          <p:cNvSpPr>
-            <a:spLocks noChangeAspect="1" noChangeArrowheads="1"/>
-          </p:cNvSpPr>
-          <p:nvPr/>
-        </p:nvSpPr>
+        </p:nvPicPr>
+        <p:blipFill>
+          <a:blip r:embed="rId2" cstate="print"/>
+          <a:srcRect/>
+          <a:stretch>
+            <a:fillRect/>
+          </a:stretch>
+        </p:blipFill>
         <p:spPr bwMode="auto">
           <a:xfrm>
-            <a:off x="155575" y="-144463"/>
-            <a:ext cx="304800" cy="304801"/>
+            <a:off x="755576" y="1772816"/>
+            <a:ext cx="2423160" cy="1059180"/>
           </a:xfrm>
           <a:prstGeom prst="rect">
             <a:avLst/>
           </a:prstGeom>
           <a:noFill/>
+          <a:ln w="9525">
+            <a:noFill/>
+            <a:miter lim="800000"/>
+            <a:headEnd/>
+            <a:tailEnd/>
+          </a:ln>
         </p:spPr>
-        <p:txBody>
-          <a:bodyPr vert="horz" wrap="square" lIns="91440" tIns="45720" rIns="91440" bIns="45720" numCol="1" anchor="t" anchorCtr="0" compatLnSpc="1">
-            <a:prstTxWarp prst="textNoShape">
-              <a:avLst/>
-            </a:prstTxWarp>
-          </a:bodyPr>
-          <a:lstStyle/>
-          <a:p>
-            <a:endParaRPr lang="ru-RU"/>
-          </a:p>
-        </p:txBody>
-      </p:sp>
+      </p:pic>
+      <p:pic>
+        <p:nvPicPr>
+          <p:cNvPr id="5" name="Рисунок 4"/>
+          <p:cNvPicPr/>
+          <p:nvPr/>
+        </p:nvPicPr>
+        <p:blipFill>
+          <a:blip r:embed="rId3" cstate="print"/>
+          <a:srcRect/>
+          <a:stretch>
+            <a:fillRect/>
+          </a:stretch>
+        </p:blipFill>
+        <p:spPr bwMode="auto">
+          <a:xfrm>
+            <a:off x="4716016" y="1844824"/>
+            <a:ext cx="2979420" cy="1219200"/>
+          </a:xfrm>
+          <a:prstGeom prst="rect">
+            <a:avLst/>
+          </a:prstGeom>
+          <a:noFill/>
+          <a:ln w="9525">
+            <a:noFill/>
+            <a:miter lim="800000"/>
+            <a:headEnd/>
+            <a:tailEnd/>
+          </a:ln>
+        </p:spPr>
+      </p:pic>
+      <p:pic>
+        <p:nvPicPr>
+          <p:cNvPr id="6" name="Рисунок 5"/>
+          <p:cNvPicPr/>
+          <p:nvPr/>
+        </p:nvPicPr>
+        <p:blipFill>
+          <a:blip r:embed="rId4" cstate="print"/>
+          <a:srcRect/>
+          <a:stretch>
+            <a:fillRect/>
+          </a:stretch>
+        </p:blipFill>
+        <p:spPr bwMode="auto">
+          <a:xfrm>
+            <a:off x="4644008" y="3717032"/>
+            <a:ext cx="3803704" cy="1574800"/>
+          </a:xfrm>
+          <a:prstGeom prst="rect">
+            <a:avLst/>
+          </a:prstGeom>
+          <a:noFill/>
+          <a:ln w="9525">
+            <a:noFill/>
+            <a:miter lim="800000"/>
+            <a:headEnd/>
+            <a:tailEnd/>
+          </a:ln>
+        </p:spPr>
+      </p:pic>
+      <p:pic>
+        <p:nvPicPr>
+          <p:cNvPr id="7" name="Рисунок 6"/>
+          <p:cNvPicPr/>
+          <p:nvPr/>
+        </p:nvPicPr>
+        <p:blipFill>
+          <a:blip r:embed="rId5" cstate="print"/>
+          <a:srcRect/>
+          <a:stretch>
+            <a:fillRect/>
+          </a:stretch>
+        </p:blipFill>
+        <p:spPr bwMode="auto">
+          <a:xfrm>
+            <a:off x="683568" y="3573016"/>
+            <a:ext cx="3691467" cy="1467488"/>
+          </a:xfrm>
+          <a:prstGeom prst="rect">
+            <a:avLst/>
+          </a:prstGeom>
+          <a:noFill/>
+          <a:ln w="9525">
+            <a:noFill/>
+            <a:miter lim="800000"/>
+            <a:headEnd/>
+            <a:tailEnd/>
+          </a:ln>
+        </p:spPr>
+      </p:pic>
     </p:spTree>
   </p:cSld>
   <p:clrMapOvr>
@@ -4987,251 +5036,47 @@
         </p:nvSpPr>
         <p:spPr/>
         <p:txBody>
-          <a:bodyPr>
-            <a:noAutofit/>
-          </a:bodyPr>
-          <a:lstStyle/>
-          <a:p>
-            <a:r>
-              <a:rPr lang="ru-RU" sz="1800" b="1" dirty="0" smtClean="0"/>
-              <a:t>Эксперимент</a:t>
-            </a:r>
-            <a:br>
-              <a:rPr lang="ru-RU" sz="1800" b="1" dirty="0" smtClean="0"/>
-            </a:br>
-            <a:r>
-              <a:rPr lang="ru-RU" sz="1800" dirty="0" smtClean="0"/>
-              <a:t>по использованию инновационных технологий в области компьютерного зрения для анализа медицинских изображений и дальнейшего применения в системе здравоохранения города Москвы.</a:t>
-            </a:r>
-            <a:endParaRPr lang="ru-RU" sz="1800" dirty="0"/>
-          </a:p>
-        </p:txBody>
-      </p:sp>
-      <p:sp>
-        <p:nvSpPr>
-          <p:cNvPr id="3" name="Содержимое 2"/>
-          <p:cNvSpPr>
-            <a:spLocks noGrp="1"/>
-          </p:cNvSpPr>
+          <a:bodyPr/>
+          <a:lstStyle/>
+          <a:p>
+            <a:endParaRPr lang="ru-RU" dirty="0"/>
+          </a:p>
+        </p:txBody>
+      </p:sp>
+      <p:pic>
+        <p:nvPicPr>
+          <p:cNvPr id="1026" name="Picture 2"/>
+          <p:cNvPicPr>
+            <a:picLocks noGrp="1" noChangeAspect="1" noChangeArrowheads="1"/>
+          </p:cNvPicPr>
           <p:nvPr>
             <p:ph idx="1"/>
           </p:nvPr>
-        </p:nvSpPr>
-        <p:spPr/>
-        <p:txBody>
-          <a:bodyPr>
-            <a:normAutofit fontScale="32500" lnSpcReduction="20000"/>
-          </a:bodyPr>
-          <a:lstStyle/>
-          <a:p>
-            <a:r>
-              <a:rPr lang="ru-RU" b="1" dirty="0"/>
-              <a:t>Цель</a:t>
-            </a:r>
-            <a:endParaRPr lang="ru-RU" dirty="0"/>
-          </a:p>
-          <a:p>
-            <a:r>
-              <a:rPr lang="ru-RU" dirty="0"/>
-              <a:t>Научное исследование возможности использования в системе здравоохранения города Москвы методов поддержки принятия решений на основе результатов анализа данных с применением передовых инновационных технологий.</a:t>
-            </a:r>
-          </a:p>
-          <a:p>
-            <a:r>
-              <a:rPr lang="ru-RU" dirty="0"/>
-              <a:t> </a:t>
-            </a:r>
-          </a:p>
-          <a:p>
-            <a:r>
-              <a:rPr lang="ru-RU" b="1" dirty="0"/>
-              <a:t>Платформа</a:t>
-            </a:r>
-            <a:endParaRPr lang="ru-RU" dirty="0"/>
-          </a:p>
-          <a:p>
-            <a:r>
-              <a:rPr lang="ru-RU" dirty="0"/>
-              <a:t>Единый радиологический информационный сервис (</a:t>
-            </a:r>
-            <a:r>
-              <a:rPr lang="ru-RU" dirty="0" err="1"/>
-              <a:t>ЕРИС</a:t>
-            </a:r>
-            <a:r>
-              <a:rPr lang="ru-RU" dirty="0"/>
-              <a:t>)</a:t>
-            </a:r>
-          </a:p>
-          <a:p>
-            <a:r>
-              <a:rPr lang="ru-RU" dirty="0"/>
-              <a:t> </a:t>
-            </a:r>
-          </a:p>
-          <a:p>
-            <a:r>
-              <a:rPr lang="ru-RU" b="1" dirty="0"/>
-              <a:t>В цифрах</a:t>
-            </a:r>
-            <a:endParaRPr lang="ru-RU" dirty="0"/>
-          </a:p>
-          <a:p>
-            <a:r>
-              <a:rPr lang="ru-RU" b="1" dirty="0"/>
-              <a:t>550  </a:t>
-            </a:r>
-            <a:r>
-              <a:rPr lang="ru-RU" dirty="0"/>
-              <a:t>единиц оборудования (</a:t>
-            </a:r>
-            <a:r>
-              <a:rPr lang="ru-RU" dirty="0" err="1"/>
-              <a:t>МРТ</a:t>
-            </a:r>
-            <a:r>
-              <a:rPr lang="ru-RU" dirty="0"/>
-              <a:t>/</a:t>
-            </a:r>
-            <a:r>
-              <a:rPr lang="ru-RU" dirty="0" err="1"/>
-              <a:t>ММГ</a:t>
-            </a:r>
-            <a:r>
-              <a:rPr lang="ru-RU" dirty="0"/>
-              <a:t>/КТ/</a:t>
-            </a:r>
-            <a:r>
-              <a:rPr lang="ru-RU" dirty="0" err="1"/>
-              <a:t>РГ</a:t>
-            </a:r>
-            <a:r>
-              <a:rPr lang="ru-RU" dirty="0"/>
-              <a:t>) в отделениях лучевой диагностики амбулаторных и стационарных медицинских организаций Департамента здравоохранения города Москвы.</a:t>
-            </a:r>
-          </a:p>
-          <a:p>
-            <a:r>
-              <a:rPr lang="ru-RU" b="1" dirty="0"/>
-              <a:t>365</a:t>
-            </a:r>
-            <a:r>
-              <a:rPr lang="ru-RU" dirty="0"/>
-              <a:t> врачей-рентгенологов в системе. </a:t>
-            </a:r>
-          </a:p>
-          <a:p>
-            <a:r>
-              <a:rPr lang="ru-RU" b="1" dirty="0"/>
-              <a:t>160 тысяч </a:t>
-            </a:r>
-            <a:r>
-              <a:rPr lang="ru-RU" dirty="0"/>
-              <a:t>лучевых исследований в месяц.</a:t>
-            </a:r>
-          </a:p>
-          <a:p>
-            <a:r>
-              <a:rPr lang="ru-RU" b="1" dirty="0"/>
-              <a:t>44 тысячи</a:t>
-            </a:r>
-            <a:r>
-              <a:rPr lang="ru-RU" dirty="0"/>
-              <a:t> </a:t>
-            </a:r>
-            <a:r>
-              <a:rPr lang="ru-RU" dirty="0" err="1"/>
-              <a:t>скрининговых</a:t>
-            </a:r>
-            <a:r>
-              <a:rPr lang="ru-RU" dirty="0"/>
-              <a:t> исследований с целью выявления рака молочной железы и рака легкого в год.</a:t>
-            </a:r>
-          </a:p>
-          <a:p>
-            <a:r>
-              <a:rPr lang="ru-RU" dirty="0"/>
-              <a:t> </a:t>
-            </a:r>
-          </a:p>
-          <a:p>
-            <a:r>
-              <a:rPr lang="ru-RU" b="1" dirty="0"/>
-              <a:t>Области применения:</a:t>
-            </a:r>
-            <a:endParaRPr lang="ru-RU" dirty="0"/>
-          </a:p>
-          <a:p>
-            <a:r>
-              <a:rPr lang="ru-RU" dirty="0"/>
-              <a:t>онкология;</a:t>
-            </a:r>
-          </a:p>
-          <a:p>
-            <a:r>
-              <a:rPr lang="ru-RU" dirty="0"/>
-              <a:t>кардиология;</a:t>
-            </a:r>
-          </a:p>
-          <a:p>
-            <a:r>
-              <a:rPr lang="ru-RU" dirty="0"/>
-              <a:t>хронические заболевания;</a:t>
-            </a:r>
-          </a:p>
-          <a:p>
-            <a:r>
-              <a:rPr lang="ru-RU" dirty="0"/>
-              <a:t>пульмонология;</a:t>
-            </a:r>
-          </a:p>
-          <a:p>
-            <a:r>
-              <a:rPr lang="ru-RU" dirty="0"/>
-              <a:t>неврология;</a:t>
-            </a:r>
-          </a:p>
-          <a:p>
-            <a:r>
-              <a:rPr lang="ru-RU" dirty="0"/>
-              <a:t>неотложные состояния.</a:t>
-            </a:r>
-          </a:p>
-          <a:p>
-            <a:r>
-              <a:rPr lang="ru-RU" dirty="0"/>
-              <a:t> </a:t>
-            </a:r>
-          </a:p>
-          <a:p>
-            <a:r>
-              <a:rPr lang="ru-RU" dirty="0"/>
-              <a:t>Результаты эксперимента станут основой для национальных стандартов, регламентирующих применение искусственного интеллекта в клинической медицине. Разработка документов ведется в Подкомитете 01 технического комитета по стандартизации «Искусственный интеллект» (</a:t>
-            </a:r>
-            <a:r>
-              <a:rPr lang="ru-RU" dirty="0" err="1"/>
-              <a:t>ТК</a:t>
-            </a:r>
-            <a:r>
-              <a:rPr lang="ru-RU" dirty="0"/>
-              <a:t> 164). </a:t>
-            </a:r>
-            <a:br>
-              <a:rPr lang="ru-RU" dirty="0"/>
-            </a:br>
-            <a:r>
-              <a:rPr lang="ru-RU" u="sng" dirty="0">
-                <a:hlinkClick r:id="rId2"/>
-              </a:rPr>
-              <a:t>Подробнее о деятельности ПК 01</a:t>
-            </a:r>
-            <a:endParaRPr lang="ru-RU" dirty="0"/>
-          </a:p>
-          <a:p>
-            <a:endParaRPr lang="ru-RU" dirty="0"/>
-          </a:p>
-        </p:txBody>
-      </p:sp>
+        </p:nvPicPr>
+        <p:blipFill>
+          <a:blip r:embed="rId2" cstate="print"/>
+          <a:srcRect/>
+          <a:stretch>
+            <a:fillRect/>
+          </a:stretch>
+        </p:blipFill>
+        <p:spPr bwMode="auto">
+          <a:xfrm>
+            <a:off x="1043608" y="2564904"/>
+            <a:ext cx="7052503" cy="1344105"/>
+          </a:xfrm>
+          <a:prstGeom prst="rect">
+            <a:avLst/>
+          </a:prstGeom>
+          <a:noFill/>
+          <a:ln w="9525">
+            <a:noFill/>
+            <a:miter lim="800000"/>
+            <a:headEnd/>
+            <a:tailEnd/>
+          </a:ln>
+        </p:spPr>
+      </p:pic>
     </p:spTree>
   </p:cSld>
   <p:clrMapOvr>
@@ -5269,56 +5114,90 @@
         </p:nvSpPr>
         <p:spPr/>
         <p:txBody>
-          <a:bodyPr>
-            <a:noAutofit/>
-          </a:bodyPr>
-          <a:lstStyle/>
-          <a:p>
-            <a:r>
-              <a:rPr lang="ru-RU" sz="1800" dirty="0"/>
-              <a:t/>
-            </a:r>
-            <a:br>
-              <a:rPr lang="ru-RU" sz="1800" dirty="0"/>
-            </a:br>
-            <a:endParaRPr lang="ru-RU" sz="1800" dirty="0"/>
-          </a:p>
-        </p:txBody>
-      </p:sp>
-      <p:pic>
-        <p:nvPicPr>
-          <p:cNvPr id="2050" name="Picture 2"/>
-          <p:cNvPicPr>
-            <a:picLocks noGrp="1" noChangeAspect="1" noChangeArrowheads="1"/>
-          </p:cNvPicPr>
+          <a:bodyPr/>
+          <a:lstStyle/>
+          <a:p>
+            <a:r>
+              <a:rPr lang="ru-RU" dirty="0" smtClean="0"/>
+              <a:t>Сравнение </a:t>
+            </a:r>
+            <a:r>
+              <a:rPr lang="en-US" dirty="0" err="1" smtClean="0"/>
+              <a:t>colab</a:t>
+            </a:r>
+            <a:r>
+              <a:rPr lang="en-US" dirty="0" smtClean="0"/>
+              <a:t> </a:t>
+            </a:r>
+            <a:r>
+              <a:rPr lang="ru-RU" dirty="0" smtClean="0"/>
+              <a:t>и </a:t>
+            </a:r>
+            <a:r>
+              <a:rPr lang="en-US" dirty="0" err="1" smtClean="0"/>
+              <a:t>yandex</a:t>
+            </a:r>
+            <a:endParaRPr lang="ru-RU" dirty="0"/>
+          </a:p>
+        </p:txBody>
+      </p:sp>
+      <p:sp>
+        <p:nvSpPr>
+          <p:cNvPr id="3" name="Содержимое 2"/>
+          <p:cNvSpPr>
+            <a:spLocks noGrp="1"/>
+          </p:cNvSpPr>
           <p:nvPr>
             <p:ph idx="1"/>
           </p:nvPr>
-        </p:nvPicPr>
-        <p:blipFill>
-          <a:blip r:embed="rId2" cstate="print"/>
-          <a:srcRect/>
-          <a:stretch>
-            <a:fillRect/>
-          </a:stretch>
-        </p:blipFill>
+        </p:nvSpPr>
+        <p:spPr/>
+        <p:txBody>
+          <a:bodyPr/>
+          <a:lstStyle/>
+          <a:p>
+            <a:r>
+              <a:rPr lang="ru-RU" dirty="0" smtClean="0"/>
+              <a:t>Техническое описание какие карты используются и </a:t>
+            </a:r>
+            <a:r>
+              <a:rPr lang="ru-RU" dirty="0" err="1" smtClean="0"/>
+              <a:t>проч</a:t>
+            </a:r>
+            <a:endParaRPr lang="ru-RU" dirty="0"/>
+          </a:p>
+        </p:txBody>
+      </p:sp>
+      <p:sp>
+        <p:nvSpPr>
+          <p:cNvPr id="11266" name="AutoShape 2" descr="data:image/png;base64,iVBORw0KGgoAAAANSUhEUgAAAZcAAAFuCAYAAABN+1XcAAAABHNCSVQICAgIfAhkiAAAAAlwSFlzAAALEgAACxIB0t1+/AAAADh0RVh0U29mdHdhcmUAbWF0cGxvdGxpYiB2ZXJzaW9uMy4yLjIsIGh0dHA6Ly9tYXRwbG90bGliLm9yZy+WH4yJAAAgAElEQVR4nO3de7ylc93/8debGYQchsJQhhw66WBGZcop5UcH1d1UilJEKrlNk7vC3ElRMiGH0uF2SjW6VbqnEN1ohGjIraKGmMo4lBlGDDMxn98f3+/Osmbtvdfe+7vXta693s/HYz8u17q+32t/1mX2+qzr+p4UEZiZmZW0StUBmJnZ2OPkYmZmxTm5mJlZcU4uZmZWnJOLmZkV5+RiZmbFjas6gG6x4YYbxqRJk6oOY0APPPAAG264YdVhjBm+nmX5epZVh+t54403PhARz2p1zMklmzRpEvPmzas6jAGdcsopHH744VWHMWb4epbl61lWHa6npD/3d8yPxczMrDgnFzMzK87JxczMinNyMTOz4pxczMysOCcXMzMrzsnFzMyKc3IxM7PinFxGkVT2Z9688uesi9Lv29fT17OkOlzPTnNyMTOz4pxczMysOCcXMzMrzsnFzMyKc3IxM7PinFzMzKw4JxczMyvOycXMzIpzcjEzs+KcXMzMrDgnFzMzK87JxczMinNyMTOz4pxczMysOCcXMzMrzsnFzMyKc3IxM7PinFzMzKw4JxczMyvOycXMzIpzcjEzs+KcXMzMrDgnFzMzK87JxczMinNyMTOz4pxczMysOCcXMzMrzsnFzMyKazu5SDpB0v9K+qukxyQtlvQbSZ+RtEE/daZKujiXfUzSLZIOl7TqAL/nTZKukrRE0iOSrpe0/yCx7S/phlx+Sa7/pnbfm5mZlTWUO5fpwFrA5cBXgO8ATwDHALdIek5jYUlvAeYCOwM/Ak4HVgNOBma3+gWSDgXmAC8Gzge+CUwEzpE0q586s4BzgE1y+fOB7YA5+XxmZtZh44ZQdp2IeLz5RUnHAUcCnwY+kl9bh/RB/ySwa0TMy6/PBK4ApknaJyJmN5xnEjALWAxMiYgF+fVjgV8DMyT9ICKua6gzFZgB/AnYISIezK+fCNwIzJL0k75zmZlZZ7R959IqsWTfz9utG16bBjwLmN2XWBrOcXTe/XDTeQ4AVgdOb0wGOWEcn3cPaarTt39cX2LJdRYAZ+TzfaDfN2VmZqOiRIP+m/P2lobXXpu3l7YoPxdYCkyVtHqbdS5pKjOSOmZmNsqG8lgMAEmfANYG1gWmAK8hJZYvNhTbNm/nN9ePiCck3QW8CNgSuK2NOvdKehTYTNKaEbFU0lrApsAjEXFvi1Bvz9tthvL+zMxs5BQRQ6sg3Qds1PDSpcD7I+L+hjLzSY/Jto6IO1qc4xpgKjC1rw1F0nJgPDA+Ip5oUWchqXF/Yk42E4GFwMKI2KxF+fHAcmB5RKzefDyXORg4GGDChAmTZ86c2c4laNu8eYOXGYoNNrifRYs2GrzgEEyZUvR0o6b0tQRfz9J8PcsqfT1H41pOnz79xohofeaIGNYPKcG8DfgjcA+wfcOx+UAAW/VT95p8fMeG15bn18b1U2dhPr5J3p+Y9+/up/z4fHxZO+9n8uTJURqU/dl335OLn7MuSr9vX09fz5LqcD1H530zL6L1Z+qw21wi4v6I+BGwB7ABcF7D4SV5u24/1ftef2gYdZY0bYfyO8zMrANG3KAfEX8GbgVeJGnD/PIf83al9g5J44AtSGNk7mw4NFCdTUhjbO6OiKX59z5KuptZOx9v1td7baU2HDMzG12lpn+ZmLdP5u0Vebtni7I7A2sC10bEsobXB6qzV1OZkdQxM7NR1lZykbSNpJUeP0laJQ+ifDYpWfSNNbkQeADYR9KUhvJrAJ/Pu19rOt3ZwDLg0Dygsq/O+qRBmgBnNtXp2z8ql+urMwn4aD7f2e28RzMzK6fdrshvAL4g6ZfAXcAiUoP+LqTuxPcBB/UVjoiHJR1ESjJXSZpNGnm/N6nL8YXABY2/ICLuknQEcCowT9IFpEb+acBmwJejYXR+rnOtpJOAj5OmoLmQNMXMu4AJwMfCo/PNzDqu3eTyc2Ar0piWlwPrAY+S2jO+DZwaEYsbK0TERZJ2AY4C3g6sAdxBSgSn5p4GNNU5TdIC4BPA+0h3VrcCR0fEua0Ci4gZkn5LulM5GFgB3AScGBE/afP9mZlZQW0ll4j4HTDkSSAj4hrSXc9Q6swhTV45lDrnkCavNDOzLuD1XMzMrDgnFzMzK87JxczMinNyMTOz4pxczMysOCcXMzMrzsnFzMyKc3IxM7PinFzMzKw4JxczMyvOycXMzIpzcjEzs+KcXMzMrDgnFzMzK87JxczMinNyMTOz4pxczMysOCcXMzMrzsnFzMyKc3IxM7PinFzMzKw4JxczMyvOycXMzIpzcjEzs+KcXMzMrDgnFzMzK87JxczMinNyMTOz4pxczMysOCcXMzMrzsnFzMyKc3IxM7PinFzMzKw4JxczMyvOycXMzIpzcjEzs+KcXMzMrDgnFzMzK87JxczMinNyMTOz4pxczMysOCcXMzMrzsnFzMyKayu5SNpA0gcl/UjSHZIek7RE0i8lHSip5XkkTZV0saTFuc4tkg6XtOoAv+tNkq7K539E0vWS9h8kvv0l3ZDLL8n139TOezMzs/LavXN5B/BN4JXA9cApwA+AFwPfAr4vSY0VJL0FmAvsDPwIOB1YDTgZmN3ql0g6FJiTz3t+/p0TgXMkzeqnzizgHGCTXP58YDtgTj6fmZl12Lg2y80H9gZ+GhEr+l6UdCRwA/B24N9ICQdJ65A+6J8Edo2Iefn1mcAVwDRJ+0TE7IZzTQJmAYuBKRGxIL9+LPBrYIakH0TEdQ11pgIzgD8BO0TEg/n1E4EbgVmSftJ3LjMz64y27lwi4oqImNOYWPLr9wFn5t1dGw5NA54FzO5LLLn848DReffDTb/mAGB14PTGZJATxvF595CmOn37x/UlllxnAXBGPt8HBn+HZmZWUokG/X/m7RMNr702by9tUX4usBSYKmn1Nutc0lRmJHXMzGyUjSi5SBoHvC/vNn7Ab5u385vrRMQTwF2kR3JbtlnnXuBRYDNJa+bfvRawKfBIPt7s9rzdpq03Y2ZmxSgihl85NabPAC6OiDc2vD4f2BrYOiLuaFHvGmAqMLWvDUXScmA8MD4noOY6C0mN+xMj4l5JE4GFwMKI2KxF+fHAcmB5RKzefDyXORg4GGDChAmTZ86cOaT3P5h58wYvMxQbbHA/ixZtVPScU6YUPd2oKX0twdezNF/Pskpfz9G4ltOnT78xIlqfOSKG9QMcBgRwGzCh6dj8fGyrfupek4/v2PDa8vzauH7qLMzHN8n7E/P+3f2UH5+PL2vn/UyePDlKg7I/++57cvFz1kXp9+3r6etZUh2u5+i8b+ZFtP5MHdZjsdzF9yvArcBuEbG4qciSvF23n1P0vf7QMOosadoO5XeYmVkHDDm5SDocOA34HSmx3Nei2B/zdqX2jtxOswWpA8CdbdbZBFiLdJeyFCAiHiXdzaydjzfbOm9XasMxM7PRNaTkIumTpEGQN5MSy9/6KXpF3u7Z4tjOwJrAtRGxrM06ezWVGUkdMzMbZW0nlzwA8oukwYm7R8QDAxS/EHgA2EfSvxp7JK0BfD7vfq2pztnAMuDQPKCyr876wJF598ymOn37R+VyfXUmAR/N5zt74HdmZmaltTVCP8/tdSxpxP3VwGFNs70ALIiIcwAi4mFJB5GSzFWSZpNG3u9N6nJ8IXBBY+WIuEvSEcCpwDxJF5Aa+acBmwFfjobR+bnOtZJOAj4O3CLpQtIUM+8CJgAfC4/ONzPruHanf9kib1cFDu+nzC9Ic3wBEBEXSdoFOIo0PcwawB2kRHBq7mnwNBFxmqQFwCdI42dWIXUaODoizm31SyNihqTfku5UDgZWADcBJ0bET9p8f2ZmVlBbySUijgGOGerJI+Ia4A1DrDOHNHnlUOqcQ0NiMzOzank9FzMzK87JxczMinNyMTOz4pxczMysOCcXMzMrzsnFzMyKc3IxM7PinFzMzKw4JxczMyvOycXMzIpzcjEzs+KcXMzMrDgnFzMzK87JxczMinNyMTOz4pxczMysOCcXMzMrzsnFzMyKc3IxM7PinFzMzKw4JxczMyvOycXMzIpzcjEzs+KcXMzMrDgnFzMzK87JxczMinNyMTOz4pxczMysOCcXMzMrzsnFzMyKc3IxM7PinFzMzKw4JxczMyvOycXMzIpzcjEzs+KcXMzMrDgnFzMzK87JxczMinNyMTOz4pxczMysOCcXMzMrzsnFzMyKayu5SJom6TRJV0t6WFJIOn+QOlMlXSxpsaTHJN0i6XBJqw5Q502SrpK0RNIjkq6XtP8gv2d/STfk8kty/Te1877MzGx0tHvncjRwKPAyYOFghSW9BZgL7Az8CDgdWA04GZjdT51DgTnAi4HzgW8CE4FzJM3qp84s4Bxgk1z+fGA7YE4+n5mZVaDd5DId2AZYB/jwQAUlrUP6oH8S2DUiDoyII0iJ6TpgmqR9mupMAmYBi4EpEfHRiJgOvAT4EzBD0o5NdaYCM/Lxl0TE9Ij4KDA5n2dWPq+ZmXVYW8klIq6MiNsjItooPg14FjA7IuY1nONx0h0QrJygDgBWB06PiAUNdR4Ejs+7hzTV6ds/Lpfrq7MAOCOf7wNtxGtmZoWNRoP+a/P20hbH5gJLgamSVm+zziVNZUZSx8zMOmA0ksu2eTu/+UBEPAHcBYwDtmyzzr3Ao8BmktYEkLQWsCnwSD7e7Pa83WY4b8DMzEZG7T3paqgg7QpcCXwnIvZrcXw+sDWwdUTc0eL4NcBUYGpEXJdfWw6MB8bnBNRcZyGpcX9iRNwraSKpY8HCiNisRfnxwHJgeUSs3ny8odzBwMEAEyZMmDxz5szB3v6QzJs3eJmh2GCD+1m0aKOi55wypejpRk3pawm+nqX5epZV+nqOxrWcPn36jRHR+swRMaQfYFcggPP7OT4/H9+qn+PX5OM7Nry2PL82rp86C/PxTfL+xLx/dz/lx+fjy9p9X5MnT47SoOzPvvueXPycdVH6fft6+nqWVIfrOTrvm3kRrT9TR+Ox2JK8Xbef432vPzSMOkuatkP5HWZm1iGjkVz+mLcrtXdIGgdsATwB3NlmnU2AtUh3KUsBIuJR0t3M2vl4s63zdqU2HDMzG32jkVyuyNs9WxzbGVgTuDYilrVZZ6+mMiOpY2ZmHTAayeVC4AFgH0n/auiRtAbw+bz7taY6ZwPLgEMbBz5KWh84Mu+e2VSnb/+oXK6vziTgo/l8Zw//bZiZ2XCNa6eQpLcCb827G+ftjpLOyf/9QER8AiAiHpZ0ECnJXCVpNmnE/N6kLscXAhc0nj8i7pJ0BHAqME/SBaRG/mnAZsCXI/csa6hzraSTgI8Dt0i6kDTFzLuACcDHomFAppmZdU5byYU0dcv+Ta9tyVNjVf4MfKLvQERcJGkX4Cjg7cAawB2kRHBq7mXwNBFxmqQF+TzvI91V3QocHRHntgoqImZI+i3pTuVgYAVwE3BiRPykzfdmZmaFtZVcIuIY4JihnDgirgHeMMQ6c0iTVw6lzjmkySvNzKxLeD0XMzMrzsnFzMyKc3IxM7PinFzMzKw4JxczMyvOycXMzIpzcjEzs+KcXMzMrDgnFzMzK87JxczMinNyMTOz4pxczMysOCcXMzMrzsnFzMyKc3IxM7PinFzMzKw4JxczMyvOycXMzIpzcjEzs+KcXMzMrDgnFzMzK87JxczMinNyMTOz4pxczMysOCcXMzMrzsnFzMyKc3IxM7PinFzMzKw4JxczMyvOycXMzIpzcjEzs+KcXMzMrDgnFzMzK87JxczMinNyMTOz4pxczMysOCcXMzMrzsnFzMyKc3IxM7PinFzMzKw4JxczMyvOycXMzIobE8lF0maSzpJ0j6RlkhZIOkXS+lXHZmbWi8ZVHcBISXoecC3wbODHwB+AVwD/Duwp6dURsajCEM3Mes5YuHP5KimxHBYRb42IT0XEa4GTgW2B4yqNzsysB9U6ueS7lj2ABcAZTYc/AzwKvFfSWh0Ozcysp9U6uQC75e1lEbGi8UBE/AO4BlgTeFWnAzMz62V1Ty7b5u38fo7fnrfbdCAWMzPLFBFVxzBskr4BHAQcFBHfanH8OOBI4MiI+EKL4wcDB+fdbYE/jmK4JWwIPFB1EGOIr2dZvp5l1eF6bh4Rz2p1oPa9xUYiIr4BfKPqONolaV5ETKk6jrHC17MsX8+y6n496/5YbEnertvP8b7XH+pALGZmltU9ufQ9xuqvTWXrvO2vTcbMzEZB3ZPLlXm7h6SnvRdJzwReDSwFftXpwEZJbR7h1YSvZ1m+nmXV+nrWukEfQNLPSGNdDouI0xpePwmYDnw9Ig6pKj4zs140FpJL8/QvtwGvJI2BmQ9M9fQvZmadVfvkAiDpOcCxwJ7ABsC9wI+Az0bEg1XGZmbWi8ZEcjEzs+5S9wZ9MzPrQk4uZmZWnJOL9QRJ/yNpL0mqOhazXuA2ly4h6T+HWTUi4nNFgxmDJK0AAvgr8E3gvyLivmqjqg9JZw2zakTEgUWDGeMkbQZsCqze6nhEzO1sRMPj5NIl8odfs8b/OWrxukh/vKuOWmBjhKTtgUOAfYC1gX8Cc0jjoC6vMrY66OffZzv877NNkvYgLXL4/IHK1eV6Orl0CUm7tHh5OvAG4DvAVcB9wMakMTzvAX4KnBIRv+hQmLUnaW1gX9Js2C8nJeq7SKOhz46Iv1cYXteStPlw60bEn0vGMhZJehUwF/g7cCHwMeAXpCmudgJeAPwP8JuI+GxVcQ6Fk0uXkvQ+4GvAThFxU4vjU0j/GD8UEd/udHxjgaTJwIdIdzNrke5mLgLOjIirKgzNeoykH5O+ND4/Iu7Jd4rHRMSxuZ3ws8DHgVdGxO+rjLVdTi5dStJvSN9SDhigzDnASyJi+44FNgZJmgpcQHrODelu5lZgZkRcVFlg1jMk/Y20ou5+eX8FcGxEHNNQ5tfAnyNiWjVRDo17i3WvbUkzDQzkHp5ajdOGQNIakvaXdC1wNSmx/B9wOPBtYCvgB5I+VmGYtSBpVUkbSXpuq5+q46uJdYG/NOwvJ91NN7oG2LljEY1QTy8W1uUeJs3qPJDXAI90IJYxQ9ILSY/C3kv6g14OfBf4WkRc21BuJnAZ6VHEaS1O1fMkbQd8kfQ4p2XPJtJdoD9nBvc3YP2m/ec1lRkPPKNjEY2Q71y610+BnSTNyssH/IukZ0r6Min5zKkkupqR9F5JVwO/JTWWPgh8GnhORLy3MbEARMRfSY/KntPxYGtA0gtIE8buDFxO6rl4S/7vRXn/KtJdoA1uPk9PJr8CXi9pGwBJGwNvB26vILZhcZtLl5L0bOA6YBLwD+Bm4H5gI+BlwDrAnaRZn/9WUZi1kZ9hrwAuIXWUuCQG+ccv6d3AwRGxWwdCrBVJ3yF92O0QEb9taoBeCziV1NPxFTlR2wAkHQF8HtgkIhZLejWpt9gyUvvf1sAzgQ9ExHnVRdo+J5cuJmkD4AukbsdrNhxaSuqefKSXE2iPpONJY1rcLbYASQuB6/oal3Ny+WxfN1lJ40h3MjdExPsrC7QmJK1D6m58a0T8I7/2NuBzpDuaBcDJEVGbBcScXGog/6E+n9RGsAT4Q0Q8UW1U9ZIblh+KiIcHKPNMYP2I+Et/ZSyRtAw4KSI+nfeXkz78PtlQ5gzgbRExsaIwrUJuc6mBiHgiIn4XEdfkrRPL0N0F/PsgZQ7L5Wxwi0kzHfR5AGjuGbac9IXIepCTi/UK8fQpdGxk/kRqD+xzI6kB+tkAud3lLThZ9yx3EewSkq4gddvcPyLuzvvtiIjYfRRD6yUbA49WHURNXAb8h6S1IuJR4EzgjcBv8tihycDmwIwKY+xaku4k/b2/LiLuyvvtiIho7qLclZxcuseupH9sazbst8ONZv3IU+g0elmL1wBWJT3S2Y/UVdkG903SvFfPAB6NiJ9Kmg58htSLbClwAqnXmK1sFZ7+t9u835/a3H27Qd/GrIZp9gctmrdLgX+LiMtGL6qxTdKqwIbA3wbr6m1jm5OLjVmS9u/7T+As0qSUP25R9EnSwL/rIuKhDoVnNqY5uXQpSW8ALo2I4a6jYQ0kXUmaUr8WA9DM6s7JpUvlRzr3kgZLnhcRv6s4JLOnySsmTifNGLEZae6rZrVpgO4GeSmNV5DmGWu1KFhtVp51culSkr4GvJP0jyyAm4Bzge95VL5VTdKuwMXAGsATpKmJWo6/iogtOhdZPeUR+j8kTQI6UKN9bVb2dHLpYpJWI40V2B/Yg/RN5p+kP+pzgIs9oLK1XujqWSVJNwAvBQ4EvuvHtyMj6evAQaTlH84G/kr/yboWK886udREHpy2HynRbEf64FxE+sM+vMrYupGkBaRr9NqcXPr2B+Vv2oOT9BhwgecNK0PSfcDdpIk+x0SidnKpIUkvBd4PfAQYV5fbZBs7JN0DzI6Ij1cdy1iQk/XpEXFE1bGU4ulfaiav7/BO4N9o3YBq1gk/AXapOogx5HbSchpjhpNLDUhaT9Ihkq4DbiMtcrUu8F/UaNlTG1OOBNaVdEaeR8xG5gzgzZI2rTqQUvxYrEtJWgXYi9TG8mZgNVKbwRWkxvwfRsTjlQVYM5KOJk1NsnlE3NPi+KakSRZnRsQJnY6vjiRtBVxP+rc5n7QcRDPPfdeGvCTEicArgc+SJgJtOaC3LktCOLl0qdzA9yxSt8T5pG7I50XEwkoDqylJ1wMPR8TrByjzM2CdiNixc5HVk6QXAVeSpnoZSG26zlapYaoiMXDHk4iIWswJWYsge9QapMkBz4mIX1UdzBiwFXD+IGVuJfXIs8GdBGwA/Cfpi889EfFktSHV2nmMsUlonVy610YRsazqIMaQZ5AmphzI46R1ym1wO5IezX6+6kDGgrHYpdvJpUs1J5a8BO96wJKBluq1ft0NvGqQMq8C/NixPctJ67qbteTeYl1M0jhJn5J0B6lxbwHwoKQ78uv+ctC+S4GdJb2r1UFJ+5C61l7S0ajq6yrSHFhWmKTNJL1Z0nsl7Z3ncKsdN+h3qTz1y6WkD7wgffO+F9iENEmgSFNF7BERy6uKsy5yb7BbSHd/PyZd24XApqReeXsDDwIvi4i7q4qzLiRtSeop9mXgBK/dMnKSNge+DrTqdHI5cEhELOhoUCPg5NKlJH0KOJ40WG1GRNzecOx5pD/qNwNHRcQXq4myXvKMs/9NWn638R++SHeF74iIGysIrXYknQVsQRpntQC4mf67Ih/YwdBqSdLGwK9JX3YWAHN56svkTqRrfQ8wJSLuqyjMIXFy6VKSbsn/+bJWcw3lcTA3k/4fbtfR4GpM0nhSUn4V6S7mIeBXwJyI+GeVsdVJ7jrbDndFboOkM4APA58ETmrseZdX95wOfAn4akQcWk2UQ+Pk0qUkLQVOi4hPDlDmBOBjEbFm5yIz+9cjnLZExJ9HM5axIE+s+oeI2HOAMpcCz4+ISZ2KayTcINy9lgNrD1JmLdIU/GadtjlpUOrNVQcyRmxMWhhwIDcCu45+KGU4uXSvW4Bpko6JiL83H5S0ITAN+L+OR1ZjklYHdiA92169VRkvhdyWK0mNzx+pOpAxYgkpYQ/kubRu1+pKTi7d63RgNnCDpM+T/pjvJX3D2RU4mjQ9zGFVBVg3kg4gPbdev78ipIZ+J5fBPQA8VnUQY8gvSV8mvxoR1zYflPRK4B3ATzse2TC5zaWLSToe+BStp4UQ8KWI+FRno6onSXuSVvD8PXAWqbfdRcANpGS9B6kn2cURcW5FYdaGpAuA53oetjIkbQ9cS1ptdjYrf5l8N7ACeHVdejQ6uXQ5Sa8iLSX7ctI0+0uA3wBnRcR1VcZWJ5IuB14GbBkR/8i9nY6JiGPz8QOBM4HdIuKXFYZaC5K2Jo1zOQM41j3tRk7Sm0jztK3Pyl3lFwMHRMT/VBHbcDi5WE+QtAj4cUQckPdXkD4Uj2kocxXwWETsVUmQNZLHuWwFvBq4n9T2dx8r32V7nMsQ5LVx3gJsz9O/TF4UEY9WGdtQuc2lS0l6B6nf+34DrD9yHnBGRPyw0/HV0Fqkxwx9HgfWaSozDzigYxHV2/sb/nvj/NNKkO68rQ05gXw3/9Sak0v3+iCwXqvEAhARCyWtm8s5uQyub32cPvcC2zaVWZf0zNsGt0XVAVh3c3LpXtuRpn4ZyK9Jo81tcL/n6cnkamAfSTtFxNWSXgy8M5ezQXhg5OiQ9BLgpaT5A8e3KBIR8bnORjU8Ti7dawLwt0HKLGLwlQAtuQQ4RdLEfDf4JVLXzqskLSZdbwFen8Q6TtIE4NtA3wh99VM0ACcXG5EHgK0HKbM1/ayzbSv5Oqmr8YMAEXGrpN1J44WeR2pvOSUiflZdiPWTezN+kNSbcT1SA/SNwNmtxmtYv04hzc79c9KKqQuBJyqNaITcW6xL5XEEewMvj4g/tDj+AlIvkjkR8Y5Ox2eWB/d+mtbfsoM0Ff+RnY2qnvLd860R8ZqqYynFi4V1r1mkO8tfSjpM0jaS1srbfye1Gayay5l1VO7NeCTwF9Kdy5akpaS3zPt/AT4p6Z2VBVkvq5IGUY4ZvnPpYpIOIg1Sa9WD6UngIxHxrc5GVW+SJgHvZeVBqedHxF3VRVYvkuaSHstuFxEPtDi+IfA74I8RsUun46sbSVcCiyJiWtWxlOLk0uXy46+PAK/k6euPfC0ibqsytrqRNAM4jtQLp/lRzj+BT0fESR0PrIYkLQHOi4iPDVDmNOB9EbFu5yKrJ0mvJU1P9LqxMkOEG/S7XE4g/f4BW3skvRs4kdSgfyppDfj7SIP/diNNAHqipIURcUFVcdbIOGDpIGWW4s+YtkTEFZL2AX4k6SfATfQzA3JdZu32nYv1BEnzSAP/tm81RkPSFqReTn+KiB06HV/d5JVSVyU9FutvpdT/I43LeEmn46sbSauRejS+l6fawps/nEWNVvb0twrrFS8Ezu1v8F9E3CXpv0l/3Da47wLHA/50L7kAAAkFSURBVD+W9PGIuL3vgKTnke4SXwgcVVF8dfMFYH/gVuAC4B5q3hXZycV6xT8YfEzQg8DDHYhlLDiJNODvjcBeku7hqSniNyV9+/5lLmeD2wf4LbBDRCyvOpgS3BXZesVlwP/r76AkkdZ0uaxjEdVY/gB8PenO5C7SdCU7AM/J+0cBu4+VD8oOWA+4bCxdL7e5WE+QtAlpHMGvgE81Ph6T9FzgBFKPvKkRcV81UdaXpLXJXbsj4pGq46mb3Cb4h4jYr+pYSnFysZ4g6QrSIkwvIY0R+gtpHZKNSGuTrwrcQp4epkFExO4dDNV6UO7N+E1Sh5P5VcdTgpOL9YS8ONhw1KZ3TqdJ2gU4AngFKXG3esweEeG23UFI2pnUHX534Cuknov9dUWe28HQhs3JxcyGTNIbgYtId3x/Af5KP72bImK3DoZWS/nLT/DU4N5+P5jr8mXH3yjMbDiOIc1q8MaIcCeIkTuWARJKHfnOxcyGTNJjwOyI+EDVsVh3cldk6ymS9pH0c0mLJD0habGky/PUG9a+R4DFVQdh3ct3LtYT8jiW84D3kJ5rP0lakG1DUrtBkL6J71tZkDUiaTbw3IiYWnUs1p2cXKwnSDoE+CqpF84ngV9ExJOSVgV2Ab4ITAY+GhFnVhdpPUjaHLgBOA04LvxBMiK5q3w7atM13snFeoKkG0h3KS+KiMdaHH8Gaf2RxZ64cnCSzgImkRLzn4GbaT29TkTEgR0MrZba6Crf15OsNl3jnVysJ0h6BPh6RMwYoMyXgQ9FxNqdi6yehjBuqDYfht1I0rqkaXVOAOYD+0XEk9VG1R53RbZe0TiGoD+DHbenbFF1AL0gIpYAP5f0etKd9QzgS9VG1R7fuVhPyI/Fng28YIDHYr8HHoiIV3Q6PrPBSPoWsHNEbFN1LO1wV2TrFWeR5hCbK2l3SeMAJK0qaTfgSmDzXM6sGz1M+jdcC75zsZ6QuyKfD7yb9IhsBWmcxgTSlywB348Ij3exrpPvrG8GnhERtUgwbnOxnpC7yu6b1yc/AHg5KbEsAX4DnBUR36swROthkt7Xz6FxpDVy3gNsBczqWFAj5DsXM7OKNUxcudKhvF0BfAf4YET8s2OBjYDvXMwGIOkzwExPG2+jrL852laQ1hiaV7dF7PwHYzY4d1G2URUR51YdQ2nuLWZmZsX5zsXMrEtIegmp8f4FwFoR8br8+iTSip+XR0TzUtxdycnFzKwLSDoWOJKnnig1NvCvAnwPOJw0WWjX82MxM7OK5fWEjgYuB14GfKHxeETcCcwD9u58dMPj5GJmVr3DgDuAt0TELcDyFmVuA7buaFQj4ORiZla97YCfRUSrpNLnHmCjDsUzYk4uZmbVE2lMy0A2Ah7vQCxFOLmYmVXvdqDfJaMlrQK8hjRzdy04uZgN7CLSXGRmo+n7wPaS+lvM7kjS3GLf7VxII+O5xczMKpZnPb4GeCmpV1iQVqA8GdgJmAL8CtglIp6oKs6hcHKxniDpzjaKrSCtmXEb8MOI+MHoRmX2lLyk8VeAfYHGpaH7Jq08NCL+UUVsw+HkYj1B0gLSoOGJ+aUngEXABjw1mPgeYB1gbdI3x4uBt9ZlzXIbGyRNIN21bEBaEuKGiPh7tVENnZOL9QRJ65AGqD0OfBr4VUSsyA2lOwLHA6sDrwc2Bk4B9gSOiIiTqonarL6cXKwnSDqNlDhe3OqZtaTVgFuAyyLiMElrAn8A/h4RkzsbrVn9eW4x6xVvA77bX2NoRCyXNIe0DPJhEbFU0v8C0zoZpPWu/DjsANIElevz9HaXPhERu3c0sGFycrFesQGw2iBlxudyfe7DfyPWAZKeD1wFPIuB1w+qzaMmj3OxXnEn8HZJz2x1MLfJvB24q+HlTYDFHYjNbBbwbOAEYEtgfESs0uKn1d1MV3JysV7xDWBT4HpJ+0qaJOkZebsfcD2pJ9nXASQJ2BW4uaqArafsBPw0Io6MiAVjoYeib/mtJ0TEVyRtCxwCnNeiiIBvRMRX8v6zSetnXN6hEK23Cbi16iBKcm8x6ymSXgO8n7RmxrqkQZO/Ac6LiLkVhmY9TNKVwJKIeGvVsZTi5GJmVjFJuwE/A/aIiKsqDqcIPxYzM6vec4AfA5dJ+h5wI/BQq4IR0eqxbtfxnYv1FEmrAtvS/zgC/HjMOk3SClI348ZuyM0fziKNc6lFjzHfuVjPkDQTmE5qaxlILf54bUz5QNUBlObkYj1B0n8AnyVNBPht4K+kySvNKhcR51YdQ2l+LGY9QdLtwBrA9nWcYdZ6g6S1SVMVvZx0h70EuAm4KCIeqTK2ofKdi/WK5wDfdGKxbiXpHcCZwHqs3PbykKQPRcSFlQQ3DE4u1ivux//erUtJej1p0O4K0iDfq0hz220M7Aa8B/iepIci4udVxTkUfixmPUHSiaTHDS+KiGVVx2PWSNLVwPbAThFxU4vjU4C5wLyI2LnT8Q2Hk4v1hLw+y89IYwcOi4i7Bqli1jGSHgG+HxEHDFDmHGBaRKzdscBGwI8JrFf8jjSl/kTgDZKW0HqQWkTE8zoamRksA+4dpMw9uVwtOLlYr1iF1PX4Lw2vtVo3Y6C1NMxGy9XAqwcp82rSo7Fa8GMxM7OK5Rm7ryMtDfG5iHi04dhawGeAA4GpEfHHaqIcGicXM7OKSTqLtEjYTjw1tuV+YCNSQ/+6pLuW5rbCiIgDOxhq25xczMwqlucWG46unWvMbS7WEyS9r92ydZl11saULaoOoDTfuVhPaJh1dsBidPE3QbM68Z2L9Yr+Zp1dD9gB2Af4AfDTjkVkNob5zsUMkLQ7KbG8LiJ+WXU8ZnXn5GKWSboIWCciXlt1LGZ1t0rVAZh1kfnAlKqDMBsLnFzMnvJCBm/0N7M2uEHfepqkVUhrvRwE7AVcUm1EZmOD21ysJ7TRFVnAImDniLitM1GZjV2+c7FeMZfWyWUF8CBwA3C2V6o0K8N3LmZmVpwb9M3MrDg/FrMxKc8yOxxdO8usWZ34sZiNSWNxllmzOvGdi41VY26WWbM68Z2LmZkV5wZ9MzMrzsnFzMyKc3IxM7PinFzMzKw4JxczMyvu/wPoMkVUPbRHcwAAAABJRU5ErkJggg=="/>
+          <p:cNvSpPr>
+            <a:spLocks noChangeAspect="1" noChangeArrowheads="1"/>
+          </p:cNvSpPr>
+          <p:nvPr/>
+        </p:nvSpPr>
         <p:spPr bwMode="auto">
           <a:xfrm>
-            <a:off x="457200" y="2097419"/>
-            <a:ext cx="8229600" cy="3531525"/>
+            <a:off x="155575" y="-144463"/>
+            <a:ext cx="304800" cy="304801"/>
           </a:xfrm>
           <a:prstGeom prst="rect">
             <a:avLst/>
           </a:prstGeom>
           <a:noFill/>
-          <a:ln w="9525">
-            <a:noFill/>
-            <a:miter lim="800000"/>
-            <a:headEnd/>
-            <a:tailEnd/>
-          </a:ln>
         </p:spPr>
-      </p:pic>
+        <p:txBody>
+          <a:bodyPr vert="horz" wrap="square" lIns="91440" tIns="45720" rIns="91440" bIns="45720" numCol="1" anchor="t" anchorCtr="0" compatLnSpc="1">
+            <a:prstTxWarp prst="textNoShape">
+              <a:avLst/>
+            </a:prstTxWarp>
+          </a:bodyPr>
+          <a:lstStyle/>
+          <a:p>
+            <a:endParaRPr lang="ru-RU"/>
+          </a:p>
+        </p:txBody>
+      </p:sp>
     </p:spTree>
   </p:cSld>
   <p:clrMapOvr>
@@ -5357,373 +5236,247 @@
         <p:spPr/>
         <p:txBody>
           <a:bodyPr>
-            <a:normAutofit/>
+            <a:noAutofit/>
           </a:bodyPr>
           <a:lstStyle/>
           <a:p>
             <a:r>
-              <a:rPr lang="ru-RU" dirty="0" smtClean="0">
+              <a:rPr lang="ru-RU" sz="1800" b="1" dirty="0" smtClean="0"/>
+              <a:t>Эксперимент</a:t>
+            </a:r>
+            <a:br>
+              <a:rPr lang="ru-RU" sz="1800" b="1" dirty="0" smtClean="0"/>
+            </a:br>
+            <a:r>
+              <a:rPr lang="ru-RU" sz="1800" dirty="0" smtClean="0"/>
+              <a:t>по использованию инновационных технологий в области компьютерного зрения для анализа медицинских изображений и дальнейшего применения в системе здравоохранения города Москвы.</a:t>
+            </a:r>
+            <a:endParaRPr lang="ru-RU" sz="1800" dirty="0"/>
+          </a:p>
+        </p:txBody>
+      </p:sp>
+      <p:sp>
+        <p:nvSpPr>
+          <p:cNvPr id="3" name="Содержимое 2"/>
+          <p:cNvSpPr>
+            <a:spLocks noGrp="1"/>
+          </p:cNvSpPr>
+          <p:nvPr>
+            <p:ph idx="1"/>
+          </p:nvPr>
+        </p:nvSpPr>
+        <p:spPr/>
+        <p:txBody>
+          <a:bodyPr>
+            <a:normAutofit fontScale="32500" lnSpcReduction="20000"/>
+          </a:bodyPr>
+          <a:lstStyle/>
+          <a:p>
+            <a:r>
+              <a:rPr lang="ru-RU" b="1" dirty="0"/>
+              <a:t>Цель</a:t>
+            </a:r>
+            <a:endParaRPr lang="ru-RU" dirty="0"/>
+          </a:p>
+          <a:p>
+            <a:r>
+              <a:rPr lang="ru-RU" dirty="0"/>
+              <a:t>Научное исследование возможности использования в системе здравоохранения города Москвы методов поддержки принятия решений на основе результатов анализа данных с применением передовых инновационных технологий.</a:t>
+            </a:r>
+          </a:p>
+          <a:p>
+            <a:r>
+              <a:rPr lang="ru-RU" dirty="0"/>
+              <a:t> </a:t>
+            </a:r>
+          </a:p>
+          <a:p>
+            <a:r>
+              <a:rPr lang="ru-RU" b="1" dirty="0"/>
+              <a:t>Платформа</a:t>
+            </a:r>
+            <a:endParaRPr lang="ru-RU" dirty="0"/>
+          </a:p>
+          <a:p>
+            <a:r>
+              <a:rPr lang="ru-RU" dirty="0"/>
+              <a:t>Единый радиологический информационный сервис (</a:t>
+            </a:r>
+            <a:r>
+              <a:rPr lang="ru-RU" dirty="0" err="1"/>
+              <a:t>ЕРИС</a:t>
+            </a:r>
+            <a:r>
+              <a:rPr lang="ru-RU" dirty="0"/>
+              <a:t>)</a:t>
+            </a:r>
+          </a:p>
+          <a:p>
+            <a:r>
+              <a:rPr lang="ru-RU" dirty="0"/>
+              <a:t> </a:t>
+            </a:r>
+          </a:p>
+          <a:p>
+            <a:r>
+              <a:rPr lang="ru-RU" b="1" dirty="0"/>
+              <a:t>В цифрах</a:t>
+            </a:r>
+            <a:endParaRPr lang="ru-RU" dirty="0"/>
+          </a:p>
+          <a:p>
+            <a:r>
+              <a:rPr lang="ru-RU" b="1" dirty="0"/>
+              <a:t>550  </a:t>
+            </a:r>
+            <a:r>
+              <a:rPr lang="ru-RU" dirty="0"/>
+              <a:t>единиц оборудования (</a:t>
+            </a:r>
+            <a:r>
+              <a:rPr lang="ru-RU" dirty="0" err="1"/>
+              <a:t>МРТ</a:t>
+            </a:r>
+            <a:r>
+              <a:rPr lang="ru-RU" dirty="0"/>
+              <a:t>/</a:t>
+            </a:r>
+            <a:r>
+              <a:rPr lang="ru-RU" dirty="0" err="1"/>
+              <a:t>ММГ</a:t>
+            </a:r>
+            <a:r>
+              <a:rPr lang="ru-RU" dirty="0"/>
+              <a:t>/КТ/</a:t>
+            </a:r>
+            <a:r>
+              <a:rPr lang="ru-RU" dirty="0" err="1"/>
+              <a:t>РГ</a:t>
+            </a:r>
+            <a:r>
+              <a:rPr lang="ru-RU" dirty="0"/>
+              <a:t>) в отделениях лучевой диагностики амбулаторных и стационарных медицинских организаций Департамента здравоохранения города Москвы.</a:t>
+            </a:r>
+          </a:p>
+          <a:p>
+            <a:r>
+              <a:rPr lang="ru-RU" b="1" dirty="0"/>
+              <a:t>365</a:t>
+            </a:r>
+            <a:r>
+              <a:rPr lang="ru-RU" dirty="0"/>
+              <a:t> врачей-рентгенологов в системе. </a:t>
+            </a:r>
+          </a:p>
+          <a:p>
+            <a:r>
+              <a:rPr lang="ru-RU" b="1" dirty="0"/>
+              <a:t>160 тысяч </a:t>
+            </a:r>
+            <a:r>
+              <a:rPr lang="ru-RU" dirty="0"/>
+              <a:t>лучевых исследований в месяц.</a:t>
+            </a:r>
+          </a:p>
+          <a:p>
+            <a:r>
+              <a:rPr lang="ru-RU" b="1" dirty="0"/>
+              <a:t>44 тысячи</a:t>
+            </a:r>
+            <a:r>
+              <a:rPr lang="ru-RU" dirty="0"/>
+              <a:t> </a:t>
+            </a:r>
+            <a:r>
+              <a:rPr lang="ru-RU" dirty="0" err="1"/>
+              <a:t>скрининговых</a:t>
+            </a:r>
+            <a:r>
+              <a:rPr lang="ru-RU" dirty="0"/>
+              <a:t> исследований с целью выявления рака молочной железы и рака легкого в год.</a:t>
+            </a:r>
+          </a:p>
+          <a:p>
+            <a:r>
+              <a:rPr lang="ru-RU" dirty="0"/>
+              <a:t> </a:t>
+            </a:r>
+          </a:p>
+          <a:p>
+            <a:r>
+              <a:rPr lang="ru-RU" b="1" dirty="0"/>
+              <a:t>Области применения:</a:t>
+            </a:r>
+            <a:endParaRPr lang="ru-RU" dirty="0"/>
+          </a:p>
+          <a:p>
+            <a:r>
+              <a:rPr lang="ru-RU" dirty="0"/>
+              <a:t>онкология;</a:t>
+            </a:r>
+          </a:p>
+          <a:p>
+            <a:r>
+              <a:rPr lang="ru-RU" dirty="0"/>
+              <a:t>кардиология;</a:t>
+            </a:r>
+          </a:p>
+          <a:p>
+            <a:r>
+              <a:rPr lang="ru-RU" dirty="0"/>
+              <a:t>хронические заболевания;</a:t>
+            </a:r>
+          </a:p>
+          <a:p>
+            <a:r>
+              <a:rPr lang="ru-RU" dirty="0"/>
+              <a:t>пульмонология;</a:t>
+            </a:r>
+          </a:p>
+          <a:p>
+            <a:r>
+              <a:rPr lang="ru-RU" dirty="0"/>
+              <a:t>неврология;</a:t>
+            </a:r>
+          </a:p>
+          <a:p>
+            <a:r>
+              <a:rPr lang="ru-RU" dirty="0"/>
+              <a:t>неотложные состояния.</a:t>
+            </a:r>
+          </a:p>
+          <a:p>
+            <a:r>
+              <a:rPr lang="ru-RU" dirty="0"/>
+              <a:t> </a:t>
+            </a:r>
+          </a:p>
+          <a:p>
+            <a:r>
+              <a:rPr lang="ru-RU" dirty="0"/>
+              <a:t>Результаты эксперимента станут основой для национальных стандартов, регламентирующих применение искусственного интеллекта в клинической медицине. Разработка документов ведется в Подкомитете 01 технического комитета по стандартизации «Искусственный интеллект» (</a:t>
+            </a:r>
+            <a:r>
+              <a:rPr lang="ru-RU" dirty="0" err="1"/>
+              <a:t>ТК</a:t>
+            </a:r>
+            <a:r>
+              <a:rPr lang="ru-RU" dirty="0"/>
+              <a:t> 164). </a:t>
+            </a:r>
+            <a:br>
+              <a:rPr lang="ru-RU" dirty="0"/>
+            </a:br>
+            <a:r>
+              <a:rPr lang="ru-RU" u="sng" dirty="0">
                 <a:hlinkClick r:id="rId2"/>
               </a:rPr>
-              <a:t>Клинические параметры</a:t>
+              <a:t>Подробнее о деятельности ПК 01</a:t>
             </a:r>
             <a:endParaRPr lang="ru-RU" dirty="0"/>
           </a:p>
-        </p:txBody>
-      </p:sp>
-      <p:sp>
-        <p:nvSpPr>
-          <p:cNvPr id="3" name="Содержимое 2"/>
-          <p:cNvSpPr>
-            <a:spLocks noGrp="1"/>
-          </p:cNvSpPr>
-          <p:nvPr>
-            <p:ph idx="1"/>
-          </p:nvPr>
-        </p:nvSpPr>
-        <p:spPr/>
-        <p:txBody>
-          <a:bodyPr>
-            <a:normAutofit fontScale="47500" lnSpcReduction="20000"/>
-          </a:bodyPr>
-          <a:lstStyle/>
-          <a:p>
-            <a:r>
-              <a:rPr lang="ru-RU" b="1" dirty="0" smtClean="0"/>
-              <a:t>Целевые нозологии</a:t>
-            </a:r>
-          </a:p>
-          <a:p>
-            <a:pPr>
-              <a:buNone/>
-            </a:pPr>
-            <a:r>
-              <a:rPr lang="ru-RU" b="1" dirty="0"/>
-              <a:t>	</a:t>
-            </a:r>
-            <a:r>
-              <a:rPr lang="ru-RU" b="1" dirty="0" smtClean="0"/>
-              <a:t>Целевые </a:t>
-            </a:r>
-            <a:r>
-              <a:rPr lang="ru-RU" b="1" dirty="0" err="1"/>
-              <a:t>патологии\признаки</a:t>
-            </a:r>
-            <a:r>
-              <a:rPr lang="ru-RU" b="1" dirty="0"/>
-              <a:t>:</a:t>
-            </a:r>
-            <a:r>
-              <a:rPr lang="ru-RU" dirty="0"/>
-              <a:t> </a:t>
-            </a:r>
-            <a:r>
-              <a:rPr lang="ru-RU" dirty="0" err="1" smtClean="0"/>
-              <a:t>COVID-19</a:t>
-            </a:r>
-            <a:endParaRPr lang="ru-RU" dirty="0" smtClean="0"/>
-          </a:p>
-          <a:p>
-            <a:pPr>
-              <a:buNone/>
-            </a:pPr>
-            <a:r>
-              <a:rPr lang="ru-RU" b="1" dirty="0"/>
-              <a:t>	</a:t>
-            </a:r>
-            <a:r>
-              <a:rPr lang="ru-RU" b="1" dirty="0" smtClean="0"/>
-              <a:t>Код </a:t>
-            </a:r>
-            <a:r>
-              <a:rPr lang="ru-RU" b="1" dirty="0" err="1"/>
-              <a:t>МКБ-10</a:t>
-            </a:r>
-            <a:r>
-              <a:rPr lang="ru-RU" b="1" dirty="0"/>
-              <a:t> целевой патологии:</a:t>
-            </a:r>
-            <a:r>
-              <a:rPr lang="ru-RU" dirty="0"/>
-              <a:t> </a:t>
-            </a:r>
-            <a:r>
-              <a:rPr lang="ru-RU" dirty="0" err="1" smtClean="0"/>
-              <a:t>U07.1</a:t>
-            </a:r>
-            <a:endParaRPr lang="ru-RU" dirty="0" smtClean="0"/>
-          </a:p>
-          <a:p>
-            <a:r>
-              <a:rPr lang="ru-RU" b="1" dirty="0" smtClean="0"/>
-              <a:t>Параметры популяции</a:t>
-            </a:r>
-          </a:p>
-          <a:p>
-            <a:pPr>
-              <a:buNone/>
-            </a:pPr>
-            <a:r>
-              <a:rPr lang="ru-RU" b="1" dirty="0"/>
-              <a:t>	</a:t>
-            </a:r>
-            <a:r>
-              <a:rPr lang="ru-RU" b="1" dirty="0" smtClean="0"/>
-              <a:t>Критерии </a:t>
-            </a:r>
-            <a:r>
-              <a:rPr lang="ru-RU" b="1" dirty="0"/>
-              <a:t>включения/</a:t>
-            </a:r>
-            <a:r>
-              <a:rPr lang="ru-RU" b="1" dirty="0" err="1"/>
-              <a:t>невключения</a:t>
-            </a:r>
-            <a:r>
-              <a:rPr lang="ru-RU" b="1" dirty="0"/>
-              <a:t> пациента</a:t>
-            </a:r>
-            <a:r>
-              <a:rPr lang="ru-RU" b="1" dirty="0" smtClean="0"/>
-              <a:t>:</a:t>
-            </a:r>
-          </a:p>
-          <a:p>
-            <a:pPr>
-              <a:buNone/>
-            </a:pPr>
-            <a:r>
-              <a:rPr lang="ru-RU" b="1" dirty="0"/>
-              <a:t>	</a:t>
-            </a:r>
-            <a:r>
-              <a:rPr lang="ru-RU" dirty="0" smtClean="0"/>
-              <a:t>Критерии </a:t>
-            </a:r>
-            <a:r>
-              <a:rPr lang="ru-RU" dirty="0"/>
-              <a:t>включения пациента: Возраст ≥18 лет</a:t>
-            </a:r>
-            <a:br>
-              <a:rPr lang="ru-RU" dirty="0"/>
-            </a:br>
-            <a:r>
-              <a:rPr lang="ru-RU" dirty="0"/>
-              <a:t>Критерии </a:t>
-            </a:r>
-            <a:r>
-              <a:rPr lang="ru-RU" dirty="0" err="1"/>
-              <a:t>невключения</a:t>
-            </a:r>
-            <a:r>
-              <a:rPr lang="ru-RU" dirty="0"/>
-              <a:t> пациента: Наличие оперативных вмешательств, лучевой терапии в анамнезе для лечения заболеваний в области грудной клетки</a:t>
-            </a:r>
-          </a:p>
-          <a:p>
-            <a:pPr>
-              <a:buNone/>
-            </a:pPr>
-            <a:r>
-              <a:rPr lang="ru-RU" dirty="0" smtClean="0"/>
-              <a:t>	Возраст </a:t>
-            </a:r>
-            <a:r>
-              <a:rPr lang="ru-RU" dirty="0"/>
-              <a:t>(мин., лет): </a:t>
-            </a:r>
-            <a:r>
-              <a:rPr lang="ru-RU" dirty="0" smtClean="0"/>
-              <a:t>18</a:t>
-            </a:r>
-          </a:p>
-          <a:p>
-            <a:pPr>
-              <a:buNone/>
-            </a:pPr>
-            <a:r>
-              <a:rPr lang="ru-RU" dirty="0"/>
-              <a:t>	</a:t>
-            </a:r>
-            <a:r>
-              <a:rPr lang="ru-RU" dirty="0" smtClean="0"/>
-              <a:t>Возраст </a:t>
-            </a:r>
-            <a:r>
-              <a:rPr lang="ru-RU" dirty="0"/>
-              <a:t>(макс., лет): </a:t>
-            </a:r>
-            <a:r>
-              <a:rPr lang="ru-RU" dirty="0" smtClean="0"/>
-              <a:t>97</a:t>
-            </a:r>
-          </a:p>
-          <a:p>
-            <a:pPr>
-              <a:buNone/>
-            </a:pPr>
-            <a:r>
-              <a:rPr lang="ru-RU" dirty="0"/>
-              <a:t>	</a:t>
-            </a:r>
-            <a:r>
-              <a:rPr lang="ru-RU" dirty="0" smtClean="0"/>
-              <a:t>Возраст </a:t>
-            </a:r>
-            <a:r>
-              <a:rPr lang="ru-RU" dirty="0"/>
-              <a:t>(медиана, лет): </a:t>
-            </a:r>
-            <a:r>
-              <a:rPr lang="ru-RU" dirty="0" smtClean="0"/>
-              <a:t>47,0</a:t>
-            </a:r>
-          </a:p>
-          <a:p>
-            <a:pPr>
-              <a:buNone/>
-            </a:pPr>
-            <a:r>
-              <a:rPr lang="ru-RU" dirty="0"/>
-              <a:t>	</a:t>
-            </a:r>
-            <a:r>
-              <a:rPr lang="ru-RU" dirty="0" smtClean="0"/>
-              <a:t>Пол </a:t>
-            </a:r>
-            <a:r>
-              <a:rPr lang="ru-RU" dirty="0"/>
-              <a:t>(М): </a:t>
-            </a:r>
-            <a:r>
-              <a:rPr lang="ru-RU" dirty="0" smtClean="0"/>
-              <a:t>42</a:t>
-            </a:r>
-          </a:p>
-          <a:p>
-            <a:pPr>
-              <a:buNone/>
-            </a:pPr>
-            <a:r>
-              <a:rPr lang="ru-RU" dirty="0"/>
-              <a:t>	</a:t>
-            </a:r>
-            <a:r>
-              <a:rPr lang="ru-RU" dirty="0" smtClean="0"/>
-              <a:t>Пол </a:t>
-            </a:r>
-            <a:r>
-              <a:rPr lang="ru-RU" dirty="0"/>
-              <a:t>(Ж): </a:t>
-            </a:r>
-            <a:r>
-              <a:rPr lang="ru-RU" dirty="0" smtClean="0"/>
-              <a:t>56</a:t>
-            </a:r>
-          </a:p>
-          <a:p>
-            <a:pPr>
-              <a:buNone/>
-            </a:pPr>
-            <a:r>
-              <a:rPr lang="ru-RU" dirty="0"/>
-              <a:t>	</a:t>
-            </a:r>
-            <a:r>
-              <a:rPr lang="ru-RU" dirty="0" smtClean="0"/>
-              <a:t>Пол </a:t>
-            </a:r>
-            <a:r>
-              <a:rPr lang="ru-RU" dirty="0"/>
-              <a:t>(</a:t>
-            </a:r>
-            <a:r>
-              <a:rPr lang="ru-RU" dirty="0" err="1"/>
-              <a:t>неопределено</a:t>
-            </a:r>
-            <a:r>
-              <a:rPr lang="ru-RU" dirty="0"/>
-              <a:t>): </a:t>
-            </a:r>
-            <a:r>
-              <a:rPr lang="ru-RU" dirty="0" smtClean="0"/>
-              <a:t>2</a:t>
-            </a:r>
-          </a:p>
-          <a:p>
-            <a:pPr>
-              <a:buNone/>
-            </a:pPr>
-            <a:r>
-              <a:rPr lang="ru-RU" dirty="0"/>
-              <a:t>	</a:t>
-            </a:r>
-            <a:r>
-              <a:rPr lang="ru-RU" dirty="0" smtClean="0"/>
-              <a:t>Период </a:t>
-            </a:r>
-            <a:r>
-              <a:rPr lang="ru-RU" dirty="0"/>
-              <a:t>сбора (начало): </a:t>
-            </a:r>
-            <a:r>
-              <a:rPr lang="ru-RU" dirty="0" smtClean="0"/>
-              <a:t>01.03.2020</a:t>
-            </a:r>
-          </a:p>
-          <a:p>
-            <a:pPr>
-              <a:buNone/>
-            </a:pPr>
-            <a:r>
-              <a:rPr lang="ru-RU" dirty="0"/>
-              <a:t>	</a:t>
-            </a:r>
-            <a:r>
-              <a:rPr lang="ru-RU" dirty="0" smtClean="0"/>
-              <a:t>Период </a:t>
-            </a:r>
-            <a:r>
-              <a:rPr lang="ru-RU" dirty="0"/>
-              <a:t>сбора (конец): </a:t>
-            </a:r>
-            <a:r>
-              <a:rPr lang="ru-RU" dirty="0" smtClean="0"/>
-              <a:t>25.04.2020</a:t>
-            </a:r>
-          </a:p>
-          <a:p>
-            <a:pPr>
-              <a:buNone/>
-            </a:pPr>
-            <a:r>
-              <a:rPr lang="ru-RU" dirty="0"/>
-              <a:t>	</a:t>
-            </a:r>
-            <a:r>
-              <a:rPr lang="ru-RU" dirty="0" smtClean="0"/>
-              <a:t>Эпидемиологическая </a:t>
-            </a:r>
-            <a:r>
-              <a:rPr lang="ru-RU" dirty="0"/>
-              <a:t>обстановка: В условиях пандемии </a:t>
-            </a:r>
-            <a:r>
-              <a:rPr lang="ru-RU" dirty="0" err="1"/>
-              <a:t>коронавирусной</a:t>
-            </a:r>
-            <a:r>
-              <a:rPr lang="ru-RU" dirty="0"/>
-              <a:t> инфекции (</a:t>
-            </a:r>
-            <a:r>
-              <a:rPr lang="ru-RU" dirty="0" err="1"/>
-              <a:t>COVID-19</a:t>
-            </a:r>
-            <a:r>
-              <a:rPr lang="ru-RU" dirty="0"/>
-              <a:t>)</a:t>
-            </a:r>
+          <a:p>
+            <a:endParaRPr lang="ru-RU" dirty="0"/>
           </a:p>
         </p:txBody>
       </p:sp>
@@ -5847,114 +5600,55 @@
         <p:spPr/>
         <p:txBody>
           <a:bodyPr>
-            <a:normAutofit/>
+            <a:noAutofit/>
           </a:bodyPr>
           <a:lstStyle/>
           <a:p>
             <a:r>
-              <a:rPr lang="ru-RU" dirty="0" smtClean="0">
-                <a:hlinkClick r:id="rId2"/>
-              </a:rPr>
-              <a:t>Назначение</a:t>
-            </a:r>
-            <a:endParaRPr lang="ru-RU" dirty="0"/>
-          </a:p>
-        </p:txBody>
-      </p:sp>
-      <p:sp>
-        <p:nvSpPr>
-          <p:cNvPr id="3" name="Содержимое 2"/>
-          <p:cNvSpPr>
-            <a:spLocks noGrp="1"/>
-          </p:cNvSpPr>
+              <a:rPr lang="ru-RU" sz="1800" dirty="0"/>
+              <a:t/>
+            </a:r>
+            <a:br>
+              <a:rPr lang="ru-RU" sz="1800" dirty="0"/>
+            </a:br>
+            <a:endParaRPr lang="ru-RU" sz="1800" dirty="0"/>
+          </a:p>
+        </p:txBody>
+      </p:sp>
+      <p:pic>
+        <p:nvPicPr>
+          <p:cNvPr id="2050" name="Picture 2"/>
+          <p:cNvPicPr>
+            <a:picLocks noGrp="1" noChangeAspect="1" noChangeArrowheads="1"/>
+          </p:cNvPicPr>
           <p:nvPr>
             <p:ph idx="1"/>
           </p:nvPr>
-        </p:nvSpPr>
-        <p:spPr/>
-        <p:txBody>
-          <a:bodyPr>
-            <a:normAutofit/>
-          </a:bodyPr>
-          <a:lstStyle/>
-          <a:p>
-            <a:r>
-              <a:rPr lang="ru-RU" b="1" dirty="0" smtClean="0"/>
-              <a:t>Клиническая/практическая/научная </a:t>
-            </a:r>
-            <a:r>
-              <a:rPr lang="ru-RU" b="1" dirty="0"/>
-              <a:t>задача создания набора данных:</a:t>
-            </a:r>
-            <a:r>
-              <a:rPr lang="ru-RU" dirty="0"/>
-              <a:t> Определение степени поражения паренхимы легкого при </a:t>
-            </a:r>
-            <a:r>
-              <a:rPr lang="ru-RU" dirty="0" err="1" smtClean="0"/>
-              <a:t>COVID-19</a:t>
-            </a:r>
-            <a:endParaRPr lang="ru-RU" dirty="0" smtClean="0"/>
-          </a:p>
-          <a:p>
-            <a:r>
-              <a:rPr lang="ru-RU" b="1" dirty="0" smtClean="0"/>
-              <a:t>Назначение </a:t>
-            </a:r>
-            <a:r>
-              <a:rPr lang="ru-RU" b="1" dirty="0" err="1"/>
-              <a:t>датасета</a:t>
-            </a:r>
-            <a:r>
-              <a:rPr lang="ru-RU" b="1" dirty="0"/>
-              <a:t>:</a:t>
-            </a:r>
-            <a:r>
-              <a:rPr lang="ru-RU" dirty="0"/>
-              <a:t> Обучение ИИ </a:t>
-            </a:r>
-            <a:r>
-              <a:rPr lang="ru-RU" dirty="0" smtClean="0"/>
-              <a:t>алгоритма</a:t>
-            </a:r>
-          </a:p>
-          <a:p>
-            <a:r>
-              <a:rPr lang="ru-RU" b="1" dirty="0" smtClean="0"/>
-              <a:t>Вариант</a:t>
-            </a:r>
-            <a:r>
-              <a:rPr lang="ru-RU" b="1" dirty="0"/>
-              <a:t>:</a:t>
-            </a:r>
-            <a:r>
-              <a:rPr lang="ru-RU" dirty="0"/>
-              <a:t> </a:t>
-            </a:r>
-            <a:r>
-              <a:rPr lang="ru-RU" dirty="0" err="1"/>
-              <a:t>SC</a:t>
-            </a:r>
-            <a:r>
-              <a:rPr lang="ru-RU" dirty="0"/>
-              <a:t> - </a:t>
-            </a:r>
-            <a:r>
-              <a:rPr lang="ru-RU" dirty="0" err="1"/>
-              <a:t>special</a:t>
-            </a:r>
-            <a:r>
-              <a:rPr lang="ru-RU" dirty="0"/>
-              <a:t> </a:t>
-            </a:r>
-            <a:r>
-              <a:rPr lang="ru-RU" dirty="0" err="1"/>
-              <a:t>case</a:t>
-            </a:r>
-            <a:endParaRPr lang="ru-RU" dirty="0"/>
-          </a:p>
-        </p:txBody>
-      </p:sp>
+        </p:nvPicPr>
+        <p:blipFill>
+          <a:blip r:embed="rId2" cstate="print"/>
+          <a:srcRect/>
+          <a:stretch>
+            <a:fillRect/>
+          </a:stretch>
+        </p:blipFill>
+        <p:spPr bwMode="auto">
+          <a:xfrm>
+            <a:off x="457200" y="2097419"/>
+            <a:ext cx="8229600" cy="3531525"/>
+          </a:xfrm>
+          <a:prstGeom prst="rect">
+            <a:avLst/>
+          </a:prstGeom>
+          <a:noFill/>
+          <a:ln w="9525">
+            <a:noFill/>
+            <a:miter lim="800000"/>
+            <a:headEnd/>
+            <a:tailEnd/>
+          </a:ln>
+        </p:spPr>
+      </p:pic>
     </p:spTree>
   </p:cSld>
   <p:clrMapOvr>
@@ -6001,7 +5695,7 @@
               <a:rPr lang="ru-RU" dirty="0" smtClean="0">
                 <a:hlinkClick r:id="rId2"/>
               </a:rPr>
-              <a:t>Разметка и верификация</a:t>
+              <a:t>Клинические параметры</a:t>
             </a:r>
             <a:endParaRPr lang="ru-RU" dirty="0"/>
           </a:p>
@@ -6020,39 +5714,30 @@
         <p:spPr/>
         <p:txBody>
           <a:bodyPr>
-            <a:normAutofit fontScale="40000" lnSpcReduction="20000"/>
+            <a:normAutofit fontScale="47500" lnSpcReduction="20000"/>
           </a:bodyPr>
           <a:lstStyle/>
           <a:p>
             <a:r>
-              <a:rPr lang="ru-RU" b="1" dirty="0" err="1" smtClean="0"/>
-              <a:t>РазметкаУровень</a:t>
-            </a:r>
-            <a:r>
               <a:rPr lang="ru-RU" b="1" dirty="0" smtClean="0"/>
-              <a:t> </a:t>
-            </a:r>
+              <a:t>Целевые нозологии</a:t>
+            </a:r>
+          </a:p>
+          <a:p>
+            <a:pPr>
+              <a:buNone/>
+            </a:pPr>
             <a:r>
               <a:rPr lang="ru-RU" b="1" dirty="0"/>
-              <a:t>разметки:</a:t>
-            </a:r>
-            <a:r>
-              <a:rPr lang="ru-RU" dirty="0"/>
-              <a:t> Изображение, </a:t>
-            </a:r>
-            <a:r>
-              <a:rPr lang="ru-RU" dirty="0" smtClean="0"/>
-              <a:t>Исследование</a:t>
-            </a:r>
-          </a:p>
-          <a:p>
+              <a:t>	</a:t>
+            </a:r>
             <a:r>
               <a:rPr lang="ru-RU" b="1" dirty="0" smtClean="0"/>
-              <a:t>Способы </a:t>
+              <a:t>Целевые </a:t>
             </a:r>
             <a:r>
               <a:rPr lang="ru-RU" b="1" dirty="0" err="1"/>
-              <a:t>предразметки</a:t>
+              <a:t>патологии\признаки</a:t>
             </a:r>
             <a:r>
               <a:rPr lang="ru-RU" b="1" dirty="0"/>
@@ -6063,118 +5748,303 @@
               <a:t> </a:t>
             </a:r>
             <a:r>
+              <a:rPr lang="ru-RU" dirty="0" err="1" smtClean="0"/>
+              <a:t>COVID-19</a:t>
+            </a:r>
+            <a:endParaRPr lang="ru-RU" dirty="0" smtClean="0"/>
+          </a:p>
+          <a:p>
+            <a:pPr>
+              <a:buNone/>
+            </a:pPr>
+            <a:r>
+              <a:rPr lang="ru-RU" b="1" dirty="0"/>
+              <a:t>	</a:t>
+            </a:r>
+            <a:r>
+              <a:rPr lang="ru-RU" b="1" dirty="0" smtClean="0"/>
+              <a:t>Код </a:t>
+            </a:r>
+            <a:r>
+              <a:rPr lang="ru-RU" b="1" dirty="0" err="1"/>
+              <a:t>МКБ-10</a:t>
+            </a:r>
+            <a:r>
+              <a:rPr lang="ru-RU" b="1" dirty="0"/>
+              <a:t> целевой патологии:</a:t>
+            </a:r>
+            <a:r>
+              <a:rPr lang="ru-RU" dirty="0"/>
+              <a:t> </a:t>
+            </a:r>
+            <a:r>
+              <a:rPr lang="ru-RU" dirty="0" err="1" smtClean="0"/>
+              <a:t>U07.1</a:t>
+            </a:r>
+            <a:endParaRPr lang="ru-RU" dirty="0" smtClean="0"/>
+          </a:p>
+          <a:p>
+            <a:r>
+              <a:rPr lang="ru-RU" b="1" dirty="0" smtClean="0"/>
+              <a:t>Параметры популяции</a:t>
+            </a:r>
+          </a:p>
+          <a:p>
+            <a:pPr>
+              <a:buNone/>
+            </a:pPr>
+            <a:r>
+              <a:rPr lang="ru-RU" b="1" dirty="0"/>
+              <a:t>	</a:t>
+            </a:r>
+            <a:r>
+              <a:rPr lang="ru-RU" b="1" dirty="0" smtClean="0"/>
+              <a:t>Критерии </a:t>
+            </a:r>
+            <a:r>
+              <a:rPr lang="ru-RU" b="1" dirty="0"/>
+              <a:t>включения/</a:t>
+            </a:r>
+            <a:r>
+              <a:rPr lang="ru-RU" b="1" dirty="0" err="1"/>
+              <a:t>невключения</a:t>
+            </a:r>
+            <a:r>
+              <a:rPr lang="ru-RU" b="1" dirty="0"/>
+              <a:t> пациента</a:t>
+            </a:r>
+            <a:r>
+              <a:rPr lang="ru-RU" b="1" dirty="0" smtClean="0"/>
+              <a:t>:</a:t>
+            </a:r>
+          </a:p>
+          <a:p>
+            <a:pPr>
+              <a:buNone/>
+            </a:pPr>
+            <a:r>
+              <a:rPr lang="ru-RU" b="1" dirty="0"/>
+              <a:t>	</a:t>
+            </a:r>
+            <a:r>
               <a:rPr lang="ru-RU" dirty="0" smtClean="0"/>
-              <a:t>Нет</a:t>
-            </a:r>
-          </a:p>
-          <a:p>
-            <a:r>
-              <a:rPr lang="ru-RU" b="1" dirty="0" smtClean="0"/>
-              <a:t>Характер </a:t>
-            </a:r>
-            <a:r>
-              <a:rPr lang="ru-RU" b="1" dirty="0"/>
-              <a:t>разметки:</a:t>
-            </a:r>
-            <a:r>
-              <a:rPr lang="ru-RU" dirty="0"/>
-              <a:t> </a:t>
-            </a:r>
+              <a:t>Критерии </a:t>
+            </a:r>
+            <a:r>
+              <a:rPr lang="ru-RU" dirty="0"/>
+              <a:t>включения пациента: Возраст ≥18 лет</a:t>
+            </a:r>
+            <a:br>
+              <a:rPr lang="ru-RU" dirty="0"/>
+            </a:br>
+            <a:r>
+              <a:rPr lang="ru-RU" dirty="0"/>
+              <a:t>Критерии </a:t>
+            </a:r>
+            <a:r>
+              <a:rPr lang="ru-RU" dirty="0" err="1"/>
+              <a:t>невключения</a:t>
+            </a:r>
+            <a:r>
+              <a:rPr lang="ru-RU" dirty="0"/>
+              <a:t> пациента: Наличие оперативных вмешательств, лучевой терапии в анамнезе для лечения заболеваний в области грудной клетки</a:t>
+            </a:r>
+          </a:p>
+          <a:p>
+            <a:pPr>
+              <a:buNone/>
+            </a:pPr>
             <a:r>
               <a:rPr lang="ru-RU" dirty="0" smtClean="0"/>
-              <a:t>Бинарная</a:t>
-            </a:r>
-          </a:p>
-          <a:p>
-            <a:r>
-              <a:rPr lang="ru-RU" b="1" dirty="0" smtClean="0"/>
-              <a:t>Количество </a:t>
-            </a:r>
-            <a:r>
-              <a:rPr lang="ru-RU" b="1" dirty="0"/>
-              <a:t>лейблов:</a:t>
-            </a:r>
-            <a:r>
-              <a:rPr lang="ru-RU" dirty="0"/>
-              <a:t> </a:t>
+              <a:t>	Возраст </a:t>
+            </a:r>
+            <a:r>
+              <a:rPr lang="ru-RU" dirty="0"/>
+              <a:t>(мин., лет): </a:t>
             </a:r>
             <a:r>
               <a:rPr lang="ru-RU" dirty="0" smtClean="0"/>
-              <a:t>1</a:t>
-            </a:r>
-          </a:p>
-          <a:p>
-            <a:r>
-              <a:rPr lang="ru-RU" b="1" dirty="0" smtClean="0"/>
-              <a:t>Характер </a:t>
-            </a:r>
-            <a:r>
-              <a:rPr lang="ru-RU" b="1" dirty="0"/>
-              <a:t>лейблов:</a:t>
-            </a:r>
-            <a:r>
-              <a:rPr lang="ru-RU" dirty="0"/>
-              <a:t> </a:t>
+              <a:t>18</a:t>
+            </a:r>
+          </a:p>
+          <a:p>
+            <a:pPr>
+              <a:buNone/>
+            </a:pPr>
+            <a:r>
+              <a:rPr lang="ru-RU" dirty="0"/>
+              <a:t>	</a:t>
+            </a:r>
+            <a:r>
+              <a:rPr lang="ru-RU" dirty="0" smtClean="0"/>
+              <a:t>Возраст </a:t>
+            </a:r>
+            <a:r>
+              <a:rPr lang="ru-RU" dirty="0"/>
+              <a:t>(макс., лет): </a:t>
+            </a:r>
+            <a:r>
+              <a:rPr lang="ru-RU" dirty="0" smtClean="0"/>
+              <a:t>97</a:t>
+            </a:r>
+          </a:p>
+          <a:p>
+            <a:pPr>
+              <a:buNone/>
+            </a:pPr>
+            <a:r>
+              <a:rPr lang="ru-RU" dirty="0"/>
+              <a:t>	</a:t>
+            </a:r>
+            <a:r>
+              <a:rPr lang="ru-RU" dirty="0" smtClean="0"/>
+              <a:t>Возраст </a:t>
+            </a:r>
+            <a:r>
+              <a:rPr lang="ru-RU" dirty="0"/>
+              <a:t>(медиана, лет): </a:t>
+            </a:r>
+            <a:r>
+              <a:rPr lang="ru-RU" dirty="0" smtClean="0"/>
+              <a:t>47,0</a:t>
+            </a:r>
+          </a:p>
+          <a:p>
+            <a:pPr>
+              <a:buNone/>
+            </a:pPr>
+            <a:r>
+              <a:rPr lang="ru-RU" dirty="0"/>
+              <a:t>	</a:t>
+            </a:r>
+            <a:r>
+              <a:rPr lang="ru-RU" dirty="0" smtClean="0"/>
+              <a:t>Пол </a:t>
+            </a:r>
+            <a:r>
+              <a:rPr lang="ru-RU" dirty="0"/>
+              <a:t>(М): </a:t>
+            </a:r>
+            <a:r>
+              <a:rPr lang="ru-RU" dirty="0" smtClean="0"/>
+              <a:t>42</a:t>
+            </a:r>
+          </a:p>
+          <a:p>
+            <a:pPr>
+              <a:buNone/>
+            </a:pPr>
+            <a:r>
+              <a:rPr lang="ru-RU" dirty="0"/>
+              <a:t>	</a:t>
+            </a:r>
+            <a:r>
+              <a:rPr lang="ru-RU" dirty="0" smtClean="0"/>
+              <a:t>Пол </a:t>
+            </a:r>
+            <a:r>
+              <a:rPr lang="ru-RU" dirty="0"/>
+              <a:t>(Ж): </a:t>
+            </a:r>
+            <a:r>
+              <a:rPr lang="ru-RU" dirty="0" smtClean="0"/>
+              <a:t>56</a:t>
+            </a:r>
+          </a:p>
+          <a:p>
+            <a:pPr>
+              <a:buNone/>
+            </a:pPr>
+            <a:r>
+              <a:rPr lang="ru-RU" dirty="0"/>
+              <a:t>	</a:t>
+            </a:r>
+            <a:r>
+              <a:rPr lang="ru-RU" dirty="0" smtClean="0"/>
+              <a:t>Пол </a:t>
+            </a:r>
+            <a:r>
+              <a:rPr lang="ru-RU" dirty="0"/>
+              <a:t>(</a:t>
             </a:r>
             <a:r>
               <a:rPr lang="ru-RU" dirty="0" err="1"/>
-              <a:t>Мультикласс</a:t>
-            </a:r>
-            <a:r>
-              <a:rPr lang="ru-RU" dirty="0"/>
-              <a:t> (1 лейбл, </a:t>
+              <a:t>неопределено</a:t>
+            </a:r>
+            <a:r>
+              <a:rPr lang="ru-RU" dirty="0"/>
+              <a:t>): </a:t>
+            </a:r>
+            <a:r>
+              <a:rPr lang="ru-RU" dirty="0" smtClean="0"/>
+              <a:t>2</a:t>
+            </a:r>
+          </a:p>
+          <a:p>
+            <a:pPr>
+              <a:buNone/>
+            </a:pPr>
+            <a:r>
+              <a:rPr lang="ru-RU" dirty="0"/>
+              <a:t>	</a:t>
+            </a:r>
+            <a:r>
+              <a:rPr lang="ru-RU" dirty="0" smtClean="0"/>
+              <a:t>Период </a:t>
+            </a:r>
+            <a:r>
+              <a:rPr lang="ru-RU" dirty="0"/>
+              <a:t>сбора (начало): </a:t>
+            </a:r>
+            <a:r>
+              <a:rPr lang="ru-RU" dirty="0" smtClean="0"/>
+              <a:t>01.03.2020</a:t>
+            </a:r>
+          </a:p>
+          <a:p>
+            <a:pPr>
+              <a:buNone/>
+            </a:pPr>
+            <a:r>
+              <a:rPr lang="ru-RU" dirty="0"/>
+              <a:t>	</a:t>
+            </a:r>
+            <a:r>
+              <a:rPr lang="ru-RU" dirty="0" smtClean="0"/>
+              <a:t>Период </a:t>
+            </a:r>
+            <a:r>
+              <a:rPr lang="ru-RU" dirty="0"/>
+              <a:t>сбора (конец): </a:t>
+            </a:r>
+            <a:r>
+              <a:rPr lang="ru-RU" dirty="0" smtClean="0"/>
+              <a:t>25.04.2020</a:t>
+            </a:r>
+          </a:p>
+          <a:p>
+            <a:pPr>
+              <a:buNone/>
+            </a:pPr>
+            <a:r>
+              <a:rPr lang="ru-RU" dirty="0"/>
+              <a:t>	</a:t>
+            </a:r>
+            <a:r>
+              <a:rPr lang="ru-RU" dirty="0" smtClean="0"/>
+              <a:t>Эпидемиологическая </a:t>
+            </a:r>
+            <a:r>
+              <a:rPr lang="ru-RU" dirty="0"/>
+              <a:t>обстановка: В условиях пандемии </a:t>
             </a:r>
             <a:r>
               <a:rPr lang="ru-RU" dirty="0" err="1"/>
-              <a:t>M</a:t>
-            </a:r>
-            <a:r>
-              <a:rPr lang="ru-RU" dirty="0"/>
-              <a:t> классов, </a:t>
-            </a:r>
-            <a:r>
-              <a:rPr lang="ru-RU" dirty="0" err="1"/>
-              <a:t>M</a:t>
-            </a:r>
-            <a:r>
-              <a:rPr lang="ru-RU" dirty="0"/>
-              <a:t>&gt;2</a:t>
-            </a:r>
-            <a:r>
-              <a:rPr lang="ru-RU" dirty="0" smtClean="0"/>
-              <a:t>)</a:t>
-            </a:r>
-          </a:p>
-          <a:p>
-            <a:r>
-              <a:rPr lang="ru-RU" b="1" dirty="0" smtClean="0"/>
-              <a:t>Уровень </a:t>
-            </a:r>
-            <a:r>
-              <a:rPr lang="ru-RU" b="1" dirty="0"/>
-              <a:t>детализации лейблов:</a:t>
-            </a:r>
-            <a:r>
-              <a:rPr lang="ru-RU" dirty="0"/>
-              <a:t> </a:t>
-            </a:r>
-            <a:r>
-              <a:rPr lang="ru-RU" dirty="0" smtClean="0"/>
-              <a:t>Исследование/серия/изображение</a:t>
-            </a:r>
-          </a:p>
-          <a:p>
-            <a:r>
-              <a:rPr lang="ru-RU" b="1" dirty="0" smtClean="0"/>
-              <a:t>Названия </a:t>
-            </a:r>
-            <a:r>
-              <a:rPr lang="ru-RU" b="1" dirty="0"/>
-              <a:t>лейблов:</a:t>
-            </a:r>
-            <a:r>
-              <a:rPr lang="ru-RU" dirty="0"/>
-              <a:t> Признаки поражения паренхимы легкого при </a:t>
+              <a:t>коронавирусной</a:t>
+            </a:r>
+            <a:r>
+              <a:rPr lang="ru-RU" dirty="0"/>
+              <a:t> инфекции (</a:t>
             </a:r>
             <a:r>
               <a:rPr lang="ru-RU" dirty="0" err="1"/>
@@ -6182,156 +6052,8 @@
             </a:r>
             <a:r>
               <a:rPr lang="ru-RU" dirty="0"/>
-              <a:t> согласно -Базовые диагностические требования от августа </a:t>
-            </a:r>
-            <a:r>
-              <a:rPr lang="ru-RU" dirty="0" err="1" smtClean="0"/>
-              <a:t>2021г</a:t>
-            </a:r>
-            <a:endParaRPr lang="ru-RU" dirty="0" smtClean="0"/>
-          </a:p>
-          <a:p>
-            <a:r>
-              <a:rPr lang="ru-RU" b="1" dirty="0" smtClean="0"/>
-              <a:t>Количество </a:t>
-            </a:r>
-            <a:r>
-              <a:rPr lang="ru-RU" b="1" dirty="0"/>
-              <a:t>классов:</a:t>
-            </a:r>
-            <a:r>
-              <a:rPr lang="ru-RU" dirty="0"/>
-              <a:t> </a:t>
-            </a:r>
-            <a:r>
-              <a:rPr lang="ru-RU" dirty="0" smtClean="0"/>
-              <a:t>2</a:t>
-            </a:r>
-          </a:p>
-          <a:p>
-            <a:r>
-              <a:rPr lang="ru-RU" b="1" dirty="0" smtClean="0"/>
-              <a:t>Названия </a:t>
-            </a:r>
-            <a:r>
-              <a:rPr lang="ru-RU" b="1" dirty="0"/>
-              <a:t>классов:</a:t>
-            </a:r>
-            <a:r>
-              <a:rPr lang="ru-RU" dirty="0"/>
-              <a:t> Без целевой патологии - 0; С целевой патологией </a:t>
-            </a:r>
-            <a:r>
-              <a:rPr lang="ru-RU" dirty="0" smtClean="0"/>
-              <a:t>– 1</a:t>
-            </a:r>
-          </a:p>
-          <a:p>
-            <a:r>
-              <a:rPr lang="ru-RU" b="1" dirty="0" smtClean="0"/>
-              <a:t>Количество </a:t>
-            </a:r>
-            <a:r>
-              <a:rPr lang="ru-RU" b="1" dirty="0"/>
-              <a:t>по классам:</a:t>
-            </a:r>
-            <a:r>
-              <a:rPr lang="ru-RU" dirty="0"/>
-              <a:t> КТ-0 ― 254 (22,8%), КТ-1 ― 684 (61,6%), КТ-2 ― 125 (11,3%), КТ-3 ― 45 (4,1%), КТ-4 ― 2 (0,2</a:t>
-            </a:r>
-            <a:r>
-              <a:rPr lang="ru-RU" dirty="0" smtClean="0"/>
-              <a:t>%).</a:t>
-            </a:r>
-          </a:p>
-          <a:p>
-            <a:r>
-              <a:rPr lang="ru-RU" b="1" dirty="0" smtClean="0"/>
-              <a:t>Критерии </a:t>
-            </a:r>
-            <a:r>
-              <a:rPr lang="ru-RU" b="1" dirty="0"/>
-              <a:t>отнесения к </a:t>
-            </a:r>
-            <a:r>
-              <a:rPr lang="ru-RU" b="1" dirty="0" err="1"/>
-              <a:t>классам:</a:t>
-            </a:r>
-            <a:r>
-              <a:rPr lang="ru-RU" dirty="0" err="1"/>
-              <a:t>С</a:t>
-            </a:r>
-            <a:r>
-              <a:rPr lang="ru-RU" dirty="0"/>
-              <a:t> патологией:</a:t>
-            </a:r>
-          </a:p>
-          <a:p>
-            <a:r>
-              <a:rPr lang="ru-RU" dirty="0"/>
-              <a:t>Инфильтрация легочной паренхимы по типу матовых стекол с обеих сторон, преимущественно периферической локализации с или без инфильтрацией легочной паренхимы по типу консолидации с положительным признаком воздушной </a:t>
-            </a:r>
-            <a:r>
-              <a:rPr lang="ru-RU" dirty="0" err="1"/>
-              <a:t>бронхограммы</a:t>
-            </a:r>
-            <a:r>
-              <a:rPr lang="ru-RU" dirty="0"/>
-              <a:t>;</a:t>
-            </a:r>
-          </a:p>
-          <a:p>
-            <a:r>
-              <a:rPr lang="ru-RU" dirty="0"/>
-              <a:t>Инфильтрация легочной паренхимы по типу булыжной мостовой (утолщение </a:t>
-            </a:r>
-            <a:r>
-              <a:rPr lang="ru-RU" dirty="0" err="1"/>
-              <a:t>междолькового</a:t>
-            </a:r>
-            <a:r>
-              <a:rPr lang="ru-RU" dirty="0"/>
-              <a:t> </a:t>
-            </a:r>
-            <a:r>
-              <a:rPr lang="ru-RU" dirty="0" err="1"/>
-              <a:t>интерстиция</a:t>
-            </a:r>
-            <a:r>
-              <a:rPr lang="ru-RU" dirty="0"/>
-              <a:t> на фоне матового стекла) с обеих сторон, преимущественно периферической локализации, с или или без инфильтрацией легочной паренхимы по типу консолидации с положительным признаком воздушной </a:t>
-            </a:r>
-            <a:r>
-              <a:rPr lang="ru-RU" dirty="0" err="1"/>
-              <a:t>бронхограммы</a:t>
-            </a:r>
-            <a:r>
-              <a:rPr lang="ru-RU" dirty="0"/>
-              <a:t>.</a:t>
-            </a:r>
-          </a:p>
-          <a:p>
-            <a:r>
-              <a:rPr lang="ru-RU" dirty="0"/>
-              <a:t>Без патологии: отсутствие вышеперечисленных признаков</a:t>
-            </a:r>
-          </a:p>
-          <a:p>
-            <a:r>
-              <a:rPr lang="ru-RU" b="1" dirty="0" err="1"/>
-              <a:t>ВерификацияМетод</a:t>
-            </a:r>
-            <a:r>
-              <a:rPr lang="ru-RU" b="1" dirty="0"/>
-              <a:t> верификации:</a:t>
-            </a:r>
-            <a:r>
-              <a:rPr lang="ru-RU" dirty="0"/>
-              <a:t> Экспертная оценка разметки (1 эксперт либо консенсус)</a:t>
-            </a:r>
-          </a:p>
-          <a:p>
-            <a:endParaRPr lang="ru-RU" dirty="0"/>
+              <a:t>)</a:t>
+            </a:r>
           </a:p>
         </p:txBody>
       </p:sp>
@@ -6381,7 +6103,7 @@
               <a:rPr lang="ru-RU" dirty="0" smtClean="0">
                 <a:hlinkClick r:id="rId2"/>
               </a:rPr>
-              <a:t>Технические параметры</a:t>
+              <a:t>Назначение</a:t>
             </a:r>
             <a:endParaRPr lang="ru-RU" dirty="0"/>
           </a:p>
@@ -6400,276 +6122,83 @@
         <p:spPr/>
         <p:txBody>
           <a:bodyPr>
-            <a:normAutofit fontScale="47500" lnSpcReduction="20000"/>
+            <a:normAutofit/>
           </a:bodyPr>
           <a:lstStyle/>
           <a:p>
             <a:r>
               <a:rPr lang="ru-RU" b="1" dirty="0" smtClean="0"/>
-              <a:t>Условия </a:t>
+              <a:t>Клиническая/практическая/научная </a:t>
             </a:r>
             <a:r>
               <a:rPr lang="ru-RU" b="1" dirty="0"/>
-              <a:t>сбора </a:t>
-            </a:r>
+              <a:t>задача создания набора данных:</a:t>
+            </a:r>
+            <a:r>
+              <a:rPr lang="ru-RU" dirty="0"/>
+              <a:t> Определение степени поражения паренхимы легкого при </a:t>
+            </a:r>
+            <a:r>
+              <a:rPr lang="ru-RU" dirty="0" err="1" smtClean="0"/>
+              <a:t>COVID-19</a:t>
+            </a:r>
+            <a:endParaRPr lang="ru-RU" dirty="0" smtClean="0"/>
+          </a:p>
+          <a:p>
             <a:r>
               <a:rPr lang="ru-RU" b="1" dirty="0" smtClean="0"/>
-              <a:t>данных</a:t>
-            </a:r>
-          </a:p>
-          <a:p>
-            <a:pPr>
-              <a:buNone/>
-            </a:pPr>
+              <a:t>Назначение </a:t>
+            </a:r>
+            <a:r>
+              <a:rPr lang="ru-RU" b="1" dirty="0" err="1"/>
+              <a:t>датасета</a:t>
+            </a:r>
+            <a:r>
+              <a:rPr lang="ru-RU" b="1" dirty="0"/>
+              <a:t>:</a:t>
+            </a:r>
+            <a:r>
+              <a:rPr lang="ru-RU" dirty="0"/>
+              <a:t> Обучение ИИ </a:t>
+            </a:r>
+            <a:r>
+              <a:rPr lang="ru-RU" dirty="0" smtClean="0"/>
+              <a:t>алгоритма</a:t>
+            </a:r>
+          </a:p>
+          <a:p>
             <a:r>
               <a:rPr lang="ru-RU" b="1" dirty="0" smtClean="0"/>
-              <a:t>	Критерии </a:t>
+              <a:t>Вариант</a:t>
             </a:r>
             <a:r>
               <a:rPr lang="ru-RU" b="1" dirty="0"/>
-              <a:t>включения/</a:t>
-            </a:r>
-            <a:r>
-              <a:rPr lang="ru-RU" b="1" dirty="0" err="1"/>
-              <a:t>невключения</a:t>
-            </a:r>
-            <a:r>
-              <a:rPr lang="ru-RU" b="1" dirty="0"/>
-              <a:t> исследования в </a:t>
-            </a:r>
-            <a:r>
-              <a:rPr lang="ru-RU" b="1" dirty="0" err="1"/>
-              <a:t>датасет:</a:t>
+              <a:t>:</a:t>
+            </a:r>
+            <a:r>
+              <a:rPr lang="ru-RU" dirty="0"/>
+              <a:t> </a:t>
             </a:r>
             <a:r>
               <a:rPr lang="ru-RU" dirty="0" err="1"/>
-              <a:t>Сбор</a:t>
-            </a:r>
-            <a:r>
-              <a:rPr lang="ru-RU" dirty="0"/>
-              <a:t> данных осуществлялся в 48 медицинских организаций в период с 1 марта по 25 апреля 2020 г у пациентов с подозрением на изменения в легких при </a:t>
+              <a:t>SC</a:t>
+            </a:r>
+            <a:r>
+              <a:rPr lang="ru-RU" dirty="0"/>
+              <a:t> - </a:t>
             </a:r>
             <a:r>
               <a:rPr lang="ru-RU" dirty="0" err="1"/>
-              <a:t>COVID-19</a:t>
-            </a:r>
-            <a:endParaRPr lang="ru-RU" dirty="0"/>
-          </a:p>
-          <a:p>
-            <a:pPr>
-              <a:buNone/>
-            </a:pPr>
-            <a:r>
-              <a:rPr lang="ru-RU" b="1" dirty="0" smtClean="0"/>
-              <a:t>	Протоколы </a:t>
-            </a:r>
-            <a:r>
-              <a:rPr lang="ru-RU" b="1" dirty="0"/>
-              <a:t>и условия сбора </a:t>
-            </a:r>
-            <a:r>
-              <a:rPr lang="ru-RU" b="1" dirty="0" err="1"/>
-              <a:t>данных:</a:t>
+              <a:t>special</a:t>
+            </a:r>
+            <a:r>
+              <a:rPr lang="ru-RU" dirty="0"/>
+              <a:t> </a:t>
             </a:r>
             <a:r>
               <a:rPr lang="ru-RU" dirty="0" err="1"/>
-              <a:t>КТ-протокол</a:t>
-            </a:r>
-            <a:r>
-              <a:rPr lang="ru-RU" dirty="0"/>
-              <a:t> сканирования </a:t>
-            </a:r>
-            <a:r>
-              <a:rPr lang="ru-RU" dirty="0" err="1"/>
-              <a:t>Chest</a:t>
-            </a:r>
-            <a:r>
-              <a:rPr lang="ru-RU" dirty="0"/>
-              <a:t> (рутинные КТ грудной клетки), сканирование выполнено в положении пациента на спине, при задержке дыхания на глубине вдоха, руки убраны за голову</a:t>
-            </a:r>
-          </a:p>
-          <a:p>
-            <a:r>
-              <a:rPr lang="ru-RU" b="1" dirty="0"/>
-              <a:t>Единичная запись набора </a:t>
-            </a:r>
-            <a:r>
-              <a:rPr lang="ru-RU" b="1" dirty="0" smtClean="0"/>
-              <a:t>данных</a:t>
-            </a:r>
-          </a:p>
-          <a:p>
-            <a:pPr>
-              <a:buNone/>
-            </a:pPr>
-            <a:r>
-              <a:rPr lang="ru-RU" b="1" dirty="0"/>
-              <a:t>	</a:t>
-            </a:r>
-            <a:r>
-              <a:rPr lang="ru-RU" b="1" dirty="0" smtClean="0"/>
-              <a:t>Объект </a:t>
-            </a:r>
-            <a:r>
-              <a:rPr lang="ru-RU" b="1" dirty="0"/>
-              <a:t>разметки:</a:t>
-            </a:r>
-            <a:r>
-              <a:rPr lang="ru-RU" dirty="0"/>
-              <a:t> </a:t>
-            </a:r>
-            <a:r>
-              <a:rPr lang="ru-RU" dirty="0" smtClean="0"/>
-              <a:t>Исследование</a:t>
-            </a:r>
-          </a:p>
-          <a:p>
-            <a:pPr>
-              <a:buNone/>
-            </a:pPr>
-            <a:r>
-              <a:rPr lang="ru-RU" b="1" dirty="0" smtClean="0"/>
-              <a:t>	Результат </a:t>
-            </a:r>
-            <a:r>
-              <a:rPr lang="ru-RU" b="1" dirty="0"/>
-              <a:t>разметки:</a:t>
-            </a:r>
-            <a:r>
-              <a:rPr lang="ru-RU" dirty="0"/>
-              <a:t> Целевая патология / отсутствие целевой патологии; бинарные маски </a:t>
-            </a:r>
-            <a:r>
-              <a:rPr lang="ru-RU" dirty="0" smtClean="0"/>
-              <a:t>изображений</a:t>
-            </a:r>
-          </a:p>
-          <a:p>
-            <a:r>
-              <a:rPr lang="ru-RU" b="1" dirty="0" smtClean="0"/>
-              <a:t>Форматы </a:t>
-            </a:r>
-            <a:r>
-              <a:rPr lang="ru-RU" b="1" dirty="0"/>
-              <a:t>записи набора </a:t>
-            </a:r>
-            <a:r>
-              <a:rPr lang="ru-RU" b="1" dirty="0" smtClean="0"/>
-              <a:t>данных</a:t>
-            </a:r>
-          </a:p>
-          <a:p>
-            <a:pPr>
-              <a:buNone/>
-            </a:pPr>
-            <a:r>
-              <a:rPr lang="ru-RU" b="1" dirty="0"/>
-              <a:t>	</a:t>
-            </a:r>
-            <a:r>
-              <a:rPr lang="ru-RU" b="1" dirty="0" smtClean="0"/>
-              <a:t>Объект </a:t>
-            </a:r>
-            <a:r>
-              <a:rPr lang="ru-RU" b="1" dirty="0"/>
-              <a:t>разметки:</a:t>
-            </a:r>
-            <a:r>
-              <a:rPr lang="ru-RU" dirty="0"/>
-              <a:t> </a:t>
-            </a:r>
-            <a:r>
-              <a:rPr lang="ru-RU" dirty="0" err="1" smtClean="0"/>
-              <a:t>NIFTI</a:t>
-            </a:r>
-            <a:endParaRPr lang="ru-RU" dirty="0" smtClean="0"/>
-          </a:p>
-          <a:p>
-            <a:pPr>
-              <a:buNone/>
-            </a:pPr>
-            <a:r>
-              <a:rPr lang="ru-RU" b="1" dirty="0"/>
-              <a:t>	</a:t>
-            </a:r>
-            <a:r>
-              <a:rPr lang="ru-RU" b="1" dirty="0" smtClean="0"/>
-              <a:t>Результат </a:t>
-            </a:r>
-            <a:r>
-              <a:rPr lang="ru-RU" b="1" dirty="0"/>
-              <a:t>разметки:</a:t>
-            </a:r>
-            <a:r>
-              <a:rPr lang="ru-RU" dirty="0"/>
-              <a:t> </a:t>
-            </a:r>
-            <a:r>
-              <a:rPr lang="ru-RU" dirty="0" smtClean="0"/>
-              <a:t>Табличный</a:t>
-            </a:r>
-          </a:p>
-          <a:p>
-            <a:r>
-              <a:rPr lang="ru-RU" b="1" dirty="0" smtClean="0"/>
-              <a:t>Объем данных</a:t>
-            </a:r>
-          </a:p>
-          <a:p>
-            <a:pPr>
-              <a:buNone/>
-            </a:pPr>
-            <a:r>
-              <a:rPr lang="ru-RU" b="1" dirty="0"/>
-              <a:t>	</a:t>
-            </a:r>
-            <a:r>
-              <a:rPr lang="ru-RU" b="1" dirty="0" smtClean="0"/>
-              <a:t>Количество </a:t>
-            </a:r>
-            <a:r>
-              <a:rPr lang="ru-RU" b="1" dirty="0"/>
-              <a:t>исследований набора данных:</a:t>
-            </a:r>
-            <a:r>
-              <a:rPr lang="ru-RU" dirty="0"/>
-              <a:t> </a:t>
-            </a:r>
-            <a:r>
-              <a:rPr lang="ru-RU" dirty="0" smtClean="0"/>
-              <a:t>1110</a:t>
-            </a:r>
-          </a:p>
-          <a:p>
-            <a:pPr>
-              <a:buNone/>
-            </a:pPr>
-            <a:r>
-              <a:rPr lang="ru-RU" b="1" dirty="0"/>
-              <a:t>	</a:t>
-            </a:r>
-            <a:r>
-              <a:rPr lang="ru-RU" b="1" dirty="0" smtClean="0"/>
-              <a:t>Количество </a:t>
-            </a:r>
-            <a:r>
-              <a:rPr lang="ru-RU" b="1" dirty="0"/>
-              <a:t>уникальных источников (</a:t>
-            </a:r>
-            <a:r>
-              <a:rPr lang="ru-RU" b="1" dirty="0" err="1"/>
-              <a:t>ДУ</a:t>
-            </a:r>
-            <a:r>
-              <a:rPr lang="ru-RU" b="1" dirty="0"/>
-              <a:t>):</a:t>
-            </a:r>
-            <a:r>
-              <a:rPr lang="ru-RU" dirty="0"/>
-              <a:t> 48</a:t>
-            </a:r>
-          </a:p>
-          <a:p>
+              <a:t>case</a:t>
+            </a:r>
             <a:endParaRPr lang="ru-RU" dirty="0"/>
           </a:p>
         </p:txBody>
@@ -6683,6 +6212,725 @@
 </file>
 
 <file path=ppt/slides/slide33.xml><?xml version="1.0" encoding="utf-8"?>
+<p:sld xmlns:a="http://schemas.openxmlformats.org/drawingml/2006/main" xmlns:r="http://schemas.openxmlformats.org/officeDocument/2006/relationships" xmlns:p="http://schemas.openxmlformats.org/presentationml/2006/main">
+  <p:cSld>
+    <p:spTree>
+      <p:nvGrpSpPr>
+        <p:cNvPr id="1" name=""/>
+        <p:cNvGrpSpPr/>
+        <p:nvPr/>
+      </p:nvGrpSpPr>
+      <p:grpSpPr>
+        <a:xfrm>
+          <a:off x="0" y="0"/>
+          <a:ext cx="0" cy="0"/>
+          <a:chOff x="0" y="0"/>
+          <a:chExt cx="0" cy="0"/>
+        </a:xfrm>
+      </p:grpSpPr>
+      <p:sp>
+        <p:nvSpPr>
+          <p:cNvPr id="2" name="Заголовок 1"/>
+          <p:cNvSpPr>
+            <a:spLocks noGrp="1"/>
+          </p:cNvSpPr>
+          <p:nvPr>
+            <p:ph type="title"/>
+          </p:nvPr>
+        </p:nvSpPr>
+        <p:spPr/>
+        <p:txBody>
+          <a:bodyPr>
+            <a:normAutofit/>
+          </a:bodyPr>
+          <a:lstStyle/>
+          <a:p>
+            <a:r>
+              <a:rPr lang="ru-RU" dirty="0" smtClean="0">
+                <a:hlinkClick r:id="rId2"/>
+              </a:rPr>
+              <a:t>Разметка и верификация</a:t>
+            </a:r>
+            <a:endParaRPr lang="ru-RU" dirty="0"/>
+          </a:p>
+        </p:txBody>
+      </p:sp>
+      <p:sp>
+        <p:nvSpPr>
+          <p:cNvPr id="3" name="Содержимое 2"/>
+          <p:cNvSpPr>
+            <a:spLocks noGrp="1"/>
+          </p:cNvSpPr>
+          <p:nvPr>
+            <p:ph idx="1"/>
+          </p:nvPr>
+        </p:nvSpPr>
+        <p:spPr/>
+        <p:txBody>
+          <a:bodyPr>
+            <a:normAutofit fontScale="40000" lnSpcReduction="20000"/>
+          </a:bodyPr>
+          <a:lstStyle/>
+          <a:p>
+            <a:r>
+              <a:rPr lang="ru-RU" b="1" dirty="0" err="1" smtClean="0"/>
+              <a:t>РазметкаУровень</a:t>
+            </a:r>
+            <a:r>
+              <a:rPr lang="ru-RU" b="1" dirty="0" smtClean="0"/>
+              <a:t> </a:t>
+            </a:r>
+            <a:r>
+              <a:rPr lang="ru-RU" b="1" dirty="0"/>
+              <a:t>разметки:</a:t>
+            </a:r>
+            <a:r>
+              <a:rPr lang="ru-RU" dirty="0"/>
+              <a:t> Изображение, </a:t>
+            </a:r>
+            <a:r>
+              <a:rPr lang="ru-RU" dirty="0" smtClean="0"/>
+              <a:t>Исследование</a:t>
+            </a:r>
+          </a:p>
+          <a:p>
+            <a:r>
+              <a:rPr lang="ru-RU" b="1" dirty="0" smtClean="0"/>
+              <a:t>Способы </a:t>
+            </a:r>
+            <a:r>
+              <a:rPr lang="ru-RU" b="1" dirty="0" err="1"/>
+              <a:t>предразметки</a:t>
+            </a:r>
+            <a:r>
+              <a:rPr lang="ru-RU" b="1" dirty="0"/>
+              <a:t>:</a:t>
+            </a:r>
+            <a:r>
+              <a:rPr lang="ru-RU" dirty="0"/>
+              <a:t> </a:t>
+            </a:r>
+            <a:r>
+              <a:rPr lang="ru-RU" dirty="0" smtClean="0"/>
+              <a:t>Нет</a:t>
+            </a:r>
+          </a:p>
+          <a:p>
+            <a:r>
+              <a:rPr lang="ru-RU" b="1" dirty="0" smtClean="0"/>
+              <a:t>Характер </a:t>
+            </a:r>
+            <a:r>
+              <a:rPr lang="ru-RU" b="1" dirty="0"/>
+              <a:t>разметки:</a:t>
+            </a:r>
+            <a:r>
+              <a:rPr lang="ru-RU" dirty="0"/>
+              <a:t> </a:t>
+            </a:r>
+            <a:r>
+              <a:rPr lang="ru-RU" dirty="0" smtClean="0"/>
+              <a:t>Бинарная</a:t>
+            </a:r>
+          </a:p>
+          <a:p>
+            <a:r>
+              <a:rPr lang="ru-RU" b="1" dirty="0" smtClean="0"/>
+              <a:t>Количество </a:t>
+            </a:r>
+            <a:r>
+              <a:rPr lang="ru-RU" b="1" dirty="0"/>
+              <a:t>лейблов:</a:t>
+            </a:r>
+            <a:r>
+              <a:rPr lang="ru-RU" dirty="0"/>
+              <a:t> </a:t>
+            </a:r>
+            <a:r>
+              <a:rPr lang="ru-RU" dirty="0" smtClean="0"/>
+              <a:t>1</a:t>
+            </a:r>
+          </a:p>
+          <a:p>
+            <a:r>
+              <a:rPr lang="ru-RU" b="1" dirty="0" smtClean="0"/>
+              <a:t>Характер </a:t>
+            </a:r>
+            <a:r>
+              <a:rPr lang="ru-RU" b="1" dirty="0"/>
+              <a:t>лейблов:</a:t>
+            </a:r>
+            <a:r>
+              <a:rPr lang="ru-RU" dirty="0"/>
+              <a:t> </a:t>
+            </a:r>
+            <a:r>
+              <a:rPr lang="ru-RU" dirty="0" err="1"/>
+              <a:t>Мультикласс</a:t>
+            </a:r>
+            <a:r>
+              <a:rPr lang="ru-RU" dirty="0"/>
+              <a:t> (1 лейбл, </a:t>
+            </a:r>
+            <a:r>
+              <a:rPr lang="ru-RU" dirty="0" err="1"/>
+              <a:t>M</a:t>
+            </a:r>
+            <a:r>
+              <a:rPr lang="ru-RU" dirty="0"/>
+              <a:t> классов, </a:t>
+            </a:r>
+            <a:r>
+              <a:rPr lang="ru-RU" dirty="0" err="1"/>
+              <a:t>M</a:t>
+            </a:r>
+            <a:r>
+              <a:rPr lang="ru-RU" dirty="0"/>
+              <a:t>&gt;2</a:t>
+            </a:r>
+            <a:r>
+              <a:rPr lang="ru-RU" dirty="0" smtClean="0"/>
+              <a:t>)</a:t>
+            </a:r>
+          </a:p>
+          <a:p>
+            <a:r>
+              <a:rPr lang="ru-RU" b="1" dirty="0" smtClean="0"/>
+              <a:t>Уровень </a:t>
+            </a:r>
+            <a:r>
+              <a:rPr lang="ru-RU" b="1" dirty="0"/>
+              <a:t>детализации лейблов:</a:t>
+            </a:r>
+            <a:r>
+              <a:rPr lang="ru-RU" dirty="0"/>
+              <a:t> </a:t>
+            </a:r>
+            <a:r>
+              <a:rPr lang="ru-RU" dirty="0" smtClean="0"/>
+              <a:t>Исследование/серия/изображение</a:t>
+            </a:r>
+          </a:p>
+          <a:p>
+            <a:r>
+              <a:rPr lang="ru-RU" b="1" dirty="0" smtClean="0"/>
+              <a:t>Названия </a:t>
+            </a:r>
+            <a:r>
+              <a:rPr lang="ru-RU" b="1" dirty="0"/>
+              <a:t>лейблов:</a:t>
+            </a:r>
+            <a:r>
+              <a:rPr lang="ru-RU" dirty="0"/>
+              <a:t> Признаки поражения паренхимы легкого при </a:t>
+            </a:r>
+            <a:r>
+              <a:rPr lang="ru-RU" dirty="0" err="1"/>
+              <a:t>COVID-19</a:t>
+            </a:r>
+            <a:r>
+              <a:rPr lang="ru-RU" dirty="0"/>
+              <a:t> согласно -Базовые диагностические требования от августа </a:t>
+            </a:r>
+            <a:r>
+              <a:rPr lang="ru-RU" dirty="0" err="1" smtClean="0"/>
+              <a:t>2021г</a:t>
+            </a:r>
+            <a:endParaRPr lang="ru-RU" dirty="0" smtClean="0"/>
+          </a:p>
+          <a:p>
+            <a:r>
+              <a:rPr lang="ru-RU" b="1" dirty="0" smtClean="0"/>
+              <a:t>Количество </a:t>
+            </a:r>
+            <a:r>
+              <a:rPr lang="ru-RU" b="1" dirty="0"/>
+              <a:t>классов:</a:t>
+            </a:r>
+            <a:r>
+              <a:rPr lang="ru-RU" dirty="0"/>
+              <a:t> </a:t>
+            </a:r>
+            <a:r>
+              <a:rPr lang="ru-RU" dirty="0" smtClean="0"/>
+              <a:t>2</a:t>
+            </a:r>
+          </a:p>
+          <a:p>
+            <a:r>
+              <a:rPr lang="ru-RU" b="1" dirty="0" smtClean="0"/>
+              <a:t>Названия </a:t>
+            </a:r>
+            <a:r>
+              <a:rPr lang="ru-RU" b="1" dirty="0"/>
+              <a:t>классов:</a:t>
+            </a:r>
+            <a:r>
+              <a:rPr lang="ru-RU" dirty="0"/>
+              <a:t> Без целевой патологии - 0; С целевой патологией </a:t>
+            </a:r>
+            <a:r>
+              <a:rPr lang="ru-RU" dirty="0" smtClean="0"/>
+              <a:t>– 1</a:t>
+            </a:r>
+          </a:p>
+          <a:p>
+            <a:r>
+              <a:rPr lang="ru-RU" b="1" dirty="0" smtClean="0"/>
+              <a:t>Количество </a:t>
+            </a:r>
+            <a:r>
+              <a:rPr lang="ru-RU" b="1" dirty="0"/>
+              <a:t>по классам:</a:t>
+            </a:r>
+            <a:r>
+              <a:rPr lang="ru-RU" dirty="0"/>
+              <a:t> КТ-0 ― 254 (22,8%), КТ-1 ― 684 (61,6%), КТ-2 ― 125 (11,3%), КТ-3 ― 45 (4,1%), КТ-4 ― 2 (0,2</a:t>
+            </a:r>
+            <a:r>
+              <a:rPr lang="ru-RU" dirty="0" smtClean="0"/>
+              <a:t>%).</a:t>
+            </a:r>
+          </a:p>
+          <a:p>
+            <a:r>
+              <a:rPr lang="ru-RU" b="1" dirty="0" smtClean="0"/>
+              <a:t>Критерии </a:t>
+            </a:r>
+            <a:r>
+              <a:rPr lang="ru-RU" b="1" dirty="0"/>
+              <a:t>отнесения к </a:t>
+            </a:r>
+            <a:r>
+              <a:rPr lang="ru-RU" b="1" dirty="0" err="1"/>
+              <a:t>классам:</a:t>
+            </a:r>
+            <a:r>
+              <a:rPr lang="ru-RU" dirty="0" err="1"/>
+              <a:t>С</a:t>
+            </a:r>
+            <a:r>
+              <a:rPr lang="ru-RU" dirty="0"/>
+              <a:t> патологией:</a:t>
+            </a:r>
+          </a:p>
+          <a:p>
+            <a:r>
+              <a:rPr lang="ru-RU" dirty="0"/>
+              <a:t>Инфильтрация легочной паренхимы по типу матовых стекол с обеих сторон, преимущественно периферической локализации с или без инфильтрацией легочной паренхимы по типу консолидации с положительным признаком воздушной </a:t>
+            </a:r>
+            <a:r>
+              <a:rPr lang="ru-RU" dirty="0" err="1"/>
+              <a:t>бронхограммы</a:t>
+            </a:r>
+            <a:r>
+              <a:rPr lang="ru-RU" dirty="0"/>
+              <a:t>;</a:t>
+            </a:r>
+          </a:p>
+          <a:p>
+            <a:r>
+              <a:rPr lang="ru-RU" dirty="0"/>
+              <a:t>Инфильтрация легочной паренхимы по типу булыжной мостовой (утолщение </a:t>
+            </a:r>
+            <a:r>
+              <a:rPr lang="ru-RU" dirty="0" err="1"/>
+              <a:t>междолькового</a:t>
+            </a:r>
+            <a:r>
+              <a:rPr lang="ru-RU" dirty="0"/>
+              <a:t> </a:t>
+            </a:r>
+            <a:r>
+              <a:rPr lang="ru-RU" dirty="0" err="1"/>
+              <a:t>интерстиция</a:t>
+            </a:r>
+            <a:r>
+              <a:rPr lang="ru-RU" dirty="0"/>
+              <a:t> на фоне матового стекла) с обеих сторон, преимущественно периферической локализации, с или или без инфильтрацией легочной паренхимы по типу консолидации с положительным признаком воздушной </a:t>
+            </a:r>
+            <a:r>
+              <a:rPr lang="ru-RU" dirty="0" err="1"/>
+              <a:t>бронхограммы</a:t>
+            </a:r>
+            <a:r>
+              <a:rPr lang="ru-RU" dirty="0"/>
+              <a:t>.</a:t>
+            </a:r>
+          </a:p>
+          <a:p>
+            <a:r>
+              <a:rPr lang="ru-RU" dirty="0"/>
+              <a:t>Без патологии: отсутствие вышеперечисленных признаков</a:t>
+            </a:r>
+          </a:p>
+          <a:p>
+            <a:r>
+              <a:rPr lang="ru-RU" b="1" dirty="0" err="1"/>
+              <a:t>ВерификацияМетод</a:t>
+            </a:r>
+            <a:r>
+              <a:rPr lang="ru-RU" b="1" dirty="0"/>
+              <a:t> верификации:</a:t>
+            </a:r>
+            <a:r>
+              <a:rPr lang="ru-RU" dirty="0"/>
+              <a:t> Экспертная оценка разметки (1 эксперт либо консенсус)</a:t>
+            </a:r>
+          </a:p>
+          <a:p>
+            <a:endParaRPr lang="ru-RU" dirty="0"/>
+          </a:p>
+        </p:txBody>
+      </p:sp>
+    </p:spTree>
+  </p:cSld>
+  <p:clrMapOvr>
+    <a:masterClrMapping/>
+  </p:clrMapOvr>
+</p:sld>
+</file>
+
+<file path=ppt/slides/slide34.xml><?xml version="1.0" encoding="utf-8"?>
+<p:sld xmlns:a="http://schemas.openxmlformats.org/drawingml/2006/main" xmlns:r="http://schemas.openxmlformats.org/officeDocument/2006/relationships" xmlns:p="http://schemas.openxmlformats.org/presentationml/2006/main">
+  <p:cSld>
+    <p:spTree>
+      <p:nvGrpSpPr>
+        <p:cNvPr id="1" name=""/>
+        <p:cNvGrpSpPr/>
+        <p:nvPr/>
+      </p:nvGrpSpPr>
+      <p:grpSpPr>
+        <a:xfrm>
+          <a:off x="0" y="0"/>
+          <a:ext cx="0" cy="0"/>
+          <a:chOff x="0" y="0"/>
+          <a:chExt cx="0" cy="0"/>
+        </a:xfrm>
+      </p:grpSpPr>
+      <p:sp>
+        <p:nvSpPr>
+          <p:cNvPr id="2" name="Заголовок 1"/>
+          <p:cNvSpPr>
+            <a:spLocks noGrp="1"/>
+          </p:cNvSpPr>
+          <p:nvPr>
+            <p:ph type="title"/>
+          </p:nvPr>
+        </p:nvSpPr>
+        <p:spPr/>
+        <p:txBody>
+          <a:bodyPr>
+            <a:normAutofit/>
+          </a:bodyPr>
+          <a:lstStyle/>
+          <a:p>
+            <a:r>
+              <a:rPr lang="ru-RU" dirty="0" smtClean="0">
+                <a:hlinkClick r:id="rId2"/>
+              </a:rPr>
+              <a:t>Технические параметры</a:t>
+            </a:r>
+            <a:endParaRPr lang="ru-RU" dirty="0"/>
+          </a:p>
+        </p:txBody>
+      </p:sp>
+      <p:sp>
+        <p:nvSpPr>
+          <p:cNvPr id="3" name="Содержимое 2"/>
+          <p:cNvSpPr>
+            <a:spLocks noGrp="1"/>
+          </p:cNvSpPr>
+          <p:nvPr>
+            <p:ph idx="1"/>
+          </p:nvPr>
+        </p:nvSpPr>
+        <p:spPr/>
+        <p:txBody>
+          <a:bodyPr>
+            <a:normAutofit fontScale="47500" lnSpcReduction="20000"/>
+          </a:bodyPr>
+          <a:lstStyle/>
+          <a:p>
+            <a:r>
+              <a:rPr lang="ru-RU" b="1" dirty="0" smtClean="0"/>
+              <a:t>Условия </a:t>
+            </a:r>
+            <a:r>
+              <a:rPr lang="ru-RU" b="1" dirty="0"/>
+              <a:t>сбора </a:t>
+            </a:r>
+            <a:r>
+              <a:rPr lang="ru-RU" b="1" dirty="0" smtClean="0"/>
+              <a:t>данных</a:t>
+            </a:r>
+          </a:p>
+          <a:p>
+            <a:pPr>
+              <a:buNone/>
+            </a:pPr>
+            <a:r>
+              <a:rPr lang="ru-RU" b="1" dirty="0" smtClean="0"/>
+              <a:t>	Критерии </a:t>
+            </a:r>
+            <a:r>
+              <a:rPr lang="ru-RU" b="1" dirty="0"/>
+              <a:t>включения/</a:t>
+            </a:r>
+            <a:r>
+              <a:rPr lang="ru-RU" b="1" dirty="0" err="1"/>
+              <a:t>невключения</a:t>
+            </a:r>
+            <a:r>
+              <a:rPr lang="ru-RU" b="1" dirty="0"/>
+              <a:t> исследования в </a:t>
+            </a:r>
+            <a:r>
+              <a:rPr lang="ru-RU" b="1" dirty="0" err="1"/>
+              <a:t>датасет:</a:t>
+            </a:r>
+            <a:r>
+              <a:rPr lang="ru-RU" dirty="0" err="1"/>
+              <a:t>Сбор</a:t>
+            </a:r>
+            <a:r>
+              <a:rPr lang="ru-RU" dirty="0"/>
+              <a:t> данных осуществлялся в 48 медицинских организаций в период с 1 марта по 25 апреля 2020 г у пациентов с подозрением на изменения в легких при </a:t>
+            </a:r>
+            <a:r>
+              <a:rPr lang="ru-RU" dirty="0" err="1"/>
+              <a:t>COVID-19</a:t>
+            </a:r>
+            <a:endParaRPr lang="ru-RU" dirty="0"/>
+          </a:p>
+          <a:p>
+            <a:pPr>
+              <a:buNone/>
+            </a:pPr>
+            <a:r>
+              <a:rPr lang="ru-RU" b="1" dirty="0" smtClean="0"/>
+              <a:t>	Протоколы </a:t>
+            </a:r>
+            <a:r>
+              <a:rPr lang="ru-RU" b="1" dirty="0"/>
+              <a:t>и условия сбора </a:t>
+            </a:r>
+            <a:r>
+              <a:rPr lang="ru-RU" b="1" dirty="0" err="1"/>
+              <a:t>данных:</a:t>
+            </a:r>
+            <a:r>
+              <a:rPr lang="ru-RU" dirty="0" err="1"/>
+              <a:t>КТ-протокол</a:t>
+            </a:r>
+            <a:r>
+              <a:rPr lang="ru-RU" dirty="0"/>
+              <a:t> сканирования </a:t>
+            </a:r>
+            <a:r>
+              <a:rPr lang="ru-RU" dirty="0" err="1"/>
+              <a:t>Chest</a:t>
+            </a:r>
+            <a:r>
+              <a:rPr lang="ru-RU" dirty="0"/>
+              <a:t> (рутинные КТ грудной клетки), сканирование выполнено в положении пациента на спине, при задержке дыхания на глубине вдоха, руки убраны за голову</a:t>
+            </a:r>
+          </a:p>
+          <a:p>
+            <a:r>
+              <a:rPr lang="ru-RU" b="1" dirty="0"/>
+              <a:t>Единичная запись набора </a:t>
+            </a:r>
+            <a:r>
+              <a:rPr lang="ru-RU" b="1" dirty="0" smtClean="0"/>
+              <a:t>данных</a:t>
+            </a:r>
+          </a:p>
+          <a:p>
+            <a:pPr>
+              <a:buNone/>
+            </a:pPr>
+            <a:r>
+              <a:rPr lang="ru-RU" b="1" dirty="0"/>
+              <a:t>	</a:t>
+            </a:r>
+            <a:r>
+              <a:rPr lang="ru-RU" b="1" dirty="0" smtClean="0"/>
+              <a:t>Объект </a:t>
+            </a:r>
+            <a:r>
+              <a:rPr lang="ru-RU" b="1" dirty="0"/>
+              <a:t>разметки:</a:t>
+            </a:r>
+            <a:r>
+              <a:rPr lang="ru-RU" dirty="0"/>
+              <a:t> </a:t>
+            </a:r>
+            <a:r>
+              <a:rPr lang="ru-RU" dirty="0" smtClean="0"/>
+              <a:t>Исследование</a:t>
+            </a:r>
+          </a:p>
+          <a:p>
+            <a:pPr>
+              <a:buNone/>
+            </a:pPr>
+            <a:r>
+              <a:rPr lang="ru-RU" b="1" dirty="0" smtClean="0"/>
+              <a:t>	Результат </a:t>
+            </a:r>
+            <a:r>
+              <a:rPr lang="ru-RU" b="1" dirty="0"/>
+              <a:t>разметки:</a:t>
+            </a:r>
+            <a:r>
+              <a:rPr lang="ru-RU" dirty="0"/>
+              <a:t> Целевая патология / отсутствие целевой патологии; бинарные маски </a:t>
+            </a:r>
+            <a:r>
+              <a:rPr lang="ru-RU" dirty="0" smtClean="0"/>
+              <a:t>изображений</a:t>
+            </a:r>
+          </a:p>
+          <a:p>
+            <a:r>
+              <a:rPr lang="ru-RU" b="1" dirty="0" smtClean="0"/>
+              <a:t>Форматы </a:t>
+            </a:r>
+            <a:r>
+              <a:rPr lang="ru-RU" b="1" dirty="0"/>
+              <a:t>записи набора </a:t>
+            </a:r>
+            <a:r>
+              <a:rPr lang="ru-RU" b="1" dirty="0" smtClean="0"/>
+              <a:t>данных</a:t>
+            </a:r>
+          </a:p>
+          <a:p>
+            <a:pPr>
+              <a:buNone/>
+            </a:pPr>
+            <a:r>
+              <a:rPr lang="ru-RU" b="1" dirty="0"/>
+              <a:t>	</a:t>
+            </a:r>
+            <a:r>
+              <a:rPr lang="ru-RU" b="1" dirty="0" smtClean="0"/>
+              <a:t>Объект </a:t>
+            </a:r>
+            <a:r>
+              <a:rPr lang="ru-RU" b="1" dirty="0"/>
+              <a:t>разметки:</a:t>
+            </a:r>
+            <a:r>
+              <a:rPr lang="ru-RU" dirty="0"/>
+              <a:t> </a:t>
+            </a:r>
+            <a:r>
+              <a:rPr lang="ru-RU" dirty="0" err="1" smtClean="0"/>
+              <a:t>NIFTI</a:t>
+            </a:r>
+            <a:endParaRPr lang="ru-RU" dirty="0" smtClean="0"/>
+          </a:p>
+          <a:p>
+            <a:pPr>
+              <a:buNone/>
+            </a:pPr>
+            <a:r>
+              <a:rPr lang="ru-RU" b="1" dirty="0"/>
+              <a:t>	</a:t>
+            </a:r>
+            <a:r>
+              <a:rPr lang="ru-RU" b="1" dirty="0" smtClean="0"/>
+              <a:t>Результат </a:t>
+            </a:r>
+            <a:r>
+              <a:rPr lang="ru-RU" b="1" dirty="0"/>
+              <a:t>разметки:</a:t>
+            </a:r>
+            <a:r>
+              <a:rPr lang="ru-RU" dirty="0"/>
+              <a:t> </a:t>
+            </a:r>
+            <a:r>
+              <a:rPr lang="ru-RU" dirty="0" smtClean="0"/>
+              <a:t>Табличный</a:t>
+            </a:r>
+          </a:p>
+          <a:p>
+            <a:r>
+              <a:rPr lang="ru-RU" b="1" dirty="0" smtClean="0"/>
+              <a:t>Объем данных</a:t>
+            </a:r>
+          </a:p>
+          <a:p>
+            <a:pPr>
+              <a:buNone/>
+            </a:pPr>
+            <a:r>
+              <a:rPr lang="ru-RU" b="1" dirty="0"/>
+              <a:t>	</a:t>
+            </a:r>
+            <a:r>
+              <a:rPr lang="ru-RU" b="1" dirty="0" smtClean="0"/>
+              <a:t>Количество </a:t>
+            </a:r>
+            <a:r>
+              <a:rPr lang="ru-RU" b="1" dirty="0"/>
+              <a:t>исследований набора данных:</a:t>
+            </a:r>
+            <a:r>
+              <a:rPr lang="ru-RU" dirty="0"/>
+              <a:t> </a:t>
+            </a:r>
+            <a:r>
+              <a:rPr lang="ru-RU" dirty="0" smtClean="0"/>
+              <a:t>1110</a:t>
+            </a:r>
+          </a:p>
+          <a:p>
+            <a:pPr>
+              <a:buNone/>
+            </a:pPr>
+            <a:r>
+              <a:rPr lang="ru-RU" b="1" dirty="0"/>
+              <a:t>	</a:t>
+            </a:r>
+            <a:r>
+              <a:rPr lang="ru-RU" b="1" dirty="0" smtClean="0"/>
+              <a:t>Количество </a:t>
+            </a:r>
+            <a:r>
+              <a:rPr lang="ru-RU" b="1" dirty="0"/>
+              <a:t>уникальных источников (</a:t>
+            </a:r>
+            <a:r>
+              <a:rPr lang="ru-RU" b="1" dirty="0" err="1"/>
+              <a:t>ДУ</a:t>
+            </a:r>
+            <a:r>
+              <a:rPr lang="ru-RU" b="1" dirty="0"/>
+              <a:t>):</a:t>
+            </a:r>
+            <a:r>
+              <a:rPr lang="ru-RU" dirty="0"/>
+              <a:t> 48</a:t>
+            </a:r>
+          </a:p>
+          <a:p>
+            <a:endParaRPr lang="ru-RU" dirty="0"/>
+          </a:p>
+        </p:txBody>
+      </p:sp>
+    </p:spTree>
+  </p:cSld>
+  <p:clrMapOvr>
+    <a:masterClrMapping/>
+  </p:clrMapOvr>
+</p:sld>
+</file>
+
+<file path=ppt/slides/slide35.xml><?xml version="1.0" encoding="utf-8"?>
 <p:sld xmlns:a="http://schemas.openxmlformats.org/drawingml/2006/main" xmlns:r="http://schemas.openxmlformats.org/officeDocument/2006/relationships" xmlns:p="http://schemas.openxmlformats.org/presentationml/2006/main">
   <p:cSld>
     <p:spTree>
@@ -6765,7 +7013,7 @@
 </p:sld>
 </file>
 
-<file path=ppt/slides/slide34.xml><?xml version="1.0" encoding="utf-8"?>
+<file path=ppt/slides/slide36.xml><?xml version="1.0" encoding="utf-8"?>
 <p:sld xmlns:a="http://schemas.openxmlformats.org/drawingml/2006/main" xmlns:r="http://schemas.openxmlformats.org/officeDocument/2006/relationships" xmlns:p="http://schemas.openxmlformats.org/presentationml/2006/main">
   <p:cSld>
     <p:spTree>
@@ -6849,7 +7097,7 @@
 </p:sld>
 </file>
 
-<file path=ppt/slides/slide35.xml><?xml version="1.0" encoding="utf-8"?>
+<file path=ppt/slides/slide37.xml><?xml version="1.0" encoding="utf-8"?>
 <p:sld xmlns:a="http://schemas.openxmlformats.org/drawingml/2006/main" xmlns:r="http://schemas.openxmlformats.org/officeDocument/2006/relationships" xmlns:p="http://schemas.openxmlformats.org/presentationml/2006/main">
   <p:cSld>
     <p:spTree>
